--- a/lezioni/PASW04 - object oriented programming.pptx
+++ b/lezioni/PASW04 - object oriented programming.pptx
@@ -5,7 +5,7 @@
     <p:sldMasterId id="2147483649" r:id="rId1"/>
   </p:sldMasterIdLst>
   <p:notesMasterIdLst>
-    <p:notesMasterId r:id="rId28"/>
+    <p:notesMasterId r:id="rId36"/>
   </p:notesMasterIdLst>
   <p:sldIdLst>
     <p:sldId id="258" r:id="rId2"/>
@@ -34,6 +34,14 @@
     <p:sldId id="305" r:id="rId25"/>
     <p:sldId id="306" r:id="rId26"/>
     <p:sldId id="313" r:id="rId27"/>
+    <p:sldId id="315" r:id="rId28"/>
+    <p:sldId id="316" r:id="rId29"/>
+    <p:sldId id="318" r:id="rId30"/>
+    <p:sldId id="319" r:id="rId31"/>
+    <p:sldId id="321" r:id="rId32"/>
+    <p:sldId id="322" r:id="rId33"/>
+    <p:sldId id="324" r:id="rId34"/>
+    <p:sldId id="325" r:id="rId35"/>
   </p:sldIdLst>
   <p:sldSz cx="12192000" cy="6858000"/>
   <p:notesSz cx="6858000" cy="9144000"/>
@@ -164,7 +172,7 @@
   </p:defaultTextStyle>
   <p:extLst>
     <p:ext uri="{EFAFB233-063F-42B5-8137-9DF3F51BA10A}">
-      <p15:sldGuideLst xmlns:p15="http://schemas.microsoft.com/office/powerpoint/2012/main">
+      <p15:sldGuideLst xmlns:p15="http://schemas.microsoft.com/office/powerpoint/2012/main" xmlns="">
         <p15:guide id="1" orient="horz" pos="2160" userDrawn="1">
           <p15:clr>
             <a:srgbClr val="A4A3A4"/>
@@ -263,7 +271,7 @@
           <a:p>
             <a:fld id="{537EE30C-6FCC-4D68-889C-61DBBB4BBB87}" type="datetimeFigureOut">
               <a:rPr lang="it-IT" smtClean="0"/>
-              <a:t>11/03/2018</a:t>
+              <a:t>16/03/2018</a:t>
             </a:fld>
             <a:endParaRPr lang="it-IT"/>
           </a:p>
@@ -552,7 +560,7 @@
           <p:cNvPr id="3" name="Rectangle 3">
             <a:extLst>
               <a:ext uri="{FF2B5EF4-FFF2-40B4-BE49-F238E27FC236}">
-                <a16:creationId xmlns:a16="http://schemas.microsoft.com/office/drawing/2014/main" id="{2F66F622-9F9E-4382-93EF-DB0B74488104}"/>
+                <a16:creationId xmlns:a16="http://schemas.microsoft.com/office/drawing/2014/main" xmlns="" id="{2F66F622-9F9E-4382-93EF-DB0B74488104}"/>
               </a:ext>
             </a:extLst>
           </p:cNvPr>
@@ -712,7 +720,7 @@
           <p:cNvPr id="6" name="Rectangle 9">
             <a:extLst>
               <a:ext uri="{FF2B5EF4-FFF2-40B4-BE49-F238E27FC236}">
-                <a16:creationId xmlns:a16="http://schemas.microsoft.com/office/drawing/2014/main" id="{7E561134-9D78-4D68-BD42-80BF509310A5}"/>
+                <a16:creationId xmlns:a16="http://schemas.microsoft.com/office/drawing/2014/main" xmlns="" id="{7E561134-9D78-4D68-BD42-80BF509310A5}"/>
               </a:ext>
             </a:extLst>
           </p:cNvPr>
@@ -904,7 +912,7 @@
           <p:cNvPr id="7" name="Rectangle 6">
             <a:extLst>
               <a:ext uri="{FF2B5EF4-FFF2-40B4-BE49-F238E27FC236}">
-                <a16:creationId xmlns:a16="http://schemas.microsoft.com/office/drawing/2014/main" id="{86B1687A-0E99-4710-92B1-FAE5E8BF1918}"/>
+                <a16:creationId xmlns:a16="http://schemas.microsoft.com/office/drawing/2014/main" xmlns="" id="{86B1687A-0E99-4710-92B1-FAE5E8BF1918}"/>
               </a:ext>
             </a:extLst>
           </p:cNvPr>
@@ -936,7 +944,7 @@
           <p:cNvPr id="8" name="Rectangle 7">
             <a:extLst>
               <a:ext uri="{FF2B5EF4-FFF2-40B4-BE49-F238E27FC236}">
-                <a16:creationId xmlns:a16="http://schemas.microsoft.com/office/drawing/2014/main" id="{07348C20-9313-41D9-A26D-888D50119FCE}"/>
+                <a16:creationId xmlns:a16="http://schemas.microsoft.com/office/drawing/2014/main" xmlns="" id="{07348C20-9313-41D9-A26D-888D50119FCE}"/>
               </a:ext>
             </a:extLst>
           </p:cNvPr>
@@ -976,7 +984,7 @@
           <p:cNvPr id="9" name="Rectangle 8">
             <a:extLst>
               <a:ext uri="{FF2B5EF4-FFF2-40B4-BE49-F238E27FC236}">
-                <a16:creationId xmlns:a16="http://schemas.microsoft.com/office/drawing/2014/main" id="{17DF38D8-FD9B-403B-AFDF-0E3716816A92}"/>
+                <a16:creationId xmlns:a16="http://schemas.microsoft.com/office/drawing/2014/main" xmlns="" id="{17DF38D8-FD9B-403B-AFDF-0E3716816A92}"/>
               </a:ext>
             </a:extLst>
           </p:cNvPr>
@@ -1008,7 +1016,7 @@
           <p:cNvPr id="10" name="Immagine 9">
             <a:extLst>
               <a:ext uri="{FF2B5EF4-FFF2-40B4-BE49-F238E27FC236}">
-                <a16:creationId xmlns:a16="http://schemas.microsoft.com/office/drawing/2014/main" id="{61875CDC-4DD2-4CB4-A697-E954F59E49A3}"/>
+                <a16:creationId xmlns:a16="http://schemas.microsoft.com/office/drawing/2014/main" xmlns="" id="{61875CDC-4DD2-4CB4-A697-E954F59E49A3}"/>
               </a:ext>
             </a:extLst>
           </p:cNvPr>
@@ -1147,7 +1155,7 @@
           <p:cNvPr id="4" name="Rectangle 8">
             <a:extLst>
               <a:ext uri="{FF2B5EF4-FFF2-40B4-BE49-F238E27FC236}">
-                <a16:creationId xmlns:a16="http://schemas.microsoft.com/office/drawing/2014/main" id="{9E52C8E3-80C1-4BE7-B818-E96F0B04B42A}"/>
+                <a16:creationId xmlns:a16="http://schemas.microsoft.com/office/drawing/2014/main" xmlns="" id="{9E52C8E3-80C1-4BE7-B818-E96F0B04B42A}"/>
               </a:ext>
             </a:extLst>
           </p:cNvPr>
@@ -1181,7 +1189,7 @@
           <p:cNvPr id="5" name="Rectangle 9">
             <a:extLst>
               <a:ext uri="{FF2B5EF4-FFF2-40B4-BE49-F238E27FC236}">
-                <a16:creationId xmlns:a16="http://schemas.microsoft.com/office/drawing/2014/main" id="{849478E4-0D5E-46BD-A68F-B08AD01E928E}"/>
+                <a16:creationId xmlns:a16="http://schemas.microsoft.com/office/drawing/2014/main" xmlns="" id="{849478E4-0D5E-46BD-A68F-B08AD01E928E}"/>
               </a:ext>
             </a:extLst>
           </p:cNvPr>
@@ -1218,7 +1226,7 @@
           <p:cNvPr id="6" name="Rectangle 10">
             <a:extLst>
               <a:ext uri="{FF2B5EF4-FFF2-40B4-BE49-F238E27FC236}">
-                <a16:creationId xmlns:a16="http://schemas.microsoft.com/office/drawing/2014/main" id="{9335DB8C-CA69-4668-89B4-347E6D84183B}"/>
+                <a16:creationId xmlns:a16="http://schemas.microsoft.com/office/drawing/2014/main" xmlns="" id="{9335DB8C-CA69-4668-89B4-347E6D84183B}"/>
               </a:ext>
             </a:extLst>
           </p:cNvPr>
@@ -1368,7 +1376,7 @@
           <p:cNvPr id="4" name="Rectangle 8">
             <a:extLst>
               <a:ext uri="{FF2B5EF4-FFF2-40B4-BE49-F238E27FC236}">
-                <a16:creationId xmlns:a16="http://schemas.microsoft.com/office/drawing/2014/main" id="{9D8C8A0F-FBFE-4985-92E1-DFF22EFFC8E1}"/>
+                <a16:creationId xmlns:a16="http://schemas.microsoft.com/office/drawing/2014/main" xmlns="" id="{9D8C8A0F-FBFE-4985-92E1-DFF22EFFC8E1}"/>
               </a:ext>
             </a:extLst>
           </p:cNvPr>
@@ -1402,7 +1410,7 @@
           <p:cNvPr id="5" name="Rectangle 9">
             <a:extLst>
               <a:ext uri="{FF2B5EF4-FFF2-40B4-BE49-F238E27FC236}">
-                <a16:creationId xmlns:a16="http://schemas.microsoft.com/office/drawing/2014/main" id="{D2DC04C4-23D9-476A-AC32-1499A51842F9}"/>
+                <a16:creationId xmlns:a16="http://schemas.microsoft.com/office/drawing/2014/main" xmlns="" id="{D2DC04C4-23D9-476A-AC32-1499A51842F9}"/>
               </a:ext>
             </a:extLst>
           </p:cNvPr>
@@ -1439,7 +1447,7 @@
           <p:cNvPr id="6" name="Rectangle 10">
             <a:extLst>
               <a:ext uri="{FF2B5EF4-FFF2-40B4-BE49-F238E27FC236}">
-                <a16:creationId xmlns:a16="http://schemas.microsoft.com/office/drawing/2014/main" id="{3786B024-AA57-423D-891C-4560A17A0EB2}"/>
+                <a16:creationId xmlns:a16="http://schemas.microsoft.com/office/drawing/2014/main" xmlns="" id="{3786B024-AA57-423D-891C-4560A17A0EB2}"/>
               </a:ext>
             </a:extLst>
           </p:cNvPr>
@@ -1609,7 +1617,7 @@
           <p:cNvPr id="4" name="Rectangle 8">
             <a:extLst>
               <a:ext uri="{FF2B5EF4-FFF2-40B4-BE49-F238E27FC236}">
-                <a16:creationId xmlns:a16="http://schemas.microsoft.com/office/drawing/2014/main" id="{1D340B96-E3AF-4CD1-B22D-D32EEB8D2F1F}"/>
+                <a16:creationId xmlns:a16="http://schemas.microsoft.com/office/drawing/2014/main" xmlns="" id="{1D340B96-E3AF-4CD1-B22D-D32EEB8D2F1F}"/>
               </a:ext>
             </a:extLst>
           </p:cNvPr>
@@ -1643,7 +1651,7 @@
           <p:cNvPr id="5" name="Rectangle 9">
             <a:extLst>
               <a:ext uri="{FF2B5EF4-FFF2-40B4-BE49-F238E27FC236}">
-                <a16:creationId xmlns:a16="http://schemas.microsoft.com/office/drawing/2014/main" id="{213B513D-9A35-40F7-A837-AA516FB48D32}"/>
+                <a16:creationId xmlns:a16="http://schemas.microsoft.com/office/drawing/2014/main" xmlns="" id="{213B513D-9A35-40F7-A837-AA516FB48D32}"/>
               </a:ext>
             </a:extLst>
           </p:cNvPr>
@@ -1680,7 +1688,7 @@
           <p:cNvPr id="6" name="Rectangle 10">
             <a:extLst>
               <a:ext uri="{FF2B5EF4-FFF2-40B4-BE49-F238E27FC236}">
-                <a16:creationId xmlns:a16="http://schemas.microsoft.com/office/drawing/2014/main" id="{7EAE5BB2-5EBD-48B3-849E-0B7233F44C55}"/>
+                <a16:creationId xmlns:a16="http://schemas.microsoft.com/office/drawing/2014/main" xmlns="" id="{7EAE5BB2-5EBD-48B3-849E-0B7233F44C55}"/>
               </a:ext>
             </a:extLst>
           </p:cNvPr>
@@ -1843,7 +1851,7 @@
           <p:cNvPr id="4" name="Rectangle 8">
             <a:extLst>
               <a:ext uri="{FF2B5EF4-FFF2-40B4-BE49-F238E27FC236}">
-                <a16:creationId xmlns:a16="http://schemas.microsoft.com/office/drawing/2014/main" id="{DA126054-C08B-4D94-A300-2C3AA9B3C6DF}"/>
+                <a16:creationId xmlns:a16="http://schemas.microsoft.com/office/drawing/2014/main" xmlns="" id="{DA126054-C08B-4D94-A300-2C3AA9B3C6DF}"/>
               </a:ext>
             </a:extLst>
           </p:cNvPr>
@@ -1877,7 +1885,7 @@
           <p:cNvPr id="5" name="Rectangle 9">
             <a:extLst>
               <a:ext uri="{FF2B5EF4-FFF2-40B4-BE49-F238E27FC236}">
-                <a16:creationId xmlns:a16="http://schemas.microsoft.com/office/drawing/2014/main" id="{8A4A711E-C3F0-4273-A209-19A6605B4266}"/>
+                <a16:creationId xmlns:a16="http://schemas.microsoft.com/office/drawing/2014/main" xmlns="" id="{8A4A711E-C3F0-4273-A209-19A6605B4266}"/>
               </a:ext>
             </a:extLst>
           </p:cNvPr>
@@ -1914,7 +1922,7 @@
           <p:cNvPr id="6" name="Rectangle 10">
             <a:extLst>
               <a:ext uri="{FF2B5EF4-FFF2-40B4-BE49-F238E27FC236}">
-                <a16:creationId xmlns:a16="http://schemas.microsoft.com/office/drawing/2014/main" id="{DB96D76D-2FEC-40C3-90E7-386B7605E0AC}"/>
+                <a16:creationId xmlns:a16="http://schemas.microsoft.com/office/drawing/2014/main" xmlns="" id="{DB96D76D-2FEC-40C3-90E7-386B7605E0AC}"/>
               </a:ext>
             </a:extLst>
           </p:cNvPr>
@@ -2175,7 +2183,7 @@
           <p:cNvPr id="5" name="Rectangle 8">
             <a:extLst>
               <a:ext uri="{FF2B5EF4-FFF2-40B4-BE49-F238E27FC236}">
-                <a16:creationId xmlns:a16="http://schemas.microsoft.com/office/drawing/2014/main" id="{FCD38C67-62DF-4C10-AFCD-27CD68F8AA38}"/>
+                <a16:creationId xmlns:a16="http://schemas.microsoft.com/office/drawing/2014/main" xmlns="" id="{FCD38C67-62DF-4C10-AFCD-27CD68F8AA38}"/>
               </a:ext>
             </a:extLst>
           </p:cNvPr>
@@ -2209,7 +2217,7 @@
           <p:cNvPr id="6" name="Rectangle 9">
             <a:extLst>
               <a:ext uri="{FF2B5EF4-FFF2-40B4-BE49-F238E27FC236}">
-                <a16:creationId xmlns:a16="http://schemas.microsoft.com/office/drawing/2014/main" id="{28B9B552-3A66-4287-9B84-5E3362AB736B}"/>
+                <a16:creationId xmlns:a16="http://schemas.microsoft.com/office/drawing/2014/main" xmlns="" id="{28B9B552-3A66-4287-9B84-5E3362AB736B}"/>
               </a:ext>
             </a:extLst>
           </p:cNvPr>
@@ -2246,7 +2254,7 @@
           <p:cNvPr id="7" name="Rectangle 10">
             <a:extLst>
               <a:ext uri="{FF2B5EF4-FFF2-40B4-BE49-F238E27FC236}">
-                <a16:creationId xmlns:a16="http://schemas.microsoft.com/office/drawing/2014/main" id="{C59D8FC8-C1C4-40C7-B6C5-AB5DB82240FE}"/>
+                <a16:creationId xmlns:a16="http://schemas.microsoft.com/office/drawing/2014/main" xmlns="" id="{C59D8FC8-C1C4-40C7-B6C5-AB5DB82240FE}"/>
               </a:ext>
             </a:extLst>
           </p:cNvPr>
@@ -2642,7 +2650,7 @@
           <p:cNvPr id="7" name="Rectangle 8">
             <a:extLst>
               <a:ext uri="{FF2B5EF4-FFF2-40B4-BE49-F238E27FC236}">
-                <a16:creationId xmlns:a16="http://schemas.microsoft.com/office/drawing/2014/main" id="{89C37FF2-54A3-4F0B-989F-CB2ED7AA4C9B}"/>
+                <a16:creationId xmlns:a16="http://schemas.microsoft.com/office/drawing/2014/main" xmlns="" id="{89C37FF2-54A3-4F0B-989F-CB2ED7AA4C9B}"/>
               </a:ext>
             </a:extLst>
           </p:cNvPr>
@@ -2676,7 +2684,7 @@
           <p:cNvPr id="8" name="Rectangle 9">
             <a:extLst>
               <a:ext uri="{FF2B5EF4-FFF2-40B4-BE49-F238E27FC236}">
-                <a16:creationId xmlns:a16="http://schemas.microsoft.com/office/drawing/2014/main" id="{313F494C-8E8A-412F-BDCE-9C60B5929130}"/>
+                <a16:creationId xmlns:a16="http://schemas.microsoft.com/office/drawing/2014/main" xmlns="" id="{313F494C-8E8A-412F-BDCE-9C60B5929130}"/>
               </a:ext>
             </a:extLst>
           </p:cNvPr>
@@ -2713,7 +2721,7 @@
           <p:cNvPr id="9" name="Rectangle 10">
             <a:extLst>
               <a:ext uri="{FF2B5EF4-FFF2-40B4-BE49-F238E27FC236}">
-                <a16:creationId xmlns:a16="http://schemas.microsoft.com/office/drawing/2014/main" id="{7A208440-759F-4A62-A738-9D4959051C1D}"/>
+                <a16:creationId xmlns:a16="http://schemas.microsoft.com/office/drawing/2014/main" xmlns="" id="{7A208440-759F-4A62-A738-9D4959051C1D}"/>
               </a:ext>
             </a:extLst>
           </p:cNvPr>
@@ -2806,7 +2814,7 @@
           <p:cNvPr id="3" name="Rectangle 8">
             <a:extLst>
               <a:ext uri="{FF2B5EF4-FFF2-40B4-BE49-F238E27FC236}">
-                <a16:creationId xmlns:a16="http://schemas.microsoft.com/office/drawing/2014/main" id="{6537270B-B5F3-458E-B27B-04BD7BC3B100}"/>
+                <a16:creationId xmlns:a16="http://schemas.microsoft.com/office/drawing/2014/main" xmlns="" id="{6537270B-B5F3-458E-B27B-04BD7BC3B100}"/>
               </a:ext>
             </a:extLst>
           </p:cNvPr>
@@ -2840,7 +2848,7 @@
           <p:cNvPr id="4" name="Rectangle 9">
             <a:extLst>
               <a:ext uri="{FF2B5EF4-FFF2-40B4-BE49-F238E27FC236}">
-                <a16:creationId xmlns:a16="http://schemas.microsoft.com/office/drawing/2014/main" id="{2CDE415C-E614-49E1-80DC-29BC1793A81C}"/>
+                <a16:creationId xmlns:a16="http://schemas.microsoft.com/office/drawing/2014/main" xmlns="" id="{2CDE415C-E614-49E1-80DC-29BC1793A81C}"/>
               </a:ext>
             </a:extLst>
           </p:cNvPr>
@@ -2877,7 +2885,7 @@
           <p:cNvPr id="5" name="Rectangle 10">
             <a:extLst>
               <a:ext uri="{FF2B5EF4-FFF2-40B4-BE49-F238E27FC236}">
-                <a16:creationId xmlns:a16="http://schemas.microsoft.com/office/drawing/2014/main" id="{1D7D2E0A-3A86-433B-B82C-85F8885D3EFB}"/>
+                <a16:creationId xmlns:a16="http://schemas.microsoft.com/office/drawing/2014/main" xmlns="" id="{1D7D2E0A-3A86-433B-B82C-85F8885D3EFB}"/>
               </a:ext>
             </a:extLst>
           </p:cNvPr>
@@ -2944,7 +2952,7 @@
           <p:cNvPr id="2" name="Rectangle 8">
             <a:extLst>
               <a:ext uri="{FF2B5EF4-FFF2-40B4-BE49-F238E27FC236}">
-                <a16:creationId xmlns:a16="http://schemas.microsoft.com/office/drawing/2014/main" id="{7FBD80C3-A2BB-4946-A617-8D7F2CC3829B}"/>
+                <a16:creationId xmlns:a16="http://schemas.microsoft.com/office/drawing/2014/main" xmlns="" id="{7FBD80C3-A2BB-4946-A617-8D7F2CC3829B}"/>
               </a:ext>
             </a:extLst>
           </p:cNvPr>
@@ -2978,7 +2986,7 @@
           <p:cNvPr id="3" name="Rectangle 9">
             <a:extLst>
               <a:ext uri="{FF2B5EF4-FFF2-40B4-BE49-F238E27FC236}">
-                <a16:creationId xmlns:a16="http://schemas.microsoft.com/office/drawing/2014/main" id="{FA6B80F5-2DC7-4B7D-915F-0B508F493576}"/>
+                <a16:creationId xmlns:a16="http://schemas.microsoft.com/office/drawing/2014/main" xmlns="" id="{FA6B80F5-2DC7-4B7D-915F-0B508F493576}"/>
               </a:ext>
             </a:extLst>
           </p:cNvPr>
@@ -3015,7 +3023,7 @@
           <p:cNvPr id="4" name="Rectangle 10">
             <a:extLst>
               <a:ext uri="{FF2B5EF4-FFF2-40B4-BE49-F238E27FC236}">
-                <a16:creationId xmlns:a16="http://schemas.microsoft.com/office/drawing/2014/main" id="{F8D739AF-76CB-43A0-A2FF-A94D176DFA47}"/>
+                <a16:creationId xmlns:a16="http://schemas.microsoft.com/office/drawing/2014/main" xmlns="" id="{F8D739AF-76CB-43A0-A2FF-A94D176DFA47}"/>
               </a:ext>
             </a:extLst>
           </p:cNvPr>
@@ -3262,7 +3270,7 @@
           <p:cNvPr id="5" name="Rectangle 8">
             <a:extLst>
               <a:ext uri="{FF2B5EF4-FFF2-40B4-BE49-F238E27FC236}">
-                <a16:creationId xmlns:a16="http://schemas.microsoft.com/office/drawing/2014/main" id="{A0E18068-52FD-4CA6-9585-2298365D2D15}"/>
+                <a16:creationId xmlns:a16="http://schemas.microsoft.com/office/drawing/2014/main" xmlns="" id="{A0E18068-52FD-4CA6-9585-2298365D2D15}"/>
               </a:ext>
             </a:extLst>
           </p:cNvPr>
@@ -3296,7 +3304,7 @@
           <p:cNvPr id="6" name="Rectangle 9">
             <a:extLst>
               <a:ext uri="{FF2B5EF4-FFF2-40B4-BE49-F238E27FC236}">
-                <a16:creationId xmlns:a16="http://schemas.microsoft.com/office/drawing/2014/main" id="{80E1311F-7D51-4AB7-BF56-57742D6D4750}"/>
+                <a16:creationId xmlns:a16="http://schemas.microsoft.com/office/drawing/2014/main" xmlns="" id="{80E1311F-7D51-4AB7-BF56-57742D6D4750}"/>
               </a:ext>
             </a:extLst>
           </p:cNvPr>
@@ -3333,7 +3341,7 @@
           <p:cNvPr id="7" name="Rectangle 10">
             <a:extLst>
               <a:ext uri="{FF2B5EF4-FFF2-40B4-BE49-F238E27FC236}">
-                <a16:creationId xmlns:a16="http://schemas.microsoft.com/office/drawing/2014/main" id="{6D6E048C-B1D6-4E34-8E93-D219EAF72B8F}"/>
+                <a16:creationId xmlns:a16="http://schemas.microsoft.com/office/drawing/2014/main" xmlns="" id="{6D6E048C-B1D6-4E34-8E93-D219EAF72B8F}"/>
               </a:ext>
             </a:extLst>
           </p:cNvPr>
@@ -3561,7 +3569,7 @@
           <p:cNvPr id="5" name="Rectangle 8">
             <a:extLst>
               <a:ext uri="{FF2B5EF4-FFF2-40B4-BE49-F238E27FC236}">
-                <a16:creationId xmlns:a16="http://schemas.microsoft.com/office/drawing/2014/main" id="{F3B43825-4DA7-40C3-B101-639D4DCBC380}"/>
+                <a16:creationId xmlns:a16="http://schemas.microsoft.com/office/drawing/2014/main" xmlns="" id="{F3B43825-4DA7-40C3-B101-639D4DCBC380}"/>
               </a:ext>
             </a:extLst>
           </p:cNvPr>
@@ -3595,7 +3603,7 @@
           <p:cNvPr id="6" name="Rectangle 9">
             <a:extLst>
               <a:ext uri="{FF2B5EF4-FFF2-40B4-BE49-F238E27FC236}">
-                <a16:creationId xmlns:a16="http://schemas.microsoft.com/office/drawing/2014/main" id="{865E6C1E-6B83-43F1-A72D-41117309B6E1}"/>
+                <a16:creationId xmlns:a16="http://schemas.microsoft.com/office/drawing/2014/main" xmlns="" id="{865E6C1E-6B83-43F1-A72D-41117309B6E1}"/>
               </a:ext>
             </a:extLst>
           </p:cNvPr>
@@ -3632,7 +3640,7 @@
           <p:cNvPr id="7" name="Rectangle 10">
             <a:extLst>
               <a:ext uri="{FF2B5EF4-FFF2-40B4-BE49-F238E27FC236}">
-                <a16:creationId xmlns:a16="http://schemas.microsoft.com/office/drawing/2014/main" id="{FE450D81-6DD3-4C35-B26D-CB269A11E1A4}"/>
+                <a16:creationId xmlns:a16="http://schemas.microsoft.com/office/drawing/2014/main" xmlns="" id="{FE450D81-6DD3-4C35-B26D-CB269A11E1A4}"/>
               </a:ext>
             </a:extLst>
           </p:cNvPr>
@@ -3707,7 +3715,7 @@
           <p:cNvPr id="6146" name="Rectangle 2">
             <a:extLst>
               <a:ext uri="{FF2B5EF4-FFF2-40B4-BE49-F238E27FC236}">
-                <a16:creationId xmlns:a16="http://schemas.microsoft.com/office/drawing/2014/main" id="{11773B77-5FEE-4CDC-9116-E72B4D80072E}"/>
+                <a16:creationId xmlns:a16="http://schemas.microsoft.com/office/drawing/2014/main" xmlns="" id="{11773B77-5FEE-4CDC-9116-E72B4D80072E}"/>
               </a:ext>
             </a:extLst>
           </p:cNvPr>
@@ -3781,7 +3789,7 @@
           <p:cNvPr id="6148" name="Text Box 4">
             <a:extLst>
               <a:ext uri="{FF2B5EF4-FFF2-40B4-BE49-F238E27FC236}">
-                <a16:creationId xmlns:a16="http://schemas.microsoft.com/office/drawing/2014/main" id="{693FB291-86A3-4054-9672-4B6DED5923A2}"/>
+                <a16:creationId xmlns:a16="http://schemas.microsoft.com/office/drawing/2014/main" xmlns="" id="{693FB291-86A3-4054-9672-4B6DED5923A2}"/>
               </a:ext>
             </a:extLst>
           </p:cNvPr>
@@ -3874,7 +3882,7 @@
           <p:cNvPr id="1030" name="Rectangle 6">
             <a:extLst>
               <a:ext uri="{FF2B5EF4-FFF2-40B4-BE49-F238E27FC236}">
-                <a16:creationId xmlns:a16="http://schemas.microsoft.com/office/drawing/2014/main" id="{2DBAABCF-16D2-47C9-BE26-0CCC54F1EB46}"/>
+                <a16:creationId xmlns:a16="http://schemas.microsoft.com/office/drawing/2014/main" xmlns="" id="{2DBAABCF-16D2-47C9-BE26-0CCC54F1EB46}"/>
               </a:ext>
             </a:extLst>
           </p:cNvPr>
@@ -4036,7 +4044,7 @@
           <p:cNvPr id="1031" name="Rectangle 7">
             <a:extLst>
               <a:ext uri="{FF2B5EF4-FFF2-40B4-BE49-F238E27FC236}">
-                <a16:creationId xmlns:a16="http://schemas.microsoft.com/office/drawing/2014/main" id="{73292A6C-FBA7-4442-8427-7A8A8F6168FC}"/>
+                <a16:creationId xmlns:a16="http://schemas.microsoft.com/office/drawing/2014/main" xmlns="" id="{73292A6C-FBA7-4442-8427-7A8A8F6168FC}"/>
               </a:ext>
             </a:extLst>
           </p:cNvPr>
@@ -4138,7 +4146,7 @@
           <p:cNvPr id="6152" name="Rectangle 8">
             <a:extLst>
               <a:ext uri="{FF2B5EF4-FFF2-40B4-BE49-F238E27FC236}">
-                <a16:creationId xmlns:a16="http://schemas.microsoft.com/office/drawing/2014/main" id="{53A60772-B15E-497F-AD24-089024883B66}"/>
+                <a16:creationId xmlns:a16="http://schemas.microsoft.com/office/drawing/2014/main" xmlns="" id="{53A60772-B15E-497F-AD24-089024883B66}"/>
               </a:ext>
             </a:extLst>
           </p:cNvPr>
@@ -4221,7 +4229,7 @@
           <p:cNvPr id="6153" name="Rectangle 9">
             <a:extLst>
               <a:ext uri="{FF2B5EF4-FFF2-40B4-BE49-F238E27FC236}">
-                <a16:creationId xmlns:a16="http://schemas.microsoft.com/office/drawing/2014/main" id="{CFEAE2EE-E388-4267-9303-123C161F474F}"/>
+                <a16:creationId xmlns:a16="http://schemas.microsoft.com/office/drawing/2014/main" xmlns="" id="{CFEAE2EE-E388-4267-9303-123C161F474F}"/>
               </a:ext>
             </a:extLst>
           </p:cNvPr>
@@ -4308,7 +4316,7 @@
           <p:cNvPr id="6154" name="Rectangle 10">
             <a:extLst>
               <a:ext uri="{FF2B5EF4-FFF2-40B4-BE49-F238E27FC236}">
-                <a16:creationId xmlns:a16="http://schemas.microsoft.com/office/drawing/2014/main" id="{A93910EE-4A98-46A9-A410-F7F1F0BA786C}"/>
+                <a16:creationId xmlns:a16="http://schemas.microsoft.com/office/drawing/2014/main" xmlns="" id="{A93910EE-4A98-46A9-A410-F7F1F0BA786C}"/>
               </a:ext>
             </a:extLst>
           </p:cNvPr>
@@ -4395,7 +4403,7 @@
           <p:cNvPr id="1035" name="Rectangle 11">
             <a:extLst>
               <a:ext uri="{FF2B5EF4-FFF2-40B4-BE49-F238E27FC236}">
-                <a16:creationId xmlns:a16="http://schemas.microsoft.com/office/drawing/2014/main" id="{34F2246F-A59A-4D4C-8D97-ED0D528D3F6C}"/>
+                <a16:creationId xmlns:a16="http://schemas.microsoft.com/office/drawing/2014/main" xmlns="" id="{34F2246F-A59A-4D4C-8D97-ED0D528D3F6C}"/>
               </a:ext>
             </a:extLst>
           </p:cNvPr>
@@ -4557,7 +4565,7 @@
           <p:cNvPr id="3" name="Immagine 2">
             <a:extLst>
               <a:ext uri="{FF2B5EF4-FFF2-40B4-BE49-F238E27FC236}">
-                <a16:creationId xmlns:a16="http://schemas.microsoft.com/office/drawing/2014/main" id="{7E02A79F-BC85-4F79-988F-880CEF01FDEE}"/>
+                <a16:creationId xmlns:a16="http://schemas.microsoft.com/office/drawing/2014/main" xmlns="" id="{7E02A79F-BC85-4F79-988F-880CEF01FDEE}"/>
               </a:ext>
             </a:extLst>
           </p:cNvPr>
@@ -5037,7 +5045,7 @@
           <p:cNvPr id="4" name="Rectangle 7">
             <a:extLst>
               <a:ext uri="{FF2B5EF4-FFF2-40B4-BE49-F238E27FC236}">
-                <a16:creationId xmlns:a16="http://schemas.microsoft.com/office/drawing/2014/main" id="{69D2DA75-9C1A-462F-BE98-0D4187F89D6B}"/>
+                <a16:creationId xmlns:a16="http://schemas.microsoft.com/office/drawing/2014/main" xmlns="" id="{69D2DA75-9C1A-462F-BE98-0D4187F89D6B}"/>
               </a:ext>
             </a:extLst>
           </p:cNvPr>
@@ -5070,7 +5078,7 @@
           <p:cNvPr id="8194" name="Rectangle 2">
             <a:extLst>
               <a:ext uri="{FF2B5EF4-FFF2-40B4-BE49-F238E27FC236}">
-                <a16:creationId xmlns:a16="http://schemas.microsoft.com/office/drawing/2014/main" id="{B74884C2-CF73-446F-AD74-880598EB12F3}"/>
+                <a16:creationId xmlns:a16="http://schemas.microsoft.com/office/drawing/2014/main" xmlns="" id="{B74884C2-CF73-446F-AD74-880598EB12F3}"/>
               </a:ext>
             </a:extLst>
           </p:cNvPr>
@@ -5113,6 +5121,10 @@
             <a:r>
               <a:rPr lang="it-IT" sz="2800" dirty="0" err="1"/>
               <a:t>programming</a:t>
+            </a:r>
+            <a:r>
+              <a:rPr lang="it-IT" sz="2800" dirty="0"/>
+              <a:t/>
             </a:r>
             <a:br>
               <a:rPr lang="it-IT" sz="2800" dirty="0"/>
@@ -5171,7 +5183,7 @@
           <p:cNvPr id="6" name="Titolo 5">
             <a:extLst>
               <a:ext uri="{FF2B5EF4-FFF2-40B4-BE49-F238E27FC236}">
-                <a16:creationId xmlns:a16="http://schemas.microsoft.com/office/drawing/2014/main" id="{3C4239ED-4C6E-481C-8A89-D88C167F13BA}"/>
+                <a16:creationId xmlns:a16="http://schemas.microsoft.com/office/drawing/2014/main" xmlns="" id="{3C4239ED-4C6E-481C-8A89-D88C167F13BA}"/>
               </a:ext>
             </a:extLst>
           </p:cNvPr>
@@ -5199,7 +5211,7 @@
           <p:cNvPr id="7" name="Segnaposto contenuto 6">
             <a:extLst>
               <a:ext uri="{FF2B5EF4-FFF2-40B4-BE49-F238E27FC236}">
-                <a16:creationId xmlns:a16="http://schemas.microsoft.com/office/drawing/2014/main" id="{B93EFBBB-C6A8-4CDF-8AFE-24629879BE48}"/>
+                <a16:creationId xmlns:a16="http://schemas.microsoft.com/office/drawing/2014/main" xmlns="" id="{B93EFBBB-C6A8-4CDF-8AFE-24629879BE48}"/>
               </a:ext>
             </a:extLst>
           </p:cNvPr>
@@ -5525,7 +5537,7 @@
           <p:cNvPr id="8" name="Segnaposto contenuto 7">
             <a:extLst>
               <a:ext uri="{FF2B5EF4-FFF2-40B4-BE49-F238E27FC236}">
-                <a16:creationId xmlns:a16="http://schemas.microsoft.com/office/drawing/2014/main" id="{64F7CE3E-9EF5-493A-AAE6-8B1E80F69C00}"/>
+                <a16:creationId xmlns:a16="http://schemas.microsoft.com/office/drawing/2014/main" xmlns="" id="{64F7CE3E-9EF5-493A-AAE6-8B1E80F69C00}"/>
               </a:ext>
             </a:extLst>
           </p:cNvPr>
@@ -5727,7 +5739,7 @@
           <p:cNvPr id="5" name="Segnaposto piè di pagina 4">
             <a:extLst>
               <a:ext uri="{FF2B5EF4-FFF2-40B4-BE49-F238E27FC236}">
-                <a16:creationId xmlns:a16="http://schemas.microsoft.com/office/drawing/2014/main" id="{BC5C7747-D4DE-4B67-8350-6BA4C65F3EC0}"/>
+                <a16:creationId xmlns:a16="http://schemas.microsoft.com/office/drawing/2014/main" xmlns="" id="{BC5C7747-D4DE-4B67-8350-6BA4C65F3EC0}"/>
               </a:ext>
             </a:extLst>
           </p:cNvPr>
@@ -5789,7 +5801,7 @@
           <p:cNvPr id="6" name="Titolo 5">
             <a:extLst>
               <a:ext uri="{FF2B5EF4-FFF2-40B4-BE49-F238E27FC236}">
-                <a16:creationId xmlns:a16="http://schemas.microsoft.com/office/drawing/2014/main" id="{70DBA24F-D534-4DFB-8829-2FF88C6D5865}"/>
+                <a16:creationId xmlns:a16="http://schemas.microsoft.com/office/drawing/2014/main" xmlns="" id="{70DBA24F-D534-4DFB-8829-2FF88C6D5865}"/>
               </a:ext>
             </a:extLst>
           </p:cNvPr>
@@ -5817,7 +5829,7 @@
           <p:cNvPr id="7" name="Segnaposto contenuto 6">
             <a:extLst>
               <a:ext uri="{FF2B5EF4-FFF2-40B4-BE49-F238E27FC236}">
-                <a16:creationId xmlns:a16="http://schemas.microsoft.com/office/drawing/2014/main" id="{360F7F9F-CE7C-4E69-B99B-AF07A3108083}"/>
+                <a16:creationId xmlns:a16="http://schemas.microsoft.com/office/drawing/2014/main" xmlns="" id="{360F7F9F-CE7C-4E69-B99B-AF07A3108083}"/>
               </a:ext>
             </a:extLst>
           </p:cNvPr>
@@ -5954,7 +5966,7 @@
           <p:cNvPr id="5" name="Segnaposto piè di pagina 4">
             <a:extLst>
               <a:ext uri="{FF2B5EF4-FFF2-40B4-BE49-F238E27FC236}">
-                <a16:creationId xmlns:a16="http://schemas.microsoft.com/office/drawing/2014/main" id="{4CF9CCCD-E8C5-4958-A68B-B886A73FD695}"/>
+                <a16:creationId xmlns:a16="http://schemas.microsoft.com/office/drawing/2014/main" xmlns="" id="{4CF9CCCD-E8C5-4958-A68B-B886A73FD695}"/>
               </a:ext>
             </a:extLst>
           </p:cNvPr>
@@ -6016,7 +6028,7 @@
           <p:cNvPr id="2" name="Titolo 1">
             <a:extLst>
               <a:ext uri="{FF2B5EF4-FFF2-40B4-BE49-F238E27FC236}">
-                <a16:creationId xmlns:a16="http://schemas.microsoft.com/office/drawing/2014/main" id="{7C99F5CE-DB30-4EC8-9927-7D3B7ADE36BF}"/>
+                <a16:creationId xmlns:a16="http://schemas.microsoft.com/office/drawing/2014/main" xmlns="" id="{7C99F5CE-DB30-4EC8-9927-7D3B7ADE36BF}"/>
               </a:ext>
             </a:extLst>
           </p:cNvPr>
@@ -6044,7 +6056,7 @@
           <p:cNvPr id="5" name="Segnaposto contenuto 4">
             <a:extLst>
               <a:ext uri="{FF2B5EF4-FFF2-40B4-BE49-F238E27FC236}">
-                <a16:creationId xmlns:a16="http://schemas.microsoft.com/office/drawing/2014/main" id="{F7A47DAC-FB90-4A80-A50F-B5C112898B8F}"/>
+                <a16:creationId xmlns:a16="http://schemas.microsoft.com/office/drawing/2014/main" xmlns="" id="{F7A47DAC-FB90-4A80-A50F-B5C112898B8F}"/>
               </a:ext>
             </a:extLst>
           </p:cNvPr>
@@ -6106,7 +6118,7 @@
           <p:cNvPr id="7" name="Segnaposto contenuto 6">
             <a:extLst>
               <a:ext uri="{FF2B5EF4-FFF2-40B4-BE49-F238E27FC236}">
-                <a16:creationId xmlns:a16="http://schemas.microsoft.com/office/drawing/2014/main" id="{30AF2BAE-EDFD-4474-AEA4-5774F2B335ED}"/>
+                <a16:creationId xmlns:a16="http://schemas.microsoft.com/office/drawing/2014/main" xmlns="" id="{30AF2BAE-EDFD-4474-AEA4-5774F2B335ED}"/>
               </a:ext>
             </a:extLst>
           </p:cNvPr>
@@ -6148,7 +6160,7 @@
           <p:cNvPr id="4" name="Segnaposto piè di pagina 3">
             <a:extLst>
               <a:ext uri="{FF2B5EF4-FFF2-40B4-BE49-F238E27FC236}">
-                <a16:creationId xmlns:a16="http://schemas.microsoft.com/office/drawing/2014/main" id="{151137CF-0446-4588-A97D-EA3B339C5C26}"/>
+                <a16:creationId xmlns:a16="http://schemas.microsoft.com/office/drawing/2014/main" xmlns="" id="{151137CF-0446-4588-A97D-EA3B339C5C26}"/>
               </a:ext>
             </a:extLst>
           </p:cNvPr>
@@ -6210,7 +6222,7 @@
           <p:cNvPr id="2" name="Titolo 1">
             <a:extLst>
               <a:ext uri="{FF2B5EF4-FFF2-40B4-BE49-F238E27FC236}">
-                <a16:creationId xmlns:a16="http://schemas.microsoft.com/office/drawing/2014/main" id="{D25F18F4-F675-45CA-8050-57952D4C5810}"/>
+                <a16:creationId xmlns:a16="http://schemas.microsoft.com/office/drawing/2014/main" xmlns="" id="{D25F18F4-F675-45CA-8050-57952D4C5810}"/>
               </a:ext>
             </a:extLst>
           </p:cNvPr>
@@ -6245,7 +6257,7 @@
           <p:cNvPr id="3" name="Segnaposto contenuto 2">
             <a:extLst>
               <a:ext uri="{FF2B5EF4-FFF2-40B4-BE49-F238E27FC236}">
-                <a16:creationId xmlns:a16="http://schemas.microsoft.com/office/drawing/2014/main" id="{D7A38034-00B9-4F3A-BE5C-7BFB7C4CD38C}"/>
+                <a16:creationId xmlns:a16="http://schemas.microsoft.com/office/drawing/2014/main" xmlns="" id="{D7A38034-00B9-4F3A-BE5C-7BFB7C4CD38C}"/>
               </a:ext>
             </a:extLst>
           </p:cNvPr>
@@ -6341,7 +6353,7 @@
           <p:cNvPr id="6" name="Segnaposto contenuto 5">
             <a:extLst>
               <a:ext uri="{FF2B5EF4-FFF2-40B4-BE49-F238E27FC236}">
-                <a16:creationId xmlns:a16="http://schemas.microsoft.com/office/drawing/2014/main" id="{6C004B63-21DD-4A0B-AD80-FC8E07605637}"/>
+                <a16:creationId xmlns:a16="http://schemas.microsoft.com/office/drawing/2014/main" xmlns="" id="{6C004B63-21DD-4A0B-AD80-FC8E07605637}"/>
               </a:ext>
             </a:extLst>
           </p:cNvPr>
@@ -6383,7 +6395,7 @@
           <p:cNvPr id="5" name="Segnaposto piè di pagina 4">
             <a:extLst>
               <a:ext uri="{FF2B5EF4-FFF2-40B4-BE49-F238E27FC236}">
-                <a16:creationId xmlns:a16="http://schemas.microsoft.com/office/drawing/2014/main" id="{7380238A-6707-4905-B3BC-EA3DE0BC70FA}"/>
+                <a16:creationId xmlns:a16="http://schemas.microsoft.com/office/drawing/2014/main" xmlns="" id="{7380238A-6707-4905-B3BC-EA3DE0BC70FA}"/>
               </a:ext>
             </a:extLst>
           </p:cNvPr>
@@ -6445,7 +6457,7 @@
           <p:cNvPr id="2" name="Titolo 1">
             <a:extLst>
               <a:ext uri="{FF2B5EF4-FFF2-40B4-BE49-F238E27FC236}">
-                <a16:creationId xmlns:a16="http://schemas.microsoft.com/office/drawing/2014/main" id="{3CFC5447-2195-4BC3-88BC-B302FD2748F9}"/>
+                <a16:creationId xmlns:a16="http://schemas.microsoft.com/office/drawing/2014/main" xmlns="" id="{3CFC5447-2195-4BC3-88BC-B302FD2748F9}"/>
               </a:ext>
             </a:extLst>
           </p:cNvPr>
@@ -6473,7 +6485,7 @@
           <p:cNvPr id="3" name="Segnaposto contenuto 2">
             <a:extLst>
               <a:ext uri="{FF2B5EF4-FFF2-40B4-BE49-F238E27FC236}">
-                <a16:creationId xmlns:a16="http://schemas.microsoft.com/office/drawing/2014/main" id="{AE5C62C0-B9DD-4E77-8161-30D2A75A14FC}"/>
+                <a16:creationId xmlns:a16="http://schemas.microsoft.com/office/drawing/2014/main" xmlns="" id="{AE5C62C0-B9DD-4E77-8161-30D2A75A14FC}"/>
               </a:ext>
             </a:extLst>
           </p:cNvPr>
@@ -6550,7 +6562,7 @@
           <p:cNvPr id="4" name="Segnaposto piè di pagina 3">
             <a:extLst>
               <a:ext uri="{FF2B5EF4-FFF2-40B4-BE49-F238E27FC236}">
-                <a16:creationId xmlns:a16="http://schemas.microsoft.com/office/drawing/2014/main" id="{8E0EDD30-0F43-498C-8C8F-98F9C7559B16}"/>
+                <a16:creationId xmlns:a16="http://schemas.microsoft.com/office/drawing/2014/main" xmlns="" id="{8E0EDD30-0F43-498C-8C8F-98F9C7559B16}"/>
               </a:ext>
             </a:extLst>
           </p:cNvPr>
@@ -6612,7 +6624,7 @@
           <p:cNvPr id="2" name="Titolo 1">
             <a:extLst>
               <a:ext uri="{FF2B5EF4-FFF2-40B4-BE49-F238E27FC236}">
-                <a16:creationId xmlns:a16="http://schemas.microsoft.com/office/drawing/2014/main" id="{BE630DB4-1228-4621-A924-CB35282300DB}"/>
+                <a16:creationId xmlns:a16="http://schemas.microsoft.com/office/drawing/2014/main" xmlns="" id="{BE630DB4-1228-4621-A924-CB35282300DB}"/>
               </a:ext>
             </a:extLst>
           </p:cNvPr>
@@ -6640,7 +6652,7 @@
           <p:cNvPr id="5" name="Segnaposto contenuto 4">
             <a:extLst>
               <a:ext uri="{FF2B5EF4-FFF2-40B4-BE49-F238E27FC236}">
-                <a16:creationId xmlns:a16="http://schemas.microsoft.com/office/drawing/2014/main" id="{966F6D4E-AB84-43B0-9193-CA9BF56D16C8}"/>
+                <a16:creationId xmlns:a16="http://schemas.microsoft.com/office/drawing/2014/main" xmlns="" id="{966F6D4E-AB84-43B0-9193-CA9BF56D16C8}"/>
               </a:ext>
             </a:extLst>
           </p:cNvPr>
@@ -6701,7 +6713,7 @@
           <p:cNvPr id="7" name="Segnaposto contenuto 6">
             <a:extLst>
               <a:ext uri="{FF2B5EF4-FFF2-40B4-BE49-F238E27FC236}">
-                <a16:creationId xmlns:a16="http://schemas.microsoft.com/office/drawing/2014/main" id="{77D9B6ED-EB23-4FC3-BB12-E41AB83DC88E}"/>
+                <a16:creationId xmlns:a16="http://schemas.microsoft.com/office/drawing/2014/main" xmlns="" id="{77D9B6ED-EB23-4FC3-BB12-E41AB83DC88E}"/>
               </a:ext>
             </a:extLst>
           </p:cNvPr>
@@ -6743,7 +6755,7 @@
           <p:cNvPr id="4" name="Segnaposto piè di pagina 3">
             <a:extLst>
               <a:ext uri="{FF2B5EF4-FFF2-40B4-BE49-F238E27FC236}">
-                <a16:creationId xmlns:a16="http://schemas.microsoft.com/office/drawing/2014/main" id="{8F5DA234-2A2B-4F60-AF47-B6E9A8154C44}"/>
+                <a16:creationId xmlns:a16="http://schemas.microsoft.com/office/drawing/2014/main" xmlns="" id="{8F5DA234-2A2B-4F60-AF47-B6E9A8154C44}"/>
               </a:ext>
             </a:extLst>
           </p:cNvPr>
@@ -6805,7 +6817,7 @@
           <p:cNvPr id="6" name="Titolo 5">
             <a:extLst>
               <a:ext uri="{FF2B5EF4-FFF2-40B4-BE49-F238E27FC236}">
-                <a16:creationId xmlns:a16="http://schemas.microsoft.com/office/drawing/2014/main" id="{2AD54A20-9CC1-4A9B-968B-8C6977788B19}"/>
+                <a16:creationId xmlns:a16="http://schemas.microsoft.com/office/drawing/2014/main" xmlns="" id="{2AD54A20-9CC1-4A9B-968B-8C6977788B19}"/>
               </a:ext>
             </a:extLst>
           </p:cNvPr>
@@ -6833,7 +6845,7 @@
           <p:cNvPr id="7" name="Segnaposto contenuto 6">
             <a:extLst>
               <a:ext uri="{FF2B5EF4-FFF2-40B4-BE49-F238E27FC236}">
-                <a16:creationId xmlns:a16="http://schemas.microsoft.com/office/drawing/2014/main" id="{79CD6130-0149-4041-BAB8-E5A829D98A99}"/>
+                <a16:creationId xmlns:a16="http://schemas.microsoft.com/office/drawing/2014/main" xmlns="" id="{79CD6130-0149-4041-BAB8-E5A829D98A99}"/>
               </a:ext>
             </a:extLst>
           </p:cNvPr>
@@ -6987,7 +6999,7 @@
           <p:cNvPr id="5" name="Segnaposto piè di pagina 4">
             <a:extLst>
               <a:ext uri="{FF2B5EF4-FFF2-40B4-BE49-F238E27FC236}">
-                <a16:creationId xmlns:a16="http://schemas.microsoft.com/office/drawing/2014/main" id="{C3DD4CCC-F7B3-4928-9C3A-E91A0E5FF2B5}"/>
+                <a16:creationId xmlns:a16="http://schemas.microsoft.com/office/drawing/2014/main" xmlns="" id="{C3DD4CCC-F7B3-4928-9C3A-E91A0E5FF2B5}"/>
               </a:ext>
             </a:extLst>
           </p:cNvPr>
@@ -7049,7 +7061,7 @@
           <p:cNvPr id="2" name="Titolo 1">
             <a:extLst>
               <a:ext uri="{FF2B5EF4-FFF2-40B4-BE49-F238E27FC236}">
-                <a16:creationId xmlns:a16="http://schemas.microsoft.com/office/drawing/2014/main" id="{4AB1A7C2-E2F2-4382-8A50-7D77587755D3}"/>
+                <a16:creationId xmlns:a16="http://schemas.microsoft.com/office/drawing/2014/main" xmlns="" id="{4AB1A7C2-E2F2-4382-8A50-7D77587755D3}"/>
               </a:ext>
             </a:extLst>
           </p:cNvPr>
@@ -7077,7 +7089,7 @@
           <p:cNvPr id="3" name="Segnaposto contenuto 2">
             <a:extLst>
               <a:ext uri="{FF2B5EF4-FFF2-40B4-BE49-F238E27FC236}">
-                <a16:creationId xmlns:a16="http://schemas.microsoft.com/office/drawing/2014/main" id="{22B66AA2-571C-452B-9C93-875770DB97E6}"/>
+                <a16:creationId xmlns:a16="http://schemas.microsoft.com/office/drawing/2014/main" xmlns="" id="{22B66AA2-571C-452B-9C93-875770DB97E6}"/>
               </a:ext>
             </a:extLst>
           </p:cNvPr>
@@ -7144,7 +7156,7 @@
           <p:cNvPr id="4" name="Segnaposto piè di pagina 3">
             <a:extLst>
               <a:ext uri="{FF2B5EF4-FFF2-40B4-BE49-F238E27FC236}">
-                <a16:creationId xmlns:a16="http://schemas.microsoft.com/office/drawing/2014/main" id="{09F2EAAD-4564-4694-989F-33B037E93D6D}"/>
+                <a16:creationId xmlns:a16="http://schemas.microsoft.com/office/drawing/2014/main" xmlns="" id="{09F2EAAD-4564-4694-989F-33B037E93D6D}"/>
               </a:ext>
             </a:extLst>
           </p:cNvPr>
@@ -7206,7 +7218,7 @@
           <p:cNvPr id="2" name="Titolo 1">
             <a:extLst>
               <a:ext uri="{FF2B5EF4-FFF2-40B4-BE49-F238E27FC236}">
-                <a16:creationId xmlns:a16="http://schemas.microsoft.com/office/drawing/2014/main" id="{6ECDC3D7-AE47-40CE-9F2D-E3486ABFA2F5}"/>
+                <a16:creationId xmlns:a16="http://schemas.microsoft.com/office/drawing/2014/main" xmlns="" id="{6ECDC3D7-AE47-40CE-9F2D-E3486ABFA2F5}"/>
               </a:ext>
             </a:extLst>
           </p:cNvPr>
@@ -7234,7 +7246,7 @@
           <p:cNvPr id="3" name="Segnaposto contenuto 2">
             <a:extLst>
               <a:ext uri="{FF2B5EF4-FFF2-40B4-BE49-F238E27FC236}">
-                <a16:creationId xmlns:a16="http://schemas.microsoft.com/office/drawing/2014/main" id="{18E66119-B2EC-4CF3-8B60-84B979768BAF}"/>
+                <a16:creationId xmlns:a16="http://schemas.microsoft.com/office/drawing/2014/main" xmlns="" id="{18E66119-B2EC-4CF3-8B60-84B979768BAF}"/>
               </a:ext>
             </a:extLst>
           </p:cNvPr>
@@ -7346,7 +7358,7 @@
           <p:cNvPr id="4" name="Segnaposto piè di pagina 3">
             <a:extLst>
               <a:ext uri="{FF2B5EF4-FFF2-40B4-BE49-F238E27FC236}">
-                <a16:creationId xmlns:a16="http://schemas.microsoft.com/office/drawing/2014/main" id="{D02AE214-6E0D-43F4-B378-A277574DBD35}"/>
+                <a16:creationId xmlns:a16="http://schemas.microsoft.com/office/drawing/2014/main" xmlns="" id="{D02AE214-6E0D-43F4-B378-A277574DBD35}"/>
               </a:ext>
             </a:extLst>
           </p:cNvPr>
@@ -7408,7 +7420,7 @@
           <p:cNvPr id="2" name="Titolo 1">
             <a:extLst>
               <a:ext uri="{FF2B5EF4-FFF2-40B4-BE49-F238E27FC236}">
-                <a16:creationId xmlns:a16="http://schemas.microsoft.com/office/drawing/2014/main" id="{AED2E1A0-1C6D-4192-8C79-A2418021F931}"/>
+                <a16:creationId xmlns:a16="http://schemas.microsoft.com/office/drawing/2014/main" xmlns="" id="{AED2E1A0-1C6D-4192-8C79-A2418021F931}"/>
               </a:ext>
             </a:extLst>
           </p:cNvPr>
@@ -7437,7 +7449,7 @@
           <p:cNvPr id="3" name="Segnaposto contenuto 2">
             <a:extLst>
               <a:ext uri="{FF2B5EF4-FFF2-40B4-BE49-F238E27FC236}">
-                <a16:creationId xmlns:a16="http://schemas.microsoft.com/office/drawing/2014/main" id="{CB97409C-18CC-4D9E-92DC-DFF7407C69D4}"/>
+                <a16:creationId xmlns:a16="http://schemas.microsoft.com/office/drawing/2014/main" xmlns="" id="{CB97409C-18CC-4D9E-92DC-DFF7407C69D4}"/>
               </a:ext>
             </a:extLst>
           </p:cNvPr>
@@ -7534,7 +7546,7 @@
           <p:cNvPr id="4" name="Segnaposto piè di pagina 3">
             <a:extLst>
               <a:ext uri="{FF2B5EF4-FFF2-40B4-BE49-F238E27FC236}">
-                <a16:creationId xmlns:a16="http://schemas.microsoft.com/office/drawing/2014/main" id="{A8A10484-5FB7-4448-84A6-6B92642F2CFF}"/>
+                <a16:creationId xmlns:a16="http://schemas.microsoft.com/office/drawing/2014/main" xmlns="" id="{A8A10484-5FB7-4448-84A6-6B92642F2CFF}"/>
               </a:ext>
             </a:extLst>
           </p:cNvPr>
@@ -7596,7 +7608,7 @@
           <p:cNvPr id="2" name="Titolo 1">
             <a:extLst>
               <a:ext uri="{FF2B5EF4-FFF2-40B4-BE49-F238E27FC236}">
-                <a16:creationId xmlns:a16="http://schemas.microsoft.com/office/drawing/2014/main" id="{58D28796-5389-42A4-B926-A67CD5939F14}"/>
+                <a16:creationId xmlns:a16="http://schemas.microsoft.com/office/drawing/2014/main" xmlns="" id="{58D28796-5389-42A4-B926-A67CD5939F14}"/>
               </a:ext>
             </a:extLst>
           </p:cNvPr>
@@ -7641,7 +7653,7 @@
           <p:cNvPr id="3" name="Segnaposto contenuto 2">
             <a:extLst>
               <a:ext uri="{FF2B5EF4-FFF2-40B4-BE49-F238E27FC236}">
-                <a16:creationId xmlns:a16="http://schemas.microsoft.com/office/drawing/2014/main" id="{52EF7A91-9442-4878-9A8C-141ED3C46D80}"/>
+                <a16:creationId xmlns:a16="http://schemas.microsoft.com/office/drawing/2014/main" xmlns="" id="{52EF7A91-9442-4878-9A8C-141ED3C46D80}"/>
               </a:ext>
             </a:extLst>
           </p:cNvPr>
@@ -7779,7 +7791,7 @@
           <p:cNvPr id="4" name="Segnaposto piè di pagina 3">
             <a:extLst>
               <a:ext uri="{FF2B5EF4-FFF2-40B4-BE49-F238E27FC236}">
-                <a16:creationId xmlns:a16="http://schemas.microsoft.com/office/drawing/2014/main" id="{1857596F-4B44-4CD3-8930-4A0EABAD6DA5}"/>
+                <a16:creationId xmlns:a16="http://schemas.microsoft.com/office/drawing/2014/main" xmlns="" id="{1857596F-4B44-4CD3-8930-4A0EABAD6DA5}"/>
               </a:ext>
             </a:extLst>
           </p:cNvPr>
@@ -7841,7 +7853,7 @@
           <p:cNvPr id="2" name="Titolo 1">
             <a:extLst>
               <a:ext uri="{FF2B5EF4-FFF2-40B4-BE49-F238E27FC236}">
-                <a16:creationId xmlns:a16="http://schemas.microsoft.com/office/drawing/2014/main" id="{5C990033-217A-4650-A2F0-18CCA6158B15}"/>
+                <a16:creationId xmlns:a16="http://schemas.microsoft.com/office/drawing/2014/main" xmlns="" id="{5C990033-217A-4650-A2F0-18CCA6158B15}"/>
               </a:ext>
             </a:extLst>
           </p:cNvPr>
@@ -7869,7 +7881,7 @@
           <p:cNvPr id="3" name="Segnaposto contenuto 2">
             <a:extLst>
               <a:ext uri="{FF2B5EF4-FFF2-40B4-BE49-F238E27FC236}">
-                <a16:creationId xmlns:a16="http://schemas.microsoft.com/office/drawing/2014/main" id="{CF0D2398-03E5-4034-B8D3-1E0E89F306D7}"/>
+                <a16:creationId xmlns:a16="http://schemas.microsoft.com/office/drawing/2014/main" xmlns="" id="{CF0D2398-03E5-4034-B8D3-1E0E89F306D7}"/>
               </a:ext>
             </a:extLst>
           </p:cNvPr>
@@ -8014,7 +8026,7 @@
           <p:cNvPr id="4" name="Segnaposto piè di pagina 3">
             <a:extLst>
               <a:ext uri="{FF2B5EF4-FFF2-40B4-BE49-F238E27FC236}">
-                <a16:creationId xmlns:a16="http://schemas.microsoft.com/office/drawing/2014/main" id="{1363231C-49AA-4697-BC37-B73D004B456E}"/>
+                <a16:creationId xmlns:a16="http://schemas.microsoft.com/office/drawing/2014/main" xmlns="" id="{1363231C-49AA-4697-BC37-B73D004B456E}"/>
               </a:ext>
             </a:extLst>
           </p:cNvPr>
@@ -8076,7 +8088,7 @@
           <p:cNvPr id="2" name="Titolo 1">
             <a:extLst>
               <a:ext uri="{FF2B5EF4-FFF2-40B4-BE49-F238E27FC236}">
-                <a16:creationId xmlns:a16="http://schemas.microsoft.com/office/drawing/2014/main" id="{FD3EF4D6-CE5C-451C-B1D8-E0BBE86163E7}"/>
+                <a16:creationId xmlns:a16="http://schemas.microsoft.com/office/drawing/2014/main" xmlns="" id="{FD3EF4D6-CE5C-451C-B1D8-E0BBE86163E7}"/>
               </a:ext>
             </a:extLst>
           </p:cNvPr>
@@ -8104,7 +8116,7 @@
           <p:cNvPr id="3" name="Segnaposto contenuto 2">
             <a:extLst>
               <a:ext uri="{FF2B5EF4-FFF2-40B4-BE49-F238E27FC236}">
-                <a16:creationId xmlns:a16="http://schemas.microsoft.com/office/drawing/2014/main" id="{F1592C3F-6387-4B66-B147-AB02A78668A1}"/>
+                <a16:creationId xmlns:a16="http://schemas.microsoft.com/office/drawing/2014/main" xmlns="" id="{F1592C3F-6387-4B66-B147-AB02A78668A1}"/>
               </a:ext>
             </a:extLst>
           </p:cNvPr>
@@ -8217,7 +8229,7 @@
           <p:cNvPr id="4" name="Segnaposto piè di pagina 3">
             <a:extLst>
               <a:ext uri="{FF2B5EF4-FFF2-40B4-BE49-F238E27FC236}">
-                <a16:creationId xmlns:a16="http://schemas.microsoft.com/office/drawing/2014/main" id="{5D202C1E-4779-4C01-AEA7-A68792384404}"/>
+                <a16:creationId xmlns:a16="http://schemas.microsoft.com/office/drawing/2014/main" xmlns="" id="{5D202C1E-4779-4C01-AEA7-A68792384404}"/>
               </a:ext>
             </a:extLst>
           </p:cNvPr>
@@ -8279,7 +8291,7 @@
           <p:cNvPr id="2" name="Titolo 1">
             <a:extLst>
               <a:ext uri="{FF2B5EF4-FFF2-40B4-BE49-F238E27FC236}">
-                <a16:creationId xmlns:a16="http://schemas.microsoft.com/office/drawing/2014/main" id="{A83A31EE-DB8A-4312-B6D2-AEC129F4327C}"/>
+                <a16:creationId xmlns:a16="http://schemas.microsoft.com/office/drawing/2014/main" xmlns="" id="{A83A31EE-DB8A-4312-B6D2-AEC129F4327C}"/>
               </a:ext>
             </a:extLst>
           </p:cNvPr>
@@ -8307,7 +8319,7 @@
           <p:cNvPr id="3" name="Segnaposto contenuto 2">
             <a:extLst>
               <a:ext uri="{FF2B5EF4-FFF2-40B4-BE49-F238E27FC236}">
-                <a16:creationId xmlns:a16="http://schemas.microsoft.com/office/drawing/2014/main" id="{3E0E5429-2433-4D70-A0E4-281431216965}"/>
+                <a16:creationId xmlns:a16="http://schemas.microsoft.com/office/drawing/2014/main" xmlns="" id="{3E0E5429-2433-4D70-A0E4-281431216965}"/>
               </a:ext>
             </a:extLst>
           </p:cNvPr>
@@ -8472,7 +8484,7 @@
           <p:cNvPr id="4" name="Segnaposto piè di pagina 3">
             <a:extLst>
               <a:ext uri="{FF2B5EF4-FFF2-40B4-BE49-F238E27FC236}">
-                <a16:creationId xmlns:a16="http://schemas.microsoft.com/office/drawing/2014/main" id="{6157F3EF-6E24-4FFC-8C7B-903414B9B128}"/>
+                <a16:creationId xmlns:a16="http://schemas.microsoft.com/office/drawing/2014/main" xmlns="" id="{6157F3EF-6E24-4FFC-8C7B-903414B9B128}"/>
               </a:ext>
             </a:extLst>
           </p:cNvPr>
@@ -8534,7 +8546,7 @@
           <p:cNvPr id="2" name="Titolo 1">
             <a:extLst>
               <a:ext uri="{FF2B5EF4-FFF2-40B4-BE49-F238E27FC236}">
-                <a16:creationId xmlns:a16="http://schemas.microsoft.com/office/drawing/2014/main" id="{CB3CA5C4-2D5A-4985-B367-ABE87EE13950}"/>
+                <a16:creationId xmlns:a16="http://schemas.microsoft.com/office/drawing/2014/main" xmlns="" id="{CB3CA5C4-2D5A-4985-B367-ABE87EE13950}"/>
               </a:ext>
             </a:extLst>
           </p:cNvPr>
@@ -8562,7 +8574,7 @@
           <p:cNvPr id="3" name="Segnaposto contenuto 2">
             <a:extLst>
               <a:ext uri="{FF2B5EF4-FFF2-40B4-BE49-F238E27FC236}">
-                <a16:creationId xmlns:a16="http://schemas.microsoft.com/office/drawing/2014/main" id="{EF3E61AA-C53C-4207-84EB-4C5FF69A4F62}"/>
+                <a16:creationId xmlns:a16="http://schemas.microsoft.com/office/drawing/2014/main" xmlns="" id="{EF3E61AA-C53C-4207-84EB-4C5FF69A4F62}"/>
               </a:ext>
             </a:extLst>
           </p:cNvPr>
@@ -8698,7 +8710,7 @@
           <p:cNvPr id="4" name="Segnaposto piè di pagina 3">
             <a:extLst>
               <a:ext uri="{FF2B5EF4-FFF2-40B4-BE49-F238E27FC236}">
-                <a16:creationId xmlns:a16="http://schemas.microsoft.com/office/drawing/2014/main" id="{909C4DAA-FA3F-40B3-8EB7-0AE41CD719C2}"/>
+                <a16:creationId xmlns:a16="http://schemas.microsoft.com/office/drawing/2014/main" xmlns="" id="{909C4DAA-FA3F-40B3-8EB7-0AE41CD719C2}"/>
               </a:ext>
             </a:extLst>
           </p:cNvPr>
@@ -8760,7 +8772,7 @@
           <p:cNvPr id="2" name="Titolo 1">
             <a:extLst>
               <a:ext uri="{FF2B5EF4-FFF2-40B4-BE49-F238E27FC236}">
-                <a16:creationId xmlns:a16="http://schemas.microsoft.com/office/drawing/2014/main" id="{3BD1EF70-F741-490E-9BFF-601CA5E76BE4}"/>
+                <a16:creationId xmlns:a16="http://schemas.microsoft.com/office/drawing/2014/main" xmlns="" id="{3BD1EF70-F741-490E-9BFF-601CA5E76BE4}"/>
               </a:ext>
             </a:extLst>
           </p:cNvPr>
@@ -8788,7 +8800,7 @@
           <p:cNvPr id="4" name="Segnaposto piè di pagina 3">
             <a:extLst>
               <a:ext uri="{FF2B5EF4-FFF2-40B4-BE49-F238E27FC236}">
-                <a16:creationId xmlns:a16="http://schemas.microsoft.com/office/drawing/2014/main" id="{FD31027F-6D21-441E-BEA1-AD06CD66594A}"/>
+                <a16:creationId xmlns:a16="http://schemas.microsoft.com/office/drawing/2014/main" xmlns="" id="{FD31027F-6D21-441E-BEA1-AD06CD66594A}"/>
               </a:ext>
             </a:extLst>
           </p:cNvPr>
@@ -8820,7 +8832,7 @@
           <p:cNvPr id="8" name="Segnaposto contenuto 7">
             <a:extLst>
               <a:ext uri="{FF2B5EF4-FFF2-40B4-BE49-F238E27FC236}">
-                <a16:creationId xmlns:a16="http://schemas.microsoft.com/office/drawing/2014/main" id="{83AF2D2D-BC70-4312-8A35-803ABFC93398}"/>
+                <a16:creationId xmlns:a16="http://schemas.microsoft.com/office/drawing/2014/main" xmlns="" id="{83AF2D2D-BC70-4312-8A35-803ABFC93398}"/>
               </a:ext>
             </a:extLst>
           </p:cNvPr>
@@ -8898,7 +8910,7 @@
           <p:cNvPr id="2" name="Titolo 1">
             <a:extLst>
               <a:ext uri="{FF2B5EF4-FFF2-40B4-BE49-F238E27FC236}">
-                <a16:creationId xmlns:a16="http://schemas.microsoft.com/office/drawing/2014/main" id="{89E849E0-2533-410A-92EE-875E9A3792A6}"/>
+                <a16:creationId xmlns:a16="http://schemas.microsoft.com/office/drawing/2014/main" xmlns="" id="{89E849E0-2533-410A-92EE-875E9A3792A6}"/>
               </a:ext>
             </a:extLst>
           </p:cNvPr>
@@ -8926,7 +8938,7 @@
           <p:cNvPr id="5" name="Segnaposto contenuto 4">
             <a:extLst>
               <a:ext uri="{FF2B5EF4-FFF2-40B4-BE49-F238E27FC236}">
-                <a16:creationId xmlns:a16="http://schemas.microsoft.com/office/drawing/2014/main" id="{445092A8-1D10-4D96-97A8-66387CD39F49}"/>
+                <a16:creationId xmlns:a16="http://schemas.microsoft.com/office/drawing/2014/main" xmlns="" id="{445092A8-1D10-4D96-97A8-66387CD39F49}"/>
               </a:ext>
             </a:extLst>
           </p:cNvPr>
@@ -8997,7 +9009,7 @@
           <p:cNvPr id="7" name="Segnaposto contenuto 6">
             <a:extLst>
               <a:ext uri="{FF2B5EF4-FFF2-40B4-BE49-F238E27FC236}">
-                <a16:creationId xmlns:a16="http://schemas.microsoft.com/office/drawing/2014/main" id="{885F3320-A625-4C55-950A-A81207CE2AA5}"/>
+                <a16:creationId xmlns:a16="http://schemas.microsoft.com/office/drawing/2014/main" xmlns="" id="{885F3320-A625-4C55-950A-A81207CE2AA5}"/>
               </a:ext>
             </a:extLst>
           </p:cNvPr>
@@ -9029,7 +9041,7 @@
           <p:cNvPr id="4" name="Segnaposto piè di pagina 3">
             <a:extLst>
               <a:ext uri="{FF2B5EF4-FFF2-40B4-BE49-F238E27FC236}">
-                <a16:creationId xmlns:a16="http://schemas.microsoft.com/office/drawing/2014/main" id="{3DD82FA0-6DCC-4249-AAA1-F03FB5CE9061}"/>
+                <a16:creationId xmlns:a16="http://schemas.microsoft.com/office/drawing/2014/main" xmlns="" id="{3DD82FA0-6DCC-4249-AAA1-F03FB5CE9061}"/>
               </a:ext>
             </a:extLst>
           </p:cNvPr>
@@ -9091,7 +9103,7 @@
           <p:cNvPr id="2" name="Titolo 1">
             <a:extLst>
               <a:ext uri="{FF2B5EF4-FFF2-40B4-BE49-F238E27FC236}">
-                <a16:creationId xmlns:a16="http://schemas.microsoft.com/office/drawing/2014/main" id="{8F83756D-8806-4520-940E-38F00B94B205}"/>
+                <a16:creationId xmlns:a16="http://schemas.microsoft.com/office/drawing/2014/main" xmlns="" id="{8F83756D-8806-4520-940E-38F00B94B205}"/>
               </a:ext>
             </a:extLst>
           </p:cNvPr>
@@ -9119,7 +9131,7 @@
           <p:cNvPr id="3" name="Segnaposto contenuto 2">
             <a:extLst>
               <a:ext uri="{FF2B5EF4-FFF2-40B4-BE49-F238E27FC236}">
-                <a16:creationId xmlns:a16="http://schemas.microsoft.com/office/drawing/2014/main" id="{24114D0B-C108-4C15-94AB-79C2F95BCBA7}"/>
+                <a16:creationId xmlns:a16="http://schemas.microsoft.com/office/drawing/2014/main" xmlns="" id="{24114D0B-C108-4C15-94AB-79C2F95BCBA7}"/>
               </a:ext>
             </a:extLst>
           </p:cNvPr>
@@ -9941,7 +9953,7 @@
           <p:cNvPr id="4" name="Segnaposto contenuto 3">
             <a:extLst>
               <a:ext uri="{FF2B5EF4-FFF2-40B4-BE49-F238E27FC236}">
-                <a16:creationId xmlns:a16="http://schemas.microsoft.com/office/drawing/2014/main" id="{ADC48B68-E622-40DF-970B-CFF43A218E68}"/>
+                <a16:creationId xmlns:a16="http://schemas.microsoft.com/office/drawing/2014/main" xmlns="" id="{ADC48B68-E622-40DF-970B-CFF43A218E68}"/>
               </a:ext>
             </a:extLst>
           </p:cNvPr>
@@ -10666,7 +10678,7 @@
           <p:cNvPr id="5" name="Segnaposto piè di pagina 4">
             <a:extLst>
               <a:ext uri="{FF2B5EF4-FFF2-40B4-BE49-F238E27FC236}">
-                <a16:creationId xmlns:a16="http://schemas.microsoft.com/office/drawing/2014/main" id="{CB957E9A-6D92-4924-B392-FF29BF330A8B}"/>
+                <a16:creationId xmlns:a16="http://schemas.microsoft.com/office/drawing/2014/main" xmlns="" id="{CB957E9A-6D92-4924-B392-FF29BF330A8B}"/>
               </a:ext>
             </a:extLst>
           </p:cNvPr>
@@ -10697,6 +10709,632 @@
     <p:extLst>
       <p:ext uri="{BB962C8B-B14F-4D97-AF65-F5344CB8AC3E}">
         <p14:creationId xmlns:p14="http://schemas.microsoft.com/office/powerpoint/2010/main" val="3556294264"/>
+      </p:ext>
+    </p:extLst>
+  </p:cSld>
+  <p:clrMapOvr>
+    <a:masterClrMapping/>
+  </p:clrMapOvr>
+</p:sld>
+</file>
+
+<file path=ppt/slides/slide27.xml><?xml version="1.0" encoding="utf-8"?>
+<p:sld xmlns:a="http://schemas.openxmlformats.org/drawingml/2006/main" xmlns:r="http://schemas.openxmlformats.org/officeDocument/2006/relationships" xmlns:p="http://schemas.openxmlformats.org/presentationml/2006/main">
+  <p:cSld>
+    <p:spTree>
+      <p:nvGrpSpPr>
+        <p:cNvPr id="1" name=""/>
+        <p:cNvGrpSpPr/>
+        <p:nvPr/>
+      </p:nvGrpSpPr>
+      <p:grpSpPr>
+        <a:xfrm>
+          <a:off x="0" y="0"/>
+          <a:ext cx="0" cy="0"/>
+          <a:chOff x="0" y="0"/>
+          <a:chExt cx="0" cy="0"/>
+        </a:xfrm>
+      </p:grpSpPr>
+      <p:sp>
+        <p:nvSpPr>
+          <p:cNvPr id="4" name="Segnaposto numero diapositiva 5"/>
+          <p:cNvSpPr>
+            <a:spLocks noGrp="1"/>
+          </p:cNvSpPr>
+          <p:nvPr>
+            <p:ph type="sldNum" sz="quarter" idx="12"/>
+          </p:nvPr>
+        </p:nvSpPr>
+        <p:spPr/>
+        <p:txBody>
+          <a:bodyPr/>
+          <a:lstStyle/>
+          <a:p>
+            <a:fld id="{635BB41A-CC6D-45EE-880B-BBDDB328249F}" type="slidenum">
+              <a:rPr lang="en-US" altLang="it-IT"/>
+              <a:pPr/>
+              <a:t>27</a:t>
+            </a:fld>
+            <a:endParaRPr lang="en-US" altLang="it-IT"/>
+          </a:p>
+        </p:txBody>
+      </p:sp>
+      <p:sp>
+        <p:nvSpPr>
+          <p:cNvPr id="271362" name="Rectangle 2"/>
+          <p:cNvSpPr>
+            <a:spLocks noGrp="1" noChangeArrowheads="1"/>
+          </p:cNvSpPr>
+          <p:nvPr>
+            <p:ph type="title"/>
+          </p:nvPr>
+        </p:nvSpPr>
+        <p:spPr/>
+        <p:txBody>
+          <a:bodyPr/>
+          <a:lstStyle/>
+          <a:p>
+            <a:r>
+              <a:rPr lang="it-IT" altLang="it-IT" dirty="0" smtClean="0"/>
+              <a:t>suddivisione </a:t>
+            </a:r>
+            <a:r>
+              <a:rPr lang="it-IT" altLang="it-IT" dirty="0"/>
+              <a:t>del codice in file</a:t>
+            </a:r>
+          </a:p>
+        </p:txBody>
+      </p:sp>
+      <p:sp>
+        <p:nvSpPr>
+          <p:cNvPr id="271363" name="Rectangle 3"/>
+          <p:cNvSpPr>
+            <a:spLocks noGrp="1" noChangeArrowheads="1"/>
+          </p:cNvSpPr>
+          <p:nvPr>
+            <p:ph type="body" idx="1"/>
+          </p:nvPr>
+        </p:nvSpPr>
+        <p:spPr/>
+        <p:txBody>
+          <a:bodyPr/>
+          <a:lstStyle/>
+          <a:p>
+            <a:r>
+              <a:rPr lang="it-IT" altLang="it-IT" sz="2800" b="1" i="1" dirty="0" smtClean="0"/>
+              <a:t>separazione</a:t>
+            </a:r>
+            <a:r>
+              <a:rPr lang="it-IT" altLang="it-IT" sz="2800" dirty="0" smtClean="0"/>
+              <a:t> </a:t>
+            </a:r>
+            <a:r>
+              <a:rPr lang="it-IT" altLang="it-IT" sz="2800" dirty="0"/>
+              <a:t>tra la </a:t>
+            </a:r>
+            <a:r>
+              <a:rPr lang="it-IT" altLang="it-IT" sz="2800" b="1" i="1" dirty="0"/>
+              <a:t>classe</a:t>
+            </a:r>
+            <a:r>
+              <a:rPr lang="it-IT" altLang="it-IT" sz="2800" dirty="0"/>
+              <a:t> e i </a:t>
+            </a:r>
+            <a:r>
+              <a:rPr lang="it-IT" altLang="it-IT" sz="2800" b="1" i="1" dirty="0"/>
+              <a:t>programmi</a:t>
+            </a:r>
+            <a:r>
+              <a:rPr lang="it-IT" altLang="it-IT" sz="2800" dirty="0"/>
+              <a:t> che la usano</a:t>
+            </a:r>
+          </a:p>
+          <a:p>
+            <a:pPr lvl="1"/>
+            <a:r>
+              <a:rPr lang="it-IT" altLang="it-IT" sz="2400" b="1" i="1" dirty="0" smtClean="0"/>
+              <a:t>riuso</a:t>
+            </a:r>
+            <a:r>
+              <a:rPr lang="it-IT" altLang="it-IT" sz="2400" dirty="0"/>
+              <a:t>: parti separate facilmente riusabili (</a:t>
+            </a:r>
+            <a:r>
+              <a:rPr lang="it-IT" altLang="it-IT" sz="2400" i="1" dirty="0"/>
+              <a:t>libreria</a:t>
+            </a:r>
+            <a:r>
+              <a:rPr lang="it-IT" altLang="it-IT" sz="2400" dirty="0"/>
+              <a:t>)</a:t>
+            </a:r>
+          </a:p>
+          <a:p>
+            <a:pPr lvl="1"/>
+            <a:r>
+              <a:rPr lang="it-IT" altLang="it-IT" sz="2400" b="1" i="1" dirty="0" smtClean="0"/>
+              <a:t>compilazione </a:t>
+            </a:r>
+            <a:r>
+              <a:rPr lang="it-IT" altLang="it-IT" sz="2400" b="1" i="1" dirty="0"/>
+              <a:t>selettiva</a:t>
+            </a:r>
+          </a:p>
+          <a:p>
+            <a:r>
+              <a:rPr lang="it-IT" altLang="it-IT" sz="2800" b="1" i="1" dirty="0" smtClean="0"/>
+              <a:t>separazione</a:t>
+            </a:r>
+            <a:r>
+              <a:rPr lang="it-IT" altLang="it-IT" sz="2800" dirty="0" smtClean="0"/>
+              <a:t> </a:t>
+            </a:r>
+            <a:r>
+              <a:rPr lang="it-IT" altLang="it-IT" sz="2800" dirty="0"/>
+              <a:t>tra </a:t>
+            </a:r>
+            <a:r>
+              <a:rPr lang="it-IT" altLang="it-IT" sz="2800" b="1" i="1" dirty="0"/>
+              <a:t>interfaccia</a:t>
+            </a:r>
+            <a:r>
+              <a:rPr lang="it-IT" altLang="it-IT" sz="2800" dirty="0"/>
+              <a:t> e implementazione </a:t>
+            </a:r>
+          </a:p>
+          <a:p>
+            <a:pPr lvl="1"/>
+            <a:r>
+              <a:rPr lang="it-IT" altLang="it-IT" sz="2400" b="1" i="1" dirty="0" smtClean="0"/>
+              <a:t>incapsulamento</a:t>
+            </a:r>
+            <a:r>
+              <a:rPr lang="it-IT" altLang="it-IT" sz="2400" dirty="0"/>
+              <a:t>: occultamento dei dettagli</a:t>
+            </a:r>
+          </a:p>
+          <a:p>
+            <a:pPr lvl="1"/>
+            <a:r>
+              <a:rPr lang="it-IT" altLang="it-IT" sz="2400" b="1" i="1" dirty="0" smtClean="0"/>
+              <a:t>diverse </a:t>
+            </a:r>
+            <a:r>
+              <a:rPr lang="it-IT" altLang="it-IT" sz="2400" b="1" i="1" dirty="0"/>
+              <a:t>implementazioni </a:t>
+            </a:r>
+            <a:r>
+              <a:rPr lang="it-IT" altLang="it-IT" sz="2400" dirty="0"/>
+              <a:t>di una stessa libreria</a:t>
+            </a:r>
+          </a:p>
+          <a:p>
+            <a:endParaRPr lang="it-IT" altLang="it-IT" sz="2800" dirty="0"/>
+          </a:p>
+        </p:txBody>
+      </p:sp>
+    </p:spTree>
+    <p:extLst>
+      <p:ext uri="{BB962C8B-B14F-4D97-AF65-F5344CB8AC3E}">
+        <p14:creationId xmlns:p14="http://schemas.microsoft.com/office/powerpoint/2010/main" val="314095882"/>
+      </p:ext>
+    </p:extLst>
+  </p:cSld>
+  <p:clrMapOvr>
+    <a:masterClrMapping/>
+  </p:clrMapOvr>
+  <p:timing>
+    <p:tnLst>
+      <p:par>
+        <p:cTn id="1" dur="indefinite" restart="never" nodeType="tmRoot"/>
+      </p:par>
+    </p:tnLst>
+  </p:timing>
+</p:sld>
+</file>
+
+<file path=ppt/slides/slide28.xml><?xml version="1.0" encoding="utf-8"?>
+<p:sld xmlns:a="http://schemas.openxmlformats.org/drawingml/2006/main" xmlns:r="http://schemas.openxmlformats.org/officeDocument/2006/relationships" xmlns:p="http://schemas.openxmlformats.org/presentationml/2006/main">
+  <p:cSld>
+    <p:spTree>
+      <p:nvGrpSpPr>
+        <p:cNvPr id="1" name=""/>
+        <p:cNvGrpSpPr/>
+        <p:nvPr/>
+      </p:nvGrpSpPr>
+      <p:grpSpPr>
+        <a:xfrm>
+          <a:off x="0" y="0"/>
+          <a:ext cx="0" cy="0"/>
+          <a:chOff x="0" y="0"/>
+          <a:chExt cx="0" cy="0"/>
+        </a:xfrm>
+      </p:grpSpPr>
+      <p:sp>
+        <p:nvSpPr>
+          <p:cNvPr id="4" name="Segnaposto numero diapositiva 5"/>
+          <p:cNvSpPr>
+            <a:spLocks noGrp="1"/>
+          </p:cNvSpPr>
+          <p:nvPr>
+            <p:ph type="sldNum" sz="quarter" idx="12"/>
+          </p:nvPr>
+        </p:nvSpPr>
+        <p:spPr/>
+        <p:txBody>
+          <a:bodyPr/>
+          <a:lstStyle/>
+          <a:p>
+            <a:fld id="{D2B39DCE-B3C5-4D20-818C-F33061CE4D52}" type="slidenum">
+              <a:rPr lang="en-US" altLang="it-IT"/>
+              <a:pPr/>
+              <a:t>28</a:t>
+            </a:fld>
+            <a:endParaRPr lang="en-US" altLang="it-IT"/>
+          </a:p>
+        </p:txBody>
+      </p:sp>
+      <p:sp>
+        <p:nvSpPr>
+          <p:cNvPr id="258050" name="Rectangle 2"/>
+          <p:cNvSpPr>
+            <a:spLocks noGrp="1" noChangeArrowheads="1"/>
+          </p:cNvSpPr>
+          <p:nvPr>
+            <p:ph type="title"/>
+          </p:nvPr>
+        </p:nvSpPr>
+        <p:spPr/>
+        <p:txBody>
+          <a:bodyPr/>
+          <a:lstStyle/>
+          <a:p>
+            <a:r>
+              <a:rPr lang="it-IT" altLang="it-IT" dirty="0" smtClean="0"/>
+              <a:t>regole </a:t>
+            </a:r>
+            <a:r>
+              <a:rPr lang="it-IT" altLang="it-IT" dirty="0"/>
+              <a:t>per incapsulamento</a:t>
+            </a:r>
+          </a:p>
+        </p:txBody>
+      </p:sp>
+      <p:sp>
+        <p:nvSpPr>
+          <p:cNvPr id="258051" name="Rectangle 3"/>
+          <p:cNvSpPr>
+            <a:spLocks noGrp="1" noChangeArrowheads="1"/>
+          </p:cNvSpPr>
+          <p:nvPr>
+            <p:ph type="body" idx="1"/>
+          </p:nvPr>
+        </p:nvSpPr>
+        <p:spPr/>
+        <p:txBody>
+          <a:bodyPr/>
+          <a:lstStyle/>
+          <a:p>
+            <a:r>
+              <a:rPr lang="it-IT" altLang="it-IT" sz="2800" dirty="0" smtClean="0"/>
+              <a:t>rendere </a:t>
+            </a:r>
+            <a:r>
+              <a:rPr lang="it-IT" altLang="it-IT" sz="2800" b="1" i="1" dirty="0"/>
+              <a:t>private</a:t>
+            </a:r>
+            <a:r>
+              <a:rPr lang="it-IT" altLang="it-IT" sz="2800" dirty="0"/>
+              <a:t> tutte le </a:t>
+            </a:r>
+            <a:r>
+              <a:rPr lang="it-IT" altLang="it-IT" sz="2800" b="1" i="1" dirty="0"/>
+              <a:t>variabili membro</a:t>
+            </a:r>
+          </a:p>
+          <a:p>
+            <a:r>
+              <a:rPr lang="it-IT" altLang="it-IT" sz="2800" dirty="0" smtClean="0"/>
+              <a:t>raggruppare </a:t>
+            </a:r>
+            <a:r>
+              <a:rPr lang="it-IT" altLang="it-IT" sz="2800" b="1" i="1" dirty="0"/>
+              <a:t>definizione</a:t>
+            </a:r>
+            <a:r>
+              <a:rPr lang="it-IT" altLang="it-IT" sz="2800" dirty="0"/>
+              <a:t> della classe, </a:t>
+            </a:r>
+            <a:r>
+              <a:rPr lang="it-IT" altLang="it-IT" sz="2800" b="1" i="1" dirty="0"/>
+              <a:t>dichiarazioni</a:t>
+            </a:r>
+            <a:r>
+              <a:rPr lang="it-IT" altLang="it-IT" sz="2800" dirty="0"/>
+              <a:t> </a:t>
+            </a:r>
+            <a:r>
+              <a:rPr lang="it-IT" altLang="it-IT" sz="2800" dirty="0" smtClean="0"/>
+              <a:t>delle </a:t>
+            </a:r>
+            <a:r>
+              <a:rPr lang="it-IT" altLang="it-IT" sz="2800" b="1" i="1" dirty="0" smtClean="0"/>
+              <a:t>funzioni membro </a:t>
+            </a:r>
+            <a:r>
+              <a:rPr lang="it-IT" altLang="it-IT" sz="2800" dirty="0"/>
+              <a:t>e commenti nel </a:t>
+            </a:r>
+            <a:r>
+              <a:rPr lang="it-IT" altLang="it-IT" sz="2800" b="1" dirty="0"/>
+              <a:t>file di</a:t>
+            </a:r>
+            <a:r>
+              <a:rPr lang="it-IT" altLang="it-IT" sz="2800" dirty="0"/>
+              <a:t> </a:t>
+            </a:r>
+            <a:r>
+              <a:rPr lang="it-IT" altLang="it-IT" sz="2800" b="1" dirty="0"/>
+              <a:t>interfaccia </a:t>
+            </a:r>
+            <a:r>
+              <a:rPr lang="it-IT" altLang="it-IT" sz="2800" dirty="0"/>
+              <a:t>(</a:t>
+            </a:r>
+            <a:r>
+              <a:rPr lang="it-IT" altLang="it-IT" sz="2800" b="1" i="1" dirty="0" err="1"/>
+              <a:t>header</a:t>
+            </a:r>
+            <a:r>
+              <a:rPr lang="it-IT" altLang="it-IT" sz="2800" b="1" i="1" dirty="0"/>
+              <a:t> file</a:t>
+            </a:r>
+            <a:r>
+              <a:rPr lang="it-IT" altLang="it-IT" sz="2800" dirty="0"/>
+              <a:t>)</a:t>
+            </a:r>
+          </a:p>
+          <a:p>
+            <a:r>
+              <a:rPr lang="it-IT" altLang="it-IT" sz="2800" dirty="0" smtClean="0"/>
+              <a:t>raggruppare </a:t>
+            </a:r>
+            <a:r>
+              <a:rPr lang="it-IT" altLang="it-IT" sz="2800" dirty="0"/>
+              <a:t>le </a:t>
+            </a:r>
+            <a:r>
+              <a:rPr lang="it-IT" altLang="it-IT" sz="2800" b="1" i="1" dirty="0"/>
+              <a:t>definizioni</a:t>
+            </a:r>
+            <a:r>
+              <a:rPr lang="it-IT" altLang="it-IT" sz="2800" dirty="0"/>
+              <a:t> delle </a:t>
+            </a:r>
+            <a:r>
+              <a:rPr lang="it-IT" altLang="it-IT" sz="2800" b="1" i="1" dirty="0"/>
+              <a:t>funzioni </a:t>
+            </a:r>
+            <a:r>
+              <a:rPr lang="it-IT" altLang="it-IT" sz="2800" b="1" i="1" dirty="0" smtClean="0"/>
+              <a:t>membro </a:t>
+            </a:r>
+            <a:r>
+              <a:rPr lang="it-IT" altLang="it-IT" sz="2800" dirty="0" smtClean="0"/>
+              <a:t>e </a:t>
+            </a:r>
+            <a:r>
+              <a:rPr lang="it-IT" altLang="it-IT" sz="2800" dirty="0"/>
+              <a:t>l’inizializzazione delle variabili </a:t>
+            </a:r>
+            <a:r>
+              <a:rPr lang="it-IT" altLang="it-IT" sz="2800" i="1" dirty="0" err="1"/>
+              <a:t>static</a:t>
+            </a:r>
+            <a:r>
+              <a:rPr lang="it-IT" altLang="it-IT" sz="2800" dirty="0"/>
+              <a:t> nel </a:t>
+            </a:r>
+            <a:r>
+              <a:rPr lang="it-IT" altLang="it-IT" sz="2800" b="1" i="1" dirty="0"/>
+              <a:t>file di implementazione</a:t>
+            </a:r>
+          </a:p>
+        </p:txBody>
+      </p:sp>
+    </p:spTree>
+    <p:extLst>
+      <p:ext uri="{BB962C8B-B14F-4D97-AF65-F5344CB8AC3E}">
+        <p14:creationId xmlns:p14="http://schemas.microsoft.com/office/powerpoint/2010/main" val="534141573"/>
+      </p:ext>
+    </p:extLst>
+  </p:cSld>
+  <p:clrMapOvr>
+    <a:masterClrMapping/>
+  </p:clrMapOvr>
+</p:sld>
+</file>
+
+<file path=ppt/slides/slide29.xml><?xml version="1.0" encoding="utf-8"?>
+<p:sld xmlns:a="http://schemas.openxmlformats.org/drawingml/2006/main" xmlns:r="http://schemas.openxmlformats.org/officeDocument/2006/relationships" xmlns:p="http://schemas.openxmlformats.org/presentationml/2006/main">
+  <p:cSld>
+    <p:spTree>
+      <p:nvGrpSpPr>
+        <p:cNvPr id="1" name=""/>
+        <p:cNvGrpSpPr/>
+        <p:nvPr/>
+      </p:nvGrpSpPr>
+      <p:grpSpPr>
+        <a:xfrm>
+          <a:off x="0" y="0"/>
+          <a:ext cx="0" cy="0"/>
+          <a:chOff x="0" y="0"/>
+          <a:chExt cx="0" cy="0"/>
+        </a:xfrm>
+      </p:grpSpPr>
+      <p:sp>
+        <p:nvSpPr>
+          <p:cNvPr id="2" name="Titolo 1"/>
+          <p:cNvSpPr>
+            <a:spLocks noGrp="1"/>
+          </p:cNvSpPr>
+          <p:nvPr>
+            <p:ph type="title"/>
+          </p:nvPr>
+        </p:nvSpPr>
+        <p:spPr/>
+        <p:txBody>
+          <a:bodyPr/>
+          <a:lstStyle/>
+          <a:p>
+            <a:r>
+              <a:rPr lang="it-IT" dirty="0" smtClean="0"/>
+              <a:t>compilazione separata</a:t>
+            </a:r>
+            <a:endParaRPr lang="it-IT" dirty="0"/>
+          </a:p>
+        </p:txBody>
+      </p:sp>
+      <p:sp>
+        <p:nvSpPr>
+          <p:cNvPr id="3" name="Segnaposto contenuto 2"/>
+          <p:cNvSpPr>
+            <a:spLocks noGrp="1"/>
+          </p:cNvSpPr>
+          <p:nvPr>
+            <p:ph idx="1"/>
+          </p:nvPr>
+        </p:nvSpPr>
+        <p:spPr/>
+        <p:txBody>
+          <a:bodyPr/>
+          <a:lstStyle/>
+          <a:p>
+            <a:r>
+              <a:rPr lang="it-IT" dirty="0" smtClean="0"/>
+              <a:t>il </a:t>
+            </a:r>
+            <a:r>
+              <a:rPr lang="it-IT" dirty="0"/>
+              <a:t>file che contiene il </a:t>
+            </a:r>
+            <a:r>
+              <a:rPr lang="it-IT" b="1" i="1" dirty="0"/>
+              <a:t>programma</a:t>
+            </a:r>
+            <a:r>
+              <a:rPr lang="it-IT" dirty="0"/>
+              <a:t> che usa la classe si chiama </a:t>
+            </a:r>
+            <a:r>
+              <a:rPr lang="it-IT" b="1" i="1" dirty="0"/>
+              <a:t>file di applicazione </a:t>
+            </a:r>
+          </a:p>
+          <a:p>
+            <a:r>
+              <a:rPr lang="it-IT" dirty="0" smtClean="0"/>
+              <a:t>sia </a:t>
+            </a:r>
+            <a:r>
+              <a:rPr lang="it-IT" dirty="0"/>
+              <a:t>l’</a:t>
+            </a:r>
+            <a:r>
+              <a:rPr lang="it-IT" b="1" i="1" dirty="0"/>
+              <a:t>implementazione</a:t>
+            </a:r>
+            <a:r>
+              <a:rPr lang="it-IT" dirty="0"/>
+              <a:t> che l’</a:t>
+            </a:r>
+            <a:r>
+              <a:rPr lang="it-IT" b="1" i="1" dirty="0"/>
+              <a:t>applicazione</a:t>
+            </a:r>
+            <a:r>
+              <a:rPr lang="it-IT" dirty="0"/>
+              <a:t> devono </a:t>
+            </a:r>
+            <a:r>
+              <a:rPr lang="it-IT" b="1" i="1" dirty="0"/>
+              <a:t>includere</a:t>
+            </a:r>
+            <a:r>
+              <a:rPr lang="it-IT" dirty="0"/>
+              <a:t> l’</a:t>
+            </a:r>
+            <a:r>
+              <a:rPr lang="it-IT" b="1" i="1" dirty="0" err="1"/>
+              <a:t>header</a:t>
+            </a:r>
+            <a:r>
+              <a:rPr lang="it-IT" b="1" i="1" dirty="0"/>
+              <a:t> </a:t>
+            </a:r>
+            <a:r>
+              <a:rPr lang="it-IT" dirty="0"/>
+              <a:t>file</a:t>
+            </a:r>
+          </a:p>
+          <a:p>
+            <a:r>
+              <a:rPr lang="it-IT" dirty="0" smtClean="0"/>
+              <a:t>l’implementazione </a:t>
+            </a:r>
+            <a:r>
+              <a:rPr lang="it-IT" dirty="0"/>
+              <a:t>e l’applicazione vengono </a:t>
+            </a:r>
+            <a:r>
+              <a:rPr lang="it-IT" b="1" i="1" dirty="0"/>
+              <a:t>compilate separatamente</a:t>
+            </a:r>
+          </a:p>
+          <a:p>
+            <a:r>
+              <a:rPr lang="it-IT" dirty="0" smtClean="0"/>
+              <a:t>per </a:t>
+            </a:r>
+            <a:r>
+              <a:rPr lang="it-IT" dirty="0"/>
+              <a:t>ottenere l’eseguibile occorre linkare i due oggetti</a:t>
+            </a:r>
+          </a:p>
+          <a:p>
+            <a:endParaRPr lang="it-IT" dirty="0"/>
+          </a:p>
+        </p:txBody>
+      </p:sp>
+      <p:sp>
+        <p:nvSpPr>
+          <p:cNvPr id="4" name="Segnaposto piè di pagina 3"/>
+          <p:cNvSpPr>
+            <a:spLocks noGrp="1"/>
+          </p:cNvSpPr>
+          <p:nvPr>
+            <p:ph type="ftr" sz="quarter" idx="11"/>
+          </p:nvPr>
+        </p:nvSpPr>
+        <p:spPr/>
+        <p:txBody>
+          <a:bodyPr/>
+          <a:lstStyle/>
+          <a:p>
+            <a:pPr>
+              <a:defRPr/>
+            </a:pPr>
+            <a:r>
+              <a:rPr lang="it-IT" smtClean="0"/>
+              <a:t>Alberto Ferrari – Programmazione di applicazioni SW</a:t>
+            </a:r>
+            <a:endParaRPr lang="it-IT" dirty="0"/>
+          </a:p>
+        </p:txBody>
+      </p:sp>
+    </p:spTree>
+    <p:extLst>
+      <p:ext uri="{BB962C8B-B14F-4D97-AF65-F5344CB8AC3E}">
+        <p14:creationId xmlns:p14="http://schemas.microsoft.com/office/powerpoint/2010/main" val="1685571303"/>
       </p:ext>
     </p:extLst>
   </p:cSld>
@@ -10728,7 +11366,7 @@
           <p:cNvPr id="2" name="Titolo 1">
             <a:extLst>
               <a:ext uri="{FF2B5EF4-FFF2-40B4-BE49-F238E27FC236}">
-                <a16:creationId xmlns:a16="http://schemas.microsoft.com/office/drawing/2014/main" id="{C12B7278-8DF5-4699-9E97-0BE1EA3D3221}"/>
+                <a16:creationId xmlns:a16="http://schemas.microsoft.com/office/drawing/2014/main" xmlns="" id="{C12B7278-8DF5-4699-9E97-0BE1EA3D3221}"/>
               </a:ext>
             </a:extLst>
           </p:cNvPr>
@@ -10768,7 +11406,7 @@
           <p:cNvPr id="3" name="Segnaposto contenuto 2">
             <a:extLst>
               <a:ext uri="{FF2B5EF4-FFF2-40B4-BE49-F238E27FC236}">
-                <a16:creationId xmlns:a16="http://schemas.microsoft.com/office/drawing/2014/main" id="{5E81DFDA-D041-4082-B2AC-2D7049C0ACE8}"/>
+                <a16:creationId xmlns:a16="http://schemas.microsoft.com/office/drawing/2014/main" xmlns="" id="{5E81DFDA-D041-4082-B2AC-2D7049C0ACE8}"/>
               </a:ext>
             </a:extLst>
           </p:cNvPr>
@@ -10843,7 +11481,7 @@
           <p:cNvPr id="4" name="Segnaposto piè di pagina 3">
             <a:extLst>
               <a:ext uri="{FF2B5EF4-FFF2-40B4-BE49-F238E27FC236}">
-                <a16:creationId xmlns:a16="http://schemas.microsoft.com/office/drawing/2014/main" id="{34499080-AD47-4DF8-B35D-9E21F0CBD605}"/>
+                <a16:creationId xmlns:a16="http://schemas.microsoft.com/office/drawing/2014/main" xmlns="" id="{34499080-AD47-4DF8-B35D-9E21F0CBD605}"/>
               </a:ext>
             </a:extLst>
           </p:cNvPr>
@@ -10874,6 +11512,4317 @@
     <p:extLst>
       <p:ext uri="{BB962C8B-B14F-4D97-AF65-F5344CB8AC3E}">
         <p14:creationId xmlns:p14="http://schemas.microsoft.com/office/powerpoint/2010/main" val="1861412917"/>
+      </p:ext>
+    </p:extLst>
+  </p:cSld>
+  <p:clrMapOvr>
+    <a:masterClrMapping/>
+  </p:clrMapOvr>
+</p:sld>
+</file>
+
+<file path=ppt/slides/slide30.xml><?xml version="1.0" encoding="utf-8"?>
+<p:sld xmlns:a="http://schemas.openxmlformats.org/drawingml/2006/main" xmlns:r="http://schemas.openxmlformats.org/officeDocument/2006/relationships" xmlns:p="http://schemas.openxmlformats.org/presentationml/2006/main">
+  <p:cSld>
+    <p:spTree>
+      <p:nvGrpSpPr>
+        <p:cNvPr id="1" name=""/>
+        <p:cNvGrpSpPr/>
+        <p:nvPr/>
+      </p:nvGrpSpPr>
+      <p:grpSpPr>
+        <a:xfrm>
+          <a:off x="0" y="0"/>
+          <a:ext cx="0" cy="0"/>
+          <a:chOff x="0" y="0"/>
+          <a:chExt cx="0" cy="0"/>
+        </a:xfrm>
+      </p:grpSpPr>
+      <p:sp>
+        <p:nvSpPr>
+          <p:cNvPr id="5" name="Titolo 4"/>
+          <p:cNvSpPr>
+            <a:spLocks noGrp="1"/>
+          </p:cNvSpPr>
+          <p:nvPr>
+            <p:ph type="title"/>
+          </p:nvPr>
+        </p:nvSpPr>
+        <p:spPr/>
+        <p:txBody>
+          <a:bodyPr/>
+          <a:lstStyle/>
+          <a:p>
+            <a:r>
+              <a:rPr lang="it-IT" dirty="0" smtClean="0"/>
+              <a:t>compilazione separata</a:t>
+            </a:r>
+            <a:endParaRPr lang="it-IT" dirty="0"/>
+          </a:p>
+        </p:txBody>
+      </p:sp>
+      <p:sp>
+        <p:nvSpPr>
+          <p:cNvPr id="4" name="Segnaposto piè di pagina 3"/>
+          <p:cNvSpPr>
+            <a:spLocks noGrp="1"/>
+          </p:cNvSpPr>
+          <p:nvPr>
+            <p:ph type="ftr" sz="quarter" idx="11"/>
+          </p:nvPr>
+        </p:nvSpPr>
+        <p:spPr/>
+        <p:txBody>
+          <a:bodyPr/>
+          <a:lstStyle/>
+          <a:p>
+            <a:pPr>
+              <a:defRPr/>
+            </a:pPr>
+            <a:r>
+              <a:rPr lang="it-IT" smtClean="0"/>
+              <a:t>Alberto Ferrari – Programmazione di applicazioni SW</a:t>
+            </a:r>
+            <a:endParaRPr lang="it-IT" dirty="0"/>
+          </a:p>
+        </p:txBody>
+      </p:sp>
+      <p:sp>
+        <p:nvSpPr>
+          <p:cNvPr id="6" name="Text Box 4"/>
+          <p:cNvSpPr txBox="1">
+            <a:spLocks noChangeArrowheads="1"/>
+          </p:cNvSpPr>
+          <p:nvPr/>
+        </p:nvSpPr>
+        <p:spPr bwMode="auto">
+          <a:xfrm>
+            <a:off x="2933700" y="1971675"/>
+            <a:ext cx="1843774" cy="461665"/>
+          </a:xfrm>
+          <a:prstGeom prst="rect">
+            <a:avLst/>
+          </a:prstGeom>
+          <a:noFill/>
+          <a:ln w="9525">
+            <a:solidFill>
+              <a:schemeClr val="tx1"/>
+            </a:solidFill>
+            <a:miter lim="800000"/>
+            <a:headEnd/>
+            <a:tailEnd/>
+          </a:ln>
+          <a:effectLst/>
+          <a:extLst>
+            <a:ext uri="{909E8E84-426E-40DD-AFC4-6F175D3DCCD1}">
+              <a14:hiddenFill xmlns:a14="http://schemas.microsoft.com/office/drawing/2010/main">
+                <a:solidFill>
+                  <a:schemeClr val="accent1"/>
+                </a:solidFill>
+              </a14:hiddenFill>
+            </a:ext>
+            <a:ext uri="{AF507438-7753-43E0-B8FC-AC1667EBCBE1}">
+              <a14:hiddenEffects xmlns:a14="http://schemas.microsoft.com/office/drawing/2010/main">
+                <a:effectLst>
+                  <a:outerShdw dist="35921" dir="2700000" algn="ctr" rotWithShape="0">
+                    <a:schemeClr val="bg2"/>
+                  </a:outerShdw>
+                </a:effectLst>
+              </a14:hiddenEffects>
+            </a:ext>
+          </a:extLst>
+        </p:spPr>
+        <p:txBody>
+          <a:bodyPr wrap="none">
+            <a:spAutoFit/>
+          </a:bodyPr>
+          <a:lstStyle/>
+          <a:p>
+            <a:r>
+              <a:rPr lang="it-IT" altLang="it-IT" sz="2400" b="1" dirty="0">
+                <a:latin typeface="Courier New" panose="02070309020205020404" pitchFamily="49" charset="0"/>
+                <a:cs typeface="Courier New" panose="02070309020205020404" pitchFamily="49" charset="0"/>
+              </a:rPr>
+              <a:t>dtime.cpp</a:t>
+            </a:r>
+          </a:p>
+        </p:txBody>
+      </p:sp>
+      <p:sp>
+        <p:nvSpPr>
+          <p:cNvPr id="7" name="Text Box 6"/>
+          <p:cNvSpPr txBox="1">
+            <a:spLocks noChangeArrowheads="1"/>
+          </p:cNvSpPr>
+          <p:nvPr/>
+        </p:nvSpPr>
+        <p:spPr bwMode="auto">
+          <a:xfrm>
+            <a:off x="3089275" y="3409950"/>
+            <a:ext cx="1475084" cy="461665"/>
+          </a:xfrm>
+          <a:prstGeom prst="rect">
+            <a:avLst/>
+          </a:prstGeom>
+          <a:noFill/>
+          <a:ln w="9525">
+            <a:solidFill>
+              <a:schemeClr val="tx1"/>
+            </a:solidFill>
+            <a:miter lim="800000"/>
+            <a:headEnd/>
+            <a:tailEnd/>
+          </a:ln>
+          <a:effectLst/>
+          <a:extLst>
+            <a:ext uri="{909E8E84-426E-40DD-AFC4-6F175D3DCCD1}">
+              <a14:hiddenFill xmlns:a14="http://schemas.microsoft.com/office/drawing/2010/main">
+                <a:solidFill>
+                  <a:schemeClr val="accent1"/>
+                </a:solidFill>
+              </a14:hiddenFill>
+            </a:ext>
+            <a:ext uri="{AF507438-7753-43E0-B8FC-AC1667EBCBE1}">
+              <a14:hiddenEffects xmlns:a14="http://schemas.microsoft.com/office/drawing/2010/main">
+                <a:effectLst>
+                  <a:outerShdw dist="35921" dir="2700000" algn="ctr" rotWithShape="0">
+                    <a:schemeClr val="bg2"/>
+                  </a:outerShdw>
+                </a:effectLst>
+              </a14:hiddenEffects>
+            </a:ext>
+          </a:extLst>
+        </p:spPr>
+        <p:txBody>
+          <a:bodyPr wrap="none">
+            <a:spAutoFit/>
+          </a:bodyPr>
+          <a:lstStyle/>
+          <a:p>
+            <a:r>
+              <a:rPr lang="it-IT" altLang="it-IT" sz="2400" b="1">
+                <a:latin typeface="Courier New" panose="02070309020205020404" pitchFamily="49" charset="0"/>
+                <a:cs typeface="Courier New" panose="02070309020205020404" pitchFamily="49" charset="0"/>
+              </a:rPr>
+              <a:t>dtime.o</a:t>
+            </a:r>
+          </a:p>
+        </p:txBody>
+      </p:sp>
+      <p:sp>
+        <p:nvSpPr>
+          <p:cNvPr id="8" name="Text Box 8"/>
+          <p:cNvSpPr txBox="1">
+            <a:spLocks noChangeArrowheads="1"/>
+          </p:cNvSpPr>
+          <p:nvPr/>
+        </p:nvSpPr>
+        <p:spPr bwMode="auto">
+          <a:xfrm>
+            <a:off x="4533900" y="4857750"/>
+            <a:ext cx="2396810" cy="461665"/>
+          </a:xfrm>
+          <a:prstGeom prst="rect">
+            <a:avLst/>
+          </a:prstGeom>
+          <a:noFill/>
+          <a:ln w="9525">
+            <a:solidFill>
+              <a:schemeClr val="tx1"/>
+            </a:solidFill>
+            <a:miter lim="800000"/>
+            <a:headEnd/>
+            <a:tailEnd/>
+          </a:ln>
+          <a:effectLst/>
+          <a:extLst>
+            <a:ext uri="{909E8E84-426E-40DD-AFC4-6F175D3DCCD1}">
+              <a14:hiddenFill xmlns:a14="http://schemas.microsoft.com/office/drawing/2010/main">
+                <a:solidFill>
+                  <a:schemeClr val="accent1"/>
+                </a:solidFill>
+              </a14:hiddenFill>
+            </a:ext>
+            <a:ext uri="{AF507438-7753-43E0-B8FC-AC1667EBCBE1}">
+              <a14:hiddenEffects xmlns:a14="http://schemas.microsoft.com/office/drawing/2010/main">
+                <a:effectLst>
+                  <a:outerShdw dist="35921" dir="2700000" algn="ctr" rotWithShape="0">
+                    <a:schemeClr val="bg2"/>
+                  </a:outerShdw>
+                </a:effectLst>
+              </a14:hiddenEffects>
+            </a:ext>
+          </a:extLst>
+        </p:spPr>
+        <p:txBody>
+          <a:bodyPr wrap="none">
+            <a:spAutoFit/>
+          </a:bodyPr>
+          <a:lstStyle/>
+          <a:p>
+            <a:r>
+              <a:rPr lang="it-IT" altLang="it-IT" sz="2400" b="1" dirty="0" smtClean="0">
+                <a:latin typeface="Courier New" panose="02070309020205020404" pitchFamily="49" charset="0"/>
+                <a:cs typeface="Courier New" panose="02070309020205020404" pitchFamily="49" charset="0"/>
+              </a:rPr>
+              <a:t>timedemo.exe</a:t>
+            </a:r>
+            <a:endParaRPr lang="it-IT" altLang="it-IT" sz="2400" b="1" dirty="0">
+              <a:latin typeface="Courier New" panose="02070309020205020404" pitchFamily="49" charset="0"/>
+              <a:cs typeface="Courier New" panose="02070309020205020404" pitchFamily="49" charset="0"/>
+            </a:endParaRPr>
+          </a:p>
+        </p:txBody>
+      </p:sp>
+      <p:sp>
+        <p:nvSpPr>
+          <p:cNvPr id="9" name="Line 9"/>
+          <p:cNvSpPr>
+            <a:spLocks noChangeShapeType="1"/>
+          </p:cNvSpPr>
+          <p:nvPr/>
+        </p:nvSpPr>
+        <p:spPr bwMode="auto">
+          <a:xfrm>
+            <a:off x="3695700" y="2581275"/>
+            <a:ext cx="0" cy="609600"/>
+          </a:xfrm>
+          <a:prstGeom prst="line">
+            <a:avLst/>
+          </a:prstGeom>
+          <a:noFill/>
+          <a:ln w="9525">
+            <a:solidFill>
+              <a:schemeClr val="tx1"/>
+            </a:solidFill>
+            <a:round/>
+            <a:headEnd/>
+            <a:tailEnd type="triangle" w="med" len="med"/>
+          </a:ln>
+          <a:effectLst/>
+          <a:extLst>
+            <a:ext uri="{909E8E84-426E-40DD-AFC4-6F175D3DCCD1}">
+              <a14:hiddenFill xmlns:a14="http://schemas.microsoft.com/office/drawing/2010/main">
+                <a:noFill/>
+              </a14:hiddenFill>
+            </a:ext>
+            <a:ext uri="{AF507438-7753-43E0-B8FC-AC1667EBCBE1}">
+              <a14:hiddenEffects xmlns:a14="http://schemas.microsoft.com/office/drawing/2010/main">
+                <a:effectLst>
+                  <a:outerShdw dist="35921" dir="2700000" algn="ctr" rotWithShape="0">
+                    <a:schemeClr val="bg2"/>
+                  </a:outerShdw>
+                </a:effectLst>
+              </a14:hiddenEffects>
+            </a:ext>
+          </a:extLst>
+        </p:spPr>
+        <p:txBody>
+          <a:bodyPr anchor="ctr"/>
+          <a:lstStyle/>
+          <a:p>
+            <a:endParaRPr lang="it-IT"/>
+          </a:p>
+        </p:txBody>
+      </p:sp>
+      <p:sp>
+        <p:nvSpPr>
+          <p:cNvPr id="10" name="Line 12"/>
+          <p:cNvSpPr>
+            <a:spLocks noChangeShapeType="1"/>
+          </p:cNvSpPr>
+          <p:nvPr/>
+        </p:nvSpPr>
+        <p:spPr bwMode="auto">
+          <a:xfrm>
+            <a:off x="3695700" y="4029075"/>
+            <a:ext cx="1143000" cy="685800"/>
+          </a:xfrm>
+          <a:prstGeom prst="line">
+            <a:avLst/>
+          </a:prstGeom>
+          <a:noFill/>
+          <a:ln w="9525">
+            <a:solidFill>
+              <a:schemeClr val="tx1"/>
+            </a:solidFill>
+            <a:round/>
+            <a:headEnd/>
+            <a:tailEnd type="triangle" w="med" len="med"/>
+          </a:ln>
+          <a:effectLst/>
+          <a:extLst>
+            <a:ext uri="{909E8E84-426E-40DD-AFC4-6F175D3DCCD1}">
+              <a14:hiddenFill xmlns:a14="http://schemas.microsoft.com/office/drawing/2010/main">
+                <a:noFill/>
+              </a14:hiddenFill>
+            </a:ext>
+            <a:ext uri="{AF507438-7753-43E0-B8FC-AC1667EBCBE1}">
+              <a14:hiddenEffects xmlns:a14="http://schemas.microsoft.com/office/drawing/2010/main">
+                <a:effectLst>
+                  <a:outerShdw dist="35921" dir="2700000" algn="ctr" rotWithShape="0">
+                    <a:schemeClr val="bg2"/>
+                  </a:outerShdw>
+                </a:effectLst>
+              </a14:hiddenEffects>
+            </a:ext>
+          </a:extLst>
+        </p:spPr>
+        <p:txBody>
+          <a:bodyPr anchor="ctr"/>
+          <a:lstStyle/>
+          <a:p>
+            <a:endParaRPr lang="it-IT"/>
+          </a:p>
+        </p:txBody>
+      </p:sp>
+      <p:sp>
+        <p:nvSpPr>
+          <p:cNvPr id="11" name="Line 13"/>
+          <p:cNvSpPr>
+            <a:spLocks noChangeShapeType="1"/>
+          </p:cNvSpPr>
+          <p:nvPr/>
+        </p:nvSpPr>
+        <p:spPr bwMode="auto">
+          <a:xfrm flipH="1">
+            <a:off x="5753100" y="4029075"/>
+            <a:ext cx="1600200" cy="685800"/>
+          </a:xfrm>
+          <a:prstGeom prst="line">
+            <a:avLst/>
+          </a:prstGeom>
+          <a:noFill/>
+          <a:ln w="9525">
+            <a:solidFill>
+              <a:schemeClr val="tx1"/>
+            </a:solidFill>
+            <a:round/>
+            <a:headEnd/>
+            <a:tailEnd type="triangle" w="med" len="med"/>
+          </a:ln>
+          <a:effectLst/>
+          <a:extLst>
+            <a:ext uri="{909E8E84-426E-40DD-AFC4-6F175D3DCCD1}">
+              <a14:hiddenFill xmlns:a14="http://schemas.microsoft.com/office/drawing/2010/main">
+                <a:noFill/>
+              </a14:hiddenFill>
+            </a:ext>
+            <a:ext uri="{AF507438-7753-43E0-B8FC-AC1667EBCBE1}">
+              <a14:hiddenEffects xmlns:a14="http://schemas.microsoft.com/office/drawing/2010/main">
+                <a:effectLst>
+                  <a:outerShdw dist="35921" dir="2700000" algn="ctr" rotWithShape="0">
+                    <a:schemeClr val="bg2"/>
+                  </a:outerShdw>
+                </a:effectLst>
+              </a14:hiddenEffects>
+            </a:ext>
+          </a:extLst>
+        </p:spPr>
+        <p:txBody>
+          <a:bodyPr anchor="ctr"/>
+          <a:lstStyle/>
+          <a:p>
+            <a:endParaRPr lang="it-IT"/>
+          </a:p>
+        </p:txBody>
+      </p:sp>
+      <p:sp>
+        <p:nvSpPr>
+          <p:cNvPr id="12" name="Text Box 14"/>
+          <p:cNvSpPr txBox="1">
+            <a:spLocks noChangeArrowheads="1"/>
+          </p:cNvSpPr>
+          <p:nvPr/>
+        </p:nvSpPr>
+        <p:spPr bwMode="auto">
+          <a:xfrm>
+            <a:off x="1714500" y="2657475"/>
+            <a:ext cx="1971675" cy="396875"/>
+          </a:xfrm>
+          <a:prstGeom prst="rect">
+            <a:avLst/>
+          </a:prstGeom>
+          <a:noFill/>
+          <a:ln>
+            <a:noFill/>
+          </a:ln>
+          <a:effectLst/>
+          <a:extLst>
+            <a:ext uri="{909E8E84-426E-40DD-AFC4-6F175D3DCCD1}">
+              <a14:hiddenFill xmlns:a14="http://schemas.microsoft.com/office/drawing/2010/main">
+                <a:solidFill>
+                  <a:schemeClr val="accent1"/>
+                </a:solidFill>
+              </a14:hiddenFill>
+            </a:ext>
+            <a:ext uri="{91240B29-F687-4F45-9708-019B960494DF}">
+              <a14:hiddenLine xmlns:a14="http://schemas.microsoft.com/office/drawing/2010/main" w="9525">
+                <a:solidFill>
+                  <a:schemeClr val="tx1"/>
+                </a:solidFill>
+                <a:miter lim="800000"/>
+                <a:headEnd/>
+                <a:tailEnd/>
+              </a14:hiddenLine>
+            </a:ext>
+            <a:ext uri="{AF507438-7753-43E0-B8FC-AC1667EBCBE1}">
+              <a14:hiddenEffects xmlns:a14="http://schemas.microsoft.com/office/drawing/2010/main">
+                <a:effectLst>
+                  <a:outerShdw dist="35921" dir="2700000" algn="ctr" rotWithShape="0">
+                    <a:schemeClr val="bg2"/>
+                  </a:outerShdw>
+                </a:effectLst>
+              </a14:hiddenEffects>
+            </a:ext>
+          </a:extLst>
+        </p:spPr>
+        <p:txBody>
+          <a:bodyPr wrap="none">
+            <a:spAutoFit/>
+          </a:bodyPr>
+          <a:lstStyle/>
+          <a:p>
+            <a:r>
+              <a:rPr lang="it-IT" altLang="it-IT" sz="2000" i="1">
+                <a:latin typeface="Times New Roman" pitchFamily="18" charset="0"/>
+              </a:rPr>
+              <a:t>g++ -c dtime.cpp</a:t>
+            </a:r>
+          </a:p>
+        </p:txBody>
+      </p:sp>
+      <p:sp>
+        <p:nvSpPr>
+          <p:cNvPr id="13" name="Text Box 5"/>
+          <p:cNvSpPr txBox="1">
+            <a:spLocks noChangeArrowheads="1"/>
+          </p:cNvSpPr>
+          <p:nvPr/>
+        </p:nvSpPr>
+        <p:spPr bwMode="auto">
+          <a:xfrm>
+            <a:off x="7005637" y="1971675"/>
+            <a:ext cx="2396810" cy="461665"/>
+          </a:xfrm>
+          <a:prstGeom prst="rect">
+            <a:avLst/>
+          </a:prstGeom>
+          <a:noFill/>
+          <a:ln w="9525">
+            <a:solidFill>
+              <a:schemeClr val="tx1"/>
+            </a:solidFill>
+            <a:miter lim="800000"/>
+            <a:headEnd/>
+            <a:tailEnd/>
+          </a:ln>
+          <a:effectLst/>
+          <a:extLst>
+            <a:ext uri="{909E8E84-426E-40DD-AFC4-6F175D3DCCD1}">
+              <a14:hiddenFill xmlns:a14="http://schemas.microsoft.com/office/drawing/2010/main">
+                <a:solidFill>
+                  <a:schemeClr val="accent1"/>
+                </a:solidFill>
+              </a14:hiddenFill>
+            </a:ext>
+            <a:ext uri="{AF507438-7753-43E0-B8FC-AC1667EBCBE1}">
+              <a14:hiddenEffects xmlns:a14="http://schemas.microsoft.com/office/drawing/2010/main">
+                <a:effectLst>
+                  <a:outerShdw dist="35921" dir="2700000" algn="ctr" rotWithShape="0">
+                    <a:schemeClr val="bg2"/>
+                  </a:outerShdw>
+                </a:effectLst>
+              </a14:hiddenEffects>
+            </a:ext>
+          </a:extLst>
+        </p:spPr>
+        <p:txBody>
+          <a:bodyPr wrap="none">
+            <a:spAutoFit/>
+          </a:bodyPr>
+          <a:lstStyle/>
+          <a:p>
+            <a:r>
+              <a:rPr lang="it-IT" altLang="it-IT" sz="2400" b="1" dirty="0">
+                <a:latin typeface="Courier New" panose="02070309020205020404" pitchFamily="49" charset="0"/>
+                <a:cs typeface="Courier New" panose="02070309020205020404" pitchFamily="49" charset="0"/>
+              </a:rPr>
+              <a:t>timedemo.cpp</a:t>
+            </a:r>
+          </a:p>
+        </p:txBody>
+      </p:sp>
+      <p:sp>
+        <p:nvSpPr>
+          <p:cNvPr id="14" name="Text Box 7"/>
+          <p:cNvSpPr txBox="1">
+            <a:spLocks noChangeArrowheads="1"/>
+          </p:cNvSpPr>
+          <p:nvPr/>
+        </p:nvSpPr>
+        <p:spPr bwMode="auto">
+          <a:xfrm>
+            <a:off x="7200900" y="3409950"/>
+            <a:ext cx="2028119" cy="461665"/>
+          </a:xfrm>
+          <a:prstGeom prst="rect">
+            <a:avLst/>
+          </a:prstGeom>
+          <a:noFill/>
+          <a:ln w="9525">
+            <a:solidFill>
+              <a:schemeClr val="tx1"/>
+            </a:solidFill>
+            <a:miter lim="800000"/>
+            <a:headEnd/>
+            <a:tailEnd/>
+          </a:ln>
+          <a:effectLst/>
+          <a:extLst>
+            <a:ext uri="{909E8E84-426E-40DD-AFC4-6F175D3DCCD1}">
+              <a14:hiddenFill xmlns:a14="http://schemas.microsoft.com/office/drawing/2010/main">
+                <a:solidFill>
+                  <a:schemeClr val="accent1"/>
+                </a:solidFill>
+              </a14:hiddenFill>
+            </a:ext>
+            <a:ext uri="{AF507438-7753-43E0-B8FC-AC1667EBCBE1}">
+              <a14:hiddenEffects xmlns:a14="http://schemas.microsoft.com/office/drawing/2010/main">
+                <a:effectLst>
+                  <a:outerShdw dist="35921" dir="2700000" algn="ctr" rotWithShape="0">
+                    <a:schemeClr val="bg2"/>
+                  </a:outerShdw>
+                </a:effectLst>
+              </a14:hiddenEffects>
+            </a:ext>
+          </a:extLst>
+        </p:spPr>
+        <p:txBody>
+          <a:bodyPr wrap="none">
+            <a:spAutoFit/>
+          </a:bodyPr>
+          <a:lstStyle/>
+          <a:p>
+            <a:r>
+              <a:rPr lang="it-IT" altLang="it-IT" sz="2400" b="1">
+                <a:latin typeface="Courier New" panose="02070309020205020404" pitchFamily="49" charset="0"/>
+                <a:cs typeface="Courier New" panose="02070309020205020404" pitchFamily="49" charset="0"/>
+              </a:rPr>
+              <a:t>timedemo.o</a:t>
+            </a:r>
+          </a:p>
+        </p:txBody>
+      </p:sp>
+      <p:sp>
+        <p:nvSpPr>
+          <p:cNvPr id="15" name="Line 10"/>
+          <p:cNvSpPr>
+            <a:spLocks noChangeShapeType="1"/>
+          </p:cNvSpPr>
+          <p:nvPr/>
+        </p:nvSpPr>
+        <p:spPr bwMode="auto">
+          <a:xfrm>
+            <a:off x="8115300" y="2581275"/>
+            <a:ext cx="0" cy="609600"/>
+          </a:xfrm>
+          <a:prstGeom prst="line">
+            <a:avLst/>
+          </a:prstGeom>
+          <a:noFill/>
+          <a:ln w="9525">
+            <a:solidFill>
+              <a:schemeClr val="tx1"/>
+            </a:solidFill>
+            <a:round/>
+            <a:headEnd/>
+            <a:tailEnd type="triangle" w="med" len="med"/>
+          </a:ln>
+          <a:effectLst/>
+          <a:extLst>
+            <a:ext uri="{909E8E84-426E-40DD-AFC4-6F175D3DCCD1}">
+              <a14:hiddenFill xmlns:a14="http://schemas.microsoft.com/office/drawing/2010/main">
+                <a:noFill/>
+              </a14:hiddenFill>
+            </a:ext>
+            <a:ext uri="{AF507438-7753-43E0-B8FC-AC1667EBCBE1}">
+              <a14:hiddenEffects xmlns:a14="http://schemas.microsoft.com/office/drawing/2010/main">
+                <a:effectLst>
+                  <a:outerShdw dist="35921" dir="2700000" algn="ctr" rotWithShape="0">
+                    <a:schemeClr val="bg2"/>
+                  </a:outerShdw>
+                </a:effectLst>
+              </a14:hiddenEffects>
+            </a:ext>
+          </a:extLst>
+        </p:spPr>
+        <p:txBody>
+          <a:bodyPr anchor="ctr"/>
+          <a:lstStyle/>
+          <a:p>
+            <a:endParaRPr lang="it-IT"/>
+          </a:p>
+        </p:txBody>
+      </p:sp>
+      <p:sp>
+        <p:nvSpPr>
+          <p:cNvPr id="16" name="Text Box 15"/>
+          <p:cNvSpPr txBox="1">
+            <a:spLocks noChangeArrowheads="1"/>
+          </p:cNvSpPr>
+          <p:nvPr/>
+        </p:nvSpPr>
+        <p:spPr bwMode="auto">
+          <a:xfrm>
+            <a:off x="8115300" y="2657475"/>
+            <a:ext cx="2395537" cy="396875"/>
+          </a:xfrm>
+          <a:prstGeom prst="rect">
+            <a:avLst/>
+          </a:prstGeom>
+          <a:noFill/>
+          <a:ln>
+            <a:noFill/>
+          </a:ln>
+          <a:effectLst/>
+          <a:extLst>
+            <a:ext uri="{909E8E84-426E-40DD-AFC4-6F175D3DCCD1}">
+              <a14:hiddenFill xmlns:a14="http://schemas.microsoft.com/office/drawing/2010/main">
+                <a:solidFill>
+                  <a:schemeClr val="accent1"/>
+                </a:solidFill>
+              </a14:hiddenFill>
+            </a:ext>
+            <a:ext uri="{91240B29-F687-4F45-9708-019B960494DF}">
+              <a14:hiddenLine xmlns:a14="http://schemas.microsoft.com/office/drawing/2010/main" w="9525">
+                <a:solidFill>
+                  <a:schemeClr val="tx1"/>
+                </a:solidFill>
+                <a:miter lim="800000"/>
+                <a:headEnd/>
+                <a:tailEnd/>
+              </a14:hiddenLine>
+            </a:ext>
+            <a:ext uri="{AF507438-7753-43E0-B8FC-AC1667EBCBE1}">
+              <a14:hiddenEffects xmlns:a14="http://schemas.microsoft.com/office/drawing/2010/main">
+                <a:effectLst>
+                  <a:outerShdw dist="35921" dir="2700000" algn="ctr" rotWithShape="0">
+                    <a:schemeClr val="bg2"/>
+                  </a:outerShdw>
+                </a:effectLst>
+              </a14:hiddenEffects>
+            </a:ext>
+          </a:extLst>
+        </p:spPr>
+        <p:txBody>
+          <a:bodyPr wrap="none">
+            <a:spAutoFit/>
+          </a:bodyPr>
+          <a:lstStyle/>
+          <a:p>
+            <a:r>
+              <a:rPr lang="it-IT" altLang="it-IT" sz="2000" i="1">
+                <a:latin typeface="Times New Roman" pitchFamily="18" charset="0"/>
+              </a:rPr>
+              <a:t>g++ -c timedemo.cpp</a:t>
+            </a:r>
+          </a:p>
+        </p:txBody>
+      </p:sp>
+      <p:sp>
+        <p:nvSpPr>
+          <p:cNvPr id="17" name="Text Box 16"/>
+          <p:cNvSpPr txBox="1">
+            <a:spLocks noChangeArrowheads="1"/>
+          </p:cNvSpPr>
+          <p:nvPr/>
+        </p:nvSpPr>
+        <p:spPr bwMode="auto">
+          <a:xfrm>
+            <a:off x="6581775" y="4181475"/>
+            <a:ext cx="4081462" cy="396875"/>
+          </a:xfrm>
+          <a:prstGeom prst="rect">
+            <a:avLst/>
+          </a:prstGeom>
+          <a:noFill/>
+          <a:ln>
+            <a:noFill/>
+          </a:ln>
+          <a:effectLst/>
+          <a:extLst>
+            <a:ext uri="{909E8E84-426E-40DD-AFC4-6F175D3DCCD1}">
+              <a14:hiddenFill xmlns:a14="http://schemas.microsoft.com/office/drawing/2010/main">
+                <a:solidFill>
+                  <a:schemeClr val="accent1"/>
+                </a:solidFill>
+              </a14:hiddenFill>
+            </a:ext>
+            <a:ext uri="{91240B29-F687-4F45-9708-019B960494DF}">
+              <a14:hiddenLine xmlns:a14="http://schemas.microsoft.com/office/drawing/2010/main" w="9525">
+                <a:solidFill>
+                  <a:schemeClr val="tx1"/>
+                </a:solidFill>
+                <a:miter lim="800000"/>
+                <a:headEnd/>
+                <a:tailEnd/>
+              </a14:hiddenLine>
+            </a:ext>
+            <a:ext uri="{AF507438-7753-43E0-B8FC-AC1667EBCBE1}">
+              <a14:hiddenEffects xmlns:a14="http://schemas.microsoft.com/office/drawing/2010/main">
+                <a:effectLst>
+                  <a:outerShdw dist="35921" dir="2700000" algn="ctr" rotWithShape="0">
+                    <a:schemeClr val="bg2"/>
+                  </a:outerShdw>
+                </a:effectLst>
+              </a14:hiddenEffects>
+            </a:ext>
+          </a:extLst>
+        </p:spPr>
+        <p:txBody>
+          <a:bodyPr wrap="none">
+            <a:spAutoFit/>
+          </a:bodyPr>
+          <a:lstStyle/>
+          <a:p>
+            <a:r>
+              <a:rPr lang="it-IT" altLang="it-IT" sz="2000" i="1">
+                <a:latin typeface="Times New Roman" pitchFamily="18" charset="0"/>
+              </a:rPr>
+              <a:t>g++ dtime.o timedemo.o –o timedemo</a:t>
+            </a:r>
+          </a:p>
+        </p:txBody>
+      </p:sp>
+      <p:sp>
+        <p:nvSpPr>
+          <p:cNvPr id="18" name="Text Box 18"/>
+          <p:cNvSpPr txBox="1">
+            <a:spLocks noChangeArrowheads="1"/>
+          </p:cNvSpPr>
+          <p:nvPr/>
+        </p:nvSpPr>
+        <p:spPr bwMode="auto">
+          <a:xfrm>
+            <a:off x="1747837" y="2047875"/>
+            <a:ext cx="971550" cy="366713"/>
+          </a:xfrm>
+          <a:prstGeom prst="rect">
+            <a:avLst/>
+          </a:prstGeom>
+          <a:noFill/>
+          <a:ln>
+            <a:noFill/>
+          </a:ln>
+          <a:effectLst/>
+          <a:extLst>
+            <a:ext uri="{909E8E84-426E-40DD-AFC4-6F175D3DCCD1}">
+              <a14:hiddenFill xmlns:a14="http://schemas.microsoft.com/office/drawing/2010/main">
+                <a:solidFill>
+                  <a:schemeClr val="accent1"/>
+                </a:solidFill>
+              </a14:hiddenFill>
+            </a:ext>
+            <a:ext uri="{91240B29-F687-4F45-9708-019B960494DF}">
+              <a14:hiddenLine xmlns:a14="http://schemas.microsoft.com/office/drawing/2010/main" w="9525">
+                <a:solidFill>
+                  <a:schemeClr val="tx1"/>
+                </a:solidFill>
+                <a:miter lim="800000"/>
+                <a:headEnd/>
+                <a:tailEnd/>
+              </a14:hiddenLine>
+            </a:ext>
+            <a:ext uri="{AF507438-7753-43E0-B8FC-AC1667EBCBE1}">
+              <a14:hiddenEffects xmlns:a14="http://schemas.microsoft.com/office/drawing/2010/main">
+                <a:effectLst>
+                  <a:outerShdw dist="35921" dir="2700000" algn="ctr" rotWithShape="0">
+                    <a:schemeClr val="bg2"/>
+                  </a:outerShdw>
+                </a:effectLst>
+              </a14:hiddenEffects>
+            </a:ext>
+          </a:extLst>
+        </p:spPr>
+        <p:txBody>
+          <a:bodyPr wrap="none">
+            <a:spAutoFit/>
+          </a:bodyPr>
+          <a:lstStyle/>
+          <a:p>
+            <a:r>
+              <a:rPr lang="it-IT" altLang="it-IT" sz="1800" b="1">
+                <a:latin typeface="Times New Roman" pitchFamily="18" charset="0"/>
+              </a:rPr>
+              <a:t>sorgenti</a:t>
+            </a:r>
+          </a:p>
+        </p:txBody>
+      </p:sp>
+      <p:sp>
+        <p:nvSpPr>
+          <p:cNvPr id="19" name="Text Box 20"/>
+          <p:cNvSpPr txBox="1">
+            <a:spLocks noChangeArrowheads="1"/>
+          </p:cNvSpPr>
+          <p:nvPr/>
+        </p:nvSpPr>
+        <p:spPr bwMode="auto">
+          <a:xfrm>
+            <a:off x="1830387" y="3433763"/>
+            <a:ext cx="844550" cy="366712"/>
+          </a:xfrm>
+          <a:prstGeom prst="rect">
+            <a:avLst/>
+          </a:prstGeom>
+          <a:noFill/>
+          <a:ln>
+            <a:noFill/>
+          </a:ln>
+          <a:effectLst/>
+          <a:extLst>
+            <a:ext uri="{909E8E84-426E-40DD-AFC4-6F175D3DCCD1}">
+              <a14:hiddenFill xmlns:a14="http://schemas.microsoft.com/office/drawing/2010/main">
+                <a:solidFill>
+                  <a:schemeClr val="accent1"/>
+                </a:solidFill>
+              </a14:hiddenFill>
+            </a:ext>
+            <a:ext uri="{91240B29-F687-4F45-9708-019B960494DF}">
+              <a14:hiddenLine xmlns:a14="http://schemas.microsoft.com/office/drawing/2010/main" w="9525">
+                <a:solidFill>
+                  <a:schemeClr val="tx1"/>
+                </a:solidFill>
+                <a:miter lim="800000"/>
+                <a:headEnd/>
+                <a:tailEnd/>
+              </a14:hiddenLine>
+            </a:ext>
+            <a:ext uri="{AF507438-7753-43E0-B8FC-AC1667EBCBE1}">
+              <a14:hiddenEffects xmlns:a14="http://schemas.microsoft.com/office/drawing/2010/main">
+                <a:effectLst>
+                  <a:outerShdw dist="35921" dir="2700000" algn="ctr" rotWithShape="0">
+                    <a:schemeClr val="bg2"/>
+                  </a:outerShdw>
+                </a:effectLst>
+              </a14:hiddenEffects>
+            </a:ext>
+          </a:extLst>
+        </p:spPr>
+        <p:txBody>
+          <a:bodyPr wrap="none">
+            <a:spAutoFit/>
+          </a:bodyPr>
+          <a:lstStyle/>
+          <a:p>
+            <a:r>
+              <a:rPr lang="it-IT" altLang="it-IT" sz="1800" b="1">
+                <a:latin typeface="Times New Roman" pitchFamily="18" charset="0"/>
+              </a:rPr>
+              <a:t>oggetti</a:t>
+            </a:r>
+          </a:p>
+        </p:txBody>
+      </p:sp>
+      <p:sp>
+        <p:nvSpPr>
+          <p:cNvPr id="20" name="Text Box 21"/>
+          <p:cNvSpPr txBox="1">
+            <a:spLocks noChangeArrowheads="1"/>
+          </p:cNvSpPr>
+          <p:nvPr/>
+        </p:nvSpPr>
+        <p:spPr bwMode="auto">
+          <a:xfrm>
+            <a:off x="1684337" y="4881563"/>
+            <a:ext cx="1136650" cy="366712"/>
+          </a:xfrm>
+          <a:prstGeom prst="rect">
+            <a:avLst/>
+          </a:prstGeom>
+          <a:noFill/>
+          <a:ln>
+            <a:noFill/>
+          </a:ln>
+          <a:effectLst/>
+          <a:extLst>
+            <a:ext uri="{909E8E84-426E-40DD-AFC4-6F175D3DCCD1}">
+              <a14:hiddenFill xmlns:a14="http://schemas.microsoft.com/office/drawing/2010/main">
+                <a:solidFill>
+                  <a:schemeClr val="accent1"/>
+                </a:solidFill>
+              </a14:hiddenFill>
+            </a:ext>
+            <a:ext uri="{91240B29-F687-4F45-9708-019B960494DF}">
+              <a14:hiddenLine xmlns:a14="http://schemas.microsoft.com/office/drawing/2010/main" w="9525">
+                <a:solidFill>
+                  <a:schemeClr val="tx1"/>
+                </a:solidFill>
+                <a:miter lim="800000"/>
+                <a:headEnd/>
+                <a:tailEnd/>
+              </a14:hiddenLine>
+            </a:ext>
+            <a:ext uri="{AF507438-7753-43E0-B8FC-AC1667EBCBE1}">
+              <a14:hiddenEffects xmlns:a14="http://schemas.microsoft.com/office/drawing/2010/main">
+                <a:effectLst>
+                  <a:outerShdw dist="35921" dir="2700000" algn="ctr" rotWithShape="0">
+                    <a:schemeClr val="bg2"/>
+                  </a:outerShdw>
+                </a:effectLst>
+              </a14:hiddenEffects>
+            </a:ext>
+          </a:extLst>
+        </p:spPr>
+        <p:txBody>
+          <a:bodyPr wrap="none">
+            <a:spAutoFit/>
+          </a:bodyPr>
+          <a:lstStyle/>
+          <a:p>
+            <a:r>
+              <a:rPr lang="it-IT" altLang="it-IT" sz="1800" b="1">
+                <a:latin typeface="Times New Roman" pitchFamily="18" charset="0"/>
+              </a:rPr>
+              <a:t>eseguibile</a:t>
+            </a:r>
+          </a:p>
+        </p:txBody>
+      </p:sp>
+      <p:sp>
+        <p:nvSpPr>
+          <p:cNvPr id="21" name="Text Box 23"/>
+          <p:cNvSpPr txBox="1">
+            <a:spLocks noChangeArrowheads="1"/>
+          </p:cNvSpPr>
+          <p:nvPr/>
+        </p:nvSpPr>
+        <p:spPr bwMode="auto">
+          <a:xfrm>
+            <a:off x="5176837" y="1971675"/>
+            <a:ext cx="1475084" cy="461665"/>
+          </a:xfrm>
+          <a:prstGeom prst="rect">
+            <a:avLst/>
+          </a:prstGeom>
+          <a:noFill/>
+          <a:ln w="9525">
+            <a:solidFill>
+              <a:schemeClr val="tx1"/>
+            </a:solidFill>
+            <a:miter lim="800000"/>
+            <a:headEnd/>
+            <a:tailEnd/>
+          </a:ln>
+          <a:effectLst/>
+          <a:extLst>
+            <a:ext uri="{909E8E84-426E-40DD-AFC4-6F175D3DCCD1}">
+              <a14:hiddenFill xmlns:a14="http://schemas.microsoft.com/office/drawing/2010/main">
+                <a:solidFill>
+                  <a:schemeClr val="accent1"/>
+                </a:solidFill>
+              </a14:hiddenFill>
+            </a:ext>
+            <a:ext uri="{AF507438-7753-43E0-B8FC-AC1667EBCBE1}">
+              <a14:hiddenEffects xmlns:a14="http://schemas.microsoft.com/office/drawing/2010/main">
+                <a:effectLst>
+                  <a:outerShdw dist="35921" dir="2700000" algn="ctr" rotWithShape="0">
+                    <a:schemeClr val="bg2"/>
+                  </a:outerShdw>
+                </a:effectLst>
+              </a14:hiddenEffects>
+            </a:ext>
+          </a:extLst>
+        </p:spPr>
+        <p:txBody>
+          <a:bodyPr wrap="none">
+            <a:spAutoFit/>
+          </a:bodyPr>
+          <a:lstStyle/>
+          <a:p>
+            <a:r>
+              <a:rPr lang="it-IT" altLang="it-IT" sz="2400" b="1">
+                <a:latin typeface="Courier New" panose="02070309020205020404" pitchFamily="49" charset="0"/>
+                <a:cs typeface="Courier New" panose="02070309020205020404" pitchFamily="49" charset="0"/>
+              </a:rPr>
+              <a:t>dtime.h</a:t>
+            </a:r>
+          </a:p>
+        </p:txBody>
+      </p:sp>
+      <p:sp>
+        <p:nvSpPr>
+          <p:cNvPr id="22" name="Line 24"/>
+          <p:cNvSpPr>
+            <a:spLocks noChangeShapeType="1"/>
+          </p:cNvSpPr>
+          <p:nvPr/>
+        </p:nvSpPr>
+        <p:spPr bwMode="auto">
+          <a:xfrm flipH="1">
+            <a:off x="4186237" y="2505075"/>
+            <a:ext cx="1600200" cy="685800"/>
+          </a:xfrm>
+          <a:prstGeom prst="line">
+            <a:avLst/>
+          </a:prstGeom>
+          <a:noFill/>
+          <a:ln w="9525">
+            <a:solidFill>
+              <a:schemeClr val="tx1"/>
+            </a:solidFill>
+            <a:round/>
+            <a:headEnd/>
+            <a:tailEnd type="triangle" w="med" len="med"/>
+          </a:ln>
+          <a:effectLst/>
+          <a:extLst>
+            <a:ext uri="{909E8E84-426E-40DD-AFC4-6F175D3DCCD1}">
+              <a14:hiddenFill xmlns:a14="http://schemas.microsoft.com/office/drawing/2010/main">
+                <a:noFill/>
+              </a14:hiddenFill>
+            </a:ext>
+            <a:ext uri="{AF507438-7753-43E0-B8FC-AC1667EBCBE1}">
+              <a14:hiddenEffects xmlns:a14="http://schemas.microsoft.com/office/drawing/2010/main">
+                <a:effectLst>
+                  <a:outerShdw dist="35921" dir="2700000" algn="ctr" rotWithShape="0">
+                    <a:schemeClr val="bg2"/>
+                  </a:outerShdw>
+                </a:effectLst>
+              </a14:hiddenEffects>
+            </a:ext>
+          </a:extLst>
+        </p:spPr>
+        <p:txBody>
+          <a:bodyPr anchor="ctr"/>
+          <a:lstStyle/>
+          <a:p>
+            <a:endParaRPr lang="it-IT"/>
+          </a:p>
+        </p:txBody>
+      </p:sp>
+      <p:sp>
+        <p:nvSpPr>
+          <p:cNvPr id="23" name="Line 25"/>
+          <p:cNvSpPr>
+            <a:spLocks noChangeShapeType="1"/>
+          </p:cNvSpPr>
+          <p:nvPr/>
+        </p:nvSpPr>
+        <p:spPr bwMode="auto">
+          <a:xfrm rot="13561631" flipH="1">
+            <a:off x="5786437" y="2505075"/>
+            <a:ext cx="1600200" cy="685800"/>
+          </a:xfrm>
+          <a:prstGeom prst="line">
+            <a:avLst/>
+          </a:prstGeom>
+          <a:noFill/>
+          <a:ln w="9525">
+            <a:solidFill>
+              <a:schemeClr val="tx1"/>
+            </a:solidFill>
+            <a:round/>
+            <a:headEnd/>
+            <a:tailEnd type="triangle" w="med" len="med"/>
+          </a:ln>
+          <a:effectLst/>
+          <a:extLst>
+            <a:ext uri="{909E8E84-426E-40DD-AFC4-6F175D3DCCD1}">
+              <a14:hiddenFill xmlns:a14="http://schemas.microsoft.com/office/drawing/2010/main">
+                <a:noFill/>
+              </a14:hiddenFill>
+            </a:ext>
+            <a:ext uri="{AF507438-7753-43E0-B8FC-AC1667EBCBE1}">
+              <a14:hiddenEffects xmlns:a14="http://schemas.microsoft.com/office/drawing/2010/main">
+                <a:effectLst>
+                  <a:outerShdw dist="35921" dir="2700000" algn="ctr" rotWithShape="0">
+                    <a:schemeClr val="bg2"/>
+                  </a:outerShdw>
+                </a:effectLst>
+              </a14:hiddenEffects>
+            </a:ext>
+          </a:extLst>
+        </p:spPr>
+        <p:txBody>
+          <a:bodyPr anchor="ctr"/>
+          <a:lstStyle/>
+          <a:p>
+            <a:endParaRPr lang="it-IT"/>
+          </a:p>
+        </p:txBody>
+      </p:sp>
+    </p:spTree>
+    <p:extLst>
+      <p:ext uri="{BB962C8B-B14F-4D97-AF65-F5344CB8AC3E}">
+        <p14:creationId xmlns:p14="http://schemas.microsoft.com/office/powerpoint/2010/main" val="2187825333"/>
+      </p:ext>
+    </p:extLst>
+  </p:cSld>
+  <p:clrMapOvr>
+    <a:masterClrMapping/>
+  </p:clrMapOvr>
+</p:sld>
+</file>
+
+<file path=ppt/slides/slide31.xml><?xml version="1.0" encoding="utf-8"?>
+<p:sld xmlns:a="http://schemas.openxmlformats.org/drawingml/2006/main" xmlns:r="http://schemas.openxmlformats.org/officeDocument/2006/relationships" xmlns:p="http://schemas.openxmlformats.org/presentationml/2006/main">
+  <p:cSld>
+    <p:spTree>
+      <p:nvGrpSpPr>
+        <p:cNvPr id="1" name=""/>
+        <p:cNvGrpSpPr/>
+        <p:nvPr/>
+      </p:nvGrpSpPr>
+      <p:grpSpPr>
+        <a:xfrm>
+          <a:off x="0" y="0"/>
+          <a:ext cx="0" cy="0"/>
+          <a:chOff x="0" y="0"/>
+          <a:chExt cx="0" cy="0"/>
+        </a:xfrm>
+      </p:grpSpPr>
+      <p:sp>
+        <p:nvSpPr>
+          <p:cNvPr id="4" name="Titolo 3"/>
+          <p:cNvSpPr>
+            <a:spLocks noGrp="1"/>
+          </p:cNvSpPr>
+          <p:nvPr>
+            <p:ph type="title"/>
+          </p:nvPr>
+        </p:nvSpPr>
+        <p:spPr/>
+        <p:txBody>
+          <a:bodyPr/>
+          <a:lstStyle/>
+          <a:p>
+            <a:r>
+              <a:rPr lang="it-IT" dirty="0" smtClean="0"/>
+              <a:t>vantaggi della compilazione separata</a:t>
+            </a:r>
+            <a:endParaRPr lang="it-IT" dirty="0"/>
+          </a:p>
+        </p:txBody>
+      </p:sp>
+      <p:sp>
+        <p:nvSpPr>
+          <p:cNvPr id="5" name="Segnaposto contenuto 4"/>
+          <p:cNvSpPr>
+            <a:spLocks noGrp="1"/>
+          </p:cNvSpPr>
+          <p:nvPr>
+            <p:ph idx="1"/>
+          </p:nvPr>
+        </p:nvSpPr>
+        <p:spPr/>
+        <p:txBody>
+          <a:bodyPr/>
+          <a:lstStyle/>
+          <a:p>
+            <a:r>
+              <a:rPr lang="it-IT" b="1" i="1" dirty="0" smtClean="0"/>
+              <a:t>separando</a:t>
+            </a:r>
+            <a:r>
+              <a:rPr lang="it-IT" dirty="0" smtClean="0"/>
+              <a:t> </a:t>
+            </a:r>
+            <a:r>
+              <a:rPr lang="it-IT" dirty="0"/>
+              <a:t>l’</a:t>
+            </a:r>
+            <a:r>
+              <a:rPr lang="it-IT" b="1" i="1" dirty="0"/>
+              <a:t>interfaccia</a:t>
+            </a:r>
+            <a:r>
+              <a:rPr lang="it-IT" dirty="0"/>
+              <a:t> e l’</a:t>
+            </a:r>
+            <a:r>
+              <a:rPr lang="it-IT" b="1" i="1" dirty="0"/>
+              <a:t>implementazione</a:t>
+            </a:r>
+            <a:r>
+              <a:rPr lang="it-IT" dirty="0"/>
+              <a:t> della classe dall’applicazione</a:t>
+            </a:r>
+          </a:p>
+          <a:p>
+            <a:pPr lvl="1"/>
+            <a:r>
+              <a:rPr lang="it-IT" dirty="0" smtClean="0"/>
+              <a:t>posso </a:t>
+            </a:r>
+            <a:r>
+              <a:rPr lang="it-IT" b="1" i="1" dirty="0"/>
+              <a:t>riusare</a:t>
+            </a:r>
+            <a:r>
+              <a:rPr lang="it-IT" dirty="0"/>
+              <a:t> la classe in diversi programmi senza riscriverla</a:t>
+            </a:r>
+          </a:p>
+          <a:p>
+            <a:pPr lvl="1"/>
+            <a:r>
+              <a:rPr lang="it-IT" dirty="0" smtClean="0"/>
+              <a:t>posso </a:t>
+            </a:r>
+            <a:r>
+              <a:rPr lang="it-IT" b="1" i="1" dirty="0"/>
+              <a:t>compilare</a:t>
+            </a:r>
+            <a:r>
+              <a:rPr lang="it-IT" dirty="0"/>
+              <a:t> l’</a:t>
+            </a:r>
+            <a:r>
+              <a:rPr lang="it-IT" b="1" i="1" dirty="0"/>
+              <a:t>implementazione</a:t>
+            </a:r>
+            <a:r>
+              <a:rPr lang="it-IT" dirty="0"/>
+              <a:t> </a:t>
+            </a:r>
+            <a:r>
+              <a:rPr lang="it-IT" b="1" i="1" dirty="0" smtClean="0"/>
+              <a:t>una sola volta</a:t>
+            </a:r>
+            <a:endParaRPr lang="it-IT" b="1" i="1" dirty="0"/>
+          </a:p>
+          <a:p>
+            <a:r>
+              <a:rPr lang="it-IT" dirty="0" smtClean="0"/>
+              <a:t>separando </a:t>
+            </a:r>
+            <a:r>
+              <a:rPr lang="it-IT" dirty="0"/>
+              <a:t>l’</a:t>
+            </a:r>
+            <a:r>
+              <a:rPr lang="it-IT" b="1" i="1" dirty="0"/>
+              <a:t>interfaccia</a:t>
+            </a:r>
+            <a:r>
+              <a:rPr lang="it-IT" dirty="0"/>
+              <a:t> dall’</a:t>
+            </a:r>
+            <a:r>
+              <a:rPr lang="it-IT" b="1" i="1" dirty="0"/>
+              <a:t>implementazione</a:t>
+            </a:r>
+          </a:p>
+          <a:p>
+            <a:pPr lvl="1"/>
+            <a:r>
+              <a:rPr lang="it-IT" dirty="0" smtClean="0"/>
+              <a:t>se </a:t>
+            </a:r>
+            <a:r>
+              <a:rPr lang="it-IT" b="1" i="1" dirty="0"/>
+              <a:t>cambio</a:t>
+            </a:r>
+            <a:r>
+              <a:rPr lang="it-IT" dirty="0"/>
+              <a:t> l’</a:t>
+            </a:r>
+            <a:r>
+              <a:rPr lang="it-IT" b="1" i="1" dirty="0"/>
+              <a:t>implementazione</a:t>
+            </a:r>
+            <a:r>
+              <a:rPr lang="it-IT" dirty="0"/>
+              <a:t> </a:t>
+            </a:r>
+            <a:r>
+              <a:rPr lang="it-IT" b="1" i="1" dirty="0"/>
+              <a:t>non</a:t>
+            </a:r>
+            <a:r>
+              <a:rPr lang="it-IT" dirty="0"/>
+              <a:t> devo cambiare i </a:t>
+            </a:r>
+            <a:r>
+              <a:rPr lang="it-IT" b="1" i="1" dirty="0"/>
+              <a:t>programmi</a:t>
+            </a:r>
+            <a:r>
+              <a:rPr lang="it-IT" dirty="0"/>
+              <a:t> che usano la classe</a:t>
+            </a:r>
+          </a:p>
+          <a:p>
+            <a:pPr lvl="1"/>
+            <a:r>
+              <a:rPr lang="it-IT" dirty="0" smtClean="0"/>
+              <a:t>devo </a:t>
+            </a:r>
+            <a:r>
+              <a:rPr lang="it-IT" dirty="0"/>
+              <a:t>solo </a:t>
+            </a:r>
+            <a:r>
+              <a:rPr lang="it-IT" b="1" i="1" dirty="0"/>
+              <a:t>ricompilare</a:t>
+            </a:r>
+            <a:r>
+              <a:rPr lang="it-IT" dirty="0"/>
+              <a:t> l’implementazione e </a:t>
+            </a:r>
+            <a:r>
+              <a:rPr lang="it-IT" b="1" i="1" dirty="0" err="1" smtClean="0"/>
+              <a:t>rilinkare</a:t>
+            </a:r>
+            <a:endParaRPr lang="it-IT" b="1" i="1" dirty="0"/>
+          </a:p>
+        </p:txBody>
+      </p:sp>
+      <p:sp>
+        <p:nvSpPr>
+          <p:cNvPr id="3" name="Segnaposto piè di pagina 2"/>
+          <p:cNvSpPr>
+            <a:spLocks noGrp="1"/>
+          </p:cNvSpPr>
+          <p:nvPr>
+            <p:ph type="ftr" sz="quarter" idx="11"/>
+          </p:nvPr>
+        </p:nvSpPr>
+        <p:spPr/>
+        <p:txBody>
+          <a:bodyPr/>
+          <a:lstStyle/>
+          <a:p>
+            <a:pPr>
+              <a:defRPr/>
+            </a:pPr>
+            <a:r>
+              <a:rPr lang="it-IT" smtClean="0"/>
+              <a:t>Alberto Ferrari – Programmazione di applicazioni SW</a:t>
+            </a:r>
+            <a:endParaRPr lang="it-IT" dirty="0"/>
+          </a:p>
+        </p:txBody>
+      </p:sp>
+    </p:spTree>
+    <p:extLst>
+      <p:ext uri="{BB962C8B-B14F-4D97-AF65-F5344CB8AC3E}">
+        <p14:creationId xmlns:p14="http://schemas.microsoft.com/office/powerpoint/2010/main" val="3548347021"/>
+      </p:ext>
+    </p:extLst>
+  </p:cSld>
+  <p:clrMapOvr>
+    <a:masterClrMapping/>
+  </p:clrMapOvr>
+</p:sld>
+</file>
+
+<file path=ppt/slides/slide32.xml><?xml version="1.0" encoding="utf-8"?>
+<p:sld xmlns:a="http://schemas.openxmlformats.org/drawingml/2006/main" xmlns:r="http://schemas.openxmlformats.org/officeDocument/2006/relationships" xmlns:p="http://schemas.openxmlformats.org/presentationml/2006/main">
+  <p:cSld>
+    <p:spTree>
+      <p:nvGrpSpPr>
+        <p:cNvPr id="1" name=""/>
+        <p:cNvGrpSpPr/>
+        <p:nvPr/>
+      </p:nvGrpSpPr>
+      <p:grpSpPr>
+        <a:xfrm>
+          <a:off x="0" y="0"/>
+          <a:ext cx="0" cy="0"/>
+          <a:chOff x="0" y="0"/>
+          <a:chExt cx="0" cy="0"/>
+        </a:xfrm>
+      </p:grpSpPr>
+      <p:sp>
+        <p:nvSpPr>
+          <p:cNvPr id="2" name="Titolo 1"/>
+          <p:cNvSpPr>
+            <a:spLocks noGrp="1"/>
+          </p:cNvSpPr>
+          <p:nvPr>
+            <p:ph type="title"/>
+          </p:nvPr>
+        </p:nvSpPr>
+        <p:spPr/>
+        <p:txBody>
+          <a:bodyPr/>
+          <a:lstStyle/>
+          <a:p>
+            <a:r>
+              <a:rPr lang="it-IT" dirty="0" smtClean="0"/>
+              <a:t>inclusione ripetuta</a:t>
+            </a:r>
+            <a:endParaRPr lang="it-IT" dirty="0"/>
+          </a:p>
+        </p:txBody>
+      </p:sp>
+      <p:sp>
+        <p:nvSpPr>
+          <p:cNvPr id="4" name="Segnaposto piè di pagina 3"/>
+          <p:cNvSpPr>
+            <a:spLocks noGrp="1"/>
+          </p:cNvSpPr>
+          <p:nvPr>
+            <p:ph type="ftr" sz="quarter" idx="11"/>
+          </p:nvPr>
+        </p:nvSpPr>
+        <p:spPr/>
+        <p:txBody>
+          <a:bodyPr/>
+          <a:lstStyle/>
+          <a:p>
+            <a:pPr>
+              <a:defRPr/>
+            </a:pPr>
+            <a:r>
+              <a:rPr lang="it-IT" smtClean="0"/>
+              <a:t>Alberto Ferrari – Programmazione di applicazioni SW</a:t>
+            </a:r>
+            <a:endParaRPr lang="it-IT" dirty="0"/>
+          </a:p>
+        </p:txBody>
+      </p:sp>
+      <p:sp>
+        <p:nvSpPr>
+          <p:cNvPr id="6" name="Rectangle 2"/>
+          <p:cNvSpPr>
+            <a:spLocks noChangeArrowheads="1"/>
+          </p:cNvSpPr>
+          <p:nvPr/>
+        </p:nvSpPr>
+        <p:spPr bwMode="auto">
+          <a:xfrm>
+            <a:off x="1415480" y="1124744"/>
+            <a:ext cx="2016224" cy="4114800"/>
+          </a:xfrm>
+          <a:prstGeom prst="rect">
+            <a:avLst/>
+          </a:prstGeom>
+          <a:noFill/>
+          <a:ln w="9525">
+            <a:solidFill>
+              <a:schemeClr val="tx1"/>
+            </a:solidFill>
+            <a:miter lim="800000"/>
+            <a:headEnd/>
+            <a:tailEnd/>
+          </a:ln>
+          <a:effectLst/>
+          <a:extLst>
+            <a:ext uri="{909E8E84-426E-40DD-AFC4-6F175D3DCCD1}">
+              <a14:hiddenFill xmlns:a14="http://schemas.microsoft.com/office/drawing/2010/main">
+                <a:solidFill>
+                  <a:schemeClr val="accent1"/>
+                </a:solidFill>
+              </a14:hiddenFill>
+            </a:ext>
+            <a:ext uri="{AF507438-7753-43E0-B8FC-AC1667EBCBE1}">
+              <a14:hiddenEffects xmlns:a14="http://schemas.microsoft.com/office/drawing/2010/main">
+                <a:effectLst>
+                  <a:outerShdw dist="35921" dir="2700000" algn="ctr" rotWithShape="0">
+                    <a:schemeClr val="bg2"/>
+                  </a:outerShdw>
+                </a:effectLst>
+              </a14:hiddenEffects>
+            </a:ext>
+          </a:extLst>
+        </p:spPr>
+        <p:txBody>
+          <a:bodyPr/>
+          <a:lstStyle>
+            <a:lvl1pPr marL="342900" indent="-342900" algn="l">
+              <a:spcBef>
+                <a:spcPct val="20000"/>
+              </a:spcBef>
+              <a:buChar char="•"/>
+              <a:defRPr sz="3200">
+                <a:solidFill>
+                  <a:schemeClr val="tx1"/>
+                </a:solidFill>
+                <a:latin typeface="Tahoma" pitchFamily="34" charset="0"/>
+              </a:defRPr>
+            </a:lvl1pPr>
+            <a:lvl2pPr marL="742950" indent="-285750" algn="l">
+              <a:spcBef>
+                <a:spcPct val="20000"/>
+              </a:spcBef>
+              <a:buChar char="–"/>
+              <a:defRPr sz="2800">
+                <a:solidFill>
+                  <a:schemeClr val="tx1"/>
+                </a:solidFill>
+                <a:latin typeface="Tahoma" pitchFamily="34" charset="0"/>
+              </a:defRPr>
+            </a:lvl2pPr>
+            <a:lvl3pPr marL="1143000" indent="-228600" algn="l">
+              <a:spcBef>
+                <a:spcPct val="20000"/>
+              </a:spcBef>
+              <a:buChar char="•"/>
+              <a:defRPr sz="2400">
+                <a:solidFill>
+                  <a:schemeClr val="tx1"/>
+                </a:solidFill>
+                <a:latin typeface="Tahoma" pitchFamily="34" charset="0"/>
+              </a:defRPr>
+            </a:lvl3pPr>
+            <a:lvl4pPr marL="1600200" indent="-228600" algn="l">
+              <a:spcBef>
+                <a:spcPct val="20000"/>
+              </a:spcBef>
+              <a:buChar char="–"/>
+              <a:defRPr sz="2000">
+                <a:solidFill>
+                  <a:schemeClr val="tx1"/>
+                </a:solidFill>
+                <a:latin typeface="Tahoma" pitchFamily="34" charset="0"/>
+              </a:defRPr>
+            </a:lvl4pPr>
+            <a:lvl5pPr marL="2057400" indent="-228600" algn="l">
+              <a:spcBef>
+                <a:spcPct val="20000"/>
+              </a:spcBef>
+              <a:buChar char="»"/>
+              <a:defRPr sz="2000">
+                <a:solidFill>
+                  <a:schemeClr val="tx1"/>
+                </a:solidFill>
+                <a:latin typeface="Tahoma" pitchFamily="34" charset="0"/>
+              </a:defRPr>
+            </a:lvl5pPr>
+            <a:lvl6pPr marL="2514600" indent="-228600" eaLnBrk="0" fontAlgn="base" hangingPunct="0">
+              <a:spcBef>
+                <a:spcPct val="20000"/>
+              </a:spcBef>
+              <a:spcAft>
+                <a:spcPct val="0"/>
+              </a:spcAft>
+              <a:buChar char="»"/>
+              <a:defRPr sz="2000">
+                <a:solidFill>
+                  <a:schemeClr val="tx1"/>
+                </a:solidFill>
+                <a:latin typeface="Tahoma" pitchFamily="34" charset="0"/>
+              </a:defRPr>
+            </a:lvl6pPr>
+            <a:lvl7pPr marL="2971800" indent="-228600" eaLnBrk="0" fontAlgn="base" hangingPunct="0">
+              <a:spcBef>
+                <a:spcPct val="20000"/>
+              </a:spcBef>
+              <a:spcAft>
+                <a:spcPct val="0"/>
+              </a:spcAft>
+              <a:buChar char="»"/>
+              <a:defRPr sz="2000">
+                <a:solidFill>
+                  <a:schemeClr val="tx1"/>
+                </a:solidFill>
+                <a:latin typeface="Tahoma" pitchFamily="34" charset="0"/>
+              </a:defRPr>
+            </a:lvl7pPr>
+            <a:lvl8pPr marL="3429000" indent="-228600" eaLnBrk="0" fontAlgn="base" hangingPunct="0">
+              <a:spcBef>
+                <a:spcPct val="20000"/>
+              </a:spcBef>
+              <a:spcAft>
+                <a:spcPct val="0"/>
+              </a:spcAft>
+              <a:buChar char="»"/>
+              <a:defRPr sz="2000">
+                <a:solidFill>
+                  <a:schemeClr val="tx1"/>
+                </a:solidFill>
+                <a:latin typeface="Tahoma" pitchFamily="34" charset="0"/>
+              </a:defRPr>
+            </a:lvl8pPr>
+            <a:lvl9pPr marL="3886200" indent="-228600" eaLnBrk="0" fontAlgn="base" hangingPunct="0">
+              <a:spcBef>
+                <a:spcPct val="20000"/>
+              </a:spcBef>
+              <a:spcAft>
+                <a:spcPct val="0"/>
+              </a:spcAft>
+              <a:buChar char="»"/>
+              <a:defRPr sz="2000">
+                <a:solidFill>
+                  <a:schemeClr val="tx1"/>
+                </a:solidFill>
+                <a:latin typeface="Tahoma" pitchFamily="34" charset="0"/>
+              </a:defRPr>
+            </a:lvl9pPr>
+          </a:lstStyle>
+          <a:p>
+            <a:pPr>
+              <a:lnSpc>
+                <a:spcPct val="90000"/>
+              </a:lnSpc>
+              <a:buFontTx/>
+              <a:buNone/>
+            </a:pPr>
+            <a:r>
+              <a:rPr lang="it-IT" altLang="it-IT" sz="2400" b="1" u="sng" dirty="0" smtClean="0">
+                <a:latin typeface="Courier New" panose="02070309020205020404" pitchFamily="49" charset="0"/>
+                <a:cs typeface="Courier New" panose="02070309020205020404" pitchFamily="49" charset="0"/>
+              </a:rPr>
+              <a:t>classA.cpp</a:t>
+            </a:r>
+            <a:endParaRPr lang="it-IT" altLang="it-IT" sz="2400" b="1" u="sng" dirty="0">
+              <a:latin typeface="Courier New" panose="02070309020205020404" pitchFamily="49" charset="0"/>
+              <a:cs typeface="Courier New" panose="02070309020205020404" pitchFamily="49" charset="0"/>
+            </a:endParaRPr>
+          </a:p>
+        </p:txBody>
+      </p:sp>
+      <p:sp>
+        <p:nvSpPr>
+          <p:cNvPr id="7" name="Rectangle 3"/>
+          <p:cNvSpPr>
+            <a:spLocks noChangeArrowheads="1"/>
+          </p:cNvSpPr>
+          <p:nvPr/>
+        </p:nvSpPr>
+        <p:spPr bwMode="auto">
+          <a:xfrm>
+            <a:off x="3769296" y="1124744"/>
+            <a:ext cx="2830760" cy="4114800"/>
+          </a:xfrm>
+          <a:prstGeom prst="rect">
+            <a:avLst/>
+          </a:prstGeom>
+          <a:noFill/>
+          <a:ln w="9525">
+            <a:solidFill>
+              <a:schemeClr val="tx1"/>
+            </a:solidFill>
+            <a:miter lim="800000"/>
+            <a:headEnd/>
+            <a:tailEnd/>
+          </a:ln>
+          <a:effectLst/>
+          <a:extLst>
+            <a:ext uri="{909E8E84-426E-40DD-AFC4-6F175D3DCCD1}">
+              <a14:hiddenFill xmlns:a14="http://schemas.microsoft.com/office/drawing/2010/main">
+                <a:solidFill>
+                  <a:schemeClr val="accent1"/>
+                </a:solidFill>
+              </a14:hiddenFill>
+            </a:ext>
+            <a:ext uri="{AF507438-7753-43E0-B8FC-AC1667EBCBE1}">
+              <a14:hiddenEffects xmlns:a14="http://schemas.microsoft.com/office/drawing/2010/main">
+                <a:effectLst>
+                  <a:outerShdw dist="35921" dir="2700000" algn="ctr" rotWithShape="0">
+                    <a:schemeClr val="bg2"/>
+                  </a:outerShdw>
+                </a:effectLst>
+              </a14:hiddenEffects>
+            </a:ext>
+          </a:extLst>
+        </p:spPr>
+        <p:txBody>
+          <a:bodyPr/>
+          <a:lstStyle>
+            <a:lvl1pPr marL="342900" indent="-342900" algn="l">
+              <a:spcBef>
+                <a:spcPct val="20000"/>
+              </a:spcBef>
+              <a:buChar char="•"/>
+              <a:defRPr sz="3200">
+                <a:solidFill>
+                  <a:schemeClr val="tx1"/>
+                </a:solidFill>
+                <a:latin typeface="Tahoma" pitchFamily="34" charset="0"/>
+              </a:defRPr>
+            </a:lvl1pPr>
+            <a:lvl2pPr marL="742950" indent="-285750" algn="l">
+              <a:spcBef>
+                <a:spcPct val="20000"/>
+              </a:spcBef>
+              <a:buChar char="–"/>
+              <a:defRPr sz="2800">
+                <a:solidFill>
+                  <a:schemeClr val="tx1"/>
+                </a:solidFill>
+                <a:latin typeface="Tahoma" pitchFamily="34" charset="0"/>
+              </a:defRPr>
+            </a:lvl2pPr>
+            <a:lvl3pPr marL="1143000" indent="-228600" algn="l">
+              <a:spcBef>
+                <a:spcPct val="20000"/>
+              </a:spcBef>
+              <a:buChar char="•"/>
+              <a:defRPr sz="2400">
+                <a:solidFill>
+                  <a:schemeClr val="tx1"/>
+                </a:solidFill>
+                <a:latin typeface="Tahoma" pitchFamily="34" charset="0"/>
+              </a:defRPr>
+            </a:lvl3pPr>
+            <a:lvl4pPr marL="1600200" indent="-228600" algn="l">
+              <a:spcBef>
+                <a:spcPct val="20000"/>
+              </a:spcBef>
+              <a:buChar char="–"/>
+              <a:defRPr sz="2000">
+                <a:solidFill>
+                  <a:schemeClr val="tx1"/>
+                </a:solidFill>
+                <a:latin typeface="Tahoma" pitchFamily="34" charset="0"/>
+              </a:defRPr>
+            </a:lvl4pPr>
+            <a:lvl5pPr marL="2057400" indent="-228600" algn="l">
+              <a:spcBef>
+                <a:spcPct val="20000"/>
+              </a:spcBef>
+              <a:buChar char="»"/>
+              <a:defRPr sz="2000">
+                <a:solidFill>
+                  <a:schemeClr val="tx1"/>
+                </a:solidFill>
+                <a:latin typeface="Tahoma" pitchFamily="34" charset="0"/>
+              </a:defRPr>
+            </a:lvl5pPr>
+            <a:lvl6pPr marL="2514600" indent="-228600" eaLnBrk="0" fontAlgn="base" hangingPunct="0">
+              <a:spcBef>
+                <a:spcPct val="20000"/>
+              </a:spcBef>
+              <a:spcAft>
+                <a:spcPct val="0"/>
+              </a:spcAft>
+              <a:buChar char="»"/>
+              <a:defRPr sz="2000">
+                <a:solidFill>
+                  <a:schemeClr val="tx1"/>
+                </a:solidFill>
+                <a:latin typeface="Tahoma" pitchFamily="34" charset="0"/>
+              </a:defRPr>
+            </a:lvl6pPr>
+            <a:lvl7pPr marL="2971800" indent="-228600" eaLnBrk="0" fontAlgn="base" hangingPunct="0">
+              <a:spcBef>
+                <a:spcPct val="20000"/>
+              </a:spcBef>
+              <a:spcAft>
+                <a:spcPct val="0"/>
+              </a:spcAft>
+              <a:buChar char="»"/>
+              <a:defRPr sz="2000">
+                <a:solidFill>
+                  <a:schemeClr val="tx1"/>
+                </a:solidFill>
+                <a:latin typeface="Tahoma" pitchFamily="34" charset="0"/>
+              </a:defRPr>
+            </a:lvl7pPr>
+            <a:lvl8pPr marL="3429000" indent="-228600" eaLnBrk="0" fontAlgn="base" hangingPunct="0">
+              <a:spcBef>
+                <a:spcPct val="20000"/>
+              </a:spcBef>
+              <a:spcAft>
+                <a:spcPct val="0"/>
+              </a:spcAft>
+              <a:buChar char="»"/>
+              <a:defRPr sz="2000">
+                <a:solidFill>
+                  <a:schemeClr val="tx1"/>
+                </a:solidFill>
+                <a:latin typeface="Tahoma" pitchFamily="34" charset="0"/>
+              </a:defRPr>
+            </a:lvl8pPr>
+            <a:lvl9pPr marL="3886200" indent="-228600" eaLnBrk="0" fontAlgn="base" hangingPunct="0">
+              <a:spcBef>
+                <a:spcPct val="20000"/>
+              </a:spcBef>
+              <a:spcAft>
+                <a:spcPct val="0"/>
+              </a:spcAft>
+              <a:buChar char="»"/>
+              <a:defRPr sz="2000">
+                <a:solidFill>
+                  <a:schemeClr val="tx1"/>
+                </a:solidFill>
+                <a:latin typeface="Tahoma" pitchFamily="34" charset="0"/>
+              </a:defRPr>
+            </a:lvl9pPr>
+          </a:lstStyle>
+          <a:p>
+            <a:pPr>
+              <a:lnSpc>
+                <a:spcPct val="90000"/>
+              </a:lnSpc>
+              <a:buFontTx/>
+              <a:buNone/>
+            </a:pPr>
+            <a:r>
+              <a:rPr lang="it-IT" altLang="it-IT" sz="2400" b="1" u="sng" dirty="0" smtClean="0">
+                <a:latin typeface="Courier New" panose="02070309020205020404" pitchFamily="49" charset="0"/>
+                <a:cs typeface="Courier New" panose="02070309020205020404" pitchFamily="49" charset="0"/>
+              </a:rPr>
+              <a:t>classB.cpp</a:t>
+            </a:r>
+            <a:endParaRPr lang="it-IT" altLang="it-IT" sz="2400" b="1" u="sng" dirty="0">
+              <a:latin typeface="Courier New" panose="02070309020205020404" pitchFamily="49" charset="0"/>
+              <a:cs typeface="Courier New" panose="02070309020205020404" pitchFamily="49" charset="0"/>
+            </a:endParaRPr>
+          </a:p>
+        </p:txBody>
+      </p:sp>
+      <p:sp>
+        <p:nvSpPr>
+          <p:cNvPr id="8" name="Rectangle 5"/>
+          <p:cNvSpPr txBox="1">
+            <a:spLocks noChangeArrowheads="1"/>
+          </p:cNvSpPr>
+          <p:nvPr/>
+        </p:nvSpPr>
+        <p:spPr>
+          <a:xfrm>
+            <a:off x="1415480" y="1638865"/>
+            <a:ext cx="2209800" cy="3744416"/>
+          </a:xfrm>
+          <a:prstGeom prst="rect">
+            <a:avLst/>
+          </a:prstGeom>
+          <a:solidFill>
+            <a:schemeClr val="bg1"/>
+          </a:solidFill>
+          <a:ln>
+            <a:solidFill>
+              <a:schemeClr val="tx1"/>
+            </a:solidFill>
+            <a:miter lim="800000"/>
+            <a:headEnd/>
+            <a:tailEnd/>
+          </a:ln>
+        </p:spPr>
+        <p:txBody>
+          <a:bodyPr/>
+          <a:lstStyle>
+            <a:lvl1pPr marL="342900" indent="-342900" algn="l" rtl="0" eaLnBrk="1" fontAlgn="base" hangingPunct="1">
+              <a:spcBef>
+                <a:spcPct val="20000"/>
+              </a:spcBef>
+              <a:spcAft>
+                <a:spcPct val="0"/>
+              </a:spcAft>
+              <a:buChar char="•"/>
+              <a:defRPr sz="2400">
+                <a:solidFill>
+                  <a:schemeClr val="tx1"/>
+                </a:solidFill>
+                <a:latin typeface="Century Schoolbook" panose="02040604050505020304" pitchFamily="18" charset="0"/>
+                <a:ea typeface="+mn-ea"/>
+                <a:cs typeface="+mn-cs"/>
+              </a:defRPr>
+            </a:lvl1pPr>
+            <a:lvl2pPr marL="742950" indent="-285750" algn="l" rtl="0" eaLnBrk="1" fontAlgn="base" hangingPunct="1">
+              <a:spcBef>
+                <a:spcPct val="20000"/>
+              </a:spcBef>
+              <a:spcAft>
+                <a:spcPct val="0"/>
+              </a:spcAft>
+              <a:buChar char="–"/>
+              <a:defRPr sz="2000">
+                <a:solidFill>
+                  <a:schemeClr val="tx1"/>
+                </a:solidFill>
+                <a:latin typeface="Century Schoolbook" panose="02040604050505020304" pitchFamily="18" charset="0"/>
+              </a:defRPr>
+            </a:lvl2pPr>
+            <a:lvl3pPr marL="1143000" indent="-228600" algn="l" rtl="0" eaLnBrk="1" fontAlgn="base" hangingPunct="1">
+              <a:spcBef>
+                <a:spcPct val="20000"/>
+              </a:spcBef>
+              <a:spcAft>
+                <a:spcPct val="0"/>
+              </a:spcAft>
+              <a:buChar char="•"/>
+              <a:defRPr>
+                <a:solidFill>
+                  <a:schemeClr val="tx1"/>
+                </a:solidFill>
+                <a:latin typeface="Century Schoolbook" panose="02040604050505020304" pitchFamily="18" charset="0"/>
+              </a:defRPr>
+            </a:lvl3pPr>
+            <a:lvl4pPr marL="1600200" indent="-228600" algn="l" rtl="0" eaLnBrk="1" fontAlgn="base" hangingPunct="1">
+              <a:spcBef>
+                <a:spcPct val="20000"/>
+              </a:spcBef>
+              <a:spcAft>
+                <a:spcPct val="0"/>
+              </a:spcAft>
+              <a:buChar char="–"/>
+              <a:defRPr sz="1600">
+                <a:solidFill>
+                  <a:schemeClr val="tx1"/>
+                </a:solidFill>
+                <a:latin typeface="Century Schoolbook" panose="02040604050505020304" pitchFamily="18" charset="0"/>
+              </a:defRPr>
+            </a:lvl4pPr>
+            <a:lvl5pPr marL="2057400" indent="-228600" algn="l" rtl="0" eaLnBrk="1" fontAlgn="base" hangingPunct="1">
+              <a:spcBef>
+                <a:spcPct val="20000"/>
+              </a:spcBef>
+              <a:spcAft>
+                <a:spcPct val="0"/>
+              </a:spcAft>
+              <a:buChar char="»"/>
+              <a:defRPr sz="1400">
+                <a:solidFill>
+                  <a:schemeClr val="tx1"/>
+                </a:solidFill>
+                <a:latin typeface="Century Schoolbook" panose="02040604050505020304" pitchFamily="18" charset="0"/>
+              </a:defRPr>
+            </a:lvl5pPr>
+            <a:lvl6pPr marL="2514600" indent="-228600" algn="l" rtl="0" eaLnBrk="1" fontAlgn="base" hangingPunct="1">
+              <a:spcBef>
+                <a:spcPct val="20000"/>
+              </a:spcBef>
+              <a:spcAft>
+                <a:spcPct val="0"/>
+              </a:spcAft>
+              <a:buChar char="»"/>
+              <a:defRPr sz="1400">
+                <a:solidFill>
+                  <a:schemeClr val="tx1"/>
+                </a:solidFill>
+                <a:latin typeface="+mn-lt"/>
+              </a:defRPr>
+            </a:lvl6pPr>
+            <a:lvl7pPr marL="2971800" indent="-228600" algn="l" rtl="0" eaLnBrk="1" fontAlgn="base" hangingPunct="1">
+              <a:spcBef>
+                <a:spcPct val="20000"/>
+              </a:spcBef>
+              <a:spcAft>
+                <a:spcPct val="0"/>
+              </a:spcAft>
+              <a:buChar char="»"/>
+              <a:defRPr sz="1400">
+                <a:solidFill>
+                  <a:schemeClr val="tx1"/>
+                </a:solidFill>
+                <a:latin typeface="+mn-lt"/>
+              </a:defRPr>
+            </a:lvl7pPr>
+            <a:lvl8pPr marL="3429000" indent="-228600" algn="l" rtl="0" eaLnBrk="1" fontAlgn="base" hangingPunct="1">
+              <a:spcBef>
+                <a:spcPct val="20000"/>
+              </a:spcBef>
+              <a:spcAft>
+                <a:spcPct val="0"/>
+              </a:spcAft>
+              <a:buChar char="»"/>
+              <a:defRPr sz="1400">
+                <a:solidFill>
+                  <a:schemeClr val="tx1"/>
+                </a:solidFill>
+                <a:latin typeface="+mn-lt"/>
+              </a:defRPr>
+            </a:lvl8pPr>
+            <a:lvl9pPr marL="3886200" indent="-228600" algn="l" rtl="0" eaLnBrk="1" fontAlgn="base" hangingPunct="1">
+              <a:spcBef>
+                <a:spcPct val="20000"/>
+              </a:spcBef>
+              <a:spcAft>
+                <a:spcPct val="0"/>
+              </a:spcAft>
+              <a:buChar char="»"/>
+              <a:defRPr sz="1400">
+                <a:solidFill>
+                  <a:schemeClr val="tx1"/>
+                </a:solidFill>
+                <a:latin typeface="+mn-lt"/>
+              </a:defRPr>
+            </a:lvl9pPr>
+          </a:lstStyle>
+          <a:p>
+            <a:pPr>
+              <a:lnSpc>
+                <a:spcPct val="90000"/>
+              </a:lnSpc>
+              <a:buFontTx/>
+              <a:buNone/>
+            </a:pPr>
+            <a:r>
+              <a:rPr lang="it-IT" altLang="it-IT" sz="1800" b="1" u="sng" kern="0" dirty="0" err="1" smtClean="0">
+                <a:latin typeface="Courier New" panose="02070309020205020404" pitchFamily="49" charset="0"/>
+                <a:cs typeface="Courier New" panose="02070309020205020404" pitchFamily="49" charset="0"/>
+              </a:rPr>
+              <a:t>classA.h</a:t>
+            </a:r>
+            <a:endParaRPr lang="it-IT" altLang="it-IT" sz="1800" b="1" u="sng" kern="0" dirty="0" smtClean="0">
+              <a:latin typeface="Courier New" panose="02070309020205020404" pitchFamily="49" charset="0"/>
+              <a:cs typeface="Courier New" panose="02070309020205020404" pitchFamily="49" charset="0"/>
+            </a:endParaRPr>
+          </a:p>
+          <a:p>
+            <a:pPr>
+              <a:lnSpc>
+                <a:spcPct val="90000"/>
+              </a:lnSpc>
+              <a:buFontTx/>
+              <a:buNone/>
+            </a:pPr>
+            <a:r>
+              <a:rPr lang="it-IT" altLang="it-IT" sz="1800" kern="0" dirty="0" err="1" smtClean="0">
+                <a:latin typeface="Courier New" panose="02070309020205020404" pitchFamily="49" charset="0"/>
+                <a:cs typeface="Courier New" panose="02070309020205020404" pitchFamily="49" charset="0"/>
+              </a:rPr>
+              <a:t>class</a:t>
+            </a:r>
+            <a:r>
+              <a:rPr lang="it-IT" altLang="it-IT" sz="1800" kern="0" dirty="0" smtClean="0">
+                <a:latin typeface="Courier New" panose="02070309020205020404" pitchFamily="49" charset="0"/>
+                <a:cs typeface="Courier New" panose="02070309020205020404" pitchFamily="49" charset="0"/>
+              </a:rPr>
+              <a:t> A</a:t>
+            </a:r>
+          </a:p>
+          <a:p>
+            <a:pPr>
+              <a:lnSpc>
+                <a:spcPct val="90000"/>
+              </a:lnSpc>
+              <a:buFontTx/>
+              <a:buNone/>
+            </a:pPr>
+            <a:r>
+              <a:rPr lang="it-IT" altLang="it-IT" sz="1800" kern="0" dirty="0" smtClean="0">
+                <a:latin typeface="Courier New" panose="02070309020205020404" pitchFamily="49" charset="0"/>
+                <a:cs typeface="Courier New" panose="02070309020205020404" pitchFamily="49" charset="0"/>
+              </a:rPr>
+              <a:t>{</a:t>
+            </a:r>
+          </a:p>
+          <a:p>
+            <a:pPr>
+              <a:lnSpc>
+                <a:spcPct val="90000"/>
+              </a:lnSpc>
+              <a:buFontTx/>
+              <a:buNone/>
+            </a:pPr>
+            <a:r>
+              <a:rPr lang="it-IT" altLang="it-IT" sz="1800" kern="0" dirty="0" smtClean="0">
+                <a:latin typeface="Courier New" panose="02070309020205020404" pitchFamily="49" charset="0"/>
+                <a:cs typeface="Courier New" panose="02070309020205020404" pitchFamily="49" charset="0"/>
+              </a:rPr>
+              <a:t>  public:</a:t>
+            </a:r>
+          </a:p>
+          <a:p>
+            <a:pPr>
+              <a:lnSpc>
+                <a:spcPct val="90000"/>
+              </a:lnSpc>
+              <a:buFontTx/>
+              <a:buNone/>
+            </a:pPr>
+            <a:r>
+              <a:rPr lang="it-IT" altLang="it-IT" sz="1800" kern="0" dirty="0" smtClean="0">
+                <a:latin typeface="Courier New" panose="02070309020205020404" pitchFamily="49" charset="0"/>
+                <a:cs typeface="Courier New" panose="02070309020205020404" pitchFamily="49" charset="0"/>
+              </a:rPr>
+              <a:t>  …</a:t>
+            </a:r>
+          </a:p>
+          <a:p>
+            <a:pPr>
+              <a:lnSpc>
+                <a:spcPct val="90000"/>
+              </a:lnSpc>
+              <a:buFontTx/>
+              <a:buNone/>
+            </a:pPr>
+            <a:r>
+              <a:rPr lang="it-IT" altLang="it-IT" sz="1800" kern="0" dirty="0" smtClean="0">
+                <a:latin typeface="Courier New" panose="02070309020205020404" pitchFamily="49" charset="0"/>
+                <a:cs typeface="Courier New" panose="02070309020205020404" pitchFamily="49" charset="0"/>
+              </a:rPr>
+              <a:t>  private:</a:t>
+            </a:r>
+          </a:p>
+          <a:p>
+            <a:pPr>
+              <a:lnSpc>
+                <a:spcPct val="90000"/>
+              </a:lnSpc>
+              <a:buFontTx/>
+              <a:buNone/>
+            </a:pPr>
+            <a:r>
+              <a:rPr lang="it-IT" altLang="it-IT" sz="1800" kern="0" dirty="0" smtClean="0">
+                <a:latin typeface="Courier New" panose="02070309020205020404" pitchFamily="49" charset="0"/>
+                <a:cs typeface="Courier New" panose="02070309020205020404" pitchFamily="49" charset="0"/>
+              </a:rPr>
+              <a:t>  …</a:t>
+            </a:r>
+          </a:p>
+          <a:p>
+            <a:pPr>
+              <a:lnSpc>
+                <a:spcPct val="90000"/>
+              </a:lnSpc>
+              <a:buFontTx/>
+              <a:buNone/>
+            </a:pPr>
+            <a:r>
+              <a:rPr lang="it-IT" altLang="it-IT" sz="1800" kern="0" dirty="0" smtClean="0">
+                <a:latin typeface="Courier New" panose="02070309020205020404" pitchFamily="49" charset="0"/>
+                <a:cs typeface="Courier New" panose="02070309020205020404" pitchFamily="49" charset="0"/>
+              </a:rPr>
+              <a:t>};</a:t>
+            </a:r>
+            <a:endParaRPr lang="it-IT" altLang="it-IT" sz="1800" kern="0" dirty="0">
+              <a:latin typeface="Courier New" panose="02070309020205020404" pitchFamily="49" charset="0"/>
+              <a:cs typeface="Courier New" panose="02070309020205020404" pitchFamily="49" charset="0"/>
+            </a:endParaRPr>
+          </a:p>
+        </p:txBody>
+      </p:sp>
+      <p:sp>
+        <p:nvSpPr>
+          <p:cNvPr id="9" name="Rectangle 6"/>
+          <p:cNvSpPr>
+            <a:spLocks noChangeArrowheads="1"/>
+          </p:cNvSpPr>
+          <p:nvPr/>
+        </p:nvSpPr>
+        <p:spPr bwMode="auto">
+          <a:xfrm>
+            <a:off x="3935760" y="1628800"/>
+            <a:ext cx="2808312" cy="4367336"/>
+          </a:xfrm>
+          <a:prstGeom prst="rect">
+            <a:avLst/>
+          </a:prstGeom>
+          <a:solidFill>
+            <a:schemeClr val="bg1"/>
+          </a:solidFill>
+          <a:ln w="9525">
+            <a:solidFill>
+              <a:schemeClr val="tx1"/>
+            </a:solidFill>
+            <a:miter lim="800000"/>
+            <a:headEnd/>
+            <a:tailEnd/>
+          </a:ln>
+          <a:effectLst/>
+          <a:extLst>
+            <a:ext uri="{AF507438-7753-43E0-B8FC-AC1667EBCBE1}">
+              <a14:hiddenEffects xmlns:a14="http://schemas.microsoft.com/office/drawing/2010/main">
+                <a:effectLst>
+                  <a:outerShdw dist="35921" dir="2700000" algn="ctr" rotWithShape="0">
+                    <a:schemeClr val="bg2"/>
+                  </a:outerShdw>
+                </a:effectLst>
+              </a14:hiddenEffects>
+            </a:ext>
+          </a:extLst>
+        </p:spPr>
+        <p:txBody>
+          <a:bodyPr/>
+          <a:lstStyle>
+            <a:lvl1pPr marL="342900" indent="-342900" algn="l">
+              <a:spcBef>
+                <a:spcPct val="20000"/>
+              </a:spcBef>
+              <a:buChar char="•"/>
+              <a:defRPr sz="3200">
+                <a:solidFill>
+                  <a:schemeClr val="tx1"/>
+                </a:solidFill>
+                <a:latin typeface="Tahoma" pitchFamily="34" charset="0"/>
+              </a:defRPr>
+            </a:lvl1pPr>
+            <a:lvl2pPr marL="742950" indent="-285750" algn="l">
+              <a:spcBef>
+                <a:spcPct val="20000"/>
+              </a:spcBef>
+              <a:buChar char="–"/>
+              <a:defRPr sz="2800">
+                <a:solidFill>
+                  <a:schemeClr val="tx1"/>
+                </a:solidFill>
+                <a:latin typeface="Tahoma" pitchFamily="34" charset="0"/>
+              </a:defRPr>
+            </a:lvl2pPr>
+            <a:lvl3pPr marL="1143000" indent="-228600" algn="l">
+              <a:spcBef>
+                <a:spcPct val="20000"/>
+              </a:spcBef>
+              <a:buChar char="•"/>
+              <a:defRPr sz="2400">
+                <a:solidFill>
+                  <a:schemeClr val="tx1"/>
+                </a:solidFill>
+                <a:latin typeface="Tahoma" pitchFamily="34" charset="0"/>
+              </a:defRPr>
+            </a:lvl3pPr>
+            <a:lvl4pPr marL="1600200" indent="-228600" algn="l">
+              <a:spcBef>
+                <a:spcPct val="20000"/>
+              </a:spcBef>
+              <a:buChar char="–"/>
+              <a:defRPr sz="2000">
+                <a:solidFill>
+                  <a:schemeClr val="tx1"/>
+                </a:solidFill>
+                <a:latin typeface="Tahoma" pitchFamily="34" charset="0"/>
+              </a:defRPr>
+            </a:lvl4pPr>
+            <a:lvl5pPr marL="2057400" indent="-228600" algn="l">
+              <a:spcBef>
+                <a:spcPct val="20000"/>
+              </a:spcBef>
+              <a:buChar char="»"/>
+              <a:defRPr sz="2000">
+                <a:solidFill>
+                  <a:schemeClr val="tx1"/>
+                </a:solidFill>
+                <a:latin typeface="Tahoma" pitchFamily="34" charset="0"/>
+              </a:defRPr>
+            </a:lvl5pPr>
+            <a:lvl6pPr marL="2514600" indent="-228600" eaLnBrk="0" fontAlgn="base" hangingPunct="0">
+              <a:spcBef>
+                <a:spcPct val="20000"/>
+              </a:spcBef>
+              <a:spcAft>
+                <a:spcPct val="0"/>
+              </a:spcAft>
+              <a:buChar char="»"/>
+              <a:defRPr sz="2000">
+                <a:solidFill>
+                  <a:schemeClr val="tx1"/>
+                </a:solidFill>
+                <a:latin typeface="Tahoma" pitchFamily="34" charset="0"/>
+              </a:defRPr>
+            </a:lvl6pPr>
+            <a:lvl7pPr marL="2971800" indent="-228600" eaLnBrk="0" fontAlgn="base" hangingPunct="0">
+              <a:spcBef>
+                <a:spcPct val="20000"/>
+              </a:spcBef>
+              <a:spcAft>
+                <a:spcPct val="0"/>
+              </a:spcAft>
+              <a:buChar char="»"/>
+              <a:defRPr sz="2000">
+                <a:solidFill>
+                  <a:schemeClr val="tx1"/>
+                </a:solidFill>
+                <a:latin typeface="Tahoma" pitchFamily="34" charset="0"/>
+              </a:defRPr>
+            </a:lvl7pPr>
+            <a:lvl8pPr marL="3429000" indent="-228600" eaLnBrk="0" fontAlgn="base" hangingPunct="0">
+              <a:spcBef>
+                <a:spcPct val="20000"/>
+              </a:spcBef>
+              <a:spcAft>
+                <a:spcPct val="0"/>
+              </a:spcAft>
+              <a:buChar char="»"/>
+              <a:defRPr sz="2000">
+                <a:solidFill>
+                  <a:schemeClr val="tx1"/>
+                </a:solidFill>
+                <a:latin typeface="Tahoma" pitchFamily="34" charset="0"/>
+              </a:defRPr>
+            </a:lvl8pPr>
+            <a:lvl9pPr marL="3886200" indent="-228600" eaLnBrk="0" fontAlgn="base" hangingPunct="0">
+              <a:spcBef>
+                <a:spcPct val="20000"/>
+              </a:spcBef>
+              <a:spcAft>
+                <a:spcPct val="0"/>
+              </a:spcAft>
+              <a:buChar char="»"/>
+              <a:defRPr sz="2000">
+                <a:solidFill>
+                  <a:schemeClr val="tx1"/>
+                </a:solidFill>
+                <a:latin typeface="Tahoma" pitchFamily="34" charset="0"/>
+              </a:defRPr>
+            </a:lvl9pPr>
+          </a:lstStyle>
+          <a:p>
+            <a:pPr>
+              <a:buFontTx/>
+              <a:buNone/>
+            </a:pPr>
+            <a:r>
+              <a:rPr lang="it-IT" altLang="it-IT" sz="1800" b="1" u="sng" dirty="0" err="1">
+                <a:latin typeface="Courier New" panose="02070309020205020404" pitchFamily="49" charset="0"/>
+                <a:cs typeface="Courier New" panose="02070309020205020404" pitchFamily="49" charset="0"/>
+              </a:rPr>
+              <a:t>classB.h</a:t>
+            </a:r>
+            <a:endParaRPr lang="it-IT" altLang="it-IT" sz="1800" b="1" u="sng" dirty="0">
+              <a:latin typeface="Courier New" panose="02070309020205020404" pitchFamily="49" charset="0"/>
+              <a:cs typeface="Courier New" panose="02070309020205020404" pitchFamily="49" charset="0"/>
+            </a:endParaRPr>
+          </a:p>
+          <a:p>
+            <a:pPr>
+              <a:buFontTx/>
+              <a:buNone/>
+            </a:pPr>
+            <a:r>
+              <a:rPr lang="it-IT" altLang="it-IT" sz="1800" dirty="0">
+                <a:latin typeface="Courier New" panose="02070309020205020404" pitchFamily="49" charset="0"/>
+                <a:cs typeface="Courier New" panose="02070309020205020404" pitchFamily="49" charset="0"/>
+              </a:rPr>
+              <a:t>#include </a:t>
+            </a:r>
+            <a:r>
+              <a:rPr lang="it-IT" altLang="it-IT" sz="1800" dirty="0" smtClean="0">
+                <a:latin typeface="Courier New" panose="02070309020205020404" pitchFamily="49" charset="0"/>
+                <a:cs typeface="Courier New" panose="02070309020205020404" pitchFamily="49" charset="0"/>
+              </a:rPr>
+              <a:t>"</a:t>
+            </a:r>
+            <a:r>
+              <a:rPr lang="it-IT" altLang="it-IT" sz="1800" dirty="0" err="1" smtClean="0">
+                <a:latin typeface="Courier New" panose="02070309020205020404" pitchFamily="49" charset="0"/>
+                <a:cs typeface="Courier New" panose="02070309020205020404" pitchFamily="49" charset="0"/>
+              </a:rPr>
+              <a:t>classA.h</a:t>
+            </a:r>
+            <a:r>
+              <a:rPr lang="it-IT" altLang="it-IT" sz="1800" dirty="0" smtClean="0">
+                <a:latin typeface="Courier New" panose="02070309020205020404" pitchFamily="49" charset="0"/>
+                <a:cs typeface="Courier New" panose="02070309020205020404" pitchFamily="49" charset="0"/>
+              </a:rPr>
+              <a:t>"</a:t>
+            </a:r>
+            <a:endParaRPr lang="it-IT" altLang="it-IT" sz="1800" dirty="0">
+              <a:latin typeface="Courier New" panose="02070309020205020404" pitchFamily="49" charset="0"/>
+              <a:cs typeface="Courier New" panose="02070309020205020404" pitchFamily="49" charset="0"/>
+            </a:endParaRPr>
+          </a:p>
+          <a:p>
+            <a:pPr>
+              <a:buFontTx/>
+              <a:buNone/>
+            </a:pPr>
+            <a:r>
+              <a:rPr lang="it-IT" altLang="it-IT" sz="1800" dirty="0" err="1">
+                <a:latin typeface="Courier New" panose="02070309020205020404" pitchFamily="49" charset="0"/>
+                <a:cs typeface="Courier New" panose="02070309020205020404" pitchFamily="49" charset="0"/>
+              </a:rPr>
+              <a:t>class</a:t>
+            </a:r>
+            <a:r>
+              <a:rPr lang="it-IT" altLang="it-IT" sz="1800" dirty="0">
+                <a:latin typeface="Courier New" panose="02070309020205020404" pitchFamily="49" charset="0"/>
+                <a:cs typeface="Courier New" panose="02070309020205020404" pitchFamily="49" charset="0"/>
+              </a:rPr>
+              <a:t> B</a:t>
+            </a:r>
+          </a:p>
+          <a:p>
+            <a:pPr>
+              <a:buFontTx/>
+              <a:buNone/>
+            </a:pPr>
+            <a:r>
+              <a:rPr lang="it-IT" altLang="it-IT" sz="1800" dirty="0">
+                <a:latin typeface="Courier New" panose="02070309020205020404" pitchFamily="49" charset="0"/>
+                <a:cs typeface="Courier New" panose="02070309020205020404" pitchFamily="49" charset="0"/>
+              </a:rPr>
+              <a:t>{</a:t>
+            </a:r>
+          </a:p>
+          <a:p>
+            <a:pPr>
+              <a:buFontTx/>
+              <a:buNone/>
+            </a:pPr>
+            <a:r>
+              <a:rPr lang="it-IT" altLang="it-IT" sz="1800" dirty="0">
+                <a:latin typeface="Courier New" panose="02070309020205020404" pitchFamily="49" charset="0"/>
+                <a:cs typeface="Courier New" panose="02070309020205020404" pitchFamily="49" charset="0"/>
+              </a:rPr>
+              <a:t>  public:</a:t>
+            </a:r>
+          </a:p>
+          <a:p>
+            <a:pPr>
+              <a:buFontTx/>
+              <a:buNone/>
+            </a:pPr>
+            <a:r>
+              <a:rPr lang="it-IT" altLang="it-IT" sz="1800" dirty="0">
+                <a:latin typeface="Courier New" panose="02070309020205020404" pitchFamily="49" charset="0"/>
+                <a:cs typeface="Courier New" panose="02070309020205020404" pitchFamily="49" charset="0"/>
+              </a:rPr>
+              <a:t>  …</a:t>
+            </a:r>
+          </a:p>
+          <a:p>
+            <a:pPr>
+              <a:buFontTx/>
+              <a:buNone/>
+            </a:pPr>
+            <a:r>
+              <a:rPr lang="it-IT" altLang="it-IT" sz="1800" dirty="0">
+                <a:latin typeface="Courier New" panose="02070309020205020404" pitchFamily="49" charset="0"/>
+                <a:cs typeface="Courier New" panose="02070309020205020404" pitchFamily="49" charset="0"/>
+              </a:rPr>
+              <a:t>  private:</a:t>
+            </a:r>
+          </a:p>
+          <a:p>
+            <a:pPr>
+              <a:buFontTx/>
+              <a:buNone/>
+            </a:pPr>
+            <a:r>
+              <a:rPr lang="it-IT" altLang="it-IT" sz="1800" dirty="0">
+                <a:latin typeface="Courier New" panose="02070309020205020404" pitchFamily="49" charset="0"/>
+                <a:cs typeface="Courier New" panose="02070309020205020404" pitchFamily="49" charset="0"/>
+              </a:rPr>
+              <a:t>    A </a:t>
+            </a:r>
+            <a:r>
+              <a:rPr lang="it-IT" altLang="it-IT" sz="1800" dirty="0" err="1">
+                <a:latin typeface="Courier New" panose="02070309020205020404" pitchFamily="49" charset="0"/>
+                <a:cs typeface="Courier New" panose="02070309020205020404" pitchFamily="49" charset="0"/>
+              </a:rPr>
+              <a:t>var</a:t>
+            </a:r>
+            <a:r>
+              <a:rPr lang="it-IT" altLang="it-IT" sz="1800" dirty="0">
+                <a:latin typeface="Courier New" panose="02070309020205020404" pitchFamily="49" charset="0"/>
+                <a:cs typeface="Courier New" panose="02070309020205020404" pitchFamily="49" charset="0"/>
+              </a:rPr>
+              <a:t>;</a:t>
+            </a:r>
+          </a:p>
+          <a:p>
+            <a:pPr>
+              <a:buFontTx/>
+              <a:buNone/>
+            </a:pPr>
+            <a:r>
+              <a:rPr lang="it-IT" altLang="it-IT" sz="1800" dirty="0">
+                <a:latin typeface="Courier New" panose="02070309020205020404" pitchFamily="49" charset="0"/>
+                <a:cs typeface="Courier New" panose="02070309020205020404" pitchFamily="49" charset="0"/>
+              </a:rPr>
+              <a:t>};</a:t>
+            </a:r>
+          </a:p>
+        </p:txBody>
+      </p:sp>
+      <p:sp>
+        <p:nvSpPr>
+          <p:cNvPr id="10" name="Rectangle 7"/>
+          <p:cNvSpPr>
+            <a:spLocks noChangeArrowheads="1"/>
+          </p:cNvSpPr>
+          <p:nvPr/>
+        </p:nvSpPr>
+        <p:spPr bwMode="auto">
+          <a:xfrm>
+            <a:off x="7122096" y="1124744"/>
+            <a:ext cx="3276600" cy="4114800"/>
+          </a:xfrm>
+          <a:prstGeom prst="rect">
+            <a:avLst/>
+          </a:prstGeom>
+          <a:noFill/>
+          <a:ln w="9525">
+            <a:solidFill>
+              <a:schemeClr val="tx1"/>
+            </a:solidFill>
+            <a:miter lim="800000"/>
+            <a:headEnd/>
+            <a:tailEnd/>
+          </a:ln>
+          <a:effectLst/>
+          <a:extLst>
+            <a:ext uri="{909E8E84-426E-40DD-AFC4-6F175D3DCCD1}">
+              <a14:hiddenFill xmlns:a14="http://schemas.microsoft.com/office/drawing/2010/main">
+                <a:solidFill>
+                  <a:schemeClr val="accent1"/>
+                </a:solidFill>
+              </a14:hiddenFill>
+            </a:ext>
+            <a:ext uri="{AF507438-7753-43E0-B8FC-AC1667EBCBE1}">
+              <a14:hiddenEffects xmlns:a14="http://schemas.microsoft.com/office/drawing/2010/main">
+                <a:effectLst>
+                  <a:outerShdw dist="35921" dir="2700000" algn="ctr" rotWithShape="0">
+                    <a:schemeClr val="bg2"/>
+                  </a:outerShdw>
+                </a:effectLst>
+              </a14:hiddenEffects>
+            </a:ext>
+          </a:extLst>
+        </p:spPr>
+        <p:txBody>
+          <a:bodyPr/>
+          <a:lstStyle>
+            <a:lvl1pPr marL="342900" indent="-342900" algn="l">
+              <a:spcBef>
+                <a:spcPct val="20000"/>
+              </a:spcBef>
+              <a:buChar char="•"/>
+              <a:defRPr sz="3200">
+                <a:solidFill>
+                  <a:schemeClr val="tx1"/>
+                </a:solidFill>
+                <a:latin typeface="Tahoma" pitchFamily="34" charset="0"/>
+              </a:defRPr>
+            </a:lvl1pPr>
+            <a:lvl2pPr marL="742950" indent="-285750" algn="l">
+              <a:spcBef>
+                <a:spcPct val="20000"/>
+              </a:spcBef>
+              <a:buChar char="–"/>
+              <a:defRPr sz="2800">
+                <a:solidFill>
+                  <a:schemeClr val="tx1"/>
+                </a:solidFill>
+                <a:latin typeface="Tahoma" pitchFamily="34" charset="0"/>
+              </a:defRPr>
+            </a:lvl2pPr>
+            <a:lvl3pPr marL="1143000" indent="-228600" algn="l">
+              <a:spcBef>
+                <a:spcPct val="20000"/>
+              </a:spcBef>
+              <a:buChar char="•"/>
+              <a:defRPr sz="2400">
+                <a:solidFill>
+                  <a:schemeClr val="tx1"/>
+                </a:solidFill>
+                <a:latin typeface="Tahoma" pitchFamily="34" charset="0"/>
+              </a:defRPr>
+            </a:lvl3pPr>
+            <a:lvl4pPr marL="1600200" indent="-228600" algn="l">
+              <a:spcBef>
+                <a:spcPct val="20000"/>
+              </a:spcBef>
+              <a:buChar char="–"/>
+              <a:defRPr sz="2000">
+                <a:solidFill>
+                  <a:schemeClr val="tx1"/>
+                </a:solidFill>
+                <a:latin typeface="Tahoma" pitchFamily="34" charset="0"/>
+              </a:defRPr>
+            </a:lvl4pPr>
+            <a:lvl5pPr marL="2057400" indent="-228600" algn="l">
+              <a:spcBef>
+                <a:spcPct val="20000"/>
+              </a:spcBef>
+              <a:buChar char="»"/>
+              <a:defRPr sz="2000">
+                <a:solidFill>
+                  <a:schemeClr val="tx1"/>
+                </a:solidFill>
+                <a:latin typeface="Tahoma" pitchFamily="34" charset="0"/>
+              </a:defRPr>
+            </a:lvl5pPr>
+            <a:lvl6pPr marL="2514600" indent="-228600" eaLnBrk="0" fontAlgn="base" hangingPunct="0">
+              <a:spcBef>
+                <a:spcPct val="20000"/>
+              </a:spcBef>
+              <a:spcAft>
+                <a:spcPct val="0"/>
+              </a:spcAft>
+              <a:buChar char="»"/>
+              <a:defRPr sz="2000">
+                <a:solidFill>
+                  <a:schemeClr val="tx1"/>
+                </a:solidFill>
+                <a:latin typeface="Tahoma" pitchFamily="34" charset="0"/>
+              </a:defRPr>
+            </a:lvl6pPr>
+            <a:lvl7pPr marL="2971800" indent="-228600" eaLnBrk="0" fontAlgn="base" hangingPunct="0">
+              <a:spcBef>
+                <a:spcPct val="20000"/>
+              </a:spcBef>
+              <a:spcAft>
+                <a:spcPct val="0"/>
+              </a:spcAft>
+              <a:buChar char="»"/>
+              <a:defRPr sz="2000">
+                <a:solidFill>
+                  <a:schemeClr val="tx1"/>
+                </a:solidFill>
+                <a:latin typeface="Tahoma" pitchFamily="34" charset="0"/>
+              </a:defRPr>
+            </a:lvl7pPr>
+            <a:lvl8pPr marL="3429000" indent="-228600" eaLnBrk="0" fontAlgn="base" hangingPunct="0">
+              <a:spcBef>
+                <a:spcPct val="20000"/>
+              </a:spcBef>
+              <a:spcAft>
+                <a:spcPct val="0"/>
+              </a:spcAft>
+              <a:buChar char="»"/>
+              <a:defRPr sz="2000">
+                <a:solidFill>
+                  <a:schemeClr val="tx1"/>
+                </a:solidFill>
+                <a:latin typeface="Tahoma" pitchFamily="34" charset="0"/>
+              </a:defRPr>
+            </a:lvl8pPr>
+            <a:lvl9pPr marL="3886200" indent="-228600" eaLnBrk="0" fontAlgn="base" hangingPunct="0">
+              <a:spcBef>
+                <a:spcPct val="20000"/>
+              </a:spcBef>
+              <a:spcAft>
+                <a:spcPct val="0"/>
+              </a:spcAft>
+              <a:buChar char="»"/>
+              <a:defRPr sz="2000">
+                <a:solidFill>
+                  <a:schemeClr val="tx1"/>
+                </a:solidFill>
+                <a:latin typeface="Tahoma" pitchFamily="34" charset="0"/>
+              </a:defRPr>
+            </a:lvl9pPr>
+          </a:lstStyle>
+          <a:p>
+            <a:pPr>
+              <a:buFontTx/>
+              <a:buNone/>
+            </a:pPr>
+            <a:r>
+              <a:rPr lang="it-IT" altLang="it-IT" sz="2000" b="1" u="sng" dirty="0">
+                <a:latin typeface="Courier New" panose="02070309020205020404" pitchFamily="49" charset="0"/>
+                <a:cs typeface="Courier New" panose="02070309020205020404" pitchFamily="49" charset="0"/>
+              </a:rPr>
+              <a:t>Main.cpp</a:t>
+            </a:r>
+          </a:p>
+          <a:p>
+            <a:pPr>
+              <a:buFontTx/>
+              <a:buNone/>
+            </a:pPr>
+            <a:r>
+              <a:rPr lang="it-IT" altLang="it-IT" sz="2000" dirty="0">
+                <a:latin typeface="Courier New" panose="02070309020205020404" pitchFamily="49" charset="0"/>
+                <a:cs typeface="Courier New" panose="02070309020205020404" pitchFamily="49" charset="0"/>
+              </a:rPr>
+              <a:t>#include </a:t>
+            </a:r>
+            <a:r>
+              <a:rPr lang="it-IT" altLang="it-IT" sz="2000" dirty="0" smtClean="0">
+                <a:latin typeface="Courier New" panose="02070309020205020404" pitchFamily="49" charset="0"/>
+                <a:cs typeface="Courier New" panose="02070309020205020404" pitchFamily="49" charset="0"/>
+              </a:rPr>
+              <a:t>"</a:t>
+            </a:r>
+            <a:r>
+              <a:rPr lang="it-IT" altLang="it-IT" sz="2000" dirty="0" err="1" smtClean="0">
+                <a:latin typeface="Courier New" panose="02070309020205020404" pitchFamily="49" charset="0"/>
+                <a:cs typeface="Courier New" panose="02070309020205020404" pitchFamily="49" charset="0"/>
+              </a:rPr>
+              <a:t>classA.h</a:t>
+            </a:r>
+            <a:r>
+              <a:rPr lang="it-IT" altLang="it-IT" sz="2000" dirty="0" smtClean="0">
+                <a:latin typeface="Courier New" panose="02070309020205020404" pitchFamily="49" charset="0"/>
+                <a:cs typeface="Courier New" panose="02070309020205020404" pitchFamily="49" charset="0"/>
+              </a:rPr>
+              <a:t>"</a:t>
+            </a:r>
+            <a:endParaRPr lang="it-IT" altLang="it-IT" sz="2000" dirty="0">
+              <a:latin typeface="Courier New" panose="02070309020205020404" pitchFamily="49" charset="0"/>
+              <a:cs typeface="Courier New" panose="02070309020205020404" pitchFamily="49" charset="0"/>
+            </a:endParaRPr>
+          </a:p>
+          <a:p>
+            <a:pPr>
+              <a:buFontTx/>
+              <a:buNone/>
+            </a:pPr>
+            <a:r>
+              <a:rPr lang="it-IT" altLang="it-IT" sz="2000" dirty="0">
+                <a:latin typeface="Courier New" panose="02070309020205020404" pitchFamily="49" charset="0"/>
+                <a:cs typeface="Courier New" panose="02070309020205020404" pitchFamily="49" charset="0"/>
+              </a:rPr>
+              <a:t>#include </a:t>
+            </a:r>
+            <a:r>
+              <a:rPr lang="it-IT" altLang="it-IT" sz="2000" dirty="0" smtClean="0">
+                <a:latin typeface="Courier New" panose="02070309020205020404" pitchFamily="49" charset="0"/>
+                <a:cs typeface="Courier New" panose="02070309020205020404" pitchFamily="49" charset="0"/>
+              </a:rPr>
+              <a:t>"</a:t>
+            </a:r>
+            <a:r>
+              <a:rPr lang="it-IT" altLang="it-IT" sz="2000" dirty="0" err="1" smtClean="0">
+                <a:latin typeface="Courier New" panose="02070309020205020404" pitchFamily="49" charset="0"/>
+                <a:cs typeface="Courier New" panose="02070309020205020404" pitchFamily="49" charset="0"/>
+              </a:rPr>
+              <a:t>classB.h</a:t>
+            </a:r>
+            <a:r>
+              <a:rPr lang="it-IT" altLang="it-IT" sz="2000" dirty="0" smtClean="0">
+                <a:latin typeface="Courier New" panose="02070309020205020404" pitchFamily="49" charset="0"/>
+                <a:cs typeface="Courier New" panose="02070309020205020404" pitchFamily="49" charset="0"/>
+              </a:rPr>
+              <a:t>"</a:t>
+            </a:r>
+            <a:endParaRPr lang="it-IT" altLang="it-IT" sz="2000" dirty="0">
+              <a:latin typeface="Courier New" panose="02070309020205020404" pitchFamily="49" charset="0"/>
+              <a:cs typeface="Courier New" panose="02070309020205020404" pitchFamily="49" charset="0"/>
+            </a:endParaRPr>
+          </a:p>
+          <a:p>
+            <a:pPr>
+              <a:buFontTx/>
+              <a:buNone/>
+            </a:pPr>
+            <a:endParaRPr lang="it-IT" altLang="it-IT" sz="2000" dirty="0">
+              <a:latin typeface="Courier New" panose="02070309020205020404" pitchFamily="49" charset="0"/>
+              <a:cs typeface="Courier New" panose="02070309020205020404" pitchFamily="49" charset="0"/>
+            </a:endParaRPr>
+          </a:p>
+          <a:p>
+            <a:pPr>
+              <a:buFontTx/>
+              <a:buNone/>
+            </a:pPr>
+            <a:r>
+              <a:rPr lang="it-IT" altLang="it-IT" sz="2000" dirty="0">
+                <a:latin typeface="Courier New" panose="02070309020205020404" pitchFamily="49" charset="0"/>
+                <a:cs typeface="Courier New" panose="02070309020205020404" pitchFamily="49" charset="0"/>
+              </a:rPr>
+              <a:t>…</a:t>
+            </a:r>
+          </a:p>
+        </p:txBody>
+      </p:sp>
+    </p:spTree>
+    <p:extLst>
+      <p:ext uri="{BB962C8B-B14F-4D97-AF65-F5344CB8AC3E}">
+        <p14:creationId xmlns:p14="http://schemas.microsoft.com/office/powerpoint/2010/main" val="2069122560"/>
+      </p:ext>
+    </p:extLst>
+  </p:cSld>
+  <p:clrMapOvr>
+    <a:masterClrMapping/>
+  </p:clrMapOvr>
+</p:sld>
+</file>
+
+<file path=ppt/slides/slide33.xml><?xml version="1.0" encoding="utf-8"?>
+<p:sld xmlns:a="http://schemas.openxmlformats.org/drawingml/2006/main" xmlns:r="http://schemas.openxmlformats.org/officeDocument/2006/relationships" xmlns:p="http://schemas.openxmlformats.org/presentationml/2006/main">
+  <p:cSld>
+    <p:spTree>
+      <p:nvGrpSpPr>
+        <p:cNvPr id="1" name=""/>
+        <p:cNvGrpSpPr/>
+        <p:nvPr/>
+      </p:nvGrpSpPr>
+      <p:grpSpPr>
+        <a:xfrm>
+          <a:off x="0" y="0"/>
+          <a:ext cx="0" cy="0"/>
+          <a:chOff x="0" y="0"/>
+          <a:chExt cx="0" cy="0"/>
+        </a:xfrm>
+      </p:grpSpPr>
+      <p:sp>
+        <p:nvSpPr>
+          <p:cNvPr id="4" name="Titolo 3"/>
+          <p:cNvSpPr>
+            <a:spLocks noGrp="1"/>
+          </p:cNvSpPr>
+          <p:nvPr>
+            <p:ph type="title"/>
+          </p:nvPr>
+        </p:nvSpPr>
+        <p:spPr/>
+        <p:txBody>
+          <a:bodyPr/>
+          <a:lstStyle/>
+          <a:p>
+            <a:r>
+              <a:rPr lang="it-IT" dirty="0" smtClean="0"/>
+              <a:t>uso </a:t>
+            </a:r>
+            <a:r>
+              <a:rPr lang="it-IT" dirty="0"/>
+              <a:t>di </a:t>
+            </a:r>
+            <a:r>
+              <a:rPr lang="it-IT" dirty="0">
+                <a:latin typeface="Courier New" panose="02070309020205020404" pitchFamily="49" charset="0"/>
+                <a:cs typeface="Courier New" panose="02070309020205020404" pitchFamily="49" charset="0"/>
+              </a:rPr>
+              <a:t>#</a:t>
+            </a:r>
+            <a:r>
+              <a:rPr lang="it-IT" dirty="0" err="1">
+                <a:latin typeface="Courier New" panose="02070309020205020404" pitchFamily="49" charset="0"/>
+                <a:cs typeface="Courier New" panose="02070309020205020404" pitchFamily="49" charset="0"/>
+              </a:rPr>
+              <a:t>ifndef</a:t>
+            </a:r>
+            <a:endParaRPr lang="it-IT" dirty="0">
+              <a:latin typeface="Courier New" panose="02070309020205020404" pitchFamily="49" charset="0"/>
+              <a:cs typeface="Courier New" panose="02070309020205020404" pitchFamily="49" charset="0"/>
+            </a:endParaRPr>
+          </a:p>
+        </p:txBody>
+      </p:sp>
+      <p:sp>
+        <p:nvSpPr>
+          <p:cNvPr id="5" name="Segnaposto contenuto 4"/>
+          <p:cNvSpPr>
+            <a:spLocks noGrp="1"/>
+          </p:cNvSpPr>
+          <p:nvPr>
+            <p:ph idx="1"/>
+          </p:nvPr>
+        </p:nvSpPr>
+        <p:spPr/>
+        <p:txBody>
+          <a:bodyPr/>
+          <a:lstStyle/>
+          <a:p>
+            <a:r>
+              <a:rPr lang="it-IT" dirty="0" smtClean="0"/>
+              <a:t>un </a:t>
+            </a:r>
+            <a:r>
+              <a:rPr lang="it-IT" b="1" i="1" dirty="0" err="1"/>
+              <a:t>header</a:t>
+            </a:r>
+            <a:r>
+              <a:rPr lang="it-IT" dirty="0"/>
+              <a:t> file può </a:t>
+            </a:r>
+            <a:r>
+              <a:rPr lang="it-IT" b="1" i="1" dirty="0"/>
+              <a:t>includere</a:t>
+            </a:r>
+            <a:r>
+              <a:rPr lang="it-IT" dirty="0"/>
+              <a:t> </a:t>
+            </a:r>
+            <a:r>
+              <a:rPr lang="it-IT" b="1" i="1" dirty="0"/>
+              <a:t>altri </a:t>
+            </a:r>
+            <a:r>
+              <a:rPr lang="it-IT" b="1" i="1" dirty="0" err="1"/>
+              <a:t>header</a:t>
+            </a:r>
+            <a:r>
+              <a:rPr lang="it-IT" b="1" i="1" dirty="0"/>
+              <a:t> </a:t>
+            </a:r>
+            <a:r>
+              <a:rPr lang="it-IT" dirty="0"/>
+              <a:t>file</a:t>
+            </a:r>
+          </a:p>
+          <a:p>
+            <a:r>
+              <a:rPr lang="it-IT" dirty="0" smtClean="0"/>
+              <a:t>per </a:t>
+            </a:r>
+            <a:r>
+              <a:rPr lang="it-IT" b="1" i="1" dirty="0"/>
+              <a:t>evitare</a:t>
+            </a:r>
+            <a:r>
+              <a:rPr lang="it-IT" dirty="0"/>
+              <a:t> che il contenuto di un </a:t>
+            </a:r>
+            <a:r>
+              <a:rPr lang="it-IT" dirty="0" err="1"/>
+              <a:t>header</a:t>
+            </a:r>
+            <a:r>
+              <a:rPr lang="it-IT" dirty="0"/>
+              <a:t> file venga </a:t>
+            </a:r>
+            <a:r>
+              <a:rPr lang="it-IT" b="1" i="1" dirty="0"/>
+              <a:t>incluso più volte </a:t>
+            </a:r>
+            <a:r>
+              <a:rPr lang="it-IT" dirty="0"/>
+              <a:t>racchiudo il codice tra</a:t>
+            </a:r>
+          </a:p>
+          <a:p>
+            <a:pPr marL="800100" lvl="2" indent="0">
+              <a:buNone/>
+            </a:pPr>
+            <a:r>
+              <a:rPr lang="it-IT" b="1" dirty="0" smtClean="0">
+                <a:latin typeface="Courier New" panose="02070309020205020404" pitchFamily="49" charset="0"/>
+                <a:cs typeface="Courier New" panose="02070309020205020404" pitchFamily="49" charset="0"/>
+              </a:rPr>
+              <a:t>#</a:t>
+            </a:r>
+            <a:r>
+              <a:rPr lang="it-IT" b="1" dirty="0" err="1">
+                <a:latin typeface="Courier New" panose="02070309020205020404" pitchFamily="49" charset="0"/>
+                <a:cs typeface="Courier New" panose="02070309020205020404" pitchFamily="49" charset="0"/>
+              </a:rPr>
+              <a:t>ifndef</a:t>
+            </a:r>
+            <a:r>
+              <a:rPr lang="it-IT" b="1" dirty="0">
+                <a:latin typeface="Courier New" panose="02070309020205020404" pitchFamily="49" charset="0"/>
+                <a:cs typeface="Courier New" panose="02070309020205020404" pitchFamily="49" charset="0"/>
+              </a:rPr>
+              <a:t> NOMEHEADER_H</a:t>
+            </a:r>
+          </a:p>
+          <a:p>
+            <a:pPr marL="800100" lvl="2" indent="0">
+              <a:buNone/>
+            </a:pPr>
+            <a:r>
+              <a:rPr lang="it-IT" b="1" dirty="0" smtClean="0">
+                <a:latin typeface="Courier New" panose="02070309020205020404" pitchFamily="49" charset="0"/>
+                <a:cs typeface="Courier New" panose="02070309020205020404" pitchFamily="49" charset="0"/>
+              </a:rPr>
+              <a:t>#</a:t>
+            </a:r>
+            <a:r>
+              <a:rPr lang="it-IT" b="1" dirty="0" err="1">
+                <a:latin typeface="Courier New" panose="02070309020205020404" pitchFamily="49" charset="0"/>
+                <a:cs typeface="Courier New" panose="02070309020205020404" pitchFamily="49" charset="0"/>
+              </a:rPr>
+              <a:t>define</a:t>
+            </a:r>
+            <a:r>
+              <a:rPr lang="it-IT" b="1" dirty="0">
+                <a:latin typeface="Courier New" panose="02070309020205020404" pitchFamily="49" charset="0"/>
+                <a:cs typeface="Courier New" panose="02070309020205020404" pitchFamily="49" charset="0"/>
+              </a:rPr>
+              <a:t> NOMEHEADER_H</a:t>
+            </a:r>
+          </a:p>
+          <a:p>
+            <a:pPr marL="800100" lvl="2" indent="0">
+              <a:buNone/>
+            </a:pPr>
+            <a:r>
+              <a:rPr lang="it-IT" b="1" dirty="0">
+                <a:latin typeface="Courier New" panose="02070309020205020404" pitchFamily="49" charset="0"/>
+                <a:cs typeface="Courier New" panose="02070309020205020404" pitchFamily="49" charset="0"/>
+              </a:rPr>
+              <a:t>e</a:t>
+            </a:r>
+          </a:p>
+          <a:p>
+            <a:pPr marL="800100" lvl="2" indent="0">
+              <a:buNone/>
+            </a:pPr>
+            <a:r>
+              <a:rPr lang="it-IT" b="1" dirty="0" smtClean="0">
+                <a:latin typeface="Courier New" panose="02070309020205020404" pitchFamily="49" charset="0"/>
+                <a:cs typeface="Courier New" panose="02070309020205020404" pitchFamily="49" charset="0"/>
+              </a:rPr>
+              <a:t>#</a:t>
+            </a:r>
+            <a:r>
+              <a:rPr lang="it-IT" b="1" dirty="0" err="1">
+                <a:latin typeface="Courier New" panose="02070309020205020404" pitchFamily="49" charset="0"/>
+                <a:cs typeface="Courier New" panose="02070309020205020404" pitchFamily="49" charset="0"/>
+              </a:rPr>
+              <a:t>endif</a:t>
+            </a:r>
+            <a:endParaRPr lang="it-IT" b="1" dirty="0">
+              <a:latin typeface="Courier New" panose="02070309020205020404" pitchFamily="49" charset="0"/>
+              <a:cs typeface="Courier New" panose="02070309020205020404" pitchFamily="49" charset="0"/>
+            </a:endParaRPr>
+          </a:p>
+          <a:p>
+            <a:r>
+              <a:rPr lang="it-IT" dirty="0" smtClean="0"/>
+              <a:t>per </a:t>
+            </a:r>
+            <a:r>
+              <a:rPr lang="it-IT" b="1" i="1" dirty="0"/>
+              <a:t>convenzione</a:t>
+            </a:r>
+            <a:r>
+              <a:rPr lang="it-IT" dirty="0"/>
+              <a:t> si usa il </a:t>
+            </a:r>
+            <a:r>
+              <a:rPr lang="it-IT" i="1" dirty="0"/>
+              <a:t>nome del file in maiuscolo </a:t>
+            </a:r>
+            <a:r>
+              <a:rPr lang="it-IT" dirty="0"/>
+              <a:t>e con l’</a:t>
+            </a:r>
+            <a:r>
+              <a:rPr lang="it-IT" i="1" dirty="0"/>
+              <a:t>underscore</a:t>
+            </a:r>
+            <a:r>
+              <a:rPr lang="it-IT" dirty="0"/>
+              <a:t> al posto del punto</a:t>
+            </a:r>
+          </a:p>
+          <a:p>
+            <a:r>
+              <a:rPr lang="it-IT" i="1" dirty="0" smtClean="0"/>
+              <a:t>usato </a:t>
+            </a:r>
+            <a:r>
+              <a:rPr lang="it-IT" i="1" dirty="0"/>
+              <a:t>in tutti gli </a:t>
+            </a:r>
+            <a:r>
+              <a:rPr lang="it-IT" i="1" dirty="0" err="1"/>
+              <a:t>header</a:t>
+            </a:r>
+            <a:r>
+              <a:rPr lang="it-IT" i="1" dirty="0"/>
+              <a:t> </a:t>
+            </a:r>
+            <a:r>
+              <a:rPr lang="it-IT" i="1" dirty="0" err="1"/>
+              <a:t>std</a:t>
+            </a:r>
+            <a:r>
+              <a:rPr lang="it-IT" i="1" dirty="0"/>
+              <a:t> (</a:t>
+            </a:r>
+            <a:r>
+              <a:rPr lang="it-IT" i="1" dirty="0" err="1"/>
+              <a:t>iostream</a:t>
+            </a:r>
+            <a:r>
+              <a:rPr lang="it-IT" i="1" dirty="0"/>
+              <a:t>, </a:t>
+            </a:r>
+            <a:r>
+              <a:rPr lang="it-IT" i="1" dirty="0" err="1"/>
+              <a:t>vector</a:t>
+            </a:r>
+            <a:r>
+              <a:rPr lang="it-IT" i="1" dirty="0"/>
+              <a:t>, </a:t>
+            </a:r>
+            <a:r>
+              <a:rPr lang="it-IT" i="1" dirty="0" err="1"/>
+              <a:t>string</a:t>
+            </a:r>
+            <a:r>
+              <a:rPr lang="it-IT" i="1" dirty="0"/>
+              <a:t>,…)</a:t>
+            </a:r>
+          </a:p>
+          <a:p>
+            <a:endParaRPr lang="it-IT" dirty="0"/>
+          </a:p>
+        </p:txBody>
+      </p:sp>
+      <p:sp>
+        <p:nvSpPr>
+          <p:cNvPr id="3" name="Segnaposto piè di pagina 2"/>
+          <p:cNvSpPr>
+            <a:spLocks noGrp="1"/>
+          </p:cNvSpPr>
+          <p:nvPr>
+            <p:ph type="ftr" sz="quarter" idx="11"/>
+          </p:nvPr>
+        </p:nvSpPr>
+        <p:spPr/>
+        <p:txBody>
+          <a:bodyPr/>
+          <a:lstStyle/>
+          <a:p>
+            <a:pPr>
+              <a:defRPr/>
+            </a:pPr>
+            <a:r>
+              <a:rPr lang="it-IT" smtClean="0"/>
+              <a:t>Alberto Ferrari – Programmazione di applicazioni SW</a:t>
+            </a:r>
+            <a:endParaRPr lang="it-IT" dirty="0"/>
+          </a:p>
+        </p:txBody>
+      </p:sp>
+    </p:spTree>
+    <p:extLst>
+      <p:ext uri="{BB962C8B-B14F-4D97-AF65-F5344CB8AC3E}">
+        <p14:creationId xmlns:p14="http://schemas.microsoft.com/office/powerpoint/2010/main" val="977401855"/>
+      </p:ext>
+    </p:extLst>
+  </p:cSld>
+  <p:clrMapOvr>
+    <a:masterClrMapping/>
+  </p:clrMapOvr>
+</p:sld>
+</file>
+
+<file path=ppt/slides/slide34.xml><?xml version="1.0" encoding="utf-8"?>
+<p:sld xmlns:a="http://schemas.openxmlformats.org/drawingml/2006/main" xmlns:r="http://schemas.openxmlformats.org/officeDocument/2006/relationships" xmlns:p="http://schemas.openxmlformats.org/presentationml/2006/main">
+  <p:cSld>
+    <p:spTree>
+      <p:nvGrpSpPr>
+        <p:cNvPr id="1" name=""/>
+        <p:cNvGrpSpPr/>
+        <p:nvPr/>
+      </p:nvGrpSpPr>
+      <p:grpSpPr>
+        <a:xfrm>
+          <a:off x="0" y="0"/>
+          <a:ext cx="0" cy="0"/>
+          <a:chOff x="0" y="0"/>
+          <a:chExt cx="0" cy="0"/>
+        </a:xfrm>
+      </p:grpSpPr>
+      <p:sp>
+        <p:nvSpPr>
+          <p:cNvPr id="5" name="Titolo 4"/>
+          <p:cNvSpPr>
+            <a:spLocks noGrp="1"/>
+          </p:cNvSpPr>
+          <p:nvPr>
+            <p:ph type="title"/>
+          </p:nvPr>
+        </p:nvSpPr>
+        <p:spPr/>
+        <p:txBody>
+          <a:bodyPr/>
+          <a:lstStyle/>
+          <a:p>
+            <a:r>
+              <a:rPr lang="it-IT" dirty="0" smtClean="0"/>
+              <a:t>esempio: inclusione ripetuta</a:t>
+            </a:r>
+            <a:endParaRPr lang="it-IT" dirty="0"/>
+          </a:p>
+        </p:txBody>
+      </p:sp>
+      <p:sp>
+        <p:nvSpPr>
+          <p:cNvPr id="4" name="Segnaposto piè di pagina 3"/>
+          <p:cNvSpPr>
+            <a:spLocks noGrp="1"/>
+          </p:cNvSpPr>
+          <p:nvPr>
+            <p:ph type="ftr" sz="quarter" idx="11"/>
+          </p:nvPr>
+        </p:nvSpPr>
+        <p:spPr/>
+        <p:txBody>
+          <a:bodyPr/>
+          <a:lstStyle/>
+          <a:p>
+            <a:pPr>
+              <a:defRPr/>
+            </a:pPr>
+            <a:r>
+              <a:rPr lang="it-IT" smtClean="0"/>
+              <a:t>Alberto Ferrari – Programmazione di applicazioni SW</a:t>
+            </a:r>
+            <a:endParaRPr lang="it-IT" dirty="0"/>
+          </a:p>
+        </p:txBody>
+      </p:sp>
+      <p:sp>
+        <p:nvSpPr>
+          <p:cNvPr id="7" name="Rectangle 2"/>
+          <p:cNvSpPr>
+            <a:spLocks noChangeArrowheads="1"/>
+          </p:cNvSpPr>
+          <p:nvPr/>
+        </p:nvSpPr>
+        <p:spPr bwMode="auto">
+          <a:xfrm>
+            <a:off x="1847528" y="1161535"/>
+            <a:ext cx="3505200" cy="4114800"/>
+          </a:xfrm>
+          <a:prstGeom prst="rect">
+            <a:avLst/>
+          </a:prstGeom>
+          <a:noFill/>
+          <a:ln w="9525">
+            <a:solidFill>
+              <a:schemeClr val="tx1"/>
+            </a:solidFill>
+            <a:miter lim="800000"/>
+            <a:headEnd/>
+            <a:tailEnd/>
+          </a:ln>
+          <a:effectLst/>
+          <a:extLst>
+            <a:ext uri="{909E8E84-426E-40DD-AFC4-6F175D3DCCD1}">
+              <a14:hiddenFill xmlns:a14="http://schemas.microsoft.com/office/drawing/2010/main">
+                <a:solidFill>
+                  <a:schemeClr val="accent1"/>
+                </a:solidFill>
+              </a14:hiddenFill>
+            </a:ext>
+            <a:ext uri="{AF507438-7753-43E0-B8FC-AC1667EBCBE1}">
+              <a14:hiddenEffects xmlns:a14="http://schemas.microsoft.com/office/drawing/2010/main">
+                <a:effectLst>
+                  <a:outerShdw dist="35921" dir="2700000" algn="ctr" rotWithShape="0">
+                    <a:schemeClr val="bg2"/>
+                  </a:outerShdw>
+                </a:effectLst>
+              </a14:hiddenEffects>
+            </a:ext>
+          </a:extLst>
+        </p:spPr>
+        <p:txBody>
+          <a:bodyPr/>
+          <a:lstStyle>
+            <a:lvl1pPr marL="342900" indent="-342900" algn="l">
+              <a:spcBef>
+                <a:spcPct val="20000"/>
+              </a:spcBef>
+              <a:buChar char="•"/>
+              <a:defRPr sz="3200">
+                <a:solidFill>
+                  <a:schemeClr val="tx1"/>
+                </a:solidFill>
+                <a:latin typeface="Tahoma" pitchFamily="34" charset="0"/>
+              </a:defRPr>
+            </a:lvl1pPr>
+            <a:lvl2pPr marL="742950" indent="-285750" algn="l">
+              <a:spcBef>
+                <a:spcPct val="20000"/>
+              </a:spcBef>
+              <a:buChar char="–"/>
+              <a:defRPr sz="2800">
+                <a:solidFill>
+                  <a:schemeClr val="tx1"/>
+                </a:solidFill>
+                <a:latin typeface="Tahoma" pitchFamily="34" charset="0"/>
+              </a:defRPr>
+            </a:lvl2pPr>
+            <a:lvl3pPr marL="1143000" indent="-228600" algn="l">
+              <a:spcBef>
+                <a:spcPct val="20000"/>
+              </a:spcBef>
+              <a:buChar char="•"/>
+              <a:defRPr sz="2400">
+                <a:solidFill>
+                  <a:schemeClr val="tx1"/>
+                </a:solidFill>
+                <a:latin typeface="Tahoma" pitchFamily="34" charset="0"/>
+              </a:defRPr>
+            </a:lvl3pPr>
+            <a:lvl4pPr marL="1600200" indent="-228600" algn="l">
+              <a:spcBef>
+                <a:spcPct val="20000"/>
+              </a:spcBef>
+              <a:buChar char="–"/>
+              <a:defRPr sz="2000">
+                <a:solidFill>
+                  <a:schemeClr val="tx1"/>
+                </a:solidFill>
+                <a:latin typeface="Tahoma" pitchFamily="34" charset="0"/>
+              </a:defRPr>
+            </a:lvl4pPr>
+            <a:lvl5pPr marL="2057400" indent="-228600" algn="l">
+              <a:spcBef>
+                <a:spcPct val="20000"/>
+              </a:spcBef>
+              <a:buChar char="»"/>
+              <a:defRPr sz="2000">
+                <a:solidFill>
+                  <a:schemeClr val="tx1"/>
+                </a:solidFill>
+                <a:latin typeface="Tahoma" pitchFamily="34" charset="0"/>
+              </a:defRPr>
+            </a:lvl5pPr>
+            <a:lvl6pPr marL="2514600" indent="-228600" eaLnBrk="0" fontAlgn="base" hangingPunct="0">
+              <a:spcBef>
+                <a:spcPct val="20000"/>
+              </a:spcBef>
+              <a:spcAft>
+                <a:spcPct val="0"/>
+              </a:spcAft>
+              <a:buChar char="»"/>
+              <a:defRPr sz="2000">
+                <a:solidFill>
+                  <a:schemeClr val="tx1"/>
+                </a:solidFill>
+                <a:latin typeface="Tahoma" pitchFamily="34" charset="0"/>
+              </a:defRPr>
+            </a:lvl6pPr>
+            <a:lvl7pPr marL="2971800" indent="-228600" eaLnBrk="0" fontAlgn="base" hangingPunct="0">
+              <a:spcBef>
+                <a:spcPct val="20000"/>
+              </a:spcBef>
+              <a:spcAft>
+                <a:spcPct val="0"/>
+              </a:spcAft>
+              <a:buChar char="»"/>
+              <a:defRPr sz="2000">
+                <a:solidFill>
+                  <a:schemeClr val="tx1"/>
+                </a:solidFill>
+                <a:latin typeface="Tahoma" pitchFamily="34" charset="0"/>
+              </a:defRPr>
+            </a:lvl7pPr>
+            <a:lvl8pPr marL="3429000" indent="-228600" eaLnBrk="0" fontAlgn="base" hangingPunct="0">
+              <a:spcBef>
+                <a:spcPct val="20000"/>
+              </a:spcBef>
+              <a:spcAft>
+                <a:spcPct val="0"/>
+              </a:spcAft>
+              <a:buChar char="»"/>
+              <a:defRPr sz="2000">
+                <a:solidFill>
+                  <a:schemeClr val="tx1"/>
+                </a:solidFill>
+                <a:latin typeface="Tahoma" pitchFamily="34" charset="0"/>
+              </a:defRPr>
+            </a:lvl8pPr>
+            <a:lvl9pPr marL="3886200" indent="-228600" eaLnBrk="0" fontAlgn="base" hangingPunct="0">
+              <a:spcBef>
+                <a:spcPct val="20000"/>
+              </a:spcBef>
+              <a:spcAft>
+                <a:spcPct val="0"/>
+              </a:spcAft>
+              <a:buChar char="»"/>
+              <a:defRPr sz="2000">
+                <a:solidFill>
+                  <a:schemeClr val="tx1"/>
+                </a:solidFill>
+                <a:latin typeface="Tahoma" pitchFamily="34" charset="0"/>
+              </a:defRPr>
+            </a:lvl9pPr>
+          </a:lstStyle>
+          <a:p>
+            <a:pPr>
+              <a:lnSpc>
+                <a:spcPct val="90000"/>
+              </a:lnSpc>
+              <a:buFontTx/>
+              <a:buNone/>
+            </a:pPr>
+            <a:r>
+              <a:rPr lang="it-IT" altLang="it-IT" sz="2000" b="1" u="sng" dirty="0" smtClean="0">
+                <a:latin typeface="Courier New" panose="02070309020205020404" pitchFamily="49" charset="0"/>
+                <a:cs typeface="Courier New" panose="02070309020205020404" pitchFamily="49" charset="0"/>
+              </a:rPr>
+              <a:t>classA.cpp</a:t>
+            </a:r>
+            <a:endParaRPr lang="it-IT" altLang="it-IT" sz="2000" b="1" u="sng" dirty="0">
+              <a:latin typeface="Courier New" panose="02070309020205020404" pitchFamily="49" charset="0"/>
+              <a:cs typeface="Courier New" panose="02070309020205020404" pitchFamily="49" charset="0"/>
+            </a:endParaRPr>
+          </a:p>
+        </p:txBody>
+      </p:sp>
+      <p:sp>
+        <p:nvSpPr>
+          <p:cNvPr id="8" name="Rectangle 4"/>
+          <p:cNvSpPr txBox="1">
+            <a:spLocks noChangeArrowheads="1"/>
+          </p:cNvSpPr>
+          <p:nvPr/>
+        </p:nvSpPr>
+        <p:spPr>
+          <a:xfrm>
+            <a:off x="2207568" y="1628800"/>
+            <a:ext cx="3505200" cy="4114800"/>
+          </a:xfrm>
+          <a:prstGeom prst="rect">
+            <a:avLst/>
+          </a:prstGeom>
+          <a:solidFill>
+            <a:schemeClr val="bg1"/>
+          </a:solidFill>
+          <a:ln>
+            <a:solidFill>
+              <a:schemeClr val="tx1"/>
+            </a:solidFill>
+            <a:miter lim="800000"/>
+            <a:headEnd/>
+            <a:tailEnd/>
+          </a:ln>
+        </p:spPr>
+        <p:txBody>
+          <a:bodyPr/>
+          <a:lstStyle>
+            <a:lvl1pPr marL="342900" indent="-342900" algn="l" rtl="0" eaLnBrk="1" fontAlgn="base" hangingPunct="1">
+              <a:spcBef>
+                <a:spcPct val="20000"/>
+              </a:spcBef>
+              <a:spcAft>
+                <a:spcPct val="0"/>
+              </a:spcAft>
+              <a:buChar char="•"/>
+              <a:defRPr sz="2400">
+                <a:solidFill>
+                  <a:schemeClr val="tx1"/>
+                </a:solidFill>
+                <a:latin typeface="Century Schoolbook" panose="02040604050505020304" pitchFamily="18" charset="0"/>
+                <a:ea typeface="+mn-ea"/>
+                <a:cs typeface="+mn-cs"/>
+              </a:defRPr>
+            </a:lvl1pPr>
+            <a:lvl2pPr marL="742950" indent="-285750" algn="l" rtl="0" eaLnBrk="1" fontAlgn="base" hangingPunct="1">
+              <a:spcBef>
+                <a:spcPct val="20000"/>
+              </a:spcBef>
+              <a:spcAft>
+                <a:spcPct val="0"/>
+              </a:spcAft>
+              <a:buChar char="–"/>
+              <a:defRPr sz="2000">
+                <a:solidFill>
+                  <a:schemeClr val="tx1"/>
+                </a:solidFill>
+                <a:latin typeface="Century Schoolbook" panose="02040604050505020304" pitchFamily="18" charset="0"/>
+              </a:defRPr>
+            </a:lvl2pPr>
+            <a:lvl3pPr marL="1143000" indent="-228600" algn="l" rtl="0" eaLnBrk="1" fontAlgn="base" hangingPunct="1">
+              <a:spcBef>
+                <a:spcPct val="20000"/>
+              </a:spcBef>
+              <a:spcAft>
+                <a:spcPct val="0"/>
+              </a:spcAft>
+              <a:buChar char="•"/>
+              <a:defRPr>
+                <a:solidFill>
+                  <a:schemeClr val="tx1"/>
+                </a:solidFill>
+                <a:latin typeface="Century Schoolbook" panose="02040604050505020304" pitchFamily="18" charset="0"/>
+              </a:defRPr>
+            </a:lvl3pPr>
+            <a:lvl4pPr marL="1600200" indent="-228600" algn="l" rtl="0" eaLnBrk="1" fontAlgn="base" hangingPunct="1">
+              <a:spcBef>
+                <a:spcPct val="20000"/>
+              </a:spcBef>
+              <a:spcAft>
+                <a:spcPct val="0"/>
+              </a:spcAft>
+              <a:buChar char="–"/>
+              <a:defRPr sz="1600">
+                <a:solidFill>
+                  <a:schemeClr val="tx1"/>
+                </a:solidFill>
+                <a:latin typeface="Century Schoolbook" panose="02040604050505020304" pitchFamily="18" charset="0"/>
+              </a:defRPr>
+            </a:lvl4pPr>
+            <a:lvl5pPr marL="2057400" indent="-228600" algn="l" rtl="0" eaLnBrk="1" fontAlgn="base" hangingPunct="1">
+              <a:spcBef>
+                <a:spcPct val="20000"/>
+              </a:spcBef>
+              <a:spcAft>
+                <a:spcPct val="0"/>
+              </a:spcAft>
+              <a:buChar char="»"/>
+              <a:defRPr sz="1400">
+                <a:solidFill>
+                  <a:schemeClr val="tx1"/>
+                </a:solidFill>
+                <a:latin typeface="Century Schoolbook" panose="02040604050505020304" pitchFamily="18" charset="0"/>
+              </a:defRPr>
+            </a:lvl5pPr>
+            <a:lvl6pPr marL="2514600" indent="-228600" algn="l" rtl="0" eaLnBrk="1" fontAlgn="base" hangingPunct="1">
+              <a:spcBef>
+                <a:spcPct val="20000"/>
+              </a:spcBef>
+              <a:spcAft>
+                <a:spcPct val="0"/>
+              </a:spcAft>
+              <a:buChar char="»"/>
+              <a:defRPr sz="1400">
+                <a:solidFill>
+                  <a:schemeClr val="tx1"/>
+                </a:solidFill>
+                <a:latin typeface="+mn-lt"/>
+              </a:defRPr>
+            </a:lvl6pPr>
+            <a:lvl7pPr marL="2971800" indent="-228600" algn="l" rtl="0" eaLnBrk="1" fontAlgn="base" hangingPunct="1">
+              <a:spcBef>
+                <a:spcPct val="20000"/>
+              </a:spcBef>
+              <a:spcAft>
+                <a:spcPct val="0"/>
+              </a:spcAft>
+              <a:buChar char="»"/>
+              <a:defRPr sz="1400">
+                <a:solidFill>
+                  <a:schemeClr val="tx1"/>
+                </a:solidFill>
+                <a:latin typeface="+mn-lt"/>
+              </a:defRPr>
+            </a:lvl7pPr>
+            <a:lvl8pPr marL="3429000" indent="-228600" algn="l" rtl="0" eaLnBrk="1" fontAlgn="base" hangingPunct="1">
+              <a:spcBef>
+                <a:spcPct val="20000"/>
+              </a:spcBef>
+              <a:spcAft>
+                <a:spcPct val="0"/>
+              </a:spcAft>
+              <a:buChar char="»"/>
+              <a:defRPr sz="1400">
+                <a:solidFill>
+                  <a:schemeClr val="tx1"/>
+                </a:solidFill>
+                <a:latin typeface="+mn-lt"/>
+              </a:defRPr>
+            </a:lvl8pPr>
+            <a:lvl9pPr marL="3886200" indent="-228600" algn="l" rtl="0" eaLnBrk="1" fontAlgn="base" hangingPunct="1">
+              <a:spcBef>
+                <a:spcPct val="20000"/>
+              </a:spcBef>
+              <a:spcAft>
+                <a:spcPct val="0"/>
+              </a:spcAft>
+              <a:buChar char="»"/>
+              <a:defRPr sz="1400">
+                <a:solidFill>
+                  <a:schemeClr val="tx1"/>
+                </a:solidFill>
+                <a:latin typeface="+mn-lt"/>
+              </a:defRPr>
+            </a:lvl9pPr>
+          </a:lstStyle>
+          <a:p>
+            <a:pPr>
+              <a:lnSpc>
+                <a:spcPct val="90000"/>
+              </a:lnSpc>
+              <a:buFontTx/>
+              <a:buNone/>
+            </a:pPr>
+            <a:r>
+              <a:rPr lang="it-IT" altLang="it-IT" sz="2000" b="1" u="sng" kern="0" dirty="0" err="1" smtClean="0">
+                <a:latin typeface="Courier New" panose="02070309020205020404" pitchFamily="49" charset="0"/>
+                <a:cs typeface="Courier New" panose="02070309020205020404" pitchFamily="49" charset="0"/>
+              </a:rPr>
+              <a:t>classA.h</a:t>
+            </a:r>
+            <a:endParaRPr lang="it-IT" altLang="it-IT" sz="2000" b="1" u="sng" kern="0" dirty="0" smtClean="0">
+              <a:latin typeface="Courier New" panose="02070309020205020404" pitchFamily="49" charset="0"/>
+              <a:cs typeface="Courier New" panose="02070309020205020404" pitchFamily="49" charset="0"/>
+            </a:endParaRPr>
+          </a:p>
+          <a:p>
+            <a:pPr>
+              <a:lnSpc>
+                <a:spcPct val="90000"/>
+              </a:lnSpc>
+              <a:buFontTx/>
+              <a:buNone/>
+            </a:pPr>
+            <a:r>
+              <a:rPr lang="it-IT" altLang="it-IT" sz="2000" b="1" kern="0" dirty="0" smtClean="0">
+                <a:latin typeface="Courier New" panose="02070309020205020404" pitchFamily="49" charset="0"/>
+                <a:cs typeface="Courier New" panose="02070309020205020404" pitchFamily="49" charset="0"/>
+              </a:rPr>
+              <a:t>#</a:t>
+            </a:r>
+            <a:r>
+              <a:rPr lang="it-IT" altLang="it-IT" sz="2000" b="1" kern="0" dirty="0" err="1" smtClean="0">
+                <a:latin typeface="Courier New" panose="02070309020205020404" pitchFamily="49" charset="0"/>
+                <a:cs typeface="Courier New" panose="02070309020205020404" pitchFamily="49" charset="0"/>
+              </a:rPr>
+              <a:t>ifndef</a:t>
+            </a:r>
+            <a:r>
+              <a:rPr lang="it-IT" altLang="it-IT" sz="2000" b="1" kern="0" dirty="0" smtClean="0">
+                <a:latin typeface="Courier New" panose="02070309020205020404" pitchFamily="49" charset="0"/>
+                <a:cs typeface="Courier New" panose="02070309020205020404" pitchFamily="49" charset="0"/>
+              </a:rPr>
+              <a:t> CLASSA_H</a:t>
+            </a:r>
+          </a:p>
+          <a:p>
+            <a:pPr>
+              <a:lnSpc>
+                <a:spcPct val="90000"/>
+              </a:lnSpc>
+              <a:buFontTx/>
+              <a:buNone/>
+            </a:pPr>
+            <a:r>
+              <a:rPr lang="it-IT" altLang="it-IT" sz="2000" b="1" kern="0" dirty="0" smtClean="0">
+                <a:latin typeface="Courier New" panose="02070309020205020404" pitchFamily="49" charset="0"/>
+                <a:cs typeface="Courier New" panose="02070309020205020404" pitchFamily="49" charset="0"/>
+              </a:rPr>
+              <a:t>#</a:t>
+            </a:r>
+            <a:r>
+              <a:rPr lang="it-IT" altLang="it-IT" sz="2000" b="1" kern="0" dirty="0" err="1" smtClean="0">
+                <a:latin typeface="Courier New" panose="02070309020205020404" pitchFamily="49" charset="0"/>
+                <a:cs typeface="Courier New" panose="02070309020205020404" pitchFamily="49" charset="0"/>
+              </a:rPr>
+              <a:t>define</a:t>
+            </a:r>
+            <a:r>
+              <a:rPr lang="it-IT" altLang="it-IT" sz="2000" b="1" kern="0" dirty="0" smtClean="0">
+                <a:latin typeface="Courier New" panose="02070309020205020404" pitchFamily="49" charset="0"/>
+                <a:cs typeface="Courier New" panose="02070309020205020404" pitchFamily="49" charset="0"/>
+              </a:rPr>
+              <a:t> CLASSA_H</a:t>
+            </a:r>
+          </a:p>
+          <a:p>
+            <a:pPr>
+              <a:lnSpc>
+                <a:spcPct val="90000"/>
+              </a:lnSpc>
+              <a:buFontTx/>
+              <a:buNone/>
+            </a:pPr>
+            <a:r>
+              <a:rPr lang="it-IT" altLang="it-IT" sz="2000" b="1" kern="0" dirty="0" err="1" smtClean="0">
+                <a:latin typeface="Courier New" panose="02070309020205020404" pitchFamily="49" charset="0"/>
+                <a:cs typeface="Courier New" panose="02070309020205020404" pitchFamily="49" charset="0"/>
+              </a:rPr>
+              <a:t>class</a:t>
+            </a:r>
+            <a:r>
+              <a:rPr lang="it-IT" altLang="it-IT" sz="2000" b="1" kern="0" dirty="0" smtClean="0">
+                <a:latin typeface="Courier New" panose="02070309020205020404" pitchFamily="49" charset="0"/>
+                <a:cs typeface="Courier New" panose="02070309020205020404" pitchFamily="49" charset="0"/>
+              </a:rPr>
+              <a:t> A</a:t>
+            </a:r>
+          </a:p>
+          <a:p>
+            <a:pPr>
+              <a:lnSpc>
+                <a:spcPct val="90000"/>
+              </a:lnSpc>
+              <a:buFontTx/>
+              <a:buNone/>
+            </a:pPr>
+            <a:r>
+              <a:rPr lang="it-IT" altLang="it-IT" sz="2000" b="1" kern="0" dirty="0" smtClean="0">
+                <a:latin typeface="Courier New" panose="02070309020205020404" pitchFamily="49" charset="0"/>
+                <a:cs typeface="Courier New" panose="02070309020205020404" pitchFamily="49" charset="0"/>
+              </a:rPr>
+              <a:t>{</a:t>
+            </a:r>
+          </a:p>
+          <a:p>
+            <a:pPr>
+              <a:lnSpc>
+                <a:spcPct val="90000"/>
+              </a:lnSpc>
+              <a:buFontTx/>
+              <a:buNone/>
+            </a:pPr>
+            <a:r>
+              <a:rPr lang="it-IT" altLang="it-IT" sz="2000" b="1" kern="0" dirty="0" smtClean="0">
+                <a:latin typeface="Courier New" panose="02070309020205020404" pitchFamily="49" charset="0"/>
+                <a:cs typeface="Courier New" panose="02070309020205020404" pitchFamily="49" charset="0"/>
+              </a:rPr>
+              <a:t>  …</a:t>
+            </a:r>
+          </a:p>
+          <a:p>
+            <a:pPr>
+              <a:lnSpc>
+                <a:spcPct val="90000"/>
+              </a:lnSpc>
+              <a:buFontTx/>
+              <a:buNone/>
+            </a:pPr>
+            <a:r>
+              <a:rPr lang="it-IT" altLang="it-IT" sz="2000" b="1" kern="0" dirty="0" smtClean="0">
+                <a:latin typeface="Courier New" panose="02070309020205020404" pitchFamily="49" charset="0"/>
+                <a:cs typeface="Courier New" panose="02070309020205020404" pitchFamily="49" charset="0"/>
+              </a:rPr>
+              <a:t>};</a:t>
+            </a:r>
+          </a:p>
+          <a:p>
+            <a:pPr>
+              <a:lnSpc>
+                <a:spcPct val="90000"/>
+              </a:lnSpc>
+              <a:buFontTx/>
+              <a:buNone/>
+            </a:pPr>
+            <a:r>
+              <a:rPr lang="it-IT" altLang="it-IT" sz="2000" b="1" kern="0" dirty="0" smtClean="0">
+                <a:latin typeface="Courier New" panose="02070309020205020404" pitchFamily="49" charset="0"/>
+                <a:cs typeface="Courier New" panose="02070309020205020404" pitchFamily="49" charset="0"/>
+              </a:rPr>
+              <a:t>#</a:t>
+            </a:r>
+            <a:r>
+              <a:rPr lang="it-IT" altLang="it-IT" sz="2000" b="1" kern="0" dirty="0" err="1" smtClean="0">
+                <a:latin typeface="Courier New" panose="02070309020205020404" pitchFamily="49" charset="0"/>
+                <a:cs typeface="Courier New" panose="02070309020205020404" pitchFamily="49" charset="0"/>
+              </a:rPr>
+              <a:t>endif</a:t>
+            </a:r>
+            <a:endParaRPr lang="it-IT" altLang="it-IT" sz="2000" b="1" kern="0" dirty="0">
+              <a:latin typeface="Courier New" panose="02070309020205020404" pitchFamily="49" charset="0"/>
+              <a:cs typeface="Courier New" panose="02070309020205020404" pitchFamily="49" charset="0"/>
+            </a:endParaRPr>
+          </a:p>
+        </p:txBody>
+      </p:sp>
+      <p:sp>
+        <p:nvSpPr>
+          <p:cNvPr id="9" name="Rectangle 5"/>
+          <p:cNvSpPr>
+            <a:spLocks noChangeArrowheads="1"/>
+          </p:cNvSpPr>
+          <p:nvPr/>
+        </p:nvSpPr>
+        <p:spPr bwMode="auto">
+          <a:xfrm>
+            <a:off x="6114728" y="1161535"/>
+            <a:ext cx="3505200" cy="4114800"/>
+          </a:xfrm>
+          <a:prstGeom prst="rect">
+            <a:avLst/>
+          </a:prstGeom>
+          <a:noFill/>
+          <a:ln w="9525">
+            <a:solidFill>
+              <a:schemeClr val="tx1"/>
+            </a:solidFill>
+            <a:miter lim="800000"/>
+            <a:headEnd/>
+            <a:tailEnd/>
+          </a:ln>
+          <a:effectLst/>
+          <a:extLst>
+            <a:ext uri="{909E8E84-426E-40DD-AFC4-6F175D3DCCD1}">
+              <a14:hiddenFill xmlns:a14="http://schemas.microsoft.com/office/drawing/2010/main">
+                <a:solidFill>
+                  <a:schemeClr val="accent1"/>
+                </a:solidFill>
+              </a14:hiddenFill>
+            </a:ext>
+            <a:ext uri="{AF507438-7753-43E0-B8FC-AC1667EBCBE1}">
+              <a14:hiddenEffects xmlns:a14="http://schemas.microsoft.com/office/drawing/2010/main">
+                <a:effectLst>
+                  <a:outerShdw dist="35921" dir="2700000" algn="ctr" rotWithShape="0">
+                    <a:schemeClr val="bg2"/>
+                  </a:outerShdw>
+                </a:effectLst>
+              </a14:hiddenEffects>
+            </a:ext>
+          </a:extLst>
+        </p:spPr>
+        <p:txBody>
+          <a:bodyPr/>
+          <a:lstStyle>
+            <a:lvl1pPr marL="342900" indent="-342900" algn="l">
+              <a:spcBef>
+                <a:spcPct val="20000"/>
+              </a:spcBef>
+              <a:buChar char="•"/>
+              <a:defRPr sz="3200">
+                <a:solidFill>
+                  <a:schemeClr val="tx1"/>
+                </a:solidFill>
+                <a:latin typeface="Tahoma" pitchFamily="34" charset="0"/>
+              </a:defRPr>
+            </a:lvl1pPr>
+            <a:lvl2pPr marL="742950" indent="-285750" algn="l">
+              <a:spcBef>
+                <a:spcPct val="20000"/>
+              </a:spcBef>
+              <a:buChar char="–"/>
+              <a:defRPr sz="2800">
+                <a:solidFill>
+                  <a:schemeClr val="tx1"/>
+                </a:solidFill>
+                <a:latin typeface="Tahoma" pitchFamily="34" charset="0"/>
+              </a:defRPr>
+            </a:lvl2pPr>
+            <a:lvl3pPr marL="1143000" indent="-228600" algn="l">
+              <a:spcBef>
+                <a:spcPct val="20000"/>
+              </a:spcBef>
+              <a:buChar char="•"/>
+              <a:defRPr sz="2400">
+                <a:solidFill>
+                  <a:schemeClr val="tx1"/>
+                </a:solidFill>
+                <a:latin typeface="Tahoma" pitchFamily="34" charset="0"/>
+              </a:defRPr>
+            </a:lvl3pPr>
+            <a:lvl4pPr marL="1600200" indent="-228600" algn="l">
+              <a:spcBef>
+                <a:spcPct val="20000"/>
+              </a:spcBef>
+              <a:buChar char="–"/>
+              <a:defRPr sz="2000">
+                <a:solidFill>
+                  <a:schemeClr val="tx1"/>
+                </a:solidFill>
+                <a:latin typeface="Tahoma" pitchFamily="34" charset="0"/>
+              </a:defRPr>
+            </a:lvl4pPr>
+            <a:lvl5pPr marL="2057400" indent="-228600" algn="l">
+              <a:spcBef>
+                <a:spcPct val="20000"/>
+              </a:spcBef>
+              <a:buChar char="»"/>
+              <a:defRPr sz="2000">
+                <a:solidFill>
+                  <a:schemeClr val="tx1"/>
+                </a:solidFill>
+                <a:latin typeface="Tahoma" pitchFamily="34" charset="0"/>
+              </a:defRPr>
+            </a:lvl5pPr>
+            <a:lvl6pPr marL="2514600" indent="-228600" eaLnBrk="0" fontAlgn="base" hangingPunct="0">
+              <a:spcBef>
+                <a:spcPct val="20000"/>
+              </a:spcBef>
+              <a:spcAft>
+                <a:spcPct val="0"/>
+              </a:spcAft>
+              <a:buChar char="»"/>
+              <a:defRPr sz="2000">
+                <a:solidFill>
+                  <a:schemeClr val="tx1"/>
+                </a:solidFill>
+                <a:latin typeface="Tahoma" pitchFamily="34" charset="0"/>
+              </a:defRPr>
+            </a:lvl6pPr>
+            <a:lvl7pPr marL="2971800" indent="-228600" eaLnBrk="0" fontAlgn="base" hangingPunct="0">
+              <a:spcBef>
+                <a:spcPct val="20000"/>
+              </a:spcBef>
+              <a:spcAft>
+                <a:spcPct val="0"/>
+              </a:spcAft>
+              <a:buChar char="»"/>
+              <a:defRPr sz="2000">
+                <a:solidFill>
+                  <a:schemeClr val="tx1"/>
+                </a:solidFill>
+                <a:latin typeface="Tahoma" pitchFamily="34" charset="0"/>
+              </a:defRPr>
+            </a:lvl7pPr>
+            <a:lvl8pPr marL="3429000" indent="-228600" eaLnBrk="0" fontAlgn="base" hangingPunct="0">
+              <a:spcBef>
+                <a:spcPct val="20000"/>
+              </a:spcBef>
+              <a:spcAft>
+                <a:spcPct val="0"/>
+              </a:spcAft>
+              <a:buChar char="»"/>
+              <a:defRPr sz="2000">
+                <a:solidFill>
+                  <a:schemeClr val="tx1"/>
+                </a:solidFill>
+                <a:latin typeface="Tahoma" pitchFamily="34" charset="0"/>
+              </a:defRPr>
+            </a:lvl8pPr>
+            <a:lvl9pPr marL="3886200" indent="-228600" eaLnBrk="0" fontAlgn="base" hangingPunct="0">
+              <a:spcBef>
+                <a:spcPct val="20000"/>
+              </a:spcBef>
+              <a:spcAft>
+                <a:spcPct val="0"/>
+              </a:spcAft>
+              <a:buChar char="»"/>
+              <a:defRPr sz="2000">
+                <a:solidFill>
+                  <a:schemeClr val="tx1"/>
+                </a:solidFill>
+                <a:latin typeface="Tahoma" pitchFamily="34" charset="0"/>
+              </a:defRPr>
+            </a:lvl9pPr>
+          </a:lstStyle>
+          <a:p>
+            <a:pPr>
+              <a:lnSpc>
+                <a:spcPct val="90000"/>
+              </a:lnSpc>
+              <a:buFontTx/>
+              <a:buNone/>
+            </a:pPr>
+            <a:r>
+              <a:rPr lang="it-IT" altLang="it-IT" sz="2000" b="1" u="sng" dirty="0" smtClean="0">
+                <a:latin typeface="Courier New" panose="02070309020205020404" pitchFamily="49" charset="0"/>
+                <a:cs typeface="Courier New" panose="02070309020205020404" pitchFamily="49" charset="0"/>
+              </a:rPr>
+              <a:t>classB.cpp</a:t>
+            </a:r>
+            <a:endParaRPr lang="it-IT" altLang="it-IT" sz="2000" b="1" u="sng" dirty="0">
+              <a:latin typeface="Courier New" panose="02070309020205020404" pitchFamily="49" charset="0"/>
+              <a:cs typeface="Courier New" panose="02070309020205020404" pitchFamily="49" charset="0"/>
+            </a:endParaRPr>
+          </a:p>
+        </p:txBody>
+      </p:sp>
+      <p:sp>
+        <p:nvSpPr>
+          <p:cNvPr id="10" name="Rectangle 6"/>
+          <p:cNvSpPr>
+            <a:spLocks noChangeArrowheads="1"/>
+          </p:cNvSpPr>
+          <p:nvPr/>
+        </p:nvSpPr>
+        <p:spPr bwMode="auto">
+          <a:xfrm>
+            <a:off x="6384032" y="1688756"/>
+            <a:ext cx="3505200" cy="3879889"/>
+          </a:xfrm>
+          <a:prstGeom prst="rect">
+            <a:avLst/>
+          </a:prstGeom>
+          <a:solidFill>
+            <a:schemeClr val="bg1"/>
+          </a:solidFill>
+          <a:ln w="9525">
+            <a:solidFill>
+              <a:schemeClr val="tx1"/>
+            </a:solidFill>
+            <a:miter lim="800000"/>
+            <a:headEnd/>
+            <a:tailEnd/>
+          </a:ln>
+          <a:effectLst/>
+          <a:extLst>
+            <a:ext uri="{AF507438-7753-43E0-B8FC-AC1667EBCBE1}">
+              <a14:hiddenEffects xmlns:a14="http://schemas.microsoft.com/office/drawing/2010/main">
+                <a:effectLst>
+                  <a:outerShdw dist="35921" dir="2700000" algn="ctr" rotWithShape="0">
+                    <a:schemeClr val="bg2"/>
+                  </a:outerShdw>
+                </a:effectLst>
+              </a14:hiddenEffects>
+            </a:ext>
+          </a:extLst>
+        </p:spPr>
+        <p:txBody>
+          <a:bodyPr/>
+          <a:lstStyle>
+            <a:lvl1pPr marL="342900" indent="-342900" algn="l">
+              <a:spcBef>
+                <a:spcPct val="20000"/>
+              </a:spcBef>
+              <a:buChar char="•"/>
+              <a:defRPr sz="3200">
+                <a:solidFill>
+                  <a:schemeClr val="tx1"/>
+                </a:solidFill>
+                <a:latin typeface="Tahoma" pitchFamily="34" charset="0"/>
+              </a:defRPr>
+            </a:lvl1pPr>
+            <a:lvl2pPr marL="742950" indent="-285750" algn="l">
+              <a:spcBef>
+                <a:spcPct val="20000"/>
+              </a:spcBef>
+              <a:buChar char="–"/>
+              <a:defRPr sz="2800">
+                <a:solidFill>
+                  <a:schemeClr val="tx1"/>
+                </a:solidFill>
+                <a:latin typeface="Tahoma" pitchFamily="34" charset="0"/>
+              </a:defRPr>
+            </a:lvl2pPr>
+            <a:lvl3pPr marL="1143000" indent="-228600" algn="l">
+              <a:spcBef>
+                <a:spcPct val="20000"/>
+              </a:spcBef>
+              <a:buChar char="•"/>
+              <a:defRPr sz="2400">
+                <a:solidFill>
+                  <a:schemeClr val="tx1"/>
+                </a:solidFill>
+                <a:latin typeface="Tahoma" pitchFamily="34" charset="0"/>
+              </a:defRPr>
+            </a:lvl3pPr>
+            <a:lvl4pPr marL="1600200" indent="-228600" algn="l">
+              <a:spcBef>
+                <a:spcPct val="20000"/>
+              </a:spcBef>
+              <a:buChar char="–"/>
+              <a:defRPr sz="2000">
+                <a:solidFill>
+                  <a:schemeClr val="tx1"/>
+                </a:solidFill>
+                <a:latin typeface="Tahoma" pitchFamily="34" charset="0"/>
+              </a:defRPr>
+            </a:lvl4pPr>
+            <a:lvl5pPr marL="2057400" indent="-228600" algn="l">
+              <a:spcBef>
+                <a:spcPct val="20000"/>
+              </a:spcBef>
+              <a:buChar char="»"/>
+              <a:defRPr sz="2000">
+                <a:solidFill>
+                  <a:schemeClr val="tx1"/>
+                </a:solidFill>
+                <a:latin typeface="Tahoma" pitchFamily="34" charset="0"/>
+              </a:defRPr>
+            </a:lvl5pPr>
+            <a:lvl6pPr marL="2514600" indent="-228600" eaLnBrk="0" fontAlgn="base" hangingPunct="0">
+              <a:spcBef>
+                <a:spcPct val="20000"/>
+              </a:spcBef>
+              <a:spcAft>
+                <a:spcPct val="0"/>
+              </a:spcAft>
+              <a:buChar char="»"/>
+              <a:defRPr sz="2000">
+                <a:solidFill>
+                  <a:schemeClr val="tx1"/>
+                </a:solidFill>
+                <a:latin typeface="Tahoma" pitchFamily="34" charset="0"/>
+              </a:defRPr>
+            </a:lvl6pPr>
+            <a:lvl7pPr marL="2971800" indent="-228600" eaLnBrk="0" fontAlgn="base" hangingPunct="0">
+              <a:spcBef>
+                <a:spcPct val="20000"/>
+              </a:spcBef>
+              <a:spcAft>
+                <a:spcPct val="0"/>
+              </a:spcAft>
+              <a:buChar char="»"/>
+              <a:defRPr sz="2000">
+                <a:solidFill>
+                  <a:schemeClr val="tx1"/>
+                </a:solidFill>
+                <a:latin typeface="Tahoma" pitchFamily="34" charset="0"/>
+              </a:defRPr>
+            </a:lvl7pPr>
+            <a:lvl8pPr marL="3429000" indent="-228600" eaLnBrk="0" fontAlgn="base" hangingPunct="0">
+              <a:spcBef>
+                <a:spcPct val="20000"/>
+              </a:spcBef>
+              <a:spcAft>
+                <a:spcPct val="0"/>
+              </a:spcAft>
+              <a:buChar char="»"/>
+              <a:defRPr sz="2000">
+                <a:solidFill>
+                  <a:schemeClr val="tx1"/>
+                </a:solidFill>
+                <a:latin typeface="Tahoma" pitchFamily="34" charset="0"/>
+              </a:defRPr>
+            </a:lvl8pPr>
+            <a:lvl9pPr marL="3886200" indent="-228600" eaLnBrk="0" fontAlgn="base" hangingPunct="0">
+              <a:spcBef>
+                <a:spcPct val="20000"/>
+              </a:spcBef>
+              <a:spcAft>
+                <a:spcPct val="0"/>
+              </a:spcAft>
+              <a:buChar char="»"/>
+              <a:defRPr sz="2000">
+                <a:solidFill>
+                  <a:schemeClr val="tx1"/>
+                </a:solidFill>
+                <a:latin typeface="Tahoma" pitchFamily="34" charset="0"/>
+              </a:defRPr>
+            </a:lvl9pPr>
+          </a:lstStyle>
+          <a:p>
+            <a:pPr>
+              <a:buFontTx/>
+              <a:buNone/>
+            </a:pPr>
+            <a:r>
+              <a:rPr lang="it-IT" altLang="it-IT" sz="2000" b="1" u="sng" dirty="0" err="1">
+                <a:latin typeface="Courier New" panose="02070309020205020404" pitchFamily="49" charset="0"/>
+                <a:cs typeface="Courier New" panose="02070309020205020404" pitchFamily="49" charset="0"/>
+              </a:rPr>
+              <a:t>classB.h</a:t>
+            </a:r>
+            <a:endParaRPr lang="it-IT" altLang="it-IT" sz="2000" b="1" u="sng" dirty="0">
+              <a:latin typeface="Courier New" panose="02070309020205020404" pitchFamily="49" charset="0"/>
+              <a:cs typeface="Courier New" panose="02070309020205020404" pitchFamily="49" charset="0"/>
+            </a:endParaRPr>
+          </a:p>
+          <a:p>
+            <a:pPr>
+              <a:buFontTx/>
+              <a:buNone/>
+            </a:pPr>
+            <a:r>
+              <a:rPr lang="it-IT" altLang="it-IT" sz="2000" b="1" dirty="0">
+                <a:latin typeface="Courier New" panose="02070309020205020404" pitchFamily="49" charset="0"/>
+                <a:cs typeface="Courier New" panose="02070309020205020404" pitchFamily="49" charset="0"/>
+              </a:rPr>
+              <a:t>#</a:t>
+            </a:r>
+            <a:r>
+              <a:rPr lang="it-IT" altLang="it-IT" sz="2000" b="1" dirty="0" err="1">
+                <a:latin typeface="Courier New" panose="02070309020205020404" pitchFamily="49" charset="0"/>
+                <a:cs typeface="Courier New" panose="02070309020205020404" pitchFamily="49" charset="0"/>
+              </a:rPr>
+              <a:t>ifndef</a:t>
+            </a:r>
+            <a:r>
+              <a:rPr lang="it-IT" altLang="it-IT" sz="2000" b="1" dirty="0">
+                <a:latin typeface="Courier New" panose="02070309020205020404" pitchFamily="49" charset="0"/>
+                <a:cs typeface="Courier New" panose="02070309020205020404" pitchFamily="49" charset="0"/>
+              </a:rPr>
+              <a:t> CLASSB_H</a:t>
+            </a:r>
+          </a:p>
+          <a:p>
+            <a:pPr>
+              <a:buFontTx/>
+              <a:buNone/>
+            </a:pPr>
+            <a:r>
+              <a:rPr lang="it-IT" altLang="it-IT" sz="2000" b="1" dirty="0">
+                <a:latin typeface="Courier New" panose="02070309020205020404" pitchFamily="49" charset="0"/>
+                <a:cs typeface="Courier New" panose="02070309020205020404" pitchFamily="49" charset="0"/>
+              </a:rPr>
+              <a:t>#</a:t>
+            </a:r>
+            <a:r>
+              <a:rPr lang="it-IT" altLang="it-IT" sz="2000" b="1" dirty="0" err="1">
+                <a:latin typeface="Courier New" panose="02070309020205020404" pitchFamily="49" charset="0"/>
+                <a:cs typeface="Courier New" panose="02070309020205020404" pitchFamily="49" charset="0"/>
+              </a:rPr>
+              <a:t>define</a:t>
+            </a:r>
+            <a:r>
+              <a:rPr lang="it-IT" altLang="it-IT" sz="2000" b="1" dirty="0">
+                <a:latin typeface="Courier New" panose="02070309020205020404" pitchFamily="49" charset="0"/>
+                <a:cs typeface="Courier New" panose="02070309020205020404" pitchFamily="49" charset="0"/>
+              </a:rPr>
+              <a:t> CLASSB_H</a:t>
+            </a:r>
+          </a:p>
+          <a:p>
+            <a:pPr>
+              <a:buFontTx/>
+              <a:buNone/>
+            </a:pPr>
+            <a:r>
+              <a:rPr lang="it-IT" altLang="it-IT" sz="2000" b="1" dirty="0">
+                <a:latin typeface="Courier New" panose="02070309020205020404" pitchFamily="49" charset="0"/>
+                <a:cs typeface="Courier New" panose="02070309020205020404" pitchFamily="49" charset="0"/>
+              </a:rPr>
+              <a:t>#include </a:t>
+            </a:r>
+            <a:r>
+              <a:rPr lang="it-IT" altLang="it-IT" sz="2000" b="1" dirty="0" smtClean="0">
+                <a:latin typeface="Courier New" panose="02070309020205020404" pitchFamily="49" charset="0"/>
+                <a:cs typeface="Courier New" panose="02070309020205020404" pitchFamily="49" charset="0"/>
+              </a:rPr>
+              <a:t>"</a:t>
+            </a:r>
+            <a:r>
+              <a:rPr lang="it-IT" altLang="it-IT" sz="2000" b="1" dirty="0" err="1" smtClean="0">
+                <a:latin typeface="Courier New" panose="02070309020205020404" pitchFamily="49" charset="0"/>
+                <a:cs typeface="Courier New" panose="02070309020205020404" pitchFamily="49" charset="0"/>
+              </a:rPr>
+              <a:t>classA.h</a:t>
+            </a:r>
+            <a:r>
+              <a:rPr lang="it-IT" altLang="it-IT" sz="2000" b="1" dirty="0" smtClean="0">
+                <a:latin typeface="Courier New" panose="02070309020205020404" pitchFamily="49" charset="0"/>
+                <a:cs typeface="Courier New" panose="02070309020205020404" pitchFamily="49" charset="0"/>
+              </a:rPr>
+              <a:t>"</a:t>
+            </a:r>
+            <a:endParaRPr lang="it-IT" altLang="it-IT" sz="2000" b="1" dirty="0">
+              <a:latin typeface="Courier New" panose="02070309020205020404" pitchFamily="49" charset="0"/>
+              <a:cs typeface="Courier New" panose="02070309020205020404" pitchFamily="49" charset="0"/>
+            </a:endParaRPr>
+          </a:p>
+          <a:p>
+            <a:pPr>
+              <a:buFontTx/>
+              <a:buNone/>
+            </a:pPr>
+            <a:r>
+              <a:rPr lang="it-IT" altLang="it-IT" sz="2000" b="1" dirty="0" err="1">
+                <a:latin typeface="Courier New" panose="02070309020205020404" pitchFamily="49" charset="0"/>
+                <a:cs typeface="Courier New" panose="02070309020205020404" pitchFamily="49" charset="0"/>
+              </a:rPr>
+              <a:t>class</a:t>
+            </a:r>
+            <a:r>
+              <a:rPr lang="it-IT" altLang="it-IT" sz="2000" b="1" dirty="0">
+                <a:latin typeface="Courier New" panose="02070309020205020404" pitchFamily="49" charset="0"/>
+                <a:cs typeface="Courier New" panose="02070309020205020404" pitchFamily="49" charset="0"/>
+              </a:rPr>
+              <a:t> B</a:t>
+            </a:r>
+          </a:p>
+          <a:p>
+            <a:pPr>
+              <a:buFontTx/>
+              <a:buNone/>
+            </a:pPr>
+            <a:r>
+              <a:rPr lang="it-IT" altLang="it-IT" sz="2000" b="1" dirty="0">
+                <a:latin typeface="Courier New" panose="02070309020205020404" pitchFamily="49" charset="0"/>
+                <a:cs typeface="Courier New" panose="02070309020205020404" pitchFamily="49" charset="0"/>
+              </a:rPr>
+              <a:t>{</a:t>
+            </a:r>
+          </a:p>
+          <a:p>
+            <a:pPr>
+              <a:buFontTx/>
+              <a:buNone/>
+            </a:pPr>
+            <a:r>
+              <a:rPr lang="it-IT" altLang="it-IT" sz="2000" b="1" dirty="0">
+                <a:latin typeface="Courier New" panose="02070309020205020404" pitchFamily="49" charset="0"/>
+                <a:cs typeface="Courier New" panose="02070309020205020404" pitchFamily="49" charset="0"/>
+              </a:rPr>
+              <a:t>  …</a:t>
+            </a:r>
+          </a:p>
+          <a:p>
+            <a:pPr>
+              <a:buFontTx/>
+              <a:buNone/>
+            </a:pPr>
+            <a:r>
+              <a:rPr lang="it-IT" altLang="it-IT" sz="2000" b="1" dirty="0">
+                <a:latin typeface="Courier New" panose="02070309020205020404" pitchFamily="49" charset="0"/>
+                <a:cs typeface="Courier New" panose="02070309020205020404" pitchFamily="49" charset="0"/>
+              </a:rPr>
+              <a:t>};</a:t>
+            </a:r>
+          </a:p>
+          <a:p>
+            <a:pPr>
+              <a:buFontTx/>
+              <a:buNone/>
+            </a:pPr>
+            <a:r>
+              <a:rPr lang="it-IT" altLang="it-IT" sz="2000" b="1" dirty="0">
+                <a:latin typeface="Courier New" panose="02070309020205020404" pitchFamily="49" charset="0"/>
+                <a:cs typeface="Courier New" panose="02070309020205020404" pitchFamily="49" charset="0"/>
+              </a:rPr>
+              <a:t>#</a:t>
+            </a:r>
+            <a:r>
+              <a:rPr lang="it-IT" altLang="it-IT" sz="2000" b="1" dirty="0" err="1">
+                <a:latin typeface="Courier New" panose="02070309020205020404" pitchFamily="49" charset="0"/>
+                <a:cs typeface="Courier New" panose="02070309020205020404" pitchFamily="49" charset="0"/>
+              </a:rPr>
+              <a:t>endif</a:t>
+            </a:r>
+            <a:endParaRPr lang="it-IT" altLang="it-IT" sz="2000" b="1" dirty="0">
+              <a:latin typeface="Courier New" panose="02070309020205020404" pitchFamily="49" charset="0"/>
+              <a:cs typeface="Courier New" panose="02070309020205020404" pitchFamily="49" charset="0"/>
+            </a:endParaRPr>
+          </a:p>
+        </p:txBody>
+      </p:sp>
+    </p:spTree>
+    <p:extLst>
+      <p:ext uri="{BB962C8B-B14F-4D97-AF65-F5344CB8AC3E}">
+        <p14:creationId xmlns:p14="http://schemas.microsoft.com/office/powerpoint/2010/main" val="2133586219"/>
       </p:ext>
     </p:extLst>
   </p:cSld>
@@ -10905,7 +15854,7 @@
           <p:cNvPr id="2" name="Titolo 1">
             <a:extLst>
               <a:ext uri="{FF2B5EF4-FFF2-40B4-BE49-F238E27FC236}">
-                <a16:creationId xmlns:a16="http://schemas.microsoft.com/office/drawing/2014/main" id="{D75BD626-2D1B-4AA9-BF12-124E42664331}"/>
+                <a16:creationId xmlns:a16="http://schemas.microsoft.com/office/drawing/2014/main" xmlns="" id="{D75BD626-2D1B-4AA9-BF12-124E42664331}"/>
               </a:ext>
             </a:extLst>
           </p:cNvPr>
@@ -10933,7 +15882,7 @@
           <p:cNvPr id="3" name="Segnaposto contenuto 2">
             <a:extLst>
               <a:ext uri="{FF2B5EF4-FFF2-40B4-BE49-F238E27FC236}">
-                <a16:creationId xmlns:a16="http://schemas.microsoft.com/office/drawing/2014/main" id="{A1320AED-C52A-4F40-B4C0-4E3BE1CDD525}"/>
+                <a16:creationId xmlns:a16="http://schemas.microsoft.com/office/drawing/2014/main" xmlns="" id="{A1320AED-C52A-4F40-B4C0-4E3BE1CDD525}"/>
               </a:ext>
             </a:extLst>
           </p:cNvPr>
@@ -11021,7 +15970,7 @@
           <p:cNvPr id="4" name="Segnaposto piè di pagina 3">
             <a:extLst>
               <a:ext uri="{FF2B5EF4-FFF2-40B4-BE49-F238E27FC236}">
-                <a16:creationId xmlns:a16="http://schemas.microsoft.com/office/drawing/2014/main" id="{1C613A09-58AE-4E77-9D4F-97D1E974CE6C}"/>
+                <a16:creationId xmlns:a16="http://schemas.microsoft.com/office/drawing/2014/main" xmlns="" id="{1C613A09-58AE-4E77-9D4F-97D1E974CE6C}"/>
               </a:ext>
             </a:extLst>
           </p:cNvPr>
@@ -11053,7 +16002,7 @@
           <p:cNvPr id="5" name="Immagine 4">
             <a:extLst>
               <a:ext uri="{FF2B5EF4-FFF2-40B4-BE49-F238E27FC236}">
-                <a16:creationId xmlns:a16="http://schemas.microsoft.com/office/drawing/2014/main" id="{1983B8B7-9D9E-4396-AC15-4D5BCF51645A}"/>
+                <a16:creationId xmlns:a16="http://schemas.microsoft.com/office/drawing/2014/main" xmlns="" id="{1983B8B7-9D9E-4396-AC15-4D5BCF51645A}"/>
               </a:ext>
             </a:extLst>
           </p:cNvPr>
@@ -11113,7 +16062,7 @@
           <p:cNvPr id="2" name="Titolo 1">
             <a:extLst>
               <a:ext uri="{FF2B5EF4-FFF2-40B4-BE49-F238E27FC236}">
-                <a16:creationId xmlns:a16="http://schemas.microsoft.com/office/drawing/2014/main" id="{C7687D76-F2D6-47DD-9D07-9A288753C206}"/>
+                <a16:creationId xmlns:a16="http://schemas.microsoft.com/office/drawing/2014/main" xmlns="" id="{C7687D76-F2D6-47DD-9D07-9A288753C206}"/>
               </a:ext>
             </a:extLst>
           </p:cNvPr>
@@ -11141,7 +16090,7 @@
           <p:cNvPr id="11" name="Segnaposto contenuto 10">
             <a:extLst>
               <a:ext uri="{FF2B5EF4-FFF2-40B4-BE49-F238E27FC236}">
-                <a16:creationId xmlns:a16="http://schemas.microsoft.com/office/drawing/2014/main" id="{38D72BFB-4787-4118-B5DC-2D51AABFBA3C}"/>
+                <a16:creationId xmlns:a16="http://schemas.microsoft.com/office/drawing/2014/main" xmlns="" id="{38D72BFB-4787-4118-B5DC-2D51AABFBA3C}"/>
               </a:ext>
             </a:extLst>
           </p:cNvPr>
@@ -11206,7 +16155,7 @@
           <p:cNvPr id="12" name="Segnaposto contenuto 11">
             <a:extLst>
               <a:ext uri="{FF2B5EF4-FFF2-40B4-BE49-F238E27FC236}">
-                <a16:creationId xmlns:a16="http://schemas.microsoft.com/office/drawing/2014/main" id="{8E991647-CC79-4F2D-8897-9173B51F05B5}"/>
+                <a16:creationId xmlns:a16="http://schemas.microsoft.com/office/drawing/2014/main" xmlns="" id="{8E991647-CC79-4F2D-8897-9173B51F05B5}"/>
               </a:ext>
             </a:extLst>
           </p:cNvPr>
@@ -11283,7 +16232,7 @@
           <p:cNvPr id="4" name="Segnaposto piè di pagina 3">
             <a:extLst>
               <a:ext uri="{FF2B5EF4-FFF2-40B4-BE49-F238E27FC236}">
-                <a16:creationId xmlns:a16="http://schemas.microsoft.com/office/drawing/2014/main" id="{2BA79870-C4AE-4AAF-8EB1-73139AA040A2}"/>
+                <a16:creationId xmlns:a16="http://schemas.microsoft.com/office/drawing/2014/main" xmlns="" id="{2BA79870-C4AE-4AAF-8EB1-73139AA040A2}"/>
               </a:ext>
             </a:extLst>
           </p:cNvPr>
@@ -11345,7 +16294,7 @@
           <p:cNvPr id="2" name="Titolo 1">
             <a:extLst>
               <a:ext uri="{FF2B5EF4-FFF2-40B4-BE49-F238E27FC236}">
-                <a16:creationId xmlns:a16="http://schemas.microsoft.com/office/drawing/2014/main" id="{AF09E4A4-3D06-4A10-997E-D334CC4F9FD8}"/>
+                <a16:creationId xmlns:a16="http://schemas.microsoft.com/office/drawing/2014/main" xmlns="" id="{AF09E4A4-3D06-4A10-997E-D334CC4F9FD8}"/>
               </a:ext>
             </a:extLst>
           </p:cNvPr>
@@ -11373,7 +16322,7 @@
           <p:cNvPr id="6" name="Segnaposto contenuto 5">
             <a:extLst>
               <a:ext uri="{FF2B5EF4-FFF2-40B4-BE49-F238E27FC236}">
-                <a16:creationId xmlns:a16="http://schemas.microsoft.com/office/drawing/2014/main" id="{279427A9-B25F-4FA5-A7C7-1CCA012A11D5}"/>
+                <a16:creationId xmlns:a16="http://schemas.microsoft.com/office/drawing/2014/main" xmlns="" id="{279427A9-B25F-4FA5-A7C7-1CCA012A11D5}"/>
               </a:ext>
             </a:extLst>
           </p:cNvPr>
@@ -11443,7 +16392,7 @@
           <p:cNvPr id="5" name="Segnaposto piè di pagina 4">
             <a:extLst>
               <a:ext uri="{FF2B5EF4-FFF2-40B4-BE49-F238E27FC236}">
-                <a16:creationId xmlns:a16="http://schemas.microsoft.com/office/drawing/2014/main" id="{8EB54F3A-5ADB-45C5-9F62-2D149C7907B1}"/>
+                <a16:creationId xmlns:a16="http://schemas.microsoft.com/office/drawing/2014/main" xmlns="" id="{8EB54F3A-5ADB-45C5-9F62-2D149C7907B1}"/>
               </a:ext>
             </a:extLst>
           </p:cNvPr>
@@ -11505,7 +16454,7 @@
           <p:cNvPr id="2" name="Titolo 1">
             <a:extLst>
               <a:ext uri="{FF2B5EF4-FFF2-40B4-BE49-F238E27FC236}">
-                <a16:creationId xmlns:a16="http://schemas.microsoft.com/office/drawing/2014/main" id="{8AD8341A-F91E-41A6-ACCC-751D8528079C}"/>
+                <a16:creationId xmlns:a16="http://schemas.microsoft.com/office/drawing/2014/main" xmlns="" id="{8AD8341A-F91E-41A6-ACCC-751D8528079C}"/>
               </a:ext>
             </a:extLst>
           </p:cNvPr>
@@ -11533,7 +16482,7 @@
           <p:cNvPr id="3" name="Segnaposto contenuto 2">
             <a:extLst>
               <a:ext uri="{FF2B5EF4-FFF2-40B4-BE49-F238E27FC236}">
-                <a16:creationId xmlns:a16="http://schemas.microsoft.com/office/drawing/2014/main" id="{F37E7968-4CCC-40EC-8CEA-850BCBAAF8A1}"/>
+                <a16:creationId xmlns:a16="http://schemas.microsoft.com/office/drawing/2014/main" xmlns="" id="{F37E7968-4CCC-40EC-8CEA-850BCBAAF8A1}"/>
               </a:ext>
             </a:extLst>
           </p:cNvPr>
@@ -11626,7 +16575,7 @@
           <p:cNvPr id="4" name="Segnaposto piè di pagina 3">
             <a:extLst>
               <a:ext uri="{FF2B5EF4-FFF2-40B4-BE49-F238E27FC236}">
-                <a16:creationId xmlns:a16="http://schemas.microsoft.com/office/drawing/2014/main" id="{B617823F-4FB9-4C1F-B393-FCB84FFF8174}"/>
+                <a16:creationId xmlns:a16="http://schemas.microsoft.com/office/drawing/2014/main" xmlns="" id="{B617823F-4FB9-4C1F-B393-FCB84FFF8174}"/>
               </a:ext>
             </a:extLst>
           </p:cNvPr>
@@ -11688,7 +16637,7 @@
           <p:cNvPr id="2" name="Titolo 1">
             <a:extLst>
               <a:ext uri="{FF2B5EF4-FFF2-40B4-BE49-F238E27FC236}">
-                <a16:creationId xmlns:a16="http://schemas.microsoft.com/office/drawing/2014/main" id="{D8A0D37C-C4D6-4ED6-93CE-497902C68A0A}"/>
+                <a16:creationId xmlns:a16="http://schemas.microsoft.com/office/drawing/2014/main" xmlns="" id="{D8A0D37C-C4D6-4ED6-93CE-497902C68A0A}"/>
               </a:ext>
             </a:extLst>
           </p:cNvPr>
@@ -11732,7 +16681,7 @@
           <p:cNvPr id="3" name="Segnaposto contenuto 2">
             <a:extLst>
               <a:ext uri="{FF2B5EF4-FFF2-40B4-BE49-F238E27FC236}">
-                <a16:creationId xmlns:a16="http://schemas.microsoft.com/office/drawing/2014/main" id="{969EE313-1DEF-4C90-BFDF-E32C32B50C3B}"/>
+                <a16:creationId xmlns:a16="http://schemas.microsoft.com/office/drawing/2014/main" xmlns="" id="{969EE313-1DEF-4C90-BFDF-E32C32B50C3B}"/>
               </a:ext>
             </a:extLst>
           </p:cNvPr>
@@ -11823,7 +16772,7 @@
           <p:cNvPr id="4" name="Segnaposto piè di pagina 3">
             <a:extLst>
               <a:ext uri="{FF2B5EF4-FFF2-40B4-BE49-F238E27FC236}">
-                <a16:creationId xmlns:a16="http://schemas.microsoft.com/office/drawing/2014/main" id="{BE03CC7F-A8AA-4F5A-9B21-AF4451C3122B}"/>
+                <a16:creationId xmlns:a16="http://schemas.microsoft.com/office/drawing/2014/main" xmlns="" id="{BE03CC7F-A8AA-4F5A-9B21-AF4451C3122B}"/>
               </a:ext>
             </a:extLst>
           </p:cNvPr>
@@ -11855,7 +16804,7 @@
           <p:cNvPr id="5" name="Immagine 4">
             <a:extLst>
               <a:ext uri="{FF2B5EF4-FFF2-40B4-BE49-F238E27FC236}">
-                <a16:creationId xmlns:a16="http://schemas.microsoft.com/office/drawing/2014/main" id="{58EFA3F3-9BA5-4D42-B0FE-5CA22508D29F}"/>
+                <a16:creationId xmlns:a16="http://schemas.microsoft.com/office/drawing/2014/main" xmlns="" id="{58EFA3F3-9BA5-4D42-B0FE-5CA22508D29F}"/>
               </a:ext>
             </a:extLst>
           </p:cNvPr>
@@ -11915,7 +16864,7 @@
           <p:cNvPr id="2" name="Titolo 1">
             <a:extLst>
               <a:ext uri="{FF2B5EF4-FFF2-40B4-BE49-F238E27FC236}">
-                <a16:creationId xmlns:a16="http://schemas.microsoft.com/office/drawing/2014/main" id="{6B14C41D-A022-4BC3-B2E8-E20CC30177F0}"/>
+                <a16:creationId xmlns:a16="http://schemas.microsoft.com/office/drawing/2014/main" xmlns="" id="{6B14C41D-A022-4BC3-B2E8-E20CC30177F0}"/>
               </a:ext>
             </a:extLst>
           </p:cNvPr>
@@ -11943,7 +16892,7 @@
           <p:cNvPr id="5" name="Segnaposto contenuto 4">
             <a:extLst>
               <a:ext uri="{FF2B5EF4-FFF2-40B4-BE49-F238E27FC236}">
-                <a16:creationId xmlns:a16="http://schemas.microsoft.com/office/drawing/2014/main" id="{A02FD034-EDE2-4206-9EC0-B99DD94D795F}"/>
+                <a16:creationId xmlns:a16="http://schemas.microsoft.com/office/drawing/2014/main" xmlns="" id="{A02FD034-EDE2-4206-9EC0-B99DD94D795F}"/>
               </a:ext>
             </a:extLst>
           </p:cNvPr>
@@ -12044,7 +16993,7 @@
           <p:cNvPr id="7" name="Segnaposto contenuto 6">
             <a:extLst>
               <a:ext uri="{FF2B5EF4-FFF2-40B4-BE49-F238E27FC236}">
-                <a16:creationId xmlns:a16="http://schemas.microsoft.com/office/drawing/2014/main" id="{949A3E59-A603-4F55-87C4-FEBC7BAB34AE}"/>
+                <a16:creationId xmlns:a16="http://schemas.microsoft.com/office/drawing/2014/main" xmlns="" id="{949A3E59-A603-4F55-87C4-FEBC7BAB34AE}"/>
               </a:ext>
             </a:extLst>
           </p:cNvPr>
@@ -12076,7 +17025,7 @@
           <p:cNvPr id="4" name="Segnaposto piè di pagina 3">
             <a:extLst>
               <a:ext uri="{FF2B5EF4-FFF2-40B4-BE49-F238E27FC236}">
-                <a16:creationId xmlns:a16="http://schemas.microsoft.com/office/drawing/2014/main" id="{6E1E6CC3-4089-40B6-BC3D-4575F4653B28}"/>
+                <a16:creationId xmlns:a16="http://schemas.microsoft.com/office/drawing/2014/main" xmlns="" id="{6E1E6CC3-4089-40B6-BC3D-4575F4653B28}"/>
               </a:ext>
             </a:extLst>
           </p:cNvPr>
@@ -12833,7 +17782,7 @@
   </a:extraClrSchemeLst>
   <a:extLst>
     <a:ext uri="{05A4C25C-085E-4340-85A3-A5531E510DB2}">
-      <thm15:themeFamily xmlns:thm15="http://schemas.microsoft.com/office/thememl/2012/main" name="Presentazione standard1" id="{720784A3-3107-4508-B7A9-1EAB53AA14F5}" vid="{4D31596E-AA56-4C77-BB0E-A09A90A0996D}"/>
+      <thm15:themeFamily xmlns:thm15="http://schemas.microsoft.com/office/thememl/2012/main" xmlns="" name="Presentazione standard1" id="{720784A3-3107-4508-B7A9-1EAB53AA14F5}" vid="{4D31596E-AA56-4C77-BB0E-A09A90A0996D}"/>
     </a:ext>
   </a:extLst>
 </a:theme>
@@ -13128,7 +18077,7 @@
   <a:extraClrSchemeLst/>
   <a:extLst>
     <a:ext uri="{05A4C25C-085E-4340-85A3-A5531E510DB2}">
-      <thm15:themeFamily xmlns:thm15="http://schemas.microsoft.com/office/thememl/2012/main" name="Office Theme" id="{62F939B6-93AF-4DB8-9C6B-D6C7DFDC589F}" vid="{4A3C46E8-61CC-4603-A589-7422A47A8E4A}"/>
+      <thm15:themeFamily xmlns:thm15="http://schemas.microsoft.com/office/thememl/2012/main" xmlns="" name="Office Theme" id="{62F939B6-93AF-4DB8-9C6B-D6C7DFDC589F}" vid="{4A3C46E8-61CC-4603-A589-7422A47A8E4A}"/>
     </a:ext>
   </a:extLst>
 </a:theme>

--- a/lezioni/PASW04 - object oriented programming.pptx
+++ b/lezioni/PASW04 - object oriented programming.pptx
@@ -5,7 +5,7 @@
     <p:sldMasterId id="2147483649" r:id="rId1"/>
   </p:sldMasterIdLst>
   <p:notesMasterIdLst>
-    <p:notesMasterId r:id="rId36"/>
+    <p:notesMasterId r:id="rId39"/>
   </p:notesMasterIdLst>
   <p:sldIdLst>
     <p:sldId id="258" r:id="rId2"/>
@@ -14,7 +14,7 @@
     <p:sldId id="291" r:id="rId5"/>
     <p:sldId id="292" r:id="rId6"/>
     <p:sldId id="293" r:id="rId7"/>
-    <p:sldId id="294" r:id="rId8"/>
+    <p:sldId id="327" r:id="rId8"/>
     <p:sldId id="295" r:id="rId9"/>
     <p:sldId id="296" r:id="rId10"/>
     <p:sldId id="297" r:id="rId11"/>
@@ -27,21 +27,24 @@
     <p:sldId id="307" r:id="rId18"/>
     <p:sldId id="308" r:id="rId19"/>
     <p:sldId id="309" r:id="rId20"/>
-    <p:sldId id="310" r:id="rId21"/>
+    <p:sldId id="328" r:id="rId21"/>
     <p:sldId id="311" r:id="rId22"/>
     <p:sldId id="312" r:id="rId23"/>
-    <p:sldId id="304" r:id="rId24"/>
-    <p:sldId id="305" r:id="rId25"/>
-    <p:sldId id="306" r:id="rId26"/>
-    <p:sldId id="313" r:id="rId27"/>
-    <p:sldId id="315" r:id="rId28"/>
-    <p:sldId id="316" r:id="rId29"/>
-    <p:sldId id="318" r:id="rId30"/>
-    <p:sldId id="319" r:id="rId31"/>
-    <p:sldId id="321" r:id="rId32"/>
-    <p:sldId id="322" r:id="rId33"/>
-    <p:sldId id="324" r:id="rId34"/>
-    <p:sldId id="325" r:id="rId35"/>
+    <p:sldId id="329" r:id="rId24"/>
+    <p:sldId id="330" r:id="rId25"/>
+    <p:sldId id="304" r:id="rId26"/>
+    <p:sldId id="305" r:id="rId27"/>
+    <p:sldId id="306" r:id="rId28"/>
+    <p:sldId id="313" r:id="rId29"/>
+    <p:sldId id="326" r:id="rId30"/>
+    <p:sldId id="315" r:id="rId31"/>
+    <p:sldId id="316" r:id="rId32"/>
+    <p:sldId id="318" r:id="rId33"/>
+    <p:sldId id="319" r:id="rId34"/>
+    <p:sldId id="321" r:id="rId35"/>
+    <p:sldId id="322" r:id="rId36"/>
+    <p:sldId id="324" r:id="rId37"/>
+    <p:sldId id="325" r:id="rId38"/>
   </p:sldIdLst>
   <p:sldSz cx="12192000" cy="6858000"/>
   <p:notesSz cx="6858000" cy="9144000"/>
@@ -172,7 +175,7 @@
   </p:defaultTextStyle>
   <p:extLst>
     <p:ext uri="{EFAFB233-063F-42B5-8137-9DF3F51BA10A}">
-      <p15:sldGuideLst xmlns:p15="http://schemas.microsoft.com/office/powerpoint/2012/main" xmlns="">
+      <p15:sldGuideLst xmlns:p15="http://schemas.microsoft.com/office/powerpoint/2012/main">
         <p15:guide id="1" orient="horz" pos="2160" userDrawn="1">
           <p15:clr>
             <a:srgbClr val="A4A3A4"/>
@@ -560,7 +563,7 @@
           <p:cNvPr id="3" name="Rectangle 3">
             <a:extLst>
               <a:ext uri="{FF2B5EF4-FFF2-40B4-BE49-F238E27FC236}">
-                <a16:creationId xmlns:a16="http://schemas.microsoft.com/office/drawing/2014/main" xmlns="" id="{2F66F622-9F9E-4382-93EF-DB0B74488104}"/>
+                <a16:creationId xmlns:a16="http://schemas.microsoft.com/office/drawing/2014/main" id="{2F66F622-9F9E-4382-93EF-DB0B74488104}"/>
               </a:ext>
             </a:extLst>
           </p:cNvPr>
@@ -720,7 +723,7 @@
           <p:cNvPr id="6" name="Rectangle 9">
             <a:extLst>
               <a:ext uri="{FF2B5EF4-FFF2-40B4-BE49-F238E27FC236}">
-                <a16:creationId xmlns:a16="http://schemas.microsoft.com/office/drawing/2014/main" xmlns="" id="{7E561134-9D78-4D68-BD42-80BF509310A5}"/>
+                <a16:creationId xmlns:a16="http://schemas.microsoft.com/office/drawing/2014/main" id="{7E561134-9D78-4D68-BD42-80BF509310A5}"/>
               </a:ext>
             </a:extLst>
           </p:cNvPr>
@@ -912,7 +915,7 @@
           <p:cNvPr id="7" name="Rectangle 6">
             <a:extLst>
               <a:ext uri="{FF2B5EF4-FFF2-40B4-BE49-F238E27FC236}">
-                <a16:creationId xmlns:a16="http://schemas.microsoft.com/office/drawing/2014/main" xmlns="" id="{86B1687A-0E99-4710-92B1-FAE5E8BF1918}"/>
+                <a16:creationId xmlns:a16="http://schemas.microsoft.com/office/drawing/2014/main" id="{86B1687A-0E99-4710-92B1-FAE5E8BF1918}"/>
               </a:ext>
             </a:extLst>
           </p:cNvPr>
@@ -944,7 +947,7 @@
           <p:cNvPr id="8" name="Rectangle 7">
             <a:extLst>
               <a:ext uri="{FF2B5EF4-FFF2-40B4-BE49-F238E27FC236}">
-                <a16:creationId xmlns:a16="http://schemas.microsoft.com/office/drawing/2014/main" xmlns="" id="{07348C20-9313-41D9-A26D-888D50119FCE}"/>
+                <a16:creationId xmlns:a16="http://schemas.microsoft.com/office/drawing/2014/main" id="{07348C20-9313-41D9-A26D-888D50119FCE}"/>
               </a:ext>
             </a:extLst>
           </p:cNvPr>
@@ -984,7 +987,7 @@
           <p:cNvPr id="9" name="Rectangle 8">
             <a:extLst>
               <a:ext uri="{FF2B5EF4-FFF2-40B4-BE49-F238E27FC236}">
-                <a16:creationId xmlns:a16="http://schemas.microsoft.com/office/drawing/2014/main" xmlns="" id="{17DF38D8-FD9B-403B-AFDF-0E3716816A92}"/>
+                <a16:creationId xmlns:a16="http://schemas.microsoft.com/office/drawing/2014/main" id="{17DF38D8-FD9B-403B-AFDF-0E3716816A92}"/>
               </a:ext>
             </a:extLst>
           </p:cNvPr>
@@ -1016,7 +1019,7 @@
           <p:cNvPr id="10" name="Immagine 9">
             <a:extLst>
               <a:ext uri="{FF2B5EF4-FFF2-40B4-BE49-F238E27FC236}">
-                <a16:creationId xmlns:a16="http://schemas.microsoft.com/office/drawing/2014/main" xmlns="" id="{61875CDC-4DD2-4CB4-A697-E954F59E49A3}"/>
+                <a16:creationId xmlns:a16="http://schemas.microsoft.com/office/drawing/2014/main" id="{61875CDC-4DD2-4CB4-A697-E954F59E49A3}"/>
               </a:ext>
             </a:extLst>
           </p:cNvPr>
@@ -1155,7 +1158,7 @@
           <p:cNvPr id="4" name="Rectangle 8">
             <a:extLst>
               <a:ext uri="{FF2B5EF4-FFF2-40B4-BE49-F238E27FC236}">
-                <a16:creationId xmlns:a16="http://schemas.microsoft.com/office/drawing/2014/main" xmlns="" id="{9E52C8E3-80C1-4BE7-B818-E96F0B04B42A}"/>
+                <a16:creationId xmlns:a16="http://schemas.microsoft.com/office/drawing/2014/main" id="{9E52C8E3-80C1-4BE7-B818-E96F0B04B42A}"/>
               </a:ext>
             </a:extLst>
           </p:cNvPr>
@@ -1189,7 +1192,7 @@
           <p:cNvPr id="5" name="Rectangle 9">
             <a:extLst>
               <a:ext uri="{FF2B5EF4-FFF2-40B4-BE49-F238E27FC236}">
-                <a16:creationId xmlns:a16="http://schemas.microsoft.com/office/drawing/2014/main" xmlns="" id="{849478E4-0D5E-46BD-A68F-B08AD01E928E}"/>
+                <a16:creationId xmlns:a16="http://schemas.microsoft.com/office/drawing/2014/main" id="{849478E4-0D5E-46BD-A68F-B08AD01E928E}"/>
               </a:ext>
             </a:extLst>
           </p:cNvPr>
@@ -1226,7 +1229,7 @@
           <p:cNvPr id="6" name="Rectangle 10">
             <a:extLst>
               <a:ext uri="{FF2B5EF4-FFF2-40B4-BE49-F238E27FC236}">
-                <a16:creationId xmlns:a16="http://schemas.microsoft.com/office/drawing/2014/main" xmlns="" id="{9335DB8C-CA69-4668-89B4-347E6D84183B}"/>
+                <a16:creationId xmlns:a16="http://schemas.microsoft.com/office/drawing/2014/main" id="{9335DB8C-CA69-4668-89B4-347E6D84183B}"/>
               </a:ext>
             </a:extLst>
           </p:cNvPr>
@@ -1376,7 +1379,7 @@
           <p:cNvPr id="4" name="Rectangle 8">
             <a:extLst>
               <a:ext uri="{FF2B5EF4-FFF2-40B4-BE49-F238E27FC236}">
-                <a16:creationId xmlns:a16="http://schemas.microsoft.com/office/drawing/2014/main" xmlns="" id="{9D8C8A0F-FBFE-4985-92E1-DFF22EFFC8E1}"/>
+                <a16:creationId xmlns:a16="http://schemas.microsoft.com/office/drawing/2014/main" id="{9D8C8A0F-FBFE-4985-92E1-DFF22EFFC8E1}"/>
               </a:ext>
             </a:extLst>
           </p:cNvPr>
@@ -1410,7 +1413,7 @@
           <p:cNvPr id="5" name="Rectangle 9">
             <a:extLst>
               <a:ext uri="{FF2B5EF4-FFF2-40B4-BE49-F238E27FC236}">
-                <a16:creationId xmlns:a16="http://schemas.microsoft.com/office/drawing/2014/main" xmlns="" id="{D2DC04C4-23D9-476A-AC32-1499A51842F9}"/>
+                <a16:creationId xmlns:a16="http://schemas.microsoft.com/office/drawing/2014/main" id="{D2DC04C4-23D9-476A-AC32-1499A51842F9}"/>
               </a:ext>
             </a:extLst>
           </p:cNvPr>
@@ -1447,7 +1450,7 @@
           <p:cNvPr id="6" name="Rectangle 10">
             <a:extLst>
               <a:ext uri="{FF2B5EF4-FFF2-40B4-BE49-F238E27FC236}">
-                <a16:creationId xmlns:a16="http://schemas.microsoft.com/office/drawing/2014/main" xmlns="" id="{3786B024-AA57-423D-891C-4560A17A0EB2}"/>
+                <a16:creationId xmlns:a16="http://schemas.microsoft.com/office/drawing/2014/main" id="{3786B024-AA57-423D-891C-4560A17A0EB2}"/>
               </a:ext>
             </a:extLst>
           </p:cNvPr>
@@ -1617,7 +1620,7 @@
           <p:cNvPr id="4" name="Rectangle 8">
             <a:extLst>
               <a:ext uri="{FF2B5EF4-FFF2-40B4-BE49-F238E27FC236}">
-                <a16:creationId xmlns:a16="http://schemas.microsoft.com/office/drawing/2014/main" xmlns="" id="{1D340B96-E3AF-4CD1-B22D-D32EEB8D2F1F}"/>
+                <a16:creationId xmlns:a16="http://schemas.microsoft.com/office/drawing/2014/main" id="{1D340B96-E3AF-4CD1-B22D-D32EEB8D2F1F}"/>
               </a:ext>
             </a:extLst>
           </p:cNvPr>
@@ -1651,7 +1654,7 @@
           <p:cNvPr id="5" name="Rectangle 9">
             <a:extLst>
               <a:ext uri="{FF2B5EF4-FFF2-40B4-BE49-F238E27FC236}">
-                <a16:creationId xmlns:a16="http://schemas.microsoft.com/office/drawing/2014/main" xmlns="" id="{213B513D-9A35-40F7-A837-AA516FB48D32}"/>
+                <a16:creationId xmlns:a16="http://schemas.microsoft.com/office/drawing/2014/main" id="{213B513D-9A35-40F7-A837-AA516FB48D32}"/>
               </a:ext>
             </a:extLst>
           </p:cNvPr>
@@ -1688,7 +1691,7 @@
           <p:cNvPr id="6" name="Rectangle 10">
             <a:extLst>
               <a:ext uri="{FF2B5EF4-FFF2-40B4-BE49-F238E27FC236}">
-                <a16:creationId xmlns:a16="http://schemas.microsoft.com/office/drawing/2014/main" xmlns="" id="{7EAE5BB2-5EBD-48B3-849E-0B7233F44C55}"/>
+                <a16:creationId xmlns:a16="http://schemas.microsoft.com/office/drawing/2014/main" id="{7EAE5BB2-5EBD-48B3-849E-0B7233F44C55}"/>
               </a:ext>
             </a:extLst>
           </p:cNvPr>
@@ -1851,7 +1854,7 @@
           <p:cNvPr id="4" name="Rectangle 8">
             <a:extLst>
               <a:ext uri="{FF2B5EF4-FFF2-40B4-BE49-F238E27FC236}">
-                <a16:creationId xmlns:a16="http://schemas.microsoft.com/office/drawing/2014/main" xmlns="" id="{DA126054-C08B-4D94-A300-2C3AA9B3C6DF}"/>
+                <a16:creationId xmlns:a16="http://schemas.microsoft.com/office/drawing/2014/main" id="{DA126054-C08B-4D94-A300-2C3AA9B3C6DF}"/>
               </a:ext>
             </a:extLst>
           </p:cNvPr>
@@ -1885,7 +1888,7 @@
           <p:cNvPr id="5" name="Rectangle 9">
             <a:extLst>
               <a:ext uri="{FF2B5EF4-FFF2-40B4-BE49-F238E27FC236}">
-                <a16:creationId xmlns:a16="http://schemas.microsoft.com/office/drawing/2014/main" xmlns="" id="{8A4A711E-C3F0-4273-A209-19A6605B4266}"/>
+                <a16:creationId xmlns:a16="http://schemas.microsoft.com/office/drawing/2014/main" id="{8A4A711E-C3F0-4273-A209-19A6605B4266}"/>
               </a:ext>
             </a:extLst>
           </p:cNvPr>
@@ -1922,7 +1925,7 @@
           <p:cNvPr id="6" name="Rectangle 10">
             <a:extLst>
               <a:ext uri="{FF2B5EF4-FFF2-40B4-BE49-F238E27FC236}">
-                <a16:creationId xmlns:a16="http://schemas.microsoft.com/office/drawing/2014/main" xmlns="" id="{DB96D76D-2FEC-40C3-90E7-386B7605E0AC}"/>
+                <a16:creationId xmlns:a16="http://schemas.microsoft.com/office/drawing/2014/main" id="{DB96D76D-2FEC-40C3-90E7-386B7605E0AC}"/>
               </a:ext>
             </a:extLst>
           </p:cNvPr>
@@ -2183,7 +2186,7 @@
           <p:cNvPr id="5" name="Rectangle 8">
             <a:extLst>
               <a:ext uri="{FF2B5EF4-FFF2-40B4-BE49-F238E27FC236}">
-                <a16:creationId xmlns:a16="http://schemas.microsoft.com/office/drawing/2014/main" xmlns="" id="{FCD38C67-62DF-4C10-AFCD-27CD68F8AA38}"/>
+                <a16:creationId xmlns:a16="http://schemas.microsoft.com/office/drawing/2014/main" id="{FCD38C67-62DF-4C10-AFCD-27CD68F8AA38}"/>
               </a:ext>
             </a:extLst>
           </p:cNvPr>
@@ -2217,7 +2220,7 @@
           <p:cNvPr id="6" name="Rectangle 9">
             <a:extLst>
               <a:ext uri="{FF2B5EF4-FFF2-40B4-BE49-F238E27FC236}">
-                <a16:creationId xmlns:a16="http://schemas.microsoft.com/office/drawing/2014/main" xmlns="" id="{28B9B552-3A66-4287-9B84-5E3362AB736B}"/>
+                <a16:creationId xmlns:a16="http://schemas.microsoft.com/office/drawing/2014/main" id="{28B9B552-3A66-4287-9B84-5E3362AB736B}"/>
               </a:ext>
             </a:extLst>
           </p:cNvPr>
@@ -2254,7 +2257,7 @@
           <p:cNvPr id="7" name="Rectangle 10">
             <a:extLst>
               <a:ext uri="{FF2B5EF4-FFF2-40B4-BE49-F238E27FC236}">
-                <a16:creationId xmlns:a16="http://schemas.microsoft.com/office/drawing/2014/main" xmlns="" id="{C59D8FC8-C1C4-40C7-B6C5-AB5DB82240FE}"/>
+                <a16:creationId xmlns:a16="http://schemas.microsoft.com/office/drawing/2014/main" id="{C59D8FC8-C1C4-40C7-B6C5-AB5DB82240FE}"/>
               </a:ext>
             </a:extLst>
           </p:cNvPr>
@@ -2650,7 +2653,7 @@
           <p:cNvPr id="7" name="Rectangle 8">
             <a:extLst>
               <a:ext uri="{FF2B5EF4-FFF2-40B4-BE49-F238E27FC236}">
-                <a16:creationId xmlns:a16="http://schemas.microsoft.com/office/drawing/2014/main" xmlns="" id="{89C37FF2-54A3-4F0B-989F-CB2ED7AA4C9B}"/>
+                <a16:creationId xmlns:a16="http://schemas.microsoft.com/office/drawing/2014/main" id="{89C37FF2-54A3-4F0B-989F-CB2ED7AA4C9B}"/>
               </a:ext>
             </a:extLst>
           </p:cNvPr>
@@ -2684,7 +2687,7 @@
           <p:cNvPr id="8" name="Rectangle 9">
             <a:extLst>
               <a:ext uri="{FF2B5EF4-FFF2-40B4-BE49-F238E27FC236}">
-                <a16:creationId xmlns:a16="http://schemas.microsoft.com/office/drawing/2014/main" xmlns="" id="{313F494C-8E8A-412F-BDCE-9C60B5929130}"/>
+                <a16:creationId xmlns:a16="http://schemas.microsoft.com/office/drawing/2014/main" id="{313F494C-8E8A-412F-BDCE-9C60B5929130}"/>
               </a:ext>
             </a:extLst>
           </p:cNvPr>
@@ -2721,7 +2724,7 @@
           <p:cNvPr id="9" name="Rectangle 10">
             <a:extLst>
               <a:ext uri="{FF2B5EF4-FFF2-40B4-BE49-F238E27FC236}">
-                <a16:creationId xmlns:a16="http://schemas.microsoft.com/office/drawing/2014/main" xmlns="" id="{7A208440-759F-4A62-A738-9D4959051C1D}"/>
+                <a16:creationId xmlns:a16="http://schemas.microsoft.com/office/drawing/2014/main" id="{7A208440-759F-4A62-A738-9D4959051C1D}"/>
               </a:ext>
             </a:extLst>
           </p:cNvPr>
@@ -2814,7 +2817,7 @@
           <p:cNvPr id="3" name="Rectangle 8">
             <a:extLst>
               <a:ext uri="{FF2B5EF4-FFF2-40B4-BE49-F238E27FC236}">
-                <a16:creationId xmlns:a16="http://schemas.microsoft.com/office/drawing/2014/main" xmlns="" id="{6537270B-B5F3-458E-B27B-04BD7BC3B100}"/>
+                <a16:creationId xmlns:a16="http://schemas.microsoft.com/office/drawing/2014/main" id="{6537270B-B5F3-458E-B27B-04BD7BC3B100}"/>
               </a:ext>
             </a:extLst>
           </p:cNvPr>
@@ -2848,7 +2851,7 @@
           <p:cNvPr id="4" name="Rectangle 9">
             <a:extLst>
               <a:ext uri="{FF2B5EF4-FFF2-40B4-BE49-F238E27FC236}">
-                <a16:creationId xmlns:a16="http://schemas.microsoft.com/office/drawing/2014/main" xmlns="" id="{2CDE415C-E614-49E1-80DC-29BC1793A81C}"/>
+                <a16:creationId xmlns:a16="http://schemas.microsoft.com/office/drawing/2014/main" id="{2CDE415C-E614-49E1-80DC-29BC1793A81C}"/>
               </a:ext>
             </a:extLst>
           </p:cNvPr>
@@ -2885,7 +2888,7 @@
           <p:cNvPr id="5" name="Rectangle 10">
             <a:extLst>
               <a:ext uri="{FF2B5EF4-FFF2-40B4-BE49-F238E27FC236}">
-                <a16:creationId xmlns:a16="http://schemas.microsoft.com/office/drawing/2014/main" xmlns="" id="{1D7D2E0A-3A86-433B-B82C-85F8885D3EFB}"/>
+                <a16:creationId xmlns:a16="http://schemas.microsoft.com/office/drawing/2014/main" id="{1D7D2E0A-3A86-433B-B82C-85F8885D3EFB}"/>
               </a:ext>
             </a:extLst>
           </p:cNvPr>
@@ -2952,7 +2955,7 @@
           <p:cNvPr id="2" name="Rectangle 8">
             <a:extLst>
               <a:ext uri="{FF2B5EF4-FFF2-40B4-BE49-F238E27FC236}">
-                <a16:creationId xmlns:a16="http://schemas.microsoft.com/office/drawing/2014/main" xmlns="" id="{7FBD80C3-A2BB-4946-A617-8D7F2CC3829B}"/>
+                <a16:creationId xmlns:a16="http://schemas.microsoft.com/office/drawing/2014/main" id="{7FBD80C3-A2BB-4946-A617-8D7F2CC3829B}"/>
               </a:ext>
             </a:extLst>
           </p:cNvPr>
@@ -2986,7 +2989,7 @@
           <p:cNvPr id="3" name="Rectangle 9">
             <a:extLst>
               <a:ext uri="{FF2B5EF4-FFF2-40B4-BE49-F238E27FC236}">
-                <a16:creationId xmlns:a16="http://schemas.microsoft.com/office/drawing/2014/main" xmlns="" id="{FA6B80F5-2DC7-4B7D-915F-0B508F493576}"/>
+                <a16:creationId xmlns:a16="http://schemas.microsoft.com/office/drawing/2014/main" id="{FA6B80F5-2DC7-4B7D-915F-0B508F493576}"/>
               </a:ext>
             </a:extLst>
           </p:cNvPr>
@@ -3023,7 +3026,7 @@
           <p:cNvPr id="4" name="Rectangle 10">
             <a:extLst>
               <a:ext uri="{FF2B5EF4-FFF2-40B4-BE49-F238E27FC236}">
-                <a16:creationId xmlns:a16="http://schemas.microsoft.com/office/drawing/2014/main" xmlns="" id="{F8D739AF-76CB-43A0-A2FF-A94D176DFA47}"/>
+                <a16:creationId xmlns:a16="http://schemas.microsoft.com/office/drawing/2014/main" id="{F8D739AF-76CB-43A0-A2FF-A94D176DFA47}"/>
               </a:ext>
             </a:extLst>
           </p:cNvPr>
@@ -3270,7 +3273,7 @@
           <p:cNvPr id="5" name="Rectangle 8">
             <a:extLst>
               <a:ext uri="{FF2B5EF4-FFF2-40B4-BE49-F238E27FC236}">
-                <a16:creationId xmlns:a16="http://schemas.microsoft.com/office/drawing/2014/main" xmlns="" id="{A0E18068-52FD-4CA6-9585-2298365D2D15}"/>
+                <a16:creationId xmlns:a16="http://schemas.microsoft.com/office/drawing/2014/main" id="{A0E18068-52FD-4CA6-9585-2298365D2D15}"/>
               </a:ext>
             </a:extLst>
           </p:cNvPr>
@@ -3304,7 +3307,7 @@
           <p:cNvPr id="6" name="Rectangle 9">
             <a:extLst>
               <a:ext uri="{FF2B5EF4-FFF2-40B4-BE49-F238E27FC236}">
-                <a16:creationId xmlns:a16="http://schemas.microsoft.com/office/drawing/2014/main" xmlns="" id="{80E1311F-7D51-4AB7-BF56-57742D6D4750}"/>
+                <a16:creationId xmlns:a16="http://schemas.microsoft.com/office/drawing/2014/main" id="{80E1311F-7D51-4AB7-BF56-57742D6D4750}"/>
               </a:ext>
             </a:extLst>
           </p:cNvPr>
@@ -3341,7 +3344,7 @@
           <p:cNvPr id="7" name="Rectangle 10">
             <a:extLst>
               <a:ext uri="{FF2B5EF4-FFF2-40B4-BE49-F238E27FC236}">
-                <a16:creationId xmlns:a16="http://schemas.microsoft.com/office/drawing/2014/main" xmlns="" id="{6D6E048C-B1D6-4E34-8E93-D219EAF72B8F}"/>
+                <a16:creationId xmlns:a16="http://schemas.microsoft.com/office/drawing/2014/main" id="{6D6E048C-B1D6-4E34-8E93-D219EAF72B8F}"/>
               </a:ext>
             </a:extLst>
           </p:cNvPr>
@@ -3569,7 +3572,7 @@
           <p:cNvPr id="5" name="Rectangle 8">
             <a:extLst>
               <a:ext uri="{FF2B5EF4-FFF2-40B4-BE49-F238E27FC236}">
-                <a16:creationId xmlns:a16="http://schemas.microsoft.com/office/drawing/2014/main" xmlns="" id="{F3B43825-4DA7-40C3-B101-639D4DCBC380}"/>
+                <a16:creationId xmlns:a16="http://schemas.microsoft.com/office/drawing/2014/main" id="{F3B43825-4DA7-40C3-B101-639D4DCBC380}"/>
               </a:ext>
             </a:extLst>
           </p:cNvPr>
@@ -3603,7 +3606,7 @@
           <p:cNvPr id="6" name="Rectangle 9">
             <a:extLst>
               <a:ext uri="{FF2B5EF4-FFF2-40B4-BE49-F238E27FC236}">
-                <a16:creationId xmlns:a16="http://schemas.microsoft.com/office/drawing/2014/main" xmlns="" id="{865E6C1E-6B83-43F1-A72D-41117309B6E1}"/>
+                <a16:creationId xmlns:a16="http://schemas.microsoft.com/office/drawing/2014/main" id="{865E6C1E-6B83-43F1-A72D-41117309B6E1}"/>
               </a:ext>
             </a:extLst>
           </p:cNvPr>
@@ -3640,7 +3643,7 @@
           <p:cNvPr id="7" name="Rectangle 10">
             <a:extLst>
               <a:ext uri="{FF2B5EF4-FFF2-40B4-BE49-F238E27FC236}">
-                <a16:creationId xmlns:a16="http://schemas.microsoft.com/office/drawing/2014/main" xmlns="" id="{FE450D81-6DD3-4C35-B26D-CB269A11E1A4}"/>
+                <a16:creationId xmlns:a16="http://schemas.microsoft.com/office/drawing/2014/main" id="{FE450D81-6DD3-4C35-B26D-CB269A11E1A4}"/>
               </a:ext>
             </a:extLst>
           </p:cNvPr>
@@ -3715,7 +3718,7 @@
           <p:cNvPr id="6146" name="Rectangle 2">
             <a:extLst>
               <a:ext uri="{FF2B5EF4-FFF2-40B4-BE49-F238E27FC236}">
-                <a16:creationId xmlns:a16="http://schemas.microsoft.com/office/drawing/2014/main" xmlns="" id="{11773B77-5FEE-4CDC-9116-E72B4D80072E}"/>
+                <a16:creationId xmlns:a16="http://schemas.microsoft.com/office/drawing/2014/main" id="{11773B77-5FEE-4CDC-9116-E72B4D80072E}"/>
               </a:ext>
             </a:extLst>
           </p:cNvPr>
@@ -3789,7 +3792,7 @@
           <p:cNvPr id="6148" name="Text Box 4">
             <a:extLst>
               <a:ext uri="{FF2B5EF4-FFF2-40B4-BE49-F238E27FC236}">
-                <a16:creationId xmlns:a16="http://schemas.microsoft.com/office/drawing/2014/main" xmlns="" id="{693FB291-86A3-4054-9672-4B6DED5923A2}"/>
+                <a16:creationId xmlns:a16="http://schemas.microsoft.com/office/drawing/2014/main" id="{693FB291-86A3-4054-9672-4B6DED5923A2}"/>
               </a:ext>
             </a:extLst>
           </p:cNvPr>
@@ -3882,7 +3885,7 @@
           <p:cNvPr id="1030" name="Rectangle 6">
             <a:extLst>
               <a:ext uri="{FF2B5EF4-FFF2-40B4-BE49-F238E27FC236}">
-                <a16:creationId xmlns:a16="http://schemas.microsoft.com/office/drawing/2014/main" xmlns="" id="{2DBAABCF-16D2-47C9-BE26-0CCC54F1EB46}"/>
+                <a16:creationId xmlns:a16="http://schemas.microsoft.com/office/drawing/2014/main" id="{2DBAABCF-16D2-47C9-BE26-0CCC54F1EB46}"/>
               </a:ext>
             </a:extLst>
           </p:cNvPr>
@@ -4044,7 +4047,7 @@
           <p:cNvPr id="1031" name="Rectangle 7">
             <a:extLst>
               <a:ext uri="{FF2B5EF4-FFF2-40B4-BE49-F238E27FC236}">
-                <a16:creationId xmlns:a16="http://schemas.microsoft.com/office/drawing/2014/main" xmlns="" id="{73292A6C-FBA7-4442-8427-7A8A8F6168FC}"/>
+                <a16:creationId xmlns:a16="http://schemas.microsoft.com/office/drawing/2014/main" id="{73292A6C-FBA7-4442-8427-7A8A8F6168FC}"/>
               </a:ext>
             </a:extLst>
           </p:cNvPr>
@@ -4146,7 +4149,7 @@
           <p:cNvPr id="6152" name="Rectangle 8">
             <a:extLst>
               <a:ext uri="{FF2B5EF4-FFF2-40B4-BE49-F238E27FC236}">
-                <a16:creationId xmlns:a16="http://schemas.microsoft.com/office/drawing/2014/main" xmlns="" id="{53A60772-B15E-497F-AD24-089024883B66}"/>
+                <a16:creationId xmlns:a16="http://schemas.microsoft.com/office/drawing/2014/main" id="{53A60772-B15E-497F-AD24-089024883B66}"/>
               </a:ext>
             </a:extLst>
           </p:cNvPr>
@@ -4229,7 +4232,7 @@
           <p:cNvPr id="6153" name="Rectangle 9">
             <a:extLst>
               <a:ext uri="{FF2B5EF4-FFF2-40B4-BE49-F238E27FC236}">
-                <a16:creationId xmlns:a16="http://schemas.microsoft.com/office/drawing/2014/main" xmlns="" id="{CFEAE2EE-E388-4267-9303-123C161F474F}"/>
+                <a16:creationId xmlns:a16="http://schemas.microsoft.com/office/drawing/2014/main" id="{CFEAE2EE-E388-4267-9303-123C161F474F}"/>
               </a:ext>
             </a:extLst>
           </p:cNvPr>
@@ -4316,7 +4319,7 @@
           <p:cNvPr id="6154" name="Rectangle 10">
             <a:extLst>
               <a:ext uri="{FF2B5EF4-FFF2-40B4-BE49-F238E27FC236}">
-                <a16:creationId xmlns:a16="http://schemas.microsoft.com/office/drawing/2014/main" xmlns="" id="{A93910EE-4A98-46A9-A410-F7F1F0BA786C}"/>
+                <a16:creationId xmlns:a16="http://schemas.microsoft.com/office/drawing/2014/main" id="{A93910EE-4A98-46A9-A410-F7F1F0BA786C}"/>
               </a:ext>
             </a:extLst>
           </p:cNvPr>
@@ -4403,7 +4406,7 @@
           <p:cNvPr id="1035" name="Rectangle 11">
             <a:extLst>
               <a:ext uri="{FF2B5EF4-FFF2-40B4-BE49-F238E27FC236}">
-                <a16:creationId xmlns:a16="http://schemas.microsoft.com/office/drawing/2014/main" xmlns="" id="{34F2246F-A59A-4D4C-8D97-ED0D528D3F6C}"/>
+                <a16:creationId xmlns:a16="http://schemas.microsoft.com/office/drawing/2014/main" id="{34F2246F-A59A-4D4C-8D97-ED0D528D3F6C}"/>
               </a:ext>
             </a:extLst>
           </p:cNvPr>
@@ -4565,7 +4568,7 @@
           <p:cNvPr id="3" name="Immagine 2">
             <a:extLst>
               <a:ext uri="{FF2B5EF4-FFF2-40B4-BE49-F238E27FC236}">
-                <a16:creationId xmlns:a16="http://schemas.microsoft.com/office/drawing/2014/main" xmlns="" id="{7E02A79F-BC85-4F79-988F-880CEF01FDEE}"/>
+                <a16:creationId xmlns:a16="http://schemas.microsoft.com/office/drawing/2014/main" id="{7E02A79F-BC85-4F79-988F-880CEF01FDEE}"/>
               </a:ext>
             </a:extLst>
           </p:cNvPr>
@@ -5045,7 +5048,7 @@
           <p:cNvPr id="4" name="Rectangle 7">
             <a:extLst>
               <a:ext uri="{FF2B5EF4-FFF2-40B4-BE49-F238E27FC236}">
-                <a16:creationId xmlns:a16="http://schemas.microsoft.com/office/drawing/2014/main" xmlns="" id="{69D2DA75-9C1A-462F-BE98-0D4187F89D6B}"/>
+                <a16:creationId xmlns:a16="http://schemas.microsoft.com/office/drawing/2014/main" id="{69D2DA75-9C1A-462F-BE98-0D4187F89D6B}"/>
               </a:ext>
             </a:extLst>
           </p:cNvPr>
@@ -5078,7 +5081,7 @@
           <p:cNvPr id="8194" name="Rectangle 2">
             <a:extLst>
               <a:ext uri="{FF2B5EF4-FFF2-40B4-BE49-F238E27FC236}">
-                <a16:creationId xmlns:a16="http://schemas.microsoft.com/office/drawing/2014/main" xmlns="" id="{B74884C2-CF73-446F-AD74-880598EB12F3}"/>
+                <a16:creationId xmlns:a16="http://schemas.microsoft.com/office/drawing/2014/main" id="{B74884C2-CF73-446F-AD74-880598EB12F3}"/>
               </a:ext>
             </a:extLst>
           </p:cNvPr>
@@ -5121,10 +5124,6 @@
             <a:r>
               <a:rPr lang="it-IT" sz="2800" dirty="0" err="1"/>
               <a:t>programming</a:t>
-            </a:r>
-            <a:r>
-              <a:rPr lang="it-IT" sz="2800" dirty="0"/>
-              <a:t/>
             </a:r>
             <a:br>
               <a:rPr lang="it-IT" sz="2800" dirty="0"/>
@@ -5183,7 +5182,7 @@
           <p:cNvPr id="6" name="Titolo 5">
             <a:extLst>
               <a:ext uri="{FF2B5EF4-FFF2-40B4-BE49-F238E27FC236}">
-                <a16:creationId xmlns:a16="http://schemas.microsoft.com/office/drawing/2014/main" xmlns="" id="{3C4239ED-4C6E-481C-8A89-D88C167F13BA}"/>
+                <a16:creationId xmlns:a16="http://schemas.microsoft.com/office/drawing/2014/main" id="{3C4239ED-4C6E-481C-8A89-D88C167F13BA}"/>
               </a:ext>
             </a:extLst>
           </p:cNvPr>
@@ -5211,7 +5210,7 @@
           <p:cNvPr id="7" name="Segnaposto contenuto 6">
             <a:extLst>
               <a:ext uri="{FF2B5EF4-FFF2-40B4-BE49-F238E27FC236}">
-                <a16:creationId xmlns:a16="http://schemas.microsoft.com/office/drawing/2014/main" xmlns="" id="{B93EFBBB-C6A8-4CDF-8AFE-24629879BE48}"/>
+                <a16:creationId xmlns:a16="http://schemas.microsoft.com/office/drawing/2014/main" id="{B93EFBBB-C6A8-4CDF-8AFE-24629879BE48}"/>
               </a:ext>
             </a:extLst>
           </p:cNvPr>
@@ -5537,7 +5536,7 @@
           <p:cNvPr id="8" name="Segnaposto contenuto 7">
             <a:extLst>
               <a:ext uri="{FF2B5EF4-FFF2-40B4-BE49-F238E27FC236}">
-                <a16:creationId xmlns:a16="http://schemas.microsoft.com/office/drawing/2014/main" xmlns="" id="{64F7CE3E-9EF5-493A-AAE6-8B1E80F69C00}"/>
+                <a16:creationId xmlns:a16="http://schemas.microsoft.com/office/drawing/2014/main" id="{64F7CE3E-9EF5-493A-AAE6-8B1E80F69C00}"/>
               </a:ext>
             </a:extLst>
           </p:cNvPr>
@@ -5739,7 +5738,7 @@
           <p:cNvPr id="5" name="Segnaposto piè di pagina 4">
             <a:extLst>
               <a:ext uri="{FF2B5EF4-FFF2-40B4-BE49-F238E27FC236}">
-                <a16:creationId xmlns:a16="http://schemas.microsoft.com/office/drawing/2014/main" xmlns="" id="{BC5C7747-D4DE-4B67-8350-6BA4C65F3EC0}"/>
+                <a16:creationId xmlns:a16="http://schemas.microsoft.com/office/drawing/2014/main" id="{BC5C7747-D4DE-4B67-8350-6BA4C65F3EC0}"/>
               </a:ext>
             </a:extLst>
           </p:cNvPr>
@@ -5801,7 +5800,7 @@
           <p:cNvPr id="6" name="Titolo 5">
             <a:extLst>
               <a:ext uri="{FF2B5EF4-FFF2-40B4-BE49-F238E27FC236}">
-                <a16:creationId xmlns:a16="http://schemas.microsoft.com/office/drawing/2014/main" xmlns="" id="{70DBA24F-D534-4DFB-8829-2FF88C6D5865}"/>
+                <a16:creationId xmlns:a16="http://schemas.microsoft.com/office/drawing/2014/main" id="{70DBA24F-D534-4DFB-8829-2FF88C6D5865}"/>
               </a:ext>
             </a:extLst>
           </p:cNvPr>
@@ -5829,7 +5828,7 @@
           <p:cNvPr id="7" name="Segnaposto contenuto 6">
             <a:extLst>
               <a:ext uri="{FF2B5EF4-FFF2-40B4-BE49-F238E27FC236}">
-                <a16:creationId xmlns:a16="http://schemas.microsoft.com/office/drawing/2014/main" xmlns="" id="{360F7F9F-CE7C-4E69-B99B-AF07A3108083}"/>
+                <a16:creationId xmlns:a16="http://schemas.microsoft.com/office/drawing/2014/main" id="{360F7F9F-CE7C-4E69-B99B-AF07A3108083}"/>
               </a:ext>
             </a:extLst>
           </p:cNvPr>
@@ -5966,7 +5965,7 @@
           <p:cNvPr id="5" name="Segnaposto piè di pagina 4">
             <a:extLst>
               <a:ext uri="{FF2B5EF4-FFF2-40B4-BE49-F238E27FC236}">
-                <a16:creationId xmlns:a16="http://schemas.microsoft.com/office/drawing/2014/main" xmlns="" id="{4CF9CCCD-E8C5-4958-A68B-B886A73FD695}"/>
+                <a16:creationId xmlns:a16="http://schemas.microsoft.com/office/drawing/2014/main" id="{4CF9CCCD-E8C5-4958-A68B-B886A73FD695}"/>
               </a:ext>
             </a:extLst>
           </p:cNvPr>
@@ -6028,7 +6027,7 @@
           <p:cNvPr id="2" name="Titolo 1">
             <a:extLst>
               <a:ext uri="{FF2B5EF4-FFF2-40B4-BE49-F238E27FC236}">
-                <a16:creationId xmlns:a16="http://schemas.microsoft.com/office/drawing/2014/main" xmlns="" id="{7C99F5CE-DB30-4EC8-9927-7D3B7ADE36BF}"/>
+                <a16:creationId xmlns:a16="http://schemas.microsoft.com/office/drawing/2014/main" id="{7C99F5CE-DB30-4EC8-9927-7D3B7ADE36BF}"/>
               </a:ext>
             </a:extLst>
           </p:cNvPr>
@@ -6056,7 +6055,7 @@
           <p:cNvPr id="5" name="Segnaposto contenuto 4">
             <a:extLst>
               <a:ext uri="{FF2B5EF4-FFF2-40B4-BE49-F238E27FC236}">
-                <a16:creationId xmlns:a16="http://schemas.microsoft.com/office/drawing/2014/main" xmlns="" id="{F7A47DAC-FB90-4A80-A50F-B5C112898B8F}"/>
+                <a16:creationId xmlns:a16="http://schemas.microsoft.com/office/drawing/2014/main" id="{F7A47DAC-FB90-4A80-A50F-B5C112898B8F}"/>
               </a:ext>
             </a:extLst>
           </p:cNvPr>
@@ -6118,7 +6117,7 @@
           <p:cNvPr id="7" name="Segnaposto contenuto 6">
             <a:extLst>
               <a:ext uri="{FF2B5EF4-FFF2-40B4-BE49-F238E27FC236}">
-                <a16:creationId xmlns:a16="http://schemas.microsoft.com/office/drawing/2014/main" xmlns="" id="{30AF2BAE-EDFD-4474-AEA4-5774F2B335ED}"/>
+                <a16:creationId xmlns:a16="http://schemas.microsoft.com/office/drawing/2014/main" id="{30AF2BAE-EDFD-4474-AEA4-5774F2B335ED}"/>
               </a:ext>
             </a:extLst>
           </p:cNvPr>
@@ -6160,7 +6159,7 @@
           <p:cNvPr id="4" name="Segnaposto piè di pagina 3">
             <a:extLst>
               <a:ext uri="{FF2B5EF4-FFF2-40B4-BE49-F238E27FC236}">
-                <a16:creationId xmlns:a16="http://schemas.microsoft.com/office/drawing/2014/main" xmlns="" id="{151137CF-0446-4588-A97D-EA3B339C5C26}"/>
+                <a16:creationId xmlns:a16="http://schemas.microsoft.com/office/drawing/2014/main" id="{151137CF-0446-4588-A97D-EA3B339C5C26}"/>
               </a:ext>
             </a:extLst>
           </p:cNvPr>
@@ -6222,7 +6221,7 @@
           <p:cNvPr id="2" name="Titolo 1">
             <a:extLst>
               <a:ext uri="{FF2B5EF4-FFF2-40B4-BE49-F238E27FC236}">
-                <a16:creationId xmlns:a16="http://schemas.microsoft.com/office/drawing/2014/main" xmlns="" id="{D25F18F4-F675-45CA-8050-57952D4C5810}"/>
+                <a16:creationId xmlns:a16="http://schemas.microsoft.com/office/drawing/2014/main" id="{D25F18F4-F675-45CA-8050-57952D4C5810}"/>
               </a:ext>
             </a:extLst>
           </p:cNvPr>
@@ -6257,7 +6256,7 @@
           <p:cNvPr id="3" name="Segnaposto contenuto 2">
             <a:extLst>
               <a:ext uri="{FF2B5EF4-FFF2-40B4-BE49-F238E27FC236}">
-                <a16:creationId xmlns:a16="http://schemas.microsoft.com/office/drawing/2014/main" xmlns="" id="{D7A38034-00B9-4F3A-BE5C-7BFB7C4CD38C}"/>
+                <a16:creationId xmlns:a16="http://schemas.microsoft.com/office/drawing/2014/main" id="{D7A38034-00B9-4F3A-BE5C-7BFB7C4CD38C}"/>
               </a:ext>
             </a:extLst>
           </p:cNvPr>
@@ -6353,7 +6352,7 @@
           <p:cNvPr id="6" name="Segnaposto contenuto 5">
             <a:extLst>
               <a:ext uri="{FF2B5EF4-FFF2-40B4-BE49-F238E27FC236}">
-                <a16:creationId xmlns:a16="http://schemas.microsoft.com/office/drawing/2014/main" xmlns="" id="{6C004B63-21DD-4A0B-AD80-FC8E07605637}"/>
+                <a16:creationId xmlns:a16="http://schemas.microsoft.com/office/drawing/2014/main" id="{6C004B63-21DD-4A0B-AD80-FC8E07605637}"/>
               </a:ext>
             </a:extLst>
           </p:cNvPr>
@@ -6395,7 +6394,7 @@
           <p:cNvPr id="5" name="Segnaposto piè di pagina 4">
             <a:extLst>
               <a:ext uri="{FF2B5EF4-FFF2-40B4-BE49-F238E27FC236}">
-                <a16:creationId xmlns:a16="http://schemas.microsoft.com/office/drawing/2014/main" xmlns="" id="{7380238A-6707-4905-B3BC-EA3DE0BC70FA}"/>
+                <a16:creationId xmlns:a16="http://schemas.microsoft.com/office/drawing/2014/main" id="{7380238A-6707-4905-B3BC-EA3DE0BC70FA}"/>
               </a:ext>
             </a:extLst>
           </p:cNvPr>
@@ -6457,7 +6456,7 @@
           <p:cNvPr id="2" name="Titolo 1">
             <a:extLst>
               <a:ext uri="{FF2B5EF4-FFF2-40B4-BE49-F238E27FC236}">
-                <a16:creationId xmlns:a16="http://schemas.microsoft.com/office/drawing/2014/main" xmlns="" id="{3CFC5447-2195-4BC3-88BC-B302FD2748F9}"/>
+                <a16:creationId xmlns:a16="http://schemas.microsoft.com/office/drawing/2014/main" id="{3CFC5447-2195-4BC3-88BC-B302FD2748F9}"/>
               </a:ext>
             </a:extLst>
           </p:cNvPr>
@@ -6485,7 +6484,7 @@
           <p:cNvPr id="3" name="Segnaposto contenuto 2">
             <a:extLst>
               <a:ext uri="{FF2B5EF4-FFF2-40B4-BE49-F238E27FC236}">
-                <a16:creationId xmlns:a16="http://schemas.microsoft.com/office/drawing/2014/main" xmlns="" id="{AE5C62C0-B9DD-4E77-8161-30D2A75A14FC}"/>
+                <a16:creationId xmlns:a16="http://schemas.microsoft.com/office/drawing/2014/main" id="{AE5C62C0-B9DD-4E77-8161-30D2A75A14FC}"/>
               </a:ext>
             </a:extLst>
           </p:cNvPr>
@@ -6562,7 +6561,7 @@
           <p:cNvPr id="4" name="Segnaposto piè di pagina 3">
             <a:extLst>
               <a:ext uri="{FF2B5EF4-FFF2-40B4-BE49-F238E27FC236}">
-                <a16:creationId xmlns:a16="http://schemas.microsoft.com/office/drawing/2014/main" xmlns="" id="{8E0EDD30-0F43-498C-8C8F-98F9C7559B16}"/>
+                <a16:creationId xmlns:a16="http://schemas.microsoft.com/office/drawing/2014/main" id="{8E0EDD30-0F43-498C-8C8F-98F9C7559B16}"/>
               </a:ext>
             </a:extLst>
           </p:cNvPr>
@@ -6624,7 +6623,7 @@
           <p:cNvPr id="2" name="Titolo 1">
             <a:extLst>
               <a:ext uri="{FF2B5EF4-FFF2-40B4-BE49-F238E27FC236}">
-                <a16:creationId xmlns:a16="http://schemas.microsoft.com/office/drawing/2014/main" xmlns="" id="{BE630DB4-1228-4621-A924-CB35282300DB}"/>
+                <a16:creationId xmlns:a16="http://schemas.microsoft.com/office/drawing/2014/main" id="{BE630DB4-1228-4621-A924-CB35282300DB}"/>
               </a:ext>
             </a:extLst>
           </p:cNvPr>
@@ -6652,7 +6651,7 @@
           <p:cNvPr id="5" name="Segnaposto contenuto 4">
             <a:extLst>
               <a:ext uri="{FF2B5EF4-FFF2-40B4-BE49-F238E27FC236}">
-                <a16:creationId xmlns:a16="http://schemas.microsoft.com/office/drawing/2014/main" xmlns="" id="{966F6D4E-AB84-43B0-9193-CA9BF56D16C8}"/>
+                <a16:creationId xmlns:a16="http://schemas.microsoft.com/office/drawing/2014/main" id="{966F6D4E-AB84-43B0-9193-CA9BF56D16C8}"/>
               </a:ext>
             </a:extLst>
           </p:cNvPr>
@@ -6713,7 +6712,7 @@
           <p:cNvPr id="7" name="Segnaposto contenuto 6">
             <a:extLst>
               <a:ext uri="{FF2B5EF4-FFF2-40B4-BE49-F238E27FC236}">
-                <a16:creationId xmlns:a16="http://schemas.microsoft.com/office/drawing/2014/main" xmlns="" id="{77D9B6ED-EB23-4FC3-BB12-E41AB83DC88E}"/>
+                <a16:creationId xmlns:a16="http://schemas.microsoft.com/office/drawing/2014/main" id="{77D9B6ED-EB23-4FC3-BB12-E41AB83DC88E}"/>
               </a:ext>
             </a:extLst>
           </p:cNvPr>
@@ -6755,7 +6754,7 @@
           <p:cNvPr id="4" name="Segnaposto piè di pagina 3">
             <a:extLst>
               <a:ext uri="{FF2B5EF4-FFF2-40B4-BE49-F238E27FC236}">
-                <a16:creationId xmlns:a16="http://schemas.microsoft.com/office/drawing/2014/main" xmlns="" id="{8F5DA234-2A2B-4F60-AF47-B6E9A8154C44}"/>
+                <a16:creationId xmlns:a16="http://schemas.microsoft.com/office/drawing/2014/main" id="{8F5DA234-2A2B-4F60-AF47-B6E9A8154C44}"/>
               </a:ext>
             </a:extLst>
           </p:cNvPr>
@@ -6817,7 +6816,7 @@
           <p:cNvPr id="6" name="Titolo 5">
             <a:extLst>
               <a:ext uri="{FF2B5EF4-FFF2-40B4-BE49-F238E27FC236}">
-                <a16:creationId xmlns:a16="http://schemas.microsoft.com/office/drawing/2014/main" xmlns="" id="{2AD54A20-9CC1-4A9B-968B-8C6977788B19}"/>
+                <a16:creationId xmlns:a16="http://schemas.microsoft.com/office/drawing/2014/main" id="{2AD54A20-9CC1-4A9B-968B-8C6977788B19}"/>
               </a:ext>
             </a:extLst>
           </p:cNvPr>
@@ -6845,7 +6844,7 @@
           <p:cNvPr id="7" name="Segnaposto contenuto 6">
             <a:extLst>
               <a:ext uri="{FF2B5EF4-FFF2-40B4-BE49-F238E27FC236}">
-                <a16:creationId xmlns:a16="http://schemas.microsoft.com/office/drawing/2014/main" xmlns="" id="{79CD6130-0149-4041-BAB8-E5A829D98A99}"/>
+                <a16:creationId xmlns:a16="http://schemas.microsoft.com/office/drawing/2014/main" id="{79CD6130-0149-4041-BAB8-E5A829D98A99}"/>
               </a:ext>
             </a:extLst>
           </p:cNvPr>
@@ -6999,7 +6998,7 @@
           <p:cNvPr id="5" name="Segnaposto piè di pagina 4">
             <a:extLst>
               <a:ext uri="{FF2B5EF4-FFF2-40B4-BE49-F238E27FC236}">
-                <a16:creationId xmlns:a16="http://schemas.microsoft.com/office/drawing/2014/main" xmlns="" id="{C3DD4CCC-F7B3-4928-9C3A-E91A0E5FF2B5}"/>
+                <a16:creationId xmlns:a16="http://schemas.microsoft.com/office/drawing/2014/main" id="{C3DD4CCC-F7B3-4928-9C3A-E91A0E5FF2B5}"/>
               </a:ext>
             </a:extLst>
           </p:cNvPr>
@@ -7061,7 +7060,7 @@
           <p:cNvPr id="2" name="Titolo 1">
             <a:extLst>
               <a:ext uri="{FF2B5EF4-FFF2-40B4-BE49-F238E27FC236}">
-                <a16:creationId xmlns:a16="http://schemas.microsoft.com/office/drawing/2014/main" xmlns="" id="{4AB1A7C2-E2F2-4382-8A50-7D77587755D3}"/>
+                <a16:creationId xmlns:a16="http://schemas.microsoft.com/office/drawing/2014/main" id="{4AB1A7C2-E2F2-4382-8A50-7D77587755D3}"/>
               </a:ext>
             </a:extLst>
           </p:cNvPr>
@@ -7089,7 +7088,7 @@
           <p:cNvPr id="3" name="Segnaposto contenuto 2">
             <a:extLst>
               <a:ext uri="{FF2B5EF4-FFF2-40B4-BE49-F238E27FC236}">
-                <a16:creationId xmlns:a16="http://schemas.microsoft.com/office/drawing/2014/main" xmlns="" id="{22B66AA2-571C-452B-9C93-875770DB97E6}"/>
+                <a16:creationId xmlns:a16="http://schemas.microsoft.com/office/drawing/2014/main" id="{22B66AA2-571C-452B-9C93-875770DB97E6}"/>
               </a:ext>
             </a:extLst>
           </p:cNvPr>
@@ -7156,7 +7155,7 @@
           <p:cNvPr id="4" name="Segnaposto piè di pagina 3">
             <a:extLst>
               <a:ext uri="{FF2B5EF4-FFF2-40B4-BE49-F238E27FC236}">
-                <a16:creationId xmlns:a16="http://schemas.microsoft.com/office/drawing/2014/main" xmlns="" id="{09F2EAAD-4564-4694-989F-33B037E93D6D}"/>
+                <a16:creationId xmlns:a16="http://schemas.microsoft.com/office/drawing/2014/main" id="{09F2EAAD-4564-4694-989F-33B037E93D6D}"/>
               </a:ext>
             </a:extLst>
           </p:cNvPr>
@@ -7218,7 +7217,7 @@
           <p:cNvPr id="2" name="Titolo 1">
             <a:extLst>
               <a:ext uri="{FF2B5EF4-FFF2-40B4-BE49-F238E27FC236}">
-                <a16:creationId xmlns:a16="http://schemas.microsoft.com/office/drawing/2014/main" xmlns="" id="{6ECDC3D7-AE47-40CE-9F2D-E3486ABFA2F5}"/>
+                <a16:creationId xmlns:a16="http://schemas.microsoft.com/office/drawing/2014/main" id="{6ECDC3D7-AE47-40CE-9F2D-E3486ABFA2F5}"/>
               </a:ext>
             </a:extLst>
           </p:cNvPr>
@@ -7246,7 +7245,7 @@
           <p:cNvPr id="3" name="Segnaposto contenuto 2">
             <a:extLst>
               <a:ext uri="{FF2B5EF4-FFF2-40B4-BE49-F238E27FC236}">
-                <a16:creationId xmlns:a16="http://schemas.microsoft.com/office/drawing/2014/main" xmlns="" id="{18E66119-B2EC-4CF3-8B60-84B979768BAF}"/>
+                <a16:creationId xmlns:a16="http://schemas.microsoft.com/office/drawing/2014/main" id="{18E66119-B2EC-4CF3-8B60-84B979768BAF}"/>
               </a:ext>
             </a:extLst>
           </p:cNvPr>
@@ -7358,7 +7357,7 @@
           <p:cNvPr id="4" name="Segnaposto piè di pagina 3">
             <a:extLst>
               <a:ext uri="{FF2B5EF4-FFF2-40B4-BE49-F238E27FC236}">
-                <a16:creationId xmlns:a16="http://schemas.microsoft.com/office/drawing/2014/main" xmlns="" id="{D02AE214-6E0D-43F4-B378-A277574DBD35}"/>
+                <a16:creationId xmlns:a16="http://schemas.microsoft.com/office/drawing/2014/main" id="{D02AE214-6E0D-43F4-B378-A277574DBD35}"/>
               </a:ext>
             </a:extLst>
           </p:cNvPr>
@@ -7420,7 +7419,7 @@
           <p:cNvPr id="2" name="Titolo 1">
             <a:extLst>
               <a:ext uri="{FF2B5EF4-FFF2-40B4-BE49-F238E27FC236}">
-                <a16:creationId xmlns:a16="http://schemas.microsoft.com/office/drawing/2014/main" xmlns="" id="{AED2E1A0-1C6D-4192-8C79-A2418021F931}"/>
+                <a16:creationId xmlns:a16="http://schemas.microsoft.com/office/drawing/2014/main" id="{AED2E1A0-1C6D-4192-8C79-A2418021F931}"/>
               </a:ext>
             </a:extLst>
           </p:cNvPr>
@@ -7449,7 +7448,7 @@
           <p:cNvPr id="3" name="Segnaposto contenuto 2">
             <a:extLst>
               <a:ext uri="{FF2B5EF4-FFF2-40B4-BE49-F238E27FC236}">
-                <a16:creationId xmlns:a16="http://schemas.microsoft.com/office/drawing/2014/main" xmlns="" id="{CB97409C-18CC-4D9E-92DC-DFF7407C69D4}"/>
+                <a16:creationId xmlns:a16="http://schemas.microsoft.com/office/drawing/2014/main" id="{CB97409C-18CC-4D9E-92DC-DFF7407C69D4}"/>
               </a:ext>
             </a:extLst>
           </p:cNvPr>
@@ -7546,7 +7545,7 @@
           <p:cNvPr id="4" name="Segnaposto piè di pagina 3">
             <a:extLst>
               <a:ext uri="{FF2B5EF4-FFF2-40B4-BE49-F238E27FC236}">
-                <a16:creationId xmlns:a16="http://schemas.microsoft.com/office/drawing/2014/main" xmlns="" id="{A8A10484-5FB7-4448-84A6-6B92642F2CFF}"/>
+                <a16:creationId xmlns:a16="http://schemas.microsoft.com/office/drawing/2014/main" id="{A8A10484-5FB7-4448-84A6-6B92642F2CFF}"/>
               </a:ext>
             </a:extLst>
           </p:cNvPr>
@@ -7608,7 +7607,7 @@
           <p:cNvPr id="2" name="Titolo 1">
             <a:extLst>
               <a:ext uri="{FF2B5EF4-FFF2-40B4-BE49-F238E27FC236}">
-                <a16:creationId xmlns:a16="http://schemas.microsoft.com/office/drawing/2014/main" xmlns="" id="{58D28796-5389-42A4-B926-A67CD5939F14}"/>
+                <a16:creationId xmlns:a16="http://schemas.microsoft.com/office/drawing/2014/main" id="{58D28796-5389-42A4-B926-A67CD5939F14}"/>
               </a:ext>
             </a:extLst>
           </p:cNvPr>
@@ -7653,7 +7652,7 @@
           <p:cNvPr id="3" name="Segnaposto contenuto 2">
             <a:extLst>
               <a:ext uri="{FF2B5EF4-FFF2-40B4-BE49-F238E27FC236}">
-                <a16:creationId xmlns:a16="http://schemas.microsoft.com/office/drawing/2014/main" xmlns="" id="{52EF7A91-9442-4878-9A8C-141ED3C46D80}"/>
+                <a16:creationId xmlns:a16="http://schemas.microsoft.com/office/drawing/2014/main" id="{52EF7A91-9442-4878-9A8C-141ED3C46D80}"/>
               </a:ext>
             </a:extLst>
           </p:cNvPr>
@@ -7791,7 +7790,7 @@
           <p:cNvPr id="4" name="Segnaposto piè di pagina 3">
             <a:extLst>
               <a:ext uri="{FF2B5EF4-FFF2-40B4-BE49-F238E27FC236}">
-                <a16:creationId xmlns:a16="http://schemas.microsoft.com/office/drawing/2014/main" xmlns="" id="{1857596F-4B44-4CD3-8930-4A0EABAD6DA5}"/>
+                <a16:creationId xmlns:a16="http://schemas.microsoft.com/office/drawing/2014/main" id="{1857596F-4B44-4CD3-8930-4A0EABAD6DA5}"/>
               </a:ext>
             </a:extLst>
           </p:cNvPr>
@@ -7853,7 +7852,7 @@
           <p:cNvPr id="2" name="Titolo 1">
             <a:extLst>
               <a:ext uri="{FF2B5EF4-FFF2-40B4-BE49-F238E27FC236}">
-                <a16:creationId xmlns:a16="http://schemas.microsoft.com/office/drawing/2014/main" xmlns="" id="{5C990033-217A-4650-A2F0-18CCA6158B15}"/>
+                <a16:creationId xmlns:a16="http://schemas.microsoft.com/office/drawing/2014/main" id="{5C990033-217A-4650-A2F0-18CCA6158B15}"/>
               </a:ext>
             </a:extLst>
           </p:cNvPr>
@@ -7881,7 +7880,7 @@
           <p:cNvPr id="3" name="Segnaposto contenuto 2">
             <a:extLst>
               <a:ext uri="{FF2B5EF4-FFF2-40B4-BE49-F238E27FC236}">
-                <a16:creationId xmlns:a16="http://schemas.microsoft.com/office/drawing/2014/main" xmlns="" id="{CF0D2398-03E5-4034-B8D3-1E0E89F306D7}"/>
+                <a16:creationId xmlns:a16="http://schemas.microsoft.com/office/drawing/2014/main" id="{CF0D2398-03E5-4034-B8D3-1E0E89F306D7}"/>
               </a:ext>
             </a:extLst>
           </p:cNvPr>
@@ -7899,6 +7898,52 @@
           <a:p>
             <a:r>
               <a:rPr lang="it-IT" dirty="0"/>
+              <a:t>è buona norma rendere </a:t>
+            </a:r>
+            <a:r>
+              <a:rPr lang="it-IT" b="1" i="1" dirty="0"/>
+              <a:t>private</a:t>
+            </a:r>
+            <a:r>
+              <a:rPr lang="it-IT" dirty="0"/>
+              <a:t> tutte le </a:t>
+            </a:r>
+            <a:r>
+              <a:rPr lang="it-IT" b="1" i="1" dirty="0"/>
+              <a:t>variabili membro </a:t>
+            </a:r>
+            <a:r>
+              <a:rPr lang="it-IT" dirty="0"/>
+              <a:t>e </a:t>
+            </a:r>
+            <a:r>
+              <a:rPr lang="it-IT" b="1" i="1" dirty="0"/>
+              <a:t>pubbliche</a:t>
+            </a:r>
+            <a:r>
+              <a:rPr lang="it-IT" dirty="0"/>
+              <a:t>  solo le </a:t>
+            </a:r>
+            <a:r>
+              <a:rPr lang="it-IT" b="1" i="1" dirty="0"/>
+              <a:t>funzioni</a:t>
+            </a:r>
+            <a:r>
+              <a:rPr lang="it-IT" dirty="0"/>
+              <a:t> membro </a:t>
+            </a:r>
+            <a:r>
+              <a:rPr lang="it-IT" b="1" i="1" dirty="0"/>
+              <a:t>necessarie</a:t>
+            </a:r>
+            <a:r>
+              <a:rPr lang="it-IT" dirty="0"/>
+              <a:t> (quelle che espongono le funzionalità della classe)</a:t>
+            </a:r>
+          </a:p>
+          <a:p>
+            <a:r>
+              <a:rPr lang="it-IT" dirty="0"/>
               <a:t>per accedere dall’esterno agli attributi, si inseriscono </a:t>
             </a:r>
             <a:r>
@@ -8026,7 +8071,7 @@
           <p:cNvPr id="4" name="Segnaposto piè di pagina 3">
             <a:extLst>
               <a:ext uri="{FF2B5EF4-FFF2-40B4-BE49-F238E27FC236}">
-                <a16:creationId xmlns:a16="http://schemas.microsoft.com/office/drawing/2014/main" xmlns="" id="{1363231C-49AA-4697-BC37-B73D004B456E}"/>
+                <a16:creationId xmlns:a16="http://schemas.microsoft.com/office/drawing/2014/main" id="{1363231C-49AA-4697-BC37-B73D004B456E}"/>
               </a:ext>
             </a:extLst>
           </p:cNvPr>
@@ -8056,7 +8101,7 @@
     </p:spTree>
     <p:extLst>
       <p:ext uri="{BB962C8B-B14F-4D97-AF65-F5344CB8AC3E}">
-        <p14:creationId xmlns:p14="http://schemas.microsoft.com/office/powerpoint/2010/main" val="3367071662"/>
+        <p14:creationId xmlns:p14="http://schemas.microsoft.com/office/powerpoint/2010/main" val="649704816"/>
       </p:ext>
     </p:extLst>
   </p:cSld>
@@ -8088,7 +8133,7 @@
           <p:cNvPr id="2" name="Titolo 1">
             <a:extLst>
               <a:ext uri="{FF2B5EF4-FFF2-40B4-BE49-F238E27FC236}">
-                <a16:creationId xmlns:a16="http://schemas.microsoft.com/office/drawing/2014/main" xmlns="" id="{FD3EF4D6-CE5C-451C-B1D8-E0BBE86163E7}"/>
+                <a16:creationId xmlns:a16="http://schemas.microsoft.com/office/drawing/2014/main" id="{FD3EF4D6-CE5C-451C-B1D8-E0BBE86163E7}"/>
               </a:ext>
             </a:extLst>
           </p:cNvPr>
@@ -8116,7 +8161,7 @@
           <p:cNvPr id="3" name="Segnaposto contenuto 2">
             <a:extLst>
               <a:ext uri="{FF2B5EF4-FFF2-40B4-BE49-F238E27FC236}">
-                <a16:creationId xmlns:a16="http://schemas.microsoft.com/office/drawing/2014/main" xmlns="" id="{F1592C3F-6387-4B66-B147-AB02A78668A1}"/>
+                <a16:creationId xmlns:a16="http://schemas.microsoft.com/office/drawing/2014/main" id="{F1592C3F-6387-4B66-B147-AB02A78668A1}"/>
               </a:ext>
             </a:extLst>
           </p:cNvPr>
@@ -8229,7 +8274,7 @@
           <p:cNvPr id="4" name="Segnaposto piè di pagina 3">
             <a:extLst>
               <a:ext uri="{FF2B5EF4-FFF2-40B4-BE49-F238E27FC236}">
-                <a16:creationId xmlns:a16="http://schemas.microsoft.com/office/drawing/2014/main" xmlns="" id="{5D202C1E-4779-4C01-AEA7-A68792384404}"/>
+                <a16:creationId xmlns:a16="http://schemas.microsoft.com/office/drawing/2014/main" id="{5D202C1E-4779-4C01-AEA7-A68792384404}"/>
               </a:ext>
             </a:extLst>
           </p:cNvPr>
@@ -8291,7 +8336,7 @@
           <p:cNvPr id="2" name="Titolo 1">
             <a:extLst>
               <a:ext uri="{FF2B5EF4-FFF2-40B4-BE49-F238E27FC236}">
-                <a16:creationId xmlns:a16="http://schemas.microsoft.com/office/drawing/2014/main" xmlns="" id="{A83A31EE-DB8A-4312-B6D2-AEC129F4327C}"/>
+                <a16:creationId xmlns:a16="http://schemas.microsoft.com/office/drawing/2014/main" id="{A83A31EE-DB8A-4312-B6D2-AEC129F4327C}"/>
               </a:ext>
             </a:extLst>
           </p:cNvPr>
@@ -8319,7 +8364,7 @@
           <p:cNvPr id="3" name="Segnaposto contenuto 2">
             <a:extLst>
               <a:ext uri="{FF2B5EF4-FFF2-40B4-BE49-F238E27FC236}">
-                <a16:creationId xmlns:a16="http://schemas.microsoft.com/office/drawing/2014/main" xmlns="" id="{3E0E5429-2433-4D70-A0E4-281431216965}"/>
+                <a16:creationId xmlns:a16="http://schemas.microsoft.com/office/drawing/2014/main" id="{3E0E5429-2433-4D70-A0E4-281431216965}"/>
               </a:ext>
             </a:extLst>
           </p:cNvPr>
@@ -8484,7 +8529,7 @@
           <p:cNvPr id="4" name="Segnaposto piè di pagina 3">
             <a:extLst>
               <a:ext uri="{FF2B5EF4-FFF2-40B4-BE49-F238E27FC236}">
-                <a16:creationId xmlns:a16="http://schemas.microsoft.com/office/drawing/2014/main" xmlns="" id="{6157F3EF-6E24-4FFC-8C7B-903414B9B128}"/>
+                <a16:creationId xmlns:a16="http://schemas.microsoft.com/office/drawing/2014/main" id="{6157F3EF-6E24-4FFC-8C7B-903414B9B128}"/>
               </a:ext>
             </a:extLst>
           </p:cNvPr>
@@ -8546,7 +8591,7 @@
           <p:cNvPr id="2" name="Titolo 1">
             <a:extLst>
               <a:ext uri="{FF2B5EF4-FFF2-40B4-BE49-F238E27FC236}">
-                <a16:creationId xmlns:a16="http://schemas.microsoft.com/office/drawing/2014/main" xmlns="" id="{CB3CA5C4-2D5A-4985-B367-ABE87EE13950}"/>
+                <a16:creationId xmlns:a16="http://schemas.microsoft.com/office/drawing/2014/main" id="{FAB1B9F1-6883-4BFD-9A6F-1CA17D53A214}"/>
               </a:ext>
             </a:extLst>
           </p:cNvPr>
@@ -8564,7 +8609,7 @@
           <a:p>
             <a:r>
               <a:rPr lang="it-IT" dirty="0"/>
-              <a:t>un esempio</a:t>
+              <a:t>interfaccia di una classe</a:t>
             </a:r>
           </a:p>
         </p:txBody>
@@ -8574,7 +8619,7 @@
           <p:cNvPr id="3" name="Segnaposto contenuto 2">
             <a:extLst>
               <a:ext uri="{FF2B5EF4-FFF2-40B4-BE49-F238E27FC236}">
-                <a16:creationId xmlns:a16="http://schemas.microsoft.com/office/drawing/2014/main" xmlns="" id="{EF3E61AA-C53C-4207-84EB-4C5FF69A4F62}"/>
+                <a16:creationId xmlns:a16="http://schemas.microsoft.com/office/drawing/2014/main" id="{38153F3E-DB5D-417D-88D5-C77A85693748}"/>
               </a:ext>
             </a:extLst>
           </p:cNvPr>
@@ -8591,117 +8636,157 @@
           <a:lstStyle/>
           <a:p>
             <a:r>
-              <a:rPr lang="it-IT" dirty="0"/>
-              <a:t>si vuole realizzare una classe che permetta di gestire e risolvere </a:t>
-            </a:r>
-            <a:r>
               <a:rPr lang="it-IT" b="1" i="1" dirty="0"/>
-              <a:t>equazioni di secondo grado</a:t>
-            </a:r>
-          </a:p>
-          <a:p>
-            <a:r>
-              <a:rPr lang="it-IT" dirty="0"/>
-              <a:t>in una equazione individuiamo tre </a:t>
-            </a:r>
+              <a:t>interfaccia</a:t>
+            </a:r>
+            <a:r>
+              <a:rPr lang="it-IT" dirty="0"/>
+              <a:t> di una classe:</a:t>
+            </a:r>
+          </a:p>
+          <a:p>
+            <a:pPr lvl="1"/>
             <a:r>
               <a:rPr lang="it-IT" b="1" i="1" dirty="0"/>
-              <a:t>attributi</a:t>
-            </a:r>
-            <a:r>
-              <a:rPr lang="it-IT" dirty="0"/>
-              <a:t>: </a:t>
+              <a:t>dichiarazioni</a:t>
+            </a:r>
+            <a:r>
+              <a:rPr lang="it-IT" dirty="0"/>
+              <a:t> delle </a:t>
             </a:r>
             <a:r>
               <a:rPr lang="it-IT" b="1" i="1" dirty="0"/>
-              <a:t>a, b, c </a:t>
-            </a:r>
-            <a:r>
-              <a:rPr lang="it-IT" dirty="0"/>
-              <a:t>che rappresentano i </a:t>
-            </a:r>
+              <a:t>funzioni membro pubbliche</a:t>
+            </a:r>
+          </a:p>
+          <a:p>
+            <a:pPr lvl="1"/>
             <a:r>
               <a:rPr lang="it-IT" b="1" i="1" dirty="0"/>
-              <a:t>coefficienti</a:t>
-            </a:r>
-            <a:r>
-              <a:rPr lang="it-IT" dirty="0"/>
-              <a:t> di x</a:t>
-            </a:r>
-            <a:r>
-              <a:rPr lang="it-IT" baseline="30000" dirty="0"/>
-              <a:t>2</a:t>
-            </a:r>
-            <a:r>
-              <a:rPr lang="it-IT" dirty="0"/>
-              <a:t>, di x ed il termine noto</a:t>
-            </a:r>
-          </a:p>
-          <a:p>
-            <a:r>
-              <a:rPr lang="it-IT" dirty="0"/>
-              <a:t>l’equazione 3x</a:t>
-            </a:r>
-            <a:r>
-              <a:rPr lang="it-IT" baseline="30000" dirty="0"/>
-              <a:t>2 </a:t>
-            </a:r>
-            <a:r>
-              <a:rPr lang="it-IT" dirty="0"/>
-              <a:t>- 2x + 1 = 0 avrà come attributi i valori 3, -2 e 1</a:t>
-            </a:r>
-          </a:p>
-          <a:p>
-            <a:r>
-              <a:rPr lang="it-IT" dirty="0"/>
-              <a:t>definiamo un insieme di </a:t>
-            </a:r>
+              <a:t>commenti</a:t>
+            </a:r>
+          </a:p>
+          <a:p>
             <a:r>
               <a:rPr lang="it-IT" b="1" i="1" dirty="0"/>
-              <a:t>metodi</a:t>
-            </a:r>
-            <a:r>
-              <a:rPr lang="it-IT" dirty="0"/>
-              <a:t> che ci permetta di:</a:t>
+              <a:t>implementazione</a:t>
+            </a:r>
+            <a:r>
+              <a:rPr lang="it-IT" dirty="0"/>
+              <a:t> di una classe:</a:t>
             </a:r>
           </a:p>
           <a:p>
             <a:pPr lvl="1"/>
             <a:r>
-              <a:rPr lang="it-IT" dirty="0"/>
-              <a:t>modificare i valori dei coefficienti</a:t>
+              <a:rPr lang="it-IT" b="1" i="1" dirty="0"/>
+              <a:t>variabili membro </a:t>
+            </a:r>
+            <a:r>
+              <a:rPr lang="it-IT" dirty="0"/>
+              <a:t>e </a:t>
+            </a:r>
+            <a:r>
+              <a:rPr lang="it-IT" b="1" i="1" dirty="0"/>
+              <a:t>dichiarazioni</a:t>
+            </a:r>
+            <a:r>
+              <a:rPr lang="it-IT" dirty="0"/>
+              <a:t> delle </a:t>
+            </a:r>
+            <a:r>
+              <a:rPr lang="it-IT" b="1" i="1" dirty="0"/>
+              <a:t>funzioni membro private</a:t>
             </a:r>
           </a:p>
           <a:p>
             <a:pPr lvl="1"/>
             <a:r>
-              <a:rPr lang="it-IT" dirty="0"/>
-              <a:t>ottenere i valori dei coefficienti</a:t>
+              <a:rPr lang="it-IT" b="1" i="1" dirty="0"/>
+              <a:t>definizioni</a:t>
+            </a:r>
+            <a:r>
+              <a:rPr lang="it-IT" dirty="0"/>
+              <a:t> delle </a:t>
+            </a:r>
+            <a:r>
+              <a:rPr lang="it-IT" b="1" i="1" dirty="0"/>
+              <a:t>funzioni membro</a:t>
+            </a:r>
+          </a:p>
+          <a:p>
+            <a:r>
+              <a:rPr lang="it-IT" dirty="0"/>
+              <a:t>l’</a:t>
+            </a:r>
+            <a:r>
+              <a:rPr lang="it-IT" b="1" i="1" dirty="0"/>
+              <a:t>interfaccia</a:t>
+            </a:r>
+            <a:r>
+              <a:rPr lang="it-IT" dirty="0"/>
+              <a:t> viene generalmente definita in un </a:t>
+            </a:r>
+            <a:r>
+              <a:rPr lang="it-IT" b="1" i="1" dirty="0"/>
+              <a:t>file </a:t>
+            </a:r>
+            <a:r>
+              <a:rPr lang="it-IT" b="1" i="1" dirty="0" err="1"/>
+              <a:t>header</a:t>
+            </a:r>
+            <a:endParaRPr lang="it-IT" b="1" i="1" dirty="0"/>
+          </a:p>
+          <a:p>
+            <a:r>
+              <a:rPr lang="it-IT" dirty="0"/>
+              <a:t>il file </a:t>
+            </a:r>
+            <a:r>
+              <a:rPr lang="it-IT" dirty="0" err="1"/>
+              <a:t>header</a:t>
+            </a:r>
+            <a:r>
+              <a:rPr lang="it-IT" dirty="0"/>
+              <a:t> sarà </a:t>
+            </a:r>
+            <a:r>
+              <a:rPr lang="it-IT" b="1" i="1" dirty="0"/>
+              <a:t>incluso</a:t>
+            </a:r>
+            <a:r>
+              <a:rPr lang="it-IT" dirty="0"/>
+              <a:t> da tutti i file che vogliono fare uso della classe</a:t>
             </a:r>
           </a:p>
           <a:p>
             <a:pPr lvl="1"/>
             <a:r>
               <a:rPr lang="it-IT" dirty="0"/>
-              <a:t>conoscere il tipo di equazione</a:t>
-            </a:r>
-          </a:p>
-          <a:p>
-            <a:pPr lvl="1"/>
-            <a:r>
-              <a:rPr lang="it-IT" dirty="0"/>
-              <a:t>ottenere la prima soluzione</a:t>
-            </a:r>
-          </a:p>
-          <a:p>
-            <a:pPr lvl="1"/>
-            <a:r>
-              <a:rPr lang="it-IT" dirty="0"/>
-              <a:t>ottenere la seconda soluzione</a:t>
-            </a:r>
-          </a:p>
-          <a:p>
-            <a:endParaRPr lang="it-IT" dirty="0"/>
+              <a:t>(direttiva </a:t>
+            </a:r>
+            <a:r>
+              <a:rPr lang="it-IT" b="1" dirty="0"/>
+              <a:t>#include</a:t>
+            </a:r>
+            <a:r>
+              <a:rPr lang="it-IT" dirty="0"/>
+              <a:t>)</a:t>
+            </a:r>
+          </a:p>
+          <a:p>
+            <a:r>
+              <a:rPr lang="it-IT" dirty="0"/>
+              <a:t>chi vende librerie software, fornisce ai clienti i soli file </a:t>
+            </a:r>
+            <a:r>
+              <a:rPr lang="it-IT" dirty="0" err="1"/>
+              <a:t>header</a:t>
+            </a:r>
+            <a:r>
+              <a:rPr lang="it-IT" dirty="0"/>
+              <a:t> e il codice oggetto</a:t>
+            </a:r>
           </a:p>
         </p:txBody>
       </p:sp>
@@ -8710,7 +8795,7 @@
           <p:cNvPr id="4" name="Segnaposto piè di pagina 3">
             <a:extLst>
               <a:ext uri="{FF2B5EF4-FFF2-40B4-BE49-F238E27FC236}">
-                <a16:creationId xmlns:a16="http://schemas.microsoft.com/office/drawing/2014/main" xmlns="" id="{909C4DAA-FA3F-40B3-8EB7-0AE41CD719C2}"/>
+                <a16:creationId xmlns:a16="http://schemas.microsoft.com/office/drawing/2014/main" id="{55AEB5D8-CD6B-4B9A-8E37-CEDF1EC4FD55}"/>
               </a:ext>
             </a:extLst>
           </p:cNvPr>
@@ -8740,7 +8825,7 @@
     </p:spTree>
     <p:extLst>
       <p:ext uri="{BB962C8B-B14F-4D97-AF65-F5344CB8AC3E}">
-        <p14:creationId xmlns:p14="http://schemas.microsoft.com/office/powerpoint/2010/main" val="722639839"/>
+        <p14:creationId xmlns:p14="http://schemas.microsoft.com/office/powerpoint/2010/main" val="1137947429"/>
       </p:ext>
     </p:extLst>
   </p:cSld>
@@ -8772,7 +8857,7 @@
           <p:cNvPr id="2" name="Titolo 1">
             <a:extLst>
               <a:ext uri="{FF2B5EF4-FFF2-40B4-BE49-F238E27FC236}">
-                <a16:creationId xmlns:a16="http://schemas.microsoft.com/office/drawing/2014/main" xmlns="" id="{3BD1EF70-F741-490E-9BFF-601CA5E76BE4}"/>
+                <a16:creationId xmlns:a16="http://schemas.microsoft.com/office/drawing/2014/main" id="{8F137648-D4FD-4D65-9B9A-ADCB26ABA1D4}"/>
               </a:ext>
             </a:extLst>
           </p:cNvPr>
@@ -8790,7 +8875,102 @@
           <a:p>
             <a:r>
               <a:rPr lang="it-IT" dirty="0"/>
-              <a:t>diagramma UML della classe</a:t>
+              <a:t>utilizzo delle classi</a:t>
+            </a:r>
+          </a:p>
+        </p:txBody>
+      </p:sp>
+      <p:sp>
+        <p:nvSpPr>
+          <p:cNvPr id="3" name="Segnaposto contenuto 2">
+            <a:extLst>
+              <a:ext uri="{FF2B5EF4-FFF2-40B4-BE49-F238E27FC236}">
+                <a16:creationId xmlns:a16="http://schemas.microsoft.com/office/drawing/2014/main" id="{7BBB4825-7DC7-43E1-AF67-E34E142416A7}"/>
+              </a:ext>
+            </a:extLst>
+          </p:cNvPr>
+          <p:cNvSpPr>
+            <a:spLocks noGrp="1"/>
+          </p:cNvSpPr>
+          <p:nvPr>
+            <p:ph idx="1"/>
+          </p:nvPr>
+        </p:nvSpPr>
+        <p:spPr/>
+        <p:txBody>
+          <a:bodyPr/>
+          <a:lstStyle/>
+          <a:p>
+            <a:r>
+              <a:rPr lang="it-IT" sz="2000" dirty="0"/>
+              <a:t>deve essere possibile </a:t>
+            </a:r>
+            <a:r>
+              <a:rPr lang="it-IT" sz="2000" b="1" i="1" dirty="0"/>
+              <a:t>utilizzare</a:t>
+            </a:r>
+            <a:r>
+              <a:rPr lang="it-IT" sz="2000" dirty="0"/>
+              <a:t> una classe conoscendone </a:t>
+            </a:r>
+            <a:r>
+              <a:rPr lang="it-IT" sz="2000" b="1" i="1" dirty="0"/>
+              <a:t>solo</a:t>
+            </a:r>
+            <a:r>
+              <a:rPr lang="it-IT" sz="2000" dirty="0"/>
+              <a:t> l’interfaccia</a:t>
+            </a:r>
+          </a:p>
+          <a:p>
+            <a:pPr lvl="1"/>
+            <a:r>
+              <a:rPr lang="it-IT" sz="1800" b="1" i="1" dirty="0"/>
+              <a:t>vantaggio</a:t>
+            </a:r>
+            <a:r>
+              <a:rPr lang="it-IT" sz="1800" dirty="0"/>
+              <a:t>: è possibile </a:t>
+            </a:r>
+            <a:r>
+              <a:rPr lang="it-IT" sz="1800" b="1" i="1" dirty="0"/>
+              <a:t>cambiare l’implementazione senza</a:t>
+            </a:r>
+            <a:r>
+              <a:rPr lang="it-IT" sz="1800" dirty="0"/>
+              <a:t> dover </a:t>
+            </a:r>
+            <a:r>
+              <a:rPr lang="it-IT" sz="1800" b="1" i="1" dirty="0"/>
+              <a:t>cambiare</a:t>
+            </a:r>
+            <a:r>
+              <a:rPr lang="it-IT" sz="1800" dirty="0"/>
+              <a:t> qualsiasi altro </a:t>
+            </a:r>
+            <a:r>
+              <a:rPr lang="it-IT" sz="1800" b="1" i="1" dirty="0"/>
+              <a:t>codice</a:t>
+            </a:r>
+            <a:r>
+              <a:rPr lang="it-IT" sz="1800" dirty="0"/>
+              <a:t> che usi la classe</a:t>
+            </a:r>
+          </a:p>
+          <a:p>
+            <a:r>
+              <a:rPr lang="it-IT" sz="2000" b="1" i="1" dirty="0"/>
+              <a:t>filosofia</a:t>
+            </a:r>
+            <a:r>
+              <a:rPr lang="it-IT" sz="2000" dirty="0"/>
+              <a:t>: descrivere il problema in termini di oggetti che interagiscono,</a:t>
+            </a:r>
+          </a:p>
+          <a:p>
+            <a:r>
+              <a:rPr lang="it-IT" sz="2000" dirty="0"/>
+              <a:t>piuttosto che algoritmi che operano su dati (anche algoritmi e dati possono cambiare...)</a:t>
             </a:r>
           </a:p>
         </p:txBody>
@@ -8800,7 +8980,323 @@
           <p:cNvPr id="4" name="Segnaposto piè di pagina 3">
             <a:extLst>
               <a:ext uri="{FF2B5EF4-FFF2-40B4-BE49-F238E27FC236}">
-                <a16:creationId xmlns:a16="http://schemas.microsoft.com/office/drawing/2014/main" xmlns="" id="{FD31027F-6D21-441E-BEA1-AD06CD66594A}"/>
+                <a16:creationId xmlns:a16="http://schemas.microsoft.com/office/drawing/2014/main" id="{6F0A51FD-6296-4A1C-9C0E-63CB8C6F93F8}"/>
+              </a:ext>
+            </a:extLst>
+          </p:cNvPr>
+          <p:cNvSpPr>
+            <a:spLocks noGrp="1"/>
+          </p:cNvSpPr>
+          <p:nvPr>
+            <p:ph type="ftr" sz="quarter" idx="11"/>
+          </p:nvPr>
+        </p:nvSpPr>
+        <p:spPr/>
+        <p:txBody>
+          <a:bodyPr/>
+          <a:lstStyle/>
+          <a:p>
+            <a:pPr>
+              <a:defRPr/>
+            </a:pPr>
+            <a:r>
+              <a:rPr lang="it-IT"/>
+              <a:t>Alberto Ferrari – Programmazione di applicazioni SW</a:t>
+            </a:r>
+            <a:endParaRPr lang="it-IT" dirty="0"/>
+          </a:p>
+        </p:txBody>
+      </p:sp>
+    </p:spTree>
+    <p:extLst>
+      <p:ext uri="{BB962C8B-B14F-4D97-AF65-F5344CB8AC3E}">
+        <p14:creationId xmlns:p14="http://schemas.microsoft.com/office/powerpoint/2010/main" val="3617294869"/>
+      </p:ext>
+    </p:extLst>
+  </p:cSld>
+  <p:clrMapOvr>
+    <a:masterClrMapping/>
+  </p:clrMapOvr>
+</p:sld>
+</file>
+
+<file path=ppt/slides/slide25.xml><?xml version="1.0" encoding="utf-8"?>
+<p:sld xmlns:a="http://schemas.openxmlformats.org/drawingml/2006/main" xmlns:r="http://schemas.openxmlformats.org/officeDocument/2006/relationships" xmlns:p="http://schemas.openxmlformats.org/presentationml/2006/main">
+  <p:cSld>
+    <p:spTree>
+      <p:nvGrpSpPr>
+        <p:cNvPr id="1" name=""/>
+        <p:cNvGrpSpPr/>
+        <p:nvPr/>
+      </p:nvGrpSpPr>
+      <p:grpSpPr>
+        <a:xfrm>
+          <a:off x="0" y="0"/>
+          <a:ext cx="0" cy="0"/>
+          <a:chOff x="0" y="0"/>
+          <a:chExt cx="0" cy="0"/>
+        </a:xfrm>
+      </p:grpSpPr>
+      <p:sp>
+        <p:nvSpPr>
+          <p:cNvPr id="2" name="Titolo 1">
+            <a:extLst>
+              <a:ext uri="{FF2B5EF4-FFF2-40B4-BE49-F238E27FC236}">
+                <a16:creationId xmlns:a16="http://schemas.microsoft.com/office/drawing/2014/main" id="{CB3CA5C4-2D5A-4985-B367-ABE87EE13950}"/>
+              </a:ext>
+            </a:extLst>
+          </p:cNvPr>
+          <p:cNvSpPr>
+            <a:spLocks noGrp="1"/>
+          </p:cNvSpPr>
+          <p:nvPr>
+            <p:ph type="title"/>
+          </p:nvPr>
+        </p:nvSpPr>
+        <p:spPr/>
+        <p:txBody>
+          <a:bodyPr/>
+          <a:lstStyle/>
+          <a:p>
+            <a:r>
+              <a:rPr lang="it-IT" dirty="0"/>
+              <a:t>un esempio</a:t>
+            </a:r>
+          </a:p>
+        </p:txBody>
+      </p:sp>
+      <p:sp>
+        <p:nvSpPr>
+          <p:cNvPr id="3" name="Segnaposto contenuto 2">
+            <a:extLst>
+              <a:ext uri="{FF2B5EF4-FFF2-40B4-BE49-F238E27FC236}">
+                <a16:creationId xmlns:a16="http://schemas.microsoft.com/office/drawing/2014/main" id="{EF3E61AA-C53C-4207-84EB-4C5FF69A4F62}"/>
+              </a:ext>
+            </a:extLst>
+          </p:cNvPr>
+          <p:cNvSpPr>
+            <a:spLocks noGrp="1"/>
+          </p:cNvSpPr>
+          <p:nvPr>
+            <p:ph idx="1"/>
+          </p:nvPr>
+        </p:nvSpPr>
+        <p:spPr/>
+        <p:txBody>
+          <a:bodyPr/>
+          <a:lstStyle/>
+          <a:p>
+            <a:r>
+              <a:rPr lang="it-IT" dirty="0"/>
+              <a:t>si vuole realizzare una classe che permetta di gestire e risolvere </a:t>
+            </a:r>
+            <a:r>
+              <a:rPr lang="it-IT" b="1" i="1" dirty="0"/>
+              <a:t>equazioni di secondo grado</a:t>
+            </a:r>
+          </a:p>
+          <a:p>
+            <a:r>
+              <a:rPr lang="it-IT" dirty="0"/>
+              <a:t>in una equazione individuiamo tre </a:t>
+            </a:r>
+            <a:r>
+              <a:rPr lang="it-IT" b="1" i="1" dirty="0"/>
+              <a:t>attributi</a:t>
+            </a:r>
+            <a:r>
+              <a:rPr lang="it-IT" dirty="0"/>
+              <a:t>: </a:t>
+            </a:r>
+            <a:r>
+              <a:rPr lang="it-IT" b="1" i="1" dirty="0"/>
+              <a:t>a, b, c </a:t>
+            </a:r>
+            <a:r>
+              <a:rPr lang="it-IT" dirty="0"/>
+              <a:t>che rappresentano i </a:t>
+            </a:r>
+            <a:r>
+              <a:rPr lang="it-IT" b="1" i="1" dirty="0"/>
+              <a:t>coefficienti</a:t>
+            </a:r>
+            <a:r>
+              <a:rPr lang="it-IT" dirty="0"/>
+              <a:t> di x</a:t>
+            </a:r>
+            <a:r>
+              <a:rPr lang="it-IT" baseline="30000" dirty="0"/>
+              <a:t>2</a:t>
+            </a:r>
+            <a:r>
+              <a:rPr lang="it-IT" dirty="0"/>
+              <a:t>, di x ed il termine noto</a:t>
+            </a:r>
+          </a:p>
+          <a:p>
+            <a:r>
+              <a:rPr lang="it-IT" dirty="0"/>
+              <a:t>l’equazione 3x</a:t>
+            </a:r>
+            <a:r>
+              <a:rPr lang="it-IT" baseline="30000" dirty="0"/>
+              <a:t>2 </a:t>
+            </a:r>
+            <a:r>
+              <a:rPr lang="it-IT" dirty="0"/>
+              <a:t>- 2x + 1 = 0 avrà come attributi i valori 3, -2 e 1</a:t>
+            </a:r>
+          </a:p>
+          <a:p>
+            <a:r>
+              <a:rPr lang="it-IT" dirty="0"/>
+              <a:t>definiamo un insieme di </a:t>
+            </a:r>
+            <a:r>
+              <a:rPr lang="it-IT" b="1" i="1" dirty="0"/>
+              <a:t>metodi</a:t>
+            </a:r>
+            <a:r>
+              <a:rPr lang="it-IT" dirty="0"/>
+              <a:t> che ci permetta di:</a:t>
+            </a:r>
+          </a:p>
+          <a:p>
+            <a:pPr lvl="1"/>
+            <a:r>
+              <a:rPr lang="it-IT" dirty="0"/>
+              <a:t>modificare i valori dei coefficienti</a:t>
+            </a:r>
+          </a:p>
+          <a:p>
+            <a:pPr lvl="1"/>
+            <a:r>
+              <a:rPr lang="it-IT" dirty="0"/>
+              <a:t>ottenere i valori dei coefficienti</a:t>
+            </a:r>
+          </a:p>
+          <a:p>
+            <a:pPr lvl="1"/>
+            <a:r>
+              <a:rPr lang="it-IT" dirty="0"/>
+              <a:t>conoscere il tipo di equazione</a:t>
+            </a:r>
+          </a:p>
+          <a:p>
+            <a:pPr lvl="1"/>
+            <a:r>
+              <a:rPr lang="it-IT" dirty="0"/>
+              <a:t>ottenere la prima soluzione</a:t>
+            </a:r>
+          </a:p>
+          <a:p>
+            <a:pPr lvl="1"/>
+            <a:r>
+              <a:rPr lang="it-IT" dirty="0"/>
+              <a:t>ottenere la seconda soluzione</a:t>
+            </a:r>
+          </a:p>
+          <a:p>
+            <a:endParaRPr lang="it-IT" dirty="0"/>
+          </a:p>
+        </p:txBody>
+      </p:sp>
+      <p:sp>
+        <p:nvSpPr>
+          <p:cNvPr id="4" name="Segnaposto piè di pagina 3">
+            <a:extLst>
+              <a:ext uri="{FF2B5EF4-FFF2-40B4-BE49-F238E27FC236}">
+                <a16:creationId xmlns:a16="http://schemas.microsoft.com/office/drawing/2014/main" id="{909C4DAA-FA3F-40B3-8EB7-0AE41CD719C2}"/>
+              </a:ext>
+            </a:extLst>
+          </p:cNvPr>
+          <p:cNvSpPr>
+            <a:spLocks noGrp="1"/>
+          </p:cNvSpPr>
+          <p:nvPr>
+            <p:ph type="ftr" sz="quarter" idx="11"/>
+          </p:nvPr>
+        </p:nvSpPr>
+        <p:spPr/>
+        <p:txBody>
+          <a:bodyPr/>
+          <a:lstStyle/>
+          <a:p>
+            <a:pPr>
+              <a:defRPr/>
+            </a:pPr>
+            <a:r>
+              <a:rPr lang="it-IT"/>
+              <a:t>Alberto Ferrari – Programmazione di applicazioni SW</a:t>
+            </a:r>
+            <a:endParaRPr lang="it-IT" dirty="0"/>
+          </a:p>
+        </p:txBody>
+      </p:sp>
+    </p:spTree>
+    <p:extLst>
+      <p:ext uri="{BB962C8B-B14F-4D97-AF65-F5344CB8AC3E}">
+        <p14:creationId xmlns:p14="http://schemas.microsoft.com/office/powerpoint/2010/main" val="722639839"/>
+      </p:ext>
+    </p:extLst>
+  </p:cSld>
+  <p:clrMapOvr>
+    <a:masterClrMapping/>
+  </p:clrMapOvr>
+</p:sld>
+</file>
+
+<file path=ppt/slides/slide26.xml><?xml version="1.0" encoding="utf-8"?>
+<p:sld xmlns:a="http://schemas.openxmlformats.org/drawingml/2006/main" xmlns:r="http://schemas.openxmlformats.org/officeDocument/2006/relationships" xmlns:p="http://schemas.openxmlformats.org/presentationml/2006/main">
+  <p:cSld>
+    <p:spTree>
+      <p:nvGrpSpPr>
+        <p:cNvPr id="1" name=""/>
+        <p:cNvGrpSpPr/>
+        <p:nvPr/>
+      </p:nvGrpSpPr>
+      <p:grpSpPr>
+        <a:xfrm>
+          <a:off x="0" y="0"/>
+          <a:ext cx="0" cy="0"/>
+          <a:chOff x="0" y="0"/>
+          <a:chExt cx="0" cy="0"/>
+        </a:xfrm>
+      </p:grpSpPr>
+      <p:sp>
+        <p:nvSpPr>
+          <p:cNvPr id="2" name="Titolo 1">
+            <a:extLst>
+              <a:ext uri="{FF2B5EF4-FFF2-40B4-BE49-F238E27FC236}">
+                <a16:creationId xmlns:a16="http://schemas.microsoft.com/office/drawing/2014/main" id="{3BD1EF70-F741-490E-9BFF-601CA5E76BE4}"/>
+              </a:ext>
+            </a:extLst>
+          </p:cNvPr>
+          <p:cNvSpPr>
+            <a:spLocks noGrp="1"/>
+          </p:cNvSpPr>
+          <p:nvPr>
+            <p:ph type="title"/>
+          </p:nvPr>
+        </p:nvSpPr>
+        <p:spPr/>
+        <p:txBody>
+          <a:bodyPr/>
+          <a:lstStyle/>
+          <a:p>
+            <a:r>
+              <a:rPr lang="it-IT" dirty="0"/>
+              <a:t>diagramma UML della classe</a:t>
+            </a:r>
+          </a:p>
+        </p:txBody>
+      </p:sp>
+      <p:sp>
+        <p:nvSpPr>
+          <p:cNvPr id="4" name="Segnaposto piè di pagina 3">
+            <a:extLst>
+              <a:ext uri="{FF2B5EF4-FFF2-40B4-BE49-F238E27FC236}">
+                <a16:creationId xmlns:a16="http://schemas.microsoft.com/office/drawing/2014/main" id="{FD31027F-6D21-441E-BEA1-AD06CD66594A}"/>
               </a:ext>
             </a:extLst>
           </p:cNvPr>
@@ -8832,7 +9328,7 @@
           <p:cNvPr id="8" name="Segnaposto contenuto 7">
             <a:extLst>
               <a:ext uri="{FF2B5EF4-FFF2-40B4-BE49-F238E27FC236}">
-                <a16:creationId xmlns:a16="http://schemas.microsoft.com/office/drawing/2014/main" xmlns="" id="{83AF2D2D-BC70-4312-8A35-803ABFC93398}"/>
+                <a16:creationId xmlns:a16="http://schemas.microsoft.com/office/drawing/2014/main" id="{83AF2D2D-BC70-4312-8A35-803ABFC93398}"/>
               </a:ext>
             </a:extLst>
           </p:cNvPr>
@@ -8888,7 +9384,7 @@
 </p:sld>
 </file>
 
-<file path=ppt/slides/slide25.xml><?xml version="1.0" encoding="utf-8"?>
+<file path=ppt/slides/slide27.xml><?xml version="1.0" encoding="utf-8"?>
 <p:sld xmlns:a="http://schemas.openxmlformats.org/drawingml/2006/main" xmlns:r="http://schemas.openxmlformats.org/officeDocument/2006/relationships" xmlns:p="http://schemas.openxmlformats.org/presentationml/2006/main">
   <p:cSld>
     <p:spTree>
@@ -8910,7 +9406,7 @@
           <p:cNvPr id="2" name="Titolo 1">
             <a:extLst>
               <a:ext uri="{FF2B5EF4-FFF2-40B4-BE49-F238E27FC236}">
-                <a16:creationId xmlns:a16="http://schemas.microsoft.com/office/drawing/2014/main" xmlns="" id="{89E849E0-2533-410A-92EE-875E9A3792A6}"/>
+                <a16:creationId xmlns:a16="http://schemas.microsoft.com/office/drawing/2014/main" id="{89E849E0-2533-410A-92EE-875E9A3792A6}"/>
               </a:ext>
             </a:extLst>
           </p:cNvPr>
@@ -8938,7 +9434,7 @@
           <p:cNvPr id="5" name="Segnaposto contenuto 4">
             <a:extLst>
               <a:ext uri="{FF2B5EF4-FFF2-40B4-BE49-F238E27FC236}">
-                <a16:creationId xmlns:a16="http://schemas.microsoft.com/office/drawing/2014/main" xmlns="" id="{445092A8-1D10-4D96-97A8-66387CD39F49}"/>
+                <a16:creationId xmlns:a16="http://schemas.microsoft.com/office/drawing/2014/main" id="{445092A8-1D10-4D96-97A8-66387CD39F49}"/>
               </a:ext>
             </a:extLst>
           </p:cNvPr>
@@ -9009,7 +9505,7 @@
           <p:cNvPr id="7" name="Segnaposto contenuto 6">
             <a:extLst>
               <a:ext uri="{FF2B5EF4-FFF2-40B4-BE49-F238E27FC236}">
-                <a16:creationId xmlns:a16="http://schemas.microsoft.com/office/drawing/2014/main" xmlns="" id="{885F3320-A625-4C55-950A-A81207CE2AA5}"/>
+                <a16:creationId xmlns:a16="http://schemas.microsoft.com/office/drawing/2014/main" id="{885F3320-A625-4C55-950A-A81207CE2AA5}"/>
               </a:ext>
             </a:extLst>
           </p:cNvPr>
@@ -9041,7 +9537,7 @@
           <p:cNvPr id="4" name="Segnaposto piè di pagina 3">
             <a:extLst>
               <a:ext uri="{FF2B5EF4-FFF2-40B4-BE49-F238E27FC236}">
-                <a16:creationId xmlns:a16="http://schemas.microsoft.com/office/drawing/2014/main" xmlns="" id="{3DD82FA0-6DCC-4249-AAA1-F03FB5CE9061}"/>
+                <a16:creationId xmlns:a16="http://schemas.microsoft.com/office/drawing/2014/main" id="{3DD82FA0-6DCC-4249-AAA1-F03FB5CE9061}"/>
               </a:ext>
             </a:extLst>
           </p:cNvPr>
@@ -9078,1857 +9574,6 @@
   <p:clrMapOvr>
     <a:masterClrMapping/>
   </p:clrMapOvr>
-</p:sld>
-</file>
-
-<file path=ppt/slides/slide26.xml><?xml version="1.0" encoding="utf-8"?>
-<p:sld xmlns:a="http://schemas.openxmlformats.org/drawingml/2006/main" xmlns:r="http://schemas.openxmlformats.org/officeDocument/2006/relationships" xmlns:p="http://schemas.openxmlformats.org/presentationml/2006/main">
-  <p:cSld>
-    <p:spTree>
-      <p:nvGrpSpPr>
-        <p:cNvPr id="1" name=""/>
-        <p:cNvGrpSpPr/>
-        <p:nvPr/>
-      </p:nvGrpSpPr>
-      <p:grpSpPr>
-        <a:xfrm>
-          <a:off x="0" y="0"/>
-          <a:ext cx="0" cy="0"/>
-          <a:chOff x="0" y="0"/>
-          <a:chExt cx="0" cy="0"/>
-        </a:xfrm>
-      </p:grpSpPr>
-      <p:sp>
-        <p:nvSpPr>
-          <p:cNvPr id="2" name="Titolo 1">
-            <a:extLst>
-              <a:ext uri="{FF2B5EF4-FFF2-40B4-BE49-F238E27FC236}">
-                <a16:creationId xmlns:a16="http://schemas.microsoft.com/office/drawing/2014/main" xmlns="" id="{8F83756D-8806-4520-940E-38F00B94B205}"/>
-              </a:ext>
-            </a:extLst>
-          </p:cNvPr>
-          <p:cNvSpPr>
-            <a:spLocks noGrp="1"/>
-          </p:cNvSpPr>
-          <p:nvPr>
-            <p:ph type="title"/>
-          </p:nvPr>
-        </p:nvSpPr>
-        <p:spPr/>
-        <p:txBody>
-          <a:bodyPr/>
-          <a:lstStyle/>
-          <a:p>
-            <a:r>
-              <a:rPr lang="it-IT" dirty="0"/>
-              <a:t>soluzione esercizio</a:t>
-            </a:r>
-          </a:p>
-        </p:txBody>
-      </p:sp>
-      <p:sp>
-        <p:nvSpPr>
-          <p:cNvPr id="3" name="Segnaposto contenuto 2">
-            <a:extLst>
-              <a:ext uri="{FF2B5EF4-FFF2-40B4-BE49-F238E27FC236}">
-                <a16:creationId xmlns:a16="http://schemas.microsoft.com/office/drawing/2014/main" xmlns="" id="{24114D0B-C108-4C15-94AB-79C2F95BCBA7}"/>
-              </a:ext>
-            </a:extLst>
-          </p:cNvPr>
-          <p:cNvSpPr>
-            <a:spLocks noGrp="1"/>
-          </p:cNvSpPr>
-          <p:nvPr>
-            <p:ph sz="half" idx="1"/>
-          </p:nvPr>
-        </p:nvSpPr>
-        <p:spPr/>
-        <p:txBody>
-          <a:bodyPr/>
-          <a:lstStyle/>
-          <a:p>
-            <a:pPr marL="0" indent="0">
-              <a:buNone/>
-            </a:pPr>
-            <a:r>
-              <a:rPr lang="it-IT" sz="1100" b="1" dirty="0">
-                <a:latin typeface="Courier New" panose="02070309020205020404" pitchFamily="49" charset="0"/>
-                <a:cs typeface="Courier New" panose="02070309020205020404" pitchFamily="49" charset="0"/>
-              </a:rPr>
-              <a:t>#include &lt;</a:t>
-            </a:r>
-            <a:r>
-              <a:rPr lang="it-IT" sz="1100" b="1" dirty="0" err="1">
-                <a:latin typeface="Courier New" panose="02070309020205020404" pitchFamily="49" charset="0"/>
-                <a:cs typeface="Courier New" panose="02070309020205020404" pitchFamily="49" charset="0"/>
-              </a:rPr>
-              <a:t>iostream</a:t>
-            </a:r>
-            <a:r>
-              <a:rPr lang="it-IT" sz="1100" b="1" dirty="0">
-                <a:latin typeface="Courier New" panose="02070309020205020404" pitchFamily="49" charset="0"/>
-                <a:cs typeface="Courier New" panose="02070309020205020404" pitchFamily="49" charset="0"/>
-              </a:rPr>
-              <a:t>&gt;</a:t>
-            </a:r>
-          </a:p>
-          <a:p>
-            <a:pPr marL="0" indent="0">
-              <a:buNone/>
-            </a:pPr>
-            <a:r>
-              <a:rPr lang="it-IT" sz="1100" b="1" dirty="0">
-                <a:latin typeface="Courier New" panose="02070309020205020404" pitchFamily="49" charset="0"/>
-                <a:cs typeface="Courier New" panose="02070309020205020404" pitchFamily="49" charset="0"/>
-              </a:rPr>
-              <a:t>#include &lt;</a:t>
-            </a:r>
-            <a:r>
-              <a:rPr lang="it-IT" sz="1100" b="1" dirty="0" err="1">
-                <a:latin typeface="Courier New" panose="02070309020205020404" pitchFamily="49" charset="0"/>
-                <a:cs typeface="Courier New" panose="02070309020205020404" pitchFamily="49" charset="0"/>
-              </a:rPr>
-              <a:t>cmath</a:t>
-            </a:r>
-            <a:r>
-              <a:rPr lang="it-IT" sz="1100" b="1" dirty="0">
-                <a:latin typeface="Courier New" panose="02070309020205020404" pitchFamily="49" charset="0"/>
-                <a:cs typeface="Courier New" panose="02070309020205020404" pitchFamily="49" charset="0"/>
-              </a:rPr>
-              <a:t>&gt;</a:t>
-            </a:r>
-          </a:p>
-          <a:p>
-            <a:pPr marL="0" indent="0">
-              <a:buNone/>
-            </a:pPr>
-            <a:r>
-              <a:rPr lang="it-IT" sz="1100" b="1" dirty="0">
-                <a:latin typeface="Courier New" panose="02070309020205020404" pitchFamily="49" charset="0"/>
-                <a:cs typeface="Courier New" panose="02070309020205020404" pitchFamily="49" charset="0"/>
-              </a:rPr>
-              <a:t>#include &lt;</a:t>
-            </a:r>
-            <a:r>
-              <a:rPr lang="it-IT" sz="1100" b="1" dirty="0" err="1">
-                <a:latin typeface="Courier New" panose="02070309020205020404" pitchFamily="49" charset="0"/>
-                <a:cs typeface="Courier New" panose="02070309020205020404" pitchFamily="49" charset="0"/>
-              </a:rPr>
-              <a:t>limits</a:t>
-            </a:r>
-            <a:r>
-              <a:rPr lang="it-IT" sz="1100" b="1" dirty="0">
-                <a:latin typeface="Courier New" panose="02070309020205020404" pitchFamily="49" charset="0"/>
-                <a:cs typeface="Courier New" panose="02070309020205020404" pitchFamily="49" charset="0"/>
-              </a:rPr>
-              <a:t>&gt;</a:t>
-            </a:r>
-          </a:p>
-          <a:p>
-            <a:pPr marL="0" indent="0">
-              <a:buNone/>
-            </a:pPr>
-            <a:r>
-              <a:rPr lang="it-IT" sz="1100" b="1" dirty="0">
-                <a:latin typeface="Courier New" panose="02070309020205020404" pitchFamily="49" charset="0"/>
-                <a:cs typeface="Courier New" panose="02070309020205020404" pitchFamily="49" charset="0"/>
-              </a:rPr>
-              <a:t>#include &lt;</a:t>
-            </a:r>
-            <a:r>
-              <a:rPr lang="it-IT" sz="1100" b="1" dirty="0" err="1">
-                <a:latin typeface="Courier New" panose="02070309020205020404" pitchFamily="49" charset="0"/>
-                <a:cs typeface="Courier New" panose="02070309020205020404" pitchFamily="49" charset="0"/>
-              </a:rPr>
-              <a:t>string</a:t>
-            </a:r>
-            <a:r>
-              <a:rPr lang="it-IT" sz="1100" b="1" dirty="0">
-                <a:latin typeface="Courier New" panose="02070309020205020404" pitchFamily="49" charset="0"/>
-                <a:cs typeface="Courier New" panose="02070309020205020404" pitchFamily="49" charset="0"/>
-              </a:rPr>
-              <a:t>&gt;</a:t>
-            </a:r>
-          </a:p>
-          <a:p>
-            <a:pPr marL="0" indent="0">
-              <a:buNone/>
-            </a:pPr>
-            <a:r>
-              <a:rPr lang="it-IT" sz="1100" b="1" dirty="0" err="1">
-                <a:latin typeface="Courier New" panose="02070309020205020404" pitchFamily="49" charset="0"/>
-                <a:cs typeface="Courier New" panose="02070309020205020404" pitchFamily="49" charset="0"/>
-              </a:rPr>
-              <a:t>using</a:t>
-            </a:r>
-            <a:r>
-              <a:rPr lang="it-IT" sz="1100" b="1" dirty="0">
-                <a:latin typeface="Courier New" panose="02070309020205020404" pitchFamily="49" charset="0"/>
-                <a:cs typeface="Courier New" panose="02070309020205020404" pitchFamily="49" charset="0"/>
-              </a:rPr>
-              <a:t> </a:t>
-            </a:r>
-            <a:r>
-              <a:rPr lang="it-IT" sz="1100" b="1" dirty="0" err="1">
-                <a:latin typeface="Courier New" panose="02070309020205020404" pitchFamily="49" charset="0"/>
-                <a:cs typeface="Courier New" panose="02070309020205020404" pitchFamily="49" charset="0"/>
-              </a:rPr>
-              <a:t>namespace</a:t>
-            </a:r>
-            <a:r>
-              <a:rPr lang="it-IT" sz="1100" b="1" dirty="0">
-                <a:latin typeface="Courier New" panose="02070309020205020404" pitchFamily="49" charset="0"/>
-                <a:cs typeface="Courier New" panose="02070309020205020404" pitchFamily="49" charset="0"/>
-              </a:rPr>
-              <a:t> </a:t>
-            </a:r>
-            <a:r>
-              <a:rPr lang="it-IT" sz="1100" b="1" dirty="0" err="1">
-                <a:latin typeface="Courier New" panose="02070309020205020404" pitchFamily="49" charset="0"/>
-                <a:cs typeface="Courier New" panose="02070309020205020404" pitchFamily="49" charset="0"/>
-              </a:rPr>
-              <a:t>std</a:t>
-            </a:r>
-            <a:r>
-              <a:rPr lang="it-IT" sz="1100" b="1" dirty="0">
-                <a:latin typeface="Courier New" panose="02070309020205020404" pitchFamily="49" charset="0"/>
-                <a:cs typeface="Courier New" panose="02070309020205020404" pitchFamily="49" charset="0"/>
-              </a:rPr>
-              <a:t>;</a:t>
-            </a:r>
-          </a:p>
-          <a:p>
-            <a:pPr marL="0" indent="0">
-              <a:buNone/>
-            </a:pPr>
-            <a:r>
-              <a:rPr lang="it-IT" sz="1100" b="1" dirty="0">
-                <a:latin typeface="Courier New" panose="02070309020205020404" pitchFamily="49" charset="0"/>
-                <a:cs typeface="Courier New" panose="02070309020205020404" pitchFamily="49" charset="0"/>
-              </a:rPr>
-              <a:t>class </a:t>
-            </a:r>
-            <a:r>
-              <a:rPr lang="it-IT" sz="1100" b="1" dirty="0">
-                <a:solidFill>
-                  <a:srgbClr val="FF0000"/>
-                </a:solidFill>
-                <a:latin typeface="Courier New" panose="02070309020205020404" pitchFamily="49" charset="0"/>
-                <a:cs typeface="Courier New" panose="02070309020205020404" pitchFamily="49" charset="0"/>
-              </a:rPr>
-              <a:t>Equazione</a:t>
-            </a:r>
-            <a:r>
-              <a:rPr lang="it-IT" sz="1100" b="1" dirty="0">
-                <a:latin typeface="Courier New" panose="02070309020205020404" pitchFamily="49" charset="0"/>
-                <a:cs typeface="Courier New" panose="02070309020205020404" pitchFamily="49" charset="0"/>
-              </a:rPr>
-              <a:t> {</a:t>
-            </a:r>
-          </a:p>
-          <a:p>
-            <a:pPr marL="0" indent="0">
-              <a:buNone/>
-            </a:pPr>
-            <a:r>
-              <a:rPr lang="it-IT" sz="1100" b="1" dirty="0">
-                <a:latin typeface="Courier New" panose="02070309020205020404" pitchFamily="49" charset="0"/>
-                <a:cs typeface="Courier New" panose="02070309020205020404" pitchFamily="49" charset="0"/>
-              </a:rPr>
-              <a:t>   </a:t>
-            </a:r>
-            <a:r>
-              <a:rPr lang="it-IT" sz="1100" b="1" dirty="0">
-                <a:solidFill>
-                  <a:srgbClr val="0070C0"/>
-                </a:solidFill>
-                <a:latin typeface="Courier New" panose="02070309020205020404" pitchFamily="49" charset="0"/>
-                <a:cs typeface="Courier New" panose="02070309020205020404" pitchFamily="49" charset="0"/>
-              </a:rPr>
-              <a:t>public</a:t>
-            </a:r>
-            <a:r>
-              <a:rPr lang="it-IT" sz="1100" b="1" dirty="0">
-                <a:latin typeface="Courier New" panose="02070309020205020404" pitchFamily="49" charset="0"/>
-                <a:cs typeface="Courier New" panose="02070309020205020404" pitchFamily="49" charset="0"/>
-              </a:rPr>
-              <a:t>:</a:t>
-            </a:r>
-          </a:p>
-          <a:p>
-            <a:pPr marL="0" indent="0">
-              <a:buNone/>
-            </a:pPr>
-            <a:r>
-              <a:rPr lang="it-IT" sz="1100" b="1" dirty="0">
-                <a:latin typeface="Courier New" panose="02070309020205020404" pitchFamily="49" charset="0"/>
-                <a:cs typeface="Courier New" panose="02070309020205020404" pitchFamily="49" charset="0"/>
-              </a:rPr>
-              <a:t>     </a:t>
-            </a:r>
-            <a:r>
-              <a:rPr lang="it-IT" sz="1100" b="1" dirty="0">
-                <a:solidFill>
-                  <a:srgbClr val="FF0000"/>
-                </a:solidFill>
-                <a:latin typeface="Courier New" panose="02070309020205020404" pitchFamily="49" charset="0"/>
-                <a:cs typeface="Courier New" panose="02070309020205020404" pitchFamily="49" charset="0"/>
-              </a:rPr>
-              <a:t>Equazione()</a:t>
-            </a:r>
-            <a:r>
-              <a:rPr lang="it-IT" sz="1100" b="1" dirty="0">
-                <a:latin typeface="Courier New" panose="02070309020205020404" pitchFamily="49" charset="0"/>
-                <a:cs typeface="Courier New" panose="02070309020205020404" pitchFamily="49" charset="0"/>
-              </a:rPr>
-              <a:t> { a=1; b=1; c=1; }</a:t>
-            </a:r>
-          </a:p>
-          <a:p>
-            <a:pPr marL="0" indent="0">
-              <a:buNone/>
-            </a:pPr>
-            <a:r>
-              <a:rPr lang="it-IT" sz="1100" b="1" dirty="0">
-                <a:latin typeface="Courier New" panose="02070309020205020404" pitchFamily="49" charset="0"/>
-                <a:cs typeface="Courier New" panose="02070309020205020404" pitchFamily="49" charset="0"/>
-              </a:rPr>
-              <a:t>     </a:t>
-            </a:r>
-            <a:r>
-              <a:rPr lang="it-IT" sz="1100" b="1" dirty="0">
-                <a:solidFill>
-                  <a:srgbClr val="FF0000"/>
-                </a:solidFill>
-                <a:latin typeface="Courier New" panose="02070309020205020404" pitchFamily="49" charset="0"/>
-                <a:cs typeface="Courier New" panose="02070309020205020404" pitchFamily="49" charset="0"/>
-              </a:rPr>
-              <a:t>Equazione(double </a:t>
-            </a:r>
-            <a:r>
-              <a:rPr lang="it-IT" sz="1100" b="1" dirty="0" err="1">
-                <a:solidFill>
-                  <a:srgbClr val="FF0000"/>
-                </a:solidFill>
-                <a:latin typeface="Courier New" panose="02070309020205020404" pitchFamily="49" charset="0"/>
-                <a:cs typeface="Courier New" panose="02070309020205020404" pitchFamily="49" charset="0"/>
-              </a:rPr>
-              <a:t>c_a</a:t>
-            </a:r>
-            <a:r>
-              <a:rPr lang="it-IT" sz="1100" b="1" dirty="0">
-                <a:solidFill>
-                  <a:srgbClr val="FF0000"/>
-                </a:solidFill>
-                <a:latin typeface="Courier New" panose="02070309020205020404" pitchFamily="49" charset="0"/>
-                <a:cs typeface="Courier New" panose="02070309020205020404" pitchFamily="49" charset="0"/>
-              </a:rPr>
-              <a:t>, double </a:t>
-            </a:r>
-            <a:r>
-              <a:rPr lang="it-IT" sz="1100" b="1" dirty="0" err="1">
-                <a:solidFill>
-                  <a:srgbClr val="FF0000"/>
-                </a:solidFill>
-                <a:latin typeface="Courier New" panose="02070309020205020404" pitchFamily="49" charset="0"/>
-                <a:cs typeface="Courier New" panose="02070309020205020404" pitchFamily="49" charset="0"/>
-              </a:rPr>
-              <a:t>c_b</a:t>
-            </a:r>
-            <a:r>
-              <a:rPr lang="it-IT" sz="1100" b="1" dirty="0">
-                <a:solidFill>
-                  <a:srgbClr val="FF0000"/>
-                </a:solidFill>
-                <a:latin typeface="Courier New" panose="02070309020205020404" pitchFamily="49" charset="0"/>
-                <a:cs typeface="Courier New" panose="02070309020205020404" pitchFamily="49" charset="0"/>
-              </a:rPr>
-              <a:t>, double </a:t>
-            </a:r>
-            <a:r>
-              <a:rPr lang="it-IT" sz="1100" b="1" dirty="0" err="1">
-                <a:solidFill>
-                  <a:srgbClr val="FF0000"/>
-                </a:solidFill>
-                <a:latin typeface="Courier New" panose="02070309020205020404" pitchFamily="49" charset="0"/>
-                <a:cs typeface="Courier New" panose="02070309020205020404" pitchFamily="49" charset="0"/>
-              </a:rPr>
-              <a:t>c_c</a:t>
-            </a:r>
-            <a:r>
-              <a:rPr lang="it-IT" sz="1100" b="1" dirty="0">
-                <a:solidFill>
-                  <a:srgbClr val="FF0000"/>
-                </a:solidFill>
-                <a:latin typeface="Courier New" panose="02070309020205020404" pitchFamily="49" charset="0"/>
-                <a:cs typeface="Courier New" panose="02070309020205020404" pitchFamily="49" charset="0"/>
-              </a:rPr>
-              <a:t>)</a:t>
-            </a:r>
-            <a:r>
-              <a:rPr lang="it-IT" sz="1100" b="1" dirty="0">
-                <a:latin typeface="Courier New" panose="02070309020205020404" pitchFamily="49" charset="0"/>
-                <a:cs typeface="Courier New" panose="02070309020205020404" pitchFamily="49" charset="0"/>
-              </a:rPr>
-              <a:t>{</a:t>
-            </a:r>
-          </a:p>
-          <a:p>
-            <a:pPr marL="0" indent="0">
-              <a:buNone/>
-            </a:pPr>
-            <a:r>
-              <a:rPr lang="it-IT" sz="1100" b="1" dirty="0">
-                <a:latin typeface="Courier New" panose="02070309020205020404" pitchFamily="49" charset="0"/>
-                <a:cs typeface="Courier New" panose="02070309020205020404" pitchFamily="49" charset="0"/>
-              </a:rPr>
-              <a:t>       a=</a:t>
-            </a:r>
-            <a:r>
-              <a:rPr lang="it-IT" sz="1100" b="1" dirty="0" err="1">
-                <a:latin typeface="Courier New" panose="02070309020205020404" pitchFamily="49" charset="0"/>
-                <a:cs typeface="Courier New" panose="02070309020205020404" pitchFamily="49" charset="0"/>
-              </a:rPr>
-              <a:t>c_a</a:t>
-            </a:r>
-            <a:r>
-              <a:rPr lang="it-IT" sz="1100" b="1" dirty="0">
-                <a:latin typeface="Courier New" panose="02070309020205020404" pitchFamily="49" charset="0"/>
-                <a:cs typeface="Courier New" panose="02070309020205020404" pitchFamily="49" charset="0"/>
-              </a:rPr>
-              <a:t>; b=</a:t>
-            </a:r>
-            <a:r>
-              <a:rPr lang="it-IT" sz="1100" b="1" dirty="0" err="1">
-                <a:latin typeface="Courier New" panose="02070309020205020404" pitchFamily="49" charset="0"/>
-                <a:cs typeface="Courier New" panose="02070309020205020404" pitchFamily="49" charset="0"/>
-              </a:rPr>
-              <a:t>c_b</a:t>
-            </a:r>
-            <a:r>
-              <a:rPr lang="it-IT" sz="1100" b="1" dirty="0">
-                <a:latin typeface="Courier New" panose="02070309020205020404" pitchFamily="49" charset="0"/>
-                <a:cs typeface="Courier New" panose="02070309020205020404" pitchFamily="49" charset="0"/>
-              </a:rPr>
-              <a:t>; c=</a:t>
-            </a:r>
-            <a:r>
-              <a:rPr lang="it-IT" sz="1100" b="1" dirty="0" err="1">
-                <a:latin typeface="Courier New" panose="02070309020205020404" pitchFamily="49" charset="0"/>
-                <a:cs typeface="Courier New" panose="02070309020205020404" pitchFamily="49" charset="0"/>
-              </a:rPr>
-              <a:t>c_c</a:t>
-            </a:r>
-            <a:r>
-              <a:rPr lang="it-IT" sz="1100" b="1" dirty="0">
-                <a:latin typeface="Courier New" panose="02070309020205020404" pitchFamily="49" charset="0"/>
-                <a:cs typeface="Courier New" panose="02070309020205020404" pitchFamily="49" charset="0"/>
-              </a:rPr>
-              <a:t>;   </a:t>
-            </a:r>
-          </a:p>
-          <a:p>
-            <a:pPr marL="0" indent="0">
-              <a:buNone/>
-            </a:pPr>
-            <a:r>
-              <a:rPr lang="it-IT" sz="1100" b="1" dirty="0">
-                <a:latin typeface="Courier New" panose="02070309020205020404" pitchFamily="49" charset="0"/>
-                <a:cs typeface="Courier New" panose="02070309020205020404" pitchFamily="49" charset="0"/>
-              </a:rPr>
-              <a:t>     }    </a:t>
-            </a:r>
-          </a:p>
-          <a:p>
-            <a:pPr marL="0" indent="0">
-              <a:buNone/>
-            </a:pPr>
-            <a:r>
-              <a:rPr lang="it-IT" sz="1100" b="1" dirty="0">
-                <a:latin typeface="Courier New" panose="02070309020205020404" pitchFamily="49" charset="0"/>
-                <a:cs typeface="Courier New" panose="02070309020205020404" pitchFamily="49" charset="0"/>
-              </a:rPr>
-              <a:t>   </a:t>
-            </a:r>
-            <a:r>
-              <a:rPr lang="it-IT" sz="1100" b="1" dirty="0">
-                <a:solidFill>
-                  <a:srgbClr val="FF0000"/>
-                </a:solidFill>
-                <a:latin typeface="Courier New" panose="02070309020205020404" pitchFamily="49" charset="0"/>
-                <a:cs typeface="Courier New" panose="02070309020205020404" pitchFamily="49" charset="0"/>
-              </a:rPr>
-              <a:t>double</a:t>
-            </a:r>
-            <a:r>
-              <a:rPr lang="it-IT" sz="1100" b="1" dirty="0">
-                <a:latin typeface="Courier New" panose="02070309020205020404" pitchFamily="49" charset="0"/>
-                <a:cs typeface="Courier New" panose="02070309020205020404" pitchFamily="49" charset="0"/>
-              </a:rPr>
-              <a:t> </a:t>
-            </a:r>
-            <a:r>
-              <a:rPr lang="it-IT" sz="1100" b="1" dirty="0" err="1">
-                <a:solidFill>
-                  <a:srgbClr val="FF0000"/>
-                </a:solidFill>
-                <a:latin typeface="Courier New" panose="02070309020205020404" pitchFamily="49" charset="0"/>
-                <a:cs typeface="Courier New" panose="02070309020205020404" pitchFamily="49" charset="0"/>
-              </a:rPr>
-              <a:t>getA</a:t>
-            </a:r>
-            <a:r>
-              <a:rPr lang="it-IT" sz="1100" b="1" dirty="0">
-                <a:solidFill>
-                  <a:srgbClr val="FF0000"/>
-                </a:solidFill>
-                <a:latin typeface="Courier New" panose="02070309020205020404" pitchFamily="49" charset="0"/>
-                <a:cs typeface="Courier New" panose="02070309020205020404" pitchFamily="49" charset="0"/>
-              </a:rPr>
-              <a:t>()</a:t>
-            </a:r>
-            <a:r>
-              <a:rPr lang="it-IT" sz="1100" b="1" dirty="0">
-                <a:latin typeface="Courier New" panose="02070309020205020404" pitchFamily="49" charset="0"/>
-                <a:cs typeface="Courier New" panose="02070309020205020404" pitchFamily="49" charset="0"/>
-              </a:rPr>
-              <a:t> { </a:t>
-            </a:r>
-            <a:r>
-              <a:rPr lang="it-IT" sz="1100" b="1" dirty="0" err="1">
-                <a:latin typeface="Courier New" panose="02070309020205020404" pitchFamily="49" charset="0"/>
-                <a:cs typeface="Courier New" panose="02070309020205020404" pitchFamily="49" charset="0"/>
-              </a:rPr>
-              <a:t>return</a:t>
-            </a:r>
-            <a:r>
-              <a:rPr lang="it-IT" sz="1100" b="1" dirty="0">
-                <a:latin typeface="Courier New" panose="02070309020205020404" pitchFamily="49" charset="0"/>
-                <a:cs typeface="Courier New" panose="02070309020205020404" pitchFamily="49" charset="0"/>
-              </a:rPr>
-              <a:t> a; }</a:t>
-            </a:r>
-          </a:p>
-          <a:p>
-            <a:pPr marL="0" indent="0">
-              <a:buNone/>
-            </a:pPr>
-            <a:r>
-              <a:rPr lang="it-IT" sz="1100" b="1" dirty="0">
-                <a:latin typeface="Courier New" panose="02070309020205020404" pitchFamily="49" charset="0"/>
-                <a:cs typeface="Courier New" panose="02070309020205020404" pitchFamily="49" charset="0"/>
-              </a:rPr>
-              <a:t>   </a:t>
-            </a:r>
-            <a:r>
-              <a:rPr lang="it-IT" sz="1100" b="1" dirty="0" err="1">
-                <a:solidFill>
-                  <a:srgbClr val="FF0000"/>
-                </a:solidFill>
-                <a:latin typeface="Courier New" panose="02070309020205020404" pitchFamily="49" charset="0"/>
-                <a:cs typeface="Courier New" panose="02070309020205020404" pitchFamily="49" charset="0"/>
-              </a:rPr>
-              <a:t>void</a:t>
-            </a:r>
-            <a:r>
-              <a:rPr lang="it-IT" sz="1100" b="1" dirty="0">
-                <a:latin typeface="Courier New" panose="02070309020205020404" pitchFamily="49" charset="0"/>
-                <a:cs typeface="Courier New" panose="02070309020205020404" pitchFamily="49" charset="0"/>
-              </a:rPr>
-              <a:t> </a:t>
-            </a:r>
-            <a:r>
-              <a:rPr lang="it-IT" sz="1100" b="1" dirty="0" err="1">
-                <a:solidFill>
-                  <a:srgbClr val="FF0000"/>
-                </a:solidFill>
-                <a:latin typeface="Courier New" panose="02070309020205020404" pitchFamily="49" charset="0"/>
-                <a:cs typeface="Courier New" panose="02070309020205020404" pitchFamily="49" charset="0"/>
-              </a:rPr>
-              <a:t>setA</a:t>
-            </a:r>
-            <a:r>
-              <a:rPr lang="it-IT" sz="1100" b="1" dirty="0">
-                <a:solidFill>
-                  <a:srgbClr val="FF0000"/>
-                </a:solidFill>
-                <a:latin typeface="Courier New" panose="02070309020205020404" pitchFamily="49" charset="0"/>
-                <a:cs typeface="Courier New" panose="02070309020205020404" pitchFamily="49" charset="0"/>
-              </a:rPr>
-              <a:t>(double v) </a:t>
-            </a:r>
-            <a:r>
-              <a:rPr lang="it-IT" sz="1100" b="1" dirty="0">
-                <a:latin typeface="Courier New" panose="02070309020205020404" pitchFamily="49" charset="0"/>
-                <a:cs typeface="Courier New" panose="02070309020205020404" pitchFamily="49" charset="0"/>
-              </a:rPr>
-              <a:t>{ a=v; }</a:t>
-            </a:r>
-          </a:p>
-          <a:p>
-            <a:pPr marL="0" indent="0">
-              <a:buNone/>
-            </a:pPr>
-            <a:r>
-              <a:rPr lang="it-IT" sz="1100" b="1" dirty="0">
-                <a:latin typeface="Courier New" panose="02070309020205020404" pitchFamily="49" charset="0"/>
-                <a:cs typeface="Courier New" panose="02070309020205020404" pitchFamily="49" charset="0"/>
-              </a:rPr>
-              <a:t>   …	</a:t>
-            </a:r>
-          </a:p>
-          <a:p>
-            <a:pPr marL="0" indent="0">
-              <a:buNone/>
-            </a:pPr>
-            <a:r>
-              <a:rPr lang="it-IT" sz="1100" b="1" dirty="0">
-                <a:latin typeface="Courier New" panose="02070309020205020404" pitchFamily="49" charset="0"/>
-                <a:cs typeface="Courier New" panose="02070309020205020404" pitchFamily="49" charset="0"/>
-              </a:rPr>
-              <a:t>   //  numero di soluzioni reali</a:t>
-            </a:r>
-          </a:p>
-          <a:p>
-            <a:pPr marL="0" indent="0">
-              <a:buNone/>
-            </a:pPr>
-            <a:r>
-              <a:rPr lang="it-IT" sz="1100" b="1" dirty="0">
-                <a:latin typeface="Courier New" panose="02070309020205020404" pitchFamily="49" charset="0"/>
-                <a:cs typeface="Courier New" panose="02070309020205020404" pitchFamily="49" charset="0"/>
-              </a:rPr>
-              <a:t>   </a:t>
-            </a:r>
-            <a:r>
-              <a:rPr lang="it-IT" sz="1100" b="1" dirty="0" err="1">
-                <a:solidFill>
-                  <a:srgbClr val="FF0000"/>
-                </a:solidFill>
-                <a:latin typeface="Courier New" panose="02070309020205020404" pitchFamily="49" charset="0"/>
-                <a:cs typeface="Courier New" panose="02070309020205020404" pitchFamily="49" charset="0"/>
-              </a:rPr>
-              <a:t>int</a:t>
-            </a:r>
-            <a:r>
-              <a:rPr lang="it-IT" sz="1100" b="1" dirty="0">
-                <a:solidFill>
-                  <a:srgbClr val="FF0000"/>
-                </a:solidFill>
-                <a:latin typeface="Courier New" panose="02070309020205020404" pitchFamily="49" charset="0"/>
-                <a:cs typeface="Courier New" panose="02070309020205020404" pitchFamily="49" charset="0"/>
-              </a:rPr>
-              <a:t> </a:t>
-            </a:r>
-            <a:r>
-              <a:rPr lang="it-IT" sz="1100" b="1" dirty="0" err="1">
-                <a:solidFill>
-                  <a:srgbClr val="FF0000"/>
-                </a:solidFill>
-                <a:latin typeface="Courier New" panose="02070309020205020404" pitchFamily="49" charset="0"/>
-                <a:cs typeface="Courier New" panose="02070309020205020404" pitchFamily="49" charset="0"/>
-              </a:rPr>
-              <a:t>numSolReali</a:t>
-            </a:r>
-            <a:r>
-              <a:rPr lang="it-IT" sz="1100" b="1" dirty="0">
-                <a:solidFill>
-                  <a:srgbClr val="FF0000"/>
-                </a:solidFill>
-                <a:latin typeface="Courier New" panose="02070309020205020404" pitchFamily="49" charset="0"/>
-                <a:cs typeface="Courier New" panose="02070309020205020404" pitchFamily="49" charset="0"/>
-              </a:rPr>
-              <a:t>()</a:t>
-            </a:r>
-            <a:r>
-              <a:rPr lang="it-IT" sz="1100" b="1" dirty="0">
-                <a:latin typeface="Courier New" panose="02070309020205020404" pitchFamily="49" charset="0"/>
-                <a:cs typeface="Courier New" panose="02070309020205020404" pitchFamily="49" charset="0"/>
-              </a:rPr>
-              <a:t>	{</a:t>
-            </a:r>
-          </a:p>
-          <a:p>
-            <a:pPr marL="0" indent="0">
-              <a:buNone/>
-            </a:pPr>
-            <a:r>
-              <a:rPr lang="it-IT" sz="1100" b="1" dirty="0">
-                <a:latin typeface="Courier New" panose="02070309020205020404" pitchFamily="49" charset="0"/>
-                <a:cs typeface="Courier New" panose="02070309020205020404" pitchFamily="49" charset="0"/>
-              </a:rPr>
-              <a:t>     </a:t>
-            </a:r>
-            <a:r>
-              <a:rPr lang="it-IT" sz="1100" b="1" dirty="0" err="1">
-                <a:latin typeface="Courier New" panose="02070309020205020404" pitchFamily="49" charset="0"/>
-                <a:cs typeface="Courier New" panose="02070309020205020404" pitchFamily="49" charset="0"/>
-              </a:rPr>
-              <a:t>if</a:t>
-            </a:r>
-            <a:r>
-              <a:rPr lang="it-IT" sz="1100" b="1" dirty="0">
-                <a:latin typeface="Courier New" panose="02070309020205020404" pitchFamily="49" charset="0"/>
-                <a:cs typeface="Courier New" panose="02070309020205020404" pitchFamily="49" charset="0"/>
-              </a:rPr>
-              <a:t> (a==0 &amp;&amp; b!=0) </a:t>
-            </a:r>
-            <a:r>
-              <a:rPr lang="it-IT" sz="1100" b="1" dirty="0" err="1">
-                <a:latin typeface="Courier New" panose="02070309020205020404" pitchFamily="49" charset="0"/>
-                <a:cs typeface="Courier New" panose="02070309020205020404" pitchFamily="49" charset="0"/>
-              </a:rPr>
-              <a:t>return</a:t>
-            </a:r>
-            <a:r>
-              <a:rPr lang="it-IT" sz="1100" b="1" dirty="0">
-                <a:latin typeface="Courier New" panose="02070309020205020404" pitchFamily="49" charset="0"/>
-                <a:cs typeface="Courier New" panose="02070309020205020404" pitchFamily="49" charset="0"/>
-              </a:rPr>
-              <a:t> 1;</a:t>
-            </a:r>
-          </a:p>
-          <a:p>
-            <a:pPr marL="0" indent="0">
-              <a:buNone/>
-            </a:pPr>
-            <a:r>
-              <a:rPr lang="it-IT" sz="1100" b="1" dirty="0">
-                <a:latin typeface="Courier New" panose="02070309020205020404" pitchFamily="49" charset="0"/>
-                <a:cs typeface="Courier New" panose="02070309020205020404" pitchFamily="49" charset="0"/>
-              </a:rPr>
-              <a:t>     </a:t>
-            </a:r>
-            <a:r>
-              <a:rPr lang="it-IT" sz="1100" b="1" dirty="0" err="1">
-                <a:latin typeface="Courier New" panose="02070309020205020404" pitchFamily="49" charset="0"/>
-                <a:cs typeface="Courier New" panose="02070309020205020404" pitchFamily="49" charset="0"/>
-              </a:rPr>
-              <a:t>if</a:t>
-            </a:r>
-            <a:r>
-              <a:rPr lang="it-IT" sz="1100" b="1" dirty="0">
-                <a:latin typeface="Courier New" panose="02070309020205020404" pitchFamily="49" charset="0"/>
-                <a:cs typeface="Courier New" panose="02070309020205020404" pitchFamily="49" charset="0"/>
-              </a:rPr>
-              <a:t> (a==0 &amp;&amp; b==0) </a:t>
-            </a:r>
-            <a:r>
-              <a:rPr lang="it-IT" sz="1100" b="1" dirty="0" err="1">
-                <a:latin typeface="Courier New" panose="02070309020205020404" pitchFamily="49" charset="0"/>
-                <a:cs typeface="Courier New" panose="02070309020205020404" pitchFamily="49" charset="0"/>
-              </a:rPr>
-              <a:t>return</a:t>
-            </a:r>
-            <a:r>
-              <a:rPr lang="it-IT" sz="1100" b="1" dirty="0">
-                <a:latin typeface="Courier New" panose="02070309020205020404" pitchFamily="49" charset="0"/>
-                <a:cs typeface="Courier New" panose="02070309020205020404" pitchFamily="49" charset="0"/>
-              </a:rPr>
-              <a:t> 0;</a:t>
-            </a:r>
-          </a:p>
-          <a:p>
-            <a:pPr marL="0" indent="0">
-              <a:buNone/>
-            </a:pPr>
-            <a:r>
-              <a:rPr lang="it-IT" sz="1100" b="1" dirty="0">
-                <a:latin typeface="Courier New" panose="02070309020205020404" pitchFamily="49" charset="0"/>
-                <a:cs typeface="Courier New" panose="02070309020205020404" pitchFamily="49" charset="0"/>
-              </a:rPr>
-              <a:t>     </a:t>
-            </a:r>
-            <a:r>
-              <a:rPr lang="it-IT" sz="1100" b="1" dirty="0" err="1">
-                <a:latin typeface="Courier New" panose="02070309020205020404" pitchFamily="49" charset="0"/>
-                <a:cs typeface="Courier New" panose="02070309020205020404" pitchFamily="49" charset="0"/>
-              </a:rPr>
-              <a:t>if</a:t>
-            </a:r>
-            <a:r>
-              <a:rPr lang="it-IT" sz="1100" b="1" dirty="0">
-                <a:latin typeface="Courier New" panose="02070309020205020404" pitchFamily="49" charset="0"/>
-                <a:cs typeface="Courier New" panose="02070309020205020404" pitchFamily="49" charset="0"/>
-              </a:rPr>
-              <a:t> (delta()&lt;0)    </a:t>
-            </a:r>
-            <a:r>
-              <a:rPr lang="it-IT" sz="1100" b="1" dirty="0" err="1">
-                <a:latin typeface="Courier New" panose="02070309020205020404" pitchFamily="49" charset="0"/>
-                <a:cs typeface="Courier New" panose="02070309020205020404" pitchFamily="49" charset="0"/>
-              </a:rPr>
-              <a:t>return</a:t>
-            </a:r>
-            <a:r>
-              <a:rPr lang="it-IT" sz="1100" b="1" dirty="0">
-                <a:latin typeface="Courier New" panose="02070309020205020404" pitchFamily="49" charset="0"/>
-                <a:cs typeface="Courier New" panose="02070309020205020404" pitchFamily="49" charset="0"/>
-              </a:rPr>
-              <a:t> 0;</a:t>
-            </a:r>
-          </a:p>
-          <a:p>
-            <a:pPr marL="0" indent="0">
-              <a:buNone/>
-            </a:pPr>
-            <a:r>
-              <a:rPr lang="it-IT" sz="1100" b="1" dirty="0">
-                <a:latin typeface="Courier New" panose="02070309020205020404" pitchFamily="49" charset="0"/>
-                <a:cs typeface="Courier New" panose="02070309020205020404" pitchFamily="49" charset="0"/>
-              </a:rPr>
-              <a:t>     </a:t>
-            </a:r>
-            <a:r>
-              <a:rPr lang="it-IT" sz="1100" b="1" dirty="0" err="1">
-                <a:latin typeface="Courier New" panose="02070309020205020404" pitchFamily="49" charset="0"/>
-                <a:cs typeface="Courier New" panose="02070309020205020404" pitchFamily="49" charset="0"/>
-              </a:rPr>
-              <a:t>if</a:t>
-            </a:r>
-            <a:r>
-              <a:rPr lang="it-IT" sz="1100" b="1" dirty="0">
-                <a:latin typeface="Courier New" panose="02070309020205020404" pitchFamily="49" charset="0"/>
-                <a:cs typeface="Courier New" panose="02070309020205020404" pitchFamily="49" charset="0"/>
-              </a:rPr>
-              <a:t> (delta()==0)   </a:t>
-            </a:r>
-            <a:r>
-              <a:rPr lang="it-IT" sz="1100" b="1" dirty="0" err="1">
-                <a:latin typeface="Courier New" panose="02070309020205020404" pitchFamily="49" charset="0"/>
-                <a:cs typeface="Courier New" panose="02070309020205020404" pitchFamily="49" charset="0"/>
-              </a:rPr>
-              <a:t>return</a:t>
-            </a:r>
-            <a:r>
-              <a:rPr lang="it-IT" sz="1100" b="1" dirty="0">
-                <a:latin typeface="Courier New" panose="02070309020205020404" pitchFamily="49" charset="0"/>
-                <a:cs typeface="Courier New" panose="02070309020205020404" pitchFamily="49" charset="0"/>
-              </a:rPr>
-              <a:t> 1;</a:t>
-            </a:r>
-          </a:p>
-          <a:p>
-            <a:pPr marL="0" indent="0">
-              <a:buNone/>
-            </a:pPr>
-            <a:r>
-              <a:rPr lang="it-IT" sz="1100" b="1" dirty="0">
-                <a:latin typeface="Courier New" panose="02070309020205020404" pitchFamily="49" charset="0"/>
-                <a:cs typeface="Courier New" panose="02070309020205020404" pitchFamily="49" charset="0"/>
-              </a:rPr>
-              <a:t>     </a:t>
-            </a:r>
-            <a:r>
-              <a:rPr lang="it-IT" sz="1100" b="1" dirty="0" err="1">
-                <a:latin typeface="Courier New" panose="02070309020205020404" pitchFamily="49" charset="0"/>
-                <a:cs typeface="Courier New" panose="02070309020205020404" pitchFamily="49" charset="0"/>
-              </a:rPr>
-              <a:t>return</a:t>
-            </a:r>
-            <a:r>
-              <a:rPr lang="it-IT" sz="1100" b="1" dirty="0">
-                <a:latin typeface="Courier New" panose="02070309020205020404" pitchFamily="49" charset="0"/>
-                <a:cs typeface="Courier New" panose="02070309020205020404" pitchFamily="49" charset="0"/>
-              </a:rPr>
-              <a:t> 2;</a:t>
-            </a:r>
-          </a:p>
-          <a:p>
-            <a:pPr marL="0" indent="0">
-              <a:buNone/>
-            </a:pPr>
-            <a:r>
-              <a:rPr lang="it-IT" sz="1100" b="1" dirty="0">
-                <a:latin typeface="Courier New" panose="02070309020205020404" pitchFamily="49" charset="0"/>
-                <a:cs typeface="Courier New" panose="02070309020205020404" pitchFamily="49" charset="0"/>
-              </a:rPr>
-              <a:t>   }</a:t>
-            </a:r>
-          </a:p>
-        </p:txBody>
-      </p:sp>
-      <p:sp>
-        <p:nvSpPr>
-          <p:cNvPr id="4" name="Segnaposto contenuto 3">
-            <a:extLst>
-              <a:ext uri="{FF2B5EF4-FFF2-40B4-BE49-F238E27FC236}">
-                <a16:creationId xmlns:a16="http://schemas.microsoft.com/office/drawing/2014/main" xmlns="" id="{ADC48B68-E622-40DF-970B-CFF43A218E68}"/>
-              </a:ext>
-            </a:extLst>
-          </p:cNvPr>
-          <p:cNvSpPr>
-            <a:spLocks noGrp="1"/>
-          </p:cNvSpPr>
-          <p:nvPr>
-            <p:ph sz="half" idx="2"/>
-          </p:nvPr>
-        </p:nvSpPr>
-        <p:spPr/>
-        <p:txBody>
-          <a:bodyPr/>
-          <a:lstStyle/>
-          <a:p>
-            <a:pPr marL="0" indent="0">
-              <a:buNone/>
-            </a:pPr>
-            <a:r>
-              <a:rPr lang="it-IT" sz="1100" b="1" dirty="0">
-                <a:solidFill>
-                  <a:srgbClr val="FF0000"/>
-                </a:solidFill>
-                <a:latin typeface="Courier New" panose="02070309020205020404" pitchFamily="49" charset="0"/>
-                <a:cs typeface="Courier New" panose="02070309020205020404" pitchFamily="49" charset="0"/>
-              </a:rPr>
-              <a:t>double soluzione1() </a:t>
-            </a:r>
-            <a:r>
-              <a:rPr lang="it-IT" sz="1100" b="1" dirty="0">
-                <a:latin typeface="Courier New" panose="02070309020205020404" pitchFamily="49" charset="0"/>
-                <a:cs typeface="Courier New" panose="02070309020205020404" pitchFamily="49" charset="0"/>
-              </a:rPr>
-              <a:t>{</a:t>
-            </a:r>
-          </a:p>
-          <a:p>
-            <a:pPr marL="0" indent="0">
-              <a:buNone/>
-            </a:pPr>
-            <a:r>
-              <a:rPr lang="it-IT" sz="1100" b="1" dirty="0">
-                <a:latin typeface="Courier New" panose="02070309020205020404" pitchFamily="49" charset="0"/>
-                <a:cs typeface="Courier New" panose="02070309020205020404" pitchFamily="49" charset="0"/>
-              </a:rPr>
-              <a:t>   </a:t>
-            </a:r>
-            <a:r>
-              <a:rPr lang="it-IT" sz="1100" b="1" dirty="0" err="1">
-                <a:latin typeface="Courier New" panose="02070309020205020404" pitchFamily="49" charset="0"/>
-                <a:cs typeface="Courier New" panose="02070309020205020404" pitchFamily="49" charset="0"/>
-              </a:rPr>
-              <a:t>if</a:t>
-            </a:r>
-            <a:r>
-              <a:rPr lang="it-IT" sz="1100" b="1" dirty="0">
-                <a:latin typeface="Courier New" panose="02070309020205020404" pitchFamily="49" charset="0"/>
-                <a:cs typeface="Courier New" panose="02070309020205020404" pitchFamily="49" charset="0"/>
-              </a:rPr>
-              <a:t> (a==0 &amp;&amp; b!=0) </a:t>
-            </a:r>
-            <a:r>
-              <a:rPr lang="it-IT" sz="1100" b="1" dirty="0" err="1">
-                <a:latin typeface="Courier New" panose="02070309020205020404" pitchFamily="49" charset="0"/>
-                <a:cs typeface="Courier New" panose="02070309020205020404" pitchFamily="49" charset="0"/>
-              </a:rPr>
-              <a:t>return</a:t>
-            </a:r>
-            <a:r>
-              <a:rPr lang="it-IT" sz="1100" b="1" dirty="0">
-                <a:latin typeface="Courier New" panose="02070309020205020404" pitchFamily="49" charset="0"/>
-                <a:cs typeface="Courier New" panose="02070309020205020404" pitchFamily="49" charset="0"/>
-              </a:rPr>
-              <a:t> (-c/b);</a:t>
-            </a:r>
-          </a:p>
-          <a:p>
-            <a:pPr marL="0" indent="0">
-              <a:buNone/>
-            </a:pPr>
-            <a:r>
-              <a:rPr lang="it-IT" sz="1100" b="1" dirty="0">
-                <a:latin typeface="Courier New" panose="02070309020205020404" pitchFamily="49" charset="0"/>
-                <a:cs typeface="Courier New" panose="02070309020205020404" pitchFamily="49" charset="0"/>
-              </a:rPr>
-              <a:t>   </a:t>
-            </a:r>
-            <a:r>
-              <a:rPr lang="it-IT" sz="1100" b="1" dirty="0" err="1">
-                <a:latin typeface="Courier New" panose="02070309020205020404" pitchFamily="49" charset="0"/>
-                <a:cs typeface="Courier New" panose="02070309020205020404" pitchFamily="49" charset="0"/>
-              </a:rPr>
-              <a:t>if</a:t>
-            </a:r>
-            <a:r>
-              <a:rPr lang="it-IT" sz="1100" b="1" dirty="0">
-                <a:latin typeface="Courier New" panose="02070309020205020404" pitchFamily="49" charset="0"/>
-                <a:cs typeface="Courier New" panose="02070309020205020404" pitchFamily="49" charset="0"/>
-              </a:rPr>
-              <a:t> (delta()&gt;=0)	</a:t>
-            </a:r>
-            <a:r>
-              <a:rPr lang="it-IT" sz="1100" b="1" dirty="0" err="1">
-                <a:latin typeface="Courier New" panose="02070309020205020404" pitchFamily="49" charset="0"/>
-                <a:cs typeface="Courier New" panose="02070309020205020404" pitchFamily="49" charset="0"/>
-              </a:rPr>
-              <a:t>return</a:t>
-            </a:r>
-            <a:r>
-              <a:rPr lang="it-IT" sz="1100" b="1" dirty="0">
-                <a:latin typeface="Courier New" panose="02070309020205020404" pitchFamily="49" charset="0"/>
-                <a:cs typeface="Courier New" panose="02070309020205020404" pitchFamily="49" charset="0"/>
-              </a:rPr>
-              <a:t> ((-b-</a:t>
-            </a:r>
-            <a:r>
-              <a:rPr lang="it-IT" sz="1100" b="1" dirty="0" err="1">
-                <a:latin typeface="Courier New" panose="02070309020205020404" pitchFamily="49" charset="0"/>
-                <a:cs typeface="Courier New" panose="02070309020205020404" pitchFamily="49" charset="0"/>
-              </a:rPr>
-              <a:t>sqrt</a:t>
-            </a:r>
-            <a:r>
-              <a:rPr lang="it-IT" sz="1100" b="1" dirty="0">
-                <a:latin typeface="Courier New" panose="02070309020205020404" pitchFamily="49" charset="0"/>
-                <a:cs typeface="Courier New" panose="02070309020205020404" pitchFamily="49" charset="0"/>
-              </a:rPr>
-              <a:t>(delta()))/a);</a:t>
-            </a:r>
-          </a:p>
-          <a:p>
-            <a:pPr marL="0" indent="0">
-              <a:buNone/>
-            </a:pPr>
-            <a:r>
-              <a:rPr lang="it-IT" sz="1100" b="1" dirty="0">
-                <a:latin typeface="Courier New" panose="02070309020205020404" pitchFamily="49" charset="0"/>
-                <a:cs typeface="Courier New" panose="02070309020205020404" pitchFamily="49" charset="0"/>
-              </a:rPr>
-              <a:t>   </a:t>
-            </a:r>
-            <a:r>
-              <a:rPr lang="it-IT" sz="1100" b="1" dirty="0" err="1">
-                <a:latin typeface="Courier New" panose="02070309020205020404" pitchFamily="49" charset="0"/>
-                <a:cs typeface="Courier New" panose="02070309020205020404" pitchFamily="49" charset="0"/>
-              </a:rPr>
-              <a:t>return</a:t>
-            </a:r>
-            <a:r>
-              <a:rPr lang="it-IT" sz="1100" b="1" dirty="0">
-                <a:latin typeface="Courier New" panose="02070309020205020404" pitchFamily="49" charset="0"/>
-                <a:cs typeface="Courier New" panose="02070309020205020404" pitchFamily="49" charset="0"/>
-              </a:rPr>
-              <a:t> </a:t>
-            </a:r>
-            <a:r>
-              <a:rPr lang="it-IT" sz="1100" b="1" dirty="0" err="1">
-                <a:latin typeface="Courier New" panose="02070309020205020404" pitchFamily="49" charset="0"/>
-                <a:cs typeface="Courier New" panose="02070309020205020404" pitchFamily="49" charset="0"/>
-              </a:rPr>
-              <a:t>std</a:t>
-            </a:r>
-            <a:r>
-              <a:rPr lang="it-IT" sz="1100" b="1" dirty="0">
-                <a:latin typeface="Courier New" panose="02070309020205020404" pitchFamily="49" charset="0"/>
-                <a:cs typeface="Courier New" panose="02070309020205020404" pitchFamily="49" charset="0"/>
-              </a:rPr>
-              <a:t>::</a:t>
-            </a:r>
-            <a:r>
-              <a:rPr lang="it-IT" sz="1100" b="1" dirty="0" err="1">
-                <a:latin typeface="Courier New" panose="02070309020205020404" pitchFamily="49" charset="0"/>
-                <a:cs typeface="Courier New" panose="02070309020205020404" pitchFamily="49" charset="0"/>
-              </a:rPr>
-              <a:t>numeric_limits</a:t>
-            </a:r>
-            <a:r>
-              <a:rPr lang="it-IT" sz="1100" b="1" dirty="0">
-                <a:latin typeface="Courier New" panose="02070309020205020404" pitchFamily="49" charset="0"/>
-                <a:cs typeface="Courier New" panose="02070309020205020404" pitchFamily="49" charset="0"/>
-              </a:rPr>
-              <a:t>&lt;double&gt;::</a:t>
-            </a:r>
-            <a:r>
-              <a:rPr lang="it-IT" sz="1100" b="1" dirty="0" err="1">
-                <a:latin typeface="Courier New" panose="02070309020205020404" pitchFamily="49" charset="0"/>
-                <a:cs typeface="Courier New" panose="02070309020205020404" pitchFamily="49" charset="0"/>
-              </a:rPr>
-              <a:t>min</a:t>
-            </a:r>
-            <a:r>
-              <a:rPr lang="it-IT" sz="1100" b="1" dirty="0">
-                <a:latin typeface="Courier New" panose="02070309020205020404" pitchFamily="49" charset="0"/>
-                <a:cs typeface="Courier New" panose="02070309020205020404" pitchFamily="49" charset="0"/>
-              </a:rPr>
-              <a:t>();</a:t>
-            </a:r>
-          </a:p>
-          <a:p>
-            <a:pPr marL="0" indent="0">
-              <a:buNone/>
-            </a:pPr>
-            <a:r>
-              <a:rPr lang="it-IT" sz="1100" b="1" dirty="0">
-                <a:latin typeface="Courier New" panose="02070309020205020404" pitchFamily="49" charset="0"/>
-                <a:cs typeface="Courier New" panose="02070309020205020404" pitchFamily="49" charset="0"/>
-              </a:rPr>
-              <a:t>}</a:t>
-            </a:r>
-          </a:p>
-          <a:p>
-            <a:pPr marL="0" indent="0">
-              <a:buNone/>
-            </a:pPr>
-            <a:r>
-              <a:rPr lang="it-IT" sz="1100" b="1" dirty="0">
-                <a:solidFill>
-                  <a:srgbClr val="FF0000"/>
-                </a:solidFill>
-                <a:latin typeface="Courier New" panose="02070309020205020404" pitchFamily="49" charset="0"/>
-                <a:cs typeface="Courier New" panose="02070309020205020404" pitchFamily="49" charset="0"/>
-              </a:rPr>
-              <a:t>double soluzione2() </a:t>
-            </a:r>
-            <a:r>
-              <a:rPr lang="it-IT" sz="1100" b="1" dirty="0">
-                <a:latin typeface="Courier New" panose="02070309020205020404" pitchFamily="49" charset="0"/>
-                <a:cs typeface="Courier New" panose="02070309020205020404" pitchFamily="49" charset="0"/>
-              </a:rPr>
-              <a:t>{</a:t>
-            </a:r>
-          </a:p>
-          <a:p>
-            <a:pPr marL="0" indent="0">
-              <a:buNone/>
-            </a:pPr>
-            <a:r>
-              <a:rPr lang="it-IT" sz="1100" b="1" dirty="0">
-                <a:latin typeface="Courier New" panose="02070309020205020404" pitchFamily="49" charset="0"/>
-                <a:cs typeface="Courier New" panose="02070309020205020404" pitchFamily="49" charset="0"/>
-              </a:rPr>
-              <a:t>   …</a:t>
-            </a:r>
-          </a:p>
-          <a:p>
-            <a:pPr marL="0" indent="0">
-              <a:buNone/>
-            </a:pPr>
-            <a:r>
-              <a:rPr lang="it-IT" sz="1100" b="1" dirty="0">
-                <a:latin typeface="Courier New" panose="02070309020205020404" pitchFamily="49" charset="0"/>
-                <a:cs typeface="Courier New" panose="02070309020205020404" pitchFamily="49" charset="0"/>
-              </a:rPr>
-              <a:t>}	</a:t>
-            </a:r>
-          </a:p>
-          <a:p>
-            <a:pPr marL="0" indent="0">
-              <a:buNone/>
-            </a:pPr>
-            <a:r>
-              <a:rPr lang="it-IT" sz="1100" b="1" dirty="0" err="1">
-                <a:solidFill>
-                  <a:srgbClr val="FF0000"/>
-                </a:solidFill>
-                <a:latin typeface="Courier New" panose="02070309020205020404" pitchFamily="49" charset="0"/>
-                <a:cs typeface="Courier New" panose="02070309020205020404" pitchFamily="49" charset="0"/>
-              </a:rPr>
-              <a:t>string</a:t>
-            </a:r>
-            <a:r>
-              <a:rPr lang="it-IT" sz="1100" b="1" dirty="0">
-                <a:solidFill>
-                  <a:srgbClr val="FF0000"/>
-                </a:solidFill>
-                <a:latin typeface="Courier New" panose="02070309020205020404" pitchFamily="49" charset="0"/>
-                <a:cs typeface="Courier New" panose="02070309020205020404" pitchFamily="49" charset="0"/>
-              </a:rPr>
-              <a:t> </a:t>
-            </a:r>
-            <a:r>
-              <a:rPr lang="it-IT" sz="1100" b="1" dirty="0" err="1">
-                <a:solidFill>
-                  <a:srgbClr val="FF0000"/>
-                </a:solidFill>
-                <a:latin typeface="Courier New" panose="02070309020205020404" pitchFamily="49" charset="0"/>
-                <a:cs typeface="Courier New" panose="02070309020205020404" pitchFamily="49" charset="0"/>
-              </a:rPr>
-              <a:t>toString</a:t>
-            </a:r>
-            <a:r>
-              <a:rPr lang="it-IT" sz="1100" b="1" dirty="0">
-                <a:solidFill>
-                  <a:srgbClr val="FF0000"/>
-                </a:solidFill>
-                <a:latin typeface="Courier New" panose="02070309020205020404" pitchFamily="49" charset="0"/>
-                <a:cs typeface="Courier New" panose="02070309020205020404" pitchFamily="49" charset="0"/>
-              </a:rPr>
-              <a:t>() </a:t>
-            </a:r>
-            <a:r>
-              <a:rPr lang="it-IT" sz="1100" b="1" dirty="0">
-                <a:latin typeface="Courier New" panose="02070309020205020404" pitchFamily="49" charset="0"/>
-                <a:cs typeface="Courier New" panose="02070309020205020404" pitchFamily="49" charset="0"/>
-              </a:rPr>
-              <a:t>{</a:t>
-            </a:r>
-          </a:p>
-          <a:p>
-            <a:pPr marL="0" indent="0">
-              <a:buNone/>
-            </a:pPr>
-            <a:r>
-              <a:rPr lang="it-IT" sz="1100" b="1" dirty="0">
-                <a:latin typeface="Courier New" panose="02070309020205020404" pitchFamily="49" charset="0"/>
-                <a:cs typeface="Courier New" panose="02070309020205020404" pitchFamily="49" charset="0"/>
-              </a:rPr>
-              <a:t>   </a:t>
-            </a:r>
-            <a:r>
-              <a:rPr lang="it-IT" sz="1100" b="1" dirty="0" err="1">
-                <a:latin typeface="Courier New" panose="02070309020205020404" pitchFamily="49" charset="0"/>
-                <a:cs typeface="Courier New" panose="02070309020205020404" pitchFamily="49" charset="0"/>
-              </a:rPr>
-              <a:t>string</a:t>
-            </a:r>
-            <a:r>
-              <a:rPr lang="it-IT" sz="1100" b="1" dirty="0">
-                <a:latin typeface="Courier New" panose="02070309020205020404" pitchFamily="49" charset="0"/>
-                <a:cs typeface="Courier New" panose="02070309020205020404" pitchFamily="49" charset="0"/>
-              </a:rPr>
-              <a:t> s = "";</a:t>
-            </a:r>
-          </a:p>
-          <a:p>
-            <a:pPr marL="0" indent="0">
-              <a:buNone/>
-            </a:pPr>
-            <a:r>
-              <a:rPr lang="it-IT" sz="1100" b="1" dirty="0">
-                <a:latin typeface="Courier New" panose="02070309020205020404" pitchFamily="49" charset="0"/>
-                <a:cs typeface="Courier New" panose="02070309020205020404" pitchFamily="49" charset="0"/>
-              </a:rPr>
-              <a:t>   </a:t>
-            </a:r>
-            <a:r>
-              <a:rPr lang="it-IT" sz="1100" b="1" dirty="0" err="1">
-                <a:latin typeface="Courier New" panose="02070309020205020404" pitchFamily="49" charset="0"/>
-                <a:cs typeface="Courier New" panose="02070309020205020404" pitchFamily="49" charset="0"/>
-              </a:rPr>
-              <a:t>if</a:t>
-            </a:r>
-            <a:r>
-              <a:rPr lang="it-IT" sz="1100" b="1" dirty="0">
-                <a:latin typeface="Courier New" panose="02070309020205020404" pitchFamily="49" charset="0"/>
-                <a:cs typeface="Courier New" panose="02070309020205020404" pitchFamily="49" charset="0"/>
-              </a:rPr>
-              <a:t> (a!=0) s += </a:t>
-            </a:r>
-            <a:r>
-              <a:rPr lang="it-IT" sz="1100" b="1" dirty="0" err="1">
-                <a:latin typeface="Courier New" panose="02070309020205020404" pitchFamily="49" charset="0"/>
-                <a:cs typeface="Courier New" panose="02070309020205020404" pitchFamily="49" charset="0"/>
-              </a:rPr>
-              <a:t>to_string</a:t>
-            </a:r>
-            <a:r>
-              <a:rPr lang="it-IT" sz="1100" b="1" dirty="0">
-                <a:latin typeface="Courier New" panose="02070309020205020404" pitchFamily="49" charset="0"/>
-                <a:cs typeface="Courier New" panose="02070309020205020404" pitchFamily="49" charset="0"/>
-              </a:rPr>
-              <a:t>(a) + "x^2 ";</a:t>
-            </a:r>
-          </a:p>
-          <a:p>
-            <a:pPr marL="0" indent="0">
-              <a:buNone/>
-            </a:pPr>
-            <a:r>
-              <a:rPr lang="it-IT" sz="1100" b="1" dirty="0">
-                <a:latin typeface="Courier New" panose="02070309020205020404" pitchFamily="49" charset="0"/>
-                <a:cs typeface="Courier New" panose="02070309020205020404" pitchFamily="49" charset="0"/>
-              </a:rPr>
-              <a:t>   </a:t>
-            </a:r>
-            <a:r>
-              <a:rPr lang="it-IT" sz="1100" b="1" dirty="0" err="1">
-                <a:latin typeface="Courier New" panose="02070309020205020404" pitchFamily="49" charset="0"/>
-                <a:cs typeface="Courier New" panose="02070309020205020404" pitchFamily="49" charset="0"/>
-              </a:rPr>
-              <a:t>if</a:t>
-            </a:r>
-            <a:r>
-              <a:rPr lang="it-IT" sz="1100" b="1" dirty="0">
-                <a:latin typeface="Courier New" panose="02070309020205020404" pitchFamily="49" charset="0"/>
-                <a:cs typeface="Courier New" panose="02070309020205020404" pitchFamily="49" charset="0"/>
-              </a:rPr>
-              <a:t> (b&gt;0) s += "+" + </a:t>
-            </a:r>
-            <a:r>
-              <a:rPr lang="it-IT" sz="1100" b="1" dirty="0" err="1">
-                <a:latin typeface="Courier New" panose="02070309020205020404" pitchFamily="49" charset="0"/>
-                <a:cs typeface="Courier New" panose="02070309020205020404" pitchFamily="49" charset="0"/>
-              </a:rPr>
-              <a:t>to_string</a:t>
-            </a:r>
-            <a:r>
-              <a:rPr lang="it-IT" sz="1100" b="1" dirty="0">
-                <a:latin typeface="Courier New" panose="02070309020205020404" pitchFamily="49" charset="0"/>
-                <a:cs typeface="Courier New" panose="02070309020205020404" pitchFamily="49" charset="0"/>
-              </a:rPr>
-              <a:t>(b) + "x ";</a:t>
-            </a:r>
-          </a:p>
-          <a:p>
-            <a:pPr marL="0" indent="0">
-              <a:buNone/>
-            </a:pPr>
-            <a:r>
-              <a:rPr lang="it-IT" sz="1100" b="1" dirty="0">
-                <a:latin typeface="Courier New" panose="02070309020205020404" pitchFamily="49" charset="0"/>
-                <a:cs typeface="Courier New" panose="02070309020205020404" pitchFamily="49" charset="0"/>
-              </a:rPr>
-              <a:t>   </a:t>
-            </a:r>
-            <a:r>
-              <a:rPr lang="it-IT" sz="1100" b="1" dirty="0" err="1">
-                <a:latin typeface="Courier New" panose="02070309020205020404" pitchFamily="49" charset="0"/>
-                <a:cs typeface="Courier New" panose="02070309020205020404" pitchFamily="49" charset="0"/>
-              </a:rPr>
-              <a:t>if</a:t>
-            </a:r>
-            <a:r>
-              <a:rPr lang="it-IT" sz="1100" b="1" dirty="0">
-                <a:latin typeface="Courier New" panose="02070309020205020404" pitchFamily="49" charset="0"/>
-                <a:cs typeface="Courier New" panose="02070309020205020404" pitchFamily="49" charset="0"/>
-              </a:rPr>
-              <a:t> (b&lt;0) s += </a:t>
-            </a:r>
-            <a:r>
-              <a:rPr lang="it-IT" sz="1100" b="1" dirty="0" err="1">
-                <a:latin typeface="Courier New" panose="02070309020205020404" pitchFamily="49" charset="0"/>
-                <a:cs typeface="Courier New" panose="02070309020205020404" pitchFamily="49" charset="0"/>
-              </a:rPr>
-              <a:t>to_string</a:t>
-            </a:r>
-            <a:r>
-              <a:rPr lang="it-IT" sz="1100" b="1" dirty="0">
-                <a:latin typeface="Courier New" panose="02070309020205020404" pitchFamily="49" charset="0"/>
-                <a:cs typeface="Courier New" panose="02070309020205020404" pitchFamily="49" charset="0"/>
-              </a:rPr>
-              <a:t>(b) + "x ";</a:t>
-            </a:r>
-          </a:p>
-          <a:p>
-            <a:pPr marL="0" indent="0">
-              <a:buNone/>
-            </a:pPr>
-            <a:r>
-              <a:rPr lang="it-IT" sz="1100" b="1" dirty="0">
-                <a:latin typeface="Courier New" panose="02070309020205020404" pitchFamily="49" charset="0"/>
-                <a:cs typeface="Courier New" panose="02070309020205020404" pitchFamily="49" charset="0"/>
-              </a:rPr>
-              <a:t>   </a:t>
-            </a:r>
-            <a:r>
-              <a:rPr lang="it-IT" sz="1100" b="1" dirty="0" err="1">
-                <a:latin typeface="Courier New" panose="02070309020205020404" pitchFamily="49" charset="0"/>
-                <a:cs typeface="Courier New" panose="02070309020205020404" pitchFamily="49" charset="0"/>
-              </a:rPr>
-              <a:t>if</a:t>
-            </a:r>
-            <a:r>
-              <a:rPr lang="it-IT" sz="1100" b="1" dirty="0">
-                <a:latin typeface="Courier New" panose="02070309020205020404" pitchFamily="49" charset="0"/>
-                <a:cs typeface="Courier New" panose="02070309020205020404" pitchFamily="49" charset="0"/>
-              </a:rPr>
-              <a:t> (c&gt;0) s += "+" + </a:t>
-            </a:r>
-            <a:r>
-              <a:rPr lang="it-IT" sz="1100" b="1" dirty="0" err="1">
-                <a:latin typeface="Courier New" panose="02070309020205020404" pitchFamily="49" charset="0"/>
-                <a:cs typeface="Courier New" panose="02070309020205020404" pitchFamily="49" charset="0"/>
-              </a:rPr>
-              <a:t>to_string</a:t>
-            </a:r>
-            <a:r>
-              <a:rPr lang="it-IT" sz="1100" b="1" dirty="0">
-                <a:latin typeface="Courier New" panose="02070309020205020404" pitchFamily="49" charset="0"/>
-                <a:cs typeface="Courier New" panose="02070309020205020404" pitchFamily="49" charset="0"/>
-              </a:rPr>
-              <a:t>(c);</a:t>
-            </a:r>
-          </a:p>
-          <a:p>
-            <a:pPr marL="0" indent="0">
-              <a:buNone/>
-            </a:pPr>
-            <a:r>
-              <a:rPr lang="it-IT" sz="1100" b="1" dirty="0">
-                <a:latin typeface="Courier New" panose="02070309020205020404" pitchFamily="49" charset="0"/>
-                <a:cs typeface="Courier New" panose="02070309020205020404" pitchFamily="49" charset="0"/>
-              </a:rPr>
-              <a:t>   </a:t>
-            </a:r>
-            <a:r>
-              <a:rPr lang="it-IT" sz="1100" b="1" dirty="0" err="1">
-                <a:latin typeface="Courier New" panose="02070309020205020404" pitchFamily="49" charset="0"/>
-                <a:cs typeface="Courier New" panose="02070309020205020404" pitchFamily="49" charset="0"/>
-              </a:rPr>
-              <a:t>if</a:t>
-            </a:r>
-            <a:r>
-              <a:rPr lang="it-IT" sz="1100" b="1" dirty="0">
-                <a:latin typeface="Courier New" panose="02070309020205020404" pitchFamily="49" charset="0"/>
-                <a:cs typeface="Courier New" panose="02070309020205020404" pitchFamily="49" charset="0"/>
-              </a:rPr>
-              <a:t> (c&lt;0) s += </a:t>
-            </a:r>
-            <a:r>
-              <a:rPr lang="it-IT" sz="1100" b="1" dirty="0" err="1">
-                <a:latin typeface="Courier New" panose="02070309020205020404" pitchFamily="49" charset="0"/>
-                <a:cs typeface="Courier New" panose="02070309020205020404" pitchFamily="49" charset="0"/>
-              </a:rPr>
-              <a:t>to_string</a:t>
-            </a:r>
-            <a:r>
-              <a:rPr lang="it-IT" sz="1100" b="1" dirty="0">
-                <a:latin typeface="Courier New" panose="02070309020205020404" pitchFamily="49" charset="0"/>
-                <a:cs typeface="Courier New" panose="02070309020205020404" pitchFamily="49" charset="0"/>
-              </a:rPr>
-              <a:t>(c);</a:t>
-            </a:r>
-          </a:p>
-          <a:p>
-            <a:pPr marL="0" indent="0">
-              <a:buNone/>
-            </a:pPr>
-            <a:r>
-              <a:rPr lang="it-IT" sz="1100" b="1" dirty="0">
-                <a:latin typeface="Courier New" panose="02070309020205020404" pitchFamily="49" charset="0"/>
-                <a:cs typeface="Courier New" panose="02070309020205020404" pitchFamily="49" charset="0"/>
-              </a:rPr>
-              <a:t>   </a:t>
-            </a:r>
-            <a:r>
-              <a:rPr lang="it-IT" sz="1100" b="1" dirty="0" err="1">
-                <a:latin typeface="Courier New" panose="02070309020205020404" pitchFamily="49" charset="0"/>
-                <a:cs typeface="Courier New" panose="02070309020205020404" pitchFamily="49" charset="0"/>
-              </a:rPr>
-              <a:t>return</a:t>
-            </a:r>
-            <a:r>
-              <a:rPr lang="it-IT" sz="1100" b="1" dirty="0">
-                <a:latin typeface="Courier New" panose="02070309020205020404" pitchFamily="49" charset="0"/>
-                <a:cs typeface="Courier New" panose="02070309020205020404" pitchFamily="49" charset="0"/>
-              </a:rPr>
-              <a:t> s + " = 0";</a:t>
-            </a:r>
-          </a:p>
-          <a:p>
-            <a:pPr marL="0" indent="0">
-              <a:buNone/>
-            </a:pPr>
-            <a:r>
-              <a:rPr lang="it-IT" sz="1100" b="1" dirty="0">
-                <a:latin typeface="Courier New" panose="02070309020205020404" pitchFamily="49" charset="0"/>
-                <a:cs typeface="Courier New" panose="02070309020205020404" pitchFamily="49" charset="0"/>
-              </a:rPr>
-              <a:t>}</a:t>
-            </a:r>
-          </a:p>
-          <a:p>
-            <a:pPr marL="0" indent="0">
-              <a:buNone/>
-            </a:pPr>
-            <a:r>
-              <a:rPr lang="it-IT" sz="1100" b="1" dirty="0">
-                <a:solidFill>
-                  <a:srgbClr val="0070C0"/>
-                </a:solidFill>
-                <a:latin typeface="Courier New" panose="02070309020205020404" pitchFamily="49" charset="0"/>
-                <a:cs typeface="Courier New" panose="02070309020205020404" pitchFamily="49" charset="0"/>
-              </a:rPr>
-              <a:t>private</a:t>
-            </a:r>
-            <a:r>
-              <a:rPr lang="it-IT" sz="1100" b="1" dirty="0">
-                <a:latin typeface="Courier New" panose="02070309020205020404" pitchFamily="49" charset="0"/>
-                <a:cs typeface="Courier New" panose="02070309020205020404" pitchFamily="49" charset="0"/>
-              </a:rPr>
-              <a:t>:</a:t>
-            </a:r>
-          </a:p>
-          <a:p>
-            <a:pPr marL="0" indent="0">
-              <a:buNone/>
-            </a:pPr>
-            <a:r>
-              <a:rPr lang="it-IT" sz="1100" b="1" dirty="0">
-                <a:latin typeface="Courier New" panose="02070309020205020404" pitchFamily="49" charset="0"/>
-                <a:cs typeface="Courier New" panose="02070309020205020404" pitchFamily="49" charset="0"/>
-              </a:rPr>
-              <a:t>   </a:t>
-            </a:r>
-            <a:r>
-              <a:rPr lang="it-IT" sz="1100" b="1" dirty="0">
-                <a:solidFill>
-                  <a:srgbClr val="FF0000"/>
-                </a:solidFill>
-                <a:latin typeface="Courier New" panose="02070309020205020404" pitchFamily="49" charset="0"/>
-                <a:cs typeface="Courier New" panose="02070309020205020404" pitchFamily="49" charset="0"/>
-              </a:rPr>
-              <a:t>double a;</a:t>
-            </a:r>
-          </a:p>
-          <a:p>
-            <a:pPr marL="0" indent="0">
-              <a:buNone/>
-            </a:pPr>
-            <a:r>
-              <a:rPr lang="it-IT" sz="1100" b="1" dirty="0">
-                <a:solidFill>
-                  <a:srgbClr val="FF0000"/>
-                </a:solidFill>
-                <a:latin typeface="Courier New" panose="02070309020205020404" pitchFamily="49" charset="0"/>
-                <a:cs typeface="Courier New" panose="02070309020205020404" pitchFamily="49" charset="0"/>
-              </a:rPr>
-              <a:t>   double b;</a:t>
-            </a:r>
-          </a:p>
-          <a:p>
-            <a:pPr marL="0" indent="0">
-              <a:buNone/>
-            </a:pPr>
-            <a:r>
-              <a:rPr lang="it-IT" sz="1100" b="1" dirty="0">
-                <a:solidFill>
-                  <a:srgbClr val="FF0000"/>
-                </a:solidFill>
-                <a:latin typeface="Courier New" panose="02070309020205020404" pitchFamily="49" charset="0"/>
-                <a:cs typeface="Courier New" panose="02070309020205020404" pitchFamily="49" charset="0"/>
-              </a:rPr>
-              <a:t>   double c;</a:t>
-            </a:r>
-          </a:p>
-          <a:p>
-            <a:pPr marL="0" indent="0">
-              <a:buNone/>
-            </a:pPr>
-            <a:r>
-              <a:rPr lang="it-IT" sz="1100" b="1" dirty="0">
-                <a:solidFill>
-                  <a:srgbClr val="FF0000"/>
-                </a:solidFill>
-                <a:latin typeface="Courier New" panose="02070309020205020404" pitchFamily="49" charset="0"/>
-                <a:cs typeface="Courier New" panose="02070309020205020404" pitchFamily="49" charset="0"/>
-              </a:rPr>
-              <a:t>   double delta() </a:t>
-            </a:r>
-            <a:r>
-              <a:rPr lang="it-IT" sz="1100" b="1" dirty="0">
-                <a:latin typeface="Courier New" panose="02070309020205020404" pitchFamily="49" charset="0"/>
-                <a:cs typeface="Courier New" panose="02070309020205020404" pitchFamily="49" charset="0"/>
-              </a:rPr>
-              <a:t>{ </a:t>
-            </a:r>
-            <a:r>
-              <a:rPr lang="it-IT" sz="1100" b="1" dirty="0" err="1">
-                <a:latin typeface="Courier New" panose="02070309020205020404" pitchFamily="49" charset="0"/>
-                <a:cs typeface="Courier New" panose="02070309020205020404" pitchFamily="49" charset="0"/>
-              </a:rPr>
-              <a:t>return</a:t>
-            </a:r>
-            <a:r>
-              <a:rPr lang="it-IT" sz="1100" b="1" dirty="0">
-                <a:latin typeface="Courier New" panose="02070309020205020404" pitchFamily="49" charset="0"/>
-                <a:cs typeface="Courier New" panose="02070309020205020404" pitchFamily="49" charset="0"/>
-              </a:rPr>
-              <a:t> </a:t>
-            </a:r>
-            <a:r>
-              <a:rPr lang="it-IT" sz="1100" b="1" dirty="0" err="1">
-                <a:latin typeface="Courier New" panose="02070309020205020404" pitchFamily="49" charset="0"/>
-                <a:cs typeface="Courier New" panose="02070309020205020404" pitchFamily="49" charset="0"/>
-              </a:rPr>
-              <a:t>pow</a:t>
-            </a:r>
-            <a:r>
-              <a:rPr lang="it-IT" sz="1100" b="1" dirty="0">
-                <a:latin typeface="Courier New" panose="02070309020205020404" pitchFamily="49" charset="0"/>
-                <a:cs typeface="Courier New" panose="02070309020205020404" pitchFamily="49" charset="0"/>
-              </a:rPr>
-              <a:t>(b,2)-4*a*c; }</a:t>
-            </a:r>
-          </a:p>
-          <a:p>
-            <a:pPr marL="0" indent="0">
-              <a:buNone/>
-            </a:pPr>
-            <a:r>
-              <a:rPr lang="it-IT" sz="1100" b="1" dirty="0">
-                <a:latin typeface="Courier New" panose="02070309020205020404" pitchFamily="49" charset="0"/>
-                <a:cs typeface="Courier New" panose="02070309020205020404" pitchFamily="49" charset="0"/>
-              </a:rPr>
-              <a:t>};</a:t>
-            </a:r>
-          </a:p>
-          <a:p>
-            <a:pPr marL="0" indent="0">
-              <a:buNone/>
-            </a:pPr>
-            <a:endParaRPr lang="it-IT" sz="1100" b="1" dirty="0">
-              <a:latin typeface="Courier New" panose="02070309020205020404" pitchFamily="49" charset="0"/>
-              <a:cs typeface="Courier New" panose="02070309020205020404" pitchFamily="49" charset="0"/>
-            </a:endParaRPr>
-          </a:p>
-        </p:txBody>
-      </p:sp>
-      <p:sp>
-        <p:nvSpPr>
-          <p:cNvPr id="5" name="Segnaposto piè di pagina 4">
-            <a:extLst>
-              <a:ext uri="{FF2B5EF4-FFF2-40B4-BE49-F238E27FC236}">
-                <a16:creationId xmlns:a16="http://schemas.microsoft.com/office/drawing/2014/main" xmlns="" id="{CB957E9A-6D92-4924-B392-FF29BF330A8B}"/>
-              </a:ext>
-            </a:extLst>
-          </p:cNvPr>
-          <p:cNvSpPr>
-            <a:spLocks noGrp="1"/>
-          </p:cNvSpPr>
-          <p:nvPr>
-            <p:ph type="ftr" sz="quarter" idx="11"/>
-          </p:nvPr>
-        </p:nvSpPr>
-        <p:spPr/>
-        <p:txBody>
-          <a:bodyPr/>
-          <a:lstStyle/>
-          <a:p>
-            <a:pPr>
-              <a:defRPr/>
-            </a:pPr>
-            <a:r>
-              <a:rPr lang="it-IT"/>
-              <a:t>Alberto Ferrari – Programmazione di applicazioni SW</a:t>
-            </a:r>
-            <a:endParaRPr lang="it-IT" dirty="0"/>
-          </a:p>
-        </p:txBody>
-      </p:sp>
-    </p:spTree>
-    <p:extLst>
-      <p:ext uri="{BB962C8B-B14F-4D97-AF65-F5344CB8AC3E}">
-        <p14:creationId xmlns:p14="http://schemas.microsoft.com/office/powerpoint/2010/main" val="3556294264"/>
-      </p:ext>
-    </p:extLst>
-  </p:cSld>
-  <p:clrMapOvr>
-    <a:masterClrMapping/>
-  </p:clrMapOvr>
-</p:sld>
-</file>
-
-<file path=ppt/slides/slide27.xml><?xml version="1.0" encoding="utf-8"?>
-<p:sld xmlns:a="http://schemas.openxmlformats.org/drawingml/2006/main" xmlns:r="http://schemas.openxmlformats.org/officeDocument/2006/relationships" xmlns:p="http://schemas.openxmlformats.org/presentationml/2006/main">
-  <p:cSld>
-    <p:spTree>
-      <p:nvGrpSpPr>
-        <p:cNvPr id="1" name=""/>
-        <p:cNvGrpSpPr/>
-        <p:nvPr/>
-      </p:nvGrpSpPr>
-      <p:grpSpPr>
-        <a:xfrm>
-          <a:off x="0" y="0"/>
-          <a:ext cx="0" cy="0"/>
-          <a:chOff x="0" y="0"/>
-          <a:chExt cx="0" cy="0"/>
-        </a:xfrm>
-      </p:grpSpPr>
-      <p:sp>
-        <p:nvSpPr>
-          <p:cNvPr id="4" name="Segnaposto numero diapositiva 5"/>
-          <p:cNvSpPr>
-            <a:spLocks noGrp="1"/>
-          </p:cNvSpPr>
-          <p:nvPr>
-            <p:ph type="sldNum" sz="quarter" idx="12"/>
-          </p:nvPr>
-        </p:nvSpPr>
-        <p:spPr/>
-        <p:txBody>
-          <a:bodyPr/>
-          <a:lstStyle/>
-          <a:p>
-            <a:fld id="{635BB41A-CC6D-45EE-880B-BBDDB328249F}" type="slidenum">
-              <a:rPr lang="en-US" altLang="it-IT"/>
-              <a:pPr/>
-              <a:t>27</a:t>
-            </a:fld>
-            <a:endParaRPr lang="en-US" altLang="it-IT"/>
-          </a:p>
-        </p:txBody>
-      </p:sp>
-      <p:sp>
-        <p:nvSpPr>
-          <p:cNvPr id="271362" name="Rectangle 2"/>
-          <p:cNvSpPr>
-            <a:spLocks noGrp="1" noChangeArrowheads="1"/>
-          </p:cNvSpPr>
-          <p:nvPr>
-            <p:ph type="title"/>
-          </p:nvPr>
-        </p:nvSpPr>
-        <p:spPr/>
-        <p:txBody>
-          <a:bodyPr/>
-          <a:lstStyle/>
-          <a:p>
-            <a:r>
-              <a:rPr lang="it-IT" altLang="it-IT" dirty="0" smtClean="0"/>
-              <a:t>suddivisione </a:t>
-            </a:r>
-            <a:r>
-              <a:rPr lang="it-IT" altLang="it-IT" dirty="0"/>
-              <a:t>del codice in file</a:t>
-            </a:r>
-          </a:p>
-        </p:txBody>
-      </p:sp>
-      <p:sp>
-        <p:nvSpPr>
-          <p:cNvPr id="271363" name="Rectangle 3"/>
-          <p:cNvSpPr>
-            <a:spLocks noGrp="1" noChangeArrowheads="1"/>
-          </p:cNvSpPr>
-          <p:nvPr>
-            <p:ph type="body" idx="1"/>
-          </p:nvPr>
-        </p:nvSpPr>
-        <p:spPr/>
-        <p:txBody>
-          <a:bodyPr/>
-          <a:lstStyle/>
-          <a:p>
-            <a:r>
-              <a:rPr lang="it-IT" altLang="it-IT" sz="2800" b="1" i="1" dirty="0" smtClean="0"/>
-              <a:t>separazione</a:t>
-            </a:r>
-            <a:r>
-              <a:rPr lang="it-IT" altLang="it-IT" sz="2800" dirty="0" smtClean="0"/>
-              <a:t> </a:t>
-            </a:r>
-            <a:r>
-              <a:rPr lang="it-IT" altLang="it-IT" sz="2800" dirty="0"/>
-              <a:t>tra la </a:t>
-            </a:r>
-            <a:r>
-              <a:rPr lang="it-IT" altLang="it-IT" sz="2800" b="1" i="1" dirty="0"/>
-              <a:t>classe</a:t>
-            </a:r>
-            <a:r>
-              <a:rPr lang="it-IT" altLang="it-IT" sz="2800" dirty="0"/>
-              <a:t> e i </a:t>
-            </a:r>
-            <a:r>
-              <a:rPr lang="it-IT" altLang="it-IT" sz="2800" b="1" i="1" dirty="0"/>
-              <a:t>programmi</a:t>
-            </a:r>
-            <a:r>
-              <a:rPr lang="it-IT" altLang="it-IT" sz="2800" dirty="0"/>
-              <a:t> che la usano</a:t>
-            </a:r>
-          </a:p>
-          <a:p>
-            <a:pPr lvl="1"/>
-            <a:r>
-              <a:rPr lang="it-IT" altLang="it-IT" sz="2400" b="1" i="1" dirty="0" smtClean="0"/>
-              <a:t>riuso</a:t>
-            </a:r>
-            <a:r>
-              <a:rPr lang="it-IT" altLang="it-IT" sz="2400" dirty="0"/>
-              <a:t>: parti separate facilmente riusabili (</a:t>
-            </a:r>
-            <a:r>
-              <a:rPr lang="it-IT" altLang="it-IT" sz="2400" i="1" dirty="0"/>
-              <a:t>libreria</a:t>
-            </a:r>
-            <a:r>
-              <a:rPr lang="it-IT" altLang="it-IT" sz="2400" dirty="0"/>
-              <a:t>)</a:t>
-            </a:r>
-          </a:p>
-          <a:p>
-            <a:pPr lvl="1"/>
-            <a:r>
-              <a:rPr lang="it-IT" altLang="it-IT" sz="2400" b="1" i="1" dirty="0" smtClean="0"/>
-              <a:t>compilazione </a:t>
-            </a:r>
-            <a:r>
-              <a:rPr lang="it-IT" altLang="it-IT" sz="2400" b="1" i="1" dirty="0"/>
-              <a:t>selettiva</a:t>
-            </a:r>
-          </a:p>
-          <a:p>
-            <a:r>
-              <a:rPr lang="it-IT" altLang="it-IT" sz="2800" b="1" i="1" dirty="0" smtClean="0"/>
-              <a:t>separazione</a:t>
-            </a:r>
-            <a:r>
-              <a:rPr lang="it-IT" altLang="it-IT" sz="2800" dirty="0" smtClean="0"/>
-              <a:t> </a:t>
-            </a:r>
-            <a:r>
-              <a:rPr lang="it-IT" altLang="it-IT" sz="2800" dirty="0"/>
-              <a:t>tra </a:t>
-            </a:r>
-            <a:r>
-              <a:rPr lang="it-IT" altLang="it-IT" sz="2800" b="1" i="1" dirty="0"/>
-              <a:t>interfaccia</a:t>
-            </a:r>
-            <a:r>
-              <a:rPr lang="it-IT" altLang="it-IT" sz="2800" dirty="0"/>
-              <a:t> e implementazione </a:t>
-            </a:r>
-          </a:p>
-          <a:p>
-            <a:pPr lvl="1"/>
-            <a:r>
-              <a:rPr lang="it-IT" altLang="it-IT" sz="2400" b="1" i="1" dirty="0" smtClean="0"/>
-              <a:t>incapsulamento</a:t>
-            </a:r>
-            <a:r>
-              <a:rPr lang="it-IT" altLang="it-IT" sz="2400" dirty="0"/>
-              <a:t>: occultamento dei dettagli</a:t>
-            </a:r>
-          </a:p>
-          <a:p>
-            <a:pPr lvl="1"/>
-            <a:r>
-              <a:rPr lang="it-IT" altLang="it-IT" sz="2400" b="1" i="1" dirty="0" smtClean="0"/>
-              <a:t>diverse </a:t>
-            </a:r>
-            <a:r>
-              <a:rPr lang="it-IT" altLang="it-IT" sz="2400" b="1" i="1" dirty="0"/>
-              <a:t>implementazioni </a:t>
-            </a:r>
-            <a:r>
-              <a:rPr lang="it-IT" altLang="it-IT" sz="2400" dirty="0"/>
-              <a:t>di una stessa libreria</a:t>
-            </a:r>
-          </a:p>
-          <a:p>
-            <a:endParaRPr lang="it-IT" altLang="it-IT" sz="2800" dirty="0"/>
-          </a:p>
-        </p:txBody>
-      </p:sp>
-    </p:spTree>
-    <p:extLst>
-      <p:ext uri="{BB962C8B-B14F-4D97-AF65-F5344CB8AC3E}">
-        <p14:creationId xmlns:p14="http://schemas.microsoft.com/office/powerpoint/2010/main" val="314095882"/>
-      </p:ext>
-    </p:extLst>
-  </p:cSld>
-  <p:clrMapOvr>
-    <a:masterClrMapping/>
-  </p:clrMapOvr>
-  <p:timing>
-    <p:tnLst>
-      <p:par>
-        <p:cTn id="1" dur="indefinite" restart="never" nodeType="tmRoot"/>
-      </p:par>
-    </p:tnLst>
-  </p:timing>
 </p:sld>
 </file>
 
@@ -10951,33 +9596,15 @@
       </p:grpSpPr>
       <p:sp>
         <p:nvSpPr>
-          <p:cNvPr id="4" name="Segnaposto numero diapositiva 5"/>
+          <p:cNvPr id="2" name="Titolo 1">
+            <a:extLst>
+              <a:ext uri="{FF2B5EF4-FFF2-40B4-BE49-F238E27FC236}">
+                <a16:creationId xmlns:a16="http://schemas.microsoft.com/office/drawing/2014/main" id="{8F83756D-8806-4520-940E-38F00B94B205}"/>
+              </a:ext>
+            </a:extLst>
+          </p:cNvPr>
           <p:cNvSpPr>
             <a:spLocks noGrp="1"/>
-          </p:cNvSpPr>
-          <p:nvPr>
-            <p:ph type="sldNum" sz="quarter" idx="12"/>
-          </p:nvPr>
-        </p:nvSpPr>
-        <p:spPr/>
-        <p:txBody>
-          <a:bodyPr/>
-          <a:lstStyle/>
-          <a:p>
-            <a:fld id="{D2B39DCE-B3C5-4D20-818C-F33061CE4D52}" type="slidenum">
-              <a:rPr lang="en-US" altLang="it-IT"/>
-              <a:pPr/>
-              <a:t>28</a:t>
-            </a:fld>
-            <a:endParaRPr lang="en-US" altLang="it-IT"/>
-          </a:p>
-        </p:txBody>
-      </p:sp>
-      <p:sp>
-        <p:nvSpPr>
-          <p:cNvPr id="258050" name="Rectangle 2"/>
-          <p:cNvSpPr>
-            <a:spLocks noGrp="1" noChangeArrowheads="1"/>
           </p:cNvSpPr>
           <p:nvPr>
             <p:ph type="title"/>
@@ -10989,24 +9616,26 @@
           <a:lstStyle/>
           <a:p>
             <a:r>
-              <a:rPr lang="it-IT" altLang="it-IT" dirty="0" smtClean="0"/>
-              <a:t>regole </a:t>
-            </a:r>
-            <a:r>
-              <a:rPr lang="it-IT" altLang="it-IT" dirty="0"/>
-              <a:t>per incapsulamento</a:t>
-            </a:r>
-          </a:p>
-        </p:txBody>
-      </p:sp>
-      <p:sp>
-        <p:nvSpPr>
-          <p:cNvPr id="258051" name="Rectangle 3"/>
-          <p:cNvSpPr>
-            <a:spLocks noGrp="1" noChangeArrowheads="1"/>
+              <a:rPr lang="it-IT" dirty="0"/>
+              <a:t>soluzione esercizio</a:t>
+            </a:r>
+          </a:p>
+        </p:txBody>
+      </p:sp>
+      <p:sp>
+        <p:nvSpPr>
+          <p:cNvPr id="3" name="Segnaposto contenuto 2">
+            <a:extLst>
+              <a:ext uri="{FF2B5EF4-FFF2-40B4-BE49-F238E27FC236}">
+                <a16:creationId xmlns:a16="http://schemas.microsoft.com/office/drawing/2014/main" id="{24114D0B-C108-4C15-94AB-79C2F95BCBA7}"/>
+              </a:ext>
+            </a:extLst>
+          </p:cNvPr>
+          <p:cNvSpPr>
+            <a:spLocks noGrp="1"/>
           </p:cNvSpPr>
           <p:nvPr>
-            <p:ph type="body" idx="1"/>
+            <p:ph sz="half" idx="1"/>
           </p:nvPr>
         </p:nvSpPr>
         <p:spPr/>
@@ -11014,137 +9643,1568 @@
           <a:bodyPr/>
           <a:lstStyle/>
           <a:p>
-            <a:r>
-              <a:rPr lang="it-IT" altLang="it-IT" sz="2800" dirty="0" smtClean="0"/>
-              <a:t>rendere </a:t>
-            </a:r>
-            <a:r>
-              <a:rPr lang="it-IT" altLang="it-IT" sz="2800" b="1" i="1" dirty="0"/>
+            <a:pPr marL="0" indent="0">
+              <a:buNone/>
+            </a:pPr>
+            <a:r>
+              <a:rPr lang="it-IT" sz="1100" b="1" dirty="0">
+                <a:latin typeface="Courier New" panose="02070309020205020404" pitchFamily="49" charset="0"/>
+                <a:cs typeface="Courier New" panose="02070309020205020404" pitchFamily="49" charset="0"/>
+              </a:rPr>
+              <a:t>#include &lt;</a:t>
+            </a:r>
+            <a:r>
+              <a:rPr lang="it-IT" sz="1100" b="1" dirty="0" err="1">
+                <a:latin typeface="Courier New" panose="02070309020205020404" pitchFamily="49" charset="0"/>
+                <a:cs typeface="Courier New" panose="02070309020205020404" pitchFamily="49" charset="0"/>
+              </a:rPr>
+              <a:t>iostream</a:t>
+            </a:r>
+            <a:r>
+              <a:rPr lang="it-IT" sz="1100" b="1" dirty="0">
+                <a:latin typeface="Courier New" panose="02070309020205020404" pitchFamily="49" charset="0"/>
+                <a:cs typeface="Courier New" panose="02070309020205020404" pitchFamily="49" charset="0"/>
+              </a:rPr>
+              <a:t>&gt;</a:t>
+            </a:r>
+          </a:p>
+          <a:p>
+            <a:pPr marL="0" indent="0">
+              <a:buNone/>
+            </a:pPr>
+            <a:r>
+              <a:rPr lang="it-IT" sz="1100" b="1" dirty="0">
+                <a:latin typeface="Courier New" panose="02070309020205020404" pitchFamily="49" charset="0"/>
+                <a:cs typeface="Courier New" panose="02070309020205020404" pitchFamily="49" charset="0"/>
+              </a:rPr>
+              <a:t>#include &lt;</a:t>
+            </a:r>
+            <a:r>
+              <a:rPr lang="it-IT" sz="1100" b="1" dirty="0" err="1">
+                <a:latin typeface="Courier New" panose="02070309020205020404" pitchFamily="49" charset="0"/>
+                <a:cs typeface="Courier New" panose="02070309020205020404" pitchFamily="49" charset="0"/>
+              </a:rPr>
+              <a:t>cmath</a:t>
+            </a:r>
+            <a:r>
+              <a:rPr lang="it-IT" sz="1100" b="1" dirty="0">
+                <a:latin typeface="Courier New" panose="02070309020205020404" pitchFamily="49" charset="0"/>
+                <a:cs typeface="Courier New" panose="02070309020205020404" pitchFamily="49" charset="0"/>
+              </a:rPr>
+              <a:t>&gt;</a:t>
+            </a:r>
+          </a:p>
+          <a:p>
+            <a:pPr marL="0" indent="0">
+              <a:buNone/>
+            </a:pPr>
+            <a:r>
+              <a:rPr lang="it-IT" sz="1100" b="1" dirty="0">
+                <a:latin typeface="Courier New" panose="02070309020205020404" pitchFamily="49" charset="0"/>
+                <a:cs typeface="Courier New" panose="02070309020205020404" pitchFamily="49" charset="0"/>
+              </a:rPr>
+              <a:t>#include &lt;</a:t>
+            </a:r>
+            <a:r>
+              <a:rPr lang="it-IT" sz="1100" b="1" dirty="0" err="1">
+                <a:latin typeface="Courier New" panose="02070309020205020404" pitchFamily="49" charset="0"/>
+                <a:cs typeface="Courier New" panose="02070309020205020404" pitchFamily="49" charset="0"/>
+              </a:rPr>
+              <a:t>limits</a:t>
+            </a:r>
+            <a:r>
+              <a:rPr lang="it-IT" sz="1100" b="1" dirty="0">
+                <a:latin typeface="Courier New" panose="02070309020205020404" pitchFamily="49" charset="0"/>
+                <a:cs typeface="Courier New" panose="02070309020205020404" pitchFamily="49" charset="0"/>
+              </a:rPr>
+              <a:t>&gt;</a:t>
+            </a:r>
+          </a:p>
+          <a:p>
+            <a:pPr marL="0" indent="0">
+              <a:buNone/>
+            </a:pPr>
+            <a:r>
+              <a:rPr lang="it-IT" sz="1100" b="1" dirty="0">
+                <a:latin typeface="Courier New" panose="02070309020205020404" pitchFamily="49" charset="0"/>
+                <a:cs typeface="Courier New" panose="02070309020205020404" pitchFamily="49" charset="0"/>
+              </a:rPr>
+              <a:t>#include &lt;</a:t>
+            </a:r>
+            <a:r>
+              <a:rPr lang="it-IT" sz="1100" b="1" dirty="0" err="1">
+                <a:latin typeface="Courier New" panose="02070309020205020404" pitchFamily="49" charset="0"/>
+                <a:cs typeface="Courier New" panose="02070309020205020404" pitchFamily="49" charset="0"/>
+              </a:rPr>
+              <a:t>string</a:t>
+            </a:r>
+            <a:r>
+              <a:rPr lang="it-IT" sz="1100" b="1" dirty="0">
+                <a:latin typeface="Courier New" panose="02070309020205020404" pitchFamily="49" charset="0"/>
+                <a:cs typeface="Courier New" panose="02070309020205020404" pitchFamily="49" charset="0"/>
+              </a:rPr>
+              <a:t>&gt;</a:t>
+            </a:r>
+          </a:p>
+          <a:p>
+            <a:pPr marL="0" indent="0">
+              <a:buNone/>
+            </a:pPr>
+            <a:r>
+              <a:rPr lang="it-IT" sz="1100" b="1" dirty="0" err="1">
+                <a:latin typeface="Courier New" panose="02070309020205020404" pitchFamily="49" charset="0"/>
+                <a:cs typeface="Courier New" panose="02070309020205020404" pitchFamily="49" charset="0"/>
+              </a:rPr>
+              <a:t>using</a:t>
+            </a:r>
+            <a:r>
+              <a:rPr lang="it-IT" sz="1100" b="1" dirty="0">
+                <a:latin typeface="Courier New" panose="02070309020205020404" pitchFamily="49" charset="0"/>
+                <a:cs typeface="Courier New" panose="02070309020205020404" pitchFamily="49" charset="0"/>
+              </a:rPr>
+              <a:t> </a:t>
+            </a:r>
+            <a:r>
+              <a:rPr lang="it-IT" sz="1100" b="1" dirty="0" err="1">
+                <a:latin typeface="Courier New" panose="02070309020205020404" pitchFamily="49" charset="0"/>
+                <a:cs typeface="Courier New" panose="02070309020205020404" pitchFamily="49" charset="0"/>
+              </a:rPr>
+              <a:t>namespace</a:t>
+            </a:r>
+            <a:r>
+              <a:rPr lang="it-IT" sz="1100" b="1" dirty="0">
+                <a:latin typeface="Courier New" panose="02070309020205020404" pitchFamily="49" charset="0"/>
+                <a:cs typeface="Courier New" panose="02070309020205020404" pitchFamily="49" charset="0"/>
+              </a:rPr>
+              <a:t> </a:t>
+            </a:r>
+            <a:r>
+              <a:rPr lang="it-IT" sz="1100" b="1" dirty="0" err="1">
+                <a:latin typeface="Courier New" panose="02070309020205020404" pitchFamily="49" charset="0"/>
+                <a:cs typeface="Courier New" panose="02070309020205020404" pitchFamily="49" charset="0"/>
+              </a:rPr>
+              <a:t>std</a:t>
+            </a:r>
+            <a:r>
+              <a:rPr lang="it-IT" sz="1100" b="1" dirty="0">
+                <a:latin typeface="Courier New" panose="02070309020205020404" pitchFamily="49" charset="0"/>
+                <a:cs typeface="Courier New" panose="02070309020205020404" pitchFamily="49" charset="0"/>
+              </a:rPr>
+              <a:t>;</a:t>
+            </a:r>
+          </a:p>
+          <a:p>
+            <a:pPr marL="0" indent="0">
+              <a:buNone/>
+            </a:pPr>
+            <a:r>
+              <a:rPr lang="it-IT" sz="1100" b="1" dirty="0">
+                <a:latin typeface="Courier New" panose="02070309020205020404" pitchFamily="49" charset="0"/>
+                <a:cs typeface="Courier New" panose="02070309020205020404" pitchFamily="49" charset="0"/>
+              </a:rPr>
+              <a:t>class </a:t>
+            </a:r>
+            <a:r>
+              <a:rPr lang="it-IT" sz="1100" b="1" dirty="0">
+                <a:solidFill>
+                  <a:srgbClr val="FF0000"/>
+                </a:solidFill>
+                <a:latin typeface="Courier New" panose="02070309020205020404" pitchFamily="49" charset="0"/>
+                <a:cs typeface="Courier New" panose="02070309020205020404" pitchFamily="49" charset="0"/>
+              </a:rPr>
+              <a:t>Equazione</a:t>
+            </a:r>
+            <a:r>
+              <a:rPr lang="it-IT" sz="1100" b="1" dirty="0">
+                <a:latin typeface="Courier New" panose="02070309020205020404" pitchFamily="49" charset="0"/>
+                <a:cs typeface="Courier New" panose="02070309020205020404" pitchFamily="49" charset="0"/>
+              </a:rPr>
+              <a:t> {</a:t>
+            </a:r>
+          </a:p>
+          <a:p>
+            <a:pPr marL="0" indent="0">
+              <a:buNone/>
+            </a:pPr>
+            <a:r>
+              <a:rPr lang="it-IT" sz="1100" b="1" dirty="0">
+                <a:latin typeface="Courier New" panose="02070309020205020404" pitchFamily="49" charset="0"/>
+                <a:cs typeface="Courier New" panose="02070309020205020404" pitchFamily="49" charset="0"/>
+              </a:rPr>
+              <a:t>   </a:t>
+            </a:r>
+            <a:r>
+              <a:rPr lang="it-IT" sz="1100" b="1" dirty="0">
+                <a:solidFill>
+                  <a:srgbClr val="0070C0"/>
+                </a:solidFill>
+                <a:latin typeface="Courier New" panose="02070309020205020404" pitchFamily="49" charset="0"/>
+                <a:cs typeface="Courier New" panose="02070309020205020404" pitchFamily="49" charset="0"/>
+              </a:rPr>
+              <a:t>public</a:t>
+            </a:r>
+            <a:r>
+              <a:rPr lang="it-IT" sz="1100" b="1" dirty="0">
+                <a:latin typeface="Courier New" panose="02070309020205020404" pitchFamily="49" charset="0"/>
+                <a:cs typeface="Courier New" panose="02070309020205020404" pitchFamily="49" charset="0"/>
+              </a:rPr>
+              <a:t>:</a:t>
+            </a:r>
+          </a:p>
+          <a:p>
+            <a:pPr marL="0" indent="0">
+              <a:buNone/>
+            </a:pPr>
+            <a:r>
+              <a:rPr lang="it-IT" sz="1100" b="1" dirty="0">
+                <a:latin typeface="Courier New" panose="02070309020205020404" pitchFamily="49" charset="0"/>
+                <a:cs typeface="Courier New" panose="02070309020205020404" pitchFamily="49" charset="0"/>
+              </a:rPr>
+              <a:t>     </a:t>
+            </a:r>
+            <a:r>
+              <a:rPr lang="it-IT" sz="1100" b="1" dirty="0">
+                <a:solidFill>
+                  <a:srgbClr val="FF0000"/>
+                </a:solidFill>
+                <a:latin typeface="Courier New" panose="02070309020205020404" pitchFamily="49" charset="0"/>
+                <a:cs typeface="Courier New" panose="02070309020205020404" pitchFamily="49" charset="0"/>
+              </a:rPr>
+              <a:t>Equazione()</a:t>
+            </a:r>
+            <a:r>
+              <a:rPr lang="it-IT" sz="1100" b="1" dirty="0">
+                <a:latin typeface="Courier New" panose="02070309020205020404" pitchFamily="49" charset="0"/>
+                <a:cs typeface="Courier New" panose="02070309020205020404" pitchFamily="49" charset="0"/>
+              </a:rPr>
+              <a:t> { a=1; b=1; c=1; }</a:t>
+            </a:r>
+          </a:p>
+          <a:p>
+            <a:pPr marL="0" indent="0">
+              <a:buNone/>
+            </a:pPr>
+            <a:r>
+              <a:rPr lang="it-IT" sz="1100" b="1" dirty="0">
+                <a:latin typeface="Courier New" panose="02070309020205020404" pitchFamily="49" charset="0"/>
+                <a:cs typeface="Courier New" panose="02070309020205020404" pitchFamily="49" charset="0"/>
+              </a:rPr>
+              <a:t>     </a:t>
+            </a:r>
+            <a:r>
+              <a:rPr lang="it-IT" sz="1100" b="1" dirty="0">
+                <a:solidFill>
+                  <a:srgbClr val="FF0000"/>
+                </a:solidFill>
+                <a:latin typeface="Courier New" panose="02070309020205020404" pitchFamily="49" charset="0"/>
+                <a:cs typeface="Courier New" panose="02070309020205020404" pitchFamily="49" charset="0"/>
+              </a:rPr>
+              <a:t>Equazione(double </a:t>
+            </a:r>
+            <a:r>
+              <a:rPr lang="it-IT" sz="1100" b="1" dirty="0" err="1">
+                <a:solidFill>
+                  <a:srgbClr val="FF0000"/>
+                </a:solidFill>
+                <a:latin typeface="Courier New" panose="02070309020205020404" pitchFamily="49" charset="0"/>
+                <a:cs typeface="Courier New" panose="02070309020205020404" pitchFamily="49" charset="0"/>
+              </a:rPr>
+              <a:t>c_a</a:t>
+            </a:r>
+            <a:r>
+              <a:rPr lang="it-IT" sz="1100" b="1" dirty="0">
+                <a:solidFill>
+                  <a:srgbClr val="FF0000"/>
+                </a:solidFill>
+                <a:latin typeface="Courier New" panose="02070309020205020404" pitchFamily="49" charset="0"/>
+                <a:cs typeface="Courier New" panose="02070309020205020404" pitchFamily="49" charset="0"/>
+              </a:rPr>
+              <a:t>, double </a:t>
+            </a:r>
+            <a:r>
+              <a:rPr lang="it-IT" sz="1100" b="1" dirty="0" err="1">
+                <a:solidFill>
+                  <a:srgbClr val="FF0000"/>
+                </a:solidFill>
+                <a:latin typeface="Courier New" panose="02070309020205020404" pitchFamily="49" charset="0"/>
+                <a:cs typeface="Courier New" panose="02070309020205020404" pitchFamily="49" charset="0"/>
+              </a:rPr>
+              <a:t>c_b</a:t>
+            </a:r>
+            <a:r>
+              <a:rPr lang="it-IT" sz="1100" b="1" dirty="0">
+                <a:solidFill>
+                  <a:srgbClr val="FF0000"/>
+                </a:solidFill>
+                <a:latin typeface="Courier New" panose="02070309020205020404" pitchFamily="49" charset="0"/>
+                <a:cs typeface="Courier New" panose="02070309020205020404" pitchFamily="49" charset="0"/>
+              </a:rPr>
+              <a:t>, double </a:t>
+            </a:r>
+            <a:r>
+              <a:rPr lang="it-IT" sz="1100" b="1" dirty="0" err="1">
+                <a:solidFill>
+                  <a:srgbClr val="FF0000"/>
+                </a:solidFill>
+                <a:latin typeface="Courier New" panose="02070309020205020404" pitchFamily="49" charset="0"/>
+                <a:cs typeface="Courier New" panose="02070309020205020404" pitchFamily="49" charset="0"/>
+              </a:rPr>
+              <a:t>c_c</a:t>
+            </a:r>
+            <a:r>
+              <a:rPr lang="it-IT" sz="1100" b="1" dirty="0">
+                <a:solidFill>
+                  <a:srgbClr val="FF0000"/>
+                </a:solidFill>
+                <a:latin typeface="Courier New" panose="02070309020205020404" pitchFamily="49" charset="0"/>
+                <a:cs typeface="Courier New" panose="02070309020205020404" pitchFamily="49" charset="0"/>
+              </a:rPr>
+              <a:t>)</a:t>
+            </a:r>
+            <a:r>
+              <a:rPr lang="it-IT" sz="1100" b="1" dirty="0">
+                <a:latin typeface="Courier New" panose="02070309020205020404" pitchFamily="49" charset="0"/>
+                <a:cs typeface="Courier New" panose="02070309020205020404" pitchFamily="49" charset="0"/>
+              </a:rPr>
+              <a:t>{</a:t>
+            </a:r>
+          </a:p>
+          <a:p>
+            <a:pPr marL="0" indent="0">
+              <a:buNone/>
+            </a:pPr>
+            <a:r>
+              <a:rPr lang="it-IT" sz="1100" b="1" dirty="0">
+                <a:latin typeface="Courier New" panose="02070309020205020404" pitchFamily="49" charset="0"/>
+                <a:cs typeface="Courier New" panose="02070309020205020404" pitchFamily="49" charset="0"/>
+              </a:rPr>
+              <a:t>       a=</a:t>
+            </a:r>
+            <a:r>
+              <a:rPr lang="it-IT" sz="1100" b="1" dirty="0" err="1">
+                <a:latin typeface="Courier New" panose="02070309020205020404" pitchFamily="49" charset="0"/>
+                <a:cs typeface="Courier New" panose="02070309020205020404" pitchFamily="49" charset="0"/>
+              </a:rPr>
+              <a:t>c_a</a:t>
+            </a:r>
+            <a:r>
+              <a:rPr lang="it-IT" sz="1100" b="1" dirty="0">
+                <a:latin typeface="Courier New" panose="02070309020205020404" pitchFamily="49" charset="0"/>
+                <a:cs typeface="Courier New" panose="02070309020205020404" pitchFamily="49" charset="0"/>
+              </a:rPr>
+              <a:t>; b=</a:t>
+            </a:r>
+            <a:r>
+              <a:rPr lang="it-IT" sz="1100" b="1" dirty="0" err="1">
+                <a:latin typeface="Courier New" panose="02070309020205020404" pitchFamily="49" charset="0"/>
+                <a:cs typeface="Courier New" panose="02070309020205020404" pitchFamily="49" charset="0"/>
+              </a:rPr>
+              <a:t>c_b</a:t>
+            </a:r>
+            <a:r>
+              <a:rPr lang="it-IT" sz="1100" b="1" dirty="0">
+                <a:latin typeface="Courier New" panose="02070309020205020404" pitchFamily="49" charset="0"/>
+                <a:cs typeface="Courier New" panose="02070309020205020404" pitchFamily="49" charset="0"/>
+              </a:rPr>
+              <a:t>; c=</a:t>
+            </a:r>
+            <a:r>
+              <a:rPr lang="it-IT" sz="1100" b="1" dirty="0" err="1">
+                <a:latin typeface="Courier New" panose="02070309020205020404" pitchFamily="49" charset="0"/>
+                <a:cs typeface="Courier New" panose="02070309020205020404" pitchFamily="49" charset="0"/>
+              </a:rPr>
+              <a:t>c_c</a:t>
+            </a:r>
+            <a:r>
+              <a:rPr lang="it-IT" sz="1100" b="1" dirty="0">
+                <a:latin typeface="Courier New" panose="02070309020205020404" pitchFamily="49" charset="0"/>
+                <a:cs typeface="Courier New" panose="02070309020205020404" pitchFamily="49" charset="0"/>
+              </a:rPr>
+              <a:t>;   </a:t>
+            </a:r>
+          </a:p>
+          <a:p>
+            <a:pPr marL="0" indent="0">
+              <a:buNone/>
+            </a:pPr>
+            <a:r>
+              <a:rPr lang="it-IT" sz="1100" b="1" dirty="0">
+                <a:latin typeface="Courier New" panose="02070309020205020404" pitchFamily="49" charset="0"/>
+                <a:cs typeface="Courier New" panose="02070309020205020404" pitchFamily="49" charset="0"/>
+              </a:rPr>
+              <a:t>     }    </a:t>
+            </a:r>
+          </a:p>
+          <a:p>
+            <a:pPr marL="0" indent="0">
+              <a:buNone/>
+            </a:pPr>
+            <a:r>
+              <a:rPr lang="it-IT" sz="1100" b="1" dirty="0">
+                <a:latin typeface="Courier New" panose="02070309020205020404" pitchFamily="49" charset="0"/>
+                <a:cs typeface="Courier New" panose="02070309020205020404" pitchFamily="49" charset="0"/>
+              </a:rPr>
+              <a:t>   </a:t>
+            </a:r>
+            <a:r>
+              <a:rPr lang="it-IT" sz="1100" b="1" dirty="0">
+                <a:solidFill>
+                  <a:srgbClr val="FF0000"/>
+                </a:solidFill>
+                <a:latin typeface="Courier New" panose="02070309020205020404" pitchFamily="49" charset="0"/>
+                <a:cs typeface="Courier New" panose="02070309020205020404" pitchFamily="49" charset="0"/>
+              </a:rPr>
+              <a:t>double</a:t>
+            </a:r>
+            <a:r>
+              <a:rPr lang="it-IT" sz="1100" b="1" dirty="0">
+                <a:latin typeface="Courier New" panose="02070309020205020404" pitchFamily="49" charset="0"/>
+                <a:cs typeface="Courier New" panose="02070309020205020404" pitchFamily="49" charset="0"/>
+              </a:rPr>
+              <a:t> </a:t>
+            </a:r>
+            <a:r>
+              <a:rPr lang="it-IT" sz="1100" b="1" dirty="0" err="1">
+                <a:solidFill>
+                  <a:srgbClr val="FF0000"/>
+                </a:solidFill>
+                <a:latin typeface="Courier New" panose="02070309020205020404" pitchFamily="49" charset="0"/>
+                <a:cs typeface="Courier New" panose="02070309020205020404" pitchFamily="49" charset="0"/>
+              </a:rPr>
+              <a:t>getA</a:t>
+            </a:r>
+            <a:r>
+              <a:rPr lang="it-IT" sz="1100" b="1" dirty="0">
+                <a:solidFill>
+                  <a:srgbClr val="FF0000"/>
+                </a:solidFill>
+                <a:latin typeface="Courier New" panose="02070309020205020404" pitchFamily="49" charset="0"/>
+                <a:cs typeface="Courier New" panose="02070309020205020404" pitchFamily="49" charset="0"/>
+              </a:rPr>
+              <a:t>()</a:t>
+            </a:r>
+            <a:r>
+              <a:rPr lang="it-IT" sz="1100" b="1" dirty="0">
+                <a:latin typeface="Courier New" panose="02070309020205020404" pitchFamily="49" charset="0"/>
+                <a:cs typeface="Courier New" panose="02070309020205020404" pitchFamily="49" charset="0"/>
+              </a:rPr>
+              <a:t> { </a:t>
+            </a:r>
+            <a:r>
+              <a:rPr lang="it-IT" sz="1100" b="1" dirty="0" err="1">
+                <a:latin typeface="Courier New" panose="02070309020205020404" pitchFamily="49" charset="0"/>
+                <a:cs typeface="Courier New" panose="02070309020205020404" pitchFamily="49" charset="0"/>
+              </a:rPr>
+              <a:t>return</a:t>
+            </a:r>
+            <a:r>
+              <a:rPr lang="it-IT" sz="1100" b="1" dirty="0">
+                <a:latin typeface="Courier New" panose="02070309020205020404" pitchFamily="49" charset="0"/>
+                <a:cs typeface="Courier New" panose="02070309020205020404" pitchFamily="49" charset="0"/>
+              </a:rPr>
+              <a:t> a; }</a:t>
+            </a:r>
+          </a:p>
+          <a:p>
+            <a:pPr marL="0" indent="0">
+              <a:buNone/>
+            </a:pPr>
+            <a:r>
+              <a:rPr lang="it-IT" sz="1100" b="1" dirty="0">
+                <a:latin typeface="Courier New" panose="02070309020205020404" pitchFamily="49" charset="0"/>
+                <a:cs typeface="Courier New" panose="02070309020205020404" pitchFamily="49" charset="0"/>
+              </a:rPr>
+              <a:t>   </a:t>
+            </a:r>
+            <a:r>
+              <a:rPr lang="it-IT" sz="1100" b="1" dirty="0" err="1">
+                <a:solidFill>
+                  <a:srgbClr val="FF0000"/>
+                </a:solidFill>
+                <a:latin typeface="Courier New" panose="02070309020205020404" pitchFamily="49" charset="0"/>
+                <a:cs typeface="Courier New" panose="02070309020205020404" pitchFamily="49" charset="0"/>
+              </a:rPr>
+              <a:t>void</a:t>
+            </a:r>
+            <a:r>
+              <a:rPr lang="it-IT" sz="1100" b="1" dirty="0">
+                <a:latin typeface="Courier New" panose="02070309020205020404" pitchFamily="49" charset="0"/>
+                <a:cs typeface="Courier New" panose="02070309020205020404" pitchFamily="49" charset="0"/>
+              </a:rPr>
+              <a:t> </a:t>
+            </a:r>
+            <a:r>
+              <a:rPr lang="it-IT" sz="1100" b="1" dirty="0" err="1">
+                <a:solidFill>
+                  <a:srgbClr val="FF0000"/>
+                </a:solidFill>
+                <a:latin typeface="Courier New" panose="02070309020205020404" pitchFamily="49" charset="0"/>
+                <a:cs typeface="Courier New" panose="02070309020205020404" pitchFamily="49" charset="0"/>
+              </a:rPr>
+              <a:t>setA</a:t>
+            </a:r>
+            <a:r>
+              <a:rPr lang="it-IT" sz="1100" b="1" dirty="0">
+                <a:solidFill>
+                  <a:srgbClr val="FF0000"/>
+                </a:solidFill>
+                <a:latin typeface="Courier New" panose="02070309020205020404" pitchFamily="49" charset="0"/>
+                <a:cs typeface="Courier New" panose="02070309020205020404" pitchFamily="49" charset="0"/>
+              </a:rPr>
+              <a:t>(double v) </a:t>
+            </a:r>
+            <a:r>
+              <a:rPr lang="it-IT" sz="1100" b="1" dirty="0">
+                <a:latin typeface="Courier New" panose="02070309020205020404" pitchFamily="49" charset="0"/>
+                <a:cs typeface="Courier New" panose="02070309020205020404" pitchFamily="49" charset="0"/>
+              </a:rPr>
+              <a:t>{ a=v; }</a:t>
+            </a:r>
+          </a:p>
+          <a:p>
+            <a:pPr marL="0" indent="0">
+              <a:buNone/>
+            </a:pPr>
+            <a:r>
+              <a:rPr lang="it-IT" sz="1100" b="1" dirty="0">
+                <a:latin typeface="Courier New" panose="02070309020205020404" pitchFamily="49" charset="0"/>
+                <a:cs typeface="Courier New" panose="02070309020205020404" pitchFamily="49" charset="0"/>
+              </a:rPr>
+              <a:t>   …	</a:t>
+            </a:r>
+          </a:p>
+          <a:p>
+            <a:pPr marL="0" indent="0">
+              <a:buNone/>
+            </a:pPr>
+            <a:r>
+              <a:rPr lang="it-IT" sz="1100" b="1" dirty="0">
+                <a:latin typeface="Courier New" panose="02070309020205020404" pitchFamily="49" charset="0"/>
+                <a:cs typeface="Courier New" panose="02070309020205020404" pitchFamily="49" charset="0"/>
+              </a:rPr>
+              <a:t>   //  numero di soluzioni reali</a:t>
+            </a:r>
+          </a:p>
+          <a:p>
+            <a:pPr marL="0" indent="0">
+              <a:buNone/>
+            </a:pPr>
+            <a:r>
+              <a:rPr lang="it-IT" sz="1100" b="1" dirty="0">
+                <a:latin typeface="Courier New" panose="02070309020205020404" pitchFamily="49" charset="0"/>
+                <a:cs typeface="Courier New" panose="02070309020205020404" pitchFamily="49" charset="0"/>
+              </a:rPr>
+              <a:t>   </a:t>
+            </a:r>
+            <a:r>
+              <a:rPr lang="it-IT" sz="1100" b="1" dirty="0" err="1">
+                <a:solidFill>
+                  <a:srgbClr val="FF0000"/>
+                </a:solidFill>
+                <a:latin typeface="Courier New" panose="02070309020205020404" pitchFamily="49" charset="0"/>
+                <a:cs typeface="Courier New" panose="02070309020205020404" pitchFamily="49" charset="0"/>
+              </a:rPr>
+              <a:t>int</a:t>
+            </a:r>
+            <a:r>
+              <a:rPr lang="it-IT" sz="1100" b="1" dirty="0">
+                <a:solidFill>
+                  <a:srgbClr val="FF0000"/>
+                </a:solidFill>
+                <a:latin typeface="Courier New" panose="02070309020205020404" pitchFamily="49" charset="0"/>
+                <a:cs typeface="Courier New" panose="02070309020205020404" pitchFamily="49" charset="0"/>
+              </a:rPr>
+              <a:t> </a:t>
+            </a:r>
+            <a:r>
+              <a:rPr lang="it-IT" sz="1100" b="1" dirty="0" err="1">
+                <a:solidFill>
+                  <a:srgbClr val="FF0000"/>
+                </a:solidFill>
+                <a:latin typeface="Courier New" panose="02070309020205020404" pitchFamily="49" charset="0"/>
+                <a:cs typeface="Courier New" panose="02070309020205020404" pitchFamily="49" charset="0"/>
+              </a:rPr>
+              <a:t>numSolReali</a:t>
+            </a:r>
+            <a:r>
+              <a:rPr lang="it-IT" sz="1100" b="1" dirty="0">
+                <a:solidFill>
+                  <a:srgbClr val="FF0000"/>
+                </a:solidFill>
+                <a:latin typeface="Courier New" panose="02070309020205020404" pitchFamily="49" charset="0"/>
+                <a:cs typeface="Courier New" panose="02070309020205020404" pitchFamily="49" charset="0"/>
+              </a:rPr>
+              <a:t>()</a:t>
+            </a:r>
+            <a:r>
+              <a:rPr lang="it-IT" sz="1100" b="1" dirty="0">
+                <a:latin typeface="Courier New" panose="02070309020205020404" pitchFamily="49" charset="0"/>
+                <a:cs typeface="Courier New" panose="02070309020205020404" pitchFamily="49" charset="0"/>
+              </a:rPr>
+              <a:t>	{</a:t>
+            </a:r>
+          </a:p>
+          <a:p>
+            <a:pPr marL="0" indent="0">
+              <a:buNone/>
+            </a:pPr>
+            <a:r>
+              <a:rPr lang="it-IT" sz="1100" b="1" dirty="0">
+                <a:latin typeface="Courier New" panose="02070309020205020404" pitchFamily="49" charset="0"/>
+                <a:cs typeface="Courier New" panose="02070309020205020404" pitchFamily="49" charset="0"/>
+              </a:rPr>
+              <a:t>     </a:t>
+            </a:r>
+            <a:r>
+              <a:rPr lang="it-IT" sz="1100" b="1" dirty="0" err="1">
+                <a:latin typeface="Courier New" panose="02070309020205020404" pitchFamily="49" charset="0"/>
+                <a:cs typeface="Courier New" panose="02070309020205020404" pitchFamily="49" charset="0"/>
+              </a:rPr>
+              <a:t>if</a:t>
+            </a:r>
+            <a:r>
+              <a:rPr lang="it-IT" sz="1100" b="1" dirty="0">
+                <a:latin typeface="Courier New" panose="02070309020205020404" pitchFamily="49" charset="0"/>
+                <a:cs typeface="Courier New" panose="02070309020205020404" pitchFamily="49" charset="0"/>
+              </a:rPr>
+              <a:t> (a==0 &amp;&amp; b!=0) </a:t>
+            </a:r>
+            <a:r>
+              <a:rPr lang="it-IT" sz="1100" b="1" dirty="0" err="1">
+                <a:latin typeface="Courier New" panose="02070309020205020404" pitchFamily="49" charset="0"/>
+                <a:cs typeface="Courier New" panose="02070309020205020404" pitchFamily="49" charset="0"/>
+              </a:rPr>
+              <a:t>return</a:t>
+            </a:r>
+            <a:r>
+              <a:rPr lang="it-IT" sz="1100" b="1" dirty="0">
+                <a:latin typeface="Courier New" panose="02070309020205020404" pitchFamily="49" charset="0"/>
+                <a:cs typeface="Courier New" panose="02070309020205020404" pitchFamily="49" charset="0"/>
+              </a:rPr>
+              <a:t> 1;</a:t>
+            </a:r>
+          </a:p>
+          <a:p>
+            <a:pPr marL="0" indent="0">
+              <a:buNone/>
+            </a:pPr>
+            <a:r>
+              <a:rPr lang="it-IT" sz="1100" b="1" dirty="0">
+                <a:latin typeface="Courier New" panose="02070309020205020404" pitchFamily="49" charset="0"/>
+                <a:cs typeface="Courier New" panose="02070309020205020404" pitchFamily="49" charset="0"/>
+              </a:rPr>
+              <a:t>     </a:t>
+            </a:r>
+            <a:r>
+              <a:rPr lang="it-IT" sz="1100" b="1" dirty="0" err="1">
+                <a:latin typeface="Courier New" panose="02070309020205020404" pitchFamily="49" charset="0"/>
+                <a:cs typeface="Courier New" panose="02070309020205020404" pitchFamily="49" charset="0"/>
+              </a:rPr>
+              <a:t>if</a:t>
+            </a:r>
+            <a:r>
+              <a:rPr lang="it-IT" sz="1100" b="1" dirty="0">
+                <a:latin typeface="Courier New" panose="02070309020205020404" pitchFamily="49" charset="0"/>
+                <a:cs typeface="Courier New" panose="02070309020205020404" pitchFamily="49" charset="0"/>
+              </a:rPr>
+              <a:t> (a==0 &amp;&amp; b==0) </a:t>
+            </a:r>
+            <a:r>
+              <a:rPr lang="it-IT" sz="1100" b="1" dirty="0" err="1">
+                <a:latin typeface="Courier New" panose="02070309020205020404" pitchFamily="49" charset="0"/>
+                <a:cs typeface="Courier New" panose="02070309020205020404" pitchFamily="49" charset="0"/>
+              </a:rPr>
+              <a:t>return</a:t>
+            </a:r>
+            <a:r>
+              <a:rPr lang="it-IT" sz="1100" b="1" dirty="0">
+                <a:latin typeface="Courier New" panose="02070309020205020404" pitchFamily="49" charset="0"/>
+                <a:cs typeface="Courier New" panose="02070309020205020404" pitchFamily="49" charset="0"/>
+              </a:rPr>
+              <a:t> 0;</a:t>
+            </a:r>
+          </a:p>
+          <a:p>
+            <a:pPr marL="0" indent="0">
+              <a:buNone/>
+            </a:pPr>
+            <a:r>
+              <a:rPr lang="it-IT" sz="1100" b="1" dirty="0">
+                <a:latin typeface="Courier New" panose="02070309020205020404" pitchFamily="49" charset="0"/>
+                <a:cs typeface="Courier New" panose="02070309020205020404" pitchFamily="49" charset="0"/>
+              </a:rPr>
+              <a:t>     </a:t>
+            </a:r>
+            <a:r>
+              <a:rPr lang="it-IT" sz="1100" b="1" dirty="0" err="1">
+                <a:latin typeface="Courier New" panose="02070309020205020404" pitchFamily="49" charset="0"/>
+                <a:cs typeface="Courier New" panose="02070309020205020404" pitchFamily="49" charset="0"/>
+              </a:rPr>
+              <a:t>if</a:t>
+            </a:r>
+            <a:r>
+              <a:rPr lang="it-IT" sz="1100" b="1" dirty="0">
+                <a:latin typeface="Courier New" panose="02070309020205020404" pitchFamily="49" charset="0"/>
+                <a:cs typeface="Courier New" panose="02070309020205020404" pitchFamily="49" charset="0"/>
+              </a:rPr>
+              <a:t> (delta()&lt;0)    </a:t>
+            </a:r>
+            <a:r>
+              <a:rPr lang="it-IT" sz="1100" b="1" dirty="0" err="1">
+                <a:latin typeface="Courier New" panose="02070309020205020404" pitchFamily="49" charset="0"/>
+                <a:cs typeface="Courier New" panose="02070309020205020404" pitchFamily="49" charset="0"/>
+              </a:rPr>
+              <a:t>return</a:t>
+            </a:r>
+            <a:r>
+              <a:rPr lang="it-IT" sz="1100" b="1" dirty="0">
+                <a:latin typeface="Courier New" panose="02070309020205020404" pitchFamily="49" charset="0"/>
+                <a:cs typeface="Courier New" panose="02070309020205020404" pitchFamily="49" charset="0"/>
+              </a:rPr>
+              <a:t> 0;</a:t>
+            </a:r>
+          </a:p>
+          <a:p>
+            <a:pPr marL="0" indent="0">
+              <a:buNone/>
+            </a:pPr>
+            <a:r>
+              <a:rPr lang="it-IT" sz="1100" b="1" dirty="0">
+                <a:latin typeface="Courier New" panose="02070309020205020404" pitchFamily="49" charset="0"/>
+                <a:cs typeface="Courier New" panose="02070309020205020404" pitchFamily="49" charset="0"/>
+              </a:rPr>
+              <a:t>     </a:t>
+            </a:r>
+            <a:r>
+              <a:rPr lang="it-IT" sz="1100" b="1" dirty="0" err="1">
+                <a:latin typeface="Courier New" panose="02070309020205020404" pitchFamily="49" charset="0"/>
+                <a:cs typeface="Courier New" panose="02070309020205020404" pitchFamily="49" charset="0"/>
+              </a:rPr>
+              <a:t>if</a:t>
+            </a:r>
+            <a:r>
+              <a:rPr lang="it-IT" sz="1100" b="1" dirty="0">
+                <a:latin typeface="Courier New" panose="02070309020205020404" pitchFamily="49" charset="0"/>
+                <a:cs typeface="Courier New" panose="02070309020205020404" pitchFamily="49" charset="0"/>
+              </a:rPr>
+              <a:t> (delta()==0)   </a:t>
+            </a:r>
+            <a:r>
+              <a:rPr lang="it-IT" sz="1100" b="1" dirty="0" err="1">
+                <a:latin typeface="Courier New" panose="02070309020205020404" pitchFamily="49" charset="0"/>
+                <a:cs typeface="Courier New" panose="02070309020205020404" pitchFamily="49" charset="0"/>
+              </a:rPr>
+              <a:t>return</a:t>
+            </a:r>
+            <a:r>
+              <a:rPr lang="it-IT" sz="1100" b="1" dirty="0">
+                <a:latin typeface="Courier New" panose="02070309020205020404" pitchFamily="49" charset="0"/>
+                <a:cs typeface="Courier New" panose="02070309020205020404" pitchFamily="49" charset="0"/>
+              </a:rPr>
+              <a:t> 1;</a:t>
+            </a:r>
+          </a:p>
+          <a:p>
+            <a:pPr marL="0" indent="0">
+              <a:buNone/>
+            </a:pPr>
+            <a:r>
+              <a:rPr lang="it-IT" sz="1100" b="1" dirty="0">
+                <a:latin typeface="Courier New" panose="02070309020205020404" pitchFamily="49" charset="0"/>
+                <a:cs typeface="Courier New" panose="02070309020205020404" pitchFamily="49" charset="0"/>
+              </a:rPr>
+              <a:t>     </a:t>
+            </a:r>
+            <a:r>
+              <a:rPr lang="it-IT" sz="1100" b="1" dirty="0" err="1">
+                <a:latin typeface="Courier New" panose="02070309020205020404" pitchFamily="49" charset="0"/>
+                <a:cs typeface="Courier New" panose="02070309020205020404" pitchFamily="49" charset="0"/>
+              </a:rPr>
+              <a:t>return</a:t>
+            </a:r>
+            <a:r>
+              <a:rPr lang="it-IT" sz="1100" b="1" dirty="0">
+                <a:latin typeface="Courier New" panose="02070309020205020404" pitchFamily="49" charset="0"/>
+                <a:cs typeface="Courier New" panose="02070309020205020404" pitchFamily="49" charset="0"/>
+              </a:rPr>
+              <a:t> 2;</a:t>
+            </a:r>
+          </a:p>
+          <a:p>
+            <a:pPr marL="0" indent="0">
+              <a:buNone/>
+            </a:pPr>
+            <a:r>
+              <a:rPr lang="it-IT" sz="1100" b="1" dirty="0">
+                <a:latin typeface="Courier New" panose="02070309020205020404" pitchFamily="49" charset="0"/>
+                <a:cs typeface="Courier New" panose="02070309020205020404" pitchFamily="49" charset="0"/>
+              </a:rPr>
+              <a:t>   }</a:t>
+            </a:r>
+          </a:p>
+        </p:txBody>
+      </p:sp>
+      <p:sp>
+        <p:nvSpPr>
+          <p:cNvPr id="4" name="Segnaposto contenuto 3">
+            <a:extLst>
+              <a:ext uri="{FF2B5EF4-FFF2-40B4-BE49-F238E27FC236}">
+                <a16:creationId xmlns:a16="http://schemas.microsoft.com/office/drawing/2014/main" id="{ADC48B68-E622-40DF-970B-CFF43A218E68}"/>
+              </a:ext>
+            </a:extLst>
+          </p:cNvPr>
+          <p:cNvSpPr>
+            <a:spLocks noGrp="1"/>
+          </p:cNvSpPr>
+          <p:nvPr>
+            <p:ph sz="half" idx="2"/>
+          </p:nvPr>
+        </p:nvSpPr>
+        <p:spPr/>
+        <p:txBody>
+          <a:bodyPr/>
+          <a:lstStyle/>
+          <a:p>
+            <a:pPr marL="0" indent="0">
+              <a:buNone/>
+            </a:pPr>
+            <a:r>
+              <a:rPr lang="it-IT" sz="1100" b="1" dirty="0">
+                <a:solidFill>
+                  <a:srgbClr val="FF0000"/>
+                </a:solidFill>
+                <a:latin typeface="Courier New" panose="02070309020205020404" pitchFamily="49" charset="0"/>
+                <a:cs typeface="Courier New" panose="02070309020205020404" pitchFamily="49" charset="0"/>
+              </a:rPr>
+              <a:t>double soluzione1() </a:t>
+            </a:r>
+            <a:r>
+              <a:rPr lang="it-IT" sz="1100" b="1" dirty="0">
+                <a:latin typeface="Courier New" panose="02070309020205020404" pitchFamily="49" charset="0"/>
+                <a:cs typeface="Courier New" panose="02070309020205020404" pitchFamily="49" charset="0"/>
+              </a:rPr>
+              <a:t>{</a:t>
+            </a:r>
+          </a:p>
+          <a:p>
+            <a:pPr marL="0" indent="0">
+              <a:buNone/>
+            </a:pPr>
+            <a:r>
+              <a:rPr lang="it-IT" sz="1100" b="1" dirty="0">
+                <a:latin typeface="Courier New" panose="02070309020205020404" pitchFamily="49" charset="0"/>
+                <a:cs typeface="Courier New" panose="02070309020205020404" pitchFamily="49" charset="0"/>
+              </a:rPr>
+              <a:t>   </a:t>
+            </a:r>
+            <a:r>
+              <a:rPr lang="it-IT" sz="1100" b="1" dirty="0" err="1">
+                <a:latin typeface="Courier New" panose="02070309020205020404" pitchFamily="49" charset="0"/>
+                <a:cs typeface="Courier New" panose="02070309020205020404" pitchFamily="49" charset="0"/>
+              </a:rPr>
+              <a:t>if</a:t>
+            </a:r>
+            <a:r>
+              <a:rPr lang="it-IT" sz="1100" b="1" dirty="0">
+                <a:latin typeface="Courier New" panose="02070309020205020404" pitchFamily="49" charset="0"/>
+                <a:cs typeface="Courier New" panose="02070309020205020404" pitchFamily="49" charset="0"/>
+              </a:rPr>
+              <a:t> (a==0 &amp;&amp; b!=0) </a:t>
+            </a:r>
+            <a:r>
+              <a:rPr lang="it-IT" sz="1100" b="1" dirty="0" err="1">
+                <a:latin typeface="Courier New" panose="02070309020205020404" pitchFamily="49" charset="0"/>
+                <a:cs typeface="Courier New" panose="02070309020205020404" pitchFamily="49" charset="0"/>
+              </a:rPr>
+              <a:t>return</a:t>
+            </a:r>
+            <a:r>
+              <a:rPr lang="it-IT" sz="1100" b="1" dirty="0">
+                <a:latin typeface="Courier New" panose="02070309020205020404" pitchFamily="49" charset="0"/>
+                <a:cs typeface="Courier New" panose="02070309020205020404" pitchFamily="49" charset="0"/>
+              </a:rPr>
+              <a:t> (-c/b);</a:t>
+            </a:r>
+          </a:p>
+          <a:p>
+            <a:pPr marL="0" indent="0">
+              <a:buNone/>
+            </a:pPr>
+            <a:r>
+              <a:rPr lang="it-IT" sz="1100" b="1" dirty="0">
+                <a:latin typeface="Courier New" panose="02070309020205020404" pitchFamily="49" charset="0"/>
+                <a:cs typeface="Courier New" panose="02070309020205020404" pitchFamily="49" charset="0"/>
+              </a:rPr>
+              <a:t>   </a:t>
+            </a:r>
+            <a:r>
+              <a:rPr lang="it-IT" sz="1100" b="1" dirty="0" err="1">
+                <a:latin typeface="Courier New" panose="02070309020205020404" pitchFamily="49" charset="0"/>
+                <a:cs typeface="Courier New" panose="02070309020205020404" pitchFamily="49" charset="0"/>
+              </a:rPr>
+              <a:t>if</a:t>
+            </a:r>
+            <a:r>
+              <a:rPr lang="it-IT" sz="1100" b="1" dirty="0">
+                <a:latin typeface="Courier New" panose="02070309020205020404" pitchFamily="49" charset="0"/>
+                <a:cs typeface="Courier New" panose="02070309020205020404" pitchFamily="49" charset="0"/>
+              </a:rPr>
+              <a:t> (delta()&gt;=0)	</a:t>
+            </a:r>
+            <a:r>
+              <a:rPr lang="it-IT" sz="1100" b="1" dirty="0" err="1">
+                <a:latin typeface="Courier New" panose="02070309020205020404" pitchFamily="49" charset="0"/>
+                <a:cs typeface="Courier New" panose="02070309020205020404" pitchFamily="49" charset="0"/>
+              </a:rPr>
+              <a:t>return</a:t>
+            </a:r>
+            <a:r>
+              <a:rPr lang="it-IT" sz="1100" b="1" dirty="0">
+                <a:latin typeface="Courier New" panose="02070309020205020404" pitchFamily="49" charset="0"/>
+                <a:cs typeface="Courier New" panose="02070309020205020404" pitchFamily="49" charset="0"/>
+              </a:rPr>
+              <a:t> ((-b-</a:t>
+            </a:r>
+            <a:r>
+              <a:rPr lang="it-IT" sz="1100" b="1" dirty="0" err="1">
+                <a:latin typeface="Courier New" panose="02070309020205020404" pitchFamily="49" charset="0"/>
+                <a:cs typeface="Courier New" panose="02070309020205020404" pitchFamily="49" charset="0"/>
+              </a:rPr>
+              <a:t>sqrt</a:t>
+            </a:r>
+            <a:r>
+              <a:rPr lang="it-IT" sz="1100" b="1" dirty="0">
+                <a:latin typeface="Courier New" panose="02070309020205020404" pitchFamily="49" charset="0"/>
+                <a:cs typeface="Courier New" panose="02070309020205020404" pitchFamily="49" charset="0"/>
+              </a:rPr>
+              <a:t>(delta()))/a);</a:t>
+            </a:r>
+          </a:p>
+          <a:p>
+            <a:pPr marL="0" indent="0">
+              <a:buNone/>
+            </a:pPr>
+            <a:r>
+              <a:rPr lang="it-IT" sz="1100" b="1" dirty="0">
+                <a:latin typeface="Courier New" panose="02070309020205020404" pitchFamily="49" charset="0"/>
+                <a:cs typeface="Courier New" panose="02070309020205020404" pitchFamily="49" charset="0"/>
+              </a:rPr>
+              <a:t>   </a:t>
+            </a:r>
+            <a:r>
+              <a:rPr lang="it-IT" sz="1100" b="1" dirty="0" err="1">
+                <a:latin typeface="Courier New" panose="02070309020205020404" pitchFamily="49" charset="0"/>
+                <a:cs typeface="Courier New" panose="02070309020205020404" pitchFamily="49" charset="0"/>
+              </a:rPr>
+              <a:t>return</a:t>
+            </a:r>
+            <a:r>
+              <a:rPr lang="it-IT" sz="1100" b="1" dirty="0">
+                <a:latin typeface="Courier New" panose="02070309020205020404" pitchFamily="49" charset="0"/>
+                <a:cs typeface="Courier New" panose="02070309020205020404" pitchFamily="49" charset="0"/>
+              </a:rPr>
+              <a:t> </a:t>
+            </a:r>
+            <a:r>
+              <a:rPr lang="it-IT" sz="1100" b="1" dirty="0" err="1">
+                <a:latin typeface="Courier New" panose="02070309020205020404" pitchFamily="49" charset="0"/>
+                <a:cs typeface="Courier New" panose="02070309020205020404" pitchFamily="49" charset="0"/>
+              </a:rPr>
+              <a:t>std</a:t>
+            </a:r>
+            <a:r>
+              <a:rPr lang="it-IT" sz="1100" b="1" dirty="0">
+                <a:latin typeface="Courier New" panose="02070309020205020404" pitchFamily="49" charset="0"/>
+                <a:cs typeface="Courier New" panose="02070309020205020404" pitchFamily="49" charset="0"/>
+              </a:rPr>
+              <a:t>::</a:t>
+            </a:r>
+            <a:r>
+              <a:rPr lang="it-IT" sz="1100" b="1" dirty="0" err="1">
+                <a:latin typeface="Courier New" panose="02070309020205020404" pitchFamily="49" charset="0"/>
+                <a:cs typeface="Courier New" panose="02070309020205020404" pitchFamily="49" charset="0"/>
+              </a:rPr>
+              <a:t>numeric_limits</a:t>
+            </a:r>
+            <a:r>
+              <a:rPr lang="it-IT" sz="1100" b="1" dirty="0">
+                <a:latin typeface="Courier New" panose="02070309020205020404" pitchFamily="49" charset="0"/>
+                <a:cs typeface="Courier New" panose="02070309020205020404" pitchFamily="49" charset="0"/>
+              </a:rPr>
+              <a:t>&lt;double&gt;::</a:t>
+            </a:r>
+            <a:r>
+              <a:rPr lang="it-IT" sz="1100" b="1" dirty="0" err="1">
+                <a:latin typeface="Courier New" panose="02070309020205020404" pitchFamily="49" charset="0"/>
+                <a:cs typeface="Courier New" panose="02070309020205020404" pitchFamily="49" charset="0"/>
+              </a:rPr>
+              <a:t>min</a:t>
+            </a:r>
+            <a:r>
+              <a:rPr lang="it-IT" sz="1100" b="1" dirty="0">
+                <a:latin typeface="Courier New" panose="02070309020205020404" pitchFamily="49" charset="0"/>
+                <a:cs typeface="Courier New" panose="02070309020205020404" pitchFamily="49" charset="0"/>
+              </a:rPr>
+              <a:t>();</a:t>
+            </a:r>
+          </a:p>
+          <a:p>
+            <a:pPr marL="0" indent="0">
+              <a:buNone/>
+            </a:pPr>
+            <a:r>
+              <a:rPr lang="it-IT" sz="1100" b="1" dirty="0">
+                <a:latin typeface="Courier New" panose="02070309020205020404" pitchFamily="49" charset="0"/>
+                <a:cs typeface="Courier New" panose="02070309020205020404" pitchFamily="49" charset="0"/>
+              </a:rPr>
+              <a:t>}</a:t>
+            </a:r>
+          </a:p>
+          <a:p>
+            <a:pPr marL="0" indent="0">
+              <a:buNone/>
+            </a:pPr>
+            <a:r>
+              <a:rPr lang="it-IT" sz="1100" b="1" dirty="0">
+                <a:solidFill>
+                  <a:srgbClr val="FF0000"/>
+                </a:solidFill>
+                <a:latin typeface="Courier New" panose="02070309020205020404" pitchFamily="49" charset="0"/>
+                <a:cs typeface="Courier New" panose="02070309020205020404" pitchFamily="49" charset="0"/>
+              </a:rPr>
+              <a:t>double soluzione2() </a:t>
+            </a:r>
+            <a:r>
+              <a:rPr lang="it-IT" sz="1100" b="1" dirty="0">
+                <a:latin typeface="Courier New" panose="02070309020205020404" pitchFamily="49" charset="0"/>
+                <a:cs typeface="Courier New" panose="02070309020205020404" pitchFamily="49" charset="0"/>
+              </a:rPr>
+              <a:t>{</a:t>
+            </a:r>
+          </a:p>
+          <a:p>
+            <a:pPr marL="0" indent="0">
+              <a:buNone/>
+            </a:pPr>
+            <a:r>
+              <a:rPr lang="it-IT" sz="1100" b="1" dirty="0">
+                <a:latin typeface="Courier New" panose="02070309020205020404" pitchFamily="49" charset="0"/>
+                <a:cs typeface="Courier New" panose="02070309020205020404" pitchFamily="49" charset="0"/>
+              </a:rPr>
+              <a:t>   …</a:t>
+            </a:r>
+          </a:p>
+          <a:p>
+            <a:pPr marL="0" indent="0">
+              <a:buNone/>
+            </a:pPr>
+            <a:r>
+              <a:rPr lang="it-IT" sz="1100" b="1" dirty="0">
+                <a:latin typeface="Courier New" panose="02070309020205020404" pitchFamily="49" charset="0"/>
+                <a:cs typeface="Courier New" panose="02070309020205020404" pitchFamily="49" charset="0"/>
+              </a:rPr>
+              <a:t>}	</a:t>
+            </a:r>
+          </a:p>
+          <a:p>
+            <a:pPr marL="0" indent="0">
+              <a:buNone/>
+            </a:pPr>
+            <a:r>
+              <a:rPr lang="it-IT" sz="1100" b="1" dirty="0" err="1">
+                <a:solidFill>
+                  <a:srgbClr val="FF0000"/>
+                </a:solidFill>
+                <a:latin typeface="Courier New" panose="02070309020205020404" pitchFamily="49" charset="0"/>
+                <a:cs typeface="Courier New" panose="02070309020205020404" pitchFamily="49" charset="0"/>
+              </a:rPr>
+              <a:t>string</a:t>
+            </a:r>
+            <a:r>
+              <a:rPr lang="it-IT" sz="1100" b="1" dirty="0">
+                <a:solidFill>
+                  <a:srgbClr val="FF0000"/>
+                </a:solidFill>
+                <a:latin typeface="Courier New" panose="02070309020205020404" pitchFamily="49" charset="0"/>
+                <a:cs typeface="Courier New" panose="02070309020205020404" pitchFamily="49" charset="0"/>
+              </a:rPr>
+              <a:t> </a:t>
+            </a:r>
+            <a:r>
+              <a:rPr lang="it-IT" sz="1100" b="1" dirty="0" err="1">
+                <a:solidFill>
+                  <a:srgbClr val="FF0000"/>
+                </a:solidFill>
+                <a:latin typeface="Courier New" panose="02070309020205020404" pitchFamily="49" charset="0"/>
+                <a:cs typeface="Courier New" panose="02070309020205020404" pitchFamily="49" charset="0"/>
+              </a:rPr>
+              <a:t>toString</a:t>
+            </a:r>
+            <a:r>
+              <a:rPr lang="it-IT" sz="1100" b="1" dirty="0">
+                <a:solidFill>
+                  <a:srgbClr val="FF0000"/>
+                </a:solidFill>
+                <a:latin typeface="Courier New" panose="02070309020205020404" pitchFamily="49" charset="0"/>
+                <a:cs typeface="Courier New" panose="02070309020205020404" pitchFamily="49" charset="0"/>
+              </a:rPr>
+              <a:t>() </a:t>
+            </a:r>
+            <a:r>
+              <a:rPr lang="it-IT" sz="1100" b="1" dirty="0">
+                <a:latin typeface="Courier New" panose="02070309020205020404" pitchFamily="49" charset="0"/>
+                <a:cs typeface="Courier New" panose="02070309020205020404" pitchFamily="49" charset="0"/>
+              </a:rPr>
+              <a:t>{</a:t>
+            </a:r>
+          </a:p>
+          <a:p>
+            <a:pPr marL="0" indent="0">
+              <a:buNone/>
+            </a:pPr>
+            <a:r>
+              <a:rPr lang="it-IT" sz="1100" b="1" dirty="0">
+                <a:latin typeface="Courier New" panose="02070309020205020404" pitchFamily="49" charset="0"/>
+                <a:cs typeface="Courier New" panose="02070309020205020404" pitchFamily="49" charset="0"/>
+              </a:rPr>
+              <a:t>   </a:t>
+            </a:r>
+            <a:r>
+              <a:rPr lang="it-IT" sz="1100" b="1" dirty="0" err="1">
+                <a:latin typeface="Courier New" panose="02070309020205020404" pitchFamily="49" charset="0"/>
+                <a:cs typeface="Courier New" panose="02070309020205020404" pitchFamily="49" charset="0"/>
+              </a:rPr>
+              <a:t>string</a:t>
+            </a:r>
+            <a:r>
+              <a:rPr lang="it-IT" sz="1100" b="1" dirty="0">
+                <a:latin typeface="Courier New" panose="02070309020205020404" pitchFamily="49" charset="0"/>
+                <a:cs typeface="Courier New" panose="02070309020205020404" pitchFamily="49" charset="0"/>
+              </a:rPr>
+              <a:t> s = "";</a:t>
+            </a:r>
+          </a:p>
+          <a:p>
+            <a:pPr marL="0" indent="0">
+              <a:buNone/>
+            </a:pPr>
+            <a:r>
+              <a:rPr lang="it-IT" sz="1100" b="1" dirty="0">
+                <a:latin typeface="Courier New" panose="02070309020205020404" pitchFamily="49" charset="0"/>
+                <a:cs typeface="Courier New" panose="02070309020205020404" pitchFamily="49" charset="0"/>
+              </a:rPr>
+              <a:t>   </a:t>
+            </a:r>
+            <a:r>
+              <a:rPr lang="it-IT" sz="1100" b="1" dirty="0" err="1">
+                <a:latin typeface="Courier New" panose="02070309020205020404" pitchFamily="49" charset="0"/>
+                <a:cs typeface="Courier New" panose="02070309020205020404" pitchFamily="49" charset="0"/>
+              </a:rPr>
+              <a:t>if</a:t>
+            </a:r>
+            <a:r>
+              <a:rPr lang="it-IT" sz="1100" b="1" dirty="0">
+                <a:latin typeface="Courier New" panose="02070309020205020404" pitchFamily="49" charset="0"/>
+                <a:cs typeface="Courier New" panose="02070309020205020404" pitchFamily="49" charset="0"/>
+              </a:rPr>
+              <a:t> (a!=0) s += </a:t>
+            </a:r>
+            <a:r>
+              <a:rPr lang="it-IT" sz="1100" b="1" dirty="0" err="1">
+                <a:latin typeface="Courier New" panose="02070309020205020404" pitchFamily="49" charset="0"/>
+                <a:cs typeface="Courier New" panose="02070309020205020404" pitchFamily="49" charset="0"/>
+              </a:rPr>
+              <a:t>to_string</a:t>
+            </a:r>
+            <a:r>
+              <a:rPr lang="it-IT" sz="1100" b="1" dirty="0">
+                <a:latin typeface="Courier New" panose="02070309020205020404" pitchFamily="49" charset="0"/>
+                <a:cs typeface="Courier New" panose="02070309020205020404" pitchFamily="49" charset="0"/>
+              </a:rPr>
+              <a:t>(a) + "x^2 ";</a:t>
+            </a:r>
+          </a:p>
+          <a:p>
+            <a:pPr marL="0" indent="0">
+              <a:buNone/>
+            </a:pPr>
+            <a:r>
+              <a:rPr lang="it-IT" sz="1100" b="1" dirty="0">
+                <a:latin typeface="Courier New" panose="02070309020205020404" pitchFamily="49" charset="0"/>
+                <a:cs typeface="Courier New" panose="02070309020205020404" pitchFamily="49" charset="0"/>
+              </a:rPr>
+              <a:t>   </a:t>
+            </a:r>
+            <a:r>
+              <a:rPr lang="it-IT" sz="1100" b="1" dirty="0" err="1">
+                <a:latin typeface="Courier New" panose="02070309020205020404" pitchFamily="49" charset="0"/>
+                <a:cs typeface="Courier New" panose="02070309020205020404" pitchFamily="49" charset="0"/>
+              </a:rPr>
+              <a:t>if</a:t>
+            </a:r>
+            <a:r>
+              <a:rPr lang="it-IT" sz="1100" b="1" dirty="0">
+                <a:latin typeface="Courier New" panose="02070309020205020404" pitchFamily="49" charset="0"/>
+                <a:cs typeface="Courier New" panose="02070309020205020404" pitchFamily="49" charset="0"/>
+              </a:rPr>
+              <a:t> (b&gt;0) s += "+" + </a:t>
+            </a:r>
+            <a:r>
+              <a:rPr lang="it-IT" sz="1100" b="1" dirty="0" err="1">
+                <a:latin typeface="Courier New" panose="02070309020205020404" pitchFamily="49" charset="0"/>
+                <a:cs typeface="Courier New" panose="02070309020205020404" pitchFamily="49" charset="0"/>
+              </a:rPr>
+              <a:t>to_string</a:t>
+            </a:r>
+            <a:r>
+              <a:rPr lang="it-IT" sz="1100" b="1" dirty="0">
+                <a:latin typeface="Courier New" panose="02070309020205020404" pitchFamily="49" charset="0"/>
+                <a:cs typeface="Courier New" panose="02070309020205020404" pitchFamily="49" charset="0"/>
+              </a:rPr>
+              <a:t>(b) + "x ";</a:t>
+            </a:r>
+          </a:p>
+          <a:p>
+            <a:pPr marL="0" indent="0">
+              <a:buNone/>
+            </a:pPr>
+            <a:r>
+              <a:rPr lang="it-IT" sz="1100" b="1" dirty="0">
+                <a:latin typeface="Courier New" panose="02070309020205020404" pitchFamily="49" charset="0"/>
+                <a:cs typeface="Courier New" panose="02070309020205020404" pitchFamily="49" charset="0"/>
+              </a:rPr>
+              <a:t>   </a:t>
+            </a:r>
+            <a:r>
+              <a:rPr lang="it-IT" sz="1100" b="1" dirty="0" err="1">
+                <a:latin typeface="Courier New" panose="02070309020205020404" pitchFamily="49" charset="0"/>
+                <a:cs typeface="Courier New" panose="02070309020205020404" pitchFamily="49" charset="0"/>
+              </a:rPr>
+              <a:t>if</a:t>
+            </a:r>
+            <a:r>
+              <a:rPr lang="it-IT" sz="1100" b="1" dirty="0">
+                <a:latin typeface="Courier New" panose="02070309020205020404" pitchFamily="49" charset="0"/>
+                <a:cs typeface="Courier New" panose="02070309020205020404" pitchFamily="49" charset="0"/>
+              </a:rPr>
+              <a:t> (b&lt;0) s += </a:t>
+            </a:r>
+            <a:r>
+              <a:rPr lang="it-IT" sz="1100" b="1" dirty="0" err="1">
+                <a:latin typeface="Courier New" panose="02070309020205020404" pitchFamily="49" charset="0"/>
+                <a:cs typeface="Courier New" panose="02070309020205020404" pitchFamily="49" charset="0"/>
+              </a:rPr>
+              <a:t>to_string</a:t>
+            </a:r>
+            <a:r>
+              <a:rPr lang="it-IT" sz="1100" b="1" dirty="0">
+                <a:latin typeface="Courier New" panose="02070309020205020404" pitchFamily="49" charset="0"/>
+                <a:cs typeface="Courier New" panose="02070309020205020404" pitchFamily="49" charset="0"/>
+              </a:rPr>
+              <a:t>(b) + "x ";</a:t>
+            </a:r>
+          </a:p>
+          <a:p>
+            <a:pPr marL="0" indent="0">
+              <a:buNone/>
+            </a:pPr>
+            <a:r>
+              <a:rPr lang="it-IT" sz="1100" b="1" dirty="0">
+                <a:latin typeface="Courier New" panose="02070309020205020404" pitchFamily="49" charset="0"/>
+                <a:cs typeface="Courier New" panose="02070309020205020404" pitchFamily="49" charset="0"/>
+              </a:rPr>
+              <a:t>   </a:t>
+            </a:r>
+            <a:r>
+              <a:rPr lang="it-IT" sz="1100" b="1" dirty="0" err="1">
+                <a:latin typeface="Courier New" panose="02070309020205020404" pitchFamily="49" charset="0"/>
+                <a:cs typeface="Courier New" panose="02070309020205020404" pitchFamily="49" charset="0"/>
+              </a:rPr>
+              <a:t>if</a:t>
+            </a:r>
+            <a:r>
+              <a:rPr lang="it-IT" sz="1100" b="1" dirty="0">
+                <a:latin typeface="Courier New" panose="02070309020205020404" pitchFamily="49" charset="0"/>
+                <a:cs typeface="Courier New" panose="02070309020205020404" pitchFamily="49" charset="0"/>
+              </a:rPr>
+              <a:t> (c&gt;0) s += "+" + </a:t>
+            </a:r>
+            <a:r>
+              <a:rPr lang="it-IT" sz="1100" b="1" dirty="0" err="1">
+                <a:latin typeface="Courier New" panose="02070309020205020404" pitchFamily="49" charset="0"/>
+                <a:cs typeface="Courier New" panose="02070309020205020404" pitchFamily="49" charset="0"/>
+              </a:rPr>
+              <a:t>to_string</a:t>
+            </a:r>
+            <a:r>
+              <a:rPr lang="it-IT" sz="1100" b="1" dirty="0">
+                <a:latin typeface="Courier New" panose="02070309020205020404" pitchFamily="49" charset="0"/>
+                <a:cs typeface="Courier New" panose="02070309020205020404" pitchFamily="49" charset="0"/>
+              </a:rPr>
+              <a:t>(c);</a:t>
+            </a:r>
+          </a:p>
+          <a:p>
+            <a:pPr marL="0" indent="0">
+              <a:buNone/>
+            </a:pPr>
+            <a:r>
+              <a:rPr lang="it-IT" sz="1100" b="1" dirty="0">
+                <a:latin typeface="Courier New" panose="02070309020205020404" pitchFamily="49" charset="0"/>
+                <a:cs typeface="Courier New" panose="02070309020205020404" pitchFamily="49" charset="0"/>
+              </a:rPr>
+              <a:t>   </a:t>
+            </a:r>
+            <a:r>
+              <a:rPr lang="it-IT" sz="1100" b="1" dirty="0" err="1">
+                <a:latin typeface="Courier New" panose="02070309020205020404" pitchFamily="49" charset="0"/>
+                <a:cs typeface="Courier New" panose="02070309020205020404" pitchFamily="49" charset="0"/>
+              </a:rPr>
+              <a:t>if</a:t>
+            </a:r>
+            <a:r>
+              <a:rPr lang="it-IT" sz="1100" b="1" dirty="0">
+                <a:latin typeface="Courier New" panose="02070309020205020404" pitchFamily="49" charset="0"/>
+                <a:cs typeface="Courier New" panose="02070309020205020404" pitchFamily="49" charset="0"/>
+              </a:rPr>
+              <a:t> (c&lt;0) s += </a:t>
+            </a:r>
+            <a:r>
+              <a:rPr lang="it-IT" sz="1100" b="1" dirty="0" err="1">
+                <a:latin typeface="Courier New" panose="02070309020205020404" pitchFamily="49" charset="0"/>
+                <a:cs typeface="Courier New" panose="02070309020205020404" pitchFamily="49" charset="0"/>
+              </a:rPr>
+              <a:t>to_string</a:t>
+            </a:r>
+            <a:r>
+              <a:rPr lang="it-IT" sz="1100" b="1" dirty="0">
+                <a:latin typeface="Courier New" panose="02070309020205020404" pitchFamily="49" charset="0"/>
+                <a:cs typeface="Courier New" panose="02070309020205020404" pitchFamily="49" charset="0"/>
+              </a:rPr>
+              <a:t>(c);</a:t>
+            </a:r>
+          </a:p>
+          <a:p>
+            <a:pPr marL="0" indent="0">
+              <a:buNone/>
+            </a:pPr>
+            <a:r>
+              <a:rPr lang="it-IT" sz="1100" b="1" dirty="0">
+                <a:latin typeface="Courier New" panose="02070309020205020404" pitchFamily="49" charset="0"/>
+                <a:cs typeface="Courier New" panose="02070309020205020404" pitchFamily="49" charset="0"/>
+              </a:rPr>
+              <a:t>   </a:t>
+            </a:r>
+            <a:r>
+              <a:rPr lang="it-IT" sz="1100" b="1" dirty="0" err="1">
+                <a:latin typeface="Courier New" panose="02070309020205020404" pitchFamily="49" charset="0"/>
+                <a:cs typeface="Courier New" panose="02070309020205020404" pitchFamily="49" charset="0"/>
+              </a:rPr>
+              <a:t>return</a:t>
+            </a:r>
+            <a:r>
+              <a:rPr lang="it-IT" sz="1100" b="1" dirty="0">
+                <a:latin typeface="Courier New" panose="02070309020205020404" pitchFamily="49" charset="0"/>
+                <a:cs typeface="Courier New" panose="02070309020205020404" pitchFamily="49" charset="0"/>
+              </a:rPr>
+              <a:t> s + " = 0";</a:t>
+            </a:r>
+          </a:p>
+          <a:p>
+            <a:pPr marL="0" indent="0">
+              <a:buNone/>
+            </a:pPr>
+            <a:r>
+              <a:rPr lang="it-IT" sz="1100" b="1" dirty="0">
+                <a:latin typeface="Courier New" panose="02070309020205020404" pitchFamily="49" charset="0"/>
+                <a:cs typeface="Courier New" panose="02070309020205020404" pitchFamily="49" charset="0"/>
+              </a:rPr>
+              <a:t>}</a:t>
+            </a:r>
+          </a:p>
+          <a:p>
+            <a:pPr marL="0" indent="0">
+              <a:buNone/>
+            </a:pPr>
+            <a:r>
+              <a:rPr lang="it-IT" sz="1100" b="1" dirty="0">
+                <a:solidFill>
+                  <a:srgbClr val="0070C0"/>
+                </a:solidFill>
+                <a:latin typeface="Courier New" panose="02070309020205020404" pitchFamily="49" charset="0"/>
+                <a:cs typeface="Courier New" panose="02070309020205020404" pitchFamily="49" charset="0"/>
+              </a:rPr>
               <a:t>private</a:t>
             </a:r>
             <a:r>
-              <a:rPr lang="it-IT" altLang="it-IT" sz="2800" dirty="0"/>
-              <a:t> tutte le </a:t>
-            </a:r>
-            <a:r>
-              <a:rPr lang="it-IT" altLang="it-IT" sz="2800" b="1" i="1" dirty="0"/>
-              <a:t>variabili membro</a:t>
-            </a:r>
-          </a:p>
-          <a:p>
-            <a:r>
-              <a:rPr lang="it-IT" altLang="it-IT" sz="2800" dirty="0" smtClean="0"/>
-              <a:t>raggruppare </a:t>
-            </a:r>
-            <a:r>
-              <a:rPr lang="it-IT" altLang="it-IT" sz="2800" b="1" i="1" dirty="0"/>
-              <a:t>definizione</a:t>
-            </a:r>
-            <a:r>
-              <a:rPr lang="it-IT" altLang="it-IT" sz="2800" dirty="0"/>
-              <a:t> della classe, </a:t>
-            </a:r>
-            <a:r>
-              <a:rPr lang="it-IT" altLang="it-IT" sz="2800" b="1" i="1" dirty="0"/>
-              <a:t>dichiarazioni</a:t>
-            </a:r>
-            <a:r>
-              <a:rPr lang="it-IT" altLang="it-IT" sz="2800" dirty="0"/>
+              <a:rPr lang="it-IT" sz="1100" b="1" dirty="0">
+                <a:latin typeface="Courier New" panose="02070309020205020404" pitchFamily="49" charset="0"/>
+                <a:cs typeface="Courier New" panose="02070309020205020404" pitchFamily="49" charset="0"/>
+              </a:rPr>
+              <a:t>:</a:t>
+            </a:r>
+          </a:p>
+          <a:p>
+            <a:pPr marL="0" indent="0">
+              <a:buNone/>
+            </a:pPr>
+            <a:r>
+              <a:rPr lang="it-IT" sz="1100" b="1" dirty="0">
+                <a:latin typeface="Courier New" panose="02070309020205020404" pitchFamily="49" charset="0"/>
+                <a:cs typeface="Courier New" panose="02070309020205020404" pitchFamily="49" charset="0"/>
+              </a:rPr>
+              <a:t>   </a:t>
+            </a:r>
+            <a:r>
+              <a:rPr lang="it-IT" sz="1100" b="1" dirty="0">
+                <a:solidFill>
+                  <a:srgbClr val="FF0000"/>
+                </a:solidFill>
+                <a:latin typeface="Courier New" panose="02070309020205020404" pitchFamily="49" charset="0"/>
+                <a:cs typeface="Courier New" panose="02070309020205020404" pitchFamily="49" charset="0"/>
+              </a:rPr>
+              <a:t>double a;</a:t>
+            </a:r>
+          </a:p>
+          <a:p>
+            <a:pPr marL="0" indent="0">
+              <a:buNone/>
+            </a:pPr>
+            <a:r>
+              <a:rPr lang="it-IT" sz="1100" b="1" dirty="0">
+                <a:solidFill>
+                  <a:srgbClr val="FF0000"/>
+                </a:solidFill>
+                <a:latin typeface="Courier New" panose="02070309020205020404" pitchFamily="49" charset="0"/>
+                <a:cs typeface="Courier New" panose="02070309020205020404" pitchFamily="49" charset="0"/>
+              </a:rPr>
+              <a:t>   double b;</a:t>
+            </a:r>
+          </a:p>
+          <a:p>
+            <a:pPr marL="0" indent="0">
+              <a:buNone/>
+            </a:pPr>
+            <a:r>
+              <a:rPr lang="it-IT" sz="1100" b="1" dirty="0">
+                <a:solidFill>
+                  <a:srgbClr val="FF0000"/>
+                </a:solidFill>
+                <a:latin typeface="Courier New" panose="02070309020205020404" pitchFamily="49" charset="0"/>
+                <a:cs typeface="Courier New" panose="02070309020205020404" pitchFamily="49" charset="0"/>
+              </a:rPr>
+              <a:t>   double c;</a:t>
+            </a:r>
+          </a:p>
+          <a:p>
+            <a:pPr marL="0" indent="0">
+              <a:buNone/>
+            </a:pPr>
+            <a:r>
+              <a:rPr lang="it-IT" sz="1100" b="1" dirty="0">
+                <a:solidFill>
+                  <a:srgbClr val="FF0000"/>
+                </a:solidFill>
+                <a:latin typeface="Courier New" panose="02070309020205020404" pitchFamily="49" charset="0"/>
+                <a:cs typeface="Courier New" panose="02070309020205020404" pitchFamily="49" charset="0"/>
+              </a:rPr>
+              <a:t>   double delta() </a:t>
+            </a:r>
+            <a:r>
+              <a:rPr lang="it-IT" sz="1100" b="1" dirty="0">
+                <a:latin typeface="Courier New" panose="02070309020205020404" pitchFamily="49" charset="0"/>
+                <a:cs typeface="Courier New" panose="02070309020205020404" pitchFamily="49" charset="0"/>
+              </a:rPr>
+              <a:t>{ </a:t>
+            </a:r>
+            <a:r>
+              <a:rPr lang="it-IT" sz="1100" b="1" dirty="0" err="1">
+                <a:latin typeface="Courier New" panose="02070309020205020404" pitchFamily="49" charset="0"/>
+                <a:cs typeface="Courier New" panose="02070309020205020404" pitchFamily="49" charset="0"/>
+              </a:rPr>
+              <a:t>return</a:t>
+            </a:r>
+            <a:r>
+              <a:rPr lang="it-IT" sz="1100" b="1" dirty="0">
+                <a:latin typeface="Courier New" panose="02070309020205020404" pitchFamily="49" charset="0"/>
+                <a:cs typeface="Courier New" panose="02070309020205020404" pitchFamily="49" charset="0"/>
+              </a:rPr>
               <a:t> </a:t>
             </a:r>
             <a:r>
-              <a:rPr lang="it-IT" altLang="it-IT" sz="2800" dirty="0" smtClean="0"/>
-              <a:t>delle </a:t>
-            </a:r>
-            <a:r>
-              <a:rPr lang="it-IT" altLang="it-IT" sz="2800" b="1" i="1" dirty="0" smtClean="0"/>
-              <a:t>funzioni membro </a:t>
-            </a:r>
-            <a:r>
-              <a:rPr lang="it-IT" altLang="it-IT" sz="2800" dirty="0"/>
-              <a:t>e commenti nel </a:t>
-            </a:r>
-            <a:r>
-              <a:rPr lang="it-IT" altLang="it-IT" sz="2800" b="1" dirty="0"/>
-              <a:t>file di</a:t>
-            </a:r>
-            <a:r>
-              <a:rPr lang="it-IT" altLang="it-IT" sz="2800" dirty="0"/>
-              <a:t> </a:t>
-            </a:r>
-            <a:r>
-              <a:rPr lang="it-IT" altLang="it-IT" sz="2800" b="1" dirty="0"/>
-              <a:t>interfaccia </a:t>
-            </a:r>
-            <a:r>
-              <a:rPr lang="it-IT" altLang="it-IT" sz="2800" dirty="0"/>
-              <a:t>(</a:t>
-            </a:r>
-            <a:r>
-              <a:rPr lang="it-IT" altLang="it-IT" sz="2800" b="1" i="1" dirty="0" err="1"/>
-              <a:t>header</a:t>
-            </a:r>
-            <a:r>
-              <a:rPr lang="it-IT" altLang="it-IT" sz="2800" b="1" i="1" dirty="0"/>
-              <a:t> file</a:t>
-            </a:r>
-            <a:r>
-              <a:rPr lang="it-IT" altLang="it-IT" sz="2800" dirty="0"/>
-              <a:t>)</a:t>
-            </a:r>
-          </a:p>
-          <a:p>
-            <a:r>
-              <a:rPr lang="it-IT" altLang="it-IT" sz="2800" dirty="0" smtClean="0"/>
-              <a:t>raggruppare </a:t>
-            </a:r>
-            <a:r>
-              <a:rPr lang="it-IT" altLang="it-IT" sz="2800" dirty="0"/>
-              <a:t>le </a:t>
-            </a:r>
-            <a:r>
-              <a:rPr lang="it-IT" altLang="it-IT" sz="2800" b="1" i="1" dirty="0"/>
-              <a:t>definizioni</a:t>
-            </a:r>
-            <a:r>
-              <a:rPr lang="it-IT" altLang="it-IT" sz="2800" dirty="0"/>
-              <a:t> delle </a:t>
-            </a:r>
-            <a:r>
-              <a:rPr lang="it-IT" altLang="it-IT" sz="2800" b="1" i="1" dirty="0"/>
-              <a:t>funzioni </a:t>
-            </a:r>
-            <a:r>
-              <a:rPr lang="it-IT" altLang="it-IT" sz="2800" b="1" i="1" dirty="0" smtClean="0"/>
-              <a:t>membro </a:t>
-            </a:r>
-            <a:r>
-              <a:rPr lang="it-IT" altLang="it-IT" sz="2800" dirty="0" smtClean="0"/>
-              <a:t>e </a:t>
-            </a:r>
-            <a:r>
-              <a:rPr lang="it-IT" altLang="it-IT" sz="2800" dirty="0"/>
-              <a:t>l’inizializzazione delle variabili </a:t>
-            </a:r>
-            <a:r>
-              <a:rPr lang="it-IT" altLang="it-IT" sz="2800" i="1" dirty="0" err="1"/>
-              <a:t>static</a:t>
-            </a:r>
-            <a:r>
-              <a:rPr lang="it-IT" altLang="it-IT" sz="2800" dirty="0"/>
-              <a:t> nel </a:t>
-            </a:r>
-            <a:r>
-              <a:rPr lang="it-IT" altLang="it-IT" sz="2800" b="1" i="1" dirty="0"/>
-              <a:t>file di implementazione</a:t>
-            </a:r>
+              <a:rPr lang="it-IT" sz="1100" b="1" dirty="0" err="1">
+                <a:latin typeface="Courier New" panose="02070309020205020404" pitchFamily="49" charset="0"/>
+                <a:cs typeface="Courier New" panose="02070309020205020404" pitchFamily="49" charset="0"/>
+              </a:rPr>
+              <a:t>pow</a:t>
+            </a:r>
+            <a:r>
+              <a:rPr lang="it-IT" sz="1100" b="1" dirty="0">
+                <a:latin typeface="Courier New" panose="02070309020205020404" pitchFamily="49" charset="0"/>
+                <a:cs typeface="Courier New" panose="02070309020205020404" pitchFamily="49" charset="0"/>
+              </a:rPr>
+              <a:t>(b,2)-4*a*c; }</a:t>
+            </a:r>
+          </a:p>
+          <a:p>
+            <a:pPr marL="0" indent="0">
+              <a:buNone/>
+            </a:pPr>
+            <a:r>
+              <a:rPr lang="it-IT" sz="1100" b="1" dirty="0">
+                <a:latin typeface="Courier New" panose="02070309020205020404" pitchFamily="49" charset="0"/>
+                <a:cs typeface="Courier New" panose="02070309020205020404" pitchFamily="49" charset="0"/>
+              </a:rPr>
+              <a:t>};</a:t>
+            </a:r>
+          </a:p>
+          <a:p>
+            <a:pPr marL="0" indent="0">
+              <a:buNone/>
+            </a:pPr>
+            <a:endParaRPr lang="it-IT" sz="1100" b="1" dirty="0">
+              <a:latin typeface="Courier New" panose="02070309020205020404" pitchFamily="49" charset="0"/>
+              <a:cs typeface="Courier New" panose="02070309020205020404" pitchFamily="49" charset="0"/>
+            </a:endParaRPr>
+          </a:p>
+        </p:txBody>
+      </p:sp>
+      <p:sp>
+        <p:nvSpPr>
+          <p:cNvPr id="5" name="Segnaposto piè di pagina 4">
+            <a:extLst>
+              <a:ext uri="{FF2B5EF4-FFF2-40B4-BE49-F238E27FC236}">
+                <a16:creationId xmlns:a16="http://schemas.microsoft.com/office/drawing/2014/main" id="{CB957E9A-6D92-4924-B392-FF29BF330A8B}"/>
+              </a:ext>
+            </a:extLst>
+          </p:cNvPr>
+          <p:cNvSpPr>
+            <a:spLocks noGrp="1"/>
+          </p:cNvSpPr>
+          <p:nvPr>
+            <p:ph type="ftr" sz="quarter" idx="11"/>
+          </p:nvPr>
+        </p:nvSpPr>
+        <p:spPr/>
+        <p:txBody>
+          <a:bodyPr/>
+          <a:lstStyle/>
+          <a:p>
+            <a:pPr>
+              <a:defRPr/>
+            </a:pPr>
+            <a:r>
+              <a:rPr lang="it-IT"/>
+              <a:t>Alberto Ferrari – Programmazione di applicazioni SW</a:t>
+            </a:r>
+            <a:endParaRPr lang="it-IT" dirty="0"/>
           </a:p>
         </p:txBody>
       </p:sp>
     </p:spTree>
     <p:extLst>
       <p:ext uri="{BB962C8B-B14F-4D97-AF65-F5344CB8AC3E}">
-        <p14:creationId xmlns:p14="http://schemas.microsoft.com/office/powerpoint/2010/main" val="534141573"/>
+        <p14:creationId xmlns:p14="http://schemas.microsoft.com/office/powerpoint/2010/main" val="3556294264"/>
       </p:ext>
     </p:extLst>
   </p:cSld>
@@ -11173,7 +11233,13 @@
       </p:grpSpPr>
       <p:sp>
         <p:nvSpPr>
-          <p:cNvPr id="2" name="Titolo 1"/>
+          <p:cNvPr id="2" name="Titolo 1">
+            <a:extLst>
+              <a:ext uri="{FF2B5EF4-FFF2-40B4-BE49-F238E27FC236}">
+                <a16:creationId xmlns:a16="http://schemas.microsoft.com/office/drawing/2014/main" id="{8F83756D-8806-4520-940E-38F00B94B205}"/>
+              </a:ext>
+            </a:extLst>
+          </p:cNvPr>
           <p:cNvSpPr>
             <a:spLocks noGrp="1"/>
           </p:cNvSpPr>
@@ -11187,21 +11253,26 @@
           <a:lstStyle/>
           <a:p>
             <a:r>
-              <a:rPr lang="it-IT" dirty="0" smtClean="0"/>
-              <a:t>compilazione separata</a:t>
-            </a:r>
-            <a:endParaRPr lang="it-IT" dirty="0"/>
-          </a:p>
-        </p:txBody>
-      </p:sp>
-      <p:sp>
-        <p:nvSpPr>
-          <p:cNvPr id="3" name="Segnaposto contenuto 2"/>
+              <a:rPr lang="it-IT" dirty="0"/>
+              <a:t>soluzione esercizio</a:t>
+            </a:r>
+          </a:p>
+        </p:txBody>
+      </p:sp>
+      <p:sp>
+        <p:nvSpPr>
+          <p:cNvPr id="3" name="Segnaposto contenuto 2">
+            <a:extLst>
+              <a:ext uri="{FF2B5EF4-FFF2-40B4-BE49-F238E27FC236}">
+                <a16:creationId xmlns:a16="http://schemas.microsoft.com/office/drawing/2014/main" id="{24114D0B-C108-4C15-94AB-79C2F95BCBA7}"/>
+              </a:ext>
+            </a:extLst>
+          </p:cNvPr>
           <p:cNvSpPr>
             <a:spLocks noGrp="1"/>
           </p:cNvSpPr>
           <p:nvPr>
-            <p:ph idx="1"/>
+            <p:ph sz="half" idx="1"/>
           </p:nvPr>
         </p:nvSpPr>
         <p:spPr/>
@@ -11209,105 +11280,624 @@
           <a:bodyPr/>
           <a:lstStyle/>
           <a:p>
-            <a:r>
-              <a:rPr lang="it-IT" dirty="0" smtClean="0"/>
-              <a:t>il </a:t>
-            </a:r>
-            <a:r>
-              <a:rPr lang="it-IT" dirty="0"/>
-              <a:t>file che contiene il </a:t>
-            </a:r>
-            <a:r>
-              <a:rPr lang="it-IT" b="1" i="1" dirty="0"/>
-              <a:t>programma</a:t>
-            </a:r>
-            <a:r>
-              <a:rPr lang="it-IT" dirty="0"/>
-              <a:t> che usa la classe si chiama </a:t>
-            </a:r>
-            <a:r>
-              <a:rPr lang="it-IT" b="1" i="1" dirty="0"/>
-              <a:t>file di applicazione </a:t>
-            </a:r>
-          </a:p>
-          <a:p>
-            <a:r>
-              <a:rPr lang="it-IT" dirty="0" smtClean="0"/>
-              <a:t>sia </a:t>
-            </a:r>
-            <a:r>
-              <a:rPr lang="it-IT" dirty="0"/>
-              <a:t>l’</a:t>
-            </a:r>
-            <a:r>
-              <a:rPr lang="it-IT" b="1" i="1" dirty="0"/>
-              <a:t>implementazione</a:t>
-            </a:r>
-            <a:r>
-              <a:rPr lang="it-IT" dirty="0"/>
-              <a:t> che l’</a:t>
-            </a:r>
-            <a:r>
-              <a:rPr lang="it-IT" b="1" i="1" dirty="0"/>
-              <a:t>applicazione</a:t>
-            </a:r>
-            <a:r>
-              <a:rPr lang="it-IT" dirty="0"/>
-              <a:t> devono </a:t>
-            </a:r>
-            <a:r>
-              <a:rPr lang="it-IT" b="1" i="1" dirty="0"/>
-              <a:t>includere</a:t>
-            </a:r>
-            <a:r>
-              <a:rPr lang="it-IT" dirty="0"/>
-              <a:t> l’</a:t>
-            </a:r>
-            <a:r>
-              <a:rPr lang="it-IT" b="1" i="1" dirty="0" err="1"/>
-              <a:t>header</a:t>
-            </a:r>
-            <a:r>
-              <a:rPr lang="it-IT" b="1" i="1" dirty="0"/>
+            <a:pPr marL="0" indent="0">
+              <a:buNone/>
+            </a:pPr>
+            <a:r>
+              <a:rPr lang="it-IT" sz="1100" b="1" dirty="0" err="1">
+                <a:latin typeface="Courier New" panose="02070309020205020404" pitchFamily="49" charset="0"/>
+                <a:cs typeface="Courier New" panose="02070309020205020404" pitchFamily="49" charset="0"/>
+              </a:rPr>
+              <a:t>int</a:t>
+            </a:r>
+            <a:r>
+              <a:rPr lang="it-IT" sz="1100" b="1" dirty="0">
+                <a:latin typeface="Courier New" panose="02070309020205020404" pitchFamily="49" charset="0"/>
+                <a:cs typeface="Courier New" panose="02070309020205020404" pitchFamily="49" charset="0"/>
+              </a:rPr>
               <a:t> </a:t>
             </a:r>
             <a:r>
-              <a:rPr lang="it-IT" dirty="0"/>
-              <a:t>file</a:t>
-            </a:r>
-          </a:p>
-          <a:p>
-            <a:r>
-              <a:rPr lang="it-IT" dirty="0" smtClean="0"/>
-              <a:t>l’implementazione </a:t>
-            </a:r>
-            <a:r>
-              <a:rPr lang="it-IT" dirty="0"/>
-              <a:t>e l’applicazione vengono </a:t>
-            </a:r>
-            <a:r>
-              <a:rPr lang="it-IT" b="1" i="1" dirty="0"/>
-              <a:t>compilate separatamente</a:t>
-            </a:r>
-          </a:p>
-          <a:p>
-            <a:r>
-              <a:rPr lang="it-IT" dirty="0" smtClean="0"/>
-              <a:t>per </a:t>
-            </a:r>
-            <a:r>
-              <a:rPr lang="it-IT" dirty="0"/>
-              <a:t>ottenere l’eseguibile occorre linkare i due oggetti</a:t>
-            </a:r>
-          </a:p>
-          <a:p>
-            <a:endParaRPr lang="it-IT" dirty="0"/>
-          </a:p>
-        </p:txBody>
-      </p:sp>
-      <p:sp>
-        <p:nvSpPr>
-          <p:cNvPr id="4" name="Segnaposto piè di pagina 3"/>
+              <a:rPr lang="it-IT" sz="1100" b="1" dirty="0" err="1">
+                <a:latin typeface="Courier New" panose="02070309020205020404" pitchFamily="49" charset="0"/>
+                <a:cs typeface="Courier New" panose="02070309020205020404" pitchFamily="49" charset="0"/>
+              </a:rPr>
+              <a:t>main</a:t>
+            </a:r>
+            <a:r>
+              <a:rPr lang="it-IT" sz="1100" b="1" dirty="0">
+                <a:latin typeface="Courier New" panose="02070309020205020404" pitchFamily="49" charset="0"/>
+                <a:cs typeface="Courier New" panose="02070309020205020404" pitchFamily="49" charset="0"/>
+              </a:rPr>
+              <a:t>() {</a:t>
+            </a:r>
+          </a:p>
+          <a:p>
+            <a:pPr marL="0" indent="0">
+              <a:buNone/>
+            </a:pPr>
+            <a:r>
+              <a:rPr lang="it-IT" sz="1100" b="1" dirty="0">
+                <a:latin typeface="Courier New" panose="02070309020205020404" pitchFamily="49" charset="0"/>
+                <a:cs typeface="Courier New" panose="02070309020205020404" pitchFamily="49" charset="0"/>
+              </a:rPr>
+              <a:t>   Equazione e(3,4,1);</a:t>
+            </a:r>
+          </a:p>
+          <a:p>
+            <a:pPr marL="0" indent="0">
+              <a:buNone/>
+            </a:pPr>
+            <a:r>
+              <a:rPr lang="it-IT" sz="1100" b="1" dirty="0">
+                <a:latin typeface="Courier New" panose="02070309020205020404" pitchFamily="49" charset="0"/>
+                <a:cs typeface="Courier New" panose="02070309020205020404" pitchFamily="49" charset="0"/>
+              </a:rPr>
+              <a:t>   </a:t>
+            </a:r>
+            <a:r>
+              <a:rPr lang="it-IT" sz="1100" b="1" dirty="0" err="1">
+                <a:latin typeface="Courier New" panose="02070309020205020404" pitchFamily="49" charset="0"/>
+                <a:cs typeface="Courier New" panose="02070309020205020404" pitchFamily="49" charset="0"/>
+              </a:rPr>
+              <a:t>e.setA</a:t>
+            </a:r>
+            <a:r>
+              <a:rPr lang="it-IT" sz="1100" b="1" dirty="0">
+                <a:latin typeface="Courier New" panose="02070309020205020404" pitchFamily="49" charset="0"/>
+                <a:cs typeface="Courier New" panose="02070309020205020404" pitchFamily="49" charset="0"/>
+              </a:rPr>
+              <a:t>(2);</a:t>
+            </a:r>
+          </a:p>
+          <a:p>
+            <a:pPr marL="0" indent="0">
+              <a:buNone/>
+            </a:pPr>
+            <a:r>
+              <a:rPr lang="it-IT" sz="1100" b="1" dirty="0">
+                <a:latin typeface="Courier New" panose="02070309020205020404" pitchFamily="49" charset="0"/>
+                <a:cs typeface="Courier New" panose="02070309020205020404" pitchFamily="49" charset="0"/>
+              </a:rPr>
+              <a:t>   </a:t>
+            </a:r>
+            <a:r>
+              <a:rPr lang="it-IT" sz="1100" b="1" dirty="0" err="1">
+                <a:latin typeface="Courier New" panose="02070309020205020404" pitchFamily="49" charset="0"/>
+                <a:cs typeface="Courier New" panose="02070309020205020404" pitchFamily="49" charset="0"/>
+              </a:rPr>
+              <a:t>cout</a:t>
+            </a:r>
+            <a:r>
+              <a:rPr lang="it-IT" sz="1100" b="1" dirty="0">
+                <a:latin typeface="Courier New" panose="02070309020205020404" pitchFamily="49" charset="0"/>
+                <a:cs typeface="Courier New" panose="02070309020205020404" pitchFamily="49" charset="0"/>
+              </a:rPr>
+              <a:t> &lt;&lt; </a:t>
+            </a:r>
+            <a:r>
+              <a:rPr lang="it-IT" sz="1100" b="1" dirty="0" err="1">
+                <a:latin typeface="Courier New" panose="02070309020205020404" pitchFamily="49" charset="0"/>
+                <a:cs typeface="Courier New" panose="02070309020205020404" pitchFamily="49" charset="0"/>
+              </a:rPr>
+              <a:t>e.toString</a:t>
+            </a:r>
+            <a:r>
+              <a:rPr lang="it-IT" sz="1100" b="1" dirty="0">
+                <a:latin typeface="Courier New" panose="02070309020205020404" pitchFamily="49" charset="0"/>
+                <a:cs typeface="Courier New" panose="02070309020205020404" pitchFamily="49" charset="0"/>
+              </a:rPr>
+              <a:t>() &lt;&lt; </a:t>
+            </a:r>
+            <a:r>
+              <a:rPr lang="it-IT" sz="1100" b="1" dirty="0" err="1">
+                <a:latin typeface="Courier New" panose="02070309020205020404" pitchFamily="49" charset="0"/>
+                <a:cs typeface="Courier New" panose="02070309020205020404" pitchFamily="49" charset="0"/>
+              </a:rPr>
+              <a:t>endl</a:t>
+            </a:r>
+            <a:r>
+              <a:rPr lang="it-IT" sz="1100" b="1" dirty="0">
+                <a:latin typeface="Courier New" panose="02070309020205020404" pitchFamily="49" charset="0"/>
+                <a:cs typeface="Courier New" panose="02070309020205020404" pitchFamily="49" charset="0"/>
+              </a:rPr>
+              <a:t>;</a:t>
+            </a:r>
+          </a:p>
+          <a:p>
+            <a:pPr marL="0" indent="0">
+              <a:buNone/>
+            </a:pPr>
+            <a:r>
+              <a:rPr lang="it-IT" sz="1100" b="1" dirty="0">
+                <a:latin typeface="Courier New" panose="02070309020205020404" pitchFamily="49" charset="0"/>
+                <a:cs typeface="Courier New" panose="02070309020205020404" pitchFamily="49" charset="0"/>
+              </a:rPr>
+              <a:t>   switch (</a:t>
+            </a:r>
+            <a:r>
+              <a:rPr lang="it-IT" sz="1100" b="1" dirty="0" err="1">
+                <a:latin typeface="Courier New" panose="02070309020205020404" pitchFamily="49" charset="0"/>
+                <a:cs typeface="Courier New" panose="02070309020205020404" pitchFamily="49" charset="0"/>
+              </a:rPr>
+              <a:t>e.numSolReali</a:t>
+            </a:r>
+            <a:r>
+              <a:rPr lang="it-IT" sz="1100" b="1" dirty="0">
+                <a:latin typeface="Courier New" panose="02070309020205020404" pitchFamily="49" charset="0"/>
+                <a:cs typeface="Courier New" panose="02070309020205020404" pitchFamily="49" charset="0"/>
+              </a:rPr>
+              <a:t>()) {</a:t>
+            </a:r>
+          </a:p>
+          <a:p>
+            <a:pPr marL="0" indent="0">
+              <a:buNone/>
+            </a:pPr>
+            <a:r>
+              <a:rPr lang="it-IT" sz="1100" b="1" dirty="0">
+                <a:latin typeface="Courier New" panose="02070309020205020404" pitchFamily="49" charset="0"/>
+                <a:cs typeface="Courier New" panose="02070309020205020404" pitchFamily="49" charset="0"/>
+              </a:rPr>
+              <a:t>     case 2:</a:t>
+            </a:r>
+          </a:p>
+          <a:p>
+            <a:pPr marL="0" indent="0">
+              <a:buNone/>
+            </a:pPr>
+            <a:r>
+              <a:rPr lang="it-IT" sz="1100" b="1" dirty="0">
+                <a:latin typeface="Courier New" panose="02070309020205020404" pitchFamily="49" charset="0"/>
+                <a:cs typeface="Courier New" panose="02070309020205020404" pitchFamily="49" charset="0"/>
+              </a:rPr>
+              <a:t>       </a:t>
+            </a:r>
+            <a:r>
+              <a:rPr lang="it-IT" sz="1100" b="1" dirty="0" err="1">
+                <a:latin typeface="Courier New" panose="02070309020205020404" pitchFamily="49" charset="0"/>
+                <a:cs typeface="Courier New" panose="02070309020205020404" pitchFamily="49" charset="0"/>
+              </a:rPr>
+              <a:t>cout</a:t>
+            </a:r>
+            <a:r>
+              <a:rPr lang="it-IT" sz="1100" b="1" dirty="0">
+                <a:latin typeface="Courier New" panose="02070309020205020404" pitchFamily="49" charset="0"/>
+                <a:cs typeface="Courier New" panose="02070309020205020404" pitchFamily="49" charset="0"/>
+              </a:rPr>
+              <a:t> &lt;&lt; "soluzione 2 = " &lt;&lt; e.soluzione2() &lt;&lt; </a:t>
+            </a:r>
+            <a:r>
+              <a:rPr lang="it-IT" sz="1100" b="1" dirty="0" err="1">
+                <a:latin typeface="Courier New" panose="02070309020205020404" pitchFamily="49" charset="0"/>
+                <a:cs typeface="Courier New" panose="02070309020205020404" pitchFamily="49" charset="0"/>
+              </a:rPr>
+              <a:t>endl</a:t>
+            </a:r>
+            <a:r>
+              <a:rPr lang="it-IT" sz="1100" b="1" dirty="0">
+                <a:latin typeface="Courier New" panose="02070309020205020404" pitchFamily="49" charset="0"/>
+                <a:cs typeface="Courier New" panose="02070309020205020404" pitchFamily="49" charset="0"/>
+              </a:rPr>
+              <a:t>;</a:t>
+            </a:r>
+          </a:p>
+          <a:p>
+            <a:pPr marL="0" indent="0">
+              <a:buNone/>
+            </a:pPr>
+            <a:r>
+              <a:rPr lang="it-IT" sz="1100" b="1" dirty="0">
+                <a:latin typeface="Courier New" panose="02070309020205020404" pitchFamily="49" charset="0"/>
+                <a:cs typeface="Courier New" panose="02070309020205020404" pitchFamily="49" charset="0"/>
+              </a:rPr>
+              <a:t>     case 1:</a:t>
+            </a:r>
+          </a:p>
+          <a:p>
+            <a:pPr marL="0" indent="0">
+              <a:buNone/>
+            </a:pPr>
+            <a:r>
+              <a:rPr lang="it-IT" sz="1100" b="1" dirty="0">
+                <a:latin typeface="Courier New" panose="02070309020205020404" pitchFamily="49" charset="0"/>
+                <a:cs typeface="Courier New" panose="02070309020205020404" pitchFamily="49" charset="0"/>
+              </a:rPr>
+              <a:t>       </a:t>
+            </a:r>
+            <a:r>
+              <a:rPr lang="it-IT" sz="1100" b="1" dirty="0" err="1">
+                <a:latin typeface="Courier New" panose="02070309020205020404" pitchFamily="49" charset="0"/>
+                <a:cs typeface="Courier New" panose="02070309020205020404" pitchFamily="49" charset="0"/>
+              </a:rPr>
+              <a:t>cout</a:t>
+            </a:r>
+            <a:r>
+              <a:rPr lang="it-IT" sz="1100" b="1" dirty="0">
+                <a:latin typeface="Courier New" panose="02070309020205020404" pitchFamily="49" charset="0"/>
+                <a:cs typeface="Courier New" panose="02070309020205020404" pitchFamily="49" charset="0"/>
+              </a:rPr>
+              <a:t> &lt;&lt; "soluzione 1 = " &lt;&lt; e.soluzione1() &lt;&lt; </a:t>
+            </a:r>
+            <a:r>
+              <a:rPr lang="it-IT" sz="1100" b="1" dirty="0" err="1">
+                <a:latin typeface="Courier New" panose="02070309020205020404" pitchFamily="49" charset="0"/>
+                <a:cs typeface="Courier New" panose="02070309020205020404" pitchFamily="49" charset="0"/>
+              </a:rPr>
+              <a:t>endl</a:t>
+            </a:r>
+            <a:r>
+              <a:rPr lang="it-IT" sz="1100" b="1" dirty="0">
+                <a:latin typeface="Courier New" panose="02070309020205020404" pitchFamily="49" charset="0"/>
+                <a:cs typeface="Courier New" panose="02070309020205020404" pitchFamily="49" charset="0"/>
+              </a:rPr>
+              <a:t>; </a:t>
+            </a:r>
+          </a:p>
+          <a:p>
+            <a:pPr marL="0" indent="0">
+              <a:buNone/>
+            </a:pPr>
+            <a:r>
+              <a:rPr lang="it-IT" sz="1100" b="1" dirty="0">
+                <a:latin typeface="Courier New" panose="02070309020205020404" pitchFamily="49" charset="0"/>
+                <a:cs typeface="Courier New" panose="02070309020205020404" pitchFamily="49" charset="0"/>
+              </a:rPr>
+              <a:t>       break;</a:t>
+            </a:r>
+          </a:p>
+          <a:p>
+            <a:pPr marL="0" indent="0">
+              <a:buNone/>
+            </a:pPr>
+            <a:r>
+              <a:rPr lang="it-IT" sz="1100" b="1" dirty="0">
+                <a:latin typeface="Courier New" panose="02070309020205020404" pitchFamily="49" charset="0"/>
+                <a:cs typeface="Courier New" panose="02070309020205020404" pitchFamily="49" charset="0"/>
+              </a:rPr>
+              <a:t>     case 0:</a:t>
+            </a:r>
+          </a:p>
+          <a:p>
+            <a:pPr marL="0" indent="0">
+              <a:buNone/>
+            </a:pPr>
+            <a:r>
+              <a:rPr lang="it-IT" sz="1100" b="1" dirty="0">
+                <a:latin typeface="Courier New" panose="02070309020205020404" pitchFamily="49" charset="0"/>
+                <a:cs typeface="Courier New" panose="02070309020205020404" pitchFamily="49" charset="0"/>
+              </a:rPr>
+              <a:t>       </a:t>
+            </a:r>
+            <a:r>
+              <a:rPr lang="it-IT" sz="1100" b="1" dirty="0" err="1">
+                <a:latin typeface="Courier New" panose="02070309020205020404" pitchFamily="49" charset="0"/>
+                <a:cs typeface="Courier New" panose="02070309020205020404" pitchFamily="49" charset="0"/>
+              </a:rPr>
+              <a:t>cout</a:t>
+            </a:r>
+            <a:r>
+              <a:rPr lang="it-IT" sz="1100" b="1" dirty="0">
+                <a:latin typeface="Courier New" panose="02070309020205020404" pitchFamily="49" charset="0"/>
+                <a:cs typeface="Courier New" panose="02070309020205020404" pitchFamily="49" charset="0"/>
+              </a:rPr>
+              <a:t> &lt;&lt; "nessuna soluzione reale"; </a:t>
+            </a:r>
+          </a:p>
+          <a:p>
+            <a:pPr marL="0" indent="0">
+              <a:buNone/>
+            </a:pPr>
+            <a:r>
+              <a:rPr lang="it-IT" sz="1100" b="1" dirty="0">
+                <a:latin typeface="Courier New" panose="02070309020205020404" pitchFamily="49" charset="0"/>
+                <a:cs typeface="Courier New" panose="02070309020205020404" pitchFamily="49" charset="0"/>
+              </a:rPr>
+              <a:t>   }</a:t>
+            </a:r>
+          </a:p>
+          <a:p>
+            <a:pPr marL="0" indent="0">
+              <a:buNone/>
+            </a:pPr>
+            <a:r>
+              <a:rPr lang="it-IT" sz="1100" b="1" dirty="0">
+                <a:latin typeface="Courier New" panose="02070309020205020404" pitchFamily="49" charset="0"/>
+                <a:cs typeface="Courier New" panose="02070309020205020404" pitchFamily="49" charset="0"/>
+              </a:rPr>
+              <a:t>   </a:t>
+            </a:r>
+            <a:r>
+              <a:rPr lang="it-IT" sz="1100" b="1" dirty="0" err="1">
+                <a:latin typeface="Courier New" panose="02070309020205020404" pitchFamily="49" charset="0"/>
+                <a:cs typeface="Courier New" panose="02070309020205020404" pitchFamily="49" charset="0"/>
+              </a:rPr>
+              <a:t>return</a:t>
+            </a:r>
+            <a:r>
+              <a:rPr lang="it-IT" sz="1100" b="1" dirty="0">
+                <a:latin typeface="Courier New" panose="02070309020205020404" pitchFamily="49" charset="0"/>
+                <a:cs typeface="Courier New" panose="02070309020205020404" pitchFamily="49" charset="0"/>
+              </a:rPr>
+              <a:t> 0;</a:t>
+            </a:r>
+          </a:p>
+          <a:p>
+            <a:pPr marL="0" indent="0">
+              <a:buNone/>
+            </a:pPr>
+            <a:r>
+              <a:rPr lang="it-IT" sz="1100" b="1" dirty="0">
+                <a:latin typeface="Courier New" panose="02070309020205020404" pitchFamily="49" charset="0"/>
+                <a:cs typeface="Courier New" panose="02070309020205020404" pitchFamily="49" charset="0"/>
+              </a:rPr>
+              <a:t>} </a:t>
+            </a:r>
+          </a:p>
+        </p:txBody>
+      </p:sp>
+      <p:sp>
+        <p:nvSpPr>
+          <p:cNvPr id="4" name="Segnaposto contenuto 3">
+            <a:extLst>
+              <a:ext uri="{FF2B5EF4-FFF2-40B4-BE49-F238E27FC236}">
+                <a16:creationId xmlns:a16="http://schemas.microsoft.com/office/drawing/2014/main" id="{ADC48B68-E622-40DF-970B-CFF43A218E68}"/>
+              </a:ext>
+            </a:extLst>
+          </p:cNvPr>
+          <p:cNvSpPr>
+            <a:spLocks noGrp="1"/>
+          </p:cNvSpPr>
+          <p:nvPr>
+            <p:ph sz="half" idx="2"/>
+          </p:nvPr>
+        </p:nvSpPr>
+        <p:spPr/>
+        <p:txBody>
+          <a:bodyPr/>
+          <a:lstStyle/>
+          <a:p>
+            <a:r>
+              <a:rPr lang="it-IT" sz="1800" b="1" dirty="0">
+                <a:latin typeface="Courier New" panose="02070309020205020404" pitchFamily="49" charset="0"/>
+                <a:cs typeface="Courier New" panose="02070309020205020404" pitchFamily="49" charset="0"/>
+              </a:rPr>
+              <a:t>Equazione e(3,4,1)</a:t>
+            </a:r>
+          </a:p>
+          <a:p>
+            <a:pPr lvl="1"/>
+            <a:r>
+              <a:rPr lang="it-IT" sz="1400" dirty="0">
+                <a:cs typeface="Courier New" panose="02070309020205020404" pitchFamily="49" charset="0"/>
+              </a:rPr>
+              <a:t>dichiarazione e inizializzazione </a:t>
+            </a:r>
+            <a:br>
+              <a:rPr lang="it-IT" sz="1400" dirty="0">
+                <a:cs typeface="Courier New" panose="02070309020205020404" pitchFamily="49" charset="0"/>
+              </a:rPr>
+            </a:br>
+            <a:r>
+              <a:rPr lang="it-IT" sz="1400" dirty="0">
+                <a:cs typeface="Courier New" panose="02070309020205020404" pitchFamily="49" charset="0"/>
+              </a:rPr>
+              <a:t>(chiamata costruttore)</a:t>
+            </a:r>
+          </a:p>
+          <a:p>
+            <a:r>
+              <a:rPr lang="it-IT" sz="1800" b="1" dirty="0" err="1">
+                <a:latin typeface="Courier New" panose="02070309020205020404" pitchFamily="49" charset="0"/>
+                <a:cs typeface="Courier New" panose="02070309020205020404" pitchFamily="49" charset="0"/>
+              </a:rPr>
+              <a:t>e.setA</a:t>
+            </a:r>
+            <a:r>
+              <a:rPr lang="it-IT" sz="1800" b="1" dirty="0">
+                <a:latin typeface="Courier New" panose="02070309020205020404" pitchFamily="49" charset="0"/>
+                <a:cs typeface="Courier New" panose="02070309020205020404" pitchFamily="49" charset="0"/>
+              </a:rPr>
+              <a:t>(2)</a:t>
+            </a:r>
+          </a:p>
+          <a:p>
+            <a:pPr lvl="1"/>
+            <a:r>
+              <a:rPr lang="it-IT" sz="1400" dirty="0">
+                <a:cs typeface="Courier New" panose="02070309020205020404" pitchFamily="49" charset="0"/>
+              </a:rPr>
+              <a:t>esecuzione della funzione membro </a:t>
+            </a:r>
+            <a:br>
+              <a:rPr lang="it-IT" sz="1400" dirty="0">
+                <a:cs typeface="Courier New" panose="02070309020205020404" pitchFamily="49" charset="0"/>
+              </a:rPr>
+            </a:br>
+            <a:r>
+              <a:rPr lang="it-IT" sz="1400" dirty="0" err="1">
+                <a:cs typeface="Courier New" panose="02070309020205020404" pitchFamily="49" charset="0"/>
+              </a:rPr>
+              <a:t>void</a:t>
+            </a:r>
+            <a:r>
+              <a:rPr lang="it-IT" sz="1400" dirty="0">
+                <a:cs typeface="Courier New" panose="02070309020205020404" pitchFamily="49" charset="0"/>
+              </a:rPr>
+              <a:t> </a:t>
+            </a:r>
+            <a:r>
+              <a:rPr lang="it-IT" sz="1400" dirty="0" err="1">
+                <a:cs typeface="Courier New" panose="02070309020205020404" pitchFamily="49" charset="0"/>
+              </a:rPr>
+              <a:t>setA</a:t>
+            </a:r>
+            <a:r>
+              <a:rPr lang="it-IT" sz="1400" dirty="0">
+                <a:cs typeface="Courier New" panose="02070309020205020404" pitchFamily="49" charset="0"/>
+              </a:rPr>
+              <a:t>(double)</a:t>
+            </a:r>
+          </a:p>
+          <a:p>
+            <a:r>
+              <a:rPr lang="it-IT" sz="1800" b="1" dirty="0" err="1">
+                <a:latin typeface="Courier New" panose="02070309020205020404" pitchFamily="49" charset="0"/>
+                <a:cs typeface="Courier New" panose="02070309020205020404" pitchFamily="49" charset="0"/>
+              </a:rPr>
+              <a:t>e.toString</a:t>
+            </a:r>
+            <a:r>
+              <a:rPr lang="it-IT" sz="1800" b="1" dirty="0">
+                <a:latin typeface="Courier New" panose="02070309020205020404" pitchFamily="49" charset="0"/>
+                <a:cs typeface="Courier New" panose="02070309020205020404" pitchFamily="49" charset="0"/>
+              </a:rPr>
+              <a:t>()</a:t>
+            </a:r>
+          </a:p>
+          <a:p>
+            <a:pPr lvl="1"/>
+            <a:r>
+              <a:rPr lang="it-IT" sz="1400" dirty="0">
+                <a:cs typeface="Courier New" panose="02070309020205020404" pitchFamily="49" charset="0"/>
+              </a:rPr>
+              <a:t>esecuzione della funzione membro </a:t>
+            </a:r>
+            <a:br>
+              <a:rPr lang="it-IT" sz="1400" dirty="0">
+                <a:cs typeface="Courier New" panose="02070309020205020404" pitchFamily="49" charset="0"/>
+              </a:rPr>
+            </a:br>
+            <a:r>
+              <a:rPr lang="it-IT" sz="1400" dirty="0" err="1">
+                <a:cs typeface="Courier New" panose="02070309020205020404" pitchFamily="49" charset="0"/>
+              </a:rPr>
+              <a:t>string</a:t>
+            </a:r>
+            <a:r>
+              <a:rPr lang="it-IT" sz="1400" dirty="0">
+                <a:cs typeface="Courier New" panose="02070309020205020404" pitchFamily="49" charset="0"/>
+              </a:rPr>
+              <a:t> </a:t>
+            </a:r>
+            <a:r>
+              <a:rPr lang="it-IT" sz="1400" dirty="0" err="1">
+                <a:cs typeface="Courier New" panose="02070309020205020404" pitchFamily="49" charset="0"/>
+              </a:rPr>
+              <a:t>toString</a:t>
+            </a:r>
+            <a:r>
+              <a:rPr lang="it-IT" sz="1400" dirty="0">
+                <a:cs typeface="Courier New" panose="02070309020205020404" pitchFamily="49" charset="0"/>
+              </a:rPr>
+              <a:t>()</a:t>
+            </a:r>
+          </a:p>
+          <a:p>
+            <a:r>
+              <a:rPr lang="it-IT" sz="1800" b="1" dirty="0" err="1">
+                <a:latin typeface="Courier New" panose="02070309020205020404" pitchFamily="49" charset="0"/>
+                <a:cs typeface="Courier New" panose="02070309020205020404" pitchFamily="49" charset="0"/>
+              </a:rPr>
+              <a:t>e.numSolReali</a:t>
+            </a:r>
+            <a:r>
+              <a:rPr lang="it-IT" sz="1800" b="1" dirty="0">
+                <a:latin typeface="Courier New" panose="02070309020205020404" pitchFamily="49" charset="0"/>
+                <a:cs typeface="Courier New" panose="02070309020205020404" pitchFamily="49" charset="0"/>
+              </a:rPr>
+              <a:t>()</a:t>
+            </a:r>
+          </a:p>
+          <a:p>
+            <a:pPr lvl="1"/>
+            <a:r>
+              <a:rPr lang="it-IT" sz="1400" dirty="0">
+                <a:cs typeface="Courier New" panose="02070309020205020404" pitchFamily="49" charset="0"/>
+              </a:rPr>
+              <a:t>esecuzione della funzione membro</a:t>
+            </a:r>
+            <a:br>
+              <a:rPr lang="it-IT" sz="1400" dirty="0">
+                <a:cs typeface="Courier New" panose="02070309020205020404" pitchFamily="49" charset="0"/>
+              </a:rPr>
+            </a:br>
+            <a:r>
+              <a:rPr lang="it-IT" sz="1400" dirty="0" err="1">
+                <a:cs typeface="Courier New" panose="02070309020205020404" pitchFamily="49" charset="0"/>
+              </a:rPr>
+              <a:t>int</a:t>
+            </a:r>
+            <a:r>
+              <a:rPr lang="it-IT" sz="1400" dirty="0">
+                <a:cs typeface="Courier New" panose="02070309020205020404" pitchFamily="49" charset="0"/>
+              </a:rPr>
+              <a:t> </a:t>
+            </a:r>
+            <a:r>
+              <a:rPr lang="it-IT" sz="1400" dirty="0" err="1">
+                <a:cs typeface="Courier New" panose="02070309020205020404" pitchFamily="49" charset="0"/>
+              </a:rPr>
+              <a:t>numSolReali</a:t>
+            </a:r>
+            <a:r>
+              <a:rPr lang="it-IT" sz="1400" dirty="0">
+                <a:cs typeface="Courier New" panose="02070309020205020404" pitchFamily="49" charset="0"/>
+              </a:rPr>
+              <a:t>()</a:t>
+            </a:r>
+          </a:p>
+          <a:p>
+            <a:r>
+              <a:rPr lang="it-IT" sz="1800" b="1" dirty="0">
+                <a:latin typeface="Courier New" panose="02070309020205020404" pitchFamily="49" charset="0"/>
+                <a:cs typeface="Courier New" panose="02070309020205020404" pitchFamily="49" charset="0"/>
+              </a:rPr>
+              <a:t>e.soluzione1() </a:t>
+            </a:r>
+            <a:r>
+              <a:rPr lang="it-IT" sz="1800" dirty="0">
+                <a:cs typeface="Courier New" panose="02070309020205020404" pitchFamily="49" charset="0"/>
+              </a:rPr>
+              <a:t>e.soluzione2()</a:t>
+            </a:r>
+          </a:p>
+          <a:p>
+            <a:pPr lvl="1"/>
+            <a:r>
+              <a:rPr lang="it-IT" sz="1400" dirty="0">
+                <a:cs typeface="Courier New" panose="02070309020205020404" pitchFamily="49" charset="0"/>
+              </a:rPr>
+              <a:t>esecuzione della funzione membro</a:t>
+            </a:r>
+            <a:br>
+              <a:rPr lang="it-IT" sz="1400" dirty="0">
+                <a:cs typeface="Courier New" panose="02070309020205020404" pitchFamily="49" charset="0"/>
+              </a:rPr>
+            </a:br>
+            <a:r>
+              <a:rPr lang="it-IT" sz="1400" dirty="0">
+                <a:cs typeface="Courier New" panose="02070309020205020404" pitchFamily="49" charset="0"/>
+              </a:rPr>
+              <a:t>double soluzione1() </a:t>
+            </a:r>
+          </a:p>
+          <a:p>
+            <a:endParaRPr lang="it-IT" sz="1800" dirty="0">
+              <a:cs typeface="Courier New" panose="02070309020205020404" pitchFamily="49" charset="0"/>
+            </a:endParaRPr>
+          </a:p>
+        </p:txBody>
+      </p:sp>
+      <p:sp>
+        <p:nvSpPr>
+          <p:cNvPr id="5" name="Segnaposto piè di pagina 4">
+            <a:extLst>
+              <a:ext uri="{FF2B5EF4-FFF2-40B4-BE49-F238E27FC236}">
+                <a16:creationId xmlns:a16="http://schemas.microsoft.com/office/drawing/2014/main" id="{CB957E9A-6D92-4924-B392-FF29BF330A8B}"/>
+              </a:ext>
+            </a:extLst>
+          </p:cNvPr>
           <p:cNvSpPr>
             <a:spLocks noGrp="1"/>
           </p:cNvSpPr>
@@ -11324,7 +11914,7 @@
               <a:defRPr/>
             </a:pPr>
             <a:r>
-              <a:rPr lang="it-IT" smtClean="0"/>
+              <a:rPr lang="it-IT"/>
               <a:t>Alberto Ferrari – Programmazione di applicazioni SW</a:t>
             </a:r>
             <a:endParaRPr lang="it-IT" dirty="0"/>
@@ -11334,7 +11924,7 @@
     </p:spTree>
     <p:extLst>
       <p:ext uri="{BB962C8B-B14F-4D97-AF65-F5344CB8AC3E}">
-        <p14:creationId xmlns:p14="http://schemas.microsoft.com/office/powerpoint/2010/main" val="1685571303"/>
+        <p14:creationId xmlns:p14="http://schemas.microsoft.com/office/powerpoint/2010/main" val="1528031871"/>
       </p:ext>
     </p:extLst>
   </p:cSld>
@@ -11366,7 +11956,7 @@
           <p:cNvPr id="2" name="Titolo 1">
             <a:extLst>
               <a:ext uri="{FF2B5EF4-FFF2-40B4-BE49-F238E27FC236}">
-                <a16:creationId xmlns:a16="http://schemas.microsoft.com/office/drawing/2014/main" xmlns="" id="{C12B7278-8DF5-4699-9E97-0BE1EA3D3221}"/>
+                <a16:creationId xmlns:a16="http://schemas.microsoft.com/office/drawing/2014/main" id="{C12B7278-8DF5-4699-9E97-0BE1EA3D3221}"/>
               </a:ext>
             </a:extLst>
           </p:cNvPr>
@@ -11406,7 +11996,7 @@
           <p:cNvPr id="3" name="Segnaposto contenuto 2">
             <a:extLst>
               <a:ext uri="{FF2B5EF4-FFF2-40B4-BE49-F238E27FC236}">
-                <a16:creationId xmlns:a16="http://schemas.microsoft.com/office/drawing/2014/main" xmlns="" id="{5E81DFDA-D041-4082-B2AC-2D7049C0ACE8}"/>
+                <a16:creationId xmlns:a16="http://schemas.microsoft.com/office/drawing/2014/main" id="{5E81DFDA-D041-4082-B2AC-2D7049C0ACE8}"/>
               </a:ext>
             </a:extLst>
           </p:cNvPr>
@@ -11481,7 +12071,7 @@
           <p:cNvPr id="4" name="Segnaposto piè di pagina 3">
             <a:extLst>
               <a:ext uri="{FF2B5EF4-FFF2-40B4-BE49-F238E27FC236}">
-                <a16:creationId xmlns:a16="http://schemas.microsoft.com/office/drawing/2014/main" xmlns="" id="{34499080-AD47-4DF8-B35D-9E21F0CBD605}"/>
+                <a16:creationId xmlns:a16="http://schemas.microsoft.com/office/drawing/2014/main" id="{34499080-AD47-4DF8-B35D-9E21F0CBD605}"/>
               </a:ext>
             </a:extLst>
           </p:cNvPr>
@@ -11540,9 +12130,33 @@
       </p:grpSpPr>
       <p:sp>
         <p:nvSpPr>
-          <p:cNvPr id="5" name="Titolo 4"/>
+          <p:cNvPr id="4" name="Segnaposto numero diapositiva 5"/>
           <p:cNvSpPr>
             <a:spLocks noGrp="1"/>
+          </p:cNvSpPr>
+          <p:nvPr>
+            <p:ph type="sldNum" sz="quarter" idx="12"/>
+          </p:nvPr>
+        </p:nvSpPr>
+        <p:spPr/>
+        <p:txBody>
+          <a:bodyPr/>
+          <a:lstStyle/>
+          <a:p>
+            <a:fld id="{635BB41A-CC6D-45EE-880B-BBDDB328249F}" type="slidenum">
+              <a:rPr lang="en-US" altLang="it-IT"/>
+              <a:pPr/>
+              <a:t>30</a:t>
+            </a:fld>
+            <a:endParaRPr lang="en-US" altLang="it-IT"/>
+          </a:p>
+        </p:txBody>
+      </p:sp>
+      <p:sp>
+        <p:nvSpPr>
+          <p:cNvPr id="271362" name="Rectangle 2"/>
+          <p:cNvSpPr>
+            <a:spLocks noGrp="1" noChangeArrowheads="1"/>
           </p:cNvSpPr>
           <p:nvPr>
             <p:ph type="title"/>
@@ -11554,9 +12168,468 @@
           <a:lstStyle/>
           <a:p>
             <a:r>
-              <a:rPr lang="it-IT" dirty="0" smtClean="0"/>
+              <a:rPr lang="it-IT" altLang="it-IT" dirty="0"/>
+              <a:t>suddivisione del codice in file</a:t>
+            </a:r>
+          </a:p>
+        </p:txBody>
+      </p:sp>
+      <p:sp>
+        <p:nvSpPr>
+          <p:cNvPr id="271363" name="Rectangle 3"/>
+          <p:cNvSpPr>
+            <a:spLocks noGrp="1" noChangeArrowheads="1"/>
+          </p:cNvSpPr>
+          <p:nvPr>
+            <p:ph type="body" idx="1"/>
+          </p:nvPr>
+        </p:nvSpPr>
+        <p:spPr/>
+        <p:txBody>
+          <a:bodyPr/>
+          <a:lstStyle/>
+          <a:p>
+            <a:r>
+              <a:rPr lang="it-IT" altLang="it-IT" sz="2800" b="1" i="1" dirty="0"/>
+              <a:t>separazione</a:t>
+            </a:r>
+            <a:r>
+              <a:rPr lang="it-IT" altLang="it-IT" sz="2800" dirty="0"/>
+              <a:t> tra la </a:t>
+            </a:r>
+            <a:r>
+              <a:rPr lang="it-IT" altLang="it-IT" sz="2800" b="1" i="1" dirty="0"/>
+              <a:t>classe</a:t>
+            </a:r>
+            <a:r>
+              <a:rPr lang="it-IT" altLang="it-IT" sz="2800" dirty="0"/>
+              <a:t> e i </a:t>
+            </a:r>
+            <a:r>
+              <a:rPr lang="it-IT" altLang="it-IT" sz="2800" b="1" i="1" dirty="0"/>
+              <a:t>programmi</a:t>
+            </a:r>
+            <a:r>
+              <a:rPr lang="it-IT" altLang="it-IT" sz="2800" dirty="0"/>
+              <a:t> che la usano</a:t>
+            </a:r>
+          </a:p>
+          <a:p>
+            <a:pPr lvl="1"/>
+            <a:r>
+              <a:rPr lang="it-IT" altLang="it-IT" sz="2400" b="1" i="1" dirty="0"/>
+              <a:t>riuso</a:t>
+            </a:r>
+            <a:r>
+              <a:rPr lang="it-IT" altLang="it-IT" sz="2400" dirty="0"/>
+              <a:t>: parti separate facilmente riusabili (</a:t>
+            </a:r>
+            <a:r>
+              <a:rPr lang="it-IT" altLang="it-IT" sz="2400" i="1" dirty="0"/>
+              <a:t>libreria</a:t>
+            </a:r>
+            <a:r>
+              <a:rPr lang="it-IT" altLang="it-IT" sz="2400" dirty="0"/>
+              <a:t>)</a:t>
+            </a:r>
+          </a:p>
+          <a:p>
+            <a:pPr lvl="1"/>
+            <a:r>
+              <a:rPr lang="it-IT" altLang="it-IT" sz="2400" b="1" i="1" dirty="0"/>
+              <a:t>compilazione selettiva</a:t>
+            </a:r>
+          </a:p>
+          <a:p>
+            <a:r>
+              <a:rPr lang="it-IT" altLang="it-IT" sz="2800" b="1" i="1" dirty="0"/>
+              <a:t>separazione</a:t>
+            </a:r>
+            <a:r>
+              <a:rPr lang="it-IT" altLang="it-IT" sz="2800" dirty="0"/>
+              <a:t> tra </a:t>
+            </a:r>
+            <a:r>
+              <a:rPr lang="it-IT" altLang="it-IT" sz="2800" b="1" i="1" dirty="0"/>
+              <a:t>interfaccia</a:t>
+            </a:r>
+            <a:r>
+              <a:rPr lang="it-IT" altLang="it-IT" sz="2800" dirty="0"/>
+              <a:t> e implementazione </a:t>
+            </a:r>
+          </a:p>
+          <a:p>
+            <a:pPr lvl="1"/>
+            <a:r>
+              <a:rPr lang="it-IT" altLang="it-IT" sz="2400" b="1" i="1" dirty="0"/>
+              <a:t>incapsulamento</a:t>
+            </a:r>
+            <a:r>
+              <a:rPr lang="it-IT" altLang="it-IT" sz="2400" dirty="0"/>
+              <a:t>: occultamento dei dettagli</a:t>
+            </a:r>
+          </a:p>
+          <a:p>
+            <a:pPr lvl="1"/>
+            <a:r>
+              <a:rPr lang="it-IT" altLang="it-IT" sz="2400" b="1" i="1" dirty="0"/>
+              <a:t>diverse implementazioni </a:t>
+            </a:r>
+            <a:r>
+              <a:rPr lang="it-IT" altLang="it-IT" sz="2400" dirty="0"/>
+              <a:t>di una stessa libreria</a:t>
+            </a:r>
+          </a:p>
+          <a:p>
+            <a:endParaRPr lang="it-IT" altLang="it-IT" sz="2800" dirty="0"/>
+          </a:p>
+        </p:txBody>
+      </p:sp>
+    </p:spTree>
+    <p:extLst>
+      <p:ext uri="{BB962C8B-B14F-4D97-AF65-F5344CB8AC3E}">
+        <p14:creationId xmlns:p14="http://schemas.microsoft.com/office/powerpoint/2010/main" val="314095882"/>
+      </p:ext>
+    </p:extLst>
+  </p:cSld>
+  <p:clrMapOvr>
+    <a:masterClrMapping/>
+  </p:clrMapOvr>
+</p:sld>
+</file>
+
+<file path=ppt/slides/slide31.xml><?xml version="1.0" encoding="utf-8"?>
+<p:sld xmlns:a="http://schemas.openxmlformats.org/drawingml/2006/main" xmlns:r="http://schemas.openxmlformats.org/officeDocument/2006/relationships" xmlns:p="http://schemas.openxmlformats.org/presentationml/2006/main">
+  <p:cSld>
+    <p:spTree>
+      <p:nvGrpSpPr>
+        <p:cNvPr id="1" name=""/>
+        <p:cNvGrpSpPr/>
+        <p:nvPr/>
+      </p:nvGrpSpPr>
+      <p:grpSpPr>
+        <a:xfrm>
+          <a:off x="0" y="0"/>
+          <a:ext cx="0" cy="0"/>
+          <a:chOff x="0" y="0"/>
+          <a:chExt cx="0" cy="0"/>
+        </a:xfrm>
+      </p:grpSpPr>
+      <p:sp>
+        <p:nvSpPr>
+          <p:cNvPr id="4" name="Segnaposto numero diapositiva 5"/>
+          <p:cNvSpPr>
+            <a:spLocks noGrp="1"/>
+          </p:cNvSpPr>
+          <p:nvPr>
+            <p:ph type="sldNum" sz="quarter" idx="12"/>
+          </p:nvPr>
+        </p:nvSpPr>
+        <p:spPr/>
+        <p:txBody>
+          <a:bodyPr/>
+          <a:lstStyle/>
+          <a:p>
+            <a:fld id="{D2B39DCE-B3C5-4D20-818C-F33061CE4D52}" type="slidenum">
+              <a:rPr lang="en-US" altLang="it-IT"/>
+              <a:pPr/>
+              <a:t>31</a:t>
+            </a:fld>
+            <a:endParaRPr lang="en-US" altLang="it-IT"/>
+          </a:p>
+        </p:txBody>
+      </p:sp>
+      <p:sp>
+        <p:nvSpPr>
+          <p:cNvPr id="258050" name="Rectangle 2"/>
+          <p:cNvSpPr>
+            <a:spLocks noGrp="1" noChangeArrowheads="1"/>
+          </p:cNvSpPr>
+          <p:nvPr>
+            <p:ph type="title"/>
+          </p:nvPr>
+        </p:nvSpPr>
+        <p:spPr/>
+        <p:txBody>
+          <a:bodyPr/>
+          <a:lstStyle/>
+          <a:p>
+            <a:r>
+              <a:rPr lang="it-IT" altLang="it-IT" dirty="0"/>
+              <a:t>regole per incapsulamento</a:t>
+            </a:r>
+          </a:p>
+        </p:txBody>
+      </p:sp>
+      <p:sp>
+        <p:nvSpPr>
+          <p:cNvPr id="258051" name="Rectangle 3"/>
+          <p:cNvSpPr>
+            <a:spLocks noGrp="1" noChangeArrowheads="1"/>
+          </p:cNvSpPr>
+          <p:nvPr>
+            <p:ph type="body" idx="1"/>
+          </p:nvPr>
+        </p:nvSpPr>
+        <p:spPr/>
+        <p:txBody>
+          <a:bodyPr/>
+          <a:lstStyle/>
+          <a:p>
+            <a:r>
+              <a:rPr lang="it-IT" altLang="it-IT" sz="2800" dirty="0"/>
+              <a:t>rendere </a:t>
+            </a:r>
+            <a:r>
+              <a:rPr lang="it-IT" altLang="it-IT" sz="2800" b="1" i="1" dirty="0"/>
+              <a:t>private</a:t>
+            </a:r>
+            <a:r>
+              <a:rPr lang="it-IT" altLang="it-IT" sz="2800" dirty="0"/>
+              <a:t> tutte le </a:t>
+            </a:r>
+            <a:r>
+              <a:rPr lang="it-IT" altLang="it-IT" sz="2800" b="1" i="1" dirty="0"/>
+              <a:t>variabili membro</a:t>
+            </a:r>
+          </a:p>
+          <a:p>
+            <a:r>
+              <a:rPr lang="it-IT" altLang="it-IT" sz="2800" dirty="0"/>
+              <a:t>raggruppare </a:t>
+            </a:r>
+            <a:r>
+              <a:rPr lang="it-IT" altLang="it-IT" sz="2800" b="1" i="1" dirty="0"/>
+              <a:t>definizione</a:t>
+            </a:r>
+            <a:r>
+              <a:rPr lang="it-IT" altLang="it-IT" sz="2800" dirty="0"/>
+              <a:t> della classe, </a:t>
+            </a:r>
+            <a:r>
+              <a:rPr lang="it-IT" altLang="it-IT" sz="2800" b="1" i="1" dirty="0"/>
+              <a:t>dichiarazioni</a:t>
+            </a:r>
+            <a:r>
+              <a:rPr lang="it-IT" altLang="it-IT" sz="2800" dirty="0"/>
+              <a:t> delle </a:t>
+            </a:r>
+            <a:r>
+              <a:rPr lang="it-IT" altLang="it-IT" sz="2800" b="1" i="1" dirty="0"/>
+              <a:t>funzioni membro </a:t>
+            </a:r>
+            <a:r>
+              <a:rPr lang="it-IT" altLang="it-IT" sz="2800" dirty="0"/>
+              <a:t>e commenti nel </a:t>
+            </a:r>
+            <a:r>
+              <a:rPr lang="it-IT" altLang="it-IT" sz="2800" b="1" dirty="0"/>
+              <a:t>file di</a:t>
+            </a:r>
+            <a:r>
+              <a:rPr lang="it-IT" altLang="it-IT" sz="2800" dirty="0"/>
+              <a:t> </a:t>
+            </a:r>
+            <a:r>
+              <a:rPr lang="it-IT" altLang="it-IT" sz="2800" b="1" dirty="0"/>
+              <a:t>interfaccia </a:t>
+            </a:r>
+            <a:r>
+              <a:rPr lang="it-IT" altLang="it-IT" sz="2800" dirty="0"/>
+              <a:t>(</a:t>
+            </a:r>
+            <a:r>
+              <a:rPr lang="it-IT" altLang="it-IT" sz="2800" b="1" i="1" dirty="0" err="1"/>
+              <a:t>header</a:t>
+            </a:r>
+            <a:r>
+              <a:rPr lang="it-IT" altLang="it-IT" sz="2800" b="1" i="1" dirty="0"/>
+              <a:t> file</a:t>
+            </a:r>
+            <a:r>
+              <a:rPr lang="it-IT" altLang="it-IT" sz="2800" dirty="0"/>
+              <a:t>)</a:t>
+            </a:r>
+          </a:p>
+          <a:p>
+            <a:r>
+              <a:rPr lang="it-IT" altLang="it-IT" sz="2800" dirty="0"/>
+              <a:t>raggruppare le </a:t>
+            </a:r>
+            <a:r>
+              <a:rPr lang="it-IT" altLang="it-IT" sz="2800" b="1" i="1" dirty="0"/>
+              <a:t>definizioni</a:t>
+            </a:r>
+            <a:r>
+              <a:rPr lang="it-IT" altLang="it-IT" sz="2800" dirty="0"/>
+              <a:t> delle </a:t>
+            </a:r>
+            <a:r>
+              <a:rPr lang="it-IT" altLang="it-IT" sz="2800" b="1" i="1" dirty="0"/>
+              <a:t>funzioni membro </a:t>
+            </a:r>
+            <a:r>
+              <a:rPr lang="it-IT" altLang="it-IT" sz="2800" dirty="0"/>
+              <a:t>e l’inizializzazione delle variabili </a:t>
+            </a:r>
+            <a:r>
+              <a:rPr lang="it-IT" altLang="it-IT" sz="2800" i="1" dirty="0" err="1"/>
+              <a:t>static</a:t>
+            </a:r>
+            <a:r>
+              <a:rPr lang="it-IT" altLang="it-IT" sz="2800" dirty="0"/>
+              <a:t> nel </a:t>
+            </a:r>
+            <a:r>
+              <a:rPr lang="it-IT" altLang="it-IT" sz="2800" b="1" i="1" dirty="0"/>
+              <a:t>file di implementazione</a:t>
+            </a:r>
+          </a:p>
+        </p:txBody>
+      </p:sp>
+    </p:spTree>
+    <p:extLst>
+      <p:ext uri="{BB962C8B-B14F-4D97-AF65-F5344CB8AC3E}">
+        <p14:creationId xmlns:p14="http://schemas.microsoft.com/office/powerpoint/2010/main" val="534141573"/>
+      </p:ext>
+    </p:extLst>
+  </p:cSld>
+  <p:clrMapOvr>
+    <a:masterClrMapping/>
+  </p:clrMapOvr>
+</p:sld>
+</file>
+
+<file path=ppt/slides/slide32.xml><?xml version="1.0" encoding="utf-8"?>
+<p:sld xmlns:a="http://schemas.openxmlformats.org/drawingml/2006/main" xmlns:r="http://schemas.openxmlformats.org/officeDocument/2006/relationships" xmlns:p="http://schemas.openxmlformats.org/presentationml/2006/main">
+  <p:cSld>
+    <p:spTree>
+      <p:nvGrpSpPr>
+        <p:cNvPr id="1" name=""/>
+        <p:cNvGrpSpPr/>
+        <p:nvPr/>
+      </p:nvGrpSpPr>
+      <p:grpSpPr>
+        <a:xfrm>
+          <a:off x="0" y="0"/>
+          <a:ext cx="0" cy="0"/>
+          <a:chOff x="0" y="0"/>
+          <a:chExt cx="0" cy="0"/>
+        </a:xfrm>
+      </p:grpSpPr>
+      <p:sp>
+        <p:nvSpPr>
+          <p:cNvPr id="2" name="Titolo 1"/>
+          <p:cNvSpPr>
+            <a:spLocks noGrp="1"/>
+          </p:cNvSpPr>
+          <p:nvPr>
+            <p:ph type="title"/>
+          </p:nvPr>
+        </p:nvSpPr>
+        <p:spPr/>
+        <p:txBody>
+          <a:bodyPr/>
+          <a:lstStyle/>
+          <a:p>
+            <a:r>
+              <a:rPr lang="it-IT" dirty="0"/>
               <a:t>compilazione separata</a:t>
             </a:r>
+          </a:p>
+        </p:txBody>
+      </p:sp>
+      <p:sp>
+        <p:nvSpPr>
+          <p:cNvPr id="3" name="Segnaposto contenuto 2"/>
+          <p:cNvSpPr>
+            <a:spLocks noGrp="1"/>
+          </p:cNvSpPr>
+          <p:nvPr>
+            <p:ph idx="1"/>
+          </p:nvPr>
+        </p:nvSpPr>
+        <p:spPr/>
+        <p:txBody>
+          <a:bodyPr/>
+          <a:lstStyle/>
+          <a:p>
+            <a:r>
+              <a:rPr lang="it-IT" dirty="0"/>
+              <a:t>il file che contiene il </a:t>
+            </a:r>
+            <a:r>
+              <a:rPr lang="it-IT" b="1" i="1" dirty="0"/>
+              <a:t>programma</a:t>
+            </a:r>
+            <a:r>
+              <a:rPr lang="it-IT" dirty="0"/>
+              <a:t> che usa la classe si chiama </a:t>
+            </a:r>
+            <a:r>
+              <a:rPr lang="it-IT" b="1" i="1" dirty="0"/>
+              <a:t>file di applicazione </a:t>
+            </a:r>
+          </a:p>
+          <a:p>
+            <a:r>
+              <a:rPr lang="it-IT" dirty="0"/>
+              <a:t>sia l’</a:t>
+            </a:r>
+            <a:r>
+              <a:rPr lang="it-IT" b="1" i="1" dirty="0"/>
+              <a:t>implementazione</a:t>
+            </a:r>
+            <a:r>
+              <a:rPr lang="it-IT" dirty="0"/>
+              <a:t> che l’</a:t>
+            </a:r>
+            <a:r>
+              <a:rPr lang="it-IT" b="1" i="1" dirty="0"/>
+              <a:t>applicazione</a:t>
+            </a:r>
+            <a:r>
+              <a:rPr lang="it-IT" dirty="0"/>
+              <a:t> devono </a:t>
+            </a:r>
+            <a:r>
+              <a:rPr lang="it-IT" b="1" i="1" dirty="0"/>
+              <a:t>includere</a:t>
+            </a:r>
+            <a:r>
+              <a:rPr lang="it-IT" dirty="0"/>
+              <a:t> l’</a:t>
+            </a:r>
+            <a:r>
+              <a:rPr lang="it-IT" b="1" i="1" dirty="0" err="1"/>
+              <a:t>header</a:t>
+            </a:r>
+            <a:r>
+              <a:rPr lang="it-IT" b="1" i="1" dirty="0"/>
+              <a:t> </a:t>
+            </a:r>
+            <a:r>
+              <a:rPr lang="it-IT" dirty="0"/>
+              <a:t>file</a:t>
+            </a:r>
+          </a:p>
+          <a:p>
+            <a:r>
+              <a:rPr lang="it-IT" dirty="0"/>
+              <a:t>l’implementazione e l’applicazione vengono </a:t>
+            </a:r>
+            <a:r>
+              <a:rPr lang="it-IT" b="1" i="1" dirty="0"/>
+              <a:t>compilate separatamente</a:t>
+            </a:r>
+          </a:p>
+          <a:p>
+            <a:r>
+              <a:rPr lang="it-IT" dirty="0"/>
+              <a:t>per ottenere l’eseguibile occorre linkare i due oggetti</a:t>
+            </a:r>
+          </a:p>
+          <a:p>
             <a:endParaRPr lang="it-IT" dirty="0"/>
           </a:p>
         </p:txBody>
@@ -11580,7 +12653,85 @@
               <a:defRPr/>
             </a:pPr>
             <a:r>
-              <a:rPr lang="it-IT" smtClean="0"/>
+              <a:rPr lang="it-IT"/>
+              <a:t>Alberto Ferrari – Programmazione di applicazioni SW</a:t>
+            </a:r>
+            <a:endParaRPr lang="it-IT" dirty="0"/>
+          </a:p>
+        </p:txBody>
+      </p:sp>
+    </p:spTree>
+    <p:extLst>
+      <p:ext uri="{BB962C8B-B14F-4D97-AF65-F5344CB8AC3E}">
+        <p14:creationId xmlns:p14="http://schemas.microsoft.com/office/powerpoint/2010/main" val="1685571303"/>
+      </p:ext>
+    </p:extLst>
+  </p:cSld>
+  <p:clrMapOvr>
+    <a:masterClrMapping/>
+  </p:clrMapOvr>
+</p:sld>
+</file>
+
+<file path=ppt/slides/slide33.xml><?xml version="1.0" encoding="utf-8"?>
+<p:sld xmlns:a="http://schemas.openxmlformats.org/drawingml/2006/main" xmlns:r="http://schemas.openxmlformats.org/officeDocument/2006/relationships" xmlns:p="http://schemas.openxmlformats.org/presentationml/2006/main">
+  <p:cSld>
+    <p:spTree>
+      <p:nvGrpSpPr>
+        <p:cNvPr id="1" name=""/>
+        <p:cNvGrpSpPr/>
+        <p:nvPr/>
+      </p:nvGrpSpPr>
+      <p:grpSpPr>
+        <a:xfrm>
+          <a:off x="0" y="0"/>
+          <a:ext cx="0" cy="0"/>
+          <a:chOff x="0" y="0"/>
+          <a:chExt cx="0" cy="0"/>
+        </a:xfrm>
+      </p:grpSpPr>
+      <p:sp>
+        <p:nvSpPr>
+          <p:cNvPr id="5" name="Titolo 4"/>
+          <p:cNvSpPr>
+            <a:spLocks noGrp="1"/>
+          </p:cNvSpPr>
+          <p:nvPr>
+            <p:ph type="title"/>
+          </p:nvPr>
+        </p:nvSpPr>
+        <p:spPr/>
+        <p:txBody>
+          <a:bodyPr/>
+          <a:lstStyle/>
+          <a:p>
+            <a:r>
+              <a:rPr lang="it-IT" dirty="0"/>
+              <a:t>compilazione separata</a:t>
+            </a:r>
+          </a:p>
+        </p:txBody>
+      </p:sp>
+      <p:sp>
+        <p:nvSpPr>
+          <p:cNvPr id="4" name="Segnaposto piè di pagina 3"/>
+          <p:cNvSpPr>
+            <a:spLocks noGrp="1"/>
+          </p:cNvSpPr>
+          <p:nvPr>
+            <p:ph type="ftr" sz="quarter" idx="11"/>
+          </p:nvPr>
+        </p:nvSpPr>
+        <p:spPr/>
+        <p:txBody>
+          <a:bodyPr/>
+          <a:lstStyle/>
+          <a:p>
+            <a:pPr>
+              <a:defRPr/>
+            </a:pPr>
+            <a:r>
+              <a:rPr lang="it-IT"/>
               <a:t>Alberto Ferrari – Programmazione di applicazioni SW</a:t>
             </a:r>
             <a:endParaRPr lang="it-IT" dirty="0"/>
@@ -11761,16 +12912,12 @@
           <a:lstStyle/>
           <a:p>
             <a:r>
-              <a:rPr lang="it-IT" altLang="it-IT" sz="2400" b="1" dirty="0" smtClean="0">
+              <a:rPr lang="it-IT" altLang="it-IT" sz="2400" b="1" dirty="0">
                 <a:latin typeface="Courier New" panose="02070309020205020404" pitchFamily="49" charset="0"/>
                 <a:cs typeface="Courier New" panose="02070309020205020404" pitchFamily="49" charset="0"/>
               </a:rPr>
               <a:t>timedemo.exe</a:t>
             </a:r>
-            <a:endParaRPr lang="it-IT" altLang="it-IT" sz="2400" b="1" dirty="0">
-              <a:latin typeface="Courier New" panose="02070309020205020404" pitchFamily="49" charset="0"/>
-              <a:cs typeface="Courier New" panose="02070309020205020404" pitchFamily="49" charset="0"/>
-            </a:endParaRPr>
           </a:p>
         </p:txBody>
       </p:sp>
@@ -12666,7 +13813,7 @@
 </p:sld>
 </file>
 
-<file path=ppt/slides/slide31.xml><?xml version="1.0" encoding="utf-8"?>
+<file path=ppt/slides/slide34.xml><?xml version="1.0" encoding="utf-8"?>
 <p:sld xmlns:a="http://schemas.openxmlformats.org/drawingml/2006/main" xmlns:r="http://schemas.openxmlformats.org/officeDocument/2006/relationships" xmlns:p="http://schemas.openxmlformats.org/presentationml/2006/main">
   <p:cSld>
     <p:spTree>
@@ -12699,10 +13846,9 @@
           <a:lstStyle/>
           <a:p>
             <a:r>
-              <a:rPr lang="it-IT" dirty="0" smtClean="0"/>
+              <a:rPr lang="it-IT" dirty="0"/>
               <a:t>vantaggi della compilazione separata</a:t>
             </a:r>
-            <a:endParaRPr lang="it-IT" dirty="0"/>
           </a:p>
         </p:txBody>
       </p:sp>
@@ -12722,16 +13868,12 @@
           <a:lstStyle/>
           <a:p>
             <a:r>
-              <a:rPr lang="it-IT" b="1" i="1" dirty="0" smtClean="0"/>
+              <a:rPr lang="it-IT" b="1" i="1" dirty="0"/>
               <a:t>separando</a:t>
             </a:r>
             <a:r>
-              <a:rPr lang="it-IT" dirty="0" smtClean="0"/>
-              <a:t> </a:t>
-            </a:r>
-            <a:r>
-              <a:rPr lang="it-IT" dirty="0"/>
-              <a:t>l’</a:t>
+              <a:rPr lang="it-IT" dirty="0"/>
+              <a:t> l’</a:t>
             </a:r>
             <a:r>
               <a:rPr lang="it-IT" b="1" i="1" dirty="0"/>
@@ -12753,7 +13895,7 @@
           <a:p>
             <a:pPr lvl="1"/>
             <a:r>
-              <a:rPr lang="it-IT" dirty="0" smtClean="0"/>
+              <a:rPr lang="it-IT" dirty="0"/>
               <a:t>posso </a:t>
             </a:r>
             <a:r>
@@ -12768,7 +13910,7 @@
           <a:p>
             <a:pPr lvl="1"/>
             <a:r>
-              <a:rPr lang="it-IT" dirty="0" smtClean="0"/>
+              <a:rPr lang="it-IT" dirty="0"/>
               <a:t>posso </a:t>
             </a:r>
             <a:r>
@@ -12788,19 +13930,14 @@
               <a:t> </a:t>
             </a:r>
             <a:r>
-              <a:rPr lang="it-IT" b="1" i="1" dirty="0" smtClean="0"/>
+              <a:rPr lang="it-IT" b="1" i="1" dirty="0"/>
               <a:t>una sola volta</a:t>
             </a:r>
-            <a:endParaRPr lang="it-IT" b="1" i="1" dirty="0"/>
-          </a:p>
-          <a:p>
-            <a:r>
-              <a:rPr lang="it-IT" dirty="0" smtClean="0"/>
-              <a:t>separando </a:t>
-            </a:r>
-            <a:r>
-              <a:rPr lang="it-IT" dirty="0"/>
-              <a:t>l’</a:t>
+          </a:p>
+          <a:p>
+            <a:r>
+              <a:rPr lang="it-IT" dirty="0"/>
+              <a:t>separando l’</a:t>
             </a:r>
             <a:r>
               <a:rPr lang="it-IT" b="1" i="1" dirty="0"/>
@@ -12818,7 +13955,7 @@
           <a:p>
             <a:pPr lvl="1"/>
             <a:r>
-              <a:rPr lang="it-IT" dirty="0" smtClean="0"/>
+              <a:rPr lang="it-IT" dirty="0"/>
               <a:t>se </a:t>
             </a:r>
             <a:r>
@@ -12857,12 +13994,8 @@
           <a:p>
             <a:pPr lvl="1"/>
             <a:r>
-              <a:rPr lang="it-IT" dirty="0" smtClean="0"/>
-              <a:t>devo </a:t>
-            </a:r>
-            <a:r>
-              <a:rPr lang="it-IT" dirty="0"/>
-              <a:t>solo </a:t>
+              <a:rPr lang="it-IT" dirty="0"/>
+              <a:t>devo solo </a:t>
             </a:r>
             <a:r>
               <a:rPr lang="it-IT" b="1" i="1" dirty="0"/>
@@ -12873,7 +14006,7 @@
               <a:t> l’implementazione e </a:t>
             </a:r>
             <a:r>
-              <a:rPr lang="it-IT" b="1" i="1" dirty="0" err="1" smtClean="0"/>
+              <a:rPr lang="it-IT" b="1" i="1" dirty="0" err="1"/>
               <a:t>rilinkare</a:t>
             </a:r>
             <a:endParaRPr lang="it-IT" b="1" i="1" dirty="0"/>
@@ -12899,7 +14032,7 @@
               <a:defRPr/>
             </a:pPr>
             <a:r>
-              <a:rPr lang="it-IT" smtClean="0"/>
+              <a:rPr lang="it-IT"/>
               <a:t>Alberto Ferrari – Programmazione di applicazioni SW</a:t>
             </a:r>
             <a:endParaRPr lang="it-IT" dirty="0"/>
@@ -12919,7 +14052,7 @@
 </p:sld>
 </file>
 
-<file path=ppt/slides/slide32.xml><?xml version="1.0" encoding="utf-8"?>
+<file path=ppt/slides/slide35.xml><?xml version="1.0" encoding="utf-8"?>
 <p:sld xmlns:a="http://schemas.openxmlformats.org/drawingml/2006/main" xmlns:r="http://schemas.openxmlformats.org/officeDocument/2006/relationships" xmlns:p="http://schemas.openxmlformats.org/presentationml/2006/main">
   <p:cSld>
     <p:spTree>
@@ -12952,10 +14085,9 @@
           <a:lstStyle/>
           <a:p>
             <a:r>
-              <a:rPr lang="it-IT" dirty="0" smtClean="0"/>
+              <a:rPr lang="it-IT" dirty="0"/>
               <a:t>inclusione ripetuta</a:t>
             </a:r>
-            <a:endParaRPr lang="it-IT" dirty="0"/>
           </a:p>
         </p:txBody>
       </p:sp>
@@ -12978,7 +14110,7 @@
               <a:defRPr/>
             </a:pPr>
             <a:r>
-              <a:rPr lang="it-IT" smtClean="0"/>
+              <a:rPr lang="it-IT"/>
               <a:t>Alberto Ferrari – Programmazione di applicazioni SW</a:t>
             </a:r>
             <a:endParaRPr lang="it-IT" dirty="0"/>
@@ -13163,16 +14295,12 @@
               <a:buNone/>
             </a:pPr>
             <a:r>
-              <a:rPr lang="it-IT" altLang="it-IT" sz="2400" b="1" u="sng" dirty="0" smtClean="0">
+              <a:rPr lang="it-IT" altLang="it-IT" sz="2400" b="1" u="sng" dirty="0">
                 <a:latin typeface="Courier New" panose="02070309020205020404" pitchFamily="49" charset="0"/>
                 <a:cs typeface="Courier New" panose="02070309020205020404" pitchFamily="49" charset="0"/>
               </a:rPr>
               <a:t>classA.cpp</a:t>
             </a:r>
-            <a:endParaRPr lang="it-IT" altLang="it-IT" sz="2400" b="1" u="sng" dirty="0">
-              <a:latin typeface="Courier New" panose="02070309020205020404" pitchFamily="49" charset="0"/>
-              <a:cs typeface="Courier New" panose="02070309020205020404" pitchFamily="49" charset="0"/>
-            </a:endParaRPr>
           </a:p>
         </p:txBody>
       </p:sp>
@@ -13354,16 +14482,12 @@
               <a:buNone/>
             </a:pPr>
             <a:r>
-              <a:rPr lang="it-IT" altLang="it-IT" sz="2400" b="1" u="sng" dirty="0" smtClean="0">
+              <a:rPr lang="it-IT" altLang="it-IT" sz="2400" b="1" u="sng" dirty="0">
                 <a:latin typeface="Courier New" panose="02070309020205020404" pitchFamily="49" charset="0"/>
                 <a:cs typeface="Courier New" panose="02070309020205020404" pitchFamily="49" charset="0"/>
               </a:rPr>
               <a:t>classB.cpp</a:t>
             </a:r>
-            <a:endParaRPr lang="it-IT" altLang="it-IT" sz="2400" b="1" u="sng" dirty="0">
-              <a:latin typeface="Courier New" panose="02070309020205020404" pitchFamily="49" charset="0"/>
-              <a:cs typeface="Courier New" panose="02070309020205020404" pitchFamily="49" charset="0"/>
-            </a:endParaRPr>
           </a:p>
         </p:txBody>
       </p:sp>
@@ -13545,13 +14669,13 @@
               <a:buNone/>
             </a:pPr>
             <a:r>
-              <a:rPr lang="it-IT" altLang="it-IT" sz="1800" b="1" u="sng" kern="0" dirty="0" err="1" smtClean="0">
+              <a:rPr lang="it-IT" altLang="it-IT" sz="1800" b="1" u="sng" kern="0" dirty="0" err="1">
                 <a:latin typeface="Courier New" panose="02070309020205020404" pitchFamily="49" charset="0"/>
                 <a:cs typeface="Courier New" panose="02070309020205020404" pitchFamily="49" charset="0"/>
               </a:rPr>
               <a:t>classA.h</a:t>
             </a:r>
-            <a:endParaRPr lang="it-IT" altLang="it-IT" sz="1800" b="1" u="sng" kern="0" dirty="0" smtClean="0">
+            <a:endParaRPr lang="it-IT" altLang="it-IT" sz="1800" b="1" u="sng" kern="0" dirty="0">
               <a:latin typeface="Courier New" panose="02070309020205020404" pitchFamily="49" charset="0"/>
               <a:cs typeface="Courier New" panose="02070309020205020404" pitchFamily="49" charset="0"/>
             </a:endParaRPr>
@@ -13565,14 +14689,14 @@
               <a:buNone/>
             </a:pPr>
             <a:r>
-              <a:rPr lang="it-IT" altLang="it-IT" sz="1800" kern="0" dirty="0" err="1" smtClean="0">
+              <a:rPr lang="it-IT" altLang="it-IT" sz="1800" kern="0" dirty="0" err="1">
                 <a:latin typeface="Courier New" panose="02070309020205020404" pitchFamily="49" charset="0"/>
                 <a:cs typeface="Courier New" panose="02070309020205020404" pitchFamily="49" charset="0"/>
               </a:rPr>
               <a:t>class</a:t>
             </a:r>
             <a:r>
-              <a:rPr lang="it-IT" altLang="it-IT" sz="1800" kern="0" dirty="0" smtClean="0">
+              <a:rPr lang="it-IT" altLang="it-IT" sz="1800" kern="0" dirty="0">
                 <a:latin typeface="Courier New" panose="02070309020205020404" pitchFamily="49" charset="0"/>
                 <a:cs typeface="Courier New" panose="02070309020205020404" pitchFamily="49" charset="0"/>
               </a:rPr>
@@ -13588,7 +14712,7 @@
               <a:buNone/>
             </a:pPr>
             <a:r>
-              <a:rPr lang="it-IT" altLang="it-IT" sz="1800" kern="0" dirty="0" smtClean="0">
+              <a:rPr lang="it-IT" altLang="it-IT" sz="1800" kern="0" dirty="0">
                 <a:latin typeface="Courier New" panose="02070309020205020404" pitchFamily="49" charset="0"/>
                 <a:cs typeface="Courier New" panose="02070309020205020404" pitchFamily="49" charset="0"/>
               </a:rPr>
@@ -13604,7 +14728,7 @@
               <a:buNone/>
             </a:pPr>
             <a:r>
-              <a:rPr lang="it-IT" altLang="it-IT" sz="1800" kern="0" dirty="0" smtClean="0">
+              <a:rPr lang="it-IT" altLang="it-IT" sz="1800" kern="0" dirty="0">
                 <a:latin typeface="Courier New" panose="02070309020205020404" pitchFamily="49" charset="0"/>
                 <a:cs typeface="Courier New" panose="02070309020205020404" pitchFamily="49" charset="0"/>
               </a:rPr>
@@ -13620,7 +14744,7 @@
               <a:buNone/>
             </a:pPr>
             <a:r>
-              <a:rPr lang="it-IT" altLang="it-IT" sz="1800" kern="0" dirty="0" smtClean="0">
+              <a:rPr lang="it-IT" altLang="it-IT" sz="1800" kern="0" dirty="0">
                 <a:latin typeface="Courier New" panose="02070309020205020404" pitchFamily="49" charset="0"/>
                 <a:cs typeface="Courier New" panose="02070309020205020404" pitchFamily="49" charset="0"/>
               </a:rPr>
@@ -13636,7 +14760,7 @@
               <a:buNone/>
             </a:pPr>
             <a:r>
-              <a:rPr lang="it-IT" altLang="it-IT" sz="1800" kern="0" dirty="0" smtClean="0">
+              <a:rPr lang="it-IT" altLang="it-IT" sz="1800" kern="0" dirty="0">
                 <a:latin typeface="Courier New" panose="02070309020205020404" pitchFamily="49" charset="0"/>
                 <a:cs typeface="Courier New" panose="02070309020205020404" pitchFamily="49" charset="0"/>
               </a:rPr>
@@ -13652,7 +14776,7 @@
               <a:buNone/>
             </a:pPr>
             <a:r>
-              <a:rPr lang="it-IT" altLang="it-IT" sz="1800" kern="0" dirty="0" smtClean="0">
+              <a:rPr lang="it-IT" altLang="it-IT" sz="1800" kern="0" dirty="0">
                 <a:latin typeface="Courier New" panose="02070309020205020404" pitchFamily="49" charset="0"/>
                 <a:cs typeface="Courier New" panose="02070309020205020404" pitchFamily="49" charset="0"/>
               </a:rPr>
@@ -13668,16 +14792,12 @@
               <a:buNone/>
             </a:pPr>
             <a:r>
-              <a:rPr lang="it-IT" altLang="it-IT" sz="1800" kern="0" dirty="0" smtClean="0">
+              <a:rPr lang="it-IT" altLang="it-IT" sz="1800" kern="0" dirty="0">
                 <a:latin typeface="Courier New" panose="02070309020205020404" pitchFamily="49" charset="0"/>
                 <a:cs typeface="Courier New" panose="02070309020205020404" pitchFamily="49" charset="0"/>
               </a:rPr>
               <a:t>};</a:t>
             </a:r>
-            <a:endParaRPr lang="it-IT" altLang="it-IT" sz="1800" kern="0" dirty="0">
-              <a:latin typeface="Courier New" panose="02070309020205020404" pitchFamily="49" charset="0"/>
-              <a:cs typeface="Courier New" panose="02070309020205020404" pitchFamily="49" charset="0"/>
-            </a:endParaRPr>
           </a:p>
         </p:txBody>
       </p:sp>
@@ -13872,33 +14992,22 @@
                 <a:latin typeface="Courier New" panose="02070309020205020404" pitchFamily="49" charset="0"/>
                 <a:cs typeface="Courier New" panose="02070309020205020404" pitchFamily="49" charset="0"/>
               </a:rPr>
-              <a:t>#include </a:t>
-            </a:r>
-            <a:r>
-              <a:rPr lang="it-IT" altLang="it-IT" sz="1800" dirty="0" smtClean="0">
+              <a:t>#include "</a:t>
+            </a:r>
+            <a:r>
+              <a:rPr lang="it-IT" altLang="it-IT" sz="1800" dirty="0" err="1">
+                <a:latin typeface="Courier New" panose="02070309020205020404" pitchFamily="49" charset="0"/>
+                <a:cs typeface="Courier New" panose="02070309020205020404" pitchFamily="49" charset="0"/>
+              </a:rPr>
+              <a:t>classA.h</a:t>
+            </a:r>
+            <a:r>
+              <a:rPr lang="it-IT" altLang="it-IT" sz="1800" dirty="0">
                 <a:latin typeface="Courier New" panose="02070309020205020404" pitchFamily="49" charset="0"/>
                 <a:cs typeface="Courier New" panose="02070309020205020404" pitchFamily="49" charset="0"/>
               </a:rPr>
               <a:t>"</a:t>
             </a:r>
-            <a:r>
-              <a:rPr lang="it-IT" altLang="it-IT" sz="1800" dirty="0" err="1" smtClean="0">
-                <a:latin typeface="Courier New" panose="02070309020205020404" pitchFamily="49" charset="0"/>
-                <a:cs typeface="Courier New" panose="02070309020205020404" pitchFamily="49" charset="0"/>
-              </a:rPr>
-              <a:t>classA.h</a:t>
-            </a:r>
-            <a:r>
-              <a:rPr lang="it-IT" altLang="it-IT" sz="1800" dirty="0" smtClean="0">
-                <a:latin typeface="Courier New" panose="02070309020205020404" pitchFamily="49" charset="0"/>
-                <a:cs typeface="Courier New" panose="02070309020205020404" pitchFamily="49" charset="0"/>
-              </a:rPr>
-              <a:t>"</a:t>
-            </a:r>
-            <a:endParaRPr lang="it-IT" altLang="it-IT" sz="1800" dirty="0">
-              <a:latin typeface="Courier New" panose="02070309020205020404" pitchFamily="49" charset="0"/>
-              <a:cs typeface="Courier New" panose="02070309020205020404" pitchFamily="49" charset="0"/>
-            </a:endParaRPr>
           </a:p>
           <a:p>
             <a:pPr>
@@ -14206,33 +15315,22 @@
                 <a:latin typeface="Courier New" panose="02070309020205020404" pitchFamily="49" charset="0"/>
                 <a:cs typeface="Courier New" panose="02070309020205020404" pitchFamily="49" charset="0"/>
               </a:rPr>
-              <a:t>#include </a:t>
-            </a:r>
-            <a:r>
-              <a:rPr lang="it-IT" altLang="it-IT" sz="2000" dirty="0" smtClean="0">
+              <a:t>#include "</a:t>
+            </a:r>
+            <a:r>
+              <a:rPr lang="it-IT" altLang="it-IT" sz="2000" dirty="0" err="1">
+                <a:latin typeface="Courier New" panose="02070309020205020404" pitchFamily="49" charset="0"/>
+                <a:cs typeface="Courier New" panose="02070309020205020404" pitchFamily="49" charset="0"/>
+              </a:rPr>
+              <a:t>classA.h</a:t>
+            </a:r>
+            <a:r>
+              <a:rPr lang="it-IT" altLang="it-IT" sz="2000" dirty="0">
                 <a:latin typeface="Courier New" panose="02070309020205020404" pitchFamily="49" charset="0"/>
                 <a:cs typeface="Courier New" panose="02070309020205020404" pitchFamily="49" charset="0"/>
               </a:rPr>
               <a:t>"</a:t>
             </a:r>
-            <a:r>
-              <a:rPr lang="it-IT" altLang="it-IT" sz="2000" dirty="0" err="1" smtClean="0">
-                <a:latin typeface="Courier New" panose="02070309020205020404" pitchFamily="49" charset="0"/>
-                <a:cs typeface="Courier New" panose="02070309020205020404" pitchFamily="49" charset="0"/>
-              </a:rPr>
-              <a:t>classA.h</a:t>
-            </a:r>
-            <a:r>
-              <a:rPr lang="it-IT" altLang="it-IT" sz="2000" dirty="0" smtClean="0">
-                <a:latin typeface="Courier New" panose="02070309020205020404" pitchFamily="49" charset="0"/>
-                <a:cs typeface="Courier New" panose="02070309020205020404" pitchFamily="49" charset="0"/>
-              </a:rPr>
-              <a:t>"</a:t>
-            </a:r>
-            <a:endParaRPr lang="it-IT" altLang="it-IT" sz="2000" dirty="0">
-              <a:latin typeface="Courier New" panose="02070309020205020404" pitchFamily="49" charset="0"/>
-              <a:cs typeface="Courier New" panose="02070309020205020404" pitchFamily="49" charset="0"/>
-            </a:endParaRPr>
           </a:p>
           <a:p>
             <a:pPr>
@@ -14244,33 +15342,22 @@
                 <a:latin typeface="Courier New" panose="02070309020205020404" pitchFamily="49" charset="0"/>
                 <a:cs typeface="Courier New" panose="02070309020205020404" pitchFamily="49" charset="0"/>
               </a:rPr>
-              <a:t>#include </a:t>
-            </a:r>
-            <a:r>
-              <a:rPr lang="it-IT" altLang="it-IT" sz="2000" dirty="0" smtClean="0">
+              <a:t>#include "</a:t>
+            </a:r>
+            <a:r>
+              <a:rPr lang="it-IT" altLang="it-IT" sz="2000" dirty="0" err="1">
+                <a:latin typeface="Courier New" panose="02070309020205020404" pitchFamily="49" charset="0"/>
+                <a:cs typeface="Courier New" panose="02070309020205020404" pitchFamily="49" charset="0"/>
+              </a:rPr>
+              <a:t>classB.h</a:t>
+            </a:r>
+            <a:r>
+              <a:rPr lang="it-IT" altLang="it-IT" sz="2000" dirty="0">
                 <a:latin typeface="Courier New" panose="02070309020205020404" pitchFamily="49" charset="0"/>
                 <a:cs typeface="Courier New" panose="02070309020205020404" pitchFamily="49" charset="0"/>
               </a:rPr>
               <a:t>"</a:t>
             </a:r>
-            <a:r>
-              <a:rPr lang="it-IT" altLang="it-IT" sz="2000" dirty="0" err="1" smtClean="0">
-                <a:latin typeface="Courier New" panose="02070309020205020404" pitchFamily="49" charset="0"/>
-                <a:cs typeface="Courier New" panose="02070309020205020404" pitchFamily="49" charset="0"/>
-              </a:rPr>
-              <a:t>classB.h</a:t>
-            </a:r>
-            <a:r>
-              <a:rPr lang="it-IT" altLang="it-IT" sz="2000" dirty="0" smtClean="0">
-                <a:latin typeface="Courier New" panose="02070309020205020404" pitchFamily="49" charset="0"/>
-                <a:cs typeface="Courier New" panose="02070309020205020404" pitchFamily="49" charset="0"/>
-              </a:rPr>
-              <a:t>"</a:t>
-            </a:r>
-            <a:endParaRPr lang="it-IT" altLang="it-IT" sz="2000" dirty="0">
-              <a:latin typeface="Courier New" panose="02070309020205020404" pitchFamily="49" charset="0"/>
-              <a:cs typeface="Courier New" panose="02070309020205020404" pitchFamily="49" charset="0"/>
-            </a:endParaRPr>
           </a:p>
           <a:p>
             <a:pPr>
@@ -14310,7 +15397,7 @@
 </p:sld>
 </file>
 
-<file path=ppt/slides/slide33.xml><?xml version="1.0" encoding="utf-8"?>
+<file path=ppt/slides/slide36.xml><?xml version="1.0" encoding="utf-8"?>
 <p:sld xmlns:a="http://schemas.openxmlformats.org/drawingml/2006/main" xmlns:r="http://schemas.openxmlformats.org/officeDocument/2006/relationships" xmlns:p="http://schemas.openxmlformats.org/presentationml/2006/main">
   <p:cSld>
     <p:spTree>
@@ -14343,12 +15430,8 @@
           <a:lstStyle/>
           <a:p>
             <a:r>
-              <a:rPr lang="it-IT" dirty="0" smtClean="0"/>
-              <a:t>uso </a:t>
-            </a:r>
-            <a:r>
-              <a:rPr lang="it-IT" dirty="0"/>
-              <a:t>di </a:t>
+              <a:rPr lang="it-IT" dirty="0"/>
+              <a:t>uso di </a:t>
             </a:r>
             <a:r>
               <a:rPr lang="it-IT" dirty="0">
@@ -14387,7 +15470,7 @@
           <a:lstStyle/>
           <a:p>
             <a:r>
-              <a:rPr lang="it-IT" dirty="0" smtClean="0"/>
+              <a:rPr lang="it-IT" dirty="0"/>
               <a:t>un </a:t>
             </a:r>
             <a:r>
@@ -14425,7 +15508,7 @@
           </a:p>
           <a:p>
             <a:r>
-              <a:rPr lang="it-IT" dirty="0" smtClean="0"/>
+              <a:rPr lang="it-IT" dirty="0"/>
               <a:t>per </a:t>
             </a:r>
             <a:r>
@@ -14458,7 +15541,7 @@
               <a:buNone/>
             </a:pPr>
             <a:r>
-              <a:rPr lang="it-IT" b="1" dirty="0" smtClean="0">
+              <a:rPr lang="it-IT" b="1" dirty="0">
                 <a:latin typeface="Courier New" panose="02070309020205020404" pitchFamily="49" charset="0"/>
                 <a:cs typeface="Courier New" panose="02070309020205020404" pitchFamily="49" charset="0"/>
               </a:rPr>
@@ -14484,7 +15567,7 @@
               <a:buNone/>
             </a:pPr>
             <a:r>
-              <a:rPr lang="it-IT" b="1" dirty="0" smtClean="0">
+              <a:rPr lang="it-IT" b="1" dirty="0">
                 <a:latin typeface="Courier New" panose="02070309020205020404" pitchFamily="49" charset="0"/>
                 <a:cs typeface="Courier New" panose="02070309020205020404" pitchFamily="49" charset="0"/>
               </a:rPr>
@@ -14522,7 +15605,7 @@
               <a:buNone/>
             </a:pPr>
             <a:r>
-              <a:rPr lang="it-IT" b="1" dirty="0" smtClean="0">
+              <a:rPr lang="it-IT" b="1" dirty="0">
                 <a:latin typeface="Courier New" panose="02070309020205020404" pitchFamily="49" charset="0"/>
                 <a:cs typeface="Courier New" panose="02070309020205020404" pitchFamily="49" charset="0"/>
               </a:rPr>
@@ -14542,7 +15625,7 @@
           </a:p>
           <a:p>
             <a:r>
-              <a:rPr lang="it-IT" dirty="0" smtClean="0"/>
+              <a:rPr lang="it-IT" dirty="0"/>
               <a:t>per </a:t>
             </a:r>
             <a:r>
@@ -14572,12 +15655,8 @@
           </a:p>
           <a:p>
             <a:r>
-              <a:rPr lang="it-IT" i="1" dirty="0" smtClean="0"/>
-              <a:t>usato </a:t>
-            </a:r>
-            <a:r>
               <a:rPr lang="it-IT" i="1" dirty="0"/>
-              <a:t>in tutti gli </a:t>
+              <a:t>usato in tutti gli </a:t>
             </a:r>
             <a:r>
               <a:rPr lang="it-IT" i="1" dirty="0" err="1"/>
@@ -14644,7 +15723,7 @@
               <a:defRPr/>
             </a:pPr>
             <a:r>
-              <a:rPr lang="it-IT" smtClean="0"/>
+              <a:rPr lang="it-IT"/>
               <a:t>Alberto Ferrari – Programmazione di applicazioni SW</a:t>
             </a:r>
             <a:endParaRPr lang="it-IT" dirty="0"/>
@@ -14664,7 +15743,7 @@
 </p:sld>
 </file>
 
-<file path=ppt/slides/slide34.xml><?xml version="1.0" encoding="utf-8"?>
+<file path=ppt/slides/slide37.xml><?xml version="1.0" encoding="utf-8"?>
 <p:sld xmlns:a="http://schemas.openxmlformats.org/drawingml/2006/main" xmlns:r="http://schemas.openxmlformats.org/officeDocument/2006/relationships" xmlns:p="http://schemas.openxmlformats.org/presentationml/2006/main">
   <p:cSld>
     <p:spTree>
@@ -14697,10 +15776,9 @@
           <a:lstStyle/>
           <a:p>
             <a:r>
-              <a:rPr lang="it-IT" dirty="0" smtClean="0"/>
+              <a:rPr lang="it-IT" dirty="0"/>
               <a:t>esempio: inclusione ripetuta</a:t>
             </a:r>
-            <a:endParaRPr lang="it-IT" dirty="0"/>
           </a:p>
         </p:txBody>
       </p:sp>
@@ -14723,7 +15801,7 @@
               <a:defRPr/>
             </a:pPr>
             <a:r>
-              <a:rPr lang="it-IT" smtClean="0"/>
+              <a:rPr lang="it-IT"/>
               <a:t>Alberto Ferrari – Programmazione di applicazioni SW</a:t>
             </a:r>
             <a:endParaRPr lang="it-IT" dirty="0"/>
@@ -14908,16 +15986,12 @@
               <a:buNone/>
             </a:pPr>
             <a:r>
-              <a:rPr lang="it-IT" altLang="it-IT" sz="2000" b="1" u="sng" dirty="0" smtClean="0">
+              <a:rPr lang="it-IT" altLang="it-IT" sz="2000" b="1" u="sng" dirty="0">
                 <a:latin typeface="Courier New" panose="02070309020205020404" pitchFamily="49" charset="0"/>
                 <a:cs typeface="Courier New" panose="02070309020205020404" pitchFamily="49" charset="0"/>
               </a:rPr>
               <a:t>classA.cpp</a:t>
             </a:r>
-            <a:endParaRPr lang="it-IT" altLang="it-IT" sz="2000" b="1" u="sng" dirty="0">
-              <a:latin typeface="Courier New" panose="02070309020205020404" pitchFamily="49" charset="0"/>
-              <a:cs typeface="Courier New" panose="02070309020205020404" pitchFamily="49" charset="0"/>
-            </a:endParaRPr>
           </a:p>
         </p:txBody>
       </p:sp>
@@ -15099,13 +16173,13 @@
               <a:buNone/>
             </a:pPr>
             <a:r>
-              <a:rPr lang="it-IT" altLang="it-IT" sz="2000" b="1" u="sng" kern="0" dirty="0" err="1" smtClean="0">
+              <a:rPr lang="it-IT" altLang="it-IT" sz="2000" b="1" u="sng" kern="0" dirty="0" err="1">
                 <a:latin typeface="Courier New" panose="02070309020205020404" pitchFamily="49" charset="0"/>
                 <a:cs typeface="Courier New" panose="02070309020205020404" pitchFamily="49" charset="0"/>
               </a:rPr>
               <a:t>classA.h</a:t>
             </a:r>
-            <a:endParaRPr lang="it-IT" altLang="it-IT" sz="2000" b="1" u="sng" kern="0" dirty="0" smtClean="0">
+            <a:endParaRPr lang="it-IT" altLang="it-IT" sz="2000" b="1" u="sng" kern="0" dirty="0">
               <a:latin typeface="Courier New" panose="02070309020205020404" pitchFamily="49" charset="0"/>
               <a:cs typeface="Courier New" panose="02070309020205020404" pitchFamily="49" charset="0"/>
             </a:endParaRPr>
@@ -15119,21 +16193,21 @@
               <a:buNone/>
             </a:pPr>
             <a:r>
-              <a:rPr lang="it-IT" altLang="it-IT" sz="2000" b="1" kern="0" dirty="0" smtClean="0">
+              <a:rPr lang="it-IT" altLang="it-IT" sz="2000" b="1" kern="0" dirty="0">
                 <a:latin typeface="Courier New" panose="02070309020205020404" pitchFamily="49" charset="0"/>
                 <a:cs typeface="Courier New" panose="02070309020205020404" pitchFamily="49" charset="0"/>
               </a:rPr>
               <a:t>#</a:t>
             </a:r>
             <a:r>
-              <a:rPr lang="it-IT" altLang="it-IT" sz="2000" b="1" kern="0" dirty="0" err="1" smtClean="0">
+              <a:rPr lang="it-IT" altLang="it-IT" sz="2000" b="1" kern="0" dirty="0" err="1">
                 <a:latin typeface="Courier New" panose="02070309020205020404" pitchFamily="49" charset="0"/>
                 <a:cs typeface="Courier New" panose="02070309020205020404" pitchFamily="49" charset="0"/>
               </a:rPr>
               <a:t>ifndef</a:t>
             </a:r>
             <a:r>
-              <a:rPr lang="it-IT" altLang="it-IT" sz="2000" b="1" kern="0" dirty="0" smtClean="0">
+              <a:rPr lang="it-IT" altLang="it-IT" sz="2000" b="1" kern="0" dirty="0">
                 <a:latin typeface="Courier New" panose="02070309020205020404" pitchFamily="49" charset="0"/>
                 <a:cs typeface="Courier New" panose="02070309020205020404" pitchFamily="49" charset="0"/>
               </a:rPr>
@@ -15149,21 +16223,21 @@
               <a:buNone/>
             </a:pPr>
             <a:r>
-              <a:rPr lang="it-IT" altLang="it-IT" sz="2000" b="1" kern="0" dirty="0" smtClean="0">
+              <a:rPr lang="it-IT" altLang="it-IT" sz="2000" b="1" kern="0" dirty="0">
                 <a:latin typeface="Courier New" panose="02070309020205020404" pitchFamily="49" charset="0"/>
                 <a:cs typeface="Courier New" panose="02070309020205020404" pitchFamily="49" charset="0"/>
               </a:rPr>
               <a:t>#</a:t>
             </a:r>
             <a:r>
-              <a:rPr lang="it-IT" altLang="it-IT" sz="2000" b="1" kern="0" dirty="0" err="1" smtClean="0">
+              <a:rPr lang="it-IT" altLang="it-IT" sz="2000" b="1" kern="0" dirty="0" err="1">
                 <a:latin typeface="Courier New" panose="02070309020205020404" pitchFamily="49" charset="0"/>
                 <a:cs typeface="Courier New" panose="02070309020205020404" pitchFamily="49" charset="0"/>
               </a:rPr>
               <a:t>define</a:t>
             </a:r>
             <a:r>
-              <a:rPr lang="it-IT" altLang="it-IT" sz="2000" b="1" kern="0" dirty="0" smtClean="0">
+              <a:rPr lang="it-IT" altLang="it-IT" sz="2000" b="1" kern="0" dirty="0">
                 <a:latin typeface="Courier New" panose="02070309020205020404" pitchFamily="49" charset="0"/>
                 <a:cs typeface="Courier New" panose="02070309020205020404" pitchFamily="49" charset="0"/>
               </a:rPr>
@@ -15179,14 +16253,14 @@
               <a:buNone/>
             </a:pPr>
             <a:r>
-              <a:rPr lang="it-IT" altLang="it-IT" sz="2000" b="1" kern="0" dirty="0" err="1" smtClean="0">
+              <a:rPr lang="it-IT" altLang="it-IT" sz="2000" b="1" kern="0" dirty="0" err="1">
                 <a:latin typeface="Courier New" panose="02070309020205020404" pitchFamily="49" charset="0"/>
                 <a:cs typeface="Courier New" panose="02070309020205020404" pitchFamily="49" charset="0"/>
               </a:rPr>
               <a:t>class</a:t>
             </a:r>
             <a:r>
-              <a:rPr lang="it-IT" altLang="it-IT" sz="2000" b="1" kern="0" dirty="0" smtClean="0">
+              <a:rPr lang="it-IT" altLang="it-IT" sz="2000" b="1" kern="0" dirty="0">
                 <a:latin typeface="Courier New" panose="02070309020205020404" pitchFamily="49" charset="0"/>
                 <a:cs typeface="Courier New" panose="02070309020205020404" pitchFamily="49" charset="0"/>
               </a:rPr>
@@ -15202,7 +16276,7 @@
               <a:buNone/>
             </a:pPr>
             <a:r>
-              <a:rPr lang="it-IT" altLang="it-IT" sz="2000" b="1" kern="0" dirty="0" smtClean="0">
+              <a:rPr lang="it-IT" altLang="it-IT" sz="2000" b="1" kern="0" dirty="0">
                 <a:latin typeface="Courier New" panose="02070309020205020404" pitchFamily="49" charset="0"/>
                 <a:cs typeface="Courier New" panose="02070309020205020404" pitchFamily="49" charset="0"/>
               </a:rPr>
@@ -15218,7 +16292,7 @@
               <a:buNone/>
             </a:pPr>
             <a:r>
-              <a:rPr lang="it-IT" altLang="it-IT" sz="2000" b="1" kern="0" dirty="0" smtClean="0">
+              <a:rPr lang="it-IT" altLang="it-IT" sz="2000" b="1" kern="0" dirty="0">
                 <a:latin typeface="Courier New" panose="02070309020205020404" pitchFamily="49" charset="0"/>
                 <a:cs typeface="Courier New" panose="02070309020205020404" pitchFamily="49" charset="0"/>
               </a:rPr>
@@ -15234,7 +16308,7 @@
               <a:buNone/>
             </a:pPr>
             <a:r>
-              <a:rPr lang="it-IT" altLang="it-IT" sz="2000" b="1" kern="0" dirty="0" smtClean="0">
+              <a:rPr lang="it-IT" altLang="it-IT" sz="2000" b="1" kern="0" dirty="0">
                 <a:latin typeface="Courier New" panose="02070309020205020404" pitchFamily="49" charset="0"/>
                 <a:cs typeface="Courier New" panose="02070309020205020404" pitchFamily="49" charset="0"/>
               </a:rPr>
@@ -15250,14 +16324,14 @@
               <a:buNone/>
             </a:pPr>
             <a:r>
-              <a:rPr lang="it-IT" altLang="it-IT" sz="2000" b="1" kern="0" dirty="0" smtClean="0">
+              <a:rPr lang="it-IT" altLang="it-IT" sz="2000" b="1" kern="0" dirty="0">
                 <a:latin typeface="Courier New" panose="02070309020205020404" pitchFamily="49" charset="0"/>
                 <a:cs typeface="Courier New" panose="02070309020205020404" pitchFamily="49" charset="0"/>
               </a:rPr>
               <a:t>#</a:t>
             </a:r>
             <a:r>
-              <a:rPr lang="it-IT" altLang="it-IT" sz="2000" b="1" kern="0" dirty="0" err="1" smtClean="0">
+              <a:rPr lang="it-IT" altLang="it-IT" sz="2000" b="1" kern="0" dirty="0" err="1">
                 <a:latin typeface="Courier New" panose="02070309020205020404" pitchFamily="49" charset="0"/>
                 <a:cs typeface="Courier New" panose="02070309020205020404" pitchFamily="49" charset="0"/>
               </a:rPr>
@@ -15448,16 +16522,12 @@
               <a:buNone/>
             </a:pPr>
             <a:r>
-              <a:rPr lang="it-IT" altLang="it-IT" sz="2000" b="1" u="sng" dirty="0" smtClean="0">
+              <a:rPr lang="it-IT" altLang="it-IT" sz="2000" b="1" u="sng" dirty="0">
                 <a:latin typeface="Courier New" panose="02070309020205020404" pitchFamily="49" charset="0"/>
                 <a:cs typeface="Courier New" panose="02070309020205020404" pitchFamily="49" charset="0"/>
               </a:rPr>
               <a:t>classB.cpp</a:t>
             </a:r>
-            <a:endParaRPr lang="it-IT" altLang="it-IT" sz="2000" b="1" u="sng" dirty="0">
-              <a:latin typeface="Courier New" panose="02070309020205020404" pitchFamily="49" charset="0"/>
-              <a:cs typeface="Courier New" panose="02070309020205020404" pitchFamily="49" charset="0"/>
-            </a:endParaRPr>
           </a:p>
         </p:txBody>
       </p:sp>
@@ -15706,33 +16776,22 @@
                 <a:latin typeface="Courier New" panose="02070309020205020404" pitchFamily="49" charset="0"/>
                 <a:cs typeface="Courier New" panose="02070309020205020404" pitchFamily="49" charset="0"/>
               </a:rPr>
-              <a:t>#include </a:t>
-            </a:r>
-            <a:r>
-              <a:rPr lang="it-IT" altLang="it-IT" sz="2000" b="1" dirty="0" smtClean="0">
+              <a:t>#include "</a:t>
+            </a:r>
+            <a:r>
+              <a:rPr lang="it-IT" altLang="it-IT" sz="2000" b="1" dirty="0" err="1">
+                <a:latin typeface="Courier New" panose="02070309020205020404" pitchFamily="49" charset="0"/>
+                <a:cs typeface="Courier New" panose="02070309020205020404" pitchFamily="49" charset="0"/>
+              </a:rPr>
+              <a:t>classA.h</a:t>
+            </a:r>
+            <a:r>
+              <a:rPr lang="it-IT" altLang="it-IT" sz="2000" b="1" dirty="0">
                 <a:latin typeface="Courier New" panose="02070309020205020404" pitchFamily="49" charset="0"/>
                 <a:cs typeface="Courier New" panose="02070309020205020404" pitchFamily="49" charset="0"/>
               </a:rPr>
               <a:t>"</a:t>
             </a:r>
-            <a:r>
-              <a:rPr lang="it-IT" altLang="it-IT" sz="2000" b="1" dirty="0" err="1" smtClean="0">
-                <a:latin typeface="Courier New" panose="02070309020205020404" pitchFamily="49" charset="0"/>
-                <a:cs typeface="Courier New" panose="02070309020205020404" pitchFamily="49" charset="0"/>
-              </a:rPr>
-              <a:t>classA.h</a:t>
-            </a:r>
-            <a:r>
-              <a:rPr lang="it-IT" altLang="it-IT" sz="2000" b="1" dirty="0" smtClean="0">
-                <a:latin typeface="Courier New" panose="02070309020205020404" pitchFamily="49" charset="0"/>
-                <a:cs typeface="Courier New" panose="02070309020205020404" pitchFamily="49" charset="0"/>
-              </a:rPr>
-              <a:t>"</a:t>
-            </a:r>
-            <a:endParaRPr lang="it-IT" altLang="it-IT" sz="2000" b="1" dirty="0">
-              <a:latin typeface="Courier New" panose="02070309020205020404" pitchFamily="49" charset="0"/>
-              <a:cs typeface="Courier New" panose="02070309020205020404" pitchFamily="49" charset="0"/>
-            </a:endParaRPr>
           </a:p>
           <a:p>
             <a:pPr>
@@ -15854,7 +16913,7 @@
           <p:cNvPr id="2" name="Titolo 1">
             <a:extLst>
               <a:ext uri="{FF2B5EF4-FFF2-40B4-BE49-F238E27FC236}">
-                <a16:creationId xmlns:a16="http://schemas.microsoft.com/office/drawing/2014/main" xmlns="" id="{D75BD626-2D1B-4AA9-BF12-124E42664331}"/>
+                <a16:creationId xmlns:a16="http://schemas.microsoft.com/office/drawing/2014/main" id="{D75BD626-2D1B-4AA9-BF12-124E42664331}"/>
               </a:ext>
             </a:extLst>
           </p:cNvPr>
@@ -15882,7 +16941,7 @@
           <p:cNvPr id="3" name="Segnaposto contenuto 2">
             <a:extLst>
               <a:ext uri="{FF2B5EF4-FFF2-40B4-BE49-F238E27FC236}">
-                <a16:creationId xmlns:a16="http://schemas.microsoft.com/office/drawing/2014/main" xmlns="" id="{A1320AED-C52A-4F40-B4C0-4E3BE1CDD525}"/>
+                <a16:creationId xmlns:a16="http://schemas.microsoft.com/office/drawing/2014/main" id="{A1320AED-C52A-4F40-B4C0-4E3BE1CDD525}"/>
               </a:ext>
             </a:extLst>
           </p:cNvPr>
@@ -15970,7 +17029,7 @@
           <p:cNvPr id="4" name="Segnaposto piè di pagina 3">
             <a:extLst>
               <a:ext uri="{FF2B5EF4-FFF2-40B4-BE49-F238E27FC236}">
-                <a16:creationId xmlns:a16="http://schemas.microsoft.com/office/drawing/2014/main" xmlns="" id="{1C613A09-58AE-4E77-9D4F-97D1E974CE6C}"/>
+                <a16:creationId xmlns:a16="http://schemas.microsoft.com/office/drawing/2014/main" id="{1C613A09-58AE-4E77-9D4F-97D1E974CE6C}"/>
               </a:ext>
             </a:extLst>
           </p:cNvPr>
@@ -16002,7 +17061,7 @@
           <p:cNvPr id="5" name="Immagine 4">
             <a:extLst>
               <a:ext uri="{FF2B5EF4-FFF2-40B4-BE49-F238E27FC236}">
-                <a16:creationId xmlns:a16="http://schemas.microsoft.com/office/drawing/2014/main" xmlns="" id="{1983B8B7-9D9E-4396-AC15-4D5BCF51645A}"/>
+                <a16:creationId xmlns:a16="http://schemas.microsoft.com/office/drawing/2014/main" id="{1983B8B7-9D9E-4396-AC15-4D5BCF51645A}"/>
               </a:ext>
             </a:extLst>
           </p:cNvPr>
@@ -16062,7 +17121,7 @@
           <p:cNvPr id="2" name="Titolo 1">
             <a:extLst>
               <a:ext uri="{FF2B5EF4-FFF2-40B4-BE49-F238E27FC236}">
-                <a16:creationId xmlns:a16="http://schemas.microsoft.com/office/drawing/2014/main" xmlns="" id="{C7687D76-F2D6-47DD-9D07-9A288753C206}"/>
+                <a16:creationId xmlns:a16="http://schemas.microsoft.com/office/drawing/2014/main" id="{C7687D76-F2D6-47DD-9D07-9A288753C206}"/>
               </a:ext>
             </a:extLst>
           </p:cNvPr>
@@ -16090,7 +17149,7 @@
           <p:cNvPr id="11" name="Segnaposto contenuto 10">
             <a:extLst>
               <a:ext uri="{FF2B5EF4-FFF2-40B4-BE49-F238E27FC236}">
-                <a16:creationId xmlns:a16="http://schemas.microsoft.com/office/drawing/2014/main" xmlns="" id="{38D72BFB-4787-4118-B5DC-2D51AABFBA3C}"/>
+                <a16:creationId xmlns:a16="http://schemas.microsoft.com/office/drawing/2014/main" id="{38D72BFB-4787-4118-B5DC-2D51AABFBA3C}"/>
               </a:ext>
             </a:extLst>
           </p:cNvPr>
@@ -16155,7 +17214,7 @@
           <p:cNvPr id="12" name="Segnaposto contenuto 11">
             <a:extLst>
               <a:ext uri="{FF2B5EF4-FFF2-40B4-BE49-F238E27FC236}">
-                <a16:creationId xmlns:a16="http://schemas.microsoft.com/office/drawing/2014/main" xmlns="" id="{8E991647-CC79-4F2D-8897-9173B51F05B5}"/>
+                <a16:creationId xmlns:a16="http://schemas.microsoft.com/office/drawing/2014/main" id="{8E991647-CC79-4F2D-8897-9173B51F05B5}"/>
               </a:ext>
             </a:extLst>
           </p:cNvPr>
@@ -16232,7 +17291,7 @@
           <p:cNvPr id="4" name="Segnaposto piè di pagina 3">
             <a:extLst>
               <a:ext uri="{FF2B5EF4-FFF2-40B4-BE49-F238E27FC236}">
-                <a16:creationId xmlns:a16="http://schemas.microsoft.com/office/drawing/2014/main" xmlns="" id="{2BA79870-C4AE-4AAF-8EB1-73139AA040A2}"/>
+                <a16:creationId xmlns:a16="http://schemas.microsoft.com/office/drawing/2014/main" id="{2BA79870-C4AE-4AAF-8EB1-73139AA040A2}"/>
               </a:ext>
             </a:extLst>
           </p:cNvPr>
@@ -16294,7 +17353,7 @@
           <p:cNvPr id="2" name="Titolo 1">
             <a:extLst>
               <a:ext uri="{FF2B5EF4-FFF2-40B4-BE49-F238E27FC236}">
-                <a16:creationId xmlns:a16="http://schemas.microsoft.com/office/drawing/2014/main" xmlns="" id="{AF09E4A4-3D06-4A10-997E-D334CC4F9FD8}"/>
+                <a16:creationId xmlns:a16="http://schemas.microsoft.com/office/drawing/2014/main" id="{AF09E4A4-3D06-4A10-997E-D334CC4F9FD8}"/>
               </a:ext>
             </a:extLst>
           </p:cNvPr>
@@ -16322,7 +17381,7 @@
           <p:cNvPr id="6" name="Segnaposto contenuto 5">
             <a:extLst>
               <a:ext uri="{FF2B5EF4-FFF2-40B4-BE49-F238E27FC236}">
-                <a16:creationId xmlns:a16="http://schemas.microsoft.com/office/drawing/2014/main" xmlns="" id="{279427A9-B25F-4FA5-A7C7-1CCA012A11D5}"/>
+                <a16:creationId xmlns:a16="http://schemas.microsoft.com/office/drawing/2014/main" id="{279427A9-B25F-4FA5-A7C7-1CCA012A11D5}"/>
               </a:ext>
             </a:extLst>
           </p:cNvPr>
@@ -16392,7 +17451,7 @@
           <p:cNvPr id="5" name="Segnaposto piè di pagina 4">
             <a:extLst>
               <a:ext uri="{FF2B5EF4-FFF2-40B4-BE49-F238E27FC236}">
-                <a16:creationId xmlns:a16="http://schemas.microsoft.com/office/drawing/2014/main" xmlns="" id="{8EB54F3A-5ADB-45C5-9F62-2D149C7907B1}"/>
+                <a16:creationId xmlns:a16="http://schemas.microsoft.com/office/drawing/2014/main" id="{8EB54F3A-5ADB-45C5-9F62-2D149C7907B1}"/>
               </a:ext>
             </a:extLst>
           </p:cNvPr>
@@ -16454,7 +17513,7 @@
           <p:cNvPr id="2" name="Titolo 1">
             <a:extLst>
               <a:ext uri="{FF2B5EF4-FFF2-40B4-BE49-F238E27FC236}">
-                <a16:creationId xmlns:a16="http://schemas.microsoft.com/office/drawing/2014/main" xmlns="" id="{8AD8341A-F91E-41A6-ACCC-751D8528079C}"/>
+                <a16:creationId xmlns:a16="http://schemas.microsoft.com/office/drawing/2014/main" id="{8AD8341A-F91E-41A6-ACCC-751D8528079C}"/>
               </a:ext>
             </a:extLst>
           </p:cNvPr>
@@ -16482,7 +17541,7 @@
           <p:cNvPr id="3" name="Segnaposto contenuto 2">
             <a:extLst>
               <a:ext uri="{FF2B5EF4-FFF2-40B4-BE49-F238E27FC236}">
-                <a16:creationId xmlns:a16="http://schemas.microsoft.com/office/drawing/2014/main" xmlns="" id="{F37E7968-4CCC-40EC-8CEA-850BCBAAF8A1}"/>
+                <a16:creationId xmlns:a16="http://schemas.microsoft.com/office/drawing/2014/main" id="{F37E7968-4CCC-40EC-8CEA-850BCBAAF8A1}"/>
               </a:ext>
             </a:extLst>
           </p:cNvPr>
@@ -16522,6 +17581,34 @@
           <a:p>
             <a:r>
               <a:rPr lang="it-IT" dirty="0"/>
+              <a:t>un tipo di dato consiste di</a:t>
+            </a:r>
+          </a:p>
+          <a:p>
+            <a:pPr lvl="1"/>
+            <a:r>
+              <a:rPr lang="it-IT" dirty="0"/>
+              <a:t>un insieme di </a:t>
+            </a:r>
+            <a:r>
+              <a:rPr lang="it-IT" b="1" i="1" dirty="0"/>
+              <a:t>valori</a:t>
+            </a:r>
+          </a:p>
+          <a:p>
+            <a:pPr lvl="1"/>
+            <a:r>
+              <a:rPr lang="it-IT" dirty="0"/>
+              <a:t>un insieme di </a:t>
+            </a:r>
+            <a:r>
+              <a:rPr lang="it-IT" b="1" i="1" dirty="0"/>
+              <a:t>operazioni</a:t>
+            </a:r>
+          </a:p>
+          <a:p>
+            <a:r>
+              <a:rPr lang="it-IT" dirty="0"/>
               <a:t>nella programmazione orientata agli oggetti, è quindi possibile sia </a:t>
             </a:r>
             <a:r>
@@ -16563,6 +17650,75 @@
             <a:r>
               <a:rPr lang="it-IT" dirty="0"/>
               <a:t> tramite le classi</a:t>
+            </a:r>
+          </a:p>
+          <a:p>
+            <a:r>
+              <a:rPr lang="it-IT" dirty="0"/>
+              <a:t>si definisce tipo di dato astratto (ADT – </a:t>
+            </a:r>
+            <a:r>
+              <a:rPr lang="it-IT" b="1" i="1" dirty="0"/>
+              <a:t>abstract data </a:t>
+            </a:r>
+            <a:r>
+              <a:rPr lang="it-IT" b="1" i="1" dirty="0" err="1"/>
+              <a:t>type</a:t>
+            </a:r>
+            <a:r>
+              <a:rPr lang="it-IT" dirty="0"/>
+              <a:t>)</a:t>
+            </a:r>
+          </a:p>
+          <a:p>
+            <a:pPr lvl="1"/>
+            <a:r>
+              <a:rPr lang="it-IT" dirty="0"/>
+              <a:t>se il suo utilizzo è </a:t>
+            </a:r>
+            <a:r>
+              <a:rPr lang="it-IT" b="1" i="1" dirty="0"/>
+              <a:t>indipendente</a:t>
+            </a:r>
+            <a:r>
+              <a:rPr lang="it-IT" dirty="0"/>
+              <a:t> dall’</a:t>
+            </a:r>
+            <a:r>
+              <a:rPr lang="it-IT" b="1" i="1" dirty="0"/>
+              <a:t>implementazione</a:t>
+            </a:r>
+            <a:r>
+              <a:rPr lang="it-IT" dirty="0"/>
+              <a:t> dei valori e delle operazioni</a:t>
+            </a:r>
+          </a:p>
+          <a:p>
+            <a:r>
+              <a:rPr lang="it-IT" dirty="0"/>
+              <a:t>i tipi di dati </a:t>
+            </a:r>
+            <a:r>
+              <a:rPr lang="it-IT" b="1" i="1" dirty="0"/>
+              <a:t>predefiniti</a:t>
+            </a:r>
+            <a:r>
+              <a:rPr lang="it-IT" dirty="0"/>
+              <a:t> sono </a:t>
+            </a:r>
+            <a:r>
+              <a:rPr lang="it-IT" b="1" i="1" dirty="0"/>
+              <a:t>ADT</a:t>
+            </a:r>
+          </a:p>
+          <a:p>
+            <a:r>
+              <a:rPr lang="it-IT" dirty="0"/>
+              <a:t>le classi </a:t>
+            </a:r>
+            <a:r>
+              <a:rPr lang="it-IT" b="1" i="1" dirty="0"/>
+              <a:t>devono essere ADT</a:t>
             </a:r>
           </a:p>
           <a:p>
@@ -16575,7 +17731,7 @@
           <p:cNvPr id="4" name="Segnaposto piè di pagina 3">
             <a:extLst>
               <a:ext uri="{FF2B5EF4-FFF2-40B4-BE49-F238E27FC236}">
-                <a16:creationId xmlns:a16="http://schemas.microsoft.com/office/drawing/2014/main" xmlns="" id="{B617823F-4FB9-4C1F-B393-FCB84FFF8174}"/>
+                <a16:creationId xmlns:a16="http://schemas.microsoft.com/office/drawing/2014/main" id="{B617823F-4FB9-4C1F-B393-FCB84FFF8174}"/>
               </a:ext>
             </a:extLst>
           </p:cNvPr>
@@ -16605,7 +17761,7 @@
     </p:spTree>
     <p:extLst>
       <p:ext uri="{BB962C8B-B14F-4D97-AF65-F5344CB8AC3E}">
-        <p14:creationId xmlns:p14="http://schemas.microsoft.com/office/powerpoint/2010/main" val="3639608386"/>
+        <p14:creationId xmlns:p14="http://schemas.microsoft.com/office/powerpoint/2010/main" val="3642901760"/>
       </p:ext>
     </p:extLst>
   </p:cSld>
@@ -16637,7 +17793,7 @@
           <p:cNvPr id="2" name="Titolo 1">
             <a:extLst>
               <a:ext uri="{FF2B5EF4-FFF2-40B4-BE49-F238E27FC236}">
-                <a16:creationId xmlns:a16="http://schemas.microsoft.com/office/drawing/2014/main" xmlns="" id="{D8A0D37C-C4D6-4ED6-93CE-497902C68A0A}"/>
+                <a16:creationId xmlns:a16="http://schemas.microsoft.com/office/drawing/2014/main" id="{D8A0D37C-C4D6-4ED6-93CE-497902C68A0A}"/>
               </a:ext>
             </a:extLst>
           </p:cNvPr>
@@ -16681,7 +17837,7 @@
           <p:cNvPr id="3" name="Segnaposto contenuto 2">
             <a:extLst>
               <a:ext uri="{FF2B5EF4-FFF2-40B4-BE49-F238E27FC236}">
-                <a16:creationId xmlns:a16="http://schemas.microsoft.com/office/drawing/2014/main" xmlns="" id="{969EE313-1DEF-4C90-BFDF-E32C32B50C3B}"/>
+                <a16:creationId xmlns:a16="http://schemas.microsoft.com/office/drawing/2014/main" id="{969EE313-1DEF-4C90-BFDF-E32C32B50C3B}"/>
               </a:ext>
             </a:extLst>
           </p:cNvPr>
@@ -16772,7 +17928,7 @@
           <p:cNvPr id="4" name="Segnaposto piè di pagina 3">
             <a:extLst>
               <a:ext uri="{FF2B5EF4-FFF2-40B4-BE49-F238E27FC236}">
-                <a16:creationId xmlns:a16="http://schemas.microsoft.com/office/drawing/2014/main" xmlns="" id="{BE03CC7F-A8AA-4F5A-9B21-AF4451C3122B}"/>
+                <a16:creationId xmlns:a16="http://schemas.microsoft.com/office/drawing/2014/main" id="{BE03CC7F-A8AA-4F5A-9B21-AF4451C3122B}"/>
               </a:ext>
             </a:extLst>
           </p:cNvPr>
@@ -16804,7 +17960,7 @@
           <p:cNvPr id="5" name="Immagine 4">
             <a:extLst>
               <a:ext uri="{FF2B5EF4-FFF2-40B4-BE49-F238E27FC236}">
-                <a16:creationId xmlns:a16="http://schemas.microsoft.com/office/drawing/2014/main" xmlns="" id="{58EFA3F3-9BA5-4D42-B0FE-5CA22508D29F}"/>
+                <a16:creationId xmlns:a16="http://schemas.microsoft.com/office/drawing/2014/main" id="{58EFA3F3-9BA5-4D42-B0FE-5CA22508D29F}"/>
               </a:ext>
             </a:extLst>
           </p:cNvPr>
@@ -16864,7 +18020,7 @@
           <p:cNvPr id="2" name="Titolo 1">
             <a:extLst>
               <a:ext uri="{FF2B5EF4-FFF2-40B4-BE49-F238E27FC236}">
-                <a16:creationId xmlns:a16="http://schemas.microsoft.com/office/drawing/2014/main" xmlns="" id="{6B14C41D-A022-4BC3-B2E8-E20CC30177F0}"/>
+                <a16:creationId xmlns:a16="http://schemas.microsoft.com/office/drawing/2014/main" id="{6B14C41D-A022-4BC3-B2E8-E20CC30177F0}"/>
               </a:ext>
             </a:extLst>
           </p:cNvPr>
@@ -16892,7 +18048,7 @@
           <p:cNvPr id="5" name="Segnaposto contenuto 4">
             <a:extLst>
               <a:ext uri="{FF2B5EF4-FFF2-40B4-BE49-F238E27FC236}">
-                <a16:creationId xmlns:a16="http://schemas.microsoft.com/office/drawing/2014/main" xmlns="" id="{A02FD034-EDE2-4206-9EC0-B99DD94D795F}"/>
+                <a16:creationId xmlns:a16="http://schemas.microsoft.com/office/drawing/2014/main" id="{A02FD034-EDE2-4206-9EC0-B99DD94D795F}"/>
               </a:ext>
             </a:extLst>
           </p:cNvPr>
@@ -16993,7 +18149,7 @@
           <p:cNvPr id="7" name="Segnaposto contenuto 6">
             <a:extLst>
               <a:ext uri="{FF2B5EF4-FFF2-40B4-BE49-F238E27FC236}">
-                <a16:creationId xmlns:a16="http://schemas.microsoft.com/office/drawing/2014/main" xmlns="" id="{949A3E59-A603-4F55-87C4-FEBC7BAB34AE}"/>
+                <a16:creationId xmlns:a16="http://schemas.microsoft.com/office/drawing/2014/main" id="{949A3E59-A603-4F55-87C4-FEBC7BAB34AE}"/>
               </a:ext>
             </a:extLst>
           </p:cNvPr>
@@ -17025,7 +18181,7 @@
           <p:cNvPr id="4" name="Segnaposto piè di pagina 3">
             <a:extLst>
               <a:ext uri="{FF2B5EF4-FFF2-40B4-BE49-F238E27FC236}">
-                <a16:creationId xmlns:a16="http://schemas.microsoft.com/office/drawing/2014/main" xmlns="" id="{6E1E6CC3-4089-40B6-BC3D-4575F4653B28}"/>
+                <a16:creationId xmlns:a16="http://schemas.microsoft.com/office/drawing/2014/main" id="{6E1E6CC3-4089-40B6-BC3D-4575F4653B28}"/>
               </a:ext>
             </a:extLst>
           </p:cNvPr>
@@ -17782,7 +18938,7 @@
   </a:extraClrSchemeLst>
   <a:extLst>
     <a:ext uri="{05A4C25C-085E-4340-85A3-A5531E510DB2}">
-      <thm15:themeFamily xmlns:thm15="http://schemas.microsoft.com/office/thememl/2012/main" xmlns="" name="Presentazione standard1" id="{720784A3-3107-4508-B7A9-1EAB53AA14F5}" vid="{4D31596E-AA56-4C77-BB0E-A09A90A0996D}"/>
+      <thm15:themeFamily xmlns:thm15="http://schemas.microsoft.com/office/thememl/2012/main" name="Presentazione standard1" id="{720784A3-3107-4508-B7A9-1EAB53AA14F5}" vid="{4D31596E-AA56-4C77-BB0E-A09A90A0996D}"/>
     </a:ext>
   </a:extLst>
 </a:theme>
@@ -18077,7 +19233,7 @@
   <a:extraClrSchemeLst/>
   <a:extLst>
     <a:ext uri="{05A4C25C-085E-4340-85A3-A5531E510DB2}">
-      <thm15:themeFamily xmlns:thm15="http://schemas.microsoft.com/office/thememl/2012/main" xmlns="" name="Office Theme" id="{62F939B6-93AF-4DB8-9C6B-D6C7DFDC589F}" vid="{4A3C46E8-61CC-4603-A589-7422A47A8E4A}"/>
+      <thm15:themeFamily xmlns:thm15="http://schemas.microsoft.com/office/thememl/2012/main" name="Office Theme" id="{62F939B6-93AF-4DB8-9C6B-D6C7DFDC589F}" vid="{4A3C46E8-61CC-4603-A589-7422A47A8E4A}"/>
     </a:ext>
   </a:extLst>
 </a:theme>

--- a/lezioni/PASW04 - object oriented programming.pptx
+++ b/lezioni/PASW04 - object oriented programming.pptx
@@ -5,7 +5,7 @@
     <p:sldMasterId id="2147483649" r:id="rId1"/>
   </p:sldMasterIdLst>
   <p:notesMasterIdLst>
-    <p:notesMasterId r:id="rId39"/>
+    <p:notesMasterId r:id="rId44"/>
   </p:notesMasterIdLst>
   <p:sldIdLst>
     <p:sldId id="258" r:id="rId2"/>
@@ -25,26 +25,31 @@
     <p:sldId id="302" r:id="rId16"/>
     <p:sldId id="303" r:id="rId17"/>
     <p:sldId id="307" r:id="rId18"/>
-    <p:sldId id="308" r:id="rId19"/>
-    <p:sldId id="309" r:id="rId20"/>
-    <p:sldId id="328" r:id="rId21"/>
-    <p:sldId id="311" r:id="rId22"/>
-    <p:sldId id="312" r:id="rId23"/>
-    <p:sldId id="329" r:id="rId24"/>
-    <p:sldId id="330" r:id="rId25"/>
-    <p:sldId id="304" r:id="rId26"/>
-    <p:sldId id="305" r:id="rId27"/>
-    <p:sldId id="306" r:id="rId28"/>
-    <p:sldId id="313" r:id="rId29"/>
-    <p:sldId id="326" r:id="rId30"/>
-    <p:sldId id="315" r:id="rId31"/>
-    <p:sldId id="316" r:id="rId32"/>
-    <p:sldId id="318" r:id="rId33"/>
-    <p:sldId id="319" r:id="rId34"/>
-    <p:sldId id="321" r:id="rId35"/>
-    <p:sldId id="322" r:id="rId36"/>
-    <p:sldId id="324" r:id="rId37"/>
-    <p:sldId id="325" r:id="rId38"/>
+    <p:sldId id="331" r:id="rId19"/>
+    <p:sldId id="308" r:id="rId20"/>
+    <p:sldId id="309" r:id="rId21"/>
+    <p:sldId id="328" r:id="rId22"/>
+    <p:sldId id="311" r:id="rId23"/>
+    <p:sldId id="312" r:id="rId24"/>
+    <p:sldId id="329" r:id="rId25"/>
+    <p:sldId id="330" r:id="rId26"/>
+    <p:sldId id="304" r:id="rId27"/>
+    <p:sldId id="305" r:id="rId28"/>
+    <p:sldId id="306" r:id="rId29"/>
+    <p:sldId id="313" r:id="rId30"/>
+    <p:sldId id="326" r:id="rId31"/>
+    <p:sldId id="315" r:id="rId32"/>
+    <p:sldId id="316" r:id="rId33"/>
+    <p:sldId id="318" r:id="rId34"/>
+    <p:sldId id="319" r:id="rId35"/>
+    <p:sldId id="321" r:id="rId36"/>
+    <p:sldId id="322" r:id="rId37"/>
+    <p:sldId id="324" r:id="rId38"/>
+    <p:sldId id="325" r:id="rId39"/>
+    <p:sldId id="335" r:id="rId40"/>
+    <p:sldId id="334" r:id="rId41"/>
+    <p:sldId id="336" r:id="rId42"/>
+    <p:sldId id="337" r:id="rId43"/>
   </p:sldIdLst>
   <p:sldSz cx="12192000" cy="6858000"/>
   <p:notesSz cx="6858000" cy="9144000"/>
@@ -7146,6 +7151,90 @@
             </a:r>
           </a:p>
           <a:p>
+            <a:r>
+              <a:rPr lang="it-IT" dirty="0"/>
+              <a:t>deve avere lo </a:t>
+            </a:r>
+            <a:r>
+              <a:rPr lang="it-IT" b="1" i="1" dirty="0"/>
+              <a:t>stesso nome </a:t>
+            </a:r>
+            <a:r>
+              <a:rPr lang="it-IT" dirty="0"/>
+              <a:t>della </a:t>
+            </a:r>
+            <a:r>
+              <a:rPr lang="it-IT" b="1" i="1" dirty="0"/>
+              <a:t>classe</a:t>
+            </a:r>
+            <a:r>
+              <a:rPr lang="it-IT" dirty="0"/>
+              <a:t> e non può ritornare un valore</a:t>
+            </a:r>
+          </a:p>
+          <a:p>
+            <a:r>
+              <a:rPr lang="it-IT" dirty="0"/>
+              <a:t>deve stare nella sezione pubblica della classe</a:t>
+            </a:r>
+          </a:p>
+          <a:p>
+            <a:r>
+              <a:rPr lang="it-IT" dirty="0"/>
+              <a:t>spesso si hanno più costruttori (</a:t>
+            </a:r>
+            <a:r>
+              <a:rPr lang="it-IT" dirty="0" err="1"/>
+              <a:t>overloading</a:t>
+            </a:r>
+            <a:r>
+              <a:rPr lang="it-IT" dirty="0"/>
+              <a:t>)</a:t>
+            </a:r>
+          </a:p>
+          <a:p>
+            <a:r>
+              <a:rPr lang="it-IT" dirty="0"/>
+              <a:t>un costruttore </a:t>
+            </a:r>
+            <a:r>
+              <a:rPr lang="it-IT" b="1" i="1" dirty="0"/>
+              <a:t>senza argomenti </a:t>
+            </a:r>
+            <a:r>
+              <a:rPr lang="it-IT" dirty="0"/>
+              <a:t>è detto costruttore di </a:t>
+            </a:r>
+            <a:r>
+              <a:rPr lang="it-IT" b="1" i="1" dirty="0"/>
+              <a:t>default</a:t>
+            </a:r>
+          </a:p>
+          <a:p>
+            <a:pPr lvl="1"/>
+            <a:r>
+              <a:rPr lang="it-IT" dirty="0"/>
+              <a:t>se non definiamo nessun costruttore viene creato un costruttore di default</a:t>
+            </a:r>
+          </a:p>
+          <a:p>
+            <a:pPr lvl="1"/>
+            <a:r>
+              <a:rPr lang="it-IT" dirty="0"/>
+              <a:t>se definiamo almeno un costruttore il costruttore di default non viene creato</a:t>
+            </a:r>
+          </a:p>
+          <a:p>
+            <a:pPr lvl="1"/>
+            <a:r>
+              <a:rPr lang="it-IT" dirty="0"/>
+              <a:t>è bene includere sempre il costruttore di default</a:t>
+            </a:r>
+          </a:p>
+          <a:p>
+            <a:endParaRPr lang="it-IT" dirty="0"/>
+          </a:p>
+          <a:p>
             <a:endParaRPr lang="it-IT" dirty="0"/>
           </a:p>
         </p:txBody>
@@ -7217,7 +7306,7 @@
           <p:cNvPr id="2" name="Titolo 1">
             <a:extLst>
               <a:ext uri="{FF2B5EF4-FFF2-40B4-BE49-F238E27FC236}">
-                <a16:creationId xmlns:a16="http://schemas.microsoft.com/office/drawing/2014/main" id="{6ECDC3D7-AE47-40CE-9F2D-E3486ABFA2F5}"/>
+                <a16:creationId xmlns:a16="http://schemas.microsoft.com/office/drawing/2014/main" id="{6BC69D8B-CAE4-4C57-B65D-0E816EBF8E4D}"/>
               </a:ext>
             </a:extLst>
           </p:cNvPr>
@@ -7235,7 +7324,7 @@
           <a:p>
             <a:r>
               <a:rPr lang="it-IT" dirty="0"/>
-              <a:t>modificatori di visibilità</a:t>
+              <a:t>costruttore</a:t>
             </a:r>
           </a:p>
         </p:txBody>
@@ -7245,7 +7334,7 @@
           <p:cNvPr id="3" name="Segnaposto contenuto 2">
             <a:extLst>
               <a:ext uri="{FF2B5EF4-FFF2-40B4-BE49-F238E27FC236}">
-                <a16:creationId xmlns:a16="http://schemas.microsoft.com/office/drawing/2014/main" id="{18E66119-B2EC-4CF3-8B60-84B979768BAF}"/>
+                <a16:creationId xmlns:a16="http://schemas.microsoft.com/office/drawing/2014/main" id="{407BE99C-D33B-4FB1-8C5D-91AF2020ECE6}"/>
               </a:ext>
             </a:extLst>
           </p:cNvPr>
@@ -7262,89 +7351,49 @@
           <a:lstStyle/>
           <a:p>
             <a:r>
-              <a:rPr lang="it-IT" b="1" i="1" dirty="0"/>
-              <a:t>public</a:t>
+              <a:rPr lang="it-IT" dirty="0"/>
+              <a:t>quando si dichiara una variabile di tipo classe e si vuole invocato il costruttore senza argomenti, non si usano le parentesi</a:t>
             </a:r>
           </a:p>
           <a:p>
             <a:pPr lvl="1"/>
             <a:r>
               <a:rPr lang="it-IT" dirty="0"/>
-              <a:t>consente a </a:t>
-            </a:r>
-            <a:r>
-              <a:rPr lang="it-IT" b="1" i="1" dirty="0"/>
-              <a:t>qualunque classe o oggetto </a:t>
-            </a:r>
-            <a:r>
-              <a:rPr lang="it-IT" dirty="0"/>
-              <a:t>di qualsiasi tipo di avere </a:t>
-            </a:r>
-            <a:r>
-              <a:rPr lang="it-IT" b="1" i="1" dirty="0"/>
-              <a:t>accesso</a:t>
-            </a:r>
-            <a:r>
-              <a:rPr lang="it-IT" dirty="0"/>
-              <a:t> all’attributo o al metodo a cui è applicato</a:t>
-            </a:r>
-          </a:p>
-          <a:p>
-            <a:r>
-              <a:rPr lang="it-IT" b="1" i="1" dirty="0" err="1"/>
-              <a:t>protected</a:t>
-            </a:r>
-            <a:endParaRPr lang="it-IT" b="1" i="1" dirty="0"/>
+              <a:t>esempio:     Data oggi;</a:t>
+            </a:r>
+          </a:p>
+          <a:p>
+            <a:r>
+              <a:rPr lang="it-IT" dirty="0"/>
+              <a:t>il costruttore può essere chiamato esplicitamente per modificare le variabili membro di un oggetto </a:t>
+            </a:r>
           </a:p>
           <a:p>
             <a:pPr lvl="1"/>
             <a:r>
               <a:rPr lang="it-IT" dirty="0"/>
-              <a:t>consente l’accesso solo alle classi e agli oggetti il cui tipo è una </a:t>
-            </a:r>
-            <a:r>
-              <a:rPr lang="it-IT" b="1" i="1" dirty="0"/>
-              <a:t>sottoclasse</a:t>
-            </a:r>
-            <a:r>
-              <a:rPr lang="it-IT" dirty="0"/>
-              <a:t> di quella in cui è utilizzato</a:t>
-            </a:r>
-          </a:p>
-          <a:p>
-            <a:pPr lvl="2"/>
-            <a:r>
-              <a:rPr lang="it-IT" i="1" dirty="0"/>
-              <a:t>le sottoclassi saranno trattate in successive lezioni</a:t>
-            </a:r>
-          </a:p>
-          <a:p>
-            <a:r>
-              <a:rPr lang="it-IT" b="1" i="1" dirty="0"/>
-              <a:t>private</a:t>
+              <a:t>crea un oggetto anonimo e lo inizializza con i valori degli argomenti</a:t>
             </a:r>
           </a:p>
           <a:p>
             <a:pPr lvl="1"/>
             <a:r>
               <a:rPr lang="it-IT" dirty="0"/>
-              <a:t>consente l’accesso </a:t>
-            </a:r>
-            <a:r>
-              <a:rPr lang="it-IT" b="1" i="1" dirty="0"/>
-              <a:t>solo</a:t>
-            </a:r>
-            <a:r>
-              <a:rPr lang="it-IT" dirty="0"/>
-              <a:t> agli oggetti della </a:t>
-            </a:r>
-            <a:r>
-              <a:rPr lang="it-IT" b="1" i="1" dirty="0"/>
-              <a:t>classe stessa </a:t>
-            </a:r>
-            <a:r>
-              <a:rPr lang="it-IT" dirty="0"/>
-              <a:t>in cui è definito</a:t>
+              <a:t>l’oggetto anonimo può essere assegnato a una variabile del tipo classe</a:t>
+            </a:r>
+          </a:p>
+          <a:p>
+            <a:pPr lvl="1"/>
+            <a:r>
+              <a:rPr lang="it-IT" dirty="0"/>
+              <a:t>esempio:    Data d;</a:t>
+            </a:r>
+            <a:br>
+              <a:rPr lang="it-IT" dirty="0"/>
+            </a:br>
+            <a:r>
+              <a:rPr lang="it-IT" dirty="0"/>
+              <a:t>                   d = new Data(27,4);</a:t>
             </a:r>
           </a:p>
           <a:p>
@@ -7357,7 +7406,7 @@
           <p:cNvPr id="4" name="Segnaposto piè di pagina 3">
             <a:extLst>
               <a:ext uri="{FF2B5EF4-FFF2-40B4-BE49-F238E27FC236}">
-                <a16:creationId xmlns:a16="http://schemas.microsoft.com/office/drawing/2014/main" id="{D02AE214-6E0D-43F4-B378-A277574DBD35}"/>
+                <a16:creationId xmlns:a16="http://schemas.microsoft.com/office/drawing/2014/main" id="{99CADDFC-4B65-4DBA-95C1-6982AD69BA50}"/>
               </a:ext>
             </a:extLst>
           </p:cNvPr>
@@ -7387,7 +7436,7 @@
     </p:spTree>
     <p:extLst>
       <p:ext uri="{BB962C8B-B14F-4D97-AF65-F5344CB8AC3E}">
-        <p14:creationId xmlns:p14="http://schemas.microsoft.com/office/powerpoint/2010/main" val="60786914"/>
+        <p14:creationId xmlns:p14="http://schemas.microsoft.com/office/powerpoint/2010/main" val="3065180219"/>
       </p:ext>
     </p:extLst>
   </p:cSld>
@@ -7419,7 +7468,7 @@
           <p:cNvPr id="2" name="Titolo 1">
             <a:extLst>
               <a:ext uri="{FF2B5EF4-FFF2-40B4-BE49-F238E27FC236}">
-                <a16:creationId xmlns:a16="http://schemas.microsoft.com/office/drawing/2014/main" id="{AED2E1A0-1C6D-4192-8C79-A2418021F931}"/>
+                <a16:creationId xmlns:a16="http://schemas.microsoft.com/office/drawing/2014/main" id="{6ECDC3D7-AE47-40CE-9F2D-E3486ABFA2F5}"/>
               </a:ext>
             </a:extLst>
           </p:cNvPr>
@@ -7436,10 +7485,9 @@
           <a:lstStyle/>
           <a:p>
             <a:r>
-              <a:rPr lang="it-IT" dirty="0" err="1"/>
-              <a:t>incpsulamento</a:t>
-            </a:r>
-            <a:endParaRPr lang="it-IT" dirty="0"/>
+              <a:rPr lang="it-IT" dirty="0"/>
+              <a:t>modificatori di visibilità</a:t>
+            </a:r>
           </a:p>
         </p:txBody>
       </p:sp>
@@ -7448,7 +7496,7 @@
           <p:cNvPr id="3" name="Segnaposto contenuto 2">
             <a:extLst>
               <a:ext uri="{FF2B5EF4-FFF2-40B4-BE49-F238E27FC236}">
-                <a16:creationId xmlns:a16="http://schemas.microsoft.com/office/drawing/2014/main" id="{CB97409C-18CC-4D9E-92DC-DFF7407C69D4}"/>
+                <a16:creationId xmlns:a16="http://schemas.microsoft.com/office/drawing/2014/main" id="{18E66119-B2EC-4CF3-8B60-84B979768BAF}"/>
               </a:ext>
             </a:extLst>
           </p:cNvPr>
@@ -7465,74 +7513,89 @@
           <a:lstStyle/>
           <a:p>
             <a:r>
-              <a:rPr lang="it-IT" dirty="0"/>
-              <a:t>l’incapsulamento (</a:t>
-            </a:r>
-            <a:r>
-              <a:rPr lang="it-IT" b="1" i="1" dirty="0"/>
-              <a:t>information </a:t>
-            </a:r>
-            <a:r>
-              <a:rPr lang="it-IT" b="1" i="1" dirty="0" err="1"/>
-              <a:t>hiding</a:t>
-            </a:r>
-            <a:r>
-              <a:rPr lang="it-IT" dirty="0"/>
-              <a:t>) è un concetto fondamentale dell’ingegneria del software</a:t>
-            </a:r>
-          </a:p>
-          <a:p>
-            <a:r>
-              <a:rPr lang="it-IT" dirty="0"/>
-              <a:t>questo principio prevede che si possa </a:t>
-            </a:r>
-            <a:r>
-              <a:rPr lang="it-IT" b="1" i="1" dirty="0"/>
-              <a:t>accedere</a:t>
-            </a:r>
-            <a:r>
-              <a:rPr lang="it-IT" dirty="0"/>
-              <a:t> alle informazioni di un oggetto </a:t>
-            </a:r>
-            <a:r>
-              <a:rPr lang="it-IT" b="1" i="1" dirty="0"/>
-              <a:t>unicamente attraverso i suoi metodi</a:t>
-            </a:r>
-          </a:p>
-          <a:p>
-            <a:r>
-              <a:rPr lang="it-IT" dirty="0"/>
-              <a:t>la tecnica di programmazione che consente di applicare l’incapsulamento si avvale dei modificatori di visibilità per </a:t>
-            </a:r>
-            <a:r>
-              <a:rPr lang="it-IT" b="1" i="1" dirty="0"/>
-              <a:t>nascondere gli attributi </a:t>
-            </a:r>
-            <a:r>
-              <a:rPr lang="it-IT" dirty="0"/>
-              <a:t>di un oggetto al mondo esterno</a:t>
-            </a:r>
-          </a:p>
-          <a:p>
-            <a:r>
-              <a:rPr lang="it-IT" dirty="0"/>
-              <a:t>mettere in atto questa tecnica significa non avere </a:t>
-            </a:r>
-            <a:r>
-              <a:rPr lang="it-IT" b="1" i="1" dirty="0"/>
-              <a:t>mai</a:t>
-            </a:r>
-            <a:r>
-              <a:rPr lang="it-IT" dirty="0"/>
-              <a:t> attributi di un oggetto di tipo </a:t>
-            </a:r>
-            <a:r>
               <a:rPr lang="it-IT" b="1" i="1" dirty="0"/>
               <a:t>public</a:t>
             </a:r>
-            <a:r>
-              <a:rPr lang="it-IT" dirty="0"/>
-              <a:t>, salvo eccezioni particolari per costanti o attributi di classe da gestire in base al caso specifico</a:t>
+          </a:p>
+          <a:p>
+            <a:pPr lvl="1"/>
+            <a:r>
+              <a:rPr lang="it-IT" dirty="0"/>
+              <a:t>consente a </a:t>
+            </a:r>
+            <a:r>
+              <a:rPr lang="it-IT" b="1" i="1" dirty="0"/>
+              <a:t>qualunque classe o oggetto </a:t>
+            </a:r>
+            <a:r>
+              <a:rPr lang="it-IT" dirty="0"/>
+              <a:t>di qualsiasi tipo di avere </a:t>
+            </a:r>
+            <a:r>
+              <a:rPr lang="it-IT" b="1" i="1" dirty="0"/>
+              <a:t>accesso</a:t>
+            </a:r>
+            <a:r>
+              <a:rPr lang="it-IT" dirty="0"/>
+              <a:t> all’attributo o al metodo a cui è applicato</a:t>
+            </a:r>
+          </a:p>
+          <a:p>
+            <a:r>
+              <a:rPr lang="it-IT" b="1" i="1" dirty="0" err="1"/>
+              <a:t>protected</a:t>
+            </a:r>
+            <a:endParaRPr lang="it-IT" b="1" i="1" dirty="0"/>
+          </a:p>
+          <a:p>
+            <a:pPr lvl="1"/>
+            <a:r>
+              <a:rPr lang="it-IT" dirty="0"/>
+              <a:t>consente l’accesso solo alle classi e agli oggetti il cui tipo è una </a:t>
+            </a:r>
+            <a:r>
+              <a:rPr lang="it-IT" b="1" i="1" dirty="0"/>
+              <a:t>sottoclasse</a:t>
+            </a:r>
+            <a:r>
+              <a:rPr lang="it-IT" dirty="0"/>
+              <a:t> di quella in cui è utilizzato</a:t>
+            </a:r>
+          </a:p>
+          <a:p>
+            <a:pPr lvl="2"/>
+            <a:r>
+              <a:rPr lang="it-IT" i="1" dirty="0"/>
+              <a:t>le sottoclassi saranno trattate in successive lezioni</a:t>
+            </a:r>
+          </a:p>
+          <a:p>
+            <a:r>
+              <a:rPr lang="it-IT" b="1" i="1" dirty="0"/>
+              <a:t>private</a:t>
+            </a:r>
+          </a:p>
+          <a:p>
+            <a:pPr lvl="1"/>
+            <a:r>
+              <a:rPr lang="it-IT" dirty="0"/>
+              <a:t>consente l’accesso </a:t>
+            </a:r>
+            <a:r>
+              <a:rPr lang="it-IT" b="1" i="1" dirty="0"/>
+              <a:t>solo</a:t>
+            </a:r>
+            <a:r>
+              <a:rPr lang="it-IT" dirty="0"/>
+              <a:t> agli oggetti della </a:t>
+            </a:r>
+            <a:r>
+              <a:rPr lang="it-IT" b="1" i="1" dirty="0"/>
+              <a:t>classe stessa </a:t>
+            </a:r>
+            <a:r>
+              <a:rPr lang="it-IT" dirty="0"/>
+              <a:t>in cui è definito</a:t>
             </a:r>
           </a:p>
           <a:p>
@@ -7545,7 +7608,7 @@
           <p:cNvPr id="4" name="Segnaposto piè di pagina 3">
             <a:extLst>
               <a:ext uri="{FF2B5EF4-FFF2-40B4-BE49-F238E27FC236}">
-                <a16:creationId xmlns:a16="http://schemas.microsoft.com/office/drawing/2014/main" id="{A8A10484-5FB7-4448-84A6-6B92642F2CFF}"/>
+                <a16:creationId xmlns:a16="http://schemas.microsoft.com/office/drawing/2014/main" id="{D02AE214-6E0D-43F4-B378-A277574DBD35}"/>
               </a:ext>
             </a:extLst>
           </p:cNvPr>
@@ -7575,7 +7638,7 @@
     </p:spTree>
     <p:extLst>
       <p:ext uri="{BB962C8B-B14F-4D97-AF65-F5344CB8AC3E}">
-        <p14:creationId xmlns:p14="http://schemas.microsoft.com/office/powerpoint/2010/main" val="1263854486"/>
+        <p14:creationId xmlns:p14="http://schemas.microsoft.com/office/powerpoint/2010/main" val="60786914"/>
       </p:ext>
     </p:extLst>
   </p:cSld>
@@ -7852,7 +7915,7 @@
           <p:cNvPr id="2" name="Titolo 1">
             <a:extLst>
               <a:ext uri="{FF2B5EF4-FFF2-40B4-BE49-F238E27FC236}">
-                <a16:creationId xmlns:a16="http://schemas.microsoft.com/office/drawing/2014/main" id="{5C990033-217A-4650-A2F0-18CCA6158B15}"/>
+                <a16:creationId xmlns:a16="http://schemas.microsoft.com/office/drawing/2014/main" id="{AED2E1A0-1C6D-4192-8C79-A2418021F931}"/>
               </a:ext>
             </a:extLst>
           </p:cNvPr>
@@ -7869,9 +7932,10 @@
           <a:lstStyle/>
           <a:p>
             <a:r>
-              <a:rPr lang="it-IT" dirty="0"/>
-              <a:t>accesso agli attributi</a:t>
-            </a:r>
+              <a:rPr lang="it-IT" dirty="0" err="1"/>
+              <a:t>incpsulamento</a:t>
+            </a:r>
+            <a:endParaRPr lang="it-IT" dirty="0"/>
           </a:p>
         </p:txBody>
       </p:sp>
@@ -7880,7 +7944,7 @@
           <p:cNvPr id="3" name="Segnaposto contenuto 2">
             <a:extLst>
               <a:ext uri="{FF2B5EF4-FFF2-40B4-BE49-F238E27FC236}">
-                <a16:creationId xmlns:a16="http://schemas.microsoft.com/office/drawing/2014/main" id="{CF0D2398-03E5-4034-B8D3-1E0E89F306D7}"/>
+                <a16:creationId xmlns:a16="http://schemas.microsoft.com/office/drawing/2014/main" id="{CB97409C-18CC-4D9E-92DC-DFF7407C69D4}"/>
               </a:ext>
             </a:extLst>
           </p:cNvPr>
@@ -7898,167 +7962,73 @@
           <a:p>
             <a:r>
               <a:rPr lang="it-IT" dirty="0"/>
-              <a:t>è buona norma rendere </a:t>
+              <a:t>l’incapsulamento (</a:t>
             </a:r>
             <a:r>
               <a:rPr lang="it-IT" b="1" i="1" dirty="0"/>
-              <a:t>private</a:t>
-            </a:r>
-            <a:r>
-              <a:rPr lang="it-IT" dirty="0"/>
-              <a:t> tutte le </a:t>
+              <a:t>information </a:t>
+            </a:r>
+            <a:r>
+              <a:rPr lang="it-IT" b="1" i="1" dirty="0" err="1"/>
+              <a:t>hiding</a:t>
+            </a:r>
+            <a:r>
+              <a:rPr lang="it-IT" dirty="0"/>
+              <a:t>) è un concetto fondamentale dell’ingegneria del software</a:t>
+            </a:r>
+          </a:p>
+          <a:p>
+            <a:r>
+              <a:rPr lang="it-IT" dirty="0"/>
+              <a:t>questo principio prevede che si possa </a:t>
             </a:r>
             <a:r>
               <a:rPr lang="it-IT" b="1" i="1" dirty="0"/>
-              <a:t>variabili membro </a:t>
-            </a:r>
-            <a:r>
-              <a:rPr lang="it-IT" dirty="0"/>
-              <a:t>e </a:t>
+              <a:t>accedere</a:t>
+            </a:r>
+            <a:r>
+              <a:rPr lang="it-IT" dirty="0"/>
+              <a:t> alle informazioni di un oggetto </a:t>
             </a:r>
             <a:r>
               <a:rPr lang="it-IT" b="1" i="1" dirty="0"/>
-              <a:t>pubbliche</a:t>
-            </a:r>
-            <a:r>
-              <a:rPr lang="it-IT" dirty="0"/>
-              <a:t>  solo le </a:t>
+              <a:t>unicamente attraverso i suoi metodi</a:t>
+            </a:r>
+          </a:p>
+          <a:p>
+            <a:r>
+              <a:rPr lang="it-IT" dirty="0"/>
+              <a:t>la tecnica di programmazione che consente di applicare l’incapsulamento si avvale dei modificatori di visibilità per </a:t>
             </a:r>
             <a:r>
               <a:rPr lang="it-IT" b="1" i="1" dirty="0"/>
-              <a:t>funzioni</a:t>
-            </a:r>
-            <a:r>
-              <a:rPr lang="it-IT" dirty="0"/>
-              <a:t> membro </a:t>
+              <a:t>nascondere gli attributi </a:t>
+            </a:r>
+            <a:r>
+              <a:rPr lang="it-IT" dirty="0"/>
+              <a:t>di un oggetto al mondo esterno</a:t>
+            </a:r>
+          </a:p>
+          <a:p>
+            <a:r>
+              <a:rPr lang="it-IT" dirty="0"/>
+              <a:t>mettere in atto questa tecnica significa non avere </a:t>
             </a:r>
             <a:r>
               <a:rPr lang="it-IT" b="1" i="1" dirty="0"/>
-              <a:t>necessarie</a:t>
-            </a:r>
-            <a:r>
-              <a:rPr lang="it-IT" dirty="0"/>
-              <a:t> (quelle che espongono le funzionalità della classe)</a:t>
-            </a:r>
-          </a:p>
-          <a:p>
-            <a:r>
-              <a:rPr lang="it-IT" dirty="0"/>
-              <a:t>per accedere dall’esterno agli attributi, si inseriscono </a:t>
+              <a:t>mai</a:t>
+            </a:r>
+            <a:r>
+              <a:rPr lang="it-IT" dirty="0"/>
+              <a:t> attributi di un oggetto di tipo </a:t>
             </a:r>
             <a:r>
               <a:rPr lang="it-IT" b="1" i="1" dirty="0"/>
-              <a:t>metodi public </a:t>
-            </a:r>
-            <a:r>
-              <a:rPr lang="it-IT" dirty="0"/>
-              <a:t>che possono essere chiamati da chiunque per </a:t>
-            </a:r>
-            <a:r>
-              <a:rPr lang="it-IT" b="1" i="1" dirty="0"/>
-              <a:t>impostare </a:t>
-            </a:r>
-            <a:r>
-              <a:rPr lang="it-IT" dirty="0"/>
-              <a:t>o </a:t>
-            </a:r>
-            <a:r>
-              <a:rPr lang="it-IT" b="1" i="1" dirty="0"/>
-              <a:t>richiedere</a:t>
-            </a:r>
-            <a:r>
-              <a:rPr lang="it-IT" dirty="0"/>
-              <a:t> il valore dell’attributo</a:t>
-            </a:r>
-          </a:p>
-          <a:p>
-            <a:r>
-              <a:rPr lang="it-IT" dirty="0"/>
-              <a:t>i metodi hanno di solito un nome particolare: </a:t>
-            </a:r>
-          </a:p>
-          <a:p>
-            <a:pPr lvl="1"/>
-            <a:r>
-              <a:rPr lang="it-IT" b="1" i="1" dirty="0"/>
-              <a:t>set</a:t>
-            </a:r>
-            <a:r>
-              <a:rPr lang="it-IT" dirty="0"/>
-              <a:t> (seguito dal nome dell’attributo) per </a:t>
-            </a:r>
-            <a:r>
-              <a:rPr lang="it-IT" b="1" i="1" dirty="0"/>
-              <a:t>modificarne</a:t>
-            </a:r>
-            <a:r>
-              <a:rPr lang="it-IT" dirty="0"/>
-              <a:t> il valore</a:t>
-            </a:r>
-          </a:p>
-          <a:p>
-            <a:pPr lvl="2"/>
-            <a:r>
-              <a:rPr lang="it-IT" dirty="0"/>
-              <a:t>metodi </a:t>
-            </a:r>
-            <a:r>
-              <a:rPr lang="it-IT" b="1" i="1" dirty="0"/>
-              <a:t>setter</a:t>
-            </a:r>
-            <a:r>
-              <a:rPr lang="it-IT" dirty="0"/>
-              <a:t> (metodi </a:t>
-            </a:r>
-            <a:r>
-              <a:rPr lang="it-IT" b="1" i="1" dirty="0"/>
-              <a:t>mutator</a:t>
-            </a:r>
-            <a:r>
-              <a:rPr lang="it-IT" dirty="0"/>
-              <a:t>)</a:t>
-            </a:r>
-          </a:p>
-          <a:p>
-            <a:pPr lvl="1"/>
-            <a:r>
-              <a:rPr lang="it-IT" b="1" i="1" dirty="0" err="1"/>
-              <a:t>get</a:t>
-            </a:r>
-            <a:r>
-              <a:rPr lang="it-IT" dirty="0"/>
-              <a:t> (seguito dal nome dell’attributo) per </a:t>
-            </a:r>
-            <a:r>
-              <a:rPr lang="it-IT" b="1" i="1" dirty="0"/>
-              <a:t>recuperare</a:t>
-            </a:r>
-            <a:r>
-              <a:rPr lang="it-IT" dirty="0"/>
-              <a:t> il valore</a:t>
-            </a:r>
-          </a:p>
-          <a:p>
-            <a:pPr lvl="2"/>
-            <a:r>
-              <a:rPr lang="it-IT" dirty="0"/>
-              <a:t>metodi </a:t>
-            </a:r>
-            <a:r>
-              <a:rPr lang="it-IT" b="1" i="1" dirty="0" err="1"/>
-              <a:t>getter</a:t>
-            </a:r>
-            <a:r>
-              <a:rPr lang="it-IT" dirty="0"/>
-              <a:t> (metodi </a:t>
-            </a:r>
-            <a:r>
-              <a:rPr lang="it-IT" b="1" i="1" dirty="0" err="1"/>
-              <a:t>accessor</a:t>
-            </a:r>
-            <a:r>
-              <a:rPr lang="it-IT" dirty="0"/>
-              <a:t>)</a:t>
+              <a:t>public</a:t>
+            </a:r>
+            <a:r>
+              <a:rPr lang="it-IT" dirty="0"/>
+              <a:t>, salvo eccezioni particolari per costanti o attributi di classe da gestire in base al caso specifico</a:t>
             </a:r>
           </a:p>
           <a:p>
@@ -8071,7 +8041,7 @@
           <p:cNvPr id="4" name="Segnaposto piè di pagina 3">
             <a:extLst>
               <a:ext uri="{FF2B5EF4-FFF2-40B4-BE49-F238E27FC236}">
-                <a16:creationId xmlns:a16="http://schemas.microsoft.com/office/drawing/2014/main" id="{1363231C-49AA-4697-BC37-B73D004B456E}"/>
+                <a16:creationId xmlns:a16="http://schemas.microsoft.com/office/drawing/2014/main" id="{A8A10484-5FB7-4448-84A6-6B92642F2CFF}"/>
               </a:ext>
             </a:extLst>
           </p:cNvPr>
@@ -8101,7 +8071,7 @@
     </p:spTree>
     <p:extLst>
       <p:ext uri="{BB962C8B-B14F-4D97-AF65-F5344CB8AC3E}">
-        <p14:creationId xmlns:p14="http://schemas.microsoft.com/office/powerpoint/2010/main" val="649704816"/>
+        <p14:creationId xmlns:p14="http://schemas.microsoft.com/office/powerpoint/2010/main" val="1263854486"/>
       </p:ext>
     </p:extLst>
   </p:cSld>
@@ -8133,7 +8103,7 @@
           <p:cNvPr id="2" name="Titolo 1">
             <a:extLst>
               <a:ext uri="{FF2B5EF4-FFF2-40B4-BE49-F238E27FC236}">
-                <a16:creationId xmlns:a16="http://schemas.microsoft.com/office/drawing/2014/main" id="{FD3EF4D6-CE5C-451C-B1D8-E0BBE86163E7}"/>
+                <a16:creationId xmlns:a16="http://schemas.microsoft.com/office/drawing/2014/main" id="{5C990033-217A-4650-A2F0-18CCA6158B15}"/>
               </a:ext>
             </a:extLst>
           </p:cNvPr>
@@ -8151,7 +8121,7 @@
           <a:p>
             <a:r>
               <a:rPr lang="it-IT" dirty="0"/>
-              <a:t>incapsulamento: perché?</a:t>
+              <a:t>accesso agli attributi</a:t>
             </a:r>
           </a:p>
         </p:txBody>
@@ -8161,7 +8131,7 @@
           <p:cNvPr id="3" name="Segnaposto contenuto 2">
             <a:extLst>
               <a:ext uri="{FF2B5EF4-FFF2-40B4-BE49-F238E27FC236}">
-                <a16:creationId xmlns:a16="http://schemas.microsoft.com/office/drawing/2014/main" id="{F1592C3F-6387-4B66-B147-AB02A78668A1}"/>
+                <a16:creationId xmlns:a16="http://schemas.microsoft.com/office/drawing/2014/main" id="{CF0D2398-03E5-4034-B8D3-1E0E89F306D7}"/>
               </a:ext>
             </a:extLst>
           </p:cNvPr>
@@ -8179,89 +8149,167 @@
           <a:p>
             <a:r>
               <a:rPr lang="it-IT" dirty="0"/>
-              <a:t>potrebbe sembrare che non vi sia alcuna differenza rispetto ad accedere direttamente agli attributi</a:t>
-            </a:r>
-          </a:p>
-          <a:p>
+              <a:t>è buona norma rendere </a:t>
+            </a:r>
             <a:r>
               <a:rPr lang="it-IT" b="1" i="1" dirty="0"/>
-              <a:t>sembra</a:t>
-            </a:r>
-            <a:r>
-              <a:rPr lang="it-IT" dirty="0"/>
-              <a:t> che questa tecnica serva solo a rendere più </a:t>
+              <a:t>private</a:t>
+            </a:r>
+            <a:r>
+              <a:rPr lang="it-IT" dirty="0"/>
+              <a:t> tutte le </a:t>
             </a:r>
             <a:r>
               <a:rPr lang="it-IT" b="1" i="1" dirty="0"/>
-              <a:t>complessa</a:t>
-            </a:r>
-            <a:r>
-              <a:rPr lang="it-IT" dirty="0"/>
-              <a:t> la loro gestione</a:t>
-            </a:r>
-          </a:p>
-          <a:p>
-            <a:r>
-              <a:rPr lang="it-IT" dirty="0"/>
-              <a:t>le </a:t>
+              <a:t>variabili membro </a:t>
+            </a:r>
+            <a:r>
+              <a:rPr lang="it-IT" dirty="0"/>
+              <a:t>e </a:t>
             </a:r>
             <a:r>
               <a:rPr lang="it-IT" b="1" i="1" dirty="0"/>
-              <a:t>motivazioni</a:t>
-            </a:r>
-            <a:r>
-              <a:rPr lang="it-IT" dirty="0"/>
-              <a:t> sono:</a:t>
+              <a:t>pubbliche</a:t>
+            </a:r>
+            <a:r>
+              <a:rPr lang="it-IT" dirty="0"/>
+              <a:t>  solo le </a:t>
+            </a:r>
+            <a:r>
+              <a:rPr lang="it-IT" b="1" i="1" dirty="0"/>
+              <a:t>funzioni</a:t>
+            </a:r>
+            <a:r>
+              <a:rPr lang="it-IT" dirty="0"/>
+              <a:t> membro </a:t>
+            </a:r>
+            <a:r>
+              <a:rPr lang="it-IT" b="1" i="1" dirty="0"/>
+              <a:t>necessarie</a:t>
+            </a:r>
+            <a:r>
+              <a:rPr lang="it-IT" dirty="0"/>
+              <a:t> (quelle che espongono le funzionalità della classe)</a:t>
+            </a:r>
+          </a:p>
+          <a:p>
+            <a:r>
+              <a:rPr lang="it-IT" dirty="0"/>
+              <a:t>per accedere dall’esterno agli attributi, si inseriscono </a:t>
+            </a:r>
+            <a:r>
+              <a:rPr lang="it-IT" b="1" i="1" dirty="0"/>
+              <a:t>metodi public </a:t>
+            </a:r>
+            <a:r>
+              <a:rPr lang="it-IT" dirty="0"/>
+              <a:t>che possono essere chiamati da chiunque per </a:t>
+            </a:r>
+            <a:r>
+              <a:rPr lang="it-IT" b="1" i="1" dirty="0"/>
+              <a:t>impostare </a:t>
+            </a:r>
+            <a:r>
+              <a:rPr lang="it-IT" dirty="0"/>
+              <a:t>o </a:t>
+            </a:r>
+            <a:r>
+              <a:rPr lang="it-IT" b="1" i="1" dirty="0"/>
+              <a:t>richiedere</a:t>
+            </a:r>
+            <a:r>
+              <a:rPr lang="it-IT" dirty="0"/>
+              <a:t> il valore dell’attributo</a:t>
+            </a:r>
+          </a:p>
+          <a:p>
+            <a:r>
+              <a:rPr lang="it-IT" dirty="0"/>
+              <a:t>i metodi hanno di solito un nome particolare: </a:t>
             </a:r>
           </a:p>
           <a:p>
             <a:pPr lvl="1"/>
             <a:r>
-              <a:rPr lang="it-IT" dirty="0"/>
-              <a:t>un maggiore </a:t>
-            </a:r>
-            <a:r>
               <a:rPr lang="it-IT" b="1" i="1" dirty="0"/>
-              <a:t>controllo</a:t>
-            </a:r>
-            <a:r>
-              <a:rPr lang="it-IT" dirty="0"/>
-              <a:t> sulle operazioni effettuate sugli attributi, </a:t>
+              <a:t>set</a:t>
+            </a:r>
+            <a:r>
+              <a:rPr lang="it-IT" dirty="0"/>
+              <a:t> (seguito dal nome dell’attributo) per </a:t>
             </a:r>
             <a:r>
               <a:rPr lang="it-IT" b="1" i="1" dirty="0"/>
-              <a:t>limitando</a:t>
-            </a:r>
-            <a:r>
-              <a:rPr lang="it-IT" dirty="0"/>
-              <a:t> </a:t>
+              <a:t>modificarne</a:t>
+            </a:r>
+            <a:r>
+              <a:rPr lang="it-IT" dirty="0"/>
+              <a:t> il valore</a:t>
+            </a:r>
+          </a:p>
+          <a:p>
+            <a:pPr lvl="2"/>
+            <a:r>
+              <a:rPr lang="it-IT" dirty="0"/>
+              <a:t>metodi </a:t>
             </a:r>
             <a:r>
               <a:rPr lang="it-IT" b="1" i="1" dirty="0"/>
-              <a:t>l’utilizzo improprio </a:t>
-            </a:r>
-            <a:r>
-              <a:rPr lang="it-IT" dirty="0"/>
-              <a:t>che se ne può fare e guadagnando così in </a:t>
+              <a:t>setter</a:t>
+            </a:r>
+            <a:r>
+              <a:rPr lang="it-IT" dirty="0"/>
+              <a:t> (metodi </a:t>
             </a:r>
             <a:r>
               <a:rPr lang="it-IT" b="1" i="1" dirty="0"/>
-              <a:t>sicurezza</a:t>
+              <a:t>mutator</a:t>
+            </a:r>
+            <a:r>
+              <a:rPr lang="it-IT" dirty="0"/>
+              <a:t>)</a:t>
             </a:r>
           </a:p>
           <a:p>
             <a:pPr lvl="1"/>
             <a:r>
-              <a:rPr lang="it-IT" dirty="0"/>
-              <a:t>la possibilità di </a:t>
+              <a:rPr lang="it-IT" b="1" i="1" dirty="0" err="1"/>
+              <a:t>get</a:t>
+            </a:r>
+            <a:r>
+              <a:rPr lang="it-IT" dirty="0"/>
+              <a:t> (seguito dal nome dell’attributo) per </a:t>
             </a:r>
             <a:r>
               <a:rPr lang="it-IT" b="1" i="1" dirty="0"/>
-              <a:t>nascondere</a:t>
-            </a:r>
-            <a:r>
-              <a:rPr lang="it-IT" dirty="0"/>
-              <a:t> il modo in cui i dati sono memorizzati negli attributi</a:t>
+              <a:t>recuperare</a:t>
+            </a:r>
+            <a:r>
+              <a:rPr lang="it-IT" dirty="0"/>
+              <a:t> il valore</a:t>
+            </a:r>
+          </a:p>
+          <a:p>
+            <a:pPr lvl="2"/>
+            <a:r>
+              <a:rPr lang="it-IT" dirty="0"/>
+              <a:t>metodi </a:t>
+            </a:r>
+            <a:r>
+              <a:rPr lang="it-IT" b="1" i="1" dirty="0" err="1"/>
+              <a:t>getter</a:t>
+            </a:r>
+            <a:r>
+              <a:rPr lang="it-IT" dirty="0"/>
+              <a:t> (metodi </a:t>
+            </a:r>
+            <a:r>
+              <a:rPr lang="it-IT" b="1" i="1" dirty="0" err="1"/>
+              <a:t>accessor</a:t>
+            </a:r>
+            <a:r>
+              <a:rPr lang="it-IT" dirty="0"/>
+              <a:t>)</a:t>
             </a:r>
           </a:p>
           <a:p>
@@ -8274,7 +8322,7 @@
           <p:cNvPr id="4" name="Segnaposto piè di pagina 3">
             <a:extLst>
               <a:ext uri="{FF2B5EF4-FFF2-40B4-BE49-F238E27FC236}">
-                <a16:creationId xmlns:a16="http://schemas.microsoft.com/office/drawing/2014/main" id="{5D202C1E-4779-4C01-AEA7-A68792384404}"/>
+                <a16:creationId xmlns:a16="http://schemas.microsoft.com/office/drawing/2014/main" id="{1363231C-49AA-4697-BC37-B73D004B456E}"/>
               </a:ext>
             </a:extLst>
           </p:cNvPr>
@@ -8304,7 +8352,7 @@
     </p:spTree>
     <p:extLst>
       <p:ext uri="{BB962C8B-B14F-4D97-AF65-F5344CB8AC3E}">
-        <p14:creationId xmlns:p14="http://schemas.microsoft.com/office/powerpoint/2010/main" val="3179486841"/>
+        <p14:creationId xmlns:p14="http://schemas.microsoft.com/office/powerpoint/2010/main" val="649704816"/>
       </p:ext>
     </p:extLst>
   </p:cSld>
@@ -8336,7 +8384,7 @@
           <p:cNvPr id="2" name="Titolo 1">
             <a:extLst>
               <a:ext uri="{FF2B5EF4-FFF2-40B4-BE49-F238E27FC236}">
-                <a16:creationId xmlns:a16="http://schemas.microsoft.com/office/drawing/2014/main" id="{A83A31EE-DB8A-4312-B6D2-AEC129F4327C}"/>
+                <a16:creationId xmlns:a16="http://schemas.microsoft.com/office/drawing/2014/main" id="{FD3EF4D6-CE5C-451C-B1D8-E0BBE86163E7}"/>
               </a:ext>
             </a:extLst>
           </p:cNvPr>
@@ -8354,7 +8402,7 @@
           <a:p>
             <a:r>
               <a:rPr lang="it-IT" dirty="0"/>
-              <a:t>interazione fra oggetti</a:t>
+              <a:t>incapsulamento: perché?</a:t>
             </a:r>
           </a:p>
         </p:txBody>
@@ -8364,7 +8412,7 @@
           <p:cNvPr id="3" name="Segnaposto contenuto 2">
             <a:extLst>
               <a:ext uri="{FF2B5EF4-FFF2-40B4-BE49-F238E27FC236}">
-                <a16:creationId xmlns:a16="http://schemas.microsoft.com/office/drawing/2014/main" id="{3E0E5429-2433-4D70-A0E4-281431216965}"/>
+                <a16:creationId xmlns:a16="http://schemas.microsoft.com/office/drawing/2014/main" id="{F1592C3F-6387-4B66-B147-AB02A78668A1}"/>
               </a:ext>
             </a:extLst>
           </p:cNvPr>
@@ -8381,146 +8429,94 @@
           <a:lstStyle/>
           <a:p>
             <a:r>
-              <a:rPr lang="it-IT" sz="2000" dirty="0"/>
-              <a:t>per comunicare, gli oggetti possono utilizzare i metodi, </a:t>
-            </a:r>
-            <a:r>
-              <a:rPr lang="it-IT" sz="2000" b="1" i="1" dirty="0"/>
-              <a:t>scambiandosi messaggi </a:t>
-            </a:r>
-            <a:r>
-              <a:rPr lang="it-IT" sz="2000" dirty="0"/>
-              <a:t>l’uno con l’altro</a:t>
-            </a:r>
-          </a:p>
-          <a:p>
-            <a:r>
-              <a:rPr lang="it-IT" sz="2000" dirty="0"/>
-              <a:t>quando un oggetto invia un </a:t>
-            </a:r>
-            <a:r>
-              <a:rPr lang="it-IT" sz="2000" b="1" i="1" dirty="0"/>
-              <a:t>messaggio</a:t>
-            </a:r>
-            <a:r>
-              <a:rPr lang="it-IT" sz="2000" dirty="0"/>
-              <a:t> a un altro oggetto, quest’ultimo reagisce eseguendo il </a:t>
-            </a:r>
-            <a:r>
-              <a:rPr lang="it-IT" sz="2000" b="1" i="1" dirty="0"/>
-              <a:t>metodo</a:t>
-            </a:r>
-            <a:r>
-              <a:rPr lang="it-IT" sz="2000" dirty="0"/>
-              <a:t> opportuno</a:t>
-            </a:r>
-          </a:p>
-          <a:p>
-            <a:r>
-              <a:rPr lang="it-IT" sz="2000" dirty="0"/>
-              <a:t>l’invocazione dei metodi può richiedere </a:t>
-            </a:r>
-            <a:r>
-              <a:rPr lang="it-IT" sz="2000" b="1" i="1" dirty="0"/>
-              <a:t>parametri</a:t>
-            </a:r>
-            <a:r>
-              <a:rPr lang="it-IT" sz="2000" dirty="0"/>
-              <a:t> di input di </a:t>
-            </a:r>
-            <a:r>
-              <a:rPr lang="it-IT" sz="2000" b="1" i="1" dirty="0"/>
-              <a:t>qualsiasi tipo</a:t>
-            </a:r>
-            <a:r>
-              <a:rPr lang="it-IT" sz="2000" dirty="0"/>
-              <a:t>, compresi quindi </a:t>
-            </a:r>
-            <a:r>
-              <a:rPr lang="it-IT" sz="2000" b="1" i="1" dirty="0"/>
-              <a:t>oggetti</a:t>
-            </a:r>
-            <a:r>
-              <a:rPr lang="it-IT" sz="2000" dirty="0"/>
-              <a:t> del nostro dominio applicativo</a:t>
-            </a:r>
-          </a:p>
-          <a:p>
-            <a:r>
-              <a:rPr lang="it-IT" sz="2000" dirty="0"/>
-              <a:t>un oggetto potrà quindi essere in grado di passarne un altro attraverso un metodo, o addirittura potrà passare se stesso</a:t>
-            </a:r>
-          </a:p>
-          <a:p>
-            <a:r>
-              <a:rPr lang="it-IT" sz="2000" dirty="0"/>
-              <a:t>un messaggio ha la seguente sintassi:</a:t>
-            </a:r>
-          </a:p>
-          <a:p>
-            <a:pPr marL="0" indent="0">
-              <a:buNone/>
-            </a:pPr>
-            <a:r>
-              <a:rPr lang="it-IT" sz="2000" dirty="0"/>
-              <a:t>	</a:t>
-            </a:r>
-            <a:r>
-              <a:rPr lang="it-IT" sz="1800" b="1" dirty="0">
-                <a:latin typeface="Courier New" panose="02070309020205020404" pitchFamily="49" charset="0"/>
-                <a:cs typeface="Courier New" panose="02070309020205020404" pitchFamily="49" charset="0"/>
-              </a:rPr>
-              <a:t>&lt;</a:t>
-            </a:r>
-            <a:r>
-              <a:rPr lang="it-IT" sz="1800" b="1" dirty="0" err="1">
-                <a:latin typeface="Courier New" panose="02070309020205020404" pitchFamily="49" charset="0"/>
-                <a:cs typeface="Courier New" panose="02070309020205020404" pitchFamily="49" charset="0"/>
-              </a:rPr>
-              <a:t>nomeOggetto</a:t>
-            </a:r>
-            <a:r>
-              <a:rPr lang="it-IT" sz="1800" b="1" dirty="0">
-                <a:latin typeface="Courier New" panose="02070309020205020404" pitchFamily="49" charset="0"/>
-                <a:cs typeface="Courier New" panose="02070309020205020404" pitchFamily="49" charset="0"/>
-              </a:rPr>
-              <a:t>&gt;.&lt;</a:t>
-            </a:r>
-            <a:r>
-              <a:rPr lang="it-IT" sz="1800" b="1" dirty="0" err="1">
-                <a:latin typeface="Courier New" panose="02070309020205020404" pitchFamily="49" charset="0"/>
-                <a:cs typeface="Courier New" panose="02070309020205020404" pitchFamily="49" charset="0"/>
-              </a:rPr>
-              <a:t>nomeMetodo</a:t>
-            </a:r>
-            <a:r>
-              <a:rPr lang="it-IT" sz="1800" b="1" dirty="0">
-                <a:latin typeface="Courier New" panose="02070309020205020404" pitchFamily="49" charset="0"/>
-                <a:cs typeface="Courier New" panose="02070309020205020404" pitchFamily="49" charset="0"/>
-              </a:rPr>
-              <a:t>&gt;(&lt;</a:t>
-            </a:r>
-            <a:r>
-              <a:rPr lang="it-IT" sz="1800" b="1" dirty="0" err="1">
-                <a:latin typeface="Courier New" panose="02070309020205020404" pitchFamily="49" charset="0"/>
-                <a:cs typeface="Courier New" panose="02070309020205020404" pitchFamily="49" charset="0"/>
-              </a:rPr>
-              <a:t>paramteri</a:t>
-            </a:r>
-            <a:r>
-              <a:rPr lang="it-IT" sz="1800" b="1" dirty="0">
-                <a:latin typeface="Courier New" panose="02070309020205020404" pitchFamily="49" charset="0"/>
-                <a:cs typeface="Courier New" panose="02070309020205020404" pitchFamily="49" charset="0"/>
-              </a:rPr>
-              <a:t>&gt;)</a:t>
-            </a:r>
-            <a:endParaRPr lang="it-IT" sz="2000" b="1" dirty="0">
-              <a:latin typeface="Courier New" panose="02070309020205020404" pitchFamily="49" charset="0"/>
-              <a:cs typeface="Courier New" panose="02070309020205020404" pitchFamily="49" charset="0"/>
-            </a:endParaRPr>
-          </a:p>
-          <a:p>
-            <a:endParaRPr lang="it-IT" sz="2000" dirty="0"/>
+              <a:rPr lang="it-IT" dirty="0"/>
+              <a:t>potrebbe sembrare che non vi sia alcuna differenza rispetto ad accedere direttamente agli attributi</a:t>
+            </a:r>
+          </a:p>
+          <a:p>
+            <a:r>
+              <a:rPr lang="it-IT" b="1" i="1" dirty="0"/>
+              <a:t>sembra</a:t>
+            </a:r>
+            <a:r>
+              <a:rPr lang="it-IT" dirty="0"/>
+              <a:t> che questa tecnica serva solo a rendere più </a:t>
+            </a:r>
+            <a:r>
+              <a:rPr lang="it-IT" b="1" i="1" dirty="0"/>
+              <a:t>complessa</a:t>
+            </a:r>
+            <a:r>
+              <a:rPr lang="it-IT" dirty="0"/>
+              <a:t> la loro gestione</a:t>
+            </a:r>
+          </a:p>
+          <a:p>
+            <a:r>
+              <a:rPr lang="it-IT" dirty="0"/>
+              <a:t>le </a:t>
+            </a:r>
+            <a:r>
+              <a:rPr lang="it-IT" b="1" i="1" dirty="0"/>
+              <a:t>motivazioni</a:t>
+            </a:r>
+            <a:r>
+              <a:rPr lang="it-IT" dirty="0"/>
+              <a:t> sono:</a:t>
+            </a:r>
+          </a:p>
+          <a:p>
+            <a:pPr lvl="1"/>
+            <a:r>
+              <a:rPr lang="it-IT" dirty="0"/>
+              <a:t>un maggiore </a:t>
+            </a:r>
+            <a:r>
+              <a:rPr lang="it-IT" b="1" i="1" dirty="0"/>
+              <a:t>controllo</a:t>
+            </a:r>
+            <a:r>
+              <a:rPr lang="it-IT" dirty="0"/>
+              <a:t> sulle operazioni effettuate sugli attributi, </a:t>
+            </a:r>
+            <a:r>
+              <a:rPr lang="it-IT" b="1" i="1" dirty="0"/>
+              <a:t>limitando</a:t>
+            </a:r>
+            <a:r>
+              <a:rPr lang="it-IT" dirty="0"/>
+              <a:t> </a:t>
+            </a:r>
+            <a:r>
+              <a:rPr lang="it-IT" b="1" i="1" dirty="0"/>
+              <a:t>l’utilizzo improprio </a:t>
+            </a:r>
+            <a:r>
+              <a:rPr lang="it-IT" dirty="0"/>
+              <a:t>che se ne può fare e guadagnando così in </a:t>
+            </a:r>
+            <a:r>
+              <a:rPr lang="it-IT" b="1" i="1" dirty="0"/>
+              <a:t>sicurezza</a:t>
+            </a:r>
+          </a:p>
+          <a:p>
+            <a:pPr lvl="1"/>
+            <a:r>
+              <a:rPr lang="it-IT" dirty="0"/>
+              <a:t>la possibilità di </a:t>
+            </a:r>
+            <a:r>
+              <a:rPr lang="it-IT" b="1" i="1" dirty="0"/>
+              <a:t>nascondere</a:t>
+            </a:r>
+            <a:r>
+              <a:rPr lang="it-IT" dirty="0"/>
+              <a:t> il modo in cui i dati sono memorizzati negli attributi</a:t>
+            </a:r>
+          </a:p>
+          <a:p>
+            <a:endParaRPr lang="it-IT" dirty="0"/>
           </a:p>
         </p:txBody>
       </p:sp>
@@ -8529,7 +8525,7 @@
           <p:cNvPr id="4" name="Segnaposto piè di pagina 3">
             <a:extLst>
               <a:ext uri="{FF2B5EF4-FFF2-40B4-BE49-F238E27FC236}">
-                <a16:creationId xmlns:a16="http://schemas.microsoft.com/office/drawing/2014/main" id="{6157F3EF-6E24-4FFC-8C7B-903414B9B128}"/>
+                <a16:creationId xmlns:a16="http://schemas.microsoft.com/office/drawing/2014/main" id="{5D202C1E-4779-4C01-AEA7-A68792384404}"/>
               </a:ext>
             </a:extLst>
           </p:cNvPr>
@@ -8559,7 +8555,7 @@
     </p:spTree>
     <p:extLst>
       <p:ext uri="{BB962C8B-B14F-4D97-AF65-F5344CB8AC3E}">
-        <p14:creationId xmlns:p14="http://schemas.microsoft.com/office/powerpoint/2010/main" val="645466856"/>
+        <p14:creationId xmlns:p14="http://schemas.microsoft.com/office/powerpoint/2010/main" val="3179486841"/>
       </p:ext>
     </p:extLst>
   </p:cSld>
@@ -8591,7 +8587,7 @@
           <p:cNvPr id="2" name="Titolo 1">
             <a:extLst>
               <a:ext uri="{FF2B5EF4-FFF2-40B4-BE49-F238E27FC236}">
-                <a16:creationId xmlns:a16="http://schemas.microsoft.com/office/drawing/2014/main" id="{FAB1B9F1-6883-4BFD-9A6F-1CA17D53A214}"/>
+                <a16:creationId xmlns:a16="http://schemas.microsoft.com/office/drawing/2014/main" id="{A83A31EE-DB8A-4312-B6D2-AEC129F4327C}"/>
               </a:ext>
             </a:extLst>
           </p:cNvPr>
@@ -8609,7 +8605,7 @@
           <a:p>
             <a:r>
               <a:rPr lang="it-IT" dirty="0"/>
-              <a:t>interfaccia di una classe</a:t>
+              <a:t>interazione fra oggetti</a:t>
             </a:r>
           </a:p>
         </p:txBody>
@@ -8619,7 +8615,7 @@
           <p:cNvPr id="3" name="Segnaposto contenuto 2">
             <a:extLst>
               <a:ext uri="{FF2B5EF4-FFF2-40B4-BE49-F238E27FC236}">
-                <a16:creationId xmlns:a16="http://schemas.microsoft.com/office/drawing/2014/main" id="{38153F3E-DB5D-417D-88D5-C77A85693748}"/>
+                <a16:creationId xmlns:a16="http://schemas.microsoft.com/office/drawing/2014/main" id="{3E0E5429-2433-4D70-A0E4-281431216965}"/>
               </a:ext>
             </a:extLst>
           </p:cNvPr>
@@ -8636,157 +8632,146 @@
           <a:lstStyle/>
           <a:p>
             <a:r>
-              <a:rPr lang="it-IT" b="1" i="1" dirty="0"/>
-              <a:t>interfaccia</a:t>
-            </a:r>
-            <a:r>
-              <a:rPr lang="it-IT" dirty="0"/>
-              <a:t> di una classe:</a:t>
-            </a:r>
-          </a:p>
-          <a:p>
-            <a:pPr lvl="1"/>
-            <a:r>
-              <a:rPr lang="it-IT" b="1" i="1" dirty="0"/>
-              <a:t>dichiarazioni</a:t>
-            </a:r>
-            <a:r>
-              <a:rPr lang="it-IT" dirty="0"/>
-              <a:t> delle </a:t>
-            </a:r>
-            <a:r>
-              <a:rPr lang="it-IT" b="1" i="1" dirty="0"/>
-              <a:t>funzioni membro pubbliche</a:t>
-            </a:r>
-          </a:p>
-          <a:p>
-            <a:pPr lvl="1"/>
-            <a:r>
-              <a:rPr lang="it-IT" b="1" i="1" dirty="0"/>
-              <a:t>commenti</a:t>
-            </a:r>
-          </a:p>
-          <a:p>
-            <a:r>
-              <a:rPr lang="it-IT" b="1" i="1" dirty="0"/>
-              <a:t>implementazione</a:t>
-            </a:r>
-            <a:r>
-              <a:rPr lang="it-IT" dirty="0"/>
-              <a:t> di una classe:</a:t>
-            </a:r>
-          </a:p>
-          <a:p>
-            <a:pPr lvl="1"/>
-            <a:r>
-              <a:rPr lang="it-IT" b="1" i="1" dirty="0"/>
-              <a:t>variabili membro </a:t>
-            </a:r>
-            <a:r>
-              <a:rPr lang="it-IT" dirty="0"/>
-              <a:t>e </a:t>
-            </a:r>
-            <a:r>
-              <a:rPr lang="it-IT" b="1" i="1" dirty="0"/>
-              <a:t>dichiarazioni</a:t>
-            </a:r>
-            <a:r>
-              <a:rPr lang="it-IT" dirty="0"/>
-              <a:t> delle </a:t>
-            </a:r>
-            <a:r>
-              <a:rPr lang="it-IT" b="1" i="1" dirty="0"/>
-              <a:t>funzioni membro private</a:t>
-            </a:r>
-          </a:p>
-          <a:p>
-            <a:pPr lvl="1"/>
-            <a:r>
-              <a:rPr lang="it-IT" b="1" i="1" dirty="0"/>
-              <a:t>definizioni</a:t>
-            </a:r>
-            <a:r>
-              <a:rPr lang="it-IT" dirty="0"/>
-              <a:t> delle </a:t>
-            </a:r>
-            <a:r>
-              <a:rPr lang="it-IT" b="1" i="1" dirty="0"/>
-              <a:t>funzioni membro</a:t>
-            </a:r>
-          </a:p>
-          <a:p>
-            <a:r>
-              <a:rPr lang="it-IT" dirty="0"/>
-              <a:t>l’</a:t>
-            </a:r>
-            <a:r>
-              <a:rPr lang="it-IT" b="1" i="1" dirty="0"/>
-              <a:t>interfaccia</a:t>
-            </a:r>
-            <a:r>
-              <a:rPr lang="it-IT" dirty="0"/>
-              <a:t> viene generalmente definita in un </a:t>
-            </a:r>
-            <a:r>
-              <a:rPr lang="it-IT" b="1" i="1" dirty="0"/>
-              <a:t>file </a:t>
-            </a:r>
-            <a:r>
-              <a:rPr lang="it-IT" b="1" i="1" dirty="0" err="1"/>
-              <a:t>header</a:t>
-            </a:r>
-            <a:endParaRPr lang="it-IT" b="1" i="1" dirty="0"/>
-          </a:p>
-          <a:p>
-            <a:r>
-              <a:rPr lang="it-IT" dirty="0"/>
-              <a:t>il file </a:t>
-            </a:r>
-            <a:r>
-              <a:rPr lang="it-IT" dirty="0" err="1"/>
-              <a:t>header</a:t>
-            </a:r>
-            <a:r>
-              <a:rPr lang="it-IT" dirty="0"/>
-              <a:t> sarà </a:t>
-            </a:r>
-            <a:r>
-              <a:rPr lang="it-IT" b="1" i="1" dirty="0"/>
-              <a:t>incluso</a:t>
-            </a:r>
-            <a:r>
-              <a:rPr lang="it-IT" dirty="0"/>
-              <a:t> da tutti i file che vogliono fare uso della classe</a:t>
-            </a:r>
-          </a:p>
-          <a:p>
-            <a:pPr lvl="1"/>
-            <a:r>
-              <a:rPr lang="it-IT" dirty="0"/>
-              <a:t>(direttiva </a:t>
-            </a:r>
-            <a:r>
-              <a:rPr lang="it-IT" b="1" dirty="0"/>
-              <a:t>#include</a:t>
-            </a:r>
-            <a:r>
-              <a:rPr lang="it-IT" dirty="0"/>
-              <a:t>)</a:t>
-            </a:r>
-          </a:p>
-          <a:p>
-            <a:r>
-              <a:rPr lang="it-IT" dirty="0"/>
-              <a:t>chi vende librerie software, fornisce ai clienti i soli file </a:t>
-            </a:r>
-            <a:r>
-              <a:rPr lang="it-IT" dirty="0" err="1"/>
-              <a:t>header</a:t>
-            </a:r>
-            <a:r>
-              <a:rPr lang="it-IT" dirty="0"/>
-              <a:t> e il codice oggetto</a:t>
-            </a:r>
+              <a:rPr lang="it-IT" sz="2000" dirty="0"/>
+              <a:t>per comunicare, gli oggetti possono utilizzare i metodi, </a:t>
+            </a:r>
+            <a:r>
+              <a:rPr lang="it-IT" sz="2000" b="1" i="1" dirty="0"/>
+              <a:t>scambiandosi messaggi </a:t>
+            </a:r>
+            <a:r>
+              <a:rPr lang="it-IT" sz="2000" dirty="0"/>
+              <a:t>l’uno con l’altro</a:t>
+            </a:r>
+          </a:p>
+          <a:p>
+            <a:r>
+              <a:rPr lang="it-IT" sz="2000" dirty="0"/>
+              <a:t>quando un oggetto invia un </a:t>
+            </a:r>
+            <a:r>
+              <a:rPr lang="it-IT" sz="2000" b="1" i="1" dirty="0"/>
+              <a:t>messaggio</a:t>
+            </a:r>
+            <a:r>
+              <a:rPr lang="it-IT" sz="2000" dirty="0"/>
+              <a:t> a un altro oggetto, quest’ultimo reagisce eseguendo il </a:t>
+            </a:r>
+            <a:r>
+              <a:rPr lang="it-IT" sz="2000" b="1" i="1" dirty="0"/>
+              <a:t>metodo</a:t>
+            </a:r>
+            <a:r>
+              <a:rPr lang="it-IT" sz="2000" dirty="0"/>
+              <a:t> opportuno</a:t>
+            </a:r>
+          </a:p>
+          <a:p>
+            <a:r>
+              <a:rPr lang="it-IT" sz="2000" dirty="0"/>
+              <a:t>l’invocazione dei metodi può richiedere </a:t>
+            </a:r>
+            <a:r>
+              <a:rPr lang="it-IT" sz="2000" b="1" i="1" dirty="0"/>
+              <a:t>parametri</a:t>
+            </a:r>
+            <a:r>
+              <a:rPr lang="it-IT" sz="2000" dirty="0"/>
+              <a:t> di input di </a:t>
+            </a:r>
+            <a:r>
+              <a:rPr lang="it-IT" sz="2000" b="1" i="1" dirty="0"/>
+              <a:t>qualsiasi tipo</a:t>
+            </a:r>
+            <a:r>
+              <a:rPr lang="it-IT" sz="2000" dirty="0"/>
+              <a:t>, compresi quindi </a:t>
+            </a:r>
+            <a:r>
+              <a:rPr lang="it-IT" sz="2000" b="1" i="1" dirty="0"/>
+              <a:t>oggetti</a:t>
+            </a:r>
+            <a:r>
+              <a:rPr lang="it-IT" sz="2000" dirty="0"/>
+              <a:t> del nostro dominio applicativo</a:t>
+            </a:r>
+          </a:p>
+          <a:p>
+            <a:r>
+              <a:rPr lang="it-IT" sz="2000" dirty="0"/>
+              <a:t>un oggetto potrà quindi essere in grado di passarne un altro attraverso un metodo, o addirittura potrà passare se stesso</a:t>
+            </a:r>
+          </a:p>
+          <a:p>
+            <a:r>
+              <a:rPr lang="it-IT" sz="2000" dirty="0"/>
+              <a:t>un messaggio ha la seguente sintassi:</a:t>
+            </a:r>
+          </a:p>
+          <a:p>
+            <a:pPr marL="0" indent="0">
+              <a:buNone/>
+            </a:pPr>
+            <a:r>
+              <a:rPr lang="it-IT" sz="2000" dirty="0"/>
+              <a:t>	</a:t>
+            </a:r>
+            <a:r>
+              <a:rPr lang="it-IT" sz="1800" b="1" dirty="0">
+                <a:latin typeface="Courier New" panose="02070309020205020404" pitchFamily="49" charset="0"/>
+                <a:cs typeface="Courier New" panose="02070309020205020404" pitchFamily="49" charset="0"/>
+              </a:rPr>
+              <a:t>&lt;</a:t>
+            </a:r>
+            <a:r>
+              <a:rPr lang="it-IT" sz="1800" b="1" dirty="0" err="1">
+                <a:latin typeface="Courier New" panose="02070309020205020404" pitchFamily="49" charset="0"/>
+                <a:cs typeface="Courier New" panose="02070309020205020404" pitchFamily="49" charset="0"/>
+              </a:rPr>
+              <a:t>nomeOggetto</a:t>
+            </a:r>
+            <a:r>
+              <a:rPr lang="it-IT" sz="1800" b="1" dirty="0">
+                <a:latin typeface="Courier New" panose="02070309020205020404" pitchFamily="49" charset="0"/>
+                <a:cs typeface="Courier New" panose="02070309020205020404" pitchFamily="49" charset="0"/>
+              </a:rPr>
+              <a:t>&gt;.&lt;</a:t>
+            </a:r>
+            <a:r>
+              <a:rPr lang="it-IT" sz="1800" b="1" dirty="0" err="1">
+                <a:latin typeface="Courier New" panose="02070309020205020404" pitchFamily="49" charset="0"/>
+                <a:cs typeface="Courier New" panose="02070309020205020404" pitchFamily="49" charset="0"/>
+              </a:rPr>
+              <a:t>nomeMetodo</a:t>
+            </a:r>
+            <a:r>
+              <a:rPr lang="it-IT" sz="1800" b="1" dirty="0">
+                <a:latin typeface="Courier New" panose="02070309020205020404" pitchFamily="49" charset="0"/>
+                <a:cs typeface="Courier New" panose="02070309020205020404" pitchFamily="49" charset="0"/>
+              </a:rPr>
+              <a:t>&gt;(&lt;</a:t>
+            </a:r>
+            <a:r>
+              <a:rPr lang="it-IT" sz="1800" b="1" dirty="0" err="1">
+                <a:latin typeface="Courier New" panose="02070309020205020404" pitchFamily="49" charset="0"/>
+                <a:cs typeface="Courier New" panose="02070309020205020404" pitchFamily="49" charset="0"/>
+              </a:rPr>
+              <a:t>paramteri</a:t>
+            </a:r>
+            <a:r>
+              <a:rPr lang="it-IT" sz="1800" b="1" dirty="0">
+                <a:latin typeface="Courier New" panose="02070309020205020404" pitchFamily="49" charset="0"/>
+                <a:cs typeface="Courier New" panose="02070309020205020404" pitchFamily="49" charset="0"/>
+              </a:rPr>
+              <a:t>&gt;)</a:t>
+            </a:r>
+            <a:endParaRPr lang="it-IT" sz="2000" b="1" dirty="0">
+              <a:latin typeface="Courier New" panose="02070309020205020404" pitchFamily="49" charset="0"/>
+              <a:cs typeface="Courier New" panose="02070309020205020404" pitchFamily="49" charset="0"/>
+            </a:endParaRPr>
+          </a:p>
+          <a:p>
+            <a:endParaRPr lang="it-IT" sz="2000" dirty="0"/>
           </a:p>
         </p:txBody>
       </p:sp>
@@ -8795,7 +8780,7 @@
           <p:cNvPr id="4" name="Segnaposto piè di pagina 3">
             <a:extLst>
               <a:ext uri="{FF2B5EF4-FFF2-40B4-BE49-F238E27FC236}">
-                <a16:creationId xmlns:a16="http://schemas.microsoft.com/office/drawing/2014/main" id="{55AEB5D8-CD6B-4B9A-8E37-CEDF1EC4FD55}"/>
+                <a16:creationId xmlns:a16="http://schemas.microsoft.com/office/drawing/2014/main" id="{6157F3EF-6E24-4FFC-8C7B-903414B9B128}"/>
               </a:ext>
             </a:extLst>
           </p:cNvPr>
@@ -8825,7 +8810,7 @@
     </p:spTree>
     <p:extLst>
       <p:ext uri="{BB962C8B-B14F-4D97-AF65-F5344CB8AC3E}">
-        <p14:creationId xmlns:p14="http://schemas.microsoft.com/office/powerpoint/2010/main" val="1137947429"/>
+        <p14:creationId xmlns:p14="http://schemas.microsoft.com/office/powerpoint/2010/main" val="645466856"/>
       </p:ext>
     </p:extLst>
   </p:cSld>
@@ -8857,7 +8842,7 @@
           <p:cNvPr id="2" name="Titolo 1">
             <a:extLst>
               <a:ext uri="{FF2B5EF4-FFF2-40B4-BE49-F238E27FC236}">
-                <a16:creationId xmlns:a16="http://schemas.microsoft.com/office/drawing/2014/main" id="{8F137648-D4FD-4D65-9B9A-ADCB26ABA1D4}"/>
+                <a16:creationId xmlns:a16="http://schemas.microsoft.com/office/drawing/2014/main" id="{FAB1B9F1-6883-4BFD-9A6F-1CA17D53A214}"/>
               </a:ext>
             </a:extLst>
           </p:cNvPr>
@@ -8875,7 +8860,7 @@
           <a:p>
             <a:r>
               <a:rPr lang="it-IT" dirty="0"/>
-              <a:t>utilizzo delle classi</a:t>
+              <a:t>interfaccia di una classe</a:t>
             </a:r>
           </a:p>
         </p:txBody>
@@ -8885,7 +8870,7 @@
           <p:cNvPr id="3" name="Segnaposto contenuto 2">
             <a:extLst>
               <a:ext uri="{FF2B5EF4-FFF2-40B4-BE49-F238E27FC236}">
-                <a16:creationId xmlns:a16="http://schemas.microsoft.com/office/drawing/2014/main" id="{7BBB4825-7DC7-43E1-AF67-E34E142416A7}"/>
+                <a16:creationId xmlns:a16="http://schemas.microsoft.com/office/drawing/2014/main" id="{38153F3E-DB5D-417D-88D5-C77A85693748}"/>
               </a:ext>
             </a:extLst>
           </p:cNvPr>
@@ -8902,75 +8887,156 @@
           <a:lstStyle/>
           <a:p>
             <a:r>
-              <a:rPr lang="it-IT" sz="2000" dirty="0"/>
-              <a:t>deve essere possibile </a:t>
-            </a:r>
-            <a:r>
-              <a:rPr lang="it-IT" sz="2000" b="1" i="1" dirty="0"/>
-              <a:t>utilizzare</a:t>
-            </a:r>
-            <a:r>
-              <a:rPr lang="it-IT" sz="2000" dirty="0"/>
-              <a:t> una classe conoscendone </a:t>
-            </a:r>
-            <a:r>
-              <a:rPr lang="it-IT" sz="2000" b="1" i="1" dirty="0"/>
-              <a:t>solo</a:t>
-            </a:r>
-            <a:r>
-              <a:rPr lang="it-IT" sz="2000" dirty="0"/>
-              <a:t> l’interfaccia</a:t>
+              <a:rPr lang="it-IT" b="1" i="1" dirty="0"/>
+              <a:t>interfaccia</a:t>
+            </a:r>
+            <a:r>
+              <a:rPr lang="it-IT" dirty="0"/>
+              <a:t> di una classe:</a:t>
             </a:r>
           </a:p>
           <a:p>
             <a:pPr lvl="1"/>
             <a:r>
-              <a:rPr lang="it-IT" sz="1800" b="1" i="1" dirty="0"/>
-              <a:t>vantaggio</a:t>
-            </a:r>
-            <a:r>
-              <a:rPr lang="it-IT" sz="1800" dirty="0"/>
-              <a:t>: è possibile </a:t>
-            </a:r>
-            <a:r>
-              <a:rPr lang="it-IT" sz="1800" b="1" i="1" dirty="0"/>
-              <a:t>cambiare l’implementazione senza</a:t>
-            </a:r>
-            <a:r>
-              <a:rPr lang="it-IT" sz="1800" dirty="0"/>
-              <a:t> dover </a:t>
-            </a:r>
-            <a:r>
-              <a:rPr lang="it-IT" sz="1800" b="1" i="1" dirty="0"/>
-              <a:t>cambiare</a:t>
-            </a:r>
-            <a:r>
-              <a:rPr lang="it-IT" sz="1800" dirty="0"/>
-              <a:t> qualsiasi altro </a:t>
-            </a:r>
-            <a:r>
-              <a:rPr lang="it-IT" sz="1800" b="1" i="1" dirty="0"/>
-              <a:t>codice</a:t>
-            </a:r>
-            <a:r>
-              <a:rPr lang="it-IT" sz="1800" dirty="0"/>
-              <a:t> che usi la classe</a:t>
-            </a:r>
-          </a:p>
-          <a:p>
-            <a:r>
-              <a:rPr lang="it-IT" sz="2000" b="1" i="1" dirty="0"/>
-              <a:t>filosofia</a:t>
-            </a:r>
-            <a:r>
-              <a:rPr lang="it-IT" sz="2000" dirty="0"/>
-              <a:t>: descrivere il problema in termini di oggetti che interagiscono,</a:t>
-            </a:r>
-          </a:p>
-          <a:p>
-            <a:r>
-              <a:rPr lang="it-IT" sz="2000" dirty="0"/>
-              <a:t>piuttosto che algoritmi che operano su dati (anche algoritmi e dati possono cambiare...)</a:t>
+              <a:rPr lang="it-IT" b="1" i="1" dirty="0"/>
+              <a:t>dichiarazioni</a:t>
+            </a:r>
+            <a:r>
+              <a:rPr lang="it-IT" dirty="0"/>
+              <a:t> delle </a:t>
+            </a:r>
+            <a:r>
+              <a:rPr lang="it-IT" b="1" i="1" dirty="0"/>
+              <a:t>funzioni membro pubbliche</a:t>
+            </a:r>
+          </a:p>
+          <a:p>
+            <a:pPr lvl="1"/>
+            <a:r>
+              <a:rPr lang="it-IT" b="1" i="1" dirty="0"/>
+              <a:t>commenti</a:t>
+            </a:r>
+          </a:p>
+          <a:p>
+            <a:r>
+              <a:rPr lang="it-IT" b="1" i="1" dirty="0"/>
+              <a:t>implementazione</a:t>
+            </a:r>
+            <a:r>
+              <a:rPr lang="it-IT" dirty="0"/>
+              <a:t> di una classe:</a:t>
+            </a:r>
+          </a:p>
+          <a:p>
+            <a:pPr lvl="1"/>
+            <a:r>
+              <a:rPr lang="it-IT" b="1" i="1" dirty="0"/>
+              <a:t>variabili membro </a:t>
+            </a:r>
+            <a:r>
+              <a:rPr lang="it-IT" dirty="0"/>
+              <a:t>e </a:t>
+            </a:r>
+            <a:r>
+              <a:rPr lang="it-IT" b="1" i="1" dirty="0"/>
+              <a:t>dichiarazioni</a:t>
+            </a:r>
+            <a:r>
+              <a:rPr lang="it-IT" dirty="0"/>
+              <a:t> delle </a:t>
+            </a:r>
+            <a:r>
+              <a:rPr lang="it-IT" b="1" i="1" dirty="0"/>
+              <a:t>funzioni membro private</a:t>
+            </a:r>
+          </a:p>
+          <a:p>
+            <a:pPr lvl="1"/>
+            <a:r>
+              <a:rPr lang="it-IT" b="1" i="1" dirty="0"/>
+              <a:t>definizioni</a:t>
+            </a:r>
+            <a:r>
+              <a:rPr lang="it-IT" dirty="0"/>
+              <a:t> delle </a:t>
+            </a:r>
+            <a:r>
+              <a:rPr lang="it-IT" b="1" i="1" dirty="0"/>
+              <a:t>funzioni membro</a:t>
+            </a:r>
+          </a:p>
+          <a:p>
+            <a:r>
+              <a:rPr lang="it-IT" dirty="0"/>
+              <a:t>l’</a:t>
+            </a:r>
+            <a:r>
+              <a:rPr lang="it-IT" b="1" i="1" dirty="0"/>
+              <a:t>interfaccia</a:t>
+            </a:r>
+            <a:r>
+              <a:rPr lang="it-IT" dirty="0"/>
+              <a:t> viene generalmente definita in un </a:t>
+            </a:r>
+            <a:r>
+              <a:rPr lang="it-IT" b="1" i="1" dirty="0"/>
+              <a:t>file </a:t>
+            </a:r>
+            <a:r>
+              <a:rPr lang="it-IT" b="1" i="1" dirty="0" err="1"/>
+              <a:t>header</a:t>
+            </a:r>
+            <a:endParaRPr lang="it-IT" b="1" i="1" dirty="0"/>
+          </a:p>
+          <a:p>
+            <a:r>
+              <a:rPr lang="it-IT" dirty="0"/>
+              <a:t>il file </a:t>
+            </a:r>
+            <a:r>
+              <a:rPr lang="it-IT" dirty="0" err="1"/>
+              <a:t>header</a:t>
+            </a:r>
+            <a:r>
+              <a:rPr lang="it-IT" dirty="0"/>
+              <a:t> sarà </a:t>
+            </a:r>
+            <a:r>
+              <a:rPr lang="it-IT" b="1" i="1" dirty="0"/>
+              <a:t>incluso</a:t>
+            </a:r>
+            <a:r>
+              <a:rPr lang="it-IT" dirty="0"/>
+              <a:t> da tutti i file che vogliono fare uso della classe</a:t>
+            </a:r>
+          </a:p>
+          <a:p>
+            <a:pPr lvl="1"/>
+            <a:r>
+              <a:rPr lang="it-IT" dirty="0"/>
+              <a:t>(direttiva </a:t>
+            </a:r>
+            <a:r>
+              <a:rPr lang="it-IT" b="1" dirty="0"/>
+              <a:t>#include</a:t>
+            </a:r>
+            <a:r>
+              <a:rPr lang="it-IT" dirty="0"/>
+              <a:t>)</a:t>
+            </a:r>
+          </a:p>
+          <a:p>
+            <a:r>
+              <a:rPr lang="it-IT" dirty="0"/>
+              <a:t>chi vende librerie software, fornisce ai clienti i soli file </a:t>
+            </a:r>
+            <a:r>
+              <a:rPr lang="it-IT" dirty="0" err="1"/>
+              <a:t>header</a:t>
+            </a:r>
+            <a:r>
+              <a:rPr lang="it-IT" dirty="0"/>
+              <a:t> e il codice oggetto</a:t>
             </a:r>
           </a:p>
         </p:txBody>
@@ -8980,7 +9046,7 @@
           <p:cNvPr id="4" name="Segnaposto piè di pagina 3">
             <a:extLst>
               <a:ext uri="{FF2B5EF4-FFF2-40B4-BE49-F238E27FC236}">
-                <a16:creationId xmlns:a16="http://schemas.microsoft.com/office/drawing/2014/main" id="{6F0A51FD-6296-4A1C-9C0E-63CB8C6F93F8}"/>
+                <a16:creationId xmlns:a16="http://schemas.microsoft.com/office/drawing/2014/main" id="{55AEB5D8-CD6B-4B9A-8E37-CEDF1EC4FD55}"/>
               </a:ext>
             </a:extLst>
           </p:cNvPr>
@@ -9010,7 +9076,7 @@
     </p:spTree>
     <p:extLst>
       <p:ext uri="{BB962C8B-B14F-4D97-AF65-F5344CB8AC3E}">
-        <p14:creationId xmlns:p14="http://schemas.microsoft.com/office/powerpoint/2010/main" val="3617294869"/>
+        <p14:creationId xmlns:p14="http://schemas.microsoft.com/office/powerpoint/2010/main" val="1137947429"/>
       </p:ext>
     </p:extLst>
   </p:cSld>
@@ -9042,6 +9108,191 @@
           <p:cNvPr id="2" name="Titolo 1">
             <a:extLst>
               <a:ext uri="{FF2B5EF4-FFF2-40B4-BE49-F238E27FC236}">
+                <a16:creationId xmlns:a16="http://schemas.microsoft.com/office/drawing/2014/main" id="{8F137648-D4FD-4D65-9B9A-ADCB26ABA1D4}"/>
+              </a:ext>
+            </a:extLst>
+          </p:cNvPr>
+          <p:cNvSpPr>
+            <a:spLocks noGrp="1"/>
+          </p:cNvSpPr>
+          <p:nvPr>
+            <p:ph type="title"/>
+          </p:nvPr>
+        </p:nvSpPr>
+        <p:spPr/>
+        <p:txBody>
+          <a:bodyPr/>
+          <a:lstStyle/>
+          <a:p>
+            <a:r>
+              <a:rPr lang="it-IT" dirty="0"/>
+              <a:t>utilizzo delle classi</a:t>
+            </a:r>
+          </a:p>
+        </p:txBody>
+      </p:sp>
+      <p:sp>
+        <p:nvSpPr>
+          <p:cNvPr id="3" name="Segnaposto contenuto 2">
+            <a:extLst>
+              <a:ext uri="{FF2B5EF4-FFF2-40B4-BE49-F238E27FC236}">
+                <a16:creationId xmlns:a16="http://schemas.microsoft.com/office/drawing/2014/main" id="{7BBB4825-7DC7-43E1-AF67-E34E142416A7}"/>
+              </a:ext>
+            </a:extLst>
+          </p:cNvPr>
+          <p:cNvSpPr>
+            <a:spLocks noGrp="1"/>
+          </p:cNvSpPr>
+          <p:nvPr>
+            <p:ph idx="1"/>
+          </p:nvPr>
+        </p:nvSpPr>
+        <p:spPr/>
+        <p:txBody>
+          <a:bodyPr/>
+          <a:lstStyle/>
+          <a:p>
+            <a:r>
+              <a:rPr lang="it-IT" sz="2000" dirty="0"/>
+              <a:t>deve essere possibile </a:t>
+            </a:r>
+            <a:r>
+              <a:rPr lang="it-IT" sz="2000" b="1" i="1" dirty="0"/>
+              <a:t>utilizzare</a:t>
+            </a:r>
+            <a:r>
+              <a:rPr lang="it-IT" sz="2000" dirty="0"/>
+              <a:t> una classe conoscendone </a:t>
+            </a:r>
+            <a:r>
+              <a:rPr lang="it-IT" sz="2000" b="1" i="1" dirty="0"/>
+              <a:t>solo</a:t>
+            </a:r>
+            <a:r>
+              <a:rPr lang="it-IT" sz="2000" dirty="0"/>
+              <a:t> l’interfaccia</a:t>
+            </a:r>
+          </a:p>
+          <a:p>
+            <a:pPr lvl="1"/>
+            <a:r>
+              <a:rPr lang="it-IT" sz="1800" b="1" i="1" dirty="0"/>
+              <a:t>vantaggio</a:t>
+            </a:r>
+            <a:r>
+              <a:rPr lang="it-IT" sz="1800" dirty="0"/>
+              <a:t>: è possibile </a:t>
+            </a:r>
+            <a:r>
+              <a:rPr lang="it-IT" sz="1800" b="1" i="1" dirty="0"/>
+              <a:t>cambiare l’implementazione senza</a:t>
+            </a:r>
+            <a:r>
+              <a:rPr lang="it-IT" sz="1800" dirty="0"/>
+              <a:t> dover </a:t>
+            </a:r>
+            <a:r>
+              <a:rPr lang="it-IT" sz="1800" b="1" i="1" dirty="0"/>
+              <a:t>cambiare</a:t>
+            </a:r>
+            <a:r>
+              <a:rPr lang="it-IT" sz="1800" dirty="0"/>
+              <a:t> qualsiasi altro </a:t>
+            </a:r>
+            <a:r>
+              <a:rPr lang="it-IT" sz="1800" b="1" i="1" dirty="0"/>
+              <a:t>codice</a:t>
+            </a:r>
+            <a:r>
+              <a:rPr lang="it-IT" sz="1800" dirty="0"/>
+              <a:t> che usi la classe</a:t>
+            </a:r>
+          </a:p>
+          <a:p>
+            <a:r>
+              <a:rPr lang="it-IT" sz="2000" b="1" i="1" dirty="0"/>
+              <a:t>filosofia</a:t>
+            </a:r>
+            <a:r>
+              <a:rPr lang="it-IT" sz="2000" dirty="0"/>
+              <a:t>: descrivere il problema in termini di oggetti che interagiscono,</a:t>
+            </a:r>
+          </a:p>
+          <a:p>
+            <a:r>
+              <a:rPr lang="it-IT" sz="2000" dirty="0"/>
+              <a:t>piuttosto che algoritmi che operano su dati (anche algoritmi e dati possono cambiare...)</a:t>
+            </a:r>
+          </a:p>
+        </p:txBody>
+      </p:sp>
+      <p:sp>
+        <p:nvSpPr>
+          <p:cNvPr id="4" name="Segnaposto piè di pagina 3">
+            <a:extLst>
+              <a:ext uri="{FF2B5EF4-FFF2-40B4-BE49-F238E27FC236}">
+                <a16:creationId xmlns:a16="http://schemas.microsoft.com/office/drawing/2014/main" id="{6F0A51FD-6296-4A1C-9C0E-63CB8C6F93F8}"/>
+              </a:ext>
+            </a:extLst>
+          </p:cNvPr>
+          <p:cNvSpPr>
+            <a:spLocks noGrp="1"/>
+          </p:cNvSpPr>
+          <p:nvPr>
+            <p:ph type="ftr" sz="quarter" idx="11"/>
+          </p:nvPr>
+        </p:nvSpPr>
+        <p:spPr/>
+        <p:txBody>
+          <a:bodyPr/>
+          <a:lstStyle/>
+          <a:p>
+            <a:pPr>
+              <a:defRPr/>
+            </a:pPr>
+            <a:r>
+              <a:rPr lang="it-IT"/>
+              <a:t>Alberto Ferrari – Programmazione di applicazioni SW</a:t>
+            </a:r>
+            <a:endParaRPr lang="it-IT" dirty="0"/>
+          </a:p>
+        </p:txBody>
+      </p:sp>
+    </p:spTree>
+    <p:extLst>
+      <p:ext uri="{BB962C8B-B14F-4D97-AF65-F5344CB8AC3E}">
+        <p14:creationId xmlns:p14="http://schemas.microsoft.com/office/powerpoint/2010/main" val="3617294869"/>
+      </p:ext>
+    </p:extLst>
+  </p:cSld>
+  <p:clrMapOvr>
+    <a:masterClrMapping/>
+  </p:clrMapOvr>
+</p:sld>
+</file>
+
+<file path=ppt/slides/slide26.xml><?xml version="1.0" encoding="utf-8"?>
+<p:sld xmlns:a="http://schemas.openxmlformats.org/drawingml/2006/main" xmlns:r="http://schemas.openxmlformats.org/officeDocument/2006/relationships" xmlns:p="http://schemas.openxmlformats.org/presentationml/2006/main">
+  <p:cSld>
+    <p:spTree>
+      <p:nvGrpSpPr>
+        <p:cNvPr id="1" name=""/>
+        <p:cNvGrpSpPr/>
+        <p:nvPr/>
+      </p:nvGrpSpPr>
+      <p:grpSpPr>
+        <a:xfrm>
+          <a:off x="0" y="0"/>
+          <a:ext cx="0" cy="0"/>
+          <a:chOff x="0" y="0"/>
+          <a:chExt cx="0" cy="0"/>
+        </a:xfrm>
+      </p:grpSpPr>
+      <p:sp>
+        <p:nvSpPr>
+          <p:cNvPr id="2" name="Titolo 1">
+            <a:extLst>
+              <a:ext uri="{FF2B5EF4-FFF2-40B4-BE49-F238E27FC236}">
                 <a16:creationId xmlns:a16="http://schemas.microsoft.com/office/drawing/2014/main" id="{CB3CA5C4-2D5A-4985-B367-ABE87EE13950}"/>
               </a:ext>
             </a:extLst>
@@ -9246,7 +9497,7 @@
 </p:sld>
 </file>
 
-<file path=ppt/slides/slide26.xml><?xml version="1.0" encoding="utf-8"?>
+<file path=ppt/slides/slide27.xml><?xml version="1.0" encoding="utf-8"?>
 <p:sld xmlns:a="http://schemas.openxmlformats.org/drawingml/2006/main" xmlns:r="http://schemas.openxmlformats.org/officeDocument/2006/relationships" xmlns:p="http://schemas.openxmlformats.org/presentationml/2006/main">
   <p:cSld>
     <p:spTree>
@@ -9384,7 +9635,7 @@
 </p:sld>
 </file>
 
-<file path=ppt/slides/slide27.xml><?xml version="1.0" encoding="utf-8"?>
+<file path=ppt/slides/slide28.xml><?xml version="1.0" encoding="utf-8"?>
 <p:sld xmlns:a="http://schemas.openxmlformats.org/drawingml/2006/main" xmlns:r="http://schemas.openxmlformats.org/officeDocument/2006/relationships" xmlns:p="http://schemas.openxmlformats.org/presentationml/2006/main">
   <p:cSld>
     <p:spTree>
@@ -9577,1643 +9828,6 @@
 </p:sld>
 </file>
 
-<file path=ppt/slides/slide28.xml><?xml version="1.0" encoding="utf-8"?>
-<p:sld xmlns:a="http://schemas.openxmlformats.org/drawingml/2006/main" xmlns:r="http://schemas.openxmlformats.org/officeDocument/2006/relationships" xmlns:p="http://schemas.openxmlformats.org/presentationml/2006/main">
-  <p:cSld>
-    <p:spTree>
-      <p:nvGrpSpPr>
-        <p:cNvPr id="1" name=""/>
-        <p:cNvGrpSpPr/>
-        <p:nvPr/>
-      </p:nvGrpSpPr>
-      <p:grpSpPr>
-        <a:xfrm>
-          <a:off x="0" y="0"/>
-          <a:ext cx="0" cy="0"/>
-          <a:chOff x="0" y="0"/>
-          <a:chExt cx="0" cy="0"/>
-        </a:xfrm>
-      </p:grpSpPr>
-      <p:sp>
-        <p:nvSpPr>
-          <p:cNvPr id="2" name="Titolo 1">
-            <a:extLst>
-              <a:ext uri="{FF2B5EF4-FFF2-40B4-BE49-F238E27FC236}">
-                <a16:creationId xmlns:a16="http://schemas.microsoft.com/office/drawing/2014/main" id="{8F83756D-8806-4520-940E-38F00B94B205}"/>
-              </a:ext>
-            </a:extLst>
-          </p:cNvPr>
-          <p:cNvSpPr>
-            <a:spLocks noGrp="1"/>
-          </p:cNvSpPr>
-          <p:nvPr>
-            <p:ph type="title"/>
-          </p:nvPr>
-        </p:nvSpPr>
-        <p:spPr/>
-        <p:txBody>
-          <a:bodyPr/>
-          <a:lstStyle/>
-          <a:p>
-            <a:r>
-              <a:rPr lang="it-IT" dirty="0"/>
-              <a:t>soluzione esercizio</a:t>
-            </a:r>
-          </a:p>
-        </p:txBody>
-      </p:sp>
-      <p:sp>
-        <p:nvSpPr>
-          <p:cNvPr id="3" name="Segnaposto contenuto 2">
-            <a:extLst>
-              <a:ext uri="{FF2B5EF4-FFF2-40B4-BE49-F238E27FC236}">
-                <a16:creationId xmlns:a16="http://schemas.microsoft.com/office/drawing/2014/main" id="{24114D0B-C108-4C15-94AB-79C2F95BCBA7}"/>
-              </a:ext>
-            </a:extLst>
-          </p:cNvPr>
-          <p:cNvSpPr>
-            <a:spLocks noGrp="1"/>
-          </p:cNvSpPr>
-          <p:nvPr>
-            <p:ph sz="half" idx="1"/>
-          </p:nvPr>
-        </p:nvSpPr>
-        <p:spPr/>
-        <p:txBody>
-          <a:bodyPr/>
-          <a:lstStyle/>
-          <a:p>
-            <a:pPr marL="0" indent="0">
-              <a:buNone/>
-            </a:pPr>
-            <a:r>
-              <a:rPr lang="it-IT" sz="1100" b="1" dirty="0">
-                <a:latin typeface="Courier New" panose="02070309020205020404" pitchFamily="49" charset="0"/>
-                <a:cs typeface="Courier New" panose="02070309020205020404" pitchFamily="49" charset="0"/>
-              </a:rPr>
-              <a:t>#include &lt;</a:t>
-            </a:r>
-            <a:r>
-              <a:rPr lang="it-IT" sz="1100" b="1" dirty="0" err="1">
-                <a:latin typeface="Courier New" panose="02070309020205020404" pitchFamily="49" charset="0"/>
-                <a:cs typeface="Courier New" panose="02070309020205020404" pitchFamily="49" charset="0"/>
-              </a:rPr>
-              <a:t>iostream</a:t>
-            </a:r>
-            <a:r>
-              <a:rPr lang="it-IT" sz="1100" b="1" dirty="0">
-                <a:latin typeface="Courier New" panose="02070309020205020404" pitchFamily="49" charset="0"/>
-                <a:cs typeface="Courier New" panose="02070309020205020404" pitchFamily="49" charset="0"/>
-              </a:rPr>
-              <a:t>&gt;</a:t>
-            </a:r>
-          </a:p>
-          <a:p>
-            <a:pPr marL="0" indent="0">
-              <a:buNone/>
-            </a:pPr>
-            <a:r>
-              <a:rPr lang="it-IT" sz="1100" b="1" dirty="0">
-                <a:latin typeface="Courier New" panose="02070309020205020404" pitchFamily="49" charset="0"/>
-                <a:cs typeface="Courier New" panose="02070309020205020404" pitchFamily="49" charset="0"/>
-              </a:rPr>
-              <a:t>#include &lt;</a:t>
-            </a:r>
-            <a:r>
-              <a:rPr lang="it-IT" sz="1100" b="1" dirty="0" err="1">
-                <a:latin typeface="Courier New" panose="02070309020205020404" pitchFamily="49" charset="0"/>
-                <a:cs typeface="Courier New" panose="02070309020205020404" pitchFamily="49" charset="0"/>
-              </a:rPr>
-              <a:t>cmath</a:t>
-            </a:r>
-            <a:r>
-              <a:rPr lang="it-IT" sz="1100" b="1" dirty="0">
-                <a:latin typeface="Courier New" panose="02070309020205020404" pitchFamily="49" charset="0"/>
-                <a:cs typeface="Courier New" panose="02070309020205020404" pitchFamily="49" charset="0"/>
-              </a:rPr>
-              <a:t>&gt;</a:t>
-            </a:r>
-          </a:p>
-          <a:p>
-            <a:pPr marL="0" indent="0">
-              <a:buNone/>
-            </a:pPr>
-            <a:r>
-              <a:rPr lang="it-IT" sz="1100" b="1" dirty="0">
-                <a:latin typeface="Courier New" panose="02070309020205020404" pitchFamily="49" charset="0"/>
-                <a:cs typeface="Courier New" panose="02070309020205020404" pitchFamily="49" charset="0"/>
-              </a:rPr>
-              <a:t>#include &lt;</a:t>
-            </a:r>
-            <a:r>
-              <a:rPr lang="it-IT" sz="1100" b="1" dirty="0" err="1">
-                <a:latin typeface="Courier New" panose="02070309020205020404" pitchFamily="49" charset="0"/>
-                <a:cs typeface="Courier New" panose="02070309020205020404" pitchFamily="49" charset="0"/>
-              </a:rPr>
-              <a:t>limits</a:t>
-            </a:r>
-            <a:r>
-              <a:rPr lang="it-IT" sz="1100" b="1" dirty="0">
-                <a:latin typeface="Courier New" panose="02070309020205020404" pitchFamily="49" charset="0"/>
-                <a:cs typeface="Courier New" panose="02070309020205020404" pitchFamily="49" charset="0"/>
-              </a:rPr>
-              <a:t>&gt;</a:t>
-            </a:r>
-          </a:p>
-          <a:p>
-            <a:pPr marL="0" indent="0">
-              <a:buNone/>
-            </a:pPr>
-            <a:r>
-              <a:rPr lang="it-IT" sz="1100" b="1" dirty="0">
-                <a:latin typeface="Courier New" panose="02070309020205020404" pitchFamily="49" charset="0"/>
-                <a:cs typeface="Courier New" panose="02070309020205020404" pitchFamily="49" charset="0"/>
-              </a:rPr>
-              <a:t>#include &lt;</a:t>
-            </a:r>
-            <a:r>
-              <a:rPr lang="it-IT" sz="1100" b="1" dirty="0" err="1">
-                <a:latin typeface="Courier New" panose="02070309020205020404" pitchFamily="49" charset="0"/>
-                <a:cs typeface="Courier New" panose="02070309020205020404" pitchFamily="49" charset="0"/>
-              </a:rPr>
-              <a:t>string</a:t>
-            </a:r>
-            <a:r>
-              <a:rPr lang="it-IT" sz="1100" b="1" dirty="0">
-                <a:latin typeface="Courier New" panose="02070309020205020404" pitchFamily="49" charset="0"/>
-                <a:cs typeface="Courier New" panose="02070309020205020404" pitchFamily="49" charset="0"/>
-              </a:rPr>
-              <a:t>&gt;</a:t>
-            </a:r>
-          </a:p>
-          <a:p>
-            <a:pPr marL="0" indent="0">
-              <a:buNone/>
-            </a:pPr>
-            <a:r>
-              <a:rPr lang="it-IT" sz="1100" b="1" dirty="0" err="1">
-                <a:latin typeface="Courier New" panose="02070309020205020404" pitchFamily="49" charset="0"/>
-                <a:cs typeface="Courier New" panose="02070309020205020404" pitchFamily="49" charset="0"/>
-              </a:rPr>
-              <a:t>using</a:t>
-            </a:r>
-            <a:r>
-              <a:rPr lang="it-IT" sz="1100" b="1" dirty="0">
-                <a:latin typeface="Courier New" panose="02070309020205020404" pitchFamily="49" charset="0"/>
-                <a:cs typeface="Courier New" panose="02070309020205020404" pitchFamily="49" charset="0"/>
-              </a:rPr>
-              <a:t> </a:t>
-            </a:r>
-            <a:r>
-              <a:rPr lang="it-IT" sz="1100" b="1" dirty="0" err="1">
-                <a:latin typeface="Courier New" panose="02070309020205020404" pitchFamily="49" charset="0"/>
-                <a:cs typeface="Courier New" panose="02070309020205020404" pitchFamily="49" charset="0"/>
-              </a:rPr>
-              <a:t>namespace</a:t>
-            </a:r>
-            <a:r>
-              <a:rPr lang="it-IT" sz="1100" b="1" dirty="0">
-                <a:latin typeface="Courier New" panose="02070309020205020404" pitchFamily="49" charset="0"/>
-                <a:cs typeface="Courier New" panose="02070309020205020404" pitchFamily="49" charset="0"/>
-              </a:rPr>
-              <a:t> </a:t>
-            </a:r>
-            <a:r>
-              <a:rPr lang="it-IT" sz="1100" b="1" dirty="0" err="1">
-                <a:latin typeface="Courier New" panose="02070309020205020404" pitchFamily="49" charset="0"/>
-                <a:cs typeface="Courier New" panose="02070309020205020404" pitchFamily="49" charset="0"/>
-              </a:rPr>
-              <a:t>std</a:t>
-            </a:r>
-            <a:r>
-              <a:rPr lang="it-IT" sz="1100" b="1" dirty="0">
-                <a:latin typeface="Courier New" panose="02070309020205020404" pitchFamily="49" charset="0"/>
-                <a:cs typeface="Courier New" panose="02070309020205020404" pitchFamily="49" charset="0"/>
-              </a:rPr>
-              <a:t>;</a:t>
-            </a:r>
-          </a:p>
-          <a:p>
-            <a:pPr marL="0" indent="0">
-              <a:buNone/>
-            </a:pPr>
-            <a:r>
-              <a:rPr lang="it-IT" sz="1100" b="1" dirty="0">
-                <a:latin typeface="Courier New" panose="02070309020205020404" pitchFamily="49" charset="0"/>
-                <a:cs typeface="Courier New" panose="02070309020205020404" pitchFamily="49" charset="0"/>
-              </a:rPr>
-              <a:t>class </a:t>
-            </a:r>
-            <a:r>
-              <a:rPr lang="it-IT" sz="1100" b="1" dirty="0">
-                <a:solidFill>
-                  <a:srgbClr val="FF0000"/>
-                </a:solidFill>
-                <a:latin typeface="Courier New" panose="02070309020205020404" pitchFamily="49" charset="0"/>
-                <a:cs typeface="Courier New" panose="02070309020205020404" pitchFamily="49" charset="0"/>
-              </a:rPr>
-              <a:t>Equazione</a:t>
-            </a:r>
-            <a:r>
-              <a:rPr lang="it-IT" sz="1100" b="1" dirty="0">
-                <a:latin typeface="Courier New" panose="02070309020205020404" pitchFamily="49" charset="0"/>
-                <a:cs typeface="Courier New" panose="02070309020205020404" pitchFamily="49" charset="0"/>
-              </a:rPr>
-              <a:t> {</a:t>
-            </a:r>
-          </a:p>
-          <a:p>
-            <a:pPr marL="0" indent="0">
-              <a:buNone/>
-            </a:pPr>
-            <a:r>
-              <a:rPr lang="it-IT" sz="1100" b="1" dirty="0">
-                <a:latin typeface="Courier New" panose="02070309020205020404" pitchFamily="49" charset="0"/>
-                <a:cs typeface="Courier New" panose="02070309020205020404" pitchFamily="49" charset="0"/>
-              </a:rPr>
-              <a:t>   </a:t>
-            </a:r>
-            <a:r>
-              <a:rPr lang="it-IT" sz="1100" b="1" dirty="0">
-                <a:solidFill>
-                  <a:srgbClr val="0070C0"/>
-                </a:solidFill>
-                <a:latin typeface="Courier New" panose="02070309020205020404" pitchFamily="49" charset="0"/>
-                <a:cs typeface="Courier New" panose="02070309020205020404" pitchFamily="49" charset="0"/>
-              </a:rPr>
-              <a:t>public</a:t>
-            </a:r>
-            <a:r>
-              <a:rPr lang="it-IT" sz="1100" b="1" dirty="0">
-                <a:latin typeface="Courier New" panose="02070309020205020404" pitchFamily="49" charset="0"/>
-                <a:cs typeface="Courier New" panose="02070309020205020404" pitchFamily="49" charset="0"/>
-              </a:rPr>
-              <a:t>:</a:t>
-            </a:r>
-          </a:p>
-          <a:p>
-            <a:pPr marL="0" indent="0">
-              <a:buNone/>
-            </a:pPr>
-            <a:r>
-              <a:rPr lang="it-IT" sz="1100" b="1" dirty="0">
-                <a:latin typeface="Courier New" panose="02070309020205020404" pitchFamily="49" charset="0"/>
-                <a:cs typeface="Courier New" panose="02070309020205020404" pitchFamily="49" charset="0"/>
-              </a:rPr>
-              <a:t>     </a:t>
-            </a:r>
-            <a:r>
-              <a:rPr lang="it-IT" sz="1100" b="1" dirty="0">
-                <a:solidFill>
-                  <a:srgbClr val="FF0000"/>
-                </a:solidFill>
-                <a:latin typeface="Courier New" panose="02070309020205020404" pitchFamily="49" charset="0"/>
-                <a:cs typeface="Courier New" panose="02070309020205020404" pitchFamily="49" charset="0"/>
-              </a:rPr>
-              <a:t>Equazione()</a:t>
-            </a:r>
-            <a:r>
-              <a:rPr lang="it-IT" sz="1100" b="1" dirty="0">
-                <a:latin typeface="Courier New" panose="02070309020205020404" pitchFamily="49" charset="0"/>
-                <a:cs typeface="Courier New" panose="02070309020205020404" pitchFamily="49" charset="0"/>
-              </a:rPr>
-              <a:t> { a=1; b=1; c=1; }</a:t>
-            </a:r>
-          </a:p>
-          <a:p>
-            <a:pPr marL="0" indent="0">
-              <a:buNone/>
-            </a:pPr>
-            <a:r>
-              <a:rPr lang="it-IT" sz="1100" b="1" dirty="0">
-                <a:latin typeface="Courier New" panose="02070309020205020404" pitchFamily="49" charset="0"/>
-                <a:cs typeface="Courier New" panose="02070309020205020404" pitchFamily="49" charset="0"/>
-              </a:rPr>
-              <a:t>     </a:t>
-            </a:r>
-            <a:r>
-              <a:rPr lang="it-IT" sz="1100" b="1" dirty="0">
-                <a:solidFill>
-                  <a:srgbClr val="FF0000"/>
-                </a:solidFill>
-                <a:latin typeface="Courier New" panose="02070309020205020404" pitchFamily="49" charset="0"/>
-                <a:cs typeface="Courier New" panose="02070309020205020404" pitchFamily="49" charset="0"/>
-              </a:rPr>
-              <a:t>Equazione(double </a:t>
-            </a:r>
-            <a:r>
-              <a:rPr lang="it-IT" sz="1100" b="1" dirty="0" err="1">
-                <a:solidFill>
-                  <a:srgbClr val="FF0000"/>
-                </a:solidFill>
-                <a:latin typeface="Courier New" panose="02070309020205020404" pitchFamily="49" charset="0"/>
-                <a:cs typeface="Courier New" panose="02070309020205020404" pitchFamily="49" charset="0"/>
-              </a:rPr>
-              <a:t>c_a</a:t>
-            </a:r>
-            <a:r>
-              <a:rPr lang="it-IT" sz="1100" b="1" dirty="0">
-                <a:solidFill>
-                  <a:srgbClr val="FF0000"/>
-                </a:solidFill>
-                <a:latin typeface="Courier New" panose="02070309020205020404" pitchFamily="49" charset="0"/>
-                <a:cs typeface="Courier New" panose="02070309020205020404" pitchFamily="49" charset="0"/>
-              </a:rPr>
-              <a:t>, double </a:t>
-            </a:r>
-            <a:r>
-              <a:rPr lang="it-IT" sz="1100" b="1" dirty="0" err="1">
-                <a:solidFill>
-                  <a:srgbClr val="FF0000"/>
-                </a:solidFill>
-                <a:latin typeface="Courier New" panose="02070309020205020404" pitchFamily="49" charset="0"/>
-                <a:cs typeface="Courier New" panose="02070309020205020404" pitchFamily="49" charset="0"/>
-              </a:rPr>
-              <a:t>c_b</a:t>
-            </a:r>
-            <a:r>
-              <a:rPr lang="it-IT" sz="1100" b="1" dirty="0">
-                <a:solidFill>
-                  <a:srgbClr val="FF0000"/>
-                </a:solidFill>
-                <a:latin typeface="Courier New" panose="02070309020205020404" pitchFamily="49" charset="0"/>
-                <a:cs typeface="Courier New" panose="02070309020205020404" pitchFamily="49" charset="0"/>
-              </a:rPr>
-              <a:t>, double </a:t>
-            </a:r>
-            <a:r>
-              <a:rPr lang="it-IT" sz="1100" b="1" dirty="0" err="1">
-                <a:solidFill>
-                  <a:srgbClr val="FF0000"/>
-                </a:solidFill>
-                <a:latin typeface="Courier New" panose="02070309020205020404" pitchFamily="49" charset="0"/>
-                <a:cs typeface="Courier New" panose="02070309020205020404" pitchFamily="49" charset="0"/>
-              </a:rPr>
-              <a:t>c_c</a:t>
-            </a:r>
-            <a:r>
-              <a:rPr lang="it-IT" sz="1100" b="1" dirty="0">
-                <a:solidFill>
-                  <a:srgbClr val="FF0000"/>
-                </a:solidFill>
-                <a:latin typeface="Courier New" panose="02070309020205020404" pitchFamily="49" charset="0"/>
-                <a:cs typeface="Courier New" panose="02070309020205020404" pitchFamily="49" charset="0"/>
-              </a:rPr>
-              <a:t>)</a:t>
-            </a:r>
-            <a:r>
-              <a:rPr lang="it-IT" sz="1100" b="1" dirty="0">
-                <a:latin typeface="Courier New" panose="02070309020205020404" pitchFamily="49" charset="0"/>
-                <a:cs typeface="Courier New" panose="02070309020205020404" pitchFamily="49" charset="0"/>
-              </a:rPr>
-              <a:t>{</a:t>
-            </a:r>
-          </a:p>
-          <a:p>
-            <a:pPr marL="0" indent="0">
-              <a:buNone/>
-            </a:pPr>
-            <a:r>
-              <a:rPr lang="it-IT" sz="1100" b="1" dirty="0">
-                <a:latin typeface="Courier New" panose="02070309020205020404" pitchFamily="49" charset="0"/>
-                <a:cs typeface="Courier New" panose="02070309020205020404" pitchFamily="49" charset="0"/>
-              </a:rPr>
-              <a:t>       a=</a:t>
-            </a:r>
-            <a:r>
-              <a:rPr lang="it-IT" sz="1100" b="1" dirty="0" err="1">
-                <a:latin typeface="Courier New" panose="02070309020205020404" pitchFamily="49" charset="0"/>
-                <a:cs typeface="Courier New" panose="02070309020205020404" pitchFamily="49" charset="0"/>
-              </a:rPr>
-              <a:t>c_a</a:t>
-            </a:r>
-            <a:r>
-              <a:rPr lang="it-IT" sz="1100" b="1" dirty="0">
-                <a:latin typeface="Courier New" panose="02070309020205020404" pitchFamily="49" charset="0"/>
-                <a:cs typeface="Courier New" panose="02070309020205020404" pitchFamily="49" charset="0"/>
-              </a:rPr>
-              <a:t>; b=</a:t>
-            </a:r>
-            <a:r>
-              <a:rPr lang="it-IT" sz="1100" b="1" dirty="0" err="1">
-                <a:latin typeface="Courier New" panose="02070309020205020404" pitchFamily="49" charset="0"/>
-                <a:cs typeface="Courier New" panose="02070309020205020404" pitchFamily="49" charset="0"/>
-              </a:rPr>
-              <a:t>c_b</a:t>
-            </a:r>
-            <a:r>
-              <a:rPr lang="it-IT" sz="1100" b="1" dirty="0">
-                <a:latin typeface="Courier New" panose="02070309020205020404" pitchFamily="49" charset="0"/>
-                <a:cs typeface="Courier New" panose="02070309020205020404" pitchFamily="49" charset="0"/>
-              </a:rPr>
-              <a:t>; c=</a:t>
-            </a:r>
-            <a:r>
-              <a:rPr lang="it-IT" sz="1100" b="1" dirty="0" err="1">
-                <a:latin typeface="Courier New" panose="02070309020205020404" pitchFamily="49" charset="0"/>
-                <a:cs typeface="Courier New" panose="02070309020205020404" pitchFamily="49" charset="0"/>
-              </a:rPr>
-              <a:t>c_c</a:t>
-            </a:r>
-            <a:r>
-              <a:rPr lang="it-IT" sz="1100" b="1" dirty="0">
-                <a:latin typeface="Courier New" panose="02070309020205020404" pitchFamily="49" charset="0"/>
-                <a:cs typeface="Courier New" panose="02070309020205020404" pitchFamily="49" charset="0"/>
-              </a:rPr>
-              <a:t>;   </a:t>
-            </a:r>
-          </a:p>
-          <a:p>
-            <a:pPr marL="0" indent="0">
-              <a:buNone/>
-            </a:pPr>
-            <a:r>
-              <a:rPr lang="it-IT" sz="1100" b="1" dirty="0">
-                <a:latin typeface="Courier New" panose="02070309020205020404" pitchFamily="49" charset="0"/>
-                <a:cs typeface="Courier New" panose="02070309020205020404" pitchFamily="49" charset="0"/>
-              </a:rPr>
-              <a:t>     }    </a:t>
-            </a:r>
-          </a:p>
-          <a:p>
-            <a:pPr marL="0" indent="0">
-              <a:buNone/>
-            </a:pPr>
-            <a:r>
-              <a:rPr lang="it-IT" sz="1100" b="1" dirty="0">
-                <a:latin typeface="Courier New" panose="02070309020205020404" pitchFamily="49" charset="0"/>
-                <a:cs typeface="Courier New" panose="02070309020205020404" pitchFamily="49" charset="0"/>
-              </a:rPr>
-              <a:t>   </a:t>
-            </a:r>
-            <a:r>
-              <a:rPr lang="it-IT" sz="1100" b="1" dirty="0">
-                <a:solidFill>
-                  <a:srgbClr val="FF0000"/>
-                </a:solidFill>
-                <a:latin typeface="Courier New" panose="02070309020205020404" pitchFamily="49" charset="0"/>
-                <a:cs typeface="Courier New" panose="02070309020205020404" pitchFamily="49" charset="0"/>
-              </a:rPr>
-              <a:t>double</a:t>
-            </a:r>
-            <a:r>
-              <a:rPr lang="it-IT" sz="1100" b="1" dirty="0">
-                <a:latin typeface="Courier New" panose="02070309020205020404" pitchFamily="49" charset="0"/>
-                <a:cs typeface="Courier New" panose="02070309020205020404" pitchFamily="49" charset="0"/>
-              </a:rPr>
-              <a:t> </a:t>
-            </a:r>
-            <a:r>
-              <a:rPr lang="it-IT" sz="1100" b="1" dirty="0" err="1">
-                <a:solidFill>
-                  <a:srgbClr val="FF0000"/>
-                </a:solidFill>
-                <a:latin typeface="Courier New" panose="02070309020205020404" pitchFamily="49" charset="0"/>
-                <a:cs typeface="Courier New" panose="02070309020205020404" pitchFamily="49" charset="0"/>
-              </a:rPr>
-              <a:t>getA</a:t>
-            </a:r>
-            <a:r>
-              <a:rPr lang="it-IT" sz="1100" b="1" dirty="0">
-                <a:solidFill>
-                  <a:srgbClr val="FF0000"/>
-                </a:solidFill>
-                <a:latin typeface="Courier New" panose="02070309020205020404" pitchFamily="49" charset="0"/>
-                <a:cs typeface="Courier New" panose="02070309020205020404" pitchFamily="49" charset="0"/>
-              </a:rPr>
-              <a:t>()</a:t>
-            </a:r>
-            <a:r>
-              <a:rPr lang="it-IT" sz="1100" b="1" dirty="0">
-                <a:latin typeface="Courier New" panose="02070309020205020404" pitchFamily="49" charset="0"/>
-                <a:cs typeface="Courier New" panose="02070309020205020404" pitchFamily="49" charset="0"/>
-              </a:rPr>
-              <a:t> { </a:t>
-            </a:r>
-            <a:r>
-              <a:rPr lang="it-IT" sz="1100" b="1" dirty="0" err="1">
-                <a:latin typeface="Courier New" panose="02070309020205020404" pitchFamily="49" charset="0"/>
-                <a:cs typeface="Courier New" panose="02070309020205020404" pitchFamily="49" charset="0"/>
-              </a:rPr>
-              <a:t>return</a:t>
-            </a:r>
-            <a:r>
-              <a:rPr lang="it-IT" sz="1100" b="1" dirty="0">
-                <a:latin typeface="Courier New" panose="02070309020205020404" pitchFamily="49" charset="0"/>
-                <a:cs typeface="Courier New" panose="02070309020205020404" pitchFamily="49" charset="0"/>
-              </a:rPr>
-              <a:t> a; }</a:t>
-            </a:r>
-          </a:p>
-          <a:p>
-            <a:pPr marL="0" indent="0">
-              <a:buNone/>
-            </a:pPr>
-            <a:r>
-              <a:rPr lang="it-IT" sz="1100" b="1" dirty="0">
-                <a:latin typeface="Courier New" panose="02070309020205020404" pitchFamily="49" charset="0"/>
-                <a:cs typeface="Courier New" panose="02070309020205020404" pitchFamily="49" charset="0"/>
-              </a:rPr>
-              <a:t>   </a:t>
-            </a:r>
-            <a:r>
-              <a:rPr lang="it-IT" sz="1100" b="1" dirty="0" err="1">
-                <a:solidFill>
-                  <a:srgbClr val="FF0000"/>
-                </a:solidFill>
-                <a:latin typeface="Courier New" panose="02070309020205020404" pitchFamily="49" charset="0"/>
-                <a:cs typeface="Courier New" panose="02070309020205020404" pitchFamily="49" charset="0"/>
-              </a:rPr>
-              <a:t>void</a:t>
-            </a:r>
-            <a:r>
-              <a:rPr lang="it-IT" sz="1100" b="1" dirty="0">
-                <a:latin typeface="Courier New" panose="02070309020205020404" pitchFamily="49" charset="0"/>
-                <a:cs typeface="Courier New" panose="02070309020205020404" pitchFamily="49" charset="0"/>
-              </a:rPr>
-              <a:t> </a:t>
-            </a:r>
-            <a:r>
-              <a:rPr lang="it-IT" sz="1100" b="1" dirty="0" err="1">
-                <a:solidFill>
-                  <a:srgbClr val="FF0000"/>
-                </a:solidFill>
-                <a:latin typeface="Courier New" panose="02070309020205020404" pitchFamily="49" charset="0"/>
-                <a:cs typeface="Courier New" panose="02070309020205020404" pitchFamily="49" charset="0"/>
-              </a:rPr>
-              <a:t>setA</a:t>
-            </a:r>
-            <a:r>
-              <a:rPr lang="it-IT" sz="1100" b="1" dirty="0">
-                <a:solidFill>
-                  <a:srgbClr val="FF0000"/>
-                </a:solidFill>
-                <a:latin typeface="Courier New" panose="02070309020205020404" pitchFamily="49" charset="0"/>
-                <a:cs typeface="Courier New" panose="02070309020205020404" pitchFamily="49" charset="0"/>
-              </a:rPr>
-              <a:t>(double v) </a:t>
-            </a:r>
-            <a:r>
-              <a:rPr lang="it-IT" sz="1100" b="1" dirty="0">
-                <a:latin typeface="Courier New" panose="02070309020205020404" pitchFamily="49" charset="0"/>
-                <a:cs typeface="Courier New" panose="02070309020205020404" pitchFamily="49" charset="0"/>
-              </a:rPr>
-              <a:t>{ a=v; }</a:t>
-            </a:r>
-          </a:p>
-          <a:p>
-            <a:pPr marL="0" indent="0">
-              <a:buNone/>
-            </a:pPr>
-            <a:r>
-              <a:rPr lang="it-IT" sz="1100" b="1" dirty="0">
-                <a:latin typeface="Courier New" panose="02070309020205020404" pitchFamily="49" charset="0"/>
-                <a:cs typeface="Courier New" panose="02070309020205020404" pitchFamily="49" charset="0"/>
-              </a:rPr>
-              <a:t>   …	</a:t>
-            </a:r>
-          </a:p>
-          <a:p>
-            <a:pPr marL="0" indent="0">
-              <a:buNone/>
-            </a:pPr>
-            <a:r>
-              <a:rPr lang="it-IT" sz="1100" b="1" dirty="0">
-                <a:latin typeface="Courier New" panose="02070309020205020404" pitchFamily="49" charset="0"/>
-                <a:cs typeface="Courier New" panose="02070309020205020404" pitchFamily="49" charset="0"/>
-              </a:rPr>
-              <a:t>   //  numero di soluzioni reali</a:t>
-            </a:r>
-          </a:p>
-          <a:p>
-            <a:pPr marL="0" indent="0">
-              <a:buNone/>
-            </a:pPr>
-            <a:r>
-              <a:rPr lang="it-IT" sz="1100" b="1" dirty="0">
-                <a:latin typeface="Courier New" panose="02070309020205020404" pitchFamily="49" charset="0"/>
-                <a:cs typeface="Courier New" panose="02070309020205020404" pitchFamily="49" charset="0"/>
-              </a:rPr>
-              <a:t>   </a:t>
-            </a:r>
-            <a:r>
-              <a:rPr lang="it-IT" sz="1100" b="1" dirty="0" err="1">
-                <a:solidFill>
-                  <a:srgbClr val="FF0000"/>
-                </a:solidFill>
-                <a:latin typeface="Courier New" panose="02070309020205020404" pitchFamily="49" charset="0"/>
-                <a:cs typeface="Courier New" panose="02070309020205020404" pitchFamily="49" charset="0"/>
-              </a:rPr>
-              <a:t>int</a:t>
-            </a:r>
-            <a:r>
-              <a:rPr lang="it-IT" sz="1100" b="1" dirty="0">
-                <a:solidFill>
-                  <a:srgbClr val="FF0000"/>
-                </a:solidFill>
-                <a:latin typeface="Courier New" panose="02070309020205020404" pitchFamily="49" charset="0"/>
-                <a:cs typeface="Courier New" panose="02070309020205020404" pitchFamily="49" charset="0"/>
-              </a:rPr>
-              <a:t> </a:t>
-            </a:r>
-            <a:r>
-              <a:rPr lang="it-IT" sz="1100" b="1" dirty="0" err="1">
-                <a:solidFill>
-                  <a:srgbClr val="FF0000"/>
-                </a:solidFill>
-                <a:latin typeface="Courier New" panose="02070309020205020404" pitchFamily="49" charset="0"/>
-                <a:cs typeface="Courier New" panose="02070309020205020404" pitchFamily="49" charset="0"/>
-              </a:rPr>
-              <a:t>numSolReali</a:t>
-            </a:r>
-            <a:r>
-              <a:rPr lang="it-IT" sz="1100" b="1" dirty="0">
-                <a:solidFill>
-                  <a:srgbClr val="FF0000"/>
-                </a:solidFill>
-                <a:latin typeface="Courier New" panose="02070309020205020404" pitchFamily="49" charset="0"/>
-                <a:cs typeface="Courier New" panose="02070309020205020404" pitchFamily="49" charset="0"/>
-              </a:rPr>
-              <a:t>()</a:t>
-            </a:r>
-            <a:r>
-              <a:rPr lang="it-IT" sz="1100" b="1" dirty="0">
-                <a:latin typeface="Courier New" panose="02070309020205020404" pitchFamily="49" charset="0"/>
-                <a:cs typeface="Courier New" panose="02070309020205020404" pitchFamily="49" charset="0"/>
-              </a:rPr>
-              <a:t>	{</a:t>
-            </a:r>
-          </a:p>
-          <a:p>
-            <a:pPr marL="0" indent="0">
-              <a:buNone/>
-            </a:pPr>
-            <a:r>
-              <a:rPr lang="it-IT" sz="1100" b="1" dirty="0">
-                <a:latin typeface="Courier New" panose="02070309020205020404" pitchFamily="49" charset="0"/>
-                <a:cs typeface="Courier New" panose="02070309020205020404" pitchFamily="49" charset="0"/>
-              </a:rPr>
-              <a:t>     </a:t>
-            </a:r>
-            <a:r>
-              <a:rPr lang="it-IT" sz="1100" b="1" dirty="0" err="1">
-                <a:latin typeface="Courier New" panose="02070309020205020404" pitchFamily="49" charset="0"/>
-                <a:cs typeface="Courier New" panose="02070309020205020404" pitchFamily="49" charset="0"/>
-              </a:rPr>
-              <a:t>if</a:t>
-            </a:r>
-            <a:r>
-              <a:rPr lang="it-IT" sz="1100" b="1" dirty="0">
-                <a:latin typeface="Courier New" panose="02070309020205020404" pitchFamily="49" charset="0"/>
-                <a:cs typeface="Courier New" panose="02070309020205020404" pitchFamily="49" charset="0"/>
-              </a:rPr>
-              <a:t> (a==0 &amp;&amp; b!=0) </a:t>
-            </a:r>
-            <a:r>
-              <a:rPr lang="it-IT" sz="1100" b="1" dirty="0" err="1">
-                <a:latin typeface="Courier New" panose="02070309020205020404" pitchFamily="49" charset="0"/>
-                <a:cs typeface="Courier New" panose="02070309020205020404" pitchFamily="49" charset="0"/>
-              </a:rPr>
-              <a:t>return</a:t>
-            </a:r>
-            <a:r>
-              <a:rPr lang="it-IT" sz="1100" b="1" dirty="0">
-                <a:latin typeface="Courier New" panose="02070309020205020404" pitchFamily="49" charset="0"/>
-                <a:cs typeface="Courier New" panose="02070309020205020404" pitchFamily="49" charset="0"/>
-              </a:rPr>
-              <a:t> 1;</a:t>
-            </a:r>
-          </a:p>
-          <a:p>
-            <a:pPr marL="0" indent="0">
-              <a:buNone/>
-            </a:pPr>
-            <a:r>
-              <a:rPr lang="it-IT" sz="1100" b="1" dirty="0">
-                <a:latin typeface="Courier New" panose="02070309020205020404" pitchFamily="49" charset="0"/>
-                <a:cs typeface="Courier New" panose="02070309020205020404" pitchFamily="49" charset="0"/>
-              </a:rPr>
-              <a:t>     </a:t>
-            </a:r>
-            <a:r>
-              <a:rPr lang="it-IT" sz="1100" b="1" dirty="0" err="1">
-                <a:latin typeface="Courier New" panose="02070309020205020404" pitchFamily="49" charset="0"/>
-                <a:cs typeface="Courier New" panose="02070309020205020404" pitchFamily="49" charset="0"/>
-              </a:rPr>
-              <a:t>if</a:t>
-            </a:r>
-            <a:r>
-              <a:rPr lang="it-IT" sz="1100" b="1" dirty="0">
-                <a:latin typeface="Courier New" panose="02070309020205020404" pitchFamily="49" charset="0"/>
-                <a:cs typeface="Courier New" panose="02070309020205020404" pitchFamily="49" charset="0"/>
-              </a:rPr>
-              <a:t> (a==0 &amp;&amp; b==0) </a:t>
-            </a:r>
-            <a:r>
-              <a:rPr lang="it-IT" sz="1100" b="1" dirty="0" err="1">
-                <a:latin typeface="Courier New" panose="02070309020205020404" pitchFamily="49" charset="0"/>
-                <a:cs typeface="Courier New" panose="02070309020205020404" pitchFamily="49" charset="0"/>
-              </a:rPr>
-              <a:t>return</a:t>
-            </a:r>
-            <a:r>
-              <a:rPr lang="it-IT" sz="1100" b="1" dirty="0">
-                <a:latin typeface="Courier New" panose="02070309020205020404" pitchFamily="49" charset="0"/>
-                <a:cs typeface="Courier New" panose="02070309020205020404" pitchFamily="49" charset="0"/>
-              </a:rPr>
-              <a:t> 0;</a:t>
-            </a:r>
-          </a:p>
-          <a:p>
-            <a:pPr marL="0" indent="0">
-              <a:buNone/>
-            </a:pPr>
-            <a:r>
-              <a:rPr lang="it-IT" sz="1100" b="1" dirty="0">
-                <a:latin typeface="Courier New" panose="02070309020205020404" pitchFamily="49" charset="0"/>
-                <a:cs typeface="Courier New" panose="02070309020205020404" pitchFamily="49" charset="0"/>
-              </a:rPr>
-              <a:t>     </a:t>
-            </a:r>
-            <a:r>
-              <a:rPr lang="it-IT" sz="1100" b="1" dirty="0" err="1">
-                <a:latin typeface="Courier New" panose="02070309020205020404" pitchFamily="49" charset="0"/>
-                <a:cs typeface="Courier New" panose="02070309020205020404" pitchFamily="49" charset="0"/>
-              </a:rPr>
-              <a:t>if</a:t>
-            </a:r>
-            <a:r>
-              <a:rPr lang="it-IT" sz="1100" b="1" dirty="0">
-                <a:latin typeface="Courier New" panose="02070309020205020404" pitchFamily="49" charset="0"/>
-                <a:cs typeface="Courier New" panose="02070309020205020404" pitchFamily="49" charset="0"/>
-              </a:rPr>
-              <a:t> (delta()&lt;0)    </a:t>
-            </a:r>
-            <a:r>
-              <a:rPr lang="it-IT" sz="1100" b="1" dirty="0" err="1">
-                <a:latin typeface="Courier New" panose="02070309020205020404" pitchFamily="49" charset="0"/>
-                <a:cs typeface="Courier New" panose="02070309020205020404" pitchFamily="49" charset="0"/>
-              </a:rPr>
-              <a:t>return</a:t>
-            </a:r>
-            <a:r>
-              <a:rPr lang="it-IT" sz="1100" b="1" dirty="0">
-                <a:latin typeface="Courier New" panose="02070309020205020404" pitchFamily="49" charset="0"/>
-                <a:cs typeface="Courier New" panose="02070309020205020404" pitchFamily="49" charset="0"/>
-              </a:rPr>
-              <a:t> 0;</a:t>
-            </a:r>
-          </a:p>
-          <a:p>
-            <a:pPr marL="0" indent="0">
-              <a:buNone/>
-            </a:pPr>
-            <a:r>
-              <a:rPr lang="it-IT" sz="1100" b="1" dirty="0">
-                <a:latin typeface="Courier New" panose="02070309020205020404" pitchFamily="49" charset="0"/>
-                <a:cs typeface="Courier New" panose="02070309020205020404" pitchFamily="49" charset="0"/>
-              </a:rPr>
-              <a:t>     </a:t>
-            </a:r>
-            <a:r>
-              <a:rPr lang="it-IT" sz="1100" b="1" dirty="0" err="1">
-                <a:latin typeface="Courier New" panose="02070309020205020404" pitchFamily="49" charset="0"/>
-                <a:cs typeface="Courier New" panose="02070309020205020404" pitchFamily="49" charset="0"/>
-              </a:rPr>
-              <a:t>if</a:t>
-            </a:r>
-            <a:r>
-              <a:rPr lang="it-IT" sz="1100" b="1" dirty="0">
-                <a:latin typeface="Courier New" panose="02070309020205020404" pitchFamily="49" charset="0"/>
-                <a:cs typeface="Courier New" panose="02070309020205020404" pitchFamily="49" charset="0"/>
-              </a:rPr>
-              <a:t> (delta()==0)   </a:t>
-            </a:r>
-            <a:r>
-              <a:rPr lang="it-IT" sz="1100" b="1" dirty="0" err="1">
-                <a:latin typeface="Courier New" panose="02070309020205020404" pitchFamily="49" charset="0"/>
-                <a:cs typeface="Courier New" panose="02070309020205020404" pitchFamily="49" charset="0"/>
-              </a:rPr>
-              <a:t>return</a:t>
-            </a:r>
-            <a:r>
-              <a:rPr lang="it-IT" sz="1100" b="1" dirty="0">
-                <a:latin typeface="Courier New" panose="02070309020205020404" pitchFamily="49" charset="0"/>
-                <a:cs typeface="Courier New" panose="02070309020205020404" pitchFamily="49" charset="0"/>
-              </a:rPr>
-              <a:t> 1;</a:t>
-            </a:r>
-          </a:p>
-          <a:p>
-            <a:pPr marL="0" indent="0">
-              <a:buNone/>
-            </a:pPr>
-            <a:r>
-              <a:rPr lang="it-IT" sz="1100" b="1" dirty="0">
-                <a:latin typeface="Courier New" panose="02070309020205020404" pitchFamily="49" charset="0"/>
-                <a:cs typeface="Courier New" panose="02070309020205020404" pitchFamily="49" charset="0"/>
-              </a:rPr>
-              <a:t>     </a:t>
-            </a:r>
-            <a:r>
-              <a:rPr lang="it-IT" sz="1100" b="1" dirty="0" err="1">
-                <a:latin typeface="Courier New" panose="02070309020205020404" pitchFamily="49" charset="0"/>
-                <a:cs typeface="Courier New" panose="02070309020205020404" pitchFamily="49" charset="0"/>
-              </a:rPr>
-              <a:t>return</a:t>
-            </a:r>
-            <a:r>
-              <a:rPr lang="it-IT" sz="1100" b="1" dirty="0">
-                <a:latin typeface="Courier New" panose="02070309020205020404" pitchFamily="49" charset="0"/>
-                <a:cs typeface="Courier New" panose="02070309020205020404" pitchFamily="49" charset="0"/>
-              </a:rPr>
-              <a:t> 2;</a:t>
-            </a:r>
-          </a:p>
-          <a:p>
-            <a:pPr marL="0" indent="0">
-              <a:buNone/>
-            </a:pPr>
-            <a:r>
-              <a:rPr lang="it-IT" sz="1100" b="1" dirty="0">
-                <a:latin typeface="Courier New" panose="02070309020205020404" pitchFamily="49" charset="0"/>
-                <a:cs typeface="Courier New" panose="02070309020205020404" pitchFamily="49" charset="0"/>
-              </a:rPr>
-              <a:t>   }</a:t>
-            </a:r>
-          </a:p>
-        </p:txBody>
-      </p:sp>
-      <p:sp>
-        <p:nvSpPr>
-          <p:cNvPr id="4" name="Segnaposto contenuto 3">
-            <a:extLst>
-              <a:ext uri="{FF2B5EF4-FFF2-40B4-BE49-F238E27FC236}">
-                <a16:creationId xmlns:a16="http://schemas.microsoft.com/office/drawing/2014/main" id="{ADC48B68-E622-40DF-970B-CFF43A218E68}"/>
-              </a:ext>
-            </a:extLst>
-          </p:cNvPr>
-          <p:cNvSpPr>
-            <a:spLocks noGrp="1"/>
-          </p:cNvSpPr>
-          <p:nvPr>
-            <p:ph sz="half" idx="2"/>
-          </p:nvPr>
-        </p:nvSpPr>
-        <p:spPr/>
-        <p:txBody>
-          <a:bodyPr/>
-          <a:lstStyle/>
-          <a:p>
-            <a:pPr marL="0" indent="0">
-              <a:buNone/>
-            </a:pPr>
-            <a:r>
-              <a:rPr lang="it-IT" sz="1100" b="1" dirty="0">
-                <a:solidFill>
-                  <a:srgbClr val="FF0000"/>
-                </a:solidFill>
-                <a:latin typeface="Courier New" panose="02070309020205020404" pitchFamily="49" charset="0"/>
-                <a:cs typeface="Courier New" panose="02070309020205020404" pitchFamily="49" charset="0"/>
-              </a:rPr>
-              <a:t>double soluzione1() </a:t>
-            </a:r>
-            <a:r>
-              <a:rPr lang="it-IT" sz="1100" b="1" dirty="0">
-                <a:latin typeface="Courier New" panose="02070309020205020404" pitchFamily="49" charset="0"/>
-                <a:cs typeface="Courier New" panose="02070309020205020404" pitchFamily="49" charset="0"/>
-              </a:rPr>
-              <a:t>{</a:t>
-            </a:r>
-          </a:p>
-          <a:p>
-            <a:pPr marL="0" indent="0">
-              <a:buNone/>
-            </a:pPr>
-            <a:r>
-              <a:rPr lang="it-IT" sz="1100" b="1" dirty="0">
-                <a:latin typeface="Courier New" panose="02070309020205020404" pitchFamily="49" charset="0"/>
-                <a:cs typeface="Courier New" panose="02070309020205020404" pitchFamily="49" charset="0"/>
-              </a:rPr>
-              <a:t>   </a:t>
-            </a:r>
-            <a:r>
-              <a:rPr lang="it-IT" sz="1100" b="1" dirty="0" err="1">
-                <a:latin typeface="Courier New" panose="02070309020205020404" pitchFamily="49" charset="0"/>
-                <a:cs typeface="Courier New" panose="02070309020205020404" pitchFamily="49" charset="0"/>
-              </a:rPr>
-              <a:t>if</a:t>
-            </a:r>
-            <a:r>
-              <a:rPr lang="it-IT" sz="1100" b="1" dirty="0">
-                <a:latin typeface="Courier New" panose="02070309020205020404" pitchFamily="49" charset="0"/>
-                <a:cs typeface="Courier New" panose="02070309020205020404" pitchFamily="49" charset="0"/>
-              </a:rPr>
-              <a:t> (a==0 &amp;&amp; b!=0) </a:t>
-            </a:r>
-            <a:r>
-              <a:rPr lang="it-IT" sz="1100" b="1" dirty="0" err="1">
-                <a:latin typeface="Courier New" panose="02070309020205020404" pitchFamily="49" charset="0"/>
-                <a:cs typeface="Courier New" panose="02070309020205020404" pitchFamily="49" charset="0"/>
-              </a:rPr>
-              <a:t>return</a:t>
-            </a:r>
-            <a:r>
-              <a:rPr lang="it-IT" sz="1100" b="1" dirty="0">
-                <a:latin typeface="Courier New" panose="02070309020205020404" pitchFamily="49" charset="0"/>
-                <a:cs typeface="Courier New" panose="02070309020205020404" pitchFamily="49" charset="0"/>
-              </a:rPr>
-              <a:t> (-c/b);</a:t>
-            </a:r>
-          </a:p>
-          <a:p>
-            <a:pPr marL="0" indent="0">
-              <a:buNone/>
-            </a:pPr>
-            <a:r>
-              <a:rPr lang="it-IT" sz="1100" b="1" dirty="0">
-                <a:latin typeface="Courier New" panose="02070309020205020404" pitchFamily="49" charset="0"/>
-                <a:cs typeface="Courier New" panose="02070309020205020404" pitchFamily="49" charset="0"/>
-              </a:rPr>
-              <a:t>   </a:t>
-            </a:r>
-            <a:r>
-              <a:rPr lang="it-IT" sz="1100" b="1" dirty="0" err="1">
-                <a:latin typeface="Courier New" panose="02070309020205020404" pitchFamily="49" charset="0"/>
-                <a:cs typeface="Courier New" panose="02070309020205020404" pitchFamily="49" charset="0"/>
-              </a:rPr>
-              <a:t>if</a:t>
-            </a:r>
-            <a:r>
-              <a:rPr lang="it-IT" sz="1100" b="1" dirty="0">
-                <a:latin typeface="Courier New" panose="02070309020205020404" pitchFamily="49" charset="0"/>
-                <a:cs typeface="Courier New" panose="02070309020205020404" pitchFamily="49" charset="0"/>
-              </a:rPr>
-              <a:t> (delta()&gt;=0)	</a:t>
-            </a:r>
-            <a:r>
-              <a:rPr lang="it-IT" sz="1100" b="1" dirty="0" err="1">
-                <a:latin typeface="Courier New" panose="02070309020205020404" pitchFamily="49" charset="0"/>
-                <a:cs typeface="Courier New" panose="02070309020205020404" pitchFamily="49" charset="0"/>
-              </a:rPr>
-              <a:t>return</a:t>
-            </a:r>
-            <a:r>
-              <a:rPr lang="it-IT" sz="1100" b="1" dirty="0">
-                <a:latin typeface="Courier New" panose="02070309020205020404" pitchFamily="49" charset="0"/>
-                <a:cs typeface="Courier New" panose="02070309020205020404" pitchFamily="49" charset="0"/>
-              </a:rPr>
-              <a:t> ((-b-</a:t>
-            </a:r>
-            <a:r>
-              <a:rPr lang="it-IT" sz="1100" b="1" dirty="0" err="1">
-                <a:latin typeface="Courier New" panose="02070309020205020404" pitchFamily="49" charset="0"/>
-                <a:cs typeface="Courier New" panose="02070309020205020404" pitchFamily="49" charset="0"/>
-              </a:rPr>
-              <a:t>sqrt</a:t>
-            </a:r>
-            <a:r>
-              <a:rPr lang="it-IT" sz="1100" b="1" dirty="0">
-                <a:latin typeface="Courier New" panose="02070309020205020404" pitchFamily="49" charset="0"/>
-                <a:cs typeface="Courier New" panose="02070309020205020404" pitchFamily="49" charset="0"/>
-              </a:rPr>
-              <a:t>(delta()))/a);</a:t>
-            </a:r>
-          </a:p>
-          <a:p>
-            <a:pPr marL="0" indent="0">
-              <a:buNone/>
-            </a:pPr>
-            <a:r>
-              <a:rPr lang="it-IT" sz="1100" b="1" dirty="0">
-                <a:latin typeface="Courier New" panose="02070309020205020404" pitchFamily="49" charset="0"/>
-                <a:cs typeface="Courier New" panose="02070309020205020404" pitchFamily="49" charset="0"/>
-              </a:rPr>
-              <a:t>   </a:t>
-            </a:r>
-            <a:r>
-              <a:rPr lang="it-IT" sz="1100" b="1" dirty="0" err="1">
-                <a:latin typeface="Courier New" panose="02070309020205020404" pitchFamily="49" charset="0"/>
-                <a:cs typeface="Courier New" panose="02070309020205020404" pitchFamily="49" charset="0"/>
-              </a:rPr>
-              <a:t>return</a:t>
-            </a:r>
-            <a:r>
-              <a:rPr lang="it-IT" sz="1100" b="1" dirty="0">
-                <a:latin typeface="Courier New" panose="02070309020205020404" pitchFamily="49" charset="0"/>
-                <a:cs typeface="Courier New" panose="02070309020205020404" pitchFamily="49" charset="0"/>
-              </a:rPr>
-              <a:t> </a:t>
-            </a:r>
-            <a:r>
-              <a:rPr lang="it-IT" sz="1100" b="1" dirty="0" err="1">
-                <a:latin typeface="Courier New" panose="02070309020205020404" pitchFamily="49" charset="0"/>
-                <a:cs typeface="Courier New" panose="02070309020205020404" pitchFamily="49" charset="0"/>
-              </a:rPr>
-              <a:t>std</a:t>
-            </a:r>
-            <a:r>
-              <a:rPr lang="it-IT" sz="1100" b="1" dirty="0">
-                <a:latin typeface="Courier New" panose="02070309020205020404" pitchFamily="49" charset="0"/>
-                <a:cs typeface="Courier New" panose="02070309020205020404" pitchFamily="49" charset="0"/>
-              </a:rPr>
-              <a:t>::</a:t>
-            </a:r>
-            <a:r>
-              <a:rPr lang="it-IT" sz="1100" b="1" dirty="0" err="1">
-                <a:latin typeface="Courier New" panose="02070309020205020404" pitchFamily="49" charset="0"/>
-                <a:cs typeface="Courier New" panose="02070309020205020404" pitchFamily="49" charset="0"/>
-              </a:rPr>
-              <a:t>numeric_limits</a:t>
-            </a:r>
-            <a:r>
-              <a:rPr lang="it-IT" sz="1100" b="1" dirty="0">
-                <a:latin typeface="Courier New" panose="02070309020205020404" pitchFamily="49" charset="0"/>
-                <a:cs typeface="Courier New" panose="02070309020205020404" pitchFamily="49" charset="0"/>
-              </a:rPr>
-              <a:t>&lt;double&gt;::</a:t>
-            </a:r>
-            <a:r>
-              <a:rPr lang="it-IT" sz="1100" b="1" dirty="0" err="1">
-                <a:latin typeface="Courier New" panose="02070309020205020404" pitchFamily="49" charset="0"/>
-                <a:cs typeface="Courier New" panose="02070309020205020404" pitchFamily="49" charset="0"/>
-              </a:rPr>
-              <a:t>min</a:t>
-            </a:r>
-            <a:r>
-              <a:rPr lang="it-IT" sz="1100" b="1" dirty="0">
-                <a:latin typeface="Courier New" panose="02070309020205020404" pitchFamily="49" charset="0"/>
-                <a:cs typeface="Courier New" panose="02070309020205020404" pitchFamily="49" charset="0"/>
-              </a:rPr>
-              <a:t>();</a:t>
-            </a:r>
-          </a:p>
-          <a:p>
-            <a:pPr marL="0" indent="0">
-              <a:buNone/>
-            </a:pPr>
-            <a:r>
-              <a:rPr lang="it-IT" sz="1100" b="1" dirty="0">
-                <a:latin typeface="Courier New" panose="02070309020205020404" pitchFamily="49" charset="0"/>
-                <a:cs typeface="Courier New" panose="02070309020205020404" pitchFamily="49" charset="0"/>
-              </a:rPr>
-              <a:t>}</a:t>
-            </a:r>
-          </a:p>
-          <a:p>
-            <a:pPr marL="0" indent="0">
-              <a:buNone/>
-            </a:pPr>
-            <a:r>
-              <a:rPr lang="it-IT" sz="1100" b="1" dirty="0">
-                <a:solidFill>
-                  <a:srgbClr val="FF0000"/>
-                </a:solidFill>
-                <a:latin typeface="Courier New" panose="02070309020205020404" pitchFamily="49" charset="0"/>
-                <a:cs typeface="Courier New" panose="02070309020205020404" pitchFamily="49" charset="0"/>
-              </a:rPr>
-              <a:t>double soluzione2() </a:t>
-            </a:r>
-            <a:r>
-              <a:rPr lang="it-IT" sz="1100" b="1" dirty="0">
-                <a:latin typeface="Courier New" panose="02070309020205020404" pitchFamily="49" charset="0"/>
-                <a:cs typeface="Courier New" panose="02070309020205020404" pitchFamily="49" charset="0"/>
-              </a:rPr>
-              <a:t>{</a:t>
-            </a:r>
-          </a:p>
-          <a:p>
-            <a:pPr marL="0" indent="0">
-              <a:buNone/>
-            </a:pPr>
-            <a:r>
-              <a:rPr lang="it-IT" sz="1100" b="1" dirty="0">
-                <a:latin typeface="Courier New" panose="02070309020205020404" pitchFamily="49" charset="0"/>
-                <a:cs typeface="Courier New" panose="02070309020205020404" pitchFamily="49" charset="0"/>
-              </a:rPr>
-              <a:t>   …</a:t>
-            </a:r>
-          </a:p>
-          <a:p>
-            <a:pPr marL="0" indent="0">
-              <a:buNone/>
-            </a:pPr>
-            <a:r>
-              <a:rPr lang="it-IT" sz="1100" b="1" dirty="0">
-                <a:latin typeface="Courier New" panose="02070309020205020404" pitchFamily="49" charset="0"/>
-                <a:cs typeface="Courier New" panose="02070309020205020404" pitchFamily="49" charset="0"/>
-              </a:rPr>
-              <a:t>}	</a:t>
-            </a:r>
-          </a:p>
-          <a:p>
-            <a:pPr marL="0" indent="0">
-              <a:buNone/>
-            </a:pPr>
-            <a:r>
-              <a:rPr lang="it-IT" sz="1100" b="1" dirty="0" err="1">
-                <a:solidFill>
-                  <a:srgbClr val="FF0000"/>
-                </a:solidFill>
-                <a:latin typeface="Courier New" panose="02070309020205020404" pitchFamily="49" charset="0"/>
-                <a:cs typeface="Courier New" panose="02070309020205020404" pitchFamily="49" charset="0"/>
-              </a:rPr>
-              <a:t>string</a:t>
-            </a:r>
-            <a:r>
-              <a:rPr lang="it-IT" sz="1100" b="1" dirty="0">
-                <a:solidFill>
-                  <a:srgbClr val="FF0000"/>
-                </a:solidFill>
-                <a:latin typeface="Courier New" panose="02070309020205020404" pitchFamily="49" charset="0"/>
-                <a:cs typeface="Courier New" panose="02070309020205020404" pitchFamily="49" charset="0"/>
-              </a:rPr>
-              <a:t> </a:t>
-            </a:r>
-            <a:r>
-              <a:rPr lang="it-IT" sz="1100" b="1" dirty="0" err="1">
-                <a:solidFill>
-                  <a:srgbClr val="FF0000"/>
-                </a:solidFill>
-                <a:latin typeface="Courier New" panose="02070309020205020404" pitchFamily="49" charset="0"/>
-                <a:cs typeface="Courier New" panose="02070309020205020404" pitchFamily="49" charset="0"/>
-              </a:rPr>
-              <a:t>toString</a:t>
-            </a:r>
-            <a:r>
-              <a:rPr lang="it-IT" sz="1100" b="1" dirty="0">
-                <a:solidFill>
-                  <a:srgbClr val="FF0000"/>
-                </a:solidFill>
-                <a:latin typeface="Courier New" panose="02070309020205020404" pitchFamily="49" charset="0"/>
-                <a:cs typeface="Courier New" panose="02070309020205020404" pitchFamily="49" charset="0"/>
-              </a:rPr>
-              <a:t>() </a:t>
-            </a:r>
-            <a:r>
-              <a:rPr lang="it-IT" sz="1100" b="1" dirty="0">
-                <a:latin typeface="Courier New" panose="02070309020205020404" pitchFamily="49" charset="0"/>
-                <a:cs typeface="Courier New" panose="02070309020205020404" pitchFamily="49" charset="0"/>
-              </a:rPr>
-              <a:t>{</a:t>
-            </a:r>
-          </a:p>
-          <a:p>
-            <a:pPr marL="0" indent="0">
-              <a:buNone/>
-            </a:pPr>
-            <a:r>
-              <a:rPr lang="it-IT" sz="1100" b="1" dirty="0">
-                <a:latin typeface="Courier New" panose="02070309020205020404" pitchFamily="49" charset="0"/>
-                <a:cs typeface="Courier New" panose="02070309020205020404" pitchFamily="49" charset="0"/>
-              </a:rPr>
-              <a:t>   </a:t>
-            </a:r>
-            <a:r>
-              <a:rPr lang="it-IT" sz="1100" b="1" dirty="0" err="1">
-                <a:latin typeface="Courier New" panose="02070309020205020404" pitchFamily="49" charset="0"/>
-                <a:cs typeface="Courier New" panose="02070309020205020404" pitchFamily="49" charset="0"/>
-              </a:rPr>
-              <a:t>string</a:t>
-            </a:r>
-            <a:r>
-              <a:rPr lang="it-IT" sz="1100" b="1" dirty="0">
-                <a:latin typeface="Courier New" panose="02070309020205020404" pitchFamily="49" charset="0"/>
-                <a:cs typeface="Courier New" panose="02070309020205020404" pitchFamily="49" charset="0"/>
-              </a:rPr>
-              <a:t> s = "";</a:t>
-            </a:r>
-          </a:p>
-          <a:p>
-            <a:pPr marL="0" indent="0">
-              <a:buNone/>
-            </a:pPr>
-            <a:r>
-              <a:rPr lang="it-IT" sz="1100" b="1" dirty="0">
-                <a:latin typeface="Courier New" panose="02070309020205020404" pitchFamily="49" charset="0"/>
-                <a:cs typeface="Courier New" panose="02070309020205020404" pitchFamily="49" charset="0"/>
-              </a:rPr>
-              <a:t>   </a:t>
-            </a:r>
-            <a:r>
-              <a:rPr lang="it-IT" sz="1100" b="1" dirty="0" err="1">
-                <a:latin typeface="Courier New" panose="02070309020205020404" pitchFamily="49" charset="0"/>
-                <a:cs typeface="Courier New" panose="02070309020205020404" pitchFamily="49" charset="0"/>
-              </a:rPr>
-              <a:t>if</a:t>
-            </a:r>
-            <a:r>
-              <a:rPr lang="it-IT" sz="1100" b="1" dirty="0">
-                <a:latin typeface="Courier New" panose="02070309020205020404" pitchFamily="49" charset="0"/>
-                <a:cs typeface="Courier New" panose="02070309020205020404" pitchFamily="49" charset="0"/>
-              </a:rPr>
-              <a:t> (a!=0) s += </a:t>
-            </a:r>
-            <a:r>
-              <a:rPr lang="it-IT" sz="1100" b="1" dirty="0" err="1">
-                <a:latin typeface="Courier New" panose="02070309020205020404" pitchFamily="49" charset="0"/>
-                <a:cs typeface="Courier New" panose="02070309020205020404" pitchFamily="49" charset="0"/>
-              </a:rPr>
-              <a:t>to_string</a:t>
-            </a:r>
-            <a:r>
-              <a:rPr lang="it-IT" sz="1100" b="1" dirty="0">
-                <a:latin typeface="Courier New" panose="02070309020205020404" pitchFamily="49" charset="0"/>
-                <a:cs typeface="Courier New" panose="02070309020205020404" pitchFamily="49" charset="0"/>
-              </a:rPr>
-              <a:t>(a) + "x^2 ";</a:t>
-            </a:r>
-          </a:p>
-          <a:p>
-            <a:pPr marL="0" indent="0">
-              <a:buNone/>
-            </a:pPr>
-            <a:r>
-              <a:rPr lang="it-IT" sz="1100" b="1" dirty="0">
-                <a:latin typeface="Courier New" panose="02070309020205020404" pitchFamily="49" charset="0"/>
-                <a:cs typeface="Courier New" panose="02070309020205020404" pitchFamily="49" charset="0"/>
-              </a:rPr>
-              <a:t>   </a:t>
-            </a:r>
-            <a:r>
-              <a:rPr lang="it-IT" sz="1100" b="1" dirty="0" err="1">
-                <a:latin typeface="Courier New" panose="02070309020205020404" pitchFamily="49" charset="0"/>
-                <a:cs typeface="Courier New" panose="02070309020205020404" pitchFamily="49" charset="0"/>
-              </a:rPr>
-              <a:t>if</a:t>
-            </a:r>
-            <a:r>
-              <a:rPr lang="it-IT" sz="1100" b="1" dirty="0">
-                <a:latin typeface="Courier New" panose="02070309020205020404" pitchFamily="49" charset="0"/>
-                <a:cs typeface="Courier New" panose="02070309020205020404" pitchFamily="49" charset="0"/>
-              </a:rPr>
-              <a:t> (b&gt;0) s += "+" + </a:t>
-            </a:r>
-            <a:r>
-              <a:rPr lang="it-IT" sz="1100" b="1" dirty="0" err="1">
-                <a:latin typeface="Courier New" panose="02070309020205020404" pitchFamily="49" charset="0"/>
-                <a:cs typeface="Courier New" panose="02070309020205020404" pitchFamily="49" charset="0"/>
-              </a:rPr>
-              <a:t>to_string</a:t>
-            </a:r>
-            <a:r>
-              <a:rPr lang="it-IT" sz="1100" b="1" dirty="0">
-                <a:latin typeface="Courier New" panose="02070309020205020404" pitchFamily="49" charset="0"/>
-                <a:cs typeface="Courier New" panose="02070309020205020404" pitchFamily="49" charset="0"/>
-              </a:rPr>
-              <a:t>(b) + "x ";</a:t>
-            </a:r>
-          </a:p>
-          <a:p>
-            <a:pPr marL="0" indent="0">
-              <a:buNone/>
-            </a:pPr>
-            <a:r>
-              <a:rPr lang="it-IT" sz="1100" b="1" dirty="0">
-                <a:latin typeface="Courier New" panose="02070309020205020404" pitchFamily="49" charset="0"/>
-                <a:cs typeface="Courier New" panose="02070309020205020404" pitchFamily="49" charset="0"/>
-              </a:rPr>
-              <a:t>   </a:t>
-            </a:r>
-            <a:r>
-              <a:rPr lang="it-IT" sz="1100" b="1" dirty="0" err="1">
-                <a:latin typeface="Courier New" panose="02070309020205020404" pitchFamily="49" charset="0"/>
-                <a:cs typeface="Courier New" panose="02070309020205020404" pitchFamily="49" charset="0"/>
-              </a:rPr>
-              <a:t>if</a:t>
-            </a:r>
-            <a:r>
-              <a:rPr lang="it-IT" sz="1100" b="1" dirty="0">
-                <a:latin typeface="Courier New" panose="02070309020205020404" pitchFamily="49" charset="0"/>
-                <a:cs typeface="Courier New" panose="02070309020205020404" pitchFamily="49" charset="0"/>
-              </a:rPr>
-              <a:t> (b&lt;0) s += </a:t>
-            </a:r>
-            <a:r>
-              <a:rPr lang="it-IT" sz="1100" b="1" dirty="0" err="1">
-                <a:latin typeface="Courier New" panose="02070309020205020404" pitchFamily="49" charset="0"/>
-                <a:cs typeface="Courier New" panose="02070309020205020404" pitchFamily="49" charset="0"/>
-              </a:rPr>
-              <a:t>to_string</a:t>
-            </a:r>
-            <a:r>
-              <a:rPr lang="it-IT" sz="1100" b="1" dirty="0">
-                <a:latin typeface="Courier New" panose="02070309020205020404" pitchFamily="49" charset="0"/>
-                <a:cs typeface="Courier New" panose="02070309020205020404" pitchFamily="49" charset="0"/>
-              </a:rPr>
-              <a:t>(b) + "x ";</a:t>
-            </a:r>
-          </a:p>
-          <a:p>
-            <a:pPr marL="0" indent="0">
-              <a:buNone/>
-            </a:pPr>
-            <a:r>
-              <a:rPr lang="it-IT" sz="1100" b="1" dirty="0">
-                <a:latin typeface="Courier New" panose="02070309020205020404" pitchFamily="49" charset="0"/>
-                <a:cs typeface="Courier New" panose="02070309020205020404" pitchFamily="49" charset="0"/>
-              </a:rPr>
-              <a:t>   </a:t>
-            </a:r>
-            <a:r>
-              <a:rPr lang="it-IT" sz="1100" b="1" dirty="0" err="1">
-                <a:latin typeface="Courier New" panose="02070309020205020404" pitchFamily="49" charset="0"/>
-                <a:cs typeface="Courier New" panose="02070309020205020404" pitchFamily="49" charset="0"/>
-              </a:rPr>
-              <a:t>if</a:t>
-            </a:r>
-            <a:r>
-              <a:rPr lang="it-IT" sz="1100" b="1" dirty="0">
-                <a:latin typeface="Courier New" panose="02070309020205020404" pitchFamily="49" charset="0"/>
-                <a:cs typeface="Courier New" panose="02070309020205020404" pitchFamily="49" charset="0"/>
-              </a:rPr>
-              <a:t> (c&gt;0) s += "+" + </a:t>
-            </a:r>
-            <a:r>
-              <a:rPr lang="it-IT" sz="1100" b="1" dirty="0" err="1">
-                <a:latin typeface="Courier New" panose="02070309020205020404" pitchFamily="49" charset="0"/>
-                <a:cs typeface="Courier New" panose="02070309020205020404" pitchFamily="49" charset="0"/>
-              </a:rPr>
-              <a:t>to_string</a:t>
-            </a:r>
-            <a:r>
-              <a:rPr lang="it-IT" sz="1100" b="1" dirty="0">
-                <a:latin typeface="Courier New" panose="02070309020205020404" pitchFamily="49" charset="0"/>
-                <a:cs typeface="Courier New" panose="02070309020205020404" pitchFamily="49" charset="0"/>
-              </a:rPr>
-              <a:t>(c);</a:t>
-            </a:r>
-          </a:p>
-          <a:p>
-            <a:pPr marL="0" indent="0">
-              <a:buNone/>
-            </a:pPr>
-            <a:r>
-              <a:rPr lang="it-IT" sz="1100" b="1" dirty="0">
-                <a:latin typeface="Courier New" panose="02070309020205020404" pitchFamily="49" charset="0"/>
-                <a:cs typeface="Courier New" panose="02070309020205020404" pitchFamily="49" charset="0"/>
-              </a:rPr>
-              <a:t>   </a:t>
-            </a:r>
-            <a:r>
-              <a:rPr lang="it-IT" sz="1100" b="1" dirty="0" err="1">
-                <a:latin typeface="Courier New" panose="02070309020205020404" pitchFamily="49" charset="0"/>
-                <a:cs typeface="Courier New" panose="02070309020205020404" pitchFamily="49" charset="0"/>
-              </a:rPr>
-              <a:t>if</a:t>
-            </a:r>
-            <a:r>
-              <a:rPr lang="it-IT" sz="1100" b="1" dirty="0">
-                <a:latin typeface="Courier New" panose="02070309020205020404" pitchFamily="49" charset="0"/>
-                <a:cs typeface="Courier New" panose="02070309020205020404" pitchFamily="49" charset="0"/>
-              </a:rPr>
-              <a:t> (c&lt;0) s += </a:t>
-            </a:r>
-            <a:r>
-              <a:rPr lang="it-IT" sz="1100" b="1" dirty="0" err="1">
-                <a:latin typeface="Courier New" panose="02070309020205020404" pitchFamily="49" charset="0"/>
-                <a:cs typeface="Courier New" panose="02070309020205020404" pitchFamily="49" charset="0"/>
-              </a:rPr>
-              <a:t>to_string</a:t>
-            </a:r>
-            <a:r>
-              <a:rPr lang="it-IT" sz="1100" b="1" dirty="0">
-                <a:latin typeface="Courier New" panose="02070309020205020404" pitchFamily="49" charset="0"/>
-                <a:cs typeface="Courier New" panose="02070309020205020404" pitchFamily="49" charset="0"/>
-              </a:rPr>
-              <a:t>(c);</a:t>
-            </a:r>
-          </a:p>
-          <a:p>
-            <a:pPr marL="0" indent="0">
-              <a:buNone/>
-            </a:pPr>
-            <a:r>
-              <a:rPr lang="it-IT" sz="1100" b="1" dirty="0">
-                <a:latin typeface="Courier New" panose="02070309020205020404" pitchFamily="49" charset="0"/>
-                <a:cs typeface="Courier New" panose="02070309020205020404" pitchFamily="49" charset="0"/>
-              </a:rPr>
-              <a:t>   </a:t>
-            </a:r>
-            <a:r>
-              <a:rPr lang="it-IT" sz="1100" b="1" dirty="0" err="1">
-                <a:latin typeface="Courier New" panose="02070309020205020404" pitchFamily="49" charset="0"/>
-                <a:cs typeface="Courier New" panose="02070309020205020404" pitchFamily="49" charset="0"/>
-              </a:rPr>
-              <a:t>return</a:t>
-            </a:r>
-            <a:r>
-              <a:rPr lang="it-IT" sz="1100" b="1" dirty="0">
-                <a:latin typeface="Courier New" panose="02070309020205020404" pitchFamily="49" charset="0"/>
-                <a:cs typeface="Courier New" panose="02070309020205020404" pitchFamily="49" charset="0"/>
-              </a:rPr>
-              <a:t> s + " = 0";</a:t>
-            </a:r>
-          </a:p>
-          <a:p>
-            <a:pPr marL="0" indent="0">
-              <a:buNone/>
-            </a:pPr>
-            <a:r>
-              <a:rPr lang="it-IT" sz="1100" b="1" dirty="0">
-                <a:latin typeface="Courier New" panose="02070309020205020404" pitchFamily="49" charset="0"/>
-                <a:cs typeface="Courier New" panose="02070309020205020404" pitchFamily="49" charset="0"/>
-              </a:rPr>
-              <a:t>}</a:t>
-            </a:r>
-          </a:p>
-          <a:p>
-            <a:pPr marL="0" indent="0">
-              <a:buNone/>
-            </a:pPr>
-            <a:r>
-              <a:rPr lang="it-IT" sz="1100" b="1" dirty="0">
-                <a:solidFill>
-                  <a:srgbClr val="0070C0"/>
-                </a:solidFill>
-                <a:latin typeface="Courier New" panose="02070309020205020404" pitchFamily="49" charset="0"/>
-                <a:cs typeface="Courier New" panose="02070309020205020404" pitchFamily="49" charset="0"/>
-              </a:rPr>
-              <a:t>private</a:t>
-            </a:r>
-            <a:r>
-              <a:rPr lang="it-IT" sz="1100" b="1" dirty="0">
-                <a:latin typeface="Courier New" panose="02070309020205020404" pitchFamily="49" charset="0"/>
-                <a:cs typeface="Courier New" panose="02070309020205020404" pitchFamily="49" charset="0"/>
-              </a:rPr>
-              <a:t>:</a:t>
-            </a:r>
-          </a:p>
-          <a:p>
-            <a:pPr marL="0" indent="0">
-              <a:buNone/>
-            </a:pPr>
-            <a:r>
-              <a:rPr lang="it-IT" sz="1100" b="1" dirty="0">
-                <a:latin typeface="Courier New" panose="02070309020205020404" pitchFamily="49" charset="0"/>
-                <a:cs typeface="Courier New" panose="02070309020205020404" pitchFamily="49" charset="0"/>
-              </a:rPr>
-              <a:t>   </a:t>
-            </a:r>
-            <a:r>
-              <a:rPr lang="it-IT" sz="1100" b="1" dirty="0">
-                <a:solidFill>
-                  <a:srgbClr val="FF0000"/>
-                </a:solidFill>
-                <a:latin typeface="Courier New" panose="02070309020205020404" pitchFamily="49" charset="0"/>
-                <a:cs typeface="Courier New" panose="02070309020205020404" pitchFamily="49" charset="0"/>
-              </a:rPr>
-              <a:t>double a;</a:t>
-            </a:r>
-          </a:p>
-          <a:p>
-            <a:pPr marL="0" indent="0">
-              <a:buNone/>
-            </a:pPr>
-            <a:r>
-              <a:rPr lang="it-IT" sz="1100" b="1" dirty="0">
-                <a:solidFill>
-                  <a:srgbClr val="FF0000"/>
-                </a:solidFill>
-                <a:latin typeface="Courier New" panose="02070309020205020404" pitchFamily="49" charset="0"/>
-                <a:cs typeface="Courier New" panose="02070309020205020404" pitchFamily="49" charset="0"/>
-              </a:rPr>
-              <a:t>   double b;</a:t>
-            </a:r>
-          </a:p>
-          <a:p>
-            <a:pPr marL="0" indent="0">
-              <a:buNone/>
-            </a:pPr>
-            <a:r>
-              <a:rPr lang="it-IT" sz="1100" b="1" dirty="0">
-                <a:solidFill>
-                  <a:srgbClr val="FF0000"/>
-                </a:solidFill>
-                <a:latin typeface="Courier New" panose="02070309020205020404" pitchFamily="49" charset="0"/>
-                <a:cs typeface="Courier New" panose="02070309020205020404" pitchFamily="49" charset="0"/>
-              </a:rPr>
-              <a:t>   double c;</a:t>
-            </a:r>
-          </a:p>
-          <a:p>
-            <a:pPr marL="0" indent="0">
-              <a:buNone/>
-            </a:pPr>
-            <a:r>
-              <a:rPr lang="it-IT" sz="1100" b="1" dirty="0">
-                <a:solidFill>
-                  <a:srgbClr val="FF0000"/>
-                </a:solidFill>
-                <a:latin typeface="Courier New" panose="02070309020205020404" pitchFamily="49" charset="0"/>
-                <a:cs typeface="Courier New" panose="02070309020205020404" pitchFamily="49" charset="0"/>
-              </a:rPr>
-              <a:t>   double delta() </a:t>
-            </a:r>
-            <a:r>
-              <a:rPr lang="it-IT" sz="1100" b="1" dirty="0">
-                <a:latin typeface="Courier New" panose="02070309020205020404" pitchFamily="49" charset="0"/>
-                <a:cs typeface="Courier New" panose="02070309020205020404" pitchFamily="49" charset="0"/>
-              </a:rPr>
-              <a:t>{ </a:t>
-            </a:r>
-            <a:r>
-              <a:rPr lang="it-IT" sz="1100" b="1" dirty="0" err="1">
-                <a:latin typeface="Courier New" panose="02070309020205020404" pitchFamily="49" charset="0"/>
-                <a:cs typeface="Courier New" panose="02070309020205020404" pitchFamily="49" charset="0"/>
-              </a:rPr>
-              <a:t>return</a:t>
-            </a:r>
-            <a:r>
-              <a:rPr lang="it-IT" sz="1100" b="1" dirty="0">
-                <a:latin typeface="Courier New" panose="02070309020205020404" pitchFamily="49" charset="0"/>
-                <a:cs typeface="Courier New" panose="02070309020205020404" pitchFamily="49" charset="0"/>
-              </a:rPr>
-              <a:t> </a:t>
-            </a:r>
-            <a:r>
-              <a:rPr lang="it-IT" sz="1100" b="1" dirty="0" err="1">
-                <a:latin typeface="Courier New" panose="02070309020205020404" pitchFamily="49" charset="0"/>
-                <a:cs typeface="Courier New" panose="02070309020205020404" pitchFamily="49" charset="0"/>
-              </a:rPr>
-              <a:t>pow</a:t>
-            </a:r>
-            <a:r>
-              <a:rPr lang="it-IT" sz="1100" b="1" dirty="0">
-                <a:latin typeface="Courier New" panose="02070309020205020404" pitchFamily="49" charset="0"/>
-                <a:cs typeface="Courier New" panose="02070309020205020404" pitchFamily="49" charset="0"/>
-              </a:rPr>
-              <a:t>(b,2)-4*a*c; }</a:t>
-            </a:r>
-          </a:p>
-          <a:p>
-            <a:pPr marL="0" indent="0">
-              <a:buNone/>
-            </a:pPr>
-            <a:r>
-              <a:rPr lang="it-IT" sz="1100" b="1" dirty="0">
-                <a:latin typeface="Courier New" panose="02070309020205020404" pitchFamily="49" charset="0"/>
-                <a:cs typeface="Courier New" panose="02070309020205020404" pitchFamily="49" charset="0"/>
-              </a:rPr>
-              <a:t>};</a:t>
-            </a:r>
-          </a:p>
-          <a:p>
-            <a:pPr marL="0" indent="0">
-              <a:buNone/>
-            </a:pPr>
-            <a:endParaRPr lang="it-IT" sz="1100" b="1" dirty="0">
-              <a:latin typeface="Courier New" panose="02070309020205020404" pitchFamily="49" charset="0"/>
-              <a:cs typeface="Courier New" panose="02070309020205020404" pitchFamily="49" charset="0"/>
-            </a:endParaRPr>
-          </a:p>
-        </p:txBody>
-      </p:sp>
-      <p:sp>
-        <p:nvSpPr>
-          <p:cNvPr id="5" name="Segnaposto piè di pagina 4">
-            <a:extLst>
-              <a:ext uri="{FF2B5EF4-FFF2-40B4-BE49-F238E27FC236}">
-                <a16:creationId xmlns:a16="http://schemas.microsoft.com/office/drawing/2014/main" id="{CB957E9A-6D92-4924-B392-FF29BF330A8B}"/>
-              </a:ext>
-            </a:extLst>
-          </p:cNvPr>
-          <p:cNvSpPr>
-            <a:spLocks noGrp="1"/>
-          </p:cNvSpPr>
-          <p:nvPr>
-            <p:ph type="ftr" sz="quarter" idx="11"/>
-          </p:nvPr>
-        </p:nvSpPr>
-        <p:spPr/>
-        <p:txBody>
-          <a:bodyPr/>
-          <a:lstStyle/>
-          <a:p>
-            <a:pPr>
-              <a:defRPr/>
-            </a:pPr>
-            <a:r>
-              <a:rPr lang="it-IT"/>
-              <a:t>Alberto Ferrari – Programmazione di applicazioni SW</a:t>
-            </a:r>
-            <a:endParaRPr lang="it-IT" dirty="0"/>
-          </a:p>
-        </p:txBody>
-      </p:sp>
-    </p:spTree>
-    <p:extLst>
-      <p:ext uri="{BB962C8B-B14F-4D97-AF65-F5344CB8AC3E}">
-        <p14:creationId xmlns:p14="http://schemas.microsoft.com/office/powerpoint/2010/main" val="3556294264"/>
-      </p:ext>
-    </p:extLst>
-  </p:cSld>
-  <p:clrMapOvr>
-    <a:masterClrMapping/>
-  </p:clrMapOvr>
-</p:sld>
-</file>
-
 <file path=ppt/slides/slide29.xml><?xml version="1.0" encoding="utf-8"?>
 <p:sld xmlns:a="http://schemas.openxmlformats.org/drawingml/2006/main" xmlns:r="http://schemas.openxmlformats.org/officeDocument/2006/relationships" xmlns:p="http://schemas.openxmlformats.org/presentationml/2006/main">
   <p:cSld>
@@ -11284,14 +9898,570 @@
               <a:buNone/>
             </a:pPr>
             <a:r>
+              <a:rPr lang="it-IT" sz="1100" b="1" dirty="0">
+                <a:latin typeface="Courier New" panose="02070309020205020404" pitchFamily="49" charset="0"/>
+                <a:cs typeface="Courier New" panose="02070309020205020404" pitchFamily="49" charset="0"/>
+              </a:rPr>
+              <a:t>#include &lt;</a:t>
+            </a:r>
+            <a:r>
               <a:rPr lang="it-IT" sz="1100" b="1" dirty="0" err="1">
                 <a:latin typeface="Courier New" panose="02070309020205020404" pitchFamily="49" charset="0"/>
                 <a:cs typeface="Courier New" panose="02070309020205020404" pitchFamily="49" charset="0"/>
               </a:rPr>
+              <a:t>iostream</a:t>
+            </a:r>
+            <a:r>
+              <a:rPr lang="it-IT" sz="1100" b="1" dirty="0">
+                <a:latin typeface="Courier New" panose="02070309020205020404" pitchFamily="49" charset="0"/>
+                <a:cs typeface="Courier New" panose="02070309020205020404" pitchFamily="49" charset="0"/>
+              </a:rPr>
+              <a:t>&gt;</a:t>
+            </a:r>
+          </a:p>
+          <a:p>
+            <a:pPr marL="0" indent="0">
+              <a:buNone/>
+            </a:pPr>
+            <a:r>
+              <a:rPr lang="it-IT" sz="1100" b="1" dirty="0">
+                <a:latin typeface="Courier New" panose="02070309020205020404" pitchFamily="49" charset="0"/>
+                <a:cs typeface="Courier New" panose="02070309020205020404" pitchFamily="49" charset="0"/>
+              </a:rPr>
+              <a:t>#include &lt;</a:t>
+            </a:r>
+            <a:r>
+              <a:rPr lang="it-IT" sz="1100" b="1" dirty="0" err="1">
+                <a:latin typeface="Courier New" panose="02070309020205020404" pitchFamily="49" charset="0"/>
+                <a:cs typeface="Courier New" panose="02070309020205020404" pitchFamily="49" charset="0"/>
+              </a:rPr>
+              <a:t>cmath</a:t>
+            </a:r>
+            <a:r>
+              <a:rPr lang="it-IT" sz="1100" b="1" dirty="0">
+                <a:latin typeface="Courier New" panose="02070309020205020404" pitchFamily="49" charset="0"/>
+                <a:cs typeface="Courier New" panose="02070309020205020404" pitchFamily="49" charset="0"/>
+              </a:rPr>
+              <a:t>&gt;</a:t>
+            </a:r>
+          </a:p>
+          <a:p>
+            <a:pPr marL="0" indent="0">
+              <a:buNone/>
+            </a:pPr>
+            <a:r>
+              <a:rPr lang="it-IT" sz="1100" b="1" dirty="0">
+                <a:latin typeface="Courier New" panose="02070309020205020404" pitchFamily="49" charset="0"/>
+                <a:cs typeface="Courier New" panose="02070309020205020404" pitchFamily="49" charset="0"/>
+              </a:rPr>
+              <a:t>#include &lt;</a:t>
+            </a:r>
+            <a:r>
+              <a:rPr lang="it-IT" sz="1100" b="1" dirty="0" err="1">
+                <a:latin typeface="Courier New" panose="02070309020205020404" pitchFamily="49" charset="0"/>
+                <a:cs typeface="Courier New" panose="02070309020205020404" pitchFamily="49" charset="0"/>
+              </a:rPr>
+              <a:t>limits</a:t>
+            </a:r>
+            <a:r>
+              <a:rPr lang="it-IT" sz="1100" b="1" dirty="0">
+                <a:latin typeface="Courier New" panose="02070309020205020404" pitchFamily="49" charset="0"/>
+                <a:cs typeface="Courier New" panose="02070309020205020404" pitchFamily="49" charset="0"/>
+              </a:rPr>
+              <a:t>&gt;</a:t>
+            </a:r>
+          </a:p>
+          <a:p>
+            <a:pPr marL="0" indent="0">
+              <a:buNone/>
+            </a:pPr>
+            <a:r>
+              <a:rPr lang="it-IT" sz="1100" b="1" dirty="0">
+                <a:latin typeface="Courier New" panose="02070309020205020404" pitchFamily="49" charset="0"/>
+                <a:cs typeface="Courier New" panose="02070309020205020404" pitchFamily="49" charset="0"/>
+              </a:rPr>
+              <a:t>#include &lt;</a:t>
+            </a:r>
+            <a:r>
+              <a:rPr lang="it-IT" sz="1100" b="1" dirty="0" err="1">
+                <a:latin typeface="Courier New" panose="02070309020205020404" pitchFamily="49" charset="0"/>
+                <a:cs typeface="Courier New" panose="02070309020205020404" pitchFamily="49" charset="0"/>
+              </a:rPr>
+              <a:t>string</a:t>
+            </a:r>
+            <a:r>
+              <a:rPr lang="it-IT" sz="1100" b="1" dirty="0">
+                <a:latin typeface="Courier New" panose="02070309020205020404" pitchFamily="49" charset="0"/>
+                <a:cs typeface="Courier New" panose="02070309020205020404" pitchFamily="49" charset="0"/>
+              </a:rPr>
+              <a:t>&gt;</a:t>
+            </a:r>
+          </a:p>
+          <a:p>
+            <a:pPr marL="0" indent="0">
+              <a:buNone/>
+            </a:pPr>
+            <a:r>
+              <a:rPr lang="it-IT" sz="1100" b="1" dirty="0" err="1">
+                <a:latin typeface="Courier New" panose="02070309020205020404" pitchFamily="49" charset="0"/>
+                <a:cs typeface="Courier New" panose="02070309020205020404" pitchFamily="49" charset="0"/>
+              </a:rPr>
+              <a:t>using</a:t>
+            </a:r>
+            <a:r>
+              <a:rPr lang="it-IT" sz="1100" b="1" dirty="0">
+                <a:latin typeface="Courier New" panose="02070309020205020404" pitchFamily="49" charset="0"/>
+                <a:cs typeface="Courier New" panose="02070309020205020404" pitchFamily="49" charset="0"/>
+              </a:rPr>
+              <a:t> </a:t>
+            </a:r>
+            <a:r>
+              <a:rPr lang="it-IT" sz="1100" b="1" dirty="0" err="1">
+                <a:latin typeface="Courier New" panose="02070309020205020404" pitchFamily="49" charset="0"/>
+                <a:cs typeface="Courier New" panose="02070309020205020404" pitchFamily="49" charset="0"/>
+              </a:rPr>
+              <a:t>namespace</a:t>
+            </a:r>
+            <a:r>
+              <a:rPr lang="it-IT" sz="1100" b="1" dirty="0">
+                <a:latin typeface="Courier New" panose="02070309020205020404" pitchFamily="49" charset="0"/>
+                <a:cs typeface="Courier New" panose="02070309020205020404" pitchFamily="49" charset="0"/>
+              </a:rPr>
+              <a:t> </a:t>
+            </a:r>
+            <a:r>
+              <a:rPr lang="it-IT" sz="1100" b="1" dirty="0" err="1">
+                <a:latin typeface="Courier New" panose="02070309020205020404" pitchFamily="49" charset="0"/>
+                <a:cs typeface="Courier New" panose="02070309020205020404" pitchFamily="49" charset="0"/>
+              </a:rPr>
+              <a:t>std</a:t>
+            </a:r>
+            <a:r>
+              <a:rPr lang="it-IT" sz="1100" b="1" dirty="0">
+                <a:latin typeface="Courier New" panose="02070309020205020404" pitchFamily="49" charset="0"/>
+                <a:cs typeface="Courier New" panose="02070309020205020404" pitchFamily="49" charset="0"/>
+              </a:rPr>
+              <a:t>;</a:t>
+            </a:r>
+          </a:p>
+          <a:p>
+            <a:pPr marL="0" indent="0">
+              <a:buNone/>
+            </a:pPr>
+            <a:r>
+              <a:rPr lang="it-IT" sz="1100" b="1" dirty="0">
+                <a:latin typeface="Courier New" panose="02070309020205020404" pitchFamily="49" charset="0"/>
+                <a:cs typeface="Courier New" panose="02070309020205020404" pitchFamily="49" charset="0"/>
+              </a:rPr>
+              <a:t>class </a:t>
+            </a:r>
+            <a:r>
+              <a:rPr lang="it-IT" sz="1100" b="1" dirty="0">
+                <a:solidFill>
+                  <a:srgbClr val="FF0000"/>
+                </a:solidFill>
+                <a:latin typeface="Courier New" panose="02070309020205020404" pitchFamily="49" charset="0"/>
+                <a:cs typeface="Courier New" panose="02070309020205020404" pitchFamily="49" charset="0"/>
+              </a:rPr>
+              <a:t>Equazione</a:t>
+            </a:r>
+            <a:r>
+              <a:rPr lang="it-IT" sz="1100" b="1" dirty="0">
+                <a:latin typeface="Courier New" panose="02070309020205020404" pitchFamily="49" charset="0"/>
+                <a:cs typeface="Courier New" panose="02070309020205020404" pitchFamily="49" charset="0"/>
+              </a:rPr>
+              <a:t> {</a:t>
+            </a:r>
+          </a:p>
+          <a:p>
+            <a:pPr marL="0" indent="0">
+              <a:buNone/>
+            </a:pPr>
+            <a:r>
+              <a:rPr lang="it-IT" sz="1100" b="1" dirty="0">
+                <a:latin typeface="Courier New" panose="02070309020205020404" pitchFamily="49" charset="0"/>
+                <a:cs typeface="Courier New" panose="02070309020205020404" pitchFamily="49" charset="0"/>
+              </a:rPr>
+              <a:t>   </a:t>
+            </a:r>
+            <a:r>
+              <a:rPr lang="it-IT" sz="1100" b="1" dirty="0">
+                <a:solidFill>
+                  <a:srgbClr val="0070C0"/>
+                </a:solidFill>
+                <a:latin typeface="Courier New" panose="02070309020205020404" pitchFamily="49" charset="0"/>
+                <a:cs typeface="Courier New" panose="02070309020205020404" pitchFamily="49" charset="0"/>
+              </a:rPr>
+              <a:t>public</a:t>
+            </a:r>
+            <a:r>
+              <a:rPr lang="it-IT" sz="1100" b="1" dirty="0">
+                <a:latin typeface="Courier New" panose="02070309020205020404" pitchFamily="49" charset="0"/>
+                <a:cs typeface="Courier New" panose="02070309020205020404" pitchFamily="49" charset="0"/>
+              </a:rPr>
+              <a:t>:</a:t>
+            </a:r>
+          </a:p>
+          <a:p>
+            <a:pPr marL="0" indent="0">
+              <a:buNone/>
+            </a:pPr>
+            <a:r>
+              <a:rPr lang="it-IT" sz="1100" b="1" dirty="0">
+                <a:latin typeface="Courier New" panose="02070309020205020404" pitchFamily="49" charset="0"/>
+                <a:cs typeface="Courier New" panose="02070309020205020404" pitchFamily="49" charset="0"/>
+              </a:rPr>
+              <a:t>     </a:t>
+            </a:r>
+            <a:r>
+              <a:rPr lang="it-IT" sz="1100" b="1" dirty="0">
+                <a:solidFill>
+                  <a:srgbClr val="FF0000"/>
+                </a:solidFill>
+                <a:latin typeface="Courier New" panose="02070309020205020404" pitchFamily="49" charset="0"/>
+                <a:cs typeface="Courier New" panose="02070309020205020404" pitchFamily="49" charset="0"/>
+              </a:rPr>
+              <a:t>Equazione()</a:t>
+            </a:r>
+            <a:r>
+              <a:rPr lang="it-IT" sz="1100" b="1" dirty="0">
+                <a:latin typeface="Courier New" panose="02070309020205020404" pitchFamily="49" charset="0"/>
+                <a:cs typeface="Courier New" panose="02070309020205020404" pitchFamily="49" charset="0"/>
+              </a:rPr>
+              <a:t> { a=1; b=1; c=1; }</a:t>
+            </a:r>
+          </a:p>
+          <a:p>
+            <a:pPr marL="0" indent="0">
+              <a:buNone/>
+            </a:pPr>
+            <a:r>
+              <a:rPr lang="it-IT" sz="1100" b="1" dirty="0">
+                <a:latin typeface="Courier New" panose="02070309020205020404" pitchFamily="49" charset="0"/>
+                <a:cs typeface="Courier New" panose="02070309020205020404" pitchFamily="49" charset="0"/>
+              </a:rPr>
+              <a:t>     </a:t>
+            </a:r>
+            <a:r>
+              <a:rPr lang="it-IT" sz="1100" b="1" dirty="0">
+                <a:solidFill>
+                  <a:srgbClr val="FF0000"/>
+                </a:solidFill>
+                <a:latin typeface="Courier New" panose="02070309020205020404" pitchFamily="49" charset="0"/>
+                <a:cs typeface="Courier New" panose="02070309020205020404" pitchFamily="49" charset="0"/>
+              </a:rPr>
+              <a:t>Equazione(double </a:t>
+            </a:r>
+            <a:r>
+              <a:rPr lang="it-IT" sz="1100" b="1" dirty="0" err="1">
+                <a:solidFill>
+                  <a:srgbClr val="FF0000"/>
+                </a:solidFill>
+                <a:latin typeface="Courier New" panose="02070309020205020404" pitchFamily="49" charset="0"/>
+                <a:cs typeface="Courier New" panose="02070309020205020404" pitchFamily="49" charset="0"/>
+              </a:rPr>
+              <a:t>c_a</a:t>
+            </a:r>
+            <a:r>
+              <a:rPr lang="it-IT" sz="1100" b="1" dirty="0">
+                <a:solidFill>
+                  <a:srgbClr val="FF0000"/>
+                </a:solidFill>
+                <a:latin typeface="Courier New" panose="02070309020205020404" pitchFamily="49" charset="0"/>
+                <a:cs typeface="Courier New" panose="02070309020205020404" pitchFamily="49" charset="0"/>
+              </a:rPr>
+              <a:t>, double </a:t>
+            </a:r>
+            <a:r>
+              <a:rPr lang="it-IT" sz="1100" b="1" dirty="0" err="1">
+                <a:solidFill>
+                  <a:srgbClr val="FF0000"/>
+                </a:solidFill>
+                <a:latin typeface="Courier New" panose="02070309020205020404" pitchFamily="49" charset="0"/>
+                <a:cs typeface="Courier New" panose="02070309020205020404" pitchFamily="49" charset="0"/>
+              </a:rPr>
+              <a:t>c_b</a:t>
+            </a:r>
+            <a:r>
+              <a:rPr lang="it-IT" sz="1100" b="1" dirty="0">
+                <a:solidFill>
+                  <a:srgbClr val="FF0000"/>
+                </a:solidFill>
+                <a:latin typeface="Courier New" panose="02070309020205020404" pitchFamily="49" charset="0"/>
+                <a:cs typeface="Courier New" panose="02070309020205020404" pitchFamily="49" charset="0"/>
+              </a:rPr>
+              <a:t>, double </a:t>
+            </a:r>
+            <a:r>
+              <a:rPr lang="it-IT" sz="1100" b="1" dirty="0" err="1">
+                <a:solidFill>
+                  <a:srgbClr val="FF0000"/>
+                </a:solidFill>
+                <a:latin typeface="Courier New" panose="02070309020205020404" pitchFamily="49" charset="0"/>
+                <a:cs typeface="Courier New" panose="02070309020205020404" pitchFamily="49" charset="0"/>
+              </a:rPr>
+              <a:t>c_c</a:t>
+            </a:r>
+            <a:r>
+              <a:rPr lang="it-IT" sz="1100" b="1" dirty="0">
+                <a:solidFill>
+                  <a:srgbClr val="FF0000"/>
+                </a:solidFill>
+                <a:latin typeface="Courier New" panose="02070309020205020404" pitchFamily="49" charset="0"/>
+                <a:cs typeface="Courier New" panose="02070309020205020404" pitchFamily="49" charset="0"/>
+              </a:rPr>
+              <a:t>)</a:t>
+            </a:r>
+            <a:r>
+              <a:rPr lang="it-IT" sz="1100" b="1" dirty="0">
+                <a:latin typeface="Courier New" panose="02070309020205020404" pitchFamily="49" charset="0"/>
+                <a:cs typeface="Courier New" panose="02070309020205020404" pitchFamily="49" charset="0"/>
+              </a:rPr>
+              <a:t>{</a:t>
+            </a:r>
+          </a:p>
+          <a:p>
+            <a:pPr marL="0" indent="0">
+              <a:buNone/>
+            </a:pPr>
+            <a:r>
+              <a:rPr lang="it-IT" sz="1100" b="1" dirty="0">
+                <a:latin typeface="Courier New" panose="02070309020205020404" pitchFamily="49" charset="0"/>
+                <a:cs typeface="Courier New" panose="02070309020205020404" pitchFamily="49" charset="0"/>
+              </a:rPr>
+              <a:t>       a=</a:t>
+            </a:r>
+            <a:r>
+              <a:rPr lang="it-IT" sz="1100" b="1" dirty="0" err="1">
+                <a:latin typeface="Courier New" panose="02070309020205020404" pitchFamily="49" charset="0"/>
+                <a:cs typeface="Courier New" panose="02070309020205020404" pitchFamily="49" charset="0"/>
+              </a:rPr>
+              <a:t>c_a</a:t>
+            </a:r>
+            <a:r>
+              <a:rPr lang="it-IT" sz="1100" b="1" dirty="0">
+                <a:latin typeface="Courier New" panose="02070309020205020404" pitchFamily="49" charset="0"/>
+                <a:cs typeface="Courier New" panose="02070309020205020404" pitchFamily="49" charset="0"/>
+              </a:rPr>
+              <a:t>; b=</a:t>
+            </a:r>
+            <a:r>
+              <a:rPr lang="it-IT" sz="1100" b="1" dirty="0" err="1">
+                <a:latin typeface="Courier New" panose="02070309020205020404" pitchFamily="49" charset="0"/>
+                <a:cs typeface="Courier New" panose="02070309020205020404" pitchFamily="49" charset="0"/>
+              </a:rPr>
+              <a:t>c_b</a:t>
+            </a:r>
+            <a:r>
+              <a:rPr lang="it-IT" sz="1100" b="1" dirty="0">
+                <a:latin typeface="Courier New" panose="02070309020205020404" pitchFamily="49" charset="0"/>
+                <a:cs typeface="Courier New" panose="02070309020205020404" pitchFamily="49" charset="0"/>
+              </a:rPr>
+              <a:t>; c=</a:t>
+            </a:r>
+            <a:r>
+              <a:rPr lang="it-IT" sz="1100" b="1" dirty="0" err="1">
+                <a:latin typeface="Courier New" panose="02070309020205020404" pitchFamily="49" charset="0"/>
+                <a:cs typeface="Courier New" panose="02070309020205020404" pitchFamily="49" charset="0"/>
+              </a:rPr>
+              <a:t>c_c</a:t>
+            </a:r>
+            <a:r>
+              <a:rPr lang="it-IT" sz="1100" b="1" dirty="0">
+                <a:latin typeface="Courier New" panose="02070309020205020404" pitchFamily="49" charset="0"/>
+                <a:cs typeface="Courier New" panose="02070309020205020404" pitchFamily="49" charset="0"/>
+              </a:rPr>
+              <a:t>;   </a:t>
+            </a:r>
+          </a:p>
+          <a:p>
+            <a:pPr marL="0" indent="0">
+              <a:buNone/>
+            </a:pPr>
+            <a:r>
+              <a:rPr lang="it-IT" sz="1100" b="1" dirty="0">
+                <a:latin typeface="Courier New" panose="02070309020205020404" pitchFamily="49" charset="0"/>
+                <a:cs typeface="Courier New" panose="02070309020205020404" pitchFamily="49" charset="0"/>
+              </a:rPr>
+              <a:t>     }    </a:t>
+            </a:r>
+          </a:p>
+          <a:p>
+            <a:pPr marL="0" indent="0">
+              <a:buNone/>
+            </a:pPr>
+            <a:r>
+              <a:rPr lang="it-IT" sz="1100" b="1" dirty="0">
+                <a:latin typeface="Courier New" panose="02070309020205020404" pitchFamily="49" charset="0"/>
+                <a:cs typeface="Courier New" panose="02070309020205020404" pitchFamily="49" charset="0"/>
+              </a:rPr>
+              <a:t>   </a:t>
+            </a:r>
+            <a:r>
+              <a:rPr lang="it-IT" sz="1100" b="1" dirty="0">
+                <a:solidFill>
+                  <a:srgbClr val="FF0000"/>
+                </a:solidFill>
+                <a:latin typeface="Courier New" panose="02070309020205020404" pitchFamily="49" charset="0"/>
+                <a:cs typeface="Courier New" panose="02070309020205020404" pitchFamily="49" charset="0"/>
+              </a:rPr>
+              <a:t>double</a:t>
+            </a:r>
+            <a:r>
+              <a:rPr lang="it-IT" sz="1100" b="1" dirty="0">
+                <a:latin typeface="Courier New" panose="02070309020205020404" pitchFamily="49" charset="0"/>
+                <a:cs typeface="Courier New" panose="02070309020205020404" pitchFamily="49" charset="0"/>
+              </a:rPr>
+              <a:t> </a:t>
+            </a:r>
+            <a:r>
+              <a:rPr lang="it-IT" sz="1100" b="1" dirty="0" err="1">
+                <a:solidFill>
+                  <a:srgbClr val="FF0000"/>
+                </a:solidFill>
+                <a:latin typeface="Courier New" panose="02070309020205020404" pitchFamily="49" charset="0"/>
+                <a:cs typeface="Courier New" panose="02070309020205020404" pitchFamily="49" charset="0"/>
+              </a:rPr>
+              <a:t>getA</a:t>
+            </a:r>
+            <a:r>
+              <a:rPr lang="it-IT" sz="1100" b="1" dirty="0">
+                <a:solidFill>
+                  <a:srgbClr val="FF0000"/>
+                </a:solidFill>
+                <a:latin typeface="Courier New" panose="02070309020205020404" pitchFamily="49" charset="0"/>
+                <a:cs typeface="Courier New" panose="02070309020205020404" pitchFamily="49" charset="0"/>
+              </a:rPr>
+              <a:t>()</a:t>
+            </a:r>
+            <a:r>
+              <a:rPr lang="it-IT" sz="1100" b="1" dirty="0">
+                <a:latin typeface="Courier New" panose="02070309020205020404" pitchFamily="49" charset="0"/>
+                <a:cs typeface="Courier New" panose="02070309020205020404" pitchFamily="49" charset="0"/>
+              </a:rPr>
+              <a:t> { </a:t>
+            </a:r>
+            <a:r>
+              <a:rPr lang="it-IT" sz="1100" b="1" dirty="0" err="1">
+                <a:latin typeface="Courier New" panose="02070309020205020404" pitchFamily="49" charset="0"/>
+                <a:cs typeface="Courier New" panose="02070309020205020404" pitchFamily="49" charset="0"/>
+              </a:rPr>
+              <a:t>return</a:t>
+            </a:r>
+            <a:r>
+              <a:rPr lang="it-IT" sz="1100" b="1" dirty="0">
+                <a:latin typeface="Courier New" panose="02070309020205020404" pitchFamily="49" charset="0"/>
+                <a:cs typeface="Courier New" panose="02070309020205020404" pitchFamily="49" charset="0"/>
+              </a:rPr>
+              <a:t> a; }</a:t>
+            </a:r>
+          </a:p>
+          <a:p>
+            <a:pPr marL="0" indent="0">
+              <a:buNone/>
+            </a:pPr>
+            <a:r>
+              <a:rPr lang="it-IT" sz="1100" b="1" dirty="0">
+                <a:latin typeface="Courier New" panose="02070309020205020404" pitchFamily="49" charset="0"/>
+                <a:cs typeface="Courier New" panose="02070309020205020404" pitchFamily="49" charset="0"/>
+              </a:rPr>
+              <a:t>   </a:t>
+            </a:r>
+            <a:r>
+              <a:rPr lang="it-IT" sz="1100" b="1" dirty="0" err="1">
+                <a:solidFill>
+                  <a:srgbClr val="FF0000"/>
+                </a:solidFill>
+                <a:latin typeface="Courier New" panose="02070309020205020404" pitchFamily="49" charset="0"/>
+                <a:cs typeface="Courier New" panose="02070309020205020404" pitchFamily="49" charset="0"/>
+              </a:rPr>
+              <a:t>void</a:t>
+            </a:r>
+            <a:r>
+              <a:rPr lang="it-IT" sz="1100" b="1" dirty="0">
+                <a:latin typeface="Courier New" panose="02070309020205020404" pitchFamily="49" charset="0"/>
+                <a:cs typeface="Courier New" panose="02070309020205020404" pitchFamily="49" charset="0"/>
+              </a:rPr>
+              <a:t> </a:t>
+            </a:r>
+            <a:r>
+              <a:rPr lang="it-IT" sz="1100" b="1" dirty="0" err="1">
+                <a:solidFill>
+                  <a:srgbClr val="FF0000"/>
+                </a:solidFill>
+                <a:latin typeface="Courier New" panose="02070309020205020404" pitchFamily="49" charset="0"/>
+                <a:cs typeface="Courier New" panose="02070309020205020404" pitchFamily="49" charset="0"/>
+              </a:rPr>
+              <a:t>setA</a:t>
+            </a:r>
+            <a:r>
+              <a:rPr lang="it-IT" sz="1100" b="1" dirty="0">
+                <a:solidFill>
+                  <a:srgbClr val="FF0000"/>
+                </a:solidFill>
+                <a:latin typeface="Courier New" panose="02070309020205020404" pitchFamily="49" charset="0"/>
+                <a:cs typeface="Courier New" panose="02070309020205020404" pitchFamily="49" charset="0"/>
+              </a:rPr>
+              <a:t>(double v) </a:t>
+            </a:r>
+            <a:r>
+              <a:rPr lang="it-IT" sz="1100" b="1" dirty="0">
+                <a:latin typeface="Courier New" panose="02070309020205020404" pitchFamily="49" charset="0"/>
+                <a:cs typeface="Courier New" panose="02070309020205020404" pitchFamily="49" charset="0"/>
+              </a:rPr>
+              <a:t>{ a=v; }</a:t>
+            </a:r>
+          </a:p>
+          <a:p>
+            <a:pPr marL="0" indent="0">
+              <a:buNone/>
+            </a:pPr>
+            <a:r>
+              <a:rPr lang="it-IT" sz="1100" b="1" dirty="0">
+                <a:latin typeface="Courier New" panose="02070309020205020404" pitchFamily="49" charset="0"/>
+                <a:cs typeface="Courier New" panose="02070309020205020404" pitchFamily="49" charset="0"/>
+              </a:rPr>
+              <a:t>   …	</a:t>
+            </a:r>
+          </a:p>
+          <a:p>
+            <a:pPr marL="0" indent="0">
+              <a:buNone/>
+            </a:pPr>
+            <a:r>
+              <a:rPr lang="it-IT" sz="1100" b="1" dirty="0">
+                <a:latin typeface="Courier New" panose="02070309020205020404" pitchFamily="49" charset="0"/>
+                <a:cs typeface="Courier New" panose="02070309020205020404" pitchFamily="49" charset="0"/>
+              </a:rPr>
+              <a:t>   //  numero di soluzioni reali</a:t>
+            </a:r>
+          </a:p>
+          <a:p>
+            <a:pPr marL="0" indent="0">
+              <a:buNone/>
+            </a:pPr>
+            <a:r>
+              <a:rPr lang="it-IT" sz="1100" b="1" dirty="0">
+                <a:latin typeface="Courier New" panose="02070309020205020404" pitchFamily="49" charset="0"/>
+                <a:cs typeface="Courier New" panose="02070309020205020404" pitchFamily="49" charset="0"/>
+              </a:rPr>
+              <a:t>   </a:t>
+            </a:r>
+            <a:r>
+              <a:rPr lang="it-IT" sz="1100" b="1" dirty="0" err="1">
+                <a:solidFill>
+                  <a:srgbClr val="FF0000"/>
+                </a:solidFill>
+                <a:latin typeface="Courier New" panose="02070309020205020404" pitchFamily="49" charset="0"/>
+                <a:cs typeface="Courier New" panose="02070309020205020404" pitchFamily="49" charset="0"/>
+              </a:rPr>
               <a:t>int</a:t>
             </a:r>
             <a:r>
               <a:rPr lang="it-IT" sz="1100" b="1" dirty="0">
+                <a:solidFill>
+                  <a:srgbClr val="FF0000"/>
+                </a:solidFill>
                 <a:latin typeface="Courier New" panose="02070309020205020404" pitchFamily="49" charset="0"/>
                 <a:cs typeface="Courier New" panose="02070309020205020404" pitchFamily="49" charset="0"/>
               </a:rPr>
@@ -11299,17 +10469,30 @@
             </a:r>
             <a:r>
               <a:rPr lang="it-IT" sz="1100" b="1" dirty="0" err="1">
-                <a:latin typeface="Courier New" panose="02070309020205020404" pitchFamily="49" charset="0"/>
-                <a:cs typeface="Courier New" panose="02070309020205020404" pitchFamily="49" charset="0"/>
-              </a:rPr>
-              <a:t>main</a:t>
+                <a:solidFill>
+                  <a:srgbClr val="FF0000"/>
+                </a:solidFill>
+                <a:latin typeface="Courier New" panose="02070309020205020404" pitchFamily="49" charset="0"/>
+                <a:cs typeface="Courier New" panose="02070309020205020404" pitchFamily="49" charset="0"/>
+              </a:rPr>
+              <a:t>numSolReali</a:t>
             </a:r>
             <a:r>
               <a:rPr lang="it-IT" sz="1100" b="1" dirty="0">
-                <a:latin typeface="Courier New" panose="02070309020205020404" pitchFamily="49" charset="0"/>
-                <a:cs typeface="Courier New" panose="02070309020205020404" pitchFamily="49" charset="0"/>
-              </a:rPr>
-              <a:t>() {</a:t>
+                <a:solidFill>
+                  <a:srgbClr val="FF0000"/>
+                </a:solidFill>
+                <a:latin typeface="Courier New" panose="02070309020205020404" pitchFamily="49" charset="0"/>
+                <a:cs typeface="Courier New" panose="02070309020205020404" pitchFamily="49" charset="0"/>
+              </a:rPr>
+              <a:t>()</a:t>
+            </a:r>
+            <a:r>
+              <a:rPr lang="it-IT" sz="1100" b="1" dirty="0">
+                <a:latin typeface="Courier New" panose="02070309020205020404" pitchFamily="49" charset="0"/>
+                <a:cs typeface="Courier New" panose="02070309020205020404" pitchFamily="49" charset="0"/>
+              </a:rPr>
+              <a:t>	{</a:t>
             </a:r>
           </a:p>
           <a:p>
@@ -11321,7 +10504,35 @@
                 <a:latin typeface="Courier New" panose="02070309020205020404" pitchFamily="49" charset="0"/>
                 <a:cs typeface="Courier New" panose="02070309020205020404" pitchFamily="49" charset="0"/>
               </a:rPr>
-              <a:t>   Equazione e(3,4,1);</a:t>
+              <a:t>     </a:t>
+            </a:r>
+            <a:r>
+              <a:rPr lang="it-IT" sz="1100" b="1" dirty="0" err="1">
+                <a:latin typeface="Courier New" panose="02070309020205020404" pitchFamily="49" charset="0"/>
+                <a:cs typeface="Courier New" panose="02070309020205020404" pitchFamily="49" charset="0"/>
+              </a:rPr>
+              <a:t>if</a:t>
+            </a:r>
+            <a:r>
+              <a:rPr lang="it-IT" sz="1100" b="1" dirty="0">
+                <a:latin typeface="Courier New" panose="02070309020205020404" pitchFamily="49" charset="0"/>
+                <a:cs typeface="Courier New" panose="02070309020205020404" pitchFamily="49" charset="0"/>
+              </a:rPr>
+              <a:t> (a==0 &amp;&amp; b!=0) </a:t>
+            </a:r>
+            <a:r>
+              <a:rPr lang="it-IT" sz="1100" b="1" dirty="0" err="1">
+                <a:latin typeface="Courier New" panose="02070309020205020404" pitchFamily="49" charset="0"/>
+                <a:cs typeface="Courier New" panose="02070309020205020404" pitchFamily="49" charset="0"/>
+              </a:rPr>
+              <a:t>return</a:t>
+            </a:r>
+            <a:r>
+              <a:rPr lang="it-IT" sz="1100" b="1" dirty="0">
+                <a:latin typeface="Courier New" panose="02070309020205020404" pitchFamily="49" charset="0"/>
+                <a:cs typeface="Courier New" panose="02070309020205020404" pitchFamily="49" charset="0"/>
+              </a:rPr>
+              <a:t> 1;</a:t>
             </a:r>
           </a:p>
           <a:p>
@@ -11333,21 +10544,35 @@
                 <a:latin typeface="Courier New" panose="02070309020205020404" pitchFamily="49" charset="0"/>
                 <a:cs typeface="Courier New" panose="02070309020205020404" pitchFamily="49" charset="0"/>
               </a:rPr>
-              <a:t>   </a:t>
+              <a:t>     </a:t>
             </a:r>
             <a:r>
               <a:rPr lang="it-IT" sz="1100" b="1" dirty="0" err="1">
                 <a:latin typeface="Courier New" panose="02070309020205020404" pitchFamily="49" charset="0"/>
                 <a:cs typeface="Courier New" panose="02070309020205020404" pitchFamily="49" charset="0"/>
               </a:rPr>
-              <a:t>e.setA</a:t>
+              <a:t>if</a:t>
             </a:r>
             <a:r>
               <a:rPr lang="it-IT" sz="1100" b="1" dirty="0">
                 <a:latin typeface="Courier New" panose="02070309020205020404" pitchFamily="49" charset="0"/>
                 <a:cs typeface="Courier New" panose="02070309020205020404" pitchFamily="49" charset="0"/>
               </a:rPr>
-              <a:t>(2);</a:t>
+              <a:t> (a==0 &amp;&amp; b==0) </a:t>
+            </a:r>
+            <a:r>
+              <a:rPr lang="it-IT" sz="1100" b="1" dirty="0" err="1">
+                <a:latin typeface="Courier New" panose="02070309020205020404" pitchFamily="49" charset="0"/>
+                <a:cs typeface="Courier New" panose="02070309020205020404" pitchFamily="49" charset="0"/>
+              </a:rPr>
+              <a:t>return</a:t>
+            </a:r>
+            <a:r>
+              <a:rPr lang="it-IT" sz="1100" b="1" dirty="0">
+                <a:latin typeface="Courier New" panose="02070309020205020404" pitchFamily="49" charset="0"/>
+                <a:cs typeface="Courier New" panose="02070309020205020404" pitchFamily="49" charset="0"/>
+              </a:rPr>
+              <a:t> 0;</a:t>
             </a:r>
           </a:p>
           <a:p>
@@ -11359,49 +10584,75 @@
                 <a:latin typeface="Courier New" panose="02070309020205020404" pitchFamily="49" charset="0"/>
                 <a:cs typeface="Courier New" panose="02070309020205020404" pitchFamily="49" charset="0"/>
               </a:rPr>
-              <a:t>   </a:t>
+              <a:t>     </a:t>
             </a:r>
             <a:r>
               <a:rPr lang="it-IT" sz="1100" b="1" dirty="0" err="1">
                 <a:latin typeface="Courier New" panose="02070309020205020404" pitchFamily="49" charset="0"/>
                 <a:cs typeface="Courier New" panose="02070309020205020404" pitchFamily="49" charset="0"/>
               </a:rPr>
-              <a:t>cout</a:t>
+              <a:t>if</a:t>
             </a:r>
             <a:r>
               <a:rPr lang="it-IT" sz="1100" b="1" dirty="0">
                 <a:latin typeface="Courier New" panose="02070309020205020404" pitchFamily="49" charset="0"/>
                 <a:cs typeface="Courier New" panose="02070309020205020404" pitchFamily="49" charset="0"/>
               </a:rPr>
-              <a:t> &lt;&lt; </a:t>
+              <a:t> (delta()&lt;0)    </a:t>
             </a:r>
             <a:r>
               <a:rPr lang="it-IT" sz="1100" b="1" dirty="0" err="1">
                 <a:latin typeface="Courier New" panose="02070309020205020404" pitchFamily="49" charset="0"/>
                 <a:cs typeface="Courier New" panose="02070309020205020404" pitchFamily="49" charset="0"/>
               </a:rPr>
-              <a:t>e.toString</a:t>
+              <a:t>return</a:t>
             </a:r>
             <a:r>
               <a:rPr lang="it-IT" sz="1100" b="1" dirty="0">
                 <a:latin typeface="Courier New" panose="02070309020205020404" pitchFamily="49" charset="0"/>
                 <a:cs typeface="Courier New" panose="02070309020205020404" pitchFamily="49" charset="0"/>
               </a:rPr>
-              <a:t>() &lt;&lt; </a:t>
+              <a:t> 0;</a:t>
+            </a:r>
+          </a:p>
+          <a:p>
+            <a:pPr marL="0" indent="0">
+              <a:buNone/>
+            </a:pPr>
+            <a:r>
+              <a:rPr lang="it-IT" sz="1100" b="1" dirty="0">
+                <a:latin typeface="Courier New" panose="02070309020205020404" pitchFamily="49" charset="0"/>
+                <a:cs typeface="Courier New" panose="02070309020205020404" pitchFamily="49" charset="0"/>
+              </a:rPr>
+              <a:t>     </a:t>
             </a:r>
             <a:r>
               <a:rPr lang="it-IT" sz="1100" b="1" dirty="0" err="1">
                 <a:latin typeface="Courier New" panose="02070309020205020404" pitchFamily="49" charset="0"/>
                 <a:cs typeface="Courier New" panose="02070309020205020404" pitchFamily="49" charset="0"/>
               </a:rPr>
-              <a:t>endl</a:t>
+              <a:t>if</a:t>
             </a:r>
             <a:r>
               <a:rPr lang="it-IT" sz="1100" b="1" dirty="0">
                 <a:latin typeface="Courier New" panose="02070309020205020404" pitchFamily="49" charset="0"/>
                 <a:cs typeface="Courier New" panose="02070309020205020404" pitchFamily="49" charset="0"/>
               </a:rPr>
-              <a:t>;</a:t>
+              <a:t> (delta()==0)   </a:t>
+            </a:r>
+            <a:r>
+              <a:rPr lang="it-IT" sz="1100" b="1" dirty="0" err="1">
+                <a:latin typeface="Courier New" panose="02070309020205020404" pitchFamily="49" charset="0"/>
+                <a:cs typeface="Courier New" panose="02070309020205020404" pitchFamily="49" charset="0"/>
+              </a:rPr>
+              <a:t>return</a:t>
+            </a:r>
+            <a:r>
+              <a:rPr lang="it-IT" sz="1100" b="1" dirty="0">
+                <a:latin typeface="Courier New" panose="02070309020205020404" pitchFamily="49" charset="0"/>
+                <a:cs typeface="Courier New" panose="02070309020205020404" pitchFamily="49" charset="0"/>
+              </a:rPr>
+              <a:t> 1;</a:t>
             </a:r>
           </a:p>
           <a:p>
@@ -11413,21 +10664,21 @@
                 <a:latin typeface="Courier New" panose="02070309020205020404" pitchFamily="49" charset="0"/>
                 <a:cs typeface="Courier New" panose="02070309020205020404" pitchFamily="49" charset="0"/>
               </a:rPr>
-              <a:t>   switch (</a:t>
+              <a:t>     </a:t>
             </a:r>
             <a:r>
               <a:rPr lang="it-IT" sz="1100" b="1" dirty="0" err="1">
                 <a:latin typeface="Courier New" panose="02070309020205020404" pitchFamily="49" charset="0"/>
                 <a:cs typeface="Courier New" panose="02070309020205020404" pitchFamily="49" charset="0"/>
               </a:rPr>
-              <a:t>e.numSolReali</a:t>
+              <a:t>return</a:t>
             </a:r>
             <a:r>
               <a:rPr lang="it-IT" sz="1100" b="1" dirty="0">
                 <a:latin typeface="Courier New" panose="02070309020205020404" pitchFamily="49" charset="0"/>
                 <a:cs typeface="Courier New" panose="02070309020205020404" pitchFamily="49" charset="0"/>
               </a:rPr>
-              <a:t>()) {</a:t>
+              <a:t> 2;</a:t>
             </a:r>
           </a:p>
           <a:p>
@@ -11439,199 +10690,7 @@
                 <a:latin typeface="Courier New" panose="02070309020205020404" pitchFamily="49" charset="0"/>
                 <a:cs typeface="Courier New" panose="02070309020205020404" pitchFamily="49" charset="0"/>
               </a:rPr>
-              <a:t>     case 2:</a:t>
-            </a:r>
-          </a:p>
-          <a:p>
-            <a:pPr marL="0" indent="0">
-              <a:buNone/>
-            </a:pPr>
-            <a:r>
-              <a:rPr lang="it-IT" sz="1100" b="1" dirty="0">
-                <a:latin typeface="Courier New" panose="02070309020205020404" pitchFamily="49" charset="0"/>
-                <a:cs typeface="Courier New" panose="02070309020205020404" pitchFamily="49" charset="0"/>
-              </a:rPr>
-              <a:t>       </a:t>
-            </a:r>
-            <a:r>
-              <a:rPr lang="it-IT" sz="1100" b="1" dirty="0" err="1">
-                <a:latin typeface="Courier New" panose="02070309020205020404" pitchFamily="49" charset="0"/>
-                <a:cs typeface="Courier New" panose="02070309020205020404" pitchFamily="49" charset="0"/>
-              </a:rPr>
-              <a:t>cout</a:t>
-            </a:r>
-            <a:r>
-              <a:rPr lang="it-IT" sz="1100" b="1" dirty="0">
-                <a:latin typeface="Courier New" panose="02070309020205020404" pitchFamily="49" charset="0"/>
-                <a:cs typeface="Courier New" panose="02070309020205020404" pitchFamily="49" charset="0"/>
-              </a:rPr>
-              <a:t> &lt;&lt; "soluzione 2 = " &lt;&lt; e.soluzione2() &lt;&lt; </a:t>
-            </a:r>
-            <a:r>
-              <a:rPr lang="it-IT" sz="1100" b="1" dirty="0" err="1">
-                <a:latin typeface="Courier New" panose="02070309020205020404" pitchFamily="49" charset="0"/>
-                <a:cs typeface="Courier New" panose="02070309020205020404" pitchFamily="49" charset="0"/>
-              </a:rPr>
-              <a:t>endl</a:t>
-            </a:r>
-            <a:r>
-              <a:rPr lang="it-IT" sz="1100" b="1" dirty="0">
-                <a:latin typeface="Courier New" panose="02070309020205020404" pitchFamily="49" charset="0"/>
-                <a:cs typeface="Courier New" panose="02070309020205020404" pitchFamily="49" charset="0"/>
-              </a:rPr>
-              <a:t>;</a:t>
-            </a:r>
-          </a:p>
-          <a:p>
-            <a:pPr marL="0" indent="0">
-              <a:buNone/>
-            </a:pPr>
-            <a:r>
-              <a:rPr lang="it-IT" sz="1100" b="1" dirty="0">
-                <a:latin typeface="Courier New" panose="02070309020205020404" pitchFamily="49" charset="0"/>
-                <a:cs typeface="Courier New" panose="02070309020205020404" pitchFamily="49" charset="0"/>
-              </a:rPr>
-              <a:t>     case 1:</a:t>
-            </a:r>
-          </a:p>
-          <a:p>
-            <a:pPr marL="0" indent="0">
-              <a:buNone/>
-            </a:pPr>
-            <a:r>
-              <a:rPr lang="it-IT" sz="1100" b="1" dirty="0">
-                <a:latin typeface="Courier New" panose="02070309020205020404" pitchFamily="49" charset="0"/>
-                <a:cs typeface="Courier New" panose="02070309020205020404" pitchFamily="49" charset="0"/>
-              </a:rPr>
-              <a:t>       </a:t>
-            </a:r>
-            <a:r>
-              <a:rPr lang="it-IT" sz="1100" b="1" dirty="0" err="1">
-                <a:latin typeface="Courier New" panose="02070309020205020404" pitchFamily="49" charset="0"/>
-                <a:cs typeface="Courier New" panose="02070309020205020404" pitchFamily="49" charset="0"/>
-              </a:rPr>
-              <a:t>cout</a:t>
-            </a:r>
-            <a:r>
-              <a:rPr lang="it-IT" sz="1100" b="1" dirty="0">
-                <a:latin typeface="Courier New" panose="02070309020205020404" pitchFamily="49" charset="0"/>
-                <a:cs typeface="Courier New" panose="02070309020205020404" pitchFamily="49" charset="0"/>
-              </a:rPr>
-              <a:t> &lt;&lt; "soluzione 1 = " &lt;&lt; e.soluzione1() &lt;&lt; </a:t>
-            </a:r>
-            <a:r>
-              <a:rPr lang="it-IT" sz="1100" b="1" dirty="0" err="1">
-                <a:latin typeface="Courier New" panose="02070309020205020404" pitchFamily="49" charset="0"/>
-                <a:cs typeface="Courier New" panose="02070309020205020404" pitchFamily="49" charset="0"/>
-              </a:rPr>
-              <a:t>endl</a:t>
-            </a:r>
-            <a:r>
-              <a:rPr lang="it-IT" sz="1100" b="1" dirty="0">
-                <a:latin typeface="Courier New" panose="02070309020205020404" pitchFamily="49" charset="0"/>
-                <a:cs typeface="Courier New" panose="02070309020205020404" pitchFamily="49" charset="0"/>
-              </a:rPr>
-              <a:t>; </a:t>
-            </a:r>
-          </a:p>
-          <a:p>
-            <a:pPr marL="0" indent="0">
-              <a:buNone/>
-            </a:pPr>
-            <a:r>
-              <a:rPr lang="it-IT" sz="1100" b="1" dirty="0">
-                <a:latin typeface="Courier New" panose="02070309020205020404" pitchFamily="49" charset="0"/>
-                <a:cs typeface="Courier New" panose="02070309020205020404" pitchFamily="49" charset="0"/>
-              </a:rPr>
-              <a:t>       break;</a:t>
-            </a:r>
-          </a:p>
-          <a:p>
-            <a:pPr marL="0" indent="0">
-              <a:buNone/>
-            </a:pPr>
-            <a:r>
-              <a:rPr lang="it-IT" sz="1100" b="1" dirty="0">
-                <a:latin typeface="Courier New" panose="02070309020205020404" pitchFamily="49" charset="0"/>
-                <a:cs typeface="Courier New" panose="02070309020205020404" pitchFamily="49" charset="0"/>
-              </a:rPr>
-              <a:t>     case 0:</a:t>
-            </a:r>
-          </a:p>
-          <a:p>
-            <a:pPr marL="0" indent="0">
-              <a:buNone/>
-            </a:pPr>
-            <a:r>
-              <a:rPr lang="it-IT" sz="1100" b="1" dirty="0">
-                <a:latin typeface="Courier New" panose="02070309020205020404" pitchFamily="49" charset="0"/>
-                <a:cs typeface="Courier New" panose="02070309020205020404" pitchFamily="49" charset="0"/>
-              </a:rPr>
-              <a:t>       </a:t>
-            </a:r>
-            <a:r>
-              <a:rPr lang="it-IT" sz="1100" b="1" dirty="0" err="1">
-                <a:latin typeface="Courier New" panose="02070309020205020404" pitchFamily="49" charset="0"/>
-                <a:cs typeface="Courier New" panose="02070309020205020404" pitchFamily="49" charset="0"/>
-              </a:rPr>
-              <a:t>cout</a:t>
-            </a:r>
-            <a:r>
-              <a:rPr lang="it-IT" sz="1100" b="1" dirty="0">
-                <a:latin typeface="Courier New" panose="02070309020205020404" pitchFamily="49" charset="0"/>
-                <a:cs typeface="Courier New" panose="02070309020205020404" pitchFamily="49" charset="0"/>
-              </a:rPr>
-              <a:t> &lt;&lt; "nessuna soluzione reale"; </a:t>
-            </a:r>
-          </a:p>
-          <a:p>
-            <a:pPr marL="0" indent="0">
-              <a:buNone/>
-            </a:pPr>
-            <a:r>
-              <a:rPr lang="it-IT" sz="1100" b="1" dirty="0">
-                <a:latin typeface="Courier New" panose="02070309020205020404" pitchFamily="49" charset="0"/>
-                <a:cs typeface="Courier New" panose="02070309020205020404" pitchFamily="49" charset="0"/>
-              </a:rPr>
               <a:t>   }</a:t>
-            </a:r>
-          </a:p>
-          <a:p>
-            <a:pPr marL="0" indent="0">
-              <a:buNone/>
-            </a:pPr>
-            <a:r>
-              <a:rPr lang="it-IT" sz="1100" b="1" dirty="0">
-                <a:latin typeface="Courier New" panose="02070309020205020404" pitchFamily="49" charset="0"/>
-                <a:cs typeface="Courier New" panose="02070309020205020404" pitchFamily="49" charset="0"/>
-              </a:rPr>
-              <a:t>   </a:t>
-            </a:r>
-            <a:r>
-              <a:rPr lang="it-IT" sz="1100" b="1" dirty="0" err="1">
-                <a:latin typeface="Courier New" panose="02070309020205020404" pitchFamily="49" charset="0"/>
-                <a:cs typeface="Courier New" panose="02070309020205020404" pitchFamily="49" charset="0"/>
-              </a:rPr>
-              <a:t>return</a:t>
-            </a:r>
-            <a:r>
-              <a:rPr lang="it-IT" sz="1100" b="1" dirty="0">
-                <a:latin typeface="Courier New" panose="02070309020205020404" pitchFamily="49" charset="0"/>
-                <a:cs typeface="Courier New" panose="02070309020205020404" pitchFamily="49" charset="0"/>
-              </a:rPr>
-              <a:t> 0;</a:t>
-            </a:r>
-          </a:p>
-          <a:p>
-            <a:pPr marL="0" indent="0">
-              <a:buNone/>
-            </a:pPr>
-            <a:r>
-              <a:rPr lang="it-IT" sz="1100" b="1" dirty="0">
-                <a:latin typeface="Courier New" panose="02070309020205020404" pitchFamily="49" charset="0"/>
-                <a:cs typeface="Courier New" panose="02070309020205020404" pitchFamily="49" charset="0"/>
-              </a:rPr>
-              <a:t>} </a:t>
             </a:r>
           </a:p>
         </p:txBody>
@@ -11657,233 +10716,705 @@
           <a:bodyPr/>
           <a:lstStyle/>
           <a:p>
-            <a:r>
-              <a:rPr lang="it-IT" sz="1800" b="1" dirty="0">
-                <a:latin typeface="Courier New" panose="02070309020205020404" pitchFamily="49" charset="0"/>
-                <a:cs typeface="Courier New" panose="02070309020205020404" pitchFamily="49" charset="0"/>
-              </a:rPr>
-              <a:t>Equazione e(3,4,1)</a:t>
-            </a:r>
-          </a:p>
-          <a:p>
-            <a:pPr lvl="1"/>
-            <a:r>
-              <a:rPr lang="it-IT" sz="1400" dirty="0">
-                <a:cs typeface="Courier New" panose="02070309020205020404" pitchFamily="49" charset="0"/>
-              </a:rPr>
-              <a:t>dichiarazione e inizializzazione </a:t>
-            </a:r>
-            <a:br>
-              <a:rPr lang="it-IT" sz="1400" dirty="0">
-                <a:cs typeface="Courier New" panose="02070309020205020404" pitchFamily="49" charset="0"/>
-              </a:rPr>
-            </a:br>
-            <a:r>
-              <a:rPr lang="it-IT" sz="1400" dirty="0">
-                <a:cs typeface="Courier New" panose="02070309020205020404" pitchFamily="49" charset="0"/>
-              </a:rPr>
-              <a:t>(chiamata costruttore)</a:t>
-            </a:r>
-          </a:p>
-          <a:p>
-            <a:r>
-              <a:rPr lang="it-IT" sz="1800" b="1" dirty="0" err="1">
-                <a:latin typeface="Courier New" panose="02070309020205020404" pitchFamily="49" charset="0"/>
-                <a:cs typeface="Courier New" panose="02070309020205020404" pitchFamily="49" charset="0"/>
-              </a:rPr>
-              <a:t>e.setA</a:t>
-            </a:r>
-            <a:r>
-              <a:rPr lang="it-IT" sz="1800" b="1" dirty="0">
-                <a:latin typeface="Courier New" panose="02070309020205020404" pitchFamily="49" charset="0"/>
-                <a:cs typeface="Courier New" panose="02070309020205020404" pitchFamily="49" charset="0"/>
-              </a:rPr>
-              <a:t>(2)</a:t>
-            </a:r>
-          </a:p>
-          <a:p>
-            <a:pPr lvl="1"/>
-            <a:r>
-              <a:rPr lang="it-IT" sz="1400" dirty="0">
-                <a:cs typeface="Courier New" panose="02070309020205020404" pitchFamily="49" charset="0"/>
-              </a:rPr>
-              <a:t>esecuzione della funzione membro </a:t>
-            </a:r>
-            <a:br>
-              <a:rPr lang="it-IT" sz="1400" dirty="0">
-                <a:cs typeface="Courier New" panose="02070309020205020404" pitchFamily="49" charset="0"/>
-              </a:rPr>
-            </a:br>
-            <a:r>
-              <a:rPr lang="it-IT" sz="1400" dirty="0" err="1">
-                <a:cs typeface="Courier New" panose="02070309020205020404" pitchFamily="49" charset="0"/>
-              </a:rPr>
-              <a:t>void</a:t>
-            </a:r>
-            <a:r>
-              <a:rPr lang="it-IT" sz="1400" dirty="0">
+            <a:pPr marL="0" indent="0">
+              <a:buNone/>
+            </a:pPr>
+            <a:r>
+              <a:rPr lang="it-IT" sz="1100" b="1" dirty="0">
+                <a:solidFill>
+                  <a:srgbClr val="FF0000"/>
+                </a:solidFill>
+                <a:latin typeface="Courier New" panose="02070309020205020404" pitchFamily="49" charset="0"/>
+                <a:cs typeface="Courier New" panose="02070309020205020404" pitchFamily="49" charset="0"/>
+              </a:rPr>
+              <a:t>double soluzione1() </a:t>
+            </a:r>
+            <a:r>
+              <a:rPr lang="it-IT" sz="1100" b="1" dirty="0">
+                <a:latin typeface="Courier New" panose="02070309020205020404" pitchFamily="49" charset="0"/>
+                <a:cs typeface="Courier New" panose="02070309020205020404" pitchFamily="49" charset="0"/>
+              </a:rPr>
+              <a:t>{</a:t>
+            </a:r>
+          </a:p>
+          <a:p>
+            <a:pPr marL="0" indent="0">
+              <a:buNone/>
+            </a:pPr>
+            <a:r>
+              <a:rPr lang="it-IT" sz="1100" b="1" dirty="0">
+                <a:latin typeface="Courier New" panose="02070309020205020404" pitchFamily="49" charset="0"/>
+                <a:cs typeface="Courier New" panose="02070309020205020404" pitchFamily="49" charset="0"/>
+              </a:rPr>
+              <a:t>   </a:t>
+            </a:r>
+            <a:r>
+              <a:rPr lang="it-IT" sz="1100" b="1" dirty="0" err="1">
+                <a:latin typeface="Courier New" panose="02070309020205020404" pitchFamily="49" charset="0"/>
+                <a:cs typeface="Courier New" panose="02070309020205020404" pitchFamily="49" charset="0"/>
+              </a:rPr>
+              <a:t>if</a:t>
+            </a:r>
+            <a:r>
+              <a:rPr lang="it-IT" sz="1100" b="1" dirty="0">
+                <a:latin typeface="Courier New" panose="02070309020205020404" pitchFamily="49" charset="0"/>
+                <a:cs typeface="Courier New" panose="02070309020205020404" pitchFamily="49" charset="0"/>
+              </a:rPr>
+              <a:t> (a==0 &amp;&amp; b!=0) </a:t>
+            </a:r>
+            <a:r>
+              <a:rPr lang="it-IT" sz="1100" b="1" dirty="0" err="1">
+                <a:latin typeface="Courier New" panose="02070309020205020404" pitchFamily="49" charset="0"/>
+                <a:cs typeface="Courier New" panose="02070309020205020404" pitchFamily="49" charset="0"/>
+              </a:rPr>
+              <a:t>return</a:t>
+            </a:r>
+            <a:r>
+              <a:rPr lang="it-IT" sz="1100" b="1" dirty="0">
+                <a:latin typeface="Courier New" panose="02070309020205020404" pitchFamily="49" charset="0"/>
+                <a:cs typeface="Courier New" panose="02070309020205020404" pitchFamily="49" charset="0"/>
+              </a:rPr>
+              <a:t> (-c/b);</a:t>
+            </a:r>
+          </a:p>
+          <a:p>
+            <a:pPr marL="0" indent="0">
+              <a:buNone/>
+            </a:pPr>
+            <a:r>
+              <a:rPr lang="it-IT" sz="1100" b="1" dirty="0">
+                <a:latin typeface="Courier New" panose="02070309020205020404" pitchFamily="49" charset="0"/>
+                <a:cs typeface="Courier New" panose="02070309020205020404" pitchFamily="49" charset="0"/>
+              </a:rPr>
+              <a:t>   </a:t>
+            </a:r>
+            <a:r>
+              <a:rPr lang="it-IT" sz="1100" b="1" dirty="0" err="1">
+                <a:latin typeface="Courier New" panose="02070309020205020404" pitchFamily="49" charset="0"/>
+                <a:cs typeface="Courier New" panose="02070309020205020404" pitchFamily="49" charset="0"/>
+              </a:rPr>
+              <a:t>if</a:t>
+            </a:r>
+            <a:r>
+              <a:rPr lang="it-IT" sz="1100" b="1" dirty="0">
+                <a:latin typeface="Courier New" panose="02070309020205020404" pitchFamily="49" charset="0"/>
+                <a:cs typeface="Courier New" panose="02070309020205020404" pitchFamily="49" charset="0"/>
+              </a:rPr>
+              <a:t> (delta()&gt;=0)	</a:t>
+            </a:r>
+            <a:r>
+              <a:rPr lang="it-IT" sz="1100" b="1" dirty="0" err="1">
+                <a:latin typeface="Courier New" panose="02070309020205020404" pitchFamily="49" charset="0"/>
+                <a:cs typeface="Courier New" panose="02070309020205020404" pitchFamily="49" charset="0"/>
+              </a:rPr>
+              <a:t>return</a:t>
+            </a:r>
+            <a:r>
+              <a:rPr lang="it-IT" sz="1100" b="1" dirty="0">
+                <a:latin typeface="Courier New" panose="02070309020205020404" pitchFamily="49" charset="0"/>
+                <a:cs typeface="Courier New" panose="02070309020205020404" pitchFamily="49" charset="0"/>
+              </a:rPr>
+              <a:t> ((-b-</a:t>
+            </a:r>
+            <a:r>
+              <a:rPr lang="it-IT" sz="1100" b="1" dirty="0" err="1">
+                <a:latin typeface="Courier New" panose="02070309020205020404" pitchFamily="49" charset="0"/>
+                <a:cs typeface="Courier New" panose="02070309020205020404" pitchFamily="49" charset="0"/>
+              </a:rPr>
+              <a:t>sqrt</a:t>
+            </a:r>
+            <a:r>
+              <a:rPr lang="it-IT" sz="1100" b="1" dirty="0">
+                <a:latin typeface="Courier New" panose="02070309020205020404" pitchFamily="49" charset="0"/>
+                <a:cs typeface="Courier New" panose="02070309020205020404" pitchFamily="49" charset="0"/>
+              </a:rPr>
+              <a:t>(delta()))/a);</a:t>
+            </a:r>
+          </a:p>
+          <a:p>
+            <a:pPr marL="0" indent="0">
+              <a:buNone/>
+            </a:pPr>
+            <a:r>
+              <a:rPr lang="it-IT" sz="1100" b="1" dirty="0">
+                <a:latin typeface="Courier New" panose="02070309020205020404" pitchFamily="49" charset="0"/>
+                <a:cs typeface="Courier New" panose="02070309020205020404" pitchFamily="49" charset="0"/>
+              </a:rPr>
+              <a:t>   </a:t>
+            </a:r>
+            <a:r>
+              <a:rPr lang="it-IT" sz="1100" b="1" dirty="0" err="1">
+                <a:latin typeface="Courier New" panose="02070309020205020404" pitchFamily="49" charset="0"/>
+                <a:cs typeface="Courier New" panose="02070309020205020404" pitchFamily="49" charset="0"/>
+              </a:rPr>
+              <a:t>return</a:t>
+            </a:r>
+            <a:r>
+              <a:rPr lang="it-IT" sz="1100" b="1" dirty="0">
+                <a:latin typeface="Courier New" panose="02070309020205020404" pitchFamily="49" charset="0"/>
                 <a:cs typeface="Courier New" panose="02070309020205020404" pitchFamily="49" charset="0"/>
               </a:rPr>
               <a:t> </a:t>
             </a:r>
             <a:r>
-              <a:rPr lang="it-IT" sz="1400" dirty="0" err="1">
-                <a:cs typeface="Courier New" panose="02070309020205020404" pitchFamily="49" charset="0"/>
-              </a:rPr>
-              <a:t>setA</a:t>
-            </a:r>
-            <a:r>
-              <a:rPr lang="it-IT" sz="1400" dirty="0">
-                <a:cs typeface="Courier New" panose="02070309020205020404" pitchFamily="49" charset="0"/>
-              </a:rPr>
-              <a:t>(double)</a:t>
-            </a:r>
-          </a:p>
-          <a:p>
-            <a:r>
-              <a:rPr lang="it-IT" sz="1800" b="1" dirty="0" err="1">
-                <a:latin typeface="Courier New" panose="02070309020205020404" pitchFamily="49" charset="0"/>
-                <a:cs typeface="Courier New" panose="02070309020205020404" pitchFamily="49" charset="0"/>
-              </a:rPr>
-              <a:t>e.toString</a:t>
-            </a:r>
-            <a:r>
-              <a:rPr lang="it-IT" sz="1800" b="1" dirty="0">
-                <a:latin typeface="Courier New" panose="02070309020205020404" pitchFamily="49" charset="0"/>
-                <a:cs typeface="Courier New" panose="02070309020205020404" pitchFamily="49" charset="0"/>
-              </a:rPr>
-              <a:t>()</a:t>
-            </a:r>
-          </a:p>
-          <a:p>
-            <a:pPr lvl="1"/>
-            <a:r>
-              <a:rPr lang="it-IT" sz="1400" dirty="0">
-                <a:cs typeface="Courier New" panose="02070309020205020404" pitchFamily="49" charset="0"/>
-              </a:rPr>
-              <a:t>esecuzione della funzione membro </a:t>
-            </a:r>
-            <a:br>
-              <a:rPr lang="it-IT" sz="1400" dirty="0">
-                <a:cs typeface="Courier New" panose="02070309020205020404" pitchFamily="49" charset="0"/>
-              </a:rPr>
-            </a:br>
-            <a:r>
-              <a:rPr lang="it-IT" sz="1400" dirty="0" err="1">
+              <a:rPr lang="it-IT" sz="1100" b="1" dirty="0" err="1">
+                <a:latin typeface="Courier New" panose="02070309020205020404" pitchFamily="49" charset="0"/>
+                <a:cs typeface="Courier New" panose="02070309020205020404" pitchFamily="49" charset="0"/>
+              </a:rPr>
+              <a:t>std</a:t>
+            </a:r>
+            <a:r>
+              <a:rPr lang="it-IT" sz="1100" b="1" dirty="0">
+                <a:latin typeface="Courier New" panose="02070309020205020404" pitchFamily="49" charset="0"/>
+                <a:cs typeface="Courier New" panose="02070309020205020404" pitchFamily="49" charset="0"/>
+              </a:rPr>
+              <a:t>::</a:t>
+            </a:r>
+            <a:r>
+              <a:rPr lang="it-IT" sz="1100" b="1" dirty="0" err="1">
+                <a:latin typeface="Courier New" panose="02070309020205020404" pitchFamily="49" charset="0"/>
+                <a:cs typeface="Courier New" panose="02070309020205020404" pitchFamily="49" charset="0"/>
+              </a:rPr>
+              <a:t>numeric_limits</a:t>
+            </a:r>
+            <a:r>
+              <a:rPr lang="it-IT" sz="1100" b="1" dirty="0">
+                <a:latin typeface="Courier New" panose="02070309020205020404" pitchFamily="49" charset="0"/>
+                <a:cs typeface="Courier New" panose="02070309020205020404" pitchFamily="49" charset="0"/>
+              </a:rPr>
+              <a:t>&lt;double&gt;::</a:t>
+            </a:r>
+            <a:r>
+              <a:rPr lang="it-IT" sz="1100" b="1" dirty="0" err="1">
+                <a:latin typeface="Courier New" panose="02070309020205020404" pitchFamily="49" charset="0"/>
+                <a:cs typeface="Courier New" panose="02070309020205020404" pitchFamily="49" charset="0"/>
+              </a:rPr>
+              <a:t>min</a:t>
+            </a:r>
+            <a:r>
+              <a:rPr lang="it-IT" sz="1100" b="1" dirty="0">
+                <a:latin typeface="Courier New" panose="02070309020205020404" pitchFamily="49" charset="0"/>
+                <a:cs typeface="Courier New" panose="02070309020205020404" pitchFamily="49" charset="0"/>
+              </a:rPr>
+              <a:t>();</a:t>
+            </a:r>
+          </a:p>
+          <a:p>
+            <a:pPr marL="0" indent="0">
+              <a:buNone/>
+            </a:pPr>
+            <a:r>
+              <a:rPr lang="it-IT" sz="1100" b="1" dirty="0">
+                <a:latin typeface="Courier New" panose="02070309020205020404" pitchFamily="49" charset="0"/>
+                <a:cs typeface="Courier New" panose="02070309020205020404" pitchFamily="49" charset="0"/>
+              </a:rPr>
+              <a:t>}</a:t>
+            </a:r>
+          </a:p>
+          <a:p>
+            <a:pPr marL="0" indent="0">
+              <a:buNone/>
+            </a:pPr>
+            <a:r>
+              <a:rPr lang="it-IT" sz="1100" b="1" dirty="0">
+                <a:solidFill>
+                  <a:srgbClr val="FF0000"/>
+                </a:solidFill>
+                <a:latin typeface="Courier New" panose="02070309020205020404" pitchFamily="49" charset="0"/>
+                <a:cs typeface="Courier New" panose="02070309020205020404" pitchFamily="49" charset="0"/>
+              </a:rPr>
+              <a:t>double soluzione2() </a:t>
+            </a:r>
+            <a:r>
+              <a:rPr lang="it-IT" sz="1100" b="1" dirty="0">
+                <a:latin typeface="Courier New" panose="02070309020205020404" pitchFamily="49" charset="0"/>
+                <a:cs typeface="Courier New" panose="02070309020205020404" pitchFamily="49" charset="0"/>
+              </a:rPr>
+              <a:t>{</a:t>
+            </a:r>
+          </a:p>
+          <a:p>
+            <a:pPr marL="0" indent="0">
+              <a:buNone/>
+            </a:pPr>
+            <a:r>
+              <a:rPr lang="it-IT" sz="1100" b="1" dirty="0">
+                <a:latin typeface="Courier New" panose="02070309020205020404" pitchFamily="49" charset="0"/>
+                <a:cs typeface="Courier New" panose="02070309020205020404" pitchFamily="49" charset="0"/>
+              </a:rPr>
+              <a:t>   …</a:t>
+            </a:r>
+          </a:p>
+          <a:p>
+            <a:pPr marL="0" indent="0">
+              <a:buNone/>
+            </a:pPr>
+            <a:r>
+              <a:rPr lang="it-IT" sz="1100" b="1" dirty="0">
+                <a:latin typeface="Courier New" panose="02070309020205020404" pitchFamily="49" charset="0"/>
+                <a:cs typeface="Courier New" panose="02070309020205020404" pitchFamily="49" charset="0"/>
+              </a:rPr>
+              <a:t>}	</a:t>
+            </a:r>
+          </a:p>
+          <a:p>
+            <a:pPr marL="0" indent="0">
+              <a:buNone/>
+            </a:pPr>
+            <a:r>
+              <a:rPr lang="it-IT" sz="1100" b="1" dirty="0" err="1">
+                <a:solidFill>
+                  <a:srgbClr val="FF0000"/>
+                </a:solidFill>
+                <a:latin typeface="Courier New" panose="02070309020205020404" pitchFamily="49" charset="0"/>
                 <a:cs typeface="Courier New" panose="02070309020205020404" pitchFamily="49" charset="0"/>
               </a:rPr>
               <a:t>string</a:t>
             </a:r>
             <a:r>
-              <a:rPr lang="it-IT" sz="1400" dirty="0">
+              <a:rPr lang="it-IT" sz="1100" b="1" dirty="0">
+                <a:solidFill>
+                  <a:srgbClr val="FF0000"/>
+                </a:solidFill>
+                <a:latin typeface="Courier New" panose="02070309020205020404" pitchFamily="49" charset="0"/>
                 <a:cs typeface="Courier New" panose="02070309020205020404" pitchFamily="49" charset="0"/>
               </a:rPr>
               <a:t> </a:t>
             </a:r>
             <a:r>
-              <a:rPr lang="it-IT" sz="1400" dirty="0" err="1">
+              <a:rPr lang="it-IT" sz="1100" b="1" dirty="0" err="1">
+                <a:solidFill>
+                  <a:srgbClr val="FF0000"/>
+                </a:solidFill>
+                <a:latin typeface="Courier New" panose="02070309020205020404" pitchFamily="49" charset="0"/>
                 <a:cs typeface="Courier New" panose="02070309020205020404" pitchFamily="49" charset="0"/>
               </a:rPr>
               <a:t>toString</a:t>
             </a:r>
             <a:r>
-              <a:rPr lang="it-IT" sz="1400" dirty="0">
-                <a:cs typeface="Courier New" panose="02070309020205020404" pitchFamily="49" charset="0"/>
-              </a:rPr>
-              <a:t>()</a:t>
-            </a:r>
-          </a:p>
-          <a:p>
-            <a:r>
-              <a:rPr lang="it-IT" sz="1800" b="1" dirty="0" err="1">
-                <a:latin typeface="Courier New" panose="02070309020205020404" pitchFamily="49" charset="0"/>
-                <a:cs typeface="Courier New" panose="02070309020205020404" pitchFamily="49" charset="0"/>
-              </a:rPr>
-              <a:t>e.numSolReali</a:t>
-            </a:r>
-            <a:r>
-              <a:rPr lang="it-IT" sz="1800" b="1" dirty="0">
-                <a:latin typeface="Courier New" panose="02070309020205020404" pitchFamily="49" charset="0"/>
-                <a:cs typeface="Courier New" panose="02070309020205020404" pitchFamily="49" charset="0"/>
-              </a:rPr>
-              <a:t>()</a:t>
-            </a:r>
-          </a:p>
-          <a:p>
-            <a:pPr lvl="1"/>
-            <a:r>
-              <a:rPr lang="it-IT" sz="1400" dirty="0">
-                <a:cs typeface="Courier New" panose="02070309020205020404" pitchFamily="49" charset="0"/>
-              </a:rPr>
-              <a:t>esecuzione della funzione membro</a:t>
-            </a:r>
-            <a:br>
-              <a:rPr lang="it-IT" sz="1400" dirty="0">
-                <a:cs typeface="Courier New" panose="02070309020205020404" pitchFamily="49" charset="0"/>
-              </a:rPr>
-            </a:br>
-            <a:r>
-              <a:rPr lang="it-IT" sz="1400" dirty="0" err="1">
-                <a:cs typeface="Courier New" panose="02070309020205020404" pitchFamily="49" charset="0"/>
-              </a:rPr>
-              <a:t>int</a:t>
-            </a:r>
-            <a:r>
-              <a:rPr lang="it-IT" sz="1400" dirty="0">
+              <a:rPr lang="it-IT" sz="1100" b="1" dirty="0">
+                <a:solidFill>
+                  <a:srgbClr val="FF0000"/>
+                </a:solidFill>
+                <a:latin typeface="Courier New" panose="02070309020205020404" pitchFamily="49" charset="0"/>
+                <a:cs typeface="Courier New" panose="02070309020205020404" pitchFamily="49" charset="0"/>
+              </a:rPr>
+              <a:t>() </a:t>
+            </a:r>
+            <a:r>
+              <a:rPr lang="it-IT" sz="1100" b="1" dirty="0">
+                <a:latin typeface="Courier New" panose="02070309020205020404" pitchFamily="49" charset="0"/>
+                <a:cs typeface="Courier New" panose="02070309020205020404" pitchFamily="49" charset="0"/>
+              </a:rPr>
+              <a:t>{</a:t>
+            </a:r>
+          </a:p>
+          <a:p>
+            <a:pPr marL="0" indent="0">
+              <a:buNone/>
+            </a:pPr>
+            <a:r>
+              <a:rPr lang="it-IT" sz="1100" b="1" dirty="0">
+                <a:latin typeface="Courier New" panose="02070309020205020404" pitchFamily="49" charset="0"/>
+                <a:cs typeface="Courier New" panose="02070309020205020404" pitchFamily="49" charset="0"/>
+              </a:rPr>
+              <a:t>   </a:t>
+            </a:r>
+            <a:r>
+              <a:rPr lang="it-IT" sz="1100" b="1" dirty="0" err="1">
+                <a:latin typeface="Courier New" panose="02070309020205020404" pitchFamily="49" charset="0"/>
+                <a:cs typeface="Courier New" panose="02070309020205020404" pitchFamily="49" charset="0"/>
+              </a:rPr>
+              <a:t>string</a:t>
+            </a:r>
+            <a:r>
+              <a:rPr lang="it-IT" sz="1100" b="1" dirty="0">
+                <a:latin typeface="Courier New" panose="02070309020205020404" pitchFamily="49" charset="0"/>
+                <a:cs typeface="Courier New" panose="02070309020205020404" pitchFamily="49" charset="0"/>
+              </a:rPr>
+              <a:t> s = "";</a:t>
+            </a:r>
+          </a:p>
+          <a:p>
+            <a:pPr marL="0" indent="0">
+              <a:buNone/>
+            </a:pPr>
+            <a:r>
+              <a:rPr lang="it-IT" sz="1100" b="1" dirty="0">
+                <a:latin typeface="Courier New" panose="02070309020205020404" pitchFamily="49" charset="0"/>
+                <a:cs typeface="Courier New" panose="02070309020205020404" pitchFamily="49" charset="0"/>
+              </a:rPr>
+              <a:t>   </a:t>
+            </a:r>
+            <a:r>
+              <a:rPr lang="it-IT" sz="1100" b="1" dirty="0" err="1">
+                <a:latin typeface="Courier New" panose="02070309020205020404" pitchFamily="49" charset="0"/>
+                <a:cs typeface="Courier New" panose="02070309020205020404" pitchFamily="49" charset="0"/>
+              </a:rPr>
+              <a:t>if</a:t>
+            </a:r>
+            <a:r>
+              <a:rPr lang="it-IT" sz="1100" b="1" dirty="0">
+                <a:latin typeface="Courier New" panose="02070309020205020404" pitchFamily="49" charset="0"/>
+                <a:cs typeface="Courier New" panose="02070309020205020404" pitchFamily="49" charset="0"/>
+              </a:rPr>
+              <a:t> (a!=0) s += </a:t>
+            </a:r>
+            <a:r>
+              <a:rPr lang="it-IT" sz="1100" b="1" dirty="0" err="1">
+                <a:latin typeface="Courier New" panose="02070309020205020404" pitchFamily="49" charset="0"/>
+                <a:cs typeface="Courier New" panose="02070309020205020404" pitchFamily="49" charset="0"/>
+              </a:rPr>
+              <a:t>to_string</a:t>
+            </a:r>
+            <a:r>
+              <a:rPr lang="it-IT" sz="1100" b="1" dirty="0">
+                <a:latin typeface="Courier New" panose="02070309020205020404" pitchFamily="49" charset="0"/>
+                <a:cs typeface="Courier New" panose="02070309020205020404" pitchFamily="49" charset="0"/>
+              </a:rPr>
+              <a:t>(a) + "x^2 ";</a:t>
+            </a:r>
+          </a:p>
+          <a:p>
+            <a:pPr marL="0" indent="0">
+              <a:buNone/>
+            </a:pPr>
+            <a:r>
+              <a:rPr lang="it-IT" sz="1100" b="1" dirty="0">
+                <a:latin typeface="Courier New" panose="02070309020205020404" pitchFamily="49" charset="0"/>
+                <a:cs typeface="Courier New" panose="02070309020205020404" pitchFamily="49" charset="0"/>
+              </a:rPr>
+              <a:t>   </a:t>
+            </a:r>
+            <a:r>
+              <a:rPr lang="it-IT" sz="1100" b="1" dirty="0" err="1">
+                <a:latin typeface="Courier New" panose="02070309020205020404" pitchFamily="49" charset="0"/>
+                <a:cs typeface="Courier New" panose="02070309020205020404" pitchFamily="49" charset="0"/>
+              </a:rPr>
+              <a:t>if</a:t>
+            </a:r>
+            <a:r>
+              <a:rPr lang="it-IT" sz="1100" b="1" dirty="0">
+                <a:latin typeface="Courier New" panose="02070309020205020404" pitchFamily="49" charset="0"/>
+                <a:cs typeface="Courier New" panose="02070309020205020404" pitchFamily="49" charset="0"/>
+              </a:rPr>
+              <a:t> (b&gt;0) s += "+" + </a:t>
+            </a:r>
+            <a:r>
+              <a:rPr lang="it-IT" sz="1100" b="1" dirty="0" err="1">
+                <a:latin typeface="Courier New" panose="02070309020205020404" pitchFamily="49" charset="0"/>
+                <a:cs typeface="Courier New" panose="02070309020205020404" pitchFamily="49" charset="0"/>
+              </a:rPr>
+              <a:t>to_string</a:t>
+            </a:r>
+            <a:r>
+              <a:rPr lang="it-IT" sz="1100" b="1" dirty="0">
+                <a:latin typeface="Courier New" panose="02070309020205020404" pitchFamily="49" charset="0"/>
+                <a:cs typeface="Courier New" panose="02070309020205020404" pitchFamily="49" charset="0"/>
+              </a:rPr>
+              <a:t>(b) + "x ";</a:t>
+            </a:r>
+          </a:p>
+          <a:p>
+            <a:pPr marL="0" indent="0">
+              <a:buNone/>
+            </a:pPr>
+            <a:r>
+              <a:rPr lang="it-IT" sz="1100" b="1" dirty="0">
+                <a:latin typeface="Courier New" panose="02070309020205020404" pitchFamily="49" charset="0"/>
+                <a:cs typeface="Courier New" panose="02070309020205020404" pitchFamily="49" charset="0"/>
+              </a:rPr>
+              <a:t>   </a:t>
+            </a:r>
+            <a:r>
+              <a:rPr lang="it-IT" sz="1100" b="1" dirty="0" err="1">
+                <a:latin typeface="Courier New" panose="02070309020205020404" pitchFamily="49" charset="0"/>
+                <a:cs typeface="Courier New" panose="02070309020205020404" pitchFamily="49" charset="0"/>
+              </a:rPr>
+              <a:t>if</a:t>
+            </a:r>
+            <a:r>
+              <a:rPr lang="it-IT" sz="1100" b="1" dirty="0">
+                <a:latin typeface="Courier New" panose="02070309020205020404" pitchFamily="49" charset="0"/>
+                <a:cs typeface="Courier New" panose="02070309020205020404" pitchFamily="49" charset="0"/>
+              </a:rPr>
+              <a:t> (b&lt;0) s += </a:t>
+            </a:r>
+            <a:r>
+              <a:rPr lang="it-IT" sz="1100" b="1" dirty="0" err="1">
+                <a:latin typeface="Courier New" panose="02070309020205020404" pitchFamily="49" charset="0"/>
+                <a:cs typeface="Courier New" panose="02070309020205020404" pitchFamily="49" charset="0"/>
+              </a:rPr>
+              <a:t>to_string</a:t>
+            </a:r>
+            <a:r>
+              <a:rPr lang="it-IT" sz="1100" b="1" dirty="0">
+                <a:latin typeface="Courier New" panose="02070309020205020404" pitchFamily="49" charset="0"/>
+                <a:cs typeface="Courier New" panose="02070309020205020404" pitchFamily="49" charset="0"/>
+              </a:rPr>
+              <a:t>(b) + "x ";</a:t>
+            </a:r>
+          </a:p>
+          <a:p>
+            <a:pPr marL="0" indent="0">
+              <a:buNone/>
+            </a:pPr>
+            <a:r>
+              <a:rPr lang="it-IT" sz="1100" b="1" dirty="0">
+                <a:latin typeface="Courier New" panose="02070309020205020404" pitchFamily="49" charset="0"/>
+                <a:cs typeface="Courier New" panose="02070309020205020404" pitchFamily="49" charset="0"/>
+              </a:rPr>
+              <a:t>   </a:t>
+            </a:r>
+            <a:r>
+              <a:rPr lang="it-IT" sz="1100" b="1" dirty="0" err="1">
+                <a:latin typeface="Courier New" panose="02070309020205020404" pitchFamily="49" charset="0"/>
+                <a:cs typeface="Courier New" panose="02070309020205020404" pitchFamily="49" charset="0"/>
+              </a:rPr>
+              <a:t>if</a:t>
+            </a:r>
+            <a:r>
+              <a:rPr lang="it-IT" sz="1100" b="1" dirty="0">
+                <a:latin typeface="Courier New" panose="02070309020205020404" pitchFamily="49" charset="0"/>
+                <a:cs typeface="Courier New" panose="02070309020205020404" pitchFamily="49" charset="0"/>
+              </a:rPr>
+              <a:t> (c&gt;0) s += "+" + </a:t>
+            </a:r>
+            <a:r>
+              <a:rPr lang="it-IT" sz="1100" b="1" dirty="0" err="1">
+                <a:latin typeface="Courier New" panose="02070309020205020404" pitchFamily="49" charset="0"/>
+                <a:cs typeface="Courier New" panose="02070309020205020404" pitchFamily="49" charset="0"/>
+              </a:rPr>
+              <a:t>to_string</a:t>
+            </a:r>
+            <a:r>
+              <a:rPr lang="it-IT" sz="1100" b="1" dirty="0">
+                <a:latin typeface="Courier New" panose="02070309020205020404" pitchFamily="49" charset="0"/>
+                <a:cs typeface="Courier New" panose="02070309020205020404" pitchFamily="49" charset="0"/>
+              </a:rPr>
+              <a:t>(c);</a:t>
+            </a:r>
+          </a:p>
+          <a:p>
+            <a:pPr marL="0" indent="0">
+              <a:buNone/>
+            </a:pPr>
+            <a:r>
+              <a:rPr lang="it-IT" sz="1100" b="1" dirty="0">
+                <a:latin typeface="Courier New" panose="02070309020205020404" pitchFamily="49" charset="0"/>
+                <a:cs typeface="Courier New" panose="02070309020205020404" pitchFamily="49" charset="0"/>
+              </a:rPr>
+              <a:t>   </a:t>
+            </a:r>
+            <a:r>
+              <a:rPr lang="it-IT" sz="1100" b="1" dirty="0" err="1">
+                <a:latin typeface="Courier New" panose="02070309020205020404" pitchFamily="49" charset="0"/>
+                <a:cs typeface="Courier New" panose="02070309020205020404" pitchFamily="49" charset="0"/>
+              </a:rPr>
+              <a:t>if</a:t>
+            </a:r>
+            <a:r>
+              <a:rPr lang="it-IT" sz="1100" b="1" dirty="0">
+                <a:latin typeface="Courier New" panose="02070309020205020404" pitchFamily="49" charset="0"/>
+                <a:cs typeface="Courier New" panose="02070309020205020404" pitchFamily="49" charset="0"/>
+              </a:rPr>
+              <a:t> (c&lt;0) s += </a:t>
+            </a:r>
+            <a:r>
+              <a:rPr lang="it-IT" sz="1100" b="1" dirty="0" err="1">
+                <a:latin typeface="Courier New" panose="02070309020205020404" pitchFamily="49" charset="0"/>
+                <a:cs typeface="Courier New" panose="02070309020205020404" pitchFamily="49" charset="0"/>
+              </a:rPr>
+              <a:t>to_string</a:t>
+            </a:r>
+            <a:r>
+              <a:rPr lang="it-IT" sz="1100" b="1" dirty="0">
+                <a:latin typeface="Courier New" panose="02070309020205020404" pitchFamily="49" charset="0"/>
+                <a:cs typeface="Courier New" panose="02070309020205020404" pitchFamily="49" charset="0"/>
+              </a:rPr>
+              <a:t>(c);</a:t>
+            </a:r>
+          </a:p>
+          <a:p>
+            <a:pPr marL="0" indent="0">
+              <a:buNone/>
+            </a:pPr>
+            <a:r>
+              <a:rPr lang="it-IT" sz="1100" b="1" dirty="0">
+                <a:latin typeface="Courier New" panose="02070309020205020404" pitchFamily="49" charset="0"/>
+                <a:cs typeface="Courier New" panose="02070309020205020404" pitchFamily="49" charset="0"/>
+              </a:rPr>
+              <a:t>   </a:t>
+            </a:r>
+            <a:r>
+              <a:rPr lang="it-IT" sz="1100" b="1" dirty="0" err="1">
+                <a:latin typeface="Courier New" panose="02070309020205020404" pitchFamily="49" charset="0"/>
+                <a:cs typeface="Courier New" panose="02070309020205020404" pitchFamily="49" charset="0"/>
+              </a:rPr>
+              <a:t>return</a:t>
+            </a:r>
+            <a:r>
+              <a:rPr lang="it-IT" sz="1100" b="1" dirty="0">
+                <a:latin typeface="Courier New" panose="02070309020205020404" pitchFamily="49" charset="0"/>
+                <a:cs typeface="Courier New" panose="02070309020205020404" pitchFamily="49" charset="0"/>
+              </a:rPr>
+              <a:t> s + " = 0";</a:t>
+            </a:r>
+          </a:p>
+          <a:p>
+            <a:pPr marL="0" indent="0">
+              <a:buNone/>
+            </a:pPr>
+            <a:r>
+              <a:rPr lang="it-IT" sz="1100" b="1" dirty="0">
+                <a:latin typeface="Courier New" panose="02070309020205020404" pitchFamily="49" charset="0"/>
+                <a:cs typeface="Courier New" panose="02070309020205020404" pitchFamily="49" charset="0"/>
+              </a:rPr>
+              <a:t>}</a:t>
+            </a:r>
+          </a:p>
+          <a:p>
+            <a:pPr marL="0" indent="0">
+              <a:buNone/>
+            </a:pPr>
+            <a:r>
+              <a:rPr lang="it-IT" sz="1100" b="1" dirty="0">
+                <a:solidFill>
+                  <a:srgbClr val="0070C0"/>
+                </a:solidFill>
+                <a:latin typeface="Courier New" panose="02070309020205020404" pitchFamily="49" charset="0"/>
+                <a:cs typeface="Courier New" panose="02070309020205020404" pitchFamily="49" charset="0"/>
+              </a:rPr>
+              <a:t>private</a:t>
+            </a:r>
+            <a:r>
+              <a:rPr lang="it-IT" sz="1100" b="1" dirty="0">
+                <a:latin typeface="Courier New" panose="02070309020205020404" pitchFamily="49" charset="0"/>
+                <a:cs typeface="Courier New" panose="02070309020205020404" pitchFamily="49" charset="0"/>
+              </a:rPr>
+              <a:t>:</a:t>
+            </a:r>
+          </a:p>
+          <a:p>
+            <a:pPr marL="0" indent="0">
+              <a:buNone/>
+            </a:pPr>
+            <a:r>
+              <a:rPr lang="it-IT" sz="1100" b="1" dirty="0">
+                <a:latin typeface="Courier New" panose="02070309020205020404" pitchFamily="49" charset="0"/>
+                <a:cs typeface="Courier New" panose="02070309020205020404" pitchFamily="49" charset="0"/>
+              </a:rPr>
+              <a:t>   </a:t>
+            </a:r>
+            <a:r>
+              <a:rPr lang="it-IT" sz="1100" b="1" dirty="0">
+                <a:solidFill>
+                  <a:srgbClr val="FF0000"/>
+                </a:solidFill>
+                <a:latin typeface="Courier New" panose="02070309020205020404" pitchFamily="49" charset="0"/>
+                <a:cs typeface="Courier New" panose="02070309020205020404" pitchFamily="49" charset="0"/>
+              </a:rPr>
+              <a:t>double a;</a:t>
+            </a:r>
+          </a:p>
+          <a:p>
+            <a:pPr marL="0" indent="0">
+              <a:buNone/>
+            </a:pPr>
+            <a:r>
+              <a:rPr lang="it-IT" sz="1100" b="1" dirty="0">
+                <a:solidFill>
+                  <a:srgbClr val="FF0000"/>
+                </a:solidFill>
+                <a:latin typeface="Courier New" panose="02070309020205020404" pitchFamily="49" charset="0"/>
+                <a:cs typeface="Courier New" panose="02070309020205020404" pitchFamily="49" charset="0"/>
+              </a:rPr>
+              <a:t>   double b;</a:t>
+            </a:r>
+          </a:p>
+          <a:p>
+            <a:pPr marL="0" indent="0">
+              <a:buNone/>
+            </a:pPr>
+            <a:r>
+              <a:rPr lang="it-IT" sz="1100" b="1" dirty="0">
+                <a:solidFill>
+                  <a:srgbClr val="FF0000"/>
+                </a:solidFill>
+                <a:latin typeface="Courier New" panose="02070309020205020404" pitchFamily="49" charset="0"/>
+                <a:cs typeface="Courier New" panose="02070309020205020404" pitchFamily="49" charset="0"/>
+              </a:rPr>
+              <a:t>   double c;</a:t>
+            </a:r>
+          </a:p>
+          <a:p>
+            <a:pPr marL="0" indent="0">
+              <a:buNone/>
+            </a:pPr>
+            <a:r>
+              <a:rPr lang="it-IT" sz="1100" b="1" dirty="0">
+                <a:solidFill>
+                  <a:srgbClr val="FF0000"/>
+                </a:solidFill>
+                <a:latin typeface="Courier New" panose="02070309020205020404" pitchFamily="49" charset="0"/>
+                <a:cs typeface="Courier New" panose="02070309020205020404" pitchFamily="49" charset="0"/>
+              </a:rPr>
+              <a:t>   double delta() </a:t>
+            </a:r>
+            <a:r>
+              <a:rPr lang="it-IT" sz="1100" b="1" dirty="0">
+                <a:latin typeface="Courier New" panose="02070309020205020404" pitchFamily="49" charset="0"/>
+                <a:cs typeface="Courier New" panose="02070309020205020404" pitchFamily="49" charset="0"/>
+              </a:rPr>
+              <a:t>{ </a:t>
+            </a:r>
+            <a:r>
+              <a:rPr lang="it-IT" sz="1100" b="1" dirty="0" err="1">
+                <a:latin typeface="Courier New" panose="02070309020205020404" pitchFamily="49" charset="0"/>
+                <a:cs typeface="Courier New" panose="02070309020205020404" pitchFamily="49" charset="0"/>
+              </a:rPr>
+              <a:t>return</a:t>
+            </a:r>
+            <a:r>
+              <a:rPr lang="it-IT" sz="1100" b="1" dirty="0">
+                <a:latin typeface="Courier New" panose="02070309020205020404" pitchFamily="49" charset="0"/>
                 <a:cs typeface="Courier New" panose="02070309020205020404" pitchFamily="49" charset="0"/>
               </a:rPr>
               <a:t> </a:t>
             </a:r>
             <a:r>
-              <a:rPr lang="it-IT" sz="1400" dirty="0" err="1">
-                <a:cs typeface="Courier New" panose="02070309020205020404" pitchFamily="49" charset="0"/>
-              </a:rPr>
-              <a:t>numSolReali</a:t>
-            </a:r>
-            <a:r>
-              <a:rPr lang="it-IT" sz="1400" dirty="0">
-                <a:cs typeface="Courier New" panose="02070309020205020404" pitchFamily="49" charset="0"/>
-              </a:rPr>
-              <a:t>()</a:t>
-            </a:r>
-          </a:p>
-          <a:p>
-            <a:r>
-              <a:rPr lang="it-IT" sz="1800" b="1" dirty="0">
-                <a:latin typeface="Courier New" panose="02070309020205020404" pitchFamily="49" charset="0"/>
-                <a:cs typeface="Courier New" panose="02070309020205020404" pitchFamily="49" charset="0"/>
-              </a:rPr>
-              <a:t>e.soluzione1() </a:t>
-            </a:r>
-            <a:r>
-              <a:rPr lang="it-IT" sz="1800" dirty="0">
-                <a:cs typeface="Courier New" panose="02070309020205020404" pitchFamily="49" charset="0"/>
-              </a:rPr>
-              <a:t>e.soluzione2()</a:t>
-            </a:r>
-          </a:p>
-          <a:p>
-            <a:pPr lvl="1"/>
-            <a:r>
-              <a:rPr lang="it-IT" sz="1400" dirty="0">
-                <a:cs typeface="Courier New" panose="02070309020205020404" pitchFamily="49" charset="0"/>
-              </a:rPr>
-              <a:t>esecuzione della funzione membro</a:t>
-            </a:r>
-            <a:br>
-              <a:rPr lang="it-IT" sz="1400" dirty="0">
-                <a:cs typeface="Courier New" panose="02070309020205020404" pitchFamily="49" charset="0"/>
-              </a:rPr>
-            </a:br>
-            <a:r>
-              <a:rPr lang="it-IT" sz="1400" dirty="0">
-                <a:cs typeface="Courier New" panose="02070309020205020404" pitchFamily="49" charset="0"/>
-              </a:rPr>
-              <a:t>double soluzione1() </a:t>
-            </a:r>
-          </a:p>
-          <a:p>
-            <a:endParaRPr lang="it-IT" sz="1800" dirty="0">
+              <a:rPr lang="it-IT" sz="1100" b="1" dirty="0" err="1">
+                <a:latin typeface="Courier New" panose="02070309020205020404" pitchFamily="49" charset="0"/>
+                <a:cs typeface="Courier New" panose="02070309020205020404" pitchFamily="49" charset="0"/>
+              </a:rPr>
+              <a:t>pow</a:t>
+            </a:r>
+            <a:r>
+              <a:rPr lang="it-IT" sz="1100" b="1" dirty="0">
+                <a:latin typeface="Courier New" panose="02070309020205020404" pitchFamily="49" charset="0"/>
+                <a:cs typeface="Courier New" panose="02070309020205020404" pitchFamily="49" charset="0"/>
+              </a:rPr>
+              <a:t>(b,2)-4*a*c; }</a:t>
+            </a:r>
+          </a:p>
+          <a:p>
+            <a:pPr marL="0" indent="0">
+              <a:buNone/>
+            </a:pPr>
+            <a:r>
+              <a:rPr lang="it-IT" sz="1100" b="1" dirty="0">
+                <a:latin typeface="Courier New" panose="02070309020205020404" pitchFamily="49" charset="0"/>
+                <a:cs typeface="Courier New" panose="02070309020205020404" pitchFamily="49" charset="0"/>
+              </a:rPr>
+              <a:t>};</a:t>
+            </a:r>
+          </a:p>
+          <a:p>
+            <a:pPr marL="0" indent="0">
+              <a:buNone/>
+            </a:pPr>
+            <a:endParaRPr lang="it-IT" sz="1100" b="1" dirty="0">
+              <a:latin typeface="Courier New" panose="02070309020205020404" pitchFamily="49" charset="0"/>
               <a:cs typeface="Courier New" panose="02070309020205020404" pitchFamily="49" charset="0"/>
             </a:endParaRPr>
           </a:p>
@@ -11924,7 +11455,7 @@
     </p:spTree>
     <p:extLst>
       <p:ext uri="{BB962C8B-B14F-4D97-AF65-F5344CB8AC3E}">
-        <p14:creationId xmlns:p14="http://schemas.microsoft.com/office/powerpoint/2010/main" val="1528031871"/>
+        <p14:creationId xmlns:p14="http://schemas.microsoft.com/office/powerpoint/2010/main" val="3556294264"/>
       </p:ext>
     </p:extLst>
   </p:cSld>
@@ -12130,33 +11661,15 @@
       </p:grpSpPr>
       <p:sp>
         <p:nvSpPr>
-          <p:cNvPr id="4" name="Segnaposto numero diapositiva 5"/>
+          <p:cNvPr id="2" name="Titolo 1">
+            <a:extLst>
+              <a:ext uri="{FF2B5EF4-FFF2-40B4-BE49-F238E27FC236}">
+                <a16:creationId xmlns:a16="http://schemas.microsoft.com/office/drawing/2014/main" id="{8F83756D-8806-4520-940E-38F00B94B205}"/>
+              </a:ext>
+            </a:extLst>
+          </p:cNvPr>
           <p:cNvSpPr>
             <a:spLocks noGrp="1"/>
-          </p:cNvSpPr>
-          <p:nvPr>
-            <p:ph type="sldNum" sz="quarter" idx="12"/>
-          </p:nvPr>
-        </p:nvSpPr>
-        <p:spPr/>
-        <p:txBody>
-          <a:bodyPr/>
-          <a:lstStyle/>
-          <a:p>
-            <a:fld id="{635BB41A-CC6D-45EE-880B-BBDDB328249F}" type="slidenum">
-              <a:rPr lang="en-US" altLang="it-IT"/>
-              <a:pPr/>
-              <a:t>30</a:t>
-            </a:fld>
-            <a:endParaRPr lang="en-US" altLang="it-IT"/>
-          </a:p>
-        </p:txBody>
-      </p:sp>
-      <p:sp>
-        <p:nvSpPr>
-          <p:cNvPr id="271362" name="Rectangle 2"/>
-          <p:cNvSpPr>
-            <a:spLocks noGrp="1" noChangeArrowheads="1"/>
           </p:cNvSpPr>
           <p:nvPr>
             <p:ph type="title"/>
@@ -12168,20 +11681,26 @@
           <a:lstStyle/>
           <a:p>
             <a:r>
-              <a:rPr lang="it-IT" altLang="it-IT" dirty="0"/>
-              <a:t>suddivisione del codice in file</a:t>
-            </a:r>
-          </a:p>
-        </p:txBody>
-      </p:sp>
-      <p:sp>
-        <p:nvSpPr>
-          <p:cNvPr id="271363" name="Rectangle 3"/>
+              <a:rPr lang="it-IT" dirty="0"/>
+              <a:t>soluzione esercizio</a:t>
+            </a:r>
+          </a:p>
+        </p:txBody>
+      </p:sp>
+      <p:sp>
+        <p:nvSpPr>
+          <p:cNvPr id="3" name="Segnaposto contenuto 2">
+            <a:extLst>
+              <a:ext uri="{FF2B5EF4-FFF2-40B4-BE49-F238E27FC236}">
+                <a16:creationId xmlns:a16="http://schemas.microsoft.com/office/drawing/2014/main" id="{24114D0B-C108-4C15-94AB-79C2F95BCBA7}"/>
+              </a:ext>
+            </a:extLst>
+          </p:cNvPr>
           <p:cNvSpPr>
-            <a:spLocks noGrp="1" noChangeArrowheads="1"/>
+            <a:spLocks noGrp="1"/>
           </p:cNvSpPr>
           <p:nvPr>
-            <p:ph type="body" idx="1"/>
+            <p:ph sz="half" idx="1"/>
           </p:nvPr>
         </p:nvSpPr>
         <p:spPr/>
@@ -12189,106 +11708,651 @@
           <a:bodyPr/>
           <a:lstStyle/>
           <a:p>
-            <a:r>
-              <a:rPr lang="it-IT" altLang="it-IT" sz="2800" b="1" i="1" dirty="0"/>
-              <a:t>separazione</a:t>
-            </a:r>
-            <a:r>
-              <a:rPr lang="it-IT" altLang="it-IT" sz="2800" dirty="0"/>
-              <a:t> tra la </a:t>
-            </a:r>
-            <a:r>
-              <a:rPr lang="it-IT" altLang="it-IT" sz="2800" b="1" i="1" dirty="0"/>
-              <a:t>classe</a:t>
-            </a:r>
-            <a:r>
-              <a:rPr lang="it-IT" altLang="it-IT" sz="2800" dirty="0"/>
-              <a:t> e i </a:t>
-            </a:r>
-            <a:r>
-              <a:rPr lang="it-IT" altLang="it-IT" sz="2800" b="1" i="1" dirty="0"/>
-              <a:t>programmi</a:t>
-            </a:r>
-            <a:r>
-              <a:rPr lang="it-IT" altLang="it-IT" sz="2800" dirty="0"/>
-              <a:t> che la usano</a:t>
+            <a:pPr marL="0" indent="0">
+              <a:buNone/>
+            </a:pPr>
+            <a:r>
+              <a:rPr lang="it-IT" sz="1100" b="1" dirty="0" err="1">
+                <a:latin typeface="Courier New" panose="02070309020205020404" pitchFamily="49" charset="0"/>
+                <a:cs typeface="Courier New" panose="02070309020205020404" pitchFamily="49" charset="0"/>
+              </a:rPr>
+              <a:t>int</a:t>
+            </a:r>
+            <a:r>
+              <a:rPr lang="it-IT" sz="1100" b="1" dirty="0">
+                <a:latin typeface="Courier New" panose="02070309020205020404" pitchFamily="49" charset="0"/>
+                <a:cs typeface="Courier New" panose="02070309020205020404" pitchFamily="49" charset="0"/>
+              </a:rPr>
+              <a:t> </a:t>
+            </a:r>
+            <a:r>
+              <a:rPr lang="it-IT" sz="1100" b="1" dirty="0" err="1">
+                <a:latin typeface="Courier New" panose="02070309020205020404" pitchFamily="49" charset="0"/>
+                <a:cs typeface="Courier New" panose="02070309020205020404" pitchFamily="49" charset="0"/>
+              </a:rPr>
+              <a:t>main</a:t>
+            </a:r>
+            <a:r>
+              <a:rPr lang="it-IT" sz="1100" b="1" dirty="0">
+                <a:latin typeface="Courier New" panose="02070309020205020404" pitchFamily="49" charset="0"/>
+                <a:cs typeface="Courier New" panose="02070309020205020404" pitchFamily="49" charset="0"/>
+              </a:rPr>
+              <a:t>() {</a:t>
+            </a:r>
+          </a:p>
+          <a:p>
+            <a:pPr marL="0" indent="0">
+              <a:buNone/>
+            </a:pPr>
+            <a:r>
+              <a:rPr lang="it-IT" sz="1100" b="1" dirty="0">
+                <a:latin typeface="Courier New" panose="02070309020205020404" pitchFamily="49" charset="0"/>
+                <a:cs typeface="Courier New" panose="02070309020205020404" pitchFamily="49" charset="0"/>
+              </a:rPr>
+              <a:t>   Equazione e(3,4,1);</a:t>
+            </a:r>
+          </a:p>
+          <a:p>
+            <a:pPr marL="0" indent="0">
+              <a:buNone/>
+            </a:pPr>
+            <a:r>
+              <a:rPr lang="it-IT" sz="1100" b="1" dirty="0">
+                <a:latin typeface="Courier New" panose="02070309020205020404" pitchFamily="49" charset="0"/>
+                <a:cs typeface="Courier New" panose="02070309020205020404" pitchFamily="49" charset="0"/>
+              </a:rPr>
+              <a:t>   </a:t>
+            </a:r>
+            <a:r>
+              <a:rPr lang="it-IT" sz="1100" b="1" dirty="0" err="1">
+                <a:latin typeface="Courier New" panose="02070309020205020404" pitchFamily="49" charset="0"/>
+                <a:cs typeface="Courier New" panose="02070309020205020404" pitchFamily="49" charset="0"/>
+              </a:rPr>
+              <a:t>e.setA</a:t>
+            </a:r>
+            <a:r>
+              <a:rPr lang="it-IT" sz="1100" b="1" dirty="0">
+                <a:latin typeface="Courier New" panose="02070309020205020404" pitchFamily="49" charset="0"/>
+                <a:cs typeface="Courier New" panose="02070309020205020404" pitchFamily="49" charset="0"/>
+              </a:rPr>
+              <a:t>(2);</a:t>
+            </a:r>
+          </a:p>
+          <a:p>
+            <a:pPr marL="0" indent="0">
+              <a:buNone/>
+            </a:pPr>
+            <a:r>
+              <a:rPr lang="it-IT" sz="1100" b="1" dirty="0">
+                <a:latin typeface="Courier New" panose="02070309020205020404" pitchFamily="49" charset="0"/>
+                <a:cs typeface="Courier New" panose="02070309020205020404" pitchFamily="49" charset="0"/>
+              </a:rPr>
+              <a:t>   </a:t>
+            </a:r>
+            <a:r>
+              <a:rPr lang="it-IT" sz="1100" b="1" dirty="0" err="1">
+                <a:latin typeface="Courier New" panose="02070309020205020404" pitchFamily="49" charset="0"/>
+                <a:cs typeface="Courier New" panose="02070309020205020404" pitchFamily="49" charset="0"/>
+              </a:rPr>
+              <a:t>cout</a:t>
+            </a:r>
+            <a:r>
+              <a:rPr lang="it-IT" sz="1100" b="1" dirty="0">
+                <a:latin typeface="Courier New" panose="02070309020205020404" pitchFamily="49" charset="0"/>
+                <a:cs typeface="Courier New" panose="02070309020205020404" pitchFamily="49" charset="0"/>
+              </a:rPr>
+              <a:t> &lt;&lt; </a:t>
+            </a:r>
+            <a:r>
+              <a:rPr lang="it-IT" sz="1100" b="1" dirty="0" err="1">
+                <a:latin typeface="Courier New" panose="02070309020205020404" pitchFamily="49" charset="0"/>
+                <a:cs typeface="Courier New" panose="02070309020205020404" pitchFamily="49" charset="0"/>
+              </a:rPr>
+              <a:t>e.toString</a:t>
+            </a:r>
+            <a:r>
+              <a:rPr lang="it-IT" sz="1100" b="1" dirty="0">
+                <a:latin typeface="Courier New" panose="02070309020205020404" pitchFamily="49" charset="0"/>
+                <a:cs typeface="Courier New" panose="02070309020205020404" pitchFamily="49" charset="0"/>
+              </a:rPr>
+              <a:t>() &lt;&lt; </a:t>
+            </a:r>
+            <a:r>
+              <a:rPr lang="it-IT" sz="1100" b="1" dirty="0" err="1">
+                <a:latin typeface="Courier New" panose="02070309020205020404" pitchFamily="49" charset="0"/>
+                <a:cs typeface="Courier New" panose="02070309020205020404" pitchFamily="49" charset="0"/>
+              </a:rPr>
+              <a:t>endl</a:t>
+            </a:r>
+            <a:r>
+              <a:rPr lang="it-IT" sz="1100" b="1" dirty="0">
+                <a:latin typeface="Courier New" panose="02070309020205020404" pitchFamily="49" charset="0"/>
+                <a:cs typeface="Courier New" panose="02070309020205020404" pitchFamily="49" charset="0"/>
+              </a:rPr>
+              <a:t>;</a:t>
+            </a:r>
+          </a:p>
+          <a:p>
+            <a:pPr marL="0" indent="0">
+              <a:buNone/>
+            </a:pPr>
+            <a:r>
+              <a:rPr lang="it-IT" sz="1100" b="1" dirty="0">
+                <a:latin typeface="Courier New" panose="02070309020205020404" pitchFamily="49" charset="0"/>
+                <a:cs typeface="Courier New" panose="02070309020205020404" pitchFamily="49" charset="0"/>
+              </a:rPr>
+              <a:t>   switch (</a:t>
+            </a:r>
+            <a:r>
+              <a:rPr lang="it-IT" sz="1100" b="1" dirty="0" err="1">
+                <a:latin typeface="Courier New" panose="02070309020205020404" pitchFamily="49" charset="0"/>
+                <a:cs typeface="Courier New" panose="02070309020205020404" pitchFamily="49" charset="0"/>
+              </a:rPr>
+              <a:t>e.numSolReali</a:t>
+            </a:r>
+            <a:r>
+              <a:rPr lang="it-IT" sz="1100" b="1" dirty="0">
+                <a:latin typeface="Courier New" panose="02070309020205020404" pitchFamily="49" charset="0"/>
+                <a:cs typeface="Courier New" panose="02070309020205020404" pitchFamily="49" charset="0"/>
+              </a:rPr>
+              <a:t>()) {</a:t>
+            </a:r>
+          </a:p>
+          <a:p>
+            <a:pPr marL="0" indent="0">
+              <a:buNone/>
+            </a:pPr>
+            <a:r>
+              <a:rPr lang="it-IT" sz="1100" b="1" dirty="0">
+                <a:latin typeface="Courier New" panose="02070309020205020404" pitchFamily="49" charset="0"/>
+                <a:cs typeface="Courier New" panose="02070309020205020404" pitchFamily="49" charset="0"/>
+              </a:rPr>
+              <a:t>     case 2:</a:t>
+            </a:r>
+          </a:p>
+          <a:p>
+            <a:pPr marL="0" indent="0">
+              <a:buNone/>
+            </a:pPr>
+            <a:r>
+              <a:rPr lang="it-IT" sz="1100" b="1" dirty="0">
+                <a:latin typeface="Courier New" panose="02070309020205020404" pitchFamily="49" charset="0"/>
+                <a:cs typeface="Courier New" panose="02070309020205020404" pitchFamily="49" charset="0"/>
+              </a:rPr>
+              <a:t>       </a:t>
+            </a:r>
+            <a:r>
+              <a:rPr lang="it-IT" sz="1100" b="1" dirty="0" err="1">
+                <a:latin typeface="Courier New" panose="02070309020205020404" pitchFamily="49" charset="0"/>
+                <a:cs typeface="Courier New" panose="02070309020205020404" pitchFamily="49" charset="0"/>
+              </a:rPr>
+              <a:t>cout</a:t>
+            </a:r>
+            <a:r>
+              <a:rPr lang="it-IT" sz="1100" b="1" dirty="0">
+                <a:latin typeface="Courier New" panose="02070309020205020404" pitchFamily="49" charset="0"/>
+                <a:cs typeface="Courier New" panose="02070309020205020404" pitchFamily="49" charset="0"/>
+              </a:rPr>
+              <a:t> &lt;&lt; "soluzione 2 = " &lt;&lt; e.soluzione2() &lt;&lt; </a:t>
+            </a:r>
+            <a:r>
+              <a:rPr lang="it-IT" sz="1100" b="1" dirty="0" err="1">
+                <a:latin typeface="Courier New" panose="02070309020205020404" pitchFamily="49" charset="0"/>
+                <a:cs typeface="Courier New" panose="02070309020205020404" pitchFamily="49" charset="0"/>
+              </a:rPr>
+              <a:t>endl</a:t>
+            </a:r>
+            <a:r>
+              <a:rPr lang="it-IT" sz="1100" b="1" dirty="0">
+                <a:latin typeface="Courier New" panose="02070309020205020404" pitchFamily="49" charset="0"/>
+                <a:cs typeface="Courier New" panose="02070309020205020404" pitchFamily="49" charset="0"/>
+              </a:rPr>
+              <a:t>;</a:t>
+            </a:r>
+          </a:p>
+          <a:p>
+            <a:pPr marL="0" indent="0">
+              <a:buNone/>
+            </a:pPr>
+            <a:r>
+              <a:rPr lang="it-IT" sz="1100" b="1" dirty="0">
+                <a:latin typeface="Courier New" panose="02070309020205020404" pitchFamily="49" charset="0"/>
+                <a:cs typeface="Courier New" panose="02070309020205020404" pitchFamily="49" charset="0"/>
+              </a:rPr>
+              <a:t>     case 1:</a:t>
+            </a:r>
+          </a:p>
+          <a:p>
+            <a:pPr marL="0" indent="0">
+              <a:buNone/>
+            </a:pPr>
+            <a:r>
+              <a:rPr lang="it-IT" sz="1100" b="1" dirty="0">
+                <a:latin typeface="Courier New" panose="02070309020205020404" pitchFamily="49" charset="0"/>
+                <a:cs typeface="Courier New" panose="02070309020205020404" pitchFamily="49" charset="0"/>
+              </a:rPr>
+              <a:t>       </a:t>
+            </a:r>
+            <a:r>
+              <a:rPr lang="it-IT" sz="1100" b="1" dirty="0" err="1">
+                <a:latin typeface="Courier New" panose="02070309020205020404" pitchFamily="49" charset="0"/>
+                <a:cs typeface="Courier New" panose="02070309020205020404" pitchFamily="49" charset="0"/>
+              </a:rPr>
+              <a:t>cout</a:t>
+            </a:r>
+            <a:r>
+              <a:rPr lang="it-IT" sz="1100" b="1" dirty="0">
+                <a:latin typeface="Courier New" panose="02070309020205020404" pitchFamily="49" charset="0"/>
+                <a:cs typeface="Courier New" panose="02070309020205020404" pitchFamily="49" charset="0"/>
+              </a:rPr>
+              <a:t> &lt;&lt; "soluzione 1 = " &lt;&lt; e.soluzione1() &lt;&lt; </a:t>
+            </a:r>
+            <a:r>
+              <a:rPr lang="it-IT" sz="1100" b="1" dirty="0" err="1">
+                <a:latin typeface="Courier New" panose="02070309020205020404" pitchFamily="49" charset="0"/>
+                <a:cs typeface="Courier New" panose="02070309020205020404" pitchFamily="49" charset="0"/>
+              </a:rPr>
+              <a:t>endl</a:t>
+            </a:r>
+            <a:r>
+              <a:rPr lang="it-IT" sz="1100" b="1" dirty="0">
+                <a:latin typeface="Courier New" panose="02070309020205020404" pitchFamily="49" charset="0"/>
+                <a:cs typeface="Courier New" panose="02070309020205020404" pitchFamily="49" charset="0"/>
+              </a:rPr>
+              <a:t>; </a:t>
+            </a:r>
+          </a:p>
+          <a:p>
+            <a:pPr marL="0" indent="0">
+              <a:buNone/>
+            </a:pPr>
+            <a:r>
+              <a:rPr lang="it-IT" sz="1100" b="1" dirty="0">
+                <a:latin typeface="Courier New" panose="02070309020205020404" pitchFamily="49" charset="0"/>
+                <a:cs typeface="Courier New" panose="02070309020205020404" pitchFamily="49" charset="0"/>
+              </a:rPr>
+              <a:t>       break;</a:t>
+            </a:r>
+          </a:p>
+          <a:p>
+            <a:pPr marL="0" indent="0">
+              <a:buNone/>
+            </a:pPr>
+            <a:r>
+              <a:rPr lang="it-IT" sz="1100" b="1" dirty="0">
+                <a:latin typeface="Courier New" panose="02070309020205020404" pitchFamily="49" charset="0"/>
+                <a:cs typeface="Courier New" panose="02070309020205020404" pitchFamily="49" charset="0"/>
+              </a:rPr>
+              <a:t>     case 0:</a:t>
+            </a:r>
+          </a:p>
+          <a:p>
+            <a:pPr marL="0" indent="0">
+              <a:buNone/>
+            </a:pPr>
+            <a:r>
+              <a:rPr lang="it-IT" sz="1100" b="1" dirty="0">
+                <a:latin typeface="Courier New" panose="02070309020205020404" pitchFamily="49" charset="0"/>
+                <a:cs typeface="Courier New" panose="02070309020205020404" pitchFamily="49" charset="0"/>
+              </a:rPr>
+              <a:t>       </a:t>
+            </a:r>
+            <a:r>
+              <a:rPr lang="it-IT" sz="1100" b="1" dirty="0" err="1">
+                <a:latin typeface="Courier New" panose="02070309020205020404" pitchFamily="49" charset="0"/>
+                <a:cs typeface="Courier New" panose="02070309020205020404" pitchFamily="49" charset="0"/>
+              </a:rPr>
+              <a:t>cout</a:t>
+            </a:r>
+            <a:r>
+              <a:rPr lang="it-IT" sz="1100" b="1" dirty="0">
+                <a:latin typeface="Courier New" panose="02070309020205020404" pitchFamily="49" charset="0"/>
+                <a:cs typeface="Courier New" panose="02070309020205020404" pitchFamily="49" charset="0"/>
+              </a:rPr>
+              <a:t> &lt;&lt; "nessuna soluzione reale"; </a:t>
+            </a:r>
+          </a:p>
+          <a:p>
+            <a:pPr marL="0" indent="0">
+              <a:buNone/>
+            </a:pPr>
+            <a:r>
+              <a:rPr lang="it-IT" sz="1100" b="1" dirty="0">
+                <a:latin typeface="Courier New" panose="02070309020205020404" pitchFamily="49" charset="0"/>
+                <a:cs typeface="Courier New" panose="02070309020205020404" pitchFamily="49" charset="0"/>
+              </a:rPr>
+              <a:t>   }</a:t>
+            </a:r>
+          </a:p>
+          <a:p>
+            <a:pPr marL="0" indent="0">
+              <a:buNone/>
+            </a:pPr>
+            <a:r>
+              <a:rPr lang="it-IT" sz="1100" b="1" dirty="0">
+                <a:latin typeface="Courier New" panose="02070309020205020404" pitchFamily="49" charset="0"/>
+                <a:cs typeface="Courier New" panose="02070309020205020404" pitchFamily="49" charset="0"/>
+              </a:rPr>
+              <a:t>   </a:t>
+            </a:r>
+            <a:r>
+              <a:rPr lang="it-IT" sz="1100" b="1" dirty="0" err="1">
+                <a:latin typeface="Courier New" panose="02070309020205020404" pitchFamily="49" charset="0"/>
+                <a:cs typeface="Courier New" panose="02070309020205020404" pitchFamily="49" charset="0"/>
+              </a:rPr>
+              <a:t>return</a:t>
+            </a:r>
+            <a:r>
+              <a:rPr lang="it-IT" sz="1100" b="1" dirty="0">
+                <a:latin typeface="Courier New" panose="02070309020205020404" pitchFamily="49" charset="0"/>
+                <a:cs typeface="Courier New" panose="02070309020205020404" pitchFamily="49" charset="0"/>
+              </a:rPr>
+              <a:t> 0;</a:t>
+            </a:r>
+          </a:p>
+          <a:p>
+            <a:pPr marL="0" indent="0">
+              <a:buNone/>
+            </a:pPr>
+            <a:r>
+              <a:rPr lang="it-IT" sz="1100" b="1" dirty="0">
+                <a:latin typeface="Courier New" panose="02070309020205020404" pitchFamily="49" charset="0"/>
+                <a:cs typeface="Courier New" panose="02070309020205020404" pitchFamily="49" charset="0"/>
+              </a:rPr>
+              <a:t>} </a:t>
+            </a:r>
+          </a:p>
+        </p:txBody>
+      </p:sp>
+      <p:sp>
+        <p:nvSpPr>
+          <p:cNvPr id="4" name="Segnaposto contenuto 3">
+            <a:extLst>
+              <a:ext uri="{FF2B5EF4-FFF2-40B4-BE49-F238E27FC236}">
+                <a16:creationId xmlns:a16="http://schemas.microsoft.com/office/drawing/2014/main" id="{ADC48B68-E622-40DF-970B-CFF43A218E68}"/>
+              </a:ext>
+            </a:extLst>
+          </p:cNvPr>
+          <p:cNvSpPr>
+            <a:spLocks noGrp="1"/>
+          </p:cNvSpPr>
+          <p:nvPr>
+            <p:ph sz="half" idx="2"/>
+          </p:nvPr>
+        </p:nvSpPr>
+        <p:spPr/>
+        <p:txBody>
+          <a:bodyPr/>
+          <a:lstStyle/>
+          <a:p>
+            <a:r>
+              <a:rPr lang="it-IT" sz="1800" b="1" dirty="0">
+                <a:latin typeface="Courier New" panose="02070309020205020404" pitchFamily="49" charset="0"/>
+                <a:cs typeface="Courier New" panose="02070309020205020404" pitchFamily="49" charset="0"/>
+              </a:rPr>
+              <a:t>Equazione e(3,4,1)</a:t>
             </a:r>
           </a:p>
           <a:p>
             <a:pPr lvl="1"/>
             <a:r>
-              <a:rPr lang="it-IT" altLang="it-IT" sz="2400" b="1" i="1" dirty="0"/>
-              <a:t>riuso</a:t>
-            </a:r>
-            <a:r>
-              <a:rPr lang="it-IT" altLang="it-IT" sz="2400" dirty="0"/>
-              <a:t>: parti separate facilmente riusabili (</a:t>
-            </a:r>
-            <a:r>
-              <a:rPr lang="it-IT" altLang="it-IT" sz="2400" i="1" dirty="0"/>
-              <a:t>libreria</a:t>
-            </a:r>
-            <a:r>
-              <a:rPr lang="it-IT" altLang="it-IT" sz="2400" dirty="0"/>
-              <a:t>)</a:t>
+              <a:rPr lang="it-IT" sz="1400" dirty="0">
+                <a:cs typeface="Courier New" panose="02070309020205020404" pitchFamily="49" charset="0"/>
+              </a:rPr>
+              <a:t>dichiarazione e inizializzazione </a:t>
+            </a:r>
+            <a:br>
+              <a:rPr lang="it-IT" sz="1400" dirty="0">
+                <a:cs typeface="Courier New" panose="02070309020205020404" pitchFamily="49" charset="0"/>
+              </a:rPr>
+            </a:br>
+            <a:r>
+              <a:rPr lang="it-IT" sz="1400" dirty="0">
+                <a:cs typeface="Courier New" panose="02070309020205020404" pitchFamily="49" charset="0"/>
+              </a:rPr>
+              <a:t>(chiamata costruttore)</a:t>
+            </a:r>
+          </a:p>
+          <a:p>
+            <a:r>
+              <a:rPr lang="it-IT" sz="1800" b="1" dirty="0" err="1">
+                <a:latin typeface="Courier New" panose="02070309020205020404" pitchFamily="49" charset="0"/>
+                <a:cs typeface="Courier New" panose="02070309020205020404" pitchFamily="49" charset="0"/>
+              </a:rPr>
+              <a:t>e.setA</a:t>
+            </a:r>
+            <a:r>
+              <a:rPr lang="it-IT" sz="1800" b="1" dirty="0">
+                <a:latin typeface="Courier New" panose="02070309020205020404" pitchFamily="49" charset="0"/>
+                <a:cs typeface="Courier New" panose="02070309020205020404" pitchFamily="49" charset="0"/>
+              </a:rPr>
+              <a:t>(2)</a:t>
             </a:r>
           </a:p>
           <a:p>
             <a:pPr lvl="1"/>
             <a:r>
-              <a:rPr lang="it-IT" altLang="it-IT" sz="2400" b="1" i="1" dirty="0"/>
-              <a:t>compilazione selettiva</a:t>
-            </a:r>
-          </a:p>
-          <a:p>
-            <a:r>
-              <a:rPr lang="it-IT" altLang="it-IT" sz="2800" b="1" i="1" dirty="0"/>
-              <a:t>separazione</a:t>
-            </a:r>
-            <a:r>
-              <a:rPr lang="it-IT" altLang="it-IT" sz="2800" dirty="0"/>
-              <a:t> tra </a:t>
-            </a:r>
-            <a:r>
-              <a:rPr lang="it-IT" altLang="it-IT" sz="2800" b="1" i="1" dirty="0"/>
-              <a:t>interfaccia</a:t>
-            </a:r>
-            <a:r>
-              <a:rPr lang="it-IT" altLang="it-IT" sz="2800" dirty="0"/>
-              <a:t> e implementazione </a:t>
+              <a:rPr lang="it-IT" sz="1400" dirty="0">
+                <a:cs typeface="Courier New" panose="02070309020205020404" pitchFamily="49" charset="0"/>
+              </a:rPr>
+              <a:t>esecuzione della funzione membro </a:t>
+            </a:r>
+            <a:br>
+              <a:rPr lang="it-IT" sz="1400" dirty="0">
+                <a:cs typeface="Courier New" panose="02070309020205020404" pitchFamily="49" charset="0"/>
+              </a:rPr>
+            </a:br>
+            <a:r>
+              <a:rPr lang="it-IT" sz="1400" dirty="0" err="1">
+                <a:cs typeface="Courier New" panose="02070309020205020404" pitchFamily="49" charset="0"/>
+              </a:rPr>
+              <a:t>void</a:t>
+            </a:r>
+            <a:r>
+              <a:rPr lang="it-IT" sz="1400" dirty="0">
+                <a:cs typeface="Courier New" panose="02070309020205020404" pitchFamily="49" charset="0"/>
+              </a:rPr>
+              <a:t> </a:t>
+            </a:r>
+            <a:r>
+              <a:rPr lang="it-IT" sz="1400" dirty="0" err="1">
+                <a:cs typeface="Courier New" panose="02070309020205020404" pitchFamily="49" charset="0"/>
+              </a:rPr>
+              <a:t>setA</a:t>
+            </a:r>
+            <a:r>
+              <a:rPr lang="it-IT" sz="1400" dirty="0">
+                <a:cs typeface="Courier New" panose="02070309020205020404" pitchFamily="49" charset="0"/>
+              </a:rPr>
+              <a:t>(double)</a:t>
+            </a:r>
+          </a:p>
+          <a:p>
+            <a:r>
+              <a:rPr lang="it-IT" sz="1800" b="1" dirty="0" err="1">
+                <a:latin typeface="Courier New" panose="02070309020205020404" pitchFamily="49" charset="0"/>
+                <a:cs typeface="Courier New" panose="02070309020205020404" pitchFamily="49" charset="0"/>
+              </a:rPr>
+              <a:t>e.toString</a:t>
+            </a:r>
+            <a:r>
+              <a:rPr lang="it-IT" sz="1800" b="1" dirty="0">
+                <a:latin typeface="Courier New" panose="02070309020205020404" pitchFamily="49" charset="0"/>
+                <a:cs typeface="Courier New" panose="02070309020205020404" pitchFamily="49" charset="0"/>
+              </a:rPr>
+              <a:t>()</a:t>
             </a:r>
           </a:p>
           <a:p>
             <a:pPr lvl="1"/>
             <a:r>
-              <a:rPr lang="it-IT" altLang="it-IT" sz="2400" b="1" i="1" dirty="0"/>
-              <a:t>incapsulamento</a:t>
-            </a:r>
-            <a:r>
-              <a:rPr lang="it-IT" altLang="it-IT" sz="2400" dirty="0"/>
-              <a:t>: occultamento dei dettagli</a:t>
+              <a:rPr lang="it-IT" sz="1400" dirty="0">
+                <a:cs typeface="Courier New" panose="02070309020205020404" pitchFamily="49" charset="0"/>
+              </a:rPr>
+              <a:t>esecuzione della funzione membro </a:t>
+            </a:r>
+            <a:br>
+              <a:rPr lang="it-IT" sz="1400" dirty="0">
+                <a:cs typeface="Courier New" panose="02070309020205020404" pitchFamily="49" charset="0"/>
+              </a:rPr>
+            </a:br>
+            <a:r>
+              <a:rPr lang="it-IT" sz="1400" dirty="0" err="1">
+                <a:cs typeface="Courier New" panose="02070309020205020404" pitchFamily="49" charset="0"/>
+              </a:rPr>
+              <a:t>string</a:t>
+            </a:r>
+            <a:r>
+              <a:rPr lang="it-IT" sz="1400" dirty="0">
+                <a:cs typeface="Courier New" panose="02070309020205020404" pitchFamily="49" charset="0"/>
+              </a:rPr>
+              <a:t> </a:t>
+            </a:r>
+            <a:r>
+              <a:rPr lang="it-IT" sz="1400" dirty="0" err="1">
+                <a:cs typeface="Courier New" panose="02070309020205020404" pitchFamily="49" charset="0"/>
+              </a:rPr>
+              <a:t>toString</a:t>
+            </a:r>
+            <a:r>
+              <a:rPr lang="it-IT" sz="1400" dirty="0">
+                <a:cs typeface="Courier New" panose="02070309020205020404" pitchFamily="49" charset="0"/>
+              </a:rPr>
+              <a:t>()</a:t>
+            </a:r>
+          </a:p>
+          <a:p>
+            <a:r>
+              <a:rPr lang="it-IT" sz="1800" b="1" dirty="0" err="1">
+                <a:latin typeface="Courier New" panose="02070309020205020404" pitchFamily="49" charset="0"/>
+                <a:cs typeface="Courier New" panose="02070309020205020404" pitchFamily="49" charset="0"/>
+              </a:rPr>
+              <a:t>e.numSolReali</a:t>
+            </a:r>
+            <a:r>
+              <a:rPr lang="it-IT" sz="1800" b="1" dirty="0">
+                <a:latin typeface="Courier New" panose="02070309020205020404" pitchFamily="49" charset="0"/>
+                <a:cs typeface="Courier New" panose="02070309020205020404" pitchFamily="49" charset="0"/>
+              </a:rPr>
+              <a:t>()</a:t>
             </a:r>
           </a:p>
           <a:p>
             <a:pPr lvl="1"/>
             <a:r>
-              <a:rPr lang="it-IT" altLang="it-IT" sz="2400" b="1" i="1" dirty="0"/>
-              <a:t>diverse implementazioni </a:t>
-            </a:r>
-            <a:r>
-              <a:rPr lang="it-IT" altLang="it-IT" sz="2400" dirty="0"/>
-              <a:t>di una stessa libreria</a:t>
-            </a:r>
-          </a:p>
-          <a:p>
-            <a:endParaRPr lang="it-IT" altLang="it-IT" sz="2800" dirty="0"/>
+              <a:rPr lang="it-IT" sz="1400" dirty="0">
+                <a:cs typeface="Courier New" panose="02070309020205020404" pitchFamily="49" charset="0"/>
+              </a:rPr>
+              <a:t>esecuzione della funzione membro</a:t>
+            </a:r>
+            <a:br>
+              <a:rPr lang="it-IT" sz="1400" dirty="0">
+                <a:cs typeface="Courier New" panose="02070309020205020404" pitchFamily="49" charset="0"/>
+              </a:rPr>
+            </a:br>
+            <a:r>
+              <a:rPr lang="it-IT" sz="1400" dirty="0" err="1">
+                <a:cs typeface="Courier New" panose="02070309020205020404" pitchFamily="49" charset="0"/>
+              </a:rPr>
+              <a:t>int</a:t>
+            </a:r>
+            <a:r>
+              <a:rPr lang="it-IT" sz="1400" dirty="0">
+                <a:cs typeface="Courier New" panose="02070309020205020404" pitchFamily="49" charset="0"/>
+              </a:rPr>
+              <a:t> </a:t>
+            </a:r>
+            <a:r>
+              <a:rPr lang="it-IT" sz="1400" dirty="0" err="1">
+                <a:cs typeface="Courier New" panose="02070309020205020404" pitchFamily="49" charset="0"/>
+              </a:rPr>
+              <a:t>numSolReali</a:t>
+            </a:r>
+            <a:r>
+              <a:rPr lang="it-IT" sz="1400" dirty="0">
+                <a:cs typeface="Courier New" panose="02070309020205020404" pitchFamily="49" charset="0"/>
+              </a:rPr>
+              <a:t>()</a:t>
+            </a:r>
+          </a:p>
+          <a:p>
+            <a:r>
+              <a:rPr lang="it-IT" sz="1800" b="1" dirty="0">
+                <a:latin typeface="Courier New" panose="02070309020205020404" pitchFamily="49" charset="0"/>
+                <a:cs typeface="Courier New" panose="02070309020205020404" pitchFamily="49" charset="0"/>
+              </a:rPr>
+              <a:t>e.soluzione1() </a:t>
+            </a:r>
+            <a:r>
+              <a:rPr lang="it-IT" sz="1800" dirty="0">
+                <a:cs typeface="Courier New" panose="02070309020205020404" pitchFamily="49" charset="0"/>
+              </a:rPr>
+              <a:t>e.soluzione2()</a:t>
+            </a:r>
+          </a:p>
+          <a:p>
+            <a:pPr lvl="1"/>
+            <a:r>
+              <a:rPr lang="it-IT" sz="1400" dirty="0">
+                <a:cs typeface="Courier New" panose="02070309020205020404" pitchFamily="49" charset="0"/>
+              </a:rPr>
+              <a:t>esecuzione della funzione membro</a:t>
+            </a:r>
+            <a:br>
+              <a:rPr lang="it-IT" sz="1400" dirty="0">
+                <a:cs typeface="Courier New" panose="02070309020205020404" pitchFamily="49" charset="0"/>
+              </a:rPr>
+            </a:br>
+            <a:r>
+              <a:rPr lang="it-IT" sz="1400" dirty="0">
+                <a:cs typeface="Courier New" panose="02070309020205020404" pitchFamily="49" charset="0"/>
+              </a:rPr>
+              <a:t>double soluzione1() </a:t>
+            </a:r>
+          </a:p>
+          <a:p>
+            <a:endParaRPr lang="it-IT" sz="1800" dirty="0">
+              <a:cs typeface="Courier New" panose="02070309020205020404" pitchFamily="49" charset="0"/>
+            </a:endParaRPr>
+          </a:p>
+        </p:txBody>
+      </p:sp>
+      <p:sp>
+        <p:nvSpPr>
+          <p:cNvPr id="5" name="Segnaposto piè di pagina 4">
+            <a:extLst>
+              <a:ext uri="{FF2B5EF4-FFF2-40B4-BE49-F238E27FC236}">
+                <a16:creationId xmlns:a16="http://schemas.microsoft.com/office/drawing/2014/main" id="{CB957E9A-6D92-4924-B392-FF29BF330A8B}"/>
+              </a:ext>
+            </a:extLst>
+          </p:cNvPr>
+          <p:cNvSpPr>
+            <a:spLocks noGrp="1"/>
+          </p:cNvSpPr>
+          <p:nvPr>
+            <p:ph type="ftr" sz="quarter" idx="11"/>
+          </p:nvPr>
+        </p:nvSpPr>
+        <p:spPr/>
+        <p:txBody>
+          <a:bodyPr/>
+          <a:lstStyle/>
+          <a:p>
+            <a:pPr>
+              <a:defRPr/>
+            </a:pPr>
+            <a:r>
+              <a:rPr lang="it-IT"/>
+              <a:t>Alberto Ferrari – Programmazione di applicazioni SW</a:t>
+            </a:r>
+            <a:endParaRPr lang="it-IT" dirty="0"/>
           </a:p>
         </p:txBody>
       </p:sp>
     </p:spTree>
     <p:extLst>
       <p:ext uri="{BB962C8B-B14F-4D97-AF65-F5344CB8AC3E}">
-        <p14:creationId xmlns:p14="http://schemas.microsoft.com/office/powerpoint/2010/main" val="314095882"/>
+        <p14:creationId xmlns:p14="http://schemas.microsoft.com/office/powerpoint/2010/main" val="1528031871"/>
       </p:ext>
     </p:extLst>
   </p:cSld>
@@ -12330,7 +12394,7 @@
           <a:bodyPr/>
           <a:lstStyle/>
           <a:p>
-            <a:fld id="{D2B39DCE-B3C5-4D20-818C-F33061CE4D52}" type="slidenum">
+            <a:fld id="{635BB41A-CC6D-45EE-880B-BBDDB328249F}" type="slidenum">
               <a:rPr lang="en-US" altLang="it-IT"/>
               <a:pPr/>
               <a:t>31</a:t>
@@ -12341,7 +12405,7 @@
       </p:sp>
       <p:sp>
         <p:nvSpPr>
-          <p:cNvPr id="258050" name="Rectangle 2"/>
+          <p:cNvPr id="271362" name="Rectangle 2"/>
           <p:cNvSpPr>
             <a:spLocks noGrp="1" noChangeArrowheads="1"/>
           </p:cNvSpPr>
@@ -12356,14 +12420,14 @@
           <a:p>
             <a:r>
               <a:rPr lang="it-IT" altLang="it-IT" dirty="0"/>
-              <a:t>regole per incapsulamento</a:t>
-            </a:r>
-          </a:p>
-        </p:txBody>
-      </p:sp>
-      <p:sp>
-        <p:nvSpPr>
-          <p:cNvPr id="258051" name="Rectangle 3"/>
+              <a:t>suddivisione del codice in file</a:t>
+            </a:r>
+          </a:p>
+        </p:txBody>
+      </p:sp>
+      <p:sp>
+        <p:nvSpPr>
+          <p:cNvPr id="271363" name="Rectangle 3"/>
           <p:cNvSpPr>
             <a:spLocks noGrp="1" noChangeArrowheads="1"/>
           </p:cNvSpPr>
@@ -12377,120 +12441,105 @@
           <a:lstStyle/>
           <a:p>
             <a:r>
+              <a:rPr lang="it-IT" altLang="it-IT" sz="2800" b="1" i="1" dirty="0"/>
+              <a:t>separazione</a:t>
+            </a:r>
+            <a:r>
               <a:rPr lang="it-IT" altLang="it-IT" sz="2800" dirty="0"/>
-              <a:t>rendere </a:t>
+              <a:t> tra la </a:t>
             </a:r>
             <a:r>
               <a:rPr lang="it-IT" altLang="it-IT" sz="2800" b="1" i="1" dirty="0"/>
-              <a:t>private</a:t>
+              <a:t>classe</a:t>
             </a:r>
             <a:r>
               <a:rPr lang="it-IT" altLang="it-IT" sz="2800" dirty="0"/>
-              <a:t> tutte le </a:t>
+              <a:t> e i </a:t>
             </a:r>
             <a:r>
               <a:rPr lang="it-IT" altLang="it-IT" sz="2800" b="1" i="1" dirty="0"/>
-              <a:t>variabili membro</a:t>
-            </a:r>
-          </a:p>
-          <a:p>
+              <a:t>programmi</a:t>
+            </a:r>
             <a:r>
               <a:rPr lang="it-IT" altLang="it-IT" sz="2800" dirty="0"/>
-              <a:t>raggruppare </a:t>
-            </a:r>
+              <a:t> che la usano</a:t>
+            </a:r>
+          </a:p>
+          <a:p>
+            <a:pPr lvl="1"/>
+            <a:r>
+              <a:rPr lang="it-IT" altLang="it-IT" sz="2400" b="1" i="1" dirty="0"/>
+              <a:t>riuso</a:t>
+            </a:r>
+            <a:r>
+              <a:rPr lang="it-IT" altLang="it-IT" sz="2400" dirty="0"/>
+              <a:t>: parti separate facilmente riusabili (</a:t>
+            </a:r>
+            <a:r>
+              <a:rPr lang="it-IT" altLang="it-IT" sz="2400" i="1" dirty="0"/>
+              <a:t>libreria</a:t>
+            </a:r>
+            <a:r>
+              <a:rPr lang="it-IT" altLang="it-IT" sz="2400" dirty="0"/>
+              <a:t>)</a:t>
+            </a:r>
+          </a:p>
+          <a:p>
+            <a:pPr lvl="1"/>
+            <a:r>
+              <a:rPr lang="it-IT" altLang="it-IT" sz="2400" b="1" i="1" dirty="0"/>
+              <a:t>compilazione selettiva</a:t>
+            </a:r>
+          </a:p>
+          <a:p>
             <a:r>
               <a:rPr lang="it-IT" altLang="it-IT" sz="2800" b="1" i="1" dirty="0"/>
-              <a:t>definizione</a:t>
+              <a:t>separazione</a:t>
             </a:r>
             <a:r>
               <a:rPr lang="it-IT" altLang="it-IT" sz="2800" dirty="0"/>
-              <a:t> della classe, </a:t>
+              <a:t> tra </a:t>
             </a:r>
             <a:r>
               <a:rPr lang="it-IT" altLang="it-IT" sz="2800" b="1" i="1" dirty="0"/>
-              <a:t>dichiarazioni</a:t>
+              <a:t>interfaccia</a:t>
             </a:r>
             <a:r>
               <a:rPr lang="it-IT" altLang="it-IT" sz="2800" dirty="0"/>
-              <a:t> delle </a:t>
-            </a:r>
-            <a:r>
-              <a:rPr lang="it-IT" altLang="it-IT" sz="2800" b="1" i="1" dirty="0"/>
-              <a:t>funzioni membro </a:t>
-            </a:r>
-            <a:r>
-              <a:rPr lang="it-IT" altLang="it-IT" sz="2800" dirty="0"/>
-              <a:t>e commenti nel </a:t>
-            </a:r>
-            <a:r>
-              <a:rPr lang="it-IT" altLang="it-IT" sz="2800" b="1" dirty="0"/>
-              <a:t>file di</a:t>
-            </a:r>
-            <a:r>
-              <a:rPr lang="it-IT" altLang="it-IT" sz="2800" dirty="0"/>
-              <a:t> </a:t>
-            </a:r>
-            <a:r>
-              <a:rPr lang="it-IT" altLang="it-IT" sz="2800" b="1" dirty="0"/>
-              <a:t>interfaccia </a:t>
-            </a:r>
-            <a:r>
-              <a:rPr lang="it-IT" altLang="it-IT" sz="2800" dirty="0"/>
-              <a:t>(</a:t>
-            </a:r>
-            <a:r>
-              <a:rPr lang="it-IT" altLang="it-IT" sz="2800" b="1" i="1" dirty="0" err="1"/>
-              <a:t>header</a:t>
-            </a:r>
-            <a:r>
-              <a:rPr lang="it-IT" altLang="it-IT" sz="2800" b="1" i="1" dirty="0"/>
-              <a:t> file</a:t>
-            </a:r>
-            <a:r>
-              <a:rPr lang="it-IT" altLang="it-IT" sz="2800" dirty="0"/>
-              <a:t>)</a:t>
-            </a:r>
-          </a:p>
-          <a:p>
-            <a:r>
-              <a:rPr lang="it-IT" altLang="it-IT" sz="2800" dirty="0"/>
-              <a:t>raggruppare le </a:t>
-            </a:r>
-            <a:r>
-              <a:rPr lang="it-IT" altLang="it-IT" sz="2800" b="1" i="1" dirty="0"/>
-              <a:t>definizioni</a:t>
-            </a:r>
-            <a:r>
-              <a:rPr lang="it-IT" altLang="it-IT" sz="2800" dirty="0"/>
-              <a:t> delle </a:t>
-            </a:r>
-            <a:r>
-              <a:rPr lang="it-IT" altLang="it-IT" sz="2800" b="1" i="1" dirty="0"/>
-              <a:t>funzioni membro </a:t>
-            </a:r>
-            <a:r>
-              <a:rPr lang="it-IT" altLang="it-IT" sz="2800" dirty="0"/>
-              <a:t>e l’inizializzazione delle variabili </a:t>
-            </a:r>
-            <a:r>
-              <a:rPr lang="it-IT" altLang="it-IT" sz="2800" i="1" dirty="0" err="1"/>
-              <a:t>static</a:t>
-            </a:r>
-            <a:r>
-              <a:rPr lang="it-IT" altLang="it-IT" sz="2800" dirty="0"/>
-              <a:t> nel </a:t>
-            </a:r>
-            <a:r>
-              <a:rPr lang="it-IT" altLang="it-IT" sz="2800" b="1" i="1" dirty="0"/>
-              <a:t>file di implementazione</a:t>
-            </a:r>
+              <a:t> e implementazione </a:t>
+            </a:r>
+          </a:p>
+          <a:p>
+            <a:pPr lvl="1"/>
+            <a:r>
+              <a:rPr lang="it-IT" altLang="it-IT" sz="2400" b="1" i="1" dirty="0"/>
+              <a:t>incapsulamento</a:t>
+            </a:r>
+            <a:r>
+              <a:rPr lang="it-IT" altLang="it-IT" sz="2400" dirty="0"/>
+              <a:t>: occultamento dei dettagli</a:t>
+            </a:r>
+          </a:p>
+          <a:p>
+            <a:pPr lvl="1"/>
+            <a:r>
+              <a:rPr lang="it-IT" altLang="it-IT" sz="2400" b="1" i="1" dirty="0"/>
+              <a:t>diverse implementazioni </a:t>
+            </a:r>
+            <a:r>
+              <a:rPr lang="it-IT" altLang="it-IT" sz="2400" dirty="0"/>
+              <a:t>di una stessa libreria</a:t>
+            </a:r>
+          </a:p>
+          <a:p>
+            <a:endParaRPr lang="it-IT" altLang="it-IT" sz="2800" dirty="0"/>
           </a:p>
         </p:txBody>
       </p:sp>
     </p:spTree>
     <p:extLst>
       <p:ext uri="{BB962C8B-B14F-4D97-AF65-F5344CB8AC3E}">
-        <p14:creationId xmlns:p14="http://schemas.microsoft.com/office/powerpoint/2010/main" val="534141573"/>
+        <p14:creationId xmlns:p14="http://schemas.microsoft.com/office/powerpoint/2010/main" val="314095882"/>
       </p:ext>
     </p:extLst>
   </p:cSld>
@@ -12519,6 +12568,208 @@
       </p:grpSpPr>
       <p:sp>
         <p:nvSpPr>
+          <p:cNvPr id="4" name="Segnaposto numero diapositiva 5"/>
+          <p:cNvSpPr>
+            <a:spLocks noGrp="1"/>
+          </p:cNvSpPr>
+          <p:nvPr>
+            <p:ph type="sldNum" sz="quarter" idx="12"/>
+          </p:nvPr>
+        </p:nvSpPr>
+        <p:spPr/>
+        <p:txBody>
+          <a:bodyPr/>
+          <a:lstStyle/>
+          <a:p>
+            <a:fld id="{D2B39DCE-B3C5-4D20-818C-F33061CE4D52}" type="slidenum">
+              <a:rPr lang="en-US" altLang="it-IT"/>
+              <a:pPr/>
+              <a:t>32</a:t>
+            </a:fld>
+            <a:endParaRPr lang="en-US" altLang="it-IT"/>
+          </a:p>
+        </p:txBody>
+      </p:sp>
+      <p:sp>
+        <p:nvSpPr>
+          <p:cNvPr id="258050" name="Rectangle 2"/>
+          <p:cNvSpPr>
+            <a:spLocks noGrp="1" noChangeArrowheads="1"/>
+          </p:cNvSpPr>
+          <p:nvPr>
+            <p:ph type="title"/>
+          </p:nvPr>
+        </p:nvSpPr>
+        <p:spPr/>
+        <p:txBody>
+          <a:bodyPr/>
+          <a:lstStyle/>
+          <a:p>
+            <a:r>
+              <a:rPr lang="it-IT" altLang="it-IT" dirty="0"/>
+              <a:t>regole per incapsulamento</a:t>
+            </a:r>
+          </a:p>
+        </p:txBody>
+      </p:sp>
+      <p:sp>
+        <p:nvSpPr>
+          <p:cNvPr id="258051" name="Rectangle 3"/>
+          <p:cNvSpPr>
+            <a:spLocks noGrp="1" noChangeArrowheads="1"/>
+          </p:cNvSpPr>
+          <p:nvPr>
+            <p:ph type="body" idx="1"/>
+          </p:nvPr>
+        </p:nvSpPr>
+        <p:spPr/>
+        <p:txBody>
+          <a:bodyPr/>
+          <a:lstStyle/>
+          <a:p>
+            <a:r>
+              <a:rPr lang="it-IT" altLang="it-IT" sz="2800" dirty="0"/>
+              <a:t>rendere </a:t>
+            </a:r>
+            <a:r>
+              <a:rPr lang="it-IT" altLang="it-IT" sz="2800" b="1" i="1" dirty="0"/>
+              <a:t>private</a:t>
+            </a:r>
+            <a:r>
+              <a:rPr lang="it-IT" altLang="it-IT" sz="2800" dirty="0"/>
+              <a:t> tutte le </a:t>
+            </a:r>
+            <a:r>
+              <a:rPr lang="it-IT" altLang="it-IT" sz="2800" b="1" i="1" dirty="0"/>
+              <a:t>variabili membro</a:t>
+            </a:r>
+          </a:p>
+          <a:p>
+            <a:r>
+              <a:rPr lang="it-IT" altLang="it-IT" sz="2800" dirty="0"/>
+              <a:t>raggruppare </a:t>
+            </a:r>
+            <a:r>
+              <a:rPr lang="it-IT" altLang="it-IT" sz="2800" b="1" i="1" dirty="0"/>
+              <a:t>definizione</a:t>
+            </a:r>
+            <a:r>
+              <a:rPr lang="it-IT" altLang="it-IT" sz="2800" dirty="0"/>
+              <a:t> della classe, </a:t>
+            </a:r>
+            <a:r>
+              <a:rPr lang="it-IT" altLang="it-IT" sz="2800" b="1" i="1" dirty="0"/>
+              <a:t>dichiarazioni</a:t>
+            </a:r>
+            <a:r>
+              <a:rPr lang="it-IT" altLang="it-IT" sz="2800" dirty="0"/>
+              <a:t> delle </a:t>
+            </a:r>
+            <a:r>
+              <a:rPr lang="it-IT" altLang="it-IT" sz="2800" b="1" i="1" dirty="0"/>
+              <a:t>funzioni membro </a:t>
+            </a:r>
+            <a:r>
+              <a:rPr lang="it-IT" altLang="it-IT" sz="2800" dirty="0"/>
+              <a:t>e commenti nel </a:t>
+            </a:r>
+            <a:r>
+              <a:rPr lang="it-IT" altLang="it-IT" sz="2800" b="1" dirty="0"/>
+              <a:t>file di</a:t>
+            </a:r>
+            <a:r>
+              <a:rPr lang="it-IT" altLang="it-IT" sz="2800" dirty="0"/>
+              <a:t> </a:t>
+            </a:r>
+            <a:r>
+              <a:rPr lang="it-IT" altLang="it-IT" sz="2800" b="1" dirty="0"/>
+              <a:t>interfaccia </a:t>
+            </a:r>
+            <a:r>
+              <a:rPr lang="it-IT" altLang="it-IT" sz="2800" dirty="0"/>
+              <a:t>(</a:t>
+            </a:r>
+            <a:r>
+              <a:rPr lang="it-IT" altLang="it-IT" sz="2800" b="1" i="1" dirty="0" err="1"/>
+              <a:t>header</a:t>
+            </a:r>
+            <a:r>
+              <a:rPr lang="it-IT" altLang="it-IT" sz="2800" b="1" i="1" dirty="0"/>
+              <a:t> file</a:t>
+            </a:r>
+            <a:r>
+              <a:rPr lang="it-IT" altLang="it-IT" sz="2800" dirty="0"/>
+              <a:t>)</a:t>
+            </a:r>
+          </a:p>
+          <a:p>
+            <a:r>
+              <a:rPr lang="it-IT" altLang="it-IT" sz="2800" dirty="0"/>
+              <a:t>raggruppare le </a:t>
+            </a:r>
+            <a:r>
+              <a:rPr lang="it-IT" altLang="it-IT" sz="2800" b="1" i="1" dirty="0"/>
+              <a:t>definizioni</a:t>
+            </a:r>
+            <a:r>
+              <a:rPr lang="it-IT" altLang="it-IT" sz="2800" dirty="0"/>
+              <a:t> delle </a:t>
+            </a:r>
+            <a:r>
+              <a:rPr lang="it-IT" altLang="it-IT" sz="2800" b="1" i="1" dirty="0"/>
+              <a:t>funzioni membro </a:t>
+            </a:r>
+            <a:r>
+              <a:rPr lang="it-IT" altLang="it-IT" sz="2800" dirty="0"/>
+              <a:t>e l’inizializzazione delle variabili </a:t>
+            </a:r>
+            <a:r>
+              <a:rPr lang="it-IT" altLang="it-IT" sz="2800" i="1" dirty="0" err="1"/>
+              <a:t>static</a:t>
+            </a:r>
+            <a:r>
+              <a:rPr lang="it-IT" altLang="it-IT" sz="2800" dirty="0"/>
+              <a:t> nel </a:t>
+            </a:r>
+            <a:r>
+              <a:rPr lang="it-IT" altLang="it-IT" sz="2800" b="1" i="1" dirty="0"/>
+              <a:t>file di implementazione</a:t>
+            </a:r>
+          </a:p>
+        </p:txBody>
+      </p:sp>
+    </p:spTree>
+    <p:extLst>
+      <p:ext uri="{BB962C8B-B14F-4D97-AF65-F5344CB8AC3E}">
+        <p14:creationId xmlns:p14="http://schemas.microsoft.com/office/powerpoint/2010/main" val="534141573"/>
+      </p:ext>
+    </p:extLst>
+  </p:cSld>
+  <p:clrMapOvr>
+    <a:masterClrMapping/>
+  </p:clrMapOvr>
+</p:sld>
+</file>
+
+<file path=ppt/slides/slide33.xml><?xml version="1.0" encoding="utf-8"?>
+<p:sld xmlns:a="http://schemas.openxmlformats.org/drawingml/2006/main" xmlns:r="http://schemas.openxmlformats.org/officeDocument/2006/relationships" xmlns:p="http://schemas.openxmlformats.org/presentationml/2006/main">
+  <p:cSld>
+    <p:spTree>
+      <p:nvGrpSpPr>
+        <p:cNvPr id="1" name=""/>
+        <p:cNvGrpSpPr/>
+        <p:nvPr/>
+      </p:nvGrpSpPr>
+      <p:grpSpPr>
+        <a:xfrm>
+          <a:off x="0" y="0"/>
+          <a:ext cx="0" cy="0"/>
+          <a:chOff x="0" y="0"/>
+          <a:chExt cx="0" cy="0"/>
+        </a:xfrm>
+      </p:grpSpPr>
+      <p:sp>
+        <p:nvSpPr>
           <p:cNvPr id="2" name="Titolo 1"/>
           <p:cNvSpPr>
             <a:spLocks noGrp="1"/>
@@ -12673,7 +12924,7 @@
 </p:sld>
 </file>
 
-<file path=ppt/slides/slide33.xml><?xml version="1.0" encoding="utf-8"?>
+<file path=ppt/slides/slide34.xml><?xml version="1.0" encoding="utf-8"?>
 <p:sld xmlns:a="http://schemas.openxmlformats.org/drawingml/2006/main" xmlns:r="http://schemas.openxmlformats.org/officeDocument/2006/relationships" xmlns:p="http://schemas.openxmlformats.org/presentationml/2006/main">
   <p:cSld>
     <p:spTree>
@@ -13813,7 +14064,7 @@
 </p:sld>
 </file>
 
-<file path=ppt/slides/slide34.xml><?xml version="1.0" encoding="utf-8"?>
+<file path=ppt/slides/slide35.xml><?xml version="1.0" encoding="utf-8"?>
 <p:sld xmlns:a="http://schemas.openxmlformats.org/drawingml/2006/main" xmlns:r="http://schemas.openxmlformats.org/officeDocument/2006/relationships" xmlns:p="http://schemas.openxmlformats.org/presentationml/2006/main">
   <p:cSld>
     <p:spTree>
@@ -14052,7 +14303,7 @@
 </p:sld>
 </file>
 
-<file path=ppt/slides/slide35.xml><?xml version="1.0" encoding="utf-8"?>
+<file path=ppt/slides/slide36.xml><?xml version="1.0" encoding="utf-8"?>
 <p:sld xmlns:a="http://schemas.openxmlformats.org/drawingml/2006/main" xmlns:r="http://schemas.openxmlformats.org/officeDocument/2006/relationships" xmlns:p="http://schemas.openxmlformats.org/presentationml/2006/main">
   <p:cSld>
     <p:spTree>
@@ -15397,7 +15648,7 @@
 </p:sld>
 </file>
 
-<file path=ppt/slides/slide36.xml><?xml version="1.0" encoding="utf-8"?>
+<file path=ppt/slides/slide37.xml><?xml version="1.0" encoding="utf-8"?>
 <p:sld xmlns:a="http://schemas.openxmlformats.org/drawingml/2006/main" xmlns:r="http://schemas.openxmlformats.org/officeDocument/2006/relationships" xmlns:p="http://schemas.openxmlformats.org/presentationml/2006/main">
   <p:cSld>
     <p:spTree>
@@ -15743,7 +15994,7 @@
 </p:sld>
 </file>
 
-<file path=ppt/slides/slide37.xml><?xml version="1.0" encoding="utf-8"?>
+<file path=ppt/slides/slide38.xml><?xml version="1.0" encoding="utf-8"?>
 <p:sld xmlns:a="http://schemas.openxmlformats.org/drawingml/2006/main" xmlns:r="http://schemas.openxmlformats.org/officeDocument/2006/relationships" xmlns:p="http://schemas.openxmlformats.org/presentationml/2006/main">
   <p:cSld>
     <p:spTree>
@@ -16891,6 +17142,229 @@
 </p:sld>
 </file>
 
+<file path=ppt/slides/slide39.xml><?xml version="1.0" encoding="utf-8"?>
+<p:sld xmlns:a="http://schemas.openxmlformats.org/drawingml/2006/main" xmlns:r="http://schemas.openxmlformats.org/officeDocument/2006/relationships" xmlns:p="http://schemas.openxmlformats.org/presentationml/2006/main">
+  <p:cSld>
+    <p:spTree>
+      <p:nvGrpSpPr>
+        <p:cNvPr id="1" name=""/>
+        <p:cNvGrpSpPr/>
+        <p:nvPr/>
+      </p:nvGrpSpPr>
+      <p:grpSpPr>
+        <a:xfrm>
+          <a:off x="0" y="0"/>
+          <a:ext cx="0" cy="0"/>
+          <a:chOff x="0" y="0"/>
+          <a:chExt cx="0" cy="0"/>
+        </a:xfrm>
+      </p:grpSpPr>
+      <p:sp>
+        <p:nvSpPr>
+          <p:cNvPr id="2" name="Titolo 1">
+            <a:extLst>
+              <a:ext uri="{FF2B5EF4-FFF2-40B4-BE49-F238E27FC236}">
+                <a16:creationId xmlns:a16="http://schemas.microsoft.com/office/drawing/2014/main" id="{1F07B70B-19CB-4D28-A52B-CDFB3E24F659}"/>
+              </a:ext>
+            </a:extLst>
+          </p:cNvPr>
+          <p:cNvSpPr>
+            <a:spLocks noGrp="1"/>
+          </p:cNvSpPr>
+          <p:nvPr>
+            <p:ph type="title"/>
+          </p:nvPr>
+        </p:nvSpPr>
+        <p:spPr/>
+        <p:txBody>
+          <a:bodyPr/>
+          <a:lstStyle/>
+          <a:p>
+            <a:r>
+              <a:rPr lang="it-IT" dirty="0"/>
+              <a:t>membri </a:t>
+            </a:r>
+            <a:r>
+              <a:rPr lang="it-IT" dirty="0" err="1"/>
+              <a:t>static</a:t>
+            </a:r>
+            <a:r>
+              <a:rPr lang="it-IT" dirty="0"/>
+              <a:t>: funzioni</a:t>
+            </a:r>
+          </a:p>
+        </p:txBody>
+      </p:sp>
+      <p:sp>
+        <p:nvSpPr>
+          <p:cNvPr id="3" name="Segnaposto contenuto 2">
+            <a:extLst>
+              <a:ext uri="{FF2B5EF4-FFF2-40B4-BE49-F238E27FC236}">
+                <a16:creationId xmlns:a16="http://schemas.microsoft.com/office/drawing/2014/main" id="{024F2FD2-8298-44A2-B524-BED584B658FD}"/>
+              </a:ext>
+            </a:extLst>
+          </p:cNvPr>
+          <p:cNvSpPr>
+            <a:spLocks noGrp="1"/>
+          </p:cNvSpPr>
+          <p:nvPr>
+            <p:ph idx="1"/>
+          </p:nvPr>
+        </p:nvSpPr>
+        <p:spPr/>
+        <p:txBody>
+          <a:bodyPr/>
+          <a:lstStyle/>
+          <a:p>
+            <a:r>
+              <a:rPr lang="it-IT" dirty="0"/>
+              <a:t>una </a:t>
+            </a:r>
+            <a:r>
+              <a:rPr lang="it-IT" b="1" i="1" dirty="0"/>
+              <a:t>funzione</a:t>
+            </a:r>
+            <a:r>
+              <a:rPr lang="it-IT" dirty="0"/>
+              <a:t> membro </a:t>
+            </a:r>
+            <a:r>
+              <a:rPr lang="it-IT" b="1" i="1" dirty="0" err="1"/>
+              <a:t>static</a:t>
+            </a:r>
+            <a:r>
+              <a:rPr lang="it-IT" dirty="0"/>
+              <a:t> accede solo ai </a:t>
+            </a:r>
+            <a:r>
+              <a:rPr lang="it-IT" b="1" i="1" dirty="0"/>
+              <a:t>membri </a:t>
+            </a:r>
+            <a:r>
+              <a:rPr lang="it-IT" b="1" i="1" dirty="0" err="1"/>
+              <a:t>static</a:t>
+            </a:r>
+            <a:r>
+              <a:rPr lang="it-IT" b="1" i="1" dirty="0"/>
+              <a:t> </a:t>
+            </a:r>
+          </a:p>
+          <a:p>
+            <a:r>
+              <a:rPr lang="it-IT" b="1" i="1" dirty="0"/>
+              <a:t>non</a:t>
+            </a:r>
+            <a:r>
+              <a:rPr lang="it-IT" dirty="0"/>
+              <a:t> può accedere ai dati dell’</a:t>
+            </a:r>
+            <a:r>
+              <a:rPr lang="it-IT" b="1" i="1" dirty="0"/>
+              <a:t>oggetto</a:t>
+            </a:r>
+            <a:r>
+              <a:rPr lang="it-IT" dirty="0"/>
+              <a:t> chiamante</a:t>
+            </a:r>
+          </a:p>
+          <a:p>
+            <a:r>
+              <a:rPr lang="it-IT" dirty="0"/>
+              <a:t>viene invocata usando il </a:t>
+            </a:r>
+            <a:r>
+              <a:rPr lang="it-IT" b="1" i="1" dirty="0"/>
+              <a:t>nome della classe </a:t>
+            </a:r>
+            <a:r>
+              <a:rPr lang="it-IT" dirty="0"/>
+              <a:t>e lo scope </a:t>
+            </a:r>
+            <a:r>
+              <a:rPr lang="it-IT" dirty="0" err="1"/>
+              <a:t>resolution</a:t>
+            </a:r>
+            <a:r>
+              <a:rPr lang="it-IT" dirty="0"/>
+              <a:t> operator (</a:t>
+            </a:r>
+            <a:r>
+              <a:rPr lang="it-IT" b="1" dirty="0"/>
+              <a:t>::</a:t>
+            </a:r>
+            <a:r>
+              <a:rPr lang="it-IT" dirty="0"/>
+              <a:t>)</a:t>
+            </a:r>
+          </a:p>
+          <a:p>
+            <a:r>
+              <a:rPr lang="it-IT" dirty="0"/>
+              <a:t>la parola chiave </a:t>
+            </a:r>
+            <a:r>
+              <a:rPr lang="it-IT" b="1" i="1" dirty="0" err="1"/>
+              <a:t>static</a:t>
+            </a:r>
+            <a:r>
+              <a:rPr lang="it-IT" dirty="0"/>
+              <a:t> va messa </a:t>
+            </a:r>
+            <a:r>
+              <a:rPr lang="it-IT" b="1" i="1" dirty="0"/>
+              <a:t>solo nella dichiarazione</a:t>
+            </a:r>
+          </a:p>
+          <a:p>
+            <a:endParaRPr lang="it-IT" dirty="0"/>
+          </a:p>
+        </p:txBody>
+      </p:sp>
+      <p:sp>
+        <p:nvSpPr>
+          <p:cNvPr id="4" name="Segnaposto piè di pagina 3">
+            <a:extLst>
+              <a:ext uri="{FF2B5EF4-FFF2-40B4-BE49-F238E27FC236}">
+                <a16:creationId xmlns:a16="http://schemas.microsoft.com/office/drawing/2014/main" id="{9018C3DF-E2CD-4B08-BAC7-ACEB19A9B8C6}"/>
+              </a:ext>
+            </a:extLst>
+          </p:cNvPr>
+          <p:cNvSpPr>
+            <a:spLocks noGrp="1"/>
+          </p:cNvSpPr>
+          <p:nvPr>
+            <p:ph type="ftr" sz="quarter" idx="11"/>
+          </p:nvPr>
+        </p:nvSpPr>
+        <p:spPr/>
+        <p:txBody>
+          <a:bodyPr/>
+          <a:lstStyle/>
+          <a:p>
+            <a:pPr>
+              <a:defRPr/>
+            </a:pPr>
+            <a:r>
+              <a:rPr lang="it-IT"/>
+              <a:t>Alberto Ferrari – Programmazione di applicazioni SW</a:t>
+            </a:r>
+            <a:endParaRPr lang="it-IT" dirty="0"/>
+          </a:p>
+        </p:txBody>
+      </p:sp>
+    </p:spTree>
+    <p:extLst>
+      <p:ext uri="{BB962C8B-B14F-4D97-AF65-F5344CB8AC3E}">
+        <p14:creationId xmlns:p14="http://schemas.microsoft.com/office/powerpoint/2010/main" val="3383324386"/>
+      </p:ext>
+    </p:extLst>
+  </p:cSld>
+  <p:clrMapOvr>
+    <a:masterClrMapping/>
+  </p:clrMapOvr>
+</p:sld>
+</file>
+
 <file path=ppt/slides/slide4.xml><?xml version="1.0" encoding="utf-8"?>
 <p:sld xmlns:a="http://schemas.openxmlformats.org/drawingml/2006/main" xmlns:r="http://schemas.openxmlformats.org/officeDocument/2006/relationships" xmlns:p="http://schemas.openxmlformats.org/presentationml/2006/main">
   <p:cSld>
@@ -17090,6 +17564,2383 @@
     <p:extLst>
       <p:ext uri="{BB962C8B-B14F-4D97-AF65-F5344CB8AC3E}">
         <p14:creationId xmlns:p14="http://schemas.microsoft.com/office/powerpoint/2010/main" val="4193294494"/>
+      </p:ext>
+    </p:extLst>
+  </p:cSld>
+  <p:clrMapOvr>
+    <a:masterClrMapping/>
+  </p:clrMapOvr>
+</p:sld>
+</file>
+
+<file path=ppt/slides/slide40.xml><?xml version="1.0" encoding="utf-8"?>
+<p:sld xmlns:a="http://schemas.openxmlformats.org/drawingml/2006/main" xmlns:r="http://schemas.openxmlformats.org/officeDocument/2006/relationships" xmlns:p="http://schemas.openxmlformats.org/presentationml/2006/main">
+  <p:cSld>
+    <p:spTree>
+      <p:nvGrpSpPr>
+        <p:cNvPr id="1" name=""/>
+        <p:cNvGrpSpPr/>
+        <p:nvPr/>
+      </p:nvGrpSpPr>
+      <p:grpSpPr>
+        <a:xfrm>
+          <a:off x="0" y="0"/>
+          <a:ext cx="0" cy="0"/>
+          <a:chOff x="0" y="0"/>
+          <a:chExt cx="0" cy="0"/>
+        </a:xfrm>
+      </p:grpSpPr>
+      <p:sp>
+        <p:nvSpPr>
+          <p:cNvPr id="2" name="Titolo 1">
+            <a:extLst>
+              <a:ext uri="{FF2B5EF4-FFF2-40B4-BE49-F238E27FC236}">
+                <a16:creationId xmlns:a16="http://schemas.microsoft.com/office/drawing/2014/main" id="{A955B135-F092-44E2-A78A-2E01CF3D90AE}"/>
+              </a:ext>
+            </a:extLst>
+          </p:cNvPr>
+          <p:cNvSpPr>
+            <a:spLocks noGrp="1"/>
+          </p:cNvSpPr>
+          <p:nvPr>
+            <p:ph type="title"/>
+          </p:nvPr>
+        </p:nvSpPr>
+        <p:spPr/>
+        <p:txBody>
+          <a:bodyPr/>
+          <a:lstStyle/>
+          <a:p>
+            <a:r>
+              <a:rPr lang="it-IT" dirty="0"/>
+              <a:t>membri </a:t>
+            </a:r>
+            <a:r>
+              <a:rPr lang="it-IT" dirty="0" err="1"/>
+              <a:t>static</a:t>
+            </a:r>
+            <a:r>
+              <a:rPr lang="it-IT" dirty="0"/>
+              <a:t>: variabili</a:t>
+            </a:r>
+          </a:p>
+        </p:txBody>
+      </p:sp>
+      <p:sp>
+        <p:nvSpPr>
+          <p:cNvPr id="3" name="Segnaposto contenuto 2">
+            <a:extLst>
+              <a:ext uri="{FF2B5EF4-FFF2-40B4-BE49-F238E27FC236}">
+                <a16:creationId xmlns:a16="http://schemas.microsoft.com/office/drawing/2014/main" id="{B7FE49E9-F453-481E-9B3F-654AE220FDC0}"/>
+              </a:ext>
+            </a:extLst>
+          </p:cNvPr>
+          <p:cNvSpPr>
+            <a:spLocks noGrp="1"/>
+          </p:cNvSpPr>
+          <p:nvPr>
+            <p:ph idx="1"/>
+          </p:nvPr>
+        </p:nvSpPr>
+        <p:spPr/>
+        <p:txBody>
+          <a:bodyPr/>
+          <a:lstStyle/>
+          <a:p>
+            <a:r>
+              <a:rPr lang="it-IT" dirty="0"/>
+              <a:t>una </a:t>
+            </a:r>
+            <a:r>
+              <a:rPr lang="it-IT" b="1" i="1" dirty="0"/>
+              <a:t>variabile</a:t>
+            </a:r>
+            <a:r>
+              <a:rPr lang="it-IT" dirty="0"/>
+              <a:t> membro </a:t>
+            </a:r>
+            <a:r>
+              <a:rPr lang="it-IT" b="1" i="1" dirty="0" err="1"/>
+              <a:t>static</a:t>
+            </a:r>
+            <a:r>
+              <a:rPr lang="it-IT" dirty="0"/>
+              <a:t> è condivisa da tutti gli oggetti di una classe</a:t>
+            </a:r>
+          </a:p>
+          <a:p>
+            <a:r>
+              <a:rPr lang="it-IT" dirty="0"/>
+              <a:t>è usata dagli oggetti della classe per </a:t>
+            </a:r>
+            <a:r>
+              <a:rPr lang="it-IT" b="1" i="1" dirty="0"/>
+              <a:t>comunicare</a:t>
+            </a:r>
+            <a:r>
+              <a:rPr lang="it-IT" dirty="0"/>
+              <a:t> e coordinarsi</a:t>
+            </a:r>
+          </a:p>
+          <a:p>
+            <a:r>
+              <a:rPr lang="it-IT" b="1" i="1" dirty="0"/>
+              <a:t>solo</a:t>
+            </a:r>
+            <a:r>
+              <a:rPr lang="it-IT" dirty="0"/>
+              <a:t> gli </a:t>
+            </a:r>
+            <a:r>
+              <a:rPr lang="it-IT" b="1" i="1" dirty="0"/>
+              <a:t>oggetti della classe </a:t>
+            </a:r>
+            <a:r>
+              <a:rPr lang="it-IT" dirty="0"/>
+              <a:t>possono accedervi</a:t>
+            </a:r>
+          </a:p>
+          <a:p>
+            <a:r>
+              <a:rPr lang="it-IT" dirty="0"/>
+              <a:t>va </a:t>
+            </a:r>
+            <a:r>
+              <a:rPr lang="it-IT" b="1" i="1" dirty="0"/>
+              <a:t>inizializzata</a:t>
+            </a:r>
+            <a:r>
+              <a:rPr lang="it-IT" dirty="0"/>
+              <a:t> al di fuori della definizione della classe, una sola volta</a:t>
+            </a:r>
+          </a:p>
+          <a:p>
+            <a:endParaRPr lang="it-IT" dirty="0"/>
+          </a:p>
+        </p:txBody>
+      </p:sp>
+      <p:sp>
+        <p:nvSpPr>
+          <p:cNvPr id="4" name="Segnaposto piè di pagina 3">
+            <a:extLst>
+              <a:ext uri="{FF2B5EF4-FFF2-40B4-BE49-F238E27FC236}">
+                <a16:creationId xmlns:a16="http://schemas.microsoft.com/office/drawing/2014/main" id="{A495FA4E-77F4-4AA1-87A8-9F77361F6562}"/>
+              </a:ext>
+            </a:extLst>
+          </p:cNvPr>
+          <p:cNvSpPr>
+            <a:spLocks noGrp="1"/>
+          </p:cNvSpPr>
+          <p:nvPr>
+            <p:ph type="ftr" sz="quarter" idx="11"/>
+          </p:nvPr>
+        </p:nvSpPr>
+        <p:spPr/>
+        <p:txBody>
+          <a:bodyPr/>
+          <a:lstStyle/>
+          <a:p>
+            <a:pPr>
+              <a:defRPr/>
+            </a:pPr>
+            <a:r>
+              <a:rPr lang="it-IT"/>
+              <a:t>Alberto Ferrari – Programmazione di applicazioni SW</a:t>
+            </a:r>
+            <a:endParaRPr lang="it-IT" dirty="0"/>
+          </a:p>
+        </p:txBody>
+      </p:sp>
+    </p:spTree>
+    <p:extLst>
+      <p:ext uri="{BB962C8B-B14F-4D97-AF65-F5344CB8AC3E}">
+        <p14:creationId xmlns:p14="http://schemas.microsoft.com/office/powerpoint/2010/main" val="4090024774"/>
+      </p:ext>
+    </p:extLst>
+  </p:cSld>
+  <p:clrMapOvr>
+    <a:masterClrMapping/>
+  </p:clrMapOvr>
+</p:sld>
+</file>
+
+<file path=ppt/slides/slide41.xml><?xml version="1.0" encoding="utf-8"?>
+<p:sld xmlns:a="http://schemas.openxmlformats.org/drawingml/2006/main" xmlns:r="http://schemas.openxmlformats.org/officeDocument/2006/relationships" xmlns:p="http://schemas.openxmlformats.org/presentationml/2006/main">
+  <p:cSld>
+    <p:spTree>
+      <p:nvGrpSpPr>
+        <p:cNvPr id="1" name=""/>
+        <p:cNvGrpSpPr/>
+        <p:nvPr/>
+      </p:nvGrpSpPr>
+      <p:grpSpPr>
+        <a:xfrm>
+          <a:off x="0" y="0"/>
+          <a:ext cx="0" cy="0"/>
+          <a:chOff x="0" y="0"/>
+          <a:chExt cx="0" cy="0"/>
+        </a:xfrm>
+      </p:grpSpPr>
+      <p:sp>
+        <p:nvSpPr>
+          <p:cNvPr id="5" name="Titolo 4">
+            <a:extLst>
+              <a:ext uri="{FF2B5EF4-FFF2-40B4-BE49-F238E27FC236}">
+                <a16:creationId xmlns:a16="http://schemas.microsoft.com/office/drawing/2014/main" id="{0717D380-C0C8-45FE-88C0-EFFD6F774525}"/>
+              </a:ext>
+            </a:extLst>
+          </p:cNvPr>
+          <p:cNvSpPr>
+            <a:spLocks noGrp="1"/>
+          </p:cNvSpPr>
+          <p:nvPr>
+            <p:ph type="title"/>
+          </p:nvPr>
+        </p:nvSpPr>
+        <p:spPr/>
+        <p:txBody>
+          <a:bodyPr/>
+          <a:lstStyle/>
+          <a:p>
+            <a:r>
+              <a:rPr lang="it-IT" dirty="0"/>
+              <a:t>esempio: </a:t>
+            </a:r>
+            <a:r>
+              <a:rPr lang="it-IT" dirty="0" err="1"/>
+              <a:t>Cameriere.h</a:t>
+            </a:r>
+            <a:endParaRPr lang="it-IT" dirty="0"/>
+          </a:p>
+        </p:txBody>
+      </p:sp>
+      <p:sp>
+        <p:nvSpPr>
+          <p:cNvPr id="6" name="Segnaposto contenuto 5">
+            <a:extLst>
+              <a:ext uri="{FF2B5EF4-FFF2-40B4-BE49-F238E27FC236}">
+                <a16:creationId xmlns:a16="http://schemas.microsoft.com/office/drawing/2014/main" id="{D9981AB3-C1C2-4772-9AA8-39BB06CB9CFC}"/>
+              </a:ext>
+            </a:extLst>
+          </p:cNvPr>
+          <p:cNvSpPr>
+            <a:spLocks noGrp="1"/>
+          </p:cNvSpPr>
+          <p:nvPr>
+            <p:ph sz="half" idx="1"/>
+          </p:nvPr>
+        </p:nvSpPr>
+        <p:spPr/>
+        <p:txBody>
+          <a:bodyPr/>
+          <a:lstStyle/>
+          <a:p>
+            <a:pPr marL="0" indent="0">
+              <a:spcBef>
+                <a:spcPts val="0"/>
+              </a:spcBef>
+              <a:buNone/>
+            </a:pPr>
+            <a:r>
+              <a:rPr lang="it-IT" sz="1800" b="1" dirty="0">
+                <a:latin typeface="Courier New" panose="02070309020205020404" pitchFamily="49" charset="0"/>
+                <a:cs typeface="Courier New" panose="02070309020205020404" pitchFamily="49" charset="0"/>
+              </a:rPr>
+              <a:t>#</a:t>
+            </a:r>
+            <a:r>
+              <a:rPr lang="it-IT" sz="1800" b="1" dirty="0" err="1">
+                <a:latin typeface="Courier New" panose="02070309020205020404" pitchFamily="49" charset="0"/>
+                <a:cs typeface="Courier New" panose="02070309020205020404" pitchFamily="49" charset="0"/>
+              </a:rPr>
+              <a:t>ifndef</a:t>
+            </a:r>
+            <a:r>
+              <a:rPr lang="it-IT" sz="1800" b="1" dirty="0">
+                <a:latin typeface="Courier New" panose="02070309020205020404" pitchFamily="49" charset="0"/>
+                <a:cs typeface="Courier New" panose="02070309020205020404" pitchFamily="49" charset="0"/>
+              </a:rPr>
+              <a:t> CAMERIERE_H</a:t>
+            </a:r>
+          </a:p>
+          <a:p>
+            <a:pPr marL="0" indent="0">
+              <a:spcBef>
+                <a:spcPts val="0"/>
+              </a:spcBef>
+              <a:buNone/>
+            </a:pPr>
+            <a:r>
+              <a:rPr lang="it-IT" sz="1800" b="1" dirty="0">
+                <a:latin typeface="Courier New" panose="02070309020205020404" pitchFamily="49" charset="0"/>
+                <a:cs typeface="Courier New" panose="02070309020205020404" pitchFamily="49" charset="0"/>
+              </a:rPr>
+              <a:t>#</a:t>
+            </a:r>
+            <a:r>
+              <a:rPr lang="it-IT" sz="1800" b="1" dirty="0" err="1">
+                <a:latin typeface="Courier New" panose="02070309020205020404" pitchFamily="49" charset="0"/>
+                <a:cs typeface="Courier New" panose="02070309020205020404" pitchFamily="49" charset="0"/>
+              </a:rPr>
+              <a:t>define</a:t>
+            </a:r>
+            <a:r>
+              <a:rPr lang="it-IT" sz="1800" b="1" dirty="0">
+                <a:latin typeface="Courier New" panose="02070309020205020404" pitchFamily="49" charset="0"/>
+                <a:cs typeface="Courier New" panose="02070309020205020404" pitchFamily="49" charset="0"/>
+              </a:rPr>
+              <a:t> CAMERIERE_H</a:t>
+            </a:r>
+          </a:p>
+          <a:p>
+            <a:pPr marL="0" indent="0">
+              <a:spcBef>
+                <a:spcPts val="0"/>
+              </a:spcBef>
+              <a:buNone/>
+            </a:pPr>
+            <a:r>
+              <a:rPr lang="it-IT" sz="1800" b="1" dirty="0">
+                <a:latin typeface="Courier New" panose="02070309020205020404" pitchFamily="49" charset="0"/>
+                <a:cs typeface="Courier New" panose="02070309020205020404" pitchFamily="49" charset="0"/>
+              </a:rPr>
+              <a:t>#include&lt;</a:t>
+            </a:r>
+            <a:r>
+              <a:rPr lang="it-IT" sz="1800" b="1" dirty="0" err="1">
+                <a:latin typeface="Courier New" panose="02070309020205020404" pitchFamily="49" charset="0"/>
+                <a:cs typeface="Courier New" panose="02070309020205020404" pitchFamily="49" charset="0"/>
+              </a:rPr>
+              <a:t>string</a:t>
+            </a:r>
+            <a:r>
+              <a:rPr lang="it-IT" sz="1800" b="1" dirty="0">
+                <a:latin typeface="Courier New" panose="02070309020205020404" pitchFamily="49" charset="0"/>
+                <a:cs typeface="Courier New" panose="02070309020205020404" pitchFamily="49" charset="0"/>
+              </a:rPr>
+              <a:t>&gt;</a:t>
+            </a:r>
+          </a:p>
+          <a:p>
+            <a:pPr marL="0" indent="0">
+              <a:spcBef>
+                <a:spcPts val="0"/>
+              </a:spcBef>
+              <a:buNone/>
+            </a:pPr>
+            <a:r>
+              <a:rPr lang="it-IT" sz="1800" b="1" dirty="0" err="1">
+                <a:latin typeface="Courier New" panose="02070309020205020404" pitchFamily="49" charset="0"/>
+                <a:cs typeface="Courier New" panose="02070309020205020404" pitchFamily="49" charset="0"/>
+              </a:rPr>
+              <a:t>using</a:t>
+            </a:r>
+            <a:r>
+              <a:rPr lang="it-IT" sz="1800" b="1" dirty="0">
+                <a:latin typeface="Courier New" panose="02070309020205020404" pitchFamily="49" charset="0"/>
+                <a:cs typeface="Courier New" panose="02070309020205020404" pitchFamily="49" charset="0"/>
+              </a:rPr>
+              <a:t> </a:t>
+            </a:r>
+            <a:r>
+              <a:rPr lang="it-IT" sz="1800" b="1" dirty="0" err="1">
+                <a:latin typeface="Courier New" panose="02070309020205020404" pitchFamily="49" charset="0"/>
+                <a:cs typeface="Courier New" panose="02070309020205020404" pitchFamily="49" charset="0"/>
+              </a:rPr>
+              <a:t>namespace</a:t>
+            </a:r>
+            <a:r>
+              <a:rPr lang="it-IT" sz="1800" b="1" dirty="0">
+                <a:latin typeface="Courier New" panose="02070309020205020404" pitchFamily="49" charset="0"/>
+                <a:cs typeface="Courier New" panose="02070309020205020404" pitchFamily="49" charset="0"/>
+              </a:rPr>
+              <a:t> </a:t>
+            </a:r>
+            <a:r>
+              <a:rPr lang="it-IT" sz="1800" b="1" dirty="0" err="1">
+                <a:latin typeface="Courier New" panose="02070309020205020404" pitchFamily="49" charset="0"/>
+                <a:cs typeface="Courier New" panose="02070309020205020404" pitchFamily="49" charset="0"/>
+              </a:rPr>
+              <a:t>std</a:t>
+            </a:r>
+            <a:r>
+              <a:rPr lang="it-IT" sz="1800" b="1" dirty="0">
+                <a:latin typeface="Courier New" panose="02070309020205020404" pitchFamily="49" charset="0"/>
+                <a:cs typeface="Courier New" panose="02070309020205020404" pitchFamily="49" charset="0"/>
+              </a:rPr>
+              <a:t>;</a:t>
+            </a:r>
+          </a:p>
+          <a:p>
+            <a:pPr marL="0" indent="0">
+              <a:spcBef>
+                <a:spcPts val="0"/>
+              </a:spcBef>
+              <a:buNone/>
+            </a:pPr>
+            <a:r>
+              <a:rPr lang="it-IT" sz="1800" b="1" dirty="0">
+                <a:latin typeface="Courier New" panose="02070309020205020404" pitchFamily="49" charset="0"/>
+                <a:cs typeface="Courier New" panose="02070309020205020404" pitchFamily="49" charset="0"/>
+              </a:rPr>
+              <a:t>class Cameriere {</a:t>
+            </a:r>
+          </a:p>
+          <a:p>
+            <a:pPr marL="0" indent="0">
+              <a:spcBef>
+                <a:spcPts val="0"/>
+              </a:spcBef>
+              <a:buNone/>
+            </a:pPr>
+            <a:r>
+              <a:rPr lang="it-IT" sz="1800" b="1" dirty="0">
+                <a:latin typeface="Courier New" panose="02070309020205020404" pitchFamily="49" charset="0"/>
+                <a:cs typeface="Courier New" panose="02070309020205020404" pitchFamily="49" charset="0"/>
+              </a:rPr>
+              <a:t>public:</a:t>
+            </a:r>
+          </a:p>
+          <a:p>
+            <a:pPr marL="0" indent="0">
+              <a:spcBef>
+                <a:spcPts val="0"/>
+              </a:spcBef>
+              <a:buNone/>
+            </a:pPr>
+            <a:r>
+              <a:rPr lang="it-IT" sz="1800" b="1" dirty="0">
+                <a:latin typeface="Courier New" panose="02070309020205020404" pitchFamily="49" charset="0"/>
+                <a:cs typeface="Courier New" panose="02070309020205020404" pitchFamily="49" charset="0"/>
+              </a:rPr>
+              <a:t>   Cameriere(</a:t>
+            </a:r>
+            <a:r>
+              <a:rPr lang="it-IT" sz="1800" b="1" dirty="0" err="1">
+                <a:latin typeface="Courier New" panose="02070309020205020404" pitchFamily="49" charset="0"/>
+                <a:cs typeface="Courier New" panose="02070309020205020404" pitchFamily="49" charset="0"/>
+              </a:rPr>
+              <a:t>string</a:t>
+            </a:r>
+            <a:r>
+              <a:rPr lang="it-IT" sz="1800" b="1" dirty="0">
+                <a:latin typeface="Courier New" panose="02070309020205020404" pitchFamily="49" charset="0"/>
+                <a:cs typeface="Courier New" panose="02070309020205020404" pitchFamily="49" charset="0"/>
+              </a:rPr>
+              <a:t> </a:t>
+            </a:r>
+            <a:r>
+              <a:rPr lang="it-IT" sz="1800" b="1" dirty="0" err="1">
+                <a:latin typeface="Courier New" panose="02070309020205020404" pitchFamily="49" charset="0"/>
+                <a:cs typeface="Courier New" panose="02070309020205020404" pitchFamily="49" charset="0"/>
+              </a:rPr>
+              <a:t>nomeCameriere</a:t>
+            </a:r>
+            <a:r>
+              <a:rPr lang="it-IT" sz="1800" b="1" dirty="0">
+                <a:latin typeface="Courier New" panose="02070309020205020404" pitchFamily="49" charset="0"/>
+                <a:cs typeface="Courier New" panose="02070309020205020404" pitchFamily="49" charset="0"/>
+              </a:rPr>
+              <a:t>);</a:t>
+            </a:r>
+          </a:p>
+          <a:p>
+            <a:pPr marL="0" indent="0">
+              <a:spcBef>
+                <a:spcPts val="0"/>
+              </a:spcBef>
+              <a:buNone/>
+            </a:pPr>
+            <a:r>
+              <a:rPr lang="it-IT" sz="1800" b="1" dirty="0">
+                <a:latin typeface="Courier New" panose="02070309020205020404" pitchFamily="49" charset="0"/>
+                <a:cs typeface="Courier New" panose="02070309020205020404" pitchFamily="49" charset="0"/>
+              </a:rPr>
+              <a:t>   </a:t>
+            </a:r>
+            <a:r>
+              <a:rPr lang="it-IT" sz="1800" b="1" dirty="0" err="1">
+                <a:solidFill>
+                  <a:srgbClr val="FF0000"/>
+                </a:solidFill>
+                <a:latin typeface="Courier New" panose="02070309020205020404" pitchFamily="49" charset="0"/>
+                <a:cs typeface="Courier New" panose="02070309020205020404" pitchFamily="49" charset="0"/>
+              </a:rPr>
+              <a:t>static</a:t>
+            </a:r>
+            <a:r>
+              <a:rPr lang="it-IT" sz="1800" b="1" dirty="0">
+                <a:latin typeface="Courier New" panose="02070309020205020404" pitchFamily="49" charset="0"/>
+                <a:cs typeface="Courier New" panose="02070309020205020404" pitchFamily="49" charset="0"/>
+              </a:rPr>
+              <a:t> </a:t>
+            </a:r>
+            <a:r>
+              <a:rPr lang="it-IT" sz="1800" b="1" dirty="0" err="1">
+                <a:latin typeface="Courier New" panose="02070309020205020404" pitchFamily="49" charset="0"/>
+                <a:cs typeface="Courier New" panose="02070309020205020404" pitchFamily="49" charset="0"/>
+              </a:rPr>
+              <a:t>int</a:t>
+            </a:r>
+            <a:r>
+              <a:rPr lang="it-IT" sz="1800" b="1" dirty="0">
+                <a:latin typeface="Courier New" panose="02070309020205020404" pitchFamily="49" charset="0"/>
+                <a:cs typeface="Courier New" panose="02070309020205020404" pitchFamily="49" charset="0"/>
+              </a:rPr>
+              <a:t> </a:t>
+            </a:r>
+            <a:r>
+              <a:rPr lang="it-IT" sz="1800" b="1" dirty="0" err="1">
+                <a:latin typeface="Courier New" panose="02070309020205020404" pitchFamily="49" charset="0"/>
+                <a:cs typeface="Courier New" panose="02070309020205020404" pitchFamily="49" charset="0"/>
+              </a:rPr>
+              <a:t>getClienteDaServire</a:t>
+            </a:r>
+            <a:r>
+              <a:rPr lang="it-IT" sz="1800" b="1" dirty="0">
+                <a:latin typeface="Courier New" panose="02070309020205020404" pitchFamily="49" charset="0"/>
+                <a:cs typeface="Courier New" panose="02070309020205020404" pitchFamily="49" charset="0"/>
+              </a:rPr>
+              <a:t>();              </a:t>
+            </a:r>
+          </a:p>
+          <a:p>
+            <a:pPr marL="0" indent="0">
+              <a:spcBef>
+                <a:spcPts val="0"/>
+              </a:spcBef>
+              <a:buNone/>
+            </a:pPr>
+            <a:r>
+              <a:rPr lang="it-IT" sz="1800" b="1" dirty="0">
+                <a:latin typeface="Courier New" panose="02070309020205020404" pitchFamily="49" charset="0"/>
+                <a:cs typeface="Courier New" panose="02070309020205020404" pitchFamily="49" charset="0"/>
+              </a:rPr>
+              <a:t>   </a:t>
+            </a:r>
+            <a:r>
+              <a:rPr lang="it-IT" sz="1800" b="1" dirty="0" err="1">
+                <a:latin typeface="Courier New" panose="02070309020205020404" pitchFamily="49" charset="0"/>
+                <a:cs typeface="Courier New" panose="02070309020205020404" pitchFamily="49" charset="0"/>
+              </a:rPr>
+              <a:t>void</a:t>
+            </a:r>
+            <a:r>
+              <a:rPr lang="it-IT" sz="1800" b="1" dirty="0">
+                <a:latin typeface="Courier New" panose="02070309020205020404" pitchFamily="49" charset="0"/>
+                <a:cs typeface="Courier New" panose="02070309020205020404" pitchFamily="49" charset="0"/>
+              </a:rPr>
+              <a:t> </a:t>
+            </a:r>
+            <a:r>
+              <a:rPr lang="it-IT" sz="1800" b="1" dirty="0" err="1">
+                <a:latin typeface="Courier New" panose="02070309020205020404" pitchFamily="49" charset="0"/>
+                <a:cs typeface="Courier New" panose="02070309020205020404" pitchFamily="49" charset="0"/>
+              </a:rPr>
+              <a:t>serviCliente</a:t>
+            </a:r>
+            <a:r>
+              <a:rPr lang="it-IT" sz="1800" b="1" dirty="0">
+                <a:latin typeface="Courier New" panose="02070309020205020404" pitchFamily="49" charset="0"/>
+                <a:cs typeface="Courier New" panose="02070309020205020404" pitchFamily="49" charset="0"/>
+              </a:rPr>
+              <a:t>(); </a:t>
+            </a:r>
+          </a:p>
+          <a:p>
+            <a:pPr marL="0" indent="0">
+              <a:spcBef>
+                <a:spcPts val="0"/>
+              </a:spcBef>
+              <a:buNone/>
+            </a:pPr>
+            <a:r>
+              <a:rPr lang="it-IT" sz="1800" b="1" dirty="0">
+                <a:latin typeface="Courier New" panose="02070309020205020404" pitchFamily="49" charset="0"/>
+                <a:cs typeface="Courier New" panose="02070309020205020404" pitchFamily="49" charset="0"/>
+              </a:rPr>
+              <a:t>   </a:t>
+            </a:r>
+            <a:r>
+              <a:rPr lang="it-IT" sz="1800" b="1" dirty="0" err="1">
+                <a:solidFill>
+                  <a:srgbClr val="FF0000"/>
+                </a:solidFill>
+                <a:latin typeface="Courier New" panose="02070309020205020404" pitchFamily="49" charset="0"/>
+                <a:cs typeface="Courier New" panose="02070309020205020404" pitchFamily="49" charset="0"/>
+              </a:rPr>
+              <a:t>static</a:t>
+            </a:r>
+            <a:r>
+              <a:rPr lang="it-IT" sz="1800" b="1" dirty="0">
+                <a:latin typeface="Courier New" panose="02070309020205020404" pitchFamily="49" charset="0"/>
+                <a:cs typeface="Courier New" panose="02070309020205020404" pitchFamily="49" charset="0"/>
+              </a:rPr>
+              <a:t> </a:t>
+            </a:r>
+            <a:r>
+              <a:rPr lang="it-IT" sz="1800" b="1" dirty="0" err="1">
+                <a:latin typeface="Courier New" panose="02070309020205020404" pitchFamily="49" charset="0"/>
+                <a:cs typeface="Courier New" panose="02070309020205020404" pitchFamily="49" charset="0"/>
+              </a:rPr>
+              <a:t>bool</a:t>
+            </a:r>
+            <a:r>
+              <a:rPr lang="it-IT" sz="1800" b="1" dirty="0">
+                <a:latin typeface="Courier New" panose="02070309020205020404" pitchFamily="49" charset="0"/>
+                <a:cs typeface="Courier New" panose="02070309020205020404" pitchFamily="49" charset="0"/>
+              </a:rPr>
+              <a:t> </a:t>
+            </a:r>
+            <a:r>
+              <a:rPr lang="it-IT" sz="1800" b="1" dirty="0" err="1">
+                <a:latin typeface="Courier New" panose="02070309020205020404" pitchFamily="49" charset="0"/>
+                <a:cs typeface="Courier New" panose="02070309020205020404" pitchFamily="49" charset="0"/>
+              </a:rPr>
+              <a:t>isAperto</a:t>
+            </a:r>
+            <a:r>
+              <a:rPr lang="it-IT" sz="1800" b="1" dirty="0">
+                <a:latin typeface="Courier New" panose="02070309020205020404" pitchFamily="49" charset="0"/>
+                <a:cs typeface="Courier New" panose="02070309020205020404" pitchFamily="49" charset="0"/>
+              </a:rPr>
+              <a:t>();                    </a:t>
+            </a:r>
+          </a:p>
+          <a:p>
+            <a:pPr marL="0" indent="0">
+              <a:spcBef>
+                <a:spcPts val="0"/>
+              </a:spcBef>
+              <a:buNone/>
+            </a:pPr>
+            <a:r>
+              <a:rPr lang="it-IT" sz="1800" b="1" dirty="0">
+                <a:latin typeface="Courier New" panose="02070309020205020404" pitchFamily="49" charset="0"/>
+                <a:cs typeface="Courier New" panose="02070309020205020404" pitchFamily="49" charset="0"/>
+              </a:rPr>
+              <a:t>private:</a:t>
+            </a:r>
+          </a:p>
+          <a:p>
+            <a:pPr marL="0" indent="0">
+              <a:spcBef>
+                <a:spcPts val="0"/>
+              </a:spcBef>
+              <a:buNone/>
+            </a:pPr>
+            <a:r>
+              <a:rPr lang="it-IT" sz="1800" b="1" dirty="0">
+                <a:latin typeface="Courier New" panose="02070309020205020404" pitchFamily="49" charset="0"/>
+                <a:cs typeface="Courier New" panose="02070309020205020404" pitchFamily="49" charset="0"/>
+              </a:rPr>
+              <a:t>    </a:t>
+            </a:r>
+            <a:r>
+              <a:rPr lang="it-IT" sz="1800" b="1" dirty="0" err="1">
+                <a:solidFill>
+                  <a:srgbClr val="FF0000"/>
+                </a:solidFill>
+                <a:latin typeface="Courier New" panose="02070309020205020404" pitchFamily="49" charset="0"/>
+                <a:cs typeface="Courier New" panose="02070309020205020404" pitchFamily="49" charset="0"/>
+              </a:rPr>
+              <a:t>static</a:t>
+            </a:r>
+            <a:r>
+              <a:rPr lang="it-IT" sz="1800" b="1" dirty="0">
+                <a:latin typeface="Courier New" panose="02070309020205020404" pitchFamily="49" charset="0"/>
+                <a:cs typeface="Courier New" panose="02070309020205020404" pitchFamily="49" charset="0"/>
+              </a:rPr>
+              <a:t> </a:t>
+            </a:r>
+            <a:r>
+              <a:rPr lang="it-IT" sz="1800" b="1" dirty="0" err="1">
+                <a:latin typeface="Courier New" panose="02070309020205020404" pitchFamily="49" charset="0"/>
+                <a:cs typeface="Courier New" panose="02070309020205020404" pitchFamily="49" charset="0"/>
+              </a:rPr>
+              <a:t>int</a:t>
+            </a:r>
+            <a:r>
+              <a:rPr lang="it-IT" sz="1800" b="1" dirty="0">
+                <a:latin typeface="Courier New" panose="02070309020205020404" pitchFamily="49" charset="0"/>
+                <a:cs typeface="Courier New" panose="02070309020205020404" pitchFamily="49" charset="0"/>
+              </a:rPr>
+              <a:t> </a:t>
+            </a:r>
+            <a:r>
+              <a:rPr lang="it-IT" sz="1800" b="1" dirty="0" err="1">
+                <a:latin typeface="Courier New" panose="02070309020205020404" pitchFamily="49" charset="0"/>
+                <a:cs typeface="Courier New" panose="02070309020205020404" pitchFamily="49" charset="0"/>
+              </a:rPr>
+              <a:t>clienteDaServire</a:t>
+            </a:r>
+            <a:r>
+              <a:rPr lang="it-IT" sz="1800" b="1" dirty="0">
+                <a:latin typeface="Courier New" panose="02070309020205020404" pitchFamily="49" charset="0"/>
+                <a:cs typeface="Courier New" panose="02070309020205020404" pitchFamily="49" charset="0"/>
+              </a:rPr>
+              <a:t>;            </a:t>
+            </a:r>
+          </a:p>
+          <a:p>
+            <a:pPr marL="0" indent="0">
+              <a:spcBef>
+                <a:spcPts val="0"/>
+              </a:spcBef>
+              <a:buNone/>
+            </a:pPr>
+            <a:r>
+              <a:rPr lang="it-IT" sz="1800" b="1" dirty="0">
+                <a:latin typeface="Courier New" panose="02070309020205020404" pitchFamily="49" charset="0"/>
+                <a:cs typeface="Courier New" panose="02070309020205020404" pitchFamily="49" charset="0"/>
+              </a:rPr>
+              <a:t>    </a:t>
+            </a:r>
+            <a:r>
+              <a:rPr lang="it-IT" sz="1800" b="1" dirty="0" err="1">
+                <a:solidFill>
+                  <a:srgbClr val="FF0000"/>
+                </a:solidFill>
+                <a:latin typeface="Courier New" panose="02070309020205020404" pitchFamily="49" charset="0"/>
+                <a:cs typeface="Courier New" panose="02070309020205020404" pitchFamily="49" charset="0"/>
+              </a:rPr>
+              <a:t>static</a:t>
+            </a:r>
+            <a:r>
+              <a:rPr lang="it-IT" sz="1800" b="1" dirty="0">
+                <a:latin typeface="Courier New" panose="02070309020205020404" pitchFamily="49" charset="0"/>
+                <a:cs typeface="Courier New" panose="02070309020205020404" pitchFamily="49" charset="0"/>
+              </a:rPr>
+              <a:t> </a:t>
+            </a:r>
+            <a:r>
+              <a:rPr lang="it-IT" sz="1800" b="1" dirty="0" err="1">
+                <a:latin typeface="Courier New" panose="02070309020205020404" pitchFamily="49" charset="0"/>
+                <a:cs typeface="Courier New" panose="02070309020205020404" pitchFamily="49" charset="0"/>
+              </a:rPr>
+              <a:t>int</a:t>
+            </a:r>
+            <a:r>
+              <a:rPr lang="it-IT" sz="1800" b="1" dirty="0">
+                <a:latin typeface="Courier New" panose="02070309020205020404" pitchFamily="49" charset="0"/>
+                <a:cs typeface="Courier New" panose="02070309020205020404" pitchFamily="49" charset="0"/>
+              </a:rPr>
+              <a:t> </a:t>
+            </a:r>
+            <a:r>
+              <a:rPr lang="it-IT" sz="1800" b="1" dirty="0" err="1">
+                <a:latin typeface="Courier New" panose="02070309020205020404" pitchFamily="49" charset="0"/>
+                <a:cs typeface="Courier New" panose="02070309020205020404" pitchFamily="49" charset="0"/>
+              </a:rPr>
+              <a:t>ultimoServito</a:t>
+            </a:r>
+            <a:r>
+              <a:rPr lang="it-IT" sz="1800" b="1" dirty="0">
+                <a:latin typeface="Courier New" panose="02070309020205020404" pitchFamily="49" charset="0"/>
+                <a:cs typeface="Courier New" panose="02070309020205020404" pitchFamily="49" charset="0"/>
+              </a:rPr>
+              <a:t>;               </a:t>
+            </a:r>
+          </a:p>
+          <a:p>
+            <a:pPr marL="0" indent="0">
+              <a:spcBef>
+                <a:spcPts val="0"/>
+              </a:spcBef>
+              <a:buNone/>
+            </a:pPr>
+            <a:r>
+              <a:rPr lang="it-IT" sz="1800" b="1" dirty="0">
+                <a:latin typeface="Courier New" panose="02070309020205020404" pitchFamily="49" charset="0"/>
+                <a:cs typeface="Courier New" panose="02070309020205020404" pitchFamily="49" charset="0"/>
+              </a:rPr>
+              <a:t>    </a:t>
+            </a:r>
+            <a:r>
+              <a:rPr lang="it-IT" sz="1800" b="1" dirty="0" err="1">
+                <a:solidFill>
+                  <a:srgbClr val="FF0000"/>
+                </a:solidFill>
+                <a:latin typeface="Courier New" panose="02070309020205020404" pitchFamily="49" charset="0"/>
+                <a:cs typeface="Courier New" panose="02070309020205020404" pitchFamily="49" charset="0"/>
+              </a:rPr>
+              <a:t>static</a:t>
+            </a:r>
+            <a:r>
+              <a:rPr lang="it-IT" sz="1800" b="1" dirty="0">
+                <a:latin typeface="Courier New" panose="02070309020205020404" pitchFamily="49" charset="0"/>
+                <a:cs typeface="Courier New" panose="02070309020205020404" pitchFamily="49" charset="0"/>
+              </a:rPr>
+              <a:t> </a:t>
+            </a:r>
+            <a:r>
+              <a:rPr lang="it-IT" sz="1800" b="1" dirty="0" err="1">
+                <a:latin typeface="Courier New" panose="02070309020205020404" pitchFamily="49" charset="0"/>
+                <a:cs typeface="Courier New" panose="02070309020205020404" pitchFamily="49" charset="0"/>
+              </a:rPr>
+              <a:t>bool</a:t>
+            </a:r>
+            <a:r>
+              <a:rPr lang="it-IT" sz="1800" b="1" dirty="0">
+                <a:latin typeface="Courier New" panose="02070309020205020404" pitchFamily="49" charset="0"/>
+                <a:cs typeface="Courier New" panose="02070309020205020404" pitchFamily="49" charset="0"/>
+              </a:rPr>
+              <a:t> </a:t>
+            </a:r>
+            <a:r>
+              <a:rPr lang="it-IT" sz="1800" b="1" dirty="0" err="1">
+                <a:latin typeface="Courier New" panose="02070309020205020404" pitchFamily="49" charset="0"/>
+                <a:cs typeface="Courier New" panose="02070309020205020404" pitchFamily="49" charset="0"/>
+              </a:rPr>
+              <a:t>servizioAperto</a:t>
+            </a:r>
+            <a:r>
+              <a:rPr lang="it-IT" sz="1800" b="1" dirty="0">
+                <a:latin typeface="Courier New" panose="02070309020205020404" pitchFamily="49" charset="0"/>
+                <a:cs typeface="Courier New" panose="02070309020205020404" pitchFamily="49" charset="0"/>
+              </a:rPr>
+              <a:t>;             </a:t>
+            </a:r>
+          </a:p>
+          <a:p>
+            <a:pPr marL="0" indent="0">
+              <a:spcBef>
+                <a:spcPts val="0"/>
+              </a:spcBef>
+              <a:buNone/>
+            </a:pPr>
+            <a:r>
+              <a:rPr lang="it-IT" sz="1800" b="1" dirty="0">
+                <a:latin typeface="Courier New" panose="02070309020205020404" pitchFamily="49" charset="0"/>
+                <a:cs typeface="Courier New" panose="02070309020205020404" pitchFamily="49" charset="0"/>
+              </a:rPr>
+              <a:t>    </a:t>
+            </a:r>
+            <a:r>
+              <a:rPr lang="it-IT" sz="1800" b="1" dirty="0" err="1">
+                <a:latin typeface="Courier New" panose="02070309020205020404" pitchFamily="49" charset="0"/>
+                <a:cs typeface="Courier New" panose="02070309020205020404" pitchFamily="49" charset="0"/>
+              </a:rPr>
+              <a:t>string</a:t>
+            </a:r>
+            <a:r>
+              <a:rPr lang="it-IT" sz="1800" b="1" dirty="0">
+                <a:latin typeface="Courier New" panose="02070309020205020404" pitchFamily="49" charset="0"/>
+                <a:cs typeface="Courier New" panose="02070309020205020404" pitchFamily="49" charset="0"/>
+              </a:rPr>
+              <a:t> nome;                            </a:t>
+            </a:r>
+          </a:p>
+          <a:p>
+            <a:pPr marL="0" indent="0">
+              <a:spcBef>
+                <a:spcPts val="0"/>
+              </a:spcBef>
+              <a:buNone/>
+            </a:pPr>
+            <a:r>
+              <a:rPr lang="it-IT" sz="1800" b="1" dirty="0">
+                <a:latin typeface="Courier New" panose="02070309020205020404" pitchFamily="49" charset="0"/>
+                <a:cs typeface="Courier New" panose="02070309020205020404" pitchFamily="49" charset="0"/>
+              </a:rPr>
+              <a:t>};</a:t>
+            </a:r>
+          </a:p>
+          <a:p>
+            <a:pPr marL="0" indent="0">
+              <a:spcBef>
+                <a:spcPts val="0"/>
+              </a:spcBef>
+              <a:buNone/>
+            </a:pPr>
+            <a:r>
+              <a:rPr lang="it-IT" sz="1800" b="1" dirty="0">
+                <a:latin typeface="Courier New" panose="02070309020205020404" pitchFamily="49" charset="0"/>
+                <a:cs typeface="Courier New" panose="02070309020205020404" pitchFamily="49" charset="0"/>
+              </a:rPr>
+              <a:t>#</a:t>
+            </a:r>
+            <a:r>
+              <a:rPr lang="it-IT" sz="1800" b="1" dirty="0" err="1">
+                <a:latin typeface="Courier New" panose="02070309020205020404" pitchFamily="49" charset="0"/>
+                <a:cs typeface="Courier New" panose="02070309020205020404" pitchFamily="49" charset="0"/>
+              </a:rPr>
+              <a:t>endif</a:t>
+            </a:r>
+            <a:endParaRPr lang="it-IT" sz="1800" b="1" dirty="0">
+              <a:latin typeface="Courier New" panose="02070309020205020404" pitchFamily="49" charset="0"/>
+              <a:cs typeface="Courier New" panose="02070309020205020404" pitchFamily="49" charset="0"/>
+            </a:endParaRPr>
+          </a:p>
+        </p:txBody>
+      </p:sp>
+      <p:sp>
+        <p:nvSpPr>
+          <p:cNvPr id="7" name="Segnaposto contenuto 6">
+            <a:extLst>
+              <a:ext uri="{FF2B5EF4-FFF2-40B4-BE49-F238E27FC236}">
+                <a16:creationId xmlns:a16="http://schemas.microsoft.com/office/drawing/2014/main" id="{04120774-B9E5-4A63-8E45-7CE213991E46}"/>
+              </a:ext>
+            </a:extLst>
+          </p:cNvPr>
+          <p:cNvSpPr>
+            <a:spLocks noGrp="1"/>
+          </p:cNvSpPr>
+          <p:nvPr>
+            <p:ph sz="half" idx="2"/>
+          </p:nvPr>
+        </p:nvSpPr>
+        <p:spPr/>
+        <p:txBody>
+          <a:bodyPr/>
+          <a:lstStyle/>
+          <a:p>
+            <a:pPr>
+              <a:spcBef>
+                <a:spcPts val="384"/>
+              </a:spcBef>
+            </a:pPr>
+            <a:r>
+              <a:rPr lang="it-IT" sz="1800" b="1" dirty="0">
+                <a:cs typeface="Courier New" panose="02070309020205020404" pitchFamily="49" charset="0"/>
+              </a:rPr>
+              <a:t>variabili membro </a:t>
+            </a:r>
+            <a:r>
+              <a:rPr lang="it-IT" sz="1800" b="1" dirty="0" err="1">
+                <a:cs typeface="Courier New" panose="02070309020205020404" pitchFamily="49" charset="0"/>
+              </a:rPr>
+              <a:t>static</a:t>
+            </a:r>
+            <a:r>
+              <a:rPr lang="it-IT" sz="1800" b="1" dirty="0">
+                <a:cs typeface="Courier New" panose="02070309020205020404" pitchFamily="49" charset="0"/>
+              </a:rPr>
+              <a:t> provate:</a:t>
+            </a:r>
+          </a:p>
+          <a:p>
+            <a:pPr>
+              <a:spcBef>
+                <a:spcPts val="384"/>
+              </a:spcBef>
+            </a:pPr>
+            <a:r>
+              <a:rPr lang="it-IT" sz="1800" b="1" dirty="0" err="1">
+                <a:cs typeface="Courier New" panose="02070309020205020404" pitchFamily="49" charset="0"/>
+              </a:rPr>
+              <a:t>clienteDaServire</a:t>
+            </a:r>
+            <a:endParaRPr lang="it-IT" sz="1800" b="1" dirty="0">
+              <a:cs typeface="Courier New" panose="02070309020205020404" pitchFamily="49" charset="0"/>
+            </a:endParaRPr>
+          </a:p>
+          <a:p>
+            <a:pPr lvl="1">
+              <a:spcBef>
+                <a:spcPts val="384"/>
+              </a:spcBef>
+            </a:pPr>
+            <a:r>
+              <a:rPr lang="it-IT" sz="1400" b="1" dirty="0">
+                <a:cs typeface="Courier New" panose="02070309020205020404" pitchFamily="49" charset="0"/>
+              </a:rPr>
+              <a:t>numero dell’ultimo cliente da servire</a:t>
+            </a:r>
+          </a:p>
+          <a:p>
+            <a:pPr>
+              <a:spcBef>
+                <a:spcPts val="384"/>
+              </a:spcBef>
+            </a:pPr>
+            <a:r>
+              <a:rPr lang="it-IT" sz="1800" b="1" dirty="0" err="1">
+                <a:cs typeface="Courier New" panose="02070309020205020404" pitchFamily="49" charset="0"/>
+              </a:rPr>
+              <a:t>ultimoServito</a:t>
+            </a:r>
+            <a:endParaRPr lang="it-IT" sz="1800" b="1" dirty="0">
+              <a:cs typeface="Courier New" panose="02070309020205020404" pitchFamily="49" charset="0"/>
+            </a:endParaRPr>
+          </a:p>
+          <a:p>
+            <a:pPr lvl="1">
+              <a:spcBef>
+                <a:spcPts val="384"/>
+              </a:spcBef>
+            </a:pPr>
+            <a:r>
+              <a:rPr lang="it-IT" sz="1400" b="1" dirty="0">
+                <a:cs typeface="Courier New" panose="02070309020205020404" pitchFamily="49" charset="0"/>
+              </a:rPr>
+              <a:t>numero dell’ultimo cliente servito</a:t>
+            </a:r>
+          </a:p>
+          <a:p>
+            <a:pPr>
+              <a:spcBef>
+                <a:spcPts val="384"/>
+              </a:spcBef>
+            </a:pPr>
+            <a:r>
+              <a:rPr lang="it-IT" sz="1800" b="1" dirty="0" err="1">
+                <a:cs typeface="Courier New" panose="02070309020205020404" pitchFamily="49" charset="0"/>
+              </a:rPr>
+              <a:t>servizioAperto</a:t>
+            </a:r>
+            <a:endParaRPr lang="it-IT" sz="1800" b="1" dirty="0">
+              <a:cs typeface="Courier New" panose="02070309020205020404" pitchFamily="49" charset="0"/>
+            </a:endParaRPr>
+          </a:p>
+          <a:p>
+            <a:pPr lvl="1">
+              <a:spcBef>
+                <a:spcPts val="384"/>
+              </a:spcBef>
+            </a:pPr>
+            <a:r>
+              <a:rPr lang="it-IT" sz="1400" b="1" dirty="0" err="1">
+                <a:cs typeface="Courier New" panose="02070309020205020404" pitchFamily="49" charset="0"/>
+              </a:rPr>
+              <a:t>true</a:t>
+            </a:r>
+            <a:r>
+              <a:rPr lang="it-IT" sz="1400" b="1" dirty="0">
+                <a:cs typeface="Courier New" panose="02070309020205020404" pitchFamily="49" charset="0"/>
+              </a:rPr>
+              <a:t> se ci sono ancora clienti da servire</a:t>
+            </a:r>
+          </a:p>
+          <a:p>
+            <a:pPr lvl="1">
+              <a:spcBef>
+                <a:spcPts val="384"/>
+              </a:spcBef>
+            </a:pPr>
+            <a:endParaRPr lang="it-IT" sz="1400" b="1" dirty="0">
+              <a:cs typeface="Courier New" panose="02070309020205020404" pitchFamily="49" charset="0"/>
+            </a:endParaRPr>
+          </a:p>
+          <a:p>
+            <a:pPr>
+              <a:spcBef>
+                <a:spcPts val="384"/>
+              </a:spcBef>
+            </a:pPr>
+            <a:r>
+              <a:rPr lang="it-IT" sz="1800" b="1" dirty="0">
+                <a:cs typeface="Courier New" panose="02070309020205020404" pitchFamily="49" charset="0"/>
+              </a:rPr>
+              <a:t>funzioni membro </a:t>
+            </a:r>
+            <a:r>
+              <a:rPr lang="it-IT" sz="1800" b="1" dirty="0" err="1">
+                <a:cs typeface="Courier New" panose="02070309020205020404" pitchFamily="49" charset="0"/>
+              </a:rPr>
+              <a:t>static</a:t>
+            </a:r>
+            <a:r>
+              <a:rPr lang="it-IT" sz="1800" b="1" dirty="0">
+                <a:cs typeface="Courier New" panose="02070309020205020404" pitchFamily="49" charset="0"/>
+              </a:rPr>
+              <a:t> pubbliche:</a:t>
+            </a:r>
+          </a:p>
+          <a:p>
+            <a:pPr>
+              <a:spcBef>
+                <a:spcPts val="384"/>
+              </a:spcBef>
+            </a:pPr>
+            <a:r>
+              <a:rPr lang="it-IT" sz="1800" b="1" dirty="0" err="1">
+                <a:cs typeface="Courier New" panose="02070309020205020404" pitchFamily="49" charset="0"/>
+              </a:rPr>
+              <a:t>getClienteDaServire</a:t>
+            </a:r>
+            <a:r>
+              <a:rPr lang="it-IT" sz="1800" b="1" dirty="0">
+                <a:cs typeface="Courier New" panose="02070309020205020404" pitchFamily="49" charset="0"/>
+              </a:rPr>
+              <a:t>()</a:t>
+            </a:r>
+          </a:p>
+          <a:p>
+            <a:pPr>
+              <a:spcBef>
+                <a:spcPts val="384"/>
+              </a:spcBef>
+            </a:pPr>
+            <a:r>
+              <a:rPr lang="it-IT" sz="1800" b="1" dirty="0" err="1">
+                <a:cs typeface="Courier New" panose="02070309020205020404" pitchFamily="49" charset="0"/>
+              </a:rPr>
+              <a:t>isAperto</a:t>
+            </a:r>
+            <a:r>
+              <a:rPr lang="it-IT" sz="1800" b="1" dirty="0">
+                <a:cs typeface="Courier New" panose="02070309020205020404" pitchFamily="49" charset="0"/>
+              </a:rPr>
+              <a:t>()</a:t>
+            </a:r>
+          </a:p>
+          <a:p>
+            <a:pPr lvl="1">
+              <a:spcBef>
+                <a:spcPts val="384"/>
+              </a:spcBef>
+            </a:pPr>
+            <a:r>
+              <a:rPr lang="it-IT" sz="1400" b="1" dirty="0">
+                <a:cs typeface="Courier New" panose="02070309020205020404" pitchFamily="49" charset="0"/>
+              </a:rPr>
+              <a:t>accesso alle variabili </a:t>
+            </a:r>
+            <a:r>
+              <a:rPr lang="it-IT" sz="1400" b="1" dirty="0" err="1">
+                <a:cs typeface="Courier New" panose="02070309020205020404" pitchFamily="49" charset="0"/>
+              </a:rPr>
+              <a:t>static</a:t>
+            </a:r>
+            <a:endParaRPr lang="it-IT" sz="1400" b="1" dirty="0">
+              <a:cs typeface="Courier New" panose="02070309020205020404" pitchFamily="49" charset="0"/>
+            </a:endParaRPr>
+          </a:p>
+          <a:p>
+            <a:pPr lvl="1">
+              <a:spcBef>
+                <a:spcPts val="384"/>
+              </a:spcBef>
+            </a:pPr>
+            <a:endParaRPr lang="it-IT" sz="1400" b="1" dirty="0">
+              <a:cs typeface="Courier New" panose="02070309020205020404" pitchFamily="49" charset="0"/>
+            </a:endParaRPr>
+          </a:p>
+        </p:txBody>
+      </p:sp>
+      <p:sp>
+        <p:nvSpPr>
+          <p:cNvPr id="4" name="Segnaposto piè di pagina 3">
+            <a:extLst>
+              <a:ext uri="{FF2B5EF4-FFF2-40B4-BE49-F238E27FC236}">
+                <a16:creationId xmlns:a16="http://schemas.microsoft.com/office/drawing/2014/main" id="{66B2AEAD-6A78-4808-832D-F77565A31A07}"/>
+              </a:ext>
+            </a:extLst>
+          </p:cNvPr>
+          <p:cNvSpPr>
+            <a:spLocks noGrp="1"/>
+          </p:cNvSpPr>
+          <p:nvPr>
+            <p:ph type="ftr" sz="quarter" idx="11"/>
+          </p:nvPr>
+        </p:nvSpPr>
+        <p:spPr/>
+        <p:txBody>
+          <a:bodyPr/>
+          <a:lstStyle/>
+          <a:p>
+            <a:pPr>
+              <a:defRPr/>
+            </a:pPr>
+            <a:r>
+              <a:rPr lang="it-IT"/>
+              <a:t>Alberto Ferrari – Programmazione di applicazioni SW</a:t>
+            </a:r>
+            <a:endParaRPr lang="it-IT" dirty="0"/>
+          </a:p>
+        </p:txBody>
+      </p:sp>
+    </p:spTree>
+    <p:extLst>
+      <p:ext uri="{BB962C8B-B14F-4D97-AF65-F5344CB8AC3E}">
+        <p14:creationId xmlns:p14="http://schemas.microsoft.com/office/powerpoint/2010/main" val="2452410155"/>
+      </p:ext>
+    </p:extLst>
+  </p:cSld>
+  <p:clrMapOvr>
+    <a:masterClrMapping/>
+  </p:clrMapOvr>
+</p:sld>
+</file>
+
+<file path=ppt/slides/slide42.xml><?xml version="1.0" encoding="utf-8"?>
+<p:sld xmlns:a="http://schemas.openxmlformats.org/drawingml/2006/main" xmlns:r="http://schemas.openxmlformats.org/officeDocument/2006/relationships" xmlns:p="http://schemas.openxmlformats.org/presentationml/2006/main">
+  <p:cSld>
+    <p:spTree>
+      <p:nvGrpSpPr>
+        <p:cNvPr id="1" name=""/>
+        <p:cNvGrpSpPr/>
+        <p:nvPr/>
+      </p:nvGrpSpPr>
+      <p:grpSpPr>
+        <a:xfrm>
+          <a:off x="0" y="0"/>
+          <a:ext cx="0" cy="0"/>
+          <a:chOff x="0" y="0"/>
+          <a:chExt cx="0" cy="0"/>
+        </a:xfrm>
+      </p:grpSpPr>
+      <p:sp>
+        <p:nvSpPr>
+          <p:cNvPr id="5" name="Titolo 4">
+            <a:extLst>
+              <a:ext uri="{FF2B5EF4-FFF2-40B4-BE49-F238E27FC236}">
+                <a16:creationId xmlns:a16="http://schemas.microsoft.com/office/drawing/2014/main" id="{0717D380-C0C8-45FE-88C0-EFFD6F774525}"/>
+              </a:ext>
+            </a:extLst>
+          </p:cNvPr>
+          <p:cNvSpPr>
+            <a:spLocks noGrp="1"/>
+          </p:cNvSpPr>
+          <p:nvPr>
+            <p:ph type="title"/>
+          </p:nvPr>
+        </p:nvSpPr>
+        <p:spPr/>
+        <p:txBody>
+          <a:bodyPr/>
+          <a:lstStyle/>
+          <a:p>
+            <a:r>
+              <a:rPr lang="it-IT" dirty="0"/>
+              <a:t>membri </a:t>
+            </a:r>
+            <a:r>
+              <a:rPr lang="it-IT" dirty="0" err="1"/>
+              <a:t>static</a:t>
+            </a:r>
+            <a:r>
+              <a:rPr lang="it-IT" dirty="0"/>
+              <a:t>: esempio</a:t>
+            </a:r>
+          </a:p>
+        </p:txBody>
+      </p:sp>
+      <p:sp>
+        <p:nvSpPr>
+          <p:cNvPr id="6" name="Segnaposto contenuto 5">
+            <a:extLst>
+              <a:ext uri="{FF2B5EF4-FFF2-40B4-BE49-F238E27FC236}">
+                <a16:creationId xmlns:a16="http://schemas.microsoft.com/office/drawing/2014/main" id="{D9981AB3-C1C2-4772-9AA8-39BB06CB9CFC}"/>
+              </a:ext>
+            </a:extLst>
+          </p:cNvPr>
+          <p:cNvSpPr>
+            <a:spLocks noGrp="1"/>
+          </p:cNvSpPr>
+          <p:nvPr>
+            <p:ph sz="half" idx="1"/>
+          </p:nvPr>
+        </p:nvSpPr>
+        <p:spPr/>
+        <p:txBody>
+          <a:bodyPr/>
+          <a:lstStyle/>
+          <a:p>
+            <a:pPr marL="0" indent="0">
+              <a:spcBef>
+                <a:spcPts val="0"/>
+              </a:spcBef>
+              <a:buNone/>
+            </a:pPr>
+            <a:r>
+              <a:rPr lang="it-IT" sz="1400" b="1" dirty="0">
+                <a:latin typeface="Courier New" panose="02070309020205020404" pitchFamily="49" charset="0"/>
+                <a:cs typeface="Courier New" panose="02070309020205020404" pitchFamily="49" charset="0"/>
+              </a:rPr>
+              <a:t>#include&lt;</a:t>
+            </a:r>
+            <a:r>
+              <a:rPr lang="it-IT" sz="1400" b="1" dirty="0" err="1">
+                <a:latin typeface="Courier New" panose="02070309020205020404" pitchFamily="49" charset="0"/>
+                <a:cs typeface="Courier New" panose="02070309020205020404" pitchFamily="49" charset="0"/>
+              </a:rPr>
+              <a:t>iostream</a:t>
+            </a:r>
+            <a:r>
+              <a:rPr lang="it-IT" sz="1400" b="1" dirty="0">
+                <a:latin typeface="Courier New" panose="02070309020205020404" pitchFamily="49" charset="0"/>
+                <a:cs typeface="Courier New" panose="02070309020205020404" pitchFamily="49" charset="0"/>
+              </a:rPr>
+              <a:t>&gt;</a:t>
+            </a:r>
+          </a:p>
+          <a:p>
+            <a:pPr marL="0" indent="0">
+              <a:spcBef>
+                <a:spcPts val="0"/>
+              </a:spcBef>
+              <a:buNone/>
+            </a:pPr>
+            <a:r>
+              <a:rPr lang="it-IT" sz="1400" b="1" dirty="0">
+                <a:latin typeface="Courier New" panose="02070309020205020404" pitchFamily="49" charset="0"/>
+                <a:cs typeface="Courier New" panose="02070309020205020404" pitchFamily="49" charset="0"/>
+              </a:rPr>
+              <a:t>#include&lt;</a:t>
+            </a:r>
+            <a:r>
+              <a:rPr lang="it-IT" sz="1400" b="1" dirty="0" err="1">
+                <a:latin typeface="Courier New" panose="02070309020205020404" pitchFamily="49" charset="0"/>
+                <a:cs typeface="Courier New" panose="02070309020205020404" pitchFamily="49" charset="0"/>
+              </a:rPr>
+              <a:t>string</a:t>
+            </a:r>
+            <a:r>
+              <a:rPr lang="it-IT" sz="1400" b="1" dirty="0">
+                <a:latin typeface="Courier New" panose="02070309020205020404" pitchFamily="49" charset="0"/>
+                <a:cs typeface="Courier New" panose="02070309020205020404" pitchFamily="49" charset="0"/>
+              </a:rPr>
+              <a:t>&gt;</a:t>
+            </a:r>
+          </a:p>
+          <a:p>
+            <a:pPr marL="0" indent="0">
+              <a:spcBef>
+                <a:spcPts val="0"/>
+              </a:spcBef>
+              <a:buNone/>
+            </a:pPr>
+            <a:r>
+              <a:rPr lang="it-IT" sz="1400" b="1" dirty="0">
+                <a:latin typeface="Courier New" panose="02070309020205020404" pitchFamily="49" charset="0"/>
+                <a:cs typeface="Courier New" panose="02070309020205020404" pitchFamily="49" charset="0"/>
+              </a:rPr>
+              <a:t>#include "</a:t>
+            </a:r>
+            <a:r>
+              <a:rPr lang="it-IT" sz="1400" b="1" dirty="0" err="1">
+                <a:latin typeface="Courier New" panose="02070309020205020404" pitchFamily="49" charset="0"/>
+                <a:cs typeface="Courier New" panose="02070309020205020404" pitchFamily="49" charset="0"/>
+              </a:rPr>
+              <a:t>Cameriere.h</a:t>
+            </a:r>
+            <a:r>
+              <a:rPr lang="it-IT" sz="1400" b="1" dirty="0">
+                <a:latin typeface="Courier New" panose="02070309020205020404" pitchFamily="49" charset="0"/>
+                <a:cs typeface="Courier New" panose="02070309020205020404" pitchFamily="49" charset="0"/>
+              </a:rPr>
+              <a:t>"</a:t>
+            </a:r>
+          </a:p>
+          <a:p>
+            <a:pPr marL="0" indent="0">
+              <a:spcBef>
+                <a:spcPts val="0"/>
+              </a:spcBef>
+              <a:buNone/>
+            </a:pPr>
+            <a:r>
+              <a:rPr lang="it-IT" sz="1400" b="1" dirty="0" err="1">
+                <a:latin typeface="Courier New" panose="02070309020205020404" pitchFamily="49" charset="0"/>
+                <a:cs typeface="Courier New" panose="02070309020205020404" pitchFamily="49" charset="0"/>
+              </a:rPr>
+              <a:t>using</a:t>
+            </a:r>
+            <a:r>
+              <a:rPr lang="it-IT" sz="1400" b="1" dirty="0">
+                <a:latin typeface="Courier New" panose="02070309020205020404" pitchFamily="49" charset="0"/>
+                <a:cs typeface="Courier New" panose="02070309020205020404" pitchFamily="49" charset="0"/>
+              </a:rPr>
+              <a:t> </a:t>
+            </a:r>
+            <a:r>
+              <a:rPr lang="it-IT" sz="1400" b="1" dirty="0" err="1">
+                <a:latin typeface="Courier New" panose="02070309020205020404" pitchFamily="49" charset="0"/>
+                <a:cs typeface="Courier New" panose="02070309020205020404" pitchFamily="49" charset="0"/>
+              </a:rPr>
+              <a:t>namespace</a:t>
+            </a:r>
+            <a:r>
+              <a:rPr lang="it-IT" sz="1400" b="1" dirty="0">
+                <a:latin typeface="Courier New" panose="02070309020205020404" pitchFamily="49" charset="0"/>
+                <a:cs typeface="Courier New" panose="02070309020205020404" pitchFamily="49" charset="0"/>
+              </a:rPr>
+              <a:t> </a:t>
+            </a:r>
+            <a:r>
+              <a:rPr lang="it-IT" sz="1400" b="1" dirty="0" err="1">
+                <a:latin typeface="Courier New" panose="02070309020205020404" pitchFamily="49" charset="0"/>
+                <a:cs typeface="Courier New" panose="02070309020205020404" pitchFamily="49" charset="0"/>
+              </a:rPr>
+              <a:t>std</a:t>
+            </a:r>
+            <a:r>
+              <a:rPr lang="it-IT" sz="1400" b="1" dirty="0">
+                <a:latin typeface="Courier New" panose="02070309020205020404" pitchFamily="49" charset="0"/>
+                <a:cs typeface="Courier New" panose="02070309020205020404" pitchFamily="49" charset="0"/>
+              </a:rPr>
+              <a:t>;</a:t>
+            </a:r>
+          </a:p>
+          <a:p>
+            <a:pPr marL="0" indent="0">
+              <a:spcBef>
+                <a:spcPts val="0"/>
+              </a:spcBef>
+              <a:buNone/>
+            </a:pPr>
+            <a:endParaRPr lang="it-IT" sz="1400" b="1" dirty="0">
+              <a:latin typeface="Courier New" panose="02070309020205020404" pitchFamily="49" charset="0"/>
+              <a:cs typeface="Courier New" panose="02070309020205020404" pitchFamily="49" charset="0"/>
+            </a:endParaRPr>
+          </a:p>
+          <a:p>
+            <a:pPr marL="0" indent="0">
+              <a:spcBef>
+                <a:spcPts val="0"/>
+              </a:spcBef>
+              <a:buNone/>
+            </a:pPr>
+            <a:r>
+              <a:rPr lang="it-IT" sz="1400" b="1" dirty="0" err="1">
+                <a:solidFill>
+                  <a:srgbClr val="FF0000"/>
+                </a:solidFill>
+                <a:latin typeface="Courier New" panose="02070309020205020404" pitchFamily="49" charset="0"/>
+                <a:cs typeface="Courier New" panose="02070309020205020404" pitchFamily="49" charset="0"/>
+              </a:rPr>
+              <a:t>int</a:t>
+            </a:r>
+            <a:r>
+              <a:rPr lang="it-IT" sz="1400" b="1" dirty="0">
+                <a:solidFill>
+                  <a:srgbClr val="FF0000"/>
+                </a:solidFill>
+                <a:latin typeface="Courier New" panose="02070309020205020404" pitchFamily="49" charset="0"/>
+                <a:cs typeface="Courier New" panose="02070309020205020404" pitchFamily="49" charset="0"/>
+              </a:rPr>
+              <a:t> Cameriere:: </a:t>
+            </a:r>
+            <a:r>
+              <a:rPr lang="it-IT" sz="1400" b="1" dirty="0" err="1">
+                <a:solidFill>
+                  <a:srgbClr val="FF0000"/>
+                </a:solidFill>
+                <a:latin typeface="Courier New" panose="02070309020205020404" pitchFamily="49" charset="0"/>
+                <a:cs typeface="Courier New" panose="02070309020205020404" pitchFamily="49" charset="0"/>
+              </a:rPr>
+              <a:t>clienteDaServire</a:t>
+            </a:r>
+            <a:r>
+              <a:rPr lang="it-IT" sz="1400" b="1" dirty="0">
+                <a:solidFill>
+                  <a:srgbClr val="FF0000"/>
+                </a:solidFill>
+                <a:latin typeface="Courier New" panose="02070309020205020404" pitchFamily="49" charset="0"/>
+                <a:cs typeface="Courier New" panose="02070309020205020404" pitchFamily="49" charset="0"/>
+              </a:rPr>
+              <a:t> = 0;</a:t>
+            </a:r>
+          </a:p>
+          <a:p>
+            <a:pPr marL="0" indent="0">
+              <a:spcBef>
+                <a:spcPts val="0"/>
+              </a:spcBef>
+              <a:buNone/>
+            </a:pPr>
+            <a:r>
+              <a:rPr lang="it-IT" sz="1400" b="1" dirty="0" err="1">
+                <a:solidFill>
+                  <a:srgbClr val="FF0000"/>
+                </a:solidFill>
+                <a:latin typeface="Courier New" panose="02070309020205020404" pitchFamily="49" charset="0"/>
+                <a:cs typeface="Courier New" panose="02070309020205020404" pitchFamily="49" charset="0"/>
+              </a:rPr>
+              <a:t>int</a:t>
+            </a:r>
+            <a:r>
+              <a:rPr lang="it-IT" sz="1400" b="1" dirty="0">
+                <a:solidFill>
+                  <a:srgbClr val="FF0000"/>
+                </a:solidFill>
+                <a:latin typeface="Courier New" panose="02070309020205020404" pitchFamily="49" charset="0"/>
+                <a:cs typeface="Courier New" panose="02070309020205020404" pitchFamily="49" charset="0"/>
+              </a:rPr>
+              <a:t> Cameriere:: </a:t>
+            </a:r>
+            <a:r>
+              <a:rPr lang="it-IT" sz="1400" b="1" dirty="0" err="1">
+                <a:solidFill>
+                  <a:srgbClr val="FF0000"/>
+                </a:solidFill>
+                <a:latin typeface="Courier New" panose="02070309020205020404" pitchFamily="49" charset="0"/>
+                <a:cs typeface="Courier New" panose="02070309020205020404" pitchFamily="49" charset="0"/>
+              </a:rPr>
+              <a:t>ultimoServito</a:t>
+            </a:r>
+            <a:r>
+              <a:rPr lang="it-IT" sz="1400" b="1" dirty="0">
+                <a:solidFill>
+                  <a:srgbClr val="FF0000"/>
+                </a:solidFill>
+                <a:latin typeface="Courier New" panose="02070309020205020404" pitchFamily="49" charset="0"/>
+                <a:cs typeface="Courier New" panose="02070309020205020404" pitchFamily="49" charset="0"/>
+              </a:rPr>
+              <a:t> = 0;</a:t>
+            </a:r>
+          </a:p>
+          <a:p>
+            <a:pPr marL="0" indent="0">
+              <a:spcBef>
+                <a:spcPts val="0"/>
+              </a:spcBef>
+              <a:buNone/>
+            </a:pPr>
+            <a:r>
+              <a:rPr lang="it-IT" sz="1400" b="1" dirty="0" err="1">
+                <a:solidFill>
+                  <a:srgbClr val="FF0000"/>
+                </a:solidFill>
+                <a:latin typeface="Courier New" panose="02070309020205020404" pitchFamily="49" charset="0"/>
+                <a:cs typeface="Courier New" panose="02070309020205020404" pitchFamily="49" charset="0"/>
+              </a:rPr>
+              <a:t>bool</a:t>
+            </a:r>
+            <a:r>
+              <a:rPr lang="it-IT" sz="1400" b="1" dirty="0">
+                <a:solidFill>
+                  <a:srgbClr val="FF0000"/>
+                </a:solidFill>
+                <a:latin typeface="Courier New" panose="02070309020205020404" pitchFamily="49" charset="0"/>
+                <a:cs typeface="Courier New" panose="02070309020205020404" pitchFamily="49" charset="0"/>
+              </a:rPr>
+              <a:t> Cameriere::</a:t>
+            </a:r>
+            <a:r>
+              <a:rPr lang="it-IT" sz="1400" b="1" dirty="0" err="1">
+                <a:solidFill>
+                  <a:srgbClr val="FF0000"/>
+                </a:solidFill>
+                <a:latin typeface="Courier New" panose="02070309020205020404" pitchFamily="49" charset="0"/>
+                <a:cs typeface="Courier New" panose="02070309020205020404" pitchFamily="49" charset="0"/>
+              </a:rPr>
+              <a:t>servizioAperto</a:t>
+            </a:r>
+            <a:r>
+              <a:rPr lang="it-IT" sz="1400" b="1" dirty="0">
+                <a:solidFill>
+                  <a:srgbClr val="FF0000"/>
+                </a:solidFill>
+                <a:latin typeface="Courier New" panose="02070309020205020404" pitchFamily="49" charset="0"/>
+                <a:cs typeface="Courier New" panose="02070309020205020404" pitchFamily="49" charset="0"/>
+              </a:rPr>
+              <a:t> = </a:t>
+            </a:r>
+            <a:r>
+              <a:rPr lang="it-IT" sz="1400" b="1" dirty="0" err="1">
+                <a:solidFill>
+                  <a:srgbClr val="FF0000"/>
+                </a:solidFill>
+                <a:latin typeface="Courier New" panose="02070309020205020404" pitchFamily="49" charset="0"/>
+                <a:cs typeface="Courier New" panose="02070309020205020404" pitchFamily="49" charset="0"/>
+              </a:rPr>
+              <a:t>true</a:t>
+            </a:r>
+            <a:r>
+              <a:rPr lang="it-IT" sz="1400" b="1" dirty="0">
+                <a:solidFill>
+                  <a:srgbClr val="FF0000"/>
+                </a:solidFill>
+                <a:latin typeface="Courier New" panose="02070309020205020404" pitchFamily="49" charset="0"/>
+                <a:cs typeface="Courier New" panose="02070309020205020404" pitchFamily="49" charset="0"/>
+              </a:rPr>
+              <a:t>;</a:t>
+            </a:r>
+          </a:p>
+          <a:p>
+            <a:pPr marL="0" indent="0">
+              <a:spcBef>
+                <a:spcPts val="0"/>
+              </a:spcBef>
+              <a:buNone/>
+            </a:pPr>
+            <a:endParaRPr lang="it-IT" sz="1400" b="1" dirty="0">
+              <a:latin typeface="Courier New" panose="02070309020205020404" pitchFamily="49" charset="0"/>
+              <a:cs typeface="Courier New" panose="02070309020205020404" pitchFamily="49" charset="0"/>
+            </a:endParaRPr>
+          </a:p>
+          <a:p>
+            <a:pPr marL="0" indent="0">
+              <a:spcBef>
+                <a:spcPts val="0"/>
+              </a:spcBef>
+              <a:buNone/>
+            </a:pPr>
+            <a:r>
+              <a:rPr lang="it-IT" sz="1400" b="1" dirty="0">
+                <a:latin typeface="Courier New" panose="02070309020205020404" pitchFamily="49" charset="0"/>
+                <a:cs typeface="Courier New" panose="02070309020205020404" pitchFamily="49" charset="0"/>
+              </a:rPr>
+              <a:t>Cameriere::Cameriere(</a:t>
+            </a:r>
+            <a:r>
+              <a:rPr lang="it-IT" sz="1400" b="1" dirty="0" err="1">
+                <a:latin typeface="Courier New" panose="02070309020205020404" pitchFamily="49" charset="0"/>
+                <a:cs typeface="Courier New" panose="02070309020205020404" pitchFamily="49" charset="0"/>
+              </a:rPr>
+              <a:t>string</a:t>
+            </a:r>
+            <a:r>
+              <a:rPr lang="it-IT" sz="1400" b="1" dirty="0">
+                <a:latin typeface="Courier New" panose="02070309020205020404" pitchFamily="49" charset="0"/>
+                <a:cs typeface="Courier New" panose="02070309020205020404" pitchFamily="49" charset="0"/>
+              </a:rPr>
+              <a:t> </a:t>
+            </a:r>
+            <a:r>
+              <a:rPr lang="it-IT" sz="1400" b="1" dirty="0" err="1">
+                <a:latin typeface="Courier New" panose="02070309020205020404" pitchFamily="49" charset="0"/>
+                <a:cs typeface="Courier New" panose="02070309020205020404" pitchFamily="49" charset="0"/>
+              </a:rPr>
+              <a:t>nomeC</a:t>
+            </a:r>
+            <a:r>
+              <a:rPr lang="it-IT" sz="1400" b="1" dirty="0">
+                <a:latin typeface="Courier New" panose="02070309020205020404" pitchFamily="49" charset="0"/>
+                <a:cs typeface="Courier New" panose="02070309020205020404" pitchFamily="49" charset="0"/>
+              </a:rPr>
+              <a:t>) : nome(</a:t>
+            </a:r>
+            <a:r>
+              <a:rPr lang="it-IT" sz="1400" b="1" dirty="0" err="1">
+                <a:latin typeface="Courier New" panose="02070309020205020404" pitchFamily="49" charset="0"/>
+                <a:cs typeface="Courier New" panose="02070309020205020404" pitchFamily="49" charset="0"/>
+              </a:rPr>
+              <a:t>nomeC</a:t>
+            </a:r>
+            <a:r>
+              <a:rPr lang="it-IT" sz="1400" b="1" dirty="0">
+                <a:latin typeface="Courier New" panose="02070309020205020404" pitchFamily="49" charset="0"/>
+                <a:cs typeface="Courier New" panose="02070309020205020404" pitchFamily="49" charset="0"/>
+              </a:rPr>
+              <a:t>)</a:t>
+            </a:r>
+          </a:p>
+          <a:p>
+            <a:pPr marL="0" indent="0">
+              <a:spcBef>
+                <a:spcPts val="0"/>
+              </a:spcBef>
+              <a:buNone/>
+            </a:pPr>
+            <a:r>
+              <a:rPr lang="it-IT" sz="1400" b="1" dirty="0">
+                <a:latin typeface="Courier New" panose="02070309020205020404" pitchFamily="49" charset="0"/>
+                <a:cs typeface="Courier New" panose="02070309020205020404" pitchFamily="49" charset="0"/>
+              </a:rPr>
+              <a:t>{/*</a:t>
+            </a:r>
+            <a:r>
+              <a:rPr lang="it-IT" sz="1400" b="1" dirty="0" err="1">
+                <a:latin typeface="Courier New" panose="02070309020205020404" pitchFamily="49" charset="0"/>
+                <a:cs typeface="Courier New" panose="02070309020205020404" pitchFamily="49" charset="0"/>
+              </a:rPr>
+              <a:t>Intentionally</a:t>
+            </a:r>
+            <a:r>
+              <a:rPr lang="it-IT" sz="1400" b="1" dirty="0">
+                <a:latin typeface="Courier New" panose="02070309020205020404" pitchFamily="49" charset="0"/>
+                <a:cs typeface="Courier New" panose="02070309020205020404" pitchFamily="49" charset="0"/>
+              </a:rPr>
+              <a:t> </a:t>
+            </a:r>
+            <a:r>
+              <a:rPr lang="it-IT" sz="1400" b="1" dirty="0" err="1">
+                <a:latin typeface="Courier New" panose="02070309020205020404" pitchFamily="49" charset="0"/>
+                <a:cs typeface="Courier New" panose="02070309020205020404" pitchFamily="49" charset="0"/>
+              </a:rPr>
+              <a:t>empty</a:t>
+            </a:r>
+            <a:r>
+              <a:rPr lang="it-IT" sz="1400" b="1" dirty="0">
+                <a:latin typeface="Courier New" panose="02070309020205020404" pitchFamily="49" charset="0"/>
+                <a:cs typeface="Courier New" panose="02070309020205020404" pitchFamily="49" charset="0"/>
+              </a:rPr>
+              <a:t>*/}</a:t>
+            </a:r>
+          </a:p>
+          <a:p>
+            <a:pPr marL="0" indent="0">
+              <a:spcBef>
+                <a:spcPts val="0"/>
+              </a:spcBef>
+              <a:buNone/>
+            </a:pPr>
+            <a:endParaRPr lang="it-IT" sz="1400" b="1" dirty="0">
+              <a:latin typeface="Courier New" panose="02070309020205020404" pitchFamily="49" charset="0"/>
+              <a:cs typeface="Courier New" panose="02070309020205020404" pitchFamily="49" charset="0"/>
+            </a:endParaRPr>
+          </a:p>
+          <a:p>
+            <a:pPr marL="0" indent="0">
+              <a:spcBef>
+                <a:spcPts val="0"/>
+              </a:spcBef>
+              <a:buNone/>
+            </a:pPr>
+            <a:r>
+              <a:rPr lang="it-IT" sz="1400" b="1" dirty="0" err="1">
+                <a:latin typeface="Courier New" panose="02070309020205020404" pitchFamily="49" charset="0"/>
+                <a:cs typeface="Courier New" panose="02070309020205020404" pitchFamily="49" charset="0"/>
+              </a:rPr>
+              <a:t>int</a:t>
+            </a:r>
+            <a:r>
+              <a:rPr lang="it-IT" sz="1400" b="1" dirty="0">
+                <a:latin typeface="Courier New" panose="02070309020205020404" pitchFamily="49" charset="0"/>
+                <a:cs typeface="Courier New" panose="02070309020205020404" pitchFamily="49" charset="0"/>
+              </a:rPr>
+              <a:t> Cameriere::</a:t>
+            </a:r>
+            <a:r>
+              <a:rPr lang="it-IT" sz="1400" b="1" dirty="0" err="1">
+                <a:latin typeface="Courier New" panose="02070309020205020404" pitchFamily="49" charset="0"/>
+                <a:cs typeface="Courier New" panose="02070309020205020404" pitchFamily="49" charset="0"/>
+              </a:rPr>
+              <a:t>getClienteDaServire</a:t>
+            </a:r>
+            <a:r>
+              <a:rPr lang="it-IT" sz="1400" b="1" dirty="0">
+                <a:latin typeface="Courier New" panose="02070309020205020404" pitchFamily="49" charset="0"/>
+                <a:cs typeface="Courier New" panose="02070309020205020404" pitchFamily="49" charset="0"/>
+              </a:rPr>
+              <a:t>(){</a:t>
+            </a:r>
+          </a:p>
+          <a:p>
+            <a:pPr marL="0" indent="0">
+              <a:spcBef>
+                <a:spcPts val="0"/>
+              </a:spcBef>
+              <a:buNone/>
+            </a:pPr>
+            <a:r>
+              <a:rPr lang="it-IT" sz="1400" b="1" dirty="0">
+                <a:latin typeface="Courier New" panose="02070309020205020404" pitchFamily="49" charset="0"/>
+                <a:cs typeface="Courier New" panose="02070309020205020404" pitchFamily="49" charset="0"/>
+              </a:rPr>
+              <a:t>    </a:t>
+            </a:r>
+            <a:r>
+              <a:rPr lang="it-IT" sz="1400" b="1" dirty="0" err="1">
+                <a:latin typeface="Courier New" panose="02070309020205020404" pitchFamily="49" charset="0"/>
+                <a:cs typeface="Courier New" panose="02070309020205020404" pitchFamily="49" charset="0"/>
+              </a:rPr>
+              <a:t>clienteDaServire</a:t>
+            </a:r>
+            <a:r>
+              <a:rPr lang="it-IT" sz="1400" b="1" dirty="0">
+                <a:latin typeface="Courier New" panose="02070309020205020404" pitchFamily="49" charset="0"/>
+                <a:cs typeface="Courier New" panose="02070309020205020404" pitchFamily="49" charset="0"/>
+              </a:rPr>
+              <a:t>++;</a:t>
+            </a:r>
+          </a:p>
+          <a:p>
+            <a:pPr marL="0" indent="0">
+              <a:spcBef>
+                <a:spcPts val="0"/>
+              </a:spcBef>
+              <a:buNone/>
+            </a:pPr>
+            <a:r>
+              <a:rPr lang="it-IT" sz="1400" b="1" dirty="0">
+                <a:latin typeface="Courier New" panose="02070309020205020404" pitchFamily="49" charset="0"/>
+                <a:cs typeface="Courier New" panose="02070309020205020404" pitchFamily="49" charset="0"/>
+              </a:rPr>
+              <a:t>    </a:t>
+            </a:r>
+            <a:r>
+              <a:rPr lang="it-IT" sz="1400" b="1" dirty="0" err="1">
+                <a:latin typeface="Courier New" panose="02070309020205020404" pitchFamily="49" charset="0"/>
+                <a:cs typeface="Courier New" panose="02070309020205020404" pitchFamily="49" charset="0"/>
+              </a:rPr>
+              <a:t>return</a:t>
+            </a:r>
+            <a:r>
+              <a:rPr lang="it-IT" sz="1400" b="1" dirty="0">
+                <a:latin typeface="Courier New" panose="02070309020205020404" pitchFamily="49" charset="0"/>
+                <a:cs typeface="Courier New" panose="02070309020205020404" pitchFamily="49" charset="0"/>
+              </a:rPr>
+              <a:t> </a:t>
+            </a:r>
+            <a:r>
+              <a:rPr lang="it-IT" sz="1400" b="1" dirty="0" err="1">
+                <a:latin typeface="Courier New" panose="02070309020205020404" pitchFamily="49" charset="0"/>
+                <a:cs typeface="Courier New" panose="02070309020205020404" pitchFamily="49" charset="0"/>
+              </a:rPr>
+              <a:t>clienteDaServire</a:t>
+            </a:r>
+            <a:r>
+              <a:rPr lang="it-IT" sz="1400" b="1" dirty="0">
+                <a:latin typeface="Courier New" panose="02070309020205020404" pitchFamily="49" charset="0"/>
+                <a:cs typeface="Courier New" panose="02070309020205020404" pitchFamily="49" charset="0"/>
+              </a:rPr>
+              <a:t>;</a:t>
+            </a:r>
+          </a:p>
+          <a:p>
+            <a:pPr marL="0" indent="0">
+              <a:spcBef>
+                <a:spcPts val="0"/>
+              </a:spcBef>
+              <a:buNone/>
+            </a:pPr>
+            <a:r>
+              <a:rPr lang="it-IT" sz="1400" b="1" dirty="0">
+                <a:latin typeface="Courier New" panose="02070309020205020404" pitchFamily="49" charset="0"/>
+                <a:cs typeface="Courier New" panose="02070309020205020404" pitchFamily="49" charset="0"/>
+              </a:rPr>
+              <a:t>}</a:t>
+            </a:r>
+          </a:p>
+          <a:p>
+            <a:pPr marL="0" indent="0">
+              <a:spcBef>
+                <a:spcPts val="0"/>
+              </a:spcBef>
+              <a:buNone/>
+            </a:pPr>
+            <a:endParaRPr lang="it-IT" sz="1400" b="1" dirty="0">
+              <a:latin typeface="Courier New" panose="02070309020205020404" pitchFamily="49" charset="0"/>
+              <a:cs typeface="Courier New" panose="02070309020205020404" pitchFamily="49" charset="0"/>
+            </a:endParaRPr>
+          </a:p>
+          <a:p>
+            <a:pPr marL="0" indent="0">
+              <a:spcBef>
+                <a:spcPts val="0"/>
+              </a:spcBef>
+              <a:buNone/>
+            </a:pPr>
+            <a:r>
+              <a:rPr lang="it-IT" sz="1400" b="1" dirty="0" err="1">
+                <a:latin typeface="Courier New" panose="02070309020205020404" pitchFamily="49" charset="0"/>
+                <a:cs typeface="Courier New" panose="02070309020205020404" pitchFamily="49" charset="0"/>
+              </a:rPr>
+              <a:t>bool</a:t>
+            </a:r>
+            <a:r>
+              <a:rPr lang="it-IT" sz="1400" b="1" dirty="0">
+                <a:latin typeface="Courier New" panose="02070309020205020404" pitchFamily="49" charset="0"/>
+                <a:cs typeface="Courier New" panose="02070309020205020404" pitchFamily="49" charset="0"/>
+              </a:rPr>
+              <a:t> Cameriere::</a:t>
+            </a:r>
+            <a:r>
+              <a:rPr lang="it-IT" sz="1400" b="1" dirty="0" err="1">
+                <a:latin typeface="Courier New" panose="02070309020205020404" pitchFamily="49" charset="0"/>
+                <a:cs typeface="Courier New" panose="02070309020205020404" pitchFamily="49" charset="0"/>
+              </a:rPr>
+              <a:t>isAperto</a:t>
+            </a:r>
+            <a:r>
+              <a:rPr lang="it-IT" sz="1400" b="1" dirty="0">
+                <a:latin typeface="Courier New" panose="02070309020205020404" pitchFamily="49" charset="0"/>
+                <a:cs typeface="Courier New" panose="02070309020205020404" pitchFamily="49" charset="0"/>
+              </a:rPr>
+              <a:t>(){</a:t>
+            </a:r>
+          </a:p>
+          <a:p>
+            <a:pPr marL="0" indent="0">
+              <a:spcBef>
+                <a:spcPts val="0"/>
+              </a:spcBef>
+              <a:buNone/>
+            </a:pPr>
+            <a:r>
+              <a:rPr lang="it-IT" sz="1400" b="1" dirty="0">
+                <a:latin typeface="Courier New" panose="02070309020205020404" pitchFamily="49" charset="0"/>
+                <a:cs typeface="Courier New" panose="02070309020205020404" pitchFamily="49" charset="0"/>
+              </a:rPr>
+              <a:t>    </a:t>
+            </a:r>
+            <a:r>
+              <a:rPr lang="it-IT" sz="1400" b="1" dirty="0" err="1">
+                <a:latin typeface="Courier New" panose="02070309020205020404" pitchFamily="49" charset="0"/>
+                <a:cs typeface="Courier New" panose="02070309020205020404" pitchFamily="49" charset="0"/>
+              </a:rPr>
+              <a:t>return</a:t>
+            </a:r>
+            <a:r>
+              <a:rPr lang="it-IT" sz="1400" b="1" dirty="0">
+                <a:latin typeface="Courier New" panose="02070309020205020404" pitchFamily="49" charset="0"/>
+                <a:cs typeface="Courier New" panose="02070309020205020404" pitchFamily="49" charset="0"/>
+              </a:rPr>
+              <a:t> </a:t>
+            </a:r>
+            <a:r>
+              <a:rPr lang="it-IT" sz="1400" b="1" dirty="0" err="1">
+                <a:latin typeface="Courier New" panose="02070309020205020404" pitchFamily="49" charset="0"/>
+                <a:cs typeface="Courier New" panose="02070309020205020404" pitchFamily="49" charset="0"/>
+              </a:rPr>
+              <a:t>servizioAperto</a:t>
+            </a:r>
+            <a:r>
+              <a:rPr lang="it-IT" sz="1400" b="1" dirty="0">
+                <a:latin typeface="Courier New" panose="02070309020205020404" pitchFamily="49" charset="0"/>
+                <a:cs typeface="Courier New" panose="02070309020205020404" pitchFamily="49" charset="0"/>
+              </a:rPr>
+              <a:t>;</a:t>
+            </a:r>
+          </a:p>
+          <a:p>
+            <a:pPr marL="0" indent="0">
+              <a:spcBef>
+                <a:spcPts val="0"/>
+              </a:spcBef>
+              <a:buNone/>
+            </a:pPr>
+            <a:r>
+              <a:rPr lang="it-IT" sz="1400" b="1" dirty="0">
+                <a:latin typeface="Courier New" panose="02070309020205020404" pitchFamily="49" charset="0"/>
+                <a:cs typeface="Courier New" panose="02070309020205020404" pitchFamily="49" charset="0"/>
+              </a:rPr>
+              <a:t>}</a:t>
+            </a:r>
+          </a:p>
+          <a:p>
+            <a:pPr marL="0" indent="0">
+              <a:spcBef>
+                <a:spcPts val="0"/>
+              </a:spcBef>
+              <a:buNone/>
+            </a:pPr>
+            <a:endParaRPr lang="it-IT" sz="1400" b="1" dirty="0">
+              <a:latin typeface="Courier New" panose="02070309020205020404" pitchFamily="49" charset="0"/>
+              <a:cs typeface="Courier New" panose="02070309020205020404" pitchFamily="49" charset="0"/>
+            </a:endParaRPr>
+          </a:p>
+        </p:txBody>
+      </p:sp>
+      <p:sp>
+        <p:nvSpPr>
+          <p:cNvPr id="7" name="Segnaposto contenuto 6">
+            <a:extLst>
+              <a:ext uri="{FF2B5EF4-FFF2-40B4-BE49-F238E27FC236}">
+                <a16:creationId xmlns:a16="http://schemas.microsoft.com/office/drawing/2014/main" id="{04120774-B9E5-4A63-8E45-7CE213991E46}"/>
+              </a:ext>
+            </a:extLst>
+          </p:cNvPr>
+          <p:cNvSpPr>
+            <a:spLocks noGrp="1"/>
+          </p:cNvSpPr>
+          <p:nvPr>
+            <p:ph sz="half" idx="2"/>
+          </p:nvPr>
+        </p:nvSpPr>
+        <p:spPr/>
+        <p:txBody>
+          <a:bodyPr/>
+          <a:lstStyle/>
+          <a:p>
+            <a:pPr marL="0" indent="0">
+              <a:spcBef>
+                <a:spcPts val="0"/>
+              </a:spcBef>
+              <a:buNone/>
+            </a:pPr>
+            <a:r>
+              <a:rPr lang="it-IT" sz="1400" b="1" dirty="0" err="1">
+                <a:latin typeface="Courier New" panose="02070309020205020404" pitchFamily="49" charset="0"/>
+                <a:cs typeface="Courier New" panose="02070309020205020404" pitchFamily="49" charset="0"/>
+              </a:rPr>
+              <a:t>void</a:t>
+            </a:r>
+            <a:r>
+              <a:rPr lang="it-IT" sz="1400" b="1" dirty="0">
+                <a:latin typeface="Courier New" panose="02070309020205020404" pitchFamily="49" charset="0"/>
+                <a:cs typeface="Courier New" panose="02070309020205020404" pitchFamily="49" charset="0"/>
+              </a:rPr>
+              <a:t> Cameriere::</a:t>
+            </a:r>
+            <a:r>
+              <a:rPr lang="it-IT" sz="1400" b="1" dirty="0" err="1">
+                <a:latin typeface="Courier New" panose="02070309020205020404" pitchFamily="49" charset="0"/>
+                <a:cs typeface="Courier New" panose="02070309020205020404" pitchFamily="49" charset="0"/>
+              </a:rPr>
+              <a:t>serviCliente</a:t>
+            </a:r>
+            <a:r>
+              <a:rPr lang="it-IT" sz="1400" b="1" dirty="0">
+                <a:latin typeface="Courier New" panose="02070309020205020404" pitchFamily="49" charset="0"/>
+                <a:cs typeface="Courier New" panose="02070309020205020404" pitchFamily="49" charset="0"/>
+              </a:rPr>
+              <a:t>( ){</a:t>
+            </a:r>
+          </a:p>
+          <a:p>
+            <a:pPr marL="0" indent="0">
+              <a:spcBef>
+                <a:spcPts val="0"/>
+              </a:spcBef>
+              <a:buNone/>
+            </a:pPr>
+            <a:r>
+              <a:rPr lang="it-IT" sz="1400" b="1" dirty="0">
+                <a:latin typeface="Courier New" panose="02070309020205020404" pitchFamily="49" charset="0"/>
+                <a:cs typeface="Courier New" panose="02070309020205020404" pitchFamily="49" charset="0"/>
+              </a:rPr>
+              <a:t>    </a:t>
+            </a:r>
+            <a:r>
+              <a:rPr lang="it-IT" sz="1400" b="1" dirty="0" err="1">
+                <a:latin typeface="Courier New" panose="02070309020205020404" pitchFamily="49" charset="0"/>
+                <a:cs typeface="Courier New" panose="02070309020205020404" pitchFamily="49" charset="0"/>
+              </a:rPr>
+              <a:t>if</a:t>
+            </a:r>
+            <a:r>
+              <a:rPr lang="it-IT" sz="1400" b="1" dirty="0">
+                <a:latin typeface="Courier New" panose="02070309020205020404" pitchFamily="49" charset="0"/>
+                <a:cs typeface="Courier New" panose="02070309020205020404" pitchFamily="49" charset="0"/>
+              </a:rPr>
+              <a:t> (</a:t>
+            </a:r>
+            <a:r>
+              <a:rPr lang="it-IT" sz="1400" b="1" dirty="0" err="1">
+                <a:latin typeface="Courier New" panose="02070309020205020404" pitchFamily="49" charset="0"/>
+                <a:cs typeface="Courier New" panose="02070309020205020404" pitchFamily="49" charset="0"/>
+              </a:rPr>
+              <a:t>servizioAperto</a:t>
+            </a:r>
+            <a:r>
+              <a:rPr lang="it-IT" sz="1400" b="1" dirty="0">
+                <a:latin typeface="Courier New" panose="02070309020205020404" pitchFamily="49" charset="0"/>
+                <a:cs typeface="Courier New" panose="02070309020205020404" pitchFamily="49" charset="0"/>
+              </a:rPr>
+              <a:t> &amp;&amp; </a:t>
+            </a:r>
+          </a:p>
+          <a:p>
+            <a:pPr marL="0" indent="0">
+              <a:spcBef>
+                <a:spcPts val="0"/>
+              </a:spcBef>
+              <a:buNone/>
+            </a:pPr>
+            <a:r>
+              <a:rPr lang="it-IT" sz="1400" b="1" dirty="0">
+                <a:latin typeface="Courier New" panose="02070309020205020404" pitchFamily="49" charset="0"/>
+                <a:cs typeface="Courier New" panose="02070309020205020404" pitchFamily="49" charset="0"/>
+              </a:rPr>
+              <a:t>        </a:t>
+            </a:r>
+            <a:r>
+              <a:rPr lang="it-IT" sz="1400" b="1" dirty="0" err="1">
+                <a:latin typeface="Courier New" panose="02070309020205020404" pitchFamily="49" charset="0"/>
+                <a:cs typeface="Courier New" panose="02070309020205020404" pitchFamily="49" charset="0"/>
+              </a:rPr>
+              <a:t>ultimoServito</a:t>
+            </a:r>
+            <a:r>
+              <a:rPr lang="it-IT" sz="1400" b="1" dirty="0">
+                <a:latin typeface="Courier New" panose="02070309020205020404" pitchFamily="49" charset="0"/>
+                <a:cs typeface="Courier New" panose="02070309020205020404" pitchFamily="49" charset="0"/>
+              </a:rPr>
+              <a:t> &lt; </a:t>
+            </a:r>
+            <a:r>
+              <a:rPr lang="it-IT" sz="1400" b="1" dirty="0" err="1">
+                <a:latin typeface="Courier New" panose="02070309020205020404" pitchFamily="49" charset="0"/>
+                <a:cs typeface="Courier New" panose="02070309020205020404" pitchFamily="49" charset="0"/>
+              </a:rPr>
+              <a:t>clienteDaServire</a:t>
+            </a:r>
+            <a:r>
+              <a:rPr lang="it-IT" sz="1400" b="1" dirty="0">
+                <a:latin typeface="Courier New" panose="02070309020205020404" pitchFamily="49" charset="0"/>
+                <a:cs typeface="Courier New" panose="02070309020205020404" pitchFamily="49" charset="0"/>
+              </a:rPr>
+              <a:t>){</a:t>
+            </a:r>
+          </a:p>
+          <a:p>
+            <a:pPr marL="0" indent="0">
+              <a:spcBef>
+                <a:spcPts val="0"/>
+              </a:spcBef>
+              <a:buNone/>
+            </a:pPr>
+            <a:r>
+              <a:rPr lang="it-IT" sz="1400" b="1" dirty="0">
+                <a:latin typeface="Courier New" panose="02070309020205020404" pitchFamily="49" charset="0"/>
+                <a:cs typeface="Courier New" panose="02070309020205020404" pitchFamily="49" charset="0"/>
+              </a:rPr>
+              <a:t>        </a:t>
+            </a:r>
+            <a:r>
+              <a:rPr lang="it-IT" sz="1400" b="1" dirty="0" err="1">
+                <a:latin typeface="Courier New" panose="02070309020205020404" pitchFamily="49" charset="0"/>
+                <a:cs typeface="Courier New" panose="02070309020205020404" pitchFamily="49" charset="0"/>
+              </a:rPr>
+              <a:t>ultimoServito</a:t>
+            </a:r>
+            <a:r>
+              <a:rPr lang="it-IT" sz="1400" b="1" dirty="0">
+                <a:latin typeface="Courier New" panose="02070309020205020404" pitchFamily="49" charset="0"/>
+                <a:cs typeface="Courier New" panose="02070309020205020404" pitchFamily="49" charset="0"/>
+              </a:rPr>
+              <a:t>++;</a:t>
+            </a:r>
+          </a:p>
+          <a:p>
+            <a:pPr marL="0" indent="0">
+              <a:spcBef>
+                <a:spcPts val="0"/>
+              </a:spcBef>
+              <a:buNone/>
+            </a:pPr>
+            <a:r>
+              <a:rPr lang="it-IT" sz="1400" b="1" dirty="0">
+                <a:latin typeface="Courier New" panose="02070309020205020404" pitchFamily="49" charset="0"/>
+                <a:cs typeface="Courier New" panose="02070309020205020404" pitchFamily="49" charset="0"/>
+              </a:rPr>
+              <a:t>        </a:t>
+            </a:r>
+            <a:r>
+              <a:rPr lang="it-IT" sz="1400" b="1" dirty="0" err="1">
+                <a:latin typeface="Courier New" panose="02070309020205020404" pitchFamily="49" charset="0"/>
+                <a:cs typeface="Courier New" panose="02070309020205020404" pitchFamily="49" charset="0"/>
+              </a:rPr>
+              <a:t>cout</a:t>
+            </a:r>
+            <a:r>
+              <a:rPr lang="it-IT" sz="1400" b="1" dirty="0">
+                <a:latin typeface="Courier New" panose="02070309020205020404" pitchFamily="49" charset="0"/>
+                <a:cs typeface="Courier New" panose="02070309020205020404" pitchFamily="49" charset="0"/>
+              </a:rPr>
+              <a:t> &lt;&lt; "il cameriere " &lt;&lt; nome</a:t>
+            </a:r>
+          </a:p>
+          <a:p>
+            <a:pPr marL="0" indent="0">
+              <a:spcBef>
+                <a:spcPts val="0"/>
+              </a:spcBef>
+              <a:buNone/>
+            </a:pPr>
+            <a:r>
+              <a:rPr lang="it-IT" sz="1400" b="1" dirty="0">
+                <a:latin typeface="Courier New" panose="02070309020205020404" pitchFamily="49" charset="0"/>
+                <a:cs typeface="Courier New" panose="02070309020205020404" pitchFamily="49" charset="0"/>
+              </a:rPr>
+              <a:t>            &lt;&lt; " sta servendo il cliente numero«</a:t>
+            </a:r>
+          </a:p>
+          <a:p>
+            <a:pPr marL="0" indent="0">
+              <a:spcBef>
+                <a:spcPts val="0"/>
+              </a:spcBef>
+              <a:buNone/>
+            </a:pPr>
+            <a:r>
+              <a:rPr lang="it-IT" sz="1400" b="1" dirty="0">
+                <a:latin typeface="Courier New" panose="02070309020205020404" pitchFamily="49" charset="0"/>
+                <a:cs typeface="Courier New" panose="02070309020205020404" pitchFamily="49" charset="0"/>
+              </a:rPr>
+              <a:t>            &lt;&lt; </a:t>
+            </a:r>
+            <a:r>
+              <a:rPr lang="it-IT" sz="1400" b="1" dirty="0" err="1">
+                <a:latin typeface="Courier New" panose="02070309020205020404" pitchFamily="49" charset="0"/>
+                <a:cs typeface="Courier New" panose="02070309020205020404" pitchFamily="49" charset="0"/>
+              </a:rPr>
+              <a:t>ultimoServito</a:t>
+            </a:r>
+            <a:r>
+              <a:rPr lang="it-IT" sz="1400" b="1" dirty="0">
+                <a:latin typeface="Courier New" panose="02070309020205020404" pitchFamily="49" charset="0"/>
+                <a:cs typeface="Courier New" panose="02070309020205020404" pitchFamily="49" charset="0"/>
+              </a:rPr>
+              <a:t> &lt;&lt; </a:t>
+            </a:r>
+            <a:r>
+              <a:rPr lang="it-IT" sz="1400" b="1" dirty="0" err="1">
+                <a:latin typeface="Courier New" panose="02070309020205020404" pitchFamily="49" charset="0"/>
+                <a:cs typeface="Courier New" panose="02070309020205020404" pitchFamily="49" charset="0"/>
+              </a:rPr>
+              <a:t>endl</a:t>
+            </a:r>
+            <a:r>
+              <a:rPr lang="it-IT" sz="1400" b="1" dirty="0">
+                <a:latin typeface="Courier New" panose="02070309020205020404" pitchFamily="49" charset="0"/>
+                <a:cs typeface="Courier New" panose="02070309020205020404" pitchFamily="49" charset="0"/>
+              </a:rPr>
+              <a:t>;</a:t>
+            </a:r>
+          </a:p>
+          <a:p>
+            <a:pPr marL="0" indent="0">
+              <a:spcBef>
+                <a:spcPts val="0"/>
+              </a:spcBef>
+              <a:buNone/>
+            </a:pPr>
+            <a:r>
+              <a:rPr lang="it-IT" sz="1400" b="1" dirty="0">
+                <a:latin typeface="Courier New" panose="02070309020205020404" pitchFamily="49" charset="0"/>
+                <a:cs typeface="Courier New" panose="02070309020205020404" pitchFamily="49" charset="0"/>
+              </a:rPr>
+              <a:t>     }</a:t>
+            </a:r>
+          </a:p>
+          <a:p>
+            <a:pPr marL="0" indent="0">
+              <a:spcBef>
+                <a:spcPts val="0"/>
+              </a:spcBef>
+              <a:buNone/>
+            </a:pPr>
+            <a:endParaRPr lang="it-IT" sz="1400" b="1" dirty="0">
+              <a:latin typeface="Courier New" panose="02070309020205020404" pitchFamily="49" charset="0"/>
+              <a:cs typeface="Courier New" panose="02070309020205020404" pitchFamily="49" charset="0"/>
+            </a:endParaRPr>
+          </a:p>
+          <a:p>
+            <a:pPr marL="0" indent="0">
+              <a:spcBef>
+                <a:spcPts val="0"/>
+              </a:spcBef>
+              <a:buNone/>
+            </a:pPr>
+            <a:r>
+              <a:rPr lang="it-IT" sz="1400" b="1" dirty="0">
+                <a:latin typeface="Courier New" panose="02070309020205020404" pitchFamily="49" charset="0"/>
+                <a:cs typeface="Courier New" panose="02070309020205020404" pitchFamily="49" charset="0"/>
+              </a:rPr>
+              <a:t>    </a:t>
+            </a:r>
+            <a:r>
+              <a:rPr lang="it-IT" sz="1400" b="1" dirty="0" err="1">
+                <a:latin typeface="Courier New" panose="02070309020205020404" pitchFamily="49" charset="0"/>
+                <a:cs typeface="Courier New" panose="02070309020205020404" pitchFamily="49" charset="0"/>
+              </a:rPr>
+              <a:t>if</a:t>
+            </a:r>
+            <a:r>
+              <a:rPr lang="it-IT" sz="1400" b="1" dirty="0">
+                <a:latin typeface="Courier New" panose="02070309020205020404" pitchFamily="49" charset="0"/>
+                <a:cs typeface="Courier New" panose="02070309020205020404" pitchFamily="49" charset="0"/>
+              </a:rPr>
+              <a:t> (</a:t>
+            </a:r>
+            <a:r>
+              <a:rPr lang="it-IT" sz="1400" b="1" dirty="0" err="1">
+                <a:latin typeface="Courier New" panose="02070309020205020404" pitchFamily="49" charset="0"/>
+                <a:cs typeface="Courier New" panose="02070309020205020404" pitchFamily="49" charset="0"/>
+              </a:rPr>
+              <a:t>ultimoServito</a:t>
+            </a:r>
+            <a:r>
+              <a:rPr lang="it-IT" sz="1400" b="1" dirty="0">
+                <a:latin typeface="Courier New" panose="02070309020205020404" pitchFamily="49" charset="0"/>
+                <a:cs typeface="Courier New" panose="02070309020205020404" pitchFamily="49" charset="0"/>
+              </a:rPr>
+              <a:t> &gt;= </a:t>
+            </a:r>
+            <a:r>
+              <a:rPr lang="it-IT" sz="1400" b="1" dirty="0" err="1">
+                <a:latin typeface="Courier New" panose="02070309020205020404" pitchFamily="49" charset="0"/>
+                <a:cs typeface="Courier New" panose="02070309020205020404" pitchFamily="49" charset="0"/>
+              </a:rPr>
+              <a:t>clienteDaServire</a:t>
+            </a:r>
+            <a:r>
+              <a:rPr lang="it-IT" sz="1400" b="1" dirty="0">
+                <a:latin typeface="Courier New" panose="02070309020205020404" pitchFamily="49" charset="0"/>
+                <a:cs typeface="Courier New" panose="02070309020205020404" pitchFamily="49" charset="0"/>
+              </a:rPr>
+              <a:t>)</a:t>
+            </a:r>
+          </a:p>
+          <a:p>
+            <a:pPr marL="0" indent="0">
+              <a:spcBef>
+                <a:spcPts val="0"/>
+              </a:spcBef>
+              <a:buNone/>
+            </a:pPr>
+            <a:r>
+              <a:rPr lang="it-IT" sz="1400" b="1" dirty="0">
+                <a:latin typeface="Courier New" panose="02070309020205020404" pitchFamily="49" charset="0"/>
+                <a:cs typeface="Courier New" panose="02070309020205020404" pitchFamily="49" charset="0"/>
+              </a:rPr>
+              <a:t>        </a:t>
+            </a:r>
+            <a:r>
+              <a:rPr lang="it-IT" sz="1400" b="1" dirty="0" err="1">
+                <a:latin typeface="Courier New" panose="02070309020205020404" pitchFamily="49" charset="0"/>
+                <a:cs typeface="Courier New" panose="02070309020205020404" pitchFamily="49" charset="0"/>
+              </a:rPr>
+              <a:t>servizioAperto</a:t>
+            </a:r>
+            <a:r>
+              <a:rPr lang="it-IT" sz="1400" b="1" dirty="0">
+                <a:latin typeface="Courier New" panose="02070309020205020404" pitchFamily="49" charset="0"/>
+                <a:cs typeface="Courier New" panose="02070309020205020404" pitchFamily="49" charset="0"/>
+              </a:rPr>
+              <a:t> = false;</a:t>
+            </a:r>
+          </a:p>
+          <a:p>
+            <a:pPr marL="0" indent="0">
+              <a:spcBef>
+                <a:spcPts val="0"/>
+              </a:spcBef>
+              <a:buNone/>
+            </a:pPr>
+            <a:r>
+              <a:rPr lang="it-IT" sz="1400" b="1" dirty="0">
+                <a:latin typeface="Courier New" panose="02070309020205020404" pitchFamily="49" charset="0"/>
+                <a:cs typeface="Courier New" panose="02070309020205020404" pitchFamily="49" charset="0"/>
+              </a:rPr>
+              <a:t>}</a:t>
+            </a:r>
+          </a:p>
+        </p:txBody>
+      </p:sp>
+      <p:sp>
+        <p:nvSpPr>
+          <p:cNvPr id="4" name="Segnaposto piè di pagina 3">
+            <a:extLst>
+              <a:ext uri="{FF2B5EF4-FFF2-40B4-BE49-F238E27FC236}">
+                <a16:creationId xmlns:a16="http://schemas.microsoft.com/office/drawing/2014/main" id="{66B2AEAD-6A78-4808-832D-F77565A31A07}"/>
+              </a:ext>
+            </a:extLst>
+          </p:cNvPr>
+          <p:cNvSpPr>
+            <a:spLocks noGrp="1"/>
+          </p:cNvSpPr>
+          <p:nvPr>
+            <p:ph type="ftr" sz="quarter" idx="11"/>
+          </p:nvPr>
+        </p:nvSpPr>
+        <p:spPr/>
+        <p:txBody>
+          <a:bodyPr/>
+          <a:lstStyle/>
+          <a:p>
+            <a:pPr>
+              <a:defRPr/>
+            </a:pPr>
+            <a:r>
+              <a:rPr lang="it-IT"/>
+              <a:t>Alberto Ferrari – Programmazione di applicazioni SW</a:t>
+            </a:r>
+            <a:endParaRPr lang="it-IT" dirty="0"/>
+          </a:p>
+        </p:txBody>
+      </p:sp>
+    </p:spTree>
+    <p:extLst>
+      <p:ext uri="{BB962C8B-B14F-4D97-AF65-F5344CB8AC3E}">
+        <p14:creationId xmlns:p14="http://schemas.microsoft.com/office/powerpoint/2010/main" val="3956157568"/>
       </p:ext>
     </p:extLst>
   </p:cSld>

--- a/lezioni/PASW04 - object oriented programming.pptx
+++ b/lezioni/PASW04 - object oriented programming.pptx
@@ -5,7 +5,7 @@
     <p:sldMasterId id="2147483649" r:id="rId1"/>
   </p:sldMasterIdLst>
   <p:notesMasterIdLst>
-    <p:notesMasterId r:id="rId44"/>
+    <p:notesMasterId r:id="rId45"/>
   </p:notesMasterIdLst>
   <p:sldIdLst>
     <p:sldId id="258" r:id="rId2"/>
@@ -38,18 +38,19 @@
     <p:sldId id="306" r:id="rId29"/>
     <p:sldId id="313" r:id="rId30"/>
     <p:sldId id="326" r:id="rId31"/>
-    <p:sldId id="315" r:id="rId32"/>
-    <p:sldId id="316" r:id="rId33"/>
-    <p:sldId id="318" r:id="rId34"/>
-    <p:sldId id="319" r:id="rId35"/>
-    <p:sldId id="321" r:id="rId36"/>
-    <p:sldId id="322" r:id="rId37"/>
-    <p:sldId id="324" r:id="rId38"/>
-    <p:sldId id="325" r:id="rId39"/>
-    <p:sldId id="335" r:id="rId40"/>
-    <p:sldId id="334" r:id="rId41"/>
-    <p:sldId id="336" r:id="rId42"/>
-    <p:sldId id="337" r:id="rId43"/>
+    <p:sldId id="338" r:id="rId32"/>
+    <p:sldId id="315" r:id="rId33"/>
+    <p:sldId id="316" r:id="rId34"/>
+    <p:sldId id="318" r:id="rId35"/>
+    <p:sldId id="319" r:id="rId36"/>
+    <p:sldId id="321" r:id="rId37"/>
+    <p:sldId id="322" r:id="rId38"/>
+    <p:sldId id="324" r:id="rId39"/>
+    <p:sldId id="325" r:id="rId40"/>
+    <p:sldId id="335" r:id="rId41"/>
+    <p:sldId id="334" r:id="rId42"/>
+    <p:sldId id="336" r:id="rId43"/>
+    <p:sldId id="337" r:id="rId44"/>
   </p:sldIdLst>
   <p:sldSz cx="12192000" cy="6858000"/>
   <p:notesSz cx="6858000" cy="9144000"/>
@@ -279,7 +280,7 @@
           <a:p>
             <a:fld id="{537EE30C-6FCC-4D68-889C-61DBBB4BBB87}" type="datetimeFigureOut">
               <a:rPr lang="it-IT" smtClean="0"/>
-              <a:t>16/03/2018</a:t>
+              <a:t>17/03/2018</a:t>
             </a:fld>
             <a:endParaRPr lang="it-IT"/>
           </a:p>
@@ -7352,14 +7353,37 @@
           <a:p>
             <a:r>
               <a:rPr lang="it-IT" dirty="0"/>
-              <a:t>quando si dichiara una variabile di tipo classe e si vuole invocato il costruttore senza argomenti, non si usano le parentesi</a:t>
+              <a:t>quando si </a:t>
+            </a:r>
+            <a:r>
+              <a:rPr lang="it-IT" b="1" i="1" dirty="0"/>
+              <a:t>dichiara</a:t>
+            </a:r>
+            <a:r>
+              <a:rPr lang="it-IT" dirty="0"/>
+              <a:t> una variabile di tipo classe e si vuole invocare il </a:t>
+            </a:r>
+            <a:r>
+              <a:rPr lang="it-IT" b="1" i="1" dirty="0"/>
+              <a:t>costruttore senza argomenti</a:t>
+            </a:r>
+            <a:r>
+              <a:rPr lang="it-IT" dirty="0"/>
+              <a:t>, non si usano le parentesi</a:t>
             </a:r>
           </a:p>
           <a:p>
             <a:pPr lvl="1"/>
             <a:r>
               <a:rPr lang="it-IT" dirty="0"/>
-              <a:t>esempio:     Data oggi;</a:t>
+              <a:t>esempio:     </a:t>
+            </a:r>
+            <a:r>
+              <a:rPr lang="it-IT" b="1" dirty="0">
+                <a:latin typeface="Courier New" panose="02070309020205020404" pitchFamily="49" charset="0"/>
+                <a:cs typeface="Courier New" panose="02070309020205020404" pitchFamily="49" charset="0"/>
+              </a:rPr>
+              <a:t>Data oggi;</a:t>
             </a:r>
           </a:p>
           <a:p>
@@ -7386,14 +7410,27 @@
             <a:pPr lvl="1"/>
             <a:r>
               <a:rPr lang="it-IT" dirty="0"/>
-              <a:t>esempio:    Data d;</a:t>
+              <a:t>esempio:    </a:t>
+            </a:r>
+            <a:r>
+              <a:rPr lang="it-IT" b="1" dirty="0">
+                <a:latin typeface="Courier New" panose="02070309020205020404" pitchFamily="49" charset="0"/>
+                <a:cs typeface="Courier New" panose="02070309020205020404" pitchFamily="49" charset="0"/>
+              </a:rPr>
+              <a:t>Data d;</a:t>
             </a:r>
             <a:br>
-              <a:rPr lang="it-IT" dirty="0"/>
+              <a:rPr lang="it-IT" b="1" dirty="0">
+                <a:latin typeface="Courier New" panose="02070309020205020404" pitchFamily="49" charset="0"/>
+                <a:cs typeface="Courier New" panose="02070309020205020404" pitchFamily="49" charset="0"/>
+              </a:rPr>
             </a:br>
             <a:r>
-              <a:rPr lang="it-IT" dirty="0"/>
-              <a:t>                   d = new Data(27,4);</a:t>
+              <a:rPr lang="it-IT" b="1" dirty="0">
+                <a:latin typeface="Courier New" panose="02070309020205020404" pitchFamily="49" charset="0"/>
+                <a:cs typeface="Courier New" panose="02070309020205020404" pitchFamily="49" charset="0"/>
+              </a:rPr>
+              <a:t>        d = new Data(27,4);</a:t>
             </a:r>
           </a:p>
           <a:p>
@@ -12381,33 +12418,15 @@
       </p:grpSpPr>
       <p:sp>
         <p:nvSpPr>
-          <p:cNvPr id="4" name="Segnaposto numero diapositiva 5"/>
+          <p:cNvPr id="6" name="Titolo 5">
+            <a:extLst>
+              <a:ext uri="{FF2B5EF4-FFF2-40B4-BE49-F238E27FC236}">
+                <a16:creationId xmlns:a16="http://schemas.microsoft.com/office/drawing/2014/main" id="{204B4134-54F7-4FFB-87FD-61D55B8E69C6}"/>
+              </a:ext>
+            </a:extLst>
+          </p:cNvPr>
           <p:cNvSpPr>
             <a:spLocks noGrp="1"/>
-          </p:cNvSpPr>
-          <p:nvPr>
-            <p:ph type="sldNum" sz="quarter" idx="12"/>
-          </p:nvPr>
-        </p:nvSpPr>
-        <p:spPr/>
-        <p:txBody>
-          <a:bodyPr/>
-          <a:lstStyle/>
-          <a:p>
-            <a:fld id="{635BB41A-CC6D-45EE-880B-BBDDB328249F}" type="slidenum">
-              <a:rPr lang="en-US" altLang="it-IT"/>
-              <a:pPr/>
-              <a:t>31</a:t>
-            </a:fld>
-            <a:endParaRPr lang="en-US" altLang="it-IT"/>
-          </a:p>
-        </p:txBody>
-      </p:sp>
-      <p:sp>
-        <p:nvSpPr>
-          <p:cNvPr id="271362" name="Rectangle 2"/>
-          <p:cNvSpPr>
-            <a:spLocks noGrp="1" noChangeArrowheads="1"/>
           </p:cNvSpPr>
           <p:nvPr>
             <p:ph type="title"/>
@@ -12419,20 +12438,26 @@
           <a:lstStyle/>
           <a:p>
             <a:r>
-              <a:rPr lang="it-IT" altLang="it-IT" dirty="0"/>
-              <a:t>suddivisione del codice in file</a:t>
-            </a:r>
-          </a:p>
-        </p:txBody>
-      </p:sp>
-      <p:sp>
-        <p:nvSpPr>
-          <p:cNvPr id="271363" name="Rectangle 3"/>
+              <a:rPr lang="it-IT" dirty="0"/>
+              <a:t>lista di inizializzazione</a:t>
+            </a:r>
+          </a:p>
+        </p:txBody>
+      </p:sp>
+      <p:sp>
+        <p:nvSpPr>
+          <p:cNvPr id="7" name="Segnaposto contenuto 6">
+            <a:extLst>
+              <a:ext uri="{FF2B5EF4-FFF2-40B4-BE49-F238E27FC236}">
+                <a16:creationId xmlns:a16="http://schemas.microsoft.com/office/drawing/2014/main" id="{47503AA6-A3EF-4A3E-8A37-64747E215447}"/>
+              </a:ext>
+            </a:extLst>
+          </p:cNvPr>
           <p:cNvSpPr>
-            <a:spLocks noGrp="1" noChangeArrowheads="1"/>
+            <a:spLocks noGrp="1"/>
           </p:cNvSpPr>
           <p:nvPr>
-            <p:ph type="body" idx="1"/>
+            <p:ph idx="1"/>
           </p:nvPr>
         </p:nvSpPr>
         <p:spPr/>
@@ -12441,105 +12466,343 @@
           <a:lstStyle/>
           <a:p>
             <a:r>
-              <a:rPr lang="it-IT" altLang="it-IT" sz="2800" b="1" i="1" dirty="0"/>
-              <a:t>separazione</a:t>
-            </a:r>
-            <a:r>
-              <a:rPr lang="it-IT" altLang="it-IT" sz="2800" dirty="0"/>
-              <a:t> tra la </a:t>
-            </a:r>
-            <a:r>
-              <a:rPr lang="it-IT" altLang="it-IT" sz="2800" b="1" i="1" dirty="0"/>
-              <a:t>classe</a:t>
-            </a:r>
-            <a:r>
-              <a:rPr lang="it-IT" altLang="it-IT" sz="2800" dirty="0"/>
-              <a:t> e i </a:t>
-            </a:r>
-            <a:r>
-              <a:rPr lang="it-IT" altLang="it-IT" sz="2800" b="1" i="1" dirty="0"/>
-              <a:t>programmi</a:t>
-            </a:r>
-            <a:r>
-              <a:rPr lang="it-IT" altLang="it-IT" sz="2800" dirty="0"/>
-              <a:t> che la usano</a:t>
+              <a:rPr lang="it-IT" dirty="0"/>
+              <a:t>il costruttore ha il compito di </a:t>
+            </a:r>
+            <a:r>
+              <a:rPr lang="it-IT" b="1" i="1" dirty="0"/>
+              <a:t>inizializzare</a:t>
+            </a:r>
+            <a:r>
+              <a:rPr lang="it-IT" dirty="0"/>
+              <a:t> le </a:t>
+            </a:r>
+            <a:r>
+              <a:rPr lang="it-IT" b="1" i="1" dirty="0"/>
+              <a:t>variabili membro </a:t>
+            </a:r>
+            <a:r>
+              <a:rPr lang="it-IT" dirty="0"/>
+              <a:t>della classe</a:t>
+            </a:r>
+          </a:p>
+          <a:p>
+            <a:r>
+              <a:rPr lang="it-IT" dirty="0"/>
+              <a:t>può eseguire questa operazione in due modi</a:t>
             </a:r>
           </a:p>
           <a:p>
             <a:pPr lvl="1"/>
             <a:r>
-              <a:rPr lang="it-IT" altLang="it-IT" sz="2400" b="1" i="1" dirty="0"/>
-              <a:t>riuso</a:t>
-            </a:r>
-            <a:r>
-              <a:rPr lang="it-IT" altLang="it-IT" sz="2400" dirty="0"/>
-              <a:t>: parti separate facilmente riusabili (</a:t>
-            </a:r>
-            <a:r>
-              <a:rPr lang="it-IT" altLang="it-IT" sz="2400" i="1" dirty="0"/>
-              <a:t>libreria</a:t>
-            </a:r>
-            <a:r>
-              <a:rPr lang="it-IT" altLang="it-IT" sz="2400" dirty="0"/>
-              <a:t>)</a:t>
+              <a:rPr lang="it-IT" dirty="0"/>
+              <a:t>tramite </a:t>
+            </a:r>
+            <a:r>
+              <a:rPr lang="it-IT" b="1" i="1" dirty="0"/>
+              <a:t>assegnamenti</a:t>
+            </a:r>
+            <a:r>
+              <a:rPr lang="it-IT" dirty="0"/>
+              <a:t> o chiamate a funzioni all’interno del </a:t>
+            </a:r>
+            <a:r>
+              <a:rPr lang="it-IT" b="1" i="1" dirty="0"/>
+              <a:t>corpo</a:t>
+            </a:r>
+            <a:r>
+              <a:rPr lang="it-IT" dirty="0"/>
+              <a:t> del costruttore stesso</a:t>
+            </a:r>
+          </a:p>
+          <a:p>
+            <a:pPr marL="914400" lvl="2" indent="0">
+              <a:buNone/>
+            </a:pPr>
+            <a:r>
+              <a:rPr lang="it-IT" b="1" dirty="0">
+                <a:latin typeface="Courier New" panose="02070309020205020404" pitchFamily="49" charset="0"/>
+                <a:cs typeface="Courier New" panose="02070309020205020404" pitchFamily="49" charset="0"/>
+              </a:rPr>
+              <a:t>Equazione(double </a:t>
+            </a:r>
+            <a:r>
+              <a:rPr lang="it-IT" b="1" dirty="0" err="1">
+                <a:latin typeface="Courier New" panose="02070309020205020404" pitchFamily="49" charset="0"/>
+                <a:cs typeface="Courier New" panose="02070309020205020404" pitchFamily="49" charset="0"/>
+              </a:rPr>
+              <a:t>c_a</a:t>
+            </a:r>
+            <a:r>
+              <a:rPr lang="it-IT" b="1" dirty="0">
+                <a:latin typeface="Courier New" panose="02070309020205020404" pitchFamily="49" charset="0"/>
+                <a:cs typeface="Courier New" panose="02070309020205020404" pitchFamily="49" charset="0"/>
+              </a:rPr>
+              <a:t>, double </a:t>
+            </a:r>
+            <a:r>
+              <a:rPr lang="it-IT" b="1" dirty="0" err="1">
+                <a:latin typeface="Courier New" panose="02070309020205020404" pitchFamily="49" charset="0"/>
+                <a:cs typeface="Courier New" panose="02070309020205020404" pitchFamily="49" charset="0"/>
+              </a:rPr>
+              <a:t>c_b</a:t>
+            </a:r>
+            <a:r>
+              <a:rPr lang="it-IT" b="1" dirty="0">
+                <a:latin typeface="Courier New" panose="02070309020205020404" pitchFamily="49" charset="0"/>
+                <a:cs typeface="Courier New" panose="02070309020205020404" pitchFamily="49" charset="0"/>
+              </a:rPr>
+              <a:t>, double </a:t>
+            </a:r>
+            <a:r>
+              <a:rPr lang="it-IT" b="1" dirty="0" err="1">
+                <a:latin typeface="Courier New" panose="02070309020205020404" pitchFamily="49" charset="0"/>
+                <a:cs typeface="Courier New" panose="02070309020205020404" pitchFamily="49" charset="0"/>
+              </a:rPr>
+              <a:t>c_c</a:t>
+            </a:r>
+            <a:r>
+              <a:rPr lang="it-IT" b="1" dirty="0">
+                <a:latin typeface="Courier New" panose="02070309020205020404" pitchFamily="49" charset="0"/>
+                <a:cs typeface="Courier New" panose="02070309020205020404" pitchFamily="49" charset="0"/>
+              </a:rPr>
+              <a:t>){</a:t>
+            </a:r>
+          </a:p>
+          <a:p>
+            <a:pPr marL="914400" lvl="2" indent="0">
+              <a:buNone/>
+            </a:pPr>
+            <a:r>
+              <a:rPr lang="it-IT" b="1" dirty="0">
+                <a:latin typeface="Courier New" panose="02070309020205020404" pitchFamily="49" charset="0"/>
+                <a:cs typeface="Courier New" panose="02070309020205020404" pitchFamily="49" charset="0"/>
+              </a:rPr>
+              <a:t>       a=</a:t>
+            </a:r>
+            <a:r>
+              <a:rPr lang="it-IT" b="1" dirty="0" err="1">
+                <a:latin typeface="Courier New" panose="02070309020205020404" pitchFamily="49" charset="0"/>
+                <a:cs typeface="Courier New" panose="02070309020205020404" pitchFamily="49" charset="0"/>
+              </a:rPr>
+              <a:t>c_a</a:t>
+            </a:r>
+            <a:r>
+              <a:rPr lang="it-IT" b="1" dirty="0">
+                <a:latin typeface="Courier New" panose="02070309020205020404" pitchFamily="49" charset="0"/>
+                <a:cs typeface="Courier New" panose="02070309020205020404" pitchFamily="49" charset="0"/>
+              </a:rPr>
+              <a:t>; b=</a:t>
+            </a:r>
+            <a:r>
+              <a:rPr lang="it-IT" b="1" dirty="0" err="1">
+                <a:latin typeface="Courier New" panose="02070309020205020404" pitchFamily="49" charset="0"/>
+                <a:cs typeface="Courier New" panose="02070309020205020404" pitchFamily="49" charset="0"/>
+              </a:rPr>
+              <a:t>c_b</a:t>
+            </a:r>
+            <a:r>
+              <a:rPr lang="it-IT" b="1" dirty="0">
+                <a:latin typeface="Courier New" panose="02070309020205020404" pitchFamily="49" charset="0"/>
+                <a:cs typeface="Courier New" panose="02070309020205020404" pitchFamily="49" charset="0"/>
+              </a:rPr>
+              <a:t>; c=</a:t>
+            </a:r>
+            <a:r>
+              <a:rPr lang="it-IT" b="1" dirty="0" err="1">
+                <a:latin typeface="Courier New" panose="02070309020205020404" pitchFamily="49" charset="0"/>
+                <a:cs typeface="Courier New" panose="02070309020205020404" pitchFamily="49" charset="0"/>
+              </a:rPr>
+              <a:t>c_c</a:t>
+            </a:r>
+            <a:r>
+              <a:rPr lang="it-IT" b="1" dirty="0">
+                <a:latin typeface="Courier New" panose="02070309020205020404" pitchFamily="49" charset="0"/>
+                <a:cs typeface="Courier New" panose="02070309020205020404" pitchFamily="49" charset="0"/>
+              </a:rPr>
+              <a:t>;   </a:t>
+            </a:r>
+          </a:p>
+          <a:p>
+            <a:pPr marL="914400" lvl="2" indent="0">
+              <a:buNone/>
+            </a:pPr>
+            <a:r>
+              <a:rPr lang="it-IT" b="1" dirty="0">
+                <a:latin typeface="Courier New" panose="02070309020205020404" pitchFamily="49" charset="0"/>
+                <a:cs typeface="Courier New" panose="02070309020205020404" pitchFamily="49" charset="0"/>
+              </a:rPr>
+              <a:t> }</a:t>
             </a:r>
           </a:p>
           <a:p>
             <a:pPr lvl="1"/>
             <a:r>
-              <a:rPr lang="it-IT" altLang="it-IT" sz="2400" b="1" i="1" dirty="0"/>
-              <a:t>compilazione selettiva</a:t>
-            </a:r>
-          </a:p>
-          <a:p>
-            <a:r>
-              <a:rPr lang="it-IT" altLang="it-IT" sz="2800" b="1" i="1" dirty="0"/>
-              <a:t>separazione</a:t>
-            </a:r>
-            <a:r>
-              <a:rPr lang="it-IT" altLang="it-IT" sz="2800" dirty="0"/>
-              <a:t> tra </a:t>
-            </a:r>
-            <a:r>
-              <a:rPr lang="it-IT" altLang="it-IT" sz="2800" b="1" i="1" dirty="0"/>
-              <a:t>interfaccia</a:t>
-            </a:r>
-            <a:r>
-              <a:rPr lang="it-IT" altLang="it-IT" sz="2800" dirty="0"/>
-              <a:t> e implementazione </a:t>
-            </a:r>
-          </a:p>
-          <a:p>
-            <a:pPr lvl="1"/>
-            <a:r>
-              <a:rPr lang="it-IT" altLang="it-IT" sz="2400" b="1" i="1" dirty="0"/>
-              <a:t>incapsulamento</a:t>
-            </a:r>
-            <a:r>
-              <a:rPr lang="it-IT" altLang="it-IT" sz="2400" dirty="0"/>
-              <a:t>: occultamento dei dettagli</a:t>
-            </a:r>
-          </a:p>
-          <a:p>
-            <a:pPr lvl="1"/>
-            <a:r>
-              <a:rPr lang="it-IT" altLang="it-IT" sz="2400" b="1" i="1" dirty="0"/>
-              <a:t>diverse implementazioni </a:t>
-            </a:r>
-            <a:r>
-              <a:rPr lang="it-IT" altLang="it-IT" sz="2400" dirty="0"/>
-              <a:t>di una stessa libreria</a:t>
-            </a:r>
-          </a:p>
-          <a:p>
-            <a:endParaRPr lang="it-IT" altLang="it-IT" sz="2800" dirty="0"/>
+              <a:rPr lang="it-IT" dirty="0">
+                <a:cs typeface="Courier New" panose="02070309020205020404" pitchFamily="49" charset="0"/>
+              </a:rPr>
+              <a:t>tramite </a:t>
+            </a:r>
+            <a:r>
+              <a:rPr lang="it-IT" b="1" i="1" dirty="0">
+                <a:cs typeface="Courier New" panose="02070309020205020404" pitchFamily="49" charset="0"/>
+              </a:rPr>
+              <a:t>lista di inizializzazione</a:t>
+            </a:r>
+            <a:r>
+              <a:rPr lang="it-IT" dirty="0">
+                <a:cs typeface="Courier New" panose="02070309020205020404" pitchFamily="49" charset="0"/>
+              </a:rPr>
+              <a:t>, una sequenza </a:t>
+            </a:r>
+            <a:r>
+              <a:rPr lang="it-IT" sz="1800" b="1" dirty="0">
+                <a:latin typeface="Courier New" panose="02070309020205020404" pitchFamily="49" charset="0"/>
+                <a:cs typeface="Courier New" panose="02070309020205020404" pitchFamily="49" charset="0"/>
+              </a:rPr>
+              <a:t>Attributo(&lt;Espressione&gt;) </a:t>
+            </a:r>
+            <a:r>
+              <a:rPr lang="it-IT" dirty="0">
+                <a:cs typeface="Courier New" panose="02070309020205020404" pitchFamily="49" charset="0"/>
+              </a:rPr>
+              <a:t>che indica al compilatore di memorizzare il valore dell’Espressione in Attributo</a:t>
+            </a:r>
+          </a:p>
+          <a:p>
+            <a:pPr marL="914400" lvl="2" indent="0">
+              <a:buNone/>
+            </a:pPr>
+            <a:r>
+              <a:rPr lang="it-IT" b="1" dirty="0">
+                <a:latin typeface="Courier New" panose="02070309020205020404" pitchFamily="49" charset="0"/>
+                <a:cs typeface="Courier New" panose="02070309020205020404" pitchFamily="49" charset="0"/>
+              </a:rPr>
+              <a:t>Equazione(double </a:t>
+            </a:r>
+            <a:r>
+              <a:rPr lang="it-IT" b="1" dirty="0" err="1">
+                <a:latin typeface="Courier New" panose="02070309020205020404" pitchFamily="49" charset="0"/>
+                <a:cs typeface="Courier New" panose="02070309020205020404" pitchFamily="49" charset="0"/>
+              </a:rPr>
+              <a:t>c_a</a:t>
+            </a:r>
+            <a:r>
+              <a:rPr lang="it-IT" b="1" dirty="0">
+                <a:latin typeface="Courier New" panose="02070309020205020404" pitchFamily="49" charset="0"/>
+                <a:cs typeface="Courier New" panose="02070309020205020404" pitchFamily="49" charset="0"/>
+              </a:rPr>
+              <a:t>, double </a:t>
+            </a:r>
+            <a:r>
+              <a:rPr lang="it-IT" b="1" dirty="0" err="1">
+                <a:latin typeface="Courier New" panose="02070309020205020404" pitchFamily="49" charset="0"/>
+                <a:cs typeface="Courier New" panose="02070309020205020404" pitchFamily="49" charset="0"/>
+              </a:rPr>
+              <a:t>c_b</a:t>
+            </a:r>
+            <a:r>
+              <a:rPr lang="it-IT" b="1" dirty="0">
+                <a:latin typeface="Courier New" panose="02070309020205020404" pitchFamily="49" charset="0"/>
+                <a:cs typeface="Courier New" panose="02070309020205020404" pitchFamily="49" charset="0"/>
+              </a:rPr>
+              <a:t>, double </a:t>
+            </a:r>
+            <a:r>
+              <a:rPr lang="it-IT" b="1" dirty="0" err="1">
+                <a:latin typeface="Courier New" panose="02070309020205020404" pitchFamily="49" charset="0"/>
+                <a:cs typeface="Courier New" panose="02070309020205020404" pitchFamily="49" charset="0"/>
+              </a:rPr>
+              <a:t>c_c</a:t>
+            </a:r>
+            <a:r>
+              <a:rPr lang="it-IT" b="1" dirty="0">
+                <a:latin typeface="Courier New" panose="02070309020205020404" pitchFamily="49" charset="0"/>
+                <a:cs typeface="Courier New" panose="02070309020205020404" pitchFamily="49" charset="0"/>
+              </a:rPr>
+              <a:t>): a(</a:t>
+            </a:r>
+            <a:r>
+              <a:rPr lang="it-IT" b="1" dirty="0" err="1">
+                <a:latin typeface="Courier New" panose="02070309020205020404" pitchFamily="49" charset="0"/>
+                <a:cs typeface="Courier New" panose="02070309020205020404" pitchFamily="49" charset="0"/>
+              </a:rPr>
+              <a:t>c_a</a:t>
+            </a:r>
+            <a:r>
+              <a:rPr lang="it-IT" b="1" dirty="0">
+                <a:latin typeface="Courier New" panose="02070309020205020404" pitchFamily="49" charset="0"/>
+                <a:cs typeface="Courier New" panose="02070309020205020404" pitchFamily="49" charset="0"/>
+              </a:rPr>
+              <a:t>), b(</a:t>
+            </a:r>
+            <a:r>
+              <a:rPr lang="it-IT" b="1" dirty="0" err="1">
+                <a:latin typeface="Courier New" panose="02070309020205020404" pitchFamily="49" charset="0"/>
+                <a:cs typeface="Courier New" panose="02070309020205020404" pitchFamily="49" charset="0"/>
+              </a:rPr>
+              <a:t>c_b</a:t>
+            </a:r>
+            <a:r>
+              <a:rPr lang="it-IT" b="1" dirty="0">
+                <a:latin typeface="Courier New" panose="02070309020205020404" pitchFamily="49" charset="0"/>
+                <a:cs typeface="Courier New" panose="02070309020205020404" pitchFamily="49" charset="0"/>
+              </a:rPr>
+              <a:t>, c(</a:t>
+            </a:r>
+            <a:r>
+              <a:rPr lang="it-IT" b="1" dirty="0" err="1">
+                <a:latin typeface="Courier New" panose="02070309020205020404" pitchFamily="49" charset="0"/>
+                <a:cs typeface="Courier New" panose="02070309020205020404" pitchFamily="49" charset="0"/>
+              </a:rPr>
+              <a:t>c_c</a:t>
+            </a:r>
+            <a:r>
+              <a:rPr lang="it-IT" b="1" dirty="0">
+                <a:latin typeface="Courier New" panose="02070309020205020404" pitchFamily="49" charset="0"/>
+                <a:cs typeface="Courier New" panose="02070309020205020404" pitchFamily="49" charset="0"/>
+              </a:rPr>
+              <a:t>){}</a:t>
+            </a:r>
+          </a:p>
+        </p:txBody>
+      </p:sp>
+      <p:sp>
+        <p:nvSpPr>
+          <p:cNvPr id="5" name="Segnaposto piè di pagina 4">
+            <a:extLst>
+              <a:ext uri="{FF2B5EF4-FFF2-40B4-BE49-F238E27FC236}">
+                <a16:creationId xmlns:a16="http://schemas.microsoft.com/office/drawing/2014/main" id="{7BDBFC8D-B5D2-468C-B91F-5DE9792FD1F8}"/>
+              </a:ext>
+            </a:extLst>
+          </p:cNvPr>
+          <p:cNvSpPr>
+            <a:spLocks noGrp="1"/>
+          </p:cNvSpPr>
+          <p:nvPr>
+            <p:ph type="ftr" sz="quarter" idx="11"/>
+          </p:nvPr>
+        </p:nvSpPr>
+        <p:spPr/>
+        <p:txBody>
+          <a:bodyPr/>
+          <a:lstStyle/>
+          <a:p>
+            <a:pPr>
+              <a:defRPr/>
+            </a:pPr>
+            <a:r>
+              <a:rPr lang="it-IT"/>
+              <a:t>Alberto Ferrari – Programmazione di applicazioni SW</a:t>
+            </a:r>
+            <a:endParaRPr lang="it-IT" dirty="0"/>
           </a:p>
         </p:txBody>
       </p:sp>
     </p:spTree>
     <p:extLst>
       <p:ext uri="{BB962C8B-B14F-4D97-AF65-F5344CB8AC3E}">
-        <p14:creationId xmlns:p14="http://schemas.microsoft.com/office/powerpoint/2010/main" val="314095882"/>
+        <p14:creationId xmlns:p14="http://schemas.microsoft.com/office/powerpoint/2010/main" val="749769857"/>
       </p:ext>
     </p:extLst>
   </p:cSld>
@@ -12581,7 +12844,7 @@
           <a:bodyPr/>
           <a:lstStyle/>
           <a:p>
-            <a:fld id="{D2B39DCE-B3C5-4D20-818C-F33061CE4D52}" type="slidenum">
+            <a:fld id="{635BB41A-CC6D-45EE-880B-BBDDB328249F}" type="slidenum">
               <a:rPr lang="en-US" altLang="it-IT"/>
               <a:pPr/>
               <a:t>32</a:t>
@@ -12592,7 +12855,7 @@
       </p:sp>
       <p:sp>
         <p:nvSpPr>
-          <p:cNvPr id="258050" name="Rectangle 2"/>
+          <p:cNvPr id="271362" name="Rectangle 2"/>
           <p:cNvSpPr>
             <a:spLocks noGrp="1" noChangeArrowheads="1"/>
           </p:cNvSpPr>
@@ -12607,14 +12870,14 @@
           <a:p>
             <a:r>
               <a:rPr lang="it-IT" altLang="it-IT" dirty="0"/>
-              <a:t>regole per incapsulamento</a:t>
-            </a:r>
-          </a:p>
-        </p:txBody>
-      </p:sp>
-      <p:sp>
-        <p:nvSpPr>
-          <p:cNvPr id="258051" name="Rectangle 3"/>
+              <a:t>suddivisione del codice in file</a:t>
+            </a:r>
+          </a:p>
+        </p:txBody>
+      </p:sp>
+      <p:sp>
+        <p:nvSpPr>
+          <p:cNvPr id="271363" name="Rectangle 3"/>
           <p:cNvSpPr>
             <a:spLocks noGrp="1" noChangeArrowheads="1"/>
           </p:cNvSpPr>
@@ -12628,120 +12891,105 @@
           <a:lstStyle/>
           <a:p>
             <a:r>
+              <a:rPr lang="it-IT" altLang="it-IT" sz="2800" b="1" i="1" dirty="0"/>
+              <a:t>separazione</a:t>
+            </a:r>
+            <a:r>
               <a:rPr lang="it-IT" altLang="it-IT" sz="2800" dirty="0"/>
-              <a:t>rendere </a:t>
+              <a:t> tra la </a:t>
             </a:r>
             <a:r>
               <a:rPr lang="it-IT" altLang="it-IT" sz="2800" b="1" i="1" dirty="0"/>
-              <a:t>private</a:t>
+              <a:t>classe</a:t>
             </a:r>
             <a:r>
               <a:rPr lang="it-IT" altLang="it-IT" sz="2800" dirty="0"/>
-              <a:t> tutte le </a:t>
+              <a:t> e i </a:t>
             </a:r>
             <a:r>
               <a:rPr lang="it-IT" altLang="it-IT" sz="2800" b="1" i="1" dirty="0"/>
-              <a:t>variabili membro</a:t>
-            </a:r>
-          </a:p>
-          <a:p>
+              <a:t>programmi</a:t>
+            </a:r>
             <a:r>
               <a:rPr lang="it-IT" altLang="it-IT" sz="2800" dirty="0"/>
-              <a:t>raggruppare </a:t>
-            </a:r>
+              <a:t> che la usano</a:t>
+            </a:r>
+          </a:p>
+          <a:p>
+            <a:pPr lvl="1"/>
+            <a:r>
+              <a:rPr lang="it-IT" altLang="it-IT" sz="2400" b="1" i="1" dirty="0"/>
+              <a:t>riuso</a:t>
+            </a:r>
+            <a:r>
+              <a:rPr lang="it-IT" altLang="it-IT" sz="2400" dirty="0"/>
+              <a:t>: parti separate facilmente riusabili (</a:t>
+            </a:r>
+            <a:r>
+              <a:rPr lang="it-IT" altLang="it-IT" sz="2400" i="1" dirty="0"/>
+              <a:t>libreria</a:t>
+            </a:r>
+            <a:r>
+              <a:rPr lang="it-IT" altLang="it-IT" sz="2400" dirty="0"/>
+              <a:t>)</a:t>
+            </a:r>
+          </a:p>
+          <a:p>
+            <a:pPr lvl="1"/>
+            <a:r>
+              <a:rPr lang="it-IT" altLang="it-IT" sz="2400" b="1" i="1" dirty="0"/>
+              <a:t>compilazione selettiva</a:t>
+            </a:r>
+          </a:p>
+          <a:p>
             <a:r>
               <a:rPr lang="it-IT" altLang="it-IT" sz="2800" b="1" i="1" dirty="0"/>
-              <a:t>definizione</a:t>
+              <a:t>separazione</a:t>
             </a:r>
             <a:r>
               <a:rPr lang="it-IT" altLang="it-IT" sz="2800" dirty="0"/>
-              <a:t> della classe, </a:t>
+              <a:t> tra </a:t>
             </a:r>
             <a:r>
               <a:rPr lang="it-IT" altLang="it-IT" sz="2800" b="1" i="1" dirty="0"/>
-              <a:t>dichiarazioni</a:t>
+              <a:t>interfaccia</a:t>
             </a:r>
             <a:r>
               <a:rPr lang="it-IT" altLang="it-IT" sz="2800" dirty="0"/>
-              <a:t> delle </a:t>
-            </a:r>
-            <a:r>
-              <a:rPr lang="it-IT" altLang="it-IT" sz="2800" b="1" i="1" dirty="0"/>
-              <a:t>funzioni membro </a:t>
-            </a:r>
-            <a:r>
-              <a:rPr lang="it-IT" altLang="it-IT" sz="2800" dirty="0"/>
-              <a:t>e commenti nel </a:t>
-            </a:r>
-            <a:r>
-              <a:rPr lang="it-IT" altLang="it-IT" sz="2800" b="1" dirty="0"/>
-              <a:t>file di</a:t>
-            </a:r>
-            <a:r>
-              <a:rPr lang="it-IT" altLang="it-IT" sz="2800" dirty="0"/>
-              <a:t> </a:t>
-            </a:r>
-            <a:r>
-              <a:rPr lang="it-IT" altLang="it-IT" sz="2800" b="1" dirty="0"/>
-              <a:t>interfaccia </a:t>
-            </a:r>
-            <a:r>
-              <a:rPr lang="it-IT" altLang="it-IT" sz="2800" dirty="0"/>
-              <a:t>(</a:t>
-            </a:r>
-            <a:r>
-              <a:rPr lang="it-IT" altLang="it-IT" sz="2800" b="1" i="1" dirty="0" err="1"/>
-              <a:t>header</a:t>
-            </a:r>
-            <a:r>
-              <a:rPr lang="it-IT" altLang="it-IT" sz="2800" b="1" i="1" dirty="0"/>
-              <a:t> file</a:t>
-            </a:r>
-            <a:r>
-              <a:rPr lang="it-IT" altLang="it-IT" sz="2800" dirty="0"/>
-              <a:t>)</a:t>
-            </a:r>
-          </a:p>
-          <a:p>
-            <a:r>
-              <a:rPr lang="it-IT" altLang="it-IT" sz="2800" dirty="0"/>
-              <a:t>raggruppare le </a:t>
-            </a:r>
-            <a:r>
-              <a:rPr lang="it-IT" altLang="it-IT" sz="2800" b="1" i="1" dirty="0"/>
-              <a:t>definizioni</a:t>
-            </a:r>
-            <a:r>
-              <a:rPr lang="it-IT" altLang="it-IT" sz="2800" dirty="0"/>
-              <a:t> delle </a:t>
-            </a:r>
-            <a:r>
-              <a:rPr lang="it-IT" altLang="it-IT" sz="2800" b="1" i="1" dirty="0"/>
-              <a:t>funzioni membro </a:t>
-            </a:r>
-            <a:r>
-              <a:rPr lang="it-IT" altLang="it-IT" sz="2800" dirty="0"/>
-              <a:t>e l’inizializzazione delle variabili </a:t>
-            </a:r>
-            <a:r>
-              <a:rPr lang="it-IT" altLang="it-IT" sz="2800" i="1" dirty="0" err="1"/>
-              <a:t>static</a:t>
-            </a:r>
-            <a:r>
-              <a:rPr lang="it-IT" altLang="it-IT" sz="2800" dirty="0"/>
-              <a:t> nel </a:t>
-            </a:r>
-            <a:r>
-              <a:rPr lang="it-IT" altLang="it-IT" sz="2800" b="1" i="1" dirty="0"/>
-              <a:t>file di implementazione</a:t>
-            </a:r>
+              <a:t> e implementazione </a:t>
+            </a:r>
+          </a:p>
+          <a:p>
+            <a:pPr lvl="1"/>
+            <a:r>
+              <a:rPr lang="it-IT" altLang="it-IT" sz="2400" b="1" i="1" dirty="0"/>
+              <a:t>incapsulamento</a:t>
+            </a:r>
+            <a:r>
+              <a:rPr lang="it-IT" altLang="it-IT" sz="2400" dirty="0"/>
+              <a:t>: occultamento dei dettagli</a:t>
+            </a:r>
+          </a:p>
+          <a:p>
+            <a:pPr lvl="1"/>
+            <a:r>
+              <a:rPr lang="it-IT" altLang="it-IT" sz="2400" b="1" i="1" dirty="0"/>
+              <a:t>diverse implementazioni </a:t>
+            </a:r>
+            <a:r>
+              <a:rPr lang="it-IT" altLang="it-IT" sz="2400" dirty="0"/>
+              <a:t>di una stessa libreria</a:t>
+            </a:r>
+          </a:p>
+          <a:p>
+            <a:endParaRPr lang="it-IT" altLang="it-IT" sz="2800" dirty="0"/>
           </a:p>
         </p:txBody>
       </p:sp>
     </p:spTree>
     <p:extLst>
       <p:ext uri="{BB962C8B-B14F-4D97-AF65-F5344CB8AC3E}">
-        <p14:creationId xmlns:p14="http://schemas.microsoft.com/office/powerpoint/2010/main" val="534141573"/>
+        <p14:creationId xmlns:p14="http://schemas.microsoft.com/office/powerpoint/2010/main" val="314095882"/>
       </p:ext>
     </p:extLst>
   </p:cSld>
@@ -12770,6 +13018,208 @@
       </p:grpSpPr>
       <p:sp>
         <p:nvSpPr>
+          <p:cNvPr id="4" name="Segnaposto numero diapositiva 5"/>
+          <p:cNvSpPr>
+            <a:spLocks noGrp="1"/>
+          </p:cNvSpPr>
+          <p:nvPr>
+            <p:ph type="sldNum" sz="quarter" idx="12"/>
+          </p:nvPr>
+        </p:nvSpPr>
+        <p:spPr/>
+        <p:txBody>
+          <a:bodyPr/>
+          <a:lstStyle/>
+          <a:p>
+            <a:fld id="{D2B39DCE-B3C5-4D20-818C-F33061CE4D52}" type="slidenum">
+              <a:rPr lang="en-US" altLang="it-IT"/>
+              <a:pPr/>
+              <a:t>33</a:t>
+            </a:fld>
+            <a:endParaRPr lang="en-US" altLang="it-IT"/>
+          </a:p>
+        </p:txBody>
+      </p:sp>
+      <p:sp>
+        <p:nvSpPr>
+          <p:cNvPr id="258050" name="Rectangle 2"/>
+          <p:cNvSpPr>
+            <a:spLocks noGrp="1" noChangeArrowheads="1"/>
+          </p:cNvSpPr>
+          <p:nvPr>
+            <p:ph type="title"/>
+          </p:nvPr>
+        </p:nvSpPr>
+        <p:spPr/>
+        <p:txBody>
+          <a:bodyPr/>
+          <a:lstStyle/>
+          <a:p>
+            <a:r>
+              <a:rPr lang="it-IT" altLang="it-IT" dirty="0"/>
+              <a:t>regole per incapsulamento</a:t>
+            </a:r>
+          </a:p>
+        </p:txBody>
+      </p:sp>
+      <p:sp>
+        <p:nvSpPr>
+          <p:cNvPr id="258051" name="Rectangle 3"/>
+          <p:cNvSpPr>
+            <a:spLocks noGrp="1" noChangeArrowheads="1"/>
+          </p:cNvSpPr>
+          <p:nvPr>
+            <p:ph type="body" idx="1"/>
+          </p:nvPr>
+        </p:nvSpPr>
+        <p:spPr/>
+        <p:txBody>
+          <a:bodyPr/>
+          <a:lstStyle/>
+          <a:p>
+            <a:r>
+              <a:rPr lang="it-IT" altLang="it-IT" sz="2800" dirty="0"/>
+              <a:t>rendere </a:t>
+            </a:r>
+            <a:r>
+              <a:rPr lang="it-IT" altLang="it-IT" sz="2800" b="1" i="1" dirty="0"/>
+              <a:t>private</a:t>
+            </a:r>
+            <a:r>
+              <a:rPr lang="it-IT" altLang="it-IT" sz="2800" dirty="0"/>
+              <a:t> tutte le </a:t>
+            </a:r>
+            <a:r>
+              <a:rPr lang="it-IT" altLang="it-IT" sz="2800" b="1" i="1" dirty="0"/>
+              <a:t>variabili membro</a:t>
+            </a:r>
+          </a:p>
+          <a:p>
+            <a:r>
+              <a:rPr lang="it-IT" altLang="it-IT" sz="2800" dirty="0"/>
+              <a:t>raggruppare </a:t>
+            </a:r>
+            <a:r>
+              <a:rPr lang="it-IT" altLang="it-IT" sz="2800" b="1" i="1" dirty="0"/>
+              <a:t>definizione</a:t>
+            </a:r>
+            <a:r>
+              <a:rPr lang="it-IT" altLang="it-IT" sz="2800" dirty="0"/>
+              <a:t> della classe, </a:t>
+            </a:r>
+            <a:r>
+              <a:rPr lang="it-IT" altLang="it-IT" sz="2800" b="1" i="1" dirty="0"/>
+              <a:t>dichiarazioni</a:t>
+            </a:r>
+            <a:r>
+              <a:rPr lang="it-IT" altLang="it-IT" sz="2800" dirty="0"/>
+              <a:t> delle </a:t>
+            </a:r>
+            <a:r>
+              <a:rPr lang="it-IT" altLang="it-IT" sz="2800" b="1" i="1" dirty="0"/>
+              <a:t>funzioni membro </a:t>
+            </a:r>
+            <a:r>
+              <a:rPr lang="it-IT" altLang="it-IT" sz="2800" dirty="0"/>
+              <a:t>e commenti nel </a:t>
+            </a:r>
+            <a:r>
+              <a:rPr lang="it-IT" altLang="it-IT" sz="2800" b="1" dirty="0"/>
+              <a:t>file di</a:t>
+            </a:r>
+            <a:r>
+              <a:rPr lang="it-IT" altLang="it-IT" sz="2800" dirty="0"/>
+              <a:t> </a:t>
+            </a:r>
+            <a:r>
+              <a:rPr lang="it-IT" altLang="it-IT" sz="2800" b="1" dirty="0"/>
+              <a:t>interfaccia </a:t>
+            </a:r>
+            <a:r>
+              <a:rPr lang="it-IT" altLang="it-IT" sz="2800" dirty="0"/>
+              <a:t>(</a:t>
+            </a:r>
+            <a:r>
+              <a:rPr lang="it-IT" altLang="it-IT" sz="2800" b="1" i="1" dirty="0" err="1"/>
+              <a:t>header</a:t>
+            </a:r>
+            <a:r>
+              <a:rPr lang="it-IT" altLang="it-IT" sz="2800" b="1" i="1" dirty="0"/>
+              <a:t> file</a:t>
+            </a:r>
+            <a:r>
+              <a:rPr lang="it-IT" altLang="it-IT" sz="2800" dirty="0"/>
+              <a:t>)</a:t>
+            </a:r>
+          </a:p>
+          <a:p>
+            <a:r>
+              <a:rPr lang="it-IT" altLang="it-IT" sz="2800" dirty="0"/>
+              <a:t>raggruppare le </a:t>
+            </a:r>
+            <a:r>
+              <a:rPr lang="it-IT" altLang="it-IT" sz="2800" b="1" i="1" dirty="0"/>
+              <a:t>definizioni</a:t>
+            </a:r>
+            <a:r>
+              <a:rPr lang="it-IT" altLang="it-IT" sz="2800" dirty="0"/>
+              <a:t> delle </a:t>
+            </a:r>
+            <a:r>
+              <a:rPr lang="it-IT" altLang="it-IT" sz="2800" b="1" i="1" dirty="0"/>
+              <a:t>funzioni membro </a:t>
+            </a:r>
+            <a:r>
+              <a:rPr lang="it-IT" altLang="it-IT" sz="2800" dirty="0"/>
+              <a:t>e l’inizializzazione delle variabili </a:t>
+            </a:r>
+            <a:r>
+              <a:rPr lang="it-IT" altLang="it-IT" sz="2800" i="1" dirty="0" err="1"/>
+              <a:t>static</a:t>
+            </a:r>
+            <a:r>
+              <a:rPr lang="it-IT" altLang="it-IT" sz="2800" dirty="0"/>
+              <a:t> nel </a:t>
+            </a:r>
+            <a:r>
+              <a:rPr lang="it-IT" altLang="it-IT" sz="2800" b="1" i="1" dirty="0"/>
+              <a:t>file di implementazione</a:t>
+            </a:r>
+          </a:p>
+        </p:txBody>
+      </p:sp>
+    </p:spTree>
+    <p:extLst>
+      <p:ext uri="{BB962C8B-B14F-4D97-AF65-F5344CB8AC3E}">
+        <p14:creationId xmlns:p14="http://schemas.microsoft.com/office/powerpoint/2010/main" val="534141573"/>
+      </p:ext>
+    </p:extLst>
+  </p:cSld>
+  <p:clrMapOvr>
+    <a:masterClrMapping/>
+  </p:clrMapOvr>
+</p:sld>
+</file>
+
+<file path=ppt/slides/slide34.xml><?xml version="1.0" encoding="utf-8"?>
+<p:sld xmlns:a="http://schemas.openxmlformats.org/drawingml/2006/main" xmlns:r="http://schemas.openxmlformats.org/officeDocument/2006/relationships" xmlns:p="http://schemas.openxmlformats.org/presentationml/2006/main">
+  <p:cSld>
+    <p:spTree>
+      <p:nvGrpSpPr>
+        <p:cNvPr id="1" name=""/>
+        <p:cNvGrpSpPr/>
+        <p:nvPr/>
+      </p:nvGrpSpPr>
+      <p:grpSpPr>
+        <a:xfrm>
+          <a:off x="0" y="0"/>
+          <a:ext cx="0" cy="0"/>
+          <a:chOff x="0" y="0"/>
+          <a:chExt cx="0" cy="0"/>
+        </a:xfrm>
+      </p:grpSpPr>
+      <p:sp>
+        <p:nvSpPr>
           <p:cNvPr id="2" name="Titolo 1"/>
           <p:cNvSpPr>
             <a:spLocks noGrp="1"/>
@@ -12924,7 +13374,7 @@
 </p:sld>
 </file>
 
-<file path=ppt/slides/slide34.xml><?xml version="1.0" encoding="utf-8"?>
+<file path=ppt/slides/slide35.xml><?xml version="1.0" encoding="utf-8"?>
 <p:sld xmlns:a="http://schemas.openxmlformats.org/drawingml/2006/main" xmlns:r="http://schemas.openxmlformats.org/officeDocument/2006/relationships" xmlns:p="http://schemas.openxmlformats.org/presentationml/2006/main">
   <p:cSld>
     <p:spTree>
@@ -14064,7 +14514,7 @@
 </p:sld>
 </file>
 
-<file path=ppt/slides/slide35.xml><?xml version="1.0" encoding="utf-8"?>
+<file path=ppt/slides/slide36.xml><?xml version="1.0" encoding="utf-8"?>
 <p:sld xmlns:a="http://schemas.openxmlformats.org/drawingml/2006/main" xmlns:r="http://schemas.openxmlformats.org/officeDocument/2006/relationships" xmlns:p="http://schemas.openxmlformats.org/presentationml/2006/main">
   <p:cSld>
     <p:spTree>
@@ -14303,7 +14753,7 @@
 </p:sld>
 </file>
 
-<file path=ppt/slides/slide36.xml><?xml version="1.0" encoding="utf-8"?>
+<file path=ppt/slides/slide37.xml><?xml version="1.0" encoding="utf-8"?>
 <p:sld xmlns:a="http://schemas.openxmlformats.org/drawingml/2006/main" xmlns:r="http://schemas.openxmlformats.org/officeDocument/2006/relationships" xmlns:p="http://schemas.openxmlformats.org/presentationml/2006/main">
   <p:cSld>
     <p:spTree>
@@ -15648,7 +16098,7 @@
 </p:sld>
 </file>
 
-<file path=ppt/slides/slide37.xml><?xml version="1.0" encoding="utf-8"?>
+<file path=ppt/slides/slide38.xml><?xml version="1.0" encoding="utf-8"?>
 <p:sld xmlns:a="http://schemas.openxmlformats.org/drawingml/2006/main" xmlns:r="http://schemas.openxmlformats.org/officeDocument/2006/relationships" xmlns:p="http://schemas.openxmlformats.org/presentationml/2006/main">
   <p:cSld>
     <p:spTree>
@@ -15994,7 +16444,7 @@
 </p:sld>
 </file>
 
-<file path=ppt/slides/slide38.xml><?xml version="1.0" encoding="utf-8"?>
+<file path=ppt/slides/slide39.xml><?xml version="1.0" encoding="utf-8"?>
 <p:sld xmlns:a="http://schemas.openxmlformats.org/drawingml/2006/main" xmlns:r="http://schemas.openxmlformats.org/officeDocument/2006/relationships" xmlns:p="http://schemas.openxmlformats.org/presentationml/2006/main">
   <p:cSld>
     <p:spTree>
@@ -17142,229 +17592,6 @@
 </p:sld>
 </file>
 
-<file path=ppt/slides/slide39.xml><?xml version="1.0" encoding="utf-8"?>
-<p:sld xmlns:a="http://schemas.openxmlformats.org/drawingml/2006/main" xmlns:r="http://schemas.openxmlformats.org/officeDocument/2006/relationships" xmlns:p="http://schemas.openxmlformats.org/presentationml/2006/main">
-  <p:cSld>
-    <p:spTree>
-      <p:nvGrpSpPr>
-        <p:cNvPr id="1" name=""/>
-        <p:cNvGrpSpPr/>
-        <p:nvPr/>
-      </p:nvGrpSpPr>
-      <p:grpSpPr>
-        <a:xfrm>
-          <a:off x="0" y="0"/>
-          <a:ext cx="0" cy="0"/>
-          <a:chOff x="0" y="0"/>
-          <a:chExt cx="0" cy="0"/>
-        </a:xfrm>
-      </p:grpSpPr>
-      <p:sp>
-        <p:nvSpPr>
-          <p:cNvPr id="2" name="Titolo 1">
-            <a:extLst>
-              <a:ext uri="{FF2B5EF4-FFF2-40B4-BE49-F238E27FC236}">
-                <a16:creationId xmlns:a16="http://schemas.microsoft.com/office/drawing/2014/main" id="{1F07B70B-19CB-4D28-A52B-CDFB3E24F659}"/>
-              </a:ext>
-            </a:extLst>
-          </p:cNvPr>
-          <p:cNvSpPr>
-            <a:spLocks noGrp="1"/>
-          </p:cNvSpPr>
-          <p:nvPr>
-            <p:ph type="title"/>
-          </p:nvPr>
-        </p:nvSpPr>
-        <p:spPr/>
-        <p:txBody>
-          <a:bodyPr/>
-          <a:lstStyle/>
-          <a:p>
-            <a:r>
-              <a:rPr lang="it-IT" dirty="0"/>
-              <a:t>membri </a:t>
-            </a:r>
-            <a:r>
-              <a:rPr lang="it-IT" dirty="0" err="1"/>
-              <a:t>static</a:t>
-            </a:r>
-            <a:r>
-              <a:rPr lang="it-IT" dirty="0"/>
-              <a:t>: funzioni</a:t>
-            </a:r>
-          </a:p>
-        </p:txBody>
-      </p:sp>
-      <p:sp>
-        <p:nvSpPr>
-          <p:cNvPr id="3" name="Segnaposto contenuto 2">
-            <a:extLst>
-              <a:ext uri="{FF2B5EF4-FFF2-40B4-BE49-F238E27FC236}">
-                <a16:creationId xmlns:a16="http://schemas.microsoft.com/office/drawing/2014/main" id="{024F2FD2-8298-44A2-B524-BED584B658FD}"/>
-              </a:ext>
-            </a:extLst>
-          </p:cNvPr>
-          <p:cNvSpPr>
-            <a:spLocks noGrp="1"/>
-          </p:cNvSpPr>
-          <p:nvPr>
-            <p:ph idx="1"/>
-          </p:nvPr>
-        </p:nvSpPr>
-        <p:spPr/>
-        <p:txBody>
-          <a:bodyPr/>
-          <a:lstStyle/>
-          <a:p>
-            <a:r>
-              <a:rPr lang="it-IT" dirty="0"/>
-              <a:t>una </a:t>
-            </a:r>
-            <a:r>
-              <a:rPr lang="it-IT" b="1" i="1" dirty="0"/>
-              <a:t>funzione</a:t>
-            </a:r>
-            <a:r>
-              <a:rPr lang="it-IT" dirty="0"/>
-              <a:t> membro </a:t>
-            </a:r>
-            <a:r>
-              <a:rPr lang="it-IT" b="1" i="1" dirty="0" err="1"/>
-              <a:t>static</a:t>
-            </a:r>
-            <a:r>
-              <a:rPr lang="it-IT" dirty="0"/>
-              <a:t> accede solo ai </a:t>
-            </a:r>
-            <a:r>
-              <a:rPr lang="it-IT" b="1" i="1" dirty="0"/>
-              <a:t>membri </a:t>
-            </a:r>
-            <a:r>
-              <a:rPr lang="it-IT" b="1" i="1" dirty="0" err="1"/>
-              <a:t>static</a:t>
-            </a:r>
-            <a:r>
-              <a:rPr lang="it-IT" b="1" i="1" dirty="0"/>
-              <a:t> </a:t>
-            </a:r>
-          </a:p>
-          <a:p>
-            <a:r>
-              <a:rPr lang="it-IT" b="1" i="1" dirty="0"/>
-              <a:t>non</a:t>
-            </a:r>
-            <a:r>
-              <a:rPr lang="it-IT" dirty="0"/>
-              <a:t> può accedere ai dati dell’</a:t>
-            </a:r>
-            <a:r>
-              <a:rPr lang="it-IT" b="1" i="1" dirty="0"/>
-              <a:t>oggetto</a:t>
-            </a:r>
-            <a:r>
-              <a:rPr lang="it-IT" dirty="0"/>
-              <a:t> chiamante</a:t>
-            </a:r>
-          </a:p>
-          <a:p>
-            <a:r>
-              <a:rPr lang="it-IT" dirty="0"/>
-              <a:t>viene invocata usando il </a:t>
-            </a:r>
-            <a:r>
-              <a:rPr lang="it-IT" b="1" i="1" dirty="0"/>
-              <a:t>nome della classe </a:t>
-            </a:r>
-            <a:r>
-              <a:rPr lang="it-IT" dirty="0"/>
-              <a:t>e lo scope </a:t>
-            </a:r>
-            <a:r>
-              <a:rPr lang="it-IT" dirty="0" err="1"/>
-              <a:t>resolution</a:t>
-            </a:r>
-            <a:r>
-              <a:rPr lang="it-IT" dirty="0"/>
-              <a:t> operator (</a:t>
-            </a:r>
-            <a:r>
-              <a:rPr lang="it-IT" b="1" dirty="0"/>
-              <a:t>::</a:t>
-            </a:r>
-            <a:r>
-              <a:rPr lang="it-IT" dirty="0"/>
-              <a:t>)</a:t>
-            </a:r>
-          </a:p>
-          <a:p>
-            <a:r>
-              <a:rPr lang="it-IT" dirty="0"/>
-              <a:t>la parola chiave </a:t>
-            </a:r>
-            <a:r>
-              <a:rPr lang="it-IT" b="1" i="1" dirty="0" err="1"/>
-              <a:t>static</a:t>
-            </a:r>
-            <a:r>
-              <a:rPr lang="it-IT" dirty="0"/>
-              <a:t> va messa </a:t>
-            </a:r>
-            <a:r>
-              <a:rPr lang="it-IT" b="1" i="1" dirty="0"/>
-              <a:t>solo nella dichiarazione</a:t>
-            </a:r>
-          </a:p>
-          <a:p>
-            <a:endParaRPr lang="it-IT" dirty="0"/>
-          </a:p>
-        </p:txBody>
-      </p:sp>
-      <p:sp>
-        <p:nvSpPr>
-          <p:cNvPr id="4" name="Segnaposto piè di pagina 3">
-            <a:extLst>
-              <a:ext uri="{FF2B5EF4-FFF2-40B4-BE49-F238E27FC236}">
-                <a16:creationId xmlns:a16="http://schemas.microsoft.com/office/drawing/2014/main" id="{9018C3DF-E2CD-4B08-BAC7-ACEB19A9B8C6}"/>
-              </a:ext>
-            </a:extLst>
-          </p:cNvPr>
-          <p:cNvSpPr>
-            <a:spLocks noGrp="1"/>
-          </p:cNvSpPr>
-          <p:nvPr>
-            <p:ph type="ftr" sz="quarter" idx="11"/>
-          </p:nvPr>
-        </p:nvSpPr>
-        <p:spPr/>
-        <p:txBody>
-          <a:bodyPr/>
-          <a:lstStyle/>
-          <a:p>
-            <a:pPr>
-              <a:defRPr/>
-            </a:pPr>
-            <a:r>
-              <a:rPr lang="it-IT"/>
-              <a:t>Alberto Ferrari – Programmazione di applicazioni SW</a:t>
-            </a:r>
-            <a:endParaRPr lang="it-IT" dirty="0"/>
-          </a:p>
-        </p:txBody>
-      </p:sp>
-    </p:spTree>
-    <p:extLst>
-      <p:ext uri="{BB962C8B-B14F-4D97-AF65-F5344CB8AC3E}">
-        <p14:creationId xmlns:p14="http://schemas.microsoft.com/office/powerpoint/2010/main" val="3383324386"/>
-      </p:ext>
-    </p:extLst>
-  </p:cSld>
-  <p:clrMapOvr>
-    <a:masterClrMapping/>
-  </p:clrMapOvr>
-</p:sld>
-</file>
-
 <file path=ppt/slides/slide4.xml><?xml version="1.0" encoding="utf-8"?>
 <p:sld xmlns:a="http://schemas.openxmlformats.org/drawingml/2006/main" xmlns:r="http://schemas.openxmlformats.org/officeDocument/2006/relationships" xmlns:p="http://schemas.openxmlformats.org/presentationml/2006/main">
   <p:cSld>
@@ -17595,7 +17822,7 @@
           <p:cNvPr id="2" name="Titolo 1">
             <a:extLst>
               <a:ext uri="{FF2B5EF4-FFF2-40B4-BE49-F238E27FC236}">
-                <a16:creationId xmlns:a16="http://schemas.microsoft.com/office/drawing/2014/main" id="{A955B135-F092-44E2-A78A-2E01CF3D90AE}"/>
+                <a16:creationId xmlns:a16="http://schemas.microsoft.com/office/drawing/2014/main" id="{1F07B70B-19CB-4D28-A52B-CDFB3E24F659}"/>
               </a:ext>
             </a:extLst>
           </p:cNvPr>
@@ -17621,7 +17848,7 @@
             </a:r>
             <a:r>
               <a:rPr lang="it-IT" dirty="0"/>
-              <a:t>: variabili</a:t>
+              <a:t>: funzioni</a:t>
             </a:r>
           </a:p>
         </p:txBody>
@@ -17631,7 +17858,7 @@
           <p:cNvPr id="3" name="Segnaposto contenuto 2">
             <a:extLst>
               <a:ext uri="{FF2B5EF4-FFF2-40B4-BE49-F238E27FC236}">
-                <a16:creationId xmlns:a16="http://schemas.microsoft.com/office/drawing/2014/main" id="{B7FE49E9-F453-481E-9B3F-654AE220FDC0}"/>
+                <a16:creationId xmlns:a16="http://schemas.microsoft.com/office/drawing/2014/main" id="{024F2FD2-8298-44A2-B524-BED584B658FD}"/>
               </a:ext>
             </a:extLst>
           </p:cNvPr>
@@ -17653,7 +17880,7 @@
             </a:r>
             <a:r>
               <a:rPr lang="it-IT" b="1" i="1" dirty="0"/>
-              <a:t>variabile</a:t>
+              <a:t>funzione</a:t>
             </a:r>
             <a:r>
               <a:rPr lang="it-IT" dirty="0"/>
@@ -17665,53 +17892,85 @@
             </a:r>
             <a:r>
               <a:rPr lang="it-IT" dirty="0"/>
-              <a:t> è condivisa da tutti gli oggetti di una classe</a:t>
-            </a:r>
-          </a:p>
-          <a:p>
-            <a:r>
-              <a:rPr lang="it-IT" dirty="0"/>
-              <a:t>è usata dagli oggetti della classe per </a:t>
+              <a:t> accede solo ai </a:t>
             </a:r>
             <a:r>
               <a:rPr lang="it-IT" b="1" i="1" dirty="0"/>
-              <a:t>comunicare</a:t>
-            </a:r>
-            <a:r>
-              <a:rPr lang="it-IT" dirty="0"/>
-              <a:t> e coordinarsi</a:t>
-            </a:r>
-          </a:p>
-          <a:p>
+              <a:t>membri </a:t>
+            </a:r>
+            <a:r>
+              <a:rPr lang="it-IT" b="1" i="1" dirty="0" err="1"/>
+              <a:t>static</a:t>
+            </a:r>
             <a:r>
               <a:rPr lang="it-IT" b="1" i="1" dirty="0"/>
-              <a:t>solo</a:t>
-            </a:r>
-            <a:r>
-              <a:rPr lang="it-IT" dirty="0"/>
-              <a:t> gli </a:t>
-            </a:r>
+              <a:t> </a:t>
+            </a:r>
+          </a:p>
+          <a:p>
             <a:r>
               <a:rPr lang="it-IT" b="1" i="1" dirty="0"/>
-              <a:t>oggetti della classe </a:t>
-            </a:r>
-            <a:r>
-              <a:rPr lang="it-IT" dirty="0"/>
-              <a:t>possono accedervi</a:t>
-            </a:r>
-          </a:p>
-          <a:p>
-            <a:r>
-              <a:rPr lang="it-IT" dirty="0"/>
-              <a:t>va </a:t>
+              <a:t>non</a:t>
+            </a:r>
+            <a:r>
+              <a:rPr lang="it-IT" dirty="0"/>
+              <a:t> può accedere ai dati dell’</a:t>
             </a:r>
             <a:r>
               <a:rPr lang="it-IT" b="1" i="1" dirty="0"/>
-              <a:t>inizializzata</a:t>
-            </a:r>
-            <a:r>
-              <a:rPr lang="it-IT" dirty="0"/>
-              <a:t> al di fuori della definizione della classe, una sola volta</a:t>
+              <a:t>oggetto</a:t>
+            </a:r>
+            <a:r>
+              <a:rPr lang="it-IT" dirty="0"/>
+              <a:t> chiamante</a:t>
+            </a:r>
+          </a:p>
+          <a:p>
+            <a:r>
+              <a:rPr lang="it-IT" dirty="0"/>
+              <a:t>viene invocata usando il </a:t>
+            </a:r>
+            <a:r>
+              <a:rPr lang="it-IT" b="1" i="1" dirty="0"/>
+              <a:t>nome della classe </a:t>
+            </a:r>
+            <a:r>
+              <a:rPr lang="it-IT" dirty="0"/>
+              <a:t>e lo scope </a:t>
+            </a:r>
+            <a:r>
+              <a:rPr lang="it-IT" dirty="0" err="1"/>
+              <a:t>resolution</a:t>
+            </a:r>
+            <a:r>
+              <a:rPr lang="it-IT" dirty="0"/>
+              <a:t> operator (</a:t>
+            </a:r>
+            <a:r>
+              <a:rPr lang="it-IT" b="1" dirty="0"/>
+              <a:t>::</a:t>
+            </a:r>
+            <a:r>
+              <a:rPr lang="it-IT" dirty="0"/>
+              <a:t>)</a:t>
+            </a:r>
+          </a:p>
+          <a:p>
+            <a:r>
+              <a:rPr lang="it-IT" dirty="0"/>
+              <a:t>la parola chiave </a:t>
+            </a:r>
+            <a:r>
+              <a:rPr lang="it-IT" b="1" i="1" dirty="0" err="1"/>
+              <a:t>static</a:t>
+            </a:r>
+            <a:r>
+              <a:rPr lang="it-IT" dirty="0"/>
+              <a:t> va messa </a:t>
+            </a:r>
+            <a:r>
+              <a:rPr lang="it-IT" b="1" i="1" dirty="0"/>
+              <a:t>solo nella dichiarazione</a:t>
             </a:r>
           </a:p>
           <a:p>
@@ -17724,7 +17983,7 @@
           <p:cNvPr id="4" name="Segnaposto piè di pagina 3">
             <a:extLst>
               <a:ext uri="{FF2B5EF4-FFF2-40B4-BE49-F238E27FC236}">
-                <a16:creationId xmlns:a16="http://schemas.microsoft.com/office/drawing/2014/main" id="{A495FA4E-77F4-4AA1-87A8-9F77361F6562}"/>
+                <a16:creationId xmlns:a16="http://schemas.microsoft.com/office/drawing/2014/main" id="{9018C3DF-E2CD-4B08-BAC7-ACEB19A9B8C6}"/>
               </a:ext>
             </a:extLst>
           </p:cNvPr>
@@ -17754,7 +18013,7 @@
     </p:spTree>
     <p:extLst>
       <p:ext uri="{BB962C8B-B14F-4D97-AF65-F5344CB8AC3E}">
-        <p14:creationId xmlns:p14="http://schemas.microsoft.com/office/powerpoint/2010/main" val="4090024774"/>
+        <p14:creationId xmlns:p14="http://schemas.microsoft.com/office/powerpoint/2010/main" val="3383324386"/>
       </p:ext>
     </p:extLst>
   </p:cSld>
@@ -17783,6 +18042,197 @@
       </p:grpSpPr>
       <p:sp>
         <p:nvSpPr>
+          <p:cNvPr id="2" name="Titolo 1">
+            <a:extLst>
+              <a:ext uri="{FF2B5EF4-FFF2-40B4-BE49-F238E27FC236}">
+                <a16:creationId xmlns:a16="http://schemas.microsoft.com/office/drawing/2014/main" id="{A955B135-F092-44E2-A78A-2E01CF3D90AE}"/>
+              </a:ext>
+            </a:extLst>
+          </p:cNvPr>
+          <p:cNvSpPr>
+            <a:spLocks noGrp="1"/>
+          </p:cNvSpPr>
+          <p:nvPr>
+            <p:ph type="title"/>
+          </p:nvPr>
+        </p:nvSpPr>
+        <p:spPr/>
+        <p:txBody>
+          <a:bodyPr/>
+          <a:lstStyle/>
+          <a:p>
+            <a:r>
+              <a:rPr lang="it-IT" dirty="0"/>
+              <a:t>membri </a:t>
+            </a:r>
+            <a:r>
+              <a:rPr lang="it-IT" dirty="0" err="1"/>
+              <a:t>static</a:t>
+            </a:r>
+            <a:r>
+              <a:rPr lang="it-IT" dirty="0"/>
+              <a:t>: variabili</a:t>
+            </a:r>
+          </a:p>
+        </p:txBody>
+      </p:sp>
+      <p:sp>
+        <p:nvSpPr>
+          <p:cNvPr id="3" name="Segnaposto contenuto 2">
+            <a:extLst>
+              <a:ext uri="{FF2B5EF4-FFF2-40B4-BE49-F238E27FC236}">
+                <a16:creationId xmlns:a16="http://schemas.microsoft.com/office/drawing/2014/main" id="{B7FE49E9-F453-481E-9B3F-654AE220FDC0}"/>
+              </a:ext>
+            </a:extLst>
+          </p:cNvPr>
+          <p:cNvSpPr>
+            <a:spLocks noGrp="1"/>
+          </p:cNvSpPr>
+          <p:nvPr>
+            <p:ph idx="1"/>
+          </p:nvPr>
+        </p:nvSpPr>
+        <p:spPr/>
+        <p:txBody>
+          <a:bodyPr/>
+          <a:lstStyle/>
+          <a:p>
+            <a:r>
+              <a:rPr lang="it-IT" dirty="0"/>
+              <a:t>una </a:t>
+            </a:r>
+            <a:r>
+              <a:rPr lang="it-IT" b="1" i="1" dirty="0"/>
+              <a:t>variabile</a:t>
+            </a:r>
+            <a:r>
+              <a:rPr lang="it-IT" dirty="0"/>
+              <a:t> membro </a:t>
+            </a:r>
+            <a:r>
+              <a:rPr lang="it-IT" b="1" i="1" dirty="0" err="1"/>
+              <a:t>static</a:t>
+            </a:r>
+            <a:r>
+              <a:rPr lang="it-IT" dirty="0"/>
+              <a:t> è condivisa da tutti gli oggetti di una classe</a:t>
+            </a:r>
+          </a:p>
+          <a:p>
+            <a:r>
+              <a:rPr lang="it-IT" dirty="0"/>
+              <a:t>è usata dagli oggetti della classe per </a:t>
+            </a:r>
+            <a:r>
+              <a:rPr lang="it-IT" b="1" i="1" dirty="0"/>
+              <a:t>comunicare</a:t>
+            </a:r>
+            <a:r>
+              <a:rPr lang="it-IT" dirty="0"/>
+              <a:t> e coordinarsi</a:t>
+            </a:r>
+          </a:p>
+          <a:p>
+            <a:r>
+              <a:rPr lang="it-IT" b="1" i="1" dirty="0"/>
+              <a:t>solo</a:t>
+            </a:r>
+            <a:r>
+              <a:rPr lang="it-IT" dirty="0"/>
+              <a:t> gli </a:t>
+            </a:r>
+            <a:r>
+              <a:rPr lang="it-IT" b="1" i="1" dirty="0"/>
+              <a:t>oggetti della classe </a:t>
+            </a:r>
+            <a:r>
+              <a:rPr lang="it-IT" dirty="0"/>
+              <a:t>possono accedervi</a:t>
+            </a:r>
+          </a:p>
+          <a:p>
+            <a:r>
+              <a:rPr lang="it-IT" dirty="0"/>
+              <a:t>va </a:t>
+            </a:r>
+            <a:r>
+              <a:rPr lang="it-IT" b="1" i="1" dirty="0"/>
+              <a:t>inizializzata</a:t>
+            </a:r>
+            <a:r>
+              <a:rPr lang="it-IT" dirty="0"/>
+              <a:t> al di fuori della definizione della classe, una sola volta</a:t>
+            </a:r>
+          </a:p>
+          <a:p>
+            <a:endParaRPr lang="it-IT" dirty="0"/>
+          </a:p>
+        </p:txBody>
+      </p:sp>
+      <p:sp>
+        <p:nvSpPr>
+          <p:cNvPr id="4" name="Segnaposto piè di pagina 3">
+            <a:extLst>
+              <a:ext uri="{FF2B5EF4-FFF2-40B4-BE49-F238E27FC236}">
+                <a16:creationId xmlns:a16="http://schemas.microsoft.com/office/drawing/2014/main" id="{A495FA4E-77F4-4AA1-87A8-9F77361F6562}"/>
+              </a:ext>
+            </a:extLst>
+          </p:cNvPr>
+          <p:cNvSpPr>
+            <a:spLocks noGrp="1"/>
+          </p:cNvSpPr>
+          <p:nvPr>
+            <p:ph type="ftr" sz="quarter" idx="11"/>
+          </p:nvPr>
+        </p:nvSpPr>
+        <p:spPr/>
+        <p:txBody>
+          <a:bodyPr/>
+          <a:lstStyle/>
+          <a:p>
+            <a:pPr>
+              <a:defRPr/>
+            </a:pPr>
+            <a:r>
+              <a:rPr lang="it-IT"/>
+              <a:t>Alberto Ferrari – Programmazione di applicazioni SW</a:t>
+            </a:r>
+            <a:endParaRPr lang="it-IT" dirty="0"/>
+          </a:p>
+        </p:txBody>
+      </p:sp>
+    </p:spTree>
+    <p:extLst>
+      <p:ext uri="{BB962C8B-B14F-4D97-AF65-F5344CB8AC3E}">
+        <p14:creationId xmlns:p14="http://schemas.microsoft.com/office/powerpoint/2010/main" val="4090024774"/>
+      </p:ext>
+    </p:extLst>
+  </p:cSld>
+  <p:clrMapOvr>
+    <a:masterClrMapping/>
+  </p:clrMapOvr>
+</p:sld>
+</file>
+
+<file path=ppt/slides/slide42.xml><?xml version="1.0" encoding="utf-8"?>
+<p:sld xmlns:a="http://schemas.openxmlformats.org/drawingml/2006/main" xmlns:r="http://schemas.openxmlformats.org/officeDocument/2006/relationships" xmlns:p="http://schemas.openxmlformats.org/presentationml/2006/main">
+  <p:cSld>
+    <p:spTree>
+      <p:nvGrpSpPr>
+        <p:cNvPr id="1" name=""/>
+        <p:cNvGrpSpPr/>
+        <p:nvPr/>
+      </p:nvGrpSpPr>
+      <p:grpSpPr>
+        <a:xfrm>
+          <a:off x="0" y="0"/>
+          <a:ext cx="0" cy="0"/>
+          <a:chOff x="0" y="0"/>
+          <a:chExt cx="0" cy="0"/>
+        </a:xfrm>
+      </p:grpSpPr>
+      <p:sp>
+        <p:nvSpPr>
           <p:cNvPr id="5" name="Titolo 4">
             <a:extLst>
               <a:ext uri="{FF2B5EF4-FFF2-40B4-BE49-F238E27FC236}">
@@ -18764,7 +19214,7 @@
 </p:sld>
 </file>
 
-<file path=ppt/slides/slide42.xml><?xml version="1.0" encoding="utf-8"?>
+<file path=ppt/slides/slide43.xml><?xml version="1.0" encoding="utf-8"?>
 <p:sld xmlns:a="http://schemas.openxmlformats.org/drawingml/2006/main" xmlns:r="http://schemas.openxmlformats.org/officeDocument/2006/relationships" xmlns:p="http://schemas.openxmlformats.org/presentationml/2006/main">
   <p:cSld>
     <p:spTree>

--- a/lezioni/PASW04 - object oriented programming.pptx
+++ b/lezioni/PASW04 - object oriented programming.pptx
@@ -5,7 +5,7 @@
     <p:sldMasterId id="2147483649" r:id="rId1"/>
   </p:sldMasterIdLst>
   <p:notesMasterIdLst>
-    <p:notesMasterId r:id="rId45"/>
+    <p:notesMasterId r:id="rId48"/>
   </p:notesMasterIdLst>
   <p:sldIdLst>
     <p:sldId id="258" r:id="rId2"/>
@@ -47,10 +47,13 @@
     <p:sldId id="322" r:id="rId38"/>
     <p:sldId id="324" r:id="rId39"/>
     <p:sldId id="325" r:id="rId40"/>
-    <p:sldId id="335" r:id="rId41"/>
-    <p:sldId id="334" r:id="rId42"/>
-    <p:sldId id="336" r:id="rId43"/>
-    <p:sldId id="337" r:id="rId44"/>
+    <p:sldId id="339" r:id="rId41"/>
+    <p:sldId id="340" r:id="rId42"/>
+    <p:sldId id="341" r:id="rId43"/>
+    <p:sldId id="335" r:id="rId44"/>
+    <p:sldId id="334" r:id="rId45"/>
+    <p:sldId id="336" r:id="rId46"/>
+    <p:sldId id="337" r:id="rId47"/>
   </p:sldIdLst>
   <p:sldSz cx="12192000" cy="6858000"/>
   <p:notesSz cx="6858000" cy="9144000"/>
@@ -17819,6 +17822,2769 @@
       </p:grpSpPr>
       <p:sp>
         <p:nvSpPr>
+          <p:cNvPr id="4" name="Titolo 3">
+            <a:extLst>
+              <a:ext uri="{FF2B5EF4-FFF2-40B4-BE49-F238E27FC236}">
+                <a16:creationId xmlns:a16="http://schemas.microsoft.com/office/drawing/2014/main" id="{F07B9562-26CA-4A3E-8CD9-3DC0D19344B5}"/>
+              </a:ext>
+            </a:extLst>
+          </p:cNvPr>
+          <p:cNvSpPr>
+            <a:spLocks noGrp="1"/>
+          </p:cNvSpPr>
+          <p:nvPr>
+            <p:ph type="title"/>
+          </p:nvPr>
+        </p:nvSpPr>
+        <p:spPr/>
+        <p:txBody>
+          <a:bodyPr/>
+          <a:lstStyle/>
+          <a:p>
+            <a:r>
+              <a:rPr lang="it-IT" dirty="0"/>
+              <a:t>esempio: file </a:t>
+            </a:r>
+            <a:r>
+              <a:rPr lang="it-IT" dirty="0" err="1"/>
+              <a:t>header</a:t>
+            </a:r>
+            <a:endParaRPr lang="it-IT" dirty="0"/>
+          </a:p>
+        </p:txBody>
+      </p:sp>
+      <p:sp>
+        <p:nvSpPr>
+          <p:cNvPr id="5" name="Segnaposto contenuto 4">
+            <a:extLst>
+              <a:ext uri="{FF2B5EF4-FFF2-40B4-BE49-F238E27FC236}">
+                <a16:creationId xmlns:a16="http://schemas.microsoft.com/office/drawing/2014/main" id="{74EB2B6D-DA9E-4FAB-B2D8-D1D870A4B449}"/>
+              </a:ext>
+            </a:extLst>
+          </p:cNvPr>
+          <p:cNvSpPr>
+            <a:spLocks noGrp="1"/>
+          </p:cNvSpPr>
+          <p:nvPr>
+            <p:ph sz="half" idx="1"/>
+          </p:nvPr>
+        </p:nvSpPr>
+        <p:spPr/>
+        <p:txBody>
+          <a:bodyPr/>
+          <a:lstStyle/>
+          <a:p>
+            <a:pPr marL="0" indent="0">
+              <a:spcBef>
+                <a:spcPts val="0"/>
+              </a:spcBef>
+              <a:buNone/>
+            </a:pPr>
+            <a:r>
+              <a:rPr lang="it-IT" sz="1400" b="1" dirty="0">
+                <a:latin typeface="Courier New" panose="02070309020205020404" pitchFamily="49" charset="0"/>
+                <a:cs typeface="Courier New" panose="02070309020205020404" pitchFamily="49" charset="0"/>
+              </a:rPr>
+              <a:t>#</a:t>
+            </a:r>
+            <a:r>
+              <a:rPr lang="it-IT" sz="1400" b="1" dirty="0" err="1">
+                <a:latin typeface="Courier New" panose="02070309020205020404" pitchFamily="49" charset="0"/>
+                <a:cs typeface="Courier New" panose="02070309020205020404" pitchFamily="49" charset="0"/>
+              </a:rPr>
+              <a:t>ifndef</a:t>
+            </a:r>
+            <a:r>
+              <a:rPr lang="it-IT" sz="1400" b="1" dirty="0">
+                <a:latin typeface="Courier New" panose="02070309020205020404" pitchFamily="49" charset="0"/>
+                <a:cs typeface="Courier New" panose="02070309020205020404" pitchFamily="49" charset="0"/>
+              </a:rPr>
+              <a:t> PUNTO_H</a:t>
+            </a:r>
+          </a:p>
+          <a:p>
+            <a:pPr marL="0" indent="0">
+              <a:spcBef>
+                <a:spcPts val="0"/>
+              </a:spcBef>
+              <a:buNone/>
+            </a:pPr>
+            <a:r>
+              <a:rPr lang="it-IT" sz="1400" b="1" dirty="0">
+                <a:latin typeface="Courier New" panose="02070309020205020404" pitchFamily="49" charset="0"/>
+                <a:cs typeface="Courier New" panose="02070309020205020404" pitchFamily="49" charset="0"/>
+              </a:rPr>
+              <a:t>#</a:t>
+            </a:r>
+            <a:r>
+              <a:rPr lang="it-IT" sz="1400" b="1" dirty="0" err="1">
+                <a:latin typeface="Courier New" panose="02070309020205020404" pitchFamily="49" charset="0"/>
+                <a:cs typeface="Courier New" panose="02070309020205020404" pitchFamily="49" charset="0"/>
+              </a:rPr>
+              <a:t>define</a:t>
+            </a:r>
+            <a:r>
+              <a:rPr lang="it-IT" sz="1400" b="1" dirty="0">
+                <a:latin typeface="Courier New" panose="02070309020205020404" pitchFamily="49" charset="0"/>
+                <a:cs typeface="Courier New" panose="02070309020205020404" pitchFamily="49" charset="0"/>
+              </a:rPr>
+              <a:t> PUNTO_H</a:t>
+            </a:r>
+          </a:p>
+          <a:p>
+            <a:pPr marL="0" indent="0">
+              <a:spcBef>
+                <a:spcPts val="0"/>
+              </a:spcBef>
+              <a:buNone/>
+            </a:pPr>
+            <a:r>
+              <a:rPr lang="it-IT" sz="1400" b="1" dirty="0">
+                <a:latin typeface="Courier New" panose="02070309020205020404" pitchFamily="49" charset="0"/>
+                <a:cs typeface="Courier New" panose="02070309020205020404" pitchFamily="49" charset="0"/>
+              </a:rPr>
+              <a:t>#include &lt;</a:t>
+            </a:r>
+            <a:r>
+              <a:rPr lang="it-IT" sz="1400" b="1" dirty="0" err="1">
+                <a:latin typeface="Courier New" panose="02070309020205020404" pitchFamily="49" charset="0"/>
+                <a:cs typeface="Courier New" panose="02070309020205020404" pitchFamily="49" charset="0"/>
+              </a:rPr>
+              <a:t>string</a:t>
+            </a:r>
+            <a:r>
+              <a:rPr lang="it-IT" sz="1400" b="1" dirty="0">
+                <a:latin typeface="Courier New" panose="02070309020205020404" pitchFamily="49" charset="0"/>
+                <a:cs typeface="Courier New" panose="02070309020205020404" pitchFamily="49" charset="0"/>
+              </a:rPr>
+              <a:t>&gt;</a:t>
+            </a:r>
+          </a:p>
+          <a:p>
+            <a:pPr marL="0" indent="0">
+              <a:spcBef>
+                <a:spcPts val="0"/>
+              </a:spcBef>
+              <a:buNone/>
+            </a:pPr>
+            <a:r>
+              <a:rPr lang="it-IT" sz="1400" b="1" dirty="0" err="1">
+                <a:latin typeface="Courier New" panose="02070309020205020404" pitchFamily="49" charset="0"/>
+                <a:cs typeface="Courier New" panose="02070309020205020404" pitchFamily="49" charset="0"/>
+              </a:rPr>
+              <a:t>using</a:t>
+            </a:r>
+            <a:r>
+              <a:rPr lang="it-IT" sz="1400" b="1" dirty="0">
+                <a:latin typeface="Courier New" panose="02070309020205020404" pitchFamily="49" charset="0"/>
+                <a:cs typeface="Courier New" panose="02070309020205020404" pitchFamily="49" charset="0"/>
+              </a:rPr>
+              <a:t> </a:t>
+            </a:r>
+            <a:r>
+              <a:rPr lang="it-IT" sz="1400" b="1" dirty="0" err="1">
+                <a:latin typeface="Courier New" panose="02070309020205020404" pitchFamily="49" charset="0"/>
+                <a:cs typeface="Courier New" panose="02070309020205020404" pitchFamily="49" charset="0"/>
+              </a:rPr>
+              <a:t>namespace</a:t>
+            </a:r>
+            <a:r>
+              <a:rPr lang="it-IT" sz="1400" b="1" dirty="0">
+                <a:latin typeface="Courier New" panose="02070309020205020404" pitchFamily="49" charset="0"/>
+                <a:cs typeface="Courier New" panose="02070309020205020404" pitchFamily="49" charset="0"/>
+              </a:rPr>
+              <a:t> </a:t>
+            </a:r>
+            <a:r>
+              <a:rPr lang="it-IT" sz="1400" b="1" dirty="0" err="1">
+                <a:latin typeface="Courier New" panose="02070309020205020404" pitchFamily="49" charset="0"/>
+                <a:cs typeface="Courier New" panose="02070309020205020404" pitchFamily="49" charset="0"/>
+              </a:rPr>
+              <a:t>std</a:t>
+            </a:r>
+            <a:r>
+              <a:rPr lang="it-IT" sz="1400" b="1" dirty="0">
+                <a:latin typeface="Courier New" panose="02070309020205020404" pitchFamily="49" charset="0"/>
+                <a:cs typeface="Courier New" panose="02070309020205020404" pitchFamily="49" charset="0"/>
+              </a:rPr>
+              <a:t>;</a:t>
+            </a:r>
+          </a:p>
+          <a:p>
+            <a:pPr marL="0" indent="0">
+              <a:spcBef>
+                <a:spcPts val="0"/>
+              </a:spcBef>
+              <a:buNone/>
+            </a:pPr>
+            <a:r>
+              <a:rPr lang="it-IT" sz="1400" b="1" dirty="0">
+                <a:latin typeface="Courier New" panose="02070309020205020404" pitchFamily="49" charset="0"/>
+                <a:cs typeface="Courier New" panose="02070309020205020404" pitchFamily="49" charset="0"/>
+              </a:rPr>
+              <a:t>class Punto</a:t>
+            </a:r>
+          </a:p>
+          <a:p>
+            <a:pPr marL="0" indent="0">
+              <a:spcBef>
+                <a:spcPts val="0"/>
+              </a:spcBef>
+              <a:buNone/>
+            </a:pPr>
+            <a:r>
+              <a:rPr lang="it-IT" sz="1400" b="1" dirty="0">
+                <a:latin typeface="Courier New" panose="02070309020205020404" pitchFamily="49" charset="0"/>
+                <a:cs typeface="Courier New" panose="02070309020205020404" pitchFamily="49" charset="0"/>
+              </a:rPr>
+              <a:t>{</a:t>
+            </a:r>
+          </a:p>
+          <a:p>
+            <a:pPr marL="0" indent="0">
+              <a:spcBef>
+                <a:spcPts val="0"/>
+              </a:spcBef>
+              <a:buNone/>
+            </a:pPr>
+            <a:r>
+              <a:rPr lang="it-IT" sz="1400" b="1" dirty="0">
+                <a:latin typeface="Courier New" panose="02070309020205020404" pitchFamily="49" charset="0"/>
+                <a:cs typeface="Courier New" panose="02070309020205020404" pitchFamily="49" charset="0"/>
+              </a:rPr>
+              <a:t>    public:</a:t>
+            </a:r>
+          </a:p>
+          <a:p>
+            <a:pPr marL="0" indent="0">
+              <a:spcBef>
+                <a:spcPts val="0"/>
+              </a:spcBef>
+              <a:buNone/>
+            </a:pPr>
+            <a:r>
+              <a:rPr lang="it-IT" sz="1400" b="1" dirty="0">
+                <a:latin typeface="Courier New" panose="02070309020205020404" pitchFamily="49" charset="0"/>
+                <a:cs typeface="Courier New" panose="02070309020205020404" pitchFamily="49" charset="0"/>
+              </a:rPr>
+              <a:t>        Punto();</a:t>
+            </a:r>
+          </a:p>
+          <a:p>
+            <a:pPr marL="0" indent="0">
+              <a:spcBef>
+                <a:spcPts val="0"/>
+              </a:spcBef>
+              <a:buNone/>
+            </a:pPr>
+            <a:r>
+              <a:rPr lang="it-IT" sz="1400" b="1" dirty="0">
+                <a:latin typeface="Courier New" panose="02070309020205020404" pitchFamily="49" charset="0"/>
+                <a:cs typeface="Courier New" panose="02070309020205020404" pitchFamily="49" charset="0"/>
+              </a:rPr>
+              <a:t>        Punto(</a:t>
+            </a:r>
+            <a:r>
+              <a:rPr lang="it-IT" sz="1400" b="1" dirty="0" err="1">
+                <a:latin typeface="Courier New" panose="02070309020205020404" pitchFamily="49" charset="0"/>
+                <a:cs typeface="Courier New" panose="02070309020205020404" pitchFamily="49" charset="0"/>
+              </a:rPr>
+              <a:t>int</a:t>
+            </a:r>
+            <a:r>
+              <a:rPr lang="it-IT" sz="1400" b="1" dirty="0">
+                <a:latin typeface="Courier New" panose="02070309020205020404" pitchFamily="49" charset="0"/>
+                <a:cs typeface="Courier New" panose="02070309020205020404" pitchFamily="49" charset="0"/>
+              </a:rPr>
+              <a:t>, </a:t>
+            </a:r>
+            <a:r>
+              <a:rPr lang="it-IT" sz="1400" b="1" dirty="0" err="1">
+                <a:latin typeface="Courier New" panose="02070309020205020404" pitchFamily="49" charset="0"/>
+                <a:cs typeface="Courier New" panose="02070309020205020404" pitchFamily="49" charset="0"/>
+              </a:rPr>
+              <a:t>int</a:t>
+            </a:r>
+            <a:r>
+              <a:rPr lang="it-IT" sz="1400" b="1" dirty="0">
+                <a:latin typeface="Courier New" panose="02070309020205020404" pitchFamily="49" charset="0"/>
+                <a:cs typeface="Courier New" panose="02070309020205020404" pitchFamily="49" charset="0"/>
+              </a:rPr>
+              <a:t>);</a:t>
+            </a:r>
+          </a:p>
+          <a:p>
+            <a:pPr marL="0" indent="0">
+              <a:spcBef>
+                <a:spcPts val="0"/>
+              </a:spcBef>
+              <a:buNone/>
+            </a:pPr>
+            <a:r>
+              <a:rPr lang="it-IT" sz="1400" b="1" dirty="0">
+                <a:latin typeface="Courier New" panose="02070309020205020404" pitchFamily="49" charset="0"/>
+                <a:cs typeface="Courier New" panose="02070309020205020404" pitchFamily="49" charset="0"/>
+              </a:rPr>
+              <a:t>         </a:t>
+            </a:r>
+            <a:r>
+              <a:rPr lang="it-IT" sz="1400" b="1" dirty="0" err="1">
+                <a:latin typeface="Courier New" panose="02070309020205020404" pitchFamily="49" charset="0"/>
+                <a:cs typeface="Courier New" panose="02070309020205020404" pitchFamily="49" charset="0"/>
+              </a:rPr>
+              <a:t>int</a:t>
+            </a:r>
+            <a:r>
+              <a:rPr lang="it-IT" sz="1400" b="1" dirty="0">
+                <a:latin typeface="Courier New" panose="02070309020205020404" pitchFamily="49" charset="0"/>
+                <a:cs typeface="Courier New" panose="02070309020205020404" pitchFamily="49" charset="0"/>
+              </a:rPr>
+              <a:t> </a:t>
+            </a:r>
+            <a:r>
+              <a:rPr lang="it-IT" sz="1400" b="1" dirty="0" err="1">
+                <a:latin typeface="Courier New" panose="02070309020205020404" pitchFamily="49" charset="0"/>
+                <a:cs typeface="Courier New" panose="02070309020205020404" pitchFamily="49" charset="0"/>
+              </a:rPr>
+              <a:t>getX</a:t>
+            </a:r>
+            <a:r>
+              <a:rPr lang="it-IT" sz="1400" b="1" dirty="0">
+                <a:latin typeface="Courier New" panose="02070309020205020404" pitchFamily="49" charset="0"/>
+                <a:cs typeface="Courier New" panose="02070309020205020404" pitchFamily="49" charset="0"/>
+              </a:rPr>
+              <a:t>() { </a:t>
+            </a:r>
+            <a:r>
+              <a:rPr lang="it-IT" sz="1400" b="1" dirty="0" err="1">
+                <a:latin typeface="Courier New" panose="02070309020205020404" pitchFamily="49" charset="0"/>
+                <a:cs typeface="Courier New" panose="02070309020205020404" pitchFamily="49" charset="0"/>
+              </a:rPr>
+              <a:t>return</a:t>
+            </a:r>
+            <a:r>
+              <a:rPr lang="it-IT" sz="1400" b="1" dirty="0">
+                <a:latin typeface="Courier New" panose="02070309020205020404" pitchFamily="49" charset="0"/>
+                <a:cs typeface="Courier New" panose="02070309020205020404" pitchFamily="49" charset="0"/>
+              </a:rPr>
+              <a:t> x; }</a:t>
+            </a:r>
+          </a:p>
+          <a:p>
+            <a:pPr marL="0" indent="0">
+              <a:spcBef>
+                <a:spcPts val="0"/>
+              </a:spcBef>
+              <a:buNone/>
+            </a:pPr>
+            <a:r>
+              <a:rPr lang="it-IT" sz="1400" b="1" dirty="0">
+                <a:latin typeface="Courier New" panose="02070309020205020404" pitchFamily="49" charset="0"/>
+                <a:cs typeface="Courier New" panose="02070309020205020404" pitchFamily="49" charset="0"/>
+              </a:rPr>
+              <a:t>        </a:t>
+            </a:r>
+            <a:r>
+              <a:rPr lang="it-IT" sz="1400" b="1" dirty="0" err="1">
+                <a:latin typeface="Courier New" panose="02070309020205020404" pitchFamily="49" charset="0"/>
+                <a:cs typeface="Courier New" panose="02070309020205020404" pitchFamily="49" charset="0"/>
+              </a:rPr>
+              <a:t>void</a:t>
+            </a:r>
+            <a:r>
+              <a:rPr lang="it-IT" sz="1400" b="1" dirty="0">
+                <a:latin typeface="Courier New" panose="02070309020205020404" pitchFamily="49" charset="0"/>
+                <a:cs typeface="Courier New" panose="02070309020205020404" pitchFamily="49" charset="0"/>
+              </a:rPr>
+              <a:t> </a:t>
+            </a:r>
+            <a:r>
+              <a:rPr lang="it-IT" sz="1400" b="1" dirty="0" err="1">
+                <a:latin typeface="Courier New" panose="02070309020205020404" pitchFamily="49" charset="0"/>
+                <a:cs typeface="Courier New" panose="02070309020205020404" pitchFamily="49" charset="0"/>
+              </a:rPr>
+              <a:t>setX</a:t>
+            </a:r>
+            <a:r>
+              <a:rPr lang="it-IT" sz="1400" b="1" dirty="0">
+                <a:latin typeface="Courier New" panose="02070309020205020404" pitchFamily="49" charset="0"/>
+                <a:cs typeface="Courier New" panose="02070309020205020404" pitchFamily="49" charset="0"/>
+              </a:rPr>
+              <a:t>( </a:t>
+            </a:r>
+            <a:r>
+              <a:rPr lang="it-IT" sz="1400" b="1" dirty="0" err="1">
+                <a:latin typeface="Courier New" panose="02070309020205020404" pitchFamily="49" charset="0"/>
+                <a:cs typeface="Courier New" panose="02070309020205020404" pitchFamily="49" charset="0"/>
+              </a:rPr>
+              <a:t>int</a:t>
+            </a:r>
+            <a:r>
+              <a:rPr lang="it-IT" sz="1400" b="1" dirty="0">
+                <a:latin typeface="Courier New" panose="02070309020205020404" pitchFamily="49" charset="0"/>
+                <a:cs typeface="Courier New" panose="02070309020205020404" pitchFamily="49" charset="0"/>
+              </a:rPr>
+              <a:t> val) { x = val; }</a:t>
+            </a:r>
+          </a:p>
+          <a:p>
+            <a:pPr marL="0" indent="0">
+              <a:spcBef>
+                <a:spcPts val="0"/>
+              </a:spcBef>
+              <a:buNone/>
+            </a:pPr>
+            <a:r>
+              <a:rPr lang="it-IT" sz="1400" b="1" dirty="0">
+                <a:latin typeface="Courier New" panose="02070309020205020404" pitchFamily="49" charset="0"/>
+                <a:cs typeface="Courier New" panose="02070309020205020404" pitchFamily="49" charset="0"/>
+              </a:rPr>
+              <a:t>         </a:t>
+            </a:r>
+            <a:r>
+              <a:rPr lang="it-IT" sz="1400" b="1" dirty="0" err="1">
+                <a:latin typeface="Courier New" panose="02070309020205020404" pitchFamily="49" charset="0"/>
+                <a:cs typeface="Courier New" panose="02070309020205020404" pitchFamily="49" charset="0"/>
+              </a:rPr>
+              <a:t>int</a:t>
+            </a:r>
+            <a:r>
+              <a:rPr lang="it-IT" sz="1400" b="1" dirty="0">
+                <a:latin typeface="Courier New" panose="02070309020205020404" pitchFamily="49" charset="0"/>
+                <a:cs typeface="Courier New" panose="02070309020205020404" pitchFamily="49" charset="0"/>
+              </a:rPr>
+              <a:t> </a:t>
+            </a:r>
+            <a:r>
+              <a:rPr lang="it-IT" sz="1400" b="1" dirty="0" err="1">
+                <a:latin typeface="Courier New" panose="02070309020205020404" pitchFamily="49" charset="0"/>
+                <a:cs typeface="Courier New" panose="02070309020205020404" pitchFamily="49" charset="0"/>
+              </a:rPr>
+              <a:t>getY</a:t>
+            </a:r>
+            <a:r>
+              <a:rPr lang="it-IT" sz="1400" b="1" dirty="0">
+                <a:latin typeface="Courier New" panose="02070309020205020404" pitchFamily="49" charset="0"/>
+                <a:cs typeface="Courier New" panose="02070309020205020404" pitchFamily="49" charset="0"/>
+              </a:rPr>
+              <a:t>() { </a:t>
+            </a:r>
+            <a:r>
+              <a:rPr lang="it-IT" sz="1400" b="1" dirty="0" err="1">
+                <a:latin typeface="Courier New" panose="02070309020205020404" pitchFamily="49" charset="0"/>
+                <a:cs typeface="Courier New" panose="02070309020205020404" pitchFamily="49" charset="0"/>
+              </a:rPr>
+              <a:t>return</a:t>
+            </a:r>
+            <a:r>
+              <a:rPr lang="it-IT" sz="1400" b="1" dirty="0">
+                <a:latin typeface="Courier New" panose="02070309020205020404" pitchFamily="49" charset="0"/>
+                <a:cs typeface="Courier New" panose="02070309020205020404" pitchFamily="49" charset="0"/>
+              </a:rPr>
+              <a:t> y; }</a:t>
+            </a:r>
+          </a:p>
+          <a:p>
+            <a:pPr marL="0" indent="0">
+              <a:spcBef>
+                <a:spcPts val="0"/>
+              </a:spcBef>
+              <a:buNone/>
+            </a:pPr>
+            <a:r>
+              <a:rPr lang="it-IT" sz="1400" b="1" dirty="0">
+                <a:latin typeface="Courier New" panose="02070309020205020404" pitchFamily="49" charset="0"/>
+                <a:cs typeface="Courier New" panose="02070309020205020404" pitchFamily="49" charset="0"/>
+              </a:rPr>
+              <a:t>        </a:t>
+            </a:r>
+            <a:r>
+              <a:rPr lang="it-IT" sz="1400" b="1" dirty="0" err="1">
+                <a:latin typeface="Courier New" panose="02070309020205020404" pitchFamily="49" charset="0"/>
+                <a:cs typeface="Courier New" panose="02070309020205020404" pitchFamily="49" charset="0"/>
+              </a:rPr>
+              <a:t>void</a:t>
+            </a:r>
+            <a:r>
+              <a:rPr lang="it-IT" sz="1400" b="1" dirty="0">
+                <a:latin typeface="Courier New" panose="02070309020205020404" pitchFamily="49" charset="0"/>
+                <a:cs typeface="Courier New" panose="02070309020205020404" pitchFamily="49" charset="0"/>
+              </a:rPr>
+              <a:t> </a:t>
+            </a:r>
+            <a:r>
+              <a:rPr lang="it-IT" sz="1400" b="1" dirty="0" err="1">
+                <a:latin typeface="Courier New" panose="02070309020205020404" pitchFamily="49" charset="0"/>
+                <a:cs typeface="Courier New" panose="02070309020205020404" pitchFamily="49" charset="0"/>
+              </a:rPr>
+              <a:t>setY</a:t>
+            </a:r>
+            <a:r>
+              <a:rPr lang="it-IT" sz="1400" b="1" dirty="0">
+                <a:latin typeface="Courier New" panose="02070309020205020404" pitchFamily="49" charset="0"/>
+                <a:cs typeface="Courier New" panose="02070309020205020404" pitchFamily="49" charset="0"/>
+              </a:rPr>
+              <a:t>( </a:t>
+            </a:r>
+            <a:r>
+              <a:rPr lang="it-IT" sz="1400" b="1" dirty="0" err="1">
+                <a:latin typeface="Courier New" panose="02070309020205020404" pitchFamily="49" charset="0"/>
+                <a:cs typeface="Courier New" panose="02070309020205020404" pitchFamily="49" charset="0"/>
+              </a:rPr>
+              <a:t>int</a:t>
+            </a:r>
+            <a:r>
+              <a:rPr lang="it-IT" sz="1400" b="1" dirty="0">
+                <a:latin typeface="Courier New" panose="02070309020205020404" pitchFamily="49" charset="0"/>
+                <a:cs typeface="Courier New" panose="02070309020205020404" pitchFamily="49" charset="0"/>
+              </a:rPr>
+              <a:t> val) { y = val; }</a:t>
+            </a:r>
+          </a:p>
+          <a:p>
+            <a:pPr marL="0" indent="0">
+              <a:spcBef>
+                <a:spcPts val="0"/>
+              </a:spcBef>
+              <a:buNone/>
+            </a:pPr>
+            <a:r>
+              <a:rPr lang="it-IT" sz="1400" b="1" dirty="0">
+                <a:latin typeface="Courier New" panose="02070309020205020404" pitchFamily="49" charset="0"/>
+                <a:cs typeface="Courier New" panose="02070309020205020404" pitchFamily="49" charset="0"/>
+              </a:rPr>
+              <a:t>        </a:t>
+            </a:r>
+            <a:r>
+              <a:rPr lang="it-IT" sz="1400" b="1" dirty="0" err="1">
+                <a:latin typeface="Courier New" panose="02070309020205020404" pitchFamily="49" charset="0"/>
+                <a:cs typeface="Courier New" panose="02070309020205020404" pitchFamily="49" charset="0"/>
+              </a:rPr>
+              <a:t>string</a:t>
+            </a:r>
+            <a:r>
+              <a:rPr lang="it-IT" sz="1400" b="1" dirty="0">
+                <a:latin typeface="Courier New" panose="02070309020205020404" pitchFamily="49" charset="0"/>
+                <a:cs typeface="Courier New" panose="02070309020205020404" pitchFamily="49" charset="0"/>
+              </a:rPr>
+              <a:t> </a:t>
+            </a:r>
+            <a:r>
+              <a:rPr lang="it-IT" sz="1400" b="1" dirty="0" err="1">
+                <a:latin typeface="Courier New" panose="02070309020205020404" pitchFamily="49" charset="0"/>
+                <a:cs typeface="Courier New" panose="02070309020205020404" pitchFamily="49" charset="0"/>
+              </a:rPr>
+              <a:t>toString</a:t>
+            </a:r>
+            <a:r>
+              <a:rPr lang="it-IT" sz="1400" b="1" dirty="0">
+                <a:latin typeface="Courier New" panose="02070309020205020404" pitchFamily="49" charset="0"/>
+                <a:cs typeface="Courier New" panose="02070309020205020404" pitchFamily="49" charset="0"/>
+              </a:rPr>
+              <a:t>();</a:t>
+            </a:r>
+          </a:p>
+          <a:p>
+            <a:pPr marL="0" indent="0">
+              <a:spcBef>
+                <a:spcPts val="0"/>
+              </a:spcBef>
+              <a:buNone/>
+            </a:pPr>
+            <a:r>
+              <a:rPr lang="it-IT" sz="1400" b="1" dirty="0">
+                <a:latin typeface="Courier New" panose="02070309020205020404" pitchFamily="49" charset="0"/>
+                <a:cs typeface="Courier New" panose="02070309020205020404" pitchFamily="49" charset="0"/>
+              </a:rPr>
+              <a:t>        </a:t>
+            </a:r>
+            <a:r>
+              <a:rPr lang="it-IT" sz="1400" b="1" dirty="0" err="1">
+                <a:latin typeface="Courier New" panose="02070309020205020404" pitchFamily="49" charset="0"/>
+                <a:cs typeface="Courier New" panose="02070309020205020404" pitchFamily="49" charset="0"/>
+              </a:rPr>
+              <a:t>int</a:t>
+            </a:r>
+            <a:r>
+              <a:rPr lang="it-IT" sz="1400" b="1" dirty="0">
+                <a:latin typeface="Courier New" panose="02070309020205020404" pitchFamily="49" charset="0"/>
+                <a:cs typeface="Courier New" panose="02070309020205020404" pitchFamily="49" charset="0"/>
+              </a:rPr>
+              <a:t> </a:t>
+            </a:r>
+            <a:r>
+              <a:rPr lang="it-IT" sz="1400" b="1" dirty="0" err="1">
+                <a:latin typeface="Courier New" panose="02070309020205020404" pitchFamily="49" charset="0"/>
+                <a:cs typeface="Courier New" panose="02070309020205020404" pitchFamily="49" charset="0"/>
+              </a:rPr>
+              <a:t>manhattanDistance</a:t>
+            </a:r>
+            <a:r>
+              <a:rPr lang="it-IT" sz="1400" b="1" dirty="0">
+                <a:latin typeface="Courier New" panose="02070309020205020404" pitchFamily="49" charset="0"/>
+                <a:cs typeface="Courier New" panose="02070309020205020404" pitchFamily="49" charset="0"/>
+              </a:rPr>
+              <a:t>(Punto);</a:t>
+            </a:r>
+          </a:p>
+          <a:p>
+            <a:pPr marL="0" indent="0">
+              <a:spcBef>
+                <a:spcPts val="0"/>
+              </a:spcBef>
+              <a:buNone/>
+            </a:pPr>
+            <a:r>
+              <a:rPr lang="it-IT" sz="1400" b="1" dirty="0">
+                <a:latin typeface="Courier New" panose="02070309020205020404" pitchFamily="49" charset="0"/>
+                <a:cs typeface="Courier New" panose="02070309020205020404" pitchFamily="49" charset="0"/>
+              </a:rPr>
+              <a:t>        double </a:t>
+            </a:r>
+            <a:r>
+              <a:rPr lang="it-IT" sz="1400" b="1" dirty="0" err="1">
+                <a:latin typeface="Courier New" panose="02070309020205020404" pitchFamily="49" charset="0"/>
+                <a:cs typeface="Courier New" panose="02070309020205020404" pitchFamily="49" charset="0"/>
+              </a:rPr>
+              <a:t>euclideanDistance</a:t>
+            </a:r>
+            <a:r>
+              <a:rPr lang="it-IT" sz="1400" b="1" dirty="0">
+                <a:latin typeface="Courier New" panose="02070309020205020404" pitchFamily="49" charset="0"/>
+                <a:cs typeface="Courier New" panose="02070309020205020404" pitchFamily="49" charset="0"/>
+              </a:rPr>
+              <a:t>(Punto);</a:t>
+            </a:r>
+          </a:p>
+          <a:p>
+            <a:pPr marL="0" indent="0">
+              <a:spcBef>
+                <a:spcPts val="0"/>
+              </a:spcBef>
+              <a:buNone/>
+            </a:pPr>
+            <a:r>
+              <a:rPr lang="it-IT" sz="1400" b="1" dirty="0">
+                <a:latin typeface="Courier New" panose="02070309020205020404" pitchFamily="49" charset="0"/>
+                <a:cs typeface="Courier New" panose="02070309020205020404" pitchFamily="49" charset="0"/>
+              </a:rPr>
+              <a:t>    private:</a:t>
+            </a:r>
+          </a:p>
+          <a:p>
+            <a:pPr marL="0" indent="0">
+              <a:spcBef>
+                <a:spcPts val="0"/>
+              </a:spcBef>
+              <a:buNone/>
+            </a:pPr>
+            <a:r>
+              <a:rPr lang="it-IT" sz="1400" b="1" dirty="0">
+                <a:latin typeface="Courier New" panose="02070309020205020404" pitchFamily="49" charset="0"/>
+                <a:cs typeface="Courier New" panose="02070309020205020404" pitchFamily="49" charset="0"/>
+              </a:rPr>
+              <a:t>         </a:t>
+            </a:r>
+            <a:r>
+              <a:rPr lang="it-IT" sz="1400" b="1" dirty="0" err="1">
+                <a:latin typeface="Courier New" panose="02070309020205020404" pitchFamily="49" charset="0"/>
+                <a:cs typeface="Courier New" panose="02070309020205020404" pitchFamily="49" charset="0"/>
+              </a:rPr>
+              <a:t>int</a:t>
+            </a:r>
+            <a:r>
+              <a:rPr lang="it-IT" sz="1400" b="1" dirty="0">
+                <a:latin typeface="Courier New" panose="02070309020205020404" pitchFamily="49" charset="0"/>
+                <a:cs typeface="Courier New" panose="02070309020205020404" pitchFamily="49" charset="0"/>
+              </a:rPr>
+              <a:t> x;</a:t>
+            </a:r>
+          </a:p>
+          <a:p>
+            <a:pPr marL="0" indent="0">
+              <a:spcBef>
+                <a:spcPts val="0"/>
+              </a:spcBef>
+              <a:buNone/>
+            </a:pPr>
+            <a:r>
+              <a:rPr lang="it-IT" sz="1400" b="1" dirty="0">
+                <a:latin typeface="Courier New" panose="02070309020205020404" pitchFamily="49" charset="0"/>
+                <a:cs typeface="Courier New" panose="02070309020205020404" pitchFamily="49" charset="0"/>
+              </a:rPr>
+              <a:t>         </a:t>
+            </a:r>
+            <a:r>
+              <a:rPr lang="it-IT" sz="1400" b="1" dirty="0" err="1">
+                <a:latin typeface="Courier New" panose="02070309020205020404" pitchFamily="49" charset="0"/>
+                <a:cs typeface="Courier New" panose="02070309020205020404" pitchFamily="49" charset="0"/>
+              </a:rPr>
+              <a:t>int</a:t>
+            </a:r>
+            <a:r>
+              <a:rPr lang="it-IT" sz="1400" b="1" dirty="0">
+                <a:latin typeface="Courier New" panose="02070309020205020404" pitchFamily="49" charset="0"/>
+                <a:cs typeface="Courier New" panose="02070309020205020404" pitchFamily="49" charset="0"/>
+              </a:rPr>
+              <a:t> y;</a:t>
+            </a:r>
+          </a:p>
+          <a:p>
+            <a:pPr marL="0" indent="0">
+              <a:spcBef>
+                <a:spcPts val="0"/>
+              </a:spcBef>
+              <a:buNone/>
+            </a:pPr>
+            <a:r>
+              <a:rPr lang="it-IT" sz="1400" b="1" dirty="0">
+                <a:latin typeface="Courier New" panose="02070309020205020404" pitchFamily="49" charset="0"/>
+                <a:cs typeface="Courier New" panose="02070309020205020404" pitchFamily="49" charset="0"/>
+              </a:rPr>
+              <a:t>};</a:t>
+            </a:r>
+          </a:p>
+          <a:p>
+            <a:pPr marL="0" indent="0">
+              <a:spcBef>
+                <a:spcPts val="0"/>
+              </a:spcBef>
+              <a:buNone/>
+            </a:pPr>
+            <a:r>
+              <a:rPr lang="it-IT" sz="1400" b="1" dirty="0">
+                <a:latin typeface="Courier New" panose="02070309020205020404" pitchFamily="49" charset="0"/>
+                <a:cs typeface="Courier New" panose="02070309020205020404" pitchFamily="49" charset="0"/>
+              </a:rPr>
+              <a:t>#</a:t>
+            </a:r>
+            <a:r>
+              <a:rPr lang="it-IT" sz="1400" b="1" dirty="0" err="1">
+                <a:latin typeface="Courier New" panose="02070309020205020404" pitchFamily="49" charset="0"/>
+                <a:cs typeface="Courier New" panose="02070309020205020404" pitchFamily="49" charset="0"/>
+              </a:rPr>
+              <a:t>endif</a:t>
+            </a:r>
+            <a:r>
+              <a:rPr lang="it-IT" sz="1400" b="1" dirty="0">
+                <a:latin typeface="Courier New" panose="02070309020205020404" pitchFamily="49" charset="0"/>
+                <a:cs typeface="Courier New" panose="02070309020205020404" pitchFamily="49" charset="0"/>
+              </a:rPr>
+              <a:t> // PUNTO_H</a:t>
+            </a:r>
+          </a:p>
+        </p:txBody>
+      </p:sp>
+      <p:sp>
+        <p:nvSpPr>
+          <p:cNvPr id="6" name="Segnaposto contenuto 5">
+            <a:extLst>
+              <a:ext uri="{FF2B5EF4-FFF2-40B4-BE49-F238E27FC236}">
+                <a16:creationId xmlns:a16="http://schemas.microsoft.com/office/drawing/2014/main" id="{ED6657CB-B723-42C1-ABC4-850B1C3FE62E}"/>
+              </a:ext>
+            </a:extLst>
+          </p:cNvPr>
+          <p:cNvSpPr>
+            <a:spLocks noGrp="1"/>
+          </p:cNvSpPr>
+          <p:nvPr>
+            <p:ph sz="half" idx="2"/>
+          </p:nvPr>
+        </p:nvSpPr>
+        <p:spPr/>
+        <p:txBody>
+          <a:bodyPr/>
+          <a:lstStyle/>
+          <a:p>
+            <a:r>
+              <a:rPr lang="it-IT" sz="2000" dirty="0"/>
+              <a:t>file </a:t>
+            </a:r>
+            <a:r>
+              <a:rPr lang="it-IT" sz="2000" b="1" dirty="0" err="1">
+                <a:latin typeface="Courier New" panose="02070309020205020404" pitchFamily="49" charset="0"/>
+                <a:cs typeface="Courier New" panose="02070309020205020404" pitchFamily="49" charset="0"/>
+              </a:rPr>
+              <a:t>Punto.h</a:t>
+            </a:r>
+            <a:endParaRPr lang="it-IT" sz="2000" b="1" dirty="0">
+              <a:latin typeface="Courier New" panose="02070309020205020404" pitchFamily="49" charset="0"/>
+              <a:cs typeface="Courier New" panose="02070309020205020404" pitchFamily="49" charset="0"/>
+            </a:endParaRPr>
+          </a:p>
+          <a:p>
+            <a:r>
+              <a:rPr lang="it-IT" sz="2000" dirty="0"/>
+              <a:t>due </a:t>
+            </a:r>
+            <a:r>
+              <a:rPr lang="it-IT" sz="2000" b="1" i="1" dirty="0"/>
+              <a:t>costruttori</a:t>
+            </a:r>
+          </a:p>
+          <a:p>
+            <a:pPr marL="400050" lvl="1" indent="0">
+              <a:buNone/>
+            </a:pPr>
+            <a:r>
+              <a:rPr lang="it-IT" sz="1600" b="1" dirty="0">
+                <a:latin typeface="Courier New" panose="02070309020205020404" pitchFamily="49" charset="0"/>
+                <a:cs typeface="Courier New" panose="02070309020205020404" pitchFamily="49" charset="0"/>
+              </a:rPr>
+              <a:t>Punto();</a:t>
+            </a:r>
+          </a:p>
+          <a:p>
+            <a:pPr marL="400050" lvl="1" indent="0">
+              <a:buNone/>
+            </a:pPr>
+            <a:r>
+              <a:rPr lang="it-IT" sz="1600" b="1" dirty="0">
+                <a:latin typeface="Courier New" panose="02070309020205020404" pitchFamily="49" charset="0"/>
+                <a:cs typeface="Courier New" panose="02070309020205020404" pitchFamily="49" charset="0"/>
+              </a:rPr>
+              <a:t>Punto(</a:t>
+            </a:r>
+            <a:r>
+              <a:rPr lang="it-IT" sz="1600" b="1" dirty="0" err="1">
+                <a:latin typeface="Courier New" panose="02070309020205020404" pitchFamily="49" charset="0"/>
+                <a:cs typeface="Courier New" panose="02070309020205020404" pitchFamily="49" charset="0"/>
+              </a:rPr>
+              <a:t>int</a:t>
+            </a:r>
+            <a:r>
+              <a:rPr lang="it-IT" sz="1600" b="1" dirty="0">
+                <a:latin typeface="Courier New" panose="02070309020205020404" pitchFamily="49" charset="0"/>
+                <a:cs typeface="Courier New" panose="02070309020205020404" pitchFamily="49" charset="0"/>
+              </a:rPr>
+              <a:t>, </a:t>
+            </a:r>
+            <a:r>
+              <a:rPr lang="it-IT" sz="1600" b="1" dirty="0" err="1">
+                <a:latin typeface="Courier New" panose="02070309020205020404" pitchFamily="49" charset="0"/>
+                <a:cs typeface="Courier New" panose="02070309020205020404" pitchFamily="49" charset="0"/>
+              </a:rPr>
+              <a:t>int</a:t>
+            </a:r>
+            <a:r>
+              <a:rPr lang="it-IT" sz="1600" b="1" dirty="0">
+                <a:latin typeface="Courier New" panose="02070309020205020404" pitchFamily="49" charset="0"/>
+                <a:cs typeface="Courier New" panose="02070309020205020404" pitchFamily="49" charset="0"/>
+              </a:rPr>
+              <a:t>);</a:t>
+            </a:r>
+          </a:p>
+          <a:p>
+            <a:r>
+              <a:rPr lang="it-IT" sz="2000" b="1" i="1" dirty="0"/>
+              <a:t>dichiarazione e definizione </a:t>
+            </a:r>
+            <a:r>
+              <a:rPr lang="it-IT" sz="2000" dirty="0"/>
+              <a:t>di funzioni membro </a:t>
+            </a:r>
+            <a:r>
+              <a:rPr lang="it-IT" sz="2000" dirty="0" err="1"/>
+              <a:t>accessor</a:t>
+            </a:r>
+            <a:r>
+              <a:rPr lang="it-IT" sz="2000" dirty="0"/>
+              <a:t> e mutator</a:t>
+            </a:r>
+          </a:p>
+          <a:p>
+            <a:pPr marL="457200" lvl="1" indent="0">
+              <a:buNone/>
+            </a:pPr>
+            <a:r>
+              <a:rPr lang="it-IT" sz="1600" b="1" dirty="0" err="1">
+                <a:latin typeface="Courier New" panose="02070309020205020404" pitchFamily="49" charset="0"/>
+                <a:cs typeface="Courier New" panose="02070309020205020404" pitchFamily="49" charset="0"/>
+              </a:rPr>
+              <a:t>getX</a:t>
+            </a:r>
+            <a:r>
+              <a:rPr lang="it-IT" sz="1600" b="1" dirty="0">
+                <a:latin typeface="Courier New" panose="02070309020205020404" pitchFamily="49" charset="0"/>
+                <a:cs typeface="Courier New" panose="02070309020205020404" pitchFamily="49" charset="0"/>
+              </a:rPr>
+              <a:t>, </a:t>
+            </a:r>
+            <a:r>
+              <a:rPr lang="it-IT" sz="1600" b="1" dirty="0" err="1">
+                <a:latin typeface="Courier New" panose="02070309020205020404" pitchFamily="49" charset="0"/>
+                <a:cs typeface="Courier New" panose="02070309020205020404" pitchFamily="49" charset="0"/>
+              </a:rPr>
+              <a:t>setX</a:t>
+            </a:r>
+            <a:r>
+              <a:rPr lang="it-IT" sz="1600" b="1" dirty="0">
+                <a:latin typeface="Courier New" panose="02070309020205020404" pitchFamily="49" charset="0"/>
+                <a:cs typeface="Courier New" panose="02070309020205020404" pitchFamily="49" charset="0"/>
+              </a:rPr>
+              <a:t>, </a:t>
+            </a:r>
+            <a:r>
+              <a:rPr lang="it-IT" sz="1600" b="1" dirty="0" err="1">
+                <a:latin typeface="Courier New" panose="02070309020205020404" pitchFamily="49" charset="0"/>
+                <a:cs typeface="Courier New" panose="02070309020205020404" pitchFamily="49" charset="0"/>
+              </a:rPr>
+              <a:t>getY</a:t>
+            </a:r>
+            <a:r>
+              <a:rPr lang="it-IT" sz="1600" b="1" dirty="0">
+                <a:latin typeface="Courier New" panose="02070309020205020404" pitchFamily="49" charset="0"/>
+                <a:cs typeface="Courier New" panose="02070309020205020404" pitchFamily="49" charset="0"/>
+              </a:rPr>
+              <a:t>, </a:t>
+            </a:r>
+            <a:r>
+              <a:rPr lang="it-IT" sz="1600" b="1" dirty="0" err="1">
+                <a:latin typeface="Courier New" panose="02070309020205020404" pitchFamily="49" charset="0"/>
+                <a:cs typeface="Courier New" panose="02070309020205020404" pitchFamily="49" charset="0"/>
+              </a:rPr>
+              <a:t>setY</a:t>
+            </a:r>
+            <a:endParaRPr lang="it-IT" sz="1600" b="1" dirty="0">
+              <a:latin typeface="Courier New" panose="02070309020205020404" pitchFamily="49" charset="0"/>
+              <a:cs typeface="Courier New" panose="02070309020205020404" pitchFamily="49" charset="0"/>
+            </a:endParaRPr>
+          </a:p>
+          <a:p>
+            <a:r>
+              <a:rPr lang="it-IT" sz="2000" b="1" i="1" dirty="0"/>
+              <a:t>dichiarazione</a:t>
+            </a:r>
+            <a:r>
+              <a:rPr lang="it-IT" sz="2000" dirty="0"/>
+              <a:t> di funzioni membro</a:t>
+            </a:r>
+          </a:p>
+          <a:p>
+            <a:pPr marL="457200" lvl="1" indent="0">
+              <a:buNone/>
+            </a:pPr>
+            <a:r>
+              <a:rPr lang="it-IT" sz="1600" b="1" dirty="0" err="1">
+                <a:latin typeface="Courier New" panose="02070309020205020404" pitchFamily="49" charset="0"/>
+                <a:cs typeface="Courier New" panose="02070309020205020404" pitchFamily="49" charset="0"/>
+              </a:rPr>
+              <a:t>toString</a:t>
+            </a:r>
+            <a:r>
+              <a:rPr lang="it-IT" sz="1600" b="1" dirty="0">
+                <a:latin typeface="Courier New" panose="02070309020205020404" pitchFamily="49" charset="0"/>
+                <a:cs typeface="Courier New" panose="02070309020205020404" pitchFamily="49" charset="0"/>
+              </a:rPr>
+              <a:t>, </a:t>
+            </a:r>
+            <a:r>
+              <a:rPr lang="it-IT" sz="1600" b="1" dirty="0" err="1">
+                <a:latin typeface="Courier New" panose="02070309020205020404" pitchFamily="49" charset="0"/>
+                <a:cs typeface="Courier New" panose="02070309020205020404" pitchFamily="49" charset="0"/>
+              </a:rPr>
+              <a:t>manhattanDistance</a:t>
+            </a:r>
+            <a:r>
+              <a:rPr lang="it-IT" sz="1600" b="1" dirty="0">
+                <a:latin typeface="Courier New" panose="02070309020205020404" pitchFamily="49" charset="0"/>
+                <a:cs typeface="Courier New" panose="02070309020205020404" pitchFamily="49" charset="0"/>
+              </a:rPr>
+              <a:t>, </a:t>
+            </a:r>
+            <a:r>
+              <a:rPr lang="it-IT" sz="1600" b="1" dirty="0" err="1">
+                <a:latin typeface="Courier New" panose="02070309020205020404" pitchFamily="49" charset="0"/>
+                <a:cs typeface="Courier New" panose="02070309020205020404" pitchFamily="49" charset="0"/>
+              </a:rPr>
+              <a:t>euclideanDistance</a:t>
+            </a:r>
+            <a:endParaRPr lang="it-IT" sz="1600" b="1" dirty="0">
+              <a:latin typeface="Courier New" panose="02070309020205020404" pitchFamily="49" charset="0"/>
+              <a:cs typeface="Courier New" panose="02070309020205020404" pitchFamily="49" charset="0"/>
+            </a:endParaRPr>
+          </a:p>
+          <a:p>
+            <a:r>
+              <a:rPr lang="it-IT" sz="2000" dirty="0"/>
+              <a:t>variabili membro private </a:t>
+            </a:r>
+          </a:p>
+          <a:p>
+            <a:pPr marL="457200" lvl="1" indent="0">
+              <a:buNone/>
+            </a:pPr>
+            <a:r>
+              <a:rPr lang="it-IT" sz="1600" b="1" dirty="0">
+                <a:latin typeface="Courier New" panose="02070309020205020404" pitchFamily="49" charset="0"/>
+                <a:cs typeface="Courier New" panose="02070309020205020404" pitchFamily="49" charset="0"/>
+              </a:rPr>
+              <a:t>x, y</a:t>
+            </a:r>
+          </a:p>
+        </p:txBody>
+      </p:sp>
+      <p:sp>
+        <p:nvSpPr>
+          <p:cNvPr id="3" name="Segnaposto piè di pagina 2">
+            <a:extLst>
+              <a:ext uri="{FF2B5EF4-FFF2-40B4-BE49-F238E27FC236}">
+                <a16:creationId xmlns:a16="http://schemas.microsoft.com/office/drawing/2014/main" id="{141AFC4D-ED2A-4C45-AE45-B18D3D52BCFD}"/>
+              </a:ext>
+            </a:extLst>
+          </p:cNvPr>
+          <p:cNvSpPr>
+            <a:spLocks noGrp="1"/>
+          </p:cNvSpPr>
+          <p:nvPr>
+            <p:ph type="ftr" sz="quarter" idx="11"/>
+          </p:nvPr>
+        </p:nvSpPr>
+        <p:spPr/>
+        <p:txBody>
+          <a:bodyPr/>
+          <a:lstStyle/>
+          <a:p>
+            <a:pPr>
+              <a:defRPr/>
+            </a:pPr>
+            <a:r>
+              <a:rPr lang="it-IT"/>
+              <a:t>Alberto Ferrari – Programmazione di applicazioni SW</a:t>
+            </a:r>
+            <a:endParaRPr lang="it-IT" dirty="0"/>
+          </a:p>
+        </p:txBody>
+      </p:sp>
+    </p:spTree>
+    <p:extLst>
+      <p:ext uri="{BB962C8B-B14F-4D97-AF65-F5344CB8AC3E}">
+        <p14:creationId xmlns:p14="http://schemas.microsoft.com/office/powerpoint/2010/main" val="3768312066"/>
+      </p:ext>
+    </p:extLst>
+  </p:cSld>
+  <p:clrMapOvr>
+    <a:masterClrMapping/>
+  </p:clrMapOvr>
+</p:sld>
+</file>
+
+<file path=ppt/slides/slide41.xml><?xml version="1.0" encoding="utf-8"?>
+<p:sld xmlns:a="http://schemas.openxmlformats.org/drawingml/2006/main" xmlns:r="http://schemas.openxmlformats.org/officeDocument/2006/relationships" xmlns:p="http://schemas.openxmlformats.org/presentationml/2006/main">
+  <p:cSld>
+    <p:spTree>
+      <p:nvGrpSpPr>
+        <p:cNvPr id="1" name=""/>
+        <p:cNvGrpSpPr/>
+        <p:nvPr/>
+      </p:nvGrpSpPr>
+      <p:grpSpPr>
+        <a:xfrm>
+          <a:off x="0" y="0"/>
+          <a:ext cx="0" cy="0"/>
+          <a:chOff x="0" y="0"/>
+          <a:chExt cx="0" cy="0"/>
+        </a:xfrm>
+      </p:grpSpPr>
+      <p:sp>
+        <p:nvSpPr>
+          <p:cNvPr id="4" name="Titolo 3">
+            <a:extLst>
+              <a:ext uri="{FF2B5EF4-FFF2-40B4-BE49-F238E27FC236}">
+                <a16:creationId xmlns:a16="http://schemas.microsoft.com/office/drawing/2014/main" id="{F07B9562-26CA-4A3E-8CD9-3DC0D19344B5}"/>
+              </a:ext>
+            </a:extLst>
+          </p:cNvPr>
+          <p:cNvSpPr>
+            <a:spLocks noGrp="1"/>
+          </p:cNvSpPr>
+          <p:nvPr>
+            <p:ph type="title"/>
+          </p:nvPr>
+        </p:nvSpPr>
+        <p:spPr/>
+        <p:txBody>
+          <a:bodyPr/>
+          <a:lstStyle/>
+          <a:p>
+            <a:r>
+              <a:rPr lang="it-IT" dirty="0"/>
+              <a:t>esempio: file implementazione</a:t>
+            </a:r>
+          </a:p>
+        </p:txBody>
+      </p:sp>
+      <p:sp>
+        <p:nvSpPr>
+          <p:cNvPr id="5" name="Segnaposto contenuto 4">
+            <a:extLst>
+              <a:ext uri="{FF2B5EF4-FFF2-40B4-BE49-F238E27FC236}">
+                <a16:creationId xmlns:a16="http://schemas.microsoft.com/office/drawing/2014/main" id="{74EB2B6D-DA9E-4FAB-B2D8-D1D870A4B449}"/>
+              </a:ext>
+            </a:extLst>
+          </p:cNvPr>
+          <p:cNvSpPr>
+            <a:spLocks noGrp="1"/>
+          </p:cNvSpPr>
+          <p:nvPr>
+            <p:ph sz="half" idx="1"/>
+          </p:nvPr>
+        </p:nvSpPr>
+        <p:spPr/>
+        <p:txBody>
+          <a:bodyPr/>
+          <a:lstStyle/>
+          <a:p>
+            <a:pPr marL="0" indent="0">
+              <a:spcBef>
+                <a:spcPts val="0"/>
+              </a:spcBef>
+              <a:buNone/>
+            </a:pPr>
+            <a:r>
+              <a:rPr lang="it-IT" sz="1400" b="1" dirty="0">
+                <a:latin typeface="Courier New" panose="02070309020205020404" pitchFamily="49" charset="0"/>
+                <a:cs typeface="Courier New" panose="02070309020205020404" pitchFamily="49" charset="0"/>
+              </a:rPr>
+              <a:t>#include &lt;</a:t>
+            </a:r>
+            <a:r>
+              <a:rPr lang="it-IT" sz="1400" b="1" dirty="0" err="1">
+                <a:latin typeface="Courier New" panose="02070309020205020404" pitchFamily="49" charset="0"/>
+                <a:cs typeface="Courier New" panose="02070309020205020404" pitchFamily="49" charset="0"/>
+              </a:rPr>
+              <a:t>string</a:t>
+            </a:r>
+            <a:r>
+              <a:rPr lang="it-IT" sz="1400" b="1" dirty="0">
+                <a:latin typeface="Courier New" panose="02070309020205020404" pitchFamily="49" charset="0"/>
+                <a:cs typeface="Courier New" panose="02070309020205020404" pitchFamily="49" charset="0"/>
+              </a:rPr>
+              <a:t>&gt;</a:t>
+            </a:r>
+          </a:p>
+          <a:p>
+            <a:pPr marL="0" indent="0">
+              <a:spcBef>
+                <a:spcPts val="0"/>
+              </a:spcBef>
+              <a:buNone/>
+            </a:pPr>
+            <a:r>
+              <a:rPr lang="it-IT" sz="1400" b="1" dirty="0">
+                <a:latin typeface="Courier New" panose="02070309020205020404" pitchFamily="49" charset="0"/>
+                <a:cs typeface="Courier New" panose="02070309020205020404" pitchFamily="49" charset="0"/>
+              </a:rPr>
+              <a:t>#include &lt;</a:t>
+            </a:r>
+            <a:r>
+              <a:rPr lang="it-IT" sz="1400" b="1" dirty="0" err="1">
+                <a:latin typeface="Courier New" panose="02070309020205020404" pitchFamily="49" charset="0"/>
+                <a:cs typeface="Courier New" panose="02070309020205020404" pitchFamily="49" charset="0"/>
+              </a:rPr>
+              <a:t>cmath</a:t>
+            </a:r>
+            <a:r>
+              <a:rPr lang="it-IT" sz="1400" b="1" dirty="0">
+                <a:latin typeface="Courier New" panose="02070309020205020404" pitchFamily="49" charset="0"/>
+                <a:cs typeface="Courier New" panose="02070309020205020404" pitchFamily="49" charset="0"/>
+              </a:rPr>
+              <a:t>&gt;</a:t>
+            </a:r>
+          </a:p>
+          <a:p>
+            <a:pPr marL="0" indent="0">
+              <a:spcBef>
+                <a:spcPts val="0"/>
+              </a:spcBef>
+              <a:buNone/>
+            </a:pPr>
+            <a:r>
+              <a:rPr lang="it-IT" sz="1400" b="1" dirty="0" err="1">
+                <a:latin typeface="Courier New" panose="02070309020205020404" pitchFamily="49" charset="0"/>
+                <a:cs typeface="Courier New" panose="02070309020205020404" pitchFamily="49" charset="0"/>
+              </a:rPr>
+              <a:t>using</a:t>
+            </a:r>
+            <a:r>
+              <a:rPr lang="it-IT" sz="1400" b="1" dirty="0">
+                <a:latin typeface="Courier New" panose="02070309020205020404" pitchFamily="49" charset="0"/>
+                <a:cs typeface="Courier New" panose="02070309020205020404" pitchFamily="49" charset="0"/>
+              </a:rPr>
+              <a:t> </a:t>
+            </a:r>
+            <a:r>
+              <a:rPr lang="it-IT" sz="1400" b="1" dirty="0" err="1">
+                <a:latin typeface="Courier New" panose="02070309020205020404" pitchFamily="49" charset="0"/>
+                <a:cs typeface="Courier New" panose="02070309020205020404" pitchFamily="49" charset="0"/>
+              </a:rPr>
+              <a:t>namespace</a:t>
+            </a:r>
+            <a:r>
+              <a:rPr lang="it-IT" sz="1400" b="1" dirty="0">
+                <a:latin typeface="Courier New" panose="02070309020205020404" pitchFamily="49" charset="0"/>
+                <a:cs typeface="Courier New" panose="02070309020205020404" pitchFamily="49" charset="0"/>
+              </a:rPr>
+              <a:t> </a:t>
+            </a:r>
+            <a:r>
+              <a:rPr lang="it-IT" sz="1400" b="1" dirty="0" err="1">
+                <a:latin typeface="Courier New" panose="02070309020205020404" pitchFamily="49" charset="0"/>
+                <a:cs typeface="Courier New" panose="02070309020205020404" pitchFamily="49" charset="0"/>
+              </a:rPr>
+              <a:t>std</a:t>
+            </a:r>
+            <a:r>
+              <a:rPr lang="it-IT" sz="1400" b="1" dirty="0">
+                <a:latin typeface="Courier New" panose="02070309020205020404" pitchFamily="49" charset="0"/>
+                <a:cs typeface="Courier New" panose="02070309020205020404" pitchFamily="49" charset="0"/>
+              </a:rPr>
+              <a:t>;</a:t>
+            </a:r>
+          </a:p>
+          <a:p>
+            <a:pPr marL="0" indent="0">
+              <a:spcBef>
+                <a:spcPts val="0"/>
+              </a:spcBef>
+              <a:buNone/>
+            </a:pPr>
+            <a:endParaRPr lang="it-IT" sz="1400" b="1" dirty="0">
+              <a:latin typeface="Courier New" panose="02070309020205020404" pitchFamily="49" charset="0"/>
+              <a:cs typeface="Courier New" panose="02070309020205020404" pitchFamily="49" charset="0"/>
+            </a:endParaRPr>
+          </a:p>
+          <a:p>
+            <a:pPr marL="0" indent="0">
+              <a:spcBef>
+                <a:spcPts val="0"/>
+              </a:spcBef>
+              <a:buNone/>
+            </a:pPr>
+            <a:r>
+              <a:rPr lang="it-IT" sz="1400" b="1" dirty="0">
+                <a:latin typeface="Courier New" panose="02070309020205020404" pitchFamily="49" charset="0"/>
+                <a:cs typeface="Courier New" panose="02070309020205020404" pitchFamily="49" charset="0"/>
+              </a:rPr>
+              <a:t>Punto::Punto(): x(0), y(0) {}</a:t>
+            </a:r>
+          </a:p>
+          <a:p>
+            <a:pPr marL="0" indent="0">
+              <a:spcBef>
+                <a:spcPts val="0"/>
+              </a:spcBef>
+              <a:buNone/>
+            </a:pPr>
+            <a:r>
+              <a:rPr lang="it-IT" sz="1400" b="1" dirty="0">
+                <a:latin typeface="Courier New" panose="02070309020205020404" pitchFamily="49" charset="0"/>
+                <a:cs typeface="Courier New" panose="02070309020205020404" pitchFamily="49" charset="0"/>
+              </a:rPr>
+              <a:t>Punto::Punto(</a:t>
+            </a:r>
+            <a:r>
+              <a:rPr lang="it-IT" sz="1400" b="1" dirty="0" err="1">
+                <a:latin typeface="Courier New" panose="02070309020205020404" pitchFamily="49" charset="0"/>
+                <a:cs typeface="Courier New" panose="02070309020205020404" pitchFamily="49" charset="0"/>
+              </a:rPr>
+              <a:t>int</a:t>
+            </a:r>
+            <a:r>
+              <a:rPr lang="it-IT" sz="1400" b="1" dirty="0">
+                <a:latin typeface="Courier New" panose="02070309020205020404" pitchFamily="49" charset="0"/>
+                <a:cs typeface="Courier New" panose="02070309020205020404" pitchFamily="49" charset="0"/>
+              </a:rPr>
+              <a:t> </a:t>
+            </a:r>
+            <a:r>
+              <a:rPr lang="it-IT" sz="1400" b="1" dirty="0" err="1">
+                <a:latin typeface="Courier New" panose="02070309020205020404" pitchFamily="49" charset="0"/>
+                <a:cs typeface="Courier New" panose="02070309020205020404" pitchFamily="49" charset="0"/>
+              </a:rPr>
+              <a:t>v_x</a:t>
+            </a:r>
+            <a:r>
+              <a:rPr lang="it-IT" sz="1400" b="1" dirty="0">
+                <a:latin typeface="Courier New" panose="02070309020205020404" pitchFamily="49" charset="0"/>
+                <a:cs typeface="Courier New" panose="02070309020205020404" pitchFamily="49" charset="0"/>
+              </a:rPr>
+              <a:t>, </a:t>
+            </a:r>
+            <a:r>
+              <a:rPr lang="it-IT" sz="1400" b="1" dirty="0" err="1">
+                <a:latin typeface="Courier New" panose="02070309020205020404" pitchFamily="49" charset="0"/>
+                <a:cs typeface="Courier New" panose="02070309020205020404" pitchFamily="49" charset="0"/>
+              </a:rPr>
+              <a:t>int</a:t>
+            </a:r>
+            <a:r>
+              <a:rPr lang="it-IT" sz="1400" b="1" dirty="0">
+                <a:latin typeface="Courier New" panose="02070309020205020404" pitchFamily="49" charset="0"/>
+                <a:cs typeface="Courier New" panose="02070309020205020404" pitchFamily="49" charset="0"/>
+              </a:rPr>
+              <a:t> </a:t>
+            </a:r>
+            <a:r>
+              <a:rPr lang="it-IT" sz="1400" b="1" dirty="0" err="1">
+                <a:latin typeface="Courier New" panose="02070309020205020404" pitchFamily="49" charset="0"/>
+                <a:cs typeface="Courier New" panose="02070309020205020404" pitchFamily="49" charset="0"/>
+              </a:rPr>
+              <a:t>v_y</a:t>
+            </a:r>
+            <a:r>
+              <a:rPr lang="it-IT" sz="1400" b="1" dirty="0">
+                <a:latin typeface="Courier New" panose="02070309020205020404" pitchFamily="49" charset="0"/>
+                <a:cs typeface="Courier New" panose="02070309020205020404" pitchFamily="49" charset="0"/>
+              </a:rPr>
+              <a:t>): x(</a:t>
+            </a:r>
+            <a:r>
+              <a:rPr lang="it-IT" sz="1400" b="1" dirty="0" err="1">
+                <a:latin typeface="Courier New" panose="02070309020205020404" pitchFamily="49" charset="0"/>
+                <a:cs typeface="Courier New" panose="02070309020205020404" pitchFamily="49" charset="0"/>
+              </a:rPr>
+              <a:t>v_x</a:t>
+            </a:r>
+            <a:r>
+              <a:rPr lang="it-IT" sz="1400" b="1" dirty="0">
+                <a:latin typeface="Courier New" panose="02070309020205020404" pitchFamily="49" charset="0"/>
+                <a:cs typeface="Courier New" panose="02070309020205020404" pitchFamily="49" charset="0"/>
+              </a:rPr>
+              <a:t>), y(</a:t>
+            </a:r>
+            <a:r>
+              <a:rPr lang="it-IT" sz="1400" b="1" dirty="0" err="1">
+                <a:latin typeface="Courier New" panose="02070309020205020404" pitchFamily="49" charset="0"/>
+                <a:cs typeface="Courier New" panose="02070309020205020404" pitchFamily="49" charset="0"/>
+              </a:rPr>
+              <a:t>v_y</a:t>
+            </a:r>
+            <a:r>
+              <a:rPr lang="it-IT" sz="1400" b="1" dirty="0">
+                <a:latin typeface="Courier New" panose="02070309020205020404" pitchFamily="49" charset="0"/>
+                <a:cs typeface="Courier New" panose="02070309020205020404" pitchFamily="49" charset="0"/>
+              </a:rPr>
+              <a:t>){}</a:t>
+            </a:r>
+          </a:p>
+          <a:p>
+            <a:pPr marL="0" indent="0">
+              <a:spcBef>
+                <a:spcPts val="0"/>
+              </a:spcBef>
+              <a:buNone/>
+            </a:pPr>
+            <a:endParaRPr lang="it-IT" sz="1400" b="1" dirty="0">
+              <a:latin typeface="Courier New" panose="02070309020205020404" pitchFamily="49" charset="0"/>
+              <a:cs typeface="Courier New" panose="02070309020205020404" pitchFamily="49" charset="0"/>
+            </a:endParaRPr>
+          </a:p>
+          <a:p>
+            <a:pPr marL="0" indent="0">
+              <a:spcBef>
+                <a:spcPts val="0"/>
+              </a:spcBef>
+              <a:buNone/>
+            </a:pPr>
+            <a:r>
+              <a:rPr lang="it-IT" sz="1400" b="1" dirty="0" err="1">
+                <a:latin typeface="Courier New" panose="02070309020205020404" pitchFamily="49" charset="0"/>
+                <a:cs typeface="Courier New" panose="02070309020205020404" pitchFamily="49" charset="0"/>
+              </a:rPr>
+              <a:t>string</a:t>
+            </a:r>
+            <a:r>
+              <a:rPr lang="it-IT" sz="1400" b="1" dirty="0">
+                <a:latin typeface="Courier New" panose="02070309020205020404" pitchFamily="49" charset="0"/>
+                <a:cs typeface="Courier New" panose="02070309020205020404" pitchFamily="49" charset="0"/>
+              </a:rPr>
+              <a:t> Punto::</a:t>
+            </a:r>
+            <a:r>
+              <a:rPr lang="it-IT" sz="1400" b="1" dirty="0" err="1">
+                <a:latin typeface="Courier New" panose="02070309020205020404" pitchFamily="49" charset="0"/>
+                <a:cs typeface="Courier New" panose="02070309020205020404" pitchFamily="49" charset="0"/>
+              </a:rPr>
+              <a:t>toString</a:t>
+            </a:r>
+            <a:r>
+              <a:rPr lang="it-IT" sz="1400" b="1" dirty="0">
+                <a:latin typeface="Courier New" panose="02070309020205020404" pitchFamily="49" charset="0"/>
+                <a:cs typeface="Courier New" panose="02070309020205020404" pitchFamily="49" charset="0"/>
+              </a:rPr>
+              <a:t>() {</a:t>
+            </a:r>
+          </a:p>
+          <a:p>
+            <a:pPr marL="0" indent="0">
+              <a:spcBef>
+                <a:spcPts val="0"/>
+              </a:spcBef>
+              <a:buNone/>
+            </a:pPr>
+            <a:r>
+              <a:rPr lang="it-IT" sz="1400" b="1" dirty="0">
+                <a:latin typeface="Courier New" panose="02070309020205020404" pitchFamily="49" charset="0"/>
+                <a:cs typeface="Courier New" panose="02070309020205020404" pitchFamily="49" charset="0"/>
+              </a:rPr>
+              <a:t>    </a:t>
+            </a:r>
+            <a:r>
+              <a:rPr lang="it-IT" sz="1400" b="1" dirty="0" err="1">
+                <a:latin typeface="Courier New" panose="02070309020205020404" pitchFamily="49" charset="0"/>
+                <a:cs typeface="Courier New" panose="02070309020205020404" pitchFamily="49" charset="0"/>
+              </a:rPr>
+              <a:t>string</a:t>
+            </a:r>
+            <a:r>
+              <a:rPr lang="it-IT" sz="1400" b="1" dirty="0">
+                <a:latin typeface="Courier New" panose="02070309020205020404" pitchFamily="49" charset="0"/>
+                <a:cs typeface="Courier New" panose="02070309020205020404" pitchFamily="49" charset="0"/>
+              </a:rPr>
+              <a:t> s;</a:t>
+            </a:r>
+          </a:p>
+          <a:p>
+            <a:pPr marL="0" indent="0">
+              <a:spcBef>
+                <a:spcPts val="0"/>
+              </a:spcBef>
+              <a:buNone/>
+            </a:pPr>
+            <a:r>
+              <a:rPr lang="it-IT" sz="1400" b="1" dirty="0">
+                <a:latin typeface="Courier New" panose="02070309020205020404" pitchFamily="49" charset="0"/>
+                <a:cs typeface="Courier New" panose="02070309020205020404" pitchFamily="49" charset="0"/>
+              </a:rPr>
+              <a:t>    s = "(" + </a:t>
+            </a:r>
+            <a:r>
+              <a:rPr lang="it-IT" sz="1400" b="1" dirty="0" err="1">
+                <a:latin typeface="Courier New" panose="02070309020205020404" pitchFamily="49" charset="0"/>
+                <a:cs typeface="Courier New" panose="02070309020205020404" pitchFamily="49" charset="0"/>
+              </a:rPr>
+              <a:t>to_string</a:t>
+            </a:r>
+            <a:r>
+              <a:rPr lang="it-IT" sz="1400" b="1" dirty="0">
+                <a:latin typeface="Courier New" panose="02070309020205020404" pitchFamily="49" charset="0"/>
+                <a:cs typeface="Courier New" panose="02070309020205020404" pitchFamily="49" charset="0"/>
+              </a:rPr>
+              <a:t>(x) + "," + </a:t>
+            </a:r>
+          </a:p>
+          <a:p>
+            <a:pPr marL="0" indent="0">
+              <a:spcBef>
+                <a:spcPts val="0"/>
+              </a:spcBef>
+              <a:buNone/>
+            </a:pPr>
+            <a:r>
+              <a:rPr lang="it-IT" sz="1400" b="1" dirty="0">
+                <a:latin typeface="Courier New" panose="02070309020205020404" pitchFamily="49" charset="0"/>
+                <a:cs typeface="Courier New" panose="02070309020205020404" pitchFamily="49" charset="0"/>
+              </a:rPr>
+              <a:t>        </a:t>
+            </a:r>
+            <a:r>
+              <a:rPr lang="it-IT" sz="1400" b="1" dirty="0" err="1">
+                <a:latin typeface="Courier New" panose="02070309020205020404" pitchFamily="49" charset="0"/>
+                <a:cs typeface="Courier New" panose="02070309020205020404" pitchFamily="49" charset="0"/>
+              </a:rPr>
+              <a:t>to_string</a:t>
+            </a:r>
+            <a:r>
+              <a:rPr lang="it-IT" sz="1400" b="1" dirty="0">
+                <a:latin typeface="Courier New" panose="02070309020205020404" pitchFamily="49" charset="0"/>
+                <a:cs typeface="Courier New" panose="02070309020205020404" pitchFamily="49" charset="0"/>
+              </a:rPr>
+              <a:t>(y) + ")";</a:t>
+            </a:r>
+          </a:p>
+          <a:p>
+            <a:pPr marL="0" indent="0">
+              <a:spcBef>
+                <a:spcPts val="0"/>
+              </a:spcBef>
+              <a:buNone/>
+            </a:pPr>
+            <a:r>
+              <a:rPr lang="it-IT" sz="1400" b="1" dirty="0">
+                <a:latin typeface="Courier New" panose="02070309020205020404" pitchFamily="49" charset="0"/>
+                <a:cs typeface="Courier New" panose="02070309020205020404" pitchFamily="49" charset="0"/>
+              </a:rPr>
+              <a:t>    </a:t>
+            </a:r>
+            <a:r>
+              <a:rPr lang="it-IT" sz="1400" b="1" dirty="0" err="1">
+                <a:latin typeface="Courier New" panose="02070309020205020404" pitchFamily="49" charset="0"/>
+                <a:cs typeface="Courier New" panose="02070309020205020404" pitchFamily="49" charset="0"/>
+              </a:rPr>
+              <a:t>return</a:t>
+            </a:r>
+            <a:r>
+              <a:rPr lang="it-IT" sz="1400" b="1" dirty="0">
+                <a:latin typeface="Courier New" panose="02070309020205020404" pitchFamily="49" charset="0"/>
+                <a:cs typeface="Courier New" panose="02070309020205020404" pitchFamily="49" charset="0"/>
+              </a:rPr>
+              <a:t> s;</a:t>
+            </a:r>
+          </a:p>
+          <a:p>
+            <a:pPr marL="0" indent="0">
+              <a:spcBef>
+                <a:spcPts val="0"/>
+              </a:spcBef>
+              <a:buNone/>
+            </a:pPr>
+            <a:r>
+              <a:rPr lang="it-IT" sz="1400" b="1" dirty="0">
+                <a:latin typeface="Courier New" panose="02070309020205020404" pitchFamily="49" charset="0"/>
+                <a:cs typeface="Courier New" panose="02070309020205020404" pitchFamily="49" charset="0"/>
+              </a:rPr>
+              <a:t>}</a:t>
+            </a:r>
+          </a:p>
+          <a:p>
+            <a:pPr marL="0" indent="0">
+              <a:spcBef>
+                <a:spcPts val="0"/>
+              </a:spcBef>
+              <a:buNone/>
+            </a:pPr>
+            <a:endParaRPr lang="it-IT" sz="1400" b="1" dirty="0">
+              <a:latin typeface="Courier New" panose="02070309020205020404" pitchFamily="49" charset="0"/>
+              <a:cs typeface="Courier New" panose="02070309020205020404" pitchFamily="49" charset="0"/>
+            </a:endParaRPr>
+          </a:p>
+          <a:p>
+            <a:pPr marL="0" indent="0">
+              <a:spcBef>
+                <a:spcPts val="0"/>
+              </a:spcBef>
+              <a:buNone/>
+            </a:pPr>
+            <a:r>
+              <a:rPr lang="it-IT" sz="1400" b="1" dirty="0" err="1">
+                <a:latin typeface="Courier New" panose="02070309020205020404" pitchFamily="49" charset="0"/>
+                <a:cs typeface="Courier New" panose="02070309020205020404" pitchFamily="49" charset="0"/>
+              </a:rPr>
+              <a:t>int</a:t>
+            </a:r>
+            <a:r>
+              <a:rPr lang="it-IT" sz="1400" b="1" dirty="0">
+                <a:latin typeface="Courier New" panose="02070309020205020404" pitchFamily="49" charset="0"/>
+                <a:cs typeface="Courier New" panose="02070309020205020404" pitchFamily="49" charset="0"/>
+              </a:rPr>
+              <a:t> Punto::</a:t>
+            </a:r>
+            <a:r>
+              <a:rPr lang="it-IT" sz="1400" b="1" dirty="0" err="1">
+                <a:latin typeface="Courier New" panose="02070309020205020404" pitchFamily="49" charset="0"/>
+                <a:cs typeface="Courier New" panose="02070309020205020404" pitchFamily="49" charset="0"/>
+              </a:rPr>
+              <a:t>manhattanDistance</a:t>
+            </a:r>
+            <a:r>
+              <a:rPr lang="it-IT" sz="1400" b="1" dirty="0">
+                <a:latin typeface="Courier New" panose="02070309020205020404" pitchFamily="49" charset="0"/>
+                <a:cs typeface="Courier New" panose="02070309020205020404" pitchFamily="49" charset="0"/>
+              </a:rPr>
+              <a:t>(Punto p){</a:t>
+            </a:r>
+          </a:p>
+          <a:p>
+            <a:pPr marL="0" indent="0">
+              <a:spcBef>
+                <a:spcPts val="0"/>
+              </a:spcBef>
+              <a:buNone/>
+            </a:pPr>
+            <a:r>
+              <a:rPr lang="it-IT" sz="1400" b="1" dirty="0">
+                <a:latin typeface="Courier New" panose="02070309020205020404" pitchFamily="49" charset="0"/>
+                <a:cs typeface="Courier New" panose="02070309020205020404" pitchFamily="49" charset="0"/>
+              </a:rPr>
+              <a:t>    </a:t>
+            </a:r>
+            <a:r>
+              <a:rPr lang="it-IT" sz="1400" b="1" dirty="0" err="1">
+                <a:latin typeface="Courier New" panose="02070309020205020404" pitchFamily="49" charset="0"/>
+                <a:cs typeface="Courier New" panose="02070309020205020404" pitchFamily="49" charset="0"/>
+              </a:rPr>
+              <a:t>return</a:t>
+            </a:r>
+            <a:r>
+              <a:rPr lang="it-IT" sz="1400" b="1" dirty="0">
+                <a:latin typeface="Courier New" panose="02070309020205020404" pitchFamily="49" charset="0"/>
+                <a:cs typeface="Courier New" panose="02070309020205020404" pitchFamily="49" charset="0"/>
+              </a:rPr>
+              <a:t> </a:t>
+            </a:r>
+            <a:r>
+              <a:rPr lang="it-IT" sz="1400" b="1" dirty="0" err="1">
+                <a:latin typeface="Courier New" panose="02070309020205020404" pitchFamily="49" charset="0"/>
+                <a:cs typeface="Courier New" panose="02070309020205020404" pitchFamily="49" charset="0"/>
+              </a:rPr>
+              <a:t>abs</a:t>
+            </a:r>
+            <a:r>
+              <a:rPr lang="it-IT" sz="1400" b="1" dirty="0">
+                <a:latin typeface="Courier New" panose="02070309020205020404" pitchFamily="49" charset="0"/>
+                <a:cs typeface="Courier New" panose="02070309020205020404" pitchFamily="49" charset="0"/>
+              </a:rPr>
+              <a:t>(x - </a:t>
+            </a:r>
+            <a:r>
+              <a:rPr lang="it-IT" sz="1400" b="1" dirty="0" err="1">
+                <a:latin typeface="Courier New" panose="02070309020205020404" pitchFamily="49" charset="0"/>
+                <a:cs typeface="Courier New" panose="02070309020205020404" pitchFamily="49" charset="0"/>
+              </a:rPr>
+              <a:t>p.x</a:t>
+            </a:r>
+            <a:r>
+              <a:rPr lang="it-IT" sz="1400" b="1" dirty="0">
+                <a:latin typeface="Courier New" panose="02070309020205020404" pitchFamily="49" charset="0"/>
+                <a:cs typeface="Courier New" panose="02070309020205020404" pitchFamily="49" charset="0"/>
+              </a:rPr>
+              <a:t>) + </a:t>
+            </a:r>
+            <a:r>
+              <a:rPr lang="it-IT" sz="1400" b="1" dirty="0" err="1">
+                <a:latin typeface="Courier New" panose="02070309020205020404" pitchFamily="49" charset="0"/>
+                <a:cs typeface="Courier New" panose="02070309020205020404" pitchFamily="49" charset="0"/>
+              </a:rPr>
+              <a:t>abs</a:t>
+            </a:r>
+            <a:r>
+              <a:rPr lang="it-IT" sz="1400" b="1" dirty="0">
+                <a:latin typeface="Courier New" panose="02070309020205020404" pitchFamily="49" charset="0"/>
+                <a:cs typeface="Courier New" panose="02070309020205020404" pitchFamily="49" charset="0"/>
+              </a:rPr>
+              <a:t>(y - </a:t>
+            </a:r>
+            <a:r>
+              <a:rPr lang="it-IT" sz="1400" b="1" dirty="0" err="1">
+                <a:latin typeface="Courier New" panose="02070309020205020404" pitchFamily="49" charset="0"/>
+                <a:cs typeface="Courier New" panose="02070309020205020404" pitchFamily="49" charset="0"/>
+              </a:rPr>
+              <a:t>p.y</a:t>
+            </a:r>
+            <a:r>
+              <a:rPr lang="it-IT" sz="1400" b="1" dirty="0">
+                <a:latin typeface="Courier New" panose="02070309020205020404" pitchFamily="49" charset="0"/>
+                <a:cs typeface="Courier New" panose="02070309020205020404" pitchFamily="49" charset="0"/>
+              </a:rPr>
+              <a:t>);</a:t>
+            </a:r>
+          </a:p>
+          <a:p>
+            <a:pPr marL="0" indent="0">
+              <a:spcBef>
+                <a:spcPts val="0"/>
+              </a:spcBef>
+              <a:buNone/>
+            </a:pPr>
+            <a:r>
+              <a:rPr lang="it-IT" sz="1400" b="1" dirty="0">
+                <a:latin typeface="Courier New" panose="02070309020205020404" pitchFamily="49" charset="0"/>
+                <a:cs typeface="Courier New" panose="02070309020205020404" pitchFamily="49" charset="0"/>
+              </a:rPr>
+              <a:t>}</a:t>
+            </a:r>
+          </a:p>
+          <a:p>
+            <a:pPr marL="0" indent="0">
+              <a:spcBef>
+                <a:spcPts val="0"/>
+              </a:spcBef>
+              <a:buNone/>
+            </a:pPr>
+            <a:endParaRPr lang="it-IT" sz="1400" b="1" dirty="0">
+              <a:latin typeface="Courier New" panose="02070309020205020404" pitchFamily="49" charset="0"/>
+              <a:cs typeface="Courier New" panose="02070309020205020404" pitchFamily="49" charset="0"/>
+            </a:endParaRPr>
+          </a:p>
+          <a:p>
+            <a:pPr marL="0" indent="0">
+              <a:spcBef>
+                <a:spcPts val="0"/>
+              </a:spcBef>
+              <a:buNone/>
+            </a:pPr>
+            <a:r>
+              <a:rPr lang="it-IT" sz="1400" b="1" dirty="0">
+                <a:latin typeface="Courier New" panose="02070309020205020404" pitchFamily="49" charset="0"/>
+                <a:cs typeface="Courier New" panose="02070309020205020404" pitchFamily="49" charset="0"/>
+              </a:rPr>
+              <a:t>double Punto::</a:t>
+            </a:r>
+            <a:r>
+              <a:rPr lang="it-IT" sz="1400" b="1" dirty="0" err="1">
+                <a:latin typeface="Courier New" panose="02070309020205020404" pitchFamily="49" charset="0"/>
+                <a:cs typeface="Courier New" panose="02070309020205020404" pitchFamily="49" charset="0"/>
+              </a:rPr>
+              <a:t>euclideanDistance</a:t>
+            </a:r>
+            <a:r>
+              <a:rPr lang="it-IT" sz="1400" b="1" dirty="0">
+                <a:latin typeface="Courier New" panose="02070309020205020404" pitchFamily="49" charset="0"/>
+                <a:cs typeface="Courier New" panose="02070309020205020404" pitchFamily="49" charset="0"/>
+              </a:rPr>
+              <a:t>(Punto p){</a:t>
+            </a:r>
+          </a:p>
+          <a:p>
+            <a:pPr marL="0" indent="0">
+              <a:spcBef>
+                <a:spcPts val="0"/>
+              </a:spcBef>
+              <a:buNone/>
+            </a:pPr>
+            <a:r>
+              <a:rPr lang="it-IT" sz="1400" b="1" dirty="0">
+                <a:latin typeface="Courier New" panose="02070309020205020404" pitchFamily="49" charset="0"/>
+                <a:cs typeface="Courier New" panose="02070309020205020404" pitchFamily="49" charset="0"/>
+              </a:rPr>
+              <a:t>    </a:t>
+            </a:r>
+            <a:r>
+              <a:rPr lang="it-IT" sz="1400" b="1" dirty="0" err="1">
+                <a:latin typeface="Courier New" panose="02070309020205020404" pitchFamily="49" charset="0"/>
+                <a:cs typeface="Courier New" panose="02070309020205020404" pitchFamily="49" charset="0"/>
+              </a:rPr>
+              <a:t>return</a:t>
+            </a:r>
+            <a:r>
+              <a:rPr lang="it-IT" sz="1400" b="1" dirty="0">
+                <a:latin typeface="Courier New" panose="02070309020205020404" pitchFamily="49" charset="0"/>
+                <a:cs typeface="Courier New" panose="02070309020205020404" pitchFamily="49" charset="0"/>
+              </a:rPr>
+              <a:t> </a:t>
+            </a:r>
+            <a:r>
+              <a:rPr lang="it-IT" sz="1400" b="1" dirty="0" err="1">
+                <a:latin typeface="Courier New" panose="02070309020205020404" pitchFamily="49" charset="0"/>
+                <a:cs typeface="Courier New" panose="02070309020205020404" pitchFamily="49" charset="0"/>
+              </a:rPr>
+              <a:t>sqrt</a:t>
+            </a:r>
+            <a:r>
+              <a:rPr lang="it-IT" sz="1400" b="1" dirty="0">
+                <a:latin typeface="Courier New" panose="02070309020205020404" pitchFamily="49" charset="0"/>
+                <a:cs typeface="Courier New" panose="02070309020205020404" pitchFamily="49" charset="0"/>
+              </a:rPr>
+              <a:t>(</a:t>
+            </a:r>
+            <a:r>
+              <a:rPr lang="it-IT" sz="1400" b="1" dirty="0" err="1">
+                <a:latin typeface="Courier New" panose="02070309020205020404" pitchFamily="49" charset="0"/>
+                <a:cs typeface="Courier New" panose="02070309020205020404" pitchFamily="49" charset="0"/>
+              </a:rPr>
+              <a:t>pow</a:t>
+            </a:r>
+            <a:r>
+              <a:rPr lang="it-IT" sz="1400" b="1" dirty="0">
+                <a:latin typeface="Courier New" panose="02070309020205020404" pitchFamily="49" charset="0"/>
+                <a:cs typeface="Courier New" panose="02070309020205020404" pitchFamily="49" charset="0"/>
+              </a:rPr>
+              <a:t>(x - p.x,2) + </a:t>
+            </a:r>
+          </a:p>
+          <a:p>
+            <a:pPr marL="0" indent="0">
+              <a:spcBef>
+                <a:spcPts val="0"/>
+              </a:spcBef>
+              <a:buNone/>
+            </a:pPr>
+            <a:r>
+              <a:rPr lang="it-IT" sz="1400" b="1" dirty="0">
+                <a:latin typeface="Courier New" panose="02070309020205020404" pitchFamily="49" charset="0"/>
+                <a:cs typeface="Courier New" panose="02070309020205020404" pitchFamily="49" charset="0"/>
+              </a:rPr>
+              <a:t>                </a:t>
+            </a:r>
+            <a:r>
+              <a:rPr lang="it-IT" sz="1400" b="1" dirty="0" err="1">
+                <a:latin typeface="Courier New" panose="02070309020205020404" pitchFamily="49" charset="0"/>
+                <a:cs typeface="Courier New" panose="02070309020205020404" pitchFamily="49" charset="0"/>
+              </a:rPr>
+              <a:t>pow</a:t>
+            </a:r>
+            <a:r>
+              <a:rPr lang="it-IT" sz="1400" b="1" dirty="0">
+                <a:latin typeface="Courier New" panose="02070309020205020404" pitchFamily="49" charset="0"/>
+                <a:cs typeface="Courier New" panose="02070309020205020404" pitchFamily="49" charset="0"/>
+              </a:rPr>
+              <a:t>(y - p.y,2));</a:t>
+            </a:r>
+          </a:p>
+          <a:p>
+            <a:pPr marL="0" indent="0">
+              <a:spcBef>
+                <a:spcPts val="0"/>
+              </a:spcBef>
+              <a:buNone/>
+            </a:pPr>
+            <a:r>
+              <a:rPr lang="it-IT" sz="1400" b="1" dirty="0">
+                <a:latin typeface="Courier New" panose="02070309020205020404" pitchFamily="49" charset="0"/>
+                <a:cs typeface="Courier New" panose="02070309020205020404" pitchFamily="49" charset="0"/>
+              </a:rPr>
+              <a:t>}</a:t>
+            </a:r>
+          </a:p>
+        </p:txBody>
+      </p:sp>
+      <p:sp>
+        <p:nvSpPr>
+          <p:cNvPr id="6" name="Segnaposto contenuto 5">
+            <a:extLst>
+              <a:ext uri="{FF2B5EF4-FFF2-40B4-BE49-F238E27FC236}">
+                <a16:creationId xmlns:a16="http://schemas.microsoft.com/office/drawing/2014/main" id="{ED6657CB-B723-42C1-ABC4-850B1C3FE62E}"/>
+              </a:ext>
+            </a:extLst>
+          </p:cNvPr>
+          <p:cNvSpPr>
+            <a:spLocks noGrp="1"/>
+          </p:cNvSpPr>
+          <p:nvPr>
+            <p:ph sz="half" idx="2"/>
+          </p:nvPr>
+        </p:nvSpPr>
+        <p:spPr/>
+        <p:txBody>
+          <a:bodyPr/>
+          <a:lstStyle/>
+          <a:p>
+            <a:r>
+              <a:rPr lang="it-IT" sz="2000" dirty="0"/>
+              <a:t>file </a:t>
+            </a:r>
+            <a:r>
+              <a:rPr lang="it-IT" sz="2000" b="1" dirty="0">
+                <a:latin typeface="Courier New" panose="02070309020205020404" pitchFamily="49" charset="0"/>
+                <a:cs typeface="Courier New" panose="02070309020205020404" pitchFamily="49" charset="0"/>
+              </a:rPr>
+              <a:t>Punto.cpp</a:t>
+            </a:r>
+          </a:p>
+          <a:p>
+            <a:r>
+              <a:rPr lang="it-IT" sz="2000" dirty="0"/>
+              <a:t>implementazione </a:t>
+            </a:r>
+            <a:r>
+              <a:rPr lang="it-IT" sz="2000" b="1" i="1" dirty="0"/>
+              <a:t>costruttori</a:t>
+            </a:r>
+          </a:p>
+          <a:p>
+            <a:pPr lvl="1"/>
+            <a:r>
+              <a:rPr lang="it-IT" sz="1600" i="1" dirty="0"/>
+              <a:t>lista di inizializzazione</a:t>
+            </a:r>
+          </a:p>
+          <a:p>
+            <a:r>
+              <a:rPr lang="it-IT" sz="2000" b="1" i="1" dirty="0"/>
+              <a:t>definizione</a:t>
+            </a:r>
+            <a:r>
+              <a:rPr lang="it-IT" sz="2000" dirty="0"/>
+              <a:t> di funzioni membro</a:t>
+            </a:r>
+          </a:p>
+          <a:p>
+            <a:pPr marL="457200" lvl="1" indent="0">
+              <a:buNone/>
+            </a:pPr>
+            <a:r>
+              <a:rPr lang="it-IT" sz="1600" b="1" dirty="0" err="1">
+                <a:latin typeface="Courier New" panose="02070309020205020404" pitchFamily="49" charset="0"/>
+                <a:cs typeface="Courier New" panose="02070309020205020404" pitchFamily="49" charset="0"/>
+              </a:rPr>
+              <a:t>toString</a:t>
+            </a:r>
+            <a:r>
+              <a:rPr lang="it-IT" sz="1600" b="1" dirty="0">
+                <a:latin typeface="Courier New" panose="02070309020205020404" pitchFamily="49" charset="0"/>
+                <a:cs typeface="Courier New" panose="02070309020205020404" pitchFamily="49" charset="0"/>
+              </a:rPr>
+              <a:t>, </a:t>
+            </a:r>
+            <a:r>
+              <a:rPr lang="it-IT" sz="1600" b="1" dirty="0" err="1">
+                <a:latin typeface="Courier New" panose="02070309020205020404" pitchFamily="49" charset="0"/>
+                <a:cs typeface="Courier New" panose="02070309020205020404" pitchFamily="49" charset="0"/>
+              </a:rPr>
+              <a:t>manhattanDistance</a:t>
+            </a:r>
+            <a:r>
+              <a:rPr lang="it-IT" sz="1600" b="1" dirty="0">
+                <a:latin typeface="Courier New" panose="02070309020205020404" pitchFamily="49" charset="0"/>
+                <a:cs typeface="Courier New" panose="02070309020205020404" pitchFamily="49" charset="0"/>
+              </a:rPr>
+              <a:t>, </a:t>
+            </a:r>
+            <a:r>
+              <a:rPr lang="it-IT" sz="1600" b="1" dirty="0" err="1">
+                <a:latin typeface="Courier New" panose="02070309020205020404" pitchFamily="49" charset="0"/>
+                <a:cs typeface="Courier New" panose="02070309020205020404" pitchFamily="49" charset="0"/>
+              </a:rPr>
+              <a:t>euclideanDistance</a:t>
+            </a:r>
+            <a:endParaRPr lang="it-IT" sz="1600" b="1" dirty="0">
+              <a:latin typeface="Courier New" panose="02070309020205020404" pitchFamily="49" charset="0"/>
+              <a:cs typeface="Courier New" panose="02070309020205020404" pitchFamily="49" charset="0"/>
+            </a:endParaRPr>
+          </a:p>
+          <a:p>
+            <a:pPr marL="457200" lvl="1" indent="0">
+              <a:buNone/>
+            </a:pPr>
+            <a:endParaRPr lang="it-IT" sz="1600" b="1" dirty="0">
+              <a:latin typeface="Courier New" panose="02070309020205020404" pitchFamily="49" charset="0"/>
+              <a:cs typeface="Courier New" panose="02070309020205020404" pitchFamily="49" charset="0"/>
+            </a:endParaRPr>
+          </a:p>
+        </p:txBody>
+      </p:sp>
+      <p:sp>
+        <p:nvSpPr>
+          <p:cNvPr id="3" name="Segnaposto piè di pagina 2">
+            <a:extLst>
+              <a:ext uri="{FF2B5EF4-FFF2-40B4-BE49-F238E27FC236}">
+                <a16:creationId xmlns:a16="http://schemas.microsoft.com/office/drawing/2014/main" id="{141AFC4D-ED2A-4C45-AE45-B18D3D52BCFD}"/>
+              </a:ext>
+            </a:extLst>
+          </p:cNvPr>
+          <p:cNvSpPr>
+            <a:spLocks noGrp="1"/>
+          </p:cNvSpPr>
+          <p:nvPr>
+            <p:ph type="ftr" sz="quarter" idx="11"/>
+          </p:nvPr>
+        </p:nvSpPr>
+        <p:spPr/>
+        <p:txBody>
+          <a:bodyPr/>
+          <a:lstStyle/>
+          <a:p>
+            <a:pPr>
+              <a:defRPr/>
+            </a:pPr>
+            <a:r>
+              <a:rPr lang="it-IT"/>
+              <a:t>Alberto Ferrari – Programmazione di applicazioni SW</a:t>
+            </a:r>
+            <a:endParaRPr lang="it-IT" dirty="0"/>
+          </a:p>
+        </p:txBody>
+      </p:sp>
+    </p:spTree>
+    <p:extLst>
+      <p:ext uri="{BB962C8B-B14F-4D97-AF65-F5344CB8AC3E}">
+        <p14:creationId xmlns:p14="http://schemas.microsoft.com/office/powerpoint/2010/main" val="2905433610"/>
+      </p:ext>
+    </p:extLst>
+  </p:cSld>
+  <p:clrMapOvr>
+    <a:masterClrMapping/>
+  </p:clrMapOvr>
+</p:sld>
+</file>
+
+<file path=ppt/slides/slide42.xml><?xml version="1.0" encoding="utf-8"?>
+<p:sld xmlns:a="http://schemas.openxmlformats.org/drawingml/2006/main" xmlns:r="http://schemas.openxmlformats.org/officeDocument/2006/relationships" xmlns:p="http://schemas.openxmlformats.org/presentationml/2006/main">
+  <p:cSld>
+    <p:spTree>
+      <p:nvGrpSpPr>
+        <p:cNvPr id="1" name=""/>
+        <p:cNvGrpSpPr/>
+        <p:nvPr/>
+      </p:nvGrpSpPr>
+      <p:grpSpPr>
+        <a:xfrm>
+          <a:off x="0" y="0"/>
+          <a:ext cx="0" cy="0"/>
+          <a:chOff x="0" y="0"/>
+          <a:chExt cx="0" cy="0"/>
+        </a:xfrm>
+      </p:grpSpPr>
+      <p:sp>
+        <p:nvSpPr>
+          <p:cNvPr id="4" name="Titolo 3">
+            <a:extLst>
+              <a:ext uri="{FF2B5EF4-FFF2-40B4-BE49-F238E27FC236}">
+                <a16:creationId xmlns:a16="http://schemas.microsoft.com/office/drawing/2014/main" id="{F07B9562-26CA-4A3E-8CD9-3DC0D19344B5}"/>
+              </a:ext>
+            </a:extLst>
+          </p:cNvPr>
+          <p:cNvSpPr>
+            <a:spLocks noGrp="1"/>
+          </p:cNvSpPr>
+          <p:nvPr>
+            <p:ph type="title"/>
+          </p:nvPr>
+        </p:nvSpPr>
+        <p:spPr/>
+        <p:txBody>
+          <a:bodyPr/>
+          <a:lstStyle/>
+          <a:p>
+            <a:r>
+              <a:rPr lang="it-IT" dirty="0"/>
+              <a:t>esempio: file applicazione</a:t>
+            </a:r>
+          </a:p>
+        </p:txBody>
+      </p:sp>
+      <p:sp>
+        <p:nvSpPr>
+          <p:cNvPr id="5" name="Segnaposto contenuto 4">
+            <a:extLst>
+              <a:ext uri="{FF2B5EF4-FFF2-40B4-BE49-F238E27FC236}">
+                <a16:creationId xmlns:a16="http://schemas.microsoft.com/office/drawing/2014/main" id="{74EB2B6D-DA9E-4FAB-B2D8-D1D870A4B449}"/>
+              </a:ext>
+            </a:extLst>
+          </p:cNvPr>
+          <p:cNvSpPr>
+            <a:spLocks noGrp="1"/>
+          </p:cNvSpPr>
+          <p:nvPr>
+            <p:ph sz="half" idx="1"/>
+          </p:nvPr>
+        </p:nvSpPr>
+        <p:spPr/>
+        <p:txBody>
+          <a:bodyPr/>
+          <a:lstStyle/>
+          <a:p>
+            <a:pPr marL="0" indent="0">
+              <a:spcBef>
+                <a:spcPts val="0"/>
+              </a:spcBef>
+              <a:buNone/>
+            </a:pPr>
+            <a:r>
+              <a:rPr lang="it-IT" sz="1400" b="1" dirty="0">
+                <a:latin typeface="Courier New" panose="02070309020205020404" pitchFamily="49" charset="0"/>
+                <a:cs typeface="Courier New" panose="02070309020205020404" pitchFamily="49" charset="0"/>
+              </a:rPr>
+              <a:t>#include &lt;</a:t>
+            </a:r>
+            <a:r>
+              <a:rPr lang="it-IT" sz="1400" b="1" dirty="0" err="1">
+                <a:latin typeface="Courier New" panose="02070309020205020404" pitchFamily="49" charset="0"/>
+                <a:cs typeface="Courier New" panose="02070309020205020404" pitchFamily="49" charset="0"/>
+              </a:rPr>
+              <a:t>iostream</a:t>
+            </a:r>
+            <a:r>
+              <a:rPr lang="it-IT" sz="1400" b="1" dirty="0">
+                <a:latin typeface="Courier New" panose="02070309020205020404" pitchFamily="49" charset="0"/>
+                <a:cs typeface="Courier New" panose="02070309020205020404" pitchFamily="49" charset="0"/>
+              </a:rPr>
+              <a:t>&gt;</a:t>
+            </a:r>
+          </a:p>
+          <a:p>
+            <a:pPr marL="0" indent="0">
+              <a:spcBef>
+                <a:spcPts val="0"/>
+              </a:spcBef>
+              <a:buNone/>
+            </a:pPr>
+            <a:r>
+              <a:rPr lang="it-IT" sz="1400" b="1" dirty="0">
+                <a:latin typeface="Courier New" panose="02070309020205020404" pitchFamily="49" charset="0"/>
+                <a:cs typeface="Courier New" panose="02070309020205020404" pitchFamily="49" charset="0"/>
+              </a:rPr>
+              <a:t>#include "</a:t>
+            </a:r>
+            <a:r>
+              <a:rPr lang="it-IT" sz="1400" b="1" dirty="0" err="1">
+                <a:latin typeface="Courier New" panose="02070309020205020404" pitchFamily="49" charset="0"/>
+                <a:cs typeface="Courier New" panose="02070309020205020404" pitchFamily="49" charset="0"/>
+              </a:rPr>
+              <a:t>Punto.h</a:t>
+            </a:r>
+            <a:r>
+              <a:rPr lang="it-IT" sz="1400" b="1" dirty="0">
+                <a:latin typeface="Courier New" panose="02070309020205020404" pitchFamily="49" charset="0"/>
+                <a:cs typeface="Courier New" panose="02070309020205020404" pitchFamily="49" charset="0"/>
+              </a:rPr>
+              <a:t>"</a:t>
+            </a:r>
+          </a:p>
+          <a:p>
+            <a:pPr marL="0" indent="0">
+              <a:spcBef>
+                <a:spcPts val="0"/>
+              </a:spcBef>
+              <a:buNone/>
+            </a:pPr>
+            <a:endParaRPr lang="it-IT" sz="1400" b="1" dirty="0">
+              <a:latin typeface="Courier New" panose="02070309020205020404" pitchFamily="49" charset="0"/>
+              <a:cs typeface="Courier New" panose="02070309020205020404" pitchFamily="49" charset="0"/>
+            </a:endParaRPr>
+          </a:p>
+          <a:p>
+            <a:pPr marL="0" indent="0">
+              <a:spcBef>
+                <a:spcPts val="0"/>
+              </a:spcBef>
+              <a:buNone/>
+            </a:pPr>
+            <a:r>
+              <a:rPr lang="it-IT" sz="1400" b="1" dirty="0" err="1">
+                <a:latin typeface="Courier New" panose="02070309020205020404" pitchFamily="49" charset="0"/>
+                <a:cs typeface="Courier New" panose="02070309020205020404" pitchFamily="49" charset="0"/>
+              </a:rPr>
+              <a:t>using</a:t>
+            </a:r>
+            <a:r>
+              <a:rPr lang="it-IT" sz="1400" b="1" dirty="0">
+                <a:latin typeface="Courier New" panose="02070309020205020404" pitchFamily="49" charset="0"/>
+                <a:cs typeface="Courier New" panose="02070309020205020404" pitchFamily="49" charset="0"/>
+              </a:rPr>
+              <a:t> </a:t>
+            </a:r>
+            <a:r>
+              <a:rPr lang="it-IT" sz="1400" b="1" dirty="0" err="1">
+                <a:latin typeface="Courier New" panose="02070309020205020404" pitchFamily="49" charset="0"/>
+                <a:cs typeface="Courier New" panose="02070309020205020404" pitchFamily="49" charset="0"/>
+              </a:rPr>
+              <a:t>namespace</a:t>
+            </a:r>
+            <a:r>
+              <a:rPr lang="it-IT" sz="1400" b="1" dirty="0">
+                <a:latin typeface="Courier New" panose="02070309020205020404" pitchFamily="49" charset="0"/>
+                <a:cs typeface="Courier New" panose="02070309020205020404" pitchFamily="49" charset="0"/>
+              </a:rPr>
+              <a:t> </a:t>
+            </a:r>
+            <a:r>
+              <a:rPr lang="it-IT" sz="1400" b="1" dirty="0" err="1">
+                <a:latin typeface="Courier New" panose="02070309020205020404" pitchFamily="49" charset="0"/>
+                <a:cs typeface="Courier New" panose="02070309020205020404" pitchFamily="49" charset="0"/>
+              </a:rPr>
+              <a:t>std</a:t>
+            </a:r>
+            <a:r>
+              <a:rPr lang="it-IT" sz="1400" b="1" dirty="0">
+                <a:latin typeface="Courier New" panose="02070309020205020404" pitchFamily="49" charset="0"/>
+                <a:cs typeface="Courier New" panose="02070309020205020404" pitchFamily="49" charset="0"/>
+              </a:rPr>
+              <a:t>;</a:t>
+            </a:r>
+          </a:p>
+          <a:p>
+            <a:pPr marL="0" indent="0">
+              <a:spcBef>
+                <a:spcPts val="0"/>
+              </a:spcBef>
+              <a:buNone/>
+            </a:pPr>
+            <a:endParaRPr lang="it-IT" sz="1400" b="1" dirty="0">
+              <a:latin typeface="Courier New" panose="02070309020205020404" pitchFamily="49" charset="0"/>
+              <a:cs typeface="Courier New" panose="02070309020205020404" pitchFamily="49" charset="0"/>
+            </a:endParaRPr>
+          </a:p>
+          <a:p>
+            <a:pPr marL="0" indent="0">
+              <a:spcBef>
+                <a:spcPts val="0"/>
+              </a:spcBef>
+              <a:buNone/>
+            </a:pPr>
+            <a:r>
+              <a:rPr lang="it-IT" sz="1400" b="1" dirty="0" err="1">
+                <a:latin typeface="Courier New" panose="02070309020205020404" pitchFamily="49" charset="0"/>
+                <a:cs typeface="Courier New" panose="02070309020205020404" pitchFamily="49" charset="0"/>
+              </a:rPr>
+              <a:t>int</a:t>
+            </a:r>
+            <a:r>
+              <a:rPr lang="it-IT" sz="1400" b="1" dirty="0">
+                <a:latin typeface="Courier New" panose="02070309020205020404" pitchFamily="49" charset="0"/>
+                <a:cs typeface="Courier New" panose="02070309020205020404" pitchFamily="49" charset="0"/>
+              </a:rPr>
+              <a:t> </a:t>
+            </a:r>
+            <a:r>
+              <a:rPr lang="it-IT" sz="1400" b="1" dirty="0" err="1">
+                <a:latin typeface="Courier New" panose="02070309020205020404" pitchFamily="49" charset="0"/>
+                <a:cs typeface="Courier New" panose="02070309020205020404" pitchFamily="49" charset="0"/>
+              </a:rPr>
+              <a:t>main</a:t>
+            </a:r>
+            <a:r>
+              <a:rPr lang="it-IT" sz="1400" b="1" dirty="0">
+                <a:latin typeface="Courier New" panose="02070309020205020404" pitchFamily="49" charset="0"/>
+                <a:cs typeface="Courier New" panose="02070309020205020404" pitchFamily="49" charset="0"/>
+              </a:rPr>
+              <a:t>()</a:t>
+            </a:r>
+          </a:p>
+          <a:p>
+            <a:pPr marL="0" indent="0">
+              <a:spcBef>
+                <a:spcPts val="0"/>
+              </a:spcBef>
+              <a:buNone/>
+            </a:pPr>
+            <a:r>
+              <a:rPr lang="it-IT" sz="1400" b="1" dirty="0">
+                <a:latin typeface="Courier New" panose="02070309020205020404" pitchFamily="49" charset="0"/>
+                <a:cs typeface="Courier New" panose="02070309020205020404" pitchFamily="49" charset="0"/>
+              </a:rPr>
+              <a:t>{</a:t>
+            </a:r>
+          </a:p>
+          <a:p>
+            <a:pPr marL="0" indent="0">
+              <a:spcBef>
+                <a:spcPts val="0"/>
+              </a:spcBef>
+              <a:buNone/>
+            </a:pPr>
+            <a:r>
+              <a:rPr lang="it-IT" sz="1400" b="1" dirty="0">
+                <a:latin typeface="Courier New" panose="02070309020205020404" pitchFamily="49" charset="0"/>
+                <a:cs typeface="Courier New" panose="02070309020205020404" pitchFamily="49" charset="0"/>
+              </a:rPr>
+              <a:t>    Punto p1(3,4), p2(7,7);</a:t>
+            </a:r>
+          </a:p>
+          <a:p>
+            <a:pPr marL="0" indent="0">
+              <a:spcBef>
+                <a:spcPts val="0"/>
+              </a:spcBef>
+              <a:buNone/>
+            </a:pPr>
+            <a:r>
+              <a:rPr lang="it-IT" sz="1400" b="1" dirty="0">
+                <a:latin typeface="Courier New" panose="02070309020205020404" pitchFamily="49" charset="0"/>
+                <a:cs typeface="Courier New" panose="02070309020205020404" pitchFamily="49" charset="0"/>
+              </a:rPr>
+              <a:t>    </a:t>
+            </a:r>
+            <a:r>
+              <a:rPr lang="it-IT" sz="1400" b="1" dirty="0" err="1">
+                <a:latin typeface="Courier New" panose="02070309020205020404" pitchFamily="49" charset="0"/>
+                <a:cs typeface="Courier New" panose="02070309020205020404" pitchFamily="49" charset="0"/>
+              </a:rPr>
+              <a:t>cout</a:t>
+            </a:r>
+            <a:r>
+              <a:rPr lang="it-IT" sz="1400" b="1" dirty="0">
+                <a:latin typeface="Courier New" panose="02070309020205020404" pitchFamily="49" charset="0"/>
+                <a:cs typeface="Courier New" panose="02070309020205020404" pitchFamily="49" charset="0"/>
+              </a:rPr>
+              <a:t> &lt;&lt; "</a:t>
+            </a:r>
+            <a:r>
+              <a:rPr lang="it-IT" sz="1400" b="1" dirty="0" err="1">
+                <a:latin typeface="Courier New" panose="02070309020205020404" pitchFamily="49" charset="0"/>
+                <a:cs typeface="Courier New" panose="02070309020205020404" pitchFamily="49" charset="0"/>
+              </a:rPr>
+              <a:t>manhattan</a:t>
+            </a:r>
+            <a:r>
+              <a:rPr lang="it-IT" sz="1400" b="1" dirty="0">
+                <a:latin typeface="Courier New" panose="02070309020205020404" pitchFamily="49" charset="0"/>
+                <a:cs typeface="Courier New" panose="02070309020205020404" pitchFamily="49" charset="0"/>
+              </a:rPr>
+              <a:t> </a:t>
+            </a:r>
+            <a:r>
+              <a:rPr lang="it-IT" sz="1400" b="1" dirty="0" err="1">
+                <a:latin typeface="Courier New" panose="02070309020205020404" pitchFamily="49" charset="0"/>
+                <a:cs typeface="Courier New" panose="02070309020205020404" pitchFamily="49" charset="0"/>
+              </a:rPr>
+              <a:t>distance</a:t>
+            </a:r>
+            <a:r>
+              <a:rPr lang="it-IT" sz="1400" b="1" dirty="0">
+                <a:latin typeface="Courier New" panose="02070309020205020404" pitchFamily="49" charset="0"/>
+                <a:cs typeface="Courier New" panose="02070309020205020404" pitchFamily="49" charset="0"/>
+              </a:rPr>
+              <a:t> fra " </a:t>
+            </a:r>
+          </a:p>
+          <a:p>
+            <a:pPr marL="0" indent="0">
+              <a:spcBef>
+                <a:spcPts val="0"/>
+              </a:spcBef>
+              <a:buNone/>
+            </a:pPr>
+            <a:r>
+              <a:rPr lang="it-IT" sz="1400" b="1" dirty="0">
+                <a:latin typeface="Courier New" panose="02070309020205020404" pitchFamily="49" charset="0"/>
+                <a:cs typeface="Courier New" panose="02070309020205020404" pitchFamily="49" charset="0"/>
+              </a:rPr>
+              <a:t>         &lt;&lt; p1.toString() &lt;&lt; " e " </a:t>
+            </a:r>
+          </a:p>
+          <a:p>
+            <a:pPr marL="0" indent="0">
+              <a:spcBef>
+                <a:spcPts val="0"/>
+              </a:spcBef>
+              <a:buNone/>
+            </a:pPr>
+            <a:r>
+              <a:rPr lang="it-IT" sz="1400" b="1" dirty="0">
+                <a:latin typeface="Courier New" panose="02070309020205020404" pitchFamily="49" charset="0"/>
+                <a:cs typeface="Courier New" panose="02070309020205020404" pitchFamily="49" charset="0"/>
+              </a:rPr>
+              <a:t>         &lt;&lt; p2.toString() &lt;&lt; ": " </a:t>
+            </a:r>
+          </a:p>
+          <a:p>
+            <a:pPr marL="0" indent="0">
+              <a:spcBef>
+                <a:spcPts val="0"/>
+              </a:spcBef>
+              <a:buNone/>
+            </a:pPr>
+            <a:r>
+              <a:rPr lang="it-IT" sz="1400" b="1" dirty="0">
+                <a:latin typeface="Courier New" panose="02070309020205020404" pitchFamily="49" charset="0"/>
+                <a:cs typeface="Courier New" panose="02070309020205020404" pitchFamily="49" charset="0"/>
+              </a:rPr>
+              <a:t>         &lt;&lt; p1.manhattanDistance(p2) &lt;&lt; </a:t>
+            </a:r>
+            <a:r>
+              <a:rPr lang="it-IT" sz="1400" b="1" dirty="0" err="1">
+                <a:latin typeface="Courier New" panose="02070309020205020404" pitchFamily="49" charset="0"/>
+                <a:cs typeface="Courier New" panose="02070309020205020404" pitchFamily="49" charset="0"/>
+              </a:rPr>
+              <a:t>endl</a:t>
+            </a:r>
+            <a:r>
+              <a:rPr lang="it-IT" sz="1400" b="1" dirty="0">
+                <a:latin typeface="Courier New" panose="02070309020205020404" pitchFamily="49" charset="0"/>
+                <a:cs typeface="Courier New" panose="02070309020205020404" pitchFamily="49" charset="0"/>
+              </a:rPr>
+              <a:t>;</a:t>
+            </a:r>
+          </a:p>
+          <a:p>
+            <a:pPr marL="0" indent="0">
+              <a:spcBef>
+                <a:spcPts val="0"/>
+              </a:spcBef>
+              <a:buNone/>
+            </a:pPr>
+            <a:endParaRPr lang="it-IT" sz="1400" b="1" dirty="0">
+              <a:latin typeface="Courier New" panose="02070309020205020404" pitchFamily="49" charset="0"/>
+              <a:cs typeface="Courier New" panose="02070309020205020404" pitchFamily="49" charset="0"/>
+            </a:endParaRPr>
+          </a:p>
+          <a:p>
+            <a:pPr marL="0" indent="0">
+              <a:spcBef>
+                <a:spcPts val="0"/>
+              </a:spcBef>
+              <a:buNone/>
+            </a:pPr>
+            <a:r>
+              <a:rPr lang="it-IT" sz="1400" b="1" dirty="0">
+                <a:latin typeface="Courier New" panose="02070309020205020404" pitchFamily="49" charset="0"/>
+                <a:cs typeface="Courier New" panose="02070309020205020404" pitchFamily="49" charset="0"/>
+              </a:rPr>
+              <a:t>    </a:t>
+            </a:r>
+            <a:r>
+              <a:rPr lang="it-IT" sz="1400" b="1" dirty="0" err="1">
+                <a:latin typeface="Courier New" panose="02070309020205020404" pitchFamily="49" charset="0"/>
+                <a:cs typeface="Courier New" panose="02070309020205020404" pitchFamily="49" charset="0"/>
+              </a:rPr>
+              <a:t>cout</a:t>
+            </a:r>
+            <a:r>
+              <a:rPr lang="it-IT" sz="1400" b="1" dirty="0">
+                <a:latin typeface="Courier New" panose="02070309020205020404" pitchFamily="49" charset="0"/>
+                <a:cs typeface="Courier New" panose="02070309020205020404" pitchFamily="49" charset="0"/>
+              </a:rPr>
+              <a:t> &lt;&lt; "</a:t>
+            </a:r>
+            <a:r>
+              <a:rPr lang="it-IT" sz="1400" b="1" dirty="0" err="1">
+                <a:latin typeface="Courier New" panose="02070309020205020404" pitchFamily="49" charset="0"/>
+                <a:cs typeface="Courier New" panose="02070309020205020404" pitchFamily="49" charset="0"/>
+              </a:rPr>
+              <a:t>euclidean</a:t>
+            </a:r>
+            <a:r>
+              <a:rPr lang="it-IT" sz="1400" b="1" dirty="0">
+                <a:latin typeface="Courier New" panose="02070309020205020404" pitchFamily="49" charset="0"/>
+                <a:cs typeface="Courier New" panose="02070309020205020404" pitchFamily="49" charset="0"/>
+              </a:rPr>
+              <a:t> </a:t>
+            </a:r>
+            <a:r>
+              <a:rPr lang="it-IT" sz="1400" b="1" dirty="0" err="1">
+                <a:latin typeface="Courier New" panose="02070309020205020404" pitchFamily="49" charset="0"/>
+                <a:cs typeface="Courier New" panose="02070309020205020404" pitchFamily="49" charset="0"/>
+              </a:rPr>
+              <a:t>distance</a:t>
+            </a:r>
+            <a:r>
+              <a:rPr lang="it-IT" sz="1400" b="1" dirty="0">
+                <a:latin typeface="Courier New" panose="02070309020205020404" pitchFamily="49" charset="0"/>
+                <a:cs typeface="Courier New" panose="02070309020205020404" pitchFamily="49" charset="0"/>
+              </a:rPr>
+              <a:t> fra " </a:t>
+            </a:r>
+          </a:p>
+          <a:p>
+            <a:pPr marL="0" indent="0">
+              <a:spcBef>
+                <a:spcPts val="0"/>
+              </a:spcBef>
+              <a:buNone/>
+            </a:pPr>
+            <a:r>
+              <a:rPr lang="it-IT" sz="1400" b="1" dirty="0">
+                <a:latin typeface="Courier New" panose="02070309020205020404" pitchFamily="49" charset="0"/>
+                <a:cs typeface="Courier New" panose="02070309020205020404" pitchFamily="49" charset="0"/>
+              </a:rPr>
+              <a:t>         &lt;&lt; p1.toString() &lt;&lt; " e " </a:t>
+            </a:r>
+          </a:p>
+          <a:p>
+            <a:pPr marL="0" indent="0">
+              <a:spcBef>
+                <a:spcPts val="0"/>
+              </a:spcBef>
+              <a:buNone/>
+            </a:pPr>
+            <a:r>
+              <a:rPr lang="it-IT" sz="1400" b="1" dirty="0">
+                <a:latin typeface="Courier New" panose="02070309020205020404" pitchFamily="49" charset="0"/>
+                <a:cs typeface="Courier New" panose="02070309020205020404" pitchFamily="49" charset="0"/>
+              </a:rPr>
+              <a:t>         &lt;&lt; p2.toString() &lt;&lt; ": " </a:t>
+            </a:r>
+          </a:p>
+          <a:p>
+            <a:pPr marL="0" indent="0">
+              <a:spcBef>
+                <a:spcPts val="0"/>
+              </a:spcBef>
+              <a:buNone/>
+            </a:pPr>
+            <a:r>
+              <a:rPr lang="it-IT" sz="1400" b="1" dirty="0">
+                <a:latin typeface="Courier New" panose="02070309020205020404" pitchFamily="49" charset="0"/>
+                <a:cs typeface="Courier New" panose="02070309020205020404" pitchFamily="49" charset="0"/>
+              </a:rPr>
+              <a:t>         &lt;&lt; p1.euclideanDistance(p2) &lt;&lt; </a:t>
+            </a:r>
+            <a:r>
+              <a:rPr lang="it-IT" sz="1400" b="1" dirty="0" err="1">
+                <a:latin typeface="Courier New" panose="02070309020205020404" pitchFamily="49" charset="0"/>
+                <a:cs typeface="Courier New" panose="02070309020205020404" pitchFamily="49" charset="0"/>
+              </a:rPr>
+              <a:t>endl</a:t>
+            </a:r>
+            <a:r>
+              <a:rPr lang="it-IT" sz="1400" b="1" dirty="0">
+                <a:latin typeface="Courier New" panose="02070309020205020404" pitchFamily="49" charset="0"/>
+                <a:cs typeface="Courier New" panose="02070309020205020404" pitchFamily="49" charset="0"/>
+              </a:rPr>
+              <a:t>;</a:t>
+            </a:r>
+          </a:p>
+          <a:p>
+            <a:pPr marL="0" indent="0">
+              <a:spcBef>
+                <a:spcPts val="0"/>
+              </a:spcBef>
+              <a:buNone/>
+            </a:pPr>
+            <a:r>
+              <a:rPr lang="it-IT" sz="1400" b="1" dirty="0">
+                <a:latin typeface="Courier New" panose="02070309020205020404" pitchFamily="49" charset="0"/>
+                <a:cs typeface="Courier New" panose="02070309020205020404" pitchFamily="49" charset="0"/>
+              </a:rPr>
+              <a:t>    </a:t>
+            </a:r>
+          </a:p>
+          <a:p>
+            <a:pPr marL="0" indent="0">
+              <a:spcBef>
+                <a:spcPts val="0"/>
+              </a:spcBef>
+              <a:buNone/>
+            </a:pPr>
+            <a:r>
+              <a:rPr lang="it-IT" sz="1400" b="1" dirty="0">
+                <a:latin typeface="Courier New" panose="02070309020205020404" pitchFamily="49" charset="0"/>
+                <a:cs typeface="Courier New" panose="02070309020205020404" pitchFamily="49" charset="0"/>
+              </a:rPr>
+              <a:t>    </a:t>
+            </a:r>
+            <a:r>
+              <a:rPr lang="it-IT" sz="1400" b="1" dirty="0" err="1">
+                <a:latin typeface="Courier New" panose="02070309020205020404" pitchFamily="49" charset="0"/>
+                <a:cs typeface="Courier New" panose="02070309020205020404" pitchFamily="49" charset="0"/>
+              </a:rPr>
+              <a:t>return</a:t>
+            </a:r>
+            <a:r>
+              <a:rPr lang="it-IT" sz="1400" b="1" dirty="0">
+                <a:latin typeface="Courier New" panose="02070309020205020404" pitchFamily="49" charset="0"/>
+                <a:cs typeface="Courier New" panose="02070309020205020404" pitchFamily="49" charset="0"/>
+              </a:rPr>
+              <a:t> 0;</a:t>
+            </a:r>
+          </a:p>
+          <a:p>
+            <a:pPr marL="0" indent="0">
+              <a:spcBef>
+                <a:spcPts val="0"/>
+              </a:spcBef>
+              <a:buNone/>
+            </a:pPr>
+            <a:r>
+              <a:rPr lang="it-IT" sz="1400" b="1" dirty="0">
+                <a:latin typeface="Courier New" panose="02070309020205020404" pitchFamily="49" charset="0"/>
+                <a:cs typeface="Courier New" panose="02070309020205020404" pitchFamily="49" charset="0"/>
+              </a:rPr>
+              <a:t>}</a:t>
+            </a:r>
+          </a:p>
+        </p:txBody>
+      </p:sp>
+      <p:sp>
+        <p:nvSpPr>
+          <p:cNvPr id="6" name="Segnaposto contenuto 5">
+            <a:extLst>
+              <a:ext uri="{FF2B5EF4-FFF2-40B4-BE49-F238E27FC236}">
+                <a16:creationId xmlns:a16="http://schemas.microsoft.com/office/drawing/2014/main" id="{ED6657CB-B723-42C1-ABC4-850B1C3FE62E}"/>
+              </a:ext>
+            </a:extLst>
+          </p:cNvPr>
+          <p:cNvSpPr>
+            <a:spLocks noGrp="1"/>
+          </p:cNvSpPr>
+          <p:nvPr>
+            <p:ph sz="half" idx="2"/>
+          </p:nvPr>
+        </p:nvSpPr>
+        <p:spPr/>
+        <p:txBody>
+          <a:bodyPr/>
+          <a:lstStyle/>
+          <a:p>
+            <a:r>
+              <a:rPr lang="it-IT" sz="2000" dirty="0"/>
+              <a:t>file </a:t>
+            </a:r>
+            <a:r>
+              <a:rPr lang="it-IT" sz="2000" b="1" dirty="0">
+                <a:latin typeface="Courier New" panose="02070309020205020404" pitchFamily="49" charset="0"/>
+                <a:cs typeface="Courier New" panose="02070309020205020404" pitchFamily="49" charset="0"/>
+              </a:rPr>
+              <a:t>main.cpp</a:t>
+            </a:r>
+          </a:p>
+          <a:p>
+            <a:r>
+              <a:rPr lang="it-IT" sz="2000" b="1" i="1" dirty="0" err="1"/>
+              <a:t>istanziazione</a:t>
+            </a:r>
+            <a:r>
+              <a:rPr lang="it-IT" sz="2000" dirty="0"/>
+              <a:t> di due </a:t>
+            </a:r>
+            <a:r>
+              <a:rPr lang="it-IT" sz="2000" b="1" i="1" dirty="0"/>
+              <a:t>oggetti</a:t>
+            </a:r>
+            <a:r>
+              <a:rPr lang="it-IT" sz="2000" dirty="0"/>
+              <a:t> della classe Punto</a:t>
+            </a:r>
+          </a:p>
+          <a:p>
+            <a:pPr lvl="1"/>
+            <a:r>
+              <a:rPr lang="it-IT" sz="1600" b="1" dirty="0">
+                <a:latin typeface="Courier New" panose="02070309020205020404" pitchFamily="49" charset="0"/>
+                <a:cs typeface="Courier New" panose="02070309020205020404" pitchFamily="49" charset="0"/>
+              </a:rPr>
+              <a:t>p1</a:t>
+            </a:r>
+            <a:r>
+              <a:rPr lang="it-IT" sz="1600" dirty="0"/>
+              <a:t> e </a:t>
+            </a:r>
+            <a:r>
+              <a:rPr lang="it-IT" sz="1600" b="1" dirty="0">
+                <a:latin typeface="Courier New" panose="02070309020205020404" pitchFamily="49" charset="0"/>
+                <a:cs typeface="Courier New" panose="02070309020205020404" pitchFamily="49" charset="0"/>
+              </a:rPr>
+              <a:t>p2</a:t>
+            </a:r>
+            <a:r>
+              <a:rPr lang="it-IT" sz="1600" dirty="0"/>
+              <a:t> </a:t>
+            </a:r>
+          </a:p>
+          <a:p>
+            <a:r>
+              <a:rPr lang="it-IT" sz="2000" b="1" i="1" dirty="0"/>
+              <a:t>invio messaggio e attivazione </a:t>
+            </a:r>
+            <a:r>
+              <a:rPr lang="it-IT" sz="2000" dirty="0"/>
+              <a:t>di funzioni membro</a:t>
+            </a:r>
+          </a:p>
+          <a:p>
+            <a:pPr marL="457200" lvl="1" indent="0">
+              <a:buNone/>
+            </a:pPr>
+            <a:r>
+              <a:rPr lang="it-IT" sz="1600" b="1" dirty="0" err="1">
+                <a:latin typeface="Courier New" panose="02070309020205020404" pitchFamily="49" charset="0"/>
+                <a:cs typeface="Courier New" panose="02070309020205020404" pitchFamily="49" charset="0"/>
+              </a:rPr>
+              <a:t>toString</a:t>
+            </a:r>
+            <a:r>
+              <a:rPr lang="it-IT" sz="1600" b="1" dirty="0">
+                <a:latin typeface="Courier New" panose="02070309020205020404" pitchFamily="49" charset="0"/>
+                <a:cs typeface="Courier New" panose="02070309020205020404" pitchFamily="49" charset="0"/>
+              </a:rPr>
+              <a:t>, </a:t>
+            </a:r>
+            <a:r>
+              <a:rPr lang="it-IT" sz="1600" b="1" dirty="0" err="1">
+                <a:latin typeface="Courier New" panose="02070309020205020404" pitchFamily="49" charset="0"/>
+                <a:cs typeface="Courier New" panose="02070309020205020404" pitchFamily="49" charset="0"/>
+              </a:rPr>
+              <a:t>manhattanDistance</a:t>
+            </a:r>
+            <a:r>
+              <a:rPr lang="it-IT" sz="1600" b="1" dirty="0">
+                <a:latin typeface="Courier New" panose="02070309020205020404" pitchFamily="49" charset="0"/>
+                <a:cs typeface="Courier New" panose="02070309020205020404" pitchFamily="49" charset="0"/>
+              </a:rPr>
+              <a:t>, </a:t>
+            </a:r>
+            <a:r>
+              <a:rPr lang="it-IT" sz="1600" b="1" dirty="0" err="1">
+                <a:latin typeface="Courier New" panose="02070309020205020404" pitchFamily="49" charset="0"/>
+                <a:cs typeface="Courier New" panose="02070309020205020404" pitchFamily="49" charset="0"/>
+              </a:rPr>
+              <a:t>euclideanDistance</a:t>
+            </a:r>
+            <a:endParaRPr lang="it-IT" sz="1600" b="1" dirty="0">
+              <a:latin typeface="Courier New" panose="02070309020205020404" pitchFamily="49" charset="0"/>
+              <a:cs typeface="Courier New" panose="02070309020205020404" pitchFamily="49" charset="0"/>
+            </a:endParaRPr>
+          </a:p>
+          <a:p>
+            <a:pPr marL="457200" lvl="1" indent="0">
+              <a:buNone/>
+            </a:pPr>
+            <a:endParaRPr lang="it-IT" sz="1600" b="1" dirty="0">
+              <a:latin typeface="Courier New" panose="02070309020205020404" pitchFamily="49" charset="0"/>
+              <a:cs typeface="Courier New" panose="02070309020205020404" pitchFamily="49" charset="0"/>
+            </a:endParaRPr>
+          </a:p>
+          <a:p>
+            <a:pPr marL="0" indent="0" algn="r">
+              <a:buNone/>
+            </a:pPr>
+            <a:r>
+              <a:rPr lang="it-IT" sz="1800" i="1" dirty="0"/>
+              <a:t>(nota: compilare C++ 11)</a:t>
+            </a:r>
+            <a:endParaRPr lang="it-IT" sz="1400" b="1" i="1" dirty="0">
+              <a:latin typeface="Courier New" panose="02070309020205020404" pitchFamily="49" charset="0"/>
+              <a:cs typeface="Courier New" panose="02070309020205020404" pitchFamily="49" charset="0"/>
+            </a:endParaRPr>
+          </a:p>
+        </p:txBody>
+      </p:sp>
+      <p:sp>
+        <p:nvSpPr>
+          <p:cNvPr id="3" name="Segnaposto piè di pagina 2">
+            <a:extLst>
+              <a:ext uri="{FF2B5EF4-FFF2-40B4-BE49-F238E27FC236}">
+                <a16:creationId xmlns:a16="http://schemas.microsoft.com/office/drawing/2014/main" id="{141AFC4D-ED2A-4C45-AE45-B18D3D52BCFD}"/>
+              </a:ext>
+            </a:extLst>
+          </p:cNvPr>
+          <p:cNvSpPr>
+            <a:spLocks noGrp="1"/>
+          </p:cNvSpPr>
+          <p:nvPr>
+            <p:ph type="ftr" sz="quarter" idx="11"/>
+          </p:nvPr>
+        </p:nvSpPr>
+        <p:spPr/>
+        <p:txBody>
+          <a:bodyPr/>
+          <a:lstStyle/>
+          <a:p>
+            <a:pPr>
+              <a:defRPr/>
+            </a:pPr>
+            <a:r>
+              <a:rPr lang="it-IT"/>
+              <a:t>Alberto Ferrari – Programmazione di applicazioni SW</a:t>
+            </a:r>
+            <a:endParaRPr lang="it-IT" dirty="0"/>
+          </a:p>
+        </p:txBody>
+      </p:sp>
+    </p:spTree>
+    <p:extLst>
+      <p:ext uri="{BB962C8B-B14F-4D97-AF65-F5344CB8AC3E}">
+        <p14:creationId xmlns:p14="http://schemas.microsoft.com/office/powerpoint/2010/main" val="4087715210"/>
+      </p:ext>
+    </p:extLst>
+  </p:cSld>
+  <p:clrMapOvr>
+    <a:masterClrMapping/>
+  </p:clrMapOvr>
+</p:sld>
+</file>
+
+<file path=ppt/slides/slide43.xml><?xml version="1.0" encoding="utf-8"?>
+<p:sld xmlns:a="http://schemas.openxmlformats.org/drawingml/2006/main" xmlns:r="http://schemas.openxmlformats.org/officeDocument/2006/relationships" xmlns:p="http://schemas.openxmlformats.org/presentationml/2006/main">
+  <p:cSld>
+    <p:spTree>
+      <p:nvGrpSpPr>
+        <p:cNvPr id="1" name=""/>
+        <p:cNvGrpSpPr/>
+        <p:nvPr/>
+      </p:nvGrpSpPr>
+      <p:grpSpPr>
+        <a:xfrm>
+          <a:off x="0" y="0"/>
+          <a:ext cx="0" cy="0"/>
+          <a:chOff x="0" y="0"/>
+          <a:chExt cx="0" cy="0"/>
+        </a:xfrm>
+      </p:grpSpPr>
+      <p:sp>
+        <p:nvSpPr>
           <p:cNvPr id="2" name="Titolo 1">
             <a:extLst>
               <a:ext uri="{FF2B5EF4-FFF2-40B4-BE49-F238E27FC236}">
@@ -18023,7 +20789,7 @@
 </p:sld>
 </file>
 
-<file path=ppt/slides/slide41.xml><?xml version="1.0" encoding="utf-8"?>
+<file path=ppt/slides/slide44.xml><?xml version="1.0" encoding="utf-8"?>
 <p:sld xmlns:a="http://schemas.openxmlformats.org/drawingml/2006/main" xmlns:r="http://schemas.openxmlformats.org/officeDocument/2006/relationships" xmlns:p="http://schemas.openxmlformats.org/presentationml/2006/main">
   <p:cSld>
     <p:spTree>
@@ -18214,7 +20980,7 @@
 </p:sld>
 </file>
 
-<file path=ppt/slides/slide42.xml><?xml version="1.0" encoding="utf-8"?>
+<file path=ppt/slides/slide45.xml><?xml version="1.0" encoding="utf-8"?>
 <p:sld xmlns:a="http://schemas.openxmlformats.org/drawingml/2006/main" xmlns:r="http://schemas.openxmlformats.org/officeDocument/2006/relationships" xmlns:p="http://schemas.openxmlformats.org/presentationml/2006/main">
   <p:cSld>
     <p:spTree>
@@ -19214,7 +21980,7 @@
 </p:sld>
 </file>
 
-<file path=ppt/slides/slide43.xml><?xml version="1.0" encoding="utf-8"?>
+<file path=ppt/slides/slide46.xml><?xml version="1.0" encoding="utf-8"?>
 <p:sld xmlns:a="http://schemas.openxmlformats.org/drawingml/2006/main" xmlns:r="http://schemas.openxmlformats.org/officeDocument/2006/relationships" xmlns:p="http://schemas.openxmlformats.org/presentationml/2006/main">
   <p:cSld>
     <p:spTree>

--- a/lezioni/PASW04 - object oriented programming.pptx
+++ b/lezioni/PASW04 - object oriented programming.pptx
@@ -5,7 +5,7 @@
     <p:sldMasterId id="2147483649" r:id="rId1"/>
   </p:sldMasterIdLst>
   <p:notesMasterIdLst>
-    <p:notesMasterId r:id="rId48"/>
+    <p:notesMasterId r:id="rId49"/>
   </p:notesMasterIdLst>
   <p:sldIdLst>
     <p:sldId id="258" r:id="rId2"/>
@@ -26,34 +26,35 @@
     <p:sldId id="303" r:id="rId17"/>
     <p:sldId id="307" r:id="rId18"/>
     <p:sldId id="331" r:id="rId19"/>
-    <p:sldId id="308" r:id="rId20"/>
-    <p:sldId id="309" r:id="rId21"/>
-    <p:sldId id="328" r:id="rId22"/>
-    <p:sldId id="311" r:id="rId23"/>
-    <p:sldId id="312" r:id="rId24"/>
-    <p:sldId id="329" r:id="rId25"/>
-    <p:sldId id="330" r:id="rId26"/>
-    <p:sldId id="304" r:id="rId27"/>
-    <p:sldId id="305" r:id="rId28"/>
-    <p:sldId id="306" r:id="rId29"/>
-    <p:sldId id="313" r:id="rId30"/>
-    <p:sldId id="326" r:id="rId31"/>
-    <p:sldId id="338" r:id="rId32"/>
-    <p:sldId id="315" r:id="rId33"/>
-    <p:sldId id="316" r:id="rId34"/>
-    <p:sldId id="318" r:id="rId35"/>
-    <p:sldId id="319" r:id="rId36"/>
-    <p:sldId id="321" r:id="rId37"/>
-    <p:sldId id="322" r:id="rId38"/>
-    <p:sldId id="324" r:id="rId39"/>
-    <p:sldId id="325" r:id="rId40"/>
-    <p:sldId id="339" r:id="rId41"/>
-    <p:sldId id="340" r:id="rId42"/>
-    <p:sldId id="341" r:id="rId43"/>
-    <p:sldId id="335" r:id="rId44"/>
-    <p:sldId id="334" r:id="rId45"/>
-    <p:sldId id="336" r:id="rId46"/>
-    <p:sldId id="337" r:id="rId47"/>
+    <p:sldId id="342" r:id="rId20"/>
+    <p:sldId id="308" r:id="rId21"/>
+    <p:sldId id="309" r:id="rId22"/>
+    <p:sldId id="328" r:id="rId23"/>
+    <p:sldId id="311" r:id="rId24"/>
+    <p:sldId id="312" r:id="rId25"/>
+    <p:sldId id="329" r:id="rId26"/>
+    <p:sldId id="330" r:id="rId27"/>
+    <p:sldId id="304" r:id="rId28"/>
+    <p:sldId id="305" r:id="rId29"/>
+    <p:sldId id="306" r:id="rId30"/>
+    <p:sldId id="313" r:id="rId31"/>
+    <p:sldId id="326" r:id="rId32"/>
+    <p:sldId id="338" r:id="rId33"/>
+    <p:sldId id="315" r:id="rId34"/>
+    <p:sldId id="316" r:id="rId35"/>
+    <p:sldId id="318" r:id="rId36"/>
+    <p:sldId id="319" r:id="rId37"/>
+    <p:sldId id="321" r:id="rId38"/>
+    <p:sldId id="322" r:id="rId39"/>
+    <p:sldId id="324" r:id="rId40"/>
+    <p:sldId id="325" r:id="rId41"/>
+    <p:sldId id="339" r:id="rId42"/>
+    <p:sldId id="340" r:id="rId43"/>
+    <p:sldId id="341" r:id="rId44"/>
+    <p:sldId id="335" r:id="rId45"/>
+    <p:sldId id="334" r:id="rId46"/>
+    <p:sldId id="336" r:id="rId47"/>
+    <p:sldId id="337" r:id="rId48"/>
   </p:sldIdLst>
   <p:sldSz cx="12192000" cy="6858000"/>
   <p:notesSz cx="6858000" cy="9144000"/>
@@ -283,7 +284,7 @@
           <a:p>
             <a:fld id="{537EE30C-6FCC-4D68-889C-61DBBB4BBB87}" type="datetimeFigureOut">
               <a:rPr lang="it-IT" smtClean="0"/>
-              <a:t>17/03/2018</a:t>
+              <a:t>19/03/2018</a:t>
             </a:fld>
             <a:endParaRPr lang="it-IT"/>
           </a:p>
@@ -7508,7 +7509,7 @@
           <p:cNvPr id="2" name="Titolo 1">
             <a:extLst>
               <a:ext uri="{FF2B5EF4-FFF2-40B4-BE49-F238E27FC236}">
-                <a16:creationId xmlns:a16="http://schemas.microsoft.com/office/drawing/2014/main" id="{6ECDC3D7-AE47-40CE-9F2D-E3486ABFA2F5}"/>
+                <a16:creationId xmlns:a16="http://schemas.microsoft.com/office/drawing/2014/main" id="{8A5C6F8C-085B-449F-8C30-FECB6F251D9A}"/>
               </a:ext>
             </a:extLst>
           </p:cNvPr>
@@ -7526,7 +7527,7 @@
           <a:p>
             <a:r>
               <a:rPr lang="it-IT" dirty="0"/>
-              <a:t>modificatori di visibilità</a:t>
+              <a:t>distruttore</a:t>
             </a:r>
           </a:p>
         </p:txBody>
@@ -7536,7 +7537,7 @@
           <p:cNvPr id="3" name="Segnaposto contenuto 2">
             <a:extLst>
               <a:ext uri="{FF2B5EF4-FFF2-40B4-BE49-F238E27FC236}">
-                <a16:creationId xmlns:a16="http://schemas.microsoft.com/office/drawing/2014/main" id="{18E66119-B2EC-4CF3-8B60-84B979768BAF}"/>
+                <a16:creationId xmlns:a16="http://schemas.microsoft.com/office/drawing/2014/main" id="{24774422-4CDA-41BC-A779-DCC6B09E3B21}"/>
               </a:ext>
             </a:extLst>
           </p:cNvPr>
@@ -7553,93 +7554,77 @@
           <a:lstStyle/>
           <a:p>
             <a:r>
+              <a:rPr lang="it-IT" dirty="0"/>
+              <a:t>il </a:t>
+            </a:r>
+            <a:r>
               <a:rPr lang="it-IT" b="1" i="1" dirty="0"/>
-              <a:t>public</a:t>
+              <a:t>distruttore</a:t>
+            </a:r>
+            <a:r>
+              <a:rPr lang="it-IT" dirty="0"/>
+              <a:t> è una funzione membro speciale che viene chiamata quando </a:t>
+            </a:r>
+            <a:r>
+              <a:rPr lang="it-IT" b="1" i="1" dirty="0"/>
+              <a:t>termina il ciclo di vita </a:t>
+            </a:r>
+            <a:r>
+              <a:rPr lang="it-IT" dirty="0"/>
+              <a:t>di un oggetto</a:t>
+            </a:r>
+          </a:p>
+          <a:p>
+            <a:r>
+              <a:rPr lang="it-IT" dirty="0"/>
+              <a:t>lo scopo del distruttore è </a:t>
+            </a:r>
+            <a:r>
+              <a:rPr lang="it-IT" b="1" i="1" dirty="0"/>
+              <a:t>liberare le risorse </a:t>
+            </a:r>
+            <a:r>
+              <a:rPr lang="it-IT" dirty="0"/>
+              <a:t>impegnate dall’oggetto</a:t>
+            </a:r>
+          </a:p>
+          <a:p>
+            <a:r>
+              <a:rPr lang="it-IT" dirty="0"/>
+              <a:t>per ogni classe è possibile definire </a:t>
+            </a:r>
+            <a:r>
+              <a:rPr lang="it-IT" b="1" i="1" dirty="0"/>
+              <a:t>un solo distruttore </a:t>
+            </a:r>
+            <a:r>
+              <a:rPr lang="it-IT" dirty="0"/>
+              <a:t>che non ha tipo di ritorno e non ha parametri</a:t>
+            </a:r>
+          </a:p>
+          <a:p>
+            <a:r>
+              <a:rPr lang="it-IT" dirty="0"/>
+              <a:t>il nome del distruttore è formato dal simbolo </a:t>
+            </a:r>
+            <a:r>
+              <a:rPr lang="it-IT" b="1" dirty="0"/>
+              <a:t>~</a:t>
+            </a:r>
+            <a:r>
+              <a:rPr lang="it-IT" dirty="0"/>
+              <a:t> seguito dal nome della classe. es:</a:t>
             </a:r>
           </a:p>
           <a:p>
             <a:pPr lvl="1"/>
             <a:r>
-              <a:rPr lang="it-IT" dirty="0"/>
-              <a:t>consente a </a:t>
-            </a:r>
-            <a:r>
-              <a:rPr lang="it-IT" b="1" i="1" dirty="0"/>
-              <a:t>qualunque classe o oggetto </a:t>
-            </a:r>
-            <a:r>
-              <a:rPr lang="it-IT" dirty="0"/>
-              <a:t>di qualsiasi tipo di avere </a:t>
-            </a:r>
-            <a:r>
-              <a:rPr lang="it-IT" b="1" i="1" dirty="0"/>
-              <a:t>accesso</a:t>
-            </a:r>
-            <a:r>
-              <a:rPr lang="it-IT" dirty="0"/>
-              <a:t> all’attributo o al metodo a cui è applicato</a:t>
-            </a:r>
-          </a:p>
-          <a:p>
-            <a:r>
-              <a:rPr lang="it-IT" b="1" i="1" dirty="0" err="1"/>
-              <a:t>protected</a:t>
-            </a:r>
-            <a:endParaRPr lang="it-IT" b="1" i="1" dirty="0"/>
-          </a:p>
-          <a:p>
-            <a:pPr lvl="1"/>
-            <a:r>
-              <a:rPr lang="it-IT" dirty="0"/>
-              <a:t>consente l’accesso solo alle classi e agli oggetti il cui tipo è una </a:t>
-            </a:r>
-            <a:r>
-              <a:rPr lang="it-IT" b="1" i="1" dirty="0"/>
-              <a:t>sottoclasse</a:t>
-            </a:r>
-            <a:r>
-              <a:rPr lang="it-IT" dirty="0"/>
-              <a:t> di quella in cui è utilizzato</a:t>
-            </a:r>
-          </a:p>
-          <a:p>
-            <a:pPr lvl="2"/>
-            <a:r>
-              <a:rPr lang="it-IT" i="1" dirty="0"/>
-              <a:t>le sottoclassi saranno trattate in successive lezioni</a:t>
-            </a:r>
-          </a:p>
-          <a:p>
-            <a:r>
-              <a:rPr lang="it-IT" b="1" i="1" dirty="0"/>
-              <a:t>private</a:t>
-            </a:r>
-          </a:p>
-          <a:p>
-            <a:pPr lvl="1"/>
-            <a:r>
-              <a:rPr lang="it-IT" dirty="0"/>
-              <a:t>consente l’accesso </a:t>
-            </a:r>
-            <a:r>
-              <a:rPr lang="it-IT" b="1" i="1" dirty="0"/>
-              <a:t>solo</a:t>
-            </a:r>
-            <a:r>
-              <a:rPr lang="it-IT" dirty="0"/>
-              <a:t> agli oggetti della </a:t>
-            </a:r>
-            <a:r>
-              <a:rPr lang="it-IT" b="1" i="1" dirty="0"/>
-              <a:t>classe stessa </a:t>
-            </a:r>
-            <a:r>
-              <a:rPr lang="it-IT" dirty="0"/>
-              <a:t>in cui è definito</a:t>
-            </a:r>
-          </a:p>
-          <a:p>
-            <a:endParaRPr lang="it-IT" dirty="0"/>
+              <a:rPr lang="it-IT" b="1" dirty="0">
+                <a:latin typeface="Courier New" panose="02070309020205020404" pitchFamily="49" charset="0"/>
+                <a:cs typeface="Courier New" panose="02070309020205020404" pitchFamily="49" charset="0"/>
+              </a:rPr>
+              <a:t>~Tempo();</a:t>
+            </a:r>
           </a:p>
         </p:txBody>
       </p:sp>
@@ -7648,7 +7633,7 @@
           <p:cNvPr id="4" name="Segnaposto piè di pagina 3">
             <a:extLst>
               <a:ext uri="{FF2B5EF4-FFF2-40B4-BE49-F238E27FC236}">
-                <a16:creationId xmlns:a16="http://schemas.microsoft.com/office/drawing/2014/main" id="{D02AE214-6E0D-43F4-B378-A277574DBD35}"/>
+                <a16:creationId xmlns:a16="http://schemas.microsoft.com/office/drawing/2014/main" id="{90777F3B-EA3C-40F9-93A2-F030DC767491}"/>
               </a:ext>
             </a:extLst>
           </p:cNvPr>
@@ -7678,7 +7663,7 @@
     </p:spTree>
     <p:extLst>
       <p:ext uri="{BB962C8B-B14F-4D97-AF65-F5344CB8AC3E}">
-        <p14:creationId xmlns:p14="http://schemas.microsoft.com/office/powerpoint/2010/main" val="60786914"/>
+        <p14:creationId xmlns:p14="http://schemas.microsoft.com/office/powerpoint/2010/main" val="575784713"/>
       </p:ext>
     </p:extLst>
   </p:cSld>
@@ -7955,6 +7940,208 @@
           <p:cNvPr id="2" name="Titolo 1">
             <a:extLst>
               <a:ext uri="{FF2B5EF4-FFF2-40B4-BE49-F238E27FC236}">
+                <a16:creationId xmlns:a16="http://schemas.microsoft.com/office/drawing/2014/main" id="{6ECDC3D7-AE47-40CE-9F2D-E3486ABFA2F5}"/>
+              </a:ext>
+            </a:extLst>
+          </p:cNvPr>
+          <p:cNvSpPr>
+            <a:spLocks noGrp="1"/>
+          </p:cNvSpPr>
+          <p:nvPr>
+            <p:ph type="title"/>
+          </p:nvPr>
+        </p:nvSpPr>
+        <p:spPr/>
+        <p:txBody>
+          <a:bodyPr/>
+          <a:lstStyle/>
+          <a:p>
+            <a:r>
+              <a:rPr lang="it-IT" dirty="0"/>
+              <a:t>modificatori di visibilità</a:t>
+            </a:r>
+          </a:p>
+        </p:txBody>
+      </p:sp>
+      <p:sp>
+        <p:nvSpPr>
+          <p:cNvPr id="3" name="Segnaposto contenuto 2">
+            <a:extLst>
+              <a:ext uri="{FF2B5EF4-FFF2-40B4-BE49-F238E27FC236}">
+                <a16:creationId xmlns:a16="http://schemas.microsoft.com/office/drawing/2014/main" id="{18E66119-B2EC-4CF3-8B60-84B979768BAF}"/>
+              </a:ext>
+            </a:extLst>
+          </p:cNvPr>
+          <p:cNvSpPr>
+            <a:spLocks noGrp="1"/>
+          </p:cNvSpPr>
+          <p:nvPr>
+            <p:ph idx="1"/>
+          </p:nvPr>
+        </p:nvSpPr>
+        <p:spPr/>
+        <p:txBody>
+          <a:bodyPr/>
+          <a:lstStyle/>
+          <a:p>
+            <a:r>
+              <a:rPr lang="it-IT" b="1" i="1" dirty="0"/>
+              <a:t>public</a:t>
+            </a:r>
+          </a:p>
+          <a:p>
+            <a:pPr lvl="1"/>
+            <a:r>
+              <a:rPr lang="it-IT" dirty="0"/>
+              <a:t>consente a </a:t>
+            </a:r>
+            <a:r>
+              <a:rPr lang="it-IT" b="1" i="1" dirty="0"/>
+              <a:t>qualunque classe o oggetto </a:t>
+            </a:r>
+            <a:r>
+              <a:rPr lang="it-IT" dirty="0"/>
+              <a:t>di qualsiasi tipo di avere </a:t>
+            </a:r>
+            <a:r>
+              <a:rPr lang="it-IT" b="1" i="1" dirty="0"/>
+              <a:t>accesso</a:t>
+            </a:r>
+            <a:r>
+              <a:rPr lang="it-IT" dirty="0"/>
+              <a:t> all’attributo o al metodo a cui è applicato</a:t>
+            </a:r>
+          </a:p>
+          <a:p>
+            <a:r>
+              <a:rPr lang="it-IT" b="1" i="1" dirty="0" err="1"/>
+              <a:t>protected</a:t>
+            </a:r>
+            <a:endParaRPr lang="it-IT" b="1" i="1" dirty="0"/>
+          </a:p>
+          <a:p>
+            <a:pPr lvl="1"/>
+            <a:r>
+              <a:rPr lang="it-IT" dirty="0"/>
+              <a:t>consente l’accesso solo alle classi e agli oggetti il cui tipo è una </a:t>
+            </a:r>
+            <a:r>
+              <a:rPr lang="it-IT" b="1" i="1" dirty="0"/>
+              <a:t>sottoclasse</a:t>
+            </a:r>
+            <a:r>
+              <a:rPr lang="it-IT" dirty="0"/>
+              <a:t> di quella in cui è utilizzato</a:t>
+            </a:r>
+          </a:p>
+          <a:p>
+            <a:pPr lvl="2"/>
+            <a:r>
+              <a:rPr lang="it-IT" i="1" dirty="0"/>
+              <a:t>le sottoclassi saranno trattate in successive lezioni</a:t>
+            </a:r>
+          </a:p>
+          <a:p>
+            <a:r>
+              <a:rPr lang="it-IT" b="1" i="1" dirty="0"/>
+              <a:t>private</a:t>
+            </a:r>
+          </a:p>
+          <a:p>
+            <a:pPr lvl="1"/>
+            <a:r>
+              <a:rPr lang="it-IT" dirty="0"/>
+              <a:t>consente l’accesso </a:t>
+            </a:r>
+            <a:r>
+              <a:rPr lang="it-IT" b="1" i="1" dirty="0"/>
+              <a:t>solo</a:t>
+            </a:r>
+            <a:r>
+              <a:rPr lang="it-IT" dirty="0"/>
+              <a:t> agli oggetti della </a:t>
+            </a:r>
+            <a:r>
+              <a:rPr lang="it-IT" b="1" i="1" dirty="0"/>
+              <a:t>classe stessa </a:t>
+            </a:r>
+            <a:r>
+              <a:rPr lang="it-IT" dirty="0"/>
+              <a:t>in cui è definito</a:t>
+            </a:r>
+          </a:p>
+          <a:p>
+            <a:endParaRPr lang="it-IT" dirty="0"/>
+          </a:p>
+        </p:txBody>
+      </p:sp>
+      <p:sp>
+        <p:nvSpPr>
+          <p:cNvPr id="4" name="Segnaposto piè di pagina 3">
+            <a:extLst>
+              <a:ext uri="{FF2B5EF4-FFF2-40B4-BE49-F238E27FC236}">
+                <a16:creationId xmlns:a16="http://schemas.microsoft.com/office/drawing/2014/main" id="{D02AE214-6E0D-43F4-B378-A277574DBD35}"/>
+              </a:ext>
+            </a:extLst>
+          </p:cNvPr>
+          <p:cNvSpPr>
+            <a:spLocks noGrp="1"/>
+          </p:cNvSpPr>
+          <p:nvPr>
+            <p:ph type="ftr" sz="quarter" idx="11"/>
+          </p:nvPr>
+        </p:nvSpPr>
+        <p:spPr/>
+        <p:txBody>
+          <a:bodyPr/>
+          <a:lstStyle/>
+          <a:p>
+            <a:pPr>
+              <a:defRPr/>
+            </a:pPr>
+            <a:r>
+              <a:rPr lang="it-IT"/>
+              <a:t>Alberto Ferrari – Programmazione di applicazioni SW</a:t>
+            </a:r>
+            <a:endParaRPr lang="it-IT" dirty="0"/>
+          </a:p>
+        </p:txBody>
+      </p:sp>
+    </p:spTree>
+    <p:extLst>
+      <p:ext uri="{BB962C8B-B14F-4D97-AF65-F5344CB8AC3E}">
+        <p14:creationId xmlns:p14="http://schemas.microsoft.com/office/powerpoint/2010/main" val="60786914"/>
+      </p:ext>
+    </p:extLst>
+  </p:cSld>
+  <p:clrMapOvr>
+    <a:masterClrMapping/>
+  </p:clrMapOvr>
+</p:sld>
+</file>
+
+<file path=ppt/slides/slide21.xml><?xml version="1.0" encoding="utf-8"?>
+<p:sld xmlns:a="http://schemas.openxmlformats.org/drawingml/2006/main" xmlns:r="http://schemas.openxmlformats.org/officeDocument/2006/relationships" xmlns:p="http://schemas.openxmlformats.org/presentationml/2006/main">
+  <p:cSld>
+    <p:spTree>
+      <p:nvGrpSpPr>
+        <p:cNvPr id="1" name=""/>
+        <p:cNvGrpSpPr/>
+        <p:nvPr/>
+      </p:nvGrpSpPr>
+      <p:grpSpPr>
+        <a:xfrm>
+          <a:off x="0" y="0"/>
+          <a:ext cx="0" cy="0"/>
+          <a:chOff x="0" y="0"/>
+          <a:chExt cx="0" cy="0"/>
+        </a:xfrm>
+      </p:grpSpPr>
+      <p:sp>
+        <p:nvSpPr>
+          <p:cNvPr id="2" name="Titolo 1">
+            <a:extLst>
+              <a:ext uri="{FF2B5EF4-FFF2-40B4-BE49-F238E27FC236}">
                 <a16:creationId xmlns:a16="http://schemas.microsoft.com/office/drawing/2014/main" id="{AED2E1A0-1C6D-4192-8C79-A2418021F931}"/>
               </a:ext>
             </a:extLst>
@@ -7972,10 +8159,9 @@
           <a:lstStyle/>
           <a:p>
             <a:r>
-              <a:rPr lang="it-IT" dirty="0" err="1"/>
-              <a:t>incpsulamento</a:t>
-            </a:r>
-            <a:endParaRPr lang="it-IT" dirty="0"/>
+              <a:rPr lang="it-IT" dirty="0"/>
+              <a:t>incapsulamento</a:t>
+            </a:r>
           </a:p>
         </p:txBody>
       </p:sp>
@@ -8121,7 +8307,7 @@
 </p:sld>
 </file>
 
-<file path=ppt/slides/slide21.xml><?xml version="1.0" encoding="utf-8"?>
+<file path=ppt/slides/slide22.xml><?xml version="1.0" encoding="utf-8"?>
 <p:sld xmlns:a="http://schemas.openxmlformats.org/drawingml/2006/main" xmlns:r="http://schemas.openxmlformats.org/officeDocument/2006/relationships" xmlns:p="http://schemas.openxmlformats.org/presentationml/2006/main">
   <p:cSld>
     <p:spTree>
@@ -8402,7 +8588,7 @@
 </p:sld>
 </file>
 
-<file path=ppt/slides/slide22.xml><?xml version="1.0" encoding="utf-8"?>
+<file path=ppt/slides/slide23.xml><?xml version="1.0" encoding="utf-8"?>
 <p:sld xmlns:a="http://schemas.openxmlformats.org/drawingml/2006/main" xmlns:r="http://schemas.openxmlformats.org/officeDocument/2006/relationships" xmlns:p="http://schemas.openxmlformats.org/presentationml/2006/main">
   <p:cSld>
     <p:spTree>
@@ -8605,7 +8791,7 @@
 </p:sld>
 </file>
 
-<file path=ppt/slides/slide23.xml><?xml version="1.0" encoding="utf-8"?>
+<file path=ppt/slides/slide24.xml><?xml version="1.0" encoding="utf-8"?>
 <p:sld xmlns:a="http://schemas.openxmlformats.org/drawingml/2006/main" xmlns:r="http://schemas.openxmlformats.org/officeDocument/2006/relationships" xmlns:p="http://schemas.openxmlformats.org/presentationml/2006/main">
   <p:cSld>
     <p:spTree>
@@ -8860,7 +9046,7 @@
 </p:sld>
 </file>
 
-<file path=ppt/slides/slide24.xml><?xml version="1.0" encoding="utf-8"?>
+<file path=ppt/slides/slide25.xml><?xml version="1.0" encoding="utf-8"?>
 <p:sld xmlns:a="http://schemas.openxmlformats.org/drawingml/2006/main" xmlns:r="http://schemas.openxmlformats.org/officeDocument/2006/relationships" xmlns:p="http://schemas.openxmlformats.org/presentationml/2006/main">
   <p:cSld>
     <p:spTree>
@@ -9126,7 +9312,7 @@
 </p:sld>
 </file>
 
-<file path=ppt/slides/slide25.xml><?xml version="1.0" encoding="utf-8"?>
+<file path=ppt/slides/slide26.xml><?xml version="1.0" encoding="utf-8"?>
 <p:sld xmlns:a="http://schemas.openxmlformats.org/drawingml/2006/main" xmlns:r="http://schemas.openxmlformats.org/officeDocument/2006/relationships" xmlns:p="http://schemas.openxmlformats.org/presentationml/2006/main">
   <p:cSld>
     <p:spTree>
@@ -9311,7 +9497,7 @@
 </p:sld>
 </file>
 
-<file path=ppt/slides/slide26.xml><?xml version="1.0" encoding="utf-8"?>
+<file path=ppt/slides/slide27.xml><?xml version="1.0" encoding="utf-8"?>
 <p:sld xmlns:a="http://schemas.openxmlformats.org/drawingml/2006/main" xmlns:r="http://schemas.openxmlformats.org/officeDocument/2006/relationships" xmlns:p="http://schemas.openxmlformats.org/presentationml/2006/main">
   <p:cSld>
     <p:spTree>
@@ -9537,7 +9723,7 @@
 </p:sld>
 </file>
 
-<file path=ppt/slides/slide27.xml><?xml version="1.0" encoding="utf-8"?>
+<file path=ppt/slides/slide28.xml><?xml version="1.0" encoding="utf-8"?>
 <p:sld xmlns:a="http://schemas.openxmlformats.org/drawingml/2006/main" xmlns:r="http://schemas.openxmlformats.org/officeDocument/2006/relationships" xmlns:p="http://schemas.openxmlformats.org/presentationml/2006/main">
   <p:cSld>
     <p:spTree>
@@ -9675,7 +9861,7 @@
 </p:sld>
 </file>
 
-<file path=ppt/slides/slide28.xml><?xml version="1.0" encoding="utf-8"?>
+<file path=ppt/slides/slide29.xml><?xml version="1.0" encoding="utf-8"?>
 <p:sld xmlns:a="http://schemas.openxmlformats.org/drawingml/2006/main" xmlns:r="http://schemas.openxmlformats.org/officeDocument/2006/relationships" xmlns:p="http://schemas.openxmlformats.org/presentationml/2006/main">
   <p:cSld>
     <p:spTree>
@@ -9868,1643 +10054,6 @@
 </p:sld>
 </file>
 
-<file path=ppt/slides/slide29.xml><?xml version="1.0" encoding="utf-8"?>
-<p:sld xmlns:a="http://schemas.openxmlformats.org/drawingml/2006/main" xmlns:r="http://schemas.openxmlformats.org/officeDocument/2006/relationships" xmlns:p="http://schemas.openxmlformats.org/presentationml/2006/main">
-  <p:cSld>
-    <p:spTree>
-      <p:nvGrpSpPr>
-        <p:cNvPr id="1" name=""/>
-        <p:cNvGrpSpPr/>
-        <p:nvPr/>
-      </p:nvGrpSpPr>
-      <p:grpSpPr>
-        <a:xfrm>
-          <a:off x="0" y="0"/>
-          <a:ext cx="0" cy="0"/>
-          <a:chOff x="0" y="0"/>
-          <a:chExt cx="0" cy="0"/>
-        </a:xfrm>
-      </p:grpSpPr>
-      <p:sp>
-        <p:nvSpPr>
-          <p:cNvPr id="2" name="Titolo 1">
-            <a:extLst>
-              <a:ext uri="{FF2B5EF4-FFF2-40B4-BE49-F238E27FC236}">
-                <a16:creationId xmlns:a16="http://schemas.microsoft.com/office/drawing/2014/main" id="{8F83756D-8806-4520-940E-38F00B94B205}"/>
-              </a:ext>
-            </a:extLst>
-          </p:cNvPr>
-          <p:cNvSpPr>
-            <a:spLocks noGrp="1"/>
-          </p:cNvSpPr>
-          <p:nvPr>
-            <p:ph type="title"/>
-          </p:nvPr>
-        </p:nvSpPr>
-        <p:spPr/>
-        <p:txBody>
-          <a:bodyPr/>
-          <a:lstStyle/>
-          <a:p>
-            <a:r>
-              <a:rPr lang="it-IT" dirty="0"/>
-              <a:t>soluzione esercizio</a:t>
-            </a:r>
-          </a:p>
-        </p:txBody>
-      </p:sp>
-      <p:sp>
-        <p:nvSpPr>
-          <p:cNvPr id="3" name="Segnaposto contenuto 2">
-            <a:extLst>
-              <a:ext uri="{FF2B5EF4-FFF2-40B4-BE49-F238E27FC236}">
-                <a16:creationId xmlns:a16="http://schemas.microsoft.com/office/drawing/2014/main" id="{24114D0B-C108-4C15-94AB-79C2F95BCBA7}"/>
-              </a:ext>
-            </a:extLst>
-          </p:cNvPr>
-          <p:cNvSpPr>
-            <a:spLocks noGrp="1"/>
-          </p:cNvSpPr>
-          <p:nvPr>
-            <p:ph sz="half" idx="1"/>
-          </p:nvPr>
-        </p:nvSpPr>
-        <p:spPr/>
-        <p:txBody>
-          <a:bodyPr/>
-          <a:lstStyle/>
-          <a:p>
-            <a:pPr marL="0" indent="0">
-              <a:buNone/>
-            </a:pPr>
-            <a:r>
-              <a:rPr lang="it-IT" sz="1100" b="1" dirty="0">
-                <a:latin typeface="Courier New" panose="02070309020205020404" pitchFamily="49" charset="0"/>
-                <a:cs typeface="Courier New" panose="02070309020205020404" pitchFamily="49" charset="0"/>
-              </a:rPr>
-              <a:t>#include &lt;</a:t>
-            </a:r>
-            <a:r>
-              <a:rPr lang="it-IT" sz="1100" b="1" dirty="0" err="1">
-                <a:latin typeface="Courier New" panose="02070309020205020404" pitchFamily="49" charset="0"/>
-                <a:cs typeface="Courier New" panose="02070309020205020404" pitchFamily="49" charset="0"/>
-              </a:rPr>
-              <a:t>iostream</a:t>
-            </a:r>
-            <a:r>
-              <a:rPr lang="it-IT" sz="1100" b="1" dirty="0">
-                <a:latin typeface="Courier New" panose="02070309020205020404" pitchFamily="49" charset="0"/>
-                <a:cs typeface="Courier New" panose="02070309020205020404" pitchFamily="49" charset="0"/>
-              </a:rPr>
-              <a:t>&gt;</a:t>
-            </a:r>
-          </a:p>
-          <a:p>
-            <a:pPr marL="0" indent="0">
-              <a:buNone/>
-            </a:pPr>
-            <a:r>
-              <a:rPr lang="it-IT" sz="1100" b="1" dirty="0">
-                <a:latin typeface="Courier New" panose="02070309020205020404" pitchFamily="49" charset="0"/>
-                <a:cs typeface="Courier New" panose="02070309020205020404" pitchFamily="49" charset="0"/>
-              </a:rPr>
-              <a:t>#include &lt;</a:t>
-            </a:r>
-            <a:r>
-              <a:rPr lang="it-IT" sz="1100" b="1" dirty="0" err="1">
-                <a:latin typeface="Courier New" panose="02070309020205020404" pitchFamily="49" charset="0"/>
-                <a:cs typeface="Courier New" panose="02070309020205020404" pitchFamily="49" charset="0"/>
-              </a:rPr>
-              <a:t>cmath</a:t>
-            </a:r>
-            <a:r>
-              <a:rPr lang="it-IT" sz="1100" b="1" dirty="0">
-                <a:latin typeface="Courier New" panose="02070309020205020404" pitchFamily="49" charset="0"/>
-                <a:cs typeface="Courier New" panose="02070309020205020404" pitchFamily="49" charset="0"/>
-              </a:rPr>
-              <a:t>&gt;</a:t>
-            </a:r>
-          </a:p>
-          <a:p>
-            <a:pPr marL="0" indent="0">
-              <a:buNone/>
-            </a:pPr>
-            <a:r>
-              <a:rPr lang="it-IT" sz="1100" b="1" dirty="0">
-                <a:latin typeface="Courier New" panose="02070309020205020404" pitchFamily="49" charset="0"/>
-                <a:cs typeface="Courier New" panose="02070309020205020404" pitchFamily="49" charset="0"/>
-              </a:rPr>
-              <a:t>#include &lt;</a:t>
-            </a:r>
-            <a:r>
-              <a:rPr lang="it-IT" sz="1100" b="1" dirty="0" err="1">
-                <a:latin typeface="Courier New" panose="02070309020205020404" pitchFamily="49" charset="0"/>
-                <a:cs typeface="Courier New" panose="02070309020205020404" pitchFamily="49" charset="0"/>
-              </a:rPr>
-              <a:t>limits</a:t>
-            </a:r>
-            <a:r>
-              <a:rPr lang="it-IT" sz="1100" b="1" dirty="0">
-                <a:latin typeface="Courier New" panose="02070309020205020404" pitchFamily="49" charset="0"/>
-                <a:cs typeface="Courier New" panose="02070309020205020404" pitchFamily="49" charset="0"/>
-              </a:rPr>
-              <a:t>&gt;</a:t>
-            </a:r>
-          </a:p>
-          <a:p>
-            <a:pPr marL="0" indent="0">
-              <a:buNone/>
-            </a:pPr>
-            <a:r>
-              <a:rPr lang="it-IT" sz="1100" b="1" dirty="0">
-                <a:latin typeface="Courier New" panose="02070309020205020404" pitchFamily="49" charset="0"/>
-                <a:cs typeface="Courier New" panose="02070309020205020404" pitchFamily="49" charset="0"/>
-              </a:rPr>
-              <a:t>#include &lt;</a:t>
-            </a:r>
-            <a:r>
-              <a:rPr lang="it-IT" sz="1100" b="1" dirty="0" err="1">
-                <a:latin typeface="Courier New" panose="02070309020205020404" pitchFamily="49" charset="0"/>
-                <a:cs typeface="Courier New" panose="02070309020205020404" pitchFamily="49" charset="0"/>
-              </a:rPr>
-              <a:t>string</a:t>
-            </a:r>
-            <a:r>
-              <a:rPr lang="it-IT" sz="1100" b="1" dirty="0">
-                <a:latin typeface="Courier New" panose="02070309020205020404" pitchFamily="49" charset="0"/>
-                <a:cs typeface="Courier New" panose="02070309020205020404" pitchFamily="49" charset="0"/>
-              </a:rPr>
-              <a:t>&gt;</a:t>
-            </a:r>
-          </a:p>
-          <a:p>
-            <a:pPr marL="0" indent="0">
-              <a:buNone/>
-            </a:pPr>
-            <a:r>
-              <a:rPr lang="it-IT" sz="1100" b="1" dirty="0" err="1">
-                <a:latin typeface="Courier New" panose="02070309020205020404" pitchFamily="49" charset="0"/>
-                <a:cs typeface="Courier New" panose="02070309020205020404" pitchFamily="49" charset="0"/>
-              </a:rPr>
-              <a:t>using</a:t>
-            </a:r>
-            <a:r>
-              <a:rPr lang="it-IT" sz="1100" b="1" dirty="0">
-                <a:latin typeface="Courier New" panose="02070309020205020404" pitchFamily="49" charset="0"/>
-                <a:cs typeface="Courier New" panose="02070309020205020404" pitchFamily="49" charset="0"/>
-              </a:rPr>
-              <a:t> </a:t>
-            </a:r>
-            <a:r>
-              <a:rPr lang="it-IT" sz="1100" b="1" dirty="0" err="1">
-                <a:latin typeface="Courier New" panose="02070309020205020404" pitchFamily="49" charset="0"/>
-                <a:cs typeface="Courier New" panose="02070309020205020404" pitchFamily="49" charset="0"/>
-              </a:rPr>
-              <a:t>namespace</a:t>
-            </a:r>
-            <a:r>
-              <a:rPr lang="it-IT" sz="1100" b="1" dirty="0">
-                <a:latin typeface="Courier New" panose="02070309020205020404" pitchFamily="49" charset="0"/>
-                <a:cs typeface="Courier New" panose="02070309020205020404" pitchFamily="49" charset="0"/>
-              </a:rPr>
-              <a:t> </a:t>
-            </a:r>
-            <a:r>
-              <a:rPr lang="it-IT" sz="1100" b="1" dirty="0" err="1">
-                <a:latin typeface="Courier New" panose="02070309020205020404" pitchFamily="49" charset="0"/>
-                <a:cs typeface="Courier New" panose="02070309020205020404" pitchFamily="49" charset="0"/>
-              </a:rPr>
-              <a:t>std</a:t>
-            </a:r>
-            <a:r>
-              <a:rPr lang="it-IT" sz="1100" b="1" dirty="0">
-                <a:latin typeface="Courier New" panose="02070309020205020404" pitchFamily="49" charset="0"/>
-                <a:cs typeface="Courier New" panose="02070309020205020404" pitchFamily="49" charset="0"/>
-              </a:rPr>
-              <a:t>;</a:t>
-            </a:r>
-          </a:p>
-          <a:p>
-            <a:pPr marL="0" indent="0">
-              <a:buNone/>
-            </a:pPr>
-            <a:r>
-              <a:rPr lang="it-IT" sz="1100" b="1" dirty="0">
-                <a:latin typeface="Courier New" panose="02070309020205020404" pitchFamily="49" charset="0"/>
-                <a:cs typeface="Courier New" panose="02070309020205020404" pitchFamily="49" charset="0"/>
-              </a:rPr>
-              <a:t>class </a:t>
-            </a:r>
-            <a:r>
-              <a:rPr lang="it-IT" sz="1100" b="1" dirty="0">
-                <a:solidFill>
-                  <a:srgbClr val="FF0000"/>
-                </a:solidFill>
-                <a:latin typeface="Courier New" panose="02070309020205020404" pitchFamily="49" charset="0"/>
-                <a:cs typeface="Courier New" panose="02070309020205020404" pitchFamily="49" charset="0"/>
-              </a:rPr>
-              <a:t>Equazione</a:t>
-            </a:r>
-            <a:r>
-              <a:rPr lang="it-IT" sz="1100" b="1" dirty="0">
-                <a:latin typeface="Courier New" panose="02070309020205020404" pitchFamily="49" charset="0"/>
-                <a:cs typeface="Courier New" panose="02070309020205020404" pitchFamily="49" charset="0"/>
-              </a:rPr>
-              <a:t> {</a:t>
-            </a:r>
-          </a:p>
-          <a:p>
-            <a:pPr marL="0" indent="0">
-              <a:buNone/>
-            </a:pPr>
-            <a:r>
-              <a:rPr lang="it-IT" sz="1100" b="1" dirty="0">
-                <a:latin typeface="Courier New" panose="02070309020205020404" pitchFamily="49" charset="0"/>
-                <a:cs typeface="Courier New" panose="02070309020205020404" pitchFamily="49" charset="0"/>
-              </a:rPr>
-              <a:t>   </a:t>
-            </a:r>
-            <a:r>
-              <a:rPr lang="it-IT" sz="1100" b="1" dirty="0">
-                <a:solidFill>
-                  <a:srgbClr val="0070C0"/>
-                </a:solidFill>
-                <a:latin typeface="Courier New" panose="02070309020205020404" pitchFamily="49" charset="0"/>
-                <a:cs typeface="Courier New" panose="02070309020205020404" pitchFamily="49" charset="0"/>
-              </a:rPr>
-              <a:t>public</a:t>
-            </a:r>
-            <a:r>
-              <a:rPr lang="it-IT" sz="1100" b="1" dirty="0">
-                <a:latin typeface="Courier New" panose="02070309020205020404" pitchFamily="49" charset="0"/>
-                <a:cs typeface="Courier New" panose="02070309020205020404" pitchFamily="49" charset="0"/>
-              </a:rPr>
-              <a:t>:</a:t>
-            </a:r>
-          </a:p>
-          <a:p>
-            <a:pPr marL="0" indent="0">
-              <a:buNone/>
-            </a:pPr>
-            <a:r>
-              <a:rPr lang="it-IT" sz="1100" b="1" dirty="0">
-                <a:latin typeface="Courier New" panose="02070309020205020404" pitchFamily="49" charset="0"/>
-                <a:cs typeface="Courier New" panose="02070309020205020404" pitchFamily="49" charset="0"/>
-              </a:rPr>
-              <a:t>     </a:t>
-            </a:r>
-            <a:r>
-              <a:rPr lang="it-IT" sz="1100" b="1" dirty="0">
-                <a:solidFill>
-                  <a:srgbClr val="FF0000"/>
-                </a:solidFill>
-                <a:latin typeface="Courier New" panose="02070309020205020404" pitchFamily="49" charset="0"/>
-                <a:cs typeface="Courier New" panose="02070309020205020404" pitchFamily="49" charset="0"/>
-              </a:rPr>
-              <a:t>Equazione()</a:t>
-            </a:r>
-            <a:r>
-              <a:rPr lang="it-IT" sz="1100" b="1" dirty="0">
-                <a:latin typeface="Courier New" panose="02070309020205020404" pitchFamily="49" charset="0"/>
-                <a:cs typeface="Courier New" panose="02070309020205020404" pitchFamily="49" charset="0"/>
-              </a:rPr>
-              <a:t> { a=1; b=1; c=1; }</a:t>
-            </a:r>
-          </a:p>
-          <a:p>
-            <a:pPr marL="0" indent="0">
-              <a:buNone/>
-            </a:pPr>
-            <a:r>
-              <a:rPr lang="it-IT" sz="1100" b="1" dirty="0">
-                <a:latin typeface="Courier New" panose="02070309020205020404" pitchFamily="49" charset="0"/>
-                <a:cs typeface="Courier New" panose="02070309020205020404" pitchFamily="49" charset="0"/>
-              </a:rPr>
-              <a:t>     </a:t>
-            </a:r>
-            <a:r>
-              <a:rPr lang="it-IT" sz="1100" b="1" dirty="0">
-                <a:solidFill>
-                  <a:srgbClr val="FF0000"/>
-                </a:solidFill>
-                <a:latin typeface="Courier New" panose="02070309020205020404" pitchFamily="49" charset="0"/>
-                <a:cs typeface="Courier New" panose="02070309020205020404" pitchFamily="49" charset="0"/>
-              </a:rPr>
-              <a:t>Equazione(double </a:t>
-            </a:r>
-            <a:r>
-              <a:rPr lang="it-IT" sz="1100" b="1" dirty="0" err="1">
-                <a:solidFill>
-                  <a:srgbClr val="FF0000"/>
-                </a:solidFill>
-                <a:latin typeface="Courier New" panose="02070309020205020404" pitchFamily="49" charset="0"/>
-                <a:cs typeface="Courier New" panose="02070309020205020404" pitchFamily="49" charset="0"/>
-              </a:rPr>
-              <a:t>c_a</a:t>
-            </a:r>
-            <a:r>
-              <a:rPr lang="it-IT" sz="1100" b="1" dirty="0">
-                <a:solidFill>
-                  <a:srgbClr val="FF0000"/>
-                </a:solidFill>
-                <a:latin typeface="Courier New" panose="02070309020205020404" pitchFamily="49" charset="0"/>
-                <a:cs typeface="Courier New" panose="02070309020205020404" pitchFamily="49" charset="0"/>
-              </a:rPr>
-              <a:t>, double </a:t>
-            </a:r>
-            <a:r>
-              <a:rPr lang="it-IT" sz="1100" b="1" dirty="0" err="1">
-                <a:solidFill>
-                  <a:srgbClr val="FF0000"/>
-                </a:solidFill>
-                <a:latin typeface="Courier New" panose="02070309020205020404" pitchFamily="49" charset="0"/>
-                <a:cs typeface="Courier New" panose="02070309020205020404" pitchFamily="49" charset="0"/>
-              </a:rPr>
-              <a:t>c_b</a:t>
-            </a:r>
-            <a:r>
-              <a:rPr lang="it-IT" sz="1100" b="1" dirty="0">
-                <a:solidFill>
-                  <a:srgbClr val="FF0000"/>
-                </a:solidFill>
-                <a:latin typeface="Courier New" panose="02070309020205020404" pitchFamily="49" charset="0"/>
-                <a:cs typeface="Courier New" panose="02070309020205020404" pitchFamily="49" charset="0"/>
-              </a:rPr>
-              <a:t>, double </a:t>
-            </a:r>
-            <a:r>
-              <a:rPr lang="it-IT" sz="1100" b="1" dirty="0" err="1">
-                <a:solidFill>
-                  <a:srgbClr val="FF0000"/>
-                </a:solidFill>
-                <a:latin typeface="Courier New" panose="02070309020205020404" pitchFamily="49" charset="0"/>
-                <a:cs typeface="Courier New" panose="02070309020205020404" pitchFamily="49" charset="0"/>
-              </a:rPr>
-              <a:t>c_c</a:t>
-            </a:r>
-            <a:r>
-              <a:rPr lang="it-IT" sz="1100" b="1" dirty="0">
-                <a:solidFill>
-                  <a:srgbClr val="FF0000"/>
-                </a:solidFill>
-                <a:latin typeface="Courier New" panose="02070309020205020404" pitchFamily="49" charset="0"/>
-                <a:cs typeface="Courier New" panose="02070309020205020404" pitchFamily="49" charset="0"/>
-              </a:rPr>
-              <a:t>)</a:t>
-            </a:r>
-            <a:r>
-              <a:rPr lang="it-IT" sz="1100" b="1" dirty="0">
-                <a:latin typeface="Courier New" panose="02070309020205020404" pitchFamily="49" charset="0"/>
-                <a:cs typeface="Courier New" panose="02070309020205020404" pitchFamily="49" charset="0"/>
-              </a:rPr>
-              <a:t>{</a:t>
-            </a:r>
-          </a:p>
-          <a:p>
-            <a:pPr marL="0" indent="0">
-              <a:buNone/>
-            </a:pPr>
-            <a:r>
-              <a:rPr lang="it-IT" sz="1100" b="1" dirty="0">
-                <a:latin typeface="Courier New" panose="02070309020205020404" pitchFamily="49" charset="0"/>
-                <a:cs typeface="Courier New" panose="02070309020205020404" pitchFamily="49" charset="0"/>
-              </a:rPr>
-              <a:t>       a=</a:t>
-            </a:r>
-            <a:r>
-              <a:rPr lang="it-IT" sz="1100" b="1" dirty="0" err="1">
-                <a:latin typeface="Courier New" panose="02070309020205020404" pitchFamily="49" charset="0"/>
-                <a:cs typeface="Courier New" panose="02070309020205020404" pitchFamily="49" charset="0"/>
-              </a:rPr>
-              <a:t>c_a</a:t>
-            </a:r>
-            <a:r>
-              <a:rPr lang="it-IT" sz="1100" b="1" dirty="0">
-                <a:latin typeface="Courier New" panose="02070309020205020404" pitchFamily="49" charset="0"/>
-                <a:cs typeface="Courier New" panose="02070309020205020404" pitchFamily="49" charset="0"/>
-              </a:rPr>
-              <a:t>; b=</a:t>
-            </a:r>
-            <a:r>
-              <a:rPr lang="it-IT" sz="1100" b="1" dirty="0" err="1">
-                <a:latin typeface="Courier New" panose="02070309020205020404" pitchFamily="49" charset="0"/>
-                <a:cs typeface="Courier New" panose="02070309020205020404" pitchFamily="49" charset="0"/>
-              </a:rPr>
-              <a:t>c_b</a:t>
-            </a:r>
-            <a:r>
-              <a:rPr lang="it-IT" sz="1100" b="1" dirty="0">
-                <a:latin typeface="Courier New" panose="02070309020205020404" pitchFamily="49" charset="0"/>
-                <a:cs typeface="Courier New" panose="02070309020205020404" pitchFamily="49" charset="0"/>
-              </a:rPr>
-              <a:t>; c=</a:t>
-            </a:r>
-            <a:r>
-              <a:rPr lang="it-IT" sz="1100" b="1" dirty="0" err="1">
-                <a:latin typeface="Courier New" panose="02070309020205020404" pitchFamily="49" charset="0"/>
-                <a:cs typeface="Courier New" panose="02070309020205020404" pitchFamily="49" charset="0"/>
-              </a:rPr>
-              <a:t>c_c</a:t>
-            </a:r>
-            <a:r>
-              <a:rPr lang="it-IT" sz="1100" b="1" dirty="0">
-                <a:latin typeface="Courier New" panose="02070309020205020404" pitchFamily="49" charset="0"/>
-                <a:cs typeface="Courier New" panose="02070309020205020404" pitchFamily="49" charset="0"/>
-              </a:rPr>
-              <a:t>;   </a:t>
-            </a:r>
-          </a:p>
-          <a:p>
-            <a:pPr marL="0" indent="0">
-              <a:buNone/>
-            </a:pPr>
-            <a:r>
-              <a:rPr lang="it-IT" sz="1100" b="1" dirty="0">
-                <a:latin typeface="Courier New" panose="02070309020205020404" pitchFamily="49" charset="0"/>
-                <a:cs typeface="Courier New" panose="02070309020205020404" pitchFamily="49" charset="0"/>
-              </a:rPr>
-              <a:t>     }    </a:t>
-            </a:r>
-          </a:p>
-          <a:p>
-            <a:pPr marL="0" indent="0">
-              <a:buNone/>
-            </a:pPr>
-            <a:r>
-              <a:rPr lang="it-IT" sz="1100" b="1" dirty="0">
-                <a:latin typeface="Courier New" panose="02070309020205020404" pitchFamily="49" charset="0"/>
-                <a:cs typeface="Courier New" panose="02070309020205020404" pitchFamily="49" charset="0"/>
-              </a:rPr>
-              <a:t>   </a:t>
-            </a:r>
-            <a:r>
-              <a:rPr lang="it-IT" sz="1100" b="1" dirty="0">
-                <a:solidFill>
-                  <a:srgbClr val="FF0000"/>
-                </a:solidFill>
-                <a:latin typeface="Courier New" panose="02070309020205020404" pitchFamily="49" charset="0"/>
-                <a:cs typeface="Courier New" panose="02070309020205020404" pitchFamily="49" charset="0"/>
-              </a:rPr>
-              <a:t>double</a:t>
-            </a:r>
-            <a:r>
-              <a:rPr lang="it-IT" sz="1100" b="1" dirty="0">
-                <a:latin typeface="Courier New" panose="02070309020205020404" pitchFamily="49" charset="0"/>
-                <a:cs typeface="Courier New" panose="02070309020205020404" pitchFamily="49" charset="0"/>
-              </a:rPr>
-              <a:t> </a:t>
-            </a:r>
-            <a:r>
-              <a:rPr lang="it-IT" sz="1100" b="1" dirty="0" err="1">
-                <a:solidFill>
-                  <a:srgbClr val="FF0000"/>
-                </a:solidFill>
-                <a:latin typeface="Courier New" panose="02070309020205020404" pitchFamily="49" charset="0"/>
-                <a:cs typeface="Courier New" panose="02070309020205020404" pitchFamily="49" charset="0"/>
-              </a:rPr>
-              <a:t>getA</a:t>
-            </a:r>
-            <a:r>
-              <a:rPr lang="it-IT" sz="1100" b="1" dirty="0">
-                <a:solidFill>
-                  <a:srgbClr val="FF0000"/>
-                </a:solidFill>
-                <a:latin typeface="Courier New" panose="02070309020205020404" pitchFamily="49" charset="0"/>
-                <a:cs typeface="Courier New" panose="02070309020205020404" pitchFamily="49" charset="0"/>
-              </a:rPr>
-              <a:t>()</a:t>
-            </a:r>
-            <a:r>
-              <a:rPr lang="it-IT" sz="1100" b="1" dirty="0">
-                <a:latin typeface="Courier New" panose="02070309020205020404" pitchFamily="49" charset="0"/>
-                <a:cs typeface="Courier New" panose="02070309020205020404" pitchFamily="49" charset="0"/>
-              </a:rPr>
-              <a:t> { </a:t>
-            </a:r>
-            <a:r>
-              <a:rPr lang="it-IT" sz="1100" b="1" dirty="0" err="1">
-                <a:latin typeface="Courier New" panose="02070309020205020404" pitchFamily="49" charset="0"/>
-                <a:cs typeface="Courier New" panose="02070309020205020404" pitchFamily="49" charset="0"/>
-              </a:rPr>
-              <a:t>return</a:t>
-            </a:r>
-            <a:r>
-              <a:rPr lang="it-IT" sz="1100" b="1" dirty="0">
-                <a:latin typeface="Courier New" panose="02070309020205020404" pitchFamily="49" charset="0"/>
-                <a:cs typeface="Courier New" panose="02070309020205020404" pitchFamily="49" charset="0"/>
-              </a:rPr>
-              <a:t> a; }</a:t>
-            </a:r>
-          </a:p>
-          <a:p>
-            <a:pPr marL="0" indent="0">
-              <a:buNone/>
-            </a:pPr>
-            <a:r>
-              <a:rPr lang="it-IT" sz="1100" b="1" dirty="0">
-                <a:latin typeface="Courier New" panose="02070309020205020404" pitchFamily="49" charset="0"/>
-                <a:cs typeface="Courier New" panose="02070309020205020404" pitchFamily="49" charset="0"/>
-              </a:rPr>
-              <a:t>   </a:t>
-            </a:r>
-            <a:r>
-              <a:rPr lang="it-IT" sz="1100" b="1" dirty="0" err="1">
-                <a:solidFill>
-                  <a:srgbClr val="FF0000"/>
-                </a:solidFill>
-                <a:latin typeface="Courier New" panose="02070309020205020404" pitchFamily="49" charset="0"/>
-                <a:cs typeface="Courier New" panose="02070309020205020404" pitchFamily="49" charset="0"/>
-              </a:rPr>
-              <a:t>void</a:t>
-            </a:r>
-            <a:r>
-              <a:rPr lang="it-IT" sz="1100" b="1" dirty="0">
-                <a:latin typeface="Courier New" panose="02070309020205020404" pitchFamily="49" charset="0"/>
-                <a:cs typeface="Courier New" panose="02070309020205020404" pitchFamily="49" charset="0"/>
-              </a:rPr>
-              <a:t> </a:t>
-            </a:r>
-            <a:r>
-              <a:rPr lang="it-IT" sz="1100" b="1" dirty="0" err="1">
-                <a:solidFill>
-                  <a:srgbClr val="FF0000"/>
-                </a:solidFill>
-                <a:latin typeface="Courier New" panose="02070309020205020404" pitchFamily="49" charset="0"/>
-                <a:cs typeface="Courier New" panose="02070309020205020404" pitchFamily="49" charset="0"/>
-              </a:rPr>
-              <a:t>setA</a:t>
-            </a:r>
-            <a:r>
-              <a:rPr lang="it-IT" sz="1100" b="1" dirty="0">
-                <a:solidFill>
-                  <a:srgbClr val="FF0000"/>
-                </a:solidFill>
-                <a:latin typeface="Courier New" panose="02070309020205020404" pitchFamily="49" charset="0"/>
-                <a:cs typeface="Courier New" panose="02070309020205020404" pitchFamily="49" charset="0"/>
-              </a:rPr>
-              <a:t>(double v) </a:t>
-            </a:r>
-            <a:r>
-              <a:rPr lang="it-IT" sz="1100" b="1" dirty="0">
-                <a:latin typeface="Courier New" panose="02070309020205020404" pitchFamily="49" charset="0"/>
-                <a:cs typeface="Courier New" panose="02070309020205020404" pitchFamily="49" charset="0"/>
-              </a:rPr>
-              <a:t>{ a=v; }</a:t>
-            </a:r>
-          </a:p>
-          <a:p>
-            <a:pPr marL="0" indent="0">
-              <a:buNone/>
-            </a:pPr>
-            <a:r>
-              <a:rPr lang="it-IT" sz="1100" b="1" dirty="0">
-                <a:latin typeface="Courier New" panose="02070309020205020404" pitchFamily="49" charset="0"/>
-                <a:cs typeface="Courier New" panose="02070309020205020404" pitchFamily="49" charset="0"/>
-              </a:rPr>
-              <a:t>   …	</a:t>
-            </a:r>
-          </a:p>
-          <a:p>
-            <a:pPr marL="0" indent="0">
-              <a:buNone/>
-            </a:pPr>
-            <a:r>
-              <a:rPr lang="it-IT" sz="1100" b="1" dirty="0">
-                <a:latin typeface="Courier New" panose="02070309020205020404" pitchFamily="49" charset="0"/>
-                <a:cs typeface="Courier New" panose="02070309020205020404" pitchFamily="49" charset="0"/>
-              </a:rPr>
-              <a:t>   //  numero di soluzioni reali</a:t>
-            </a:r>
-          </a:p>
-          <a:p>
-            <a:pPr marL="0" indent="0">
-              <a:buNone/>
-            </a:pPr>
-            <a:r>
-              <a:rPr lang="it-IT" sz="1100" b="1" dirty="0">
-                <a:latin typeface="Courier New" panose="02070309020205020404" pitchFamily="49" charset="0"/>
-                <a:cs typeface="Courier New" panose="02070309020205020404" pitchFamily="49" charset="0"/>
-              </a:rPr>
-              <a:t>   </a:t>
-            </a:r>
-            <a:r>
-              <a:rPr lang="it-IT" sz="1100" b="1" dirty="0" err="1">
-                <a:solidFill>
-                  <a:srgbClr val="FF0000"/>
-                </a:solidFill>
-                <a:latin typeface="Courier New" panose="02070309020205020404" pitchFamily="49" charset="0"/>
-                <a:cs typeface="Courier New" panose="02070309020205020404" pitchFamily="49" charset="0"/>
-              </a:rPr>
-              <a:t>int</a:t>
-            </a:r>
-            <a:r>
-              <a:rPr lang="it-IT" sz="1100" b="1" dirty="0">
-                <a:solidFill>
-                  <a:srgbClr val="FF0000"/>
-                </a:solidFill>
-                <a:latin typeface="Courier New" panose="02070309020205020404" pitchFamily="49" charset="0"/>
-                <a:cs typeface="Courier New" panose="02070309020205020404" pitchFamily="49" charset="0"/>
-              </a:rPr>
-              <a:t> </a:t>
-            </a:r>
-            <a:r>
-              <a:rPr lang="it-IT" sz="1100" b="1" dirty="0" err="1">
-                <a:solidFill>
-                  <a:srgbClr val="FF0000"/>
-                </a:solidFill>
-                <a:latin typeface="Courier New" panose="02070309020205020404" pitchFamily="49" charset="0"/>
-                <a:cs typeface="Courier New" panose="02070309020205020404" pitchFamily="49" charset="0"/>
-              </a:rPr>
-              <a:t>numSolReali</a:t>
-            </a:r>
-            <a:r>
-              <a:rPr lang="it-IT" sz="1100" b="1" dirty="0">
-                <a:solidFill>
-                  <a:srgbClr val="FF0000"/>
-                </a:solidFill>
-                <a:latin typeface="Courier New" panose="02070309020205020404" pitchFamily="49" charset="0"/>
-                <a:cs typeface="Courier New" panose="02070309020205020404" pitchFamily="49" charset="0"/>
-              </a:rPr>
-              <a:t>()</a:t>
-            </a:r>
-            <a:r>
-              <a:rPr lang="it-IT" sz="1100" b="1" dirty="0">
-                <a:latin typeface="Courier New" panose="02070309020205020404" pitchFamily="49" charset="0"/>
-                <a:cs typeface="Courier New" panose="02070309020205020404" pitchFamily="49" charset="0"/>
-              </a:rPr>
-              <a:t>	{</a:t>
-            </a:r>
-          </a:p>
-          <a:p>
-            <a:pPr marL="0" indent="0">
-              <a:buNone/>
-            </a:pPr>
-            <a:r>
-              <a:rPr lang="it-IT" sz="1100" b="1" dirty="0">
-                <a:latin typeface="Courier New" panose="02070309020205020404" pitchFamily="49" charset="0"/>
-                <a:cs typeface="Courier New" panose="02070309020205020404" pitchFamily="49" charset="0"/>
-              </a:rPr>
-              <a:t>     </a:t>
-            </a:r>
-            <a:r>
-              <a:rPr lang="it-IT" sz="1100" b="1" dirty="0" err="1">
-                <a:latin typeface="Courier New" panose="02070309020205020404" pitchFamily="49" charset="0"/>
-                <a:cs typeface="Courier New" panose="02070309020205020404" pitchFamily="49" charset="0"/>
-              </a:rPr>
-              <a:t>if</a:t>
-            </a:r>
-            <a:r>
-              <a:rPr lang="it-IT" sz="1100" b="1" dirty="0">
-                <a:latin typeface="Courier New" panose="02070309020205020404" pitchFamily="49" charset="0"/>
-                <a:cs typeface="Courier New" panose="02070309020205020404" pitchFamily="49" charset="0"/>
-              </a:rPr>
-              <a:t> (a==0 &amp;&amp; b!=0) </a:t>
-            </a:r>
-            <a:r>
-              <a:rPr lang="it-IT" sz="1100" b="1" dirty="0" err="1">
-                <a:latin typeface="Courier New" panose="02070309020205020404" pitchFamily="49" charset="0"/>
-                <a:cs typeface="Courier New" panose="02070309020205020404" pitchFamily="49" charset="0"/>
-              </a:rPr>
-              <a:t>return</a:t>
-            </a:r>
-            <a:r>
-              <a:rPr lang="it-IT" sz="1100" b="1" dirty="0">
-                <a:latin typeface="Courier New" panose="02070309020205020404" pitchFamily="49" charset="0"/>
-                <a:cs typeface="Courier New" panose="02070309020205020404" pitchFamily="49" charset="0"/>
-              </a:rPr>
-              <a:t> 1;</a:t>
-            </a:r>
-          </a:p>
-          <a:p>
-            <a:pPr marL="0" indent="0">
-              <a:buNone/>
-            </a:pPr>
-            <a:r>
-              <a:rPr lang="it-IT" sz="1100" b="1" dirty="0">
-                <a:latin typeface="Courier New" panose="02070309020205020404" pitchFamily="49" charset="0"/>
-                <a:cs typeface="Courier New" panose="02070309020205020404" pitchFamily="49" charset="0"/>
-              </a:rPr>
-              <a:t>     </a:t>
-            </a:r>
-            <a:r>
-              <a:rPr lang="it-IT" sz="1100" b="1" dirty="0" err="1">
-                <a:latin typeface="Courier New" panose="02070309020205020404" pitchFamily="49" charset="0"/>
-                <a:cs typeface="Courier New" panose="02070309020205020404" pitchFamily="49" charset="0"/>
-              </a:rPr>
-              <a:t>if</a:t>
-            </a:r>
-            <a:r>
-              <a:rPr lang="it-IT" sz="1100" b="1" dirty="0">
-                <a:latin typeface="Courier New" panose="02070309020205020404" pitchFamily="49" charset="0"/>
-                <a:cs typeface="Courier New" panose="02070309020205020404" pitchFamily="49" charset="0"/>
-              </a:rPr>
-              <a:t> (a==0 &amp;&amp; b==0) </a:t>
-            </a:r>
-            <a:r>
-              <a:rPr lang="it-IT" sz="1100" b="1" dirty="0" err="1">
-                <a:latin typeface="Courier New" panose="02070309020205020404" pitchFamily="49" charset="0"/>
-                <a:cs typeface="Courier New" panose="02070309020205020404" pitchFamily="49" charset="0"/>
-              </a:rPr>
-              <a:t>return</a:t>
-            </a:r>
-            <a:r>
-              <a:rPr lang="it-IT" sz="1100" b="1" dirty="0">
-                <a:latin typeface="Courier New" panose="02070309020205020404" pitchFamily="49" charset="0"/>
-                <a:cs typeface="Courier New" panose="02070309020205020404" pitchFamily="49" charset="0"/>
-              </a:rPr>
-              <a:t> 0;</a:t>
-            </a:r>
-          </a:p>
-          <a:p>
-            <a:pPr marL="0" indent="0">
-              <a:buNone/>
-            </a:pPr>
-            <a:r>
-              <a:rPr lang="it-IT" sz="1100" b="1" dirty="0">
-                <a:latin typeface="Courier New" panose="02070309020205020404" pitchFamily="49" charset="0"/>
-                <a:cs typeface="Courier New" panose="02070309020205020404" pitchFamily="49" charset="0"/>
-              </a:rPr>
-              <a:t>     </a:t>
-            </a:r>
-            <a:r>
-              <a:rPr lang="it-IT" sz="1100" b="1" dirty="0" err="1">
-                <a:latin typeface="Courier New" panose="02070309020205020404" pitchFamily="49" charset="0"/>
-                <a:cs typeface="Courier New" panose="02070309020205020404" pitchFamily="49" charset="0"/>
-              </a:rPr>
-              <a:t>if</a:t>
-            </a:r>
-            <a:r>
-              <a:rPr lang="it-IT" sz="1100" b="1" dirty="0">
-                <a:latin typeface="Courier New" panose="02070309020205020404" pitchFamily="49" charset="0"/>
-                <a:cs typeface="Courier New" panose="02070309020205020404" pitchFamily="49" charset="0"/>
-              </a:rPr>
-              <a:t> (delta()&lt;0)    </a:t>
-            </a:r>
-            <a:r>
-              <a:rPr lang="it-IT" sz="1100" b="1" dirty="0" err="1">
-                <a:latin typeface="Courier New" panose="02070309020205020404" pitchFamily="49" charset="0"/>
-                <a:cs typeface="Courier New" panose="02070309020205020404" pitchFamily="49" charset="0"/>
-              </a:rPr>
-              <a:t>return</a:t>
-            </a:r>
-            <a:r>
-              <a:rPr lang="it-IT" sz="1100" b="1" dirty="0">
-                <a:latin typeface="Courier New" panose="02070309020205020404" pitchFamily="49" charset="0"/>
-                <a:cs typeface="Courier New" panose="02070309020205020404" pitchFamily="49" charset="0"/>
-              </a:rPr>
-              <a:t> 0;</a:t>
-            </a:r>
-          </a:p>
-          <a:p>
-            <a:pPr marL="0" indent="0">
-              <a:buNone/>
-            </a:pPr>
-            <a:r>
-              <a:rPr lang="it-IT" sz="1100" b="1" dirty="0">
-                <a:latin typeface="Courier New" panose="02070309020205020404" pitchFamily="49" charset="0"/>
-                <a:cs typeface="Courier New" panose="02070309020205020404" pitchFamily="49" charset="0"/>
-              </a:rPr>
-              <a:t>     </a:t>
-            </a:r>
-            <a:r>
-              <a:rPr lang="it-IT" sz="1100" b="1" dirty="0" err="1">
-                <a:latin typeface="Courier New" panose="02070309020205020404" pitchFamily="49" charset="0"/>
-                <a:cs typeface="Courier New" panose="02070309020205020404" pitchFamily="49" charset="0"/>
-              </a:rPr>
-              <a:t>if</a:t>
-            </a:r>
-            <a:r>
-              <a:rPr lang="it-IT" sz="1100" b="1" dirty="0">
-                <a:latin typeface="Courier New" panose="02070309020205020404" pitchFamily="49" charset="0"/>
-                <a:cs typeface="Courier New" panose="02070309020205020404" pitchFamily="49" charset="0"/>
-              </a:rPr>
-              <a:t> (delta()==0)   </a:t>
-            </a:r>
-            <a:r>
-              <a:rPr lang="it-IT" sz="1100" b="1" dirty="0" err="1">
-                <a:latin typeface="Courier New" panose="02070309020205020404" pitchFamily="49" charset="0"/>
-                <a:cs typeface="Courier New" panose="02070309020205020404" pitchFamily="49" charset="0"/>
-              </a:rPr>
-              <a:t>return</a:t>
-            </a:r>
-            <a:r>
-              <a:rPr lang="it-IT" sz="1100" b="1" dirty="0">
-                <a:latin typeface="Courier New" panose="02070309020205020404" pitchFamily="49" charset="0"/>
-                <a:cs typeface="Courier New" panose="02070309020205020404" pitchFamily="49" charset="0"/>
-              </a:rPr>
-              <a:t> 1;</a:t>
-            </a:r>
-          </a:p>
-          <a:p>
-            <a:pPr marL="0" indent="0">
-              <a:buNone/>
-            </a:pPr>
-            <a:r>
-              <a:rPr lang="it-IT" sz="1100" b="1" dirty="0">
-                <a:latin typeface="Courier New" panose="02070309020205020404" pitchFamily="49" charset="0"/>
-                <a:cs typeface="Courier New" panose="02070309020205020404" pitchFamily="49" charset="0"/>
-              </a:rPr>
-              <a:t>     </a:t>
-            </a:r>
-            <a:r>
-              <a:rPr lang="it-IT" sz="1100" b="1" dirty="0" err="1">
-                <a:latin typeface="Courier New" panose="02070309020205020404" pitchFamily="49" charset="0"/>
-                <a:cs typeface="Courier New" panose="02070309020205020404" pitchFamily="49" charset="0"/>
-              </a:rPr>
-              <a:t>return</a:t>
-            </a:r>
-            <a:r>
-              <a:rPr lang="it-IT" sz="1100" b="1" dirty="0">
-                <a:latin typeface="Courier New" panose="02070309020205020404" pitchFamily="49" charset="0"/>
-                <a:cs typeface="Courier New" panose="02070309020205020404" pitchFamily="49" charset="0"/>
-              </a:rPr>
-              <a:t> 2;</a:t>
-            </a:r>
-          </a:p>
-          <a:p>
-            <a:pPr marL="0" indent="0">
-              <a:buNone/>
-            </a:pPr>
-            <a:r>
-              <a:rPr lang="it-IT" sz="1100" b="1" dirty="0">
-                <a:latin typeface="Courier New" panose="02070309020205020404" pitchFamily="49" charset="0"/>
-                <a:cs typeface="Courier New" panose="02070309020205020404" pitchFamily="49" charset="0"/>
-              </a:rPr>
-              <a:t>   }</a:t>
-            </a:r>
-          </a:p>
-        </p:txBody>
-      </p:sp>
-      <p:sp>
-        <p:nvSpPr>
-          <p:cNvPr id="4" name="Segnaposto contenuto 3">
-            <a:extLst>
-              <a:ext uri="{FF2B5EF4-FFF2-40B4-BE49-F238E27FC236}">
-                <a16:creationId xmlns:a16="http://schemas.microsoft.com/office/drawing/2014/main" id="{ADC48B68-E622-40DF-970B-CFF43A218E68}"/>
-              </a:ext>
-            </a:extLst>
-          </p:cNvPr>
-          <p:cNvSpPr>
-            <a:spLocks noGrp="1"/>
-          </p:cNvSpPr>
-          <p:nvPr>
-            <p:ph sz="half" idx="2"/>
-          </p:nvPr>
-        </p:nvSpPr>
-        <p:spPr/>
-        <p:txBody>
-          <a:bodyPr/>
-          <a:lstStyle/>
-          <a:p>
-            <a:pPr marL="0" indent="0">
-              <a:buNone/>
-            </a:pPr>
-            <a:r>
-              <a:rPr lang="it-IT" sz="1100" b="1" dirty="0">
-                <a:solidFill>
-                  <a:srgbClr val="FF0000"/>
-                </a:solidFill>
-                <a:latin typeface="Courier New" panose="02070309020205020404" pitchFamily="49" charset="0"/>
-                <a:cs typeface="Courier New" panose="02070309020205020404" pitchFamily="49" charset="0"/>
-              </a:rPr>
-              <a:t>double soluzione1() </a:t>
-            </a:r>
-            <a:r>
-              <a:rPr lang="it-IT" sz="1100" b="1" dirty="0">
-                <a:latin typeface="Courier New" panose="02070309020205020404" pitchFamily="49" charset="0"/>
-                <a:cs typeface="Courier New" panose="02070309020205020404" pitchFamily="49" charset="0"/>
-              </a:rPr>
-              <a:t>{</a:t>
-            </a:r>
-          </a:p>
-          <a:p>
-            <a:pPr marL="0" indent="0">
-              <a:buNone/>
-            </a:pPr>
-            <a:r>
-              <a:rPr lang="it-IT" sz="1100" b="1" dirty="0">
-                <a:latin typeface="Courier New" panose="02070309020205020404" pitchFamily="49" charset="0"/>
-                <a:cs typeface="Courier New" panose="02070309020205020404" pitchFamily="49" charset="0"/>
-              </a:rPr>
-              <a:t>   </a:t>
-            </a:r>
-            <a:r>
-              <a:rPr lang="it-IT" sz="1100" b="1" dirty="0" err="1">
-                <a:latin typeface="Courier New" panose="02070309020205020404" pitchFamily="49" charset="0"/>
-                <a:cs typeface="Courier New" panose="02070309020205020404" pitchFamily="49" charset="0"/>
-              </a:rPr>
-              <a:t>if</a:t>
-            </a:r>
-            <a:r>
-              <a:rPr lang="it-IT" sz="1100" b="1" dirty="0">
-                <a:latin typeface="Courier New" panose="02070309020205020404" pitchFamily="49" charset="0"/>
-                <a:cs typeface="Courier New" panose="02070309020205020404" pitchFamily="49" charset="0"/>
-              </a:rPr>
-              <a:t> (a==0 &amp;&amp; b!=0) </a:t>
-            </a:r>
-            <a:r>
-              <a:rPr lang="it-IT" sz="1100" b="1" dirty="0" err="1">
-                <a:latin typeface="Courier New" panose="02070309020205020404" pitchFamily="49" charset="0"/>
-                <a:cs typeface="Courier New" panose="02070309020205020404" pitchFamily="49" charset="0"/>
-              </a:rPr>
-              <a:t>return</a:t>
-            </a:r>
-            <a:r>
-              <a:rPr lang="it-IT" sz="1100" b="1" dirty="0">
-                <a:latin typeface="Courier New" panose="02070309020205020404" pitchFamily="49" charset="0"/>
-                <a:cs typeface="Courier New" panose="02070309020205020404" pitchFamily="49" charset="0"/>
-              </a:rPr>
-              <a:t> (-c/b);</a:t>
-            </a:r>
-          </a:p>
-          <a:p>
-            <a:pPr marL="0" indent="0">
-              <a:buNone/>
-            </a:pPr>
-            <a:r>
-              <a:rPr lang="it-IT" sz="1100" b="1" dirty="0">
-                <a:latin typeface="Courier New" panose="02070309020205020404" pitchFamily="49" charset="0"/>
-                <a:cs typeface="Courier New" panose="02070309020205020404" pitchFamily="49" charset="0"/>
-              </a:rPr>
-              <a:t>   </a:t>
-            </a:r>
-            <a:r>
-              <a:rPr lang="it-IT" sz="1100" b="1" dirty="0" err="1">
-                <a:latin typeface="Courier New" panose="02070309020205020404" pitchFamily="49" charset="0"/>
-                <a:cs typeface="Courier New" panose="02070309020205020404" pitchFamily="49" charset="0"/>
-              </a:rPr>
-              <a:t>if</a:t>
-            </a:r>
-            <a:r>
-              <a:rPr lang="it-IT" sz="1100" b="1" dirty="0">
-                <a:latin typeface="Courier New" panose="02070309020205020404" pitchFamily="49" charset="0"/>
-                <a:cs typeface="Courier New" panose="02070309020205020404" pitchFamily="49" charset="0"/>
-              </a:rPr>
-              <a:t> (delta()&gt;=0)	</a:t>
-            </a:r>
-            <a:r>
-              <a:rPr lang="it-IT" sz="1100" b="1" dirty="0" err="1">
-                <a:latin typeface="Courier New" panose="02070309020205020404" pitchFamily="49" charset="0"/>
-                <a:cs typeface="Courier New" panose="02070309020205020404" pitchFamily="49" charset="0"/>
-              </a:rPr>
-              <a:t>return</a:t>
-            </a:r>
-            <a:r>
-              <a:rPr lang="it-IT" sz="1100" b="1" dirty="0">
-                <a:latin typeface="Courier New" panose="02070309020205020404" pitchFamily="49" charset="0"/>
-                <a:cs typeface="Courier New" panose="02070309020205020404" pitchFamily="49" charset="0"/>
-              </a:rPr>
-              <a:t> ((-b-</a:t>
-            </a:r>
-            <a:r>
-              <a:rPr lang="it-IT" sz="1100" b="1" dirty="0" err="1">
-                <a:latin typeface="Courier New" panose="02070309020205020404" pitchFamily="49" charset="0"/>
-                <a:cs typeface="Courier New" panose="02070309020205020404" pitchFamily="49" charset="0"/>
-              </a:rPr>
-              <a:t>sqrt</a:t>
-            </a:r>
-            <a:r>
-              <a:rPr lang="it-IT" sz="1100" b="1" dirty="0">
-                <a:latin typeface="Courier New" panose="02070309020205020404" pitchFamily="49" charset="0"/>
-                <a:cs typeface="Courier New" panose="02070309020205020404" pitchFamily="49" charset="0"/>
-              </a:rPr>
-              <a:t>(delta()))/a);</a:t>
-            </a:r>
-          </a:p>
-          <a:p>
-            <a:pPr marL="0" indent="0">
-              <a:buNone/>
-            </a:pPr>
-            <a:r>
-              <a:rPr lang="it-IT" sz="1100" b="1" dirty="0">
-                <a:latin typeface="Courier New" panose="02070309020205020404" pitchFamily="49" charset="0"/>
-                <a:cs typeface="Courier New" panose="02070309020205020404" pitchFamily="49" charset="0"/>
-              </a:rPr>
-              <a:t>   </a:t>
-            </a:r>
-            <a:r>
-              <a:rPr lang="it-IT" sz="1100" b="1" dirty="0" err="1">
-                <a:latin typeface="Courier New" panose="02070309020205020404" pitchFamily="49" charset="0"/>
-                <a:cs typeface="Courier New" panose="02070309020205020404" pitchFamily="49" charset="0"/>
-              </a:rPr>
-              <a:t>return</a:t>
-            </a:r>
-            <a:r>
-              <a:rPr lang="it-IT" sz="1100" b="1" dirty="0">
-                <a:latin typeface="Courier New" panose="02070309020205020404" pitchFamily="49" charset="0"/>
-                <a:cs typeface="Courier New" panose="02070309020205020404" pitchFamily="49" charset="0"/>
-              </a:rPr>
-              <a:t> </a:t>
-            </a:r>
-            <a:r>
-              <a:rPr lang="it-IT" sz="1100" b="1" dirty="0" err="1">
-                <a:latin typeface="Courier New" panose="02070309020205020404" pitchFamily="49" charset="0"/>
-                <a:cs typeface="Courier New" panose="02070309020205020404" pitchFamily="49" charset="0"/>
-              </a:rPr>
-              <a:t>std</a:t>
-            </a:r>
-            <a:r>
-              <a:rPr lang="it-IT" sz="1100" b="1" dirty="0">
-                <a:latin typeface="Courier New" panose="02070309020205020404" pitchFamily="49" charset="0"/>
-                <a:cs typeface="Courier New" panose="02070309020205020404" pitchFamily="49" charset="0"/>
-              </a:rPr>
-              <a:t>::</a:t>
-            </a:r>
-            <a:r>
-              <a:rPr lang="it-IT" sz="1100" b="1" dirty="0" err="1">
-                <a:latin typeface="Courier New" panose="02070309020205020404" pitchFamily="49" charset="0"/>
-                <a:cs typeface="Courier New" panose="02070309020205020404" pitchFamily="49" charset="0"/>
-              </a:rPr>
-              <a:t>numeric_limits</a:t>
-            </a:r>
-            <a:r>
-              <a:rPr lang="it-IT" sz="1100" b="1" dirty="0">
-                <a:latin typeface="Courier New" panose="02070309020205020404" pitchFamily="49" charset="0"/>
-                <a:cs typeface="Courier New" panose="02070309020205020404" pitchFamily="49" charset="0"/>
-              </a:rPr>
-              <a:t>&lt;double&gt;::</a:t>
-            </a:r>
-            <a:r>
-              <a:rPr lang="it-IT" sz="1100" b="1" dirty="0" err="1">
-                <a:latin typeface="Courier New" panose="02070309020205020404" pitchFamily="49" charset="0"/>
-                <a:cs typeface="Courier New" panose="02070309020205020404" pitchFamily="49" charset="0"/>
-              </a:rPr>
-              <a:t>min</a:t>
-            </a:r>
-            <a:r>
-              <a:rPr lang="it-IT" sz="1100" b="1" dirty="0">
-                <a:latin typeface="Courier New" panose="02070309020205020404" pitchFamily="49" charset="0"/>
-                <a:cs typeface="Courier New" panose="02070309020205020404" pitchFamily="49" charset="0"/>
-              </a:rPr>
-              <a:t>();</a:t>
-            </a:r>
-          </a:p>
-          <a:p>
-            <a:pPr marL="0" indent="0">
-              <a:buNone/>
-            </a:pPr>
-            <a:r>
-              <a:rPr lang="it-IT" sz="1100" b="1" dirty="0">
-                <a:latin typeface="Courier New" panose="02070309020205020404" pitchFamily="49" charset="0"/>
-                <a:cs typeface="Courier New" panose="02070309020205020404" pitchFamily="49" charset="0"/>
-              </a:rPr>
-              <a:t>}</a:t>
-            </a:r>
-          </a:p>
-          <a:p>
-            <a:pPr marL="0" indent="0">
-              <a:buNone/>
-            </a:pPr>
-            <a:r>
-              <a:rPr lang="it-IT" sz="1100" b="1" dirty="0">
-                <a:solidFill>
-                  <a:srgbClr val="FF0000"/>
-                </a:solidFill>
-                <a:latin typeface="Courier New" panose="02070309020205020404" pitchFamily="49" charset="0"/>
-                <a:cs typeface="Courier New" panose="02070309020205020404" pitchFamily="49" charset="0"/>
-              </a:rPr>
-              <a:t>double soluzione2() </a:t>
-            </a:r>
-            <a:r>
-              <a:rPr lang="it-IT" sz="1100" b="1" dirty="0">
-                <a:latin typeface="Courier New" panose="02070309020205020404" pitchFamily="49" charset="0"/>
-                <a:cs typeface="Courier New" panose="02070309020205020404" pitchFamily="49" charset="0"/>
-              </a:rPr>
-              <a:t>{</a:t>
-            </a:r>
-          </a:p>
-          <a:p>
-            <a:pPr marL="0" indent="0">
-              <a:buNone/>
-            </a:pPr>
-            <a:r>
-              <a:rPr lang="it-IT" sz="1100" b="1" dirty="0">
-                <a:latin typeface="Courier New" panose="02070309020205020404" pitchFamily="49" charset="0"/>
-                <a:cs typeface="Courier New" panose="02070309020205020404" pitchFamily="49" charset="0"/>
-              </a:rPr>
-              <a:t>   …</a:t>
-            </a:r>
-          </a:p>
-          <a:p>
-            <a:pPr marL="0" indent="0">
-              <a:buNone/>
-            </a:pPr>
-            <a:r>
-              <a:rPr lang="it-IT" sz="1100" b="1" dirty="0">
-                <a:latin typeface="Courier New" panose="02070309020205020404" pitchFamily="49" charset="0"/>
-                <a:cs typeface="Courier New" panose="02070309020205020404" pitchFamily="49" charset="0"/>
-              </a:rPr>
-              <a:t>}	</a:t>
-            </a:r>
-          </a:p>
-          <a:p>
-            <a:pPr marL="0" indent="0">
-              <a:buNone/>
-            </a:pPr>
-            <a:r>
-              <a:rPr lang="it-IT" sz="1100" b="1" dirty="0" err="1">
-                <a:solidFill>
-                  <a:srgbClr val="FF0000"/>
-                </a:solidFill>
-                <a:latin typeface="Courier New" panose="02070309020205020404" pitchFamily="49" charset="0"/>
-                <a:cs typeface="Courier New" panose="02070309020205020404" pitchFamily="49" charset="0"/>
-              </a:rPr>
-              <a:t>string</a:t>
-            </a:r>
-            <a:r>
-              <a:rPr lang="it-IT" sz="1100" b="1" dirty="0">
-                <a:solidFill>
-                  <a:srgbClr val="FF0000"/>
-                </a:solidFill>
-                <a:latin typeface="Courier New" panose="02070309020205020404" pitchFamily="49" charset="0"/>
-                <a:cs typeface="Courier New" panose="02070309020205020404" pitchFamily="49" charset="0"/>
-              </a:rPr>
-              <a:t> </a:t>
-            </a:r>
-            <a:r>
-              <a:rPr lang="it-IT" sz="1100" b="1" dirty="0" err="1">
-                <a:solidFill>
-                  <a:srgbClr val="FF0000"/>
-                </a:solidFill>
-                <a:latin typeface="Courier New" panose="02070309020205020404" pitchFamily="49" charset="0"/>
-                <a:cs typeface="Courier New" panose="02070309020205020404" pitchFamily="49" charset="0"/>
-              </a:rPr>
-              <a:t>toString</a:t>
-            </a:r>
-            <a:r>
-              <a:rPr lang="it-IT" sz="1100" b="1" dirty="0">
-                <a:solidFill>
-                  <a:srgbClr val="FF0000"/>
-                </a:solidFill>
-                <a:latin typeface="Courier New" panose="02070309020205020404" pitchFamily="49" charset="0"/>
-                <a:cs typeface="Courier New" panose="02070309020205020404" pitchFamily="49" charset="0"/>
-              </a:rPr>
-              <a:t>() </a:t>
-            </a:r>
-            <a:r>
-              <a:rPr lang="it-IT" sz="1100" b="1" dirty="0">
-                <a:latin typeface="Courier New" panose="02070309020205020404" pitchFamily="49" charset="0"/>
-                <a:cs typeface="Courier New" panose="02070309020205020404" pitchFamily="49" charset="0"/>
-              </a:rPr>
-              <a:t>{</a:t>
-            </a:r>
-          </a:p>
-          <a:p>
-            <a:pPr marL="0" indent="0">
-              <a:buNone/>
-            </a:pPr>
-            <a:r>
-              <a:rPr lang="it-IT" sz="1100" b="1" dirty="0">
-                <a:latin typeface="Courier New" panose="02070309020205020404" pitchFamily="49" charset="0"/>
-                <a:cs typeface="Courier New" panose="02070309020205020404" pitchFamily="49" charset="0"/>
-              </a:rPr>
-              <a:t>   </a:t>
-            </a:r>
-            <a:r>
-              <a:rPr lang="it-IT" sz="1100" b="1" dirty="0" err="1">
-                <a:latin typeface="Courier New" panose="02070309020205020404" pitchFamily="49" charset="0"/>
-                <a:cs typeface="Courier New" panose="02070309020205020404" pitchFamily="49" charset="0"/>
-              </a:rPr>
-              <a:t>string</a:t>
-            </a:r>
-            <a:r>
-              <a:rPr lang="it-IT" sz="1100" b="1" dirty="0">
-                <a:latin typeface="Courier New" panose="02070309020205020404" pitchFamily="49" charset="0"/>
-                <a:cs typeface="Courier New" panose="02070309020205020404" pitchFamily="49" charset="0"/>
-              </a:rPr>
-              <a:t> s = "";</a:t>
-            </a:r>
-          </a:p>
-          <a:p>
-            <a:pPr marL="0" indent="0">
-              <a:buNone/>
-            </a:pPr>
-            <a:r>
-              <a:rPr lang="it-IT" sz="1100" b="1" dirty="0">
-                <a:latin typeface="Courier New" panose="02070309020205020404" pitchFamily="49" charset="0"/>
-                <a:cs typeface="Courier New" panose="02070309020205020404" pitchFamily="49" charset="0"/>
-              </a:rPr>
-              <a:t>   </a:t>
-            </a:r>
-            <a:r>
-              <a:rPr lang="it-IT" sz="1100" b="1" dirty="0" err="1">
-                <a:latin typeface="Courier New" panose="02070309020205020404" pitchFamily="49" charset="0"/>
-                <a:cs typeface="Courier New" panose="02070309020205020404" pitchFamily="49" charset="0"/>
-              </a:rPr>
-              <a:t>if</a:t>
-            </a:r>
-            <a:r>
-              <a:rPr lang="it-IT" sz="1100" b="1" dirty="0">
-                <a:latin typeface="Courier New" panose="02070309020205020404" pitchFamily="49" charset="0"/>
-                <a:cs typeface="Courier New" panose="02070309020205020404" pitchFamily="49" charset="0"/>
-              </a:rPr>
-              <a:t> (a!=0) s += </a:t>
-            </a:r>
-            <a:r>
-              <a:rPr lang="it-IT" sz="1100" b="1" dirty="0" err="1">
-                <a:latin typeface="Courier New" panose="02070309020205020404" pitchFamily="49" charset="0"/>
-                <a:cs typeface="Courier New" panose="02070309020205020404" pitchFamily="49" charset="0"/>
-              </a:rPr>
-              <a:t>to_string</a:t>
-            </a:r>
-            <a:r>
-              <a:rPr lang="it-IT" sz="1100" b="1" dirty="0">
-                <a:latin typeface="Courier New" panose="02070309020205020404" pitchFamily="49" charset="0"/>
-                <a:cs typeface="Courier New" panose="02070309020205020404" pitchFamily="49" charset="0"/>
-              </a:rPr>
-              <a:t>(a) + "x^2 ";</a:t>
-            </a:r>
-          </a:p>
-          <a:p>
-            <a:pPr marL="0" indent="0">
-              <a:buNone/>
-            </a:pPr>
-            <a:r>
-              <a:rPr lang="it-IT" sz="1100" b="1" dirty="0">
-                <a:latin typeface="Courier New" panose="02070309020205020404" pitchFamily="49" charset="0"/>
-                <a:cs typeface="Courier New" panose="02070309020205020404" pitchFamily="49" charset="0"/>
-              </a:rPr>
-              <a:t>   </a:t>
-            </a:r>
-            <a:r>
-              <a:rPr lang="it-IT" sz="1100" b="1" dirty="0" err="1">
-                <a:latin typeface="Courier New" panose="02070309020205020404" pitchFamily="49" charset="0"/>
-                <a:cs typeface="Courier New" panose="02070309020205020404" pitchFamily="49" charset="0"/>
-              </a:rPr>
-              <a:t>if</a:t>
-            </a:r>
-            <a:r>
-              <a:rPr lang="it-IT" sz="1100" b="1" dirty="0">
-                <a:latin typeface="Courier New" panose="02070309020205020404" pitchFamily="49" charset="0"/>
-                <a:cs typeface="Courier New" panose="02070309020205020404" pitchFamily="49" charset="0"/>
-              </a:rPr>
-              <a:t> (b&gt;0) s += "+" + </a:t>
-            </a:r>
-            <a:r>
-              <a:rPr lang="it-IT" sz="1100" b="1" dirty="0" err="1">
-                <a:latin typeface="Courier New" panose="02070309020205020404" pitchFamily="49" charset="0"/>
-                <a:cs typeface="Courier New" panose="02070309020205020404" pitchFamily="49" charset="0"/>
-              </a:rPr>
-              <a:t>to_string</a:t>
-            </a:r>
-            <a:r>
-              <a:rPr lang="it-IT" sz="1100" b="1" dirty="0">
-                <a:latin typeface="Courier New" panose="02070309020205020404" pitchFamily="49" charset="0"/>
-                <a:cs typeface="Courier New" panose="02070309020205020404" pitchFamily="49" charset="0"/>
-              </a:rPr>
-              <a:t>(b) + "x ";</a:t>
-            </a:r>
-          </a:p>
-          <a:p>
-            <a:pPr marL="0" indent="0">
-              <a:buNone/>
-            </a:pPr>
-            <a:r>
-              <a:rPr lang="it-IT" sz="1100" b="1" dirty="0">
-                <a:latin typeface="Courier New" panose="02070309020205020404" pitchFamily="49" charset="0"/>
-                <a:cs typeface="Courier New" panose="02070309020205020404" pitchFamily="49" charset="0"/>
-              </a:rPr>
-              <a:t>   </a:t>
-            </a:r>
-            <a:r>
-              <a:rPr lang="it-IT" sz="1100" b="1" dirty="0" err="1">
-                <a:latin typeface="Courier New" panose="02070309020205020404" pitchFamily="49" charset="0"/>
-                <a:cs typeface="Courier New" panose="02070309020205020404" pitchFamily="49" charset="0"/>
-              </a:rPr>
-              <a:t>if</a:t>
-            </a:r>
-            <a:r>
-              <a:rPr lang="it-IT" sz="1100" b="1" dirty="0">
-                <a:latin typeface="Courier New" panose="02070309020205020404" pitchFamily="49" charset="0"/>
-                <a:cs typeface="Courier New" panose="02070309020205020404" pitchFamily="49" charset="0"/>
-              </a:rPr>
-              <a:t> (b&lt;0) s += </a:t>
-            </a:r>
-            <a:r>
-              <a:rPr lang="it-IT" sz="1100" b="1" dirty="0" err="1">
-                <a:latin typeface="Courier New" panose="02070309020205020404" pitchFamily="49" charset="0"/>
-                <a:cs typeface="Courier New" panose="02070309020205020404" pitchFamily="49" charset="0"/>
-              </a:rPr>
-              <a:t>to_string</a:t>
-            </a:r>
-            <a:r>
-              <a:rPr lang="it-IT" sz="1100" b="1" dirty="0">
-                <a:latin typeface="Courier New" panose="02070309020205020404" pitchFamily="49" charset="0"/>
-                <a:cs typeface="Courier New" panose="02070309020205020404" pitchFamily="49" charset="0"/>
-              </a:rPr>
-              <a:t>(b) + "x ";</a:t>
-            </a:r>
-          </a:p>
-          <a:p>
-            <a:pPr marL="0" indent="0">
-              <a:buNone/>
-            </a:pPr>
-            <a:r>
-              <a:rPr lang="it-IT" sz="1100" b="1" dirty="0">
-                <a:latin typeface="Courier New" panose="02070309020205020404" pitchFamily="49" charset="0"/>
-                <a:cs typeface="Courier New" panose="02070309020205020404" pitchFamily="49" charset="0"/>
-              </a:rPr>
-              <a:t>   </a:t>
-            </a:r>
-            <a:r>
-              <a:rPr lang="it-IT" sz="1100" b="1" dirty="0" err="1">
-                <a:latin typeface="Courier New" panose="02070309020205020404" pitchFamily="49" charset="0"/>
-                <a:cs typeface="Courier New" panose="02070309020205020404" pitchFamily="49" charset="0"/>
-              </a:rPr>
-              <a:t>if</a:t>
-            </a:r>
-            <a:r>
-              <a:rPr lang="it-IT" sz="1100" b="1" dirty="0">
-                <a:latin typeface="Courier New" panose="02070309020205020404" pitchFamily="49" charset="0"/>
-                <a:cs typeface="Courier New" panose="02070309020205020404" pitchFamily="49" charset="0"/>
-              </a:rPr>
-              <a:t> (c&gt;0) s += "+" + </a:t>
-            </a:r>
-            <a:r>
-              <a:rPr lang="it-IT" sz="1100" b="1" dirty="0" err="1">
-                <a:latin typeface="Courier New" panose="02070309020205020404" pitchFamily="49" charset="0"/>
-                <a:cs typeface="Courier New" panose="02070309020205020404" pitchFamily="49" charset="0"/>
-              </a:rPr>
-              <a:t>to_string</a:t>
-            </a:r>
-            <a:r>
-              <a:rPr lang="it-IT" sz="1100" b="1" dirty="0">
-                <a:latin typeface="Courier New" panose="02070309020205020404" pitchFamily="49" charset="0"/>
-                <a:cs typeface="Courier New" panose="02070309020205020404" pitchFamily="49" charset="0"/>
-              </a:rPr>
-              <a:t>(c);</a:t>
-            </a:r>
-          </a:p>
-          <a:p>
-            <a:pPr marL="0" indent="0">
-              <a:buNone/>
-            </a:pPr>
-            <a:r>
-              <a:rPr lang="it-IT" sz="1100" b="1" dirty="0">
-                <a:latin typeface="Courier New" panose="02070309020205020404" pitchFamily="49" charset="0"/>
-                <a:cs typeface="Courier New" panose="02070309020205020404" pitchFamily="49" charset="0"/>
-              </a:rPr>
-              <a:t>   </a:t>
-            </a:r>
-            <a:r>
-              <a:rPr lang="it-IT" sz="1100" b="1" dirty="0" err="1">
-                <a:latin typeface="Courier New" panose="02070309020205020404" pitchFamily="49" charset="0"/>
-                <a:cs typeface="Courier New" panose="02070309020205020404" pitchFamily="49" charset="0"/>
-              </a:rPr>
-              <a:t>if</a:t>
-            </a:r>
-            <a:r>
-              <a:rPr lang="it-IT" sz="1100" b="1" dirty="0">
-                <a:latin typeface="Courier New" panose="02070309020205020404" pitchFamily="49" charset="0"/>
-                <a:cs typeface="Courier New" panose="02070309020205020404" pitchFamily="49" charset="0"/>
-              </a:rPr>
-              <a:t> (c&lt;0) s += </a:t>
-            </a:r>
-            <a:r>
-              <a:rPr lang="it-IT" sz="1100" b="1" dirty="0" err="1">
-                <a:latin typeface="Courier New" panose="02070309020205020404" pitchFamily="49" charset="0"/>
-                <a:cs typeface="Courier New" panose="02070309020205020404" pitchFamily="49" charset="0"/>
-              </a:rPr>
-              <a:t>to_string</a:t>
-            </a:r>
-            <a:r>
-              <a:rPr lang="it-IT" sz="1100" b="1" dirty="0">
-                <a:latin typeface="Courier New" panose="02070309020205020404" pitchFamily="49" charset="0"/>
-                <a:cs typeface="Courier New" panose="02070309020205020404" pitchFamily="49" charset="0"/>
-              </a:rPr>
-              <a:t>(c);</a:t>
-            </a:r>
-          </a:p>
-          <a:p>
-            <a:pPr marL="0" indent="0">
-              <a:buNone/>
-            </a:pPr>
-            <a:r>
-              <a:rPr lang="it-IT" sz="1100" b="1" dirty="0">
-                <a:latin typeface="Courier New" panose="02070309020205020404" pitchFamily="49" charset="0"/>
-                <a:cs typeface="Courier New" panose="02070309020205020404" pitchFamily="49" charset="0"/>
-              </a:rPr>
-              <a:t>   </a:t>
-            </a:r>
-            <a:r>
-              <a:rPr lang="it-IT" sz="1100" b="1" dirty="0" err="1">
-                <a:latin typeface="Courier New" panose="02070309020205020404" pitchFamily="49" charset="0"/>
-                <a:cs typeface="Courier New" panose="02070309020205020404" pitchFamily="49" charset="0"/>
-              </a:rPr>
-              <a:t>return</a:t>
-            </a:r>
-            <a:r>
-              <a:rPr lang="it-IT" sz="1100" b="1" dirty="0">
-                <a:latin typeface="Courier New" panose="02070309020205020404" pitchFamily="49" charset="0"/>
-                <a:cs typeface="Courier New" panose="02070309020205020404" pitchFamily="49" charset="0"/>
-              </a:rPr>
-              <a:t> s + " = 0";</a:t>
-            </a:r>
-          </a:p>
-          <a:p>
-            <a:pPr marL="0" indent="0">
-              <a:buNone/>
-            </a:pPr>
-            <a:r>
-              <a:rPr lang="it-IT" sz="1100" b="1" dirty="0">
-                <a:latin typeface="Courier New" panose="02070309020205020404" pitchFamily="49" charset="0"/>
-                <a:cs typeface="Courier New" panose="02070309020205020404" pitchFamily="49" charset="0"/>
-              </a:rPr>
-              <a:t>}</a:t>
-            </a:r>
-          </a:p>
-          <a:p>
-            <a:pPr marL="0" indent="0">
-              <a:buNone/>
-            </a:pPr>
-            <a:r>
-              <a:rPr lang="it-IT" sz="1100" b="1" dirty="0">
-                <a:solidFill>
-                  <a:srgbClr val="0070C0"/>
-                </a:solidFill>
-                <a:latin typeface="Courier New" panose="02070309020205020404" pitchFamily="49" charset="0"/>
-                <a:cs typeface="Courier New" panose="02070309020205020404" pitchFamily="49" charset="0"/>
-              </a:rPr>
-              <a:t>private</a:t>
-            </a:r>
-            <a:r>
-              <a:rPr lang="it-IT" sz="1100" b="1" dirty="0">
-                <a:latin typeface="Courier New" panose="02070309020205020404" pitchFamily="49" charset="0"/>
-                <a:cs typeface="Courier New" panose="02070309020205020404" pitchFamily="49" charset="0"/>
-              </a:rPr>
-              <a:t>:</a:t>
-            </a:r>
-          </a:p>
-          <a:p>
-            <a:pPr marL="0" indent="0">
-              <a:buNone/>
-            </a:pPr>
-            <a:r>
-              <a:rPr lang="it-IT" sz="1100" b="1" dirty="0">
-                <a:latin typeface="Courier New" panose="02070309020205020404" pitchFamily="49" charset="0"/>
-                <a:cs typeface="Courier New" panose="02070309020205020404" pitchFamily="49" charset="0"/>
-              </a:rPr>
-              <a:t>   </a:t>
-            </a:r>
-            <a:r>
-              <a:rPr lang="it-IT" sz="1100" b="1" dirty="0">
-                <a:solidFill>
-                  <a:srgbClr val="FF0000"/>
-                </a:solidFill>
-                <a:latin typeface="Courier New" panose="02070309020205020404" pitchFamily="49" charset="0"/>
-                <a:cs typeface="Courier New" panose="02070309020205020404" pitchFamily="49" charset="0"/>
-              </a:rPr>
-              <a:t>double a;</a:t>
-            </a:r>
-          </a:p>
-          <a:p>
-            <a:pPr marL="0" indent="0">
-              <a:buNone/>
-            </a:pPr>
-            <a:r>
-              <a:rPr lang="it-IT" sz="1100" b="1" dirty="0">
-                <a:solidFill>
-                  <a:srgbClr val="FF0000"/>
-                </a:solidFill>
-                <a:latin typeface="Courier New" panose="02070309020205020404" pitchFamily="49" charset="0"/>
-                <a:cs typeface="Courier New" panose="02070309020205020404" pitchFamily="49" charset="0"/>
-              </a:rPr>
-              <a:t>   double b;</a:t>
-            </a:r>
-          </a:p>
-          <a:p>
-            <a:pPr marL="0" indent="0">
-              <a:buNone/>
-            </a:pPr>
-            <a:r>
-              <a:rPr lang="it-IT" sz="1100" b="1" dirty="0">
-                <a:solidFill>
-                  <a:srgbClr val="FF0000"/>
-                </a:solidFill>
-                <a:latin typeface="Courier New" panose="02070309020205020404" pitchFamily="49" charset="0"/>
-                <a:cs typeface="Courier New" panose="02070309020205020404" pitchFamily="49" charset="0"/>
-              </a:rPr>
-              <a:t>   double c;</a:t>
-            </a:r>
-          </a:p>
-          <a:p>
-            <a:pPr marL="0" indent="0">
-              <a:buNone/>
-            </a:pPr>
-            <a:r>
-              <a:rPr lang="it-IT" sz="1100" b="1" dirty="0">
-                <a:solidFill>
-                  <a:srgbClr val="FF0000"/>
-                </a:solidFill>
-                <a:latin typeface="Courier New" panose="02070309020205020404" pitchFamily="49" charset="0"/>
-                <a:cs typeface="Courier New" panose="02070309020205020404" pitchFamily="49" charset="0"/>
-              </a:rPr>
-              <a:t>   double delta() </a:t>
-            </a:r>
-            <a:r>
-              <a:rPr lang="it-IT" sz="1100" b="1" dirty="0">
-                <a:latin typeface="Courier New" panose="02070309020205020404" pitchFamily="49" charset="0"/>
-                <a:cs typeface="Courier New" panose="02070309020205020404" pitchFamily="49" charset="0"/>
-              </a:rPr>
-              <a:t>{ </a:t>
-            </a:r>
-            <a:r>
-              <a:rPr lang="it-IT" sz="1100" b="1" dirty="0" err="1">
-                <a:latin typeface="Courier New" panose="02070309020205020404" pitchFamily="49" charset="0"/>
-                <a:cs typeface="Courier New" panose="02070309020205020404" pitchFamily="49" charset="0"/>
-              </a:rPr>
-              <a:t>return</a:t>
-            </a:r>
-            <a:r>
-              <a:rPr lang="it-IT" sz="1100" b="1" dirty="0">
-                <a:latin typeface="Courier New" panose="02070309020205020404" pitchFamily="49" charset="0"/>
-                <a:cs typeface="Courier New" panose="02070309020205020404" pitchFamily="49" charset="0"/>
-              </a:rPr>
-              <a:t> </a:t>
-            </a:r>
-            <a:r>
-              <a:rPr lang="it-IT" sz="1100" b="1" dirty="0" err="1">
-                <a:latin typeface="Courier New" panose="02070309020205020404" pitchFamily="49" charset="0"/>
-                <a:cs typeface="Courier New" panose="02070309020205020404" pitchFamily="49" charset="0"/>
-              </a:rPr>
-              <a:t>pow</a:t>
-            </a:r>
-            <a:r>
-              <a:rPr lang="it-IT" sz="1100" b="1" dirty="0">
-                <a:latin typeface="Courier New" panose="02070309020205020404" pitchFamily="49" charset="0"/>
-                <a:cs typeface="Courier New" panose="02070309020205020404" pitchFamily="49" charset="0"/>
-              </a:rPr>
-              <a:t>(b,2)-4*a*c; }</a:t>
-            </a:r>
-          </a:p>
-          <a:p>
-            <a:pPr marL="0" indent="0">
-              <a:buNone/>
-            </a:pPr>
-            <a:r>
-              <a:rPr lang="it-IT" sz="1100" b="1" dirty="0">
-                <a:latin typeface="Courier New" panose="02070309020205020404" pitchFamily="49" charset="0"/>
-                <a:cs typeface="Courier New" panose="02070309020205020404" pitchFamily="49" charset="0"/>
-              </a:rPr>
-              <a:t>};</a:t>
-            </a:r>
-          </a:p>
-          <a:p>
-            <a:pPr marL="0" indent="0">
-              <a:buNone/>
-            </a:pPr>
-            <a:endParaRPr lang="it-IT" sz="1100" b="1" dirty="0">
-              <a:latin typeface="Courier New" panose="02070309020205020404" pitchFamily="49" charset="0"/>
-              <a:cs typeface="Courier New" panose="02070309020205020404" pitchFamily="49" charset="0"/>
-            </a:endParaRPr>
-          </a:p>
-        </p:txBody>
-      </p:sp>
-      <p:sp>
-        <p:nvSpPr>
-          <p:cNvPr id="5" name="Segnaposto piè di pagina 4">
-            <a:extLst>
-              <a:ext uri="{FF2B5EF4-FFF2-40B4-BE49-F238E27FC236}">
-                <a16:creationId xmlns:a16="http://schemas.microsoft.com/office/drawing/2014/main" id="{CB957E9A-6D92-4924-B392-FF29BF330A8B}"/>
-              </a:ext>
-            </a:extLst>
-          </p:cNvPr>
-          <p:cNvSpPr>
-            <a:spLocks noGrp="1"/>
-          </p:cNvSpPr>
-          <p:nvPr>
-            <p:ph type="ftr" sz="quarter" idx="11"/>
-          </p:nvPr>
-        </p:nvSpPr>
-        <p:spPr/>
-        <p:txBody>
-          <a:bodyPr/>
-          <a:lstStyle/>
-          <a:p>
-            <a:pPr>
-              <a:defRPr/>
-            </a:pPr>
-            <a:r>
-              <a:rPr lang="it-IT"/>
-              <a:t>Alberto Ferrari – Programmazione di applicazioni SW</a:t>
-            </a:r>
-            <a:endParaRPr lang="it-IT" dirty="0"/>
-          </a:p>
-        </p:txBody>
-      </p:sp>
-    </p:spTree>
-    <p:extLst>
-      <p:ext uri="{BB962C8B-B14F-4D97-AF65-F5344CB8AC3E}">
-        <p14:creationId xmlns:p14="http://schemas.microsoft.com/office/powerpoint/2010/main" val="3556294264"/>
-      </p:ext>
-    </p:extLst>
-  </p:cSld>
-  <p:clrMapOvr>
-    <a:masterClrMapping/>
-  </p:clrMapOvr>
-</p:sld>
-</file>
-
 <file path=ppt/slides/slide3.xml><?xml version="1.0" encoding="utf-8"?>
 <p:sld xmlns:a="http://schemas.openxmlformats.org/drawingml/2006/main" xmlns:r="http://schemas.openxmlformats.org/officeDocument/2006/relationships" xmlns:p="http://schemas.openxmlformats.org/presentationml/2006/main">
   <p:cSld>
@@ -11752,14 +10301,570 @@
               <a:buNone/>
             </a:pPr>
             <a:r>
+              <a:rPr lang="it-IT" sz="1100" b="1" dirty="0">
+                <a:latin typeface="Courier New" panose="02070309020205020404" pitchFamily="49" charset="0"/>
+                <a:cs typeface="Courier New" panose="02070309020205020404" pitchFamily="49" charset="0"/>
+              </a:rPr>
+              <a:t>#include &lt;</a:t>
+            </a:r>
+            <a:r>
               <a:rPr lang="it-IT" sz="1100" b="1" dirty="0" err="1">
                 <a:latin typeface="Courier New" panose="02070309020205020404" pitchFamily="49" charset="0"/>
                 <a:cs typeface="Courier New" panose="02070309020205020404" pitchFamily="49" charset="0"/>
               </a:rPr>
+              <a:t>iostream</a:t>
+            </a:r>
+            <a:r>
+              <a:rPr lang="it-IT" sz="1100" b="1" dirty="0">
+                <a:latin typeface="Courier New" panose="02070309020205020404" pitchFamily="49" charset="0"/>
+                <a:cs typeface="Courier New" panose="02070309020205020404" pitchFamily="49" charset="0"/>
+              </a:rPr>
+              <a:t>&gt;</a:t>
+            </a:r>
+          </a:p>
+          <a:p>
+            <a:pPr marL="0" indent="0">
+              <a:buNone/>
+            </a:pPr>
+            <a:r>
+              <a:rPr lang="it-IT" sz="1100" b="1" dirty="0">
+                <a:latin typeface="Courier New" panose="02070309020205020404" pitchFamily="49" charset="0"/>
+                <a:cs typeface="Courier New" panose="02070309020205020404" pitchFamily="49" charset="0"/>
+              </a:rPr>
+              <a:t>#include &lt;</a:t>
+            </a:r>
+            <a:r>
+              <a:rPr lang="it-IT" sz="1100" b="1" dirty="0" err="1">
+                <a:latin typeface="Courier New" panose="02070309020205020404" pitchFamily="49" charset="0"/>
+                <a:cs typeface="Courier New" panose="02070309020205020404" pitchFamily="49" charset="0"/>
+              </a:rPr>
+              <a:t>cmath</a:t>
+            </a:r>
+            <a:r>
+              <a:rPr lang="it-IT" sz="1100" b="1" dirty="0">
+                <a:latin typeface="Courier New" panose="02070309020205020404" pitchFamily="49" charset="0"/>
+                <a:cs typeface="Courier New" panose="02070309020205020404" pitchFamily="49" charset="0"/>
+              </a:rPr>
+              <a:t>&gt;</a:t>
+            </a:r>
+          </a:p>
+          <a:p>
+            <a:pPr marL="0" indent="0">
+              <a:buNone/>
+            </a:pPr>
+            <a:r>
+              <a:rPr lang="it-IT" sz="1100" b="1" dirty="0">
+                <a:latin typeface="Courier New" panose="02070309020205020404" pitchFamily="49" charset="0"/>
+                <a:cs typeface="Courier New" panose="02070309020205020404" pitchFamily="49" charset="0"/>
+              </a:rPr>
+              <a:t>#include &lt;</a:t>
+            </a:r>
+            <a:r>
+              <a:rPr lang="it-IT" sz="1100" b="1" dirty="0" err="1">
+                <a:latin typeface="Courier New" panose="02070309020205020404" pitchFamily="49" charset="0"/>
+                <a:cs typeface="Courier New" panose="02070309020205020404" pitchFamily="49" charset="0"/>
+              </a:rPr>
+              <a:t>limits</a:t>
+            </a:r>
+            <a:r>
+              <a:rPr lang="it-IT" sz="1100" b="1" dirty="0">
+                <a:latin typeface="Courier New" panose="02070309020205020404" pitchFamily="49" charset="0"/>
+                <a:cs typeface="Courier New" panose="02070309020205020404" pitchFamily="49" charset="0"/>
+              </a:rPr>
+              <a:t>&gt;</a:t>
+            </a:r>
+          </a:p>
+          <a:p>
+            <a:pPr marL="0" indent="0">
+              <a:buNone/>
+            </a:pPr>
+            <a:r>
+              <a:rPr lang="it-IT" sz="1100" b="1" dirty="0">
+                <a:latin typeface="Courier New" panose="02070309020205020404" pitchFamily="49" charset="0"/>
+                <a:cs typeface="Courier New" panose="02070309020205020404" pitchFamily="49" charset="0"/>
+              </a:rPr>
+              <a:t>#include &lt;</a:t>
+            </a:r>
+            <a:r>
+              <a:rPr lang="it-IT" sz="1100" b="1" dirty="0" err="1">
+                <a:latin typeface="Courier New" panose="02070309020205020404" pitchFamily="49" charset="0"/>
+                <a:cs typeface="Courier New" panose="02070309020205020404" pitchFamily="49" charset="0"/>
+              </a:rPr>
+              <a:t>string</a:t>
+            </a:r>
+            <a:r>
+              <a:rPr lang="it-IT" sz="1100" b="1" dirty="0">
+                <a:latin typeface="Courier New" panose="02070309020205020404" pitchFamily="49" charset="0"/>
+                <a:cs typeface="Courier New" panose="02070309020205020404" pitchFamily="49" charset="0"/>
+              </a:rPr>
+              <a:t>&gt;</a:t>
+            </a:r>
+          </a:p>
+          <a:p>
+            <a:pPr marL="0" indent="0">
+              <a:buNone/>
+            </a:pPr>
+            <a:r>
+              <a:rPr lang="it-IT" sz="1100" b="1" dirty="0" err="1">
+                <a:latin typeface="Courier New" panose="02070309020205020404" pitchFamily="49" charset="0"/>
+                <a:cs typeface="Courier New" panose="02070309020205020404" pitchFamily="49" charset="0"/>
+              </a:rPr>
+              <a:t>using</a:t>
+            </a:r>
+            <a:r>
+              <a:rPr lang="it-IT" sz="1100" b="1" dirty="0">
+                <a:latin typeface="Courier New" panose="02070309020205020404" pitchFamily="49" charset="0"/>
+                <a:cs typeface="Courier New" panose="02070309020205020404" pitchFamily="49" charset="0"/>
+              </a:rPr>
+              <a:t> </a:t>
+            </a:r>
+            <a:r>
+              <a:rPr lang="it-IT" sz="1100" b="1" dirty="0" err="1">
+                <a:latin typeface="Courier New" panose="02070309020205020404" pitchFamily="49" charset="0"/>
+                <a:cs typeface="Courier New" panose="02070309020205020404" pitchFamily="49" charset="0"/>
+              </a:rPr>
+              <a:t>namespace</a:t>
+            </a:r>
+            <a:r>
+              <a:rPr lang="it-IT" sz="1100" b="1" dirty="0">
+                <a:latin typeface="Courier New" panose="02070309020205020404" pitchFamily="49" charset="0"/>
+                <a:cs typeface="Courier New" panose="02070309020205020404" pitchFamily="49" charset="0"/>
+              </a:rPr>
+              <a:t> </a:t>
+            </a:r>
+            <a:r>
+              <a:rPr lang="it-IT" sz="1100" b="1" dirty="0" err="1">
+                <a:latin typeface="Courier New" panose="02070309020205020404" pitchFamily="49" charset="0"/>
+                <a:cs typeface="Courier New" panose="02070309020205020404" pitchFamily="49" charset="0"/>
+              </a:rPr>
+              <a:t>std</a:t>
+            </a:r>
+            <a:r>
+              <a:rPr lang="it-IT" sz="1100" b="1" dirty="0">
+                <a:latin typeface="Courier New" panose="02070309020205020404" pitchFamily="49" charset="0"/>
+                <a:cs typeface="Courier New" panose="02070309020205020404" pitchFamily="49" charset="0"/>
+              </a:rPr>
+              <a:t>;</a:t>
+            </a:r>
+          </a:p>
+          <a:p>
+            <a:pPr marL="0" indent="0">
+              <a:buNone/>
+            </a:pPr>
+            <a:r>
+              <a:rPr lang="it-IT" sz="1100" b="1" dirty="0">
+                <a:latin typeface="Courier New" panose="02070309020205020404" pitchFamily="49" charset="0"/>
+                <a:cs typeface="Courier New" panose="02070309020205020404" pitchFamily="49" charset="0"/>
+              </a:rPr>
+              <a:t>class </a:t>
+            </a:r>
+            <a:r>
+              <a:rPr lang="it-IT" sz="1100" b="1" dirty="0">
+                <a:solidFill>
+                  <a:srgbClr val="FF0000"/>
+                </a:solidFill>
+                <a:latin typeface="Courier New" panose="02070309020205020404" pitchFamily="49" charset="0"/>
+                <a:cs typeface="Courier New" panose="02070309020205020404" pitchFamily="49" charset="0"/>
+              </a:rPr>
+              <a:t>Equazione</a:t>
+            </a:r>
+            <a:r>
+              <a:rPr lang="it-IT" sz="1100" b="1" dirty="0">
+                <a:latin typeface="Courier New" panose="02070309020205020404" pitchFamily="49" charset="0"/>
+                <a:cs typeface="Courier New" panose="02070309020205020404" pitchFamily="49" charset="0"/>
+              </a:rPr>
+              <a:t> {</a:t>
+            </a:r>
+          </a:p>
+          <a:p>
+            <a:pPr marL="0" indent="0">
+              <a:buNone/>
+            </a:pPr>
+            <a:r>
+              <a:rPr lang="it-IT" sz="1100" b="1" dirty="0">
+                <a:latin typeface="Courier New" panose="02070309020205020404" pitchFamily="49" charset="0"/>
+                <a:cs typeface="Courier New" panose="02070309020205020404" pitchFamily="49" charset="0"/>
+              </a:rPr>
+              <a:t>   </a:t>
+            </a:r>
+            <a:r>
+              <a:rPr lang="it-IT" sz="1100" b="1" dirty="0">
+                <a:solidFill>
+                  <a:srgbClr val="0070C0"/>
+                </a:solidFill>
+                <a:latin typeface="Courier New" panose="02070309020205020404" pitchFamily="49" charset="0"/>
+                <a:cs typeface="Courier New" panose="02070309020205020404" pitchFamily="49" charset="0"/>
+              </a:rPr>
+              <a:t>public</a:t>
+            </a:r>
+            <a:r>
+              <a:rPr lang="it-IT" sz="1100" b="1" dirty="0">
+                <a:latin typeface="Courier New" panose="02070309020205020404" pitchFamily="49" charset="0"/>
+                <a:cs typeface="Courier New" panose="02070309020205020404" pitchFamily="49" charset="0"/>
+              </a:rPr>
+              <a:t>:</a:t>
+            </a:r>
+          </a:p>
+          <a:p>
+            <a:pPr marL="0" indent="0">
+              <a:buNone/>
+            </a:pPr>
+            <a:r>
+              <a:rPr lang="it-IT" sz="1100" b="1" dirty="0">
+                <a:latin typeface="Courier New" panose="02070309020205020404" pitchFamily="49" charset="0"/>
+                <a:cs typeface="Courier New" panose="02070309020205020404" pitchFamily="49" charset="0"/>
+              </a:rPr>
+              <a:t>     </a:t>
+            </a:r>
+            <a:r>
+              <a:rPr lang="it-IT" sz="1100" b="1" dirty="0">
+                <a:solidFill>
+                  <a:srgbClr val="FF0000"/>
+                </a:solidFill>
+                <a:latin typeface="Courier New" panose="02070309020205020404" pitchFamily="49" charset="0"/>
+                <a:cs typeface="Courier New" panose="02070309020205020404" pitchFamily="49" charset="0"/>
+              </a:rPr>
+              <a:t>Equazione()</a:t>
+            </a:r>
+            <a:r>
+              <a:rPr lang="it-IT" sz="1100" b="1" dirty="0">
+                <a:latin typeface="Courier New" panose="02070309020205020404" pitchFamily="49" charset="0"/>
+                <a:cs typeface="Courier New" panose="02070309020205020404" pitchFamily="49" charset="0"/>
+              </a:rPr>
+              <a:t> { a=1; b=1; c=1; }</a:t>
+            </a:r>
+          </a:p>
+          <a:p>
+            <a:pPr marL="0" indent="0">
+              <a:buNone/>
+            </a:pPr>
+            <a:r>
+              <a:rPr lang="it-IT" sz="1100" b="1" dirty="0">
+                <a:latin typeface="Courier New" panose="02070309020205020404" pitchFamily="49" charset="0"/>
+                <a:cs typeface="Courier New" panose="02070309020205020404" pitchFamily="49" charset="0"/>
+              </a:rPr>
+              <a:t>     </a:t>
+            </a:r>
+            <a:r>
+              <a:rPr lang="it-IT" sz="1100" b="1" dirty="0">
+                <a:solidFill>
+                  <a:srgbClr val="FF0000"/>
+                </a:solidFill>
+                <a:latin typeface="Courier New" panose="02070309020205020404" pitchFamily="49" charset="0"/>
+                <a:cs typeface="Courier New" panose="02070309020205020404" pitchFamily="49" charset="0"/>
+              </a:rPr>
+              <a:t>Equazione(double </a:t>
+            </a:r>
+            <a:r>
+              <a:rPr lang="it-IT" sz="1100" b="1" dirty="0" err="1">
+                <a:solidFill>
+                  <a:srgbClr val="FF0000"/>
+                </a:solidFill>
+                <a:latin typeface="Courier New" panose="02070309020205020404" pitchFamily="49" charset="0"/>
+                <a:cs typeface="Courier New" panose="02070309020205020404" pitchFamily="49" charset="0"/>
+              </a:rPr>
+              <a:t>c_a</a:t>
+            </a:r>
+            <a:r>
+              <a:rPr lang="it-IT" sz="1100" b="1" dirty="0">
+                <a:solidFill>
+                  <a:srgbClr val="FF0000"/>
+                </a:solidFill>
+                <a:latin typeface="Courier New" panose="02070309020205020404" pitchFamily="49" charset="0"/>
+                <a:cs typeface="Courier New" panose="02070309020205020404" pitchFamily="49" charset="0"/>
+              </a:rPr>
+              <a:t>, double </a:t>
+            </a:r>
+            <a:r>
+              <a:rPr lang="it-IT" sz="1100" b="1" dirty="0" err="1">
+                <a:solidFill>
+                  <a:srgbClr val="FF0000"/>
+                </a:solidFill>
+                <a:latin typeface="Courier New" panose="02070309020205020404" pitchFamily="49" charset="0"/>
+                <a:cs typeface="Courier New" panose="02070309020205020404" pitchFamily="49" charset="0"/>
+              </a:rPr>
+              <a:t>c_b</a:t>
+            </a:r>
+            <a:r>
+              <a:rPr lang="it-IT" sz="1100" b="1" dirty="0">
+                <a:solidFill>
+                  <a:srgbClr val="FF0000"/>
+                </a:solidFill>
+                <a:latin typeface="Courier New" panose="02070309020205020404" pitchFamily="49" charset="0"/>
+                <a:cs typeface="Courier New" panose="02070309020205020404" pitchFamily="49" charset="0"/>
+              </a:rPr>
+              <a:t>, double </a:t>
+            </a:r>
+            <a:r>
+              <a:rPr lang="it-IT" sz="1100" b="1" dirty="0" err="1">
+                <a:solidFill>
+                  <a:srgbClr val="FF0000"/>
+                </a:solidFill>
+                <a:latin typeface="Courier New" panose="02070309020205020404" pitchFamily="49" charset="0"/>
+                <a:cs typeface="Courier New" panose="02070309020205020404" pitchFamily="49" charset="0"/>
+              </a:rPr>
+              <a:t>c_c</a:t>
+            </a:r>
+            <a:r>
+              <a:rPr lang="it-IT" sz="1100" b="1" dirty="0">
+                <a:solidFill>
+                  <a:srgbClr val="FF0000"/>
+                </a:solidFill>
+                <a:latin typeface="Courier New" panose="02070309020205020404" pitchFamily="49" charset="0"/>
+                <a:cs typeface="Courier New" panose="02070309020205020404" pitchFamily="49" charset="0"/>
+              </a:rPr>
+              <a:t>)</a:t>
+            </a:r>
+            <a:r>
+              <a:rPr lang="it-IT" sz="1100" b="1" dirty="0">
+                <a:latin typeface="Courier New" panose="02070309020205020404" pitchFamily="49" charset="0"/>
+                <a:cs typeface="Courier New" panose="02070309020205020404" pitchFamily="49" charset="0"/>
+              </a:rPr>
+              <a:t>{</a:t>
+            </a:r>
+          </a:p>
+          <a:p>
+            <a:pPr marL="0" indent="0">
+              <a:buNone/>
+            </a:pPr>
+            <a:r>
+              <a:rPr lang="it-IT" sz="1100" b="1" dirty="0">
+                <a:latin typeface="Courier New" panose="02070309020205020404" pitchFamily="49" charset="0"/>
+                <a:cs typeface="Courier New" panose="02070309020205020404" pitchFamily="49" charset="0"/>
+              </a:rPr>
+              <a:t>       a=</a:t>
+            </a:r>
+            <a:r>
+              <a:rPr lang="it-IT" sz="1100" b="1" dirty="0" err="1">
+                <a:latin typeface="Courier New" panose="02070309020205020404" pitchFamily="49" charset="0"/>
+                <a:cs typeface="Courier New" panose="02070309020205020404" pitchFamily="49" charset="0"/>
+              </a:rPr>
+              <a:t>c_a</a:t>
+            </a:r>
+            <a:r>
+              <a:rPr lang="it-IT" sz="1100" b="1" dirty="0">
+                <a:latin typeface="Courier New" panose="02070309020205020404" pitchFamily="49" charset="0"/>
+                <a:cs typeface="Courier New" panose="02070309020205020404" pitchFamily="49" charset="0"/>
+              </a:rPr>
+              <a:t>; b=</a:t>
+            </a:r>
+            <a:r>
+              <a:rPr lang="it-IT" sz="1100" b="1" dirty="0" err="1">
+                <a:latin typeface="Courier New" panose="02070309020205020404" pitchFamily="49" charset="0"/>
+                <a:cs typeface="Courier New" panose="02070309020205020404" pitchFamily="49" charset="0"/>
+              </a:rPr>
+              <a:t>c_b</a:t>
+            </a:r>
+            <a:r>
+              <a:rPr lang="it-IT" sz="1100" b="1" dirty="0">
+                <a:latin typeface="Courier New" panose="02070309020205020404" pitchFamily="49" charset="0"/>
+                <a:cs typeface="Courier New" panose="02070309020205020404" pitchFamily="49" charset="0"/>
+              </a:rPr>
+              <a:t>; c=</a:t>
+            </a:r>
+            <a:r>
+              <a:rPr lang="it-IT" sz="1100" b="1" dirty="0" err="1">
+                <a:latin typeface="Courier New" panose="02070309020205020404" pitchFamily="49" charset="0"/>
+                <a:cs typeface="Courier New" panose="02070309020205020404" pitchFamily="49" charset="0"/>
+              </a:rPr>
+              <a:t>c_c</a:t>
+            </a:r>
+            <a:r>
+              <a:rPr lang="it-IT" sz="1100" b="1" dirty="0">
+                <a:latin typeface="Courier New" panose="02070309020205020404" pitchFamily="49" charset="0"/>
+                <a:cs typeface="Courier New" panose="02070309020205020404" pitchFamily="49" charset="0"/>
+              </a:rPr>
+              <a:t>;   </a:t>
+            </a:r>
+          </a:p>
+          <a:p>
+            <a:pPr marL="0" indent="0">
+              <a:buNone/>
+            </a:pPr>
+            <a:r>
+              <a:rPr lang="it-IT" sz="1100" b="1" dirty="0">
+                <a:latin typeface="Courier New" panose="02070309020205020404" pitchFamily="49" charset="0"/>
+                <a:cs typeface="Courier New" panose="02070309020205020404" pitchFamily="49" charset="0"/>
+              </a:rPr>
+              <a:t>     }    </a:t>
+            </a:r>
+          </a:p>
+          <a:p>
+            <a:pPr marL="0" indent="0">
+              <a:buNone/>
+            </a:pPr>
+            <a:r>
+              <a:rPr lang="it-IT" sz="1100" b="1" dirty="0">
+                <a:latin typeface="Courier New" panose="02070309020205020404" pitchFamily="49" charset="0"/>
+                <a:cs typeface="Courier New" panose="02070309020205020404" pitchFamily="49" charset="0"/>
+              </a:rPr>
+              <a:t>   </a:t>
+            </a:r>
+            <a:r>
+              <a:rPr lang="it-IT" sz="1100" b="1" dirty="0">
+                <a:solidFill>
+                  <a:srgbClr val="FF0000"/>
+                </a:solidFill>
+                <a:latin typeface="Courier New" panose="02070309020205020404" pitchFamily="49" charset="0"/>
+                <a:cs typeface="Courier New" panose="02070309020205020404" pitchFamily="49" charset="0"/>
+              </a:rPr>
+              <a:t>double</a:t>
+            </a:r>
+            <a:r>
+              <a:rPr lang="it-IT" sz="1100" b="1" dirty="0">
+                <a:latin typeface="Courier New" panose="02070309020205020404" pitchFamily="49" charset="0"/>
+                <a:cs typeface="Courier New" panose="02070309020205020404" pitchFamily="49" charset="0"/>
+              </a:rPr>
+              <a:t> </a:t>
+            </a:r>
+            <a:r>
+              <a:rPr lang="it-IT" sz="1100" b="1" dirty="0" err="1">
+                <a:solidFill>
+                  <a:srgbClr val="FF0000"/>
+                </a:solidFill>
+                <a:latin typeface="Courier New" panose="02070309020205020404" pitchFamily="49" charset="0"/>
+                <a:cs typeface="Courier New" panose="02070309020205020404" pitchFamily="49" charset="0"/>
+              </a:rPr>
+              <a:t>getA</a:t>
+            </a:r>
+            <a:r>
+              <a:rPr lang="it-IT" sz="1100" b="1" dirty="0">
+                <a:solidFill>
+                  <a:srgbClr val="FF0000"/>
+                </a:solidFill>
+                <a:latin typeface="Courier New" panose="02070309020205020404" pitchFamily="49" charset="0"/>
+                <a:cs typeface="Courier New" panose="02070309020205020404" pitchFamily="49" charset="0"/>
+              </a:rPr>
+              <a:t>()</a:t>
+            </a:r>
+            <a:r>
+              <a:rPr lang="it-IT" sz="1100" b="1" dirty="0">
+                <a:latin typeface="Courier New" panose="02070309020205020404" pitchFamily="49" charset="0"/>
+                <a:cs typeface="Courier New" panose="02070309020205020404" pitchFamily="49" charset="0"/>
+              </a:rPr>
+              <a:t> { </a:t>
+            </a:r>
+            <a:r>
+              <a:rPr lang="it-IT" sz="1100" b="1" dirty="0" err="1">
+                <a:latin typeface="Courier New" panose="02070309020205020404" pitchFamily="49" charset="0"/>
+                <a:cs typeface="Courier New" panose="02070309020205020404" pitchFamily="49" charset="0"/>
+              </a:rPr>
+              <a:t>return</a:t>
+            </a:r>
+            <a:r>
+              <a:rPr lang="it-IT" sz="1100" b="1" dirty="0">
+                <a:latin typeface="Courier New" panose="02070309020205020404" pitchFamily="49" charset="0"/>
+                <a:cs typeface="Courier New" panose="02070309020205020404" pitchFamily="49" charset="0"/>
+              </a:rPr>
+              <a:t> a; }</a:t>
+            </a:r>
+          </a:p>
+          <a:p>
+            <a:pPr marL="0" indent="0">
+              <a:buNone/>
+            </a:pPr>
+            <a:r>
+              <a:rPr lang="it-IT" sz="1100" b="1" dirty="0">
+                <a:latin typeface="Courier New" panose="02070309020205020404" pitchFamily="49" charset="0"/>
+                <a:cs typeface="Courier New" panose="02070309020205020404" pitchFamily="49" charset="0"/>
+              </a:rPr>
+              <a:t>   </a:t>
+            </a:r>
+            <a:r>
+              <a:rPr lang="it-IT" sz="1100" b="1" dirty="0" err="1">
+                <a:solidFill>
+                  <a:srgbClr val="FF0000"/>
+                </a:solidFill>
+                <a:latin typeface="Courier New" panose="02070309020205020404" pitchFamily="49" charset="0"/>
+                <a:cs typeface="Courier New" panose="02070309020205020404" pitchFamily="49" charset="0"/>
+              </a:rPr>
+              <a:t>void</a:t>
+            </a:r>
+            <a:r>
+              <a:rPr lang="it-IT" sz="1100" b="1" dirty="0">
+                <a:latin typeface="Courier New" panose="02070309020205020404" pitchFamily="49" charset="0"/>
+                <a:cs typeface="Courier New" panose="02070309020205020404" pitchFamily="49" charset="0"/>
+              </a:rPr>
+              <a:t> </a:t>
+            </a:r>
+            <a:r>
+              <a:rPr lang="it-IT" sz="1100" b="1" dirty="0" err="1">
+                <a:solidFill>
+                  <a:srgbClr val="FF0000"/>
+                </a:solidFill>
+                <a:latin typeface="Courier New" panose="02070309020205020404" pitchFamily="49" charset="0"/>
+                <a:cs typeface="Courier New" panose="02070309020205020404" pitchFamily="49" charset="0"/>
+              </a:rPr>
+              <a:t>setA</a:t>
+            </a:r>
+            <a:r>
+              <a:rPr lang="it-IT" sz="1100" b="1" dirty="0">
+                <a:solidFill>
+                  <a:srgbClr val="FF0000"/>
+                </a:solidFill>
+                <a:latin typeface="Courier New" panose="02070309020205020404" pitchFamily="49" charset="0"/>
+                <a:cs typeface="Courier New" panose="02070309020205020404" pitchFamily="49" charset="0"/>
+              </a:rPr>
+              <a:t>(double v) </a:t>
+            </a:r>
+            <a:r>
+              <a:rPr lang="it-IT" sz="1100" b="1" dirty="0">
+                <a:latin typeface="Courier New" panose="02070309020205020404" pitchFamily="49" charset="0"/>
+                <a:cs typeface="Courier New" panose="02070309020205020404" pitchFamily="49" charset="0"/>
+              </a:rPr>
+              <a:t>{ a=v; }</a:t>
+            </a:r>
+          </a:p>
+          <a:p>
+            <a:pPr marL="0" indent="0">
+              <a:buNone/>
+            </a:pPr>
+            <a:r>
+              <a:rPr lang="it-IT" sz="1100" b="1" dirty="0">
+                <a:latin typeface="Courier New" panose="02070309020205020404" pitchFamily="49" charset="0"/>
+                <a:cs typeface="Courier New" panose="02070309020205020404" pitchFamily="49" charset="0"/>
+              </a:rPr>
+              <a:t>   …	</a:t>
+            </a:r>
+          </a:p>
+          <a:p>
+            <a:pPr marL="0" indent="0">
+              <a:buNone/>
+            </a:pPr>
+            <a:r>
+              <a:rPr lang="it-IT" sz="1100" b="1" dirty="0">
+                <a:latin typeface="Courier New" panose="02070309020205020404" pitchFamily="49" charset="0"/>
+                <a:cs typeface="Courier New" panose="02070309020205020404" pitchFamily="49" charset="0"/>
+              </a:rPr>
+              <a:t>   //  numero di soluzioni reali</a:t>
+            </a:r>
+          </a:p>
+          <a:p>
+            <a:pPr marL="0" indent="0">
+              <a:buNone/>
+            </a:pPr>
+            <a:r>
+              <a:rPr lang="it-IT" sz="1100" b="1" dirty="0">
+                <a:latin typeface="Courier New" panose="02070309020205020404" pitchFamily="49" charset="0"/>
+                <a:cs typeface="Courier New" panose="02070309020205020404" pitchFamily="49" charset="0"/>
+              </a:rPr>
+              <a:t>   </a:t>
+            </a:r>
+            <a:r>
+              <a:rPr lang="it-IT" sz="1100" b="1" dirty="0" err="1">
+                <a:solidFill>
+                  <a:srgbClr val="FF0000"/>
+                </a:solidFill>
+                <a:latin typeface="Courier New" panose="02070309020205020404" pitchFamily="49" charset="0"/>
+                <a:cs typeface="Courier New" panose="02070309020205020404" pitchFamily="49" charset="0"/>
+              </a:rPr>
               <a:t>int</a:t>
             </a:r>
             <a:r>
               <a:rPr lang="it-IT" sz="1100" b="1" dirty="0">
+                <a:solidFill>
+                  <a:srgbClr val="FF0000"/>
+                </a:solidFill>
                 <a:latin typeface="Courier New" panose="02070309020205020404" pitchFamily="49" charset="0"/>
                 <a:cs typeface="Courier New" panose="02070309020205020404" pitchFamily="49" charset="0"/>
               </a:rPr>
@@ -11767,17 +10872,30 @@
             </a:r>
             <a:r>
               <a:rPr lang="it-IT" sz="1100" b="1" dirty="0" err="1">
-                <a:latin typeface="Courier New" panose="02070309020205020404" pitchFamily="49" charset="0"/>
-                <a:cs typeface="Courier New" panose="02070309020205020404" pitchFamily="49" charset="0"/>
-              </a:rPr>
-              <a:t>main</a:t>
+                <a:solidFill>
+                  <a:srgbClr val="FF0000"/>
+                </a:solidFill>
+                <a:latin typeface="Courier New" panose="02070309020205020404" pitchFamily="49" charset="0"/>
+                <a:cs typeface="Courier New" panose="02070309020205020404" pitchFamily="49" charset="0"/>
+              </a:rPr>
+              <a:t>numSolReali</a:t>
             </a:r>
             <a:r>
               <a:rPr lang="it-IT" sz="1100" b="1" dirty="0">
-                <a:latin typeface="Courier New" panose="02070309020205020404" pitchFamily="49" charset="0"/>
-                <a:cs typeface="Courier New" panose="02070309020205020404" pitchFamily="49" charset="0"/>
-              </a:rPr>
-              <a:t>() {</a:t>
+                <a:solidFill>
+                  <a:srgbClr val="FF0000"/>
+                </a:solidFill>
+                <a:latin typeface="Courier New" panose="02070309020205020404" pitchFamily="49" charset="0"/>
+                <a:cs typeface="Courier New" panose="02070309020205020404" pitchFamily="49" charset="0"/>
+              </a:rPr>
+              <a:t>()</a:t>
+            </a:r>
+            <a:r>
+              <a:rPr lang="it-IT" sz="1100" b="1" dirty="0">
+                <a:latin typeface="Courier New" panose="02070309020205020404" pitchFamily="49" charset="0"/>
+                <a:cs typeface="Courier New" panose="02070309020205020404" pitchFamily="49" charset="0"/>
+              </a:rPr>
+              <a:t>	{</a:t>
             </a:r>
           </a:p>
           <a:p>
@@ -11789,7 +10907,35 @@
                 <a:latin typeface="Courier New" panose="02070309020205020404" pitchFamily="49" charset="0"/>
                 <a:cs typeface="Courier New" panose="02070309020205020404" pitchFamily="49" charset="0"/>
               </a:rPr>
-              <a:t>   Equazione e(3,4,1);</a:t>
+              <a:t>     </a:t>
+            </a:r>
+            <a:r>
+              <a:rPr lang="it-IT" sz="1100" b="1" dirty="0" err="1">
+                <a:latin typeface="Courier New" panose="02070309020205020404" pitchFamily="49" charset="0"/>
+                <a:cs typeface="Courier New" panose="02070309020205020404" pitchFamily="49" charset="0"/>
+              </a:rPr>
+              <a:t>if</a:t>
+            </a:r>
+            <a:r>
+              <a:rPr lang="it-IT" sz="1100" b="1" dirty="0">
+                <a:latin typeface="Courier New" panose="02070309020205020404" pitchFamily="49" charset="0"/>
+                <a:cs typeface="Courier New" panose="02070309020205020404" pitchFamily="49" charset="0"/>
+              </a:rPr>
+              <a:t> (a==0 &amp;&amp; b!=0) </a:t>
+            </a:r>
+            <a:r>
+              <a:rPr lang="it-IT" sz="1100" b="1" dirty="0" err="1">
+                <a:latin typeface="Courier New" panose="02070309020205020404" pitchFamily="49" charset="0"/>
+                <a:cs typeface="Courier New" panose="02070309020205020404" pitchFamily="49" charset="0"/>
+              </a:rPr>
+              <a:t>return</a:t>
+            </a:r>
+            <a:r>
+              <a:rPr lang="it-IT" sz="1100" b="1" dirty="0">
+                <a:latin typeface="Courier New" panose="02070309020205020404" pitchFamily="49" charset="0"/>
+                <a:cs typeface="Courier New" panose="02070309020205020404" pitchFamily="49" charset="0"/>
+              </a:rPr>
+              <a:t> 1;</a:t>
             </a:r>
           </a:p>
           <a:p>
@@ -11801,21 +10947,35 @@
                 <a:latin typeface="Courier New" panose="02070309020205020404" pitchFamily="49" charset="0"/>
                 <a:cs typeface="Courier New" panose="02070309020205020404" pitchFamily="49" charset="0"/>
               </a:rPr>
-              <a:t>   </a:t>
+              <a:t>     </a:t>
             </a:r>
             <a:r>
               <a:rPr lang="it-IT" sz="1100" b="1" dirty="0" err="1">
                 <a:latin typeface="Courier New" panose="02070309020205020404" pitchFamily="49" charset="0"/>
                 <a:cs typeface="Courier New" panose="02070309020205020404" pitchFamily="49" charset="0"/>
               </a:rPr>
-              <a:t>e.setA</a:t>
+              <a:t>if</a:t>
             </a:r>
             <a:r>
               <a:rPr lang="it-IT" sz="1100" b="1" dirty="0">
                 <a:latin typeface="Courier New" panose="02070309020205020404" pitchFamily="49" charset="0"/>
                 <a:cs typeface="Courier New" panose="02070309020205020404" pitchFamily="49" charset="0"/>
               </a:rPr>
-              <a:t>(2);</a:t>
+              <a:t> (a==0 &amp;&amp; b==0) </a:t>
+            </a:r>
+            <a:r>
+              <a:rPr lang="it-IT" sz="1100" b="1" dirty="0" err="1">
+                <a:latin typeface="Courier New" panose="02070309020205020404" pitchFamily="49" charset="0"/>
+                <a:cs typeface="Courier New" panose="02070309020205020404" pitchFamily="49" charset="0"/>
+              </a:rPr>
+              <a:t>return</a:t>
+            </a:r>
+            <a:r>
+              <a:rPr lang="it-IT" sz="1100" b="1" dirty="0">
+                <a:latin typeface="Courier New" panose="02070309020205020404" pitchFamily="49" charset="0"/>
+                <a:cs typeface="Courier New" panose="02070309020205020404" pitchFamily="49" charset="0"/>
+              </a:rPr>
+              <a:t> 0;</a:t>
             </a:r>
           </a:p>
           <a:p>
@@ -11827,49 +10987,75 @@
                 <a:latin typeface="Courier New" panose="02070309020205020404" pitchFamily="49" charset="0"/>
                 <a:cs typeface="Courier New" panose="02070309020205020404" pitchFamily="49" charset="0"/>
               </a:rPr>
-              <a:t>   </a:t>
+              <a:t>     </a:t>
             </a:r>
             <a:r>
               <a:rPr lang="it-IT" sz="1100" b="1" dirty="0" err="1">
                 <a:latin typeface="Courier New" panose="02070309020205020404" pitchFamily="49" charset="0"/>
                 <a:cs typeface="Courier New" panose="02070309020205020404" pitchFamily="49" charset="0"/>
               </a:rPr>
-              <a:t>cout</a:t>
+              <a:t>if</a:t>
             </a:r>
             <a:r>
               <a:rPr lang="it-IT" sz="1100" b="1" dirty="0">
                 <a:latin typeface="Courier New" panose="02070309020205020404" pitchFamily="49" charset="0"/>
                 <a:cs typeface="Courier New" panose="02070309020205020404" pitchFamily="49" charset="0"/>
               </a:rPr>
-              <a:t> &lt;&lt; </a:t>
+              <a:t> (delta()&lt;0)    </a:t>
             </a:r>
             <a:r>
               <a:rPr lang="it-IT" sz="1100" b="1" dirty="0" err="1">
                 <a:latin typeface="Courier New" panose="02070309020205020404" pitchFamily="49" charset="0"/>
                 <a:cs typeface="Courier New" panose="02070309020205020404" pitchFamily="49" charset="0"/>
               </a:rPr>
-              <a:t>e.toString</a:t>
+              <a:t>return</a:t>
             </a:r>
             <a:r>
               <a:rPr lang="it-IT" sz="1100" b="1" dirty="0">
                 <a:latin typeface="Courier New" panose="02070309020205020404" pitchFamily="49" charset="0"/>
                 <a:cs typeface="Courier New" panose="02070309020205020404" pitchFamily="49" charset="0"/>
               </a:rPr>
-              <a:t>() &lt;&lt; </a:t>
+              <a:t> 0;</a:t>
+            </a:r>
+          </a:p>
+          <a:p>
+            <a:pPr marL="0" indent="0">
+              <a:buNone/>
+            </a:pPr>
+            <a:r>
+              <a:rPr lang="it-IT" sz="1100" b="1" dirty="0">
+                <a:latin typeface="Courier New" panose="02070309020205020404" pitchFamily="49" charset="0"/>
+                <a:cs typeface="Courier New" panose="02070309020205020404" pitchFamily="49" charset="0"/>
+              </a:rPr>
+              <a:t>     </a:t>
             </a:r>
             <a:r>
               <a:rPr lang="it-IT" sz="1100" b="1" dirty="0" err="1">
                 <a:latin typeface="Courier New" panose="02070309020205020404" pitchFamily="49" charset="0"/>
                 <a:cs typeface="Courier New" panose="02070309020205020404" pitchFamily="49" charset="0"/>
               </a:rPr>
-              <a:t>endl</a:t>
+              <a:t>if</a:t>
             </a:r>
             <a:r>
               <a:rPr lang="it-IT" sz="1100" b="1" dirty="0">
                 <a:latin typeface="Courier New" panose="02070309020205020404" pitchFamily="49" charset="0"/>
                 <a:cs typeface="Courier New" panose="02070309020205020404" pitchFamily="49" charset="0"/>
               </a:rPr>
-              <a:t>;</a:t>
+              <a:t> (delta()==0)   </a:t>
+            </a:r>
+            <a:r>
+              <a:rPr lang="it-IT" sz="1100" b="1" dirty="0" err="1">
+                <a:latin typeface="Courier New" panose="02070309020205020404" pitchFamily="49" charset="0"/>
+                <a:cs typeface="Courier New" panose="02070309020205020404" pitchFamily="49" charset="0"/>
+              </a:rPr>
+              <a:t>return</a:t>
+            </a:r>
+            <a:r>
+              <a:rPr lang="it-IT" sz="1100" b="1" dirty="0">
+                <a:latin typeface="Courier New" panose="02070309020205020404" pitchFamily="49" charset="0"/>
+                <a:cs typeface="Courier New" panose="02070309020205020404" pitchFamily="49" charset="0"/>
+              </a:rPr>
+              <a:t> 1;</a:t>
             </a:r>
           </a:p>
           <a:p>
@@ -11881,21 +11067,21 @@
                 <a:latin typeface="Courier New" panose="02070309020205020404" pitchFamily="49" charset="0"/>
                 <a:cs typeface="Courier New" panose="02070309020205020404" pitchFamily="49" charset="0"/>
               </a:rPr>
-              <a:t>   switch (</a:t>
+              <a:t>     </a:t>
             </a:r>
             <a:r>
               <a:rPr lang="it-IT" sz="1100" b="1" dirty="0" err="1">
                 <a:latin typeface="Courier New" panose="02070309020205020404" pitchFamily="49" charset="0"/>
                 <a:cs typeface="Courier New" panose="02070309020205020404" pitchFamily="49" charset="0"/>
               </a:rPr>
-              <a:t>e.numSolReali</a:t>
+              <a:t>return</a:t>
             </a:r>
             <a:r>
               <a:rPr lang="it-IT" sz="1100" b="1" dirty="0">
                 <a:latin typeface="Courier New" panose="02070309020205020404" pitchFamily="49" charset="0"/>
                 <a:cs typeface="Courier New" panose="02070309020205020404" pitchFamily="49" charset="0"/>
               </a:rPr>
-              <a:t>()) {</a:t>
+              <a:t> 2;</a:t>
             </a:r>
           </a:p>
           <a:p>
@@ -11907,199 +11093,7 @@
                 <a:latin typeface="Courier New" panose="02070309020205020404" pitchFamily="49" charset="0"/>
                 <a:cs typeface="Courier New" panose="02070309020205020404" pitchFamily="49" charset="0"/>
               </a:rPr>
-              <a:t>     case 2:</a:t>
-            </a:r>
-          </a:p>
-          <a:p>
-            <a:pPr marL="0" indent="0">
-              <a:buNone/>
-            </a:pPr>
-            <a:r>
-              <a:rPr lang="it-IT" sz="1100" b="1" dirty="0">
-                <a:latin typeface="Courier New" panose="02070309020205020404" pitchFamily="49" charset="0"/>
-                <a:cs typeface="Courier New" panose="02070309020205020404" pitchFamily="49" charset="0"/>
-              </a:rPr>
-              <a:t>       </a:t>
-            </a:r>
-            <a:r>
-              <a:rPr lang="it-IT" sz="1100" b="1" dirty="0" err="1">
-                <a:latin typeface="Courier New" panose="02070309020205020404" pitchFamily="49" charset="0"/>
-                <a:cs typeface="Courier New" panose="02070309020205020404" pitchFamily="49" charset="0"/>
-              </a:rPr>
-              <a:t>cout</a:t>
-            </a:r>
-            <a:r>
-              <a:rPr lang="it-IT" sz="1100" b="1" dirty="0">
-                <a:latin typeface="Courier New" panose="02070309020205020404" pitchFamily="49" charset="0"/>
-                <a:cs typeface="Courier New" panose="02070309020205020404" pitchFamily="49" charset="0"/>
-              </a:rPr>
-              <a:t> &lt;&lt; "soluzione 2 = " &lt;&lt; e.soluzione2() &lt;&lt; </a:t>
-            </a:r>
-            <a:r>
-              <a:rPr lang="it-IT" sz="1100" b="1" dirty="0" err="1">
-                <a:latin typeface="Courier New" panose="02070309020205020404" pitchFamily="49" charset="0"/>
-                <a:cs typeface="Courier New" panose="02070309020205020404" pitchFamily="49" charset="0"/>
-              </a:rPr>
-              <a:t>endl</a:t>
-            </a:r>
-            <a:r>
-              <a:rPr lang="it-IT" sz="1100" b="1" dirty="0">
-                <a:latin typeface="Courier New" panose="02070309020205020404" pitchFamily="49" charset="0"/>
-                <a:cs typeface="Courier New" panose="02070309020205020404" pitchFamily="49" charset="0"/>
-              </a:rPr>
-              <a:t>;</a:t>
-            </a:r>
-          </a:p>
-          <a:p>
-            <a:pPr marL="0" indent="0">
-              <a:buNone/>
-            </a:pPr>
-            <a:r>
-              <a:rPr lang="it-IT" sz="1100" b="1" dirty="0">
-                <a:latin typeface="Courier New" panose="02070309020205020404" pitchFamily="49" charset="0"/>
-                <a:cs typeface="Courier New" panose="02070309020205020404" pitchFamily="49" charset="0"/>
-              </a:rPr>
-              <a:t>     case 1:</a:t>
-            </a:r>
-          </a:p>
-          <a:p>
-            <a:pPr marL="0" indent="0">
-              <a:buNone/>
-            </a:pPr>
-            <a:r>
-              <a:rPr lang="it-IT" sz="1100" b="1" dirty="0">
-                <a:latin typeface="Courier New" panose="02070309020205020404" pitchFamily="49" charset="0"/>
-                <a:cs typeface="Courier New" panose="02070309020205020404" pitchFamily="49" charset="0"/>
-              </a:rPr>
-              <a:t>       </a:t>
-            </a:r>
-            <a:r>
-              <a:rPr lang="it-IT" sz="1100" b="1" dirty="0" err="1">
-                <a:latin typeface="Courier New" panose="02070309020205020404" pitchFamily="49" charset="0"/>
-                <a:cs typeface="Courier New" panose="02070309020205020404" pitchFamily="49" charset="0"/>
-              </a:rPr>
-              <a:t>cout</a:t>
-            </a:r>
-            <a:r>
-              <a:rPr lang="it-IT" sz="1100" b="1" dirty="0">
-                <a:latin typeface="Courier New" panose="02070309020205020404" pitchFamily="49" charset="0"/>
-                <a:cs typeface="Courier New" panose="02070309020205020404" pitchFamily="49" charset="0"/>
-              </a:rPr>
-              <a:t> &lt;&lt; "soluzione 1 = " &lt;&lt; e.soluzione1() &lt;&lt; </a:t>
-            </a:r>
-            <a:r>
-              <a:rPr lang="it-IT" sz="1100" b="1" dirty="0" err="1">
-                <a:latin typeface="Courier New" panose="02070309020205020404" pitchFamily="49" charset="0"/>
-                <a:cs typeface="Courier New" panose="02070309020205020404" pitchFamily="49" charset="0"/>
-              </a:rPr>
-              <a:t>endl</a:t>
-            </a:r>
-            <a:r>
-              <a:rPr lang="it-IT" sz="1100" b="1" dirty="0">
-                <a:latin typeface="Courier New" panose="02070309020205020404" pitchFamily="49" charset="0"/>
-                <a:cs typeface="Courier New" panose="02070309020205020404" pitchFamily="49" charset="0"/>
-              </a:rPr>
-              <a:t>; </a:t>
-            </a:r>
-          </a:p>
-          <a:p>
-            <a:pPr marL="0" indent="0">
-              <a:buNone/>
-            </a:pPr>
-            <a:r>
-              <a:rPr lang="it-IT" sz="1100" b="1" dirty="0">
-                <a:latin typeface="Courier New" panose="02070309020205020404" pitchFamily="49" charset="0"/>
-                <a:cs typeface="Courier New" panose="02070309020205020404" pitchFamily="49" charset="0"/>
-              </a:rPr>
-              <a:t>       break;</a:t>
-            </a:r>
-          </a:p>
-          <a:p>
-            <a:pPr marL="0" indent="0">
-              <a:buNone/>
-            </a:pPr>
-            <a:r>
-              <a:rPr lang="it-IT" sz="1100" b="1" dirty="0">
-                <a:latin typeface="Courier New" panose="02070309020205020404" pitchFamily="49" charset="0"/>
-                <a:cs typeface="Courier New" panose="02070309020205020404" pitchFamily="49" charset="0"/>
-              </a:rPr>
-              <a:t>     case 0:</a:t>
-            </a:r>
-          </a:p>
-          <a:p>
-            <a:pPr marL="0" indent="0">
-              <a:buNone/>
-            </a:pPr>
-            <a:r>
-              <a:rPr lang="it-IT" sz="1100" b="1" dirty="0">
-                <a:latin typeface="Courier New" panose="02070309020205020404" pitchFamily="49" charset="0"/>
-                <a:cs typeface="Courier New" panose="02070309020205020404" pitchFamily="49" charset="0"/>
-              </a:rPr>
-              <a:t>       </a:t>
-            </a:r>
-            <a:r>
-              <a:rPr lang="it-IT" sz="1100" b="1" dirty="0" err="1">
-                <a:latin typeface="Courier New" panose="02070309020205020404" pitchFamily="49" charset="0"/>
-                <a:cs typeface="Courier New" panose="02070309020205020404" pitchFamily="49" charset="0"/>
-              </a:rPr>
-              <a:t>cout</a:t>
-            </a:r>
-            <a:r>
-              <a:rPr lang="it-IT" sz="1100" b="1" dirty="0">
-                <a:latin typeface="Courier New" panose="02070309020205020404" pitchFamily="49" charset="0"/>
-                <a:cs typeface="Courier New" panose="02070309020205020404" pitchFamily="49" charset="0"/>
-              </a:rPr>
-              <a:t> &lt;&lt; "nessuna soluzione reale"; </a:t>
-            </a:r>
-          </a:p>
-          <a:p>
-            <a:pPr marL="0" indent="0">
-              <a:buNone/>
-            </a:pPr>
-            <a:r>
-              <a:rPr lang="it-IT" sz="1100" b="1" dirty="0">
-                <a:latin typeface="Courier New" panose="02070309020205020404" pitchFamily="49" charset="0"/>
-                <a:cs typeface="Courier New" panose="02070309020205020404" pitchFamily="49" charset="0"/>
-              </a:rPr>
               <a:t>   }</a:t>
-            </a:r>
-          </a:p>
-          <a:p>
-            <a:pPr marL="0" indent="0">
-              <a:buNone/>
-            </a:pPr>
-            <a:r>
-              <a:rPr lang="it-IT" sz="1100" b="1" dirty="0">
-                <a:latin typeface="Courier New" panose="02070309020205020404" pitchFamily="49" charset="0"/>
-                <a:cs typeface="Courier New" panose="02070309020205020404" pitchFamily="49" charset="0"/>
-              </a:rPr>
-              <a:t>   </a:t>
-            </a:r>
-            <a:r>
-              <a:rPr lang="it-IT" sz="1100" b="1" dirty="0" err="1">
-                <a:latin typeface="Courier New" panose="02070309020205020404" pitchFamily="49" charset="0"/>
-                <a:cs typeface="Courier New" panose="02070309020205020404" pitchFamily="49" charset="0"/>
-              </a:rPr>
-              <a:t>return</a:t>
-            </a:r>
-            <a:r>
-              <a:rPr lang="it-IT" sz="1100" b="1" dirty="0">
-                <a:latin typeface="Courier New" panose="02070309020205020404" pitchFamily="49" charset="0"/>
-                <a:cs typeface="Courier New" panose="02070309020205020404" pitchFamily="49" charset="0"/>
-              </a:rPr>
-              <a:t> 0;</a:t>
-            </a:r>
-          </a:p>
-          <a:p>
-            <a:pPr marL="0" indent="0">
-              <a:buNone/>
-            </a:pPr>
-            <a:r>
-              <a:rPr lang="it-IT" sz="1100" b="1" dirty="0">
-                <a:latin typeface="Courier New" panose="02070309020205020404" pitchFamily="49" charset="0"/>
-                <a:cs typeface="Courier New" panose="02070309020205020404" pitchFamily="49" charset="0"/>
-              </a:rPr>
-              <a:t>} </a:t>
             </a:r>
           </a:p>
         </p:txBody>
@@ -12125,233 +11119,705 @@
           <a:bodyPr/>
           <a:lstStyle/>
           <a:p>
-            <a:r>
-              <a:rPr lang="it-IT" sz="1800" b="1" dirty="0">
-                <a:latin typeface="Courier New" panose="02070309020205020404" pitchFamily="49" charset="0"/>
-                <a:cs typeface="Courier New" panose="02070309020205020404" pitchFamily="49" charset="0"/>
-              </a:rPr>
-              <a:t>Equazione e(3,4,1)</a:t>
-            </a:r>
-          </a:p>
-          <a:p>
-            <a:pPr lvl="1"/>
-            <a:r>
-              <a:rPr lang="it-IT" sz="1400" dirty="0">
-                <a:cs typeface="Courier New" panose="02070309020205020404" pitchFamily="49" charset="0"/>
-              </a:rPr>
-              <a:t>dichiarazione e inizializzazione </a:t>
-            </a:r>
-            <a:br>
-              <a:rPr lang="it-IT" sz="1400" dirty="0">
-                <a:cs typeface="Courier New" panose="02070309020205020404" pitchFamily="49" charset="0"/>
-              </a:rPr>
-            </a:br>
-            <a:r>
-              <a:rPr lang="it-IT" sz="1400" dirty="0">
-                <a:cs typeface="Courier New" panose="02070309020205020404" pitchFamily="49" charset="0"/>
-              </a:rPr>
-              <a:t>(chiamata costruttore)</a:t>
-            </a:r>
-          </a:p>
-          <a:p>
-            <a:r>
-              <a:rPr lang="it-IT" sz="1800" b="1" dirty="0" err="1">
-                <a:latin typeface="Courier New" panose="02070309020205020404" pitchFamily="49" charset="0"/>
-                <a:cs typeface="Courier New" panose="02070309020205020404" pitchFamily="49" charset="0"/>
-              </a:rPr>
-              <a:t>e.setA</a:t>
-            </a:r>
-            <a:r>
-              <a:rPr lang="it-IT" sz="1800" b="1" dirty="0">
-                <a:latin typeface="Courier New" panose="02070309020205020404" pitchFamily="49" charset="0"/>
-                <a:cs typeface="Courier New" panose="02070309020205020404" pitchFamily="49" charset="0"/>
-              </a:rPr>
-              <a:t>(2)</a:t>
-            </a:r>
-          </a:p>
-          <a:p>
-            <a:pPr lvl="1"/>
-            <a:r>
-              <a:rPr lang="it-IT" sz="1400" dirty="0">
-                <a:cs typeface="Courier New" panose="02070309020205020404" pitchFamily="49" charset="0"/>
-              </a:rPr>
-              <a:t>esecuzione della funzione membro </a:t>
-            </a:r>
-            <a:br>
-              <a:rPr lang="it-IT" sz="1400" dirty="0">
-                <a:cs typeface="Courier New" panose="02070309020205020404" pitchFamily="49" charset="0"/>
-              </a:rPr>
-            </a:br>
-            <a:r>
-              <a:rPr lang="it-IT" sz="1400" dirty="0" err="1">
-                <a:cs typeface="Courier New" panose="02070309020205020404" pitchFamily="49" charset="0"/>
-              </a:rPr>
-              <a:t>void</a:t>
-            </a:r>
-            <a:r>
-              <a:rPr lang="it-IT" sz="1400" dirty="0">
+            <a:pPr marL="0" indent="0">
+              <a:buNone/>
+            </a:pPr>
+            <a:r>
+              <a:rPr lang="it-IT" sz="1100" b="1" dirty="0">
+                <a:solidFill>
+                  <a:srgbClr val="FF0000"/>
+                </a:solidFill>
+                <a:latin typeface="Courier New" panose="02070309020205020404" pitchFamily="49" charset="0"/>
+                <a:cs typeface="Courier New" panose="02070309020205020404" pitchFamily="49" charset="0"/>
+              </a:rPr>
+              <a:t>double soluzione1() </a:t>
+            </a:r>
+            <a:r>
+              <a:rPr lang="it-IT" sz="1100" b="1" dirty="0">
+                <a:latin typeface="Courier New" panose="02070309020205020404" pitchFamily="49" charset="0"/>
+                <a:cs typeface="Courier New" panose="02070309020205020404" pitchFamily="49" charset="0"/>
+              </a:rPr>
+              <a:t>{</a:t>
+            </a:r>
+          </a:p>
+          <a:p>
+            <a:pPr marL="0" indent="0">
+              <a:buNone/>
+            </a:pPr>
+            <a:r>
+              <a:rPr lang="it-IT" sz="1100" b="1" dirty="0">
+                <a:latin typeface="Courier New" panose="02070309020205020404" pitchFamily="49" charset="0"/>
+                <a:cs typeface="Courier New" panose="02070309020205020404" pitchFamily="49" charset="0"/>
+              </a:rPr>
+              <a:t>   </a:t>
+            </a:r>
+            <a:r>
+              <a:rPr lang="it-IT" sz="1100" b="1" dirty="0" err="1">
+                <a:latin typeface="Courier New" panose="02070309020205020404" pitchFamily="49" charset="0"/>
+                <a:cs typeface="Courier New" panose="02070309020205020404" pitchFamily="49" charset="0"/>
+              </a:rPr>
+              <a:t>if</a:t>
+            </a:r>
+            <a:r>
+              <a:rPr lang="it-IT" sz="1100" b="1" dirty="0">
+                <a:latin typeface="Courier New" panose="02070309020205020404" pitchFamily="49" charset="0"/>
+                <a:cs typeface="Courier New" panose="02070309020205020404" pitchFamily="49" charset="0"/>
+              </a:rPr>
+              <a:t> (a==0 &amp;&amp; b!=0) </a:t>
+            </a:r>
+            <a:r>
+              <a:rPr lang="it-IT" sz="1100" b="1" dirty="0" err="1">
+                <a:latin typeface="Courier New" panose="02070309020205020404" pitchFamily="49" charset="0"/>
+                <a:cs typeface="Courier New" panose="02070309020205020404" pitchFamily="49" charset="0"/>
+              </a:rPr>
+              <a:t>return</a:t>
+            </a:r>
+            <a:r>
+              <a:rPr lang="it-IT" sz="1100" b="1" dirty="0">
+                <a:latin typeface="Courier New" panose="02070309020205020404" pitchFamily="49" charset="0"/>
+                <a:cs typeface="Courier New" panose="02070309020205020404" pitchFamily="49" charset="0"/>
+              </a:rPr>
+              <a:t> (-c/b);</a:t>
+            </a:r>
+          </a:p>
+          <a:p>
+            <a:pPr marL="0" indent="0">
+              <a:buNone/>
+            </a:pPr>
+            <a:r>
+              <a:rPr lang="it-IT" sz="1100" b="1" dirty="0">
+                <a:latin typeface="Courier New" panose="02070309020205020404" pitchFamily="49" charset="0"/>
+                <a:cs typeface="Courier New" panose="02070309020205020404" pitchFamily="49" charset="0"/>
+              </a:rPr>
+              <a:t>   </a:t>
+            </a:r>
+            <a:r>
+              <a:rPr lang="it-IT" sz="1100" b="1" dirty="0" err="1">
+                <a:latin typeface="Courier New" panose="02070309020205020404" pitchFamily="49" charset="0"/>
+                <a:cs typeface="Courier New" panose="02070309020205020404" pitchFamily="49" charset="0"/>
+              </a:rPr>
+              <a:t>if</a:t>
+            </a:r>
+            <a:r>
+              <a:rPr lang="it-IT" sz="1100" b="1" dirty="0">
+                <a:latin typeface="Courier New" panose="02070309020205020404" pitchFamily="49" charset="0"/>
+                <a:cs typeface="Courier New" panose="02070309020205020404" pitchFamily="49" charset="0"/>
+              </a:rPr>
+              <a:t> (delta()&gt;=0)	</a:t>
+            </a:r>
+            <a:r>
+              <a:rPr lang="it-IT" sz="1100" b="1" dirty="0" err="1">
+                <a:latin typeface="Courier New" panose="02070309020205020404" pitchFamily="49" charset="0"/>
+                <a:cs typeface="Courier New" panose="02070309020205020404" pitchFamily="49" charset="0"/>
+              </a:rPr>
+              <a:t>return</a:t>
+            </a:r>
+            <a:r>
+              <a:rPr lang="it-IT" sz="1100" b="1" dirty="0">
+                <a:latin typeface="Courier New" panose="02070309020205020404" pitchFamily="49" charset="0"/>
+                <a:cs typeface="Courier New" panose="02070309020205020404" pitchFamily="49" charset="0"/>
+              </a:rPr>
+              <a:t> ((-b-</a:t>
+            </a:r>
+            <a:r>
+              <a:rPr lang="it-IT" sz="1100" b="1" dirty="0" err="1">
+                <a:latin typeface="Courier New" panose="02070309020205020404" pitchFamily="49" charset="0"/>
+                <a:cs typeface="Courier New" panose="02070309020205020404" pitchFamily="49" charset="0"/>
+              </a:rPr>
+              <a:t>sqrt</a:t>
+            </a:r>
+            <a:r>
+              <a:rPr lang="it-IT" sz="1100" b="1" dirty="0">
+                <a:latin typeface="Courier New" panose="02070309020205020404" pitchFamily="49" charset="0"/>
+                <a:cs typeface="Courier New" panose="02070309020205020404" pitchFamily="49" charset="0"/>
+              </a:rPr>
+              <a:t>(delta()))/a);</a:t>
+            </a:r>
+          </a:p>
+          <a:p>
+            <a:pPr marL="0" indent="0">
+              <a:buNone/>
+            </a:pPr>
+            <a:r>
+              <a:rPr lang="it-IT" sz="1100" b="1" dirty="0">
+                <a:latin typeface="Courier New" panose="02070309020205020404" pitchFamily="49" charset="0"/>
+                <a:cs typeface="Courier New" panose="02070309020205020404" pitchFamily="49" charset="0"/>
+              </a:rPr>
+              <a:t>   </a:t>
+            </a:r>
+            <a:r>
+              <a:rPr lang="it-IT" sz="1100" b="1" dirty="0" err="1">
+                <a:latin typeface="Courier New" panose="02070309020205020404" pitchFamily="49" charset="0"/>
+                <a:cs typeface="Courier New" panose="02070309020205020404" pitchFamily="49" charset="0"/>
+              </a:rPr>
+              <a:t>return</a:t>
+            </a:r>
+            <a:r>
+              <a:rPr lang="it-IT" sz="1100" b="1" dirty="0">
+                <a:latin typeface="Courier New" panose="02070309020205020404" pitchFamily="49" charset="0"/>
                 <a:cs typeface="Courier New" panose="02070309020205020404" pitchFamily="49" charset="0"/>
               </a:rPr>
               <a:t> </a:t>
             </a:r>
             <a:r>
-              <a:rPr lang="it-IT" sz="1400" dirty="0" err="1">
-                <a:cs typeface="Courier New" panose="02070309020205020404" pitchFamily="49" charset="0"/>
-              </a:rPr>
-              <a:t>setA</a:t>
-            </a:r>
-            <a:r>
-              <a:rPr lang="it-IT" sz="1400" dirty="0">
-                <a:cs typeface="Courier New" panose="02070309020205020404" pitchFamily="49" charset="0"/>
-              </a:rPr>
-              <a:t>(double)</a:t>
-            </a:r>
-          </a:p>
-          <a:p>
-            <a:r>
-              <a:rPr lang="it-IT" sz="1800" b="1" dirty="0" err="1">
-                <a:latin typeface="Courier New" panose="02070309020205020404" pitchFamily="49" charset="0"/>
-                <a:cs typeface="Courier New" panose="02070309020205020404" pitchFamily="49" charset="0"/>
-              </a:rPr>
-              <a:t>e.toString</a:t>
-            </a:r>
-            <a:r>
-              <a:rPr lang="it-IT" sz="1800" b="1" dirty="0">
-                <a:latin typeface="Courier New" panose="02070309020205020404" pitchFamily="49" charset="0"/>
-                <a:cs typeface="Courier New" panose="02070309020205020404" pitchFamily="49" charset="0"/>
-              </a:rPr>
-              <a:t>()</a:t>
-            </a:r>
-          </a:p>
-          <a:p>
-            <a:pPr lvl="1"/>
-            <a:r>
-              <a:rPr lang="it-IT" sz="1400" dirty="0">
-                <a:cs typeface="Courier New" panose="02070309020205020404" pitchFamily="49" charset="0"/>
-              </a:rPr>
-              <a:t>esecuzione della funzione membro </a:t>
-            </a:r>
-            <a:br>
-              <a:rPr lang="it-IT" sz="1400" dirty="0">
-                <a:cs typeface="Courier New" panose="02070309020205020404" pitchFamily="49" charset="0"/>
-              </a:rPr>
-            </a:br>
-            <a:r>
-              <a:rPr lang="it-IT" sz="1400" dirty="0" err="1">
+              <a:rPr lang="it-IT" sz="1100" b="1" dirty="0" err="1">
+                <a:latin typeface="Courier New" panose="02070309020205020404" pitchFamily="49" charset="0"/>
+                <a:cs typeface="Courier New" panose="02070309020205020404" pitchFamily="49" charset="0"/>
+              </a:rPr>
+              <a:t>std</a:t>
+            </a:r>
+            <a:r>
+              <a:rPr lang="it-IT" sz="1100" b="1" dirty="0">
+                <a:latin typeface="Courier New" panose="02070309020205020404" pitchFamily="49" charset="0"/>
+                <a:cs typeface="Courier New" panose="02070309020205020404" pitchFamily="49" charset="0"/>
+              </a:rPr>
+              <a:t>::</a:t>
+            </a:r>
+            <a:r>
+              <a:rPr lang="it-IT" sz="1100" b="1" dirty="0" err="1">
+                <a:latin typeface="Courier New" panose="02070309020205020404" pitchFamily="49" charset="0"/>
+                <a:cs typeface="Courier New" panose="02070309020205020404" pitchFamily="49" charset="0"/>
+              </a:rPr>
+              <a:t>numeric_limits</a:t>
+            </a:r>
+            <a:r>
+              <a:rPr lang="it-IT" sz="1100" b="1" dirty="0">
+                <a:latin typeface="Courier New" panose="02070309020205020404" pitchFamily="49" charset="0"/>
+                <a:cs typeface="Courier New" panose="02070309020205020404" pitchFamily="49" charset="0"/>
+              </a:rPr>
+              <a:t>&lt;double&gt;::</a:t>
+            </a:r>
+            <a:r>
+              <a:rPr lang="it-IT" sz="1100" b="1" dirty="0" err="1">
+                <a:latin typeface="Courier New" panose="02070309020205020404" pitchFamily="49" charset="0"/>
+                <a:cs typeface="Courier New" panose="02070309020205020404" pitchFamily="49" charset="0"/>
+              </a:rPr>
+              <a:t>min</a:t>
+            </a:r>
+            <a:r>
+              <a:rPr lang="it-IT" sz="1100" b="1" dirty="0">
+                <a:latin typeface="Courier New" panose="02070309020205020404" pitchFamily="49" charset="0"/>
+                <a:cs typeface="Courier New" panose="02070309020205020404" pitchFamily="49" charset="0"/>
+              </a:rPr>
+              <a:t>();</a:t>
+            </a:r>
+          </a:p>
+          <a:p>
+            <a:pPr marL="0" indent="0">
+              <a:buNone/>
+            </a:pPr>
+            <a:r>
+              <a:rPr lang="it-IT" sz="1100" b="1" dirty="0">
+                <a:latin typeface="Courier New" panose="02070309020205020404" pitchFamily="49" charset="0"/>
+                <a:cs typeface="Courier New" panose="02070309020205020404" pitchFamily="49" charset="0"/>
+              </a:rPr>
+              <a:t>}</a:t>
+            </a:r>
+          </a:p>
+          <a:p>
+            <a:pPr marL="0" indent="0">
+              <a:buNone/>
+            </a:pPr>
+            <a:r>
+              <a:rPr lang="it-IT" sz="1100" b="1" dirty="0">
+                <a:solidFill>
+                  <a:srgbClr val="FF0000"/>
+                </a:solidFill>
+                <a:latin typeface="Courier New" panose="02070309020205020404" pitchFamily="49" charset="0"/>
+                <a:cs typeface="Courier New" panose="02070309020205020404" pitchFamily="49" charset="0"/>
+              </a:rPr>
+              <a:t>double soluzione2() </a:t>
+            </a:r>
+            <a:r>
+              <a:rPr lang="it-IT" sz="1100" b="1" dirty="0">
+                <a:latin typeface="Courier New" panose="02070309020205020404" pitchFamily="49" charset="0"/>
+                <a:cs typeface="Courier New" panose="02070309020205020404" pitchFamily="49" charset="0"/>
+              </a:rPr>
+              <a:t>{</a:t>
+            </a:r>
+          </a:p>
+          <a:p>
+            <a:pPr marL="0" indent="0">
+              <a:buNone/>
+            </a:pPr>
+            <a:r>
+              <a:rPr lang="it-IT" sz="1100" b="1" dirty="0">
+                <a:latin typeface="Courier New" panose="02070309020205020404" pitchFamily="49" charset="0"/>
+                <a:cs typeface="Courier New" panose="02070309020205020404" pitchFamily="49" charset="0"/>
+              </a:rPr>
+              <a:t>   …</a:t>
+            </a:r>
+          </a:p>
+          <a:p>
+            <a:pPr marL="0" indent="0">
+              <a:buNone/>
+            </a:pPr>
+            <a:r>
+              <a:rPr lang="it-IT" sz="1100" b="1" dirty="0">
+                <a:latin typeface="Courier New" panose="02070309020205020404" pitchFamily="49" charset="0"/>
+                <a:cs typeface="Courier New" panose="02070309020205020404" pitchFamily="49" charset="0"/>
+              </a:rPr>
+              <a:t>}	</a:t>
+            </a:r>
+          </a:p>
+          <a:p>
+            <a:pPr marL="0" indent="0">
+              <a:buNone/>
+            </a:pPr>
+            <a:r>
+              <a:rPr lang="it-IT" sz="1100" b="1" dirty="0" err="1">
+                <a:solidFill>
+                  <a:srgbClr val="FF0000"/>
+                </a:solidFill>
+                <a:latin typeface="Courier New" panose="02070309020205020404" pitchFamily="49" charset="0"/>
                 <a:cs typeface="Courier New" panose="02070309020205020404" pitchFamily="49" charset="0"/>
               </a:rPr>
               <a:t>string</a:t>
             </a:r>
             <a:r>
-              <a:rPr lang="it-IT" sz="1400" dirty="0">
+              <a:rPr lang="it-IT" sz="1100" b="1" dirty="0">
+                <a:solidFill>
+                  <a:srgbClr val="FF0000"/>
+                </a:solidFill>
+                <a:latin typeface="Courier New" panose="02070309020205020404" pitchFamily="49" charset="0"/>
                 <a:cs typeface="Courier New" panose="02070309020205020404" pitchFamily="49" charset="0"/>
               </a:rPr>
               <a:t> </a:t>
             </a:r>
             <a:r>
-              <a:rPr lang="it-IT" sz="1400" dirty="0" err="1">
+              <a:rPr lang="it-IT" sz="1100" b="1" dirty="0" err="1">
+                <a:solidFill>
+                  <a:srgbClr val="FF0000"/>
+                </a:solidFill>
+                <a:latin typeface="Courier New" panose="02070309020205020404" pitchFamily="49" charset="0"/>
                 <a:cs typeface="Courier New" panose="02070309020205020404" pitchFamily="49" charset="0"/>
               </a:rPr>
               <a:t>toString</a:t>
             </a:r>
             <a:r>
-              <a:rPr lang="it-IT" sz="1400" dirty="0">
-                <a:cs typeface="Courier New" panose="02070309020205020404" pitchFamily="49" charset="0"/>
-              </a:rPr>
-              <a:t>()</a:t>
-            </a:r>
-          </a:p>
-          <a:p>
-            <a:r>
-              <a:rPr lang="it-IT" sz="1800" b="1" dirty="0" err="1">
-                <a:latin typeface="Courier New" panose="02070309020205020404" pitchFamily="49" charset="0"/>
-                <a:cs typeface="Courier New" panose="02070309020205020404" pitchFamily="49" charset="0"/>
-              </a:rPr>
-              <a:t>e.numSolReali</a:t>
-            </a:r>
-            <a:r>
-              <a:rPr lang="it-IT" sz="1800" b="1" dirty="0">
-                <a:latin typeface="Courier New" panose="02070309020205020404" pitchFamily="49" charset="0"/>
-                <a:cs typeface="Courier New" panose="02070309020205020404" pitchFamily="49" charset="0"/>
-              </a:rPr>
-              <a:t>()</a:t>
-            </a:r>
-          </a:p>
-          <a:p>
-            <a:pPr lvl="1"/>
-            <a:r>
-              <a:rPr lang="it-IT" sz="1400" dirty="0">
-                <a:cs typeface="Courier New" panose="02070309020205020404" pitchFamily="49" charset="0"/>
-              </a:rPr>
-              <a:t>esecuzione della funzione membro</a:t>
-            </a:r>
-            <a:br>
-              <a:rPr lang="it-IT" sz="1400" dirty="0">
-                <a:cs typeface="Courier New" panose="02070309020205020404" pitchFamily="49" charset="0"/>
-              </a:rPr>
-            </a:br>
-            <a:r>
-              <a:rPr lang="it-IT" sz="1400" dirty="0" err="1">
-                <a:cs typeface="Courier New" panose="02070309020205020404" pitchFamily="49" charset="0"/>
-              </a:rPr>
-              <a:t>int</a:t>
-            </a:r>
-            <a:r>
-              <a:rPr lang="it-IT" sz="1400" dirty="0">
+              <a:rPr lang="it-IT" sz="1100" b="1" dirty="0">
+                <a:solidFill>
+                  <a:srgbClr val="FF0000"/>
+                </a:solidFill>
+                <a:latin typeface="Courier New" panose="02070309020205020404" pitchFamily="49" charset="0"/>
+                <a:cs typeface="Courier New" panose="02070309020205020404" pitchFamily="49" charset="0"/>
+              </a:rPr>
+              <a:t>() </a:t>
+            </a:r>
+            <a:r>
+              <a:rPr lang="it-IT" sz="1100" b="1" dirty="0">
+                <a:latin typeface="Courier New" panose="02070309020205020404" pitchFamily="49" charset="0"/>
+                <a:cs typeface="Courier New" panose="02070309020205020404" pitchFamily="49" charset="0"/>
+              </a:rPr>
+              <a:t>{</a:t>
+            </a:r>
+          </a:p>
+          <a:p>
+            <a:pPr marL="0" indent="0">
+              <a:buNone/>
+            </a:pPr>
+            <a:r>
+              <a:rPr lang="it-IT" sz="1100" b="1" dirty="0">
+                <a:latin typeface="Courier New" panose="02070309020205020404" pitchFamily="49" charset="0"/>
+                <a:cs typeface="Courier New" panose="02070309020205020404" pitchFamily="49" charset="0"/>
+              </a:rPr>
+              <a:t>   </a:t>
+            </a:r>
+            <a:r>
+              <a:rPr lang="it-IT" sz="1100" b="1" dirty="0" err="1">
+                <a:latin typeface="Courier New" panose="02070309020205020404" pitchFamily="49" charset="0"/>
+                <a:cs typeface="Courier New" panose="02070309020205020404" pitchFamily="49" charset="0"/>
+              </a:rPr>
+              <a:t>string</a:t>
+            </a:r>
+            <a:r>
+              <a:rPr lang="it-IT" sz="1100" b="1" dirty="0">
+                <a:latin typeface="Courier New" panose="02070309020205020404" pitchFamily="49" charset="0"/>
+                <a:cs typeface="Courier New" panose="02070309020205020404" pitchFamily="49" charset="0"/>
+              </a:rPr>
+              <a:t> s = "";</a:t>
+            </a:r>
+          </a:p>
+          <a:p>
+            <a:pPr marL="0" indent="0">
+              <a:buNone/>
+            </a:pPr>
+            <a:r>
+              <a:rPr lang="it-IT" sz="1100" b="1" dirty="0">
+                <a:latin typeface="Courier New" panose="02070309020205020404" pitchFamily="49" charset="0"/>
+                <a:cs typeface="Courier New" panose="02070309020205020404" pitchFamily="49" charset="0"/>
+              </a:rPr>
+              <a:t>   </a:t>
+            </a:r>
+            <a:r>
+              <a:rPr lang="it-IT" sz="1100" b="1" dirty="0" err="1">
+                <a:latin typeface="Courier New" panose="02070309020205020404" pitchFamily="49" charset="0"/>
+                <a:cs typeface="Courier New" panose="02070309020205020404" pitchFamily="49" charset="0"/>
+              </a:rPr>
+              <a:t>if</a:t>
+            </a:r>
+            <a:r>
+              <a:rPr lang="it-IT" sz="1100" b="1" dirty="0">
+                <a:latin typeface="Courier New" panose="02070309020205020404" pitchFamily="49" charset="0"/>
+                <a:cs typeface="Courier New" panose="02070309020205020404" pitchFamily="49" charset="0"/>
+              </a:rPr>
+              <a:t> (a!=0) s += </a:t>
+            </a:r>
+            <a:r>
+              <a:rPr lang="it-IT" sz="1100" b="1" dirty="0" err="1">
+                <a:latin typeface="Courier New" panose="02070309020205020404" pitchFamily="49" charset="0"/>
+                <a:cs typeface="Courier New" panose="02070309020205020404" pitchFamily="49" charset="0"/>
+              </a:rPr>
+              <a:t>to_string</a:t>
+            </a:r>
+            <a:r>
+              <a:rPr lang="it-IT" sz="1100" b="1" dirty="0">
+                <a:latin typeface="Courier New" panose="02070309020205020404" pitchFamily="49" charset="0"/>
+                <a:cs typeface="Courier New" panose="02070309020205020404" pitchFamily="49" charset="0"/>
+              </a:rPr>
+              <a:t>(a) + "x^2 ";</a:t>
+            </a:r>
+          </a:p>
+          <a:p>
+            <a:pPr marL="0" indent="0">
+              <a:buNone/>
+            </a:pPr>
+            <a:r>
+              <a:rPr lang="it-IT" sz="1100" b="1" dirty="0">
+                <a:latin typeface="Courier New" panose="02070309020205020404" pitchFamily="49" charset="0"/>
+                <a:cs typeface="Courier New" panose="02070309020205020404" pitchFamily="49" charset="0"/>
+              </a:rPr>
+              <a:t>   </a:t>
+            </a:r>
+            <a:r>
+              <a:rPr lang="it-IT" sz="1100" b="1" dirty="0" err="1">
+                <a:latin typeface="Courier New" panose="02070309020205020404" pitchFamily="49" charset="0"/>
+                <a:cs typeface="Courier New" panose="02070309020205020404" pitchFamily="49" charset="0"/>
+              </a:rPr>
+              <a:t>if</a:t>
+            </a:r>
+            <a:r>
+              <a:rPr lang="it-IT" sz="1100" b="1" dirty="0">
+                <a:latin typeface="Courier New" panose="02070309020205020404" pitchFamily="49" charset="0"/>
+                <a:cs typeface="Courier New" panose="02070309020205020404" pitchFamily="49" charset="0"/>
+              </a:rPr>
+              <a:t> (b&gt;0) s += "+" + </a:t>
+            </a:r>
+            <a:r>
+              <a:rPr lang="it-IT" sz="1100" b="1" dirty="0" err="1">
+                <a:latin typeface="Courier New" panose="02070309020205020404" pitchFamily="49" charset="0"/>
+                <a:cs typeface="Courier New" panose="02070309020205020404" pitchFamily="49" charset="0"/>
+              </a:rPr>
+              <a:t>to_string</a:t>
+            </a:r>
+            <a:r>
+              <a:rPr lang="it-IT" sz="1100" b="1" dirty="0">
+                <a:latin typeface="Courier New" panose="02070309020205020404" pitchFamily="49" charset="0"/>
+                <a:cs typeface="Courier New" panose="02070309020205020404" pitchFamily="49" charset="0"/>
+              </a:rPr>
+              <a:t>(b) + "x ";</a:t>
+            </a:r>
+          </a:p>
+          <a:p>
+            <a:pPr marL="0" indent="0">
+              <a:buNone/>
+            </a:pPr>
+            <a:r>
+              <a:rPr lang="it-IT" sz="1100" b="1" dirty="0">
+                <a:latin typeface="Courier New" panose="02070309020205020404" pitchFamily="49" charset="0"/>
+                <a:cs typeface="Courier New" panose="02070309020205020404" pitchFamily="49" charset="0"/>
+              </a:rPr>
+              <a:t>   </a:t>
+            </a:r>
+            <a:r>
+              <a:rPr lang="it-IT" sz="1100" b="1" dirty="0" err="1">
+                <a:latin typeface="Courier New" panose="02070309020205020404" pitchFamily="49" charset="0"/>
+                <a:cs typeface="Courier New" panose="02070309020205020404" pitchFamily="49" charset="0"/>
+              </a:rPr>
+              <a:t>if</a:t>
+            </a:r>
+            <a:r>
+              <a:rPr lang="it-IT" sz="1100" b="1" dirty="0">
+                <a:latin typeface="Courier New" panose="02070309020205020404" pitchFamily="49" charset="0"/>
+                <a:cs typeface="Courier New" panose="02070309020205020404" pitchFamily="49" charset="0"/>
+              </a:rPr>
+              <a:t> (b&lt;0) s += </a:t>
+            </a:r>
+            <a:r>
+              <a:rPr lang="it-IT" sz="1100" b="1" dirty="0" err="1">
+                <a:latin typeface="Courier New" panose="02070309020205020404" pitchFamily="49" charset="0"/>
+                <a:cs typeface="Courier New" panose="02070309020205020404" pitchFamily="49" charset="0"/>
+              </a:rPr>
+              <a:t>to_string</a:t>
+            </a:r>
+            <a:r>
+              <a:rPr lang="it-IT" sz="1100" b="1" dirty="0">
+                <a:latin typeface="Courier New" panose="02070309020205020404" pitchFamily="49" charset="0"/>
+                <a:cs typeface="Courier New" panose="02070309020205020404" pitchFamily="49" charset="0"/>
+              </a:rPr>
+              <a:t>(b) + "x ";</a:t>
+            </a:r>
+          </a:p>
+          <a:p>
+            <a:pPr marL="0" indent="0">
+              <a:buNone/>
+            </a:pPr>
+            <a:r>
+              <a:rPr lang="it-IT" sz="1100" b="1" dirty="0">
+                <a:latin typeface="Courier New" panose="02070309020205020404" pitchFamily="49" charset="0"/>
+                <a:cs typeface="Courier New" panose="02070309020205020404" pitchFamily="49" charset="0"/>
+              </a:rPr>
+              <a:t>   </a:t>
+            </a:r>
+            <a:r>
+              <a:rPr lang="it-IT" sz="1100" b="1" dirty="0" err="1">
+                <a:latin typeface="Courier New" panose="02070309020205020404" pitchFamily="49" charset="0"/>
+                <a:cs typeface="Courier New" panose="02070309020205020404" pitchFamily="49" charset="0"/>
+              </a:rPr>
+              <a:t>if</a:t>
+            </a:r>
+            <a:r>
+              <a:rPr lang="it-IT" sz="1100" b="1" dirty="0">
+                <a:latin typeface="Courier New" panose="02070309020205020404" pitchFamily="49" charset="0"/>
+                <a:cs typeface="Courier New" panose="02070309020205020404" pitchFamily="49" charset="0"/>
+              </a:rPr>
+              <a:t> (c&gt;0) s += "+" + </a:t>
+            </a:r>
+            <a:r>
+              <a:rPr lang="it-IT" sz="1100" b="1" dirty="0" err="1">
+                <a:latin typeface="Courier New" panose="02070309020205020404" pitchFamily="49" charset="0"/>
+                <a:cs typeface="Courier New" panose="02070309020205020404" pitchFamily="49" charset="0"/>
+              </a:rPr>
+              <a:t>to_string</a:t>
+            </a:r>
+            <a:r>
+              <a:rPr lang="it-IT" sz="1100" b="1" dirty="0">
+                <a:latin typeface="Courier New" panose="02070309020205020404" pitchFamily="49" charset="0"/>
+                <a:cs typeface="Courier New" panose="02070309020205020404" pitchFamily="49" charset="0"/>
+              </a:rPr>
+              <a:t>(c);</a:t>
+            </a:r>
+          </a:p>
+          <a:p>
+            <a:pPr marL="0" indent="0">
+              <a:buNone/>
+            </a:pPr>
+            <a:r>
+              <a:rPr lang="it-IT" sz="1100" b="1" dirty="0">
+                <a:latin typeface="Courier New" panose="02070309020205020404" pitchFamily="49" charset="0"/>
+                <a:cs typeface="Courier New" panose="02070309020205020404" pitchFamily="49" charset="0"/>
+              </a:rPr>
+              <a:t>   </a:t>
+            </a:r>
+            <a:r>
+              <a:rPr lang="it-IT" sz="1100" b="1" dirty="0" err="1">
+                <a:latin typeface="Courier New" panose="02070309020205020404" pitchFamily="49" charset="0"/>
+                <a:cs typeface="Courier New" panose="02070309020205020404" pitchFamily="49" charset="0"/>
+              </a:rPr>
+              <a:t>if</a:t>
+            </a:r>
+            <a:r>
+              <a:rPr lang="it-IT" sz="1100" b="1" dirty="0">
+                <a:latin typeface="Courier New" panose="02070309020205020404" pitchFamily="49" charset="0"/>
+                <a:cs typeface="Courier New" panose="02070309020205020404" pitchFamily="49" charset="0"/>
+              </a:rPr>
+              <a:t> (c&lt;0) s += </a:t>
+            </a:r>
+            <a:r>
+              <a:rPr lang="it-IT" sz="1100" b="1" dirty="0" err="1">
+                <a:latin typeface="Courier New" panose="02070309020205020404" pitchFamily="49" charset="0"/>
+                <a:cs typeface="Courier New" panose="02070309020205020404" pitchFamily="49" charset="0"/>
+              </a:rPr>
+              <a:t>to_string</a:t>
+            </a:r>
+            <a:r>
+              <a:rPr lang="it-IT" sz="1100" b="1" dirty="0">
+                <a:latin typeface="Courier New" panose="02070309020205020404" pitchFamily="49" charset="0"/>
+                <a:cs typeface="Courier New" panose="02070309020205020404" pitchFamily="49" charset="0"/>
+              </a:rPr>
+              <a:t>(c);</a:t>
+            </a:r>
+          </a:p>
+          <a:p>
+            <a:pPr marL="0" indent="0">
+              <a:buNone/>
+            </a:pPr>
+            <a:r>
+              <a:rPr lang="it-IT" sz="1100" b="1" dirty="0">
+                <a:latin typeface="Courier New" panose="02070309020205020404" pitchFamily="49" charset="0"/>
+                <a:cs typeface="Courier New" panose="02070309020205020404" pitchFamily="49" charset="0"/>
+              </a:rPr>
+              <a:t>   </a:t>
+            </a:r>
+            <a:r>
+              <a:rPr lang="it-IT" sz="1100" b="1" dirty="0" err="1">
+                <a:latin typeface="Courier New" panose="02070309020205020404" pitchFamily="49" charset="0"/>
+                <a:cs typeface="Courier New" panose="02070309020205020404" pitchFamily="49" charset="0"/>
+              </a:rPr>
+              <a:t>return</a:t>
+            </a:r>
+            <a:r>
+              <a:rPr lang="it-IT" sz="1100" b="1" dirty="0">
+                <a:latin typeface="Courier New" panose="02070309020205020404" pitchFamily="49" charset="0"/>
+                <a:cs typeface="Courier New" panose="02070309020205020404" pitchFamily="49" charset="0"/>
+              </a:rPr>
+              <a:t> s + " = 0";</a:t>
+            </a:r>
+          </a:p>
+          <a:p>
+            <a:pPr marL="0" indent="0">
+              <a:buNone/>
+            </a:pPr>
+            <a:r>
+              <a:rPr lang="it-IT" sz="1100" b="1" dirty="0">
+                <a:latin typeface="Courier New" panose="02070309020205020404" pitchFamily="49" charset="0"/>
+                <a:cs typeface="Courier New" panose="02070309020205020404" pitchFamily="49" charset="0"/>
+              </a:rPr>
+              <a:t>}</a:t>
+            </a:r>
+          </a:p>
+          <a:p>
+            <a:pPr marL="0" indent="0">
+              <a:buNone/>
+            </a:pPr>
+            <a:r>
+              <a:rPr lang="it-IT" sz="1100" b="1" dirty="0">
+                <a:solidFill>
+                  <a:srgbClr val="0070C0"/>
+                </a:solidFill>
+                <a:latin typeface="Courier New" panose="02070309020205020404" pitchFamily="49" charset="0"/>
+                <a:cs typeface="Courier New" panose="02070309020205020404" pitchFamily="49" charset="0"/>
+              </a:rPr>
+              <a:t>private</a:t>
+            </a:r>
+            <a:r>
+              <a:rPr lang="it-IT" sz="1100" b="1" dirty="0">
+                <a:latin typeface="Courier New" panose="02070309020205020404" pitchFamily="49" charset="0"/>
+                <a:cs typeface="Courier New" panose="02070309020205020404" pitchFamily="49" charset="0"/>
+              </a:rPr>
+              <a:t>:</a:t>
+            </a:r>
+          </a:p>
+          <a:p>
+            <a:pPr marL="0" indent="0">
+              <a:buNone/>
+            </a:pPr>
+            <a:r>
+              <a:rPr lang="it-IT" sz="1100" b="1" dirty="0">
+                <a:latin typeface="Courier New" panose="02070309020205020404" pitchFamily="49" charset="0"/>
+                <a:cs typeface="Courier New" panose="02070309020205020404" pitchFamily="49" charset="0"/>
+              </a:rPr>
+              <a:t>   </a:t>
+            </a:r>
+            <a:r>
+              <a:rPr lang="it-IT" sz="1100" b="1" dirty="0">
+                <a:solidFill>
+                  <a:srgbClr val="FF0000"/>
+                </a:solidFill>
+                <a:latin typeface="Courier New" panose="02070309020205020404" pitchFamily="49" charset="0"/>
+                <a:cs typeface="Courier New" panose="02070309020205020404" pitchFamily="49" charset="0"/>
+              </a:rPr>
+              <a:t>double a;</a:t>
+            </a:r>
+          </a:p>
+          <a:p>
+            <a:pPr marL="0" indent="0">
+              <a:buNone/>
+            </a:pPr>
+            <a:r>
+              <a:rPr lang="it-IT" sz="1100" b="1" dirty="0">
+                <a:solidFill>
+                  <a:srgbClr val="FF0000"/>
+                </a:solidFill>
+                <a:latin typeface="Courier New" panose="02070309020205020404" pitchFamily="49" charset="0"/>
+                <a:cs typeface="Courier New" panose="02070309020205020404" pitchFamily="49" charset="0"/>
+              </a:rPr>
+              <a:t>   double b;</a:t>
+            </a:r>
+          </a:p>
+          <a:p>
+            <a:pPr marL="0" indent="0">
+              <a:buNone/>
+            </a:pPr>
+            <a:r>
+              <a:rPr lang="it-IT" sz="1100" b="1" dirty="0">
+                <a:solidFill>
+                  <a:srgbClr val="FF0000"/>
+                </a:solidFill>
+                <a:latin typeface="Courier New" panose="02070309020205020404" pitchFamily="49" charset="0"/>
+                <a:cs typeface="Courier New" panose="02070309020205020404" pitchFamily="49" charset="0"/>
+              </a:rPr>
+              <a:t>   double c;</a:t>
+            </a:r>
+          </a:p>
+          <a:p>
+            <a:pPr marL="0" indent="0">
+              <a:buNone/>
+            </a:pPr>
+            <a:r>
+              <a:rPr lang="it-IT" sz="1100" b="1" dirty="0">
+                <a:solidFill>
+                  <a:srgbClr val="FF0000"/>
+                </a:solidFill>
+                <a:latin typeface="Courier New" panose="02070309020205020404" pitchFamily="49" charset="0"/>
+                <a:cs typeface="Courier New" panose="02070309020205020404" pitchFamily="49" charset="0"/>
+              </a:rPr>
+              <a:t>   double delta() </a:t>
+            </a:r>
+            <a:r>
+              <a:rPr lang="it-IT" sz="1100" b="1" dirty="0">
+                <a:latin typeface="Courier New" panose="02070309020205020404" pitchFamily="49" charset="0"/>
+                <a:cs typeface="Courier New" panose="02070309020205020404" pitchFamily="49" charset="0"/>
+              </a:rPr>
+              <a:t>{ </a:t>
+            </a:r>
+            <a:r>
+              <a:rPr lang="it-IT" sz="1100" b="1" dirty="0" err="1">
+                <a:latin typeface="Courier New" panose="02070309020205020404" pitchFamily="49" charset="0"/>
+                <a:cs typeface="Courier New" panose="02070309020205020404" pitchFamily="49" charset="0"/>
+              </a:rPr>
+              <a:t>return</a:t>
+            </a:r>
+            <a:r>
+              <a:rPr lang="it-IT" sz="1100" b="1" dirty="0">
+                <a:latin typeface="Courier New" panose="02070309020205020404" pitchFamily="49" charset="0"/>
                 <a:cs typeface="Courier New" panose="02070309020205020404" pitchFamily="49" charset="0"/>
               </a:rPr>
               <a:t> </a:t>
             </a:r>
             <a:r>
-              <a:rPr lang="it-IT" sz="1400" dirty="0" err="1">
-                <a:cs typeface="Courier New" panose="02070309020205020404" pitchFamily="49" charset="0"/>
-              </a:rPr>
-              <a:t>numSolReali</a:t>
-            </a:r>
-            <a:r>
-              <a:rPr lang="it-IT" sz="1400" dirty="0">
-                <a:cs typeface="Courier New" panose="02070309020205020404" pitchFamily="49" charset="0"/>
-              </a:rPr>
-              <a:t>()</a:t>
-            </a:r>
-          </a:p>
-          <a:p>
-            <a:r>
-              <a:rPr lang="it-IT" sz="1800" b="1" dirty="0">
-                <a:latin typeface="Courier New" panose="02070309020205020404" pitchFamily="49" charset="0"/>
-                <a:cs typeface="Courier New" panose="02070309020205020404" pitchFamily="49" charset="0"/>
-              </a:rPr>
-              <a:t>e.soluzione1() </a:t>
-            </a:r>
-            <a:r>
-              <a:rPr lang="it-IT" sz="1800" dirty="0">
-                <a:cs typeface="Courier New" panose="02070309020205020404" pitchFamily="49" charset="0"/>
-              </a:rPr>
-              <a:t>e.soluzione2()</a:t>
-            </a:r>
-          </a:p>
-          <a:p>
-            <a:pPr lvl="1"/>
-            <a:r>
-              <a:rPr lang="it-IT" sz="1400" dirty="0">
-                <a:cs typeface="Courier New" panose="02070309020205020404" pitchFamily="49" charset="0"/>
-              </a:rPr>
-              <a:t>esecuzione della funzione membro</a:t>
-            </a:r>
-            <a:br>
-              <a:rPr lang="it-IT" sz="1400" dirty="0">
-                <a:cs typeface="Courier New" panose="02070309020205020404" pitchFamily="49" charset="0"/>
-              </a:rPr>
-            </a:br>
-            <a:r>
-              <a:rPr lang="it-IT" sz="1400" dirty="0">
-                <a:cs typeface="Courier New" panose="02070309020205020404" pitchFamily="49" charset="0"/>
-              </a:rPr>
-              <a:t>double soluzione1() </a:t>
-            </a:r>
-          </a:p>
-          <a:p>
-            <a:endParaRPr lang="it-IT" sz="1800" dirty="0">
+              <a:rPr lang="it-IT" sz="1100" b="1" dirty="0" err="1">
+                <a:latin typeface="Courier New" panose="02070309020205020404" pitchFamily="49" charset="0"/>
+                <a:cs typeface="Courier New" panose="02070309020205020404" pitchFamily="49" charset="0"/>
+              </a:rPr>
+              <a:t>pow</a:t>
+            </a:r>
+            <a:r>
+              <a:rPr lang="it-IT" sz="1100" b="1" dirty="0">
+                <a:latin typeface="Courier New" panose="02070309020205020404" pitchFamily="49" charset="0"/>
+                <a:cs typeface="Courier New" panose="02070309020205020404" pitchFamily="49" charset="0"/>
+              </a:rPr>
+              <a:t>(b,2)-4*a*c; }</a:t>
+            </a:r>
+          </a:p>
+          <a:p>
+            <a:pPr marL="0" indent="0">
+              <a:buNone/>
+            </a:pPr>
+            <a:r>
+              <a:rPr lang="it-IT" sz="1100" b="1" dirty="0">
+                <a:latin typeface="Courier New" panose="02070309020205020404" pitchFamily="49" charset="0"/>
+                <a:cs typeface="Courier New" panose="02070309020205020404" pitchFamily="49" charset="0"/>
+              </a:rPr>
+              <a:t>};</a:t>
+            </a:r>
+          </a:p>
+          <a:p>
+            <a:pPr marL="0" indent="0">
+              <a:buNone/>
+            </a:pPr>
+            <a:endParaRPr lang="it-IT" sz="1100" b="1" dirty="0">
+              <a:latin typeface="Courier New" panose="02070309020205020404" pitchFamily="49" charset="0"/>
               <a:cs typeface="Courier New" panose="02070309020205020404" pitchFamily="49" charset="0"/>
             </a:endParaRPr>
           </a:p>
@@ -12392,6 +11858,726 @@
     </p:spTree>
     <p:extLst>
       <p:ext uri="{BB962C8B-B14F-4D97-AF65-F5344CB8AC3E}">
+        <p14:creationId xmlns:p14="http://schemas.microsoft.com/office/powerpoint/2010/main" val="3556294264"/>
+      </p:ext>
+    </p:extLst>
+  </p:cSld>
+  <p:clrMapOvr>
+    <a:masterClrMapping/>
+  </p:clrMapOvr>
+</p:sld>
+</file>
+
+<file path=ppt/slides/slide31.xml><?xml version="1.0" encoding="utf-8"?>
+<p:sld xmlns:a="http://schemas.openxmlformats.org/drawingml/2006/main" xmlns:r="http://schemas.openxmlformats.org/officeDocument/2006/relationships" xmlns:p="http://schemas.openxmlformats.org/presentationml/2006/main">
+  <p:cSld>
+    <p:spTree>
+      <p:nvGrpSpPr>
+        <p:cNvPr id="1" name=""/>
+        <p:cNvGrpSpPr/>
+        <p:nvPr/>
+      </p:nvGrpSpPr>
+      <p:grpSpPr>
+        <a:xfrm>
+          <a:off x="0" y="0"/>
+          <a:ext cx="0" cy="0"/>
+          <a:chOff x="0" y="0"/>
+          <a:chExt cx="0" cy="0"/>
+        </a:xfrm>
+      </p:grpSpPr>
+      <p:sp>
+        <p:nvSpPr>
+          <p:cNvPr id="2" name="Titolo 1">
+            <a:extLst>
+              <a:ext uri="{FF2B5EF4-FFF2-40B4-BE49-F238E27FC236}">
+                <a16:creationId xmlns:a16="http://schemas.microsoft.com/office/drawing/2014/main" id="{8F83756D-8806-4520-940E-38F00B94B205}"/>
+              </a:ext>
+            </a:extLst>
+          </p:cNvPr>
+          <p:cNvSpPr>
+            <a:spLocks noGrp="1"/>
+          </p:cNvSpPr>
+          <p:nvPr>
+            <p:ph type="title"/>
+          </p:nvPr>
+        </p:nvSpPr>
+        <p:spPr/>
+        <p:txBody>
+          <a:bodyPr/>
+          <a:lstStyle/>
+          <a:p>
+            <a:r>
+              <a:rPr lang="it-IT" dirty="0"/>
+              <a:t>soluzione esercizio</a:t>
+            </a:r>
+          </a:p>
+        </p:txBody>
+      </p:sp>
+      <p:sp>
+        <p:nvSpPr>
+          <p:cNvPr id="3" name="Segnaposto contenuto 2">
+            <a:extLst>
+              <a:ext uri="{FF2B5EF4-FFF2-40B4-BE49-F238E27FC236}">
+                <a16:creationId xmlns:a16="http://schemas.microsoft.com/office/drawing/2014/main" id="{24114D0B-C108-4C15-94AB-79C2F95BCBA7}"/>
+              </a:ext>
+            </a:extLst>
+          </p:cNvPr>
+          <p:cNvSpPr>
+            <a:spLocks noGrp="1"/>
+          </p:cNvSpPr>
+          <p:nvPr>
+            <p:ph sz="half" idx="1"/>
+          </p:nvPr>
+        </p:nvSpPr>
+        <p:spPr/>
+        <p:txBody>
+          <a:bodyPr/>
+          <a:lstStyle/>
+          <a:p>
+            <a:pPr marL="0" indent="0">
+              <a:buNone/>
+            </a:pPr>
+            <a:r>
+              <a:rPr lang="it-IT" sz="1100" b="1" dirty="0" err="1">
+                <a:latin typeface="Courier New" panose="02070309020205020404" pitchFamily="49" charset="0"/>
+                <a:cs typeface="Courier New" panose="02070309020205020404" pitchFamily="49" charset="0"/>
+              </a:rPr>
+              <a:t>int</a:t>
+            </a:r>
+            <a:r>
+              <a:rPr lang="it-IT" sz="1100" b="1" dirty="0">
+                <a:latin typeface="Courier New" panose="02070309020205020404" pitchFamily="49" charset="0"/>
+                <a:cs typeface="Courier New" panose="02070309020205020404" pitchFamily="49" charset="0"/>
+              </a:rPr>
+              <a:t> </a:t>
+            </a:r>
+            <a:r>
+              <a:rPr lang="it-IT" sz="1100" b="1" dirty="0" err="1">
+                <a:latin typeface="Courier New" panose="02070309020205020404" pitchFamily="49" charset="0"/>
+                <a:cs typeface="Courier New" panose="02070309020205020404" pitchFamily="49" charset="0"/>
+              </a:rPr>
+              <a:t>main</a:t>
+            </a:r>
+            <a:r>
+              <a:rPr lang="it-IT" sz="1100" b="1" dirty="0">
+                <a:latin typeface="Courier New" panose="02070309020205020404" pitchFamily="49" charset="0"/>
+                <a:cs typeface="Courier New" panose="02070309020205020404" pitchFamily="49" charset="0"/>
+              </a:rPr>
+              <a:t>() {</a:t>
+            </a:r>
+          </a:p>
+          <a:p>
+            <a:pPr marL="0" indent="0">
+              <a:buNone/>
+            </a:pPr>
+            <a:r>
+              <a:rPr lang="it-IT" sz="1100" b="1" dirty="0">
+                <a:latin typeface="Courier New" panose="02070309020205020404" pitchFamily="49" charset="0"/>
+                <a:cs typeface="Courier New" panose="02070309020205020404" pitchFamily="49" charset="0"/>
+              </a:rPr>
+              <a:t>   Equazione e(3,4,1);</a:t>
+            </a:r>
+          </a:p>
+          <a:p>
+            <a:pPr marL="0" indent="0">
+              <a:buNone/>
+            </a:pPr>
+            <a:r>
+              <a:rPr lang="it-IT" sz="1100" b="1" dirty="0">
+                <a:latin typeface="Courier New" panose="02070309020205020404" pitchFamily="49" charset="0"/>
+                <a:cs typeface="Courier New" panose="02070309020205020404" pitchFamily="49" charset="0"/>
+              </a:rPr>
+              <a:t>   </a:t>
+            </a:r>
+            <a:r>
+              <a:rPr lang="it-IT" sz="1100" b="1" dirty="0" err="1">
+                <a:latin typeface="Courier New" panose="02070309020205020404" pitchFamily="49" charset="0"/>
+                <a:cs typeface="Courier New" panose="02070309020205020404" pitchFamily="49" charset="0"/>
+              </a:rPr>
+              <a:t>e.setA</a:t>
+            </a:r>
+            <a:r>
+              <a:rPr lang="it-IT" sz="1100" b="1" dirty="0">
+                <a:latin typeface="Courier New" panose="02070309020205020404" pitchFamily="49" charset="0"/>
+                <a:cs typeface="Courier New" panose="02070309020205020404" pitchFamily="49" charset="0"/>
+              </a:rPr>
+              <a:t>(2);</a:t>
+            </a:r>
+          </a:p>
+          <a:p>
+            <a:pPr marL="0" indent="0">
+              <a:buNone/>
+            </a:pPr>
+            <a:r>
+              <a:rPr lang="it-IT" sz="1100" b="1" dirty="0">
+                <a:latin typeface="Courier New" panose="02070309020205020404" pitchFamily="49" charset="0"/>
+                <a:cs typeface="Courier New" panose="02070309020205020404" pitchFamily="49" charset="0"/>
+              </a:rPr>
+              <a:t>   </a:t>
+            </a:r>
+            <a:r>
+              <a:rPr lang="it-IT" sz="1100" b="1" dirty="0" err="1">
+                <a:latin typeface="Courier New" panose="02070309020205020404" pitchFamily="49" charset="0"/>
+                <a:cs typeface="Courier New" panose="02070309020205020404" pitchFamily="49" charset="0"/>
+              </a:rPr>
+              <a:t>cout</a:t>
+            </a:r>
+            <a:r>
+              <a:rPr lang="it-IT" sz="1100" b="1" dirty="0">
+                <a:latin typeface="Courier New" panose="02070309020205020404" pitchFamily="49" charset="0"/>
+                <a:cs typeface="Courier New" panose="02070309020205020404" pitchFamily="49" charset="0"/>
+              </a:rPr>
+              <a:t> &lt;&lt; </a:t>
+            </a:r>
+            <a:r>
+              <a:rPr lang="it-IT" sz="1100" b="1" dirty="0" err="1">
+                <a:latin typeface="Courier New" panose="02070309020205020404" pitchFamily="49" charset="0"/>
+                <a:cs typeface="Courier New" panose="02070309020205020404" pitchFamily="49" charset="0"/>
+              </a:rPr>
+              <a:t>e.toString</a:t>
+            </a:r>
+            <a:r>
+              <a:rPr lang="it-IT" sz="1100" b="1" dirty="0">
+                <a:latin typeface="Courier New" panose="02070309020205020404" pitchFamily="49" charset="0"/>
+                <a:cs typeface="Courier New" panose="02070309020205020404" pitchFamily="49" charset="0"/>
+              </a:rPr>
+              <a:t>() &lt;&lt; </a:t>
+            </a:r>
+            <a:r>
+              <a:rPr lang="it-IT" sz="1100" b="1" dirty="0" err="1">
+                <a:latin typeface="Courier New" panose="02070309020205020404" pitchFamily="49" charset="0"/>
+                <a:cs typeface="Courier New" panose="02070309020205020404" pitchFamily="49" charset="0"/>
+              </a:rPr>
+              <a:t>endl</a:t>
+            </a:r>
+            <a:r>
+              <a:rPr lang="it-IT" sz="1100" b="1" dirty="0">
+                <a:latin typeface="Courier New" panose="02070309020205020404" pitchFamily="49" charset="0"/>
+                <a:cs typeface="Courier New" panose="02070309020205020404" pitchFamily="49" charset="0"/>
+              </a:rPr>
+              <a:t>;</a:t>
+            </a:r>
+          </a:p>
+          <a:p>
+            <a:pPr marL="0" indent="0">
+              <a:buNone/>
+            </a:pPr>
+            <a:r>
+              <a:rPr lang="it-IT" sz="1100" b="1" dirty="0">
+                <a:latin typeface="Courier New" panose="02070309020205020404" pitchFamily="49" charset="0"/>
+                <a:cs typeface="Courier New" panose="02070309020205020404" pitchFamily="49" charset="0"/>
+              </a:rPr>
+              <a:t>   switch (</a:t>
+            </a:r>
+            <a:r>
+              <a:rPr lang="it-IT" sz="1100" b="1" dirty="0" err="1">
+                <a:latin typeface="Courier New" panose="02070309020205020404" pitchFamily="49" charset="0"/>
+                <a:cs typeface="Courier New" panose="02070309020205020404" pitchFamily="49" charset="0"/>
+              </a:rPr>
+              <a:t>e.numSolReali</a:t>
+            </a:r>
+            <a:r>
+              <a:rPr lang="it-IT" sz="1100" b="1" dirty="0">
+                <a:latin typeface="Courier New" panose="02070309020205020404" pitchFamily="49" charset="0"/>
+                <a:cs typeface="Courier New" panose="02070309020205020404" pitchFamily="49" charset="0"/>
+              </a:rPr>
+              <a:t>()) {</a:t>
+            </a:r>
+          </a:p>
+          <a:p>
+            <a:pPr marL="0" indent="0">
+              <a:buNone/>
+            </a:pPr>
+            <a:r>
+              <a:rPr lang="it-IT" sz="1100" b="1" dirty="0">
+                <a:latin typeface="Courier New" panose="02070309020205020404" pitchFamily="49" charset="0"/>
+                <a:cs typeface="Courier New" panose="02070309020205020404" pitchFamily="49" charset="0"/>
+              </a:rPr>
+              <a:t>     case 2:</a:t>
+            </a:r>
+          </a:p>
+          <a:p>
+            <a:pPr marL="0" indent="0">
+              <a:buNone/>
+            </a:pPr>
+            <a:r>
+              <a:rPr lang="it-IT" sz="1100" b="1" dirty="0">
+                <a:latin typeface="Courier New" panose="02070309020205020404" pitchFamily="49" charset="0"/>
+                <a:cs typeface="Courier New" panose="02070309020205020404" pitchFamily="49" charset="0"/>
+              </a:rPr>
+              <a:t>       </a:t>
+            </a:r>
+            <a:r>
+              <a:rPr lang="it-IT" sz="1100" b="1" dirty="0" err="1">
+                <a:latin typeface="Courier New" panose="02070309020205020404" pitchFamily="49" charset="0"/>
+                <a:cs typeface="Courier New" panose="02070309020205020404" pitchFamily="49" charset="0"/>
+              </a:rPr>
+              <a:t>cout</a:t>
+            </a:r>
+            <a:r>
+              <a:rPr lang="it-IT" sz="1100" b="1" dirty="0">
+                <a:latin typeface="Courier New" panose="02070309020205020404" pitchFamily="49" charset="0"/>
+                <a:cs typeface="Courier New" panose="02070309020205020404" pitchFamily="49" charset="0"/>
+              </a:rPr>
+              <a:t> &lt;&lt; "soluzione 2 = " &lt;&lt; e.soluzione2() &lt;&lt; </a:t>
+            </a:r>
+            <a:r>
+              <a:rPr lang="it-IT" sz="1100" b="1" dirty="0" err="1">
+                <a:latin typeface="Courier New" panose="02070309020205020404" pitchFamily="49" charset="0"/>
+                <a:cs typeface="Courier New" panose="02070309020205020404" pitchFamily="49" charset="0"/>
+              </a:rPr>
+              <a:t>endl</a:t>
+            </a:r>
+            <a:r>
+              <a:rPr lang="it-IT" sz="1100" b="1" dirty="0">
+                <a:latin typeface="Courier New" panose="02070309020205020404" pitchFamily="49" charset="0"/>
+                <a:cs typeface="Courier New" panose="02070309020205020404" pitchFamily="49" charset="0"/>
+              </a:rPr>
+              <a:t>;</a:t>
+            </a:r>
+          </a:p>
+          <a:p>
+            <a:pPr marL="0" indent="0">
+              <a:buNone/>
+            </a:pPr>
+            <a:r>
+              <a:rPr lang="it-IT" sz="1100" b="1" dirty="0">
+                <a:latin typeface="Courier New" panose="02070309020205020404" pitchFamily="49" charset="0"/>
+                <a:cs typeface="Courier New" panose="02070309020205020404" pitchFamily="49" charset="0"/>
+              </a:rPr>
+              <a:t>     case 1:</a:t>
+            </a:r>
+          </a:p>
+          <a:p>
+            <a:pPr marL="0" indent="0">
+              <a:buNone/>
+            </a:pPr>
+            <a:r>
+              <a:rPr lang="it-IT" sz="1100" b="1" dirty="0">
+                <a:latin typeface="Courier New" panose="02070309020205020404" pitchFamily="49" charset="0"/>
+                <a:cs typeface="Courier New" panose="02070309020205020404" pitchFamily="49" charset="0"/>
+              </a:rPr>
+              <a:t>       </a:t>
+            </a:r>
+            <a:r>
+              <a:rPr lang="it-IT" sz="1100" b="1" dirty="0" err="1">
+                <a:latin typeface="Courier New" panose="02070309020205020404" pitchFamily="49" charset="0"/>
+                <a:cs typeface="Courier New" panose="02070309020205020404" pitchFamily="49" charset="0"/>
+              </a:rPr>
+              <a:t>cout</a:t>
+            </a:r>
+            <a:r>
+              <a:rPr lang="it-IT" sz="1100" b="1" dirty="0">
+                <a:latin typeface="Courier New" panose="02070309020205020404" pitchFamily="49" charset="0"/>
+                <a:cs typeface="Courier New" panose="02070309020205020404" pitchFamily="49" charset="0"/>
+              </a:rPr>
+              <a:t> &lt;&lt; "soluzione 1 = " &lt;&lt; e.soluzione1() &lt;&lt; </a:t>
+            </a:r>
+            <a:r>
+              <a:rPr lang="it-IT" sz="1100" b="1" dirty="0" err="1">
+                <a:latin typeface="Courier New" panose="02070309020205020404" pitchFamily="49" charset="0"/>
+                <a:cs typeface="Courier New" panose="02070309020205020404" pitchFamily="49" charset="0"/>
+              </a:rPr>
+              <a:t>endl</a:t>
+            </a:r>
+            <a:r>
+              <a:rPr lang="it-IT" sz="1100" b="1" dirty="0">
+                <a:latin typeface="Courier New" panose="02070309020205020404" pitchFamily="49" charset="0"/>
+                <a:cs typeface="Courier New" panose="02070309020205020404" pitchFamily="49" charset="0"/>
+              </a:rPr>
+              <a:t>; </a:t>
+            </a:r>
+          </a:p>
+          <a:p>
+            <a:pPr marL="0" indent="0">
+              <a:buNone/>
+            </a:pPr>
+            <a:r>
+              <a:rPr lang="it-IT" sz="1100" b="1" dirty="0">
+                <a:latin typeface="Courier New" panose="02070309020205020404" pitchFamily="49" charset="0"/>
+                <a:cs typeface="Courier New" panose="02070309020205020404" pitchFamily="49" charset="0"/>
+              </a:rPr>
+              <a:t>       break;</a:t>
+            </a:r>
+          </a:p>
+          <a:p>
+            <a:pPr marL="0" indent="0">
+              <a:buNone/>
+            </a:pPr>
+            <a:r>
+              <a:rPr lang="it-IT" sz="1100" b="1" dirty="0">
+                <a:latin typeface="Courier New" panose="02070309020205020404" pitchFamily="49" charset="0"/>
+                <a:cs typeface="Courier New" panose="02070309020205020404" pitchFamily="49" charset="0"/>
+              </a:rPr>
+              <a:t>     case 0:</a:t>
+            </a:r>
+          </a:p>
+          <a:p>
+            <a:pPr marL="0" indent="0">
+              <a:buNone/>
+            </a:pPr>
+            <a:r>
+              <a:rPr lang="it-IT" sz="1100" b="1" dirty="0">
+                <a:latin typeface="Courier New" panose="02070309020205020404" pitchFamily="49" charset="0"/>
+                <a:cs typeface="Courier New" panose="02070309020205020404" pitchFamily="49" charset="0"/>
+              </a:rPr>
+              <a:t>       </a:t>
+            </a:r>
+            <a:r>
+              <a:rPr lang="it-IT" sz="1100" b="1" dirty="0" err="1">
+                <a:latin typeface="Courier New" panose="02070309020205020404" pitchFamily="49" charset="0"/>
+                <a:cs typeface="Courier New" panose="02070309020205020404" pitchFamily="49" charset="0"/>
+              </a:rPr>
+              <a:t>cout</a:t>
+            </a:r>
+            <a:r>
+              <a:rPr lang="it-IT" sz="1100" b="1" dirty="0">
+                <a:latin typeface="Courier New" panose="02070309020205020404" pitchFamily="49" charset="0"/>
+                <a:cs typeface="Courier New" panose="02070309020205020404" pitchFamily="49" charset="0"/>
+              </a:rPr>
+              <a:t> &lt;&lt; "nessuna soluzione reale"; </a:t>
+            </a:r>
+          </a:p>
+          <a:p>
+            <a:pPr marL="0" indent="0">
+              <a:buNone/>
+            </a:pPr>
+            <a:r>
+              <a:rPr lang="it-IT" sz="1100" b="1" dirty="0">
+                <a:latin typeface="Courier New" panose="02070309020205020404" pitchFamily="49" charset="0"/>
+                <a:cs typeface="Courier New" panose="02070309020205020404" pitchFamily="49" charset="0"/>
+              </a:rPr>
+              <a:t>   }</a:t>
+            </a:r>
+          </a:p>
+          <a:p>
+            <a:pPr marL="0" indent="0">
+              <a:buNone/>
+            </a:pPr>
+            <a:r>
+              <a:rPr lang="it-IT" sz="1100" b="1" dirty="0">
+                <a:latin typeface="Courier New" panose="02070309020205020404" pitchFamily="49" charset="0"/>
+                <a:cs typeface="Courier New" panose="02070309020205020404" pitchFamily="49" charset="0"/>
+              </a:rPr>
+              <a:t>   </a:t>
+            </a:r>
+            <a:r>
+              <a:rPr lang="it-IT" sz="1100" b="1" dirty="0" err="1">
+                <a:latin typeface="Courier New" panose="02070309020205020404" pitchFamily="49" charset="0"/>
+                <a:cs typeface="Courier New" panose="02070309020205020404" pitchFamily="49" charset="0"/>
+              </a:rPr>
+              <a:t>return</a:t>
+            </a:r>
+            <a:r>
+              <a:rPr lang="it-IT" sz="1100" b="1" dirty="0">
+                <a:latin typeface="Courier New" panose="02070309020205020404" pitchFamily="49" charset="0"/>
+                <a:cs typeface="Courier New" panose="02070309020205020404" pitchFamily="49" charset="0"/>
+              </a:rPr>
+              <a:t> 0;</a:t>
+            </a:r>
+          </a:p>
+          <a:p>
+            <a:pPr marL="0" indent="0">
+              <a:buNone/>
+            </a:pPr>
+            <a:r>
+              <a:rPr lang="it-IT" sz="1100" b="1" dirty="0">
+                <a:latin typeface="Courier New" panose="02070309020205020404" pitchFamily="49" charset="0"/>
+                <a:cs typeface="Courier New" panose="02070309020205020404" pitchFamily="49" charset="0"/>
+              </a:rPr>
+              <a:t>} </a:t>
+            </a:r>
+          </a:p>
+        </p:txBody>
+      </p:sp>
+      <p:sp>
+        <p:nvSpPr>
+          <p:cNvPr id="4" name="Segnaposto contenuto 3">
+            <a:extLst>
+              <a:ext uri="{FF2B5EF4-FFF2-40B4-BE49-F238E27FC236}">
+                <a16:creationId xmlns:a16="http://schemas.microsoft.com/office/drawing/2014/main" id="{ADC48B68-E622-40DF-970B-CFF43A218E68}"/>
+              </a:ext>
+            </a:extLst>
+          </p:cNvPr>
+          <p:cNvSpPr>
+            <a:spLocks noGrp="1"/>
+          </p:cNvSpPr>
+          <p:nvPr>
+            <p:ph sz="half" idx="2"/>
+          </p:nvPr>
+        </p:nvSpPr>
+        <p:spPr/>
+        <p:txBody>
+          <a:bodyPr/>
+          <a:lstStyle/>
+          <a:p>
+            <a:r>
+              <a:rPr lang="it-IT" sz="1800" b="1" dirty="0">
+                <a:latin typeface="Courier New" panose="02070309020205020404" pitchFamily="49" charset="0"/>
+                <a:cs typeface="Courier New" panose="02070309020205020404" pitchFamily="49" charset="0"/>
+              </a:rPr>
+              <a:t>Equazione e(3,4,1)</a:t>
+            </a:r>
+          </a:p>
+          <a:p>
+            <a:pPr lvl="1"/>
+            <a:r>
+              <a:rPr lang="it-IT" sz="1400" dirty="0">
+                <a:cs typeface="Courier New" panose="02070309020205020404" pitchFamily="49" charset="0"/>
+              </a:rPr>
+              <a:t>dichiarazione e inizializzazione </a:t>
+            </a:r>
+            <a:br>
+              <a:rPr lang="it-IT" sz="1400" dirty="0">
+                <a:cs typeface="Courier New" panose="02070309020205020404" pitchFamily="49" charset="0"/>
+              </a:rPr>
+            </a:br>
+            <a:r>
+              <a:rPr lang="it-IT" sz="1400" dirty="0">
+                <a:cs typeface="Courier New" panose="02070309020205020404" pitchFamily="49" charset="0"/>
+              </a:rPr>
+              <a:t>(chiamata costruttore)</a:t>
+            </a:r>
+          </a:p>
+          <a:p>
+            <a:r>
+              <a:rPr lang="it-IT" sz="1800" b="1" dirty="0" err="1">
+                <a:latin typeface="Courier New" panose="02070309020205020404" pitchFamily="49" charset="0"/>
+                <a:cs typeface="Courier New" panose="02070309020205020404" pitchFamily="49" charset="0"/>
+              </a:rPr>
+              <a:t>e.setA</a:t>
+            </a:r>
+            <a:r>
+              <a:rPr lang="it-IT" sz="1800" b="1" dirty="0">
+                <a:latin typeface="Courier New" panose="02070309020205020404" pitchFamily="49" charset="0"/>
+                <a:cs typeface="Courier New" panose="02070309020205020404" pitchFamily="49" charset="0"/>
+              </a:rPr>
+              <a:t>(2)</a:t>
+            </a:r>
+          </a:p>
+          <a:p>
+            <a:pPr lvl="1"/>
+            <a:r>
+              <a:rPr lang="it-IT" sz="1400" dirty="0">
+                <a:cs typeface="Courier New" panose="02070309020205020404" pitchFamily="49" charset="0"/>
+              </a:rPr>
+              <a:t>esecuzione della funzione membro </a:t>
+            </a:r>
+            <a:br>
+              <a:rPr lang="it-IT" sz="1400" dirty="0">
+                <a:cs typeface="Courier New" panose="02070309020205020404" pitchFamily="49" charset="0"/>
+              </a:rPr>
+            </a:br>
+            <a:r>
+              <a:rPr lang="it-IT" sz="1400" dirty="0" err="1">
+                <a:cs typeface="Courier New" panose="02070309020205020404" pitchFamily="49" charset="0"/>
+              </a:rPr>
+              <a:t>void</a:t>
+            </a:r>
+            <a:r>
+              <a:rPr lang="it-IT" sz="1400" dirty="0">
+                <a:cs typeface="Courier New" panose="02070309020205020404" pitchFamily="49" charset="0"/>
+              </a:rPr>
+              <a:t> </a:t>
+            </a:r>
+            <a:r>
+              <a:rPr lang="it-IT" sz="1400" dirty="0" err="1">
+                <a:cs typeface="Courier New" panose="02070309020205020404" pitchFamily="49" charset="0"/>
+              </a:rPr>
+              <a:t>setA</a:t>
+            </a:r>
+            <a:r>
+              <a:rPr lang="it-IT" sz="1400" dirty="0">
+                <a:cs typeface="Courier New" panose="02070309020205020404" pitchFamily="49" charset="0"/>
+              </a:rPr>
+              <a:t>(double)</a:t>
+            </a:r>
+          </a:p>
+          <a:p>
+            <a:r>
+              <a:rPr lang="it-IT" sz="1800" b="1" dirty="0" err="1">
+                <a:latin typeface="Courier New" panose="02070309020205020404" pitchFamily="49" charset="0"/>
+                <a:cs typeface="Courier New" panose="02070309020205020404" pitchFamily="49" charset="0"/>
+              </a:rPr>
+              <a:t>e.toString</a:t>
+            </a:r>
+            <a:r>
+              <a:rPr lang="it-IT" sz="1800" b="1" dirty="0">
+                <a:latin typeface="Courier New" panose="02070309020205020404" pitchFamily="49" charset="0"/>
+                <a:cs typeface="Courier New" panose="02070309020205020404" pitchFamily="49" charset="0"/>
+              </a:rPr>
+              <a:t>()</a:t>
+            </a:r>
+          </a:p>
+          <a:p>
+            <a:pPr lvl="1"/>
+            <a:r>
+              <a:rPr lang="it-IT" sz="1400" dirty="0">
+                <a:cs typeface="Courier New" panose="02070309020205020404" pitchFamily="49" charset="0"/>
+              </a:rPr>
+              <a:t>esecuzione della funzione membro </a:t>
+            </a:r>
+            <a:br>
+              <a:rPr lang="it-IT" sz="1400" dirty="0">
+                <a:cs typeface="Courier New" panose="02070309020205020404" pitchFamily="49" charset="0"/>
+              </a:rPr>
+            </a:br>
+            <a:r>
+              <a:rPr lang="it-IT" sz="1400" dirty="0" err="1">
+                <a:cs typeface="Courier New" panose="02070309020205020404" pitchFamily="49" charset="0"/>
+              </a:rPr>
+              <a:t>string</a:t>
+            </a:r>
+            <a:r>
+              <a:rPr lang="it-IT" sz="1400" dirty="0">
+                <a:cs typeface="Courier New" panose="02070309020205020404" pitchFamily="49" charset="0"/>
+              </a:rPr>
+              <a:t> </a:t>
+            </a:r>
+            <a:r>
+              <a:rPr lang="it-IT" sz="1400" dirty="0" err="1">
+                <a:cs typeface="Courier New" panose="02070309020205020404" pitchFamily="49" charset="0"/>
+              </a:rPr>
+              <a:t>toString</a:t>
+            </a:r>
+            <a:r>
+              <a:rPr lang="it-IT" sz="1400" dirty="0">
+                <a:cs typeface="Courier New" panose="02070309020205020404" pitchFamily="49" charset="0"/>
+              </a:rPr>
+              <a:t>()</a:t>
+            </a:r>
+          </a:p>
+          <a:p>
+            <a:r>
+              <a:rPr lang="it-IT" sz="1800" b="1" dirty="0" err="1">
+                <a:latin typeface="Courier New" panose="02070309020205020404" pitchFamily="49" charset="0"/>
+                <a:cs typeface="Courier New" panose="02070309020205020404" pitchFamily="49" charset="0"/>
+              </a:rPr>
+              <a:t>e.numSolReali</a:t>
+            </a:r>
+            <a:r>
+              <a:rPr lang="it-IT" sz="1800" b="1" dirty="0">
+                <a:latin typeface="Courier New" panose="02070309020205020404" pitchFamily="49" charset="0"/>
+                <a:cs typeface="Courier New" panose="02070309020205020404" pitchFamily="49" charset="0"/>
+              </a:rPr>
+              <a:t>()</a:t>
+            </a:r>
+          </a:p>
+          <a:p>
+            <a:pPr lvl="1"/>
+            <a:r>
+              <a:rPr lang="it-IT" sz="1400" dirty="0">
+                <a:cs typeface="Courier New" panose="02070309020205020404" pitchFamily="49" charset="0"/>
+              </a:rPr>
+              <a:t>esecuzione della funzione membro</a:t>
+            </a:r>
+            <a:br>
+              <a:rPr lang="it-IT" sz="1400" dirty="0">
+                <a:cs typeface="Courier New" panose="02070309020205020404" pitchFamily="49" charset="0"/>
+              </a:rPr>
+            </a:br>
+            <a:r>
+              <a:rPr lang="it-IT" sz="1400" dirty="0" err="1">
+                <a:cs typeface="Courier New" panose="02070309020205020404" pitchFamily="49" charset="0"/>
+              </a:rPr>
+              <a:t>int</a:t>
+            </a:r>
+            <a:r>
+              <a:rPr lang="it-IT" sz="1400" dirty="0">
+                <a:cs typeface="Courier New" panose="02070309020205020404" pitchFamily="49" charset="0"/>
+              </a:rPr>
+              <a:t> </a:t>
+            </a:r>
+            <a:r>
+              <a:rPr lang="it-IT" sz="1400" dirty="0" err="1">
+                <a:cs typeface="Courier New" panose="02070309020205020404" pitchFamily="49" charset="0"/>
+              </a:rPr>
+              <a:t>numSolReali</a:t>
+            </a:r>
+            <a:r>
+              <a:rPr lang="it-IT" sz="1400" dirty="0">
+                <a:cs typeface="Courier New" panose="02070309020205020404" pitchFamily="49" charset="0"/>
+              </a:rPr>
+              <a:t>()</a:t>
+            </a:r>
+          </a:p>
+          <a:p>
+            <a:r>
+              <a:rPr lang="it-IT" sz="1800" b="1" dirty="0">
+                <a:latin typeface="Courier New" panose="02070309020205020404" pitchFamily="49" charset="0"/>
+                <a:cs typeface="Courier New" panose="02070309020205020404" pitchFamily="49" charset="0"/>
+              </a:rPr>
+              <a:t>e.soluzione1() </a:t>
+            </a:r>
+            <a:r>
+              <a:rPr lang="it-IT" sz="1800" dirty="0">
+                <a:cs typeface="Courier New" panose="02070309020205020404" pitchFamily="49" charset="0"/>
+              </a:rPr>
+              <a:t>e.soluzione2()</a:t>
+            </a:r>
+          </a:p>
+          <a:p>
+            <a:pPr lvl="1"/>
+            <a:r>
+              <a:rPr lang="it-IT" sz="1400" dirty="0">
+                <a:cs typeface="Courier New" panose="02070309020205020404" pitchFamily="49" charset="0"/>
+              </a:rPr>
+              <a:t>esecuzione della funzione membro</a:t>
+            </a:r>
+            <a:br>
+              <a:rPr lang="it-IT" sz="1400" dirty="0">
+                <a:cs typeface="Courier New" panose="02070309020205020404" pitchFamily="49" charset="0"/>
+              </a:rPr>
+            </a:br>
+            <a:r>
+              <a:rPr lang="it-IT" sz="1400" dirty="0">
+                <a:cs typeface="Courier New" panose="02070309020205020404" pitchFamily="49" charset="0"/>
+              </a:rPr>
+              <a:t>double soluzione1() </a:t>
+            </a:r>
+          </a:p>
+          <a:p>
+            <a:endParaRPr lang="it-IT" sz="1800" dirty="0">
+              <a:cs typeface="Courier New" panose="02070309020205020404" pitchFamily="49" charset="0"/>
+            </a:endParaRPr>
+          </a:p>
+        </p:txBody>
+      </p:sp>
+      <p:sp>
+        <p:nvSpPr>
+          <p:cNvPr id="5" name="Segnaposto piè di pagina 4">
+            <a:extLst>
+              <a:ext uri="{FF2B5EF4-FFF2-40B4-BE49-F238E27FC236}">
+                <a16:creationId xmlns:a16="http://schemas.microsoft.com/office/drawing/2014/main" id="{CB957E9A-6D92-4924-B392-FF29BF330A8B}"/>
+              </a:ext>
+            </a:extLst>
+          </p:cNvPr>
+          <p:cNvSpPr>
+            <a:spLocks noGrp="1"/>
+          </p:cNvSpPr>
+          <p:nvPr>
+            <p:ph type="ftr" sz="quarter" idx="11"/>
+          </p:nvPr>
+        </p:nvSpPr>
+        <p:spPr/>
+        <p:txBody>
+          <a:bodyPr/>
+          <a:lstStyle/>
+          <a:p>
+            <a:pPr>
+              <a:defRPr/>
+            </a:pPr>
+            <a:r>
+              <a:rPr lang="it-IT"/>
+              <a:t>Alberto Ferrari – Programmazione di applicazioni SW</a:t>
+            </a:r>
+            <a:endParaRPr lang="it-IT" dirty="0"/>
+          </a:p>
+        </p:txBody>
+      </p:sp>
+    </p:spTree>
+    <p:extLst>
+      <p:ext uri="{BB962C8B-B14F-4D97-AF65-F5344CB8AC3E}">
         <p14:creationId xmlns:p14="http://schemas.microsoft.com/office/powerpoint/2010/main" val="1528031871"/>
       </p:ext>
     </p:extLst>
@@ -12402,7 +12588,7 @@
 </p:sld>
 </file>
 
-<file path=ppt/slides/slide31.xml><?xml version="1.0" encoding="utf-8"?>
+<file path=ppt/slides/slide32.xml><?xml version="1.0" encoding="utf-8"?>
 <p:sld xmlns:a="http://schemas.openxmlformats.org/drawingml/2006/main" xmlns:r="http://schemas.openxmlformats.org/officeDocument/2006/relationships" xmlns:p="http://schemas.openxmlformats.org/presentationml/2006/main">
   <p:cSld>
     <p:spTree>
@@ -12806,193 +12992,6 @@
     <p:extLst>
       <p:ext uri="{BB962C8B-B14F-4D97-AF65-F5344CB8AC3E}">
         <p14:creationId xmlns:p14="http://schemas.microsoft.com/office/powerpoint/2010/main" val="749769857"/>
-      </p:ext>
-    </p:extLst>
-  </p:cSld>
-  <p:clrMapOvr>
-    <a:masterClrMapping/>
-  </p:clrMapOvr>
-</p:sld>
-</file>
-
-<file path=ppt/slides/slide32.xml><?xml version="1.0" encoding="utf-8"?>
-<p:sld xmlns:a="http://schemas.openxmlformats.org/drawingml/2006/main" xmlns:r="http://schemas.openxmlformats.org/officeDocument/2006/relationships" xmlns:p="http://schemas.openxmlformats.org/presentationml/2006/main">
-  <p:cSld>
-    <p:spTree>
-      <p:nvGrpSpPr>
-        <p:cNvPr id="1" name=""/>
-        <p:cNvGrpSpPr/>
-        <p:nvPr/>
-      </p:nvGrpSpPr>
-      <p:grpSpPr>
-        <a:xfrm>
-          <a:off x="0" y="0"/>
-          <a:ext cx="0" cy="0"/>
-          <a:chOff x="0" y="0"/>
-          <a:chExt cx="0" cy="0"/>
-        </a:xfrm>
-      </p:grpSpPr>
-      <p:sp>
-        <p:nvSpPr>
-          <p:cNvPr id="4" name="Segnaposto numero diapositiva 5"/>
-          <p:cNvSpPr>
-            <a:spLocks noGrp="1"/>
-          </p:cNvSpPr>
-          <p:nvPr>
-            <p:ph type="sldNum" sz="quarter" idx="12"/>
-          </p:nvPr>
-        </p:nvSpPr>
-        <p:spPr/>
-        <p:txBody>
-          <a:bodyPr/>
-          <a:lstStyle/>
-          <a:p>
-            <a:fld id="{635BB41A-CC6D-45EE-880B-BBDDB328249F}" type="slidenum">
-              <a:rPr lang="en-US" altLang="it-IT"/>
-              <a:pPr/>
-              <a:t>32</a:t>
-            </a:fld>
-            <a:endParaRPr lang="en-US" altLang="it-IT"/>
-          </a:p>
-        </p:txBody>
-      </p:sp>
-      <p:sp>
-        <p:nvSpPr>
-          <p:cNvPr id="271362" name="Rectangle 2"/>
-          <p:cNvSpPr>
-            <a:spLocks noGrp="1" noChangeArrowheads="1"/>
-          </p:cNvSpPr>
-          <p:nvPr>
-            <p:ph type="title"/>
-          </p:nvPr>
-        </p:nvSpPr>
-        <p:spPr/>
-        <p:txBody>
-          <a:bodyPr/>
-          <a:lstStyle/>
-          <a:p>
-            <a:r>
-              <a:rPr lang="it-IT" altLang="it-IT" dirty="0"/>
-              <a:t>suddivisione del codice in file</a:t>
-            </a:r>
-          </a:p>
-        </p:txBody>
-      </p:sp>
-      <p:sp>
-        <p:nvSpPr>
-          <p:cNvPr id="271363" name="Rectangle 3"/>
-          <p:cNvSpPr>
-            <a:spLocks noGrp="1" noChangeArrowheads="1"/>
-          </p:cNvSpPr>
-          <p:nvPr>
-            <p:ph type="body" idx="1"/>
-          </p:nvPr>
-        </p:nvSpPr>
-        <p:spPr/>
-        <p:txBody>
-          <a:bodyPr/>
-          <a:lstStyle/>
-          <a:p>
-            <a:r>
-              <a:rPr lang="it-IT" altLang="it-IT" sz="2800" b="1" i="1" dirty="0"/>
-              <a:t>separazione</a:t>
-            </a:r>
-            <a:r>
-              <a:rPr lang="it-IT" altLang="it-IT" sz="2800" dirty="0"/>
-              <a:t> tra la </a:t>
-            </a:r>
-            <a:r>
-              <a:rPr lang="it-IT" altLang="it-IT" sz="2800" b="1" i="1" dirty="0"/>
-              <a:t>classe</a:t>
-            </a:r>
-            <a:r>
-              <a:rPr lang="it-IT" altLang="it-IT" sz="2800" dirty="0"/>
-              <a:t> e i </a:t>
-            </a:r>
-            <a:r>
-              <a:rPr lang="it-IT" altLang="it-IT" sz="2800" b="1" i="1" dirty="0"/>
-              <a:t>programmi</a:t>
-            </a:r>
-            <a:r>
-              <a:rPr lang="it-IT" altLang="it-IT" sz="2800" dirty="0"/>
-              <a:t> che la usano</a:t>
-            </a:r>
-          </a:p>
-          <a:p>
-            <a:pPr lvl="1"/>
-            <a:r>
-              <a:rPr lang="it-IT" altLang="it-IT" sz="2400" b="1" i="1" dirty="0"/>
-              <a:t>riuso</a:t>
-            </a:r>
-            <a:r>
-              <a:rPr lang="it-IT" altLang="it-IT" sz="2400" dirty="0"/>
-              <a:t>: parti separate facilmente riusabili (</a:t>
-            </a:r>
-            <a:r>
-              <a:rPr lang="it-IT" altLang="it-IT" sz="2400" i="1" dirty="0"/>
-              <a:t>libreria</a:t>
-            </a:r>
-            <a:r>
-              <a:rPr lang="it-IT" altLang="it-IT" sz="2400" dirty="0"/>
-              <a:t>)</a:t>
-            </a:r>
-          </a:p>
-          <a:p>
-            <a:pPr lvl="1"/>
-            <a:r>
-              <a:rPr lang="it-IT" altLang="it-IT" sz="2400" b="1" i="1" dirty="0"/>
-              <a:t>compilazione selettiva</a:t>
-            </a:r>
-          </a:p>
-          <a:p>
-            <a:r>
-              <a:rPr lang="it-IT" altLang="it-IT" sz="2800" b="1" i="1" dirty="0"/>
-              <a:t>separazione</a:t>
-            </a:r>
-            <a:r>
-              <a:rPr lang="it-IT" altLang="it-IT" sz="2800" dirty="0"/>
-              <a:t> tra </a:t>
-            </a:r>
-            <a:r>
-              <a:rPr lang="it-IT" altLang="it-IT" sz="2800" b="1" i="1" dirty="0"/>
-              <a:t>interfaccia</a:t>
-            </a:r>
-            <a:r>
-              <a:rPr lang="it-IT" altLang="it-IT" sz="2800" dirty="0"/>
-              <a:t> e implementazione </a:t>
-            </a:r>
-          </a:p>
-          <a:p>
-            <a:pPr lvl="1"/>
-            <a:r>
-              <a:rPr lang="it-IT" altLang="it-IT" sz="2400" b="1" i="1" dirty="0"/>
-              <a:t>incapsulamento</a:t>
-            </a:r>
-            <a:r>
-              <a:rPr lang="it-IT" altLang="it-IT" sz="2400" dirty="0"/>
-              <a:t>: occultamento dei dettagli</a:t>
-            </a:r>
-          </a:p>
-          <a:p>
-            <a:pPr lvl="1"/>
-            <a:r>
-              <a:rPr lang="it-IT" altLang="it-IT" sz="2400" b="1" i="1" dirty="0"/>
-              <a:t>diverse implementazioni </a:t>
-            </a:r>
-            <a:r>
-              <a:rPr lang="it-IT" altLang="it-IT" sz="2400" dirty="0"/>
-              <a:t>di una stessa libreria</a:t>
-            </a:r>
-          </a:p>
-          <a:p>
-            <a:endParaRPr lang="it-IT" altLang="it-IT" sz="2800" dirty="0"/>
-          </a:p>
-        </p:txBody>
-      </p:sp>
-    </p:spTree>
-    <p:extLst>
-      <p:ext uri="{BB962C8B-B14F-4D97-AF65-F5344CB8AC3E}">
-        <p14:creationId xmlns:p14="http://schemas.microsoft.com/office/powerpoint/2010/main" val="314095882"/>
       </p:ext>
     </p:extLst>
   </p:cSld>
@@ -13034,10 +13033,197 @@
           <a:bodyPr/>
           <a:lstStyle/>
           <a:p>
+            <a:fld id="{635BB41A-CC6D-45EE-880B-BBDDB328249F}" type="slidenum">
+              <a:rPr lang="en-US" altLang="it-IT"/>
+              <a:pPr/>
+              <a:t>33</a:t>
+            </a:fld>
+            <a:endParaRPr lang="en-US" altLang="it-IT"/>
+          </a:p>
+        </p:txBody>
+      </p:sp>
+      <p:sp>
+        <p:nvSpPr>
+          <p:cNvPr id="271362" name="Rectangle 2"/>
+          <p:cNvSpPr>
+            <a:spLocks noGrp="1" noChangeArrowheads="1"/>
+          </p:cNvSpPr>
+          <p:nvPr>
+            <p:ph type="title"/>
+          </p:nvPr>
+        </p:nvSpPr>
+        <p:spPr/>
+        <p:txBody>
+          <a:bodyPr/>
+          <a:lstStyle/>
+          <a:p>
+            <a:r>
+              <a:rPr lang="it-IT" altLang="it-IT" dirty="0"/>
+              <a:t>suddivisione del codice in file</a:t>
+            </a:r>
+          </a:p>
+        </p:txBody>
+      </p:sp>
+      <p:sp>
+        <p:nvSpPr>
+          <p:cNvPr id="271363" name="Rectangle 3"/>
+          <p:cNvSpPr>
+            <a:spLocks noGrp="1" noChangeArrowheads="1"/>
+          </p:cNvSpPr>
+          <p:nvPr>
+            <p:ph type="body" idx="1"/>
+          </p:nvPr>
+        </p:nvSpPr>
+        <p:spPr/>
+        <p:txBody>
+          <a:bodyPr/>
+          <a:lstStyle/>
+          <a:p>
+            <a:r>
+              <a:rPr lang="it-IT" altLang="it-IT" sz="2800" b="1" i="1" dirty="0"/>
+              <a:t>separazione</a:t>
+            </a:r>
+            <a:r>
+              <a:rPr lang="it-IT" altLang="it-IT" sz="2800" dirty="0"/>
+              <a:t> tra la </a:t>
+            </a:r>
+            <a:r>
+              <a:rPr lang="it-IT" altLang="it-IT" sz="2800" b="1" i="1" dirty="0"/>
+              <a:t>classe</a:t>
+            </a:r>
+            <a:r>
+              <a:rPr lang="it-IT" altLang="it-IT" sz="2800" dirty="0"/>
+              <a:t> e i </a:t>
+            </a:r>
+            <a:r>
+              <a:rPr lang="it-IT" altLang="it-IT" sz="2800" b="1" i="1" dirty="0"/>
+              <a:t>programmi</a:t>
+            </a:r>
+            <a:r>
+              <a:rPr lang="it-IT" altLang="it-IT" sz="2800" dirty="0"/>
+              <a:t> che la usano</a:t>
+            </a:r>
+          </a:p>
+          <a:p>
+            <a:pPr lvl="1"/>
+            <a:r>
+              <a:rPr lang="it-IT" altLang="it-IT" sz="2400" b="1" i="1" dirty="0"/>
+              <a:t>riuso</a:t>
+            </a:r>
+            <a:r>
+              <a:rPr lang="it-IT" altLang="it-IT" sz="2400" dirty="0"/>
+              <a:t>: parti separate facilmente riusabili (</a:t>
+            </a:r>
+            <a:r>
+              <a:rPr lang="it-IT" altLang="it-IT" sz="2400" i="1" dirty="0"/>
+              <a:t>libreria</a:t>
+            </a:r>
+            <a:r>
+              <a:rPr lang="it-IT" altLang="it-IT" sz="2400" dirty="0"/>
+              <a:t>)</a:t>
+            </a:r>
+          </a:p>
+          <a:p>
+            <a:pPr lvl="1"/>
+            <a:r>
+              <a:rPr lang="it-IT" altLang="it-IT" sz="2400" b="1" i="1" dirty="0"/>
+              <a:t>compilazione selettiva</a:t>
+            </a:r>
+          </a:p>
+          <a:p>
+            <a:r>
+              <a:rPr lang="it-IT" altLang="it-IT" sz="2800" b="1" i="1" dirty="0"/>
+              <a:t>separazione</a:t>
+            </a:r>
+            <a:r>
+              <a:rPr lang="it-IT" altLang="it-IT" sz="2800" dirty="0"/>
+              <a:t> tra </a:t>
+            </a:r>
+            <a:r>
+              <a:rPr lang="it-IT" altLang="it-IT" sz="2800" b="1" i="1" dirty="0"/>
+              <a:t>interfaccia</a:t>
+            </a:r>
+            <a:r>
+              <a:rPr lang="it-IT" altLang="it-IT" sz="2800" dirty="0"/>
+              <a:t> e implementazione </a:t>
+            </a:r>
+          </a:p>
+          <a:p>
+            <a:pPr lvl="1"/>
+            <a:r>
+              <a:rPr lang="it-IT" altLang="it-IT" sz="2400" b="1" i="1" dirty="0"/>
+              <a:t>incapsulamento</a:t>
+            </a:r>
+            <a:r>
+              <a:rPr lang="it-IT" altLang="it-IT" sz="2400" dirty="0"/>
+              <a:t>: occultamento dei dettagli</a:t>
+            </a:r>
+          </a:p>
+          <a:p>
+            <a:pPr lvl="1"/>
+            <a:r>
+              <a:rPr lang="it-IT" altLang="it-IT" sz="2400" b="1" i="1" dirty="0"/>
+              <a:t>diverse implementazioni </a:t>
+            </a:r>
+            <a:r>
+              <a:rPr lang="it-IT" altLang="it-IT" sz="2400" dirty="0"/>
+              <a:t>di una stessa libreria</a:t>
+            </a:r>
+          </a:p>
+          <a:p>
+            <a:endParaRPr lang="it-IT" altLang="it-IT" sz="2800" dirty="0"/>
+          </a:p>
+        </p:txBody>
+      </p:sp>
+    </p:spTree>
+    <p:extLst>
+      <p:ext uri="{BB962C8B-B14F-4D97-AF65-F5344CB8AC3E}">
+        <p14:creationId xmlns:p14="http://schemas.microsoft.com/office/powerpoint/2010/main" val="314095882"/>
+      </p:ext>
+    </p:extLst>
+  </p:cSld>
+  <p:clrMapOvr>
+    <a:masterClrMapping/>
+  </p:clrMapOvr>
+</p:sld>
+</file>
+
+<file path=ppt/slides/slide34.xml><?xml version="1.0" encoding="utf-8"?>
+<p:sld xmlns:a="http://schemas.openxmlformats.org/drawingml/2006/main" xmlns:r="http://schemas.openxmlformats.org/officeDocument/2006/relationships" xmlns:p="http://schemas.openxmlformats.org/presentationml/2006/main">
+  <p:cSld>
+    <p:spTree>
+      <p:nvGrpSpPr>
+        <p:cNvPr id="1" name=""/>
+        <p:cNvGrpSpPr/>
+        <p:nvPr/>
+      </p:nvGrpSpPr>
+      <p:grpSpPr>
+        <a:xfrm>
+          <a:off x="0" y="0"/>
+          <a:ext cx="0" cy="0"/>
+          <a:chOff x="0" y="0"/>
+          <a:chExt cx="0" cy="0"/>
+        </a:xfrm>
+      </p:grpSpPr>
+      <p:sp>
+        <p:nvSpPr>
+          <p:cNvPr id="4" name="Segnaposto numero diapositiva 5"/>
+          <p:cNvSpPr>
+            <a:spLocks noGrp="1"/>
+          </p:cNvSpPr>
+          <p:nvPr>
+            <p:ph type="sldNum" sz="quarter" idx="12"/>
+          </p:nvPr>
+        </p:nvSpPr>
+        <p:spPr/>
+        <p:txBody>
+          <a:bodyPr/>
+          <a:lstStyle/>
+          <a:p>
             <a:fld id="{D2B39DCE-B3C5-4D20-818C-F33061CE4D52}" type="slidenum">
               <a:rPr lang="en-US" altLang="it-IT"/>
               <a:pPr/>
-              <a:t>33</a:t>
+              <a:t>34</a:t>
             </a:fld>
             <a:endParaRPr lang="en-US" altLang="it-IT"/>
           </a:p>
@@ -13204,7 +13390,7 @@
 </p:sld>
 </file>
 
-<file path=ppt/slides/slide34.xml><?xml version="1.0" encoding="utf-8"?>
+<file path=ppt/slides/slide35.xml><?xml version="1.0" encoding="utf-8"?>
 <p:sld xmlns:a="http://schemas.openxmlformats.org/drawingml/2006/main" xmlns:r="http://schemas.openxmlformats.org/officeDocument/2006/relationships" xmlns:p="http://schemas.openxmlformats.org/presentationml/2006/main">
   <p:cSld>
     <p:spTree>
@@ -13377,7 +13563,7 @@
 </p:sld>
 </file>
 
-<file path=ppt/slides/slide35.xml><?xml version="1.0" encoding="utf-8"?>
+<file path=ppt/slides/slide36.xml><?xml version="1.0" encoding="utf-8"?>
 <p:sld xmlns:a="http://schemas.openxmlformats.org/drawingml/2006/main" xmlns:r="http://schemas.openxmlformats.org/officeDocument/2006/relationships" xmlns:p="http://schemas.openxmlformats.org/presentationml/2006/main">
   <p:cSld>
     <p:spTree>
@@ -14517,7 +14703,7 @@
 </p:sld>
 </file>
 
-<file path=ppt/slides/slide36.xml><?xml version="1.0" encoding="utf-8"?>
+<file path=ppt/slides/slide37.xml><?xml version="1.0" encoding="utf-8"?>
 <p:sld xmlns:a="http://schemas.openxmlformats.org/drawingml/2006/main" xmlns:r="http://schemas.openxmlformats.org/officeDocument/2006/relationships" xmlns:p="http://schemas.openxmlformats.org/presentationml/2006/main">
   <p:cSld>
     <p:spTree>
@@ -14756,7 +14942,7 @@
 </p:sld>
 </file>
 
-<file path=ppt/slides/slide37.xml><?xml version="1.0" encoding="utf-8"?>
+<file path=ppt/slides/slide38.xml><?xml version="1.0" encoding="utf-8"?>
 <p:sld xmlns:a="http://schemas.openxmlformats.org/drawingml/2006/main" xmlns:r="http://schemas.openxmlformats.org/officeDocument/2006/relationships" xmlns:p="http://schemas.openxmlformats.org/presentationml/2006/main">
   <p:cSld>
     <p:spTree>
@@ -16101,7 +16287,7 @@
 </p:sld>
 </file>
 
-<file path=ppt/slides/slide38.xml><?xml version="1.0" encoding="utf-8"?>
+<file path=ppt/slides/slide39.xml><?xml version="1.0" encoding="utf-8"?>
 <p:sld xmlns:a="http://schemas.openxmlformats.org/drawingml/2006/main" xmlns:r="http://schemas.openxmlformats.org/officeDocument/2006/relationships" xmlns:p="http://schemas.openxmlformats.org/presentationml/2006/main">
   <p:cSld>
     <p:spTree>
@@ -16447,7 +16633,215 @@
 </p:sld>
 </file>
 
-<file path=ppt/slides/slide39.xml><?xml version="1.0" encoding="utf-8"?>
+<file path=ppt/slides/slide4.xml><?xml version="1.0" encoding="utf-8"?>
+<p:sld xmlns:a="http://schemas.openxmlformats.org/drawingml/2006/main" xmlns:r="http://schemas.openxmlformats.org/officeDocument/2006/relationships" xmlns:p="http://schemas.openxmlformats.org/presentationml/2006/main">
+  <p:cSld>
+    <p:spTree>
+      <p:nvGrpSpPr>
+        <p:cNvPr id="1" name=""/>
+        <p:cNvGrpSpPr/>
+        <p:nvPr/>
+      </p:nvGrpSpPr>
+      <p:grpSpPr>
+        <a:xfrm>
+          <a:off x="0" y="0"/>
+          <a:ext cx="0" cy="0"/>
+          <a:chOff x="0" y="0"/>
+          <a:chExt cx="0" cy="0"/>
+        </a:xfrm>
+      </p:grpSpPr>
+      <p:sp>
+        <p:nvSpPr>
+          <p:cNvPr id="2" name="Titolo 1">
+            <a:extLst>
+              <a:ext uri="{FF2B5EF4-FFF2-40B4-BE49-F238E27FC236}">
+                <a16:creationId xmlns:a16="http://schemas.microsoft.com/office/drawing/2014/main" id="{D75BD626-2D1B-4AA9-BF12-124E42664331}"/>
+              </a:ext>
+            </a:extLst>
+          </p:cNvPr>
+          <p:cNvSpPr>
+            <a:spLocks noGrp="1"/>
+          </p:cNvSpPr>
+          <p:nvPr>
+            <p:ph type="title"/>
+          </p:nvPr>
+        </p:nvSpPr>
+        <p:spPr/>
+        <p:txBody>
+          <a:bodyPr/>
+          <a:lstStyle/>
+          <a:p>
+            <a:r>
+              <a:rPr lang="it-IT" dirty="0"/>
+              <a:t>il livello di astrazione</a:t>
+            </a:r>
+          </a:p>
+        </p:txBody>
+      </p:sp>
+      <p:sp>
+        <p:nvSpPr>
+          <p:cNvPr id="3" name="Segnaposto contenuto 2">
+            <a:extLst>
+              <a:ext uri="{FF2B5EF4-FFF2-40B4-BE49-F238E27FC236}">
+                <a16:creationId xmlns:a16="http://schemas.microsoft.com/office/drawing/2014/main" id="{A1320AED-C52A-4F40-B4C0-4E3BE1CDD525}"/>
+              </a:ext>
+            </a:extLst>
+          </p:cNvPr>
+          <p:cNvSpPr>
+            <a:spLocks noGrp="1"/>
+          </p:cNvSpPr>
+          <p:nvPr>
+            <p:ph idx="1"/>
+          </p:nvPr>
+        </p:nvSpPr>
+        <p:spPr/>
+        <p:txBody>
+          <a:bodyPr/>
+          <a:lstStyle/>
+          <a:p>
+            <a:r>
+              <a:rPr lang="it-IT" dirty="0"/>
+              <a:t>i linguaggi di programmazione si sono evoluti in modo che i codici </a:t>
+            </a:r>
+            <a:br>
+              <a:rPr lang="it-IT" dirty="0"/>
+            </a:br>
+            <a:r>
+              <a:rPr lang="it-IT" dirty="0"/>
+              <a:t>sorgenti potessero </a:t>
+            </a:r>
+            <a:r>
+              <a:rPr lang="it-IT" b="1" i="1" dirty="0"/>
+              <a:t>astrarsi</a:t>
+            </a:r>
+            <a:r>
+              <a:rPr lang="it-IT" dirty="0"/>
+              <a:t> sempre più dal modo in cui gli stessi, </a:t>
+            </a:r>
+            <a:br>
+              <a:rPr lang="it-IT" dirty="0"/>
+            </a:br>
+            <a:r>
+              <a:rPr lang="it-IT" dirty="0"/>
+              <a:t>una volta compilati, sarebbero stati eseguiti</a:t>
+            </a:r>
+          </a:p>
+          <a:p>
+            <a:r>
+              <a:rPr lang="it-IT" dirty="0"/>
+              <a:t>nella OOP non ci si vuole più porre i problemi dal punto di vista del calcolatore, ma si vogliono risolvere facendo </a:t>
+            </a:r>
+            <a:r>
+              <a:rPr lang="it-IT" b="1" i="1" dirty="0"/>
+              <a:t>interagire</a:t>
+            </a:r>
+            <a:r>
+              <a:rPr lang="it-IT" dirty="0"/>
+              <a:t> </a:t>
+            </a:r>
+            <a:r>
+              <a:rPr lang="it-IT" b="1" i="1" dirty="0"/>
+              <a:t>oggetti</a:t>
+            </a:r>
+            <a:r>
+              <a:rPr lang="it-IT" dirty="0"/>
+              <a:t> del </a:t>
+            </a:r>
+            <a:br>
+              <a:rPr lang="it-IT" dirty="0"/>
+            </a:br>
+            <a:r>
+              <a:rPr lang="it-IT" dirty="0"/>
+              <a:t>dominio applicativo come fossero oggetti del mondo reale</a:t>
+            </a:r>
+          </a:p>
+          <a:p>
+            <a:r>
+              <a:rPr lang="it-IT" dirty="0"/>
+              <a:t>l’obiettivo è di dare uno strumento al programmatore, per formalizzare soluzioni ai propri problemi, pensando come una persona e senza doversi sforzare a pensare come una macchina</a:t>
+            </a:r>
+          </a:p>
+          <a:p>
+            <a:endParaRPr lang="it-IT" dirty="0"/>
+          </a:p>
+        </p:txBody>
+      </p:sp>
+      <p:sp>
+        <p:nvSpPr>
+          <p:cNvPr id="4" name="Segnaposto piè di pagina 3">
+            <a:extLst>
+              <a:ext uri="{FF2B5EF4-FFF2-40B4-BE49-F238E27FC236}">
+                <a16:creationId xmlns:a16="http://schemas.microsoft.com/office/drawing/2014/main" id="{1C613A09-58AE-4E77-9D4F-97D1E974CE6C}"/>
+              </a:ext>
+            </a:extLst>
+          </p:cNvPr>
+          <p:cNvSpPr>
+            <a:spLocks noGrp="1"/>
+          </p:cNvSpPr>
+          <p:nvPr>
+            <p:ph type="ftr" sz="quarter" idx="11"/>
+          </p:nvPr>
+        </p:nvSpPr>
+        <p:spPr/>
+        <p:txBody>
+          <a:bodyPr/>
+          <a:lstStyle/>
+          <a:p>
+            <a:pPr>
+              <a:defRPr/>
+            </a:pPr>
+            <a:r>
+              <a:rPr lang="it-IT"/>
+              <a:t>Alberto Ferrari – Programmazione di applicazioni SW</a:t>
+            </a:r>
+            <a:endParaRPr lang="it-IT" dirty="0"/>
+          </a:p>
+        </p:txBody>
+      </p:sp>
+      <p:pic>
+        <p:nvPicPr>
+          <p:cNvPr id="5" name="Immagine 4">
+            <a:extLst>
+              <a:ext uri="{FF2B5EF4-FFF2-40B4-BE49-F238E27FC236}">
+                <a16:creationId xmlns:a16="http://schemas.microsoft.com/office/drawing/2014/main" id="{1983B8B7-9D9E-4396-AC15-4D5BCF51645A}"/>
+              </a:ext>
+            </a:extLst>
+          </p:cNvPr>
+          <p:cNvPicPr>
+            <a:picLocks noChangeAspect="1"/>
+          </p:cNvPicPr>
+          <p:nvPr/>
+        </p:nvPicPr>
+        <p:blipFill>
+          <a:blip r:embed="rId2"/>
+          <a:stretch>
+            <a:fillRect/>
+          </a:stretch>
+        </p:blipFill>
+        <p:spPr>
+          <a:xfrm>
+            <a:off x="11085957" y="1206815"/>
+            <a:ext cx="963251" cy="4444369"/>
+          </a:xfrm>
+          <a:prstGeom prst="rect">
+            <a:avLst/>
+          </a:prstGeom>
+        </p:spPr>
+      </p:pic>
+    </p:spTree>
+    <p:extLst>
+      <p:ext uri="{BB962C8B-B14F-4D97-AF65-F5344CB8AC3E}">
+        <p14:creationId xmlns:p14="http://schemas.microsoft.com/office/powerpoint/2010/main" val="4193294494"/>
+      </p:ext>
+    </p:extLst>
+  </p:cSld>
+  <p:clrMapOvr>
+    <a:masterClrMapping/>
+  </p:clrMapOvr>
+</p:sld>
+</file>
+
+<file path=ppt/slides/slide40.xml><?xml version="1.0" encoding="utf-8"?>
 <p:sld xmlns:a="http://schemas.openxmlformats.org/drawingml/2006/main" xmlns:r="http://schemas.openxmlformats.org/officeDocument/2006/relationships" xmlns:p="http://schemas.openxmlformats.org/presentationml/2006/main">
   <p:cSld>
     <p:spTree>
@@ -17595,1280 +17989,6 @@
 </p:sld>
 </file>
 
-<file path=ppt/slides/slide4.xml><?xml version="1.0" encoding="utf-8"?>
-<p:sld xmlns:a="http://schemas.openxmlformats.org/drawingml/2006/main" xmlns:r="http://schemas.openxmlformats.org/officeDocument/2006/relationships" xmlns:p="http://schemas.openxmlformats.org/presentationml/2006/main">
-  <p:cSld>
-    <p:spTree>
-      <p:nvGrpSpPr>
-        <p:cNvPr id="1" name=""/>
-        <p:cNvGrpSpPr/>
-        <p:nvPr/>
-      </p:nvGrpSpPr>
-      <p:grpSpPr>
-        <a:xfrm>
-          <a:off x="0" y="0"/>
-          <a:ext cx="0" cy="0"/>
-          <a:chOff x="0" y="0"/>
-          <a:chExt cx="0" cy="0"/>
-        </a:xfrm>
-      </p:grpSpPr>
-      <p:sp>
-        <p:nvSpPr>
-          <p:cNvPr id="2" name="Titolo 1">
-            <a:extLst>
-              <a:ext uri="{FF2B5EF4-FFF2-40B4-BE49-F238E27FC236}">
-                <a16:creationId xmlns:a16="http://schemas.microsoft.com/office/drawing/2014/main" id="{D75BD626-2D1B-4AA9-BF12-124E42664331}"/>
-              </a:ext>
-            </a:extLst>
-          </p:cNvPr>
-          <p:cNvSpPr>
-            <a:spLocks noGrp="1"/>
-          </p:cNvSpPr>
-          <p:nvPr>
-            <p:ph type="title"/>
-          </p:nvPr>
-        </p:nvSpPr>
-        <p:spPr/>
-        <p:txBody>
-          <a:bodyPr/>
-          <a:lstStyle/>
-          <a:p>
-            <a:r>
-              <a:rPr lang="it-IT" dirty="0"/>
-              <a:t>il livello di astrazione</a:t>
-            </a:r>
-          </a:p>
-        </p:txBody>
-      </p:sp>
-      <p:sp>
-        <p:nvSpPr>
-          <p:cNvPr id="3" name="Segnaposto contenuto 2">
-            <a:extLst>
-              <a:ext uri="{FF2B5EF4-FFF2-40B4-BE49-F238E27FC236}">
-                <a16:creationId xmlns:a16="http://schemas.microsoft.com/office/drawing/2014/main" id="{A1320AED-C52A-4F40-B4C0-4E3BE1CDD525}"/>
-              </a:ext>
-            </a:extLst>
-          </p:cNvPr>
-          <p:cNvSpPr>
-            <a:spLocks noGrp="1"/>
-          </p:cNvSpPr>
-          <p:nvPr>
-            <p:ph idx="1"/>
-          </p:nvPr>
-        </p:nvSpPr>
-        <p:spPr/>
-        <p:txBody>
-          <a:bodyPr/>
-          <a:lstStyle/>
-          <a:p>
-            <a:r>
-              <a:rPr lang="it-IT" dirty="0"/>
-              <a:t>i linguaggi di programmazione si sono evoluti in modo che i codici </a:t>
-            </a:r>
-            <a:br>
-              <a:rPr lang="it-IT" dirty="0"/>
-            </a:br>
-            <a:r>
-              <a:rPr lang="it-IT" dirty="0"/>
-              <a:t>sorgenti potessero </a:t>
-            </a:r>
-            <a:r>
-              <a:rPr lang="it-IT" b="1" i="1" dirty="0"/>
-              <a:t>astrarsi</a:t>
-            </a:r>
-            <a:r>
-              <a:rPr lang="it-IT" dirty="0"/>
-              <a:t> sempre più dal modo in cui gli stessi, </a:t>
-            </a:r>
-            <a:br>
-              <a:rPr lang="it-IT" dirty="0"/>
-            </a:br>
-            <a:r>
-              <a:rPr lang="it-IT" dirty="0"/>
-              <a:t>una volta compilati, sarebbero stati eseguiti</a:t>
-            </a:r>
-          </a:p>
-          <a:p>
-            <a:r>
-              <a:rPr lang="it-IT" dirty="0"/>
-              <a:t>nella OOP non ci si vuole più porre i problemi dal punto di vista del calcolatore, ma si vogliono risolvere facendo </a:t>
-            </a:r>
-            <a:r>
-              <a:rPr lang="it-IT" b="1" i="1" dirty="0"/>
-              <a:t>interagire</a:t>
-            </a:r>
-            <a:r>
-              <a:rPr lang="it-IT" dirty="0"/>
-              <a:t> </a:t>
-            </a:r>
-            <a:r>
-              <a:rPr lang="it-IT" b="1" i="1" dirty="0"/>
-              <a:t>oggetti</a:t>
-            </a:r>
-            <a:r>
-              <a:rPr lang="it-IT" dirty="0"/>
-              <a:t> del </a:t>
-            </a:r>
-            <a:br>
-              <a:rPr lang="it-IT" dirty="0"/>
-            </a:br>
-            <a:r>
-              <a:rPr lang="it-IT" dirty="0"/>
-              <a:t>dominio applicativo come fossero oggetti del mondo reale</a:t>
-            </a:r>
-          </a:p>
-          <a:p>
-            <a:r>
-              <a:rPr lang="it-IT" dirty="0"/>
-              <a:t>l’obiettivo è di dare uno strumento al programmatore, per formalizzare soluzioni ai propri problemi, pensando come una persona e senza doversi sforzare a pensare come una macchina</a:t>
-            </a:r>
-          </a:p>
-          <a:p>
-            <a:endParaRPr lang="it-IT" dirty="0"/>
-          </a:p>
-        </p:txBody>
-      </p:sp>
-      <p:sp>
-        <p:nvSpPr>
-          <p:cNvPr id="4" name="Segnaposto piè di pagina 3">
-            <a:extLst>
-              <a:ext uri="{FF2B5EF4-FFF2-40B4-BE49-F238E27FC236}">
-                <a16:creationId xmlns:a16="http://schemas.microsoft.com/office/drawing/2014/main" id="{1C613A09-58AE-4E77-9D4F-97D1E974CE6C}"/>
-              </a:ext>
-            </a:extLst>
-          </p:cNvPr>
-          <p:cNvSpPr>
-            <a:spLocks noGrp="1"/>
-          </p:cNvSpPr>
-          <p:nvPr>
-            <p:ph type="ftr" sz="quarter" idx="11"/>
-          </p:nvPr>
-        </p:nvSpPr>
-        <p:spPr/>
-        <p:txBody>
-          <a:bodyPr/>
-          <a:lstStyle/>
-          <a:p>
-            <a:pPr>
-              <a:defRPr/>
-            </a:pPr>
-            <a:r>
-              <a:rPr lang="it-IT"/>
-              <a:t>Alberto Ferrari – Programmazione di applicazioni SW</a:t>
-            </a:r>
-            <a:endParaRPr lang="it-IT" dirty="0"/>
-          </a:p>
-        </p:txBody>
-      </p:sp>
-      <p:pic>
-        <p:nvPicPr>
-          <p:cNvPr id="5" name="Immagine 4">
-            <a:extLst>
-              <a:ext uri="{FF2B5EF4-FFF2-40B4-BE49-F238E27FC236}">
-                <a16:creationId xmlns:a16="http://schemas.microsoft.com/office/drawing/2014/main" id="{1983B8B7-9D9E-4396-AC15-4D5BCF51645A}"/>
-              </a:ext>
-            </a:extLst>
-          </p:cNvPr>
-          <p:cNvPicPr>
-            <a:picLocks noChangeAspect="1"/>
-          </p:cNvPicPr>
-          <p:nvPr/>
-        </p:nvPicPr>
-        <p:blipFill>
-          <a:blip r:embed="rId2"/>
-          <a:stretch>
-            <a:fillRect/>
-          </a:stretch>
-        </p:blipFill>
-        <p:spPr>
-          <a:xfrm>
-            <a:off x="11085957" y="1206815"/>
-            <a:ext cx="963251" cy="4444369"/>
-          </a:xfrm>
-          <a:prstGeom prst="rect">
-            <a:avLst/>
-          </a:prstGeom>
-        </p:spPr>
-      </p:pic>
-    </p:spTree>
-    <p:extLst>
-      <p:ext uri="{BB962C8B-B14F-4D97-AF65-F5344CB8AC3E}">
-        <p14:creationId xmlns:p14="http://schemas.microsoft.com/office/powerpoint/2010/main" val="4193294494"/>
-      </p:ext>
-    </p:extLst>
-  </p:cSld>
-  <p:clrMapOvr>
-    <a:masterClrMapping/>
-  </p:clrMapOvr>
-</p:sld>
-</file>
-
-<file path=ppt/slides/slide40.xml><?xml version="1.0" encoding="utf-8"?>
-<p:sld xmlns:a="http://schemas.openxmlformats.org/drawingml/2006/main" xmlns:r="http://schemas.openxmlformats.org/officeDocument/2006/relationships" xmlns:p="http://schemas.openxmlformats.org/presentationml/2006/main">
-  <p:cSld>
-    <p:spTree>
-      <p:nvGrpSpPr>
-        <p:cNvPr id="1" name=""/>
-        <p:cNvGrpSpPr/>
-        <p:nvPr/>
-      </p:nvGrpSpPr>
-      <p:grpSpPr>
-        <a:xfrm>
-          <a:off x="0" y="0"/>
-          <a:ext cx="0" cy="0"/>
-          <a:chOff x="0" y="0"/>
-          <a:chExt cx="0" cy="0"/>
-        </a:xfrm>
-      </p:grpSpPr>
-      <p:sp>
-        <p:nvSpPr>
-          <p:cNvPr id="4" name="Titolo 3">
-            <a:extLst>
-              <a:ext uri="{FF2B5EF4-FFF2-40B4-BE49-F238E27FC236}">
-                <a16:creationId xmlns:a16="http://schemas.microsoft.com/office/drawing/2014/main" id="{F07B9562-26CA-4A3E-8CD9-3DC0D19344B5}"/>
-              </a:ext>
-            </a:extLst>
-          </p:cNvPr>
-          <p:cNvSpPr>
-            <a:spLocks noGrp="1"/>
-          </p:cNvSpPr>
-          <p:nvPr>
-            <p:ph type="title"/>
-          </p:nvPr>
-        </p:nvSpPr>
-        <p:spPr/>
-        <p:txBody>
-          <a:bodyPr/>
-          <a:lstStyle/>
-          <a:p>
-            <a:r>
-              <a:rPr lang="it-IT" dirty="0"/>
-              <a:t>esempio: file </a:t>
-            </a:r>
-            <a:r>
-              <a:rPr lang="it-IT" dirty="0" err="1"/>
-              <a:t>header</a:t>
-            </a:r>
-            <a:endParaRPr lang="it-IT" dirty="0"/>
-          </a:p>
-        </p:txBody>
-      </p:sp>
-      <p:sp>
-        <p:nvSpPr>
-          <p:cNvPr id="5" name="Segnaposto contenuto 4">
-            <a:extLst>
-              <a:ext uri="{FF2B5EF4-FFF2-40B4-BE49-F238E27FC236}">
-                <a16:creationId xmlns:a16="http://schemas.microsoft.com/office/drawing/2014/main" id="{74EB2B6D-DA9E-4FAB-B2D8-D1D870A4B449}"/>
-              </a:ext>
-            </a:extLst>
-          </p:cNvPr>
-          <p:cNvSpPr>
-            <a:spLocks noGrp="1"/>
-          </p:cNvSpPr>
-          <p:nvPr>
-            <p:ph sz="half" idx="1"/>
-          </p:nvPr>
-        </p:nvSpPr>
-        <p:spPr/>
-        <p:txBody>
-          <a:bodyPr/>
-          <a:lstStyle/>
-          <a:p>
-            <a:pPr marL="0" indent="0">
-              <a:spcBef>
-                <a:spcPts val="0"/>
-              </a:spcBef>
-              <a:buNone/>
-            </a:pPr>
-            <a:r>
-              <a:rPr lang="it-IT" sz="1400" b="1" dirty="0">
-                <a:latin typeface="Courier New" panose="02070309020205020404" pitchFamily="49" charset="0"/>
-                <a:cs typeface="Courier New" panose="02070309020205020404" pitchFamily="49" charset="0"/>
-              </a:rPr>
-              <a:t>#</a:t>
-            </a:r>
-            <a:r>
-              <a:rPr lang="it-IT" sz="1400" b="1" dirty="0" err="1">
-                <a:latin typeface="Courier New" panose="02070309020205020404" pitchFamily="49" charset="0"/>
-                <a:cs typeface="Courier New" panose="02070309020205020404" pitchFamily="49" charset="0"/>
-              </a:rPr>
-              <a:t>ifndef</a:t>
-            </a:r>
-            <a:r>
-              <a:rPr lang="it-IT" sz="1400" b="1" dirty="0">
-                <a:latin typeface="Courier New" panose="02070309020205020404" pitchFamily="49" charset="0"/>
-                <a:cs typeface="Courier New" panose="02070309020205020404" pitchFamily="49" charset="0"/>
-              </a:rPr>
-              <a:t> PUNTO_H</a:t>
-            </a:r>
-          </a:p>
-          <a:p>
-            <a:pPr marL="0" indent="0">
-              <a:spcBef>
-                <a:spcPts val="0"/>
-              </a:spcBef>
-              <a:buNone/>
-            </a:pPr>
-            <a:r>
-              <a:rPr lang="it-IT" sz="1400" b="1" dirty="0">
-                <a:latin typeface="Courier New" panose="02070309020205020404" pitchFamily="49" charset="0"/>
-                <a:cs typeface="Courier New" panose="02070309020205020404" pitchFamily="49" charset="0"/>
-              </a:rPr>
-              <a:t>#</a:t>
-            </a:r>
-            <a:r>
-              <a:rPr lang="it-IT" sz="1400" b="1" dirty="0" err="1">
-                <a:latin typeface="Courier New" panose="02070309020205020404" pitchFamily="49" charset="0"/>
-                <a:cs typeface="Courier New" panose="02070309020205020404" pitchFamily="49" charset="0"/>
-              </a:rPr>
-              <a:t>define</a:t>
-            </a:r>
-            <a:r>
-              <a:rPr lang="it-IT" sz="1400" b="1" dirty="0">
-                <a:latin typeface="Courier New" panose="02070309020205020404" pitchFamily="49" charset="0"/>
-                <a:cs typeface="Courier New" panose="02070309020205020404" pitchFamily="49" charset="0"/>
-              </a:rPr>
-              <a:t> PUNTO_H</a:t>
-            </a:r>
-          </a:p>
-          <a:p>
-            <a:pPr marL="0" indent="0">
-              <a:spcBef>
-                <a:spcPts val="0"/>
-              </a:spcBef>
-              <a:buNone/>
-            </a:pPr>
-            <a:r>
-              <a:rPr lang="it-IT" sz="1400" b="1" dirty="0">
-                <a:latin typeface="Courier New" panose="02070309020205020404" pitchFamily="49" charset="0"/>
-                <a:cs typeface="Courier New" panose="02070309020205020404" pitchFamily="49" charset="0"/>
-              </a:rPr>
-              <a:t>#include &lt;</a:t>
-            </a:r>
-            <a:r>
-              <a:rPr lang="it-IT" sz="1400" b="1" dirty="0" err="1">
-                <a:latin typeface="Courier New" panose="02070309020205020404" pitchFamily="49" charset="0"/>
-                <a:cs typeface="Courier New" panose="02070309020205020404" pitchFamily="49" charset="0"/>
-              </a:rPr>
-              <a:t>string</a:t>
-            </a:r>
-            <a:r>
-              <a:rPr lang="it-IT" sz="1400" b="1" dirty="0">
-                <a:latin typeface="Courier New" panose="02070309020205020404" pitchFamily="49" charset="0"/>
-                <a:cs typeface="Courier New" panose="02070309020205020404" pitchFamily="49" charset="0"/>
-              </a:rPr>
-              <a:t>&gt;</a:t>
-            </a:r>
-          </a:p>
-          <a:p>
-            <a:pPr marL="0" indent="0">
-              <a:spcBef>
-                <a:spcPts val="0"/>
-              </a:spcBef>
-              <a:buNone/>
-            </a:pPr>
-            <a:r>
-              <a:rPr lang="it-IT" sz="1400" b="1" dirty="0" err="1">
-                <a:latin typeface="Courier New" panose="02070309020205020404" pitchFamily="49" charset="0"/>
-                <a:cs typeface="Courier New" panose="02070309020205020404" pitchFamily="49" charset="0"/>
-              </a:rPr>
-              <a:t>using</a:t>
-            </a:r>
-            <a:r>
-              <a:rPr lang="it-IT" sz="1400" b="1" dirty="0">
-                <a:latin typeface="Courier New" panose="02070309020205020404" pitchFamily="49" charset="0"/>
-                <a:cs typeface="Courier New" panose="02070309020205020404" pitchFamily="49" charset="0"/>
-              </a:rPr>
-              <a:t> </a:t>
-            </a:r>
-            <a:r>
-              <a:rPr lang="it-IT" sz="1400" b="1" dirty="0" err="1">
-                <a:latin typeface="Courier New" panose="02070309020205020404" pitchFamily="49" charset="0"/>
-                <a:cs typeface="Courier New" panose="02070309020205020404" pitchFamily="49" charset="0"/>
-              </a:rPr>
-              <a:t>namespace</a:t>
-            </a:r>
-            <a:r>
-              <a:rPr lang="it-IT" sz="1400" b="1" dirty="0">
-                <a:latin typeface="Courier New" panose="02070309020205020404" pitchFamily="49" charset="0"/>
-                <a:cs typeface="Courier New" panose="02070309020205020404" pitchFamily="49" charset="0"/>
-              </a:rPr>
-              <a:t> </a:t>
-            </a:r>
-            <a:r>
-              <a:rPr lang="it-IT" sz="1400" b="1" dirty="0" err="1">
-                <a:latin typeface="Courier New" panose="02070309020205020404" pitchFamily="49" charset="0"/>
-                <a:cs typeface="Courier New" panose="02070309020205020404" pitchFamily="49" charset="0"/>
-              </a:rPr>
-              <a:t>std</a:t>
-            </a:r>
-            <a:r>
-              <a:rPr lang="it-IT" sz="1400" b="1" dirty="0">
-                <a:latin typeface="Courier New" panose="02070309020205020404" pitchFamily="49" charset="0"/>
-                <a:cs typeface="Courier New" panose="02070309020205020404" pitchFamily="49" charset="0"/>
-              </a:rPr>
-              <a:t>;</a:t>
-            </a:r>
-          </a:p>
-          <a:p>
-            <a:pPr marL="0" indent="0">
-              <a:spcBef>
-                <a:spcPts val="0"/>
-              </a:spcBef>
-              <a:buNone/>
-            </a:pPr>
-            <a:r>
-              <a:rPr lang="it-IT" sz="1400" b="1" dirty="0">
-                <a:latin typeface="Courier New" panose="02070309020205020404" pitchFamily="49" charset="0"/>
-                <a:cs typeface="Courier New" panose="02070309020205020404" pitchFamily="49" charset="0"/>
-              </a:rPr>
-              <a:t>class Punto</a:t>
-            </a:r>
-          </a:p>
-          <a:p>
-            <a:pPr marL="0" indent="0">
-              <a:spcBef>
-                <a:spcPts val="0"/>
-              </a:spcBef>
-              <a:buNone/>
-            </a:pPr>
-            <a:r>
-              <a:rPr lang="it-IT" sz="1400" b="1" dirty="0">
-                <a:latin typeface="Courier New" panose="02070309020205020404" pitchFamily="49" charset="0"/>
-                <a:cs typeface="Courier New" panose="02070309020205020404" pitchFamily="49" charset="0"/>
-              </a:rPr>
-              <a:t>{</a:t>
-            </a:r>
-          </a:p>
-          <a:p>
-            <a:pPr marL="0" indent="0">
-              <a:spcBef>
-                <a:spcPts val="0"/>
-              </a:spcBef>
-              <a:buNone/>
-            </a:pPr>
-            <a:r>
-              <a:rPr lang="it-IT" sz="1400" b="1" dirty="0">
-                <a:latin typeface="Courier New" panose="02070309020205020404" pitchFamily="49" charset="0"/>
-                <a:cs typeface="Courier New" panose="02070309020205020404" pitchFamily="49" charset="0"/>
-              </a:rPr>
-              <a:t>    public:</a:t>
-            </a:r>
-          </a:p>
-          <a:p>
-            <a:pPr marL="0" indent="0">
-              <a:spcBef>
-                <a:spcPts val="0"/>
-              </a:spcBef>
-              <a:buNone/>
-            </a:pPr>
-            <a:r>
-              <a:rPr lang="it-IT" sz="1400" b="1" dirty="0">
-                <a:latin typeface="Courier New" panose="02070309020205020404" pitchFamily="49" charset="0"/>
-                <a:cs typeface="Courier New" panose="02070309020205020404" pitchFamily="49" charset="0"/>
-              </a:rPr>
-              <a:t>        Punto();</a:t>
-            </a:r>
-          </a:p>
-          <a:p>
-            <a:pPr marL="0" indent="0">
-              <a:spcBef>
-                <a:spcPts val="0"/>
-              </a:spcBef>
-              <a:buNone/>
-            </a:pPr>
-            <a:r>
-              <a:rPr lang="it-IT" sz="1400" b="1" dirty="0">
-                <a:latin typeface="Courier New" panose="02070309020205020404" pitchFamily="49" charset="0"/>
-                <a:cs typeface="Courier New" panose="02070309020205020404" pitchFamily="49" charset="0"/>
-              </a:rPr>
-              <a:t>        Punto(</a:t>
-            </a:r>
-            <a:r>
-              <a:rPr lang="it-IT" sz="1400" b="1" dirty="0" err="1">
-                <a:latin typeface="Courier New" panose="02070309020205020404" pitchFamily="49" charset="0"/>
-                <a:cs typeface="Courier New" panose="02070309020205020404" pitchFamily="49" charset="0"/>
-              </a:rPr>
-              <a:t>int</a:t>
-            </a:r>
-            <a:r>
-              <a:rPr lang="it-IT" sz="1400" b="1" dirty="0">
-                <a:latin typeface="Courier New" panose="02070309020205020404" pitchFamily="49" charset="0"/>
-                <a:cs typeface="Courier New" panose="02070309020205020404" pitchFamily="49" charset="0"/>
-              </a:rPr>
-              <a:t>, </a:t>
-            </a:r>
-            <a:r>
-              <a:rPr lang="it-IT" sz="1400" b="1" dirty="0" err="1">
-                <a:latin typeface="Courier New" panose="02070309020205020404" pitchFamily="49" charset="0"/>
-                <a:cs typeface="Courier New" panose="02070309020205020404" pitchFamily="49" charset="0"/>
-              </a:rPr>
-              <a:t>int</a:t>
-            </a:r>
-            <a:r>
-              <a:rPr lang="it-IT" sz="1400" b="1" dirty="0">
-                <a:latin typeface="Courier New" panose="02070309020205020404" pitchFamily="49" charset="0"/>
-                <a:cs typeface="Courier New" panose="02070309020205020404" pitchFamily="49" charset="0"/>
-              </a:rPr>
-              <a:t>);</a:t>
-            </a:r>
-          </a:p>
-          <a:p>
-            <a:pPr marL="0" indent="0">
-              <a:spcBef>
-                <a:spcPts val="0"/>
-              </a:spcBef>
-              <a:buNone/>
-            </a:pPr>
-            <a:r>
-              <a:rPr lang="it-IT" sz="1400" b="1" dirty="0">
-                <a:latin typeface="Courier New" panose="02070309020205020404" pitchFamily="49" charset="0"/>
-                <a:cs typeface="Courier New" panose="02070309020205020404" pitchFamily="49" charset="0"/>
-              </a:rPr>
-              <a:t>         </a:t>
-            </a:r>
-            <a:r>
-              <a:rPr lang="it-IT" sz="1400" b="1" dirty="0" err="1">
-                <a:latin typeface="Courier New" panose="02070309020205020404" pitchFamily="49" charset="0"/>
-                <a:cs typeface="Courier New" panose="02070309020205020404" pitchFamily="49" charset="0"/>
-              </a:rPr>
-              <a:t>int</a:t>
-            </a:r>
-            <a:r>
-              <a:rPr lang="it-IT" sz="1400" b="1" dirty="0">
-                <a:latin typeface="Courier New" panose="02070309020205020404" pitchFamily="49" charset="0"/>
-                <a:cs typeface="Courier New" panose="02070309020205020404" pitchFamily="49" charset="0"/>
-              </a:rPr>
-              <a:t> </a:t>
-            </a:r>
-            <a:r>
-              <a:rPr lang="it-IT" sz="1400" b="1" dirty="0" err="1">
-                <a:latin typeface="Courier New" panose="02070309020205020404" pitchFamily="49" charset="0"/>
-                <a:cs typeface="Courier New" panose="02070309020205020404" pitchFamily="49" charset="0"/>
-              </a:rPr>
-              <a:t>getX</a:t>
-            </a:r>
-            <a:r>
-              <a:rPr lang="it-IT" sz="1400" b="1" dirty="0">
-                <a:latin typeface="Courier New" panose="02070309020205020404" pitchFamily="49" charset="0"/>
-                <a:cs typeface="Courier New" panose="02070309020205020404" pitchFamily="49" charset="0"/>
-              </a:rPr>
-              <a:t>() { </a:t>
-            </a:r>
-            <a:r>
-              <a:rPr lang="it-IT" sz="1400" b="1" dirty="0" err="1">
-                <a:latin typeface="Courier New" panose="02070309020205020404" pitchFamily="49" charset="0"/>
-                <a:cs typeface="Courier New" panose="02070309020205020404" pitchFamily="49" charset="0"/>
-              </a:rPr>
-              <a:t>return</a:t>
-            </a:r>
-            <a:r>
-              <a:rPr lang="it-IT" sz="1400" b="1" dirty="0">
-                <a:latin typeface="Courier New" panose="02070309020205020404" pitchFamily="49" charset="0"/>
-                <a:cs typeface="Courier New" panose="02070309020205020404" pitchFamily="49" charset="0"/>
-              </a:rPr>
-              <a:t> x; }</a:t>
-            </a:r>
-          </a:p>
-          <a:p>
-            <a:pPr marL="0" indent="0">
-              <a:spcBef>
-                <a:spcPts val="0"/>
-              </a:spcBef>
-              <a:buNone/>
-            </a:pPr>
-            <a:r>
-              <a:rPr lang="it-IT" sz="1400" b="1" dirty="0">
-                <a:latin typeface="Courier New" panose="02070309020205020404" pitchFamily="49" charset="0"/>
-                <a:cs typeface="Courier New" panose="02070309020205020404" pitchFamily="49" charset="0"/>
-              </a:rPr>
-              <a:t>        </a:t>
-            </a:r>
-            <a:r>
-              <a:rPr lang="it-IT" sz="1400" b="1" dirty="0" err="1">
-                <a:latin typeface="Courier New" panose="02070309020205020404" pitchFamily="49" charset="0"/>
-                <a:cs typeface="Courier New" panose="02070309020205020404" pitchFamily="49" charset="0"/>
-              </a:rPr>
-              <a:t>void</a:t>
-            </a:r>
-            <a:r>
-              <a:rPr lang="it-IT" sz="1400" b="1" dirty="0">
-                <a:latin typeface="Courier New" panose="02070309020205020404" pitchFamily="49" charset="0"/>
-                <a:cs typeface="Courier New" panose="02070309020205020404" pitchFamily="49" charset="0"/>
-              </a:rPr>
-              <a:t> </a:t>
-            </a:r>
-            <a:r>
-              <a:rPr lang="it-IT" sz="1400" b="1" dirty="0" err="1">
-                <a:latin typeface="Courier New" panose="02070309020205020404" pitchFamily="49" charset="0"/>
-                <a:cs typeface="Courier New" panose="02070309020205020404" pitchFamily="49" charset="0"/>
-              </a:rPr>
-              <a:t>setX</a:t>
-            </a:r>
-            <a:r>
-              <a:rPr lang="it-IT" sz="1400" b="1" dirty="0">
-                <a:latin typeface="Courier New" panose="02070309020205020404" pitchFamily="49" charset="0"/>
-                <a:cs typeface="Courier New" panose="02070309020205020404" pitchFamily="49" charset="0"/>
-              </a:rPr>
-              <a:t>( </a:t>
-            </a:r>
-            <a:r>
-              <a:rPr lang="it-IT" sz="1400" b="1" dirty="0" err="1">
-                <a:latin typeface="Courier New" panose="02070309020205020404" pitchFamily="49" charset="0"/>
-                <a:cs typeface="Courier New" panose="02070309020205020404" pitchFamily="49" charset="0"/>
-              </a:rPr>
-              <a:t>int</a:t>
-            </a:r>
-            <a:r>
-              <a:rPr lang="it-IT" sz="1400" b="1" dirty="0">
-                <a:latin typeface="Courier New" panose="02070309020205020404" pitchFamily="49" charset="0"/>
-                <a:cs typeface="Courier New" panose="02070309020205020404" pitchFamily="49" charset="0"/>
-              </a:rPr>
-              <a:t> val) { x = val; }</a:t>
-            </a:r>
-          </a:p>
-          <a:p>
-            <a:pPr marL="0" indent="0">
-              <a:spcBef>
-                <a:spcPts val="0"/>
-              </a:spcBef>
-              <a:buNone/>
-            </a:pPr>
-            <a:r>
-              <a:rPr lang="it-IT" sz="1400" b="1" dirty="0">
-                <a:latin typeface="Courier New" panose="02070309020205020404" pitchFamily="49" charset="0"/>
-                <a:cs typeface="Courier New" panose="02070309020205020404" pitchFamily="49" charset="0"/>
-              </a:rPr>
-              <a:t>         </a:t>
-            </a:r>
-            <a:r>
-              <a:rPr lang="it-IT" sz="1400" b="1" dirty="0" err="1">
-                <a:latin typeface="Courier New" panose="02070309020205020404" pitchFamily="49" charset="0"/>
-                <a:cs typeface="Courier New" panose="02070309020205020404" pitchFamily="49" charset="0"/>
-              </a:rPr>
-              <a:t>int</a:t>
-            </a:r>
-            <a:r>
-              <a:rPr lang="it-IT" sz="1400" b="1" dirty="0">
-                <a:latin typeface="Courier New" panose="02070309020205020404" pitchFamily="49" charset="0"/>
-                <a:cs typeface="Courier New" panose="02070309020205020404" pitchFamily="49" charset="0"/>
-              </a:rPr>
-              <a:t> </a:t>
-            </a:r>
-            <a:r>
-              <a:rPr lang="it-IT" sz="1400" b="1" dirty="0" err="1">
-                <a:latin typeface="Courier New" panose="02070309020205020404" pitchFamily="49" charset="0"/>
-                <a:cs typeface="Courier New" panose="02070309020205020404" pitchFamily="49" charset="0"/>
-              </a:rPr>
-              <a:t>getY</a:t>
-            </a:r>
-            <a:r>
-              <a:rPr lang="it-IT" sz="1400" b="1" dirty="0">
-                <a:latin typeface="Courier New" panose="02070309020205020404" pitchFamily="49" charset="0"/>
-                <a:cs typeface="Courier New" panose="02070309020205020404" pitchFamily="49" charset="0"/>
-              </a:rPr>
-              <a:t>() { </a:t>
-            </a:r>
-            <a:r>
-              <a:rPr lang="it-IT" sz="1400" b="1" dirty="0" err="1">
-                <a:latin typeface="Courier New" panose="02070309020205020404" pitchFamily="49" charset="0"/>
-                <a:cs typeface="Courier New" panose="02070309020205020404" pitchFamily="49" charset="0"/>
-              </a:rPr>
-              <a:t>return</a:t>
-            </a:r>
-            <a:r>
-              <a:rPr lang="it-IT" sz="1400" b="1" dirty="0">
-                <a:latin typeface="Courier New" panose="02070309020205020404" pitchFamily="49" charset="0"/>
-                <a:cs typeface="Courier New" panose="02070309020205020404" pitchFamily="49" charset="0"/>
-              </a:rPr>
-              <a:t> y; }</a:t>
-            </a:r>
-          </a:p>
-          <a:p>
-            <a:pPr marL="0" indent="0">
-              <a:spcBef>
-                <a:spcPts val="0"/>
-              </a:spcBef>
-              <a:buNone/>
-            </a:pPr>
-            <a:r>
-              <a:rPr lang="it-IT" sz="1400" b="1" dirty="0">
-                <a:latin typeface="Courier New" panose="02070309020205020404" pitchFamily="49" charset="0"/>
-                <a:cs typeface="Courier New" panose="02070309020205020404" pitchFamily="49" charset="0"/>
-              </a:rPr>
-              <a:t>        </a:t>
-            </a:r>
-            <a:r>
-              <a:rPr lang="it-IT" sz="1400" b="1" dirty="0" err="1">
-                <a:latin typeface="Courier New" panose="02070309020205020404" pitchFamily="49" charset="0"/>
-                <a:cs typeface="Courier New" panose="02070309020205020404" pitchFamily="49" charset="0"/>
-              </a:rPr>
-              <a:t>void</a:t>
-            </a:r>
-            <a:r>
-              <a:rPr lang="it-IT" sz="1400" b="1" dirty="0">
-                <a:latin typeface="Courier New" panose="02070309020205020404" pitchFamily="49" charset="0"/>
-                <a:cs typeface="Courier New" panose="02070309020205020404" pitchFamily="49" charset="0"/>
-              </a:rPr>
-              <a:t> </a:t>
-            </a:r>
-            <a:r>
-              <a:rPr lang="it-IT" sz="1400" b="1" dirty="0" err="1">
-                <a:latin typeface="Courier New" panose="02070309020205020404" pitchFamily="49" charset="0"/>
-                <a:cs typeface="Courier New" panose="02070309020205020404" pitchFamily="49" charset="0"/>
-              </a:rPr>
-              <a:t>setY</a:t>
-            </a:r>
-            <a:r>
-              <a:rPr lang="it-IT" sz="1400" b="1" dirty="0">
-                <a:latin typeface="Courier New" panose="02070309020205020404" pitchFamily="49" charset="0"/>
-                <a:cs typeface="Courier New" panose="02070309020205020404" pitchFamily="49" charset="0"/>
-              </a:rPr>
-              <a:t>( </a:t>
-            </a:r>
-            <a:r>
-              <a:rPr lang="it-IT" sz="1400" b="1" dirty="0" err="1">
-                <a:latin typeface="Courier New" panose="02070309020205020404" pitchFamily="49" charset="0"/>
-                <a:cs typeface="Courier New" panose="02070309020205020404" pitchFamily="49" charset="0"/>
-              </a:rPr>
-              <a:t>int</a:t>
-            </a:r>
-            <a:r>
-              <a:rPr lang="it-IT" sz="1400" b="1" dirty="0">
-                <a:latin typeface="Courier New" panose="02070309020205020404" pitchFamily="49" charset="0"/>
-                <a:cs typeface="Courier New" panose="02070309020205020404" pitchFamily="49" charset="0"/>
-              </a:rPr>
-              <a:t> val) { y = val; }</a:t>
-            </a:r>
-          </a:p>
-          <a:p>
-            <a:pPr marL="0" indent="0">
-              <a:spcBef>
-                <a:spcPts val="0"/>
-              </a:spcBef>
-              <a:buNone/>
-            </a:pPr>
-            <a:r>
-              <a:rPr lang="it-IT" sz="1400" b="1" dirty="0">
-                <a:latin typeface="Courier New" panose="02070309020205020404" pitchFamily="49" charset="0"/>
-                <a:cs typeface="Courier New" panose="02070309020205020404" pitchFamily="49" charset="0"/>
-              </a:rPr>
-              <a:t>        </a:t>
-            </a:r>
-            <a:r>
-              <a:rPr lang="it-IT" sz="1400" b="1" dirty="0" err="1">
-                <a:latin typeface="Courier New" panose="02070309020205020404" pitchFamily="49" charset="0"/>
-                <a:cs typeface="Courier New" panose="02070309020205020404" pitchFamily="49" charset="0"/>
-              </a:rPr>
-              <a:t>string</a:t>
-            </a:r>
-            <a:r>
-              <a:rPr lang="it-IT" sz="1400" b="1" dirty="0">
-                <a:latin typeface="Courier New" panose="02070309020205020404" pitchFamily="49" charset="0"/>
-                <a:cs typeface="Courier New" panose="02070309020205020404" pitchFamily="49" charset="0"/>
-              </a:rPr>
-              <a:t> </a:t>
-            </a:r>
-            <a:r>
-              <a:rPr lang="it-IT" sz="1400" b="1" dirty="0" err="1">
-                <a:latin typeface="Courier New" panose="02070309020205020404" pitchFamily="49" charset="0"/>
-                <a:cs typeface="Courier New" panose="02070309020205020404" pitchFamily="49" charset="0"/>
-              </a:rPr>
-              <a:t>toString</a:t>
-            </a:r>
-            <a:r>
-              <a:rPr lang="it-IT" sz="1400" b="1" dirty="0">
-                <a:latin typeface="Courier New" panose="02070309020205020404" pitchFamily="49" charset="0"/>
-                <a:cs typeface="Courier New" panose="02070309020205020404" pitchFamily="49" charset="0"/>
-              </a:rPr>
-              <a:t>();</a:t>
-            </a:r>
-          </a:p>
-          <a:p>
-            <a:pPr marL="0" indent="0">
-              <a:spcBef>
-                <a:spcPts val="0"/>
-              </a:spcBef>
-              <a:buNone/>
-            </a:pPr>
-            <a:r>
-              <a:rPr lang="it-IT" sz="1400" b="1" dirty="0">
-                <a:latin typeface="Courier New" panose="02070309020205020404" pitchFamily="49" charset="0"/>
-                <a:cs typeface="Courier New" panose="02070309020205020404" pitchFamily="49" charset="0"/>
-              </a:rPr>
-              <a:t>        </a:t>
-            </a:r>
-            <a:r>
-              <a:rPr lang="it-IT" sz="1400" b="1" dirty="0" err="1">
-                <a:latin typeface="Courier New" panose="02070309020205020404" pitchFamily="49" charset="0"/>
-                <a:cs typeface="Courier New" panose="02070309020205020404" pitchFamily="49" charset="0"/>
-              </a:rPr>
-              <a:t>int</a:t>
-            </a:r>
-            <a:r>
-              <a:rPr lang="it-IT" sz="1400" b="1" dirty="0">
-                <a:latin typeface="Courier New" panose="02070309020205020404" pitchFamily="49" charset="0"/>
-                <a:cs typeface="Courier New" panose="02070309020205020404" pitchFamily="49" charset="0"/>
-              </a:rPr>
-              <a:t> </a:t>
-            </a:r>
-            <a:r>
-              <a:rPr lang="it-IT" sz="1400" b="1" dirty="0" err="1">
-                <a:latin typeface="Courier New" panose="02070309020205020404" pitchFamily="49" charset="0"/>
-                <a:cs typeface="Courier New" panose="02070309020205020404" pitchFamily="49" charset="0"/>
-              </a:rPr>
-              <a:t>manhattanDistance</a:t>
-            </a:r>
-            <a:r>
-              <a:rPr lang="it-IT" sz="1400" b="1" dirty="0">
-                <a:latin typeface="Courier New" panose="02070309020205020404" pitchFamily="49" charset="0"/>
-                <a:cs typeface="Courier New" panose="02070309020205020404" pitchFamily="49" charset="0"/>
-              </a:rPr>
-              <a:t>(Punto);</a:t>
-            </a:r>
-          </a:p>
-          <a:p>
-            <a:pPr marL="0" indent="0">
-              <a:spcBef>
-                <a:spcPts val="0"/>
-              </a:spcBef>
-              <a:buNone/>
-            </a:pPr>
-            <a:r>
-              <a:rPr lang="it-IT" sz="1400" b="1" dirty="0">
-                <a:latin typeface="Courier New" panose="02070309020205020404" pitchFamily="49" charset="0"/>
-                <a:cs typeface="Courier New" panose="02070309020205020404" pitchFamily="49" charset="0"/>
-              </a:rPr>
-              <a:t>        double </a:t>
-            </a:r>
-            <a:r>
-              <a:rPr lang="it-IT" sz="1400" b="1" dirty="0" err="1">
-                <a:latin typeface="Courier New" panose="02070309020205020404" pitchFamily="49" charset="0"/>
-                <a:cs typeface="Courier New" panose="02070309020205020404" pitchFamily="49" charset="0"/>
-              </a:rPr>
-              <a:t>euclideanDistance</a:t>
-            </a:r>
-            <a:r>
-              <a:rPr lang="it-IT" sz="1400" b="1" dirty="0">
-                <a:latin typeface="Courier New" panose="02070309020205020404" pitchFamily="49" charset="0"/>
-                <a:cs typeface="Courier New" panose="02070309020205020404" pitchFamily="49" charset="0"/>
-              </a:rPr>
-              <a:t>(Punto);</a:t>
-            </a:r>
-          </a:p>
-          <a:p>
-            <a:pPr marL="0" indent="0">
-              <a:spcBef>
-                <a:spcPts val="0"/>
-              </a:spcBef>
-              <a:buNone/>
-            </a:pPr>
-            <a:r>
-              <a:rPr lang="it-IT" sz="1400" b="1" dirty="0">
-                <a:latin typeface="Courier New" panose="02070309020205020404" pitchFamily="49" charset="0"/>
-                <a:cs typeface="Courier New" panose="02070309020205020404" pitchFamily="49" charset="0"/>
-              </a:rPr>
-              <a:t>    private:</a:t>
-            </a:r>
-          </a:p>
-          <a:p>
-            <a:pPr marL="0" indent="0">
-              <a:spcBef>
-                <a:spcPts val="0"/>
-              </a:spcBef>
-              <a:buNone/>
-            </a:pPr>
-            <a:r>
-              <a:rPr lang="it-IT" sz="1400" b="1" dirty="0">
-                <a:latin typeface="Courier New" panose="02070309020205020404" pitchFamily="49" charset="0"/>
-                <a:cs typeface="Courier New" panose="02070309020205020404" pitchFamily="49" charset="0"/>
-              </a:rPr>
-              <a:t>         </a:t>
-            </a:r>
-            <a:r>
-              <a:rPr lang="it-IT" sz="1400" b="1" dirty="0" err="1">
-                <a:latin typeface="Courier New" panose="02070309020205020404" pitchFamily="49" charset="0"/>
-                <a:cs typeface="Courier New" panose="02070309020205020404" pitchFamily="49" charset="0"/>
-              </a:rPr>
-              <a:t>int</a:t>
-            </a:r>
-            <a:r>
-              <a:rPr lang="it-IT" sz="1400" b="1" dirty="0">
-                <a:latin typeface="Courier New" panose="02070309020205020404" pitchFamily="49" charset="0"/>
-                <a:cs typeface="Courier New" panose="02070309020205020404" pitchFamily="49" charset="0"/>
-              </a:rPr>
-              <a:t> x;</a:t>
-            </a:r>
-          </a:p>
-          <a:p>
-            <a:pPr marL="0" indent="0">
-              <a:spcBef>
-                <a:spcPts val="0"/>
-              </a:spcBef>
-              <a:buNone/>
-            </a:pPr>
-            <a:r>
-              <a:rPr lang="it-IT" sz="1400" b="1" dirty="0">
-                <a:latin typeface="Courier New" panose="02070309020205020404" pitchFamily="49" charset="0"/>
-                <a:cs typeface="Courier New" panose="02070309020205020404" pitchFamily="49" charset="0"/>
-              </a:rPr>
-              <a:t>         </a:t>
-            </a:r>
-            <a:r>
-              <a:rPr lang="it-IT" sz="1400" b="1" dirty="0" err="1">
-                <a:latin typeface="Courier New" panose="02070309020205020404" pitchFamily="49" charset="0"/>
-                <a:cs typeface="Courier New" panose="02070309020205020404" pitchFamily="49" charset="0"/>
-              </a:rPr>
-              <a:t>int</a:t>
-            </a:r>
-            <a:r>
-              <a:rPr lang="it-IT" sz="1400" b="1" dirty="0">
-                <a:latin typeface="Courier New" panose="02070309020205020404" pitchFamily="49" charset="0"/>
-                <a:cs typeface="Courier New" panose="02070309020205020404" pitchFamily="49" charset="0"/>
-              </a:rPr>
-              <a:t> y;</a:t>
-            </a:r>
-          </a:p>
-          <a:p>
-            <a:pPr marL="0" indent="0">
-              <a:spcBef>
-                <a:spcPts val="0"/>
-              </a:spcBef>
-              <a:buNone/>
-            </a:pPr>
-            <a:r>
-              <a:rPr lang="it-IT" sz="1400" b="1" dirty="0">
-                <a:latin typeface="Courier New" panose="02070309020205020404" pitchFamily="49" charset="0"/>
-                <a:cs typeface="Courier New" panose="02070309020205020404" pitchFamily="49" charset="0"/>
-              </a:rPr>
-              <a:t>};</a:t>
-            </a:r>
-          </a:p>
-          <a:p>
-            <a:pPr marL="0" indent="0">
-              <a:spcBef>
-                <a:spcPts val="0"/>
-              </a:spcBef>
-              <a:buNone/>
-            </a:pPr>
-            <a:r>
-              <a:rPr lang="it-IT" sz="1400" b="1" dirty="0">
-                <a:latin typeface="Courier New" panose="02070309020205020404" pitchFamily="49" charset="0"/>
-                <a:cs typeface="Courier New" panose="02070309020205020404" pitchFamily="49" charset="0"/>
-              </a:rPr>
-              <a:t>#</a:t>
-            </a:r>
-            <a:r>
-              <a:rPr lang="it-IT" sz="1400" b="1" dirty="0" err="1">
-                <a:latin typeface="Courier New" panose="02070309020205020404" pitchFamily="49" charset="0"/>
-                <a:cs typeface="Courier New" panose="02070309020205020404" pitchFamily="49" charset="0"/>
-              </a:rPr>
-              <a:t>endif</a:t>
-            </a:r>
-            <a:r>
-              <a:rPr lang="it-IT" sz="1400" b="1" dirty="0">
-                <a:latin typeface="Courier New" panose="02070309020205020404" pitchFamily="49" charset="0"/>
-                <a:cs typeface="Courier New" panose="02070309020205020404" pitchFamily="49" charset="0"/>
-              </a:rPr>
-              <a:t> // PUNTO_H</a:t>
-            </a:r>
-          </a:p>
-        </p:txBody>
-      </p:sp>
-      <p:sp>
-        <p:nvSpPr>
-          <p:cNvPr id="6" name="Segnaposto contenuto 5">
-            <a:extLst>
-              <a:ext uri="{FF2B5EF4-FFF2-40B4-BE49-F238E27FC236}">
-                <a16:creationId xmlns:a16="http://schemas.microsoft.com/office/drawing/2014/main" id="{ED6657CB-B723-42C1-ABC4-850B1C3FE62E}"/>
-              </a:ext>
-            </a:extLst>
-          </p:cNvPr>
-          <p:cNvSpPr>
-            <a:spLocks noGrp="1"/>
-          </p:cNvSpPr>
-          <p:nvPr>
-            <p:ph sz="half" idx="2"/>
-          </p:nvPr>
-        </p:nvSpPr>
-        <p:spPr/>
-        <p:txBody>
-          <a:bodyPr/>
-          <a:lstStyle/>
-          <a:p>
-            <a:r>
-              <a:rPr lang="it-IT" sz="2000" dirty="0"/>
-              <a:t>file </a:t>
-            </a:r>
-            <a:r>
-              <a:rPr lang="it-IT" sz="2000" b="1" dirty="0" err="1">
-                <a:latin typeface="Courier New" panose="02070309020205020404" pitchFamily="49" charset="0"/>
-                <a:cs typeface="Courier New" panose="02070309020205020404" pitchFamily="49" charset="0"/>
-              </a:rPr>
-              <a:t>Punto.h</a:t>
-            </a:r>
-            <a:endParaRPr lang="it-IT" sz="2000" b="1" dirty="0">
-              <a:latin typeface="Courier New" panose="02070309020205020404" pitchFamily="49" charset="0"/>
-              <a:cs typeface="Courier New" panose="02070309020205020404" pitchFamily="49" charset="0"/>
-            </a:endParaRPr>
-          </a:p>
-          <a:p>
-            <a:r>
-              <a:rPr lang="it-IT" sz="2000" dirty="0"/>
-              <a:t>due </a:t>
-            </a:r>
-            <a:r>
-              <a:rPr lang="it-IT" sz="2000" b="1" i="1" dirty="0"/>
-              <a:t>costruttori</a:t>
-            </a:r>
-          </a:p>
-          <a:p>
-            <a:pPr marL="400050" lvl="1" indent="0">
-              <a:buNone/>
-            </a:pPr>
-            <a:r>
-              <a:rPr lang="it-IT" sz="1600" b="1" dirty="0">
-                <a:latin typeface="Courier New" panose="02070309020205020404" pitchFamily="49" charset="0"/>
-                <a:cs typeface="Courier New" panose="02070309020205020404" pitchFamily="49" charset="0"/>
-              </a:rPr>
-              <a:t>Punto();</a:t>
-            </a:r>
-          </a:p>
-          <a:p>
-            <a:pPr marL="400050" lvl="1" indent="0">
-              <a:buNone/>
-            </a:pPr>
-            <a:r>
-              <a:rPr lang="it-IT" sz="1600" b="1" dirty="0">
-                <a:latin typeface="Courier New" panose="02070309020205020404" pitchFamily="49" charset="0"/>
-                <a:cs typeface="Courier New" panose="02070309020205020404" pitchFamily="49" charset="0"/>
-              </a:rPr>
-              <a:t>Punto(</a:t>
-            </a:r>
-            <a:r>
-              <a:rPr lang="it-IT" sz="1600" b="1" dirty="0" err="1">
-                <a:latin typeface="Courier New" panose="02070309020205020404" pitchFamily="49" charset="0"/>
-                <a:cs typeface="Courier New" panose="02070309020205020404" pitchFamily="49" charset="0"/>
-              </a:rPr>
-              <a:t>int</a:t>
-            </a:r>
-            <a:r>
-              <a:rPr lang="it-IT" sz="1600" b="1" dirty="0">
-                <a:latin typeface="Courier New" panose="02070309020205020404" pitchFamily="49" charset="0"/>
-                <a:cs typeface="Courier New" panose="02070309020205020404" pitchFamily="49" charset="0"/>
-              </a:rPr>
-              <a:t>, </a:t>
-            </a:r>
-            <a:r>
-              <a:rPr lang="it-IT" sz="1600" b="1" dirty="0" err="1">
-                <a:latin typeface="Courier New" panose="02070309020205020404" pitchFamily="49" charset="0"/>
-                <a:cs typeface="Courier New" panose="02070309020205020404" pitchFamily="49" charset="0"/>
-              </a:rPr>
-              <a:t>int</a:t>
-            </a:r>
-            <a:r>
-              <a:rPr lang="it-IT" sz="1600" b="1" dirty="0">
-                <a:latin typeface="Courier New" panose="02070309020205020404" pitchFamily="49" charset="0"/>
-                <a:cs typeface="Courier New" panose="02070309020205020404" pitchFamily="49" charset="0"/>
-              </a:rPr>
-              <a:t>);</a:t>
-            </a:r>
-          </a:p>
-          <a:p>
-            <a:r>
-              <a:rPr lang="it-IT" sz="2000" b="1" i="1" dirty="0"/>
-              <a:t>dichiarazione e definizione </a:t>
-            </a:r>
-            <a:r>
-              <a:rPr lang="it-IT" sz="2000" dirty="0"/>
-              <a:t>di funzioni membro </a:t>
-            </a:r>
-            <a:r>
-              <a:rPr lang="it-IT" sz="2000" dirty="0" err="1"/>
-              <a:t>accessor</a:t>
-            </a:r>
-            <a:r>
-              <a:rPr lang="it-IT" sz="2000" dirty="0"/>
-              <a:t> e mutator</a:t>
-            </a:r>
-          </a:p>
-          <a:p>
-            <a:pPr marL="457200" lvl="1" indent="0">
-              <a:buNone/>
-            </a:pPr>
-            <a:r>
-              <a:rPr lang="it-IT" sz="1600" b="1" dirty="0" err="1">
-                <a:latin typeface="Courier New" panose="02070309020205020404" pitchFamily="49" charset="0"/>
-                <a:cs typeface="Courier New" panose="02070309020205020404" pitchFamily="49" charset="0"/>
-              </a:rPr>
-              <a:t>getX</a:t>
-            </a:r>
-            <a:r>
-              <a:rPr lang="it-IT" sz="1600" b="1" dirty="0">
-                <a:latin typeface="Courier New" panose="02070309020205020404" pitchFamily="49" charset="0"/>
-                <a:cs typeface="Courier New" panose="02070309020205020404" pitchFamily="49" charset="0"/>
-              </a:rPr>
-              <a:t>, </a:t>
-            </a:r>
-            <a:r>
-              <a:rPr lang="it-IT" sz="1600" b="1" dirty="0" err="1">
-                <a:latin typeface="Courier New" panose="02070309020205020404" pitchFamily="49" charset="0"/>
-                <a:cs typeface="Courier New" panose="02070309020205020404" pitchFamily="49" charset="0"/>
-              </a:rPr>
-              <a:t>setX</a:t>
-            </a:r>
-            <a:r>
-              <a:rPr lang="it-IT" sz="1600" b="1" dirty="0">
-                <a:latin typeface="Courier New" panose="02070309020205020404" pitchFamily="49" charset="0"/>
-                <a:cs typeface="Courier New" panose="02070309020205020404" pitchFamily="49" charset="0"/>
-              </a:rPr>
-              <a:t>, </a:t>
-            </a:r>
-            <a:r>
-              <a:rPr lang="it-IT" sz="1600" b="1" dirty="0" err="1">
-                <a:latin typeface="Courier New" panose="02070309020205020404" pitchFamily="49" charset="0"/>
-                <a:cs typeface="Courier New" panose="02070309020205020404" pitchFamily="49" charset="0"/>
-              </a:rPr>
-              <a:t>getY</a:t>
-            </a:r>
-            <a:r>
-              <a:rPr lang="it-IT" sz="1600" b="1" dirty="0">
-                <a:latin typeface="Courier New" panose="02070309020205020404" pitchFamily="49" charset="0"/>
-                <a:cs typeface="Courier New" panose="02070309020205020404" pitchFamily="49" charset="0"/>
-              </a:rPr>
-              <a:t>, </a:t>
-            </a:r>
-            <a:r>
-              <a:rPr lang="it-IT" sz="1600" b="1" dirty="0" err="1">
-                <a:latin typeface="Courier New" panose="02070309020205020404" pitchFamily="49" charset="0"/>
-                <a:cs typeface="Courier New" panose="02070309020205020404" pitchFamily="49" charset="0"/>
-              </a:rPr>
-              <a:t>setY</a:t>
-            </a:r>
-            <a:endParaRPr lang="it-IT" sz="1600" b="1" dirty="0">
-              <a:latin typeface="Courier New" panose="02070309020205020404" pitchFamily="49" charset="0"/>
-              <a:cs typeface="Courier New" panose="02070309020205020404" pitchFamily="49" charset="0"/>
-            </a:endParaRPr>
-          </a:p>
-          <a:p>
-            <a:r>
-              <a:rPr lang="it-IT" sz="2000" b="1" i="1" dirty="0"/>
-              <a:t>dichiarazione</a:t>
-            </a:r>
-            <a:r>
-              <a:rPr lang="it-IT" sz="2000" dirty="0"/>
-              <a:t> di funzioni membro</a:t>
-            </a:r>
-          </a:p>
-          <a:p>
-            <a:pPr marL="457200" lvl="1" indent="0">
-              <a:buNone/>
-            </a:pPr>
-            <a:r>
-              <a:rPr lang="it-IT" sz="1600" b="1" dirty="0" err="1">
-                <a:latin typeface="Courier New" panose="02070309020205020404" pitchFamily="49" charset="0"/>
-                <a:cs typeface="Courier New" panose="02070309020205020404" pitchFamily="49" charset="0"/>
-              </a:rPr>
-              <a:t>toString</a:t>
-            </a:r>
-            <a:r>
-              <a:rPr lang="it-IT" sz="1600" b="1" dirty="0">
-                <a:latin typeface="Courier New" panose="02070309020205020404" pitchFamily="49" charset="0"/>
-                <a:cs typeface="Courier New" panose="02070309020205020404" pitchFamily="49" charset="0"/>
-              </a:rPr>
-              <a:t>, </a:t>
-            </a:r>
-            <a:r>
-              <a:rPr lang="it-IT" sz="1600" b="1" dirty="0" err="1">
-                <a:latin typeface="Courier New" panose="02070309020205020404" pitchFamily="49" charset="0"/>
-                <a:cs typeface="Courier New" panose="02070309020205020404" pitchFamily="49" charset="0"/>
-              </a:rPr>
-              <a:t>manhattanDistance</a:t>
-            </a:r>
-            <a:r>
-              <a:rPr lang="it-IT" sz="1600" b="1" dirty="0">
-                <a:latin typeface="Courier New" panose="02070309020205020404" pitchFamily="49" charset="0"/>
-                <a:cs typeface="Courier New" panose="02070309020205020404" pitchFamily="49" charset="0"/>
-              </a:rPr>
-              <a:t>, </a:t>
-            </a:r>
-            <a:r>
-              <a:rPr lang="it-IT" sz="1600" b="1" dirty="0" err="1">
-                <a:latin typeface="Courier New" panose="02070309020205020404" pitchFamily="49" charset="0"/>
-                <a:cs typeface="Courier New" panose="02070309020205020404" pitchFamily="49" charset="0"/>
-              </a:rPr>
-              <a:t>euclideanDistance</a:t>
-            </a:r>
-            <a:endParaRPr lang="it-IT" sz="1600" b="1" dirty="0">
-              <a:latin typeface="Courier New" panose="02070309020205020404" pitchFamily="49" charset="0"/>
-              <a:cs typeface="Courier New" panose="02070309020205020404" pitchFamily="49" charset="0"/>
-            </a:endParaRPr>
-          </a:p>
-          <a:p>
-            <a:r>
-              <a:rPr lang="it-IT" sz="2000" dirty="0"/>
-              <a:t>variabili membro private </a:t>
-            </a:r>
-          </a:p>
-          <a:p>
-            <a:pPr marL="457200" lvl="1" indent="0">
-              <a:buNone/>
-            </a:pPr>
-            <a:r>
-              <a:rPr lang="it-IT" sz="1600" b="1" dirty="0">
-                <a:latin typeface="Courier New" panose="02070309020205020404" pitchFamily="49" charset="0"/>
-                <a:cs typeface="Courier New" panose="02070309020205020404" pitchFamily="49" charset="0"/>
-              </a:rPr>
-              <a:t>x, y</a:t>
-            </a:r>
-          </a:p>
-        </p:txBody>
-      </p:sp>
-      <p:sp>
-        <p:nvSpPr>
-          <p:cNvPr id="3" name="Segnaposto piè di pagina 2">
-            <a:extLst>
-              <a:ext uri="{FF2B5EF4-FFF2-40B4-BE49-F238E27FC236}">
-                <a16:creationId xmlns:a16="http://schemas.microsoft.com/office/drawing/2014/main" id="{141AFC4D-ED2A-4C45-AE45-B18D3D52BCFD}"/>
-              </a:ext>
-            </a:extLst>
-          </p:cNvPr>
-          <p:cNvSpPr>
-            <a:spLocks noGrp="1"/>
-          </p:cNvSpPr>
-          <p:nvPr>
-            <p:ph type="ftr" sz="quarter" idx="11"/>
-          </p:nvPr>
-        </p:nvSpPr>
-        <p:spPr/>
-        <p:txBody>
-          <a:bodyPr/>
-          <a:lstStyle/>
-          <a:p>
-            <a:pPr>
-              <a:defRPr/>
-            </a:pPr>
-            <a:r>
-              <a:rPr lang="it-IT"/>
-              <a:t>Alberto Ferrari – Programmazione di applicazioni SW</a:t>
-            </a:r>
-            <a:endParaRPr lang="it-IT" dirty="0"/>
-          </a:p>
-        </p:txBody>
-      </p:sp>
-    </p:spTree>
-    <p:extLst>
-      <p:ext uri="{BB962C8B-B14F-4D97-AF65-F5344CB8AC3E}">
-        <p14:creationId xmlns:p14="http://schemas.microsoft.com/office/powerpoint/2010/main" val="3768312066"/>
-      </p:ext>
-    </p:extLst>
-  </p:cSld>
-  <p:clrMapOvr>
-    <a:masterClrMapping/>
-  </p:clrMapOvr>
-</p:sld>
-</file>
-
 <file path=ppt/slides/slide41.xml><?xml version="1.0" encoding="utf-8"?>
 <p:sld xmlns:a="http://schemas.openxmlformats.org/drawingml/2006/main" xmlns:r="http://schemas.openxmlformats.org/officeDocument/2006/relationships" xmlns:p="http://schemas.openxmlformats.org/presentationml/2006/main">
   <p:cSld>
@@ -18909,8 +18029,13 @@
           <a:p>
             <a:r>
               <a:rPr lang="it-IT" dirty="0"/>
-              <a:t>esempio: file implementazione</a:t>
-            </a:r>
+              <a:t>esempio: file </a:t>
+            </a:r>
+            <a:r>
+              <a:rPr lang="it-IT" dirty="0" err="1"/>
+              <a:t>header</a:t>
+            </a:r>
+            <a:endParaRPr lang="it-IT" dirty="0"/>
           </a:p>
         </p:txBody>
       </p:sp>
@@ -18946,21 +18071,21 @@
                 <a:latin typeface="Courier New" panose="02070309020205020404" pitchFamily="49" charset="0"/>
                 <a:cs typeface="Courier New" panose="02070309020205020404" pitchFamily="49" charset="0"/>
               </a:rPr>
-              <a:t>#include &lt;</a:t>
+              <a:t>#</a:t>
             </a:r>
             <a:r>
               <a:rPr lang="it-IT" sz="1400" b="1" dirty="0" err="1">
                 <a:latin typeface="Courier New" panose="02070309020205020404" pitchFamily="49" charset="0"/>
                 <a:cs typeface="Courier New" panose="02070309020205020404" pitchFamily="49" charset="0"/>
               </a:rPr>
-              <a:t>string</a:t>
+              <a:t>ifndef</a:t>
             </a:r>
             <a:r>
               <a:rPr lang="it-IT" sz="1400" b="1" dirty="0">
                 <a:latin typeface="Courier New" panose="02070309020205020404" pitchFamily="49" charset="0"/>
                 <a:cs typeface="Courier New" panose="02070309020205020404" pitchFamily="49" charset="0"/>
               </a:rPr>
-              <a:t>&gt;</a:t>
+              <a:t> PUNTO_H</a:t>
             </a:r>
           </a:p>
           <a:p>
@@ -18975,21 +18100,21 @@
                 <a:latin typeface="Courier New" panose="02070309020205020404" pitchFamily="49" charset="0"/>
                 <a:cs typeface="Courier New" panose="02070309020205020404" pitchFamily="49" charset="0"/>
               </a:rPr>
-              <a:t>#include &lt;</a:t>
+              <a:t>#</a:t>
             </a:r>
             <a:r>
               <a:rPr lang="it-IT" sz="1400" b="1" dirty="0" err="1">
                 <a:latin typeface="Courier New" panose="02070309020205020404" pitchFamily="49" charset="0"/>
                 <a:cs typeface="Courier New" panose="02070309020205020404" pitchFamily="49" charset="0"/>
               </a:rPr>
-              <a:t>cmath</a:t>
+              <a:t>define</a:t>
             </a:r>
             <a:r>
               <a:rPr lang="it-IT" sz="1400" b="1" dirty="0">
                 <a:latin typeface="Courier New" panose="02070309020205020404" pitchFamily="49" charset="0"/>
                 <a:cs typeface="Courier New" panose="02070309020205020404" pitchFamily="49" charset="0"/>
               </a:rPr>
-              <a:t>&gt;</a:t>
+              <a:t> PUNTO_H</a:t>
             </a:r>
           </a:p>
           <a:p>
@@ -19000,46 +18125,25 @@
               <a:buNone/>
             </a:pPr>
             <a:r>
+              <a:rPr lang="it-IT" sz="1400" b="1" dirty="0">
+                <a:latin typeface="Courier New" panose="02070309020205020404" pitchFamily="49" charset="0"/>
+                <a:cs typeface="Courier New" panose="02070309020205020404" pitchFamily="49" charset="0"/>
+              </a:rPr>
+              <a:t>#include &lt;</a:t>
+            </a:r>
+            <a:r>
               <a:rPr lang="it-IT" sz="1400" b="1" dirty="0" err="1">
                 <a:latin typeface="Courier New" panose="02070309020205020404" pitchFamily="49" charset="0"/>
                 <a:cs typeface="Courier New" panose="02070309020205020404" pitchFamily="49" charset="0"/>
               </a:rPr>
-              <a:t>using</a:t>
+              <a:t>string</a:t>
             </a:r>
             <a:r>
               <a:rPr lang="it-IT" sz="1400" b="1" dirty="0">
                 <a:latin typeface="Courier New" panose="02070309020205020404" pitchFamily="49" charset="0"/>
                 <a:cs typeface="Courier New" panose="02070309020205020404" pitchFamily="49" charset="0"/>
               </a:rPr>
-              <a:t> </a:t>
-            </a:r>
-            <a:r>
-              <a:rPr lang="it-IT" sz="1400" b="1" dirty="0" err="1">
-                <a:latin typeface="Courier New" panose="02070309020205020404" pitchFamily="49" charset="0"/>
-                <a:cs typeface="Courier New" panose="02070309020205020404" pitchFamily="49" charset="0"/>
-              </a:rPr>
-              <a:t>namespace</a:t>
-            </a:r>
-            <a:r>
-              <a:rPr lang="it-IT" sz="1400" b="1" dirty="0">
-                <a:latin typeface="Courier New" panose="02070309020205020404" pitchFamily="49" charset="0"/>
-                <a:cs typeface="Courier New" panose="02070309020205020404" pitchFamily="49" charset="0"/>
-              </a:rPr>
-              <a:t> </a:t>
-            </a:r>
-            <a:r>
-              <a:rPr lang="it-IT" sz="1400" b="1" dirty="0" err="1">
-                <a:latin typeface="Courier New" panose="02070309020205020404" pitchFamily="49" charset="0"/>
-                <a:cs typeface="Courier New" panose="02070309020205020404" pitchFamily="49" charset="0"/>
-              </a:rPr>
-              <a:t>std</a:t>
-            </a:r>
-            <a:r>
-              <a:rPr lang="it-IT" sz="1400" b="1" dirty="0">
-                <a:latin typeface="Courier New" panose="02070309020205020404" pitchFamily="49" charset="0"/>
-                <a:cs typeface="Courier New" panose="02070309020205020404" pitchFamily="49" charset="0"/>
-              </a:rPr>
-              <a:t>;</a:t>
+              <a:t>&gt;</a:t>
             </a:r>
           </a:p>
           <a:p>
@@ -19049,10 +18153,48 @@
               </a:spcBef>
               <a:buNone/>
             </a:pPr>
-            <a:endParaRPr lang="it-IT" sz="1400" b="1" dirty="0">
-              <a:latin typeface="Courier New" panose="02070309020205020404" pitchFamily="49" charset="0"/>
-              <a:cs typeface="Courier New" panose="02070309020205020404" pitchFamily="49" charset="0"/>
-            </a:endParaRPr>
+            <a:r>
+              <a:rPr lang="it-IT" sz="1400" b="1" dirty="0" err="1">
+                <a:latin typeface="Courier New" panose="02070309020205020404" pitchFamily="49" charset="0"/>
+                <a:cs typeface="Courier New" panose="02070309020205020404" pitchFamily="49" charset="0"/>
+              </a:rPr>
+              <a:t>using</a:t>
+            </a:r>
+            <a:r>
+              <a:rPr lang="it-IT" sz="1400" b="1" dirty="0">
+                <a:latin typeface="Courier New" panose="02070309020205020404" pitchFamily="49" charset="0"/>
+                <a:cs typeface="Courier New" panose="02070309020205020404" pitchFamily="49" charset="0"/>
+              </a:rPr>
+              <a:t> </a:t>
+            </a:r>
+            <a:r>
+              <a:rPr lang="it-IT" sz="1400" b="1" dirty="0" err="1">
+                <a:latin typeface="Courier New" panose="02070309020205020404" pitchFamily="49" charset="0"/>
+                <a:cs typeface="Courier New" panose="02070309020205020404" pitchFamily="49" charset="0"/>
+              </a:rPr>
+              <a:t>namespace</a:t>
+            </a:r>
+            <a:r>
+              <a:rPr lang="it-IT" sz="1400" b="1" dirty="0">
+                <a:latin typeface="Courier New" panose="02070309020205020404" pitchFamily="49" charset="0"/>
+                <a:cs typeface="Courier New" panose="02070309020205020404" pitchFamily="49" charset="0"/>
+              </a:rPr>
+              <a:t> </a:t>
+            </a:r>
+            <a:r>
+              <a:rPr lang="it-IT" sz="1400" b="1" dirty="0" err="1">
+                <a:latin typeface="Courier New" panose="02070309020205020404" pitchFamily="49" charset="0"/>
+                <a:cs typeface="Courier New" panose="02070309020205020404" pitchFamily="49" charset="0"/>
+              </a:rPr>
+              <a:t>std</a:t>
+            </a:r>
+            <a:r>
+              <a:rPr lang="it-IT" sz="1400" b="1" dirty="0">
+                <a:latin typeface="Courier New" panose="02070309020205020404" pitchFamily="49" charset="0"/>
+                <a:cs typeface="Courier New" panose="02070309020205020404" pitchFamily="49" charset="0"/>
+              </a:rPr>
+              <a:t>;</a:t>
+            </a:r>
           </a:p>
           <a:p>
             <a:pPr marL="0" indent="0">
@@ -19066,7 +18208,7 @@
                 <a:latin typeface="Courier New" panose="02070309020205020404" pitchFamily="49" charset="0"/>
                 <a:cs typeface="Courier New" panose="02070309020205020404" pitchFamily="49" charset="0"/>
               </a:rPr>
-              <a:t>Punto::Punto(): x(0), y(0) {}</a:t>
+              <a:t>class Punto</a:t>
             </a:r>
           </a:p>
           <a:p>
@@ -19081,91 +18223,7 @@
                 <a:latin typeface="Courier New" panose="02070309020205020404" pitchFamily="49" charset="0"/>
                 <a:cs typeface="Courier New" panose="02070309020205020404" pitchFamily="49" charset="0"/>
               </a:rPr>
-              <a:t>Punto::Punto(</a:t>
-            </a:r>
-            <a:r>
-              <a:rPr lang="it-IT" sz="1400" b="1" dirty="0" err="1">
-                <a:latin typeface="Courier New" panose="02070309020205020404" pitchFamily="49" charset="0"/>
-                <a:cs typeface="Courier New" panose="02070309020205020404" pitchFamily="49" charset="0"/>
-              </a:rPr>
-              <a:t>int</a:t>
-            </a:r>
-            <a:r>
-              <a:rPr lang="it-IT" sz="1400" b="1" dirty="0">
-                <a:latin typeface="Courier New" panose="02070309020205020404" pitchFamily="49" charset="0"/>
-                <a:cs typeface="Courier New" panose="02070309020205020404" pitchFamily="49" charset="0"/>
-              </a:rPr>
-              <a:t> </a:t>
-            </a:r>
-            <a:r>
-              <a:rPr lang="it-IT" sz="1400" b="1" dirty="0" err="1">
-                <a:latin typeface="Courier New" panose="02070309020205020404" pitchFamily="49" charset="0"/>
-                <a:cs typeface="Courier New" panose="02070309020205020404" pitchFamily="49" charset="0"/>
-              </a:rPr>
-              <a:t>v_x</a:t>
-            </a:r>
-            <a:r>
-              <a:rPr lang="it-IT" sz="1400" b="1" dirty="0">
-                <a:latin typeface="Courier New" panose="02070309020205020404" pitchFamily="49" charset="0"/>
-                <a:cs typeface="Courier New" panose="02070309020205020404" pitchFamily="49" charset="0"/>
-              </a:rPr>
-              <a:t>, </a:t>
-            </a:r>
-            <a:r>
-              <a:rPr lang="it-IT" sz="1400" b="1" dirty="0" err="1">
-                <a:latin typeface="Courier New" panose="02070309020205020404" pitchFamily="49" charset="0"/>
-                <a:cs typeface="Courier New" panose="02070309020205020404" pitchFamily="49" charset="0"/>
-              </a:rPr>
-              <a:t>int</a:t>
-            </a:r>
-            <a:r>
-              <a:rPr lang="it-IT" sz="1400" b="1" dirty="0">
-                <a:latin typeface="Courier New" panose="02070309020205020404" pitchFamily="49" charset="0"/>
-                <a:cs typeface="Courier New" panose="02070309020205020404" pitchFamily="49" charset="0"/>
-              </a:rPr>
-              <a:t> </a:t>
-            </a:r>
-            <a:r>
-              <a:rPr lang="it-IT" sz="1400" b="1" dirty="0" err="1">
-                <a:latin typeface="Courier New" panose="02070309020205020404" pitchFamily="49" charset="0"/>
-                <a:cs typeface="Courier New" panose="02070309020205020404" pitchFamily="49" charset="0"/>
-              </a:rPr>
-              <a:t>v_y</a:t>
-            </a:r>
-            <a:r>
-              <a:rPr lang="it-IT" sz="1400" b="1" dirty="0">
-                <a:latin typeface="Courier New" panose="02070309020205020404" pitchFamily="49" charset="0"/>
-                <a:cs typeface="Courier New" panose="02070309020205020404" pitchFamily="49" charset="0"/>
-              </a:rPr>
-              <a:t>): x(</a:t>
-            </a:r>
-            <a:r>
-              <a:rPr lang="it-IT" sz="1400" b="1" dirty="0" err="1">
-                <a:latin typeface="Courier New" panose="02070309020205020404" pitchFamily="49" charset="0"/>
-                <a:cs typeface="Courier New" panose="02070309020205020404" pitchFamily="49" charset="0"/>
-              </a:rPr>
-              <a:t>v_x</a:t>
-            </a:r>
-            <a:r>
-              <a:rPr lang="it-IT" sz="1400" b="1" dirty="0">
-                <a:latin typeface="Courier New" panose="02070309020205020404" pitchFamily="49" charset="0"/>
-                <a:cs typeface="Courier New" panose="02070309020205020404" pitchFamily="49" charset="0"/>
-              </a:rPr>
-              <a:t>), y(</a:t>
-            </a:r>
-            <a:r>
-              <a:rPr lang="it-IT" sz="1400" b="1" dirty="0" err="1">
-                <a:latin typeface="Courier New" panose="02070309020205020404" pitchFamily="49" charset="0"/>
-                <a:cs typeface="Courier New" panose="02070309020205020404" pitchFamily="49" charset="0"/>
-              </a:rPr>
-              <a:t>v_y</a:t>
-            </a:r>
-            <a:r>
-              <a:rPr lang="it-IT" sz="1400" b="1" dirty="0">
-                <a:latin typeface="Courier New" panose="02070309020205020404" pitchFamily="49" charset="0"/>
-                <a:cs typeface="Courier New" panose="02070309020205020404" pitchFamily="49" charset="0"/>
-              </a:rPr>
-              <a:t>){}</a:t>
+              <a:t>{</a:t>
             </a:r>
           </a:p>
           <a:p>
@@ -19175,10 +18233,13 @@
               </a:spcBef>
               <a:buNone/>
             </a:pPr>
-            <a:endParaRPr lang="it-IT" sz="1400" b="1" dirty="0">
-              <a:latin typeface="Courier New" panose="02070309020205020404" pitchFamily="49" charset="0"/>
-              <a:cs typeface="Courier New" panose="02070309020205020404" pitchFamily="49" charset="0"/>
-            </a:endParaRPr>
+            <a:r>
+              <a:rPr lang="it-IT" sz="1400" b="1" dirty="0">
+                <a:latin typeface="Courier New" panose="02070309020205020404" pitchFamily="49" charset="0"/>
+                <a:cs typeface="Courier New" panose="02070309020205020404" pitchFamily="49" charset="0"/>
+              </a:rPr>
+              <a:t>    public:</a:t>
+            </a:r>
           </a:p>
           <a:p>
             <a:pPr marL="0" indent="0">
@@ -19188,32 +18249,11 @@
               <a:buNone/>
             </a:pPr>
             <a:r>
-              <a:rPr lang="it-IT" sz="1400" b="1" dirty="0" err="1">
-                <a:latin typeface="Courier New" panose="02070309020205020404" pitchFamily="49" charset="0"/>
-                <a:cs typeface="Courier New" panose="02070309020205020404" pitchFamily="49" charset="0"/>
-              </a:rPr>
-              <a:t>string</a:t>
-            </a:r>
-            <a:r>
               <a:rPr lang="it-IT" sz="1400" b="1" dirty="0">
                 <a:latin typeface="Courier New" panose="02070309020205020404" pitchFamily="49" charset="0"/>
                 <a:cs typeface="Courier New" panose="02070309020205020404" pitchFamily="49" charset="0"/>
               </a:rPr>
-              <a:t> Punto::</a:t>
-            </a:r>
-            <a:r>
-              <a:rPr lang="it-IT" sz="1400" b="1" dirty="0" err="1">
-                <a:latin typeface="Courier New" panose="02070309020205020404" pitchFamily="49" charset="0"/>
-                <a:cs typeface="Courier New" panose="02070309020205020404" pitchFamily="49" charset="0"/>
-              </a:rPr>
-              <a:t>toString</a:t>
-            </a:r>
-            <a:r>
-              <a:rPr lang="it-IT" sz="1400" b="1" dirty="0">
-                <a:latin typeface="Courier New" panose="02070309020205020404" pitchFamily="49" charset="0"/>
-                <a:cs typeface="Courier New" panose="02070309020205020404" pitchFamily="49" charset="0"/>
-              </a:rPr>
-              <a:t>() {</a:t>
+              <a:t>        Punto();</a:t>
             </a:r>
           </a:p>
           <a:p>
@@ -19228,21 +18268,35 @@
                 <a:latin typeface="Courier New" panose="02070309020205020404" pitchFamily="49" charset="0"/>
                 <a:cs typeface="Courier New" panose="02070309020205020404" pitchFamily="49" charset="0"/>
               </a:rPr>
-              <a:t>    </a:t>
+              <a:t>        Punto(</a:t>
             </a:r>
             <a:r>
               <a:rPr lang="it-IT" sz="1400" b="1" dirty="0" err="1">
                 <a:latin typeface="Courier New" panose="02070309020205020404" pitchFamily="49" charset="0"/>
                 <a:cs typeface="Courier New" panose="02070309020205020404" pitchFamily="49" charset="0"/>
               </a:rPr>
-              <a:t>string</a:t>
+              <a:t>int</a:t>
             </a:r>
             <a:r>
               <a:rPr lang="it-IT" sz="1400" b="1" dirty="0">
                 <a:latin typeface="Courier New" panose="02070309020205020404" pitchFamily="49" charset="0"/>
                 <a:cs typeface="Courier New" panose="02070309020205020404" pitchFamily="49" charset="0"/>
               </a:rPr>
-              <a:t> s;</a:t>
+              <a:t>, </a:t>
+            </a:r>
+            <a:r>
+              <a:rPr lang="it-IT" sz="1400" b="1" dirty="0" err="1">
+                <a:latin typeface="Courier New" panose="02070309020205020404" pitchFamily="49" charset="0"/>
+                <a:cs typeface="Courier New" panose="02070309020205020404" pitchFamily="49" charset="0"/>
+              </a:rPr>
+              <a:t>int</a:t>
+            </a:r>
+            <a:r>
+              <a:rPr lang="it-IT" sz="1400" b="1" dirty="0">
+                <a:latin typeface="Courier New" panose="02070309020205020404" pitchFamily="49" charset="0"/>
+                <a:cs typeface="Courier New" panose="02070309020205020404" pitchFamily="49" charset="0"/>
+              </a:rPr>
+              <a:t>);</a:t>
             </a:r>
           </a:p>
           <a:p>
@@ -19257,21 +18311,49 @@
                 <a:latin typeface="Courier New" panose="02070309020205020404" pitchFamily="49" charset="0"/>
                 <a:cs typeface="Courier New" panose="02070309020205020404" pitchFamily="49" charset="0"/>
               </a:rPr>
-              <a:t>    s = "(" + </a:t>
+              <a:t>         </a:t>
             </a:r>
             <a:r>
               <a:rPr lang="it-IT" sz="1400" b="1" dirty="0" err="1">
                 <a:latin typeface="Courier New" panose="02070309020205020404" pitchFamily="49" charset="0"/>
                 <a:cs typeface="Courier New" panose="02070309020205020404" pitchFamily="49" charset="0"/>
               </a:rPr>
-              <a:t>to_string</a:t>
+              <a:t>int</a:t>
             </a:r>
             <a:r>
               <a:rPr lang="it-IT" sz="1400" b="1" dirty="0">
                 <a:latin typeface="Courier New" panose="02070309020205020404" pitchFamily="49" charset="0"/>
                 <a:cs typeface="Courier New" panose="02070309020205020404" pitchFamily="49" charset="0"/>
               </a:rPr>
-              <a:t>(x) + "," + </a:t>
+              <a:t> </a:t>
+            </a:r>
+            <a:r>
+              <a:rPr lang="it-IT" sz="1400" b="1" dirty="0" err="1">
+                <a:latin typeface="Courier New" panose="02070309020205020404" pitchFamily="49" charset="0"/>
+                <a:cs typeface="Courier New" panose="02070309020205020404" pitchFamily="49" charset="0"/>
+              </a:rPr>
+              <a:t>getX</a:t>
+            </a:r>
+            <a:r>
+              <a:rPr lang="it-IT" sz="1400" b="1" dirty="0">
+                <a:latin typeface="Courier New" panose="02070309020205020404" pitchFamily="49" charset="0"/>
+                <a:cs typeface="Courier New" panose="02070309020205020404" pitchFamily="49" charset="0"/>
+              </a:rPr>
+              <a:t>() { </a:t>
+            </a:r>
+            <a:r>
+              <a:rPr lang="it-IT" sz="1400" b="1" dirty="0" err="1">
+                <a:latin typeface="Courier New" panose="02070309020205020404" pitchFamily="49" charset="0"/>
+                <a:cs typeface="Courier New" panose="02070309020205020404" pitchFamily="49" charset="0"/>
+              </a:rPr>
+              <a:t>return</a:t>
+            </a:r>
+            <a:r>
+              <a:rPr lang="it-IT" sz="1400" b="1" dirty="0">
+                <a:latin typeface="Courier New" panose="02070309020205020404" pitchFamily="49" charset="0"/>
+                <a:cs typeface="Courier New" panose="02070309020205020404" pitchFamily="49" charset="0"/>
+              </a:rPr>
+              <a:t> x; }</a:t>
             </a:r>
           </a:p>
           <a:p>
@@ -19293,14 +18375,42 @@
                 <a:latin typeface="Courier New" panose="02070309020205020404" pitchFamily="49" charset="0"/>
                 <a:cs typeface="Courier New" panose="02070309020205020404" pitchFamily="49" charset="0"/>
               </a:rPr>
-              <a:t>to_string</a:t>
+              <a:t>void</a:t>
             </a:r>
             <a:r>
               <a:rPr lang="it-IT" sz="1400" b="1" dirty="0">
                 <a:latin typeface="Courier New" panose="02070309020205020404" pitchFamily="49" charset="0"/>
                 <a:cs typeface="Courier New" panose="02070309020205020404" pitchFamily="49" charset="0"/>
               </a:rPr>
-              <a:t>(y) + ")";</a:t>
+              <a:t> </a:t>
+            </a:r>
+            <a:r>
+              <a:rPr lang="it-IT" sz="1400" b="1" dirty="0" err="1">
+                <a:latin typeface="Courier New" panose="02070309020205020404" pitchFamily="49" charset="0"/>
+                <a:cs typeface="Courier New" panose="02070309020205020404" pitchFamily="49" charset="0"/>
+              </a:rPr>
+              <a:t>setX</a:t>
+            </a:r>
+            <a:r>
+              <a:rPr lang="it-IT" sz="1400" b="1" dirty="0">
+                <a:latin typeface="Courier New" panose="02070309020205020404" pitchFamily="49" charset="0"/>
+                <a:cs typeface="Courier New" panose="02070309020205020404" pitchFamily="49" charset="0"/>
+              </a:rPr>
+              <a:t>( </a:t>
+            </a:r>
+            <a:r>
+              <a:rPr lang="it-IT" sz="1400" b="1" dirty="0" err="1">
+                <a:latin typeface="Courier New" panose="02070309020205020404" pitchFamily="49" charset="0"/>
+                <a:cs typeface="Courier New" panose="02070309020205020404" pitchFamily="49" charset="0"/>
+              </a:rPr>
+              <a:t>int</a:t>
+            </a:r>
+            <a:r>
+              <a:rPr lang="it-IT" sz="1400" b="1" dirty="0">
+                <a:latin typeface="Courier New" panose="02070309020205020404" pitchFamily="49" charset="0"/>
+                <a:cs typeface="Courier New" panose="02070309020205020404" pitchFamily="49" charset="0"/>
+              </a:rPr>
+              <a:t> val) { x = val; }</a:t>
             </a:r>
           </a:p>
           <a:p>
@@ -19315,13 +18425,41 @@
                 <a:latin typeface="Courier New" panose="02070309020205020404" pitchFamily="49" charset="0"/>
                 <a:cs typeface="Courier New" panose="02070309020205020404" pitchFamily="49" charset="0"/>
               </a:rPr>
-              <a:t>    </a:t>
+              <a:t>         </a:t>
             </a:r>
             <a:r>
               <a:rPr lang="it-IT" sz="1400" b="1" dirty="0" err="1">
                 <a:latin typeface="Courier New" panose="02070309020205020404" pitchFamily="49" charset="0"/>
                 <a:cs typeface="Courier New" panose="02070309020205020404" pitchFamily="49" charset="0"/>
               </a:rPr>
+              <a:t>int</a:t>
+            </a:r>
+            <a:r>
+              <a:rPr lang="it-IT" sz="1400" b="1" dirty="0">
+                <a:latin typeface="Courier New" panose="02070309020205020404" pitchFamily="49" charset="0"/>
+                <a:cs typeface="Courier New" panose="02070309020205020404" pitchFamily="49" charset="0"/>
+              </a:rPr>
+              <a:t> </a:t>
+            </a:r>
+            <a:r>
+              <a:rPr lang="it-IT" sz="1400" b="1" dirty="0" err="1">
+                <a:latin typeface="Courier New" panose="02070309020205020404" pitchFamily="49" charset="0"/>
+                <a:cs typeface="Courier New" panose="02070309020205020404" pitchFamily="49" charset="0"/>
+              </a:rPr>
+              <a:t>getY</a:t>
+            </a:r>
+            <a:r>
+              <a:rPr lang="it-IT" sz="1400" b="1" dirty="0">
+                <a:latin typeface="Courier New" panose="02070309020205020404" pitchFamily="49" charset="0"/>
+                <a:cs typeface="Courier New" panose="02070309020205020404" pitchFamily="49" charset="0"/>
+              </a:rPr>
+              <a:t>() { </a:t>
+            </a:r>
+            <a:r>
+              <a:rPr lang="it-IT" sz="1400" b="1" dirty="0" err="1">
+                <a:latin typeface="Courier New" panose="02070309020205020404" pitchFamily="49" charset="0"/>
+                <a:cs typeface="Courier New" panose="02070309020205020404" pitchFamily="49" charset="0"/>
+              </a:rPr>
               <a:t>return</a:t>
             </a:r>
             <a:r>
@@ -19329,7 +18467,7 @@
                 <a:latin typeface="Courier New" panose="02070309020205020404" pitchFamily="49" charset="0"/>
                 <a:cs typeface="Courier New" panose="02070309020205020404" pitchFamily="49" charset="0"/>
               </a:rPr>
-              <a:t> s;</a:t>
+              <a:t> y; }</a:t>
             </a:r>
           </a:p>
           <a:p>
@@ -19344,7 +18482,49 @@
                 <a:latin typeface="Courier New" panose="02070309020205020404" pitchFamily="49" charset="0"/>
                 <a:cs typeface="Courier New" panose="02070309020205020404" pitchFamily="49" charset="0"/>
               </a:rPr>
-              <a:t>}</a:t>
+              <a:t>        </a:t>
+            </a:r>
+            <a:r>
+              <a:rPr lang="it-IT" sz="1400" b="1" dirty="0" err="1">
+                <a:latin typeface="Courier New" panose="02070309020205020404" pitchFamily="49" charset="0"/>
+                <a:cs typeface="Courier New" panose="02070309020205020404" pitchFamily="49" charset="0"/>
+              </a:rPr>
+              <a:t>void</a:t>
+            </a:r>
+            <a:r>
+              <a:rPr lang="it-IT" sz="1400" b="1" dirty="0">
+                <a:latin typeface="Courier New" panose="02070309020205020404" pitchFamily="49" charset="0"/>
+                <a:cs typeface="Courier New" panose="02070309020205020404" pitchFamily="49" charset="0"/>
+              </a:rPr>
+              <a:t> </a:t>
+            </a:r>
+            <a:r>
+              <a:rPr lang="it-IT" sz="1400" b="1" dirty="0" err="1">
+                <a:latin typeface="Courier New" panose="02070309020205020404" pitchFamily="49" charset="0"/>
+                <a:cs typeface="Courier New" panose="02070309020205020404" pitchFamily="49" charset="0"/>
+              </a:rPr>
+              <a:t>setY</a:t>
+            </a:r>
+            <a:r>
+              <a:rPr lang="it-IT" sz="1400" b="1" dirty="0">
+                <a:latin typeface="Courier New" panose="02070309020205020404" pitchFamily="49" charset="0"/>
+                <a:cs typeface="Courier New" panose="02070309020205020404" pitchFamily="49" charset="0"/>
+              </a:rPr>
+              <a:t>( </a:t>
+            </a:r>
+            <a:r>
+              <a:rPr lang="it-IT" sz="1400" b="1" dirty="0" err="1">
+                <a:latin typeface="Courier New" panose="02070309020205020404" pitchFamily="49" charset="0"/>
+                <a:cs typeface="Courier New" panose="02070309020205020404" pitchFamily="49" charset="0"/>
+              </a:rPr>
+              <a:t>int</a:t>
+            </a:r>
+            <a:r>
+              <a:rPr lang="it-IT" sz="1400" b="1" dirty="0">
+                <a:latin typeface="Courier New" panose="02070309020205020404" pitchFamily="49" charset="0"/>
+                <a:cs typeface="Courier New" panose="02070309020205020404" pitchFamily="49" charset="0"/>
+              </a:rPr>
+              <a:t> val) { y = val; }</a:t>
             </a:r>
           </a:p>
           <a:p>
@@ -19354,10 +18534,41 @@
               </a:spcBef>
               <a:buNone/>
             </a:pPr>
-            <a:endParaRPr lang="it-IT" sz="1400" b="1" dirty="0">
-              <a:latin typeface="Courier New" panose="02070309020205020404" pitchFamily="49" charset="0"/>
-              <a:cs typeface="Courier New" panose="02070309020205020404" pitchFamily="49" charset="0"/>
-            </a:endParaRPr>
+            <a:r>
+              <a:rPr lang="it-IT" sz="1400" b="1" dirty="0">
+                <a:latin typeface="Courier New" panose="02070309020205020404" pitchFamily="49" charset="0"/>
+                <a:cs typeface="Courier New" panose="02070309020205020404" pitchFamily="49" charset="0"/>
+              </a:rPr>
+              <a:t>        </a:t>
+            </a:r>
+            <a:r>
+              <a:rPr lang="it-IT" sz="1400" b="1" dirty="0" err="1">
+                <a:latin typeface="Courier New" panose="02070309020205020404" pitchFamily="49" charset="0"/>
+                <a:cs typeface="Courier New" panose="02070309020205020404" pitchFamily="49" charset="0"/>
+              </a:rPr>
+              <a:t>string</a:t>
+            </a:r>
+            <a:r>
+              <a:rPr lang="it-IT" sz="1400" b="1" dirty="0">
+                <a:latin typeface="Courier New" panose="02070309020205020404" pitchFamily="49" charset="0"/>
+                <a:cs typeface="Courier New" panose="02070309020205020404" pitchFamily="49" charset="0"/>
+              </a:rPr>
+              <a:t> </a:t>
+            </a:r>
+            <a:r>
+              <a:rPr lang="it-IT" sz="1400" b="1" dirty="0" err="1">
+                <a:latin typeface="Courier New" panose="02070309020205020404" pitchFamily="49" charset="0"/>
+                <a:cs typeface="Courier New" panose="02070309020205020404" pitchFamily="49" charset="0"/>
+              </a:rPr>
+              <a:t>toString</a:t>
+            </a:r>
+            <a:r>
+              <a:rPr lang="it-IT" sz="1400" b="1" dirty="0">
+                <a:latin typeface="Courier New" panose="02070309020205020404" pitchFamily="49" charset="0"/>
+                <a:cs typeface="Courier New" panose="02070309020205020404" pitchFamily="49" charset="0"/>
+              </a:rPr>
+              <a:t>();</a:t>
+            </a:r>
           </a:p>
           <a:p>
             <a:pPr marL="0" indent="0">
@@ -19367,6 +18578,13 @@
               <a:buNone/>
             </a:pPr>
             <a:r>
+              <a:rPr lang="it-IT" sz="1400" b="1" dirty="0">
+                <a:latin typeface="Courier New" panose="02070309020205020404" pitchFamily="49" charset="0"/>
+                <a:cs typeface="Courier New" panose="02070309020205020404" pitchFamily="49" charset="0"/>
+              </a:rPr>
+              <a:t>        </a:t>
+            </a:r>
+            <a:r>
               <a:rPr lang="it-IT" sz="1400" b="1" dirty="0" err="1">
                 <a:latin typeface="Courier New" panose="02070309020205020404" pitchFamily="49" charset="0"/>
                 <a:cs typeface="Courier New" panose="02070309020205020404" pitchFamily="49" charset="0"/>
@@ -19378,7 +18596,7 @@
                 <a:latin typeface="Courier New" panose="02070309020205020404" pitchFamily="49" charset="0"/>
                 <a:cs typeface="Courier New" panose="02070309020205020404" pitchFamily="49" charset="0"/>
               </a:rPr>
-              <a:t> Punto::</a:t>
+              <a:t> </a:t>
             </a:r>
             <a:r>
               <a:rPr lang="it-IT" sz="1400" b="1" dirty="0" err="1">
@@ -19392,7 +18610,7 @@
                 <a:latin typeface="Courier New" panose="02070309020205020404" pitchFamily="49" charset="0"/>
                 <a:cs typeface="Courier New" panose="02070309020205020404" pitchFamily="49" charset="0"/>
               </a:rPr>
-              <a:t>(Punto p){</a:t>
+              <a:t>(Punto);</a:t>
             </a:r>
           </a:p>
           <a:p>
@@ -19407,77 +18625,21 @@
                 <a:latin typeface="Courier New" panose="02070309020205020404" pitchFamily="49" charset="0"/>
                 <a:cs typeface="Courier New" panose="02070309020205020404" pitchFamily="49" charset="0"/>
               </a:rPr>
-              <a:t>    </a:t>
+              <a:t>        double </a:t>
             </a:r>
             <a:r>
               <a:rPr lang="it-IT" sz="1400" b="1" dirty="0" err="1">
                 <a:latin typeface="Courier New" panose="02070309020205020404" pitchFamily="49" charset="0"/>
                 <a:cs typeface="Courier New" panose="02070309020205020404" pitchFamily="49" charset="0"/>
               </a:rPr>
-              <a:t>return</a:t>
+              <a:t>euclideanDistance</a:t>
             </a:r>
             <a:r>
               <a:rPr lang="it-IT" sz="1400" b="1" dirty="0">
                 <a:latin typeface="Courier New" panose="02070309020205020404" pitchFamily="49" charset="0"/>
                 <a:cs typeface="Courier New" panose="02070309020205020404" pitchFamily="49" charset="0"/>
               </a:rPr>
-              <a:t> </a:t>
-            </a:r>
-            <a:r>
-              <a:rPr lang="it-IT" sz="1400" b="1" dirty="0" err="1">
-                <a:latin typeface="Courier New" panose="02070309020205020404" pitchFamily="49" charset="0"/>
-                <a:cs typeface="Courier New" panose="02070309020205020404" pitchFamily="49" charset="0"/>
-              </a:rPr>
-              <a:t>abs</a:t>
-            </a:r>
-            <a:r>
-              <a:rPr lang="it-IT" sz="1400" b="1" dirty="0">
-                <a:latin typeface="Courier New" panose="02070309020205020404" pitchFamily="49" charset="0"/>
-                <a:cs typeface="Courier New" panose="02070309020205020404" pitchFamily="49" charset="0"/>
-              </a:rPr>
-              <a:t>(x - </a:t>
-            </a:r>
-            <a:r>
-              <a:rPr lang="it-IT" sz="1400" b="1" dirty="0" err="1">
-                <a:latin typeface="Courier New" panose="02070309020205020404" pitchFamily="49" charset="0"/>
-                <a:cs typeface="Courier New" panose="02070309020205020404" pitchFamily="49" charset="0"/>
-              </a:rPr>
-              <a:t>p.x</a:t>
-            </a:r>
-            <a:r>
-              <a:rPr lang="it-IT" sz="1400" b="1" dirty="0">
-                <a:latin typeface="Courier New" panose="02070309020205020404" pitchFamily="49" charset="0"/>
-                <a:cs typeface="Courier New" panose="02070309020205020404" pitchFamily="49" charset="0"/>
-              </a:rPr>
-              <a:t>) + </a:t>
-            </a:r>
-            <a:r>
-              <a:rPr lang="it-IT" sz="1400" b="1" dirty="0" err="1">
-                <a:latin typeface="Courier New" panose="02070309020205020404" pitchFamily="49" charset="0"/>
-                <a:cs typeface="Courier New" panose="02070309020205020404" pitchFamily="49" charset="0"/>
-              </a:rPr>
-              <a:t>abs</a:t>
-            </a:r>
-            <a:r>
-              <a:rPr lang="it-IT" sz="1400" b="1" dirty="0">
-                <a:latin typeface="Courier New" panose="02070309020205020404" pitchFamily="49" charset="0"/>
-                <a:cs typeface="Courier New" panose="02070309020205020404" pitchFamily="49" charset="0"/>
-              </a:rPr>
-              <a:t>(y - </a:t>
-            </a:r>
-            <a:r>
-              <a:rPr lang="it-IT" sz="1400" b="1" dirty="0" err="1">
-                <a:latin typeface="Courier New" panose="02070309020205020404" pitchFamily="49" charset="0"/>
-                <a:cs typeface="Courier New" panose="02070309020205020404" pitchFamily="49" charset="0"/>
-              </a:rPr>
-              <a:t>p.y</a:t>
-            </a:r>
-            <a:r>
-              <a:rPr lang="it-IT" sz="1400" b="1" dirty="0">
-                <a:latin typeface="Courier New" panose="02070309020205020404" pitchFamily="49" charset="0"/>
-                <a:cs typeface="Courier New" panose="02070309020205020404" pitchFamily="49" charset="0"/>
-              </a:rPr>
-              <a:t>);</a:t>
+              <a:t>(Punto);</a:t>
             </a:r>
           </a:p>
           <a:p>
@@ -19492,7 +18654,7 @@
                 <a:latin typeface="Courier New" panose="02070309020205020404" pitchFamily="49" charset="0"/>
                 <a:cs typeface="Courier New" panose="02070309020205020404" pitchFamily="49" charset="0"/>
               </a:rPr>
-              <a:t>}</a:t>
+              <a:t>    private:</a:t>
             </a:r>
           </a:p>
           <a:p>
@@ -19502,10 +18664,27 @@
               </a:spcBef>
               <a:buNone/>
             </a:pPr>
-            <a:endParaRPr lang="it-IT" sz="1400" b="1" dirty="0">
-              <a:latin typeface="Courier New" panose="02070309020205020404" pitchFamily="49" charset="0"/>
-              <a:cs typeface="Courier New" panose="02070309020205020404" pitchFamily="49" charset="0"/>
-            </a:endParaRPr>
+            <a:r>
+              <a:rPr lang="it-IT" sz="1400" b="1" dirty="0">
+                <a:latin typeface="Courier New" panose="02070309020205020404" pitchFamily="49" charset="0"/>
+                <a:cs typeface="Courier New" panose="02070309020205020404" pitchFamily="49" charset="0"/>
+              </a:rPr>
+              <a:t>         </a:t>
+            </a:r>
+            <a:r>
+              <a:rPr lang="it-IT" sz="1400" b="1" dirty="0" err="1">
+                <a:latin typeface="Courier New" panose="02070309020205020404" pitchFamily="49" charset="0"/>
+                <a:cs typeface="Courier New" panose="02070309020205020404" pitchFamily="49" charset="0"/>
+              </a:rPr>
+              <a:t>int</a:t>
+            </a:r>
+            <a:r>
+              <a:rPr lang="it-IT" sz="1400" b="1" dirty="0">
+                <a:latin typeface="Courier New" panose="02070309020205020404" pitchFamily="49" charset="0"/>
+                <a:cs typeface="Courier New" panose="02070309020205020404" pitchFamily="49" charset="0"/>
+              </a:rPr>
+              <a:t> x;</a:t>
+            </a:r>
           </a:p>
           <a:p>
             <a:pPr marL="0" indent="0">
@@ -19519,21 +18698,21 @@
                 <a:latin typeface="Courier New" panose="02070309020205020404" pitchFamily="49" charset="0"/>
                 <a:cs typeface="Courier New" panose="02070309020205020404" pitchFamily="49" charset="0"/>
               </a:rPr>
-              <a:t>double Punto::</a:t>
+              <a:t>         </a:t>
             </a:r>
             <a:r>
               <a:rPr lang="it-IT" sz="1400" b="1" dirty="0" err="1">
                 <a:latin typeface="Courier New" panose="02070309020205020404" pitchFamily="49" charset="0"/>
                 <a:cs typeface="Courier New" panose="02070309020205020404" pitchFamily="49" charset="0"/>
               </a:rPr>
-              <a:t>euclideanDistance</a:t>
+              <a:t>int</a:t>
             </a:r>
             <a:r>
               <a:rPr lang="it-IT" sz="1400" b="1" dirty="0">
                 <a:latin typeface="Courier New" panose="02070309020205020404" pitchFamily="49" charset="0"/>
                 <a:cs typeface="Courier New" panose="02070309020205020404" pitchFamily="49" charset="0"/>
               </a:rPr>
-              <a:t>(Punto p){</a:t>
+              <a:t> y;</a:t>
             </a:r>
           </a:p>
           <a:p>
@@ -19548,49 +18727,7 @@
                 <a:latin typeface="Courier New" panose="02070309020205020404" pitchFamily="49" charset="0"/>
                 <a:cs typeface="Courier New" panose="02070309020205020404" pitchFamily="49" charset="0"/>
               </a:rPr>
-              <a:t>    </a:t>
-            </a:r>
-            <a:r>
-              <a:rPr lang="it-IT" sz="1400" b="1" dirty="0" err="1">
-                <a:latin typeface="Courier New" panose="02070309020205020404" pitchFamily="49" charset="0"/>
-                <a:cs typeface="Courier New" panose="02070309020205020404" pitchFamily="49" charset="0"/>
-              </a:rPr>
-              <a:t>return</a:t>
-            </a:r>
-            <a:r>
-              <a:rPr lang="it-IT" sz="1400" b="1" dirty="0">
-                <a:latin typeface="Courier New" panose="02070309020205020404" pitchFamily="49" charset="0"/>
-                <a:cs typeface="Courier New" panose="02070309020205020404" pitchFamily="49" charset="0"/>
-              </a:rPr>
-              <a:t> </a:t>
-            </a:r>
-            <a:r>
-              <a:rPr lang="it-IT" sz="1400" b="1" dirty="0" err="1">
-                <a:latin typeface="Courier New" panose="02070309020205020404" pitchFamily="49" charset="0"/>
-                <a:cs typeface="Courier New" panose="02070309020205020404" pitchFamily="49" charset="0"/>
-              </a:rPr>
-              <a:t>sqrt</a:t>
-            </a:r>
-            <a:r>
-              <a:rPr lang="it-IT" sz="1400" b="1" dirty="0">
-                <a:latin typeface="Courier New" panose="02070309020205020404" pitchFamily="49" charset="0"/>
-                <a:cs typeface="Courier New" panose="02070309020205020404" pitchFamily="49" charset="0"/>
-              </a:rPr>
-              <a:t>(</a:t>
-            </a:r>
-            <a:r>
-              <a:rPr lang="it-IT" sz="1400" b="1" dirty="0" err="1">
-                <a:latin typeface="Courier New" panose="02070309020205020404" pitchFamily="49" charset="0"/>
-                <a:cs typeface="Courier New" panose="02070309020205020404" pitchFamily="49" charset="0"/>
-              </a:rPr>
-              <a:t>pow</a:t>
-            </a:r>
-            <a:r>
-              <a:rPr lang="it-IT" sz="1400" b="1" dirty="0">
-                <a:latin typeface="Courier New" panose="02070309020205020404" pitchFamily="49" charset="0"/>
-                <a:cs typeface="Courier New" panose="02070309020205020404" pitchFamily="49" charset="0"/>
-              </a:rPr>
-              <a:t>(x - p.x,2) + </a:t>
+              <a:t>};</a:t>
             </a:r>
           </a:p>
           <a:p>
@@ -19605,36 +18742,21 @@
                 <a:latin typeface="Courier New" panose="02070309020205020404" pitchFamily="49" charset="0"/>
                 <a:cs typeface="Courier New" panose="02070309020205020404" pitchFamily="49" charset="0"/>
               </a:rPr>
-              <a:t>                </a:t>
+              <a:t>#</a:t>
             </a:r>
             <a:r>
               <a:rPr lang="it-IT" sz="1400" b="1" dirty="0" err="1">
                 <a:latin typeface="Courier New" panose="02070309020205020404" pitchFamily="49" charset="0"/>
                 <a:cs typeface="Courier New" panose="02070309020205020404" pitchFamily="49" charset="0"/>
               </a:rPr>
-              <a:t>pow</a:t>
+              <a:t>endif</a:t>
             </a:r>
             <a:r>
               <a:rPr lang="it-IT" sz="1400" b="1" dirty="0">
                 <a:latin typeface="Courier New" panose="02070309020205020404" pitchFamily="49" charset="0"/>
                 <a:cs typeface="Courier New" panose="02070309020205020404" pitchFamily="49" charset="0"/>
               </a:rPr>
-              <a:t>(y - p.y,2));</a:t>
-            </a:r>
-          </a:p>
-          <a:p>
-            <a:pPr marL="0" indent="0">
-              <a:spcBef>
-                <a:spcPts val="0"/>
-              </a:spcBef>
-              <a:buNone/>
-            </a:pPr>
-            <a:r>
-              <a:rPr lang="it-IT" sz="1400" b="1" dirty="0">
-                <a:latin typeface="Courier New" panose="02070309020205020404" pitchFamily="49" charset="0"/>
-                <a:cs typeface="Courier New" panose="02070309020205020404" pitchFamily="49" charset="0"/>
-              </a:rPr>
-              <a:t>}</a:t>
+              <a:t> // PUNTO_H</a:t>
             </a:r>
           </a:p>
         </p:txBody>
@@ -19665,17 +18787,21 @@
               <a:t>file </a:t>
             </a:r>
             <a:r>
-              <a:rPr lang="it-IT" sz="2000" b="1" dirty="0">
-                <a:latin typeface="Courier New" panose="02070309020205020404" pitchFamily="49" charset="0"/>
-                <a:cs typeface="Courier New" panose="02070309020205020404" pitchFamily="49" charset="0"/>
-              </a:rPr>
-              <a:t>Punto.cpp</a:t>
-            </a:r>
+              <a:rPr lang="it-IT" sz="2000" b="1" dirty="0" err="1">
+                <a:latin typeface="Courier New" panose="02070309020205020404" pitchFamily="49" charset="0"/>
+                <a:cs typeface="Courier New" panose="02070309020205020404" pitchFamily="49" charset="0"/>
+              </a:rPr>
+              <a:t>Punto.h</a:t>
+            </a:r>
+            <a:endParaRPr lang="it-IT" sz="2000" b="1" dirty="0">
+              <a:latin typeface="Courier New" panose="02070309020205020404" pitchFamily="49" charset="0"/>
+              <a:cs typeface="Courier New" panose="02070309020205020404" pitchFamily="49" charset="0"/>
+            </a:endParaRPr>
           </a:p>
           <a:p>
             <a:r>
               <a:rPr lang="it-IT" sz="2000" dirty="0"/>
-              <a:t>implementazione </a:t>
+              <a:t>due </a:t>
             </a:r>
             <a:r>
               <a:rPr lang="it-IT" sz="2000" b="1" i="1" dirty="0"/>
@@ -19683,20 +18809,73 @@
             </a:r>
           </a:p>
           <a:p>
-            <a:pPr lvl="1"/>
-            <a:r>
-              <a:rPr lang="it-IT" sz="1600" i="1" dirty="0"/>
-              <a:t>lista di inizializzazione</a:t>
+            <a:pPr marL="400050" lvl="1" indent="0">
+              <a:buNone/>
+            </a:pPr>
+            <a:r>
+              <a:rPr lang="it-IT" sz="1600" b="1" dirty="0">
+                <a:latin typeface="Courier New" panose="02070309020205020404" pitchFamily="49" charset="0"/>
+                <a:cs typeface="Courier New" panose="02070309020205020404" pitchFamily="49" charset="0"/>
+              </a:rPr>
+              <a:t>Punto();</a:t>
+            </a:r>
+          </a:p>
+          <a:p>
+            <a:pPr marL="400050" lvl="1" indent="0">
+              <a:buNone/>
+            </a:pPr>
+            <a:r>
+              <a:rPr lang="it-IT" sz="1600" b="1" dirty="0">
+                <a:latin typeface="Courier New" panose="02070309020205020404" pitchFamily="49" charset="0"/>
+                <a:cs typeface="Courier New" panose="02070309020205020404" pitchFamily="49" charset="0"/>
+              </a:rPr>
+              <a:t>Punto(</a:t>
+            </a:r>
+            <a:r>
+              <a:rPr lang="it-IT" sz="1600" b="1" dirty="0" err="1">
+                <a:latin typeface="Courier New" panose="02070309020205020404" pitchFamily="49" charset="0"/>
+                <a:cs typeface="Courier New" panose="02070309020205020404" pitchFamily="49" charset="0"/>
+              </a:rPr>
+              <a:t>int</a:t>
+            </a:r>
+            <a:r>
+              <a:rPr lang="it-IT" sz="1600" b="1" dirty="0">
+                <a:latin typeface="Courier New" panose="02070309020205020404" pitchFamily="49" charset="0"/>
+                <a:cs typeface="Courier New" panose="02070309020205020404" pitchFamily="49" charset="0"/>
+              </a:rPr>
+              <a:t>, </a:t>
+            </a:r>
+            <a:r>
+              <a:rPr lang="it-IT" sz="1600" b="1" dirty="0" err="1">
+                <a:latin typeface="Courier New" panose="02070309020205020404" pitchFamily="49" charset="0"/>
+                <a:cs typeface="Courier New" panose="02070309020205020404" pitchFamily="49" charset="0"/>
+              </a:rPr>
+              <a:t>int</a:t>
+            </a:r>
+            <a:r>
+              <a:rPr lang="it-IT" sz="1600" b="1" dirty="0">
+                <a:latin typeface="Courier New" panose="02070309020205020404" pitchFamily="49" charset="0"/>
+                <a:cs typeface="Courier New" panose="02070309020205020404" pitchFamily="49" charset="0"/>
+              </a:rPr>
+              <a:t>);</a:t>
             </a:r>
           </a:p>
           <a:p>
             <a:r>
               <a:rPr lang="it-IT" sz="2000" b="1" i="1" dirty="0"/>
-              <a:t>definizione</a:t>
+              <a:t>dichiarazione e definizione </a:t>
             </a:r>
             <a:r>
               <a:rPr lang="it-IT" sz="2000" dirty="0"/>
-              <a:t> di funzioni membro</a:t>
+              <a:t>di funzioni membro </a:t>
+            </a:r>
+            <a:r>
+              <a:rPr lang="it-IT" sz="2000" dirty="0" err="1"/>
+              <a:t>accessor</a:t>
+            </a:r>
+            <a:r>
+              <a:rPr lang="it-IT" sz="2000" dirty="0"/>
+              <a:t> e mutator</a:t>
             </a:r>
           </a:p>
           <a:p>
@@ -19708,7 +18887,7 @@
                 <a:latin typeface="Courier New" panose="02070309020205020404" pitchFamily="49" charset="0"/>
                 <a:cs typeface="Courier New" panose="02070309020205020404" pitchFamily="49" charset="0"/>
               </a:rPr>
-              <a:t>toString</a:t>
+              <a:t>getX</a:t>
             </a:r>
             <a:r>
               <a:rPr lang="it-IT" sz="1600" b="1" dirty="0">
@@ -19722,7 +18901,7 @@
                 <a:latin typeface="Courier New" panose="02070309020205020404" pitchFamily="49" charset="0"/>
                 <a:cs typeface="Courier New" panose="02070309020205020404" pitchFamily="49" charset="0"/>
               </a:rPr>
-              <a:t>manhattanDistance</a:t>
+              <a:t>setX</a:t>
             </a:r>
             <a:r>
               <a:rPr lang="it-IT" sz="1600" b="1" dirty="0">
@@ -19736,7 +18915,21 @@
                 <a:latin typeface="Courier New" panose="02070309020205020404" pitchFamily="49" charset="0"/>
                 <a:cs typeface="Courier New" panose="02070309020205020404" pitchFamily="49" charset="0"/>
               </a:rPr>
-              <a:t>euclideanDistance</a:t>
+              <a:t>getY</a:t>
+            </a:r>
+            <a:r>
+              <a:rPr lang="it-IT" sz="1600" b="1" dirty="0">
+                <a:latin typeface="Courier New" panose="02070309020205020404" pitchFamily="49" charset="0"/>
+                <a:cs typeface="Courier New" panose="02070309020205020404" pitchFamily="49" charset="0"/>
+              </a:rPr>
+              <a:t>, </a:t>
+            </a:r>
+            <a:r>
+              <a:rPr lang="it-IT" sz="1600" b="1" dirty="0" err="1">
+                <a:latin typeface="Courier New" panose="02070309020205020404" pitchFamily="49" charset="0"/>
+                <a:cs typeface="Courier New" panose="02070309020205020404" pitchFamily="49" charset="0"/>
+              </a:rPr>
+              <a:t>setY</a:t>
             </a:r>
             <a:endParaRPr lang="it-IT" sz="1600" b="1" dirty="0">
               <a:latin typeface="Courier New" panose="02070309020205020404" pitchFamily="49" charset="0"/>
@@ -19744,13 +18937,76 @@
             </a:endParaRPr>
           </a:p>
           <a:p>
+            <a:r>
+              <a:rPr lang="it-IT" sz="2000" b="1" i="1" dirty="0"/>
+              <a:t>dichiarazione</a:t>
+            </a:r>
+            <a:r>
+              <a:rPr lang="it-IT" sz="2000" dirty="0"/>
+              <a:t> di funzioni membro</a:t>
+            </a:r>
+          </a:p>
+          <a:p>
             <a:pPr marL="457200" lvl="1" indent="0">
               <a:buNone/>
             </a:pPr>
+            <a:r>
+              <a:rPr lang="it-IT" sz="1600" b="1" dirty="0" err="1">
+                <a:latin typeface="Courier New" panose="02070309020205020404" pitchFamily="49" charset="0"/>
+                <a:cs typeface="Courier New" panose="02070309020205020404" pitchFamily="49" charset="0"/>
+              </a:rPr>
+              <a:t>toString</a:t>
+            </a:r>
+            <a:r>
+              <a:rPr lang="it-IT" sz="1600" b="1" dirty="0">
+                <a:latin typeface="Courier New" panose="02070309020205020404" pitchFamily="49" charset="0"/>
+                <a:cs typeface="Courier New" panose="02070309020205020404" pitchFamily="49" charset="0"/>
+              </a:rPr>
+              <a:t>, </a:t>
+            </a:r>
+            <a:r>
+              <a:rPr lang="it-IT" sz="1600" b="1" dirty="0" err="1">
+                <a:latin typeface="Courier New" panose="02070309020205020404" pitchFamily="49" charset="0"/>
+                <a:cs typeface="Courier New" panose="02070309020205020404" pitchFamily="49" charset="0"/>
+              </a:rPr>
+              <a:t>manhattanDistance</a:t>
+            </a:r>
+            <a:r>
+              <a:rPr lang="it-IT" sz="1600" b="1" dirty="0">
+                <a:latin typeface="Courier New" panose="02070309020205020404" pitchFamily="49" charset="0"/>
+                <a:cs typeface="Courier New" panose="02070309020205020404" pitchFamily="49" charset="0"/>
+              </a:rPr>
+              <a:t>, </a:t>
+            </a:r>
+            <a:r>
+              <a:rPr lang="it-IT" sz="1600" b="1" dirty="0" err="1">
+                <a:latin typeface="Courier New" panose="02070309020205020404" pitchFamily="49" charset="0"/>
+                <a:cs typeface="Courier New" panose="02070309020205020404" pitchFamily="49" charset="0"/>
+              </a:rPr>
+              <a:t>euclideanDistance</a:t>
+            </a:r>
             <a:endParaRPr lang="it-IT" sz="1600" b="1" dirty="0">
               <a:latin typeface="Courier New" panose="02070309020205020404" pitchFamily="49" charset="0"/>
               <a:cs typeface="Courier New" panose="02070309020205020404" pitchFamily="49" charset="0"/>
             </a:endParaRPr>
+          </a:p>
+          <a:p>
+            <a:r>
+              <a:rPr lang="it-IT" sz="2000" dirty="0"/>
+              <a:t>variabili membro private </a:t>
+            </a:r>
+          </a:p>
+          <a:p>
+            <a:pPr marL="457200" lvl="1" indent="0">
+              <a:buNone/>
+            </a:pPr>
+            <a:r>
+              <a:rPr lang="it-IT" sz="1600" b="1" dirty="0">
+                <a:latin typeface="Courier New" panose="02070309020205020404" pitchFamily="49" charset="0"/>
+                <a:cs typeface="Courier New" panose="02070309020205020404" pitchFamily="49" charset="0"/>
+              </a:rPr>
+              <a:t>x, y</a:t>
+            </a:r>
           </a:p>
         </p:txBody>
       </p:sp>
@@ -19789,7 +19045,7 @@
     </p:spTree>
     <p:extLst>
       <p:ext uri="{BB962C8B-B14F-4D97-AF65-F5344CB8AC3E}">
-        <p14:creationId xmlns:p14="http://schemas.microsoft.com/office/powerpoint/2010/main" val="2905433610"/>
+        <p14:creationId xmlns:p14="http://schemas.microsoft.com/office/powerpoint/2010/main" val="3768312066"/>
       </p:ext>
     </p:extLst>
   </p:cSld>
@@ -19839,7 +19095,7 @@
           <a:p>
             <a:r>
               <a:rPr lang="it-IT" dirty="0"/>
-              <a:t>esempio: file applicazione</a:t>
+              <a:t>esempio: file implementazione</a:t>
             </a:r>
           </a:p>
         </p:txBody>
@@ -19883,7 +19139,7 @@
                 <a:latin typeface="Courier New" panose="02070309020205020404" pitchFamily="49" charset="0"/>
                 <a:cs typeface="Courier New" panose="02070309020205020404" pitchFamily="49" charset="0"/>
               </a:rPr>
-              <a:t>iostream</a:t>
+              <a:t>string</a:t>
             </a:r>
             <a:r>
               <a:rPr lang="it-IT" sz="1400" b="1" dirty="0">
@@ -19905,21 +19161,21 @@
                 <a:latin typeface="Courier New" panose="02070309020205020404" pitchFamily="49" charset="0"/>
                 <a:cs typeface="Courier New" panose="02070309020205020404" pitchFamily="49" charset="0"/>
               </a:rPr>
-              <a:t>#include "</a:t>
+              <a:t>#include &lt;</a:t>
             </a:r>
             <a:r>
               <a:rPr lang="it-IT" sz="1400" b="1" dirty="0" err="1">
                 <a:latin typeface="Courier New" panose="02070309020205020404" pitchFamily="49" charset="0"/>
                 <a:cs typeface="Courier New" panose="02070309020205020404" pitchFamily="49" charset="0"/>
               </a:rPr>
-              <a:t>Punto.h</a:t>
+              <a:t>cmath</a:t>
             </a:r>
             <a:r>
               <a:rPr lang="it-IT" sz="1400" b="1" dirty="0">
                 <a:latin typeface="Courier New" panose="02070309020205020404" pitchFamily="49" charset="0"/>
                 <a:cs typeface="Courier New" panose="02070309020205020404" pitchFamily="49" charset="0"/>
               </a:rPr>
-              <a:t>"</a:t>
+              <a:t>&gt;</a:t>
             </a:r>
           </a:p>
           <a:p>
@@ -19929,6 +19185,56 @@
               </a:spcBef>
               <a:buNone/>
             </a:pPr>
+            <a:r>
+              <a:rPr lang="it-IT" sz="1400" b="1" dirty="0" err="1">
+                <a:latin typeface="Courier New" panose="02070309020205020404" pitchFamily="49" charset="0"/>
+                <a:cs typeface="Courier New" panose="02070309020205020404" pitchFamily="49" charset="0"/>
+              </a:rPr>
+              <a:t>using</a:t>
+            </a:r>
+            <a:r>
+              <a:rPr lang="it-IT" sz="1400" b="1" dirty="0">
+                <a:latin typeface="Courier New" panose="02070309020205020404" pitchFamily="49" charset="0"/>
+                <a:cs typeface="Courier New" panose="02070309020205020404" pitchFamily="49" charset="0"/>
+              </a:rPr>
+              <a:t> </a:t>
+            </a:r>
+            <a:r>
+              <a:rPr lang="it-IT" sz="1400" b="1" dirty="0" err="1">
+                <a:latin typeface="Courier New" panose="02070309020205020404" pitchFamily="49" charset="0"/>
+                <a:cs typeface="Courier New" panose="02070309020205020404" pitchFamily="49" charset="0"/>
+              </a:rPr>
+              <a:t>namespace</a:t>
+            </a:r>
+            <a:r>
+              <a:rPr lang="it-IT" sz="1400" b="1" dirty="0">
+                <a:latin typeface="Courier New" panose="02070309020205020404" pitchFamily="49" charset="0"/>
+                <a:cs typeface="Courier New" panose="02070309020205020404" pitchFamily="49" charset="0"/>
+              </a:rPr>
+              <a:t> </a:t>
+            </a:r>
+            <a:r>
+              <a:rPr lang="it-IT" sz="1400" b="1" dirty="0" err="1">
+                <a:latin typeface="Courier New" panose="02070309020205020404" pitchFamily="49" charset="0"/>
+                <a:cs typeface="Courier New" panose="02070309020205020404" pitchFamily="49" charset="0"/>
+              </a:rPr>
+              <a:t>std</a:t>
+            </a:r>
+            <a:r>
+              <a:rPr lang="it-IT" sz="1400" b="1" dirty="0">
+                <a:latin typeface="Courier New" panose="02070309020205020404" pitchFamily="49" charset="0"/>
+                <a:cs typeface="Courier New" panose="02070309020205020404" pitchFamily="49" charset="0"/>
+              </a:rPr>
+              <a:t>;</a:t>
+            </a:r>
+          </a:p>
+          <a:p>
+            <a:pPr marL="0" indent="0">
+              <a:spcBef>
+                <a:spcPts val="0"/>
+              </a:spcBef>
+              <a:buNone/>
+            </a:pPr>
             <a:endParaRPr lang="it-IT" sz="1400" b="1" dirty="0">
               <a:latin typeface="Courier New" panose="02070309020205020404" pitchFamily="49" charset="0"/>
               <a:cs typeface="Courier New" panose="02070309020205020404" pitchFamily="49" charset="0"/>
@@ -19942,46 +19248,11 @@
               <a:buNone/>
             </a:pPr>
             <a:r>
-              <a:rPr lang="it-IT" sz="1400" b="1" dirty="0" err="1">
-                <a:latin typeface="Courier New" panose="02070309020205020404" pitchFamily="49" charset="0"/>
-                <a:cs typeface="Courier New" panose="02070309020205020404" pitchFamily="49" charset="0"/>
-              </a:rPr>
-              <a:t>using</a:t>
-            </a:r>
-            <a:r>
               <a:rPr lang="it-IT" sz="1400" b="1" dirty="0">
                 <a:latin typeface="Courier New" panose="02070309020205020404" pitchFamily="49" charset="0"/>
                 <a:cs typeface="Courier New" panose="02070309020205020404" pitchFamily="49" charset="0"/>
               </a:rPr>
-              <a:t> </a:t>
-            </a:r>
-            <a:r>
-              <a:rPr lang="it-IT" sz="1400" b="1" dirty="0" err="1">
-                <a:latin typeface="Courier New" panose="02070309020205020404" pitchFamily="49" charset="0"/>
-                <a:cs typeface="Courier New" panose="02070309020205020404" pitchFamily="49" charset="0"/>
-              </a:rPr>
-              <a:t>namespace</a:t>
-            </a:r>
-            <a:r>
-              <a:rPr lang="it-IT" sz="1400" b="1" dirty="0">
-                <a:latin typeface="Courier New" panose="02070309020205020404" pitchFamily="49" charset="0"/>
-                <a:cs typeface="Courier New" panose="02070309020205020404" pitchFamily="49" charset="0"/>
-              </a:rPr>
-              <a:t> </a:t>
-            </a:r>
-            <a:r>
-              <a:rPr lang="it-IT" sz="1400" b="1" dirty="0" err="1">
-                <a:latin typeface="Courier New" panose="02070309020205020404" pitchFamily="49" charset="0"/>
-                <a:cs typeface="Courier New" panose="02070309020205020404" pitchFamily="49" charset="0"/>
-              </a:rPr>
-              <a:t>std</a:t>
-            </a:r>
-            <a:r>
-              <a:rPr lang="it-IT" sz="1400" b="1" dirty="0">
-                <a:latin typeface="Courier New" panose="02070309020205020404" pitchFamily="49" charset="0"/>
-                <a:cs typeface="Courier New" panose="02070309020205020404" pitchFamily="49" charset="0"/>
-              </a:rPr>
-              <a:t>;</a:t>
+              <a:t>Punto::Punto(): x(0), y(0) {}</a:t>
             </a:r>
           </a:p>
           <a:p>
@@ -19991,6 +19262,105 @@
               </a:spcBef>
               <a:buNone/>
             </a:pPr>
+            <a:r>
+              <a:rPr lang="it-IT" sz="1400" b="1" dirty="0">
+                <a:latin typeface="Courier New" panose="02070309020205020404" pitchFamily="49" charset="0"/>
+                <a:cs typeface="Courier New" panose="02070309020205020404" pitchFamily="49" charset="0"/>
+              </a:rPr>
+              <a:t>Punto::Punto(</a:t>
+            </a:r>
+            <a:r>
+              <a:rPr lang="it-IT" sz="1400" b="1" dirty="0" err="1">
+                <a:latin typeface="Courier New" panose="02070309020205020404" pitchFamily="49" charset="0"/>
+                <a:cs typeface="Courier New" panose="02070309020205020404" pitchFamily="49" charset="0"/>
+              </a:rPr>
+              <a:t>int</a:t>
+            </a:r>
+            <a:r>
+              <a:rPr lang="it-IT" sz="1400" b="1" dirty="0">
+                <a:latin typeface="Courier New" panose="02070309020205020404" pitchFamily="49" charset="0"/>
+                <a:cs typeface="Courier New" panose="02070309020205020404" pitchFamily="49" charset="0"/>
+              </a:rPr>
+              <a:t> </a:t>
+            </a:r>
+            <a:r>
+              <a:rPr lang="it-IT" sz="1400" b="1" dirty="0" err="1">
+                <a:latin typeface="Courier New" panose="02070309020205020404" pitchFamily="49" charset="0"/>
+                <a:cs typeface="Courier New" panose="02070309020205020404" pitchFamily="49" charset="0"/>
+              </a:rPr>
+              <a:t>v_x</a:t>
+            </a:r>
+            <a:r>
+              <a:rPr lang="it-IT" sz="1400" b="1" dirty="0">
+                <a:latin typeface="Courier New" panose="02070309020205020404" pitchFamily="49" charset="0"/>
+                <a:cs typeface="Courier New" panose="02070309020205020404" pitchFamily="49" charset="0"/>
+              </a:rPr>
+              <a:t>, </a:t>
+            </a:r>
+            <a:r>
+              <a:rPr lang="it-IT" sz="1400" b="1" dirty="0" err="1">
+                <a:latin typeface="Courier New" panose="02070309020205020404" pitchFamily="49" charset="0"/>
+                <a:cs typeface="Courier New" panose="02070309020205020404" pitchFamily="49" charset="0"/>
+              </a:rPr>
+              <a:t>int</a:t>
+            </a:r>
+            <a:r>
+              <a:rPr lang="it-IT" sz="1400" b="1" dirty="0">
+                <a:latin typeface="Courier New" panose="02070309020205020404" pitchFamily="49" charset="0"/>
+                <a:cs typeface="Courier New" panose="02070309020205020404" pitchFamily="49" charset="0"/>
+              </a:rPr>
+              <a:t> </a:t>
+            </a:r>
+            <a:r>
+              <a:rPr lang="it-IT" sz="1400" b="1" dirty="0" err="1">
+                <a:latin typeface="Courier New" panose="02070309020205020404" pitchFamily="49" charset="0"/>
+                <a:cs typeface="Courier New" panose="02070309020205020404" pitchFamily="49" charset="0"/>
+              </a:rPr>
+              <a:t>v_y</a:t>
+            </a:r>
+            <a:r>
+              <a:rPr lang="it-IT" sz="1400" b="1" dirty="0">
+                <a:latin typeface="Courier New" panose="02070309020205020404" pitchFamily="49" charset="0"/>
+                <a:cs typeface="Courier New" panose="02070309020205020404" pitchFamily="49" charset="0"/>
+              </a:rPr>
+              <a:t>): x(</a:t>
+            </a:r>
+            <a:r>
+              <a:rPr lang="it-IT" sz="1400" b="1" dirty="0" err="1">
+                <a:latin typeface="Courier New" panose="02070309020205020404" pitchFamily="49" charset="0"/>
+                <a:cs typeface="Courier New" panose="02070309020205020404" pitchFamily="49" charset="0"/>
+              </a:rPr>
+              <a:t>v_x</a:t>
+            </a:r>
+            <a:r>
+              <a:rPr lang="it-IT" sz="1400" b="1" dirty="0">
+                <a:latin typeface="Courier New" panose="02070309020205020404" pitchFamily="49" charset="0"/>
+                <a:cs typeface="Courier New" panose="02070309020205020404" pitchFamily="49" charset="0"/>
+              </a:rPr>
+              <a:t>), y(</a:t>
+            </a:r>
+            <a:r>
+              <a:rPr lang="it-IT" sz="1400" b="1" dirty="0" err="1">
+                <a:latin typeface="Courier New" panose="02070309020205020404" pitchFamily="49" charset="0"/>
+                <a:cs typeface="Courier New" panose="02070309020205020404" pitchFamily="49" charset="0"/>
+              </a:rPr>
+              <a:t>v_y</a:t>
+            </a:r>
+            <a:r>
+              <a:rPr lang="it-IT" sz="1400" b="1" dirty="0">
+                <a:latin typeface="Courier New" panose="02070309020205020404" pitchFamily="49" charset="0"/>
+                <a:cs typeface="Courier New" panose="02070309020205020404" pitchFamily="49" charset="0"/>
+              </a:rPr>
+              <a:t>){}</a:t>
+            </a:r>
+          </a:p>
+          <a:p>
+            <a:pPr marL="0" indent="0">
+              <a:spcBef>
+                <a:spcPts val="0"/>
+              </a:spcBef>
+              <a:buNone/>
+            </a:pPr>
             <a:endParaRPr lang="it-IT" sz="1400" b="1" dirty="0">
               <a:latin typeface="Courier New" panose="02070309020205020404" pitchFamily="49" charset="0"/>
               <a:cs typeface="Courier New" panose="02070309020205020404" pitchFamily="49" charset="0"/>
@@ -20008,28 +19378,28 @@
                 <a:latin typeface="Courier New" panose="02070309020205020404" pitchFamily="49" charset="0"/>
                 <a:cs typeface="Courier New" panose="02070309020205020404" pitchFamily="49" charset="0"/>
               </a:rPr>
-              <a:t>int</a:t>
+              <a:t>string</a:t>
             </a:r>
             <a:r>
               <a:rPr lang="it-IT" sz="1400" b="1" dirty="0">
                 <a:latin typeface="Courier New" panose="02070309020205020404" pitchFamily="49" charset="0"/>
                 <a:cs typeface="Courier New" panose="02070309020205020404" pitchFamily="49" charset="0"/>
               </a:rPr>
-              <a:t> </a:t>
+              <a:t> Punto::</a:t>
             </a:r>
             <a:r>
               <a:rPr lang="it-IT" sz="1400" b="1" dirty="0" err="1">
                 <a:latin typeface="Courier New" panose="02070309020205020404" pitchFamily="49" charset="0"/>
                 <a:cs typeface="Courier New" panose="02070309020205020404" pitchFamily="49" charset="0"/>
               </a:rPr>
-              <a:t>main</a:t>
+              <a:t>toString</a:t>
             </a:r>
             <a:r>
               <a:rPr lang="it-IT" sz="1400" b="1" dirty="0">
                 <a:latin typeface="Courier New" panose="02070309020205020404" pitchFamily="49" charset="0"/>
                 <a:cs typeface="Courier New" panose="02070309020205020404" pitchFamily="49" charset="0"/>
               </a:rPr>
-              <a:t>()</a:t>
+              <a:t>() {</a:t>
             </a:r>
           </a:p>
           <a:p>
@@ -20044,7 +19414,21 @@
                 <a:latin typeface="Courier New" panose="02070309020205020404" pitchFamily="49" charset="0"/>
                 <a:cs typeface="Courier New" panose="02070309020205020404" pitchFamily="49" charset="0"/>
               </a:rPr>
-              <a:t>{</a:t>
+              <a:t>    </a:t>
+            </a:r>
+            <a:r>
+              <a:rPr lang="it-IT" sz="1400" b="1" dirty="0" err="1">
+                <a:latin typeface="Courier New" panose="02070309020205020404" pitchFamily="49" charset="0"/>
+                <a:cs typeface="Courier New" panose="02070309020205020404" pitchFamily="49" charset="0"/>
+              </a:rPr>
+              <a:t>string</a:t>
+            </a:r>
+            <a:r>
+              <a:rPr lang="it-IT" sz="1400" b="1" dirty="0">
+                <a:latin typeface="Courier New" panose="02070309020205020404" pitchFamily="49" charset="0"/>
+                <a:cs typeface="Courier New" panose="02070309020205020404" pitchFamily="49" charset="0"/>
+              </a:rPr>
+              <a:t> s;</a:t>
             </a:r>
           </a:p>
           <a:p>
@@ -20059,7 +19443,21 @@
                 <a:latin typeface="Courier New" panose="02070309020205020404" pitchFamily="49" charset="0"/>
                 <a:cs typeface="Courier New" panose="02070309020205020404" pitchFamily="49" charset="0"/>
               </a:rPr>
-              <a:t>    Punto p1(3,4), p2(7,7);</a:t>
+              <a:t>    s = "(" + </a:t>
+            </a:r>
+            <a:r>
+              <a:rPr lang="it-IT" sz="1400" b="1" dirty="0" err="1">
+                <a:latin typeface="Courier New" panose="02070309020205020404" pitchFamily="49" charset="0"/>
+                <a:cs typeface="Courier New" panose="02070309020205020404" pitchFamily="49" charset="0"/>
+              </a:rPr>
+              <a:t>to_string</a:t>
+            </a:r>
+            <a:r>
+              <a:rPr lang="it-IT" sz="1400" b="1" dirty="0">
+                <a:latin typeface="Courier New" panose="02070309020205020404" pitchFamily="49" charset="0"/>
+                <a:cs typeface="Courier New" panose="02070309020205020404" pitchFamily="49" charset="0"/>
+              </a:rPr>
+              <a:t>(x) + "," + </a:t>
             </a:r>
           </a:p>
           <a:p>
@@ -20074,49 +19472,21 @@
                 <a:latin typeface="Courier New" panose="02070309020205020404" pitchFamily="49" charset="0"/>
                 <a:cs typeface="Courier New" panose="02070309020205020404" pitchFamily="49" charset="0"/>
               </a:rPr>
-              <a:t>    </a:t>
+              <a:t>        </a:t>
             </a:r>
             <a:r>
               <a:rPr lang="it-IT" sz="1400" b="1" dirty="0" err="1">
                 <a:latin typeface="Courier New" panose="02070309020205020404" pitchFamily="49" charset="0"/>
                 <a:cs typeface="Courier New" panose="02070309020205020404" pitchFamily="49" charset="0"/>
               </a:rPr>
-              <a:t>cout</a:t>
+              <a:t>to_string</a:t>
             </a:r>
             <a:r>
               <a:rPr lang="it-IT" sz="1400" b="1" dirty="0">
                 <a:latin typeface="Courier New" panose="02070309020205020404" pitchFamily="49" charset="0"/>
                 <a:cs typeface="Courier New" panose="02070309020205020404" pitchFamily="49" charset="0"/>
               </a:rPr>
-              <a:t> &lt;&lt; "</a:t>
-            </a:r>
-            <a:r>
-              <a:rPr lang="it-IT" sz="1400" b="1" dirty="0" err="1">
-                <a:latin typeface="Courier New" panose="02070309020205020404" pitchFamily="49" charset="0"/>
-                <a:cs typeface="Courier New" panose="02070309020205020404" pitchFamily="49" charset="0"/>
-              </a:rPr>
-              <a:t>manhattan</a:t>
-            </a:r>
-            <a:r>
-              <a:rPr lang="it-IT" sz="1400" b="1" dirty="0">
-                <a:latin typeface="Courier New" panose="02070309020205020404" pitchFamily="49" charset="0"/>
-                <a:cs typeface="Courier New" panose="02070309020205020404" pitchFamily="49" charset="0"/>
-              </a:rPr>
-              <a:t> </a:t>
-            </a:r>
-            <a:r>
-              <a:rPr lang="it-IT" sz="1400" b="1" dirty="0" err="1">
-                <a:latin typeface="Courier New" panose="02070309020205020404" pitchFamily="49" charset="0"/>
-                <a:cs typeface="Courier New" panose="02070309020205020404" pitchFamily="49" charset="0"/>
-              </a:rPr>
-              <a:t>distance</a:t>
-            </a:r>
-            <a:r>
-              <a:rPr lang="it-IT" sz="1400" b="1" dirty="0">
-                <a:latin typeface="Courier New" panose="02070309020205020404" pitchFamily="49" charset="0"/>
-                <a:cs typeface="Courier New" panose="02070309020205020404" pitchFamily="49" charset="0"/>
-              </a:rPr>
-              <a:t> fra " </a:t>
+              <a:t>(y) + ")";</a:t>
             </a:r>
           </a:p>
           <a:p>
@@ -20131,7 +19501,21 @@
                 <a:latin typeface="Courier New" panose="02070309020205020404" pitchFamily="49" charset="0"/>
                 <a:cs typeface="Courier New" panose="02070309020205020404" pitchFamily="49" charset="0"/>
               </a:rPr>
-              <a:t>         &lt;&lt; p1.toString() &lt;&lt; " e " </a:t>
+              <a:t>    </a:t>
+            </a:r>
+            <a:r>
+              <a:rPr lang="it-IT" sz="1400" b="1" dirty="0" err="1">
+                <a:latin typeface="Courier New" panose="02070309020205020404" pitchFamily="49" charset="0"/>
+                <a:cs typeface="Courier New" panose="02070309020205020404" pitchFamily="49" charset="0"/>
+              </a:rPr>
+              <a:t>return</a:t>
+            </a:r>
+            <a:r>
+              <a:rPr lang="it-IT" sz="1400" b="1" dirty="0">
+                <a:latin typeface="Courier New" panose="02070309020205020404" pitchFamily="49" charset="0"/>
+                <a:cs typeface="Courier New" panose="02070309020205020404" pitchFamily="49" charset="0"/>
+              </a:rPr>
+              <a:t> s;</a:t>
             </a:r>
           </a:p>
           <a:p>
@@ -20146,7 +19530,7 @@
                 <a:latin typeface="Courier New" panose="02070309020205020404" pitchFamily="49" charset="0"/>
                 <a:cs typeface="Courier New" panose="02070309020205020404" pitchFamily="49" charset="0"/>
               </a:rPr>
-              <a:t>         &lt;&lt; p2.toString() &lt;&lt; ": " </a:t>
+              <a:t>}</a:t>
             </a:r>
           </a:p>
           <a:p>
@@ -20156,27 +19540,10 @@
               </a:spcBef>
               <a:buNone/>
             </a:pPr>
-            <a:r>
-              <a:rPr lang="it-IT" sz="1400" b="1" dirty="0">
-                <a:latin typeface="Courier New" panose="02070309020205020404" pitchFamily="49" charset="0"/>
-                <a:cs typeface="Courier New" panose="02070309020205020404" pitchFamily="49" charset="0"/>
-              </a:rPr>
-              <a:t>         &lt;&lt; p1.manhattanDistance(p2) &lt;&lt; </a:t>
-            </a:r>
-            <a:r>
-              <a:rPr lang="it-IT" sz="1400" b="1" dirty="0" err="1">
-                <a:latin typeface="Courier New" panose="02070309020205020404" pitchFamily="49" charset="0"/>
-                <a:cs typeface="Courier New" panose="02070309020205020404" pitchFamily="49" charset="0"/>
-              </a:rPr>
-              <a:t>endl</a:t>
-            </a:r>
-            <a:r>
-              <a:rPr lang="it-IT" sz="1400" b="1" dirty="0">
-                <a:latin typeface="Courier New" panose="02070309020205020404" pitchFamily="49" charset="0"/>
-                <a:cs typeface="Courier New" panose="02070309020205020404" pitchFamily="49" charset="0"/>
-              </a:rPr>
-              <a:t>;</a:t>
-            </a:r>
+            <a:endParaRPr lang="it-IT" sz="1400" b="1" dirty="0">
+              <a:latin typeface="Courier New" panose="02070309020205020404" pitchFamily="49" charset="0"/>
+              <a:cs typeface="Courier New" panose="02070309020205020404" pitchFamily="49" charset="0"/>
+            </a:endParaRPr>
           </a:p>
           <a:p>
             <a:pPr marL="0" indent="0">
@@ -20185,6 +19552,142 @@
               </a:spcBef>
               <a:buNone/>
             </a:pPr>
+            <a:r>
+              <a:rPr lang="it-IT" sz="1400" b="1" dirty="0" err="1">
+                <a:latin typeface="Courier New" panose="02070309020205020404" pitchFamily="49" charset="0"/>
+                <a:cs typeface="Courier New" panose="02070309020205020404" pitchFamily="49" charset="0"/>
+              </a:rPr>
+              <a:t>int</a:t>
+            </a:r>
+            <a:r>
+              <a:rPr lang="it-IT" sz="1400" b="1" dirty="0">
+                <a:latin typeface="Courier New" panose="02070309020205020404" pitchFamily="49" charset="0"/>
+                <a:cs typeface="Courier New" panose="02070309020205020404" pitchFamily="49" charset="0"/>
+              </a:rPr>
+              <a:t> Punto::</a:t>
+            </a:r>
+            <a:r>
+              <a:rPr lang="it-IT" sz="1400" b="1" dirty="0" err="1">
+                <a:latin typeface="Courier New" panose="02070309020205020404" pitchFamily="49" charset="0"/>
+                <a:cs typeface="Courier New" panose="02070309020205020404" pitchFamily="49" charset="0"/>
+              </a:rPr>
+              <a:t>manhattanDistance</a:t>
+            </a:r>
+            <a:r>
+              <a:rPr lang="it-IT" sz="1400" b="1" dirty="0">
+                <a:latin typeface="Courier New" panose="02070309020205020404" pitchFamily="49" charset="0"/>
+                <a:cs typeface="Courier New" panose="02070309020205020404" pitchFamily="49" charset="0"/>
+              </a:rPr>
+              <a:t>(Punto p){</a:t>
+            </a:r>
+          </a:p>
+          <a:p>
+            <a:pPr marL="0" indent="0">
+              <a:spcBef>
+                <a:spcPts val="0"/>
+              </a:spcBef>
+              <a:buNone/>
+            </a:pPr>
+            <a:r>
+              <a:rPr lang="it-IT" sz="1400" b="1" dirty="0">
+                <a:latin typeface="Courier New" panose="02070309020205020404" pitchFamily="49" charset="0"/>
+                <a:cs typeface="Courier New" panose="02070309020205020404" pitchFamily="49" charset="0"/>
+              </a:rPr>
+              <a:t>    </a:t>
+            </a:r>
+            <a:r>
+              <a:rPr lang="it-IT" sz="1400" b="1" dirty="0" err="1">
+                <a:latin typeface="Courier New" panose="02070309020205020404" pitchFamily="49" charset="0"/>
+                <a:cs typeface="Courier New" panose="02070309020205020404" pitchFamily="49" charset="0"/>
+              </a:rPr>
+              <a:t>return</a:t>
+            </a:r>
+            <a:r>
+              <a:rPr lang="it-IT" sz="1400" b="1" dirty="0">
+                <a:latin typeface="Courier New" panose="02070309020205020404" pitchFamily="49" charset="0"/>
+                <a:cs typeface="Courier New" panose="02070309020205020404" pitchFamily="49" charset="0"/>
+              </a:rPr>
+              <a:t> </a:t>
+            </a:r>
+            <a:r>
+              <a:rPr lang="it-IT" sz="1400" b="1" dirty="0" err="1">
+                <a:latin typeface="Courier New" panose="02070309020205020404" pitchFamily="49" charset="0"/>
+                <a:cs typeface="Courier New" panose="02070309020205020404" pitchFamily="49" charset="0"/>
+              </a:rPr>
+              <a:t>abs</a:t>
+            </a:r>
+            <a:r>
+              <a:rPr lang="it-IT" sz="1400" b="1" dirty="0">
+                <a:latin typeface="Courier New" panose="02070309020205020404" pitchFamily="49" charset="0"/>
+                <a:cs typeface="Courier New" panose="02070309020205020404" pitchFamily="49" charset="0"/>
+              </a:rPr>
+              <a:t>(x - </a:t>
+            </a:r>
+            <a:r>
+              <a:rPr lang="it-IT" sz="1400" b="1" dirty="0" err="1">
+                <a:latin typeface="Courier New" panose="02070309020205020404" pitchFamily="49" charset="0"/>
+                <a:cs typeface="Courier New" panose="02070309020205020404" pitchFamily="49" charset="0"/>
+              </a:rPr>
+              <a:t>p.x</a:t>
+            </a:r>
+            <a:r>
+              <a:rPr lang="it-IT" sz="1400" b="1" dirty="0">
+                <a:latin typeface="Courier New" panose="02070309020205020404" pitchFamily="49" charset="0"/>
+                <a:cs typeface="Courier New" panose="02070309020205020404" pitchFamily="49" charset="0"/>
+              </a:rPr>
+              <a:t>) + </a:t>
+            </a:r>
+            <a:r>
+              <a:rPr lang="it-IT" sz="1400" b="1" dirty="0" err="1">
+                <a:latin typeface="Courier New" panose="02070309020205020404" pitchFamily="49" charset="0"/>
+                <a:cs typeface="Courier New" panose="02070309020205020404" pitchFamily="49" charset="0"/>
+              </a:rPr>
+              <a:t>abs</a:t>
+            </a:r>
+            <a:r>
+              <a:rPr lang="it-IT" sz="1400" b="1" dirty="0">
+                <a:latin typeface="Courier New" panose="02070309020205020404" pitchFamily="49" charset="0"/>
+                <a:cs typeface="Courier New" panose="02070309020205020404" pitchFamily="49" charset="0"/>
+              </a:rPr>
+              <a:t>(y - </a:t>
+            </a:r>
+            <a:r>
+              <a:rPr lang="it-IT" sz="1400" b="1" dirty="0" err="1">
+                <a:latin typeface="Courier New" panose="02070309020205020404" pitchFamily="49" charset="0"/>
+                <a:cs typeface="Courier New" panose="02070309020205020404" pitchFamily="49" charset="0"/>
+              </a:rPr>
+              <a:t>p.y</a:t>
+            </a:r>
+            <a:r>
+              <a:rPr lang="it-IT" sz="1400" b="1" dirty="0">
+                <a:latin typeface="Courier New" panose="02070309020205020404" pitchFamily="49" charset="0"/>
+                <a:cs typeface="Courier New" panose="02070309020205020404" pitchFamily="49" charset="0"/>
+              </a:rPr>
+              <a:t>);</a:t>
+            </a:r>
+          </a:p>
+          <a:p>
+            <a:pPr marL="0" indent="0">
+              <a:spcBef>
+                <a:spcPts val="0"/>
+              </a:spcBef>
+              <a:buNone/>
+            </a:pPr>
+            <a:r>
+              <a:rPr lang="it-IT" sz="1400" b="1" dirty="0">
+                <a:latin typeface="Courier New" panose="02070309020205020404" pitchFamily="49" charset="0"/>
+                <a:cs typeface="Courier New" panose="02070309020205020404" pitchFamily="49" charset="0"/>
+              </a:rPr>
+              <a:t>}</a:t>
+            </a:r>
+          </a:p>
+          <a:p>
+            <a:pPr marL="0" indent="0">
+              <a:spcBef>
+                <a:spcPts val="0"/>
+              </a:spcBef>
+              <a:buNone/>
+            </a:pPr>
             <a:endParaRPr lang="it-IT" sz="1400" b="1" dirty="0">
               <a:latin typeface="Courier New" panose="02070309020205020404" pitchFamily="49" charset="0"/>
               <a:cs typeface="Courier New" panose="02070309020205020404" pitchFamily="49" charset="0"/>
@@ -20202,49 +19705,21 @@
                 <a:latin typeface="Courier New" panose="02070309020205020404" pitchFamily="49" charset="0"/>
                 <a:cs typeface="Courier New" panose="02070309020205020404" pitchFamily="49" charset="0"/>
               </a:rPr>
-              <a:t>    </a:t>
+              <a:t>double Punto::</a:t>
             </a:r>
             <a:r>
               <a:rPr lang="it-IT" sz="1400" b="1" dirty="0" err="1">
                 <a:latin typeface="Courier New" panose="02070309020205020404" pitchFamily="49" charset="0"/>
                 <a:cs typeface="Courier New" panose="02070309020205020404" pitchFamily="49" charset="0"/>
               </a:rPr>
-              <a:t>cout</a:t>
+              <a:t>euclideanDistance</a:t>
             </a:r>
             <a:r>
               <a:rPr lang="it-IT" sz="1400" b="1" dirty="0">
                 <a:latin typeface="Courier New" panose="02070309020205020404" pitchFamily="49" charset="0"/>
                 <a:cs typeface="Courier New" panose="02070309020205020404" pitchFamily="49" charset="0"/>
               </a:rPr>
-              <a:t> &lt;&lt; "</a:t>
-            </a:r>
-            <a:r>
-              <a:rPr lang="it-IT" sz="1400" b="1" dirty="0" err="1">
-                <a:latin typeface="Courier New" panose="02070309020205020404" pitchFamily="49" charset="0"/>
-                <a:cs typeface="Courier New" panose="02070309020205020404" pitchFamily="49" charset="0"/>
-              </a:rPr>
-              <a:t>euclidean</a:t>
-            </a:r>
-            <a:r>
-              <a:rPr lang="it-IT" sz="1400" b="1" dirty="0">
-                <a:latin typeface="Courier New" panose="02070309020205020404" pitchFamily="49" charset="0"/>
-                <a:cs typeface="Courier New" panose="02070309020205020404" pitchFamily="49" charset="0"/>
-              </a:rPr>
-              <a:t> </a:t>
-            </a:r>
-            <a:r>
-              <a:rPr lang="it-IT" sz="1400" b="1" dirty="0" err="1">
-                <a:latin typeface="Courier New" panose="02070309020205020404" pitchFamily="49" charset="0"/>
-                <a:cs typeface="Courier New" panose="02070309020205020404" pitchFamily="49" charset="0"/>
-              </a:rPr>
-              <a:t>distance</a:t>
-            </a:r>
-            <a:r>
-              <a:rPr lang="it-IT" sz="1400" b="1" dirty="0">
-                <a:latin typeface="Courier New" panose="02070309020205020404" pitchFamily="49" charset="0"/>
-                <a:cs typeface="Courier New" panose="02070309020205020404" pitchFamily="49" charset="0"/>
-              </a:rPr>
-              <a:t> fra " </a:t>
+              <a:t>(Punto p){</a:t>
             </a:r>
           </a:p>
           <a:p>
@@ -20259,7 +19734,49 @@
                 <a:latin typeface="Courier New" panose="02070309020205020404" pitchFamily="49" charset="0"/>
                 <a:cs typeface="Courier New" panose="02070309020205020404" pitchFamily="49" charset="0"/>
               </a:rPr>
-              <a:t>         &lt;&lt; p1.toString() &lt;&lt; " e " </a:t>
+              <a:t>    </a:t>
+            </a:r>
+            <a:r>
+              <a:rPr lang="it-IT" sz="1400" b="1" dirty="0" err="1">
+                <a:latin typeface="Courier New" panose="02070309020205020404" pitchFamily="49" charset="0"/>
+                <a:cs typeface="Courier New" panose="02070309020205020404" pitchFamily="49" charset="0"/>
+              </a:rPr>
+              <a:t>return</a:t>
+            </a:r>
+            <a:r>
+              <a:rPr lang="it-IT" sz="1400" b="1" dirty="0">
+                <a:latin typeface="Courier New" panose="02070309020205020404" pitchFamily="49" charset="0"/>
+                <a:cs typeface="Courier New" panose="02070309020205020404" pitchFamily="49" charset="0"/>
+              </a:rPr>
+              <a:t> </a:t>
+            </a:r>
+            <a:r>
+              <a:rPr lang="it-IT" sz="1400" b="1" dirty="0" err="1">
+                <a:latin typeface="Courier New" panose="02070309020205020404" pitchFamily="49" charset="0"/>
+                <a:cs typeface="Courier New" panose="02070309020205020404" pitchFamily="49" charset="0"/>
+              </a:rPr>
+              <a:t>sqrt</a:t>
+            </a:r>
+            <a:r>
+              <a:rPr lang="it-IT" sz="1400" b="1" dirty="0">
+                <a:latin typeface="Courier New" panose="02070309020205020404" pitchFamily="49" charset="0"/>
+                <a:cs typeface="Courier New" panose="02070309020205020404" pitchFamily="49" charset="0"/>
+              </a:rPr>
+              <a:t>(</a:t>
+            </a:r>
+            <a:r>
+              <a:rPr lang="it-IT" sz="1400" b="1" dirty="0" err="1">
+                <a:latin typeface="Courier New" panose="02070309020205020404" pitchFamily="49" charset="0"/>
+                <a:cs typeface="Courier New" panose="02070309020205020404" pitchFamily="49" charset="0"/>
+              </a:rPr>
+              <a:t>pow</a:t>
+            </a:r>
+            <a:r>
+              <a:rPr lang="it-IT" sz="1400" b="1" dirty="0">
+                <a:latin typeface="Courier New" panose="02070309020205020404" pitchFamily="49" charset="0"/>
+                <a:cs typeface="Courier New" panose="02070309020205020404" pitchFamily="49" charset="0"/>
+              </a:rPr>
+              <a:t>(x - p.x,2) + </a:t>
             </a:r>
           </a:p>
           <a:p>
@@ -20274,80 +19791,21 @@
                 <a:latin typeface="Courier New" panose="02070309020205020404" pitchFamily="49" charset="0"/>
                 <a:cs typeface="Courier New" panose="02070309020205020404" pitchFamily="49" charset="0"/>
               </a:rPr>
-              <a:t>         &lt;&lt; p2.toString() &lt;&lt; ": " </a:t>
-            </a:r>
-          </a:p>
-          <a:p>
-            <a:pPr marL="0" indent="0">
-              <a:spcBef>
-                <a:spcPts val="0"/>
-              </a:spcBef>
-              <a:buNone/>
-            </a:pPr>
+              <a:t>                </a:t>
+            </a:r>
+            <a:r>
+              <a:rPr lang="it-IT" sz="1400" b="1" dirty="0" err="1">
+                <a:latin typeface="Courier New" panose="02070309020205020404" pitchFamily="49" charset="0"/>
+                <a:cs typeface="Courier New" panose="02070309020205020404" pitchFamily="49" charset="0"/>
+              </a:rPr>
+              <a:t>pow</a:t>
+            </a:r>
             <a:r>
               <a:rPr lang="it-IT" sz="1400" b="1" dirty="0">
                 <a:latin typeface="Courier New" panose="02070309020205020404" pitchFamily="49" charset="0"/>
                 <a:cs typeface="Courier New" panose="02070309020205020404" pitchFamily="49" charset="0"/>
               </a:rPr>
-              <a:t>         &lt;&lt; p1.euclideanDistance(p2) &lt;&lt; </a:t>
-            </a:r>
-            <a:r>
-              <a:rPr lang="it-IT" sz="1400" b="1" dirty="0" err="1">
-                <a:latin typeface="Courier New" panose="02070309020205020404" pitchFamily="49" charset="0"/>
-                <a:cs typeface="Courier New" panose="02070309020205020404" pitchFamily="49" charset="0"/>
-              </a:rPr>
-              <a:t>endl</a:t>
-            </a:r>
-            <a:r>
-              <a:rPr lang="it-IT" sz="1400" b="1" dirty="0">
-                <a:latin typeface="Courier New" panose="02070309020205020404" pitchFamily="49" charset="0"/>
-                <a:cs typeface="Courier New" panose="02070309020205020404" pitchFamily="49" charset="0"/>
-              </a:rPr>
-              <a:t>;</a:t>
-            </a:r>
-          </a:p>
-          <a:p>
-            <a:pPr marL="0" indent="0">
-              <a:spcBef>
-                <a:spcPts val="0"/>
-              </a:spcBef>
-              <a:buNone/>
-            </a:pPr>
-            <a:r>
-              <a:rPr lang="it-IT" sz="1400" b="1" dirty="0">
-                <a:latin typeface="Courier New" panose="02070309020205020404" pitchFamily="49" charset="0"/>
-                <a:cs typeface="Courier New" panose="02070309020205020404" pitchFamily="49" charset="0"/>
-              </a:rPr>
-              <a:t>    </a:t>
-            </a:r>
-          </a:p>
-          <a:p>
-            <a:pPr marL="0" indent="0">
-              <a:spcBef>
-                <a:spcPts val="0"/>
-              </a:spcBef>
-              <a:buNone/>
-            </a:pPr>
-            <a:r>
-              <a:rPr lang="it-IT" sz="1400" b="1" dirty="0">
-                <a:latin typeface="Courier New" panose="02070309020205020404" pitchFamily="49" charset="0"/>
-                <a:cs typeface="Courier New" panose="02070309020205020404" pitchFamily="49" charset="0"/>
-              </a:rPr>
-              <a:t>    </a:t>
-            </a:r>
-            <a:r>
-              <a:rPr lang="it-IT" sz="1400" b="1" dirty="0" err="1">
-                <a:latin typeface="Courier New" panose="02070309020205020404" pitchFamily="49" charset="0"/>
-                <a:cs typeface="Courier New" panose="02070309020205020404" pitchFamily="49" charset="0"/>
-              </a:rPr>
-              <a:t>return</a:t>
-            </a:r>
-            <a:r>
-              <a:rPr lang="it-IT" sz="1400" b="1" dirty="0">
-                <a:latin typeface="Courier New" panose="02070309020205020404" pitchFamily="49" charset="0"/>
-                <a:cs typeface="Courier New" panose="02070309020205020404" pitchFamily="49" charset="0"/>
-              </a:rPr>
-              <a:t> 0;</a:t>
+              <a:t>(y - p.y,2));</a:t>
             </a:r>
           </a:p>
           <a:p>
@@ -20397,60 +19855,34 @@
                 <a:latin typeface="Courier New" panose="02070309020205020404" pitchFamily="49" charset="0"/>
                 <a:cs typeface="Courier New" panose="02070309020205020404" pitchFamily="49" charset="0"/>
               </a:rPr>
-              <a:t>main.cpp</a:t>
-            </a:r>
-          </a:p>
-          <a:p>
-            <a:r>
-              <a:rPr lang="it-IT" sz="2000" b="1" i="1" dirty="0" err="1"/>
-              <a:t>istanziazione</a:t>
-            </a:r>
+              <a:t>Punto.cpp</a:t>
+            </a:r>
+          </a:p>
+          <a:p>
             <a:r>
               <a:rPr lang="it-IT" sz="2000" dirty="0"/>
-              <a:t> di due </a:t>
+              <a:t>implementazione </a:t>
             </a:r>
             <a:r>
               <a:rPr lang="it-IT" sz="2000" b="1" i="1" dirty="0"/>
-              <a:t>oggetti</a:t>
+              <a:t>costruttori</a:t>
+            </a:r>
+          </a:p>
+          <a:p>
+            <a:pPr lvl="1"/>
+            <a:r>
+              <a:rPr lang="it-IT" sz="1600" i="1" dirty="0"/>
+              <a:t>lista di inizializzazione</a:t>
+            </a:r>
+          </a:p>
+          <a:p>
+            <a:r>
+              <a:rPr lang="it-IT" sz="2000" b="1" i="1" dirty="0"/>
+              <a:t>definizione</a:t>
             </a:r>
             <a:r>
               <a:rPr lang="it-IT" sz="2000" dirty="0"/>
-              <a:t> della classe Punto</a:t>
-            </a:r>
-          </a:p>
-          <a:p>
-            <a:pPr lvl="1"/>
-            <a:r>
-              <a:rPr lang="it-IT" sz="1600" b="1" dirty="0">
-                <a:latin typeface="Courier New" panose="02070309020205020404" pitchFamily="49" charset="0"/>
-                <a:cs typeface="Courier New" panose="02070309020205020404" pitchFamily="49" charset="0"/>
-              </a:rPr>
-              <a:t>p1</a:t>
-            </a:r>
-            <a:r>
-              <a:rPr lang="it-IT" sz="1600" dirty="0"/>
-              <a:t> e </a:t>
-            </a:r>
-            <a:r>
-              <a:rPr lang="it-IT" sz="1600" b="1" dirty="0">
-                <a:latin typeface="Courier New" panose="02070309020205020404" pitchFamily="49" charset="0"/>
-                <a:cs typeface="Courier New" panose="02070309020205020404" pitchFamily="49" charset="0"/>
-              </a:rPr>
-              <a:t>p2</a:t>
-            </a:r>
-            <a:r>
-              <a:rPr lang="it-IT" sz="1600" dirty="0"/>
-              <a:t> </a:t>
-            </a:r>
-          </a:p>
-          <a:p>
-            <a:r>
-              <a:rPr lang="it-IT" sz="2000" b="1" i="1" dirty="0"/>
-              <a:t>invio messaggio e attivazione </a:t>
-            </a:r>
-            <a:r>
-              <a:rPr lang="it-IT" sz="2000" dirty="0"/>
-              <a:t>di funzioni membro</a:t>
+              <a:t> di funzioni membro</a:t>
             </a:r>
           </a:p>
           <a:p>
@@ -20502,19 +19934,6 @@
               <a:buNone/>
             </a:pPr>
             <a:endParaRPr lang="it-IT" sz="1600" b="1" dirty="0">
-              <a:latin typeface="Courier New" panose="02070309020205020404" pitchFamily="49" charset="0"/>
-              <a:cs typeface="Courier New" panose="02070309020205020404" pitchFamily="49" charset="0"/>
-            </a:endParaRPr>
-          </a:p>
-          <a:p>
-            <a:pPr marL="0" indent="0" algn="r">
-              <a:buNone/>
-            </a:pPr>
-            <a:r>
-              <a:rPr lang="it-IT" sz="1800" i="1" dirty="0"/>
-              <a:t>(nota: compilare C++ 11)</a:t>
-            </a:r>
-            <a:endParaRPr lang="it-IT" sz="1400" b="1" i="1" dirty="0">
               <a:latin typeface="Courier New" panose="02070309020205020404" pitchFamily="49" charset="0"/>
               <a:cs typeface="Courier New" panose="02070309020205020404" pitchFamily="49" charset="0"/>
             </a:endParaRPr>
@@ -20556,6 +19975,773 @@
     </p:spTree>
     <p:extLst>
       <p:ext uri="{BB962C8B-B14F-4D97-AF65-F5344CB8AC3E}">
+        <p14:creationId xmlns:p14="http://schemas.microsoft.com/office/powerpoint/2010/main" val="2905433610"/>
+      </p:ext>
+    </p:extLst>
+  </p:cSld>
+  <p:clrMapOvr>
+    <a:masterClrMapping/>
+  </p:clrMapOvr>
+</p:sld>
+</file>
+
+<file path=ppt/slides/slide43.xml><?xml version="1.0" encoding="utf-8"?>
+<p:sld xmlns:a="http://schemas.openxmlformats.org/drawingml/2006/main" xmlns:r="http://schemas.openxmlformats.org/officeDocument/2006/relationships" xmlns:p="http://schemas.openxmlformats.org/presentationml/2006/main">
+  <p:cSld>
+    <p:spTree>
+      <p:nvGrpSpPr>
+        <p:cNvPr id="1" name=""/>
+        <p:cNvGrpSpPr/>
+        <p:nvPr/>
+      </p:nvGrpSpPr>
+      <p:grpSpPr>
+        <a:xfrm>
+          <a:off x="0" y="0"/>
+          <a:ext cx="0" cy="0"/>
+          <a:chOff x="0" y="0"/>
+          <a:chExt cx="0" cy="0"/>
+        </a:xfrm>
+      </p:grpSpPr>
+      <p:sp>
+        <p:nvSpPr>
+          <p:cNvPr id="4" name="Titolo 3">
+            <a:extLst>
+              <a:ext uri="{FF2B5EF4-FFF2-40B4-BE49-F238E27FC236}">
+                <a16:creationId xmlns:a16="http://schemas.microsoft.com/office/drawing/2014/main" id="{F07B9562-26CA-4A3E-8CD9-3DC0D19344B5}"/>
+              </a:ext>
+            </a:extLst>
+          </p:cNvPr>
+          <p:cNvSpPr>
+            <a:spLocks noGrp="1"/>
+          </p:cNvSpPr>
+          <p:nvPr>
+            <p:ph type="title"/>
+          </p:nvPr>
+        </p:nvSpPr>
+        <p:spPr/>
+        <p:txBody>
+          <a:bodyPr/>
+          <a:lstStyle/>
+          <a:p>
+            <a:r>
+              <a:rPr lang="it-IT" dirty="0"/>
+              <a:t>esempio: file applicazione</a:t>
+            </a:r>
+          </a:p>
+        </p:txBody>
+      </p:sp>
+      <p:sp>
+        <p:nvSpPr>
+          <p:cNvPr id="5" name="Segnaposto contenuto 4">
+            <a:extLst>
+              <a:ext uri="{FF2B5EF4-FFF2-40B4-BE49-F238E27FC236}">
+                <a16:creationId xmlns:a16="http://schemas.microsoft.com/office/drawing/2014/main" id="{74EB2B6D-DA9E-4FAB-B2D8-D1D870A4B449}"/>
+              </a:ext>
+            </a:extLst>
+          </p:cNvPr>
+          <p:cNvSpPr>
+            <a:spLocks noGrp="1"/>
+          </p:cNvSpPr>
+          <p:nvPr>
+            <p:ph sz="half" idx="1"/>
+          </p:nvPr>
+        </p:nvSpPr>
+        <p:spPr/>
+        <p:txBody>
+          <a:bodyPr/>
+          <a:lstStyle/>
+          <a:p>
+            <a:pPr marL="0" indent="0">
+              <a:spcBef>
+                <a:spcPts val="0"/>
+              </a:spcBef>
+              <a:buNone/>
+            </a:pPr>
+            <a:r>
+              <a:rPr lang="it-IT" sz="1400" b="1" dirty="0">
+                <a:latin typeface="Courier New" panose="02070309020205020404" pitchFamily="49" charset="0"/>
+                <a:cs typeface="Courier New" panose="02070309020205020404" pitchFamily="49" charset="0"/>
+              </a:rPr>
+              <a:t>#include &lt;</a:t>
+            </a:r>
+            <a:r>
+              <a:rPr lang="it-IT" sz="1400" b="1" dirty="0" err="1">
+                <a:latin typeface="Courier New" panose="02070309020205020404" pitchFamily="49" charset="0"/>
+                <a:cs typeface="Courier New" panose="02070309020205020404" pitchFamily="49" charset="0"/>
+              </a:rPr>
+              <a:t>iostream</a:t>
+            </a:r>
+            <a:r>
+              <a:rPr lang="it-IT" sz="1400" b="1" dirty="0">
+                <a:latin typeface="Courier New" panose="02070309020205020404" pitchFamily="49" charset="0"/>
+                <a:cs typeface="Courier New" panose="02070309020205020404" pitchFamily="49" charset="0"/>
+              </a:rPr>
+              <a:t>&gt;</a:t>
+            </a:r>
+          </a:p>
+          <a:p>
+            <a:pPr marL="0" indent="0">
+              <a:spcBef>
+                <a:spcPts val="0"/>
+              </a:spcBef>
+              <a:buNone/>
+            </a:pPr>
+            <a:r>
+              <a:rPr lang="it-IT" sz="1400" b="1" dirty="0">
+                <a:latin typeface="Courier New" panose="02070309020205020404" pitchFamily="49" charset="0"/>
+                <a:cs typeface="Courier New" panose="02070309020205020404" pitchFamily="49" charset="0"/>
+              </a:rPr>
+              <a:t>#include "</a:t>
+            </a:r>
+            <a:r>
+              <a:rPr lang="it-IT" sz="1400" b="1" dirty="0" err="1">
+                <a:latin typeface="Courier New" panose="02070309020205020404" pitchFamily="49" charset="0"/>
+                <a:cs typeface="Courier New" panose="02070309020205020404" pitchFamily="49" charset="0"/>
+              </a:rPr>
+              <a:t>Punto.h</a:t>
+            </a:r>
+            <a:r>
+              <a:rPr lang="it-IT" sz="1400" b="1" dirty="0">
+                <a:latin typeface="Courier New" panose="02070309020205020404" pitchFamily="49" charset="0"/>
+                <a:cs typeface="Courier New" panose="02070309020205020404" pitchFamily="49" charset="0"/>
+              </a:rPr>
+              <a:t>"</a:t>
+            </a:r>
+          </a:p>
+          <a:p>
+            <a:pPr marL="0" indent="0">
+              <a:spcBef>
+                <a:spcPts val="0"/>
+              </a:spcBef>
+              <a:buNone/>
+            </a:pPr>
+            <a:endParaRPr lang="it-IT" sz="1400" b="1" dirty="0">
+              <a:latin typeface="Courier New" panose="02070309020205020404" pitchFamily="49" charset="0"/>
+              <a:cs typeface="Courier New" panose="02070309020205020404" pitchFamily="49" charset="0"/>
+            </a:endParaRPr>
+          </a:p>
+          <a:p>
+            <a:pPr marL="0" indent="0">
+              <a:spcBef>
+                <a:spcPts val="0"/>
+              </a:spcBef>
+              <a:buNone/>
+            </a:pPr>
+            <a:r>
+              <a:rPr lang="it-IT" sz="1400" b="1" dirty="0" err="1">
+                <a:latin typeface="Courier New" panose="02070309020205020404" pitchFamily="49" charset="0"/>
+                <a:cs typeface="Courier New" panose="02070309020205020404" pitchFamily="49" charset="0"/>
+              </a:rPr>
+              <a:t>using</a:t>
+            </a:r>
+            <a:r>
+              <a:rPr lang="it-IT" sz="1400" b="1" dirty="0">
+                <a:latin typeface="Courier New" panose="02070309020205020404" pitchFamily="49" charset="0"/>
+                <a:cs typeface="Courier New" panose="02070309020205020404" pitchFamily="49" charset="0"/>
+              </a:rPr>
+              <a:t> </a:t>
+            </a:r>
+            <a:r>
+              <a:rPr lang="it-IT" sz="1400" b="1" dirty="0" err="1">
+                <a:latin typeface="Courier New" panose="02070309020205020404" pitchFamily="49" charset="0"/>
+                <a:cs typeface="Courier New" panose="02070309020205020404" pitchFamily="49" charset="0"/>
+              </a:rPr>
+              <a:t>namespace</a:t>
+            </a:r>
+            <a:r>
+              <a:rPr lang="it-IT" sz="1400" b="1" dirty="0">
+                <a:latin typeface="Courier New" panose="02070309020205020404" pitchFamily="49" charset="0"/>
+                <a:cs typeface="Courier New" panose="02070309020205020404" pitchFamily="49" charset="0"/>
+              </a:rPr>
+              <a:t> </a:t>
+            </a:r>
+            <a:r>
+              <a:rPr lang="it-IT" sz="1400" b="1" dirty="0" err="1">
+                <a:latin typeface="Courier New" panose="02070309020205020404" pitchFamily="49" charset="0"/>
+                <a:cs typeface="Courier New" panose="02070309020205020404" pitchFamily="49" charset="0"/>
+              </a:rPr>
+              <a:t>std</a:t>
+            </a:r>
+            <a:r>
+              <a:rPr lang="it-IT" sz="1400" b="1" dirty="0">
+                <a:latin typeface="Courier New" panose="02070309020205020404" pitchFamily="49" charset="0"/>
+                <a:cs typeface="Courier New" panose="02070309020205020404" pitchFamily="49" charset="0"/>
+              </a:rPr>
+              <a:t>;</a:t>
+            </a:r>
+          </a:p>
+          <a:p>
+            <a:pPr marL="0" indent="0">
+              <a:spcBef>
+                <a:spcPts val="0"/>
+              </a:spcBef>
+              <a:buNone/>
+            </a:pPr>
+            <a:endParaRPr lang="it-IT" sz="1400" b="1" dirty="0">
+              <a:latin typeface="Courier New" panose="02070309020205020404" pitchFamily="49" charset="0"/>
+              <a:cs typeface="Courier New" panose="02070309020205020404" pitchFamily="49" charset="0"/>
+            </a:endParaRPr>
+          </a:p>
+          <a:p>
+            <a:pPr marL="0" indent="0">
+              <a:spcBef>
+                <a:spcPts val="0"/>
+              </a:spcBef>
+              <a:buNone/>
+            </a:pPr>
+            <a:r>
+              <a:rPr lang="it-IT" sz="1400" b="1" dirty="0" err="1">
+                <a:latin typeface="Courier New" panose="02070309020205020404" pitchFamily="49" charset="0"/>
+                <a:cs typeface="Courier New" panose="02070309020205020404" pitchFamily="49" charset="0"/>
+              </a:rPr>
+              <a:t>int</a:t>
+            </a:r>
+            <a:r>
+              <a:rPr lang="it-IT" sz="1400" b="1" dirty="0">
+                <a:latin typeface="Courier New" panose="02070309020205020404" pitchFamily="49" charset="0"/>
+                <a:cs typeface="Courier New" panose="02070309020205020404" pitchFamily="49" charset="0"/>
+              </a:rPr>
+              <a:t> </a:t>
+            </a:r>
+            <a:r>
+              <a:rPr lang="it-IT" sz="1400" b="1" dirty="0" err="1">
+                <a:latin typeface="Courier New" panose="02070309020205020404" pitchFamily="49" charset="0"/>
+                <a:cs typeface="Courier New" panose="02070309020205020404" pitchFamily="49" charset="0"/>
+              </a:rPr>
+              <a:t>main</a:t>
+            </a:r>
+            <a:r>
+              <a:rPr lang="it-IT" sz="1400" b="1" dirty="0">
+                <a:latin typeface="Courier New" panose="02070309020205020404" pitchFamily="49" charset="0"/>
+                <a:cs typeface="Courier New" panose="02070309020205020404" pitchFamily="49" charset="0"/>
+              </a:rPr>
+              <a:t>()</a:t>
+            </a:r>
+          </a:p>
+          <a:p>
+            <a:pPr marL="0" indent="0">
+              <a:spcBef>
+                <a:spcPts val="0"/>
+              </a:spcBef>
+              <a:buNone/>
+            </a:pPr>
+            <a:r>
+              <a:rPr lang="it-IT" sz="1400" b="1" dirty="0">
+                <a:latin typeface="Courier New" panose="02070309020205020404" pitchFamily="49" charset="0"/>
+                <a:cs typeface="Courier New" panose="02070309020205020404" pitchFamily="49" charset="0"/>
+              </a:rPr>
+              <a:t>{</a:t>
+            </a:r>
+          </a:p>
+          <a:p>
+            <a:pPr marL="0" indent="0">
+              <a:spcBef>
+                <a:spcPts val="0"/>
+              </a:spcBef>
+              <a:buNone/>
+            </a:pPr>
+            <a:r>
+              <a:rPr lang="it-IT" sz="1400" b="1" dirty="0">
+                <a:latin typeface="Courier New" panose="02070309020205020404" pitchFamily="49" charset="0"/>
+                <a:cs typeface="Courier New" panose="02070309020205020404" pitchFamily="49" charset="0"/>
+              </a:rPr>
+              <a:t>    Punto p1(3,4), p2(7,7);</a:t>
+            </a:r>
+          </a:p>
+          <a:p>
+            <a:pPr marL="0" indent="0">
+              <a:spcBef>
+                <a:spcPts val="0"/>
+              </a:spcBef>
+              <a:buNone/>
+            </a:pPr>
+            <a:r>
+              <a:rPr lang="it-IT" sz="1400" b="1" dirty="0">
+                <a:latin typeface="Courier New" panose="02070309020205020404" pitchFamily="49" charset="0"/>
+                <a:cs typeface="Courier New" panose="02070309020205020404" pitchFamily="49" charset="0"/>
+              </a:rPr>
+              <a:t>    </a:t>
+            </a:r>
+            <a:r>
+              <a:rPr lang="it-IT" sz="1400" b="1" dirty="0" err="1">
+                <a:latin typeface="Courier New" panose="02070309020205020404" pitchFamily="49" charset="0"/>
+                <a:cs typeface="Courier New" panose="02070309020205020404" pitchFamily="49" charset="0"/>
+              </a:rPr>
+              <a:t>cout</a:t>
+            </a:r>
+            <a:r>
+              <a:rPr lang="it-IT" sz="1400" b="1" dirty="0">
+                <a:latin typeface="Courier New" panose="02070309020205020404" pitchFamily="49" charset="0"/>
+                <a:cs typeface="Courier New" panose="02070309020205020404" pitchFamily="49" charset="0"/>
+              </a:rPr>
+              <a:t> &lt;&lt; "</a:t>
+            </a:r>
+            <a:r>
+              <a:rPr lang="it-IT" sz="1400" b="1" dirty="0" err="1">
+                <a:latin typeface="Courier New" panose="02070309020205020404" pitchFamily="49" charset="0"/>
+                <a:cs typeface="Courier New" panose="02070309020205020404" pitchFamily="49" charset="0"/>
+              </a:rPr>
+              <a:t>manhattan</a:t>
+            </a:r>
+            <a:r>
+              <a:rPr lang="it-IT" sz="1400" b="1" dirty="0">
+                <a:latin typeface="Courier New" panose="02070309020205020404" pitchFamily="49" charset="0"/>
+                <a:cs typeface="Courier New" panose="02070309020205020404" pitchFamily="49" charset="0"/>
+              </a:rPr>
+              <a:t> </a:t>
+            </a:r>
+            <a:r>
+              <a:rPr lang="it-IT" sz="1400" b="1" dirty="0" err="1">
+                <a:latin typeface="Courier New" panose="02070309020205020404" pitchFamily="49" charset="0"/>
+                <a:cs typeface="Courier New" panose="02070309020205020404" pitchFamily="49" charset="0"/>
+              </a:rPr>
+              <a:t>distance</a:t>
+            </a:r>
+            <a:r>
+              <a:rPr lang="it-IT" sz="1400" b="1" dirty="0">
+                <a:latin typeface="Courier New" panose="02070309020205020404" pitchFamily="49" charset="0"/>
+                <a:cs typeface="Courier New" panose="02070309020205020404" pitchFamily="49" charset="0"/>
+              </a:rPr>
+              <a:t> fra " </a:t>
+            </a:r>
+          </a:p>
+          <a:p>
+            <a:pPr marL="0" indent="0">
+              <a:spcBef>
+                <a:spcPts val="0"/>
+              </a:spcBef>
+              <a:buNone/>
+            </a:pPr>
+            <a:r>
+              <a:rPr lang="it-IT" sz="1400" b="1" dirty="0">
+                <a:latin typeface="Courier New" panose="02070309020205020404" pitchFamily="49" charset="0"/>
+                <a:cs typeface="Courier New" panose="02070309020205020404" pitchFamily="49" charset="0"/>
+              </a:rPr>
+              <a:t>         &lt;&lt; p1.toString() &lt;&lt; " e " </a:t>
+            </a:r>
+          </a:p>
+          <a:p>
+            <a:pPr marL="0" indent="0">
+              <a:spcBef>
+                <a:spcPts val="0"/>
+              </a:spcBef>
+              <a:buNone/>
+            </a:pPr>
+            <a:r>
+              <a:rPr lang="it-IT" sz="1400" b="1" dirty="0">
+                <a:latin typeface="Courier New" panose="02070309020205020404" pitchFamily="49" charset="0"/>
+                <a:cs typeface="Courier New" panose="02070309020205020404" pitchFamily="49" charset="0"/>
+              </a:rPr>
+              <a:t>         &lt;&lt; p2.toString() &lt;&lt; ": " </a:t>
+            </a:r>
+          </a:p>
+          <a:p>
+            <a:pPr marL="0" indent="0">
+              <a:spcBef>
+                <a:spcPts val="0"/>
+              </a:spcBef>
+              <a:buNone/>
+            </a:pPr>
+            <a:r>
+              <a:rPr lang="it-IT" sz="1400" b="1" dirty="0">
+                <a:latin typeface="Courier New" panose="02070309020205020404" pitchFamily="49" charset="0"/>
+                <a:cs typeface="Courier New" panose="02070309020205020404" pitchFamily="49" charset="0"/>
+              </a:rPr>
+              <a:t>         &lt;&lt; p1.manhattanDistance(p2) &lt;&lt; </a:t>
+            </a:r>
+            <a:r>
+              <a:rPr lang="it-IT" sz="1400" b="1" dirty="0" err="1">
+                <a:latin typeface="Courier New" panose="02070309020205020404" pitchFamily="49" charset="0"/>
+                <a:cs typeface="Courier New" panose="02070309020205020404" pitchFamily="49" charset="0"/>
+              </a:rPr>
+              <a:t>endl</a:t>
+            </a:r>
+            <a:r>
+              <a:rPr lang="it-IT" sz="1400" b="1" dirty="0">
+                <a:latin typeface="Courier New" panose="02070309020205020404" pitchFamily="49" charset="0"/>
+                <a:cs typeface="Courier New" panose="02070309020205020404" pitchFamily="49" charset="0"/>
+              </a:rPr>
+              <a:t>;</a:t>
+            </a:r>
+          </a:p>
+          <a:p>
+            <a:pPr marL="0" indent="0">
+              <a:spcBef>
+                <a:spcPts val="0"/>
+              </a:spcBef>
+              <a:buNone/>
+            </a:pPr>
+            <a:endParaRPr lang="it-IT" sz="1400" b="1" dirty="0">
+              <a:latin typeface="Courier New" panose="02070309020205020404" pitchFamily="49" charset="0"/>
+              <a:cs typeface="Courier New" panose="02070309020205020404" pitchFamily="49" charset="0"/>
+            </a:endParaRPr>
+          </a:p>
+          <a:p>
+            <a:pPr marL="0" indent="0">
+              <a:spcBef>
+                <a:spcPts val="0"/>
+              </a:spcBef>
+              <a:buNone/>
+            </a:pPr>
+            <a:r>
+              <a:rPr lang="it-IT" sz="1400" b="1" dirty="0">
+                <a:latin typeface="Courier New" panose="02070309020205020404" pitchFamily="49" charset="0"/>
+                <a:cs typeface="Courier New" panose="02070309020205020404" pitchFamily="49" charset="0"/>
+              </a:rPr>
+              <a:t>    </a:t>
+            </a:r>
+            <a:r>
+              <a:rPr lang="it-IT" sz="1400" b="1" dirty="0" err="1">
+                <a:latin typeface="Courier New" panose="02070309020205020404" pitchFamily="49" charset="0"/>
+                <a:cs typeface="Courier New" panose="02070309020205020404" pitchFamily="49" charset="0"/>
+              </a:rPr>
+              <a:t>cout</a:t>
+            </a:r>
+            <a:r>
+              <a:rPr lang="it-IT" sz="1400" b="1" dirty="0">
+                <a:latin typeface="Courier New" panose="02070309020205020404" pitchFamily="49" charset="0"/>
+                <a:cs typeface="Courier New" panose="02070309020205020404" pitchFamily="49" charset="0"/>
+              </a:rPr>
+              <a:t> &lt;&lt; "</a:t>
+            </a:r>
+            <a:r>
+              <a:rPr lang="it-IT" sz="1400" b="1" dirty="0" err="1">
+                <a:latin typeface="Courier New" panose="02070309020205020404" pitchFamily="49" charset="0"/>
+                <a:cs typeface="Courier New" panose="02070309020205020404" pitchFamily="49" charset="0"/>
+              </a:rPr>
+              <a:t>euclidean</a:t>
+            </a:r>
+            <a:r>
+              <a:rPr lang="it-IT" sz="1400" b="1" dirty="0">
+                <a:latin typeface="Courier New" panose="02070309020205020404" pitchFamily="49" charset="0"/>
+                <a:cs typeface="Courier New" panose="02070309020205020404" pitchFamily="49" charset="0"/>
+              </a:rPr>
+              <a:t> </a:t>
+            </a:r>
+            <a:r>
+              <a:rPr lang="it-IT" sz="1400" b="1" dirty="0" err="1">
+                <a:latin typeface="Courier New" panose="02070309020205020404" pitchFamily="49" charset="0"/>
+                <a:cs typeface="Courier New" panose="02070309020205020404" pitchFamily="49" charset="0"/>
+              </a:rPr>
+              <a:t>distance</a:t>
+            </a:r>
+            <a:r>
+              <a:rPr lang="it-IT" sz="1400" b="1" dirty="0">
+                <a:latin typeface="Courier New" panose="02070309020205020404" pitchFamily="49" charset="0"/>
+                <a:cs typeface="Courier New" panose="02070309020205020404" pitchFamily="49" charset="0"/>
+              </a:rPr>
+              <a:t> fra " </a:t>
+            </a:r>
+          </a:p>
+          <a:p>
+            <a:pPr marL="0" indent="0">
+              <a:spcBef>
+                <a:spcPts val="0"/>
+              </a:spcBef>
+              <a:buNone/>
+            </a:pPr>
+            <a:r>
+              <a:rPr lang="it-IT" sz="1400" b="1" dirty="0">
+                <a:latin typeface="Courier New" panose="02070309020205020404" pitchFamily="49" charset="0"/>
+                <a:cs typeface="Courier New" panose="02070309020205020404" pitchFamily="49" charset="0"/>
+              </a:rPr>
+              <a:t>         &lt;&lt; p1.toString() &lt;&lt; " e " </a:t>
+            </a:r>
+          </a:p>
+          <a:p>
+            <a:pPr marL="0" indent="0">
+              <a:spcBef>
+                <a:spcPts val="0"/>
+              </a:spcBef>
+              <a:buNone/>
+            </a:pPr>
+            <a:r>
+              <a:rPr lang="it-IT" sz="1400" b="1" dirty="0">
+                <a:latin typeface="Courier New" panose="02070309020205020404" pitchFamily="49" charset="0"/>
+                <a:cs typeface="Courier New" panose="02070309020205020404" pitchFamily="49" charset="0"/>
+              </a:rPr>
+              <a:t>         &lt;&lt; p2.toString() &lt;&lt; ": " </a:t>
+            </a:r>
+          </a:p>
+          <a:p>
+            <a:pPr marL="0" indent="0">
+              <a:spcBef>
+                <a:spcPts val="0"/>
+              </a:spcBef>
+              <a:buNone/>
+            </a:pPr>
+            <a:r>
+              <a:rPr lang="it-IT" sz="1400" b="1" dirty="0">
+                <a:latin typeface="Courier New" panose="02070309020205020404" pitchFamily="49" charset="0"/>
+                <a:cs typeface="Courier New" panose="02070309020205020404" pitchFamily="49" charset="0"/>
+              </a:rPr>
+              <a:t>         &lt;&lt; p1.euclideanDistance(p2) &lt;&lt; </a:t>
+            </a:r>
+            <a:r>
+              <a:rPr lang="it-IT" sz="1400" b="1" dirty="0" err="1">
+                <a:latin typeface="Courier New" panose="02070309020205020404" pitchFamily="49" charset="0"/>
+                <a:cs typeface="Courier New" panose="02070309020205020404" pitchFamily="49" charset="0"/>
+              </a:rPr>
+              <a:t>endl</a:t>
+            </a:r>
+            <a:r>
+              <a:rPr lang="it-IT" sz="1400" b="1" dirty="0">
+                <a:latin typeface="Courier New" panose="02070309020205020404" pitchFamily="49" charset="0"/>
+                <a:cs typeface="Courier New" panose="02070309020205020404" pitchFamily="49" charset="0"/>
+              </a:rPr>
+              <a:t>;</a:t>
+            </a:r>
+          </a:p>
+          <a:p>
+            <a:pPr marL="0" indent="0">
+              <a:spcBef>
+                <a:spcPts val="0"/>
+              </a:spcBef>
+              <a:buNone/>
+            </a:pPr>
+            <a:r>
+              <a:rPr lang="it-IT" sz="1400" b="1" dirty="0">
+                <a:latin typeface="Courier New" panose="02070309020205020404" pitchFamily="49" charset="0"/>
+                <a:cs typeface="Courier New" panose="02070309020205020404" pitchFamily="49" charset="0"/>
+              </a:rPr>
+              <a:t>    </a:t>
+            </a:r>
+          </a:p>
+          <a:p>
+            <a:pPr marL="0" indent="0">
+              <a:spcBef>
+                <a:spcPts val="0"/>
+              </a:spcBef>
+              <a:buNone/>
+            </a:pPr>
+            <a:r>
+              <a:rPr lang="it-IT" sz="1400" b="1" dirty="0">
+                <a:latin typeface="Courier New" panose="02070309020205020404" pitchFamily="49" charset="0"/>
+                <a:cs typeface="Courier New" panose="02070309020205020404" pitchFamily="49" charset="0"/>
+              </a:rPr>
+              <a:t>    </a:t>
+            </a:r>
+            <a:r>
+              <a:rPr lang="it-IT" sz="1400" b="1" dirty="0" err="1">
+                <a:latin typeface="Courier New" panose="02070309020205020404" pitchFamily="49" charset="0"/>
+                <a:cs typeface="Courier New" panose="02070309020205020404" pitchFamily="49" charset="0"/>
+              </a:rPr>
+              <a:t>return</a:t>
+            </a:r>
+            <a:r>
+              <a:rPr lang="it-IT" sz="1400" b="1" dirty="0">
+                <a:latin typeface="Courier New" panose="02070309020205020404" pitchFamily="49" charset="0"/>
+                <a:cs typeface="Courier New" panose="02070309020205020404" pitchFamily="49" charset="0"/>
+              </a:rPr>
+              <a:t> 0;</a:t>
+            </a:r>
+          </a:p>
+          <a:p>
+            <a:pPr marL="0" indent="0">
+              <a:spcBef>
+                <a:spcPts val="0"/>
+              </a:spcBef>
+              <a:buNone/>
+            </a:pPr>
+            <a:r>
+              <a:rPr lang="it-IT" sz="1400" b="1" dirty="0">
+                <a:latin typeface="Courier New" panose="02070309020205020404" pitchFamily="49" charset="0"/>
+                <a:cs typeface="Courier New" panose="02070309020205020404" pitchFamily="49" charset="0"/>
+              </a:rPr>
+              <a:t>}</a:t>
+            </a:r>
+          </a:p>
+        </p:txBody>
+      </p:sp>
+      <p:sp>
+        <p:nvSpPr>
+          <p:cNvPr id="6" name="Segnaposto contenuto 5">
+            <a:extLst>
+              <a:ext uri="{FF2B5EF4-FFF2-40B4-BE49-F238E27FC236}">
+                <a16:creationId xmlns:a16="http://schemas.microsoft.com/office/drawing/2014/main" id="{ED6657CB-B723-42C1-ABC4-850B1C3FE62E}"/>
+              </a:ext>
+            </a:extLst>
+          </p:cNvPr>
+          <p:cNvSpPr>
+            <a:spLocks noGrp="1"/>
+          </p:cNvSpPr>
+          <p:nvPr>
+            <p:ph sz="half" idx="2"/>
+          </p:nvPr>
+        </p:nvSpPr>
+        <p:spPr/>
+        <p:txBody>
+          <a:bodyPr/>
+          <a:lstStyle/>
+          <a:p>
+            <a:r>
+              <a:rPr lang="it-IT" sz="2000" dirty="0"/>
+              <a:t>file </a:t>
+            </a:r>
+            <a:r>
+              <a:rPr lang="it-IT" sz="2000" b="1" dirty="0">
+                <a:latin typeface="Courier New" panose="02070309020205020404" pitchFamily="49" charset="0"/>
+                <a:cs typeface="Courier New" panose="02070309020205020404" pitchFamily="49" charset="0"/>
+              </a:rPr>
+              <a:t>main.cpp</a:t>
+            </a:r>
+          </a:p>
+          <a:p>
+            <a:r>
+              <a:rPr lang="it-IT" sz="2000" b="1" i="1" dirty="0" err="1"/>
+              <a:t>istanziazione</a:t>
+            </a:r>
+            <a:r>
+              <a:rPr lang="it-IT" sz="2000" dirty="0"/>
+              <a:t> di due </a:t>
+            </a:r>
+            <a:r>
+              <a:rPr lang="it-IT" sz="2000" b="1" i="1" dirty="0"/>
+              <a:t>oggetti</a:t>
+            </a:r>
+            <a:r>
+              <a:rPr lang="it-IT" sz="2000" dirty="0"/>
+              <a:t> della classe Punto</a:t>
+            </a:r>
+          </a:p>
+          <a:p>
+            <a:pPr lvl="1"/>
+            <a:r>
+              <a:rPr lang="it-IT" sz="1600" b="1" dirty="0">
+                <a:latin typeface="Courier New" panose="02070309020205020404" pitchFamily="49" charset="0"/>
+                <a:cs typeface="Courier New" panose="02070309020205020404" pitchFamily="49" charset="0"/>
+              </a:rPr>
+              <a:t>p1</a:t>
+            </a:r>
+            <a:r>
+              <a:rPr lang="it-IT" sz="1600" dirty="0"/>
+              <a:t> e </a:t>
+            </a:r>
+            <a:r>
+              <a:rPr lang="it-IT" sz="1600" b="1" dirty="0">
+                <a:latin typeface="Courier New" panose="02070309020205020404" pitchFamily="49" charset="0"/>
+                <a:cs typeface="Courier New" panose="02070309020205020404" pitchFamily="49" charset="0"/>
+              </a:rPr>
+              <a:t>p2</a:t>
+            </a:r>
+            <a:r>
+              <a:rPr lang="it-IT" sz="1600" dirty="0"/>
+              <a:t> </a:t>
+            </a:r>
+          </a:p>
+          <a:p>
+            <a:r>
+              <a:rPr lang="it-IT" sz="2000" b="1" i="1" dirty="0"/>
+              <a:t>invio messaggio e attivazione </a:t>
+            </a:r>
+            <a:r>
+              <a:rPr lang="it-IT" sz="2000" dirty="0"/>
+              <a:t>di funzioni membro</a:t>
+            </a:r>
+          </a:p>
+          <a:p>
+            <a:pPr marL="457200" lvl="1" indent="0">
+              <a:buNone/>
+            </a:pPr>
+            <a:r>
+              <a:rPr lang="it-IT" sz="1600" b="1" dirty="0" err="1">
+                <a:latin typeface="Courier New" panose="02070309020205020404" pitchFamily="49" charset="0"/>
+                <a:cs typeface="Courier New" panose="02070309020205020404" pitchFamily="49" charset="0"/>
+              </a:rPr>
+              <a:t>toString</a:t>
+            </a:r>
+            <a:r>
+              <a:rPr lang="it-IT" sz="1600" b="1" dirty="0">
+                <a:latin typeface="Courier New" panose="02070309020205020404" pitchFamily="49" charset="0"/>
+                <a:cs typeface="Courier New" panose="02070309020205020404" pitchFamily="49" charset="0"/>
+              </a:rPr>
+              <a:t>, </a:t>
+            </a:r>
+            <a:r>
+              <a:rPr lang="it-IT" sz="1600" b="1" dirty="0" err="1">
+                <a:latin typeface="Courier New" panose="02070309020205020404" pitchFamily="49" charset="0"/>
+                <a:cs typeface="Courier New" panose="02070309020205020404" pitchFamily="49" charset="0"/>
+              </a:rPr>
+              <a:t>manhattanDistance</a:t>
+            </a:r>
+            <a:r>
+              <a:rPr lang="it-IT" sz="1600" b="1" dirty="0">
+                <a:latin typeface="Courier New" panose="02070309020205020404" pitchFamily="49" charset="0"/>
+                <a:cs typeface="Courier New" panose="02070309020205020404" pitchFamily="49" charset="0"/>
+              </a:rPr>
+              <a:t>, </a:t>
+            </a:r>
+            <a:r>
+              <a:rPr lang="it-IT" sz="1600" b="1" dirty="0" err="1">
+                <a:latin typeface="Courier New" panose="02070309020205020404" pitchFamily="49" charset="0"/>
+                <a:cs typeface="Courier New" panose="02070309020205020404" pitchFamily="49" charset="0"/>
+              </a:rPr>
+              <a:t>euclideanDistance</a:t>
+            </a:r>
+            <a:endParaRPr lang="it-IT" sz="1600" b="1" dirty="0">
+              <a:latin typeface="Courier New" panose="02070309020205020404" pitchFamily="49" charset="0"/>
+              <a:cs typeface="Courier New" panose="02070309020205020404" pitchFamily="49" charset="0"/>
+            </a:endParaRPr>
+          </a:p>
+          <a:p>
+            <a:pPr marL="457200" lvl="1" indent="0">
+              <a:buNone/>
+            </a:pPr>
+            <a:endParaRPr lang="it-IT" sz="1600" b="1" dirty="0">
+              <a:latin typeface="Courier New" panose="02070309020205020404" pitchFamily="49" charset="0"/>
+              <a:cs typeface="Courier New" panose="02070309020205020404" pitchFamily="49" charset="0"/>
+            </a:endParaRPr>
+          </a:p>
+          <a:p>
+            <a:pPr marL="0" indent="0" algn="r">
+              <a:buNone/>
+            </a:pPr>
+            <a:r>
+              <a:rPr lang="it-IT" sz="1800" i="1" dirty="0"/>
+              <a:t>(nota: compilare C++ 11)</a:t>
+            </a:r>
+            <a:endParaRPr lang="it-IT" sz="1400" b="1" i="1" dirty="0">
+              <a:latin typeface="Courier New" panose="02070309020205020404" pitchFamily="49" charset="0"/>
+              <a:cs typeface="Courier New" panose="02070309020205020404" pitchFamily="49" charset="0"/>
+            </a:endParaRPr>
+          </a:p>
+        </p:txBody>
+      </p:sp>
+      <p:sp>
+        <p:nvSpPr>
+          <p:cNvPr id="3" name="Segnaposto piè di pagina 2">
+            <a:extLst>
+              <a:ext uri="{FF2B5EF4-FFF2-40B4-BE49-F238E27FC236}">
+                <a16:creationId xmlns:a16="http://schemas.microsoft.com/office/drawing/2014/main" id="{141AFC4D-ED2A-4C45-AE45-B18D3D52BCFD}"/>
+              </a:ext>
+            </a:extLst>
+          </p:cNvPr>
+          <p:cNvSpPr>
+            <a:spLocks noGrp="1"/>
+          </p:cNvSpPr>
+          <p:nvPr>
+            <p:ph type="ftr" sz="quarter" idx="11"/>
+          </p:nvPr>
+        </p:nvSpPr>
+        <p:spPr/>
+        <p:txBody>
+          <a:bodyPr/>
+          <a:lstStyle/>
+          <a:p>
+            <a:pPr>
+              <a:defRPr/>
+            </a:pPr>
+            <a:r>
+              <a:rPr lang="it-IT"/>
+              <a:t>Alberto Ferrari – Programmazione di applicazioni SW</a:t>
+            </a:r>
+            <a:endParaRPr lang="it-IT" dirty="0"/>
+          </a:p>
+        </p:txBody>
+      </p:sp>
+    </p:spTree>
+    <p:extLst>
+      <p:ext uri="{BB962C8B-B14F-4D97-AF65-F5344CB8AC3E}">
         <p14:creationId xmlns:p14="http://schemas.microsoft.com/office/powerpoint/2010/main" val="4087715210"/>
       </p:ext>
     </p:extLst>
@@ -20566,7 +20752,7 @@
 </p:sld>
 </file>
 
-<file path=ppt/slides/slide43.xml><?xml version="1.0" encoding="utf-8"?>
+<file path=ppt/slides/slide44.xml><?xml version="1.0" encoding="utf-8"?>
 <p:sld xmlns:a="http://schemas.openxmlformats.org/drawingml/2006/main" xmlns:r="http://schemas.openxmlformats.org/officeDocument/2006/relationships" xmlns:p="http://schemas.openxmlformats.org/presentationml/2006/main">
   <p:cSld>
     <p:spTree>
@@ -20789,7 +20975,7 @@
 </p:sld>
 </file>
 
-<file path=ppt/slides/slide44.xml><?xml version="1.0" encoding="utf-8"?>
+<file path=ppt/slides/slide45.xml><?xml version="1.0" encoding="utf-8"?>
 <p:sld xmlns:a="http://schemas.openxmlformats.org/drawingml/2006/main" xmlns:r="http://schemas.openxmlformats.org/officeDocument/2006/relationships" xmlns:p="http://schemas.openxmlformats.org/presentationml/2006/main">
   <p:cSld>
     <p:spTree>
@@ -20980,7 +21166,7 @@
 </p:sld>
 </file>
 
-<file path=ppt/slides/slide45.xml><?xml version="1.0" encoding="utf-8"?>
+<file path=ppt/slides/slide46.xml><?xml version="1.0" encoding="utf-8"?>
 <p:sld xmlns:a="http://schemas.openxmlformats.org/drawingml/2006/main" xmlns:r="http://schemas.openxmlformats.org/officeDocument/2006/relationships" xmlns:p="http://schemas.openxmlformats.org/presentationml/2006/main">
   <p:cSld>
     <p:spTree>
@@ -21980,7 +22166,7 @@
 </p:sld>
 </file>
 
-<file path=ppt/slides/slide46.xml><?xml version="1.0" encoding="utf-8"?>
+<file path=ppt/slides/slide47.xml><?xml version="1.0" encoding="utf-8"?>
 <p:sld xmlns:a="http://schemas.openxmlformats.org/drawingml/2006/main" xmlns:r="http://schemas.openxmlformats.org/officeDocument/2006/relationships" xmlns:p="http://schemas.openxmlformats.org/presentationml/2006/main">
   <p:cSld>
     <p:spTree>
